--- a/asset/Learn/ITA-online-install_en.pptx
+++ b/asset/Learn/ITA-online-install_en.pptx
@@ -332,7 +332,7 @@
               <a:rPr kumimoji="1" lang="ja-JP" altLang="en-US" smtClean="0">
                 <a:ea typeface="メイリオ" panose="020B0604030504040204" pitchFamily="50" charset="-128"/>
               </a:rPr>
-              <a:t>2019/7/22</a:t>
+              <a:t>2019/7/30</a:t>
             </a:fld>
             <a:endParaRPr kumimoji="1" lang="ja-JP" altLang="en-US" dirty="0">
               <a:ea typeface="メイリオ" panose="020B0604030504040204" pitchFamily="50" charset="-128"/>
@@ -478,7 +478,7 @@
             <a:fld id="{4B26993D-C081-44EB-B0F5-A9F467792B62}" type="datetimeFigureOut">
               <a:rPr lang="ja-JP" altLang="en-US" smtClean="0"/>
               <a:pPr/>
-              <a:t>2019/7/22</a:t>
+              <a:t>2019/7/30</a:t>
             </a:fld>
             <a:endParaRPr lang="ja-JP" altLang="en-US" dirty="0"/>
           </a:p>
@@ -1101,7 +1101,7 @@
           <a:p>
             <a:fld id="{56F9016B-CCA6-43BE-8BEE-59565A35F4F7}" type="datetimeFigureOut">
               <a:rPr kumimoji="1" lang="ja-JP" altLang="en-US" smtClean="0"/>
-              <a:t>2019/7/22</a:t>
+              <a:t>2019/7/30</a:t>
             </a:fld>
             <a:endParaRPr kumimoji="1" lang="ja-JP" altLang="en-US"/>
           </a:p>
@@ -1303,7 +1303,7 @@
           <a:p>
             <a:fld id="{56F9016B-CCA6-43BE-8BEE-59565A35F4F7}" type="datetimeFigureOut">
               <a:rPr kumimoji="1" lang="ja-JP" altLang="en-US" smtClean="0"/>
-              <a:t>2019/7/22</a:t>
+              <a:t>2019/7/30</a:t>
             </a:fld>
             <a:endParaRPr kumimoji="1" lang="ja-JP" altLang="en-US"/>
           </a:p>
@@ -1549,7 +1549,7 @@
           <a:p>
             <a:fld id="{56F9016B-CCA6-43BE-8BEE-59565A35F4F7}" type="datetimeFigureOut">
               <a:rPr kumimoji="1" lang="ja-JP" altLang="en-US" smtClean="0"/>
-              <a:t>2019/7/22</a:t>
+              <a:t>2019/7/30</a:t>
             </a:fld>
             <a:endParaRPr kumimoji="1" lang="ja-JP" altLang="en-US"/>
           </a:p>
@@ -1845,7 +1845,7 @@
           <a:p>
             <a:fld id="{56F9016B-CCA6-43BE-8BEE-59565A35F4F7}" type="datetimeFigureOut">
               <a:rPr kumimoji="1" lang="ja-JP" altLang="en-US" smtClean="0"/>
-              <a:t>2019/7/22</a:t>
+              <a:t>2019/7/30</a:t>
             </a:fld>
             <a:endParaRPr kumimoji="1" lang="ja-JP" altLang="en-US"/>
           </a:p>
@@ -2276,7 +2276,7 @@
           <a:p>
             <a:fld id="{56F9016B-CCA6-43BE-8BEE-59565A35F4F7}" type="datetimeFigureOut">
               <a:rPr kumimoji="1" lang="ja-JP" altLang="en-US" smtClean="0"/>
-              <a:t>2019/7/22</a:t>
+              <a:t>2019/7/30</a:t>
             </a:fld>
             <a:endParaRPr kumimoji="1" lang="ja-JP" altLang="en-US"/>
           </a:p>
@@ -2394,7 +2394,7 @@
           <a:p>
             <a:fld id="{56F9016B-CCA6-43BE-8BEE-59565A35F4F7}" type="datetimeFigureOut">
               <a:rPr kumimoji="1" lang="ja-JP" altLang="en-US" smtClean="0"/>
-              <a:t>2019/7/22</a:t>
+              <a:t>2019/7/30</a:t>
             </a:fld>
             <a:endParaRPr kumimoji="1" lang="ja-JP" altLang="en-US"/>
           </a:p>
@@ -2489,7 +2489,7 @@
           <a:p>
             <a:fld id="{56F9016B-CCA6-43BE-8BEE-59565A35F4F7}" type="datetimeFigureOut">
               <a:rPr kumimoji="1" lang="ja-JP" altLang="en-US" smtClean="0"/>
-              <a:t>2019/7/22</a:t>
+              <a:t>2019/7/30</a:t>
             </a:fld>
             <a:endParaRPr kumimoji="1" lang="ja-JP" altLang="en-US"/>
           </a:p>
@@ -2798,7 +2798,7 @@
           <a:p>
             <a:fld id="{56F9016B-CCA6-43BE-8BEE-59565A35F4F7}" type="datetimeFigureOut">
               <a:rPr kumimoji="1" lang="ja-JP" altLang="en-US" smtClean="0"/>
-              <a:t>2019/7/22</a:t>
+              <a:t>2019/7/30</a:t>
             </a:fld>
             <a:endParaRPr kumimoji="1" lang="ja-JP" altLang="en-US"/>
           </a:p>
@@ -3051,7 +3051,7 @@
           <a:p>
             <a:fld id="{56F9016B-CCA6-43BE-8BEE-59565A35F4F7}" type="datetimeFigureOut">
               <a:rPr kumimoji="1" lang="ja-JP" altLang="en-US" smtClean="0"/>
-              <a:t>2019/7/22</a:t>
+              <a:t>2019/7/30</a:t>
             </a:fld>
             <a:endParaRPr kumimoji="1" lang="ja-JP" altLang="en-US"/>
           </a:p>
@@ -3328,7 +3328,7 @@
           <a:p>
             <a:fld id="{56F9016B-CCA6-43BE-8BEE-59565A35F4F7}" type="datetimeFigureOut">
               <a:rPr kumimoji="1" lang="ja-JP" altLang="en-US" smtClean="0"/>
-              <a:t>2019/7/22</a:t>
+              <a:t>2019/7/30</a:t>
             </a:fld>
             <a:endParaRPr kumimoji="1" lang="ja-JP" altLang="en-US"/>
           </a:p>
@@ -3540,7 +3540,7 @@
           <a:p>
             <a:fld id="{56F9016B-CCA6-43BE-8BEE-59565A35F4F7}" type="datetimeFigureOut">
               <a:rPr kumimoji="1" lang="ja-JP" altLang="en-US" smtClean="0"/>
-              <a:t>2019/7/22</a:t>
+              <a:t>2019/7/30</a:t>
             </a:fld>
             <a:endParaRPr kumimoji="1" lang="ja-JP" altLang="en-US"/>
           </a:p>
@@ -6599,7 +6599,7 @@
           <a:p>
             <a:fld id="{56F9016B-CCA6-43BE-8BEE-59565A35F4F7}" type="datetimeFigureOut">
               <a:rPr kumimoji="1" lang="ja-JP" altLang="en-US" smtClean="0"/>
-              <a:t>2019/7/22</a:t>
+              <a:t>2019/7/30</a:t>
             </a:fld>
             <a:endParaRPr kumimoji="1" lang="ja-JP" altLang="en-US"/>
           </a:p>
@@ -11283,12 +11283,12 @@
               <a:t>https://</a:t>
             </a:r>
             <a:r>
-              <a:rPr lang="en-US" altLang="ja-JP" sz="1400" dirty="0" smtClean="0">
-                <a:latin typeface="Segoe UI" panose="020B0502040204020203" pitchFamily="34" charset="0"/>
-                <a:ea typeface="Segoe UI" panose="020B0502040204020203" pitchFamily="34" charset="0"/>
-                <a:cs typeface="Segoe UI" panose="020B0502040204020203" pitchFamily="34" charset="0"/>
-              </a:rPr>
-              <a:t>github.com/exastro-series/it-automation/archive/v</a:t>
+              <a:rPr lang="en-US" altLang="ja-JP" sz="1400" dirty="0">
+                <a:latin typeface="Segoe UI" panose="020B0502040204020203" pitchFamily="34" charset="0"/>
+                <a:ea typeface="Segoe UI" panose="020B0502040204020203" pitchFamily="34" charset="0"/>
+                <a:cs typeface="Segoe UI" panose="020B0502040204020203" pitchFamily="34" charset="0"/>
+              </a:rPr>
+              <a:t>github.com/exastro-suite/it-automation/archive/v</a:t>
             </a:r>
             <a:r>
               <a:rPr lang="en-US" altLang="ja-JP" sz="1400" dirty="0" smtClean="0">

--- a/asset/Learn/ITA-online-install_en.pptx
+++ b/asset/Learn/ITA-online-install_en.pptx
@@ -332,7 +332,7 @@
               <a:rPr kumimoji="1" lang="ja-JP" altLang="en-US" smtClean="0">
                 <a:ea typeface="メイリオ" panose="020B0604030504040204" pitchFamily="50" charset="-128"/>
               </a:rPr>
-              <a:t>2019/7/30</a:t>
+              <a:t>2019/11/5</a:t>
             </a:fld>
             <a:endParaRPr kumimoji="1" lang="ja-JP" altLang="en-US" dirty="0">
               <a:ea typeface="メイリオ" panose="020B0604030504040204" pitchFamily="50" charset="-128"/>
@@ -478,7 +478,7 @@
             <a:fld id="{4B26993D-C081-44EB-B0F5-A9F467792B62}" type="datetimeFigureOut">
               <a:rPr lang="ja-JP" altLang="en-US" smtClean="0"/>
               <a:pPr/>
-              <a:t>2019/7/30</a:t>
+              <a:t>2019/11/5</a:t>
             </a:fld>
             <a:endParaRPr lang="ja-JP" altLang="en-US" dirty="0"/>
           </a:p>
@@ -1101,7 +1101,7 @@
           <a:p>
             <a:fld id="{56F9016B-CCA6-43BE-8BEE-59565A35F4F7}" type="datetimeFigureOut">
               <a:rPr kumimoji="1" lang="ja-JP" altLang="en-US" smtClean="0"/>
-              <a:t>2019/7/30</a:t>
+              <a:t>2019/11/5</a:t>
             </a:fld>
             <a:endParaRPr kumimoji="1" lang="ja-JP" altLang="en-US"/>
           </a:p>
@@ -1303,7 +1303,7 @@
           <a:p>
             <a:fld id="{56F9016B-CCA6-43BE-8BEE-59565A35F4F7}" type="datetimeFigureOut">
               <a:rPr kumimoji="1" lang="ja-JP" altLang="en-US" smtClean="0"/>
-              <a:t>2019/7/30</a:t>
+              <a:t>2019/11/5</a:t>
             </a:fld>
             <a:endParaRPr kumimoji="1" lang="ja-JP" altLang="en-US"/>
           </a:p>
@@ -1549,7 +1549,7 @@
           <a:p>
             <a:fld id="{56F9016B-CCA6-43BE-8BEE-59565A35F4F7}" type="datetimeFigureOut">
               <a:rPr kumimoji="1" lang="ja-JP" altLang="en-US" smtClean="0"/>
-              <a:t>2019/7/30</a:t>
+              <a:t>2019/11/5</a:t>
             </a:fld>
             <a:endParaRPr kumimoji="1" lang="ja-JP" altLang="en-US"/>
           </a:p>
@@ -1845,7 +1845,7 @@
           <a:p>
             <a:fld id="{56F9016B-CCA6-43BE-8BEE-59565A35F4F7}" type="datetimeFigureOut">
               <a:rPr kumimoji="1" lang="ja-JP" altLang="en-US" smtClean="0"/>
-              <a:t>2019/7/30</a:t>
+              <a:t>2019/11/5</a:t>
             </a:fld>
             <a:endParaRPr kumimoji="1" lang="ja-JP" altLang="en-US"/>
           </a:p>
@@ -2276,7 +2276,7 @@
           <a:p>
             <a:fld id="{56F9016B-CCA6-43BE-8BEE-59565A35F4F7}" type="datetimeFigureOut">
               <a:rPr kumimoji="1" lang="ja-JP" altLang="en-US" smtClean="0"/>
-              <a:t>2019/7/30</a:t>
+              <a:t>2019/11/5</a:t>
             </a:fld>
             <a:endParaRPr kumimoji="1" lang="ja-JP" altLang="en-US"/>
           </a:p>
@@ -2394,7 +2394,7 @@
           <a:p>
             <a:fld id="{56F9016B-CCA6-43BE-8BEE-59565A35F4F7}" type="datetimeFigureOut">
               <a:rPr kumimoji="1" lang="ja-JP" altLang="en-US" smtClean="0"/>
-              <a:t>2019/7/30</a:t>
+              <a:t>2019/11/5</a:t>
             </a:fld>
             <a:endParaRPr kumimoji="1" lang="ja-JP" altLang="en-US"/>
           </a:p>
@@ -2489,7 +2489,7 @@
           <a:p>
             <a:fld id="{56F9016B-CCA6-43BE-8BEE-59565A35F4F7}" type="datetimeFigureOut">
               <a:rPr kumimoji="1" lang="ja-JP" altLang="en-US" smtClean="0"/>
-              <a:t>2019/7/30</a:t>
+              <a:t>2019/11/5</a:t>
             </a:fld>
             <a:endParaRPr kumimoji="1" lang="ja-JP" altLang="en-US"/>
           </a:p>
@@ -2798,7 +2798,7 @@
           <a:p>
             <a:fld id="{56F9016B-CCA6-43BE-8BEE-59565A35F4F7}" type="datetimeFigureOut">
               <a:rPr kumimoji="1" lang="ja-JP" altLang="en-US" smtClean="0"/>
-              <a:t>2019/7/30</a:t>
+              <a:t>2019/11/5</a:t>
             </a:fld>
             <a:endParaRPr kumimoji="1" lang="ja-JP" altLang="en-US"/>
           </a:p>
@@ -3051,7 +3051,7 @@
           <a:p>
             <a:fld id="{56F9016B-CCA6-43BE-8BEE-59565A35F4F7}" type="datetimeFigureOut">
               <a:rPr kumimoji="1" lang="ja-JP" altLang="en-US" smtClean="0"/>
-              <a:t>2019/7/30</a:t>
+              <a:t>2019/11/5</a:t>
             </a:fld>
             <a:endParaRPr kumimoji="1" lang="ja-JP" altLang="en-US"/>
           </a:p>
@@ -3328,7 +3328,7 @@
           <a:p>
             <a:fld id="{56F9016B-CCA6-43BE-8BEE-59565A35F4F7}" type="datetimeFigureOut">
               <a:rPr kumimoji="1" lang="ja-JP" altLang="en-US" smtClean="0"/>
-              <a:t>2019/7/30</a:t>
+              <a:t>2019/11/5</a:t>
             </a:fld>
             <a:endParaRPr kumimoji="1" lang="ja-JP" altLang="en-US"/>
           </a:p>
@@ -3540,7 +3540,7 @@
           <a:p>
             <a:fld id="{56F9016B-CCA6-43BE-8BEE-59565A35F4F7}" type="datetimeFigureOut">
               <a:rPr kumimoji="1" lang="ja-JP" altLang="en-US" smtClean="0"/>
-              <a:t>2019/7/30</a:t>
+              <a:t>2019/11/5</a:t>
             </a:fld>
             <a:endParaRPr kumimoji="1" lang="ja-JP" altLang="en-US"/>
           </a:p>
@@ -6599,7 +6599,7 @@
           <a:p>
             <a:fld id="{56F9016B-CCA6-43BE-8BEE-59565A35F4F7}" type="datetimeFigureOut">
               <a:rPr kumimoji="1" lang="ja-JP" altLang="en-US" smtClean="0"/>
-              <a:t>2019/7/30</a:t>
+              <a:t>2019/11/5</a:t>
             </a:fld>
             <a:endParaRPr kumimoji="1" lang="ja-JP" altLang="en-US"/>
           </a:p>
@@ -7045,7 +7045,7 @@
                 <a:ea typeface="Segoe UI" panose="020B0502040204020203" pitchFamily="34" charset="0"/>
                 <a:cs typeface="Segoe UI" panose="020B0502040204020203" pitchFamily="34" charset="0"/>
               </a:rPr>
-              <a:t>1.1</a:t>
+              <a:t>1.2</a:t>
             </a:r>
             <a:endParaRPr lang="en-US" altLang="ja-JP" dirty="0">
               <a:latin typeface="Segoe UI" panose="020B0502040204020203" pitchFamily="34" charset="0"/>
@@ -7691,7 +7691,11 @@
             <a:graphicFrameLocks noGrp="1"/>
           </p:cNvGraphicFramePr>
           <p:nvPr>
-            <p:extLst/>
+            <p:extLst>
+              <p:ext uri="{D42A27DB-BD31-4B8C-83A1-F6EECF244321}">
+                <p14:modId xmlns:p14="http://schemas.microsoft.com/office/powerpoint/2010/main" val="3620154875"/>
+              </p:ext>
+            </p:extLst>
           </p:nvPr>
         </p:nvGraphicFramePr>
         <p:xfrm>
@@ -7708,14 +7712,14 @@
                 <a:gridCol w="1000443">
                   <a:extLst>
                     <a:ext uri="{9D8B030D-6E8A-4147-A177-3AD203B41FA5}">
-                      <a16:colId xmlns:a16="http://schemas.microsoft.com/office/drawing/2014/main" val="20000"/>
+                      <a16:colId xmlns:a16="http://schemas.microsoft.com/office/drawing/2014/main" xmlns="" val="20000"/>
                     </a:ext>
                   </a:extLst>
                 </a:gridCol>
                 <a:gridCol w="7538455">
                   <a:extLst>
                     <a:ext uri="{9D8B030D-6E8A-4147-A177-3AD203B41FA5}">
-                      <a16:colId xmlns:a16="http://schemas.microsoft.com/office/drawing/2014/main" val="20001"/>
+                      <a16:colId xmlns:a16="http://schemas.microsoft.com/office/drawing/2014/main" xmlns="" val="20001"/>
                     </a:ext>
                   </a:extLst>
                 </a:gridCol>
@@ -7773,7 +7777,7 @@
                 </a:tc>
                 <a:extLst>
                   <a:ext uri="{0D108BD9-81ED-4DB2-BD59-A6C34878D82A}">
-                    <a16:rowId xmlns:a16="http://schemas.microsoft.com/office/drawing/2014/main" val="10000"/>
+                    <a16:rowId xmlns:a16="http://schemas.microsoft.com/office/drawing/2014/main" xmlns="" val="10000"/>
                   </a:ext>
                 </a:extLst>
               </a:tr>
@@ -7847,7 +7851,7 @@
                 </a:tc>
                 <a:extLst>
                   <a:ext uri="{0D108BD9-81ED-4DB2-BD59-A6C34878D82A}">
-                    <a16:rowId xmlns:a16="http://schemas.microsoft.com/office/drawing/2014/main" val="10001"/>
+                    <a16:rowId xmlns:a16="http://schemas.microsoft.com/office/drawing/2014/main" xmlns="" val="10001"/>
                   </a:ext>
                 </a:extLst>
               </a:tr>
@@ -7893,7 +7897,7 @@
                           <a:ea typeface="Segoe UI" panose="020B0502040204020203" pitchFamily="34" charset="0"/>
                           <a:cs typeface="Segoe UI" panose="020B0502040204020203" pitchFamily="34" charset="0"/>
                         </a:rPr>
-                        <a:t>https://repo.mysql.com/mysql57-community-release-el7-11.noarch.rpm</a:t>
+                        <a:t>https://downloads.mariadb.com/MariaDB/mariadb_repo_setup</a:t>
                       </a:r>
                     </a:p>
                   </a:txBody>
@@ -7923,7 +7927,7 @@
                 </a:tc>
                 <a:extLst>
                   <a:ext uri="{0D108BD9-81ED-4DB2-BD59-A6C34878D82A}">
-                    <a16:rowId xmlns:a16="http://schemas.microsoft.com/office/drawing/2014/main" val="10002"/>
+                    <a16:rowId xmlns:a16="http://schemas.microsoft.com/office/drawing/2014/main" xmlns="" val="10002"/>
                   </a:ext>
                 </a:extLst>
               </a:tr>
@@ -7991,7 +7995,7 @@
                 </a:tc>
                 <a:extLst>
                   <a:ext uri="{0D108BD9-81ED-4DB2-BD59-A6C34878D82A}">
-                    <a16:rowId xmlns:a16="http://schemas.microsoft.com/office/drawing/2014/main" val="10003"/>
+                    <a16:rowId xmlns:a16="http://schemas.microsoft.com/office/drawing/2014/main" xmlns="" val="10003"/>
                   </a:ext>
                 </a:extLst>
               </a:tr>
@@ -8060,7 +8064,7 @@
                 </a:tc>
                 <a:extLst>
                   <a:ext uri="{0D108BD9-81ED-4DB2-BD59-A6C34878D82A}">
-                    <a16:rowId xmlns:a16="http://schemas.microsoft.com/office/drawing/2014/main" val="10004"/>
+                    <a16:rowId xmlns:a16="http://schemas.microsoft.com/office/drawing/2014/main" xmlns="" val="10004"/>
                   </a:ext>
                 </a:extLst>
               </a:tr>
@@ -8080,13 +8084,213 @@
                     <a:bodyPr/>
                     <a:lstStyle/>
                     <a:p>
+                      <a:pPr marL="0" marR="0" lvl="0" indent="0" algn="l" defTabSz="914400" rtl="0" eaLnBrk="1" fontAlgn="auto" latinLnBrk="0" hangingPunct="1">
+                        <a:lnSpc>
+                          <a:spcPct val="100000"/>
+                        </a:lnSpc>
+                        <a:spcBef>
+                          <a:spcPts val="0"/>
+                        </a:spcBef>
+                        <a:spcAft>
+                          <a:spcPts val="0"/>
+                        </a:spcAft>
+                        <a:buClrTx/>
+                        <a:buSzTx/>
+                        <a:buFontTx/>
+                        <a:buNone/>
+                        <a:tabLst/>
+                        <a:defRPr/>
+                      </a:pPr>
+                      <a:r>
+                        <a:rPr kumimoji="1" lang="en-US" altLang="ja-JP" sz="1200" b="1" i="0" u="none" strike="noStrike" kern="1200" baseline="0" dirty="0" smtClean="0">
+                          <a:solidFill>
+                            <a:schemeClr val="dk1"/>
+                          </a:solidFill>
+                          <a:latin typeface="Segoe UI" panose="020B0502040204020203" pitchFamily="34" charset="0"/>
+                          <a:ea typeface="Segoe UI" panose="020B0502040204020203" pitchFamily="34" charset="0"/>
+                          <a:cs typeface="Segoe UI" panose="020B0502040204020203" pitchFamily="34" charset="0"/>
+                        </a:rPr>
+                        <a:t>https://downloads.mariadb.com/MariaDB/mariadb_repo_setup</a:t>
+                      </a:r>
+                    </a:p>
+                  </a:txBody>
+                  <a:tcPr>
+                    <a:lnT w="12700" cap="flat" cmpd="sng" algn="ctr">
+                      <a:solidFill>
+                        <a:schemeClr val="bg1"/>
+                      </a:solidFill>
+                      <a:prstDash val="solid"/>
+                      <a:round/>
+                      <a:headEnd type="none" w="med" len="med"/>
+                      <a:tailEnd type="none" w="med" len="med"/>
+                    </a:lnT>
+                    <a:lnB w="12700" cap="flat" cmpd="sng" algn="ctr">
+                      <a:solidFill>
+                        <a:schemeClr val="bg1"/>
+                      </a:solidFill>
+                      <a:prstDash val="solid"/>
+                      <a:round/>
+                      <a:headEnd type="none" w="med" len="med"/>
+                      <a:tailEnd type="none" w="med" len="med"/>
+                    </a:lnB>
+                  </a:tcPr>
+                </a:tc>
+                <a:extLst>
+                  <a:ext uri="{0D108BD9-81ED-4DB2-BD59-A6C34878D82A}">
+                    <a16:rowId xmlns:a16="http://schemas.microsoft.com/office/drawing/2014/main" xmlns="" val="10005"/>
+                  </a:ext>
+                </a:extLst>
+              </a:tr>
+              <a:tr h="152400">
+                <a:tc vMerge="1">
+                  <a:txBody>
+                    <a:bodyPr/>
+                    <a:lstStyle/>
+                    <a:p>
+                      <a:endParaRPr kumimoji="1" lang="ja-JP" altLang="en-US"/>
+                    </a:p>
+                  </a:txBody>
+                  <a:tcPr/>
+                </a:tc>
+                <a:tc>
+                  <a:txBody>
+                    <a:bodyPr/>
+                    <a:lstStyle/>
+                    <a:p>
                       <a:r>
                         <a:rPr kumimoji="1" lang="en-US" altLang="ja-JP" sz="1200" b="1" dirty="0" smtClean="0">
                           <a:latin typeface="Segoe UI" panose="020B0502040204020203" pitchFamily="34" charset="0"/>
                           <a:ea typeface="Segoe UI" panose="020B0502040204020203" pitchFamily="34" charset="0"/>
                           <a:cs typeface="Segoe UI" panose="020B0502040204020203" pitchFamily="34" charset="0"/>
                         </a:rPr>
-                        <a:t>https://repo.mysql.com/mysql57-community-release-el6-11.noarch.rpm</a:t>
+                        <a:t>http://rpms.remirepo.net/enterprise/remi-release-6.rpm</a:t>
+                      </a:r>
+                      <a:endParaRPr kumimoji="1" lang="ja-JP" altLang="en-US" sz="1200" b="1" dirty="0">
+                        <a:latin typeface="Segoe UI" panose="020B0502040204020203" pitchFamily="34" charset="0"/>
+                        <a:cs typeface="Segoe UI" panose="020B0502040204020203" pitchFamily="34" charset="0"/>
+                      </a:endParaRPr>
+                    </a:p>
+                  </a:txBody>
+                  <a:tcPr>
+                    <a:lnT w="12700" cap="flat" cmpd="sng" algn="ctr">
+                      <a:solidFill>
+                        <a:schemeClr val="bg1"/>
+                      </a:solidFill>
+                      <a:prstDash val="solid"/>
+                      <a:round/>
+                      <a:headEnd type="none" w="med" len="med"/>
+                      <a:tailEnd type="none" w="med" len="med"/>
+                    </a:lnT>
+                  </a:tcPr>
+                </a:tc>
+                <a:extLst>
+                  <a:ext uri="{0D108BD9-81ED-4DB2-BD59-A6C34878D82A}">
+                    <a16:rowId xmlns:a16="http://schemas.microsoft.com/office/drawing/2014/main" xmlns="" val="10006"/>
+                  </a:ext>
+                </a:extLst>
+              </a:tr>
+              <a:tr h="185420">
+                <a:tc rowSpan="3">
+                  <a:txBody>
+                    <a:bodyPr/>
+                    <a:lstStyle/>
+                    <a:p>
+                      <a:r>
+                        <a:rPr kumimoji="1" lang="en-US" altLang="ja-JP" sz="1200" b="1" dirty="0" smtClean="0">
+                          <a:latin typeface="Segoe UI" panose="020B0502040204020203" pitchFamily="34" charset="0"/>
+                          <a:ea typeface="Segoe UI" panose="020B0502040204020203" pitchFamily="34" charset="0"/>
+                          <a:cs typeface="Segoe UI" panose="020B0502040204020203" pitchFamily="34" charset="0"/>
+                        </a:rPr>
+                        <a:t>CentOS 7</a:t>
+                      </a:r>
+                      <a:endParaRPr kumimoji="1" lang="ja-JP" altLang="en-US" sz="1200" b="1" dirty="0">
+                        <a:latin typeface="Segoe UI" panose="020B0502040204020203" pitchFamily="34" charset="0"/>
+                        <a:cs typeface="Segoe UI" panose="020B0502040204020203" pitchFamily="34" charset="0"/>
+                      </a:endParaRPr>
+                    </a:p>
+                  </a:txBody>
+                  <a:tcPr anchor="ctr"/>
+                </a:tc>
+                <a:tc>
+                  <a:txBody>
+                    <a:bodyPr/>
+                    <a:lstStyle/>
+                    <a:p>
+                      <a:r>
+                        <a:rPr kumimoji="1" lang="en-US" altLang="ja-JP" sz="1200" b="1" dirty="0" smtClean="0">
+                          <a:latin typeface="Segoe UI" panose="020B0502040204020203" pitchFamily="34" charset="0"/>
+                          <a:ea typeface="Segoe UI" panose="020B0502040204020203" pitchFamily="34" charset="0"/>
+                          <a:cs typeface="Segoe UI" panose="020B0502040204020203" pitchFamily="34" charset="0"/>
+                        </a:rPr>
+                        <a:t>epel-release</a:t>
+                      </a:r>
+                      <a:endParaRPr kumimoji="1" lang="ja-JP" altLang="en-US" sz="1200" b="1" dirty="0">
+                        <a:latin typeface="Segoe UI" panose="020B0502040204020203" pitchFamily="34" charset="0"/>
+                        <a:cs typeface="Segoe UI" panose="020B0502040204020203" pitchFamily="34" charset="0"/>
+                      </a:endParaRPr>
+                    </a:p>
+                  </a:txBody>
+                  <a:tcPr>
+                    <a:lnB w="12700" cap="flat" cmpd="sng" algn="ctr">
+                      <a:solidFill>
+                        <a:schemeClr val="bg1"/>
+                      </a:solidFill>
+                      <a:prstDash val="solid"/>
+                      <a:round/>
+                      <a:headEnd type="none" w="med" len="med"/>
+                      <a:tailEnd type="none" w="med" len="med"/>
+                    </a:lnB>
+                  </a:tcPr>
+                </a:tc>
+                <a:extLst>
+                  <a:ext uri="{0D108BD9-81ED-4DB2-BD59-A6C34878D82A}">
+                    <a16:rowId xmlns:a16="http://schemas.microsoft.com/office/drawing/2014/main" xmlns="" val="10007"/>
+                  </a:ext>
+                </a:extLst>
+              </a:tr>
+              <a:tr h="152400">
+                <a:tc vMerge="1">
+                  <a:txBody>
+                    <a:bodyPr/>
+                    <a:lstStyle/>
+                    <a:p>
+                      <a:endParaRPr kumimoji="1" lang="ja-JP" altLang="en-US"/>
+                    </a:p>
+                  </a:txBody>
+                  <a:tcPr/>
+                </a:tc>
+                <a:tc>
+                  <a:txBody>
+                    <a:bodyPr/>
+                    <a:lstStyle/>
+                    <a:p>
+                      <a:pPr marL="0" marR="0" lvl="0" indent="0" algn="l" defTabSz="914400" rtl="0" eaLnBrk="1" fontAlgn="auto" latinLnBrk="0" hangingPunct="1">
+                        <a:lnSpc>
+                          <a:spcPct val="100000"/>
+                        </a:lnSpc>
+                        <a:spcBef>
+                          <a:spcPts val="0"/>
+                        </a:spcBef>
+                        <a:spcAft>
+                          <a:spcPts val="0"/>
+                        </a:spcAft>
+                        <a:buClrTx/>
+                        <a:buSzTx/>
+                        <a:buFontTx/>
+                        <a:buNone/>
+                        <a:tabLst/>
+                        <a:defRPr/>
+                      </a:pPr>
+                      <a:r>
+                        <a:rPr kumimoji="1" lang="en-US" altLang="ja-JP" sz="1200" b="1" i="0" u="none" strike="noStrike" kern="1200" baseline="0" dirty="0" smtClean="0">
+                          <a:solidFill>
+                            <a:schemeClr val="dk1"/>
+                          </a:solidFill>
+                          <a:latin typeface="Segoe UI" panose="020B0502040204020203" pitchFamily="34" charset="0"/>
+                          <a:ea typeface="Segoe UI" panose="020B0502040204020203" pitchFamily="34" charset="0"/>
+                          <a:cs typeface="Segoe UI" panose="020B0502040204020203" pitchFamily="34" charset="0"/>
+                        </a:rPr>
+                        <a:t>https://downloads.mariadb.com/MariaDB/mariadb_repo_setup</a:t>
                       </a:r>
                       <a:endParaRPr kumimoji="1" lang="ja-JP" altLang="en-US" sz="1200" b="1" dirty="0">
                         <a:latin typeface="Segoe UI" panose="020B0502040204020203" pitchFamily="34" charset="0"/>
@@ -8117,7 +8321,7 @@
                 </a:tc>
                 <a:extLst>
                   <a:ext uri="{0D108BD9-81ED-4DB2-BD59-A6C34878D82A}">
-                    <a16:rowId xmlns:a16="http://schemas.microsoft.com/office/drawing/2014/main" val="10005"/>
+                    <a16:rowId xmlns:a16="http://schemas.microsoft.com/office/drawing/2014/main" xmlns="" val="10008"/>
                   </a:ext>
                 </a:extLst>
               </a:tr>
@@ -8143,7 +8347,7 @@
                           <a:ea typeface="Segoe UI" panose="020B0502040204020203" pitchFamily="34" charset="0"/>
                           <a:cs typeface="Segoe UI" panose="020B0502040204020203" pitchFamily="34" charset="0"/>
                         </a:rPr>
-                        <a:t>http://rpms.remirepo.net/enterprise/remi-release-6.rpm</a:t>
+                        <a:t>http://rpms.remirepo.net/enterprise/remi-release-7.rpm</a:t>
                       </a:r>
                       <a:endParaRPr kumimoji="1" lang="ja-JP" altLang="en-US" sz="1200" b="1" dirty="0">
                         <a:latin typeface="Segoe UI" panose="020B0502040204020203" pitchFamily="34" charset="0"/>
@@ -8165,7 +8369,7 @@
                 </a:tc>
                 <a:extLst>
                   <a:ext uri="{0D108BD9-81ED-4DB2-BD59-A6C34878D82A}">
-                    <a16:rowId xmlns:a16="http://schemas.microsoft.com/office/drawing/2014/main" val="10006"/>
+                    <a16:rowId xmlns:a16="http://schemas.microsoft.com/office/drawing/2014/main" xmlns="" val="10009"/>
                   </a:ext>
                 </a:extLst>
               </a:tr>
@@ -8181,7 +8385,7 @@
                           <a:ea typeface="Segoe UI" panose="020B0502040204020203" pitchFamily="34" charset="0"/>
                           <a:cs typeface="Segoe UI" panose="020B0502040204020203" pitchFamily="34" charset="0"/>
                         </a:rPr>
-                        <a:t>CentOS 7</a:t>
+                        <a:t>CentOS 6</a:t>
                       </a:r>
                       <a:endParaRPr kumimoji="1" lang="ja-JP" altLang="en-US" sz="1200" b="1" dirty="0">
                         <a:latin typeface="Segoe UI" panose="020B0502040204020203" pitchFamily="34" charset="0"/>
@@ -8224,7 +8428,7 @@
                 </a:tc>
                 <a:extLst>
                   <a:ext uri="{0D108BD9-81ED-4DB2-BD59-A6C34878D82A}">
-                    <a16:rowId xmlns:a16="http://schemas.microsoft.com/office/drawing/2014/main" val="10007"/>
+                    <a16:rowId xmlns:a16="http://schemas.microsoft.com/office/drawing/2014/main" xmlns="" val="10010"/>
                   </a:ext>
                 </a:extLst>
               </a:tr>
@@ -8244,18 +8448,34 @@
                     <a:bodyPr/>
                     <a:lstStyle/>
                     <a:p>
-                      <a:r>
-                        <a:rPr kumimoji="1" lang="en-US" altLang="ja-JP" sz="1200" b="1" dirty="0" smtClean="0">
-                          <a:latin typeface="Segoe UI" panose="020B0502040204020203" pitchFamily="34" charset="0"/>
-                          <a:ea typeface="Segoe UI" panose="020B0502040204020203" pitchFamily="34" charset="0"/>
-                          <a:cs typeface="Segoe UI" panose="020B0502040204020203" pitchFamily="34" charset="0"/>
-                        </a:rPr>
-                        <a:t>https://repo.mysql.com/mysql57-community-release-el7-11.noarch.rpm</a:t>
-                      </a:r>
-                      <a:endParaRPr kumimoji="1" lang="ja-JP" altLang="en-US" sz="1200" b="1" dirty="0">
-                        <a:latin typeface="Segoe UI" panose="020B0502040204020203" pitchFamily="34" charset="0"/>
-                        <a:cs typeface="Segoe UI" panose="020B0502040204020203" pitchFamily="34" charset="0"/>
-                      </a:endParaRPr>
+                      <a:pPr marL="0" marR="0" lvl="0" indent="0" algn="l" defTabSz="914400" rtl="0" eaLnBrk="1" fontAlgn="auto" latinLnBrk="0" hangingPunct="1">
+                        <a:lnSpc>
+                          <a:spcPct val="100000"/>
+                        </a:lnSpc>
+                        <a:spcBef>
+                          <a:spcPts val="0"/>
+                        </a:spcBef>
+                        <a:spcAft>
+                          <a:spcPts val="0"/>
+                        </a:spcAft>
+                        <a:buClrTx/>
+                        <a:buSzTx/>
+                        <a:buFontTx/>
+                        <a:buNone/>
+                        <a:tabLst/>
+                        <a:defRPr/>
+                      </a:pPr>
+                      <a:r>
+                        <a:rPr kumimoji="1" lang="en-US" altLang="ja-JP" sz="1200" b="1" i="0" u="none" strike="noStrike" kern="1200" baseline="0" dirty="0" smtClean="0">
+                          <a:solidFill>
+                            <a:schemeClr val="dk1"/>
+                          </a:solidFill>
+                          <a:latin typeface="Segoe UI" panose="020B0502040204020203" pitchFamily="34" charset="0"/>
+                          <a:ea typeface="Segoe UI" panose="020B0502040204020203" pitchFamily="34" charset="0"/>
+                          <a:cs typeface="Segoe UI" panose="020B0502040204020203" pitchFamily="34" charset="0"/>
+                        </a:rPr>
+                        <a:t>https://downloads.mariadb.com/MariaDB/mariadb_repo_setup</a:t>
+                      </a:r>
                     </a:p>
                   </a:txBody>
                   <a:tcPr>
@@ -8281,7 +8501,7 @@
                 </a:tc>
                 <a:extLst>
                   <a:ext uri="{0D108BD9-81ED-4DB2-BD59-A6C34878D82A}">
-                    <a16:rowId xmlns:a16="http://schemas.microsoft.com/office/drawing/2014/main" val="10008"/>
+                    <a16:rowId xmlns:a16="http://schemas.microsoft.com/office/drawing/2014/main" xmlns="" val="10011"/>
                   </a:ext>
                 </a:extLst>
               </a:tr>
@@ -8307,7 +8527,7 @@
                           <a:ea typeface="Segoe UI" panose="020B0502040204020203" pitchFamily="34" charset="0"/>
                           <a:cs typeface="Segoe UI" panose="020B0502040204020203" pitchFamily="34" charset="0"/>
                         </a:rPr>
-                        <a:t>http://rpms.remirepo.net/enterprise/remi-release-7.rpm</a:t>
+                        <a:t>http://rpms.remirepo.net/enterprise/remi-release-6.rpm</a:t>
                       </a:r>
                       <a:endParaRPr kumimoji="1" lang="ja-JP" altLang="en-US" sz="1200" b="1" dirty="0">
                         <a:latin typeface="Segoe UI" panose="020B0502040204020203" pitchFamily="34" charset="0"/>
@@ -8329,171 +8549,7 @@
                 </a:tc>
                 <a:extLst>
                   <a:ext uri="{0D108BD9-81ED-4DB2-BD59-A6C34878D82A}">
-                    <a16:rowId xmlns:a16="http://schemas.microsoft.com/office/drawing/2014/main" val="10009"/>
-                  </a:ext>
-                </a:extLst>
-              </a:tr>
-              <a:tr h="185420">
-                <a:tc rowSpan="3">
-                  <a:txBody>
-                    <a:bodyPr/>
-                    <a:lstStyle/>
-                    <a:p>
-                      <a:r>
-                        <a:rPr kumimoji="1" lang="en-US" altLang="ja-JP" sz="1200" b="1" dirty="0" smtClean="0">
-                          <a:latin typeface="Segoe UI" panose="020B0502040204020203" pitchFamily="34" charset="0"/>
-                          <a:ea typeface="Segoe UI" panose="020B0502040204020203" pitchFamily="34" charset="0"/>
-                          <a:cs typeface="Segoe UI" panose="020B0502040204020203" pitchFamily="34" charset="0"/>
-                        </a:rPr>
-                        <a:t>CentOS 6</a:t>
-                      </a:r>
-                      <a:endParaRPr kumimoji="1" lang="ja-JP" altLang="en-US" sz="1200" b="1" dirty="0">
-                        <a:latin typeface="Segoe UI" panose="020B0502040204020203" pitchFamily="34" charset="0"/>
-                        <a:cs typeface="Segoe UI" panose="020B0502040204020203" pitchFamily="34" charset="0"/>
-                      </a:endParaRPr>
-                    </a:p>
-                  </a:txBody>
-                  <a:tcPr anchor="ctr"/>
-                </a:tc>
-                <a:tc>
-                  <a:txBody>
-                    <a:bodyPr/>
-                    <a:lstStyle/>
-                    <a:p>
-                      <a:r>
-                        <a:rPr kumimoji="1" lang="en-US" altLang="ja-JP" sz="1200" b="1" dirty="0" smtClean="0">
-                          <a:latin typeface="Segoe UI" panose="020B0502040204020203" pitchFamily="34" charset="0"/>
-                          <a:ea typeface="Segoe UI" panose="020B0502040204020203" pitchFamily="34" charset="0"/>
-                          <a:cs typeface="Segoe UI" panose="020B0502040204020203" pitchFamily="34" charset="0"/>
-                        </a:rPr>
-                        <a:t>epel-release</a:t>
-                      </a:r>
-                      <a:endParaRPr kumimoji="1" lang="ja-JP" altLang="en-US" sz="1200" b="1" dirty="0">
-                        <a:latin typeface="Segoe UI" panose="020B0502040204020203" pitchFamily="34" charset="0"/>
-                        <a:cs typeface="Segoe UI" panose="020B0502040204020203" pitchFamily="34" charset="0"/>
-                      </a:endParaRPr>
-                    </a:p>
-                  </a:txBody>
-                  <a:tcPr>
-                    <a:lnB w="12700" cap="flat" cmpd="sng" algn="ctr">
-                      <a:solidFill>
-                        <a:schemeClr val="bg1"/>
-                      </a:solidFill>
-                      <a:prstDash val="solid"/>
-                      <a:round/>
-                      <a:headEnd type="none" w="med" len="med"/>
-                      <a:tailEnd type="none" w="med" len="med"/>
-                    </a:lnB>
-                  </a:tcPr>
-                </a:tc>
-                <a:extLst>
-                  <a:ext uri="{0D108BD9-81ED-4DB2-BD59-A6C34878D82A}">
-                    <a16:rowId xmlns:a16="http://schemas.microsoft.com/office/drawing/2014/main" val="10010"/>
-                  </a:ext>
-                </a:extLst>
-              </a:tr>
-              <a:tr h="152400">
-                <a:tc vMerge="1">
-                  <a:txBody>
-                    <a:bodyPr/>
-                    <a:lstStyle/>
-                    <a:p>
-                      <a:endParaRPr kumimoji="1" lang="ja-JP" altLang="en-US"/>
-                    </a:p>
-                  </a:txBody>
-                  <a:tcPr/>
-                </a:tc>
-                <a:tc>
-                  <a:txBody>
-                    <a:bodyPr/>
-                    <a:lstStyle/>
-                    <a:p>
-                      <a:r>
-                        <a:rPr kumimoji="1" lang="en-US" altLang="ja-JP" sz="1200" b="1" dirty="0" smtClean="0">
-                          <a:latin typeface="Segoe UI" panose="020B0502040204020203" pitchFamily="34" charset="0"/>
-                          <a:ea typeface="Segoe UI" panose="020B0502040204020203" pitchFamily="34" charset="0"/>
-                          <a:cs typeface="Segoe UI" panose="020B0502040204020203" pitchFamily="34" charset="0"/>
-                        </a:rPr>
-                        <a:t>https://repo.mysql.com/mysql57-community-release-el6-11.noarch.rpm</a:t>
-                      </a:r>
-                      <a:endParaRPr kumimoji="1" lang="ja-JP" altLang="en-US" sz="1200" b="1" dirty="0">
-                        <a:latin typeface="Segoe UI" panose="020B0502040204020203" pitchFamily="34" charset="0"/>
-                        <a:cs typeface="Segoe UI" panose="020B0502040204020203" pitchFamily="34" charset="0"/>
-                      </a:endParaRPr>
-                    </a:p>
-                  </a:txBody>
-                  <a:tcPr>
-                    <a:lnT w="12700" cap="flat" cmpd="sng" algn="ctr">
-                      <a:solidFill>
-                        <a:schemeClr val="bg1"/>
-                      </a:solidFill>
-                      <a:prstDash val="solid"/>
-                      <a:round/>
-                      <a:headEnd type="none" w="med" len="med"/>
-                      <a:tailEnd type="none" w="med" len="med"/>
-                    </a:lnT>
-                    <a:lnB w="12700" cap="flat" cmpd="sng" algn="ctr">
-                      <a:solidFill>
-                        <a:schemeClr val="bg1"/>
-                      </a:solidFill>
-                      <a:prstDash val="solid"/>
-                      <a:round/>
-                      <a:headEnd type="none" w="med" len="med"/>
-                      <a:tailEnd type="none" w="med" len="med"/>
-                    </a:lnB>
-                  </a:tcPr>
-                </a:tc>
-                <a:extLst>
-                  <a:ext uri="{0D108BD9-81ED-4DB2-BD59-A6C34878D82A}">
-                    <a16:rowId xmlns:a16="http://schemas.microsoft.com/office/drawing/2014/main" val="10011"/>
-                  </a:ext>
-                </a:extLst>
-              </a:tr>
-              <a:tr h="152400">
-                <a:tc vMerge="1">
-                  <a:txBody>
-                    <a:bodyPr/>
-                    <a:lstStyle/>
-                    <a:p>
-                      <a:endParaRPr kumimoji="1" lang="ja-JP" altLang="en-US"/>
-                    </a:p>
-                  </a:txBody>
-                  <a:tcPr/>
-                </a:tc>
-                <a:tc>
-                  <a:txBody>
-                    <a:bodyPr/>
-                    <a:lstStyle/>
-                    <a:p>
-                      <a:r>
-                        <a:rPr kumimoji="1" lang="en-US" altLang="ja-JP" sz="1200" b="1" dirty="0" smtClean="0">
-                          <a:latin typeface="Segoe UI" panose="020B0502040204020203" pitchFamily="34" charset="0"/>
-                          <a:ea typeface="Segoe UI" panose="020B0502040204020203" pitchFamily="34" charset="0"/>
-                          <a:cs typeface="Segoe UI" panose="020B0502040204020203" pitchFamily="34" charset="0"/>
-                        </a:rPr>
-                        <a:t>http://rpms.remirepo.net/enterprise/remi-release-6.rpm</a:t>
-                      </a:r>
-                      <a:endParaRPr kumimoji="1" lang="ja-JP" altLang="en-US" sz="1200" b="1" dirty="0">
-                        <a:latin typeface="Segoe UI" panose="020B0502040204020203" pitchFamily="34" charset="0"/>
-                        <a:cs typeface="Segoe UI" panose="020B0502040204020203" pitchFamily="34" charset="0"/>
-                      </a:endParaRPr>
-                    </a:p>
-                  </a:txBody>
-                  <a:tcPr>
-                    <a:lnT w="12700" cap="flat" cmpd="sng" algn="ctr">
-                      <a:solidFill>
-                        <a:schemeClr val="bg1"/>
-                      </a:solidFill>
-                      <a:prstDash val="solid"/>
-                      <a:round/>
-                      <a:headEnd type="none" w="med" len="med"/>
-                      <a:tailEnd type="none" w="med" len="med"/>
-                    </a:lnT>
-                  </a:tcPr>
-                </a:tc>
-                <a:extLst>
-                  <a:ext uri="{0D108BD9-81ED-4DB2-BD59-A6C34878D82A}">
-                    <a16:rowId xmlns:a16="http://schemas.microsoft.com/office/drawing/2014/main" val="10012"/>
+                    <a16:rowId xmlns:a16="http://schemas.microsoft.com/office/drawing/2014/main" xmlns="" val="10012"/>
                   </a:ext>
                 </a:extLst>
               </a:tr>
@@ -8656,21 +8712,21 @@
                 <a:gridCol w="2586972">
                   <a:extLst>
                     <a:ext uri="{9D8B030D-6E8A-4147-A177-3AD203B41FA5}">
-                      <a16:colId xmlns:a16="http://schemas.microsoft.com/office/drawing/2014/main" val="20000"/>
+                      <a16:colId xmlns:a16="http://schemas.microsoft.com/office/drawing/2014/main" xmlns="" val="20000"/>
                     </a:ext>
                   </a:extLst>
                 </a:gridCol>
                 <a:gridCol w="1859646">
                   <a:extLst>
                     <a:ext uri="{9D8B030D-6E8A-4147-A177-3AD203B41FA5}">
-                      <a16:colId xmlns:a16="http://schemas.microsoft.com/office/drawing/2014/main" val="20001"/>
+                      <a16:colId xmlns:a16="http://schemas.microsoft.com/office/drawing/2014/main" xmlns="" val="20001"/>
                     </a:ext>
                   </a:extLst>
                 </a:gridCol>
                 <a:gridCol w="4302598">
                   <a:extLst>
                     <a:ext uri="{9D8B030D-6E8A-4147-A177-3AD203B41FA5}">
-                      <a16:colId xmlns:a16="http://schemas.microsoft.com/office/drawing/2014/main" val="20002"/>
+                      <a16:colId xmlns:a16="http://schemas.microsoft.com/office/drawing/2014/main" xmlns="" val="20002"/>
                     </a:ext>
                   </a:extLst>
                 </a:gridCol>
@@ -8777,7 +8833,7 @@
                 </a:tc>
                 <a:extLst>
                   <a:ext uri="{0D108BD9-81ED-4DB2-BD59-A6C34878D82A}">
-                    <a16:rowId xmlns:a16="http://schemas.microsoft.com/office/drawing/2014/main" val="10000"/>
+                    <a16:rowId xmlns:a16="http://schemas.microsoft.com/office/drawing/2014/main" xmlns="" val="10000"/>
                   </a:ext>
                 </a:extLst>
               </a:tr>
@@ -8931,7 +8987,7 @@
                 </a:tc>
                 <a:extLst>
                   <a:ext uri="{0D108BD9-81ED-4DB2-BD59-A6C34878D82A}">
-                    <a16:rowId xmlns:a16="http://schemas.microsoft.com/office/drawing/2014/main" val="10001"/>
+                    <a16:rowId xmlns:a16="http://schemas.microsoft.com/office/drawing/2014/main" xmlns="" val="10001"/>
                   </a:ext>
                 </a:extLst>
               </a:tr>
@@ -9118,7 +9174,7 @@
                 </a:tc>
                 <a:extLst>
                   <a:ext uri="{0D108BD9-81ED-4DB2-BD59-A6C34878D82A}">
-                    <a16:rowId xmlns:a16="http://schemas.microsoft.com/office/drawing/2014/main" val="10002"/>
+                    <a16:rowId xmlns:a16="http://schemas.microsoft.com/office/drawing/2014/main" xmlns="" val="10002"/>
                   </a:ext>
                 </a:extLst>
               </a:tr>
@@ -9320,7 +9376,7 @@
                 </a:tc>
                 <a:extLst>
                   <a:ext uri="{0D108BD9-81ED-4DB2-BD59-A6C34878D82A}">
-                    <a16:rowId xmlns:a16="http://schemas.microsoft.com/office/drawing/2014/main" val="10003"/>
+                    <a16:rowId xmlns:a16="http://schemas.microsoft.com/office/drawing/2014/main" xmlns="" val="10003"/>
                   </a:ext>
                 </a:extLst>
               </a:tr>
@@ -9495,7 +9551,7 @@
                 </a:tc>
                 <a:extLst>
                   <a:ext uri="{0D108BD9-81ED-4DB2-BD59-A6C34878D82A}">
-                    <a16:rowId xmlns:a16="http://schemas.microsoft.com/office/drawing/2014/main" val="10004"/>
+                    <a16:rowId xmlns:a16="http://schemas.microsoft.com/office/drawing/2014/main" xmlns="" val="10004"/>
                   </a:ext>
                 </a:extLst>
               </a:tr>
@@ -9682,7 +9738,7 @@
                 </a:tc>
                 <a:extLst>
                   <a:ext uri="{0D108BD9-81ED-4DB2-BD59-A6C34878D82A}">
-                    <a16:rowId xmlns:a16="http://schemas.microsoft.com/office/drawing/2014/main" val="10005"/>
+                    <a16:rowId xmlns:a16="http://schemas.microsoft.com/office/drawing/2014/main" xmlns="" val="10005"/>
                   </a:ext>
                 </a:extLst>
               </a:tr>
@@ -9851,7 +9907,7 @@
                 </a:tc>
                 <a:extLst>
                   <a:ext uri="{0D108BD9-81ED-4DB2-BD59-A6C34878D82A}">
-                    <a16:rowId xmlns:a16="http://schemas.microsoft.com/office/drawing/2014/main" val="10006"/>
+                    <a16:rowId xmlns:a16="http://schemas.microsoft.com/office/drawing/2014/main" xmlns="" val="10006"/>
                   </a:ext>
                 </a:extLst>
               </a:tr>
@@ -10595,21 +10651,15 @@
             </a:endParaRPr>
           </a:p>
           <a:p>
-            <a:pPr marL="268288" marR="0" lvl="0" indent="-179388" algn="l" defTabSz="914400" rtl="0" eaLnBrk="0" fontAlgn="base" latinLnBrk="0" hangingPunct="0">
-              <a:lnSpc>
-                <a:spcPct val="100000"/>
-              </a:lnSpc>
+            <a:pPr marL="268288" lvl="0" indent="-179388" eaLnBrk="0" fontAlgn="base" hangingPunct="0">
               <a:spcBef>
                 <a:spcPct val="0"/>
               </a:spcBef>
               <a:spcAft>
                 <a:spcPct val="0"/>
               </a:spcAft>
-              <a:buClrTx/>
-              <a:buSzTx/>
               <a:buFont typeface="Wingdings" panose="05000000000000000000" pitchFamily="2" charset="2"/>
               <a:buChar char="ü"/>
-              <a:tabLst/>
             </a:pPr>
             <a:r>
               <a:rPr kumimoji="0" lang="en-US" altLang="ja-JP" sz="1050" b="0" i="0" u="none" strike="noStrike" cap="none" normalizeH="0" baseline="0" dirty="0" smtClean="0">
@@ -10624,37 +10674,42 @@
                 <a:ea typeface="Segoe UI" panose="020B0502040204020203" pitchFamily="34" charset="0"/>
                 <a:cs typeface="Segoe UI" panose="020B0502040204020203" pitchFamily="34" charset="0"/>
               </a:rPr>
-              <a:t>Installing MySQL</a:t>
-            </a:r>
-            <a:endParaRPr kumimoji="0" lang="ja-JP" altLang="en-US" sz="1050" b="0" i="0" u="none" strike="noStrike" cap="none" normalizeH="0" baseline="0" dirty="0" smtClean="0">
-              <a:ln>
-                <a:noFill/>
-              </a:ln>
-              <a:solidFill>
-                <a:schemeClr val="tx1"/>
-              </a:solidFill>
-              <a:effectLst/>
-              <a:latin typeface="Segoe UI" panose="020B0502040204020203" pitchFamily="34" charset="0"/>
-              <a:cs typeface="Segoe UI" panose="020B0502040204020203" pitchFamily="34" charset="0"/>
-            </a:endParaRPr>
-          </a:p>
-          <a:p>
-            <a:pPr marL="268288" marR="0" lvl="0" indent="-179388" algn="l" defTabSz="914400" rtl="0" eaLnBrk="0" fontAlgn="base" latinLnBrk="0" hangingPunct="0">
-              <a:lnSpc>
-                <a:spcPct val="100000"/>
-              </a:lnSpc>
+              <a:t>Installing </a:t>
+            </a:r>
+            <a:r>
+              <a:rPr kumimoji="0" lang="en-US" altLang="ja-JP" sz="1050" dirty="0" smtClean="0">
+                <a:solidFill>
+                  <a:srgbClr val="000000"/>
+                </a:solidFill>
+                <a:latin typeface="Segoe UI" panose="020B0502040204020203" pitchFamily="34" charset="0"/>
+                <a:ea typeface="Segoe UI" panose="020B0502040204020203" pitchFamily="34" charset="0"/>
+                <a:cs typeface="Segoe UI" panose="020B0502040204020203" pitchFamily="34" charset="0"/>
+              </a:rPr>
+              <a:t>MariaDB</a:t>
+            </a:r>
+          </a:p>
+          <a:p>
+            <a:pPr marL="268288" lvl="0" indent="-179388" eaLnBrk="0" fontAlgn="base" hangingPunct="0">
               <a:spcBef>
                 <a:spcPct val="0"/>
               </a:spcBef>
               <a:spcAft>
                 <a:spcPct val="0"/>
               </a:spcAft>
-              <a:buClrTx/>
-              <a:buSzTx/>
               <a:buFont typeface="Wingdings" panose="05000000000000000000" pitchFamily="2" charset="2"/>
               <a:buChar char="ü"/>
-              <a:tabLst/>
             </a:pPr>
+            <a:r>
+              <a:rPr kumimoji="0" lang="en-US" altLang="ja-JP" sz="1050" dirty="0" smtClean="0">
+                <a:solidFill>
+                  <a:srgbClr val="000000"/>
+                </a:solidFill>
+                <a:latin typeface="Segoe UI" panose="020B0502040204020203" pitchFamily="34" charset="0"/>
+                <a:ea typeface="Segoe UI" panose="020B0502040204020203" pitchFamily="34" charset="0"/>
+                <a:cs typeface="Segoe UI" panose="020B0502040204020203" pitchFamily="34" charset="0"/>
+              </a:rPr>
+              <a:t>Installing </a:t>
+            </a:r>
             <a:r>
               <a:rPr kumimoji="0" lang="en-US" altLang="ja-JP" sz="1050" b="0" i="0" u="none" strike="noStrike" cap="none" normalizeH="0" baseline="0" dirty="0" smtClean="0">
                 <a:ln>
@@ -10668,7 +10723,7 @@
                 <a:ea typeface="Segoe UI" panose="020B0502040204020203" pitchFamily="34" charset="0"/>
                 <a:cs typeface="Segoe UI" panose="020B0502040204020203" pitchFamily="34" charset="0"/>
               </a:rPr>
-              <a:t>Installing Apache</a:t>
+              <a:t>Apache</a:t>
             </a:r>
             <a:endParaRPr kumimoji="0" lang="ja-JP" altLang="en-US" sz="1050" b="0" i="0" u="none" strike="noStrike" cap="none" normalizeH="0" baseline="0" dirty="0" smtClean="0">
               <a:ln>
@@ -11280,15 +11335,7 @@
                 <a:ea typeface="Segoe UI" panose="020B0502040204020203" pitchFamily="34" charset="0"/>
                 <a:cs typeface="Segoe UI" panose="020B0502040204020203" pitchFamily="34" charset="0"/>
               </a:rPr>
-              <a:t>https://</a:t>
-            </a:r>
-            <a:r>
-              <a:rPr lang="en-US" altLang="ja-JP" sz="1400" dirty="0">
-                <a:latin typeface="Segoe UI" panose="020B0502040204020203" pitchFamily="34" charset="0"/>
-                <a:ea typeface="Segoe UI" panose="020B0502040204020203" pitchFamily="34" charset="0"/>
-                <a:cs typeface="Segoe UI" panose="020B0502040204020203" pitchFamily="34" charset="0"/>
-              </a:rPr>
-              <a:t>github.com/exastro-suite/it-automation/archive/v</a:t>
+              <a:t>https://github.com/exastro-suite/it-automation/archive/v</a:t>
             </a:r>
             <a:r>
               <a:rPr lang="en-US" altLang="ja-JP" sz="1400" dirty="0" smtClean="0">
@@ -11994,28 +12041,28 @@
                 <a:gridCol w="1800128">
                   <a:extLst>
                     <a:ext uri="{9D8B030D-6E8A-4147-A177-3AD203B41FA5}">
-                      <a16:colId xmlns:a16="http://schemas.microsoft.com/office/drawing/2014/main" val="20000"/>
+                      <a16:colId xmlns:a16="http://schemas.microsoft.com/office/drawing/2014/main" xmlns="" val="20000"/>
                     </a:ext>
                   </a:extLst>
                 </a:gridCol>
                 <a:gridCol w="2520350">
                   <a:extLst>
                     <a:ext uri="{9D8B030D-6E8A-4147-A177-3AD203B41FA5}">
-                      <a16:colId xmlns:a16="http://schemas.microsoft.com/office/drawing/2014/main" val="20001"/>
+                      <a16:colId xmlns:a16="http://schemas.microsoft.com/office/drawing/2014/main" xmlns="" val="20001"/>
                     </a:ext>
                   </a:extLst>
                 </a:gridCol>
                 <a:gridCol w="648090">
                   <a:extLst>
                     <a:ext uri="{9D8B030D-6E8A-4147-A177-3AD203B41FA5}">
-                      <a16:colId xmlns:a16="http://schemas.microsoft.com/office/drawing/2014/main" val="20002"/>
+                      <a16:colId xmlns:a16="http://schemas.microsoft.com/office/drawing/2014/main" xmlns="" val="20002"/>
                     </a:ext>
                   </a:extLst>
                 </a:gridCol>
                 <a:gridCol w="3815432">
                   <a:extLst>
                     <a:ext uri="{9D8B030D-6E8A-4147-A177-3AD203B41FA5}">
-                      <a16:colId xmlns:a16="http://schemas.microsoft.com/office/drawing/2014/main" val="20003"/>
+                      <a16:colId xmlns:a16="http://schemas.microsoft.com/office/drawing/2014/main" xmlns="" val="20003"/>
                     </a:ext>
                   </a:extLst>
                 </a:gridCol>
@@ -12179,7 +12226,7 @@
                 </a:tc>
                 <a:extLst>
                   <a:ext uri="{0D108BD9-81ED-4DB2-BD59-A6C34878D82A}">
-                    <a16:rowId xmlns:a16="http://schemas.microsoft.com/office/drawing/2014/main" val="10000"/>
+                    <a16:rowId xmlns:a16="http://schemas.microsoft.com/office/drawing/2014/main" xmlns="" val="10000"/>
                   </a:ext>
                 </a:extLst>
               </a:tr>
@@ -12363,7 +12410,7 @@
                 </a:tc>
                 <a:extLst>
                   <a:ext uri="{0D108BD9-81ED-4DB2-BD59-A6C34878D82A}">
-                    <a16:rowId xmlns:a16="http://schemas.microsoft.com/office/drawing/2014/main" val="10001"/>
+                    <a16:rowId xmlns:a16="http://schemas.microsoft.com/office/drawing/2014/main" xmlns="" val="10001"/>
                   </a:ext>
                 </a:extLst>
               </a:tr>
@@ -12508,7 +12555,7 @@
                 </a:tc>
                 <a:extLst>
                   <a:ext uri="{0D108BD9-81ED-4DB2-BD59-A6C34878D82A}">
-                    <a16:rowId xmlns:a16="http://schemas.microsoft.com/office/drawing/2014/main" val="10002"/>
+                    <a16:rowId xmlns:a16="http://schemas.microsoft.com/office/drawing/2014/main" xmlns="" val="10002"/>
                   </a:ext>
                 </a:extLst>
               </a:tr>
@@ -12659,7 +12706,7 @@
                 </a:tc>
                 <a:extLst>
                   <a:ext uri="{0D108BD9-81ED-4DB2-BD59-A6C34878D82A}">
-                    <a16:rowId xmlns:a16="http://schemas.microsoft.com/office/drawing/2014/main" val="10003"/>
+                    <a16:rowId xmlns:a16="http://schemas.microsoft.com/office/drawing/2014/main" xmlns="" val="10003"/>
                   </a:ext>
                 </a:extLst>
               </a:tr>
@@ -12834,7 +12881,7 @@
                 </a:tc>
                 <a:extLst>
                   <a:ext uri="{0D108BD9-81ED-4DB2-BD59-A6C34878D82A}">
-                    <a16:rowId xmlns:a16="http://schemas.microsoft.com/office/drawing/2014/main" val="10004"/>
+                    <a16:rowId xmlns:a16="http://schemas.microsoft.com/office/drawing/2014/main" xmlns="" val="10004"/>
                   </a:ext>
                 </a:extLst>
               </a:tr>
@@ -13032,7 +13079,7 @@
                 </a:tc>
                 <a:extLst>
                   <a:ext uri="{0D108BD9-81ED-4DB2-BD59-A6C34878D82A}">
-                    <a16:rowId xmlns:a16="http://schemas.microsoft.com/office/drawing/2014/main" val="10005"/>
+                    <a16:rowId xmlns:a16="http://schemas.microsoft.com/office/drawing/2014/main" xmlns="" val="10005"/>
                   </a:ext>
                 </a:extLst>
               </a:tr>
@@ -13232,7 +13279,7 @@
                 </a:tc>
                 <a:extLst>
                   <a:ext uri="{0D108BD9-81ED-4DB2-BD59-A6C34878D82A}">
-                    <a16:rowId xmlns:a16="http://schemas.microsoft.com/office/drawing/2014/main" val="10006"/>
+                    <a16:rowId xmlns:a16="http://schemas.microsoft.com/office/drawing/2014/main" xmlns="" val="10006"/>
                   </a:ext>
                 </a:extLst>
               </a:tr>
@@ -13403,7 +13450,7 @@
                 </a:tc>
                 <a:extLst>
                   <a:ext uri="{0D108BD9-81ED-4DB2-BD59-A6C34878D82A}">
-                    <a16:rowId xmlns:a16="http://schemas.microsoft.com/office/drawing/2014/main" val="10007"/>
+                    <a16:rowId xmlns:a16="http://schemas.microsoft.com/office/drawing/2014/main" xmlns="" val="10007"/>
                   </a:ext>
                 </a:extLst>
               </a:tr>
@@ -13583,7 +13630,7 @@
                 </a:tc>
                 <a:extLst>
                   <a:ext uri="{0D108BD9-81ED-4DB2-BD59-A6C34878D82A}">
-                    <a16:rowId xmlns:a16="http://schemas.microsoft.com/office/drawing/2014/main" val="10008"/>
+                    <a16:rowId xmlns:a16="http://schemas.microsoft.com/office/drawing/2014/main" xmlns="" val="10008"/>
                   </a:ext>
                 </a:extLst>
               </a:tr>
@@ -13763,7 +13810,7 @@
                 </a:tc>
                 <a:extLst>
                   <a:ext uri="{0D108BD9-81ED-4DB2-BD59-A6C34878D82A}">
-                    <a16:rowId xmlns:a16="http://schemas.microsoft.com/office/drawing/2014/main" val="10009"/>
+                    <a16:rowId xmlns:a16="http://schemas.microsoft.com/office/drawing/2014/main" xmlns="" val="10009"/>
                   </a:ext>
                 </a:extLst>
               </a:tr>
@@ -13940,7 +13987,7 @@
                 </a:tc>
                 <a:extLst>
                   <a:ext uri="{0D108BD9-81ED-4DB2-BD59-A6C34878D82A}">
-                    <a16:rowId xmlns:a16="http://schemas.microsoft.com/office/drawing/2014/main" val="10010"/>
+                    <a16:rowId xmlns:a16="http://schemas.microsoft.com/office/drawing/2014/main" xmlns="" val="10010"/>
                   </a:ext>
                 </a:extLst>
               </a:tr>
@@ -14117,7 +14164,7 @@
                 </a:tc>
                 <a:extLst>
                   <a:ext uri="{0D108BD9-81ED-4DB2-BD59-A6C34878D82A}">
-                    <a16:rowId xmlns:a16="http://schemas.microsoft.com/office/drawing/2014/main" val="10011"/>
+                    <a16:rowId xmlns:a16="http://schemas.microsoft.com/office/drawing/2014/main" xmlns="" val="10011"/>
                   </a:ext>
                 </a:extLst>
               </a:tr>
@@ -14300,7 +14347,7 @@
                 </a:tc>
                 <a:extLst>
                   <a:ext uri="{0D108BD9-81ED-4DB2-BD59-A6C34878D82A}">
-                    <a16:rowId xmlns:a16="http://schemas.microsoft.com/office/drawing/2014/main" val="10012"/>
+                    <a16:rowId xmlns:a16="http://schemas.microsoft.com/office/drawing/2014/main" xmlns="" val="10012"/>
                   </a:ext>
                 </a:extLst>
               </a:tr>
@@ -18518,14 +18565,14 @@
           <p:nvPr>
             <p:extLst>
               <p:ext uri="{D42A27DB-BD31-4B8C-83A1-F6EECF244321}">
-                <p14:modId xmlns:p14="http://schemas.microsoft.com/office/powerpoint/2010/main" val="1667012530"/>
+                <p14:modId xmlns:p14="http://schemas.microsoft.com/office/powerpoint/2010/main" val="2322737228"/>
               </p:ext>
             </p:extLst>
           </p:nvPr>
         </p:nvGraphicFramePr>
         <p:xfrm>
           <a:off x="539440" y="1916790"/>
-          <a:ext cx="8065121" cy="4516978"/>
+          <a:ext cx="8065121" cy="4288378"/>
         </p:xfrm>
         <a:graphic>
           <a:graphicData uri="http://schemas.openxmlformats.org/drawingml/2006/table">
@@ -18537,28 +18584,28 @@
                 <a:gridCol w="1584220">
                   <a:extLst>
                     <a:ext uri="{9D8B030D-6E8A-4147-A177-3AD203B41FA5}">
-                      <a16:colId xmlns:a16="http://schemas.microsoft.com/office/drawing/2014/main" val="20000"/>
+                      <a16:colId xmlns:a16="http://schemas.microsoft.com/office/drawing/2014/main" xmlns="" val="20000"/>
                     </a:ext>
                   </a:extLst>
                 </a:gridCol>
                 <a:gridCol w="792110">
                   <a:extLst>
                     <a:ext uri="{9D8B030D-6E8A-4147-A177-3AD203B41FA5}">
-                      <a16:colId xmlns:a16="http://schemas.microsoft.com/office/drawing/2014/main" val="20001"/>
+                      <a16:colId xmlns:a16="http://schemas.microsoft.com/office/drawing/2014/main" xmlns="" val="20001"/>
                     </a:ext>
                   </a:extLst>
                 </a:gridCol>
                 <a:gridCol w="792110">
                   <a:extLst>
                     <a:ext uri="{9D8B030D-6E8A-4147-A177-3AD203B41FA5}">
-                      <a16:colId xmlns:a16="http://schemas.microsoft.com/office/drawing/2014/main" val="20002"/>
+                      <a16:colId xmlns:a16="http://schemas.microsoft.com/office/drawing/2014/main" xmlns="" val="20002"/>
                     </a:ext>
                   </a:extLst>
                 </a:gridCol>
                 <a:gridCol w="4896681">
                   <a:extLst>
                     <a:ext uri="{9D8B030D-6E8A-4147-A177-3AD203B41FA5}">
-                      <a16:colId xmlns:a16="http://schemas.microsoft.com/office/drawing/2014/main" val="20003"/>
+                      <a16:colId xmlns:a16="http://schemas.microsoft.com/office/drawing/2014/main" xmlns="" val="20003"/>
                     </a:ext>
                   </a:extLst>
                 </a:gridCol>
@@ -18722,7 +18769,7 @@
                 </a:tc>
                 <a:extLst>
                   <a:ext uri="{0D108BD9-81ED-4DB2-BD59-A6C34878D82A}">
-                    <a16:rowId xmlns:a16="http://schemas.microsoft.com/office/drawing/2014/main" val="10000"/>
+                    <a16:rowId xmlns:a16="http://schemas.microsoft.com/office/drawing/2014/main" xmlns="" val="10000"/>
                   </a:ext>
                 </a:extLst>
               </a:tr>
@@ -18906,7 +18953,7 @@
                 </a:tc>
                 <a:extLst>
                   <a:ext uri="{0D108BD9-81ED-4DB2-BD59-A6C34878D82A}">
-                    <a16:rowId xmlns:a16="http://schemas.microsoft.com/office/drawing/2014/main" val="10001"/>
+                    <a16:rowId xmlns:a16="http://schemas.microsoft.com/office/drawing/2014/main" xmlns="" val="10001"/>
                   </a:ext>
                 </a:extLst>
               </a:tr>
@@ -19082,7 +19129,7 @@
                 </a:tc>
                 <a:extLst>
                   <a:ext uri="{0D108BD9-81ED-4DB2-BD59-A6C34878D82A}">
-                    <a16:rowId xmlns:a16="http://schemas.microsoft.com/office/drawing/2014/main" val="10002"/>
+                    <a16:rowId xmlns:a16="http://schemas.microsoft.com/office/drawing/2014/main" xmlns="" val="10002"/>
                   </a:ext>
                 </a:extLst>
               </a:tr>
@@ -19278,7 +19325,7 @@
                 </a:tc>
                 <a:extLst>
                   <a:ext uri="{0D108BD9-81ED-4DB2-BD59-A6C34878D82A}">
-                    <a16:rowId xmlns:a16="http://schemas.microsoft.com/office/drawing/2014/main" val="10003"/>
+                    <a16:rowId xmlns:a16="http://schemas.microsoft.com/office/drawing/2014/main" xmlns="" val="10003"/>
                   </a:ext>
                 </a:extLst>
               </a:tr>
@@ -19456,7 +19503,7 @@
                 </a:tc>
                 <a:extLst>
                   <a:ext uri="{0D108BD9-81ED-4DB2-BD59-A6C34878D82A}">
-                    <a16:rowId xmlns:a16="http://schemas.microsoft.com/office/drawing/2014/main" val="10004"/>
+                    <a16:rowId xmlns:a16="http://schemas.microsoft.com/office/drawing/2014/main" xmlns="" val="10004"/>
                   </a:ext>
                 </a:extLst>
               </a:tr>
@@ -19588,7 +19635,7 @@
                           <a:ea typeface="Segoe UI" panose="020B0502040204020203" pitchFamily="34" charset="0"/>
                           <a:cs typeface="Segoe UI" panose="020B0502040204020203" pitchFamily="34" charset="0"/>
                         </a:rPr>
-                        <a:t>Root password for MySQL</a:t>
+                        <a:t>Root password for MariaDB</a:t>
                       </a:r>
                       <a:endParaRPr lang="ja-JP" sz="1000" kern="100" dirty="0">
                         <a:effectLst/>
@@ -19606,7 +19653,7 @@
                 </a:tc>
                 <a:extLst>
                   <a:ext uri="{0D108BD9-81ED-4DB2-BD59-A6C34878D82A}">
-                    <a16:rowId xmlns:a16="http://schemas.microsoft.com/office/drawing/2014/main" val="10005"/>
+                    <a16:rowId xmlns:a16="http://schemas.microsoft.com/office/drawing/2014/main" xmlns="" val="10005"/>
                   </a:ext>
                 </a:extLst>
               </a:tr>
@@ -19738,7 +19785,7 @@
                           <a:ea typeface="Segoe UI" panose="020B0502040204020203" pitchFamily="34" charset="0"/>
                           <a:cs typeface="Segoe UI" panose="020B0502040204020203" pitchFamily="34" charset="0"/>
                         </a:rPr>
-                        <a:t>Database name for MySQL</a:t>
+                        <a:t>Database name for MariaDB</a:t>
                       </a:r>
                       <a:endParaRPr lang="ja-JP" sz="1000" kern="100" dirty="0">
                         <a:effectLst/>
@@ -19756,7 +19803,7 @@
                 </a:tc>
                 <a:extLst>
                   <a:ext uri="{0D108BD9-81ED-4DB2-BD59-A6C34878D82A}">
-                    <a16:rowId xmlns:a16="http://schemas.microsoft.com/office/drawing/2014/main" val="10006"/>
+                    <a16:rowId xmlns:a16="http://schemas.microsoft.com/office/drawing/2014/main" xmlns="" val="10006"/>
                   </a:ext>
                 </a:extLst>
               </a:tr>
@@ -19891,7 +19938,7 @@
                           <a:ea typeface="Segoe UI" panose="020B0502040204020203" pitchFamily="34" charset="0"/>
                           <a:cs typeface="Segoe UI" panose="020B0502040204020203" pitchFamily="34" charset="0"/>
                         </a:rPr>
-                        <a:t>Database username for MySQL</a:t>
+                        <a:t>Database username for MariaDB</a:t>
                       </a:r>
                       <a:endParaRPr lang="ja-JP" sz="1000" b="0" i="0" u="none" kern="100" dirty="0">
                         <a:solidFill>
@@ -19912,7 +19959,7 @@
                 </a:tc>
                 <a:extLst>
                   <a:ext uri="{0D108BD9-81ED-4DB2-BD59-A6C34878D82A}">
-                    <a16:rowId xmlns:a16="http://schemas.microsoft.com/office/drawing/2014/main" val="10007"/>
+                    <a16:rowId xmlns:a16="http://schemas.microsoft.com/office/drawing/2014/main" xmlns="" val="10007"/>
                   </a:ext>
                 </a:extLst>
               </a:tr>
@@ -20047,7 +20094,7 @@
                           <a:ea typeface="Segoe UI" panose="020B0502040204020203" pitchFamily="34" charset="0"/>
                           <a:cs typeface="Segoe UI" panose="020B0502040204020203" pitchFamily="34" charset="0"/>
                         </a:rPr>
-                        <a:t>Database password for MySQL</a:t>
+                        <a:t>Database password for MariaDB</a:t>
                       </a:r>
                       <a:endParaRPr lang="ja-JP" sz="1000" b="0" i="0" u="none" kern="100" dirty="0">
                         <a:solidFill>
@@ -20068,7 +20115,7 @@
                 </a:tc>
                 <a:extLst>
                   <a:ext uri="{0D108BD9-81ED-4DB2-BD59-A6C34878D82A}">
-                    <a16:rowId xmlns:a16="http://schemas.microsoft.com/office/drawing/2014/main" val="10008"/>
+                    <a16:rowId xmlns:a16="http://schemas.microsoft.com/office/drawing/2014/main" xmlns="" val="10008"/>
                   </a:ext>
                 </a:extLst>
               </a:tr>
@@ -20237,7 +20284,7 @@
                 </a:tc>
                 <a:extLst>
                   <a:ext uri="{0D108BD9-81ED-4DB2-BD59-A6C34878D82A}">
-                    <a16:rowId xmlns:a16="http://schemas.microsoft.com/office/drawing/2014/main" val="10009"/>
+                    <a16:rowId xmlns:a16="http://schemas.microsoft.com/office/drawing/2014/main" xmlns="" val="10009"/>
                   </a:ext>
                 </a:extLst>
               </a:tr>
@@ -20415,7 +20462,7 @@
                 </a:tc>
                 <a:extLst>
                   <a:ext uri="{0D108BD9-81ED-4DB2-BD59-A6C34878D82A}">
-                    <a16:rowId xmlns:a16="http://schemas.microsoft.com/office/drawing/2014/main" val="10010"/>
+                    <a16:rowId xmlns:a16="http://schemas.microsoft.com/office/drawing/2014/main" xmlns="" val="10010"/>
                   </a:ext>
                 </a:extLst>
               </a:tr>
@@ -20614,7 +20661,7 @@
                 </a:tc>
                 <a:extLst>
                   <a:ext uri="{0D108BD9-81ED-4DB2-BD59-A6C34878D82A}">
-                    <a16:rowId xmlns:a16="http://schemas.microsoft.com/office/drawing/2014/main" val="10011"/>
+                    <a16:rowId xmlns:a16="http://schemas.microsoft.com/office/drawing/2014/main" xmlns="" val="10011"/>
                   </a:ext>
                 </a:extLst>
               </a:tr>
@@ -20792,7 +20839,7 @@
                 </a:tc>
                 <a:extLst>
                   <a:ext uri="{0D108BD9-81ED-4DB2-BD59-A6C34878D82A}">
-                    <a16:rowId xmlns:a16="http://schemas.microsoft.com/office/drawing/2014/main" val="10012"/>
+                    <a16:rowId xmlns:a16="http://schemas.microsoft.com/office/drawing/2014/main" xmlns="" val="10012"/>
                   </a:ext>
                 </a:extLst>
               </a:tr>
@@ -20967,7 +21014,7 @@
                 </a:tc>
                 <a:extLst>
                   <a:ext uri="{0D108BD9-81ED-4DB2-BD59-A6C34878D82A}">
-                    <a16:rowId xmlns:a16="http://schemas.microsoft.com/office/drawing/2014/main" val="10013"/>
+                    <a16:rowId xmlns:a16="http://schemas.microsoft.com/office/drawing/2014/main" xmlns="" val="10013"/>
                   </a:ext>
                 </a:extLst>
               </a:tr>
@@ -21142,7 +21189,7 @@
                 </a:tc>
                 <a:extLst>
                   <a:ext uri="{0D108BD9-81ED-4DB2-BD59-A6C34878D82A}">
-                    <a16:rowId xmlns:a16="http://schemas.microsoft.com/office/drawing/2014/main" val="10014"/>
+                    <a16:rowId xmlns:a16="http://schemas.microsoft.com/office/drawing/2014/main" xmlns="" val="10014"/>
                   </a:ext>
                 </a:extLst>
               </a:tr>
@@ -21317,7 +21364,7 @@
                 </a:tc>
                 <a:extLst>
                   <a:ext uri="{0D108BD9-81ED-4DB2-BD59-A6C34878D82A}">
-                    <a16:rowId xmlns:a16="http://schemas.microsoft.com/office/drawing/2014/main" val="10015"/>
+                    <a16:rowId xmlns:a16="http://schemas.microsoft.com/office/drawing/2014/main" xmlns="" val="10015"/>
                   </a:ext>
                 </a:extLst>
               </a:tr>
@@ -21495,185 +21542,7 @@
                 </a:tc>
                 <a:extLst>
                   <a:ext uri="{0D108BD9-81ED-4DB2-BD59-A6C34878D82A}">
-                    <a16:rowId xmlns:a16="http://schemas.microsoft.com/office/drawing/2014/main" val="10016"/>
-                  </a:ext>
-                </a:extLst>
-              </a:tr>
-              <a:tr h="222140">
-                <a:tc>
-                  <a:txBody>
-                    <a:bodyPr/>
-                    <a:lstStyle/>
-                    <a:p>
-                      <a:pPr algn="just">
-                        <a:lnSpc>
-                          <a:spcPct val="150000"/>
-                        </a:lnSpc>
-                        <a:spcAft>
-                          <a:spcPts val="0"/>
-                        </a:spcAft>
-                      </a:pPr>
-                      <a:r>
-                        <a:rPr lang="en-US" sz="1000" kern="100" dirty="0">
-                          <a:effectLst/>
-                          <a:latin typeface="Segoe UI" panose="020B0502040204020203" pitchFamily="34" charset="0"/>
-                          <a:ea typeface="Segoe UI" panose="020B0502040204020203" pitchFamily="34" charset="0"/>
-                          <a:cs typeface="Segoe UI" panose="020B0502040204020203" pitchFamily="34" charset="0"/>
-                        </a:rPr>
-                        <a:t>ansibletower_driver</a:t>
-                      </a:r>
-                      <a:endParaRPr lang="ja-JP" sz="1000" kern="100" dirty="0">
-                        <a:effectLst/>
-                        <a:latin typeface="Segoe UI" panose="020B0502040204020203" pitchFamily="34" charset="0"/>
-                        <a:ea typeface="ＭＳ 明朝" panose="02020609040205080304" pitchFamily="17" charset="-128"/>
-                        <a:cs typeface="Segoe UI" panose="020B0502040204020203" pitchFamily="34" charset="0"/>
-                      </a:endParaRPr>
-                    </a:p>
-                  </a:txBody>
-                  <a:tcPr marL="68495" marR="68495" marT="0" marB="0" anchor="ctr">
-                    <a:solidFill>
-                      <a:srgbClr val="002B62"/>
-                    </a:solidFill>
-                  </a:tcPr>
-                </a:tc>
-                <a:tc>
-                  <a:txBody>
-                    <a:bodyPr/>
-                    <a:lstStyle/>
-                    <a:p>
-                      <a:pPr algn="ctr">
-                        <a:lnSpc>
-                          <a:spcPct val="150000"/>
-                        </a:lnSpc>
-                        <a:spcAft>
-                          <a:spcPts val="0"/>
-                        </a:spcAft>
-                      </a:pPr>
-                      <a:r>
-                        <a:rPr lang="en-US" sz="1000" kern="100" dirty="0" smtClean="0">
-                          <a:effectLst/>
-                          <a:latin typeface="Segoe UI" panose="020B0502040204020203" pitchFamily="34" charset="0"/>
-                          <a:ea typeface="Segoe UI" panose="020B0502040204020203" pitchFamily="34" charset="0"/>
-                          <a:cs typeface="Segoe UI" panose="020B0502040204020203" pitchFamily="34" charset="0"/>
-                        </a:rPr>
-                        <a:t>Yes</a:t>
-                      </a:r>
-                      <a:endParaRPr lang="ja-JP" sz="1000" kern="100" dirty="0">
-                        <a:effectLst/>
-                        <a:latin typeface="Segoe UI" panose="020B0502040204020203" pitchFamily="34" charset="0"/>
-                        <a:ea typeface="ＭＳ 明朝" panose="02020609040205080304" pitchFamily="17" charset="-128"/>
-                        <a:cs typeface="Segoe UI" panose="020B0502040204020203" pitchFamily="34" charset="0"/>
-                      </a:endParaRPr>
-                    </a:p>
-                  </a:txBody>
-                  <a:tcPr marL="68495" marR="68495" marT="0" marB="0" anchor="ctr">
-                    <a:solidFill>
-                      <a:srgbClr val="CBCDD3"/>
-                    </a:solidFill>
-                  </a:tcPr>
-                </a:tc>
-                <a:tc>
-                  <a:txBody>
-                    <a:bodyPr/>
-                    <a:lstStyle/>
-                    <a:p>
-                      <a:pPr algn="ctr">
-                        <a:lnSpc>
-                          <a:spcPct val="150000"/>
-                        </a:lnSpc>
-                        <a:spcAft>
-                          <a:spcPts val="0"/>
-                        </a:spcAft>
-                      </a:pPr>
-                      <a:r>
-                        <a:rPr lang="en-US" sz="1000" kern="100" dirty="0">
-                          <a:effectLst/>
-                          <a:latin typeface="Segoe UI" panose="020B0502040204020203" pitchFamily="34" charset="0"/>
-                          <a:ea typeface="Segoe UI" panose="020B0502040204020203" pitchFamily="34" charset="0"/>
-                          <a:cs typeface="Segoe UI" panose="020B0502040204020203" pitchFamily="34" charset="0"/>
-                        </a:rPr>
-                        <a:t>no</a:t>
-                      </a:r>
-                      <a:endParaRPr lang="ja-JP" sz="1000" kern="100" dirty="0">
-                        <a:effectLst/>
-                        <a:latin typeface="Segoe UI" panose="020B0502040204020203" pitchFamily="34" charset="0"/>
-                        <a:ea typeface="ＭＳ 明朝" panose="02020609040205080304" pitchFamily="17" charset="-128"/>
-                        <a:cs typeface="Segoe UI" panose="020B0502040204020203" pitchFamily="34" charset="0"/>
-                      </a:endParaRPr>
-                    </a:p>
-                  </a:txBody>
-                  <a:tcPr marL="68495" marR="68495" marT="0" marB="0" anchor="ctr">
-                    <a:solidFill>
-                      <a:srgbClr val="CBCDD3"/>
-                    </a:solidFill>
-                  </a:tcPr>
-                </a:tc>
-                <a:tc>
-                  <a:txBody>
-                    <a:bodyPr/>
-                    <a:lstStyle/>
-                    <a:p>
-                      <a:pPr algn="l">
-                        <a:lnSpc>
-                          <a:spcPct val="150000"/>
-                        </a:lnSpc>
-                        <a:spcAft>
-                          <a:spcPts val="0"/>
-                        </a:spcAft>
-                      </a:pPr>
-                      <a:r>
-                        <a:rPr lang="en-US" sz="1000" b="0" i="0" u="none" kern="100" dirty="0" smtClean="0">
-                          <a:solidFill>
-                            <a:srgbClr val="000000"/>
-                          </a:solidFill>
-                          <a:effectLst/>
-                          <a:latin typeface="Segoe UI" panose="020B0502040204020203" pitchFamily="34" charset="0"/>
-                          <a:ea typeface="Segoe UI" panose="020B0502040204020203" pitchFamily="34" charset="0"/>
-                          <a:cs typeface="Segoe UI" panose="020B0502040204020203" pitchFamily="34" charset="0"/>
-                        </a:rPr>
-                        <a:t>Whether the </a:t>
-                      </a:r>
-                      <a:r>
-                        <a:rPr lang="en-US" altLang="ja-JP" sz="1000" kern="100" dirty="0" smtClean="0">
-                          <a:effectLst/>
-                          <a:latin typeface="Segoe UI" panose="020B0502040204020203" pitchFamily="34" charset="0"/>
-                          <a:ea typeface="Segoe UI" panose="020B0502040204020203" pitchFamily="34" charset="0"/>
-                          <a:cs typeface="Segoe UI" panose="020B0502040204020203" pitchFamily="34" charset="0"/>
-                        </a:rPr>
-                        <a:t>Ansibletower </a:t>
-                      </a:r>
-                      <a:r>
-                        <a:rPr lang="en-US" sz="1000" b="0" i="0" u="none" kern="100" dirty="0" smtClean="0">
-                          <a:solidFill>
-                            <a:srgbClr val="000000"/>
-                          </a:solidFill>
-                          <a:effectLst/>
-                          <a:latin typeface="Segoe UI" panose="020B0502040204020203" pitchFamily="34" charset="0"/>
-                          <a:ea typeface="Segoe UI" panose="020B0502040204020203" pitchFamily="34" charset="0"/>
-                          <a:cs typeface="Segoe UI" panose="020B0502040204020203" pitchFamily="34" charset="0"/>
-                        </a:rPr>
-                        <a:t>driver is to be installed</a:t>
-                      </a:r>
-                      <a:endParaRPr lang="ja-JP" sz="1000" b="0" i="0" u="none" kern="100" dirty="0">
-                        <a:solidFill>
-                          <a:srgbClr val="000000"/>
-                        </a:solidFill>
-                        <a:effectLst/>
-                        <a:latin typeface="Segoe UI" panose="020B0502040204020203" pitchFamily="34" charset="0"/>
-                        <a:ea typeface="ＭＳ 明朝" panose="02020609040205080304" pitchFamily="17" charset="-128"/>
-                        <a:cs typeface="Segoe UI" panose="020B0502040204020203" pitchFamily="34" charset="0"/>
-                      </a:endParaRPr>
-                    </a:p>
-                  </a:txBody>
-                  <a:tcPr marL="68495" marR="68495" marT="0" marB="0" anchor="ctr">
-                    <a:solidFill>
-                      <a:srgbClr val="CBCDD3"/>
-                    </a:solidFill>
-                  </a:tcPr>
-                </a:tc>
-                <a:extLst>
-                  <a:ext uri="{0D108BD9-81ED-4DB2-BD59-A6C34878D82A}">
-                    <a16:rowId xmlns:a16="http://schemas.microsoft.com/office/drawing/2014/main" val="10017"/>
+                    <a16:rowId xmlns:a16="http://schemas.microsoft.com/office/drawing/2014/main" xmlns="" val="10016"/>
                   </a:ext>
                 </a:extLst>
               </a:tr>
@@ -21910,309 +21779,487 @@
           </a:bodyPr>
           <a:lstStyle/>
           <a:p>
-            <a:pPr marL="0" marR="0" lvl="0" indent="0" algn="l" defTabSz="914400" eaLnBrk="1" fontAlgn="auto" latinLnBrk="0" hangingPunct="1">
+            <a:pPr lvl="0">
               <a:lnSpc>
                 <a:spcPts val="900"/>
               </a:lnSpc>
-              <a:spcBef>
-                <a:spcPts val="0"/>
-              </a:spcBef>
-              <a:spcAft>
-                <a:spcPts val="0"/>
-              </a:spcAft>
-              <a:buClrTx/>
-              <a:buSzTx/>
-              <a:buFontTx/>
-              <a:buNone/>
-              <a:tabLst/>
               <a:defRPr/>
             </a:pPr>
             <a:r>
-              <a:rPr kumimoji="0" lang="en-US" sz="900" b="0" i="0" u="none" strike="noStrike" kern="100" cap="none" spc="0" normalizeH="0" baseline="0" noProof="0" dirty="0">
-                <a:ln>
-                  <a:noFill/>
-                </a:ln>
+              <a:rPr kumimoji="0" lang="en-US" sz="900" kern="100" dirty="0">
                 <a:solidFill>
                   <a:sysClr val="window" lastClr="FFFFFF"/>
                 </a:solidFill>
-                <a:effectLst/>
-                <a:uLnTx/>
-                <a:uFillTx/>
                 <a:latin typeface="Segoe UI" panose="020B0502040204020203" pitchFamily="34" charset="0"/>
                 <a:ea typeface="Segoe UI" panose="020B0502040204020203" pitchFamily="34" charset="0"/>
                 <a:cs typeface="Segoe UI" panose="020B0502040204020203" pitchFamily="34" charset="0"/>
               </a:rPr>
               <a:t>#Select install mode. ("Install" or "Uninstall")</a:t>
             </a:r>
-            <a:endParaRPr kumimoji="0" lang="ja-JP" altLang="en-US" sz="1050" b="0" i="0" u="none" strike="noStrike" kern="100" cap="none" spc="0" normalizeH="0" baseline="0" noProof="0" dirty="0">
-              <a:ln>
-                <a:noFill/>
-              </a:ln>
+          </a:p>
+          <a:p>
+            <a:pPr lvl="0">
+              <a:lnSpc>
+                <a:spcPts val="900"/>
+              </a:lnSpc>
+              <a:defRPr/>
+            </a:pPr>
+            <a:r>
+              <a:rPr kumimoji="0" lang="en-US" sz="900" kern="100" dirty="0">
+                <a:solidFill>
+                  <a:sysClr val="window" lastClr="FFFFFF"/>
+                </a:solidFill>
+                <a:latin typeface="Segoe UI" panose="020B0502040204020203" pitchFamily="34" charset="0"/>
+                <a:ea typeface="Segoe UI" panose="020B0502040204020203" pitchFamily="34" charset="0"/>
+                <a:cs typeface="Segoe UI" panose="020B0502040204020203" pitchFamily="34" charset="0"/>
+              </a:rPr>
+              <a:t># </a:t>
+            </a:r>
+            <a:r>
+              <a:rPr kumimoji="0" lang="en-US" sz="900" kern="100" dirty="0" err="1">
+                <a:solidFill>
+                  <a:sysClr val="window" lastClr="FFFFFF"/>
+                </a:solidFill>
+                <a:latin typeface="Segoe UI" panose="020B0502040204020203" pitchFamily="34" charset="0"/>
+                <a:ea typeface="Segoe UI" panose="020B0502040204020203" pitchFamily="34" charset="0"/>
+                <a:cs typeface="Segoe UI" panose="020B0502040204020203" pitchFamily="34" charset="0"/>
+              </a:rPr>
+              <a:t>e.g</a:t>
+            </a:r>
+            <a:r>
+              <a:rPr kumimoji="0" lang="en-US" sz="900" kern="100" dirty="0">
+                <a:solidFill>
+                  <a:sysClr val="window" lastClr="FFFFFF"/>
+                </a:solidFill>
+                <a:latin typeface="Segoe UI" panose="020B0502040204020203" pitchFamily="34" charset="0"/>
+                <a:ea typeface="Segoe UI" panose="020B0502040204020203" pitchFamily="34" charset="0"/>
+                <a:cs typeface="Segoe UI" panose="020B0502040204020203" pitchFamily="34" charset="0"/>
+              </a:rPr>
+              <a:t>) </a:t>
+            </a:r>
+            <a:r>
+              <a:rPr kumimoji="0" lang="en-US" sz="900" kern="100" dirty="0" err="1">
+                <a:solidFill>
+                  <a:sysClr val="window" lastClr="FFFFFF"/>
+                </a:solidFill>
+                <a:latin typeface="Segoe UI" panose="020B0502040204020203" pitchFamily="34" charset="0"/>
+                <a:ea typeface="Segoe UI" panose="020B0502040204020203" pitchFamily="34" charset="0"/>
+                <a:cs typeface="Segoe UI" panose="020B0502040204020203" pitchFamily="34" charset="0"/>
+              </a:rPr>
+              <a:t>install_mode:Install</a:t>
+            </a:r>
+            <a:endParaRPr kumimoji="0" lang="en-US" sz="900" kern="100" dirty="0">
               <a:solidFill>
                 <a:sysClr val="window" lastClr="FFFFFF"/>
               </a:solidFill>
-              <a:effectLst/>
-              <a:uLnTx/>
-              <a:uFillTx/>
               <a:latin typeface="Segoe UI" panose="020B0502040204020203" pitchFamily="34" charset="0"/>
-              <a:ea typeface="ＭＳ 明朝" panose="02020609040205080304" pitchFamily="17" charset="-128"/>
+              <a:ea typeface="Segoe UI" panose="020B0502040204020203" pitchFamily="34" charset="0"/>
               <a:cs typeface="Segoe UI" panose="020B0502040204020203" pitchFamily="34" charset="0"/>
             </a:endParaRPr>
           </a:p>
           <a:p>
-            <a:pPr marL="0" marR="0" lvl="0" indent="0" algn="l" defTabSz="914400" eaLnBrk="1" fontAlgn="auto" latinLnBrk="0" hangingPunct="1">
+            <a:pPr lvl="0">
               <a:lnSpc>
                 <a:spcPts val="900"/>
               </a:lnSpc>
-              <a:spcBef>
-                <a:spcPts val="0"/>
-              </a:spcBef>
-              <a:spcAft>
-                <a:spcPts val="0"/>
-              </a:spcAft>
-              <a:buClrTx/>
-              <a:buSzTx/>
-              <a:buFontTx/>
-              <a:buNone/>
-              <a:tabLst/>
               <a:defRPr/>
             </a:pPr>
             <a:r>
-              <a:rPr kumimoji="0" lang="en-US" sz="900" b="0" i="0" u="none" strike="noStrike" kern="100" cap="none" spc="0" normalizeH="0" baseline="0" noProof="0" dirty="0">
-                <a:ln>
-                  <a:noFill/>
-                </a:ln>
+              <a:rPr kumimoji="0" lang="en-US" sz="900" kern="100" dirty="0" err="1">
                 <a:solidFill>
                   <a:sysClr val="window" lastClr="FFFFFF"/>
                 </a:solidFill>
-                <a:effectLst/>
-                <a:uLnTx/>
-                <a:uFillTx/>
-                <a:latin typeface="Segoe UI" panose="020B0502040204020203" pitchFamily="34" charset="0"/>
-                <a:ea typeface="Segoe UI" panose="020B0502040204020203" pitchFamily="34" charset="0"/>
-                <a:cs typeface="Segoe UI" panose="020B0502040204020203" pitchFamily="34" charset="0"/>
-              </a:rPr>
-              <a:t># e.g) install_mode:Install</a:t>
-            </a:r>
-            <a:endParaRPr kumimoji="0" lang="ja-JP" altLang="en-US" sz="1050" b="0" i="0" u="none" strike="noStrike" kern="100" cap="none" spc="0" normalizeH="0" baseline="0" noProof="0" dirty="0">
-              <a:ln>
-                <a:noFill/>
-              </a:ln>
+                <a:latin typeface="Segoe UI" panose="020B0502040204020203" pitchFamily="34" charset="0"/>
+                <a:ea typeface="Segoe UI" panose="020B0502040204020203" pitchFamily="34" charset="0"/>
+                <a:cs typeface="Segoe UI" panose="020B0502040204020203" pitchFamily="34" charset="0"/>
+              </a:rPr>
+              <a:t>install_mode:Install</a:t>
+            </a:r>
+            <a:endParaRPr kumimoji="0" lang="en-US" sz="900" kern="100" dirty="0">
               <a:solidFill>
                 <a:sysClr val="window" lastClr="FFFFFF"/>
               </a:solidFill>
-              <a:effectLst/>
-              <a:uLnTx/>
-              <a:uFillTx/>
               <a:latin typeface="Segoe UI" panose="020B0502040204020203" pitchFamily="34" charset="0"/>
-              <a:ea typeface="ＭＳ 明朝" panose="02020609040205080304" pitchFamily="17" charset="-128"/>
+              <a:ea typeface="Segoe UI" panose="020B0502040204020203" pitchFamily="34" charset="0"/>
               <a:cs typeface="Segoe UI" panose="020B0502040204020203" pitchFamily="34" charset="0"/>
             </a:endParaRPr>
           </a:p>
           <a:p>
-            <a:pPr marL="0" marR="0" lvl="0" indent="0" algn="l" defTabSz="914400" eaLnBrk="1" fontAlgn="auto" latinLnBrk="0" hangingPunct="1">
+            <a:pPr lvl="0">
               <a:lnSpc>
                 <a:spcPts val="900"/>
               </a:lnSpc>
-              <a:spcBef>
-                <a:spcPts val="0"/>
-              </a:spcBef>
-              <a:spcAft>
-                <a:spcPts val="0"/>
-              </a:spcAft>
-              <a:buClrTx/>
-              <a:buSzTx/>
-              <a:buFontTx/>
-              <a:buNone/>
-              <a:tabLst/>
               <a:defRPr/>
             </a:pPr>
-            <a:r>
-              <a:rPr kumimoji="0" lang="en-US" sz="900" b="0" i="0" u="none" strike="noStrike" kern="100" cap="none" spc="0" normalizeH="0" baseline="0" noProof="0" dirty="0">
-                <a:ln>
-                  <a:noFill/>
-                </a:ln>
+            <a:endParaRPr kumimoji="0" lang="en-US" sz="900" kern="100" dirty="0">
+              <a:solidFill>
+                <a:sysClr val="window" lastClr="FFFFFF"/>
+              </a:solidFill>
+              <a:latin typeface="Segoe UI" panose="020B0502040204020203" pitchFamily="34" charset="0"/>
+              <a:ea typeface="Segoe UI" panose="020B0502040204020203" pitchFamily="34" charset="0"/>
+              <a:cs typeface="Segoe UI" panose="020B0502040204020203" pitchFamily="34" charset="0"/>
+            </a:endParaRPr>
+          </a:p>
+          <a:p>
+            <a:pPr lvl="0">
+              <a:lnSpc>
+                <a:spcPts val="900"/>
+              </a:lnSpc>
+              <a:defRPr/>
+            </a:pPr>
+            <a:r>
+              <a:rPr kumimoji="0" lang="en-US" sz="900" kern="100" dirty="0">
                 <a:solidFill>
                   <a:sysClr val="window" lastClr="FFFFFF"/>
                 </a:solidFill>
-                <a:effectLst/>
-                <a:uLnTx/>
-                <a:uFillTx/>
-                <a:latin typeface="Segoe UI" panose="020B0502040204020203" pitchFamily="34" charset="0"/>
-                <a:ea typeface="Segoe UI" panose="020B0502040204020203" pitchFamily="34" charset="0"/>
-                <a:cs typeface="Segoe UI" panose="020B0502040204020203" pitchFamily="34" charset="0"/>
-              </a:rPr>
-              <a:t>install_mode:Install</a:t>
-            </a:r>
-            <a:endParaRPr kumimoji="0" lang="ja-JP" altLang="en-US" sz="1050" b="0" i="0" u="none" strike="noStrike" kern="100" cap="none" spc="0" normalizeH="0" baseline="0" noProof="0" dirty="0">
-              <a:ln>
-                <a:noFill/>
-              </a:ln>
+                <a:latin typeface="Segoe UI" panose="020B0502040204020203" pitchFamily="34" charset="0"/>
+                <a:ea typeface="Segoe UI" panose="020B0502040204020203" pitchFamily="34" charset="0"/>
+                <a:cs typeface="Segoe UI" panose="020B0502040204020203" pitchFamily="34" charset="0"/>
+              </a:rPr>
+              <a:t>#Enter install directory.</a:t>
+            </a:r>
+          </a:p>
+          <a:p>
+            <a:pPr lvl="0">
+              <a:lnSpc>
+                <a:spcPts val="900"/>
+              </a:lnSpc>
+              <a:defRPr/>
+            </a:pPr>
+            <a:r>
+              <a:rPr kumimoji="0" lang="en-US" sz="900" kern="100" dirty="0">
+                <a:solidFill>
+                  <a:sysClr val="window" lastClr="FFFFFF"/>
+                </a:solidFill>
+                <a:latin typeface="Segoe UI" panose="020B0502040204020203" pitchFamily="34" charset="0"/>
+                <a:ea typeface="Segoe UI" panose="020B0502040204020203" pitchFamily="34" charset="0"/>
+                <a:cs typeface="Segoe UI" panose="020B0502040204020203" pitchFamily="34" charset="0"/>
+              </a:rPr>
+              <a:t># </a:t>
+            </a:r>
+            <a:r>
+              <a:rPr kumimoji="0" lang="en-US" sz="900" kern="100" dirty="0" err="1">
+                <a:solidFill>
+                  <a:sysClr val="window" lastClr="FFFFFF"/>
+                </a:solidFill>
+                <a:latin typeface="Segoe UI" panose="020B0502040204020203" pitchFamily="34" charset="0"/>
+                <a:ea typeface="Segoe UI" panose="020B0502040204020203" pitchFamily="34" charset="0"/>
+                <a:cs typeface="Segoe UI" panose="020B0502040204020203" pitchFamily="34" charset="0"/>
+              </a:rPr>
+              <a:t>e.g</a:t>
+            </a:r>
+            <a:r>
+              <a:rPr kumimoji="0" lang="en-US" sz="900" kern="100" dirty="0">
+                <a:solidFill>
+                  <a:sysClr val="window" lastClr="FFFFFF"/>
+                </a:solidFill>
+                <a:latin typeface="Segoe UI" panose="020B0502040204020203" pitchFamily="34" charset="0"/>
+                <a:ea typeface="Segoe UI" panose="020B0502040204020203" pitchFamily="34" charset="0"/>
+                <a:cs typeface="Segoe UI" panose="020B0502040204020203" pitchFamily="34" charset="0"/>
+              </a:rPr>
+              <a:t>) </a:t>
+            </a:r>
+            <a:r>
+              <a:rPr kumimoji="0" lang="en-US" sz="900" kern="100" dirty="0" err="1">
+                <a:solidFill>
+                  <a:sysClr val="window" lastClr="FFFFFF"/>
+                </a:solidFill>
+                <a:latin typeface="Segoe UI" panose="020B0502040204020203" pitchFamily="34" charset="0"/>
+                <a:ea typeface="Segoe UI" panose="020B0502040204020203" pitchFamily="34" charset="0"/>
+                <a:cs typeface="Segoe UI" panose="020B0502040204020203" pitchFamily="34" charset="0"/>
+              </a:rPr>
+              <a:t>ita_directory</a:t>
+            </a:r>
+            <a:r>
+              <a:rPr kumimoji="0" lang="en-US" sz="900" kern="100" dirty="0">
+                <a:solidFill>
+                  <a:sysClr val="window" lastClr="FFFFFF"/>
+                </a:solidFill>
+                <a:latin typeface="Segoe UI" panose="020B0502040204020203" pitchFamily="34" charset="0"/>
+                <a:ea typeface="Segoe UI" panose="020B0502040204020203" pitchFamily="34" charset="0"/>
+                <a:cs typeface="Segoe UI" panose="020B0502040204020203" pitchFamily="34" charset="0"/>
+              </a:rPr>
+              <a:t>:/</a:t>
+            </a:r>
+            <a:r>
+              <a:rPr kumimoji="0" lang="en-US" sz="900" kern="100" dirty="0" err="1">
+                <a:solidFill>
+                  <a:sysClr val="window" lastClr="FFFFFF"/>
+                </a:solidFill>
+                <a:latin typeface="Segoe UI" panose="020B0502040204020203" pitchFamily="34" charset="0"/>
+                <a:ea typeface="Segoe UI" panose="020B0502040204020203" pitchFamily="34" charset="0"/>
+                <a:cs typeface="Segoe UI" panose="020B0502040204020203" pitchFamily="34" charset="0"/>
+              </a:rPr>
+              <a:t>exastro</a:t>
+            </a:r>
+            <a:endParaRPr kumimoji="0" lang="en-US" sz="900" kern="100" dirty="0">
               <a:solidFill>
                 <a:sysClr val="window" lastClr="FFFFFF"/>
               </a:solidFill>
-              <a:effectLst/>
-              <a:uLnTx/>
-              <a:uFillTx/>
               <a:latin typeface="Segoe UI" panose="020B0502040204020203" pitchFamily="34" charset="0"/>
-              <a:ea typeface="ＭＳ 明朝" panose="02020609040205080304" pitchFamily="17" charset="-128"/>
+              <a:ea typeface="Segoe UI" panose="020B0502040204020203" pitchFamily="34" charset="0"/>
               <a:cs typeface="Segoe UI" panose="020B0502040204020203" pitchFamily="34" charset="0"/>
             </a:endParaRPr>
           </a:p>
           <a:p>
-            <a:pPr marL="0" marR="0" lvl="0" indent="0" algn="l" defTabSz="914400" eaLnBrk="1" fontAlgn="auto" latinLnBrk="0" hangingPunct="1">
+            <a:pPr lvl="0">
               <a:lnSpc>
                 <a:spcPts val="900"/>
               </a:lnSpc>
-              <a:spcBef>
-                <a:spcPts val="0"/>
-              </a:spcBef>
-              <a:spcAft>
-                <a:spcPts val="0"/>
-              </a:spcAft>
-              <a:buClrTx/>
-              <a:buSzTx/>
-              <a:buFontTx/>
-              <a:buNone/>
-              <a:tabLst/>
               <a:defRPr/>
             </a:pPr>
             <a:r>
-              <a:rPr kumimoji="0" lang="en-US" sz="900" b="0" i="0" u="none" strike="noStrike" kern="100" cap="none" spc="0" normalizeH="0" baseline="0" noProof="0" dirty="0">
-                <a:ln>
-                  <a:noFill/>
-                </a:ln>
+              <a:rPr kumimoji="0" lang="en-US" sz="900" kern="100" dirty="0" err="1">
                 <a:solidFill>
                   <a:sysClr val="window" lastClr="FFFFFF"/>
                 </a:solidFill>
-                <a:effectLst/>
-                <a:uLnTx/>
-                <a:uFillTx/>
-                <a:latin typeface="Segoe UI" panose="020B0502040204020203" pitchFamily="34" charset="0"/>
-                <a:ea typeface="Segoe UI" panose="020B0502040204020203" pitchFamily="34" charset="0"/>
-                <a:cs typeface="Segoe UI" panose="020B0502040204020203" pitchFamily="34" charset="0"/>
-              </a:rPr>
-              <a:t> </a:t>
-            </a:r>
-            <a:endParaRPr kumimoji="0" lang="ja-JP" altLang="en-US" sz="1050" b="0" i="0" u="none" strike="noStrike" kern="100" cap="none" spc="0" normalizeH="0" baseline="0" noProof="0" dirty="0">
-              <a:ln>
-                <a:noFill/>
-              </a:ln>
+                <a:latin typeface="Segoe UI" panose="020B0502040204020203" pitchFamily="34" charset="0"/>
+                <a:ea typeface="Segoe UI" panose="020B0502040204020203" pitchFamily="34" charset="0"/>
+                <a:cs typeface="Segoe UI" panose="020B0502040204020203" pitchFamily="34" charset="0"/>
+              </a:rPr>
+              <a:t>ita_directory</a:t>
+            </a:r>
+            <a:r>
+              <a:rPr kumimoji="0" lang="en-US" sz="900" kern="100" dirty="0">
+                <a:solidFill>
+                  <a:sysClr val="window" lastClr="FFFFFF"/>
+                </a:solidFill>
+                <a:latin typeface="Segoe UI" panose="020B0502040204020203" pitchFamily="34" charset="0"/>
+                <a:ea typeface="Segoe UI" panose="020B0502040204020203" pitchFamily="34" charset="0"/>
+                <a:cs typeface="Segoe UI" panose="020B0502040204020203" pitchFamily="34" charset="0"/>
+              </a:rPr>
+              <a:t>:/</a:t>
+            </a:r>
+            <a:r>
+              <a:rPr kumimoji="0" lang="en-US" sz="900" kern="100" dirty="0" err="1">
+                <a:solidFill>
+                  <a:sysClr val="window" lastClr="FFFFFF"/>
+                </a:solidFill>
+                <a:latin typeface="Segoe UI" panose="020B0502040204020203" pitchFamily="34" charset="0"/>
+                <a:ea typeface="Segoe UI" panose="020B0502040204020203" pitchFamily="34" charset="0"/>
+                <a:cs typeface="Segoe UI" panose="020B0502040204020203" pitchFamily="34" charset="0"/>
+              </a:rPr>
+              <a:t>exastro</a:t>
+            </a:r>
+            <a:endParaRPr kumimoji="0" lang="en-US" sz="900" kern="100" dirty="0">
               <a:solidFill>
                 <a:sysClr val="window" lastClr="FFFFFF"/>
               </a:solidFill>
-              <a:effectLst/>
-              <a:uLnTx/>
-              <a:uFillTx/>
               <a:latin typeface="Segoe UI" panose="020B0502040204020203" pitchFamily="34" charset="0"/>
-              <a:ea typeface="ＭＳ 明朝" panose="02020609040205080304" pitchFamily="17" charset="-128"/>
+              <a:ea typeface="Segoe UI" panose="020B0502040204020203" pitchFamily="34" charset="0"/>
               <a:cs typeface="Segoe UI" panose="020B0502040204020203" pitchFamily="34" charset="0"/>
             </a:endParaRPr>
           </a:p>
           <a:p>
-            <a:pPr marL="0" marR="0" lvl="0" indent="0" algn="l" defTabSz="914400" eaLnBrk="1" fontAlgn="auto" latinLnBrk="0" hangingPunct="1">
+            <a:pPr lvl="0">
               <a:lnSpc>
                 <a:spcPts val="900"/>
               </a:lnSpc>
-              <a:spcBef>
-                <a:spcPts val="0"/>
-              </a:spcBef>
-              <a:spcAft>
-                <a:spcPts val="0"/>
-              </a:spcAft>
-              <a:buClrTx/>
-              <a:buSzTx/>
-              <a:buFontTx/>
-              <a:buNone/>
-              <a:tabLst/>
               <a:defRPr/>
             </a:pPr>
-            <a:r>
-              <a:rPr kumimoji="0" lang="en-US" sz="900" b="0" i="0" u="none" strike="noStrike" kern="100" cap="none" spc="0" normalizeH="0" baseline="0" noProof="0" dirty="0">
-                <a:ln>
-                  <a:noFill/>
-                </a:ln>
+            <a:endParaRPr kumimoji="0" lang="en-US" sz="900" kern="100" dirty="0">
+              <a:solidFill>
+                <a:sysClr val="window" lastClr="FFFFFF"/>
+              </a:solidFill>
+              <a:latin typeface="Segoe UI" panose="020B0502040204020203" pitchFamily="34" charset="0"/>
+              <a:ea typeface="Segoe UI" panose="020B0502040204020203" pitchFamily="34" charset="0"/>
+              <a:cs typeface="Segoe UI" panose="020B0502040204020203" pitchFamily="34" charset="0"/>
+            </a:endParaRPr>
+          </a:p>
+          <a:p>
+            <a:pPr lvl="0">
+              <a:lnSpc>
+                <a:spcPts val="900"/>
+              </a:lnSpc>
+              <a:defRPr/>
+            </a:pPr>
+            <a:r>
+              <a:rPr kumimoji="0" lang="en-US" sz="900" kern="100" dirty="0">
                 <a:solidFill>
                   <a:sysClr val="window" lastClr="FFFFFF"/>
                 </a:solidFill>
-                <a:effectLst/>
-                <a:uLnTx/>
-                <a:uFillTx/>
-                <a:latin typeface="Segoe UI" panose="020B0502040204020203" pitchFamily="34" charset="0"/>
-                <a:ea typeface="Segoe UI" panose="020B0502040204020203" pitchFamily="34" charset="0"/>
-                <a:cs typeface="Segoe UI" panose="020B0502040204020203" pitchFamily="34" charset="0"/>
-              </a:rPr>
-              <a:t>#Enter install directory.</a:t>
-            </a:r>
-            <a:endParaRPr kumimoji="0" lang="ja-JP" altLang="en-US" sz="1050" b="0" i="0" u="none" strike="noStrike" kern="100" cap="none" spc="0" normalizeH="0" baseline="0" noProof="0" dirty="0">
-              <a:ln>
-                <a:noFill/>
-              </a:ln>
+                <a:latin typeface="Segoe UI" panose="020B0502040204020203" pitchFamily="34" charset="0"/>
+                <a:ea typeface="Segoe UI" panose="020B0502040204020203" pitchFamily="34" charset="0"/>
+                <a:cs typeface="Segoe UI" panose="020B0502040204020203" pitchFamily="34" charset="0"/>
+              </a:rPr>
+              <a:t># Select language. ("</a:t>
+            </a:r>
+            <a:r>
+              <a:rPr kumimoji="0" lang="en-US" sz="900" kern="100" dirty="0" err="1">
+                <a:solidFill>
+                  <a:sysClr val="window" lastClr="FFFFFF"/>
+                </a:solidFill>
+                <a:latin typeface="Segoe UI" panose="020B0502040204020203" pitchFamily="34" charset="0"/>
+                <a:ea typeface="Segoe UI" panose="020B0502040204020203" pitchFamily="34" charset="0"/>
+                <a:cs typeface="Segoe UI" panose="020B0502040204020203" pitchFamily="34" charset="0"/>
+              </a:rPr>
+              <a:t>en_US</a:t>
+            </a:r>
+            <a:r>
+              <a:rPr kumimoji="0" lang="en-US" sz="900" kern="100" dirty="0">
+                <a:solidFill>
+                  <a:sysClr val="window" lastClr="FFFFFF"/>
+                </a:solidFill>
+                <a:latin typeface="Segoe UI" panose="020B0502040204020203" pitchFamily="34" charset="0"/>
+                <a:ea typeface="Segoe UI" panose="020B0502040204020203" pitchFamily="34" charset="0"/>
+                <a:cs typeface="Segoe UI" panose="020B0502040204020203" pitchFamily="34" charset="0"/>
+              </a:rPr>
+              <a:t>" or "</a:t>
+            </a:r>
+            <a:r>
+              <a:rPr kumimoji="0" lang="en-US" sz="900" kern="100" dirty="0" err="1">
+                <a:solidFill>
+                  <a:sysClr val="window" lastClr="FFFFFF"/>
+                </a:solidFill>
+                <a:latin typeface="Segoe UI" panose="020B0502040204020203" pitchFamily="34" charset="0"/>
+                <a:ea typeface="Segoe UI" panose="020B0502040204020203" pitchFamily="34" charset="0"/>
+                <a:cs typeface="Segoe UI" panose="020B0502040204020203" pitchFamily="34" charset="0"/>
+              </a:rPr>
+              <a:t>ja_JP</a:t>
+            </a:r>
+            <a:r>
+              <a:rPr kumimoji="0" lang="en-US" sz="900" kern="100" dirty="0">
+                <a:solidFill>
+                  <a:sysClr val="window" lastClr="FFFFFF"/>
+                </a:solidFill>
+                <a:latin typeface="Segoe UI" panose="020B0502040204020203" pitchFamily="34" charset="0"/>
+                <a:ea typeface="Segoe UI" panose="020B0502040204020203" pitchFamily="34" charset="0"/>
+                <a:cs typeface="Segoe UI" panose="020B0502040204020203" pitchFamily="34" charset="0"/>
+              </a:rPr>
+              <a:t>")</a:t>
+            </a:r>
+          </a:p>
+          <a:p>
+            <a:pPr lvl="0">
+              <a:lnSpc>
+                <a:spcPts val="900"/>
+              </a:lnSpc>
+              <a:defRPr/>
+            </a:pPr>
+            <a:r>
+              <a:rPr kumimoji="0" lang="en-US" sz="900" kern="100" dirty="0">
+                <a:solidFill>
+                  <a:sysClr val="window" lastClr="FFFFFF"/>
+                </a:solidFill>
+                <a:latin typeface="Segoe UI" panose="020B0502040204020203" pitchFamily="34" charset="0"/>
+                <a:ea typeface="Segoe UI" panose="020B0502040204020203" pitchFamily="34" charset="0"/>
+                <a:cs typeface="Segoe UI" panose="020B0502040204020203" pitchFamily="34" charset="0"/>
+              </a:rPr>
+              <a:t># </a:t>
+            </a:r>
+            <a:r>
+              <a:rPr kumimoji="0" lang="en-US" sz="900" kern="100" dirty="0" err="1">
+                <a:solidFill>
+                  <a:sysClr val="window" lastClr="FFFFFF"/>
+                </a:solidFill>
+                <a:latin typeface="Segoe UI" panose="020B0502040204020203" pitchFamily="34" charset="0"/>
+                <a:ea typeface="Segoe UI" panose="020B0502040204020203" pitchFamily="34" charset="0"/>
+                <a:cs typeface="Segoe UI" panose="020B0502040204020203" pitchFamily="34" charset="0"/>
+              </a:rPr>
+              <a:t>e.g</a:t>
+            </a:r>
+            <a:r>
+              <a:rPr kumimoji="0" lang="en-US" sz="900" kern="100" dirty="0">
+                <a:solidFill>
+                  <a:sysClr val="window" lastClr="FFFFFF"/>
+                </a:solidFill>
+                <a:latin typeface="Segoe UI" panose="020B0502040204020203" pitchFamily="34" charset="0"/>
+                <a:ea typeface="Segoe UI" panose="020B0502040204020203" pitchFamily="34" charset="0"/>
+                <a:cs typeface="Segoe UI" panose="020B0502040204020203" pitchFamily="34" charset="0"/>
+              </a:rPr>
+              <a:t>) </a:t>
+            </a:r>
+            <a:r>
+              <a:rPr kumimoji="0" lang="en-US" sz="900" kern="100" dirty="0" err="1">
+                <a:solidFill>
+                  <a:sysClr val="window" lastClr="FFFFFF"/>
+                </a:solidFill>
+                <a:latin typeface="Segoe UI" panose="020B0502040204020203" pitchFamily="34" charset="0"/>
+                <a:ea typeface="Segoe UI" panose="020B0502040204020203" pitchFamily="34" charset="0"/>
+                <a:cs typeface="Segoe UI" panose="020B0502040204020203" pitchFamily="34" charset="0"/>
+              </a:rPr>
+              <a:t>ita_language:en_US</a:t>
+            </a:r>
+            <a:endParaRPr kumimoji="0" lang="en-US" sz="900" kern="100" dirty="0">
               <a:solidFill>
                 <a:sysClr val="window" lastClr="FFFFFF"/>
               </a:solidFill>
-              <a:effectLst/>
-              <a:uLnTx/>
-              <a:uFillTx/>
               <a:latin typeface="Segoe UI" panose="020B0502040204020203" pitchFamily="34" charset="0"/>
-              <a:ea typeface="ＭＳ 明朝" panose="02020609040205080304" pitchFamily="17" charset="-128"/>
+              <a:ea typeface="Segoe UI" panose="020B0502040204020203" pitchFamily="34" charset="0"/>
               <a:cs typeface="Segoe UI" panose="020B0502040204020203" pitchFamily="34" charset="0"/>
             </a:endParaRPr>
           </a:p>
           <a:p>
-            <a:pPr marL="0" marR="0" lvl="0" indent="0" algn="l" defTabSz="914400" eaLnBrk="1" fontAlgn="auto" latinLnBrk="0" hangingPunct="1">
+            <a:pPr lvl="0">
               <a:lnSpc>
                 <a:spcPts val="900"/>
               </a:lnSpc>
-              <a:spcBef>
-                <a:spcPts val="0"/>
-              </a:spcBef>
-              <a:spcAft>
-                <a:spcPts val="0"/>
-              </a:spcAft>
-              <a:buClrTx/>
-              <a:buSzTx/>
-              <a:buFontTx/>
-              <a:buNone/>
-              <a:tabLst/>
               <a:defRPr/>
             </a:pPr>
             <a:r>
-              <a:rPr kumimoji="0" lang="en-US" sz="900" b="0" i="0" u="none" strike="noStrike" kern="100" cap="none" spc="0" normalizeH="0" baseline="0" noProof="0" dirty="0">
-                <a:ln>
-                  <a:noFill/>
-                </a:ln>
+              <a:rPr kumimoji="0" lang="en-US" altLang="ja-JP" sz="900" kern="100" dirty="0" err="1">
                 <a:solidFill>
                   <a:sysClr val="window" lastClr="FFFFFF"/>
                 </a:solidFill>
-                <a:effectLst/>
-                <a:uLnTx/>
-                <a:uFillTx/>
-                <a:latin typeface="Segoe UI" panose="020B0502040204020203" pitchFamily="34" charset="0"/>
-                <a:ea typeface="Segoe UI" panose="020B0502040204020203" pitchFamily="34" charset="0"/>
-                <a:cs typeface="Segoe UI" panose="020B0502040204020203" pitchFamily="34" charset="0"/>
-              </a:rPr>
-              <a:t># e.g) ita_directory:/</a:t>
-            </a:r>
-            <a:r>
-              <a:rPr kumimoji="0" lang="en-US" sz="1050" b="0" i="0" u="none" strike="noStrike" kern="100" cap="none" spc="0" normalizeH="0" baseline="0" noProof="0" dirty="0">
-                <a:ln>
-                  <a:noFill/>
-                </a:ln>
+                <a:latin typeface="Segoe UI" panose="020B0502040204020203" pitchFamily="34" charset="0"/>
+                <a:ea typeface="Segoe UI" panose="020B0502040204020203" pitchFamily="34" charset="0"/>
+                <a:cs typeface="Segoe UI" panose="020B0502040204020203" pitchFamily="34" charset="0"/>
+              </a:rPr>
+              <a:t>ita_language:en_US</a:t>
+            </a:r>
+            <a:endParaRPr kumimoji="0" lang="en-US" altLang="ja-JP" sz="900" kern="100" dirty="0">
+              <a:solidFill>
+                <a:sysClr val="window" lastClr="FFFFFF"/>
+              </a:solidFill>
+              <a:latin typeface="Segoe UI" panose="020B0502040204020203" pitchFamily="34" charset="0"/>
+              <a:ea typeface="Segoe UI" panose="020B0502040204020203" pitchFamily="34" charset="0"/>
+              <a:cs typeface="Segoe UI" panose="020B0502040204020203" pitchFamily="34" charset="0"/>
+            </a:endParaRPr>
+          </a:p>
+          <a:p>
+            <a:pPr lvl="0">
+              <a:lnSpc>
+                <a:spcPts val="900"/>
+              </a:lnSpc>
+              <a:defRPr/>
+            </a:pPr>
+            <a:endParaRPr kumimoji="0" lang="en-US" sz="900" kern="100" dirty="0">
+              <a:solidFill>
+                <a:sysClr val="window" lastClr="FFFFFF"/>
+              </a:solidFill>
+              <a:latin typeface="Segoe UI" panose="020B0502040204020203" pitchFamily="34" charset="0"/>
+              <a:ea typeface="Segoe UI" panose="020B0502040204020203" pitchFamily="34" charset="0"/>
+              <a:cs typeface="Segoe UI" panose="020B0502040204020203" pitchFamily="34" charset="0"/>
+            </a:endParaRPr>
+          </a:p>
+          <a:p>
+            <a:pPr lvl="0">
+              <a:lnSpc>
+                <a:spcPts val="900"/>
+              </a:lnSpc>
+              <a:defRPr/>
+            </a:pPr>
+            <a:r>
+              <a:rPr kumimoji="0" lang="en-US" sz="900" kern="100" dirty="0">
                 <a:solidFill>
                   <a:sysClr val="window" lastClr="FFFFFF"/>
                 </a:solidFill>
-                <a:effectLst/>
-                <a:uLnTx/>
-                <a:uFillTx/>
-                <a:latin typeface="Segoe UI" panose="020B0502040204020203" pitchFamily="34" charset="0"/>
-                <a:ea typeface="Segoe UI" panose="020B0502040204020203" pitchFamily="34" charset="0"/>
-                <a:cs typeface="Segoe UI" panose="020B0502040204020203" pitchFamily="34" charset="0"/>
-              </a:rPr>
-              <a:t> </a:t>
-            </a:r>
-            <a:r>
-              <a:rPr kumimoji="0" lang="en-US" sz="900" kern="100" dirty="0" smtClean="0">
+                <a:latin typeface="Segoe UI" panose="020B0502040204020203" pitchFamily="34" charset="0"/>
+                <a:ea typeface="Segoe UI" panose="020B0502040204020203" pitchFamily="34" charset="0"/>
+                <a:cs typeface="Segoe UI" panose="020B0502040204020203" pitchFamily="34" charset="0"/>
+              </a:rPr>
+              <a:t># Select Operation System. ("RHEL6" or "RHEL7")</a:t>
+            </a:r>
+          </a:p>
+          <a:p>
+            <a:pPr lvl="0">
+              <a:lnSpc>
+                <a:spcPts val="900"/>
+              </a:lnSpc>
+              <a:defRPr/>
+            </a:pPr>
+            <a:r>
+              <a:rPr kumimoji="0" lang="en-US" sz="900" kern="100" dirty="0">
                 <a:solidFill>
                   <a:sysClr val="window" lastClr="FFFFFF"/>
                 </a:solidFill>
@@ -22220,77 +22267,105 @@
                 <a:ea typeface="Segoe UI" panose="020B0502040204020203" pitchFamily="34" charset="0"/>
                 <a:cs typeface="Segoe UI" panose="020B0502040204020203" pitchFamily="34" charset="0"/>
               </a:rPr>
-              <a:t>exastro</a:t>
-            </a:r>
-            <a:endParaRPr kumimoji="0" lang="ja-JP" altLang="en-US" sz="1050" b="0" i="0" u="none" strike="noStrike" kern="100" cap="none" spc="0" normalizeH="0" baseline="0" noProof="0" dirty="0">
-              <a:ln>
-                <a:noFill/>
-              </a:ln>
+              <a:t># </a:t>
+            </a:r>
+            <a:r>
+              <a:rPr kumimoji="0" lang="en-US" sz="900" kern="100" dirty="0" err="1">
+                <a:solidFill>
+                  <a:sysClr val="window" lastClr="FFFFFF"/>
+                </a:solidFill>
+                <a:latin typeface="Segoe UI" panose="020B0502040204020203" pitchFamily="34" charset="0"/>
+                <a:ea typeface="Segoe UI" panose="020B0502040204020203" pitchFamily="34" charset="0"/>
+                <a:cs typeface="Segoe UI" panose="020B0502040204020203" pitchFamily="34" charset="0"/>
+              </a:rPr>
+              <a:t>e.g</a:t>
+            </a:r>
+            <a:r>
+              <a:rPr kumimoji="0" lang="en-US" sz="900" kern="100" dirty="0">
+                <a:solidFill>
+                  <a:sysClr val="window" lastClr="FFFFFF"/>
+                </a:solidFill>
+                <a:latin typeface="Segoe UI" panose="020B0502040204020203" pitchFamily="34" charset="0"/>
+                <a:ea typeface="Segoe UI" panose="020B0502040204020203" pitchFamily="34" charset="0"/>
+                <a:cs typeface="Segoe UI" panose="020B0502040204020203" pitchFamily="34" charset="0"/>
+              </a:rPr>
+              <a:t>) ita_os:RHEL7</a:t>
+            </a:r>
+          </a:p>
+          <a:p>
+            <a:pPr lvl="0">
+              <a:lnSpc>
+                <a:spcPts val="900"/>
+              </a:lnSpc>
+              <a:defRPr/>
+            </a:pPr>
+            <a:r>
+              <a:rPr kumimoji="0" lang="en-US" sz="900" kern="100" dirty="0">
+                <a:solidFill>
+                  <a:sysClr val="window" lastClr="FFFFFF"/>
+                </a:solidFill>
+                <a:latin typeface="Segoe UI" panose="020B0502040204020203" pitchFamily="34" charset="0"/>
+                <a:ea typeface="Segoe UI" panose="020B0502040204020203" pitchFamily="34" charset="0"/>
+                <a:cs typeface="Segoe UI" panose="020B0502040204020203" pitchFamily="34" charset="0"/>
+              </a:rPr>
+              <a:t>ita_os:RHEL7</a:t>
+            </a:r>
+          </a:p>
+          <a:p>
+            <a:pPr lvl="0">
+              <a:lnSpc>
+                <a:spcPts val="900"/>
+              </a:lnSpc>
+              <a:defRPr/>
+            </a:pPr>
+            <a:endParaRPr kumimoji="0" lang="en-US" sz="900" kern="100" dirty="0">
               <a:solidFill>
                 <a:sysClr val="window" lastClr="FFFFFF"/>
               </a:solidFill>
-              <a:effectLst/>
-              <a:uLnTx/>
-              <a:uFillTx/>
               <a:latin typeface="Segoe UI" panose="020B0502040204020203" pitchFamily="34" charset="0"/>
-              <a:ea typeface="ＭＳ 明朝" panose="02020609040205080304" pitchFamily="17" charset="-128"/>
+              <a:ea typeface="Segoe UI" panose="020B0502040204020203" pitchFamily="34" charset="0"/>
               <a:cs typeface="Segoe UI" panose="020B0502040204020203" pitchFamily="34" charset="0"/>
             </a:endParaRPr>
           </a:p>
           <a:p>
-            <a:pPr marL="0" marR="0" lvl="0" indent="0" algn="l" defTabSz="914400" eaLnBrk="1" fontAlgn="auto" latinLnBrk="0" hangingPunct="1">
+            <a:pPr lvl="0">
               <a:lnSpc>
                 <a:spcPts val="900"/>
               </a:lnSpc>
-              <a:spcBef>
-                <a:spcPts val="0"/>
-              </a:spcBef>
-              <a:spcAft>
-                <a:spcPts val="0"/>
-              </a:spcAft>
-              <a:buClrTx/>
-              <a:buSzTx/>
-              <a:buFontTx/>
-              <a:buNone/>
-              <a:tabLst/>
               <a:defRPr/>
             </a:pPr>
             <a:r>
-              <a:rPr kumimoji="0" lang="en-US" sz="900" b="0" i="0" u="none" strike="noStrike" kern="100" cap="none" spc="0" normalizeH="0" baseline="0" noProof="0" dirty="0">
-                <a:ln>
-                  <a:noFill/>
-                </a:ln>
+              <a:rPr kumimoji="0" lang="en-US" sz="900" kern="100" dirty="0">
                 <a:solidFill>
                   <a:sysClr val="window" lastClr="FFFFFF"/>
                 </a:solidFill>
-                <a:effectLst/>
-                <a:uLnTx/>
-                <a:uFillTx/>
-                <a:latin typeface="Segoe UI" panose="020B0502040204020203" pitchFamily="34" charset="0"/>
-                <a:ea typeface="Segoe UI" panose="020B0502040204020203" pitchFamily="34" charset="0"/>
-                <a:cs typeface="Segoe UI" panose="020B0502040204020203" pitchFamily="34" charset="0"/>
-              </a:rPr>
-              <a:t>ita_directory:/</a:t>
-            </a:r>
-            <a:r>
-              <a:rPr kumimoji="0" lang="en-US" sz="1050" b="0" i="0" u="none" strike="noStrike" kern="100" cap="none" spc="0" normalizeH="0" baseline="0" noProof="0" dirty="0">
-                <a:ln>
-                  <a:noFill/>
-                </a:ln>
+                <a:latin typeface="Segoe UI" panose="020B0502040204020203" pitchFamily="34" charset="0"/>
+                <a:ea typeface="Segoe UI" panose="020B0502040204020203" pitchFamily="34" charset="0"/>
+                <a:cs typeface="Segoe UI" panose="020B0502040204020203" pitchFamily="34" charset="0"/>
+              </a:rPr>
+              <a:t># Enter the MariaDB root user's password</a:t>
+            </a:r>
+          </a:p>
+          <a:p>
+            <a:pPr lvl="0">
+              <a:lnSpc>
+                <a:spcPts val="900"/>
+              </a:lnSpc>
+              <a:defRPr/>
+            </a:pPr>
+            <a:r>
+              <a:rPr kumimoji="0" lang="en-US" sz="900" kern="100" dirty="0">
                 <a:solidFill>
                   <a:sysClr val="window" lastClr="FFFFFF"/>
                 </a:solidFill>
-                <a:effectLst/>
-                <a:uLnTx/>
-                <a:uFillTx/>
-                <a:latin typeface="Segoe UI" panose="020B0502040204020203" pitchFamily="34" charset="0"/>
-                <a:ea typeface="Segoe UI" panose="020B0502040204020203" pitchFamily="34" charset="0"/>
-                <a:cs typeface="Segoe UI" panose="020B0502040204020203" pitchFamily="34" charset="0"/>
-              </a:rPr>
-              <a:t> </a:t>
-            </a:r>
-            <a:r>
-              <a:rPr kumimoji="0" lang="en-US" sz="900" kern="100" dirty="0" smtClean="0">
+                <a:latin typeface="Segoe UI" panose="020B0502040204020203" pitchFamily="34" charset="0"/>
+                <a:ea typeface="Segoe UI" panose="020B0502040204020203" pitchFamily="34" charset="0"/>
+                <a:cs typeface="Segoe UI" panose="020B0502040204020203" pitchFamily="34" charset="0"/>
+              </a:rPr>
+              <a:t># </a:t>
+            </a:r>
+            <a:r>
+              <a:rPr kumimoji="0" lang="en-US" sz="900" kern="100" dirty="0" err="1">
                 <a:solidFill>
                   <a:sysClr val="window" lastClr="FFFFFF"/>
                 </a:solidFill>
@@ -22298,1765 +22373,670 @@
                 <a:ea typeface="Segoe UI" panose="020B0502040204020203" pitchFamily="34" charset="0"/>
                 <a:cs typeface="Segoe UI" panose="020B0502040204020203" pitchFamily="34" charset="0"/>
               </a:rPr>
-              <a:t>exastro</a:t>
-            </a:r>
-            <a:endParaRPr kumimoji="0" lang="ja-JP" altLang="en-US" sz="1050" b="0" i="0" u="none" strike="noStrike" kern="100" cap="none" spc="0" normalizeH="0" baseline="0" noProof="0" dirty="0">
-              <a:ln>
-                <a:noFill/>
-              </a:ln>
+              <a:t>e.g</a:t>
+            </a:r>
+            <a:r>
+              <a:rPr kumimoji="0" lang="en-US" sz="900" kern="100" dirty="0">
+                <a:solidFill>
+                  <a:sysClr val="window" lastClr="FFFFFF"/>
+                </a:solidFill>
+                <a:latin typeface="Segoe UI" panose="020B0502040204020203" pitchFamily="34" charset="0"/>
+                <a:ea typeface="Segoe UI" panose="020B0502040204020203" pitchFamily="34" charset="0"/>
+                <a:cs typeface="Segoe UI" panose="020B0502040204020203" pitchFamily="34" charset="0"/>
+              </a:rPr>
+              <a:t>) </a:t>
+            </a:r>
+            <a:r>
+              <a:rPr kumimoji="0" lang="en-US" sz="900" kern="100" dirty="0" err="1">
+                <a:solidFill>
+                  <a:sysClr val="window" lastClr="FFFFFF"/>
+                </a:solidFill>
+                <a:latin typeface="Segoe UI" panose="020B0502040204020203" pitchFamily="34" charset="0"/>
+                <a:ea typeface="Segoe UI" panose="020B0502040204020203" pitchFamily="34" charset="0"/>
+                <a:cs typeface="Segoe UI" panose="020B0502040204020203" pitchFamily="34" charset="0"/>
+              </a:rPr>
+              <a:t>db_root_password:sample_root_password</a:t>
+            </a:r>
+            <a:endParaRPr kumimoji="0" lang="en-US" sz="900" kern="100" dirty="0">
               <a:solidFill>
                 <a:sysClr val="window" lastClr="FFFFFF"/>
               </a:solidFill>
-              <a:effectLst/>
-              <a:uLnTx/>
-              <a:uFillTx/>
               <a:latin typeface="Segoe UI" panose="020B0502040204020203" pitchFamily="34" charset="0"/>
-              <a:ea typeface="ＭＳ 明朝" panose="02020609040205080304" pitchFamily="17" charset="-128"/>
+              <a:ea typeface="Segoe UI" panose="020B0502040204020203" pitchFamily="34" charset="0"/>
               <a:cs typeface="Segoe UI" panose="020B0502040204020203" pitchFamily="34" charset="0"/>
             </a:endParaRPr>
           </a:p>
           <a:p>
-            <a:pPr marL="0" marR="0" lvl="0" indent="0" algn="l" defTabSz="914400" eaLnBrk="1" fontAlgn="auto" latinLnBrk="0" hangingPunct="1">
+            <a:pPr lvl="0">
               <a:lnSpc>
                 <a:spcPts val="900"/>
               </a:lnSpc>
-              <a:spcBef>
-                <a:spcPts val="0"/>
-              </a:spcBef>
-              <a:spcAft>
-                <a:spcPts val="0"/>
-              </a:spcAft>
-              <a:buClrTx/>
-              <a:buSzTx/>
-              <a:buFontTx/>
-              <a:buNone/>
-              <a:tabLst/>
               <a:defRPr/>
             </a:pPr>
             <a:r>
-              <a:rPr kumimoji="0" lang="en-US" sz="900" b="0" i="0" u="none" strike="noStrike" kern="100" cap="none" spc="0" normalizeH="0" baseline="0" noProof="0" dirty="0">
-                <a:ln>
-                  <a:noFill/>
-                </a:ln>
+              <a:rPr kumimoji="0" lang="en-US" sz="900" kern="100" dirty="0" err="1">
                 <a:solidFill>
                   <a:sysClr val="window" lastClr="FFFFFF"/>
                 </a:solidFill>
-                <a:effectLst/>
-                <a:uLnTx/>
-                <a:uFillTx/>
-                <a:latin typeface="Segoe UI" panose="020B0502040204020203" pitchFamily="34" charset="0"/>
-                <a:ea typeface="Segoe UI" panose="020B0502040204020203" pitchFamily="34" charset="0"/>
-                <a:cs typeface="Segoe UI" panose="020B0502040204020203" pitchFamily="34" charset="0"/>
-              </a:rPr>
-              <a:t> </a:t>
-            </a:r>
-            <a:endParaRPr kumimoji="0" lang="ja-JP" altLang="en-US" sz="1050" b="0" i="0" u="none" strike="noStrike" kern="100" cap="none" spc="0" normalizeH="0" baseline="0" noProof="0" dirty="0">
-              <a:ln>
-                <a:noFill/>
-              </a:ln>
+                <a:latin typeface="Segoe UI" panose="020B0502040204020203" pitchFamily="34" charset="0"/>
+                <a:ea typeface="Segoe UI" panose="020B0502040204020203" pitchFamily="34" charset="0"/>
+                <a:cs typeface="Segoe UI" panose="020B0502040204020203" pitchFamily="34" charset="0"/>
+              </a:rPr>
+              <a:t>db_root_password</a:t>
+            </a:r>
+            <a:r>
+              <a:rPr kumimoji="0" lang="en-US" sz="900" kern="100" dirty="0">
+                <a:solidFill>
+                  <a:sysClr val="window" lastClr="FFFFFF"/>
+                </a:solidFill>
+                <a:latin typeface="Segoe UI" panose="020B0502040204020203" pitchFamily="34" charset="0"/>
+                <a:ea typeface="Segoe UI" panose="020B0502040204020203" pitchFamily="34" charset="0"/>
+                <a:cs typeface="Segoe UI" panose="020B0502040204020203" pitchFamily="34" charset="0"/>
+              </a:rPr>
+              <a:t>: </a:t>
+            </a:r>
+            <a:r>
+              <a:rPr kumimoji="0" lang="en-US" sz="900" kern="100" dirty="0" err="1">
+                <a:solidFill>
+                  <a:sysClr val="window" lastClr="FFFFFF"/>
+                </a:solidFill>
+                <a:latin typeface="Segoe UI" panose="020B0502040204020203" pitchFamily="34" charset="0"/>
+                <a:ea typeface="Segoe UI" panose="020B0502040204020203" pitchFamily="34" charset="0"/>
+                <a:cs typeface="Segoe UI" panose="020B0502040204020203" pitchFamily="34" charset="0"/>
+              </a:rPr>
+              <a:t>sample_root_password</a:t>
+            </a:r>
+            <a:endParaRPr kumimoji="0" lang="en-US" sz="900" kern="100" dirty="0">
               <a:solidFill>
                 <a:sysClr val="window" lastClr="FFFFFF"/>
               </a:solidFill>
-              <a:effectLst/>
-              <a:uLnTx/>
-              <a:uFillTx/>
               <a:latin typeface="Segoe UI" panose="020B0502040204020203" pitchFamily="34" charset="0"/>
-              <a:ea typeface="ＭＳ 明朝" panose="02020609040205080304" pitchFamily="17" charset="-128"/>
+              <a:ea typeface="Segoe UI" panose="020B0502040204020203" pitchFamily="34" charset="0"/>
               <a:cs typeface="Segoe UI" panose="020B0502040204020203" pitchFamily="34" charset="0"/>
             </a:endParaRPr>
           </a:p>
           <a:p>
-            <a:pPr marL="0" marR="0" lvl="0" indent="0" algn="l" defTabSz="914400" eaLnBrk="1" fontAlgn="auto" latinLnBrk="0" hangingPunct="1">
+            <a:pPr lvl="0">
               <a:lnSpc>
                 <a:spcPts val="900"/>
               </a:lnSpc>
-              <a:spcBef>
-                <a:spcPts val="0"/>
-              </a:spcBef>
-              <a:spcAft>
-                <a:spcPts val="0"/>
-              </a:spcAft>
-              <a:buClrTx/>
-              <a:buSzTx/>
-              <a:buFontTx/>
-              <a:buNone/>
-              <a:tabLst/>
               <a:defRPr/>
             </a:pPr>
-            <a:r>
-              <a:rPr kumimoji="0" lang="en-US" sz="900" b="0" i="0" u="none" strike="noStrike" kern="100" cap="none" spc="0" normalizeH="0" baseline="0" noProof="0" dirty="0">
-                <a:ln>
-                  <a:noFill/>
-                </a:ln>
+            <a:endParaRPr kumimoji="0" lang="en-US" sz="900" kern="100" dirty="0">
+              <a:solidFill>
+                <a:sysClr val="window" lastClr="FFFFFF"/>
+              </a:solidFill>
+              <a:latin typeface="Segoe UI" panose="020B0502040204020203" pitchFamily="34" charset="0"/>
+              <a:ea typeface="Segoe UI" panose="020B0502040204020203" pitchFamily="34" charset="0"/>
+              <a:cs typeface="Segoe UI" panose="020B0502040204020203" pitchFamily="34" charset="0"/>
+            </a:endParaRPr>
+          </a:p>
+          <a:p>
+            <a:pPr lvl="0">
+              <a:lnSpc>
+                <a:spcPts val="900"/>
+              </a:lnSpc>
+              <a:defRPr/>
+            </a:pPr>
+            <a:r>
+              <a:rPr kumimoji="0" lang="en-US" sz="900" kern="100" dirty="0">
                 <a:solidFill>
                   <a:sysClr val="window" lastClr="FFFFFF"/>
                 </a:solidFill>
-                <a:effectLst/>
-                <a:uLnTx/>
-                <a:uFillTx/>
-                <a:latin typeface="Segoe UI" panose="020B0502040204020203" pitchFamily="34" charset="0"/>
-                <a:ea typeface="Segoe UI" panose="020B0502040204020203" pitchFamily="34" charset="0"/>
-                <a:cs typeface="Segoe UI" panose="020B0502040204020203" pitchFamily="34" charset="0"/>
-              </a:rPr>
-              <a:t># Select language. ("ja_JP" or "en_US")</a:t>
-            </a:r>
-            <a:endParaRPr kumimoji="0" lang="ja-JP" altLang="en-US" sz="1050" b="0" i="0" u="none" strike="noStrike" kern="100" cap="none" spc="0" normalizeH="0" baseline="0" noProof="0" dirty="0">
-              <a:ln>
-                <a:noFill/>
-              </a:ln>
+                <a:latin typeface="Segoe UI" panose="020B0502040204020203" pitchFamily="34" charset="0"/>
+                <a:ea typeface="Segoe UI" panose="020B0502040204020203" pitchFamily="34" charset="0"/>
+                <a:cs typeface="Segoe UI" panose="020B0502040204020203" pitchFamily="34" charset="0"/>
+              </a:rPr>
+              <a:t># Decide the database name, username, and password for ITA.</a:t>
+            </a:r>
+          </a:p>
+          <a:p>
+            <a:pPr lvl="0">
+              <a:lnSpc>
+                <a:spcPts val="900"/>
+              </a:lnSpc>
+              <a:defRPr/>
+            </a:pPr>
+            <a:r>
+              <a:rPr kumimoji="0" lang="en-US" sz="900" kern="100" dirty="0">
+                <a:solidFill>
+                  <a:sysClr val="window" lastClr="FFFFFF"/>
+                </a:solidFill>
+                <a:latin typeface="Segoe UI" panose="020B0502040204020203" pitchFamily="34" charset="0"/>
+                <a:ea typeface="Segoe UI" panose="020B0502040204020203" pitchFamily="34" charset="0"/>
+                <a:cs typeface="Segoe UI" panose="020B0502040204020203" pitchFamily="34" charset="0"/>
+              </a:rPr>
+              <a:t># </a:t>
+            </a:r>
+            <a:r>
+              <a:rPr kumimoji="0" lang="en-US" sz="900" kern="100" dirty="0" err="1">
+                <a:solidFill>
+                  <a:sysClr val="window" lastClr="FFFFFF"/>
+                </a:solidFill>
+                <a:latin typeface="Segoe UI" panose="020B0502040204020203" pitchFamily="34" charset="0"/>
+                <a:ea typeface="Segoe UI" panose="020B0502040204020203" pitchFamily="34" charset="0"/>
+                <a:cs typeface="Segoe UI" panose="020B0502040204020203" pitchFamily="34" charset="0"/>
+              </a:rPr>
+              <a:t>e.g</a:t>
+            </a:r>
+            <a:r>
+              <a:rPr kumimoji="0" lang="en-US" sz="900" kern="100" dirty="0">
+                <a:solidFill>
+                  <a:sysClr val="window" lastClr="FFFFFF"/>
+                </a:solidFill>
+                <a:latin typeface="Segoe UI" panose="020B0502040204020203" pitchFamily="34" charset="0"/>
+                <a:ea typeface="Segoe UI" panose="020B0502040204020203" pitchFamily="34" charset="0"/>
+                <a:cs typeface="Segoe UI" panose="020B0502040204020203" pitchFamily="34" charset="0"/>
+              </a:rPr>
+              <a:t>) </a:t>
+            </a:r>
+            <a:r>
+              <a:rPr kumimoji="0" lang="en-US" sz="900" kern="100" dirty="0" err="1">
+                <a:solidFill>
+                  <a:sysClr val="window" lastClr="FFFFFF"/>
+                </a:solidFill>
+                <a:latin typeface="Segoe UI" panose="020B0502040204020203" pitchFamily="34" charset="0"/>
+                <a:ea typeface="Segoe UI" panose="020B0502040204020203" pitchFamily="34" charset="0"/>
+                <a:cs typeface="Segoe UI" panose="020B0502040204020203" pitchFamily="34" charset="0"/>
+              </a:rPr>
+              <a:t>db_name:sample_db_name</a:t>
+            </a:r>
+            <a:endParaRPr kumimoji="0" lang="en-US" sz="900" kern="100" dirty="0">
               <a:solidFill>
                 <a:sysClr val="window" lastClr="FFFFFF"/>
               </a:solidFill>
-              <a:effectLst/>
-              <a:uLnTx/>
-              <a:uFillTx/>
               <a:latin typeface="Segoe UI" panose="020B0502040204020203" pitchFamily="34" charset="0"/>
-              <a:ea typeface="ＭＳ 明朝" panose="02020609040205080304" pitchFamily="17" charset="-128"/>
+              <a:ea typeface="Segoe UI" panose="020B0502040204020203" pitchFamily="34" charset="0"/>
               <a:cs typeface="Segoe UI" panose="020B0502040204020203" pitchFamily="34" charset="0"/>
             </a:endParaRPr>
           </a:p>
           <a:p>
-            <a:pPr marL="0" marR="0" lvl="0" indent="0" algn="l" defTabSz="914400" eaLnBrk="1" fontAlgn="auto" latinLnBrk="0" hangingPunct="1">
+            <a:pPr lvl="0">
               <a:lnSpc>
                 <a:spcPts val="900"/>
               </a:lnSpc>
-              <a:spcBef>
-                <a:spcPts val="0"/>
-              </a:spcBef>
-              <a:spcAft>
-                <a:spcPts val="0"/>
-              </a:spcAft>
-              <a:buClrTx/>
-              <a:buSzTx/>
-              <a:buFontTx/>
-              <a:buNone/>
-              <a:tabLst/>
               <a:defRPr/>
             </a:pPr>
             <a:r>
-              <a:rPr kumimoji="0" lang="en-US" sz="900" b="0" i="0" u="none" strike="noStrike" kern="100" cap="none" spc="0" normalizeH="0" baseline="0" noProof="0" dirty="0">
-                <a:ln>
-                  <a:noFill/>
-                </a:ln>
+              <a:rPr kumimoji="0" lang="en-US" sz="900" kern="100" dirty="0" err="1">
                 <a:solidFill>
                   <a:sysClr val="window" lastClr="FFFFFF"/>
                 </a:solidFill>
-                <a:effectLst/>
-                <a:uLnTx/>
-                <a:uFillTx/>
-                <a:latin typeface="Segoe UI" panose="020B0502040204020203" pitchFamily="34" charset="0"/>
-                <a:ea typeface="Segoe UI" panose="020B0502040204020203" pitchFamily="34" charset="0"/>
-                <a:cs typeface="Segoe UI" panose="020B0502040204020203" pitchFamily="34" charset="0"/>
-              </a:rPr>
-              <a:t># e.g) </a:t>
-            </a:r>
-            <a:r>
-              <a:rPr kumimoji="0" lang="en-US" sz="900" b="0" i="0" u="none" strike="noStrike" kern="100" cap="none" spc="0" normalizeH="0" baseline="0" noProof="0" dirty="0" smtClean="0">
-                <a:ln>
-                  <a:noFill/>
-                </a:ln>
+                <a:latin typeface="Segoe UI" panose="020B0502040204020203" pitchFamily="34" charset="0"/>
+                <a:ea typeface="Segoe UI" panose="020B0502040204020203" pitchFamily="34" charset="0"/>
+                <a:cs typeface="Segoe UI" panose="020B0502040204020203" pitchFamily="34" charset="0"/>
+              </a:rPr>
+              <a:t>db_name:sample_db_name</a:t>
+            </a:r>
+            <a:endParaRPr kumimoji="0" lang="en-US" sz="900" kern="100" dirty="0">
+              <a:solidFill>
+                <a:sysClr val="window" lastClr="FFFFFF"/>
+              </a:solidFill>
+              <a:latin typeface="Segoe UI" panose="020B0502040204020203" pitchFamily="34" charset="0"/>
+              <a:ea typeface="Segoe UI" panose="020B0502040204020203" pitchFamily="34" charset="0"/>
+              <a:cs typeface="Segoe UI" panose="020B0502040204020203" pitchFamily="34" charset="0"/>
+            </a:endParaRPr>
+          </a:p>
+          <a:p>
+            <a:pPr lvl="0">
+              <a:lnSpc>
+                <a:spcPts val="900"/>
+              </a:lnSpc>
+              <a:defRPr/>
+            </a:pPr>
+            <a:r>
+              <a:rPr kumimoji="0" lang="en-US" sz="900" kern="100" dirty="0">
                 <a:solidFill>
                   <a:sysClr val="window" lastClr="FFFFFF"/>
                 </a:solidFill>
-                <a:effectLst/>
-                <a:uLnTx/>
-                <a:uFillTx/>
-                <a:latin typeface="Segoe UI" panose="020B0502040204020203" pitchFamily="34" charset="0"/>
-                <a:ea typeface="Segoe UI" panose="020B0502040204020203" pitchFamily="34" charset="0"/>
-                <a:cs typeface="Segoe UI" panose="020B0502040204020203" pitchFamily="34" charset="0"/>
-              </a:rPr>
-              <a:t>ita_language:en_US</a:t>
-            </a:r>
-            <a:endParaRPr kumimoji="0" lang="ja-JP" altLang="en-US" sz="1050" b="0" i="0" u="none" strike="noStrike" kern="100" cap="none" spc="0" normalizeH="0" baseline="0" noProof="0" dirty="0">
-              <a:ln>
-                <a:noFill/>
-              </a:ln>
+                <a:latin typeface="Segoe UI" panose="020B0502040204020203" pitchFamily="34" charset="0"/>
+                <a:ea typeface="Segoe UI" panose="020B0502040204020203" pitchFamily="34" charset="0"/>
+                <a:cs typeface="Segoe UI" panose="020B0502040204020203" pitchFamily="34" charset="0"/>
+              </a:rPr>
+              <a:t># </a:t>
+            </a:r>
+            <a:r>
+              <a:rPr kumimoji="0" lang="en-US" sz="900" kern="100" dirty="0" err="1">
+                <a:solidFill>
+                  <a:sysClr val="window" lastClr="FFFFFF"/>
+                </a:solidFill>
+                <a:latin typeface="Segoe UI" panose="020B0502040204020203" pitchFamily="34" charset="0"/>
+                <a:ea typeface="Segoe UI" panose="020B0502040204020203" pitchFamily="34" charset="0"/>
+                <a:cs typeface="Segoe UI" panose="020B0502040204020203" pitchFamily="34" charset="0"/>
+              </a:rPr>
+              <a:t>e.g</a:t>
+            </a:r>
+            <a:r>
+              <a:rPr kumimoji="0" lang="en-US" sz="900" kern="100" dirty="0">
+                <a:solidFill>
+                  <a:sysClr val="window" lastClr="FFFFFF"/>
+                </a:solidFill>
+                <a:latin typeface="Segoe UI" panose="020B0502040204020203" pitchFamily="34" charset="0"/>
+                <a:ea typeface="Segoe UI" panose="020B0502040204020203" pitchFamily="34" charset="0"/>
+                <a:cs typeface="Segoe UI" panose="020B0502040204020203" pitchFamily="34" charset="0"/>
+              </a:rPr>
+              <a:t>) </a:t>
+            </a:r>
+            <a:r>
+              <a:rPr kumimoji="0" lang="en-US" sz="900" kern="100" dirty="0" err="1">
+                <a:solidFill>
+                  <a:sysClr val="window" lastClr="FFFFFF"/>
+                </a:solidFill>
+                <a:latin typeface="Segoe UI" panose="020B0502040204020203" pitchFamily="34" charset="0"/>
+                <a:ea typeface="Segoe UI" panose="020B0502040204020203" pitchFamily="34" charset="0"/>
+                <a:cs typeface="Segoe UI" panose="020B0502040204020203" pitchFamily="34" charset="0"/>
+              </a:rPr>
+              <a:t>db_username:sample_db_username</a:t>
+            </a:r>
+            <a:endParaRPr kumimoji="0" lang="en-US" sz="900" kern="100" dirty="0">
               <a:solidFill>
                 <a:sysClr val="window" lastClr="FFFFFF"/>
               </a:solidFill>
-              <a:effectLst/>
-              <a:uLnTx/>
-              <a:uFillTx/>
               <a:latin typeface="Segoe UI" panose="020B0502040204020203" pitchFamily="34" charset="0"/>
-              <a:ea typeface="ＭＳ 明朝" panose="02020609040205080304" pitchFamily="17" charset="-128"/>
+              <a:ea typeface="Segoe UI" panose="020B0502040204020203" pitchFamily="34" charset="0"/>
               <a:cs typeface="Segoe UI" panose="020B0502040204020203" pitchFamily="34" charset="0"/>
             </a:endParaRPr>
           </a:p>
           <a:p>
-            <a:pPr marL="0" marR="0" lvl="0" indent="0" algn="l" defTabSz="914400" eaLnBrk="1" fontAlgn="auto" latinLnBrk="0" hangingPunct="1">
+            <a:pPr lvl="0">
               <a:lnSpc>
                 <a:spcPts val="900"/>
               </a:lnSpc>
-              <a:spcBef>
-                <a:spcPts val="0"/>
-              </a:spcBef>
-              <a:spcAft>
-                <a:spcPts val="0"/>
-              </a:spcAft>
-              <a:buClrTx/>
-              <a:buSzTx/>
-              <a:buFontTx/>
-              <a:buNone/>
-              <a:tabLst/>
               <a:defRPr/>
             </a:pPr>
             <a:r>
-              <a:rPr kumimoji="0" lang="en-US" sz="900" b="0" i="0" u="none" strike="noStrike" kern="100" cap="none" spc="0" normalizeH="0" baseline="0" noProof="0" dirty="0" smtClean="0">
-                <a:ln>
-                  <a:noFill/>
-                </a:ln>
+              <a:rPr kumimoji="0" lang="en-US" sz="900" kern="100" dirty="0" err="1">
                 <a:solidFill>
                   <a:sysClr val="window" lastClr="FFFFFF"/>
                 </a:solidFill>
-                <a:effectLst/>
-                <a:uLnTx/>
-                <a:uFillTx/>
-                <a:latin typeface="Segoe UI" panose="020B0502040204020203" pitchFamily="34" charset="0"/>
-                <a:ea typeface="Segoe UI" panose="020B0502040204020203" pitchFamily="34" charset="0"/>
-                <a:cs typeface="Segoe UI" panose="020B0502040204020203" pitchFamily="34" charset="0"/>
-              </a:rPr>
-              <a:t>ita_language:en_US</a:t>
-            </a:r>
-            <a:endParaRPr kumimoji="0" lang="ja-JP" altLang="en-US" sz="1050" b="0" i="0" u="none" strike="noStrike" kern="100" cap="none" spc="0" normalizeH="0" baseline="0" noProof="0" dirty="0">
-              <a:ln>
-                <a:noFill/>
-              </a:ln>
+                <a:latin typeface="Segoe UI" panose="020B0502040204020203" pitchFamily="34" charset="0"/>
+                <a:ea typeface="Segoe UI" panose="020B0502040204020203" pitchFamily="34" charset="0"/>
+                <a:cs typeface="Segoe UI" panose="020B0502040204020203" pitchFamily="34" charset="0"/>
+              </a:rPr>
+              <a:t>db_username:sample_db_username</a:t>
+            </a:r>
+            <a:endParaRPr kumimoji="0" lang="en-US" sz="900" kern="100" dirty="0">
               <a:solidFill>
                 <a:sysClr val="window" lastClr="FFFFFF"/>
               </a:solidFill>
-              <a:effectLst/>
-              <a:uLnTx/>
-              <a:uFillTx/>
               <a:latin typeface="Segoe UI" panose="020B0502040204020203" pitchFamily="34" charset="0"/>
-              <a:ea typeface="ＭＳ 明朝" panose="02020609040205080304" pitchFamily="17" charset="-128"/>
+              <a:ea typeface="Segoe UI" panose="020B0502040204020203" pitchFamily="34" charset="0"/>
               <a:cs typeface="Segoe UI" panose="020B0502040204020203" pitchFamily="34" charset="0"/>
             </a:endParaRPr>
           </a:p>
           <a:p>
-            <a:pPr marL="0" marR="0" lvl="0" indent="0" algn="l" defTabSz="914400" eaLnBrk="1" fontAlgn="auto" latinLnBrk="0" hangingPunct="1">
+            <a:pPr lvl="0">
               <a:lnSpc>
                 <a:spcPts val="900"/>
               </a:lnSpc>
-              <a:spcBef>
-                <a:spcPts val="0"/>
-              </a:spcBef>
-              <a:spcAft>
-                <a:spcPts val="0"/>
-              </a:spcAft>
-              <a:buClrTx/>
-              <a:buSzTx/>
-              <a:buFontTx/>
-              <a:buNone/>
-              <a:tabLst/>
               <a:defRPr/>
             </a:pPr>
             <a:r>
-              <a:rPr kumimoji="0" lang="en-US" sz="900" b="0" i="0" u="none" strike="noStrike" kern="100" cap="none" spc="0" normalizeH="0" baseline="0" noProof="0" dirty="0">
-                <a:ln>
-                  <a:noFill/>
-                </a:ln>
+              <a:rPr kumimoji="0" lang="en-US" sz="900" kern="100" dirty="0">
                 <a:solidFill>
                   <a:sysClr val="window" lastClr="FFFFFF"/>
                 </a:solidFill>
-                <a:effectLst/>
-                <a:uLnTx/>
-                <a:uFillTx/>
-                <a:latin typeface="Segoe UI" panose="020B0502040204020203" pitchFamily="34" charset="0"/>
-                <a:ea typeface="Segoe UI" panose="020B0502040204020203" pitchFamily="34" charset="0"/>
-                <a:cs typeface="Segoe UI" panose="020B0502040204020203" pitchFamily="34" charset="0"/>
-              </a:rPr>
-              <a:t> </a:t>
-            </a:r>
-            <a:endParaRPr kumimoji="0" lang="ja-JP" altLang="en-US" sz="1050" b="0" i="0" u="none" strike="noStrike" kern="100" cap="none" spc="0" normalizeH="0" baseline="0" noProof="0" dirty="0">
-              <a:ln>
-                <a:noFill/>
-              </a:ln>
+                <a:latin typeface="Segoe UI" panose="020B0502040204020203" pitchFamily="34" charset="0"/>
+                <a:ea typeface="Segoe UI" panose="020B0502040204020203" pitchFamily="34" charset="0"/>
+                <a:cs typeface="Segoe UI" panose="020B0502040204020203" pitchFamily="34" charset="0"/>
+              </a:rPr>
+              <a:t># </a:t>
+            </a:r>
+            <a:r>
+              <a:rPr kumimoji="0" lang="en-US" sz="900" kern="100" dirty="0" err="1">
+                <a:solidFill>
+                  <a:sysClr val="window" lastClr="FFFFFF"/>
+                </a:solidFill>
+                <a:latin typeface="Segoe UI" panose="020B0502040204020203" pitchFamily="34" charset="0"/>
+                <a:ea typeface="Segoe UI" panose="020B0502040204020203" pitchFamily="34" charset="0"/>
+                <a:cs typeface="Segoe UI" panose="020B0502040204020203" pitchFamily="34" charset="0"/>
+              </a:rPr>
+              <a:t>e.g</a:t>
+            </a:r>
+            <a:r>
+              <a:rPr kumimoji="0" lang="en-US" sz="900" kern="100" dirty="0">
+                <a:solidFill>
+                  <a:sysClr val="window" lastClr="FFFFFF"/>
+                </a:solidFill>
+                <a:latin typeface="Segoe UI" panose="020B0502040204020203" pitchFamily="34" charset="0"/>
+                <a:ea typeface="Segoe UI" panose="020B0502040204020203" pitchFamily="34" charset="0"/>
+                <a:cs typeface="Segoe UI" panose="020B0502040204020203" pitchFamily="34" charset="0"/>
+              </a:rPr>
+              <a:t>) </a:t>
+            </a:r>
+            <a:r>
+              <a:rPr kumimoji="0" lang="en-US" sz="900" kern="100" dirty="0" err="1">
+                <a:solidFill>
+                  <a:sysClr val="window" lastClr="FFFFFF"/>
+                </a:solidFill>
+                <a:latin typeface="Segoe UI" panose="020B0502040204020203" pitchFamily="34" charset="0"/>
+                <a:ea typeface="Segoe UI" panose="020B0502040204020203" pitchFamily="34" charset="0"/>
+                <a:cs typeface="Segoe UI" panose="020B0502040204020203" pitchFamily="34" charset="0"/>
+              </a:rPr>
+              <a:t>db_password:sample_db_password</a:t>
+            </a:r>
+            <a:endParaRPr kumimoji="0" lang="en-US" sz="900" kern="100" dirty="0">
               <a:solidFill>
                 <a:sysClr val="window" lastClr="FFFFFF"/>
               </a:solidFill>
-              <a:effectLst/>
-              <a:uLnTx/>
-              <a:uFillTx/>
               <a:latin typeface="Segoe UI" panose="020B0502040204020203" pitchFamily="34" charset="0"/>
-              <a:ea typeface="ＭＳ 明朝" panose="02020609040205080304" pitchFamily="17" charset="-128"/>
+              <a:ea typeface="Segoe UI" panose="020B0502040204020203" pitchFamily="34" charset="0"/>
               <a:cs typeface="Segoe UI" panose="020B0502040204020203" pitchFamily="34" charset="0"/>
             </a:endParaRPr>
           </a:p>
           <a:p>
-            <a:pPr marL="0" marR="0" lvl="0" indent="0" algn="l" defTabSz="914400" eaLnBrk="1" fontAlgn="auto" latinLnBrk="0" hangingPunct="1">
+            <a:pPr lvl="0">
               <a:lnSpc>
                 <a:spcPts val="900"/>
               </a:lnSpc>
-              <a:spcBef>
-                <a:spcPts val="0"/>
-              </a:spcBef>
-              <a:spcAft>
-                <a:spcPts val="0"/>
-              </a:spcAft>
-              <a:buClrTx/>
-              <a:buSzTx/>
-              <a:buFontTx/>
-              <a:buNone/>
-              <a:tabLst/>
               <a:defRPr/>
             </a:pPr>
             <a:r>
-              <a:rPr kumimoji="0" lang="en-US" sz="900" b="0" i="0" u="none" strike="noStrike" kern="100" cap="none" spc="0" normalizeH="0" baseline="0" noProof="0" dirty="0">
-                <a:ln>
-                  <a:noFill/>
-                </a:ln>
+              <a:rPr kumimoji="0" lang="en-US" sz="900" kern="100" dirty="0" err="1">
                 <a:solidFill>
                   <a:sysClr val="window" lastClr="FFFFFF"/>
                 </a:solidFill>
-                <a:effectLst/>
-                <a:uLnTx/>
-                <a:uFillTx/>
-                <a:latin typeface="Segoe UI" panose="020B0502040204020203" pitchFamily="34" charset="0"/>
-                <a:ea typeface="Segoe UI" panose="020B0502040204020203" pitchFamily="34" charset="0"/>
-                <a:cs typeface="Segoe UI" panose="020B0502040204020203" pitchFamily="34" charset="0"/>
-              </a:rPr>
-              <a:t># Select Operation System. ("RHEL6" or "RHEL7")</a:t>
-            </a:r>
-            <a:endParaRPr kumimoji="0" lang="ja-JP" altLang="en-US" sz="1050" b="0" i="0" u="none" strike="noStrike" kern="100" cap="none" spc="0" normalizeH="0" baseline="0" noProof="0" dirty="0">
-              <a:ln>
-                <a:noFill/>
-              </a:ln>
+                <a:latin typeface="Segoe UI" panose="020B0502040204020203" pitchFamily="34" charset="0"/>
+                <a:ea typeface="Segoe UI" panose="020B0502040204020203" pitchFamily="34" charset="0"/>
+                <a:cs typeface="Segoe UI" panose="020B0502040204020203" pitchFamily="34" charset="0"/>
+              </a:rPr>
+              <a:t>db_password:sample_db_password</a:t>
+            </a:r>
+            <a:endParaRPr kumimoji="0" lang="en-US" sz="900" kern="100" dirty="0">
               <a:solidFill>
                 <a:sysClr val="window" lastClr="FFFFFF"/>
               </a:solidFill>
-              <a:effectLst/>
-              <a:uLnTx/>
-              <a:uFillTx/>
               <a:latin typeface="Segoe UI" panose="020B0502040204020203" pitchFamily="34" charset="0"/>
-              <a:ea typeface="ＭＳ 明朝" panose="02020609040205080304" pitchFamily="17" charset="-128"/>
+              <a:ea typeface="Segoe UI" panose="020B0502040204020203" pitchFamily="34" charset="0"/>
               <a:cs typeface="Segoe UI" panose="020B0502040204020203" pitchFamily="34" charset="0"/>
             </a:endParaRPr>
           </a:p>
           <a:p>
-            <a:pPr marL="0" marR="0" lvl="0" indent="0" algn="l" defTabSz="914400" eaLnBrk="1" fontAlgn="auto" latinLnBrk="0" hangingPunct="1">
+            <a:pPr lvl="0">
               <a:lnSpc>
                 <a:spcPts val="900"/>
               </a:lnSpc>
-              <a:spcBef>
-                <a:spcPts val="0"/>
-              </a:spcBef>
-              <a:spcAft>
-                <a:spcPts val="0"/>
-              </a:spcAft>
-              <a:buClrTx/>
-              <a:buSzTx/>
-              <a:buFontTx/>
-              <a:buNone/>
-              <a:tabLst/>
               <a:defRPr/>
             </a:pPr>
-            <a:r>
-              <a:rPr kumimoji="0" lang="en-US" sz="900" b="0" i="0" u="none" strike="noStrike" kern="100" cap="none" spc="0" normalizeH="0" baseline="0" noProof="0" dirty="0">
-                <a:ln>
-                  <a:noFill/>
-                </a:ln>
+            <a:endParaRPr kumimoji="0" lang="en-US" sz="900" kern="100" dirty="0">
+              <a:solidFill>
+                <a:sysClr val="window" lastClr="FFFFFF"/>
+              </a:solidFill>
+              <a:latin typeface="Segoe UI" panose="020B0502040204020203" pitchFamily="34" charset="0"/>
+              <a:ea typeface="Segoe UI" panose="020B0502040204020203" pitchFamily="34" charset="0"/>
+              <a:cs typeface="Segoe UI" panose="020B0502040204020203" pitchFamily="34" charset="0"/>
+            </a:endParaRPr>
+          </a:p>
+          <a:p>
+            <a:pPr lvl="0">
+              <a:lnSpc>
+                <a:spcPts val="900"/>
+              </a:lnSpc>
+              <a:defRPr/>
+            </a:pPr>
+            <a:r>
+              <a:rPr kumimoji="0" lang="en-US" sz="900" kern="100" dirty="0">
                 <a:solidFill>
                   <a:sysClr val="window" lastClr="FFFFFF"/>
                 </a:solidFill>
-                <a:effectLst/>
-                <a:uLnTx/>
-                <a:uFillTx/>
-                <a:latin typeface="Segoe UI" panose="020B0502040204020203" pitchFamily="34" charset="0"/>
-                <a:ea typeface="Segoe UI" panose="020B0502040204020203" pitchFamily="34" charset="0"/>
-                <a:cs typeface="Segoe UI" panose="020B0502040204020203" pitchFamily="34" charset="0"/>
-              </a:rPr>
-              <a:t># e.g) ita_os:RHEL7</a:t>
-            </a:r>
-            <a:endParaRPr kumimoji="0" lang="ja-JP" altLang="en-US" sz="1050" b="0" i="0" u="none" strike="noStrike" kern="100" cap="none" spc="0" normalizeH="0" baseline="0" noProof="0" dirty="0">
-              <a:ln>
-                <a:noFill/>
-              </a:ln>
+                <a:latin typeface="Segoe UI" panose="020B0502040204020203" pitchFamily="34" charset="0"/>
+                <a:ea typeface="Segoe UI" panose="020B0502040204020203" pitchFamily="34" charset="0"/>
+                <a:cs typeface="Segoe UI" panose="020B0502040204020203" pitchFamily="34" charset="0"/>
+              </a:rPr>
+              <a:t># Select the target you need to install.</a:t>
+            </a:r>
+          </a:p>
+          <a:p>
+            <a:pPr lvl="0">
+              <a:lnSpc>
+                <a:spcPts val="900"/>
+              </a:lnSpc>
+              <a:defRPr/>
+            </a:pPr>
+            <a:r>
+              <a:rPr kumimoji="0" lang="en-US" sz="900" kern="100" dirty="0">
+                <a:solidFill>
+                  <a:sysClr val="window" lastClr="FFFFFF"/>
+                </a:solidFill>
+                <a:latin typeface="Segoe UI" panose="020B0502040204020203" pitchFamily="34" charset="0"/>
+                <a:ea typeface="Segoe UI" panose="020B0502040204020203" pitchFamily="34" charset="0"/>
+                <a:cs typeface="Segoe UI" panose="020B0502040204020203" pitchFamily="34" charset="0"/>
+              </a:rPr>
+              <a:t># yes : need</a:t>
+            </a:r>
+          </a:p>
+          <a:p>
+            <a:pPr lvl="0">
+              <a:lnSpc>
+                <a:spcPts val="900"/>
+              </a:lnSpc>
+              <a:defRPr/>
+            </a:pPr>
+            <a:r>
+              <a:rPr kumimoji="0" lang="en-US" sz="900" kern="100" dirty="0">
+                <a:solidFill>
+                  <a:sysClr val="window" lastClr="FFFFFF"/>
+                </a:solidFill>
+                <a:latin typeface="Segoe UI" panose="020B0502040204020203" pitchFamily="34" charset="0"/>
+                <a:ea typeface="Segoe UI" panose="020B0502040204020203" pitchFamily="34" charset="0"/>
+                <a:cs typeface="Segoe UI" panose="020B0502040204020203" pitchFamily="34" charset="0"/>
+              </a:rPr>
+              <a:t># no  : no need</a:t>
+            </a:r>
+          </a:p>
+          <a:p>
+            <a:pPr lvl="0">
+              <a:lnSpc>
+                <a:spcPts val="900"/>
+              </a:lnSpc>
+              <a:defRPr/>
+            </a:pPr>
+            <a:r>
+              <a:rPr kumimoji="0" lang="en-US" sz="900" kern="100" dirty="0" err="1">
+                <a:solidFill>
+                  <a:sysClr val="window" lastClr="FFFFFF"/>
+                </a:solidFill>
+                <a:latin typeface="Segoe UI" panose="020B0502040204020203" pitchFamily="34" charset="0"/>
+                <a:ea typeface="Segoe UI" panose="020B0502040204020203" pitchFamily="34" charset="0"/>
+                <a:cs typeface="Segoe UI" panose="020B0502040204020203" pitchFamily="34" charset="0"/>
+              </a:rPr>
+              <a:t>ita_base:yes</a:t>
+            </a:r>
+            <a:endParaRPr kumimoji="0" lang="en-US" sz="900" kern="100" dirty="0">
               <a:solidFill>
                 <a:sysClr val="window" lastClr="FFFFFF"/>
               </a:solidFill>
-              <a:effectLst/>
-              <a:uLnTx/>
-              <a:uFillTx/>
               <a:latin typeface="Segoe UI" panose="020B0502040204020203" pitchFamily="34" charset="0"/>
-              <a:ea typeface="ＭＳ 明朝" panose="02020609040205080304" pitchFamily="17" charset="-128"/>
+              <a:ea typeface="Segoe UI" panose="020B0502040204020203" pitchFamily="34" charset="0"/>
               <a:cs typeface="Segoe UI" panose="020B0502040204020203" pitchFamily="34" charset="0"/>
             </a:endParaRPr>
           </a:p>
           <a:p>
-            <a:pPr marL="0" marR="0" lvl="0" indent="0" algn="l" defTabSz="914400" eaLnBrk="1" fontAlgn="auto" latinLnBrk="0" hangingPunct="1">
+            <a:pPr lvl="0">
               <a:lnSpc>
                 <a:spcPts val="900"/>
               </a:lnSpc>
-              <a:spcBef>
-                <a:spcPts val="0"/>
-              </a:spcBef>
-              <a:spcAft>
-                <a:spcPts val="0"/>
-              </a:spcAft>
-              <a:buClrTx/>
-              <a:buSzTx/>
-              <a:buFontTx/>
-              <a:buNone/>
-              <a:tabLst/>
               <a:defRPr/>
             </a:pPr>
             <a:r>
-              <a:rPr kumimoji="0" lang="en-US" sz="900" b="0" i="0" u="none" strike="noStrike" kern="100" cap="none" spc="0" normalizeH="0" baseline="0" noProof="0" dirty="0">
-                <a:ln>
-                  <a:noFill/>
-                </a:ln>
+              <a:rPr kumimoji="0" lang="en-US" sz="900" kern="100" dirty="0" err="1">
                 <a:solidFill>
                   <a:sysClr val="window" lastClr="FFFFFF"/>
                 </a:solidFill>
-                <a:effectLst/>
-                <a:uLnTx/>
-                <a:uFillTx/>
-                <a:latin typeface="Segoe UI" panose="020B0502040204020203" pitchFamily="34" charset="0"/>
-                <a:ea typeface="Segoe UI" panose="020B0502040204020203" pitchFamily="34" charset="0"/>
-                <a:cs typeface="Segoe UI" panose="020B0502040204020203" pitchFamily="34" charset="0"/>
-              </a:rPr>
-              <a:t>ita_os:RHEL7</a:t>
-            </a:r>
-            <a:endParaRPr kumimoji="0" lang="ja-JP" altLang="en-US" sz="1050" b="0" i="0" u="none" strike="noStrike" kern="100" cap="none" spc="0" normalizeH="0" baseline="0" noProof="0" dirty="0">
-              <a:ln>
-                <a:noFill/>
-              </a:ln>
+                <a:latin typeface="Segoe UI" panose="020B0502040204020203" pitchFamily="34" charset="0"/>
+                <a:ea typeface="Segoe UI" panose="020B0502040204020203" pitchFamily="34" charset="0"/>
+                <a:cs typeface="Segoe UI" panose="020B0502040204020203" pitchFamily="34" charset="0"/>
+              </a:rPr>
+              <a:t>material:no</a:t>
+            </a:r>
+            <a:endParaRPr kumimoji="0" lang="en-US" sz="900" kern="100" dirty="0">
               <a:solidFill>
                 <a:sysClr val="window" lastClr="FFFFFF"/>
               </a:solidFill>
-              <a:effectLst/>
-              <a:uLnTx/>
-              <a:uFillTx/>
               <a:latin typeface="Segoe UI" panose="020B0502040204020203" pitchFamily="34" charset="0"/>
-              <a:ea typeface="ＭＳ 明朝" panose="02020609040205080304" pitchFamily="17" charset="-128"/>
+              <a:ea typeface="Segoe UI" panose="020B0502040204020203" pitchFamily="34" charset="0"/>
               <a:cs typeface="Segoe UI" panose="020B0502040204020203" pitchFamily="34" charset="0"/>
             </a:endParaRPr>
           </a:p>
           <a:p>
-            <a:pPr marL="0" marR="0" lvl="0" indent="0" algn="l" defTabSz="914400" eaLnBrk="1" fontAlgn="auto" latinLnBrk="0" hangingPunct="1">
+            <a:pPr lvl="0">
               <a:lnSpc>
                 <a:spcPts val="900"/>
               </a:lnSpc>
-              <a:spcBef>
-                <a:spcPts val="0"/>
-              </a:spcBef>
-              <a:spcAft>
-                <a:spcPts val="0"/>
-              </a:spcAft>
-              <a:buClrTx/>
-              <a:buSzTx/>
-              <a:buFontTx/>
-              <a:buNone/>
-              <a:tabLst/>
               <a:defRPr/>
             </a:pPr>
             <a:r>
-              <a:rPr kumimoji="0" lang="en-US" sz="900" b="0" i="0" u="none" strike="noStrike" kern="100" cap="none" spc="0" normalizeH="0" baseline="0" noProof="0" dirty="0">
-                <a:ln>
-                  <a:noFill/>
-                </a:ln>
+              <a:rPr kumimoji="0" lang="en-US" sz="900" kern="100" dirty="0" err="1">
                 <a:solidFill>
                   <a:sysClr val="window" lastClr="FFFFFF"/>
                 </a:solidFill>
-                <a:effectLst/>
-                <a:uLnTx/>
-                <a:uFillTx/>
-                <a:latin typeface="Segoe UI" panose="020B0502040204020203" pitchFamily="34" charset="0"/>
-                <a:ea typeface="Segoe UI" panose="020B0502040204020203" pitchFamily="34" charset="0"/>
-                <a:cs typeface="Segoe UI" panose="020B0502040204020203" pitchFamily="34" charset="0"/>
-              </a:rPr>
-              <a:t> </a:t>
-            </a:r>
-            <a:endParaRPr kumimoji="0" lang="ja-JP" altLang="en-US" sz="1050" b="0" i="0" u="none" strike="noStrike" kern="100" cap="none" spc="0" normalizeH="0" baseline="0" noProof="0" dirty="0">
-              <a:ln>
-                <a:noFill/>
-              </a:ln>
+                <a:latin typeface="Segoe UI" panose="020B0502040204020203" pitchFamily="34" charset="0"/>
+                <a:ea typeface="Segoe UI" panose="020B0502040204020203" pitchFamily="34" charset="0"/>
+                <a:cs typeface="Segoe UI" panose="020B0502040204020203" pitchFamily="34" charset="0"/>
+              </a:rPr>
+              <a:t>createparam:yes</a:t>
+            </a:r>
+            <a:endParaRPr kumimoji="0" lang="en-US" sz="900" kern="100" dirty="0">
               <a:solidFill>
                 <a:sysClr val="window" lastClr="FFFFFF"/>
               </a:solidFill>
-              <a:effectLst/>
-              <a:uLnTx/>
-              <a:uFillTx/>
               <a:latin typeface="Segoe UI" panose="020B0502040204020203" pitchFamily="34" charset="0"/>
-              <a:ea typeface="ＭＳ 明朝" panose="02020609040205080304" pitchFamily="17" charset="-128"/>
+              <a:ea typeface="Segoe UI" panose="020B0502040204020203" pitchFamily="34" charset="0"/>
               <a:cs typeface="Segoe UI" panose="020B0502040204020203" pitchFamily="34" charset="0"/>
             </a:endParaRPr>
           </a:p>
           <a:p>
-            <a:pPr marL="0" marR="0" lvl="0" indent="0" algn="l" defTabSz="914400" eaLnBrk="1" fontAlgn="auto" latinLnBrk="0" hangingPunct="1">
+            <a:pPr lvl="0">
               <a:lnSpc>
                 <a:spcPts val="900"/>
               </a:lnSpc>
-              <a:spcBef>
-                <a:spcPts val="0"/>
-              </a:spcBef>
-              <a:spcAft>
-                <a:spcPts val="0"/>
-              </a:spcAft>
-              <a:buClrTx/>
-              <a:buSzTx/>
-              <a:buFontTx/>
-              <a:buNone/>
-              <a:tabLst/>
               <a:defRPr/>
             </a:pPr>
             <a:r>
-              <a:rPr kumimoji="0" lang="en-US" sz="900" b="0" i="0" u="none" strike="noStrike" kern="100" cap="none" spc="0" normalizeH="0" baseline="0" noProof="0" dirty="0">
-                <a:ln>
-                  <a:noFill/>
-                </a:ln>
+              <a:rPr kumimoji="0" lang="en-US" sz="900" kern="100" dirty="0" err="1">
                 <a:solidFill>
                   <a:sysClr val="window" lastClr="FFFFFF"/>
                 </a:solidFill>
-                <a:effectLst/>
-                <a:uLnTx/>
-                <a:uFillTx/>
-                <a:latin typeface="Segoe UI" panose="020B0502040204020203" pitchFamily="34" charset="0"/>
-                <a:ea typeface="Segoe UI" panose="020B0502040204020203" pitchFamily="34" charset="0"/>
-                <a:cs typeface="Segoe UI" panose="020B0502040204020203" pitchFamily="34" charset="0"/>
-              </a:rPr>
-              <a:t># Enter the MySQL root user's password</a:t>
-            </a:r>
-            <a:endParaRPr kumimoji="0" lang="ja-JP" altLang="en-US" sz="1050" b="0" i="0" u="none" strike="noStrike" kern="100" cap="none" spc="0" normalizeH="0" baseline="0" noProof="0" dirty="0">
-              <a:ln>
-                <a:noFill/>
-              </a:ln>
+                <a:latin typeface="Segoe UI" panose="020B0502040204020203" pitchFamily="34" charset="0"/>
+                <a:ea typeface="Segoe UI" panose="020B0502040204020203" pitchFamily="34" charset="0"/>
+                <a:cs typeface="Segoe UI" panose="020B0502040204020203" pitchFamily="34" charset="0"/>
+              </a:rPr>
+              <a:t>hostgroup:no</a:t>
+            </a:r>
+            <a:endParaRPr kumimoji="0" lang="en-US" sz="900" kern="100" dirty="0">
               <a:solidFill>
                 <a:sysClr val="window" lastClr="FFFFFF"/>
               </a:solidFill>
-              <a:effectLst/>
-              <a:uLnTx/>
-              <a:uFillTx/>
               <a:latin typeface="Segoe UI" panose="020B0502040204020203" pitchFamily="34" charset="0"/>
-              <a:ea typeface="ＭＳ 明朝" panose="02020609040205080304" pitchFamily="17" charset="-128"/>
+              <a:ea typeface="Segoe UI" panose="020B0502040204020203" pitchFamily="34" charset="0"/>
               <a:cs typeface="Segoe UI" panose="020B0502040204020203" pitchFamily="34" charset="0"/>
             </a:endParaRPr>
           </a:p>
           <a:p>
-            <a:pPr marL="0" marR="0" lvl="0" indent="0" algn="l" defTabSz="914400" eaLnBrk="1" fontAlgn="auto" latinLnBrk="0" hangingPunct="1">
+            <a:pPr lvl="0">
               <a:lnSpc>
                 <a:spcPts val="900"/>
               </a:lnSpc>
-              <a:spcBef>
-                <a:spcPts val="0"/>
-              </a:spcBef>
-              <a:spcAft>
-                <a:spcPts val="0"/>
-              </a:spcAft>
-              <a:buClrTx/>
-              <a:buSzTx/>
-              <a:buFontTx/>
-              <a:buNone/>
-              <a:tabLst/>
               <a:defRPr/>
             </a:pPr>
             <a:r>
-              <a:rPr kumimoji="0" lang="en-US" sz="900" b="0" i="0" u="none" strike="noStrike" kern="100" cap="none" spc="0" normalizeH="0" baseline="0" noProof="0" dirty="0">
-                <a:ln>
-                  <a:noFill/>
-                </a:ln>
+              <a:rPr kumimoji="0" lang="en-US" sz="900" kern="100" dirty="0" err="1">
                 <a:solidFill>
                   <a:sysClr val="window" lastClr="FFFFFF"/>
                 </a:solidFill>
-                <a:effectLst/>
-                <a:uLnTx/>
-                <a:uFillTx/>
-                <a:latin typeface="Segoe UI" panose="020B0502040204020203" pitchFamily="34" charset="0"/>
-                <a:ea typeface="Segoe UI" panose="020B0502040204020203" pitchFamily="34" charset="0"/>
-                <a:cs typeface="Segoe UI" panose="020B0502040204020203" pitchFamily="34" charset="0"/>
-              </a:rPr>
-              <a:t># e.g) db_root_password:sample_root_password</a:t>
-            </a:r>
-            <a:endParaRPr kumimoji="0" lang="ja-JP" altLang="en-US" sz="1050" b="0" i="0" u="none" strike="noStrike" kern="100" cap="none" spc="0" normalizeH="0" baseline="0" noProof="0" dirty="0">
-              <a:ln>
-                <a:noFill/>
-              </a:ln>
+                <a:latin typeface="Segoe UI" panose="020B0502040204020203" pitchFamily="34" charset="0"/>
+                <a:ea typeface="Segoe UI" panose="020B0502040204020203" pitchFamily="34" charset="0"/>
+                <a:cs typeface="Segoe UI" panose="020B0502040204020203" pitchFamily="34" charset="0"/>
+              </a:rPr>
+              <a:t>ansible_driver:yes</a:t>
+            </a:r>
+            <a:endParaRPr kumimoji="0" lang="en-US" sz="900" kern="100" dirty="0">
               <a:solidFill>
                 <a:sysClr val="window" lastClr="FFFFFF"/>
               </a:solidFill>
-              <a:effectLst/>
-              <a:uLnTx/>
-              <a:uFillTx/>
               <a:latin typeface="Segoe UI" panose="020B0502040204020203" pitchFamily="34" charset="0"/>
-              <a:ea typeface="ＭＳ 明朝" panose="02020609040205080304" pitchFamily="17" charset="-128"/>
+              <a:ea typeface="Segoe UI" panose="020B0502040204020203" pitchFamily="34" charset="0"/>
               <a:cs typeface="Segoe UI" panose="020B0502040204020203" pitchFamily="34" charset="0"/>
             </a:endParaRPr>
           </a:p>
           <a:p>
-            <a:pPr marL="0" marR="0" lvl="0" indent="0" algn="l" defTabSz="914400" eaLnBrk="1" fontAlgn="auto" latinLnBrk="0" hangingPunct="1">
+            <a:pPr lvl="0">
               <a:lnSpc>
                 <a:spcPts val="900"/>
               </a:lnSpc>
-              <a:spcBef>
-                <a:spcPts val="0"/>
-              </a:spcBef>
-              <a:spcAft>
-                <a:spcPts val="0"/>
-              </a:spcAft>
-              <a:buClrTx/>
-              <a:buSzTx/>
-              <a:buFontTx/>
-              <a:buNone/>
-              <a:tabLst/>
               <a:defRPr/>
             </a:pPr>
             <a:r>
-              <a:rPr kumimoji="0" lang="en-US" sz="900" b="0" i="0" u="none" strike="noStrike" kern="100" cap="none" spc="0" normalizeH="0" baseline="0" noProof="0" dirty="0">
-                <a:ln>
-                  <a:noFill/>
-                </a:ln>
+              <a:rPr kumimoji="0" lang="en-US" sz="900" kern="100" dirty="0" err="1">
                 <a:solidFill>
                   <a:sysClr val="window" lastClr="FFFFFF"/>
                 </a:solidFill>
-                <a:effectLst/>
-                <a:uLnTx/>
-                <a:uFillTx/>
-                <a:latin typeface="Segoe UI" panose="020B0502040204020203" pitchFamily="34" charset="0"/>
-                <a:ea typeface="Segoe UI" panose="020B0502040204020203" pitchFamily="34" charset="0"/>
-                <a:cs typeface="Segoe UI" panose="020B0502040204020203" pitchFamily="34" charset="0"/>
-              </a:rPr>
-              <a:t>db_root_password: sample_root_password</a:t>
-            </a:r>
-            <a:endParaRPr kumimoji="0" lang="ja-JP" altLang="en-US" sz="1050" b="0" i="0" u="none" strike="noStrike" kern="100" cap="none" spc="0" normalizeH="0" baseline="0" noProof="0" dirty="0">
-              <a:ln>
-                <a:noFill/>
-              </a:ln>
+                <a:latin typeface="Segoe UI" panose="020B0502040204020203" pitchFamily="34" charset="0"/>
+                <a:ea typeface="Segoe UI" panose="020B0502040204020203" pitchFamily="34" charset="0"/>
+                <a:cs typeface="Segoe UI" panose="020B0502040204020203" pitchFamily="34" charset="0"/>
+              </a:rPr>
+              <a:t>cobbler_driver:no</a:t>
+            </a:r>
+            <a:endParaRPr kumimoji="0" lang="en-US" sz="900" kern="100" dirty="0">
               <a:solidFill>
                 <a:sysClr val="window" lastClr="FFFFFF"/>
               </a:solidFill>
-              <a:effectLst/>
-              <a:uLnTx/>
-              <a:uFillTx/>
               <a:latin typeface="Segoe UI" panose="020B0502040204020203" pitchFamily="34" charset="0"/>
-              <a:ea typeface="ＭＳ 明朝" panose="02020609040205080304" pitchFamily="17" charset="-128"/>
+              <a:ea typeface="Segoe UI" panose="020B0502040204020203" pitchFamily="34" charset="0"/>
               <a:cs typeface="Segoe UI" panose="020B0502040204020203" pitchFamily="34" charset="0"/>
             </a:endParaRPr>
           </a:p>
           <a:p>
-            <a:pPr marL="0" marR="0" lvl="0" indent="0" algn="l" defTabSz="914400" eaLnBrk="1" fontAlgn="auto" latinLnBrk="0" hangingPunct="1">
+            <a:pPr lvl="0">
               <a:lnSpc>
                 <a:spcPts val="900"/>
               </a:lnSpc>
-              <a:spcBef>
-                <a:spcPts val="0"/>
-              </a:spcBef>
-              <a:spcAft>
-                <a:spcPts val="0"/>
-              </a:spcAft>
-              <a:buClrTx/>
-              <a:buSzTx/>
-              <a:buFontTx/>
-              <a:buNone/>
-              <a:tabLst/>
               <a:defRPr/>
             </a:pPr>
             <a:r>
-              <a:rPr kumimoji="0" lang="en-US" sz="900" b="0" i="0" u="none" strike="noStrike" kern="100" cap="none" spc="0" normalizeH="0" baseline="0" noProof="0" dirty="0">
-                <a:ln>
-                  <a:noFill/>
-                </a:ln>
+              <a:rPr kumimoji="0" lang="en-US" sz="900" kern="100" dirty="0" err="1">
                 <a:solidFill>
                   <a:sysClr val="window" lastClr="FFFFFF"/>
                 </a:solidFill>
-                <a:effectLst/>
-                <a:uLnTx/>
-                <a:uFillTx/>
-                <a:latin typeface="Segoe UI" panose="020B0502040204020203" pitchFamily="34" charset="0"/>
-                <a:ea typeface="Segoe UI" panose="020B0502040204020203" pitchFamily="34" charset="0"/>
-                <a:cs typeface="Segoe UI" panose="020B0502040204020203" pitchFamily="34" charset="0"/>
-              </a:rPr>
-              <a:t> </a:t>
-            </a:r>
-            <a:endParaRPr kumimoji="0" lang="ja-JP" altLang="en-US" sz="1050" b="0" i="0" u="none" strike="noStrike" kern="100" cap="none" spc="0" normalizeH="0" baseline="0" noProof="0" dirty="0">
-              <a:ln>
-                <a:noFill/>
-              </a:ln>
+                <a:latin typeface="Segoe UI" panose="020B0502040204020203" pitchFamily="34" charset="0"/>
+                <a:ea typeface="Segoe UI" panose="020B0502040204020203" pitchFamily="34" charset="0"/>
+                <a:cs typeface="Segoe UI" panose="020B0502040204020203" pitchFamily="34" charset="0"/>
+              </a:rPr>
+              <a:t>openstack_driver:no</a:t>
+            </a:r>
+            <a:endParaRPr kumimoji="0" lang="en-US" sz="900" kern="100" dirty="0">
               <a:solidFill>
                 <a:sysClr val="window" lastClr="FFFFFF"/>
               </a:solidFill>
-              <a:effectLst/>
-              <a:uLnTx/>
-              <a:uFillTx/>
               <a:latin typeface="Segoe UI" panose="020B0502040204020203" pitchFamily="34" charset="0"/>
-              <a:ea typeface="ＭＳ 明朝" panose="02020609040205080304" pitchFamily="17" charset="-128"/>
+              <a:ea typeface="Segoe UI" panose="020B0502040204020203" pitchFamily="34" charset="0"/>
               <a:cs typeface="Segoe UI" panose="020B0502040204020203" pitchFamily="34" charset="0"/>
             </a:endParaRPr>
           </a:p>
           <a:p>
-            <a:pPr marL="0" marR="0" lvl="0" indent="0" algn="l" defTabSz="914400" eaLnBrk="1" fontAlgn="auto" latinLnBrk="0" hangingPunct="1">
+            <a:pPr lvl="0">
               <a:lnSpc>
                 <a:spcPts val="900"/>
               </a:lnSpc>
-              <a:spcBef>
-                <a:spcPts val="0"/>
-              </a:spcBef>
-              <a:spcAft>
-                <a:spcPts val="0"/>
-              </a:spcAft>
-              <a:buClrTx/>
-              <a:buSzTx/>
-              <a:buFontTx/>
-              <a:buNone/>
-              <a:tabLst/>
               <a:defRPr/>
             </a:pPr>
             <a:r>
-              <a:rPr kumimoji="0" lang="en-US" sz="900" b="0" i="0" u="none" strike="noStrike" kern="100" cap="none" spc="0" normalizeH="0" baseline="0" noProof="0" dirty="0">
-                <a:ln>
-                  <a:noFill/>
-                </a:ln>
+              <a:rPr kumimoji="0" lang="en-US" sz="900" kern="100" dirty="0" err="1">
                 <a:solidFill>
                   <a:sysClr val="window" lastClr="FFFFFF"/>
                 </a:solidFill>
-                <a:effectLst/>
-                <a:uLnTx/>
-                <a:uFillTx/>
-                <a:latin typeface="Segoe UI" panose="020B0502040204020203" pitchFamily="34" charset="0"/>
-                <a:ea typeface="Segoe UI" panose="020B0502040204020203" pitchFamily="34" charset="0"/>
-                <a:cs typeface="Segoe UI" panose="020B0502040204020203" pitchFamily="34" charset="0"/>
-              </a:rPr>
-              <a:t># Decide the database name, username, and password for </a:t>
-            </a:r>
-            <a:r>
-              <a:rPr kumimoji="0" lang="en-US" sz="900" kern="100" dirty="0" smtClean="0">
-                <a:solidFill>
-                  <a:sysClr val="window" lastClr="FFFFFF"/>
-                </a:solidFill>
-                <a:latin typeface="Segoe UI" panose="020B0502040204020203" pitchFamily="34" charset="0"/>
-                <a:ea typeface="Segoe UI" panose="020B0502040204020203" pitchFamily="34" charset="0"/>
-                <a:cs typeface="Segoe UI" panose="020B0502040204020203" pitchFamily="34" charset="0"/>
-              </a:rPr>
-              <a:t>ITA</a:t>
-            </a:r>
-            <a:r>
-              <a:rPr kumimoji="0" lang="en-US" sz="900" b="0" i="0" u="none" strike="noStrike" kern="100" cap="none" spc="0" normalizeH="0" baseline="0" noProof="0" dirty="0" smtClean="0">
-                <a:ln>
-                  <a:noFill/>
-                </a:ln>
-                <a:solidFill>
-                  <a:sysClr val="window" lastClr="FFFFFF"/>
-                </a:solidFill>
-                <a:effectLst/>
-                <a:uLnTx/>
-                <a:uFillTx/>
-                <a:latin typeface="Segoe UI" panose="020B0502040204020203" pitchFamily="34" charset="0"/>
-                <a:ea typeface="Segoe UI" panose="020B0502040204020203" pitchFamily="34" charset="0"/>
-                <a:cs typeface="Segoe UI" panose="020B0502040204020203" pitchFamily="34" charset="0"/>
-              </a:rPr>
-              <a:t>.</a:t>
-            </a:r>
-            <a:endParaRPr kumimoji="0" lang="ja-JP" altLang="en-US" sz="1050" b="0" i="0" u="none" strike="noStrike" kern="100" cap="none" spc="0" normalizeH="0" baseline="0" noProof="0" dirty="0">
-              <a:ln>
-                <a:noFill/>
-              </a:ln>
+                <a:latin typeface="Segoe UI" panose="020B0502040204020203" pitchFamily="34" charset="0"/>
+                <a:ea typeface="Segoe UI" panose="020B0502040204020203" pitchFamily="34" charset="0"/>
+                <a:cs typeface="Segoe UI" panose="020B0502040204020203" pitchFamily="34" charset="0"/>
+              </a:rPr>
+              <a:t>dsc_driver:no</a:t>
+            </a:r>
+            <a:endParaRPr kumimoji="0" lang="en-US" sz="900" kern="100" dirty="0">
               <a:solidFill>
                 <a:sysClr val="window" lastClr="FFFFFF"/>
               </a:solidFill>
-              <a:effectLst/>
-              <a:uLnTx/>
-              <a:uFillTx/>
               <a:latin typeface="Segoe UI" panose="020B0502040204020203" pitchFamily="34" charset="0"/>
-              <a:ea typeface="ＭＳ 明朝" panose="02020609040205080304" pitchFamily="17" charset="-128"/>
-              <a:cs typeface="Segoe UI" panose="020B0502040204020203" pitchFamily="34" charset="0"/>
-            </a:endParaRPr>
-          </a:p>
-          <a:p>
-            <a:pPr marL="0" marR="0" lvl="0" indent="0" algn="l" defTabSz="914400" eaLnBrk="1" fontAlgn="auto" latinLnBrk="0" hangingPunct="1">
-              <a:lnSpc>
-                <a:spcPts val="900"/>
-              </a:lnSpc>
-              <a:spcBef>
-                <a:spcPts val="0"/>
-              </a:spcBef>
-              <a:spcAft>
-                <a:spcPts val="0"/>
-              </a:spcAft>
-              <a:buClrTx/>
-              <a:buSzTx/>
-              <a:buFontTx/>
-              <a:buNone/>
-              <a:tabLst/>
-              <a:defRPr/>
-            </a:pPr>
-            <a:r>
-              <a:rPr kumimoji="0" lang="en-US" sz="900" b="0" i="0" u="none" strike="noStrike" kern="100" cap="none" spc="0" normalizeH="0" baseline="0" noProof="0" dirty="0">
-                <a:ln>
-                  <a:noFill/>
-                </a:ln>
-                <a:solidFill>
-                  <a:sysClr val="window" lastClr="FFFFFF"/>
-                </a:solidFill>
-                <a:effectLst/>
-                <a:uLnTx/>
-                <a:uFillTx/>
-                <a:latin typeface="Segoe UI" panose="020B0502040204020203" pitchFamily="34" charset="0"/>
-                <a:ea typeface="Segoe UI" panose="020B0502040204020203" pitchFamily="34" charset="0"/>
-                <a:cs typeface="Segoe UI" panose="020B0502040204020203" pitchFamily="34" charset="0"/>
-              </a:rPr>
-              <a:t># e.g) db_name:sample_db_name</a:t>
-            </a:r>
-            <a:endParaRPr kumimoji="0" lang="ja-JP" altLang="en-US" sz="1050" b="0" i="0" u="none" strike="noStrike" kern="100" cap="none" spc="0" normalizeH="0" baseline="0" noProof="0" dirty="0">
-              <a:ln>
-                <a:noFill/>
-              </a:ln>
-              <a:solidFill>
-                <a:sysClr val="window" lastClr="FFFFFF"/>
-              </a:solidFill>
-              <a:effectLst/>
-              <a:uLnTx/>
-              <a:uFillTx/>
-              <a:latin typeface="Segoe UI" panose="020B0502040204020203" pitchFamily="34" charset="0"/>
-              <a:ea typeface="ＭＳ 明朝" panose="02020609040205080304" pitchFamily="17" charset="-128"/>
-              <a:cs typeface="Segoe UI" panose="020B0502040204020203" pitchFamily="34" charset="0"/>
-            </a:endParaRPr>
-          </a:p>
-          <a:p>
-            <a:pPr marL="0" marR="0" lvl="0" indent="0" algn="l" defTabSz="914400" eaLnBrk="1" fontAlgn="auto" latinLnBrk="0" hangingPunct="1">
-              <a:lnSpc>
-                <a:spcPts val="900"/>
-              </a:lnSpc>
-              <a:spcBef>
-                <a:spcPts val="0"/>
-              </a:spcBef>
-              <a:spcAft>
-                <a:spcPts val="0"/>
-              </a:spcAft>
-              <a:buClrTx/>
-              <a:buSzTx/>
-              <a:buFontTx/>
-              <a:buNone/>
-              <a:tabLst/>
-              <a:defRPr/>
-            </a:pPr>
-            <a:r>
-              <a:rPr kumimoji="0" lang="en-US" sz="900" b="0" i="0" u="none" strike="noStrike" kern="100" cap="none" spc="0" normalizeH="0" baseline="0" noProof="0" dirty="0">
-                <a:ln>
-                  <a:noFill/>
-                </a:ln>
-                <a:solidFill>
-                  <a:sysClr val="window" lastClr="FFFFFF"/>
-                </a:solidFill>
-                <a:effectLst/>
-                <a:uLnTx/>
-                <a:uFillTx/>
-                <a:latin typeface="Segoe UI" panose="020B0502040204020203" pitchFamily="34" charset="0"/>
-                <a:ea typeface="Segoe UI" panose="020B0502040204020203" pitchFamily="34" charset="0"/>
-                <a:cs typeface="Segoe UI" panose="020B0502040204020203" pitchFamily="34" charset="0"/>
-              </a:rPr>
-              <a:t>db_name:sample_db_name</a:t>
-            </a:r>
-            <a:endParaRPr kumimoji="0" lang="ja-JP" altLang="en-US" sz="1050" b="0" i="0" u="none" strike="noStrike" kern="100" cap="none" spc="0" normalizeH="0" baseline="0" noProof="0" dirty="0">
-              <a:ln>
-                <a:noFill/>
-              </a:ln>
-              <a:solidFill>
-                <a:sysClr val="window" lastClr="FFFFFF"/>
-              </a:solidFill>
-              <a:effectLst/>
-              <a:uLnTx/>
-              <a:uFillTx/>
-              <a:latin typeface="Segoe UI" panose="020B0502040204020203" pitchFamily="34" charset="0"/>
-              <a:ea typeface="ＭＳ 明朝" panose="02020609040205080304" pitchFamily="17" charset="-128"/>
-              <a:cs typeface="Segoe UI" panose="020B0502040204020203" pitchFamily="34" charset="0"/>
-            </a:endParaRPr>
-          </a:p>
-          <a:p>
-            <a:pPr marL="0" marR="0" lvl="0" indent="0" algn="l" defTabSz="914400" eaLnBrk="1" fontAlgn="auto" latinLnBrk="0" hangingPunct="1">
-              <a:lnSpc>
-                <a:spcPts val="900"/>
-              </a:lnSpc>
-              <a:spcBef>
-                <a:spcPts val="0"/>
-              </a:spcBef>
-              <a:spcAft>
-                <a:spcPts val="0"/>
-              </a:spcAft>
-              <a:buClrTx/>
-              <a:buSzTx/>
-              <a:buFontTx/>
-              <a:buNone/>
-              <a:tabLst/>
-              <a:defRPr/>
-            </a:pPr>
-            <a:r>
-              <a:rPr kumimoji="0" lang="en-US" sz="900" b="0" i="0" u="none" strike="noStrike" kern="100" cap="none" spc="0" normalizeH="0" baseline="0" noProof="0" dirty="0">
-                <a:ln>
-                  <a:noFill/>
-                </a:ln>
-                <a:solidFill>
-                  <a:sysClr val="window" lastClr="FFFFFF"/>
-                </a:solidFill>
-                <a:effectLst/>
-                <a:uLnTx/>
-                <a:uFillTx/>
-                <a:latin typeface="Segoe UI" panose="020B0502040204020203" pitchFamily="34" charset="0"/>
-                <a:ea typeface="Segoe UI" panose="020B0502040204020203" pitchFamily="34" charset="0"/>
-                <a:cs typeface="Segoe UI" panose="020B0502040204020203" pitchFamily="34" charset="0"/>
-              </a:rPr>
-              <a:t># e.g) db_username:sample_db_username</a:t>
-            </a:r>
-            <a:endParaRPr kumimoji="0" lang="ja-JP" altLang="en-US" sz="1050" b="0" i="0" u="none" strike="noStrike" kern="100" cap="none" spc="0" normalizeH="0" baseline="0" noProof="0" dirty="0">
-              <a:ln>
-                <a:noFill/>
-              </a:ln>
-              <a:solidFill>
-                <a:sysClr val="window" lastClr="FFFFFF"/>
-              </a:solidFill>
-              <a:effectLst/>
-              <a:uLnTx/>
-              <a:uFillTx/>
-              <a:latin typeface="Segoe UI" panose="020B0502040204020203" pitchFamily="34" charset="0"/>
-              <a:ea typeface="ＭＳ 明朝" panose="02020609040205080304" pitchFamily="17" charset="-128"/>
-              <a:cs typeface="Segoe UI" panose="020B0502040204020203" pitchFamily="34" charset="0"/>
-            </a:endParaRPr>
-          </a:p>
-          <a:p>
-            <a:pPr marL="0" marR="0" lvl="0" indent="0" algn="l" defTabSz="914400" eaLnBrk="1" fontAlgn="auto" latinLnBrk="0" hangingPunct="1">
-              <a:lnSpc>
-                <a:spcPts val="900"/>
-              </a:lnSpc>
-              <a:spcBef>
-                <a:spcPts val="0"/>
-              </a:spcBef>
-              <a:spcAft>
-                <a:spcPts val="0"/>
-              </a:spcAft>
-              <a:buClrTx/>
-              <a:buSzTx/>
-              <a:buFontTx/>
-              <a:buNone/>
-              <a:tabLst/>
-              <a:defRPr/>
-            </a:pPr>
-            <a:r>
-              <a:rPr kumimoji="0" lang="en-US" sz="900" b="0" i="0" u="none" strike="noStrike" kern="100" cap="none" spc="0" normalizeH="0" baseline="0" noProof="0" dirty="0">
-                <a:ln>
-                  <a:noFill/>
-                </a:ln>
-                <a:solidFill>
-                  <a:sysClr val="window" lastClr="FFFFFF"/>
-                </a:solidFill>
-                <a:effectLst/>
-                <a:uLnTx/>
-                <a:uFillTx/>
-                <a:latin typeface="Segoe UI" panose="020B0502040204020203" pitchFamily="34" charset="0"/>
-                <a:ea typeface="Segoe UI" panose="020B0502040204020203" pitchFamily="34" charset="0"/>
-                <a:cs typeface="Segoe UI" panose="020B0502040204020203" pitchFamily="34" charset="0"/>
-              </a:rPr>
-              <a:t>db_username:sample_db_username</a:t>
-            </a:r>
-            <a:endParaRPr kumimoji="0" lang="ja-JP" altLang="en-US" sz="1050" b="0" i="0" u="none" strike="noStrike" kern="100" cap="none" spc="0" normalizeH="0" baseline="0" noProof="0" dirty="0">
-              <a:ln>
-                <a:noFill/>
-              </a:ln>
-              <a:solidFill>
-                <a:sysClr val="window" lastClr="FFFFFF"/>
-              </a:solidFill>
-              <a:effectLst/>
-              <a:uLnTx/>
-              <a:uFillTx/>
-              <a:latin typeface="Segoe UI" panose="020B0502040204020203" pitchFamily="34" charset="0"/>
-              <a:ea typeface="ＭＳ 明朝" panose="02020609040205080304" pitchFamily="17" charset="-128"/>
-              <a:cs typeface="Segoe UI" panose="020B0502040204020203" pitchFamily="34" charset="0"/>
-            </a:endParaRPr>
-          </a:p>
-          <a:p>
-            <a:pPr marL="0" marR="0" lvl="0" indent="0" algn="l" defTabSz="914400" eaLnBrk="1" fontAlgn="auto" latinLnBrk="0" hangingPunct="1">
-              <a:lnSpc>
-                <a:spcPts val="900"/>
-              </a:lnSpc>
-              <a:spcBef>
-                <a:spcPts val="0"/>
-              </a:spcBef>
-              <a:spcAft>
-                <a:spcPts val="0"/>
-              </a:spcAft>
-              <a:buClrTx/>
-              <a:buSzTx/>
-              <a:buFontTx/>
-              <a:buNone/>
-              <a:tabLst/>
-              <a:defRPr/>
-            </a:pPr>
-            <a:r>
-              <a:rPr kumimoji="0" lang="en-US" sz="900" b="0" i="0" u="none" strike="noStrike" kern="100" cap="none" spc="0" normalizeH="0" baseline="0" noProof="0" dirty="0">
-                <a:ln>
-                  <a:noFill/>
-                </a:ln>
-                <a:solidFill>
-                  <a:sysClr val="window" lastClr="FFFFFF"/>
-                </a:solidFill>
-                <a:effectLst/>
-                <a:uLnTx/>
-                <a:uFillTx/>
-                <a:latin typeface="Segoe UI" panose="020B0502040204020203" pitchFamily="34" charset="0"/>
-                <a:ea typeface="Segoe UI" panose="020B0502040204020203" pitchFamily="34" charset="0"/>
-                <a:cs typeface="Segoe UI" panose="020B0502040204020203" pitchFamily="34" charset="0"/>
-              </a:rPr>
-              <a:t># e.g) db_password:sample_db_password</a:t>
-            </a:r>
-            <a:endParaRPr kumimoji="0" lang="ja-JP" altLang="en-US" sz="1050" b="0" i="0" u="none" strike="noStrike" kern="100" cap="none" spc="0" normalizeH="0" baseline="0" noProof="0" dirty="0">
-              <a:ln>
-                <a:noFill/>
-              </a:ln>
-              <a:solidFill>
-                <a:sysClr val="window" lastClr="FFFFFF"/>
-              </a:solidFill>
-              <a:effectLst/>
-              <a:uLnTx/>
-              <a:uFillTx/>
-              <a:latin typeface="Segoe UI" panose="020B0502040204020203" pitchFamily="34" charset="0"/>
-              <a:ea typeface="ＭＳ 明朝" panose="02020609040205080304" pitchFamily="17" charset="-128"/>
-              <a:cs typeface="Segoe UI" panose="020B0502040204020203" pitchFamily="34" charset="0"/>
-            </a:endParaRPr>
-          </a:p>
-          <a:p>
-            <a:pPr marL="0" marR="0" lvl="0" indent="0" algn="l" defTabSz="914400" eaLnBrk="1" fontAlgn="auto" latinLnBrk="0" hangingPunct="1">
-              <a:lnSpc>
-                <a:spcPts val="900"/>
-              </a:lnSpc>
-              <a:spcBef>
-                <a:spcPts val="0"/>
-              </a:spcBef>
-              <a:spcAft>
-                <a:spcPts val="0"/>
-              </a:spcAft>
-              <a:buClrTx/>
-              <a:buSzTx/>
-              <a:buFontTx/>
-              <a:buNone/>
-              <a:tabLst/>
-              <a:defRPr/>
-            </a:pPr>
-            <a:r>
-              <a:rPr kumimoji="0" lang="en-US" sz="900" b="0" i="0" u="none" strike="noStrike" kern="100" cap="none" spc="0" normalizeH="0" baseline="0" noProof="0" dirty="0">
-                <a:ln>
-                  <a:noFill/>
-                </a:ln>
-                <a:solidFill>
-                  <a:sysClr val="window" lastClr="FFFFFF"/>
-                </a:solidFill>
-                <a:effectLst/>
-                <a:uLnTx/>
-                <a:uFillTx/>
-                <a:latin typeface="Segoe UI" panose="020B0502040204020203" pitchFamily="34" charset="0"/>
-                <a:ea typeface="Segoe UI" panose="020B0502040204020203" pitchFamily="34" charset="0"/>
-                <a:cs typeface="Segoe UI" panose="020B0502040204020203" pitchFamily="34" charset="0"/>
-              </a:rPr>
-              <a:t>db_password:sample_db_password</a:t>
-            </a:r>
-            <a:endParaRPr kumimoji="0" lang="ja-JP" altLang="en-US" sz="1050" b="0" i="0" u="none" strike="noStrike" kern="100" cap="none" spc="0" normalizeH="0" baseline="0" noProof="0" dirty="0">
-              <a:ln>
-                <a:noFill/>
-              </a:ln>
-              <a:solidFill>
-                <a:sysClr val="window" lastClr="FFFFFF"/>
-              </a:solidFill>
-              <a:effectLst/>
-              <a:uLnTx/>
-              <a:uFillTx/>
-              <a:latin typeface="Segoe UI" panose="020B0502040204020203" pitchFamily="34" charset="0"/>
-              <a:ea typeface="ＭＳ 明朝" panose="02020609040205080304" pitchFamily="17" charset="-128"/>
-              <a:cs typeface="Segoe UI" panose="020B0502040204020203" pitchFamily="34" charset="0"/>
-            </a:endParaRPr>
-          </a:p>
-          <a:p>
-            <a:pPr marL="0" marR="0" lvl="0" indent="0" algn="l" defTabSz="914400" eaLnBrk="1" fontAlgn="auto" latinLnBrk="0" hangingPunct="1">
-              <a:lnSpc>
-                <a:spcPts val="900"/>
-              </a:lnSpc>
-              <a:spcBef>
-                <a:spcPts val="0"/>
-              </a:spcBef>
-              <a:spcAft>
-                <a:spcPts val="0"/>
-              </a:spcAft>
-              <a:buClrTx/>
-              <a:buSzTx/>
-              <a:buFontTx/>
-              <a:buNone/>
-              <a:tabLst/>
-              <a:defRPr/>
-            </a:pPr>
-            <a:r>
-              <a:rPr kumimoji="0" lang="en-US" sz="900" b="0" i="0" u="none" strike="noStrike" kern="100" cap="none" spc="0" normalizeH="0" baseline="0" noProof="0" dirty="0">
-                <a:ln>
-                  <a:noFill/>
-                </a:ln>
-                <a:solidFill>
-                  <a:sysClr val="window" lastClr="FFFFFF"/>
-                </a:solidFill>
-                <a:effectLst/>
-                <a:uLnTx/>
-                <a:uFillTx/>
-                <a:latin typeface="Segoe UI" panose="020B0502040204020203" pitchFamily="34" charset="0"/>
-                <a:ea typeface="Segoe UI" panose="020B0502040204020203" pitchFamily="34" charset="0"/>
-                <a:cs typeface="Segoe UI" panose="020B0502040204020203" pitchFamily="34" charset="0"/>
-              </a:rPr>
-              <a:t> </a:t>
-            </a:r>
-            <a:endParaRPr kumimoji="0" lang="ja-JP" altLang="en-US" sz="1050" b="0" i="0" u="none" strike="noStrike" kern="100" cap="none" spc="0" normalizeH="0" baseline="0" noProof="0" dirty="0">
-              <a:ln>
-                <a:noFill/>
-              </a:ln>
-              <a:solidFill>
-                <a:sysClr val="window" lastClr="FFFFFF"/>
-              </a:solidFill>
-              <a:effectLst/>
-              <a:uLnTx/>
-              <a:uFillTx/>
-              <a:latin typeface="Segoe UI" panose="020B0502040204020203" pitchFamily="34" charset="0"/>
-              <a:ea typeface="ＭＳ 明朝" panose="02020609040205080304" pitchFamily="17" charset="-128"/>
-              <a:cs typeface="Segoe UI" panose="020B0502040204020203" pitchFamily="34" charset="0"/>
-            </a:endParaRPr>
-          </a:p>
-          <a:p>
-            <a:pPr marL="0" marR="0" lvl="0" indent="0" algn="l" defTabSz="914400" eaLnBrk="1" fontAlgn="auto" latinLnBrk="0" hangingPunct="1">
-              <a:lnSpc>
-                <a:spcPts val="900"/>
-              </a:lnSpc>
-              <a:spcBef>
-                <a:spcPts val="0"/>
-              </a:spcBef>
-              <a:spcAft>
-                <a:spcPts val="0"/>
-              </a:spcAft>
-              <a:buClrTx/>
-              <a:buSzTx/>
-              <a:buFontTx/>
-              <a:buNone/>
-              <a:tabLst/>
-              <a:defRPr/>
-            </a:pPr>
-            <a:r>
-              <a:rPr kumimoji="0" lang="en-US" sz="900" b="0" i="0" u="none" strike="noStrike" kern="100" cap="none" spc="0" normalizeH="0" baseline="0" noProof="0" dirty="0">
-                <a:ln>
-                  <a:noFill/>
-                </a:ln>
-                <a:solidFill>
-                  <a:sysClr val="window" lastClr="FFFFFF"/>
-                </a:solidFill>
-                <a:effectLst/>
-                <a:uLnTx/>
-                <a:uFillTx/>
-                <a:latin typeface="Segoe UI" panose="020B0502040204020203" pitchFamily="34" charset="0"/>
-                <a:ea typeface="Segoe UI" panose="020B0502040204020203" pitchFamily="34" charset="0"/>
-                <a:cs typeface="Segoe UI" panose="020B0502040204020203" pitchFamily="34" charset="0"/>
-              </a:rPr>
-              <a:t># Select the target you need to install.</a:t>
-            </a:r>
-            <a:endParaRPr kumimoji="0" lang="ja-JP" altLang="en-US" sz="1050" b="0" i="0" u="none" strike="noStrike" kern="100" cap="none" spc="0" normalizeH="0" baseline="0" noProof="0" dirty="0">
-              <a:ln>
-                <a:noFill/>
-              </a:ln>
-              <a:solidFill>
-                <a:sysClr val="window" lastClr="FFFFFF"/>
-              </a:solidFill>
-              <a:effectLst/>
-              <a:uLnTx/>
-              <a:uFillTx/>
-              <a:latin typeface="Segoe UI" panose="020B0502040204020203" pitchFamily="34" charset="0"/>
-              <a:ea typeface="ＭＳ 明朝" panose="02020609040205080304" pitchFamily="17" charset="-128"/>
-              <a:cs typeface="Segoe UI" panose="020B0502040204020203" pitchFamily="34" charset="0"/>
-            </a:endParaRPr>
-          </a:p>
-          <a:p>
-            <a:pPr marL="0" marR="0" lvl="0" indent="0" algn="l" defTabSz="914400" eaLnBrk="1" fontAlgn="auto" latinLnBrk="0" hangingPunct="1">
-              <a:lnSpc>
-                <a:spcPts val="900"/>
-              </a:lnSpc>
-              <a:spcBef>
-                <a:spcPts val="0"/>
-              </a:spcBef>
-              <a:spcAft>
-                <a:spcPts val="0"/>
-              </a:spcAft>
-              <a:buClrTx/>
-              <a:buSzTx/>
-              <a:buFontTx/>
-              <a:buNone/>
-              <a:tabLst/>
-              <a:defRPr/>
-            </a:pPr>
-            <a:r>
-              <a:rPr kumimoji="0" lang="en-US" sz="900" b="0" i="0" u="none" strike="noStrike" kern="100" cap="none" spc="0" normalizeH="0" baseline="0" noProof="0" dirty="0">
-                <a:ln>
-                  <a:noFill/>
-                </a:ln>
-                <a:solidFill>
-                  <a:sysClr val="window" lastClr="FFFFFF"/>
-                </a:solidFill>
-                <a:effectLst/>
-                <a:uLnTx/>
-                <a:uFillTx/>
-                <a:latin typeface="Segoe UI" panose="020B0502040204020203" pitchFamily="34" charset="0"/>
-                <a:ea typeface="Segoe UI" panose="020B0502040204020203" pitchFamily="34" charset="0"/>
-                <a:cs typeface="Segoe UI" panose="020B0502040204020203" pitchFamily="34" charset="0"/>
-              </a:rPr>
-              <a:t># yes : need</a:t>
-            </a:r>
-            <a:endParaRPr kumimoji="0" lang="ja-JP" altLang="en-US" sz="1050" b="0" i="0" u="none" strike="noStrike" kern="100" cap="none" spc="0" normalizeH="0" baseline="0" noProof="0" dirty="0">
-              <a:ln>
-                <a:noFill/>
-              </a:ln>
-              <a:solidFill>
-                <a:sysClr val="window" lastClr="FFFFFF"/>
-              </a:solidFill>
-              <a:effectLst/>
-              <a:uLnTx/>
-              <a:uFillTx/>
-              <a:latin typeface="Segoe UI" panose="020B0502040204020203" pitchFamily="34" charset="0"/>
-              <a:ea typeface="ＭＳ 明朝" panose="02020609040205080304" pitchFamily="17" charset="-128"/>
-              <a:cs typeface="Segoe UI" panose="020B0502040204020203" pitchFamily="34" charset="0"/>
-            </a:endParaRPr>
-          </a:p>
-          <a:p>
-            <a:pPr marL="0" marR="0" lvl="0" indent="0" algn="l" defTabSz="914400" eaLnBrk="1" fontAlgn="auto" latinLnBrk="0" hangingPunct="1">
-              <a:lnSpc>
-                <a:spcPts val="900"/>
-              </a:lnSpc>
-              <a:spcBef>
-                <a:spcPts val="0"/>
-              </a:spcBef>
-              <a:spcAft>
-                <a:spcPts val="0"/>
-              </a:spcAft>
-              <a:buClrTx/>
-              <a:buSzTx/>
-              <a:buFontTx/>
-              <a:buNone/>
-              <a:tabLst/>
-              <a:defRPr/>
-            </a:pPr>
-            <a:r>
-              <a:rPr kumimoji="0" lang="en-US" sz="900" b="0" i="0" u="none" strike="noStrike" kern="100" cap="none" spc="0" normalizeH="0" baseline="0" noProof="0" dirty="0">
-                <a:ln>
-                  <a:noFill/>
-                </a:ln>
-                <a:solidFill>
-                  <a:sysClr val="window" lastClr="FFFFFF"/>
-                </a:solidFill>
-                <a:effectLst/>
-                <a:uLnTx/>
-                <a:uFillTx/>
-                <a:latin typeface="Segoe UI" panose="020B0502040204020203" pitchFamily="34" charset="0"/>
-                <a:ea typeface="Segoe UI" panose="020B0502040204020203" pitchFamily="34" charset="0"/>
-                <a:cs typeface="Segoe UI" panose="020B0502040204020203" pitchFamily="34" charset="0"/>
-              </a:rPr>
-              <a:t># no  : no need</a:t>
-            </a:r>
-            <a:endParaRPr kumimoji="0" lang="ja-JP" altLang="en-US" sz="1050" b="0" i="0" u="none" strike="noStrike" kern="100" cap="none" spc="0" normalizeH="0" baseline="0" noProof="0" dirty="0">
-              <a:ln>
-                <a:noFill/>
-              </a:ln>
-              <a:solidFill>
-                <a:sysClr val="window" lastClr="FFFFFF"/>
-              </a:solidFill>
-              <a:effectLst/>
-              <a:uLnTx/>
-              <a:uFillTx/>
-              <a:latin typeface="Segoe UI" panose="020B0502040204020203" pitchFamily="34" charset="0"/>
-              <a:ea typeface="ＭＳ 明朝" panose="02020609040205080304" pitchFamily="17" charset="-128"/>
-              <a:cs typeface="Segoe UI" panose="020B0502040204020203" pitchFamily="34" charset="0"/>
-            </a:endParaRPr>
-          </a:p>
-          <a:p>
-            <a:pPr marL="0" marR="0" lvl="0" indent="0" algn="l" defTabSz="914400" eaLnBrk="1" fontAlgn="auto" latinLnBrk="0" hangingPunct="1">
-              <a:lnSpc>
-                <a:spcPts val="900"/>
-              </a:lnSpc>
-              <a:spcBef>
-                <a:spcPts val="0"/>
-              </a:spcBef>
-              <a:spcAft>
-                <a:spcPts val="0"/>
-              </a:spcAft>
-              <a:buClrTx/>
-              <a:buSzTx/>
-              <a:buFontTx/>
-              <a:buNone/>
-              <a:tabLst/>
-              <a:defRPr/>
-            </a:pPr>
-            <a:r>
-              <a:rPr kumimoji="0" lang="en-US" sz="900" b="0" i="0" u="none" strike="noStrike" kern="100" cap="none" spc="0" normalizeH="0" baseline="0" noProof="0" dirty="0">
-                <a:ln>
-                  <a:noFill/>
-                </a:ln>
-                <a:solidFill>
-                  <a:sysClr val="window" lastClr="FFFFFF"/>
-                </a:solidFill>
-                <a:effectLst/>
-                <a:uLnTx/>
-                <a:uFillTx/>
-                <a:latin typeface="Segoe UI" panose="020B0502040204020203" pitchFamily="34" charset="0"/>
-                <a:ea typeface="Segoe UI" panose="020B0502040204020203" pitchFamily="34" charset="0"/>
-                <a:cs typeface="Segoe UI" panose="020B0502040204020203" pitchFamily="34" charset="0"/>
-              </a:rPr>
-              <a:t>ita_base:yes</a:t>
-            </a:r>
-            <a:endParaRPr kumimoji="0" lang="ja-JP" altLang="en-US" sz="1050" b="0" i="0" u="none" strike="noStrike" kern="100" cap="none" spc="0" normalizeH="0" baseline="0" noProof="0" dirty="0">
-              <a:ln>
-                <a:noFill/>
-              </a:ln>
-              <a:solidFill>
-                <a:sysClr val="window" lastClr="FFFFFF"/>
-              </a:solidFill>
-              <a:effectLst/>
-              <a:uLnTx/>
-              <a:uFillTx/>
-              <a:latin typeface="Segoe UI" panose="020B0502040204020203" pitchFamily="34" charset="0"/>
-              <a:ea typeface="ＭＳ 明朝" panose="02020609040205080304" pitchFamily="17" charset="-128"/>
-              <a:cs typeface="Segoe UI" panose="020B0502040204020203" pitchFamily="34" charset="0"/>
-            </a:endParaRPr>
-          </a:p>
-          <a:p>
-            <a:pPr marL="0" marR="0" lvl="0" indent="0" algn="l" defTabSz="914400" eaLnBrk="1" fontAlgn="auto" latinLnBrk="0" hangingPunct="1">
-              <a:lnSpc>
-                <a:spcPts val="900"/>
-              </a:lnSpc>
-              <a:spcBef>
-                <a:spcPts val="0"/>
-              </a:spcBef>
-              <a:spcAft>
-                <a:spcPts val="0"/>
-              </a:spcAft>
-              <a:buClrTx/>
-              <a:buSzTx/>
-              <a:buFontTx/>
-              <a:buNone/>
-              <a:tabLst/>
-              <a:defRPr/>
-            </a:pPr>
-            <a:r>
-              <a:rPr kumimoji="0" lang="en-US" sz="900" b="0" i="0" u="none" strike="noStrike" kern="100" cap="none" spc="0" normalizeH="0" baseline="0" noProof="0" dirty="0">
-                <a:ln>
-                  <a:noFill/>
-                </a:ln>
-                <a:solidFill>
-                  <a:sysClr val="window" lastClr="FFFFFF"/>
-                </a:solidFill>
-                <a:effectLst/>
-                <a:uLnTx/>
-                <a:uFillTx/>
-                <a:latin typeface="Segoe UI" panose="020B0502040204020203" pitchFamily="34" charset="0"/>
-                <a:ea typeface="Segoe UI" panose="020B0502040204020203" pitchFamily="34" charset="0"/>
-                <a:cs typeface="Segoe UI" panose="020B0502040204020203" pitchFamily="34" charset="0"/>
-              </a:rPr>
-              <a:t>material:no</a:t>
-            </a:r>
-            <a:endParaRPr kumimoji="0" lang="ja-JP" altLang="en-US" sz="1050" b="0" i="0" u="none" strike="noStrike" kern="100" cap="none" spc="0" normalizeH="0" baseline="0" noProof="0" dirty="0">
-              <a:ln>
-                <a:noFill/>
-              </a:ln>
-              <a:solidFill>
-                <a:sysClr val="window" lastClr="FFFFFF"/>
-              </a:solidFill>
-              <a:effectLst/>
-              <a:uLnTx/>
-              <a:uFillTx/>
-              <a:latin typeface="Segoe UI" panose="020B0502040204020203" pitchFamily="34" charset="0"/>
-              <a:ea typeface="ＭＳ 明朝" panose="02020609040205080304" pitchFamily="17" charset="-128"/>
-              <a:cs typeface="Segoe UI" panose="020B0502040204020203" pitchFamily="34" charset="0"/>
-            </a:endParaRPr>
-          </a:p>
-          <a:p>
-            <a:pPr marL="0" marR="0" lvl="0" indent="0" algn="l" defTabSz="914400" eaLnBrk="1" fontAlgn="auto" latinLnBrk="0" hangingPunct="1">
-              <a:lnSpc>
-                <a:spcPts val="900"/>
-              </a:lnSpc>
-              <a:spcBef>
-                <a:spcPts val="0"/>
-              </a:spcBef>
-              <a:spcAft>
-                <a:spcPts val="0"/>
-              </a:spcAft>
-              <a:buClrTx/>
-              <a:buSzTx/>
-              <a:buFontTx/>
-              <a:buNone/>
-              <a:tabLst/>
-              <a:defRPr/>
-            </a:pPr>
-            <a:r>
-              <a:rPr kumimoji="0" lang="en-US" sz="900" b="0" i="0" u="none" strike="noStrike" kern="100" cap="none" spc="0" normalizeH="0" baseline="0" noProof="0" dirty="0" smtClean="0">
-                <a:ln>
-                  <a:noFill/>
-                </a:ln>
-                <a:solidFill>
-                  <a:sysClr val="window" lastClr="FFFFFF"/>
-                </a:solidFill>
-                <a:effectLst/>
-                <a:uLnTx/>
-                <a:uFillTx/>
-                <a:latin typeface="Segoe UI" panose="020B0502040204020203" pitchFamily="34" charset="0"/>
-                <a:ea typeface="Segoe UI" panose="020B0502040204020203" pitchFamily="34" charset="0"/>
-                <a:cs typeface="Segoe UI" panose="020B0502040204020203" pitchFamily="34" charset="0"/>
-              </a:rPr>
-              <a:t>createparam:yes</a:t>
-            </a:r>
-            <a:endParaRPr kumimoji="0" lang="ja-JP" altLang="en-US" sz="1050" b="0" i="0" u="none" strike="noStrike" kern="100" cap="none" spc="0" normalizeH="0" baseline="0" noProof="0" dirty="0">
-              <a:ln>
-                <a:noFill/>
-              </a:ln>
-              <a:solidFill>
-                <a:sysClr val="window" lastClr="FFFFFF"/>
-              </a:solidFill>
-              <a:effectLst/>
-              <a:uLnTx/>
-              <a:uFillTx/>
-              <a:latin typeface="Segoe UI" panose="020B0502040204020203" pitchFamily="34" charset="0"/>
-              <a:ea typeface="ＭＳ 明朝" panose="02020609040205080304" pitchFamily="17" charset="-128"/>
-              <a:cs typeface="Segoe UI" panose="020B0502040204020203" pitchFamily="34" charset="0"/>
-            </a:endParaRPr>
-          </a:p>
-          <a:p>
-            <a:pPr marL="0" marR="0" lvl="0" indent="0" algn="l" defTabSz="914400" eaLnBrk="1" fontAlgn="auto" latinLnBrk="0" hangingPunct="1">
-              <a:lnSpc>
-                <a:spcPts val="900"/>
-              </a:lnSpc>
-              <a:spcBef>
-                <a:spcPts val="0"/>
-              </a:spcBef>
-              <a:spcAft>
-                <a:spcPts val="0"/>
-              </a:spcAft>
-              <a:buClrTx/>
-              <a:buSzTx/>
-              <a:buFontTx/>
-              <a:buNone/>
-              <a:tabLst/>
-              <a:defRPr/>
-            </a:pPr>
-            <a:r>
-              <a:rPr kumimoji="0" lang="en-US" sz="900" b="0" i="0" u="none" strike="noStrike" kern="100" cap="none" spc="0" normalizeH="0" baseline="0" noProof="0" dirty="0">
-                <a:ln>
-                  <a:noFill/>
-                </a:ln>
-                <a:solidFill>
-                  <a:sysClr val="window" lastClr="FFFFFF"/>
-                </a:solidFill>
-                <a:effectLst/>
-                <a:uLnTx/>
-                <a:uFillTx/>
-                <a:latin typeface="Segoe UI" panose="020B0502040204020203" pitchFamily="34" charset="0"/>
-                <a:ea typeface="Segoe UI" panose="020B0502040204020203" pitchFamily="34" charset="0"/>
-                <a:cs typeface="Segoe UI" panose="020B0502040204020203" pitchFamily="34" charset="0"/>
-              </a:rPr>
-              <a:t>hostgroup:no</a:t>
-            </a:r>
-            <a:endParaRPr kumimoji="0" lang="ja-JP" altLang="en-US" sz="1050" b="0" i="0" u="none" strike="noStrike" kern="100" cap="none" spc="0" normalizeH="0" baseline="0" noProof="0" dirty="0">
-              <a:ln>
-                <a:noFill/>
-              </a:ln>
-              <a:solidFill>
-                <a:sysClr val="window" lastClr="FFFFFF"/>
-              </a:solidFill>
-              <a:effectLst/>
-              <a:uLnTx/>
-              <a:uFillTx/>
-              <a:latin typeface="Segoe UI" panose="020B0502040204020203" pitchFamily="34" charset="0"/>
-              <a:ea typeface="ＭＳ 明朝" panose="02020609040205080304" pitchFamily="17" charset="-128"/>
-              <a:cs typeface="Segoe UI" panose="020B0502040204020203" pitchFamily="34" charset="0"/>
-            </a:endParaRPr>
-          </a:p>
-          <a:p>
-            <a:pPr marL="0" marR="0" lvl="0" indent="0" algn="l" defTabSz="914400" eaLnBrk="1" fontAlgn="auto" latinLnBrk="0" hangingPunct="1">
-              <a:lnSpc>
-                <a:spcPts val="900"/>
-              </a:lnSpc>
-              <a:spcBef>
-                <a:spcPts val="0"/>
-              </a:spcBef>
-              <a:spcAft>
-                <a:spcPts val="0"/>
-              </a:spcAft>
-              <a:buClrTx/>
-              <a:buSzTx/>
-              <a:buFontTx/>
-              <a:buNone/>
-              <a:tabLst/>
-              <a:defRPr/>
-            </a:pPr>
-            <a:r>
-              <a:rPr kumimoji="0" lang="en-US" sz="900" b="0" i="0" u="none" strike="noStrike" kern="100" cap="none" spc="0" normalizeH="0" baseline="0" noProof="0" dirty="0">
-                <a:ln>
-                  <a:noFill/>
-                </a:ln>
-                <a:solidFill>
-                  <a:sysClr val="window" lastClr="FFFFFF"/>
-                </a:solidFill>
-                <a:effectLst/>
-                <a:uLnTx/>
-                <a:uFillTx/>
-                <a:latin typeface="Segoe UI" panose="020B0502040204020203" pitchFamily="34" charset="0"/>
-                <a:ea typeface="Segoe UI" panose="020B0502040204020203" pitchFamily="34" charset="0"/>
-                <a:cs typeface="Segoe UI" panose="020B0502040204020203" pitchFamily="34" charset="0"/>
-              </a:rPr>
-              <a:t>ansible_driver:yes</a:t>
-            </a:r>
-            <a:endParaRPr kumimoji="0" lang="ja-JP" altLang="en-US" sz="1050" b="0" i="0" u="none" strike="noStrike" kern="100" cap="none" spc="0" normalizeH="0" baseline="0" noProof="0" dirty="0">
-              <a:ln>
-                <a:noFill/>
-              </a:ln>
-              <a:solidFill>
-                <a:sysClr val="window" lastClr="FFFFFF"/>
-              </a:solidFill>
-              <a:effectLst/>
-              <a:uLnTx/>
-              <a:uFillTx/>
-              <a:latin typeface="Segoe UI" panose="020B0502040204020203" pitchFamily="34" charset="0"/>
-              <a:ea typeface="ＭＳ 明朝" panose="02020609040205080304" pitchFamily="17" charset="-128"/>
-              <a:cs typeface="Segoe UI" panose="020B0502040204020203" pitchFamily="34" charset="0"/>
-            </a:endParaRPr>
-          </a:p>
-          <a:p>
-            <a:pPr marL="0" marR="0" lvl="0" indent="0" algn="l" defTabSz="914400" eaLnBrk="1" fontAlgn="auto" latinLnBrk="0" hangingPunct="1">
-              <a:lnSpc>
-                <a:spcPts val="900"/>
-              </a:lnSpc>
-              <a:spcBef>
-                <a:spcPts val="0"/>
-              </a:spcBef>
-              <a:spcAft>
-                <a:spcPts val="0"/>
-              </a:spcAft>
-              <a:buClrTx/>
-              <a:buSzTx/>
-              <a:buFontTx/>
-              <a:buNone/>
-              <a:tabLst/>
-              <a:defRPr/>
-            </a:pPr>
-            <a:r>
-              <a:rPr kumimoji="0" lang="en-US" sz="900" b="0" i="0" u="none" strike="noStrike" kern="100" cap="none" spc="0" normalizeH="0" baseline="0" noProof="0" dirty="0">
-                <a:ln>
-                  <a:noFill/>
-                </a:ln>
-                <a:solidFill>
-                  <a:sysClr val="window" lastClr="FFFFFF"/>
-                </a:solidFill>
-                <a:effectLst/>
-                <a:uLnTx/>
-                <a:uFillTx/>
-                <a:latin typeface="Segoe UI" panose="020B0502040204020203" pitchFamily="34" charset="0"/>
-                <a:ea typeface="Segoe UI" panose="020B0502040204020203" pitchFamily="34" charset="0"/>
-                <a:cs typeface="Segoe UI" panose="020B0502040204020203" pitchFamily="34" charset="0"/>
-              </a:rPr>
-              <a:t>cobbler_driver:no</a:t>
-            </a:r>
-            <a:endParaRPr kumimoji="0" lang="ja-JP" altLang="en-US" sz="1050" b="0" i="0" u="none" strike="noStrike" kern="100" cap="none" spc="0" normalizeH="0" baseline="0" noProof="0" dirty="0">
-              <a:ln>
-                <a:noFill/>
-              </a:ln>
-              <a:solidFill>
-                <a:sysClr val="window" lastClr="FFFFFF"/>
-              </a:solidFill>
-              <a:effectLst/>
-              <a:uLnTx/>
-              <a:uFillTx/>
-              <a:latin typeface="Segoe UI" panose="020B0502040204020203" pitchFamily="34" charset="0"/>
-              <a:ea typeface="ＭＳ 明朝" panose="02020609040205080304" pitchFamily="17" charset="-128"/>
-              <a:cs typeface="Segoe UI" panose="020B0502040204020203" pitchFamily="34" charset="0"/>
-            </a:endParaRPr>
-          </a:p>
-          <a:p>
-            <a:pPr marL="0" marR="0" lvl="0" indent="0" algn="l" defTabSz="914400" eaLnBrk="1" fontAlgn="auto" latinLnBrk="0" hangingPunct="1">
-              <a:lnSpc>
-                <a:spcPts val="900"/>
-              </a:lnSpc>
-              <a:spcBef>
-                <a:spcPts val="0"/>
-              </a:spcBef>
-              <a:spcAft>
-                <a:spcPts val="0"/>
-              </a:spcAft>
-              <a:buClrTx/>
-              <a:buSzTx/>
-              <a:buFontTx/>
-              <a:buNone/>
-              <a:tabLst/>
-              <a:defRPr/>
-            </a:pPr>
-            <a:r>
-              <a:rPr kumimoji="0" lang="en-US" sz="900" b="0" i="0" u="none" strike="noStrike" kern="100" cap="none" spc="0" normalizeH="0" baseline="0" noProof="0" dirty="0">
-                <a:ln>
-                  <a:noFill/>
-                </a:ln>
-                <a:solidFill>
-                  <a:sysClr val="window" lastClr="FFFFFF"/>
-                </a:solidFill>
-                <a:effectLst/>
-                <a:uLnTx/>
-                <a:uFillTx/>
-                <a:latin typeface="Segoe UI" panose="020B0502040204020203" pitchFamily="34" charset="0"/>
-                <a:ea typeface="Segoe UI" panose="020B0502040204020203" pitchFamily="34" charset="0"/>
-                <a:cs typeface="Segoe UI" panose="020B0502040204020203" pitchFamily="34" charset="0"/>
-              </a:rPr>
-              <a:t>openstack_driver:no</a:t>
-            </a:r>
-            <a:endParaRPr kumimoji="0" lang="ja-JP" altLang="en-US" sz="1050" b="0" i="0" u="none" strike="noStrike" kern="100" cap="none" spc="0" normalizeH="0" baseline="0" noProof="0" dirty="0">
-              <a:ln>
-                <a:noFill/>
-              </a:ln>
-              <a:solidFill>
-                <a:sysClr val="window" lastClr="FFFFFF"/>
-              </a:solidFill>
-              <a:effectLst/>
-              <a:uLnTx/>
-              <a:uFillTx/>
-              <a:latin typeface="Segoe UI" panose="020B0502040204020203" pitchFamily="34" charset="0"/>
-              <a:ea typeface="ＭＳ 明朝" panose="02020609040205080304" pitchFamily="17" charset="-128"/>
-              <a:cs typeface="Segoe UI" panose="020B0502040204020203" pitchFamily="34" charset="0"/>
-            </a:endParaRPr>
-          </a:p>
-          <a:p>
-            <a:pPr marL="0" marR="0" lvl="0" indent="0" algn="l" defTabSz="914400" eaLnBrk="1" fontAlgn="auto" latinLnBrk="0" hangingPunct="1">
-              <a:lnSpc>
-                <a:spcPts val="900"/>
-              </a:lnSpc>
-              <a:spcBef>
-                <a:spcPts val="0"/>
-              </a:spcBef>
-              <a:spcAft>
-                <a:spcPts val="0"/>
-              </a:spcAft>
-              <a:buClrTx/>
-              <a:buSzTx/>
-              <a:buFontTx/>
-              <a:buNone/>
-              <a:tabLst/>
-              <a:defRPr/>
-            </a:pPr>
-            <a:r>
-              <a:rPr kumimoji="0" lang="en-US" sz="900" b="0" i="0" u="none" strike="noStrike" kern="100" cap="none" spc="0" normalizeH="0" baseline="0" noProof="0" dirty="0">
-                <a:ln>
-                  <a:noFill/>
-                </a:ln>
-                <a:solidFill>
-                  <a:sysClr val="window" lastClr="FFFFFF"/>
-                </a:solidFill>
-                <a:effectLst/>
-                <a:uLnTx/>
-                <a:uFillTx/>
-                <a:latin typeface="Segoe UI" panose="020B0502040204020203" pitchFamily="34" charset="0"/>
-                <a:ea typeface="Segoe UI" panose="020B0502040204020203" pitchFamily="34" charset="0"/>
-                <a:cs typeface="Segoe UI" panose="020B0502040204020203" pitchFamily="34" charset="0"/>
-              </a:rPr>
-              <a:t>dsc_driver:no</a:t>
-            </a:r>
-            <a:endParaRPr kumimoji="0" lang="ja-JP" altLang="en-US" sz="1050" b="0" i="0" u="none" strike="noStrike" kern="100" cap="none" spc="0" normalizeH="0" baseline="0" noProof="0" dirty="0">
-              <a:ln>
-                <a:noFill/>
-              </a:ln>
-              <a:solidFill>
-                <a:sysClr val="window" lastClr="FFFFFF"/>
-              </a:solidFill>
-              <a:effectLst/>
-              <a:uLnTx/>
-              <a:uFillTx/>
-              <a:latin typeface="Segoe UI" panose="020B0502040204020203" pitchFamily="34" charset="0"/>
-              <a:ea typeface="ＭＳ 明朝" panose="02020609040205080304" pitchFamily="17" charset="-128"/>
-              <a:cs typeface="Segoe UI" panose="020B0502040204020203" pitchFamily="34" charset="0"/>
-            </a:endParaRPr>
-          </a:p>
-          <a:p>
-            <a:pPr marL="0" marR="0" lvl="0" indent="0" algn="l" defTabSz="914400" eaLnBrk="1" fontAlgn="auto" latinLnBrk="0" hangingPunct="1">
-              <a:lnSpc>
-                <a:spcPts val="900"/>
-              </a:lnSpc>
-              <a:spcBef>
-                <a:spcPts val="0"/>
-              </a:spcBef>
-              <a:spcAft>
-                <a:spcPts val="0"/>
-              </a:spcAft>
-              <a:buClrTx/>
-              <a:buSzTx/>
-              <a:buFontTx/>
-              <a:buNone/>
-              <a:tabLst/>
-              <a:defRPr/>
-            </a:pPr>
-            <a:r>
-              <a:rPr kumimoji="0" lang="en-US" sz="900" b="0" i="0" u="none" strike="noStrike" kern="100" cap="none" spc="0" normalizeH="0" baseline="0" noProof="0" dirty="0">
-                <a:ln>
-                  <a:noFill/>
-                </a:ln>
-                <a:solidFill>
-                  <a:sysClr val="window" lastClr="FFFFFF"/>
-                </a:solidFill>
-                <a:effectLst/>
-                <a:uLnTx/>
-                <a:uFillTx/>
-                <a:latin typeface="Segoe UI" panose="020B0502040204020203" pitchFamily="34" charset="0"/>
-                <a:ea typeface="Segoe UI" panose="020B0502040204020203" pitchFamily="34" charset="0"/>
-                <a:cs typeface="Segoe UI" panose="020B0502040204020203" pitchFamily="34" charset="0"/>
-              </a:rPr>
-              <a:t>ansibletower_driver:no</a:t>
-            </a:r>
-            <a:endParaRPr kumimoji="0" lang="ja-JP" altLang="en-US" sz="1050" b="0" i="0" u="none" strike="noStrike" kern="100" cap="none" spc="0" normalizeH="0" baseline="0" noProof="0" dirty="0">
-              <a:ln>
-                <a:noFill/>
-              </a:ln>
-              <a:solidFill>
-                <a:sysClr val="window" lastClr="FFFFFF"/>
-              </a:solidFill>
-              <a:effectLst/>
-              <a:uLnTx/>
-              <a:uFillTx/>
-              <a:latin typeface="Segoe UI" panose="020B0502040204020203" pitchFamily="34" charset="0"/>
-              <a:ea typeface="ＭＳ 明朝" panose="02020609040205080304" pitchFamily="17" charset="-128"/>
-              <a:cs typeface="Segoe UI" panose="020B0502040204020203" pitchFamily="34" charset="0"/>
-            </a:endParaRPr>
-          </a:p>
-          <a:p>
-            <a:pPr marL="0" marR="0" lvl="0" indent="0" algn="l" defTabSz="914400" eaLnBrk="1" fontAlgn="auto" latinLnBrk="0" hangingPunct="1">
-              <a:lnSpc>
-                <a:spcPts val="900"/>
-              </a:lnSpc>
-              <a:spcBef>
-                <a:spcPts val="0"/>
-              </a:spcBef>
-              <a:spcAft>
-                <a:spcPts val="0"/>
-              </a:spcAft>
-              <a:buClrTx/>
-              <a:buSzTx/>
-              <a:buFontTx/>
-              <a:buNone/>
-              <a:tabLst/>
-              <a:defRPr/>
-            </a:pPr>
-            <a:r>
-              <a:rPr kumimoji="0" lang="en-US" sz="900" b="0" i="0" u="none" strike="noStrike" kern="100" cap="none" spc="0" normalizeH="0" baseline="0" noProof="0" dirty="0">
-                <a:ln>
-                  <a:noFill/>
-                </a:ln>
-                <a:solidFill>
-                  <a:sysClr val="window" lastClr="FFFFFF"/>
-                </a:solidFill>
-                <a:effectLst/>
-                <a:uLnTx/>
-                <a:uFillTx/>
-                <a:latin typeface="Segoe UI" panose="020B0502040204020203" pitchFamily="34" charset="0"/>
-                <a:ea typeface="Segoe UI" panose="020B0502040204020203" pitchFamily="34" charset="0"/>
-                <a:cs typeface="Segoe UI" panose="020B0502040204020203" pitchFamily="34" charset="0"/>
-              </a:rPr>
-              <a:t> </a:t>
-            </a:r>
-            <a:endParaRPr kumimoji="0" lang="ja-JP" altLang="en-US" sz="1050" b="0" i="0" u="none" strike="noStrike" kern="100" cap="none" spc="0" normalizeH="0" baseline="0" noProof="0" dirty="0">
-              <a:ln>
-                <a:noFill/>
-              </a:ln>
-              <a:solidFill>
-                <a:sysClr val="window" lastClr="FFFFFF"/>
-              </a:solidFill>
-              <a:effectLst/>
-              <a:uLnTx/>
-              <a:uFillTx/>
-              <a:latin typeface="Segoe UI" panose="020B0502040204020203" pitchFamily="34" charset="0"/>
-              <a:ea typeface="ＭＳ 明朝" panose="02020609040205080304" pitchFamily="17" charset="-128"/>
+              <a:ea typeface="Segoe UI" panose="020B0502040204020203" pitchFamily="34" charset="0"/>
               <a:cs typeface="Segoe UI" panose="020B0502040204020203" pitchFamily="34" charset="0"/>
             </a:endParaRPr>
           </a:p>
@@ -24114,7 +23094,27 @@
                 <a:ea typeface="Segoe UI" panose="020B0502040204020203" pitchFamily="34" charset="0"/>
                 <a:cs typeface="Segoe UI" panose="020B0502040204020203" pitchFamily="34" charset="0"/>
               </a:rPr>
-              <a:t>With the answer file, define the password for MySQL.</a:t>
+              <a:t>With the answer file, define the password for </a:t>
+            </a:r>
+            <a:r>
+              <a:rPr lang="en-US" altLang="ja-JP" sz="1200" b="1" dirty="0">
+                <a:solidFill>
+                  <a:srgbClr val="FF0000"/>
+                </a:solidFill>
+                <a:latin typeface="+mn-ea"/>
+              </a:rPr>
+              <a:t>MariaDB</a:t>
+            </a:r>
+            <a:r>
+              <a:rPr lang="en-US" altLang="ja-JP" sz="1200" b="1" dirty="0" smtClean="0">
+                <a:solidFill>
+                  <a:srgbClr val="FF0000"/>
+                </a:solidFill>
+                <a:latin typeface="Segoe UI" panose="020B0502040204020203" pitchFamily="34" charset="0"/>
+                <a:ea typeface="Segoe UI" panose="020B0502040204020203" pitchFamily="34" charset="0"/>
+                <a:cs typeface="Segoe UI" panose="020B0502040204020203" pitchFamily="34" charset="0"/>
+              </a:rPr>
+              <a:t>.</a:t>
             </a:r>
             <a:endParaRPr kumimoji="1" lang="ja-JP" altLang="en-US" sz="1400" b="1" dirty="0" smtClean="0">
               <a:solidFill>
@@ -24613,7 +23613,7 @@
         </p:nvSpPr>
         <p:spPr>
           <a:xfrm>
-            <a:off x="2456814" y="3438809"/>
+            <a:off x="2456814" y="3501200"/>
             <a:ext cx="3699405" cy="1368000"/>
           </a:xfrm>
           <a:prstGeom prst="rect">
@@ -25118,14 +24118,14 @@
           <p:nvPr>
             <p:extLst>
               <p:ext uri="{D42A27DB-BD31-4B8C-83A1-F6EECF244321}">
-                <p14:modId xmlns:p14="http://schemas.microsoft.com/office/powerpoint/2010/main" val="3450615641"/>
+                <p14:modId xmlns:p14="http://schemas.microsoft.com/office/powerpoint/2010/main" val="2440818691"/>
               </p:ext>
             </p:extLst>
           </p:nvPr>
         </p:nvGraphicFramePr>
         <p:xfrm>
-          <a:off x="1043511" y="1844780"/>
-          <a:ext cx="7128989" cy="4599261"/>
+          <a:off x="755470" y="1700760"/>
+          <a:ext cx="6552910" cy="4599261"/>
         </p:xfrm>
         <a:graphic>
           <a:graphicData uri="http://schemas.openxmlformats.org/drawingml/2006/table">
@@ -25134,24 +24134,24 @@
                 <a:tableStyleId>{5C22544A-7EE6-4342-B048-85BDC9FD1C3A}</a:tableStyleId>
               </a:tblPr>
               <a:tblGrid>
-                <a:gridCol w="1940843">
+                <a:gridCol w="1724450">
                   <a:extLst>
                     <a:ext uri="{9D8B030D-6E8A-4147-A177-3AD203B41FA5}">
-                      <a16:colId xmlns:a16="http://schemas.microsoft.com/office/drawing/2014/main" val="20000"/>
+                      <a16:colId xmlns:a16="http://schemas.microsoft.com/office/drawing/2014/main" xmlns="" val="20000"/>
                     </a:ext>
                   </a:extLst>
                 </a:gridCol>
-                <a:gridCol w="1932823">
+                <a:gridCol w="1788449">
                   <a:extLst>
                     <a:ext uri="{9D8B030D-6E8A-4147-A177-3AD203B41FA5}">
-                      <a16:colId xmlns:a16="http://schemas.microsoft.com/office/drawing/2014/main" val="20001"/>
+                      <a16:colId xmlns:a16="http://schemas.microsoft.com/office/drawing/2014/main" xmlns="" val="20001"/>
                     </a:ext>
                   </a:extLst>
                 </a:gridCol>
-                <a:gridCol w="3255323">
+                <a:gridCol w="3040011">
                   <a:extLst>
                     <a:ext uri="{9D8B030D-6E8A-4147-A177-3AD203B41FA5}">
-                      <a16:colId xmlns:a16="http://schemas.microsoft.com/office/drawing/2014/main" val="20002"/>
+                      <a16:colId xmlns:a16="http://schemas.microsoft.com/office/drawing/2014/main" xmlns="" val="20002"/>
                     </a:ext>
                   </a:extLst>
                 </a:gridCol>
@@ -25264,7 +24264,7 @@
                 </a:tc>
                 <a:extLst>
                   <a:ext uri="{0D108BD9-81ED-4DB2-BD59-A6C34878D82A}">
-                    <a16:rowId xmlns:a16="http://schemas.microsoft.com/office/drawing/2014/main" val="10000"/>
+                    <a16:rowId xmlns:a16="http://schemas.microsoft.com/office/drawing/2014/main" xmlns="" val="10000"/>
                   </a:ext>
                 </a:extLst>
               </a:tr>
@@ -25394,7 +24394,7 @@
                 </a:tc>
                 <a:extLst>
                   <a:ext uri="{0D108BD9-81ED-4DB2-BD59-A6C34878D82A}">
-                    <a16:rowId xmlns:a16="http://schemas.microsoft.com/office/drawing/2014/main" val="10001"/>
+                    <a16:rowId xmlns:a16="http://schemas.microsoft.com/office/drawing/2014/main" xmlns="" val="10001"/>
                   </a:ext>
                 </a:extLst>
               </a:tr>
@@ -25554,7 +24554,7 @@
                 </a:tc>
                 <a:extLst>
                   <a:ext uri="{0D108BD9-81ED-4DB2-BD59-A6C34878D82A}">
-                    <a16:rowId xmlns:a16="http://schemas.microsoft.com/office/drawing/2014/main" val="10002"/>
+                    <a16:rowId xmlns:a16="http://schemas.microsoft.com/office/drawing/2014/main" xmlns="" val="10002"/>
                   </a:ext>
                 </a:extLst>
               </a:tr>
@@ -25603,13 +24603,13 @@
                         </a:spcAft>
                       </a:pPr>
                       <a:r>
-                        <a:rPr lang="en-US" sz="1050" kern="100" dirty="0">
-                          <a:effectLst/>
-                          <a:latin typeface="Segoe UI" panose="020B0502040204020203" pitchFamily="34" charset="0"/>
-                          <a:ea typeface="Segoe UI" panose="020B0502040204020203" pitchFamily="34" charset="0"/>
-                          <a:cs typeface="Segoe UI" panose="020B0502040204020203" pitchFamily="34" charset="0"/>
-                        </a:rPr>
-                        <a:t>MySQL</a:t>
+                        <a:rPr lang="en-US" sz="1050" kern="100" dirty="0" smtClean="0">
+                          <a:effectLst/>
+                          <a:latin typeface="Segoe UI" panose="020B0502040204020203" pitchFamily="34" charset="0"/>
+                          <a:ea typeface="Segoe UI" panose="020B0502040204020203" pitchFamily="34" charset="0"/>
+                          <a:cs typeface="Segoe UI" panose="020B0502040204020203" pitchFamily="34" charset="0"/>
+                        </a:rPr>
+                        <a:t>MariaDB</a:t>
                       </a:r>
                       <a:endParaRPr lang="ja-JP" sz="1050" kern="100" dirty="0">
                         <a:effectLst/>
@@ -25642,50 +24642,8 @@
                           <a:ea typeface="Segoe UI" panose="020B0502040204020203" pitchFamily="34" charset="0"/>
                           <a:cs typeface="Segoe UI" panose="020B0502040204020203" pitchFamily="34" charset="0"/>
                         </a:rPr>
-                        <a:t>mysql-community-server</a:t>
-                      </a:r>
-                      <a:r>
-                        <a:rPr lang="en-US" altLang="ja-JP" sz="1050" kern="100" dirty="0" smtClean="0">
-                          <a:effectLst/>
-                          <a:latin typeface="Segoe UI" panose="020B0502040204020203" pitchFamily="34" charset="0"/>
-                          <a:ea typeface="Segoe UI" panose="020B0502040204020203" pitchFamily="34" charset="0"/>
-                          <a:cs typeface="Segoe UI" panose="020B0502040204020203" pitchFamily="34" charset="0"/>
-                        </a:rPr>
-                        <a:t>, </a:t>
-                      </a:r>
-                      <a:r>
-                        <a:rPr lang="en-US" sz="1050" kern="100" dirty="0" smtClean="0">
-                          <a:effectLst/>
-                          <a:latin typeface="Segoe UI" panose="020B0502040204020203" pitchFamily="34" charset="0"/>
-                          <a:ea typeface="Segoe UI" panose="020B0502040204020203" pitchFamily="34" charset="0"/>
-                          <a:cs typeface="Segoe UI" panose="020B0502040204020203" pitchFamily="34" charset="0"/>
-                        </a:rPr>
-                        <a:t>expect </a:t>
-                      </a:r>
-                      <a:r>
-                        <a:rPr lang="en-US" sz="1050" kern="100" dirty="0">
-                          <a:effectLst/>
-                          <a:latin typeface="Segoe UI" panose="020B0502040204020203" pitchFamily="34" charset="0"/>
-                          <a:ea typeface="Segoe UI" panose="020B0502040204020203" pitchFamily="34" charset="0"/>
-                          <a:cs typeface="Segoe UI" panose="020B0502040204020203" pitchFamily="34" charset="0"/>
-                        </a:rPr>
-                        <a:t>pexpect</a:t>
-                      </a:r>
-                      <a:r>
-                        <a:rPr lang="en-US" sz="1050" kern="100" dirty="0" smtClean="0">
-                          <a:effectLst/>
-                          <a:latin typeface="Segoe UI" panose="020B0502040204020203" pitchFamily="34" charset="0"/>
-                          <a:ea typeface="Segoe UI" panose="020B0502040204020203" pitchFamily="34" charset="0"/>
-                          <a:cs typeface="Segoe UI" panose="020B0502040204020203" pitchFamily="34" charset="0"/>
-                        </a:rPr>
-                        <a:t>, pywinrm</a:t>
-                      </a:r>
-                      <a:endParaRPr lang="ja-JP" sz="1050" kern="100" dirty="0">
-                        <a:effectLst/>
-                        <a:latin typeface="Segoe UI" panose="020B0502040204020203" pitchFamily="34" charset="0"/>
-                        <a:ea typeface="ＭＳ 明朝" panose="02020609040205080304" pitchFamily="17" charset="-128"/>
-                        <a:cs typeface="Segoe UI" panose="020B0502040204020203" pitchFamily="34" charset="0"/>
-                      </a:endParaRPr>
+                        <a:t>MariaDB, MariaDB-server, expect</a:t>
+                      </a:r>
                     </a:p>
                   </a:txBody>
                   <a:tcPr marL="68580" marR="68580" marT="0" marB="0" anchor="ctr">
@@ -25696,7 +24654,7 @@
                 </a:tc>
                 <a:extLst>
                   <a:ext uri="{0D108BD9-81ED-4DB2-BD59-A6C34878D82A}">
-                    <a16:rowId xmlns:a16="http://schemas.microsoft.com/office/drawing/2014/main" val="10003"/>
+                    <a16:rowId xmlns:a16="http://schemas.microsoft.com/office/drawing/2014/main" xmlns="" val="10003"/>
                   </a:ext>
                 </a:extLst>
               </a:tr>
@@ -25820,7 +24778,7 @@
                 </a:tc>
                 <a:extLst>
                   <a:ext uri="{0D108BD9-81ED-4DB2-BD59-A6C34878D82A}">
-                    <a16:rowId xmlns:a16="http://schemas.microsoft.com/office/drawing/2014/main" val="10004"/>
+                    <a16:rowId xmlns:a16="http://schemas.microsoft.com/office/drawing/2014/main" xmlns="" val="10004"/>
                   </a:ext>
                 </a:extLst>
               </a:tr>
@@ -26016,24 +24974,6 @@
                           <a:ea typeface="Segoe UI" panose="020B0502040204020203" pitchFamily="34" charset="0"/>
                           <a:cs typeface="Segoe UI" panose="020B0502040204020203" pitchFamily="34" charset="0"/>
                         </a:rPr>
-                        <a:t>php-mysql</a:t>
-                      </a:r>
-                      <a:r>
-                        <a:rPr lang="en-US" altLang="ja-JP" sz="1050" kern="100" dirty="0" smtClean="0">
-                          <a:effectLst/>
-                          <a:latin typeface="Segoe UI" panose="020B0502040204020203" pitchFamily="34" charset="0"/>
-                          <a:ea typeface="Segoe UI" panose="020B0502040204020203" pitchFamily="34" charset="0"/>
-                          <a:cs typeface="Segoe UI" panose="020B0502040204020203" pitchFamily="34" charset="0"/>
-                        </a:rPr>
-                        <a:t>, </a:t>
-                      </a:r>
-                      <a:r>
-                        <a:rPr lang="en-US" sz="1050" kern="100" dirty="0" smtClean="0">
-                          <a:effectLst/>
-                          <a:latin typeface="Segoe UI" panose="020B0502040204020203" pitchFamily="34" charset="0"/>
-                          <a:ea typeface="Segoe UI" panose="020B0502040204020203" pitchFamily="34" charset="0"/>
-                          <a:cs typeface="Segoe UI" panose="020B0502040204020203" pitchFamily="34" charset="0"/>
-                        </a:rPr>
                         <a:t>php-mysqlnd</a:t>
                       </a:r>
                       <a:r>
@@ -26160,7 +25100,7 @@
                 </a:tc>
                 <a:extLst>
                   <a:ext uri="{0D108BD9-81ED-4DB2-BD59-A6C34878D82A}">
-                    <a16:rowId xmlns:a16="http://schemas.microsoft.com/office/drawing/2014/main" val="10005"/>
+                    <a16:rowId xmlns:a16="http://schemas.microsoft.com/office/drawing/2014/main" xmlns="" val="10005"/>
                   </a:ext>
                 </a:extLst>
               </a:tr>
@@ -26277,7 +25217,7 @@
                 </a:tc>
                 <a:extLst>
                   <a:ext uri="{0D108BD9-81ED-4DB2-BD59-A6C34878D82A}">
-                    <a16:rowId xmlns:a16="http://schemas.microsoft.com/office/drawing/2014/main" val="10006"/>
+                    <a16:rowId xmlns:a16="http://schemas.microsoft.com/office/drawing/2014/main" xmlns="" val="10006"/>
                   </a:ext>
                 </a:extLst>
               </a:tr>
@@ -26383,7 +25323,7 @@
                 </a:tc>
                 <a:extLst>
                   <a:ext uri="{0D108BD9-81ED-4DB2-BD59-A6C34878D82A}">
-                    <a16:rowId xmlns:a16="http://schemas.microsoft.com/office/drawing/2014/main" val="10007"/>
+                    <a16:rowId xmlns:a16="http://schemas.microsoft.com/office/drawing/2014/main" xmlns="" val="10007"/>
                   </a:ext>
                 </a:extLst>
               </a:tr>
@@ -26507,7 +25447,7 @@
                 </a:tc>
                 <a:extLst>
                   <a:ext uri="{0D108BD9-81ED-4DB2-BD59-A6C34878D82A}">
-                    <a16:rowId xmlns:a16="http://schemas.microsoft.com/office/drawing/2014/main" val="10008"/>
+                    <a16:rowId xmlns:a16="http://schemas.microsoft.com/office/drawing/2014/main" xmlns="" val="10008"/>
                   </a:ext>
                 </a:extLst>
               </a:tr>
@@ -26595,122 +25535,8 @@
                           <a:ea typeface="Segoe UI" panose="020B0502040204020203" pitchFamily="34" charset="0"/>
                           <a:cs typeface="Segoe UI" panose="020B0502040204020203" pitchFamily="34" charset="0"/>
                         </a:rPr>
-                        <a:t>cobbler</a:t>
-                      </a:r>
-                      <a:r>
-                        <a:rPr lang="en-US" altLang="ja-JP" sz="1050" kern="100" dirty="0" smtClean="0">
-                          <a:effectLst/>
-                          <a:latin typeface="Segoe UI" panose="020B0502040204020203" pitchFamily="34" charset="0"/>
-                          <a:ea typeface="Segoe UI" panose="020B0502040204020203" pitchFamily="34" charset="0"/>
-                          <a:cs typeface="Segoe UI" panose="020B0502040204020203" pitchFamily="34" charset="0"/>
-                        </a:rPr>
-                        <a:t>, </a:t>
-                      </a:r>
-                      <a:r>
-                        <a:rPr lang="en-US" sz="1050" kern="100" dirty="0" smtClean="0">
-                          <a:effectLst/>
-                          <a:latin typeface="Segoe UI" panose="020B0502040204020203" pitchFamily="34" charset="0"/>
-                          <a:ea typeface="Segoe UI" panose="020B0502040204020203" pitchFamily="34" charset="0"/>
-                          <a:cs typeface="Segoe UI" panose="020B0502040204020203" pitchFamily="34" charset="0"/>
-                        </a:rPr>
-                        <a:t>cobbler-web</a:t>
-                      </a:r>
-                      <a:r>
-                        <a:rPr lang="en-US" altLang="ja-JP" sz="1050" kern="100" dirty="0" smtClean="0">
-                          <a:effectLst/>
-                          <a:latin typeface="Segoe UI" panose="020B0502040204020203" pitchFamily="34" charset="0"/>
-                          <a:ea typeface="Segoe UI" panose="020B0502040204020203" pitchFamily="34" charset="0"/>
-                          <a:cs typeface="Segoe UI" panose="020B0502040204020203" pitchFamily="34" charset="0"/>
-                        </a:rPr>
-                        <a:t>, </a:t>
-                      </a:r>
-                      <a:r>
-                        <a:rPr lang="en-US" sz="1050" kern="100" dirty="0" smtClean="0">
-                          <a:effectLst/>
-                          <a:latin typeface="Segoe UI" panose="020B0502040204020203" pitchFamily="34" charset="0"/>
-                          <a:ea typeface="Segoe UI" panose="020B0502040204020203" pitchFamily="34" charset="0"/>
-                          <a:cs typeface="Segoe UI" panose="020B0502040204020203" pitchFamily="34" charset="0"/>
-                        </a:rPr>
-                        <a:t>dhcp</a:t>
-                      </a:r>
-                      <a:r>
-                        <a:rPr lang="en-US" altLang="ja-JP" sz="1050" kern="100" dirty="0" smtClean="0">
-                          <a:effectLst/>
-                          <a:latin typeface="Segoe UI" panose="020B0502040204020203" pitchFamily="34" charset="0"/>
-                          <a:ea typeface="Segoe UI" panose="020B0502040204020203" pitchFamily="34" charset="0"/>
-                          <a:cs typeface="Segoe UI" panose="020B0502040204020203" pitchFamily="34" charset="0"/>
-                        </a:rPr>
-                        <a:t>, </a:t>
-                      </a:r>
-                      <a:r>
-                        <a:rPr lang="en-US" sz="1050" kern="100" dirty="0" smtClean="0">
-                          <a:effectLst/>
-                          <a:latin typeface="Segoe UI" panose="020B0502040204020203" pitchFamily="34" charset="0"/>
-                          <a:ea typeface="Segoe UI" panose="020B0502040204020203" pitchFamily="34" charset="0"/>
-                          <a:cs typeface="Segoe UI" panose="020B0502040204020203" pitchFamily="34" charset="0"/>
-                        </a:rPr>
-                        <a:t>pykickstart</a:t>
-                      </a:r>
-                      <a:r>
-                        <a:rPr lang="en-US" altLang="ja-JP" sz="1050" kern="100" dirty="0" smtClean="0">
-                          <a:effectLst/>
-                          <a:latin typeface="Segoe UI" panose="020B0502040204020203" pitchFamily="34" charset="0"/>
-                          <a:ea typeface="Segoe UI" panose="020B0502040204020203" pitchFamily="34" charset="0"/>
-                          <a:cs typeface="Segoe UI" panose="020B0502040204020203" pitchFamily="34" charset="0"/>
-                        </a:rPr>
-                        <a:t>, </a:t>
-                      </a:r>
-                      <a:r>
-                        <a:rPr lang="en-US" sz="1050" kern="100" dirty="0" smtClean="0">
-                          <a:effectLst/>
-                          <a:latin typeface="Segoe UI" panose="020B0502040204020203" pitchFamily="34" charset="0"/>
-                          <a:ea typeface="Segoe UI" panose="020B0502040204020203" pitchFamily="34" charset="0"/>
-                          <a:cs typeface="Segoe UI" panose="020B0502040204020203" pitchFamily="34" charset="0"/>
-                        </a:rPr>
-                        <a:t>fence-agents</a:t>
-                      </a:r>
-                      <a:r>
-                        <a:rPr lang="en-US" altLang="ja-JP" sz="1050" kern="100" dirty="0" smtClean="0">
-                          <a:effectLst/>
-                          <a:latin typeface="Segoe UI" panose="020B0502040204020203" pitchFamily="34" charset="0"/>
-                          <a:ea typeface="Segoe UI" panose="020B0502040204020203" pitchFamily="34" charset="0"/>
-                          <a:cs typeface="Segoe UI" panose="020B0502040204020203" pitchFamily="34" charset="0"/>
-                        </a:rPr>
-                        <a:t>, </a:t>
-                      </a:r>
-                      <a:r>
-                        <a:rPr lang="en-US" sz="1050" kern="100" dirty="0" smtClean="0">
-                          <a:effectLst/>
-                          <a:latin typeface="Segoe UI" panose="020B0502040204020203" pitchFamily="34" charset="0"/>
-                          <a:ea typeface="Segoe UI" panose="020B0502040204020203" pitchFamily="34" charset="0"/>
-                          <a:cs typeface="Segoe UI" panose="020B0502040204020203" pitchFamily="34" charset="0"/>
-                        </a:rPr>
-                        <a:t>debmirror</a:t>
-                      </a:r>
-                      <a:r>
-                        <a:rPr lang="en-US" altLang="ja-JP" sz="1050" kern="100" dirty="0" smtClean="0">
-                          <a:effectLst/>
-                          <a:latin typeface="Segoe UI" panose="020B0502040204020203" pitchFamily="34" charset="0"/>
-                          <a:ea typeface="Segoe UI" panose="020B0502040204020203" pitchFamily="34" charset="0"/>
-                          <a:cs typeface="Segoe UI" panose="020B0502040204020203" pitchFamily="34" charset="0"/>
-                        </a:rPr>
-                        <a:t>, </a:t>
-                      </a:r>
-                      <a:r>
-                        <a:rPr lang="en-US" sz="1050" kern="100" dirty="0" smtClean="0">
-                          <a:effectLst/>
-                          <a:latin typeface="Segoe UI" panose="020B0502040204020203" pitchFamily="34" charset="0"/>
-                          <a:ea typeface="Segoe UI" panose="020B0502040204020203" pitchFamily="34" charset="0"/>
-                          <a:cs typeface="Segoe UI" panose="020B0502040204020203" pitchFamily="34" charset="0"/>
-                        </a:rPr>
-                        <a:t>xinetd</a:t>
-                      </a:r>
-                      <a:endParaRPr lang="ja-JP" sz="1050" kern="100" dirty="0">
-                        <a:effectLst/>
-                        <a:latin typeface="Segoe UI" panose="020B0502040204020203" pitchFamily="34" charset="0"/>
-                        <a:ea typeface="ＭＳ 明朝" panose="02020609040205080304" pitchFamily="17" charset="-128"/>
-                        <a:cs typeface="Segoe UI" panose="020B0502040204020203" pitchFamily="34" charset="0"/>
-                      </a:endParaRPr>
+                        <a:t>cobbler、dhcp、pykickstart、fence-agents、debmirror、xinetd、cobbler-web(*1)、python-cheetah(*2)</a:t>
+                      </a:r>
                     </a:p>
                   </a:txBody>
                   <a:tcPr marL="68580" marR="68580" marT="0" marB="0" anchor="ctr">
@@ -26721,7 +25547,7 @@
                 </a:tc>
                 <a:extLst>
                   <a:ext uri="{0D108BD9-81ED-4DB2-BD59-A6C34878D82A}">
-                    <a16:rowId xmlns:a16="http://schemas.microsoft.com/office/drawing/2014/main" val="10009"/>
+                    <a16:rowId xmlns:a16="http://schemas.microsoft.com/office/drawing/2014/main" xmlns="" val="10009"/>
                   </a:ext>
                 </a:extLst>
               </a:tr>
@@ -26729,6 +25555,60 @@
           </a:graphicData>
         </a:graphic>
       </p:graphicFrame>
+      <p:sp>
+        <p:nvSpPr>
+          <p:cNvPr id="5" name="テキスト ボックス 4"/>
+          <p:cNvSpPr txBox="1"/>
+          <p:nvPr/>
+        </p:nvSpPr>
+        <p:spPr>
+          <a:xfrm>
+            <a:off x="7308380" y="5776440"/>
+            <a:ext cx="1835619" cy="400110"/>
+          </a:xfrm>
+          <a:prstGeom prst="rect">
+            <a:avLst/>
+          </a:prstGeom>
+          <a:noFill/>
+        </p:spPr>
+        <p:txBody>
+          <a:bodyPr wrap="square" rtlCol="0">
+            <a:spAutoFit/>
+          </a:bodyPr>
+          <a:lstStyle/>
+          <a:p>
+            <a:pPr algn="just">
+              <a:spcAft>
+                <a:spcPts val="0"/>
+              </a:spcAft>
+            </a:pPr>
+            <a:r>
+              <a:rPr lang="en-US" altLang="ja-JP" sz="1000" kern="100" dirty="0"/>
+              <a:t>*</a:t>
+            </a:r>
+            <a:r>
+              <a:rPr lang="en-US" altLang="ja-JP" sz="1000" kern="100" dirty="0" smtClean="0"/>
+              <a:t>1 only RHEL7,CentOS7</a:t>
+            </a:r>
+          </a:p>
+          <a:p>
+            <a:pPr algn="just">
+              <a:spcAft>
+                <a:spcPts val="0"/>
+              </a:spcAft>
+            </a:pPr>
+            <a:r>
+              <a:rPr lang="en-US" altLang="ja-JP" sz="1000" kern="100" dirty="0"/>
+              <a:t>*</a:t>
+            </a:r>
+            <a:r>
+              <a:rPr lang="en-US" altLang="ja-JP" sz="1000" kern="100" dirty="0" smtClean="0"/>
+              <a:t>2 only RHEL7</a:t>
+            </a:r>
+            <a:endParaRPr lang="en-US" altLang="ja-JP" sz="1000" kern="100" dirty="0"/>
+          </a:p>
+        </p:txBody>
+      </p:sp>
     </p:spTree>
     <p:extLst>
       <p:ext uri="{BB962C8B-B14F-4D97-AF65-F5344CB8AC3E}">
@@ -27833,7 +26713,7 @@
                 <a:gridCol w="5485765">
                   <a:extLst>
                     <a:ext uri="{9D8B030D-6E8A-4147-A177-3AD203B41FA5}">
-                      <a16:colId xmlns:a16="http://schemas.microsoft.com/office/drawing/2014/main" val="20000"/>
+                      <a16:colId xmlns:a16="http://schemas.microsoft.com/office/drawing/2014/main" xmlns="" val="20000"/>
                     </a:ext>
                   </a:extLst>
                 </a:gridCol>
@@ -27874,7 +26754,7 @@
                 </a:tc>
                 <a:extLst>
                   <a:ext uri="{0D108BD9-81ED-4DB2-BD59-A6C34878D82A}">
-                    <a16:rowId xmlns:a16="http://schemas.microsoft.com/office/drawing/2014/main" val="10000"/>
+                    <a16:rowId xmlns:a16="http://schemas.microsoft.com/office/drawing/2014/main" xmlns="" val="10000"/>
                   </a:ext>
                 </a:extLst>
               </a:tr>
@@ -27910,7 +26790,7 @@
                 <a:gridCol w="5485765">
                   <a:extLst>
                     <a:ext uri="{9D8B030D-6E8A-4147-A177-3AD203B41FA5}">
-                      <a16:colId xmlns:a16="http://schemas.microsoft.com/office/drawing/2014/main" val="20000"/>
+                      <a16:colId xmlns:a16="http://schemas.microsoft.com/office/drawing/2014/main" xmlns="" val="20000"/>
                     </a:ext>
                   </a:extLst>
                 </a:gridCol>
@@ -28064,7 +26944,7 @@
                 </a:tc>
                 <a:extLst>
                   <a:ext uri="{0D108BD9-81ED-4DB2-BD59-A6C34878D82A}">
-                    <a16:rowId xmlns:a16="http://schemas.microsoft.com/office/drawing/2014/main" val="10000"/>
+                    <a16:rowId xmlns:a16="http://schemas.microsoft.com/office/drawing/2014/main" xmlns="" val="10000"/>
                   </a:ext>
                 </a:extLst>
               </a:tr>
@@ -28843,21 +27723,21 @@
                 <a:gridCol w="1780321">
                   <a:extLst>
                     <a:ext uri="{9D8B030D-6E8A-4147-A177-3AD203B41FA5}">
-                      <a16:colId xmlns:a16="http://schemas.microsoft.com/office/drawing/2014/main" val="20000"/>
+                      <a16:colId xmlns:a16="http://schemas.microsoft.com/office/drawing/2014/main" xmlns="" val="20000"/>
                     </a:ext>
                   </a:extLst>
                 </a:gridCol>
                 <a:gridCol w="3071300">
                   <a:extLst>
                     <a:ext uri="{9D8B030D-6E8A-4147-A177-3AD203B41FA5}">
-                      <a16:colId xmlns:a16="http://schemas.microsoft.com/office/drawing/2014/main" val="20001"/>
+                      <a16:colId xmlns:a16="http://schemas.microsoft.com/office/drawing/2014/main" xmlns="" val="20001"/>
                     </a:ext>
                   </a:extLst>
                 </a:gridCol>
                 <a:gridCol w="1877461">
                   <a:extLst>
                     <a:ext uri="{9D8B030D-6E8A-4147-A177-3AD203B41FA5}">
-                      <a16:colId xmlns:a16="http://schemas.microsoft.com/office/drawing/2014/main" val="20002"/>
+                      <a16:colId xmlns:a16="http://schemas.microsoft.com/office/drawing/2014/main" xmlns="" val="20002"/>
                     </a:ext>
                   </a:extLst>
                 </a:gridCol>
@@ -28953,7 +27833,7 @@
                 </a:tc>
                 <a:extLst>
                   <a:ext uri="{0D108BD9-81ED-4DB2-BD59-A6C34878D82A}">
-                    <a16:rowId xmlns:a16="http://schemas.microsoft.com/office/drawing/2014/main" val="10000"/>
+                    <a16:rowId xmlns:a16="http://schemas.microsoft.com/office/drawing/2014/main" xmlns="" val="10000"/>
                   </a:ext>
                 </a:extLst>
               </a:tr>
@@ -29080,7 +27960,7 @@
                 </a:tc>
                 <a:extLst>
                   <a:ext uri="{0D108BD9-81ED-4DB2-BD59-A6C34878D82A}">
-                    <a16:rowId xmlns:a16="http://schemas.microsoft.com/office/drawing/2014/main" val="10001"/>
+                    <a16:rowId xmlns:a16="http://schemas.microsoft.com/office/drawing/2014/main" xmlns="" val="10001"/>
                   </a:ext>
                 </a:extLst>
               </a:tr>
@@ -29219,7 +28099,7 @@
                 </a:tc>
                 <a:extLst>
                   <a:ext uri="{0D108BD9-81ED-4DB2-BD59-A6C34878D82A}">
-                    <a16:rowId xmlns:a16="http://schemas.microsoft.com/office/drawing/2014/main" val="10002"/>
+                    <a16:rowId xmlns:a16="http://schemas.microsoft.com/office/drawing/2014/main" xmlns="" val="10002"/>
                   </a:ext>
                 </a:extLst>
               </a:tr>
@@ -30040,6 +28920,13 @@
   <p:clrMapOvr>
     <a:masterClrMapping/>
   </p:clrMapOvr>
+  <p:timing>
+    <p:tnLst>
+      <p:par>
+        <p:cTn id="1" dur="indefinite" restart="never" nodeType="tmRoot"/>
+      </p:par>
+    </p:tnLst>
+  </p:timing>
 </p:sld>
 </file>
 
@@ -30185,14 +29072,14 @@
                 <a:gridCol w="3312460">
                   <a:extLst>
                     <a:ext uri="{9D8B030D-6E8A-4147-A177-3AD203B41FA5}">
-                      <a16:colId xmlns:a16="http://schemas.microsoft.com/office/drawing/2014/main" val="20000"/>
+                      <a16:colId xmlns:a16="http://schemas.microsoft.com/office/drawing/2014/main" xmlns="" val="20000"/>
                     </a:ext>
                   </a:extLst>
                 </a:gridCol>
                 <a:gridCol w="3312460">
                   <a:extLst>
                     <a:ext uri="{9D8B030D-6E8A-4147-A177-3AD203B41FA5}">
-                      <a16:colId xmlns:a16="http://schemas.microsoft.com/office/drawing/2014/main" val="20001"/>
+                      <a16:colId xmlns:a16="http://schemas.microsoft.com/office/drawing/2014/main" xmlns="" val="20001"/>
                     </a:ext>
                   </a:extLst>
                 </a:gridCol>
@@ -30266,7 +29153,7 @@
                 </a:tc>
                 <a:extLst>
                   <a:ext uri="{0D108BD9-81ED-4DB2-BD59-A6C34878D82A}">
-                    <a16:rowId xmlns:a16="http://schemas.microsoft.com/office/drawing/2014/main" val="10000"/>
+                    <a16:rowId xmlns:a16="http://schemas.microsoft.com/office/drawing/2014/main" xmlns="" val="10000"/>
                   </a:ext>
                 </a:extLst>
               </a:tr>
@@ -30366,7 +29253,7 @@
                 </a:tc>
                 <a:extLst>
                   <a:ext uri="{0D108BD9-81ED-4DB2-BD59-A6C34878D82A}">
-                    <a16:rowId xmlns:a16="http://schemas.microsoft.com/office/drawing/2014/main" val="10001"/>
+                    <a16:rowId xmlns:a16="http://schemas.microsoft.com/office/drawing/2014/main" xmlns="" val="10001"/>
                   </a:ext>
                 </a:extLst>
               </a:tr>
@@ -30419,7 +29306,7 @@
                 </a:tc>
                 <a:extLst>
                   <a:ext uri="{0D108BD9-81ED-4DB2-BD59-A6C34878D82A}">
-                    <a16:rowId xmlns:a16="http://schemas.microsoft.com/office/drawing/2014/main" val="10002"/>
+                    <a16:rowId xmlns:a16="http://schemas.microsoft.com/office/drawing/2014/main" xmlns="" val="10002"/>
                   </a:ext>
                 </a:extLst>
               </a:tr>
@@ -30501,7 +29388,7 @@
                 </a:tc>
                 <a:extLst>
                   <a:ext uri="{0D108BD9-81ED-4DB2-BD59-A6C34878D82A}">
-                    <a16:rowId xmlns:a16="http://schemas.microsoft.com/office/drawing/2014/main" val="10003"/>
+                    <a16:rowId xmlns:a16="http://schemas.microsoft.com/office/drawing/2014/main" xmlns="" val="10003"/>
                   </a:ext>
                 </a:extLst>
               </a:tr>
@@ -30560,7 +29447,7 @@
                 </a:tc>
                 <a:extLst>
                   <a:ext uri="{0D108BD9-81ED-4DB2-BD59-A6C34878D82A}">
-                    <a16:rowId xmlns:a16="http://schemas.microsoft.com/office/drawing/2014/main" val="10004"/>
+                    <a16:rowId xmlns:a16="http://schemas.microsoft.com/office/drawing/2014/main" xmlns="" val="10004"/>
                   </a:ext>
                 </a:extLst>
               </a:tr>
@@ -30660,7 +29547,7 @@
                 </a:tc>
                 <a:extLst>
                   <a:ext uri="{0D108BD9-81ED-4DB2-BD59-A6C34878D82A}">
-                    <a16:rowId xmlns:a16="http://schemas.microsoft.com/office/drawing/2014/main" val="10005"/>
+                    <a16:rowId xmlns:a16="http://schemas.microsoft.com/office/drawing/2014/main" xmlns="" val="10005"/>
                   </a:ext>
                 </a:extLst>
               </a:tr>
@@ -30710,7 +29597,7 @@
                 </a:tc>
                 <a:extLst>
                   <a:ext uri="{0D108BD9-81ED-4DB2-BD59-A6C34878D82A}">
-                    <a16:rowId xmlns:a16="http://schemas.microsoft.com/office/drawing/2014/main" val="10006"/>
+                    <a16:rowId xmlns:a16="http://schemas.microsoft.com/office/drawing/2014/main" xmlns="" val="10006"/>
                   </a:ext>
                 </a:extLst>
               </a:tr>
@@ -30760,7 +29647,7 @@
                 </a:tc>
                 <a:extLst>
                   <a:ext uri="{0D108BD9-81ED-4DB2-BD59-A6C34878D82A}">
-                    <a16:rowId xmlns:a16="http://schemas.microsoft.com/office/drawing/2014/main" val="10007"/>
+                    <a16:rowId xmlns:a16="http://schemas.microsoft.com/office/drawing/2014/main" xmlns="" val="10007"/>
                   </a:ext>
                 </a:extLst>
               </a:tr>
@@ -30810,7 +29697,7 @@
                 </a:tc>
                 <a:extLst>
                   <a:ext uri="{0D108BD9-81ED-4DB2-BD59-A6C34878D82A}">
-                    <a16:rowId xmlns:a16="http://schemas.microsoft.com/office/drawing/2014/main" val="10008"/>
+                    <a16:rowId xmlns:a16="http://schemas.microsoft.com/office/drawing/2014/main" xmlns="" val="10008"/>
                   </a:ext>
                 </a:extLst>
               </a:tr>
@@ -31284,7 +30171,7 @@
           <p:nvPr>
             <p:extLst>
               <p:ext uri="{D42A27DB-BD31-4B8C-83A1-F6EECF244321}">
-                <p14:modId xmlns:p14="http://schemas.microsoft.com/office/powerpoint/2010/main" val="185989908"/>
+                <p14:modId xmlns:p14="http://schemas.microsoft.com/office/powerpoint/2010/main" val="4283086846"/>
               </p:ext>
             </p:extLst>
           </p:nvPr>
@@ -31303,42 +30190,42 @@
                 <a:gridCol w="1512210">
                   <a:extLst>
                     <a:ext uri="{9D8B030D-6E8A-4147-A177-3AD203B41FA5}">
-                      <a16:colId xmlns:a16="http://schemas.microsoft.com/office/drawing/2014/main" val="20000"/>
+                      <a16:colId xmlns:a16="http://schemas.microsoft.com/office/drawing/2014/main" xmlns="" val="20000"/>
                     </a:ext>
                   </a:extLst>
                 </a:gridCol>
                 <a:gridCol w="936130">
                   <a:extLst>
                     <a:ext uri="{9D8B030D-6E8A-4147-A177-3AD203B41FA5}">
-                      <a16:colId xmlns:a16="http://schemas.microsoft.com/office/drawing/2014/main" val="20001"/>
+                      <a16:colId xmlns:a16="http://schemas.microsoft.com/office/drawing/2014/main" xmlns="" val="20001"/>
                     </a:ext>
                   </a:extLst>
                 </a:gridCol>
                 <a:gridCol w="1080150">
                   <a:extLst>
                     <a:ext uri="{9D8B030D-6E8A-4147-A177-3AD203B41FA5}">
-                      <a16:colId xmlns:a16="http://schemas.microsoft.com/office/drawing/2014/main" val="20002"/>
+                      <a16:colId xmlns:a16="http://schemas.microsoft.com/office/drawing/2014/main" xmlns="" val="20002"/>
                     </a:ext>
                   </a:extLst>
                 </a:gridCol>
                 <a:gridCol w="3240450">
                   <a:extLst>
                     <a:ext uri="{9D8B030D-6E8A-4147-A177-3AD203B41FA5}">
-                      <a16:colId xmlns:a16="http://schemas.microsoft.com/office/drawing/2014/main" val="20003"/>
+                      <a16:colId xmlns:a16="http://schemas.microsoft.com/office/drawing/2014/main" xmlns="" val="20003"/>
                     </a:ext>
                   </a:extLst>
                 </a:gridCol>
                 <a:gridCol w="1224170">
                   <a:extLst>
                     <a:ext uri="{9D8B030D-6E8A-4147-A177-3AD203B41FA5}">
-                      <a16:colId xmlns:a16="http://schemas.microsoft.com/office/drawing/2014/main" val="20004"/>
+                      <a16:colId xmlns:a16="http://schemas.microsoft.com/office/drawing/2014/main" xmlns="" val="20004"/>
                     </a:ext>
                   </a:extLst>
                 </a:gridCol>
                 <a:gridCol w="936130">
                   <a:extLst>
                     <a:ext uri="{9D8B030D-6E8A-4147-A177-3AD203B41FA5}">
-                      <a16:colId xmlns:a16="http://schemas.microsoft.com/office/drawing/2014/main" val="20005"/>
+                      <a16:colId xmlns:a16="http://schemas.microsoft.com/office/drawing/2014/main" xmlns="" val="20005"/>
                     </a:ext>
                   </a:extLst>
                 </a:gridCol>
@@ -31566,7 +30453,7 @@
                 </a:tc>
                 <a:extLst>
                   <a:ext uri="{0D108BD9-81ED-4DB2-BD59-A6C34878D82A}">
-                    <a16:rowId xmlns:a16="http://schemas.microsoft.com/office/drawing/2014/main" val="10000"/>
+                    <a16:rowId xmlns:a16="http://schemas.microsoft.com/office/drawing/2014/main" xmlns="" val="10000"/>
                   </a:ext>
                 </a:extLst>
               </a:tr>
@@ -31828,7 +30715,7 @@
                 </a:tc>
                 <a:extLst>
                   <a:ext uri="{0D108BD9-81ED-4DB2-BD59-A6C34878D82A}">
-                    <a16:rowId xmlns:a16="http://schemas.microsoft.com/office/drawing/2014/main" val="10001"/>
+                    <a16:rowId xmlns:a16="http://schemas.microsoft.com/office/drawing/2014/main" xmlns="" val="10001"/>
                   </a:ext>
                 </a:extLst>
               </a:tr>
@@ -32081,7 +30968,7 @@
                 </a:tc>
                 <a:extLst>
                   <a:ext uri="{0D108BD9-81ED-4DB2-BD59-A6C34878D82A}">
-                    <a16:rowId xmlns:a16="http://schemas.microsoft.com/office/drawing/2014/main" val="10002"/>
+                    <a16:rowId xmlns:a16="http://schemas.microsoft.com/office/drawing/2014/main" xmlns="" val="10002"/>
                   </a:ext>
                 </a:extLst>
               </a:tr>
@@ -32331,12 +31218,12 @@
                 </a:tc>
                 <a:extLst>
                   <a:ext uri="{0D108BD9-81ED-4DB2-BD59-A6C34878D82A}">
-                    <a16:rowId xmlns:a16="http://schemas.microsoft.com/office/drawing/2014/main" val="10003"/>
+                    <a16:rowId xmlns:a16="http://schemas.microsoft.com/office/drawing/2014/main" xmlns="" val="10003"/>
                   </a:ext>
                 </a:extLst>
               </a:tr>
               <a:tr h="619366">
-                <a:tc>
+                <a:tc rowSpan="2">
                   <a:txBody>
                     <a:bodyPr/>
                     <a:lstStyle/>
@@ -32645,7 +31532,7 @@
                   </a:txBody>
                   <a:tcPr marL="68580" marR="68580" marT="0" marB="0" anchor="ctr"/>
                 </a:tc>
-                <a:tc>
+                <a:tc rowSpan="2">
                   <a:txBody>
                     <a:bodyPr/>
                     <a:lstStyle/>
@@ -32685,12 +31572,12 @@
                 </a:tc>
                 <a:extLst>
                   <a:ext uri="{0D108BD9-81ED-4DB2-BD59-A6C34878D82A}">
-                    <a16:rowId xmlns:a16="http://schemas.microsoft.com/office/drawing/2014/main" val="10004"/>
+                    <a16:rowId xmlns:a16="http://schemas.microsoft.com/office/drawing/2014/main" xmlns="" val="10004"/>
                   </a:ext>
                 </a:extLst>
               </a:tr>
               <a:tr h="619366">
-                <a:tc>
+                <a:tc vMerge="1">
                   <a:txBody>
                     <a:bodyPr/>
                     <a:lstStyle/>
@@ -32700,24 +31587,6 @@
                           <a:spcPts val="0"/>
                         </a:spcAft>
                       </a:pPr>
-                      <a:r>
-                        <a:rPr lang="en-US" sz="900" kern="100" dirty="0" smtClean="0">
-                          <a:effectLst/>
-                          <a:latin typeface="Segoe UI" panose="020B0502040204020203" pitchFamily="34" charset="0"/>
-                          <a:ea typeface="Segoe UI" panose="020B0502040204020203" pitchFamily="34" charset="0"/>
-                          <a:cs typeface="Segoe UI" panose="020B0502040204020203" pitchFamily="34" charset="0"/>
-                        </a:rPr>
-                        <a:t>AnsibleTower</a:t>
-                      </a:r>
-                      <a:r>
-                        <a:rPr lang="en-US" altLang="ja-JP" sz="900" kern="100" dirty="0" smtClean="0">
-                          <a:effectLst/>
-                          <a:latin typeface="Segoe UI" panose="020B0502040204020203" pitchFamily="34" charset="0"/>
-                          <a:ea typeface="Segoe UI" panose="020B0502040204020203" pitchFamily="34" charset="0"/>
-                          <a:cs typeface="Segoe UI" panose="020B0502040204020203" pitchFamily="34" charset="0"/>
-                        </a:rPr>
-                        <a:t> driver</a:t>
-                      </a:r>
                       <a:endParaRPr lang="ja-JP" sz="1050" kern="100" dirty="0">
                         <a:effectLst/>
                         <a:latin typeface="Segoe UI" panose="020B0502040204020203" pitchFamily="34" charset="0"/>
@@ -32904,7 +31773,7 @@
                   </a:txBody>
                   <a:tcPr marL="68580" marR="68580" marT="0" marB="0" anchor="ctr"/>
                 </a:tc>
-                <a:tc>
+                <a:tc vMerge="1">
                   <a:txBody>
                     <a:bodyPr/>
                     <a:lstStyle/>
@@ -32914,18 +31783,6 @@
                           <a:spcPts val="0"/>
                         </a:spcAft>
                       </a:pPr>
-                      <a:r>
-                        <a:rPr lang="en-US" altLang="ja-JP" sz="900" b="0" i="0" u="none" kern="100" dirty="0" smtClean="0">
-                          <a:solidFill>
-                            <a:srgbClr val="000000"/>
-                          </a:solidFill>
-                          <a:effectLst/>
-                          <a:latin typeface="Segoe UI" panose="020B0502040204020203" pitchFamily="34" charset="0"/>
-                          <a:ea typeface="Segoe UI" panose="020B0502040204020203" pitchFamily="34" charset="0"/>
-                          <a:cs typeface="Segoe UI" panose="020B0502040204020203" pitchFamily="34" charset="0"/>
-                        </a:rPr>
-                        <a:t>No</a:t>
-                      </a:r>
                       <a:endParaRPr lang="ja-JP" sz="900" b="0" i="0" u="none" kern="100" dirty="0">
                         <a:solidFill>
                           <a:srgbClr val="000000"/>
@@ -32941,7 +31798,7 @@
                 </a:tc>
                 <a:extLst>
                   <a:ext uri="{0D108BD9-81ED-4DB2-BD59-A6C34878D82A}">
-                    <a16:rowId xmlns:a16="http://schemas.microsoft.com/office/drawing/2014/main" val="10005"/>
+                    <a16:rowId xmlns:a16="http://schemas.microsoft.com/office/drawing/2014/main" xmlns="" val="10005"/>
                   </a:ext>
                 </a:extLst>
               </a:tr>
@@ -33238,7 +32095,7 @@
                 </a:tc>
                 <a:extLst>
                   <a:ext uri="{0D108BD9-81ED-4DB2-BD59-A6C34878D82A}">
-                    <a16:rowId xmlns:a16="http://schemas.microsoft.com/office/drawing/2014/main" val="10006"/>
+                    <a16:rowId xmlns:a16="http://schemas.microsoft.com/office/drawing/2014/main" xmlns="" val="10006"/>
                   </a:ext>
                 </a:extLst>
               </a:tr>
@@ -33514,7 +32371,7 @@
                 </a:tc>
                 <a:extLst>
                   <a:ext uri="{0D108BD9-81ED-4DB2-BD59-A6C34878D82A}">
-                    <a16:rowId xmlns:a16="http://schemas.microsoft.com/office/drawing/2014/main" val="10007"/>
+                    <a16:rowId xmlns:a16="http://schemas.microsoft.com/office/drawing/2014/main" xmlns="" val="10007"/>
                   </a:ext>
                 </a:extLst>
               </a:tr>
@@ -33829,7 +32686,7 @@
                 </a:tc>
                 <a:extLst>
                   <a:ext uri="{0D108BD9-81ED-4DB2-BD59-A6C34878D82A}">
-                    <a16:rowId xmlns:a16="http://schemas.microsoft.com/office/drawing/2014/main" val="10008"/>
+                    <a16:rowId xmlns:a16="http://schemas.microsoft.com/office/drawing/2014/main" xmlns="" val="10008"/>
                   </a:ext>
                 </a:extLst>
               </a:tr>
@@ -34103,14 +32960,14 @@
                 <a:gridCol w="3288245">
                   <a:extLst>
                     <a:ext uri="{9D8B030D-6E8A-4147-A177-3AD203B41FA5}">
-                      <a16:colId xmlns:a16="http://schemas.microsoft.com/office/drawing/2014/main" val="20000"/>
+                      <a16:colId xmlns:a16="http://schemas.microsoft.com/office/drawing/2014/main" xmlns="" val="20000"/>
                     </a:ext>
                   </a:extLst>
                 </a:gridCol>
                 <a:gridCol w="3288245">
                   <a:extLst>
                     <a:ext uri="{9D8B030D-6E8A-4147-A177-3AD203B41FA5}">
-                      <a16:colId xmlns:a16="http://schemas.microsoft.com/office/drawing/2014/main" val="20001"/>
+                      <a16:colId xmlns:a16="http://schemas.microsoft.com/office/drawing/2014/main" xmlns="" val="20001"/>
                     </a:ext>
                   </a:extLst>
                 </a:gridCol>
@@ -34179,7 +33036,7 @@
                 </a:tc>
                 <a:extLst>
                   <a:ext uri="{0D108BD9-81ED-4DB2-BD59-A6C34878D82A}">
-                    <a16:rowId xmlns:a16="http://schemas.microsoft.com/office/drawing/2014/main" val="10000"/>
+                    <a16:rowId xmlns:a16="http://schemas.microsoft.com/office/drawing/2014/main" xmlns="" val="10000"/>
                   </a:ext>
                 </a:extLst>
               </a:tr>
@@ -34256,7 +33113,7 @@
                 </a:tc>
                 <a:extLst>
                   <a:ext uri="{0D108BD9-81ED-4DB2-BD59-A6C34878D82A}">
-                    <a16:rowId xmlns:a16="http://schemas.microsoft.com/office/drawing/2014/main" val="10001"/>
+                    <a16:rowId xmlns:a16="http://schemas.microsoft.com/office/drawing/2014/main" xmlns="" val="10001"/>
                   </a:ext>
                 </a:extLst>
               </a:tr>
@@ -34357,7 +33214,7 @@
                 </a:tc>
                 <a:extLst>
                   <a:ext uri="{0D108BD9-81ED-4DB2-BD59-A6C34878D82A}">
-                    <a16:rowId xmlns:a16="http://schemas.microsoft.com/office/drawing/2014/main" val="10002"/>
+                    <a16:rowId xmlns:a16="http://schemas.microsoft.com/office/drawing/2014/main" xmlns="" val="10002"/>
                   </a:ext>
                 </a:extLst>
               </a:tr>
@@ -34389,21 +33246,21 @@
                 <a:gridCol w="1296180">
                   <a:extLst>
                     <a:ext uri="{9D8B030D-6E8A-4147-A177-3AD203B41FA5}">
-                      <a16:colId xmlns:a16="http://schemas.microsoft.com/office/drawing/2014/main" val="20000"/>
+                      <a16:colId xmlns:a16="http://schemas.microsoft.com/office/drawing/2014/main" xmlns="" val="20000"/>
                     </a:ext>
                   </a:extLst>
                 </a:gridCol>
                 <a:gridCol w="3088147">
                   <a:extLst>
                     <a:ext uri="{9D8B030D-6E8A-4147-A177-3AD203B41FA5}">
-                      <a16:colId xmlns:a16="http://schemas.microsoft.com/office/drawing/2014/main" val="20001"/>
+                      <a16:colId xmlns:a16="http://schemas.microsoft.com/office/drawing/2014/main" xmlns="" val="20001"/>
                     </a:ext>
                   </a:extLst>
                 </a:gridCol>
                 <a:gridCol w="2192163">
                   <a:extLst>
                     <a:ext uri="{9D8B030D-6E8A-4147-A177-3AD203B41FA5}">
-                      <a16:colId xmlns:a16="http://schemas.microsoft.com/office/drawing/2014/main" val="20002"/>
+                      <a16:colId xmlns:a16="http://schemas.microsoft.com/office/drawing/2014/main" xmlns="" val="20002"/>
                     </a:ext>
                   </a:extLst>
                 </a:gridCol>
@@ -34533,7 +33390,7 @@
                 </a:tc>
                 <a:extLst>
                   <a:ext uri="{0D108BD9-81ED-4DB2-BD59-A6C34878D82A}">
-                    <a16:rowId xmlns:a16="http://schemas.microsoft.com/office/drawing/2014/main" val="10000"/>
+                    <a16:rowId xmlns:a16="http://schemas.microsoft.com/office/drawing/2014/main" xmlns="" val="10000"/>
                   </a:ext>
                 </a:extLst>
               </a:tr>
@@ -34633,7 +33490,7 @@
                 </a:tc>
                 <a:extLst>
                   <a:ext uri="{0D108BD9-81ED-4DB2-BD59-A6C34878D82A}">
-                    <a16:rowId xmlns:a16="http://schemas.microsoft.com/office/drawing/2014/main" val="10001"/>
+                    <a16:rowId xmlns:a16="http://schemas.microsoft.com/office/drawing/2014/main" xmlns="" val="10001"/>
                   </a:ext>
                 </a:extLst>
               </a:tr>
@@ -34669,21 +33526,21 @@
                 <a:gridCol w="1296180">
                   <a:extLst>
                     <a:ext uri="{9D8B030D-6E8A-4147-A177-3AD203B41FA5}">
-                      <a16:colId xmlns:a16="http://schemas.microsoft.com/office/drawing/2014/main" val="20000"/>
+                      <a16:colId xmlns:a16="http://schemas.microsoft.com/office/drawing/2014/main" xmlns="" val="20000"/>
                     </a:ext>
                   </a:extLst>
                 </a:gridCol>
                 <a:gridCol w="3088147">
                   <a:extLst>
                     <a:ext uri="{9D8B030D-6E8A-4147-A177-3AD203B41FA5}">
-                      <a16:colId xmlns:a16="http://schemas.microsoft.com/office/drawing/2014/main" val="20001"/>
+                      <a16:colId xmlns:a16="http://schemas.microsoft.com/office/drawing/2014/main" xmlns="" val="20001"/>
                     </a:ext>
                   </a:extLst>
                 </a:gridCol>
                 <a:gridCol w="2192163">
                   <a:extLst>
                     <a:ext uri="{9D8B030D-6E8A-4147-A177-3AD203B41FA5}">
-                      <a16:colId xmlns:a16="http://schemas.microsoft.com/office/drawing/2014/main" val="20002"/>
+                      <a16:colId xmlns:a16="http://schemas.microsoft.com/office/drawing/2014/main" xmlns="" val="20002"/>
                     </a:ext>
                   </a:extLst>
                 </a:gridCol>
@@ -34813,7 +33670,7 @@
                 </a:tc>
                 <a:extLst>
                   <a:ext uri="{0D108BD9-81ED-4DB2-BD59-A6C34878D82A}">
-                    <a16:rowId xmlns:a16="http://schemas.microsoft.com/office/drawing/2014/main" val="10000"/>
+                    <a16:rowId xmlns:a16="http://schemas.microsoft.com/office/drawing/2014/main" xmlns="" val="10000"/>
                   </a:ext>
                 </a:extLst>
               </a:tr>
@@ -34971,7 +33828,7 @@
                 </a:tc>
                 <a:extLst>
                   <a:ext uri="{0D108BD9-81ED-4DB2-BD59-A6C34878D82A}">
-                    <a16:rowId xmlns:a16="http://schemas.microsoft.com/office/drawing/2014/main" val="10001"/>
+                    <a16:rowId xmlns:a16="http://schemas.microsoft.com/office/drawing/2014/main" xmlns="" val="10001"/>
                   </a:ext>
                 </a:extLst>
               </a:tr>
@@ -35150,7 +34007,7 @@
                 </a:tc>
                 <a:extLst>
                   <a:ext uri="{0D108BD9-81ED-4DB2-BD59-A6C34878D82A}">
-                    <a16:rowId xmlns:a16="http://schemas.microsoft.com/office/drawing/2014/main" val="10002"/>
+                    <a16:rowId xmlns:a16="http://schemas.microsoft.com/office/drawing/2014/main" xmlns="" val="10002"/>
                   </a:ext>
                 </a:extLst>
               </a:tr>
@@ -35286,7 +34143,7 @@
                 </a:tc>
                 <a:extLst>
                   <a:ext uri="{0D108BD9-81ED-4DB2-BD59-A6C34878D82A}">
-                    <a16:rowId xmlns:a16="http://schemas.microsoft.com/office/drawing/2014/main" val="10003"/>
+                    <a16:rowId xmlns:a16="http://schemas.microsoft.com/office/drawing/2014/main" xmlns="" val="10003"/>
                   </a:ext>
                 </a:extLst>
               </a:tr>
@@ -35422,7 +34279,7 @@
                 </a:tc>
                 <a:extLst>
                   <a:ext uri="{0D108BD9-81ED-4DB2-BD59-A6C34878D82A}">
-                    <a16:rowId xmlns:a16="http://schemas.microsoft.com/office/drawing/2014/main" val="10004"/>
+                    <a16:rowId xmlns:a16="http://schemas.microsoft.com/office/drawing/2014/main" xmlns="" val="10004"/>
                   </a:ext>
                 </a:extLst>
               </a:tr>
@@ -36855,39 +35712,19 @@
               </a:bodyPr>
               <a:lstStyle/>
               <a:p>
-                <a:pPr marL="0" marR="0" lvl="0" indent="0" algn="ctr" defTabSz="914400" eaLnBrk="1" fontAlgn="auto" latinLnBrk="0" hangingPunct="1">
-                  <a:lnSpc>
-                    <a:spcPct val="100000"/>
-                  </a:lnSpc>
-                  <a:spcBef>
-                    <a:spcPts val="0"/>
-                  </a:spcBef>
-                  <a:spcAft>
-                    <a:spcPts val="0"/>
-                  </a:spcAft>
-                  <a:buClrTx/>
-                  <a:buSzTx/>
-                  <a:buFontTx/>
-                  <a:buNone/>
-                  <a:tabLst/>
+                <a:pPr lvl="0" algn="ctr">
                   <a:defRPr/>
                 </a:pPr>
                 <a:r>
-                  <a:rPr kumimoji="0" lang="en-US" sz="1050" b="0" i="0" u="none" strike="noStrike" kern="100" cap="none" spc="0" normalizeH="0" baseline="0" noProof="0" dirty="0" smtClean="0">
-                    <a:ln>
-                      <a:noFill/>
-                    </a:ln>
+                  <a:rPr kumimoji="0" lang="en-US" sz="1050" kern="100" dirty="0">
                     <a:solidFill>
                       <a:srgbClr val="000000"/>
                     </a:solidFill>
-                    <a:effectLst/>
-                    <a:uLnTx/>
-                    <a:uFillTx/>
                     <a:latin typeface="Segoe UI" panose="020B0502040204020203" pitchFamily="34" charset="0"/>
                     <a:ea typeface="Segoe UI" panose="020B0502040204020203" pitchFamily="34" charset="0"/>
                     <a:cs typeface="Segoe UI" panose="020B0502040204020203" pitchFamily="34" charset="0"/>
                   </a:rPr>
-                  <a:t>MySQL</a:t>
+                  <a:t>MariaDB</a:t>
                 </a:r>
                 <a:endParaRPr kumimoji="0" lang="ja-JP" altLang="en-US" sz="1050" b="0" i="0" u="none" strike="noStrike" kern="100" cap="none" spc="0" normalizeH="0" baseline="0" noProof="0" dirty="0">
                   <a:ln>

--- a/asset/Learn/ITA-online-install_en.pptx
+++ b/asset/Learn/ITA-online-install_en.pptx
@@ -332,7 +332,7 @@
               <a:rPr kumimoji="1" lang="ja-JP" altLang="en-US" smtClean="0">
                 <a:ea typeface="メイリオ" panose="020B0604030504040204" pitchFamily="50" charset="-128"/>
               </a:rPr>
-              <a:t>2019/11/5</a:t>
+              <a:t>2020/1/6</a:t>
             </a:fld>
             <a:endParaRPr kumimoji="1" lang="ja-JP" altLang="en-US" dirty="0">
               <a:ea typeface="メイリオ" panose="020B0604030504040204" pitchFamily="50" charset="-128"/>
@@ -478,7 +478,7 @@
             <a:fld id="{4B26993D-C081-44EB-B0F5-A9F467792B62}" type="datetimeFigureOut">
               <a:rPr lang="ja-JP" altLang="en-US" smtClean="0"/>
               <a:pPr/>
-              <a:t>2019/11/5</a:t>
+              <a:t>2020/1/6</a:t>
             </a:fld>
             <a:endParaRPr lang="ja-JP" altLang="en-US" dirty="0"/>
           </a:p>
@@ -1101,7 +1101,7 @@
           <a:p>
             <a:fld id="{56F9016B-CCA6-43BE-8BEE-59565A35F4F7}" type="datetimeFigureOut">
               <a:rPr kumimoji="1" lang="ja-JP" altLang="en-US" smtClean="0"/>
-              <a:t>2019/11/5</a:t>
+              <a:t>2020/1/6</a:t>
             </a:fld>
             <a:endParaRPr kumimoji="1" lang="ja-JP" altLang="en-US"/>
           </a:p>
@@ -1303,7 +1303,7 @@
           <a:p>
             <a:fld id="{56F9016B-CCA6-43BE-8BEE-59565A35F4F7}" type="datetimeFigureOut">
               <a:rPr kumimoji="1" lang="ja-JP" altLang="en-US" smtClean="0"/>
-              <a:t>2019/11/5</a:t>
+              <a:t>2020/1/6</a:t>
             </a:fld>
             <a:endParaRPr kumimoji="1" lang="ja-JP" altLang="en-US"/>
           </a:p>
@@ -1549,7 +1549,7 @@
           <a:p>
             <a:fld id="{56F9016B-CCA6-43BE-8BEE-59565A35F4F7}" type="datetimeFigureOut">
               <a:rPr kumimoji="1" lang="ja-JP" altLang="en-US" smtClean="0"/>
-              <a:t>2019/11/5</a:t>
+              <a:t>2020/1/6</a:t>
             </a:fld>
             <a:endParaRPr kumimoji="1" lang="ja-JP" altLang="en-US"/>
           </a:p>
@@ -1845,7 +1845,7 @@
           <a:p>
             <a:fld id="{56F9016B-CCA6-43BE-8BEE-59565A35F4F7}" type="datetimeFigureOut">
               <a:rPr kumimoji="1" lang="ja-JP" altLang="en-US" smtClean="0"/>
-              <a:t>2019/11/5</a:t>
+              <a:t>2020/1/6</a:t>
             </a:fld>
             <a:endParaRPr kumimoji="1" lang="ja-JP" altLang="en-US"/>
           </a:p>
@@ -2276,7 +2276,7 @@
           <a:p>
             <a:fld id="{56F9016B-CCA6-43BE-8BEE-59565A35F4F7}" type="datetimeFigureOut">
               <a:rPr kumimoji="1" lang="ja-JP" altLang="en-US" smtClean="0"/>
-              <a:t>2019/11/5</a:t>
+              <a:t>2020/1/6</a:t>
             </a:fld>
             <a:endParaRPr kumimoji="1" lang="ja-JP" altLang="en-US"/>
           </a:p>
@@ -2394,7 +2394,7 @@
           <a:p>
             <a:fld id="{56F9016B-CCA6-43BE-8BEE-59565A35F4F7}" type="datetimeFigureOut">
               <a:rPr kumimoji="1" lang="ja-JP" altLang="en-US" smtClean="0"/>
-              <a:t>2019/11/5</a:t>
+              <a:t>2020/1/6</a:t>
             </a:fld>
             <a:endParaRPr kumimoji="1" lang="ja-JP" altLang="en-US"/>
           </a:p>
@@ -2489,7 +2489,7 @@
           <a:p>
             <a:fld id="{56F9016B-CCA6-43BE-8BEE-59565A35F4F7}" type="datetimeFigureOut">
               <a:rPr kumimoji="1" lang="ja-JP" altLang="en-US" smtClean="0"/>
-              <a:t>2019/11/5</a:t>
+              <a:t>2020/1/6</a:t>
             </a:fld>
             <a:endParaRPr kumimoji="1" lang="ja-JP" altLang="en-US"/>
           </a:p>
@@ -2798,7 +2798,7 @@
           <a:p>
             <a:fld id="{56F9016B-CCA6-43BE-8BEE-59565A35F4F7}" type="datetimeFigureOut">
               <a:rPr kumimoji="1" lang="ja-JP" altLang="en-US" smtClean="0"/>
-              <a:t>2019/11/5</a:t>
+              <a:t>2020/1/6</a:t>
             </a:fld>
             <a:endParaRPr kumimoji="1" lang="ja-JP" altLang="en-US"/>
           </a:p>
@@ -3051,7 +3051,7 @@
           <a:p>
             <a:fld id="{56F9016B-CCA6-43BE-8BEE-59565A35F4F7}" type="datetimeFigureOut">
               <a:rPr kumimoji="1" lang="ja-JP" altLang="en-US" smtClean="0"/>
-              <a:t>2019/11/5</a:t>
+              <a:t>2020/1/6</a:t>
             </a:fld>
             <a:endParaRPr kumimoji="1" lang="ja-JP" altLang="en-US"/>
           </a:p>
@@ -3328,7 +3328,7 @@
           <a:p>
             <a:fld id="{56F9016B-CCA6-43BE-8BEE-59565A35F4F7}" type="datetimeFigureOut">
               <a:rPr kumimoji="1" lang="ja-JP" altLang="en-US" smtClean="0"/>
-              <a:t>2019/11/5</a:t>
+              <a:t>2020/1/6</a:t>
             </a:fld>
             <a:endParaRPr kumimoji="1" lang="ja-JP" altLang="en-US"/>
           </a:p>
@@ -3540,7 +3540,7 @@
           <a:p>
             <a:fld id="{56F9016B-CCA6-43BE-8BEE-59565A35F4F7}" type="datetimeFigureOut">
               <a:rPr kumimoji="1" lang="ja-JP" altLang="en-US" smtClean="0"/>
-              <a:t>2019/11/5</a:t>
+              <a:t>2020/1/6</a:t>
             </a:fld>
             <a:endParaRPr kumimoji="1" lang="ja-JP" altLang="en-US"/>
           </a:p>
@@ -6599,7 +6599,7 @@
           <a:p>
             <a:fld id="{56F9016B-CCA6-43BE-8BEE-59565A35F4F7}" type="datetimeFigureOut">
               <a:rPr kumimoji="1" lang="ja-JP" altLang="en-US" smtClean="0"/>
-              <a:t>2019/11/5</a:t>
+              <a:t>2020/1/6</a:t>
             </a:fld>
             <a:endParaRPr kumimoji="1" lang="ja-JP" altLang="en-US"/>
           </a:p>
@@ -7045,7 +7045,7 @@
                 <a:ea typeface="Segoe UI" panose="020B0502040204020203" pitchFamily="34" charset="0"/>
                 <a:cs typeface="Segoe UI" panose="020B0502040204020203" pitchFamily="34" charset="0"/>
               </a:rPr>
-              <a:t>1.2</a:t>
+              <a:t>1.3</a:t>
             </a:r>
             <a:endParaRPr lang="en-US" altLang="ja-JP" dirty="0">
               <a:latin typeface="Segoe UI" panose="020B0502040204020203" pitchFamily="34" charset="0"/>
@@ -7675,9 +7675,20 @@
                 <a:ea typeface="Segoe UI" panose="020B0502040204020203" pitchFamily="34" charset="0"/>
                 <a:cs typeface="Segoe UI" panose="020B0502040204020203" pitchFamily="34" charset="0"/>
               </a:rPr>
-              <a:t>repositories:</a:t>
-            </a:r>
-            <a:endParaRPr kumimoji="1" lang="ja-JP" altLang="en-US" dirty="0">
+              <a:t>repositories</a:t>
+            </a:r>
+            <a:r>
+              <a:rPr lang="en-US" altLang="ja-JP" dirty="0" smtClean="0">
+                <a:solidFill>
+                  <a:srgbClr val="000000"/>
+                </a:solidFill>
+                <a:latin typeface="Segoe UI" panose="020B0502040204020203" pitchFamily="34" charset="0"/>
+                <a:ea typeface="Segoe UI" panose="020B0502040204020203" pitchFamily="34" charset="0"/>
+                <a:cs typeface="Segoe UI" panose="020B0502040204020203" pitchFamily="34" charset="0"/>
+              </a:rPr>
+              <a:t>:</a:t>
+            </a:r>
+            <a:endParaRPr lang="en-US" altLang="ja-JP" dirty="0">
               <a:latin typeface="Segoe UI" panose="020B0502040204020203" pitchFamily="34" charset="0"/>
               <a:cs typeface="Segoe UI" panose="020B0502040204020203" pitchFamily="34" charset="0"/>
             </a:endParaRPr>
@@ -7693,14 +7704,14 @@
           <p:nvPr>
             <p:extLst>
               <p:ext uri="{D42A27DB-BD31-4B8C-83A1-F6EECF244321}">
-                <p14:modId xmlns:p14="http://schemas.microsoft.com/office/powerpoint/2010/main" val="3620154875"/>
+                <p14:modId xmlns:p14="http://schemas.microsoft.com/office/powerpoint/2010/main" val="754382863"/>
               </p:ext>
             </p:extLst>
           </p:nvPr>
         </p:nvGraphicFramePr>
         <p:xfrm>
-          <a:off x="302551" y="1844780"/>
-          <a:ext cx="8538898" cy="4043680"/>
+          <a:off x="302064" y="1628750"/>
+          <a:ext cx="8538898" cy="2565400"/>
         </p:xfrm>
         <a:graphic>
           <a:graphicData uri="http://schemas.openxmlformats.org/drawingml/2006/table">
@@ -7712,14 +7723,14 @@
                 <a:gridCol w="1000443">
                   <a:extLst>
                     <a:ext uri="{9D8B030D-6E8A-4147-A177-3AD203B41FA5}">
-                      <a16:colId xmlns:a16="http://schemas.microsoft.com/office/drawing/2014/main" xmlns="" val="20000"/>
+                      <a16:colId xmlns:a16="http://schemas.microsoft.com/office/drawing/2014/main" val="20000"/>
                     </a:ext>
                   </a:extLst>
                 </a:gridCol>
                 <a:gridCol w="7538455">
                   <a:extLst>
                     <a:ext uri="{9D8B030D-6E8A-4147-A177-3AD203B41FA5}">
-                      <a16:colId xmlns:a16="http://schemas.microsoft.com/office/drawing/2014/main" xmlns="" val="20001"/>
+                      <a16:colId xmlns:a16="http://schemas.microsoft.com/office/drawing/2014/main" val="20001"/>
                     </a:ext>
                   </a:extLst>
                 </a:gridCol>
@@ -7777,28 +7788,21 @@
                 </a:tc>
                 <a:extLst>
                   <a:ext uri="{0D108BD9-81ED-4DB2-BD59-A6C34878D82A}">
-                    <a16:rowId xmlns:a16="http://schemas.microsoft.com/office/drawing/2014/main" xmlns="" val="10000"/>
+                    <a16:rowId xmlns:a16="http://schemas.microsoft.com/office/drawing/2014/main" val="10000"/>
                   </a:ext>
                 </a:extLst>
               </a:tr>
-              <a:tr h="472440">
+              <a:tr h="205240">
                 <a:tc rowSpan="3">
                   <a:txBody>
                     <a:bodyPr/>
                     <a:lstStyle/>
                     <a:p>
                       <a:r>
-                        <a:rPr kumimoji="1" lang="en-US" altLang="ja-JP" sz="1200" b="1" dirty="0" smtClean="0">
-                          <a:latin typeface="Segoe UI" panose="020B0502040204020203" pitchFamily="34" charset="0"/>
-                          <a:ea typeface="Segoe UI" panose="020B0502040204020203" pitchFamily="34" charset="0"/>
-                          <a:cs typeface="Segoe UI" panose="020B0502040204020203" pitchFamily="34" charset="0"/>
-                        </a:rPr>
-                        <a:t>RHEL 7</a:t>
-                      </a:r>
-                      <a:endParaRPr kumimoji="1" lang="ja-JP" altLang="en-US" sz="1200" b="1" dirty="0">
-                        <a:latin typeface="Segoe UI" panose="020B0502040204020203" pitchFamily="34" charset="0"/>
-                        <a:cs typeface="Segoe UI" panose="020B0502040204020203" pitchFamily="34" charset="0"/>
-                      </a:endParaRPr>
+                        <a:rPr kumimoji="1" lang="en-US" altLang="ja-JP" sz="1200" b="1" dirty="0" smtClean="0"/>
+                        <a:t>RHEL7</a:t>
+                      </a:r>
+                      <a:endParaRPr kumimoji="1" lang="ja-JP" altLang="en-US" sz="1200" b="1" dirty="0"/>
                     </a:p>
                   </a:txBody>
                   <a:tcPr anchor="ctr"/>
@@ -7809,29 +7813,26 @@
                     <a:lstStyle/>
                     <a:p>
                       <a:r>
-                        <a:rPr kumimoji="1" lang="en-US" altLang="ja-JP" sz="1200" b="1" i="0" u="none" strike="noStrike" kern="1200" baseline="0" dirty="0" smtClean="0">
+                        <a:rPr kumimoji="1" lang="en-US" altLang="ja-JP" sz="1200" b="1" i="0" kern="1200" dirty="0" smtClean="0">
                           <a:solidFill>
                             <a:schemeClr val="dk1"/>
                           </a:solidFill>
-                          <a:latin typeface="Segoe UI" panose="020B0502040204020203" pitchFamily="34" charset="0"/>
-                          <a:ea typeface="Segoe UI" panose="020B0502040204020203" pitchFamily="34" charset="0"/>
-                          <a:cs typeface="Segoe UI" panose="020B0502040204020203" pitchFamily="34" charset="0"/>
-                        </a:rPr>
-                        <a:t>http://ftp-srv2.kddilabs.jp/Linux/distributions/fedora/epel/7/x86_64/Packages/</a:t>
-                      </a:r>
-                    </a:p>
-                    <a:p>
-                      <a:r>
-                        <a:rPr kumimoji="1" lang="en-US" altLang="ja-JP" sz="1200" b="1" i="0" u="none" strike="noStrike" kern="1200" baseline="0" dirty="0" smtClean="0">
-                          <a:solidFill>
-                            <a:schemeClr val="dk1"/>
-                          </a:solidFill>
-                          <a:latin typeface="Segoe UI" panose="020B0502040204020203" pitchFamily="34" charset="0"/>
-                          <a:ea typeface="Segoe UI" panose="020B0502040204020203" pitchFamily="34" charset="0"/>
-                          <a:cs typeface="Segoe UI" panose="020B0502040204020203" pitchFamily="34" charset="0"/>
-                        </a:rPr>
-                        <a:t>e/epel-release-7-11.noarch.rpm</a:t>
-                      </a:r>
+                          <a:effectLst/>
+                          <a:latin typeface="+mn-lt"/>
+                          <a:ea typeface="+mn-ea"/>
+                          <a:cs typeface="+mn-cs"/>
+                        </a:rPr>
+                        <a:t>https://dl.fedoraproject.org/pub/epel/epel-release-latest-7.noarch.rpm</a:t>
+                      </a:r>
+                      <a:endParaRPr kumimoji="1" lang="en-US" altLang="ja-JP" sz="1200" b="1" i="0" kern="1200" dirty="0">
+                        <a:solidFill>
+                          <a:schemeClr val="dk1"/>
+                        </a:solidFill>
+                        <a:effectLst/>
+                        <a:latin typeface="+mn-lt"/>
+                        <a:ea typeface="+mn-ea"/>
+                        <a:cs typeface="+mn-cs"/>
+                      </a:endParaRPr>
                     </a:p>
                   </a:txBody>
                   <a:tcPr>
@@ -7851,7 +7852,7 @@
                 </a:tc>
                 <a:extLst>
                   <a:ext uri="{0D108BD9-81ED-4DB2-BD59-A6C34878D82A}">
-                    <a16:rowId xmlns:a16="http://schemas.microsoft.com/office/drawing/2014/main" xmlns="" val="10001"/>
+                    <a16:rowId xmlns:a16="http://schemas.microsoft.com/office/drawing/2014/main" val="10001"/>
                   </a:ext>
                 </a:extLst>
               </a:tr>
@@ -7891,11 +7892,11 @@
                       <a:r>
                         <a:rPr kumimoji="1" lang="en-US" altLang="ja-JP" sz="1200" b="1" i="0" u="none" strike="noStrike" kern="1200" baseline="0" dirty="0" smtClean="0">
                           <a:solidFill>
-                            <a:schemeClr val="dk1"/>
+                            <a:schemeClr val="tx1"/>
                           </a:solidFill>
-                          <a:latin typeface="Segoe UI" panose="020B0502040204020203" pitchFamily="34" charset="0"/>
-                          <a:ea typeface="Segoe UI" panose="020B0502040204020203" pitchFamily="34" charset="0"/>
-                          <a:cs typeface="Segoe UI" panose="020B0502040204020203" pitchFamily="34" charset="0"/>
+                          <a:latin typeface="+mn-lt"/>
+                          <a:ea typeface="+mn-ea"/>
+                          <a:cs typeface="+mn-cs"/>
                         </a:rPr>
                         <a:t>https://downloads.mariadb.com/MariaDB/mariadb_repo_setup</a:t>
                       </a:r>
@@ -7927,7 +7928,7 @@
                 </a:tc>
                 <a:extLst>
                   <a:ext uri="{0D108BD9-81ED-4DB2-BD59-A6C34878D82A}">
-                    <a16:rowId xmlns:a16="http://schemas.microsoft.com/office/drawing/2014/main" xmlns="" val="10002"/>
+                    <a16:rowId xmlns:a16="http://schemas.microsoft.com/office/drawing/2014/main" val="10002"/>
                   </a:ext>
                 </a:extLst>
               </a:tr>
@@ -7941,6 +7942,76 @@
                     </a:p>
                   </a:txBody>
                   <a:tcPr/>
+                </a:tc>
+                <a:tc>
+                  <a:txBody>
+                    <a:bodyPr/>
+                    <a:lstStyle/>
+                    <a:p>
+                      <a:r>
+                        <a:rPr kumimoji="1" lang="en-US" altLang="ja-JP" sz="1200" b="1" dirty="0" smtClean="0">
+                          <a:solidFill>
+                            <a:schemeClr val="tx1"/>
+                          </a:solidFill>
+                        </a:rPr>
+                        <a:t>http://rpms.remirepo.net/enterprise/remi-release-7.rpm</a:t>
+                      </a:r>
+                      <a:endParaRPr kumimoji="1" lang="ja-JP" altLang="en-US" sz="1200" b="1" dirty="0">
+                        <a:solidFill>
+                          <a:schemeClr val="tx1"/>
+                        </a:solidFill>
+                      </a:endParaRPr>
+                    </a:p>
+                  </a:txBody>
+                  <a:tcPr>
+                    <a:lnT w="12700" cap="flat" cmpd="sng" algn="ctr">
+                      <a:solidFill>
+                        <a:schemeClr val="bg1"/>
+                      </a:solidFill>
+                      <a:prstDash val="solid"/>
+                      <a:round/>
+                      <a:headEnd type="none" w="med" len="med"/>
+                      <a:tailEnd type="none" w="med" len="med"/>
+                    </a:lnT>
+                  </a:tcPr>
+                </a:tc>
+                <a:extLst>
+                  <a:ext uri="{0D108BD9-81ED-4DB2-BD59-A6C34878D82A}">
+                    <a16:rowId xmlns:a16="http://schemas.microsoft.com/office/drawing/2014/main" val="10003"/>
+                  </a:ext>
+                </a:extLst>
+              </a:tr>
+              <a:tr h="185420">
+                <a:tc>
+                  <a:txBody>
+                    <a:bodyPr/>
+                    <a:lstStyle/>
+                    <a:p>
+                      <a:pPr marL="0" marR="0" lvl="0" indent="0" algn="l" defTabSz="914400" rtl="0" eaLnBrk="1" fontAlgn="auto" latinLnBrk="0" hangingPunct="1">
+                        <a:lnSpc>
+                          <a:spcPct val="100000"/>
+                        </a:lnSpc>
+                        <a:spcBef>
+                          <a:spcPts val="0"/>
+                        </a:spcBef>
+                        <a:spcAft>
+                          <a:spcPts val="0"/>
+                        </a:spcAft>
+                        <a:buClrTx/>
+                        <a:buSzTx/>
+                        <a:buFontTx/>
+                        <a:buNone/>
+                        <a:tabLst/>
+                        <a:defRPr/>
+                      </a:pPr>
+                      <a:r>
+                        <a:rPr kumimoji="1" lang="en-US" altLang="ja-JP" sz="1200" b="1" dirty="0" smtClean="0"/>
+                        <a:t>RHEL8</a:t>
+                      </a:r>
+                      <a:endParaRPr kumimoji="1" lang="ja-JP" altLang="en-US" sz="1200" b="1" dirty="0" smtClean="0"/>
+                    </a:p>
+                  </a:txBody>
+                  <a:tcPr anchor="ctr"/>
                 </a:tc>
                 <a:tc>
                   <a:txBody>
@@ -7965,89 +8036,17 @@
                         <a:defRPr/>
                       </a:pPr>
                       <a:r>
-                        <a:rPr kumimoji="1" lang="en-US" altLang="ja-JP" sz="1200" b="1" i="0" u="none" strike="noStrike" kern="1200" baseline="0" dirty="0" smtClean="0">
+                        <a:rPr kumimoji="1" lang="en-US" altLang="ja-JP" sz="1200" b="1" i="0" kern="1200" dirty="0" smtClean="0">
                           <a:solidFill>
                             <a:schemeClr val="dk1"/>
                           </a:solidFill>
-                          <a:latin typeface="Segoe UI" panose="020B0502040204020203" pitchFamily="34" charset="0"/>
-                          <a:ea typeface="Segoe UI" panose="020B0502040204020203" pitchFamily="34" charset="0"/>
-                          <a:cs typeface="Segoe UI" panose="020B0502040204020203" pitchFamily="34" charset="0"/>
-                        </a:rPr>
-                        <a:t>http://rpms.remirepo.net/enterprise/remi-release-7.rpm</a:t>
-                      </a:r>
-                      <a:endParaRPr kumimoji="1" lang="ja-JP" altLang="en-US" sz="1200" b="1" dirty="0" smtClean="0">
-                        <a:latin typeface="Segoe UI" panose="020B0502040204020203" pitchFamily="34" charset="0"/>
-                        <a:cs typeface="Segoe UI" panose="020B0502040204020203" pitchFamily="34" charset="0"/>
-                      </a:endParaRPr>
-                    </a:p>
-                  </a:txBody>
-                  <a:tcPr>
-                    <a:lnT w="12700" cap="flat" cmpd="sng" algn="ctr">
-                      <a:solidFill>
-                        <a:schemeClr val="bg1"/>
-                      </a:solidFill>
-                      <a:prstDash val="solid"/>
-                      <a:round/>
-                      <a:headEnd type="none" w="med" len="med"/>
-                      <a:tailEnd type="none" w="med" len="med"/>
-                    </a:lnT>
-                  </a:tcPr>
-                </a:tc>
-                <a:extLst>
-                  <a:ext uri="{0D108BD9-81ED-4DB2-BD59-A6C34878D82A}">
-                    <a16:rowId xmlns:a16="http://schemas.microsoft.com/office/drawing/2014/main" xmlns="" val="10003"/>
-                  </a:ext>
-                </a:extLst>
-              </a:tr>
-              <a:tr h="185420">
-                <a:tc rowSpan="3">
-                  <a:txBody>
-                    <a:bodyPr/>
-                    <a:lstStyle/>
-                    <a:p>
-                      <a:r>
-                        <a:rPr kumimoji="1" lang="en-US" altLang="ja-JP" sz="1200" b="1" dirty="0" smtClean="0">
-                          <a:latin typeface="Segoe UI" panose="020B0502040204020203" pitchFamily="34" charset="0"/>
-                          <a:ea typeface="Segoe UI" panose="020B0502040204020203" pitchFamily="34" charset="0"/>
-                          <a:cs typeface="Segoe UI" panose="020B0502040204020203" pitchFamily="34" charset="0"/>
-                        </a:rPr>
-                        <a:t>RHEL 6</a:t>
-                      </a:r>
-                      <a:endParaRPr kumimoji="1" lang="ja-JP" altLang="en-US" sz="1200" b="1" dirty="0">
-                        <a:latin typeface="Segoe UI" panose="020B0502040204020203" pitchFamily="34" charset="0"/>
-                        <a:cs typeface="Segoe UI" panose="020B0502040204020203" pitchFamily="34" charset="0"/>
-                      </a:endParaRPr>
-                    </a:p>
-                  </a:txBody>
-                  <a:tcPr anchor="ctr"/>
-                </a:tc>
-                <a:tc>
-                  <a:txBody>
-                    <a:bodyPr/>
-                    <a:lstStyle/>
-                    <a:p>
-                      <a:r>
-                        <a:rPr kumimoji="1" lang="en-US" altLang="ja-JP" sz="1200" b="1" dirty="0" smtClean="0">
-                          <a:latin typeface="Segoe UI" panose="020B0502040204020203" pitchFamily="34" charset="0"/>
-                          <a:ea typeface="Segoe UI" panose="020B0502040204020203" pitchFamily="34" charset="0"/>
-                          <a:cs typeface="Segoe UI" panose="020B0502040204020203" pitchFamily="34" charset="0"/>
-                        </a:rPr>
-                        <a:t>http://ftp-srv2.kddilabs.jp/Linux/distributions/fedora/epel/6/x86_64/Packages/</a:t>
-                      </a:r>
-                    </a:p>
-                    <a:p>
-                      <a:r>
-                        <a:rPr kumimoji="1" lang="en-US" altLang="ja-JP" sz="1200" b="1" dirty="0" smtClean="0">
-                          <a:latin typeface="Segoe UI" panose="020B0502040204020203" pitchFamily="34" charset="0"/>
-                          <a:ea typeface="Segoe UI" panose="020B0502040204020203" pitchFamily="34" charset="0"/>
-                          <a:cs typeface="Segoe UI" panose="020B0502040204020203" pitchFamily="34" charset="0"/>
-                        </a:rPr>
-                        <a:t>e/epel-release-6-8.noarch.rpm</a:t>
-                      </a:r>
-                      <a:endParaRPr kumimoji="1" lang="ja-JP" altLang="en-US" sz="1200" b="1" dirty="0">
-                        <a:latin typeface="Segoe UI" panose="020B0502040204020203" pitchFamily="34" charset="0"/>
-                        <a:cs typeface="Segoe UI" panose="020B0502040204020203" pitchFamily="34" charset="0"/>
-                      </a:endParaRPr>
+                          <a:effectLst/>
+                          <a:latin typeface="+mn-lt"/>
+                          <a:ea typeface="+mn-ea"/>
+                          <a:cs typeface="+mn-cs"/>
+                        </a:rPr>
+                        <a:t>https://dl.fedoraproject.org/pub/epel/epel-release-latest-8.noarch.rpm</a:t>
+                      </a:r>
                     </a:p>
                   </a:txBody>
                   <a:tcPr>
@@ -8064,7 +8063,77 @@
                 </a:tc>
                 <a:extLst>
                   <a:ext uri="{0D108BD9-81ED-4DB2-BD59-A6C34878D82A}">
-                    <a16:rowId xmlns:a16="http://schemas.microsoft.com/office/drawing/2014/main" xmlns="" val="10004"/>
+                    <a16:rowId xmlns:a16="http://schemas.microsoft.com/office/drawing/2014/main" val="10007"/>
+                  </a:ext>
+                </a:extLst>
+              </a:tr>
+              <a:tr h="152400">
+                <a:tc rowSpan="3">
+                  <a:txBody>
+                    <a:bodyPr/>
+                    <a:lstStyle/>
+                    <a:p>
+                      <a:r>
+                        <a:rPr kumimoji="1" lang="en-US" altLang="ja-JP" sz="1200" b="1" dirty="0" smtClean="0"/>
+                        <a:t>CentOS7</a:t>
+                      </a:r>
+                      <a:endParaRPr kumimoji="1" lang="ja-JP" altLang="en-US" sz="1200" b="1" dirty="0"/>
+                    </a:p>
+                  </a:txBody>
+                  <a:tcPr anchor="ctr"/>
+                </a:tc>
+                <a:tc>
+                  <a:txBody>
+                    <a:bodyPr/>
+                    <a:lstStyle/>
+                    <a:p>
+                      <a:r>
+                        <a:rPr kumimoji="1" lang="en-US" altLang="ja-JP" sz="1200" b="1" dirty="0" err="1" smtClean="0">
+                          <a:solidFill>
+                            <a:schemeClr val="tx1"/>
+                          </a:solidFill>
+                        </a:rPr>
+                        <a:t>epel</a:t>
+                      </a:r>
+                      <a:r>
+                        <a:rPr kumimoji="1" lang="en-US" altLang="ja-JP" sz="1200" b="1" dirty="0" smtClean="0">
+                          <a:solidFill>
+                            <a:schemeClr val="tx1"/>
+                          </a:solidFill>
+                        </a:rPr>
+                        <a:t>-release</a:t>
+                      </a:r>
+                      <a:endParaRPr kumimoji="1" lang="ja-JP" altLang="en-US" sz="1200" b="1" dirty="0">
+                        <a:solidFill>
+                          <a:schemeClr val="tx1"/>
+                        </a:solidFill>
+                      </a:endParaRPr>
+                    </a:p>
+                  </a:txBody>
+                  <a:tcPr>
+                    <a:lnT w="12700" cap="flat" cmpd="sng" algn="ctr">
+                      <a:solidFill>
+                        <a:schemeClr val="bg1"/>
+                      </a:solidFill>
+                      <a:prstDash val="solid"/>
+                      <a:round/>
+                      <a:headEnd type="none" w="med" len="med"/>
+                      <a:tailEnd type="none" w="med" len="med"/>
+                    </a:lnT>
+                    <a:lnB w="12700" cap="flat" cmpd="sng" algn="ctr">
+                      <a:solidFill>
+                        <a:schemeClr val="bg1"/>
+                      </a:solidFill>
+                      <a:prstDash val="solid"/>
+                      <a:round/>
+                      <a:headEnd type="none" w="med" len="med"/>
+                      <a:tailEnd type="none" w="med" len="med"/>
+                    </a:lnB>
+                  </a:tcPr>
+                </a:tc>
+                <a:extLst>
+                  <a:ext uri="{0D108BD9-81ED-4DB2-BD59-A6C34878D82A}">
+                    <a16:rowId xmlns:a16="http://schemas.microsoft.com/office/drawing/2014/main" val="3307281939"/>
                   </a:ext>
                 </a:extLst>
               </a:tr>
@@ -8104,11 +8173,11 @@
                       <a:r>
                         <a:rPr kumimoji="1" lang="en-US" altLang="ja-JP" sz="1200" b="1" i="0" u="none" strike="noStrike" kern="1200" baseline="0" dirty="0" smtClean="0">
                           <a:solidFill>
-                            <a:schemeClr val="dk1"/>
+                            <a:schemeClr val="tx1"/>
                           </a:solidFill>
-                          <a:latin typeface="Segoe UI" panose="020B0502040204020203" pitchFamily="34" charset="0"/>
-                          <a:ea typeface="Segoe UI" panose="020B0502040204020203" pitchFamily="34" charset="0"/>
-                          <a:cs typeface="Segoe UI" panose="020B0502040204020203" pitchFamily="34" charset="0"/>
+                          <a:latin typeface="+mn-lt"/>
+                          <a:ea typeface="+mn-ea"/>
+                          <a:cs typeface="+mn-cs"/>
                         </a:rPr>
                         <a:t>https://downloads.mariadb.com/MariaDB/mariadb_repo_setup</a:t>
                       </a:r>
@@ -8137,7 +8206,7 @@
                 </a:tc>
                 <a:extLst>
                   <a:ext uri="{0D108BD9-81ED-4DB2-BD59-A6C34878D82A}">
-                    <a16:rowId xmlns:a16="http://schemas.microsoft.com/office/drawing/2014/main" xmlns="" val="10005"/>
+                    <a16:rowId xmlns:a16="http://schemas.microsoft.com/office/drawing/2014/main" val="206027878"/>
                   </a:ext>
                 </a:extLst>
               </a:tr>
@@ -8158,17 +8227,9 @@
                     <a:lstStyle/>
                     <a:p>
                       <a:r>
-                        <a:rPr kumimoji="1" lang="en-US" altLang="ja-JP" sz="1200" b="1" dirty="0" smtClean="0">
-                          <a:latin typeface="Segoe UI" panose="020B0502040204020203" pitchFamily="34" charset="0"/>
-                          <a:ea typeface="Segoe UI" panose="020B0502040204020203" pitchFamily="34" charset="0"/>
-                          <a:cs typeface="Segoe UI" panose="020B0502040204020203" pitchFamily="34" charset="0"/>
-                        </a:rPr>
-                        <a:t>http://rpms.remirepo.net/enterprise/remi-release-6.rpm</a:t>
-                      </a:r>
-                      <a:endParaRPr kumimoji="1" lang="ja-JP" altLang="en-US" sz="1200" b="1" dirty="0">
-                        <a:latin typeface="Segoe UI" panose="020B0502040204020203" pitchFamily="34" charset="0"/>
-                        <a:cs typeface="Segoe UI" panose="020B0502040204020203" pitchFamily="34" charset="0"/>
-                      </a:endParaRPr>
+                        <a:rPr kumimoji="1" lang="en-US" altLang="ja-JP" sz="1200" b="1" dirty="0" smtClean="0"/>
+                        <a:t>http://rpms.remirepo.net/enterprise/remi-release-7.rpm</a:t>
+                      </a:r>
                     </a:p>
                   </a:txBody>
                   <a:tcPr>
@@ -8181,56 +8242,6 @@
                       <a:headEnd type="none" w="med" len="med"/>
                       <a:tailEnd type="none" w="med" len="med"/>
                     </a:lnT>
-                  </a:tcPr>
-                </a:tc>
-                <a:extLst>
-                  <a:ext uri="{0D108BD9-81ED-4DB2-BD59-A6C34878D82A}">
-                    <a16:rowId xmlns:a16="http://schemas.microsoft.com/office/drawing/2014/main" xmlns="" val="10006"/>
-                  </a:ext>
-                </a:extLst>
-              </a:tr>
-              <a:tr h="185420">
-                <a:tc rowSpan="3">
-                  <a:txBody>
-                    <a:bodyPr/>
-                    <a:lstStyle/>
-                    <a:p>
-                      <a:r>
-                        <a:rPr kumimoji="1" lang="en-US" altLang="ja-JP" sz="1200" b="1" dirty="0" smtClean="0">
-                          <a:latin typeface="Segoe UI" panose="020B0502040204020203" pitchFamily="34" charset="0"/>
-                          <a:ea typeface="Segoe UI" panose="020B0502040204020203" pitchFamily="34" charset="0"/>
-                          <a:cs typeface="Segoe UI" panose="020B0502040204020203" pitchFamily="34" charset="0"/>
-                        </a:rPr>
-                        <a:t>CentOS 7</a:t>
-                      </a:r>
-                      <a:endParaRPr kumimoji="1" lang="ja-JP" altLang="en-US" sz="1200" b="1" dirty="0">
-                        <a:latin typeface="Segoe UI" panose="020B0502040204020203" pitchFamily="34" charset="0"/>
-                        <a:cs typeface="Segoe UI" panose="020B0502040204020203" pitchFamily="34" charset="0"/>
-                      </a:endParaRPr>
-                    </a:p>
-                  </a:txBody>
-                  <a:tcPr anchor="ctr"/>
-                </a:tc>
-                <a:tc>
-                  <a:txBody>
-                    <a:bodyPr/>
-                    <a:lstStyle/>
-                    <a:p>
-                      <a:r>
-                        <a:rPr kumimoji="1" lang="en-US" altLang="ja-JP" sz="1200" b="1" dirty="0" smtClean="0">
-                          <a:latin typeface="Segoe UI" panose="020B0502040204020203" pitchFamily="34" charset="0"/>
-                          <a:ea typeface="Segoe UI" panose="020B0502040204020203" pitchFamily="34" charset="0"/>
-                          <a:cs typeface="Segoe UI" panose="020B0502040204020203" pitchFamily="34" charset="0"/>
-                        </a:rPr>
-                        <a:t>epel-release</a:t>
-                      </a:r>
-                      <a:endParaRPr kumimoji="1" lang="ja-JP" altLang="en-US" sz="1200" b="1" dirty="0">
-                        <a:latin typeface="Segoe UI" panose="020B0502040204020203" pitchFamily="34" charset="0"/>
-                        <a:cs typeface="Segoe UI" panose="020B0502040204020203" pitchFamily="34" charset="0"/>
-                      </a:endParaRPr>
-                    </a:p>
-                  </a:txBody>
-                  <a:tcPr>
                     <a:lnB w="12700" cap="flat" cmpd="sng" algn="ctr">
                       <a:solidFill>
                         <a:schemeClr val="bg1"/>
@@ -8244,20 +8255,24 @@
                 </a:tc>
                 <a:extLst>
                   <a:ext uri="{0D108BD9-81ED-4DB2-BD59-A6C34878D82A}">
-                    <a16:rowId xmlns:a16="http://schemas.microsoft.com/office/drawing/2014/main" xmlns="" val="10007"/>
+                    <a16:rowId xmlns:a16="http://schemas.microsoft.com/office/drawing/2014/main" val="923830701"/>
                   </a:ext>
                 </a:extLst>
               </a:tr>
               <a:tr h="152400">
-                <a:tc vMerge="1">
+                <a:tc>
                   <a:txBody>
                     <a:bodyPr/>
                     <a:lstStyle/>
                     <a:p>
-                      <a:endParaRPr kumimoji="1" lang="ja-JP" altLang="en-US"/>
+                      <a:r>
+                        <a:rPr kumimoji="1" lang="en-US" altLang="ja-JP" sz="1200" b="1" dirty="0" smtClean="0"/>
+                        <a:t>CentOS8</a:t>
+                      </a:r>
+                      <a:endParaRPr kumimoji="1" lang="ja-JP" altLang="en-US" sz="1200" b="1" dirty="0"/>
                     </a:p>
                   </a:txBody>
-                  <a:tcPr/>
+                  <a:tcPr anchor="ctr"/>
                 </a:tc>
                 <a:tc>
                   <a:txBody>
@@ -8282,19 +8297,25 @@
                         <a:defRPr/>
                       </a:pPr>
                       <a:r>
-                        <a:rPr kumimoji="1" lang="en-US" altLang="ja-JP" sz="1200" b="1" i="0" u="none" strike="noStrike" kern="1200" baseline="0" dirty="0" smtClean="0">
+                        <a:rPr kumimoji="1" lang="en-US" altLang="ja-JP" sz="1200" b="1" dirty="0" err="1" smtClean="0">
                           <a:solidFill>
-                            <a:schemeClr val="dk1"/>
+                            <a:schemeClr val="tx1"/>
                           </a:solidFill>
-                          <a:latin typeface="Segoe UI" panose="020B0502040204020203" pitchFamily="34" charset="0"/>
-                          <a:ea typeface="Segoe UI" panose="020B0502040204020203" pitchFamily="34" charset="0"/>
-                          <a:cs typeface="Segoe UI" panose="020B0502040204020203" pitchFamily="34" charset="0"/>
-                        </a:rPr>
-                        <a:t>https://downloads.mariadb.com/MariaDB/mariadb_repo_setup</a:t>
-                      </a:r>
-                      <a:endParaRPr kumimoji="1" lang="ja-JP" altLang="en-US" sz="1200" b="1" dirty="0">
-                        <a:latin typeface="Segoe UI" panose="020B0502040204020203" pitchFamily="34" charset="0"/>
-                        <a:cs typeface="Segoe UI" panose="020B0502040204020203" pitchFamily="34" charset="0"/>
+                        </a:rPr>
+                        <a:t>epel</a:t>
+                      </a:r>
+                      <a:r>
+                        <a:rPr kumimoji="1" lang="en-US" altLang="ja-JP" sz="1200" b="1" dirty="0" smtClean="0">
+                          <a:solidFill>
+                            <a:schemeClr val="tx1"/>
+                          </a:solidFill>
+                        </a:rPr>
+                        <a:t>-release</a:t>
+                      </a:r>
+                      <a:endParaRPr kumimoji="1" lang="ja-JP" altLang="en-US" sz="1200" b="1" dirty="0" smtClean="0">
+                        <a:solidFill>
+                          <a:schemeClr val="tx1"/>
+                        </a:solidFill>
                       </a:endParaRPr>
                     </a:p>
                   </a:txBody>
@@ -8321,235 +8342,7 @@
                 </a:tc>
                 <a:extLst>
                   <a:ext uri="{0D108BD9-81ED-4DB2-BD59-A6C34878D82A}">
-                    <a16:rowId xmlns:a16="http://schemas.microsoft.com/office/drawing/2014/main" xmlns="" val="10008"/>
-                  </a:ext>
-                </a:extLst>
-              </a:tr>
-              <a:tr h="152400">
-                <a:tc vMerge="1">
-                  <a:txBody>
-                    <a:bodyPr/>
-                    <a:lstStyle/>
-                    <a:p>
-                      <a:endParaRPr kumimoji="1" lang="ja-JP" altLang="en-US"/>
-                    </a:p>
-                  </a:txBody>
-                  <a:tcPr/>
-                </a:tc>
-                <a:tc>
-                  <a:txBody>
-                    <a:bodyPr/>
-                    <a:lstStyle/>
-                    <a:p>
-                      <a:r>
-                        <a:rPr kumimoji="1" lang="en-US" altLang="ja-JP" sz="1200" b="1" dirty="0" smtClean="0">
-                          <a:latin typeface="Segoe UI" panose="020B0502040204020203" pitchFamily="34" charset="0"/>
-                          <a:ea typeface="Segoe UI" panose="020B0502040204020203" pitchFamily="34" charset="0"/>
-                          <a:cs typeface="Segoe UI" panose="020B0502040204020203" pitchFamily="34" charset="0"/>
-                        </a:rPr>
-                        <a:t>http://rpms.remirepo.net/enterprise/remi-release-7.rpm</a:t>
-                      </a:r>
-                      <a:endParaRPr kumimoji="1" lang="ja-JP" altLang="en-US" sz="1200" b="1" dirty="0">
-                        <a:latin typeface="Segoe UI" panose="020B0502040204020203" pitchFamily="34" charset="0"/>
-                        <a:cs typeface="Segoe UI" panose="020B0502040204020203" pitchFamily="34" charset="0"/>
-                      </a:endParaRPr>
-                    </a:p>
-                  </a:txBody>
-                  <a:tcPr>
-                    <a:lnT w="12700" cap="flat" cmpd="sng" algn="ctr">
-                      <a:solidFill>
-                        <a:schemeClr val="bg1"/>
-                      </a:solidFill>
-                      <a:prstDash val="solid"/>
-                      <a:round/>
-                      <a:headEnd type="none" w="med" len="med"/>
-                      <a:tailEnd type="none" w="med" len="med"/>
-                    </a:lnT>
-                  </a:tcPr>
-                </a:tc>
-                <a:extLst>
-                  <a:ext uri="{0D108BD9-81ED-4DB2-BD59-A6C34878D82A}">
-                    <a16:rowId xmlns:a16="http://schemas.microsoft.com/office/drawing/2014/main" xmlns="" val="10009"/>
-                  </a:ext>
-                </a:extLst>
-              </a:tr>
-              <a:tr h="185420">
-                <a:tc rowSpan="3">
-                  <a:txBody>
-                    <a:bodyPr/>
-                    <a:lstStyle/>
-                    <a:p>
-                      <a:r>
-                        <a:rPr kumimoji="1" lang="en-US" altLang="ja-JP" sz="1200" b="1" dirty="0" smtClean="0">
-                          <a:latin typeface="Segoe UI" panose="020B0502040204020203" pitchFamily="34" charset="0"/>
-                          <a:ea typeface="Segoe UI" panose="020B0502040204020203" pitchFamily="34" charset="0"/>
-                          <a:cs typeface="Segoe UI" panose="020B0502040204020203" pitchFamily="34" charset="0"/>
-                        </a:rPr>
-                        <a:t>CentOS 6</a:t>
-                      </a:r>
-                      <a:endParaRPr kumimoji="1" lang="ja-JP" altLang="en-US" sz="1200" b="1" dirty="0">
-                        <a:latin typeface="Segoe UI" panose="020B0502040204020203" pitchFamily="34" charset="0"/>
-                        <a:cs typeface="Segoe UI" panose="020B0502040204020203" pitchFamily="34" charset="0"/>
-                      </a:endParaRPr>
-                    </a:p>
-                  </a:txBody>
-                  <a:tcPr anchor="ctr"/>
-                </a:tc>
-                <a:tc>
-                  <a:txBody>
-                    <a:bodyPr/>
-                    <a:lstStyle/>
-                    <a:p>
-                      <a:r>
-                        <a:rPr kumimoji="1" lang="en-US" altLang="ja-JP" sz="1200" b="1" dirty="0" smtClean="0">
-                          <a:latin typeface="Segoe UI" panose="020B0502040204020203" pitchFamily="34" charset="0"/>
-                          <a:ea typeface="Segoe UI" panose="020B0502040204020203" pitchFamily="34" charset="0"/>
-                          <a:cs typeface="Segoe UI" panose="020B0502040204020203" pitchFamily="34" charset="0"/>
-                        </a:rPr>
-                        <a:t>epel-release</a:t>
-                      </a:r>
-                      <a:endParaRPr kumimoji="1" lang="ja-JP" altLang="en-US" sz="1200" b="1" dirty="0">
-                        <a:latin typeface="Segoe UI" panose="020B0502040204020203" pitchFamily="34" charset="0"/>
-                        <a:cs typeface="Segoe UI" panose="020B0502040204020203" pitchFamily="34" charset="0"/>
-                      </a:endParaRPr>
-                    </a:p>
-                  </a:txBody>
-                  <a:tcPr>
-                    <a:lnB w="12700" cap="flat" cmpd="sng" algn="ctr">
-                      <a:solidFill>
-                        <a:schemeClr val="bg1"/>
-                      </a:solidFill>
-                      <a:prstDash val="solid"/>
-                      <a:round/>
-                      <a:headEnd type="none" w="med" len="med"/>
-                      <a:tailEnd type="none" w="med" len="med"/>
-                    </a:lnB>
-                  </a:tcPr>
-                </a:tc>
-                <a:extLst>
-                  <a:ext uri="{0D108BD9-81ED-4DB2-BD59-A6C34878D82A}">
-                    <a16:rowId xmlns:a16="http://schemas.microsoft.com/office/drawing/2014/main" xmlns="" val="10010"/>
-                  </a:ext>
-                </a:extLst>
-              </a:tr>
-              <a:tr h="152400">
-                <a:tc vMerge="1">
-                  <a:txBody>
-                    <a:bodyPr/>
-                    <a:lstStyle/>
-                    <a:p>
-                      <a:endParaRPr kumimoji="1" lang="ja-JP" altLang="en-US"/>
-                    </a:p>
-                  </a:txBody>
-                  <a:tcPr/>
-                </a:tc>
-                <a:tc>
-                  <a:txBody>
-                    <a:bodyPr/>
-                    <a:lstStyle/>
-                    <a:p>
-                      <a:pPr marL="0" marR="0" lvl="0" indent="0" algn="l" defTabSz="914400" rtl="0" eaLnBrk="1" fontAlgn="auto" latinLnBrk="0" hangingPunct="1">
-                        <a:lnSpc>
-                          <a:spcPct val="100000"/>
-                        </a:lnSpc>
-                        <a:spcBef>
-                          <a:spcPts val="0"/>
-                        </a:spcBef>
-                        <a:spcAft>
-                          <a:spcPts val="0"/>
-                        </a:spcAft>
-                        <a:buClrTx/>
-                        <a:buSzTx/>
-                        <a:buFontTx/>
-                        <a:buNone/>
-                        <a:tabLst/>
-                        <a:defRPr/>
-                      </a:pPr>
-                      <a:r>
-                        <a:rPr kumimoji="1" lang="en-US" altLang="ja-JP" sz="1200" b="1" i="0" u="none" strike="noStrike" kern="1200" baseline="0" dirty="0" smtClean="0">
-                          <a:solidFill>
-                            <a:schemeClr val="dk1"/>
-                          </a:solidFill>
-                          <a:latin typeface="Segoe UI" panose="020B0502040204020203" pitchFamily="34" charset="0"/>
-                          <a:ea typeface="Segoe UI" panose="020B0502040204020203" pitchFamily="34" charset="0"/>
-                          <a:cs typeface="Segoe UI" panose="020B0502040204020203" pitchFamily="34" charset="0"/>
-                        </a:rPr>
-                        <a:t>https://downloads.mariadb.com/MariaDB/mariadb_repo_setup</a:t>
-                      </a:r>
-                    </a:p>
-                  </a:txBody>
-                  <a:tcPr>
-                    <a:lnT w="12700" cap="flat" cmpd="sng" algn="ctr">
-                      <a:solidFill>
-                        <a:schemeClr val="bg1"/>
-                      </a:solidFill>
-                      <a:prstDash val="solid"/>
-                      <a:round/>
-                      <a:headEnd type="none" w="med" len="med"/>
-                      <a:tailEnd type="none" w="med" len="med"/>
-                    </a:lnT>
-                    <a:lnB w="12700" cap="flat" cmpd="sng" algn="ctr">
-                      <a:solidFill>
-                        <a:schemeClr val="bg1"/>
-                      </a:solidFill>
-                      <a:prstDash val="solid"/>
-                      <a:round/>
-                      <a:headEnd type="none" w="med" len="med"/>
-                      <a:tailEnd type="none" w="med" len="med"/>
-                    </a:lnB>
-                  </a:tcPr>
-                </a:tc>
-                <a:extLst>
-                  <a:ext uri="{0D108BD9-81ED-4DB2-BD59-A6C34878D82A}">
-                    <a16:rowId xmlns:a16="http://schemas.microsoft.com/office/drawing/2014/main" xmlns="" val="10011"/>
-                  </a:ext>
-                </a:extLst>
-              </a:tr>
-              <a:tr h="152400">
-                <a:tc vMerge="1">
-                  <a:txBody>
-                    <a:bodyPr/>
-                    <a:lstStyle/>
-                    <a:p>
-                      <a:endParaRPr kumimoji="1" lang="ja-JP" altLang="en-US"/>
-                    </a:p>
-                  </a:txBody>
-                  <a:tcPr/>
-                </a:tc>
-                <a:tc>
-                  <a:txBody>
-                    <a:bodyPr/>
-                    <a:lstStyle/>
-                    <a:p>
-                      <a:r>
-                        <a:rPr kumimoji="1" lang="en-US" altLang="ja-JP" sz="1200" b="1" dirty="0" smtClean="0">
-                          <a:latin typeface="Segoe UI" panose="020B0502040204020203" pitchFamily="34" charset="0"/>
-                          <a:ea typeface="Segoe UI" panose="020B0502040204020203" pitchFamily="34" charset="0"/>
-                          <a:cs typeface="Segoe UI" panose="020B0502040204020203" pitchFamily="34" charset="0"/>
-                        </a:rPr>
-                        <a:t>http://rpms.remirepo.net/enterprise/remi-release-6.rpm</a:t>
-                      </a:r>
-                      <a:endParaRPr kumimoji="1" lang="ja-JP" altLang="en-US" sz="1200" b="1" dirty="0">
-                        <a:latin typeface="Segoe UI" panose="020B0502040204020203" pitchFamily="34" charset="0"/>
-                        <a:cs typeface="Segoe UI" panose="020B0502040204020203" pitchFamily="34" charset="0"/>
-                      </a:endParaRPr>
-                    </a:p>
-                  </a:txBody>
-                  <a:tcPr>
-                    <a:lnT w="12700" cap="flat" cmpd="sng" algn="ctr">
-                      <a:solidFill>
-                        <a:schemeClr val="bg1"/>
-                      </a:solidFill>
-                      <a:prstDash val="solid"/>
-                      <a:round/>
-                      <a:headEnd type="none" w="med" len="med"/>
-                      <a:tailEnd type="none" w="med" len="med"/>
-                    </a:lnT>
-                  </a:tcPr>
-                </a:tc>
-                <a:extLst>
-                  <a:ext uri="{0D108BD9-81ED-4DB2-BD59-A6C34878D82A}">
-                    <a16:rowId xmlns:a16="http://schemas.microsoft.com/office/drawing/2014/main" xmlns="" val="10012"/>
+                    <a16:rowId xmlns:a16="http://schemas.microsoft.com/office/drawing/2014/main" val="3714631293"/>
                   </a:ext>
                 </a:extLst>
               </a:tr>
@@ -8712,21 +8505,21 @@
                 <a:gridCol w="2586972">
                   <a:extLst>
                     <a:ext uri="{9D8B030D-6E8A-4147-A177-3AD203B41FA5}">
-                      <a16:colId xmlns:a16="http://schemas.microsoft.com/office/drawing/2014/main" xmlns="" val="20000"/>
+                      <a16:colId xmlns:a16="http://schemas.microsoft.com/office/drawing/2014/main" val="20000"/>
                     </a:ext>
                   </a:extLst>
                 </a:gridCol>
                 <a:gridCol w="1859646">
                   <a:extLst>
                     <a:ext uri="{9D8B030D-6E8A-4147-A177-3AD203B41FA5}">
-                      <a16:colId xmlns:a16="http://schemas.microsoft.com/office/drawing/2014/main" xmlns="" val="20001"/>
+                      <a16:colId xmlns:a16="http://schemas.microsoft.com/office/drawing/2014/main" val="20001"/>
                     </a:ext>
                   </a:extLst>
                 </a:gridCol>
                 <a:gridCol w="4302598">
                   <a:extLst>
                     <a:ext uri="{9D8B030D-6E8A-4147-A177-3AD203B41FA5}">
-                      <a16:colId xmlns:a16="http://schemas.microsoft.com/office/drawing/2014/main" xmlns="" val="20002"/>
+                      <a16:colId xmlns:a16="http://schemas.microsoft.com/office/drawing/2014/main" val="20002"/>
                     </a:ext>
                   </a:extLst>
                 </a:gridCol>
@@ -8833,7 +8626,7 @@
                 </a:tc>
                 <a:extLst>
                   <a:ext uri="{0D108BD9-81ED-4DB2-BD59-A6C34878D82A}">
-                    <a16:rowId xmlns:a16="http://schemas.microsoft.com/office/drawing/2014/main" xmlns="" val="10000"/>
+                    <a16:rowId xmlns:a16="http://schemas.microsoft.com/office/drawing/2014/main" val="10000"/>
                   </a:ext>
                 </a:extLst>
               </a:tr>
@@ -8987,7 +8780,7 @@
                 </a:tc>
                 <a:extLst>
                   <a:ext uri="{0D108BD9-81ED-4DB2-BD59-A6C34878D82A}">
-                    <a16:rowId xmlns:a16="http://schemas.microsoft.com/office/drawing/2014/main" xmlns="" val="10001"/>
+                    <a16:rowId xmlns:a16="http://schemas.microsoft.com/office/drawing/2014/main" val="10001"/>
                   </a:ext>
                 </a:extLst>
               </a:tr>
@@ -9174,7 +8967,7 @@
                 </a:tc>
                 <a:extLst>
                   <a:ext uri="{0D108BD9-81ED-4DB2-BD59-A6C34878D82A}">
-                    <a16:rowId xmlns:a16="http://schemas.microsoft.com/office/drawing/2014/main" xmlns="" val="10002"/>
+                    <a16:rowId xmlns:a16="http://schemas.microsoft.com/office/drawing/2014/main" val="10002"/>
                   </a:ext>
                 </a:extLst>
               </a:tr>
@@ -9376,7 +9169,7 @@
                 </a:tc>
                 <a:extLst>
                   <a:ext uri="{0D108BD9-81ED-4DB2-BD59-A6C34878D82A}">
-                    <a16:rowId xmlns:a16="http://schemas.microsoft.com/office/drawing/2014/main" xmlns="" val="10003"/>
+                    <a16:rowId xmlns:a16="http://schemas.microsoft.com/office/drawing/2014/main" val="10003"/>
                   </a:ext>
                 </a:extLst>
               </a:tr>
@@ -9551,7 +9344,7 @@
                 </a:tc>
                 <a:extLst>
                   <a:ext uri="{0D108BD9-81ED-4DB2-BD59-A6C34878D82A}">
-                    <a16:rowId xmlns:a16="http://schemas.microsoft.com/office/drawing/2014/main" xmlns="" val="10004"/>
+                    <a16:rowId xmlns:a16="http://schemas.microsoft.com/office/drawing/2014/main" val="10004"/>
                   </a:ext>
                 </a:extLst>
               </a:tr>
@@ -9738,7 +9531,7 @@
                 </a:tc>
                 <a:extLst>
                   <a:ext uri="{0D108BD9-81ED-4DB2-BD59-A6C34878D82A}">
-                    <a16:rowId xmlns:a16="http://schemas.microsoft.com/office/drawing/2014/main" xmlns="" val="10005"/>
+                    <a16:rowId xmlns:a16="http://schemas.microsoft.com/office/drawing/2014/main" val="10005"/>
                   </a:ext>
                 </a:extLst>
               </a:tr>
@@ -9907,7 +9700,7 @@
                 </a:tc>
                 <a:extLst>
                   <a:ext uri="{0D108BD9-81ED-4DB2-BD59-A6C34878D82A}">
-                    <a16:rowId xmlns:a16="http://schemas.microsoft.com/office/drawing/2014/main" xmlns="" val="10006"/>
+                    <a16:rowId xmlns:a16="http://schemas.microsoft.com/office/drawing/2014/main" val="10006"/>
                   </a:ext>
                 </a:extLst>
               </a:tr>
@@ -11237,6 +11030,27 @@
           </a:bodyPr>
           <a:lstStyle/>
           <a:p>
+            <a:pPr marL="0" indent="0">
+              <a:buNone/>
+            </a:pPr>
+            <a:r>
+              <a:rPr lang="en-US" altLang="ja-JP" dirty="0" smtClean="0">
+                <a:latin typeface="Segoe UI" panose="020B0502040204020203" pitchFamily="34" charset="0"/>
+                <a:ea typeface="Segoe UI" panose="020B0502040204020203" pitchFamily="34" charset="0"/>
+                <a:cs typeface="Segoe UI" panose="020B0502040204020203" pitchFamily="34" charset="0"/>
+              </a:rPr>
+              <a:t>*Environment </a:t>
+            </a:r>
+            <a:r>
+              <a:rPr lang="en-US" altLang="ja-JP" dirty="0">
+                <a:latin typeface="Segoe UI" panose="020B0502040204020203" pitchFamily="34" charset="0"/>
+                <a:ea typeface="Segoe UI" panose="020B0502040204020203" pitchFamily="34" charset="0"/>
+                <a:cs typeface="Segoe UI" panose="020B0502040204020203" pitchFamily="34" charset="0"/>
+              </a:rPr>
+              <a:t>building users must be root users.</a:t>
+            </a:r>
+          </a:p>
+          <a:p>
             <a:r>
               <a:rPr lang="en-US" altLang="ja-JP" dirty="0" smtClean="0">
                 <a:latin typeface="Segoe UI" panose="020B0502040204020203" pitchFamily="34" charset="0"/>
@@ -11322,12 +11136,20 @@
               </a:rPr>
             </a:br>
             <a:r>
+              <a:rPr lang="en-US" altLang="ja-JP" dirty="0" smtClean="0">
+                <a:latin typeface="Segoe UI" panose="020B0502040204020203" pitchFamily="34" charset="0"/>
+                <a:ea typeface="Segoe UI" panose="020B0502040204020203" pitchFamily="34" charset="0"/>
+                <a:cs typeface="Segoe UI" panose="020B0502040204020203" pitchFamily="34" charset="0"/>
+              </a:rPr>
+              <a:t>#</a:t>
+            </a:r>
+            <a:r>
               <a:rPr lang="en-US" altLang="ja-JP" sz="1400" dirty="0" smtClean="0">
                 <a:latin typeface="Segoe UI" panose="020B0502040204020203" pitchFamily="34" charset="0"/>
                 <a:ea typeface="Segoe UI" panose="020B0502040204020203" pitchFamily="34" charset="0"/>
                 <a:cs typeface="Segoe UI" panose="020B0502040204020203" pitchFamily="34" charset="0"/>
               </a:rPr>
-              <a:t>$ wget </a:t>
+              <a:t> wget </a:t>
             </a:r>
             <a:r>
               <a:rPr lang="en-US" altLang="ja-JP" sz="1400" dirty="0">
@@ -11535,12 +11357,20 @@
               </a:rPr>
             </a:br>
             <a:r>
+              <a:rPr lang="en-US" altLang="ja-JP" sz="1400" dirty="0">
+                <a:latin typeface="Segoe UI" panose="020B0502040204020203" pitchFamily="34" charset="0"/>
+                <a:ea typeface="Segoe UI" panose="020B0502040204020203" pitchFamily="34" charset="0"/>
+                <a:cs typeface="Segoe UI" panose="020B0502040204020203" pitchFamily="34" charset="0"/>
+              </a:rPr>
+              <a:t>#</a:t>
+            </a:r>
+            <a:r>
               <a:rPr lang="en-US" altLang="ja-JP" sz="1400" dirty="0" smtClean="0">
                 <a:latin typeface="Segoe UI" panose="020B0502040204020203" pitchFamily="34" charset="0"/>
                 <a:ea typeface="Segoe UI" panose="020B0502040204020203" pitchFamily="34" charset="0"/>
                 <a:cs typeface="Segoe UI" panose="020B0502040204020203" pitchFamily="34" charset="0"/>
               </a:rPr>
-              <a:t>$ </a:t>
+              <a:t> </a:t>
             </a:r>
             <a:r>
               <a:rPr lang="en-US" altLang="ja-JP" sz="1400" dirty="0">
@@ -11603,7 +11433,7 @@
                 <a:ea typeface="Segoe UI" panose="020B0502040204020203" pitchFamily="34" charset="0"/>
                 <a:cs typeface="Segoe UI" panose="020B0502040204020203" pitchFamily="34" charset="0"/>
               </a:rPr>
-              <a:t>$ find ./it-automation-</a:t>
+              <a:t># find ./it-automation-</a:t>
             </a:r>
             <a:r>
               <a:rPr lang="en-US" altLang="ja-JP" sz="1400" dirty="0" err="1" smtClean="0">
@@ -11739,7 +11569,7 @@
                 <a:ea typeface="Segoe UI" panose="020B0502040204020203" pitchFamily="34" charset="0"/>
                 <a:cs typeface="Segoe UI" panose="020B0502040204020203" pitchFamily="34" charset="0"/>
               </a:rPr>
-              <a:t>$ </a:t>
+              <a:t>#</a:t>
             </a:r>
             <a:r>
               <a:rPr lang="en-US" altLang="ja-JP" sz="1400" dirty="0" smtClean="0">
@@ -11747,7 +11577,7 @@
                 <a:ea typeface="Segoe UI" panose="020B0502040204020203" pitchFamily="34" charset="0"/>
                 <a:cs typeface="Segoe UI" panose="020B0502040204020203" pitchFamily="34" charset="0"/>
               </a:rPr>
-              <a:t>cd it-automation-</a:t>
+              <a:t> cd it-automation-</a:t>
             </a:r>
             <a:r>
               <a:rPr lang="en-US" altLang="ja-JP" sz="1400" dirty="0" err="1" smtClean="0">
@@ -12022,14 +11852,14 @@
           <p:nvPr>
             <p:extLst>
               <p:ext uri="{D42A27DB-BD31-4B8C-83A1-F6EECF244321}">
-                <p14:modId xmlns:p14="http://schemas.microsoft.com/office/powerpoint/2010/main" val="3077304675"/>
+                <p14:modId xmlns:p14="http://schemas.microsoft.com/office/powerpoint/2010/main" val="2410739998"/>
               </p:ext>
             </p:extLst>
           </p:nvPr>
         </p:nvGraphicFramePr>
         <p:xfrm>
           <a:off x="179512" y="1844781"/>
-          <a:ext cx="8784000" cy="4407547"/>
+          <a:ext cx="8784000" cy="1728239"/>
         </p:xfrm>
         <a:graphic>
           <a:graphicData uri="http://schemas.openxmlformats.org/drawingml/2006/table">
@@ -12041,28 +11871,28 @@
                 <a:gridCol w="1800128">
                   <a:extLst>
                     <a:ext uri="{9D8B030D-6E8A-4147-A177-3AD203B41FA5}">
-                      <a16:colId xmlns:a16="http://schemas.microsoft.com/office/drawing/2014/main" xmlns="" val="20000"/>
+                      <a16:colId xmlns:a16="http://schemas.microsoft.com/office/drawing/2014/main" val="20000"/>
                     </a:ext>
                   </a:extLst>
                 </a:gridCol>
                 <a:gridCol w="2520350">
                   <a:extLst>
                     <a:ext uri="{9D8B030D-6E8A-4147-A177-3AD203B41FA5}">
-                      <a16:colId xmlns:a16="http://schemas.microsoft.com/office/drawing/2014/main" xmlns="" val="20001"/>
+                      <a16:colId xmlns:a16="http://schemas.microsoft.com/office/drawing/2014/main" val="20001"/>
                     </a:ext>
                   </a:extLst>
                 </a:gridCol>
                 <a:gridCol w="648090">
                   <a:extLst>
                     <a:ext uri="{9D8B030D-6E8A-4147-A177-3AD203B41FA5}">
-                      <a16:colId xmlns:a16="http://schemas.microsoft.com/office/drawing/2014/main" xmlns="" val="20002"/>
+                      <a16:colId xmlns:a16="http://schemas.microsoft.com/office/drawing/2014/main" val="20002"/>
                     </a:ext>
                   </a:extLst>
                 </a:gridCol>
                 <a:gridCol w="3815432">
                   <a:extLst>
                     <a:ext uri="{9D8B030D-6E8A-4147-A177-3AD203B41FA5}">
-                      <a16:colId xmlns:a16="http://schemas.microsoft.com/office/drawing/2014/main" xmlns="" val="20003"/>
+                      <a16:colId xmlns:a16="http://schemas.microsoft.com/office/drawing/2014/main" val="20003"/>
                     </a:ext>
                   </a:extLst>
                 </a:gridCol>
@@ -12226,7 +12056,7 @@
                 </a:tc>
                 <a:extLst>
                   <a:ext uri="{0D108BD9-81ED-4DB2-BD59-A6C34878D82A}">
-                    <a16:rowId xmlns:a16="http://schemas.microsoft.com/office/drawing/2014/main" xmlns="" val="10000"/>
+                    <a16:rowId xmlns:a16="http://schemas.microsoft.com/office/drawing/2014/main" val="10000"/>
                   </a:ext>
                 </a:extLst>
               </a:tr>
@@ -12392,7 +12222,7 @@
                           <a:ea typeface="Segoe UI" panose="020B0502040204020203" pitchFamily="34" charset="0"/>
                           <a:cs typeface="Segoe UI" panose="020B0502040204020203" pitchFamily="34" charset="0"/>
                         </a:rPr>
-                        <a:t>CentOS 6, CentOS 7, RHEL 6, or RHEL 7</a:t>
+                        <a:t>CentOS 7, CentOS 8, RHEL 7, or RHEL 8</a:t>
                       </a:r>
                       <a:endParaRPr lang="ja-JP" sz="900" kern="100" dirty="0">
                         <a:effectLst/>
@@ -12410,7 +12240,7 @@
                 </a:tc>
                 <a:extLst>
                   <a:ext uri="{0D108BD9-81ED-4DB2-BD59-A6C34878D82A}">
-                    <a16:rowId xmlns:a16="http://schemas.microsoft.com/office/drawing/2014/main" xmlns="" val="10001"/>
+                    <a16:rowId xmlns:a16="http://schemas.microsoft.com/office/drawing/2014/main" val="10001"/>
                   </a:ext>
                 </a:extLst>
               </a:tr>
@@ -12555,7 +12385,7 @@
                 </a:tc>
                 <a:extLst>
                   <a:ext uri="{0D108BD9-81ED-4DB2-BD59-A6C34878D82A}">
-                    <a16:rowId xmlns:a16="http://schemas.microsoft.com/office/drawing/2014/main" xmlns="" val="10002"/>
+                    <a16:rowId xmlns:a16="http://schemas.microsoft.com/office/drawing/2014/main" val="10002"/>
                   </a:ext>
                 </a:extLst>
               </a:tr>
@@ -12706,7 +12536,7 @@
                 </a:tc>
                 <a:extLst>
                   <a:ext uri="{0D108BD9-81ED-4DB2-BD59-A6C34878D82A}">
-                    <a16:rowId xmlns:a16="http://schemas.microsoft.com/office/drawing/2014/main" xmlns="" val="10003"/>
+                    <a16:rowId xmlns:a16="http://schemas.microsoft.com/office/drawing/2014/main" val="10003"/>
                   </a:ext>
                 </a:extLst>
               </a:tr>
@@ -12881,1473 +12711,7 @@
                 </a:tc>
                 <a:extLst>
                   <a:ext uri="{0D108BD9-81ED-4DB2-BD59-A6C34878D82A}">
-                    <a16:rowId xmlns:a16="http://schemas.microsoft.com/office/drawing/2014/main" xmlns="" val="10004"/>
-                  </a:ext>
-                </a:extLst>
-              </a:tr>
-              <a:tr h="321517">
-                <a:tc>
-                  <a:txBody>
-                    <a:bodyPr/>
-                    <a:lstStyle/>
-                    <a:p>
-                      <a:pPr algn="just">
-                        <a:spcAft>
-                          <a:spcPts val="0"/>
-                        </a:spcAft>
-                      </a:pPr>
-                      <a:r>
-                        <a:rPr lang="en-US" sz="1000" kern="100" dirty="0" smtClean="0">
-                          <a:solidFill>
-                            <a:schemeClr val="bg1"/>
-                          </a:solidFill>
-                          <a:effectLst/>
-                          <a:latin typeface="Segoe UI" panose="020B0502040204020203" pitchFamily="34" charset="0"/>
-                          <a:ea typeface="Segoe UI" panose="020B0502040204020203" pitchFamily="34" charset="0"/>
-                          <a:cs typeface="Segoe UI" panose="020B0502040204020203" pitchFamily="34" charset="0"/>
-                        </a:rPr>
-                        <a:t>server_address</a:t>
-                      </a:r>
-                      <a:endParaRPr lang="ja-JP" sz="1000" kern="100" dirty="0">
-                        <a:solidFill>
-                          <a:schemeClr val="bg1"/>
-                        </a:solidFill>
-                        <a:effectLst/>
-                        <a:latin typeface="Segoe UI" panose="020B0502040204020203" pitchFamily="34" charset="0"/>
-                        <a:cs typeface="Segoe UI" panose="020B0502040204020203" pitchFamily="34" charset="0"/>
-                      </a:endParaRPr>
-                    </a:p>
-                  </a:txBody>
-                  <a:tcPr marL="55979" marR="55979" marT="0" marB="0" anchor="ctr">
-                    <a:solidFill>
-                      <a:srgbClr val="002B62"/>
-                    </a:solidFill>
-                  </a:tcPr>
-                </a:tc>
-                <a:tc>
-                  <a:txBody>
-                    <a:bodyPr/>
-                    <a:lstStyle/>
-                    <a:p>
-                      <a:pPr algn="l">
-                        <a:spcAft>
-                          <a:spcPts val="0"/>
-                        </a:spcAft>
-                      </a:pPr>
-                      <a:r>
-                        <a:rPr lang="en-US" sz="900" kern="100" baseline="0" dirty="0" smtClean="0">
-                          <a:effectLst/>
-                          <a:latin typeface="Segoe UI" panose="020B0502040204020203" pitchFamily="34" charset="0"/>
-                          <a:ea typeface="Segoe UI" panose="020B0502040204020203" pitchFamily="34" charset="0"/>
-                          <a:cs typeface="Segoe UI" panose="020B0502040204020203" pitchFamily="34" charset="0"/>
-                        </a:rPr>
-                        <a:t>For </a:t>
-                      </a:r>
-                      <a:r>
-                        <a:rPr lang="en-US" sz="900" kern="100" dirty="0" smtClean="0">
-                          <a:effectLst/>
-                          <a:latin typeface="Segoe UI" panose="020B0502040204020203" pitchFamily="34" charset="0"/>
-                          <a:ea typeface="Segoe UI" panose="020B0502040204020203" pitchFamily="34" charset="0"/>
-                          <a:cs typeface="Segoe UI" panose="020B0502040204020203" pitchFamily="34" charset="0"/>
-                        </a:rPr>
-                        <a:t>Cobbler</a:t>
-                      </a:r>
-                      <a:endParaRPr lang="ja-JP" sz="900" kern="100" dirty="0">
-                        <a:effectLst/>
-                        <a:latin typeface="Segoe UI" panose="020B0502040204020203" pitchFamily="34" charset="0"/>
-                        <a:ea typeface="ＭＳ 明朝" panose="02020609040205080304" pitchFamily="17" charset="-128"/>
-                        <a:cs typeface="Segoe UI" panose="020B0502040204020203" pitchFamily="34" charset="0"/>
-                      </a:endParaRPr>
-                    </a:p>
-                  </a:txBody>
-                  <a:tcPr marL="55979" marR="55979" marT="0" marB="0" anchor="ctr">
-                    <a:solidFill>
-                      <a:srgbClr val="CBCDD3"/>
-                    </a:solidFill>
-                  </a:tcPr>
-                </a:tc>
-                <a:tc>
-                  <a:txBody>
-                    <a:bodyPr/>
-                    <a:lstStyle/>
-                    <a:p>
-                      <a:pPr algn="ctr">
-                        <a:spcAft>
-                          <a:spcPts val="0"/>
-                        </a:spcAft>
-                      </a:pPr>
-                      <a:r>
-                        <a:rPr lang="en-US" sz="900" kern="100" dirty="0">
-                          <a:effectLst/>
-                          <a:latin typeface="Segoe UI" panose="020B0502040204020203" pitchFamily="34" charset="0"/>
-                          <a:ea typeface="Segoe UI" panose="020B0502040204020203" pitchFamily="34" charset="0"/>
-                          <a:cs typeface="Segoe UI" panose="020B0502040204020203" pitchFamily="34" charset="0"/>
-                        </a:rPr>
-                        <a:t>-</a:t>
-                      </a:r>
-                      <a:endParaRPr lang="ja-JP" sz="900" kern="100" dirty="0">
-                        <a:effectLst/>
-                        <a:latin typeface="Segoe UI" panose="020B0502040204020203" pitchFamily="34" charset="0"/>
-                        <a:ea typeface="ＭＳ 明朝" panose="02020609040205080304" pitchFamily="17" charset="-128"/>
-                        <a:cs typeface="Segoe UI" panose="020B0502040204020203" pitchFamily="34" charset="0"/>
-                      </a:endParaRPr>
-                    </a:p>
-                  </a:txBody>
-                  <a:tcPr marL="55979" marR="55979" marT="0" marB="0" anchor="ctr">
-                    <a:solidFill>
-                      <a:srgbClr val="CBCDD3"/>
-                    </a:solidFill>
-                  </a:tcPr>
-                </a:tc>
-                <a:tc>
-                  <a:txBody>
-                    <a:bodyPr/>
-                    <a:lstStyle/>
-                    <a:p>
-                      <a:pPr algn="l">
-                        <a:spcAft>
-                          <a:spcPts val="0"/>
-                        </a:spcAft>
-                      </a:pPr>
-                      <a:r>
-                        <a:rPr lang="en-US" sz="900" kern="100" dirty="0" smtClean="0">
-                          <a:effectLst/>
-                          <a:latin typeface="Segoe UI" panose="020B0502040204020203" pitchFamily="34" charset="0"/>
-                          <a:ea typeface="Segoe UI" panose="020B0502040204020203" pitchFamily="34" charset="0"/>
-                          <a:cs typeface="Segoe UI" panose="020B0502040204020203" pitchFamily="34" charset="0"/>
-                        </a:rPr>
-                        <a:t>IP address of the IT Automation</a:t>
-                      </a:r>
-                      <a:r>
-                        <a:rPr lang="en-US" altLang="ja-JP" sz="900" kern="100" dirty="0" smtClean="0">
-                          <a:effectLst/>
-                          <a:latin typeface="Segoe UI" panose="020B0502040204020203" pitchFamily="34" charset="0"/>
-                          <a:ea typeface="Segoe UI" panose="020B0502040204020203" pitchFamily="34" charset="0"/>
-                          <a:cs typeface="Segoe UI" panose="020B0502040204020203" pitchFamily="34" charset="0"/>
-                        </a:rPr>
-                        <a:t> server </a:t>
-                      </a:r>
-                      <a:r>
-                        <a:rPr lang="en-US" sz="900" kern="100" dirty="0" smtClean="0">
-                          <a:effectLst/>
-                          <a:latin typeface="Segoe UI" panose="020B0502040204020203" pitchFamily="34" charset="0"/>
-                          <a:ea typeface="Segoe UI" panose="020B0502040204020203" pitchFamily="34" charset="0"/>
-                          <a:cs typeface="Segoe UI" panose="020B0502040204020203" pitchFamily="34" charset="0"/>
-                        </a:rPr>
-                        <a:t>(Cobbler server) to be set in the </a:t>
-                      </a:r>
-                      <a:r>
-                        <a:rPr lang="en-US" altLang="ja-JP" sz="900" kern="100" dirty="0" smtClean="0">
-                          <a:effectLst/>
-                          <a:latin typeface="Segoe UI" panose="020B0502040204020203" pitchFamily="34" charset="0"/>
-                          <a:ea typeface="Segoe UI" panose="020B0502040204020203" pitchFamily="34" charset="0"/>
-                          <a:cs typeface="Segoe UI" panose="020B0502040204020203" pitchFamily="34" charset="0"/>
-                        </a:rPr>
-                        <a:t>settings</a:t>
-                      </a:r>
-                      <a:r>
-                        <a:rPr lang="en-US" altLang="ja-JP" sz="900" kern="100" baseline="0" dirty="0" smtClean="0">
-                          <a:effectLst/>
-                          <a:latin typeface="Segoe UI" panose="020B0502040204020203" pitchFamily="34" charset="0"/>
-                          <a:ea typeface="Segoe UI" panose="020B0502040204020203" pitchFamily="34" charset="0"/>
-                          <a:cs typeface="Segoe UI" panose="020B0502040204020203" pitchFamily="34" charset="0"/>
-                        </a:rPr>
-                        <a:t> file of </a:t>
-                      </a:r>
-                      <a:r>
-                        <a:rPr lang="en-US" altLang="ja-JP" sz="900" kern="100" dirty="0" smtClean="0">
-                          <a:effectLst/>
-                          <a:latin typeface="Segoe UI" panose="020B0502040204020203" pitchFamily="34" charset="0"/>
-                          <a:ea typeface="Segoe UI" panose="020B0502040204020203" pitchFamily="34" charset="0"/>
-                          <a:cs typeface="Segoe UI" panose="020B0502040204020203" pitchFamily="34" charset="0"/>
-                        </a:rPr>
-                        <a:t>Cobbler</a:t>
-                      </a:r>
-                      <a:endParaRPr lang="ja-JP" sz="900" kern="100" dirty="0">
-                        <a:effectLst/>
-                        <a:latin typeface="Segoe UI" panose="020B0502040204020203" pitchFamily="34" charset="0"/>
-                        <a:ea typeface="ＭＳ 明朝" panose="02020609040205080304" pitchFamily="17" charset="-128"/>
-                        <a:cs typeface="Segoe UI" panose="020B0502040204020203" pitchFamily="34" charset="0"/>
-                      </a:endParaRPr>
-                    </a:p>
-                  </a:txBody>
-                  <a:tcPr marL="55979" marR="55979" marT="0" marB="0" anchor="ctr">
-                    <a:solidFill>
-                      <a:srgbClr val="CBCDD3"/>
-                    </a:solidFill>
-                  </a:tcPr>
-                </a:tc>
-                <a:extLst>
-                  <a:ext uri="{0D108BD9-81ED-4DB2-BD59-A6C34878D82A}">
-                    <a16:rowId xmlns:a16="http://schemas.microsoft.com/office/drawing/2014/main" xmlns="" val="10005"/>
-                  </a:ext>
-                </a:extLst>
-              </a:tr>
-              <a:tr h="428689">
-                <a:tc>
-                  <a:txBody>
-                    <a:bodyPr/>
-                    <a:lstStyle/>
-                    <a:p>
-                      <a:pPr algn="just">
-                        <a:spcAft>
-                          <a:spcPts val="0"/>
-                        </a:spcAft>
-                      </a:pPr>
-                      <a:r>
-                        <a:rPr lang="en-US" sz="1000" kern="100" dirty="0" smtClean="0">
-                          <a:solidFill>
-                            <a:schemeClr val="bg1"/>
-                          </a:solidFill>
-                          <a:effectLst/>
-                          <a:latin typeface="Segoe UI" panose="020B0502040204020203" pitchFamily="34" charset="0"/>
-                          <a:ea typeface="Segoe UI" panose="020B0502040204020203" pitchFamily="34" charset="0"/>
-                          <a:cs typeface="Segoe UI" panose="020B0502040204020203" pitchFamily="34" charset="0"/>
-                        </a:rPr>
-                        <a:t>default_password</a:t>
-                      </a:r>
-                      <a:endParaRPr lang="ja-JP" sz="1000" kern="100" dirty="0">
-                        <a:solidFill>
-                          <a:schemeClr val="bg1"/>
-                        </a:solidFill>
-                        <a:effectLst/>
-                        <a:latin typeface="Segoe UI" panose="020B0502040204020203" pitchFamily="34" charset="0"/>
-                        <a:cs typeface="Segoe UI" panose="020B0502040204020203" pitchFamily="34" charset="0"/>
-                      </a:endParaRPr>
-                    </a:p>
-                  </a:txBody>
-                  <a:tcPr marL="55979" marR="55979" marT="0" marB="0" anchor="ctr">
-                    <a:solidFill>
-                      <a:srgbClr val="002B62"/>
-                    </a:solidFill>
-                  </a:tcPr>
-                </a:tc>
-                <a:tc>
-                  <a:txBody>
-                    <a:bodyPr/>
-                    <a:lstStyle/>
-                    <a:p>
-                      <a:pPr algn="l">
-                        <a:spcAft>
-                          <a:spcPts val="0"/>
-                        </a:spcAft>
-                      </a:pPr>
-                      <a:r>
-                        <a:rPr lang="en-US" altLang="ja-JP" sz="900" kern="100" baseline="0" dirty="0" smtClean="0">
-                          <a:effectLst/>
-                          <a:latin typeface="Segoe UI" panose="020B0502040204020203" pitchFamily="34" charset="0"/>
-                          <a:ea typeface="Segoe UI" panose="020B0502040204020203" pitchFamily="34" charset="0"/>
-                          <a:cs typeface="Segoe UI" panose="020B0502040204020203" pitchFamily="34" charset="0"/>
-                        </a:rPr>
-                        <a:t>For </a:t>
-                      </a:r>
-                      <a:r>
-                        <a:rPr lang="en-US" altLang="ja-JP" sz="900" kern="100" dirty="0" smtClean="0">
-                          <a:effectLst/>
-                          <a:latin typeface="Segoe UI" panose="020B0502040204020203" pitchFamily="34" charset="0"/>
-                          <a:ea typeface="Segoe UI" panose="020B0502040204020203" pitchFamily="34" charset="0"/>
-                          <a:cs typeface="Segoe UI" panose="020B0502040204020203" pitchFamily="34" charset="0"/>
-                        </a:rPr>
-                        <a:t>Cobbler</a:t>
-                      </a:r>
-                      <a:endParaRPr lang="ja-JP" altLang="ja-JP" sz="900" kern="100" dirty="0">
-                        <a:effectLst/>
-                        <a:latin typeface="Segoe UI" panose="020B0502040204020203" pitchFamily="34" charset="0"/>
-                        <a:ea typeface="ＭＳ 明朝" panose="02020609040205080304" pitchFamily="17" charset="-128"/>
-                        <a:cs typeface="Segoe UI" panose="020B0502040204020203" pitchFamily="34" charset="0"/>
-                      </a:endParaRPr>
-                    </a:p>
-                  </a:txBody>
-                  <a:tcPr marL="55979" marR="55979" marT="0" marB="0" anchor="ctr">
-                    <a:solidFill>
-                      <a:srgbClr val="E7E8EA"/>
-                    </a:solidFill>
-                  </a:tcPr>
-                </a:tc>
-                <a:tc>
-                  <a:txBody>
-                    <a:bodyPr/>
-                    <a:lstStyle/>
-                    <a:p>
-                      <a:pPr algn="ctr">
-                        <a:spcAft>
-                          <a:spcPts val="0"/>
-                        </a:spcAft>
-                      </a:pPr>
-                      <a:r>
-                        <a:rPr lang="en-US" sz="900" kern="100" dirty="0">
-                          <a:effectLst/>
-                          <a:latin typeface="Segoe UI" panose="020B0502040204020203" pitchFamily="34" charset="0"/>
-                          <a:ea typeface="Segoe UI" panose="020B0502040204020203" pitchFamily="34" charset="0"/>
-                          <a:cs typeface="Segoe UI" panose="020B0502040204020203" pitchFamily="34" charset="0"/>
-                        </a:rPr>
-                        <a:t>-</a:t>
-                      </a:r>
-                      <a:endParaRPr lang="ja-JP" sz="900" kern="100" dirty="0">
-                        <a:effectLst/>
-                        <a:latin typeface="Segoe UI" panose="020B0502040204020203" pitchFamily="34" charset="0"/>
-                        <a:ea typeface="ＭＳ 明朝" panose="02020609040205080304" pitchFamily="17" charset="-128"/>
-                        <a:cs typeface="Segoe UI" panose="020B0502040204020203" pitchFamily="34" charset="0"/>
-                      </a:endParaRPr>
-                    </a:p>
-                  </a:txBody>
-                  <a:tcPr marL="55979" marR="55979" marT="0" marB="0" anchor="ctr">
-                    <a:solidFill>
-                      <a:srgbClr val="E7E8EA"/>
-                    </a:solidFill>
-                  </a:tcPr>
-                </a:tc>
-                <a:tc>
-                  <a:txBody>
-                    <a:bodyPr/>
-                    <a:lstStyle/>
-                    <a:p>
-                      <a:pPr algn="l">
-                        <a:spcAft>
-                          <a:spcPts val="0"/>
-                        </a:spcAft>
-                      </a:pPr>
-                      <a:r>
-                        <a:rPr lang="en-US" sz="900" b="0" i="0" u="none" kern="100" dirty="0" smtClean="0">
-                          <a:solidFill>
-                            <a:srgbClr val="000000"/>
-                          </a:solidFill>
-                          <a:effectLst/>
-                          <a:latin typeface="Segoe UI" panose="020B0502040204020203" pitchFamily="34" charset="0"/>
-                          <a:ea typeface="Segoe UI" panose="020B0502040204020203" pitchFamily="34" charset="0"/>
-                          <a:cs typeface="Segoe UI" panose="020B0502040204020203" pitchFamily="34" charset="0"/>
-                        </a:rPr>
-                        <a:t>Root password for the OS installation target server to be set in the settings file of Cobbler</a:t>
-                      </a:r>
-                      <a:r>
-                        <a:rPr lang="en-US" sz="900" kern="100" dirty="0" smtClean="0">
-                          <a:effectLst/>
-                          <a:latin typeface="Segoe UI" panose="020B0502040204020203" pitchFamily="34" charset="0"/>
-                          <a:ea typeface="Segoe UI" panose="020B0502040204020203" pitchFamily="34" charset="0"/>
-                          <a:cs typeface="Segoe UI" panose="020B0502040204020203" pitchFamily="34" charset="0"/>
-                        </a:rPr>
-                        <a:t/>
-                      </a:r>
-                      <a:br>
-                        <a:rPr lang="en-US" sz="900" kern="100" dirty="0" smtClean="0">
-                          <a:effectLst/>
-                          <a:latin typeface="Segoe UI" panose="020B0502040204020203" pitchFamily="34" charset="0"/>
-                          <a:ea typeface="Segoe UI" panose="020B0502040204020203" pitchFamily="34" charset="0"/>
-                          <a:cs typeface="Segoe UI" panose="020B0502040204020203" pitchFamily="34" charset="0"/>
-                        </a:rPr>
-                      </a:br>
-                      <a:r>
-                        <a:rPr lang="en-US" altLang="ja-JP" sz="900" kern="100" dirty="0" smtClean="0">
-                          <a:effectLst/>
-                          <a:latin typeface="Segoe UI" panose="020B0502040204020203" pitchFamily="34" charset="0"/>
-                          <a:ea typeface="Segoe UI" panose="020B0502040204020203" pitchFamily="34" charset="0"/>
-                          <a:cs typeface="Segoe UI" panose="020B0502040204020203" pitchFamily="34" charset="0"/>
-                        </a:rPr>
-                        <a:t>*The hash value of the entered</a:t>
-                      </a:r>
-                      <a:r>
-                        <a:rPr lang="en-US" altLang="ja-JP" sz="900" kern="100" baseline="0" dirty="0" smtClean="0">
-                          <a:effectLst/>
-                          <a:latin typeface="Segoe UI" panose="020B0502040204020203" pitchFamily="34" charset="0"/>
-                          <a:ea typeface="Segoe UI" panose="020B0502040204020203" pitchFamily="34" charset="0"/>
-                          <a:cs typeface="Segoe UI" panose="020B0502040204020203" pitchFamily="34" charset="0"/>
-                        </a:rPr>
-                        <a:t> value will be set in the </a:t>
-                      </a:r>
-                      <a:r>
-                        <a:rPr lang="en-US" sz="900" kern="100" dirty="0" smtClean="0">
-                          <a:effectLst/>
-                          <a:latin typeface="Segoe UI" panose="020B0502040204020203" pitchFamily="34" charset="0"/>
-                          <a:ea typeface="Segoe UI" panose="020B0502040204020203" pitchFamily="34" charset="0"/>
-                          <a:cs typeface="Segoe UI" panose="020B0502040204020203" pitchFamily="34" charset="0"/>
-                        </a:rPr>
-                        <a:t>settings file.</a:t>
-                      </a:r>
-                      <a:endParaRPr lang="ja-JP" sz="900" kern="100" dirty="0">
-                        <a:effectLst/>
-                        <a:latin typeface="Segoe UI" panose="020B0502040204020203" pitchFamily="34" charset="0"/>
-                        <a:ea typeface="ＭＳ 明朝" panose="02020609040205080304" pitchFamily="17" charset="-128"/>
-                        <a:cs typeface="Segoe UI" panose="020B0502040204020203" pitchFamily="34" charset="0"/>
-                      </a:endParaRPr>
-                    </a:p>
-                  </a:txBody>
-                  <a:tcPr marL="55979" marR="55979" marT="0" marB="0" anchor="ctr">
-                    <a:solidFill>
-                      <a:srgbClr val="E7E8EA"/>
-                    </a:solidFill>
-                  </a:tcPr>
-                </a:tc>
-                <a:extLst>
-                  <a:ext uri="{0D108BD9-81ED-4DB2-BD59-A6C34878D82A}">
-                    <a16:rowId xmlns:a16="http://schemas.microsoft.com/office/drawing/2014/main" xmlns="" val="10006"/>
-                  </a:ext>
-                </a:extLst>
-              </a:tr>
-              <a:tr h="321517">
-                <a:tc>
-                  <a:txBody>
-                    <a:bodyPr/>
-                    <a:lstStyle/>
-                    <a:p>
-                      <a:pPr algn="just">
-                        <a:spcAft>
-                          <a:spcPts val="0"/>
-                        </a:spcAft>
-                      </a:pPr>
-                      <a:r>
-                        <a:rPr lang="en-US" sz="1000" kern="100" dirty="0" smtClean="0">
-                          <a:solidFill>
-                            <a:schemeClr val="bg1"/>
-                          </a:solidFill>
-                          <a:effectLst/>
-                          <a:latin typeface="Segoe UI" panose="020B0502040204020203" pitchFamily="34" charset="0"/>
-                          <a:ea typeface="Segoe UI" panose="020B0502040204020203" pitchFamily="34" charset="0"/>
-                          <a:cs typeface="Segoe UI" panose="020B0502040204020203" pitchFamily="34" charset="0"/>
-                        </a:rPr>
-                        <a:t>cobbler_ip</a:t>
-                      </a:r>
-                      <a:endParaRPr lang="ja-JP" sz="1000" kern="100" dirty="0">
-                        <a:solidFill>
-                          <a:schemeClr val="bg1"/>
-                        </a:solidFill>
-                        <a:effectLst/>
-                        <a:latin typeface="Segoe UI" panose="020B0502040204020203" pitchFamily="34" charset="0"/>
-                        <a:cs typeface="Segoe UI" panose="020B0502040204020203" pitchFamily="34" charset="0"/>
-                      </a:endParaRPr>
-                    </a:p>
-                  </a:txBody>
-                  <a:tcPr marL="55979" marR="55979" marT="0" marB="0" anchor="ctr">
-                    <a:solidFill>
-                      <a:srgbClr val="002B62"/>
-                    </a:solidFill>
-                  </a:tcPr>
-                </a:tc>
-                <a:tc>
-                  <a:txBody>
-                    <a:bodyPr/>
-                    <a:lstStyle/>
-                    <a:p>
-                      <a:pPr algn="l">
-                        <a:spcAft>
-                          <a:spcPts val="0"/>
-                        </a:spcAft>
-                      </a:pPr>
-                      <a:r>
-                        <a:rPr lang="en-US" altLang="ja-JP" sz="900" kern="100" baseline="0" dirty="0" smtClean="0">
-                          <a:effectLst/>
-                          <a:latin typeface="Segoe UI" panose="020B0502040204020203" pitchFamily="34" charset="0"/>
-                          <a:ea typeface="Segoe UI" panose="020B0502040204020203" pitchFamily="34" charset="0"/>
-                          <a:cs typeface="Segoe UI" panose="020B0502040204020203" pitchFamily="34" charset="0"/>
-                        </a:rPr>
-                        <a:t>For </a:t>
-                      </a:r>
-                      <a:r>
-                        <a:rPr lang="en-US" altLang="ja-JP" sz="900" kern="100" dirty="0" smtClean="0">
-                          <a:effectLst/>
-                          <a:latin typeface="Segoe UI" panose="020B0502040204020203" pitchFamily="34" charset="0"/>
-                          <a:ea typeface="Segoe UI" panose="020B0502040204020203" pitchFamily="34" charset="0"/>
-                          <a:cs typeface="Segoe UI" panose="020B0502040204020203" pitchFamily="34" charset="0"/>
-                        </a:rPr>
-                        <a:t>Cobbler</a:t>
-                      </a:r>
-                      <a:endParaRPr lang="ja-JP" altLang="ja-JP" sz="900" kern="100" dirty="0">
-                        <a:effectLst/>
-                        <a:latin typeface="Segoe UI" panose="020B0502040204020203" pitchFamily="34" charset="0"/>
-                        <a:ea typeface="ＭＳ 明朝" panose="02020609040205080304" pitchFamily="17" charset="-128"/>
-                        <a:cs typeface="Segoe UI" panose="020B0502040204020203" pitchFamily="34" charset="0"/>
-                      </a:endParaRPr>
-                    </a:p>
-                  </a:txBody>
-                  <a:tcPr marL="55979" marR="55979" marT="0" marB="0" anchor="ctr">
-                    <a:solidFill>
-                      <a:srgbClr val="CBCDD3"/>
-                    </a:solidFill>
-                  </a:tcPr>
-                </a:tc>
-                <a:tc>
-                  <a:txBody>
-                    <a:bodyPr/>
-                    <a:lstStyle/>
-                    <a:p>
-                      <a:pPr algn="ctr">
-                        <a:spcAft>
-                          <a:spcPts val="0"/>
-                        </a:spcAft>
-                      </a:pPr>
-                      <a:r>
-                        <a:rPr lang="en-US" sz="900" kern="100" dirty="0">
-                          <a:effectLst/>
-                          <a:latin typeface="Segoe UI" panose="020B0502040204020203" pitchFamily="34" charset="0"/>
-                          <a:ea typeface="Segoe UI" panose="020B0502040204020203" pitchFamily="34" charset="0"/>
-                          <a:cs typeface="Segoe UI" panose="020B0502040204020203" pitchFamily="34" charset="0"/>
-                        </a:rPr>
-                        <a:t>-</a:t>
-                      </a:r>
-                      <a:endParaRPr lang="ja-JP" sz="900" kern="100" dirty="0">
-                        <a:effectLst/>
-                        <a:latin typeface="Segoe UI" panose="020B0502040204020203" pitchFamily="34" charset="0"/>
-                        <a:ea typeface="ＭＳ 明朝" panose="02020609040205080304" pitchFamily="17" charset="-128"/>
-                        <a:cs typeface="Segoe UI" panose="020B0502040204020203" pitchFamily="34" charset="0"/>
-                      </a:endParaRPr>
-                    </a:p>
-                  </a:txBody>
-                  <a:tcPr marL="55979" marR="55979" marT="0" marB="0" anchor="ctr">
-                    <a:solidFill>
-                      <a:srgbClr val="CBCDD3"/>
-                    </a:solidFill>
-                  </a:tcPr>
-                </a:tc>
-                <a:tc>
-                  <a:txBody>
-                    <a:bodyPr/>
-                    <a:lstStyle/>
-                    <a:p>
-                      <a:pPr algn="l">
-                        <a:spcAft>
-                          <a:spcPts val="0"/>
-                        </a:spcAft>
-                      </a:pPr>
-                      <a:r>
-                        <a:rPr lang="en-US" sz="900" kern="100" dirty="0" smtClean="0">
-                          <a:effectLst/>
-                          <a:latin typeface="Segoe UI" panose="020B0502040204020203" pitchFamily="34" charset="0"/>
-                          <a:ea typeface="Segoe UI" panose="020B0502040204020203" pitchFamily="34" charset="0"/>
-                          <a:cs typeface="Segoe UI" panose="020B0502040204020203" pitchFamily="34" charset="0"/>
-                        </a:rPr>
-                        <a:t>IP address to be set for </a:t>
-                      </a:r>
-                      <a:r>
-                        <a:rPr lang="en-US" sz="900" b="1" kern="100" dirty="0" smtClean="0">
-                          <a:effectLst/>
-                          <a:latin typeface="Segoe UI" panose="020B0502040204020203" pitchFamily="34" charset="0"/>
-                          <a:ea typeface="Segoe UI" panose="020B0502040204020203" pitchFamily="34" charset="0"/>
-                          <a:cs typeface="Segoe UI" panose="020B0502040204020203" pitchFamily="34" charset="0"/>
-                        </a:rPr>
-                        <a:t>subnet</a:t>
-                      </a:r>
-                      <a:r>
-                        <a:rPr lang="en-US" sz="900" kern="100" dirty="0" smtClean="0">
-                          <a:effectLst/>
-                          <a:latin typeface="Segoe UI" panose="020B0502040204020203" pitchFamily="34" charset="0"/>
-                          <a:ea typeface="Segoe UI" panose="020B0502040204020203" pitchFamily="34" charset="0"/>
-                          <a:cs typeface="Segoe UI" panose="020B0502040204020203" pitchFamily="34" charset="0"/>
-                        </a:rPr>
-                        <a:t> of dhcp.template</a:t>
-                      </a:r>
-                      <a:endParaRPr lang="ja-JP" sz="900" kern="100" dirty="0">
-                        <a:effectLst/>
-                        <a:latin typeface="Segoe UI" panose="020B0502040204020203" pitchFamily="34" charset="0"/>
-                        <a:ea typeface="ＭＳ 明朝" panose="02020609040205080304" pitchFamily="17" charset="-128"/>
-                        <a:cs typeface="Segoe UI" panose="020B0502040204020203" pitchFamily="34" charset="0"/>
-                      </a:endParaRPr>
-                    </a:p>
-                  </a:txBody>
-                  <a:tcPr marL="55979" marR="55979" marT="0" marB="0" anchor="ctr">
-                    <a:solidFill>
-                      <a:srgbClr val="CBCDD3"/>
-                    </a:solidFill>
-                  </a:tcPr>
-                </a:tc>
-                <a:extLst>
-                  <a:ext uri="{0D108BD9-81ED-4DB2-BD59-A6C34878D82A}">
-                    <a16:rowId xmlns:a16="http://schemas.microsoft.com/office/drawing/2014/main" xmlns="" val="10007"/>
-                  </a:ext>
-                </a:extLst>
-              </a:tr>
-              <a:tr h="321517">
-                <a:tc>
-                  <a:txBody>
-                    <a:bodyPr/>
-                    <a:lstStyle/>
-                    <a:p>
-                      <a:pPr algn="just">
-                        <a:spcAft>
-                          <a:spcPts val="0"/>
-                        </a:spcAft>
-                      </a:pPr>
-                      <a:r>
-                        <a:rPr lang="en-US" sz="1000" kern="100" dirty="0" smtClean="0">
-                          <a:solidFill>
-                            <a:schemeClr val="bg1"/>
-                          </a:solidFill>
-                          <a:effectLst/>
-                          <a:latin typeface="Segoe UI" panose="020B0502040204020203" pitchFamily="34" charset="0"/>
-                          <a:ea typeface="Segoe UI" panose="020B0502040204020203" pitchFamily="34" charset="0"/>
-                          <a:cs typeface="Segoe UI" panose="020B0502040204020203" pitchFamily="34" charset="0"/>
-                        </a:rPr>
-                        <a:t>cobbler_subnet</a:t>
-                      </a:r>
-                      <a:endParaRPr lang="ja-JP" sz="1000" kern="100" dirty="0">
-                        <a:solidFill>
-                          <a:schemeClr val="bg1"/>
-                        </a:solidFill>
-                        <a:effectLst/>
-                        <a:latin typeface="Segoe UI" panose="020B0502040204020203" pitchFamily="34" charset="0"/>
-                        <a:cs typeface="Segoe UI" panose="020B0502040204020203" pitchFamily="34" charset="0"/>
-                      </a:endParaRPr>
-                    </a:p>
-                  </a:txBody>
-                  <a:tcPr marL="55979" marR="55979" marT="0" marB="0" anchor="ctr">
-                    <a:solidFill>
-                      <a:srgbClr val="002B62"/>
-                    </a:solidFill>
-                  </a:tcPr>
-                </a:tc>
-                <a:tc>
-                  <a:txBody>
-                    <a:bodyPr/>
-                    <a:lstStyle/>
-                    <a:p>
-                      <a:pPr algn="l">
-                        <a:spcAft>
-                          <a:spcPts val="0"/>
-                        </a:spcAft>
-                      </a:pPr>
-                      <a:r>
-                        <a:rPr lang="en-US" altLang="ja-JP" sz="900" kern="100" baseline="0" dirty="0" smtClean="0">
-                          <a:effectLst/>
-                          <a:latin typeface="Segoe UI" panose="020B0502040204020203" pitchFamily="34" charset="0"/>
-                          <a:ea typeface="Segoe UI" panose="020B0502040204020203" pitchFamily="34" charset="0"/>
-                          <a:cs typeface="Segoe UI" panose="020B0502040204020203" pitchFamily="34" charset="0"/>
-                        </a:rPr>
-                        <a:t>For </a:t>
-                      </a:r>
-                      <a:r>
-                        <a:rPr lang="en-US" altLang="ja-JP" sz="900" kern="100" dirty="0" smtClean="0">
-                          <a:effectLst/>
-                          <a:latin typeface="Segoe UI" panose="020B0502040204020203" pitchFamily="34" charset="0"/>
-                          <a:ea typeface="Segoe UI" panose="020B0502040204020203" pitchFamily="34" charset="0"/>
-                          <a:cs typeface="Segoe UI" panose="020B0502040204020203" pitchFamily="34" charset="0"/>
-                        </a:rPr>
-                        <a:t>Cobbler</a:t>
-                      </a:r>
-                      <a:endParaRPr lang="ja-JP" altLang="ja-JP" sz="900" kern="100" dirty="0">
-                        <a:effectLst/>
-                        <a:latin typeface="Segoe UI" panose="020B0502040204020203" pitchFamily="34" charset="0"/>
-                        <a:ea typeface="ＭＳ 明朝" panose="02020609040205080304" pitchFamily="17" charset="-128"/>
-                        <a:cs typeface="Segoe UI" panose="020B0502040204020203" pitchFamily="34" charset="0"/>
-                      </a:endParaRPr>
-                    </a:p>
-                  </a:txBody>
-                  <a:tcPr marL="55979" marR="55979" marT="0" marB="0" anchor="ctr">
-                    <a:solidFill>
-                      <a:srgbClr val="E7E8EA"/>
-                    </a:solidFill>
-                  </a:tcPr>
-                </a:tc>
-                <a:tc>
-                  <a:txBody>
-                    <a:bodyPr/>
-                    <a:lstStyle/>
-                    <a:p>
-                      <a:pPr algn="ctr">
-                        <a:spcAft>
-                          <a:spcPts val="0"/>
-                        </a:spcAft>
-                      </a:pPr>
-                      <a:r>
-                        <a:rPr lang="en-US" sz="900" kern="100" dirty="0">
-                          <a:effectLst/>
-                          <a:latin typeface="Segoe UI" panose="020B0502040204020203" pitchFamily="34" charset="0"/>
-                          <a:ea typeface="Segoe UI" panose="020B0502040204020203" pitchFamily="34" charset="0"/>
-                          <a:cs typeface="Segoe UI" panose="020B0502040204020203" pitchFamily="34" charset="0"/>
-                        </a:rPr>
-                        <a:t>-</a:t>
-                      </a:r>
-                      <a:endParaRPr lang="ja-JP" sz="900" kern="100" dirty="0">
-                        <a:effectLst/>
-                        <a:latin typeface="Segoe UI" panose="020B0502040204020203" pitchFamily="34" charset="0"/>
-                        <a:ea typeface="ＭＳ 明朝" panose="02020609040205080304" pitchFamily="17" charset="-128"/>
-                        <a:cs typeface="Segoe UI" panose="020B0502040204020203" pitchFamily="34" charset="0"/>
-                      </a:endParaRPr>
-                    </a:p>
-                  </a:txBody>
-                  <a:tcPr marL="55979" marR="55979" marT="0" marB="0" anchor="ctr">
-                    <a:solidFill>
-                      <a:srgbClr val="E7E8EA"/>
-                    </a:solidFill>
-                  </a:tcPr>
-                </a:tc>
-                <a:tc>
-                  <a:txBody>
-                    <a:bodyPr/>
-                    <a:lstStyle/>
-                    <a:p>
-                      <a:pPr algn="l">
-                        <a:spcAft>
-                          <a:spcPts val="0"/>
-                        </a:spcAft>
-                      </a:pPr>
-                      <a:r>
-                        <a:rPr lang="en-US" sz="900" b="0" i="0" u="none" kern="100" dirty="0" smtClean="0">
-                          <a:solidFill>
-                            <a:srgbClr val="000000"/>
-                          </a:solidFill>
-                          <a:effectLst/>
-                          <a:latin typeface="Segoe UI" panose="020B0502040204020203" pitchFamily="34" charset="0"/>
-                          <a:ea typeface="Segoe UI" panose="020B0502040204020203" pitchFamily="34" charset="0"/>
-                          <a:cs typeface="Segoe UI" panose="020B0502040204020203" pitchFamily="34" charset="0"/>
-                        </a:rPr>
-                        <a:t>IP address to be set for </a:t>
-                      </a:r>
-                      <a:r>
-                        <a:rPr lang="en-US" altLang="ja-JP" sz="900" b="1" kern="100" dirty="0" smtClean="0">
-                          <a:effectLst/>
-                          <a:latin typeface="Segoe UI" panose="020B0502040204020203" pitchFamily="34" charset="0"/>
-                          <a:ea typeface="Segoe UI" panose="020B0502040204020203" pitchFamily="34" charset="0"/>
-                          <a:cs typeface="Segoe UI" panose="020B0502040204020203" pitchFamily="34" charset="0"/>
-                        </a:rPr>
-                        <a:t>netmask</a:t>
-                      </a:r>
-                      <a:r>
-                        <a:rPr lang="en-US" sz="900" b="0" i="0" u="none" kern="100" dirty="0" smtClean="0">
-                          <a:solidFill>
-                            <a:srgbClr val="000000"/>
-                          </a:solidFill>
-                          <a:effectLst/>
-                          <a:latin typeface="Segoe UI" panose="020B0502040204020203" pitchFamily="34" charset="0"/>
-                          <a:ea typeface="Segoe UI" panose="020B0502040204020203" pitchFamily="34" charset="0"/>
-                          <a:cs typeface="Segoe UI" panose="020B0502040204020203" pitchFamily="34" charset="0"/>
-                        </a:rPr>
-                        <a:t> of dhcp.template</a:t>
-                      </a:r>
-                      <a:endParaRPr lang="ja-JP" sz="900" b="0" i="0" u="none" kern="100" dirty="0">
-                        <a:solidFill>
-                          <a:srgbClr val="000000"/>
-                        </a:solidFill>
-                        <a:effectLst/>
-                        <a:latin typeface="Segoe UI" panose="020B0502040204020203" pitchFamily="34" charset="0"/>
-                        <a:ea typeface="ＭＳ 明朝" panose="02020609040205080304" pitchFamily="17" charset="-128"/>
-                        <a:cs typeface="Segoe UI" panose="020B0502040204020203" pitchFamily="34" charset="0"/>
-                      </a:endParaRPr>
-                    </a:p>
-                  </a:txBody>
-                  <a:tcPr marL="55979" marR="55979" marT="0" marB="0" anchor="ctr">
-                    <a:solidFill>
-                      <a:srgbClr val="E7E8EA"/>
-                    </a:solidFill>
-                  </a:tcPr>
-                </a:tc>
-                <a:extLst>
-                  <a:ext uri="{0D108BD9-81ED-4DB2-BD59-A6C34878D82A}">
-                    <a16:rowId xmlns:a16="http://schemas.microsoft.com/office/drawing/2014/main" xmlns="" val="10008"/>
-                  </a:ext>
-                </a:extLst>
-              </a:tr>
-              <a:tr h="321517">
-                <a:tc>
-                  <a:txBody>
-                    <a:bodyPr/>
-                    <a:lstStyle/>
-                    <a:p>
-                      <a:pPr algn="just">
-                        <a:spcAft>
-                          <a:spcPts val="0"/>
-                        </a:spcAft>
-                      </a:pPr>
-                      <a:r>
-                        <a:rPr lang="en-US" sz="1000" kern="100" dirty="0" smtClean="0">
-                          <a:solidFill>
-                            <a:schemeClr val="bg1"/>
-                          </a:solidFill>
-                          <a:effectLst/>
-                          <a:latin typeface="Segoe UI" panose="020B0502040204020203" pitchFamily="34" charset="0"/>
-                          <a:ea typeface="Segoe UI" panose="020B0502040204020203" pitchFamily="34" charset="0"/>
-                          <a:cs typeface="Segoe UI" panose="020B0502040204020203" pitchFamily="34" charset="0"/>
-                        </a:rPr>
-                        <a:t>cobbler_gateway</a:t>
-                      </a:r>
-                      <a:endParaRPr lang="ja-JP" sz="1000" kern="100" dirty="0">
-                        <a:solidFill>
-                          <a:schemeClr val="bg1"/>
-                        </a:solidFill>
-                        <a:effectLst/>
-                        <a:latin typeface="Segoe UI" panose="020B0502040204020203" pitchFamily="34" charset="0"/>
-                        <a:cs typeface="Segoe UI" panose="020B0502040204020203" pitchFamily="34" charset="0"/>
-                      </a:endParaRPr>
-                    </a:p>
-                  </a:txBody>
-                  <a:tcPr marL="55979" marR="55979" marT="0" marB="0" anchor="ctr">
-                    <a:solidFill>
-                      <a:srgbClr val="002B62"/>
-                    </a:solidFill>
-                  </a:tcPr>
-                </a:tc>
-                <a:tc>
-                  <a:txBody>
-                    <a:bodyPr/>
-                    <a:lstStyle/>
-                    <a:p>
-                      <a:pPr algn="l">
-                        <a:spcAft>
-                          <a:spcPts val="0"/>
-                        </a:spcAft>
-                      </a:pPr>
-                      <a:r>
-                        <a:rPr lang="en-US" altLang="ja-JP" sz="900" kern="100" baseline="0" dirty="0" smtClean="0">
-                          <a:effectLst/>
-                          <a:latin typeface="Segoe UI" panose="020B0502040204020203" pitchFamily="34" charset="0"/>
-                          <a:ea typeface="Segoe UI" panose="020B0502040204020203" pitchFamily="34" charset="0"/>
-                          <a:cs typeface="Segoe UI" panose="020B0502040204020203" pitchFamily="34" charset="0"/>
-                        </a:rPr>
-                        <a:t>For </a:t>
-                      </a:r>
-                      <a:r>
-                        <a:rPr lang="en-US" altLang="ja-JP" sz="900" kern="100" dirty="0" smtClean="0">
-                          <a:effectLst/>
-                          <a:latin typeface="Segoe UI" panose="020B0502040204020203" pitchFamily="34" charset="0"/>
-                          <a:ea typeface="Segoe UI" panose="020B0502040204020203" pitchFamily="34" charset="0"/>
-                          <a:cs typeface="Segoe UI" panose="020B0502040204020203" pitchFamily="34" charset="0"/>
-                        </a:rPr>
-                        <a:t>Cobbler</a:t>
-                      </a:r>
-                      <a:endParaRPr lang="ja-JP" altLang="ja-JP" sz="900" kern="100" dirty="0">
-                        <a:effectLst/>
-                        <a:latin typeface="Segoe UI" panose="020B0502040204020203" pitchFamily="34" charset="0"/>
-                        <a:ea typeface="ＭＳ 明朝" panose="02020609040205080304" pitchFamily="17" charset="-128"/>
-                        <a:cs typeface="Segoe UI" panose="020B0502040204020203" pitchFamily="34" charset="0"/>
-                      </a:endParaRPr>
-                    </a:p>
-                  </a:txBody>
-                  <a:tcPr marL="55979" marR="55979" marT="0" marB="0" anchor="ctr">
-                    <a:solidFill>
-                      <a:srgbClr val="CBCDD3"/>
-                    </a:solidFill>
-                  </a:tcPr>
-                </a:tc>
-                <a:tc>
-                  <a:txBody>
-                    <a:bodyPr/>
-                    <a:lstStyle/>
-                    <a:p>
-                      <a:pPr algn="ctr">
-                        <a:spcAft>
-                          <a:spcPts val="0"/>
-                        </a:spcAft>
-                      </a:pPr>
-                      <a:r>
-                        <a:rPr lang="en-US" sz="900" kern="100" dirty="0">
-                          <a:effectLst/>
-                          <a:latin typeface="Segoe UI" panose="020B0502040204020203" pitchFamily="34" charset="0"/>
-                          <a:ea typeface="Segoe UI" panose="020B0502040204020203" pitchFamily="34" charset="0"/>
-                          <a:cs typeface="Segoe UI" panose="020B0502040204020203" pitchFamily="34" charset="0"/>
-                        </a:rPr>
-                        <a:t>-</a:t>
-                      </a:r>
-                      <a:endParaRPr lang="ja-JP" sz="900" kern="100" dirty="0">
-                        <a:effectLst/>
-                        <a:latin typeface="Segoe UI" panose="020B0502040204020203" pitchFamily="34" charset="0"/>
-                        <a:ea typeface="ＭＳ 明朝" panose="02020609040205080304" pitchFamily="17" charset="-128"/>
-                        <a:cs typeface="Segoe UI" panose="020B0502040204020203" pitchFamily="34" charset="0"/>
-                      </a:endParaRPr>
-                    </a:p>
-                  </a:txBody>
-                  <a:tcPr marL="55979" marR="55979" marT="0" marB="0" anchor="ctr">
-                    <a:solidFill>
-                      <a:srgbClr val="CBCDD3"/>
-                    </a:solidFill>
-                  </a:tcPr>
-                </a:tc>
-                <a:tc>
-                  <a:txBody>
-                    <a:bodyPr/>
-                    <a:lstStyle/>
-                    <a:p>
-                      <a:pPr algn="l">
-                        <a:spcAft>
-                          <a:spcPts val="0"/>
-                        </a:spcAft>
-                      </a:pPr>
-                      <a:r>
-                        <a:rPr lang="en-US" sz="900" b="0" i="0" u="none" kern="100" dirty="0" smtClean="0">
-                          <a:solidFill>
-                            <a:srgbClr val="000000"/>
-                          </a:solidFill>
-                          <a:effectLst/>
-                          <a:latin typeface="Segoe UI" panose="020B0502040204020203" pitchFamily="34" charset="0"/>
-                          <a:ea typeface="Segoe UI" panose="020B0502040204020203" pitchFamily="34" charset="0"/>
-                          <a:cs typeface="Segoe UI" panose="020B0502040204020203" pitchFamily="34" charset="0"/>
-                        </a:rPr>
-                        <a:t>IP address to be set for </a:t>
-                      </a:r>
-                      <a:r>
-                        <a:rPr lang="en-US" altLang="ja-JP" sz="900" b="1" kern="100" dirty="0" smtClean="0">
-                          <a:effectLst/>
-                          <a:latin typeface="Segoe UI" panose="020B0502040204020203" pitchFamily="34" charset="0"/>
-                          <a:ea typeface="Segoe UI" panose="020B0502040204020203" pitchFamily="34" charset="0"/>
-                          <a:cs typeface="Segoe UI" panose="020B0502040204020203" pitchFamily="34" charset="0"/>
-                        </a:rPr>
-                        <a:t>option routers</a:t>
-                      </a:r>
-                      <a:r>
-                        <a:rPr lang="en-US" sz="900" b="0" i="0" u="none" kern="100" dirty="0" smtClean="0">
-                          <a:solidFill>
-                            <a:srgbClr val="000000"/>
-                          </a:solidFill>
-                          <a:effectLst/>
-                          <a:latin typeface="Segoe UI" panose="020B0502040204020203" pitchFamily="34" charset="0"/>
-                          <a:ea typeface="Segoe UI" panose="020B0502040204020203" pitchFamily="34" charset="0"/>
-                          <a:cs typeface="Segoe UI" panose="020B0502040204020203" pitchFamily="34" charset="0"/>
-                        </a:rPr>
-                        <a:t> of dhcp.template</a:t>
-                      </a:r>
-                      <a:endParaRPr lang="ja-JP" sz="900" b="0" i="0" u="none" kern="100" dirty="0">
-                        <a:solidFill>
-                          <a:srgbClr val="000000"/>
-                        </a:solidFill>
-                        <a:effectLst/>
-                        <a:latin typeface="Segoe UI" panose="020B0502040204020203" pitchFamily="34" charset="0"/>
-                        <a:ea typeface="ＭＳ 明朝" panose="02020609040205080304" pitchFamily="17" charset="-128"/>
-                        <a:cs typeface="Segoe UI" panose="020B0502040204020203" pitchFamily="34" charset="0"/>
-                      </a:endParaRPr>
-                    </a:p>
-                  </a:txBody>
-                  <a:tcPr marL="55979" marR="55979" marT="0" marB="0" anchor="ctr">
-                    <a:solidFill>
-                      <a:srgbClr val="CBCDD3"/>
-                    </a:solidFill>
-                  </a:tcPr>
-                </a:tc>
-                <a:extLst>
-                  <a:ext uri="{0D108BD9-81ED-4DB2-BD59-A6C34878D82A}">
-                    <a16:rowId xmlns:a16="http://schemas.microsoft.com/office/drawing/2014/main" xmlns="" val="10009"/>
-                  </a:ext>
-                </a:extLst>
-              </a:tr>
-              <a:tr h="321517">
-                <a:tc>
-                  <a:txBody>
-                    <a:bodyPr/>
-                    <a:lstStyle/>
-                    <a:p>
-                      <a:pPr algn="just">
-                        <a:spcAft>
-                          <a:spcPts val="0"/>
-                        </a:spcAft>
-                      </a:pPr>
-                      <a:r>
-                        <a:rPr lang="en-US" sz="1000" kern="100" dirty="0" smtClean="0">
-                          <a:solidFill>
-                            <a:schemeClr val="bg1"/>
-                          </a:solidFill>
-                          <a:effectLst/>
-                          <a:latin typeface="Segoe UI" panose="020B0502040204020203" pitchFamily="34" charset="0"/>
-                          <a:ea typeface="Segoe UI" panose="020B0502040204020203" pitchFamily="34" charset="0"/>
-                          <a:cs typeface="Segoe UI" panose="020B0502040204020203" pitchFamily="34" charset="0"/>
-                        </a:rPr>
-                        <a:t>cobbler_dns</a:t>
-                      </a:r>
-                      <a:endParaRPr lang="ja-JP" sz="1000" kern="100" dirty="0">
-                        <a:solidFill>
-                          <a:schemeClr val="bg1"/>
-                        </a:solidFill>
-                        <a:effectLst/>
-                        <a:latin typeface="Segoe UI" panose="020B0502040204020203" pitchFamily="34" charset="0"/>
-                        <a:cs typeface="Segoe UI" panose="020B0502040204020203" pitchFamily="34" charset="0"/>
-                      </a:endParaRPr>
-                    </a:p>
-                  </a:txBody>
-                  <a:tcPr marL="55979" marR="55979" marT="0" marB="0" anchor="ctr">
-                    <a:solidFill>
-                      <a:srgbClr val="002B62"/>
-                    </a:solidFill>
-                  </a:tcPr>
-                </a:tc>
-                <a:tc>
-                  <a:txBody>
-                    <a:bodyPr/>
-                    <a:lstStyle/>
-                    <a:p>
-                      <a:pPr algn="l">
-                        <a:spcAft>
-                          <a:spcPts val="0"/>
-                        </a:spcAft>
-                      </a:pPr>
-                      <a:r>
-                        <a:rPr lang="en-US" altLang="ja-JP" sz="900" kern="100" baseline="0" dirty="0" smtClean="0">
-                          <a:effectLst/>
-                          <a:latin typeface="Segoe UI" panose="020B0502040204020203" pitchFamily="34" charset="0"/>
-                          <a:ea typeface="Segoe UI" panose="020B0502040204020203" pitchFamily="34" charset="0"/>
-                          <a:cs typeface="Segoe UI" panose="020B0502040204020203" pitchFamily="34" charset="0"/>
-                        </a:rPr>
-                        <a:t>For </a:t>
-                      </a:r>
-                      <a:r>
-                        <a:rPr lang="en-US" altLang="ja-JP" sz="900" kern="100" dirty="0" smtClean="0">
-                          <a:effectLst/>
-                          <a:latin typeface="Segoe UI" panose="020B0502040204020203" pitchFamily="34" charset="0"/>
-                          <a:ea typeface="Segoe UI" panose="020B0502040204020203" pitchFamily="34" charset="0"/>
-                          <a:cs typeface="Segoe UI" panose="020B0502040204020203" pitchFamily="34" charset="0"/>
-                        </a:rPr>
-                        <a:t>Cobbler</a:t>
-                      </a:r>
-                      <a:endParaRPr lang="ja-JP" altLang="ja-JP" sz="900" kern="100" dirty="0">
-                        <a:effectLst/>
-                        <a:latin typeface="Segoe UI" panose="020B0502040204020203" pitchFamily="34" charset="0"/>
-                        <a:ea typeface="ＭＳ 明朝" panose="02020609040205080304" pitchFamily="17" charset="-128"/>
-                        <a:cs typeface="Segoe UI" panose="020B0502040204020203" pitchFamily="34" charset="0"/>
-                      </a:endParaRPr>
-                    </a:p>
-                  </a:txBody>
-                  <a:tcPr marL="55979" marR="55979" marT="0" marB="0" anchor="ctr">
-                    <a:solidFill>
-                      <a:srgbClr val="E7E8EA"/>
-                    </a:solidFill>
-                  </a:tcPr>
-                </a:tc>
-                <a:tc>
-                  <a:txBody>
-                    <a:bodyPr/>
-                    <a:lstStyle/>
-                    <a:p>
-                      <a:pPr algn="ctr">
-                        <a:spcAft>
-                          <a:spcPts val="0"/>
-                        </a:spcAft>
-                      </a:pPr>
-                      <a:r>
-                        <a:rPr lang="en-US" sz="900" kern="100" dirty="0">
-                          <a:effectLst/>
-                          <a:latin typeface="Segoe UI" panose="020B0502040204020203" pitchFamily="34" charset="0"/>
-                          <a:ea typeface="Segoe UI" panose="020B0502040204020203" pitchFamily="34" charset="0"/>
-                          <a:cs typeface="Segoe UI" panose="020B0502040204020203" pitchFamily="34" charset="0"/>
-                        </a:rPr>
-                        <a:t>-</a:t>
-                      </a:r>
-                      <a:endParaRPr lang="ja-JP" sz="900" kern="100" dirty="0">
-                        <a:effectLst/>
-                        <a:latin typeface="Segoe UI" panose="020B0502040204020203" pitchFamily="34" charset="0"/>
-                        <a:ea typeface="ＭＳ 明朝" panose="02020609040205080304" pitchFamily="17" charset="-128"/>
-                        <a:cs typeface="Segoe UI" panose="020B0502040204020203" pitchFamily="34" charset="0"/>
-                      </a:endParaRPr>
-                    </a:p>
-                  </a:txBody>
-                  <a:tcPr marL="55979" marR="55979" marT="0" marB="0" anchor="ctr">
-                    <a:solidFill>
-                      <a:srgbClr val="E7E8EA"/>
-                    </a:solidFill>
-                  </a:tcPr>
-                </a:tc>
-                <a:tc>
-                  <a:txBody>
-                    <a:bodyPr/>
-                    <a:lstStyle/>
-                    <a:p>
-                      <a:pPr algn="l">
-                        <a:spcAft>
-                          <a:spcPts val="0"/>
-                        </a:spcAft>
-                      </a:pPr>
-                      <a:r>
-                        <a:rPr lang="en-US" sz="900" b="0" i="0" u="none" kern="100" dirty="0" smtClean="0">
-                          <a:solidFill>
-                            <a:srgbClr val="000000"/>
-                          </a:solidFill>
-                          <a:effectLst/>
-                          <a:latin typeface="Segoe UI" panose="020B0502040204020203" pitchFamily="34" charset="0"/>
-                          <a:ea typeface="Segoe UI" panose="020B0502040204020203" pitchFamily="34" charset="0"/>
-                          <a:cs typeface="Segoe UI" panose="020B0502040204020203" pitchFamily="34" charset="0"/>
-                        </a:rPr>
-                        <a:t>IP address to be set for </a:t>
-                      </a:r>
-                      <a:r>
-                        <a:rPr lang="en-US" altLang="ja-JP" sz="900" b="1" kern="100" dirty="0" smtClean="0">
-                          <a:effectLst/>
-                          <a:latin typeface="Segoe UI" panose="020B0502040204020203" pitchFamily="34" charset="0"/>
-                          <a:ea typeface="Segoe UI" panose="020B0502040204020203" pitchFamily="34" charset="0"/>
-                          <a:cs typeface="Segoe UI" panose="020B0502040204020203" pitchFamily="34" charset="0"/>
-                        </a:rPr>
-                        <a:t>domain-name-servers</a:t>
-                      </a:r>
-                      <a:r>
-                        <a:rPr lang="en-US" sz="900" b="0" i="0" u="none" kern="100" dirty="0" smtClean="0">
-                          <a:solidFill>
-                            <a:srgbClr val="000000"/>
-                          </a:solidFill>
-                          <a:effectLst/>
-                          <a:latin typeface="Segoe UI" panose="020B0502040204020203" pitchFamily="34" charset="0"/>
-                          <a:ea typeface="Segoe UI" panose="020B0502040204020203" pitchFamily="34" charset="0"/>
-                          <a:cs typeface="Segoe UI" panose="020B0502040204020203" pitchFamily="34" charset="0"/>
-                        </a:rPr>
-                        <a:t> of dhcp.template</a:t>
-                      </a:r>
-                      <a:endParaRPr lang="ja-JP" sz="900" kern="100" dirty="0">
-                        <a:effectLst/>
-                        <a:latin typeface="Segoe UI" panose="020B0502040204020203" pitchFamily="34" charset="0"/>
-                        <a:ea typeface="ＭＳ 明朝" panose="02020609040205080304" pitchFamily="17" charset="-128"/>
-                        <a:cs typeface="Segoe UI" panose="020B0502040204020203" pitchFamily="34" charset="0"/>
-                      </a:endParaRPr>
-                    </a:p>
-                  </a:txBody>
-                  <a:tcPr marL="55979" marR="55979" marT="0" marB="0" anchor="ctr">
-                    <a:solidFill>
-                      <a:srgbClr val="E7E8EA"/>
-                    </a:solidFill>
-                  </a:tcPr>
-                </a:tc>
-                <a:extLst>
-                  <a:ext uri="{0D108BD9-81ED-4DB2-BD59-A6C34878D82A}">
-                    <a16:rowId xmlns:a16="http://schemas.microsoft.com/office/drawing/2014/main" xmlns="" val="10010"/>
-                  </a:ext>
-                </a:extLst>
-              </a:tr>
-              <a:tr h="321517">
-                <a:tc>
-                  <a:txBody>
-                    <a:bodyPr/>
-                    <a:lstStyle/>
-                    <a:p>
-                      <a:pPr algn="just">
-                        <a:spcAft>
-                          <a:spcPts val="0"/>
-                        </a:spcAft>
-                      </a:pPr>
-                      <a:r>
-                        <a:rPr lang="en-US" sz="1000" kern="100" dirty="0" smtClean="0">
-                          <a:solidFill>
-                            <a:schemeClr val="bg1"/>
-                          </a:solidFill>
-                          <a:effectLst/>
-                          <a:latin typeface="Segoe UI" panose="020B0502040204020203" pitchFamily="34" charset="0"/>
-                          <a:ea typeface="Segoe UI" panose="020B0502040204020203" pitchFamily="34" charset="0"/>
-                          <a:cs typeface="Segoe UI" panose="020B0502040204020203" pitchFamily="34" charset="0"/>
-                        </a:rPr>
-                        <a:t>dynamic_address_min</a:t>
-                      </a:r>
-                      <a:endParaRPr lang="ja-JP" sz="1000" kern="100" dirty="0">
-                        <a:solidFill>
-                          <a:schemeClr val="bg1"/>
-                        </a:solidFill>
-                        <a:effectLst/>
-                        <a:latin typeface="Segoe UI" panose="020B0502040204020203" pitchFamily="34" charset="0"/>
-                        <a:cs typeface="Segoe UI" panose="020B0502040204020203" pitchFamily="34" charset="0"/>
-                      </a:endParaRPr>
-                    </a:p>
-                  </a:txBody>
-                  <a:tcPr marL="55979" marR="55979" marT="0" marB="0" anchor="ctr">
-                    <a:solidFill>
-                      <a:srgbClr val="002B62"/>
-                    </a:solidFill>
-                  </a:tcPr>
-                </a:tc>
-                <a:tc>
-                  <a:txBody>
-                    <a:bodyPr/>
-                    <a:lstStyle/>
-                    <a:p>
-                      <a:pPr algn="l">
-                        <a:spcAft>
-                          <a:spcPts val="0"/>
-                        </a:spcAft>
-                      </a:pPr>
-                      <a:r>
-                        <a:rPr lang="en-US" altLang="ja-JP" sz="900" kern="100" baseline="0" dirty="0" smtClean="0">
-                          <a:effectLst/>
-                          <a:latin typeface="Segoe UI" panose="020B0502040204020203" pitchFamily="34" charset="0"/>
-                          <a:ea typeface="Segoe UI" panose="020B0502040204020203" pitchFamily="34" charset="0"/>
-                          <a:cs typeface="Segoe UI" panose="020B0502040204020203" pitchFamily="34" charset="0"/>
-                        </a:rPr>
-                        <a:t>For </a:t>
-                      </a:r>
-                      <a:r>
-                        <a:rPr lang="en-US" altLang="ja-JP" sz="900" kern="100" dirty="0" smtClean="0">
-                          <a:effectLst/>
-                          <a:latin typeface="Segoe UI" panose="020B0502040204020203" pitchFamily="34" charset="0"/>
-                          <a:ea typeface="Segoe UI" panose="020B0502040204020203" pitchFamily="34" charset="0"/>
-                          <a:cs typeface="Segoe UI" panose="020B0502040204020203" pitchFamily="34" charset="0"/>
-                        </a:rPr>
-                        <a:t>Cobbler</a:t>
-                      </a:r>
-                      <a:endParaRPr lang="ja-JP" altLang="ja-JP" sz="900" kern="100" dirty="0">
-                        <a:effectLst/>
-                        <a:latin typeface="Segoe UI" panose="020B0502040204020203" pitchFamily="34" charset="0"/>
-                        <a:ea typeface="ＭＳ 明朝" panose="02020609040205080304" pitchFamily="17" charset="-128"/>
-                        <a:cs typeface="Segoe UI" panose="020B0502040204020203" pitchFamily="34" charset="0"/>
-                      </a:endParaRPr>
-                    </a:p>
-                  </a:txBody>
-                  <a:tcPr marL="55979" marR="55979" marT="0" marB="0" anchor="ctr">
-                    <a:solidFill>
-                      <a:srgbClr val="CBCDD3"/>
-                    </a:solidFill>
-                  </a:tcPr>
-                </a:tc>
-                <a:tc>
-                  <a:txBody>
-                    <a:bodyPr/>
-                    <a:lstStyle/>
-                    <a:p>
-                      <a:pPr algn="ctr">
-                        <a:spcAft>
-                          <a:spcPts val="0"/>
-                        </a:spcAft>
-                      </a:pPr>
-                      <a:r>
-                        <a:rPr lang="en-US" sz="900" kern="100" dirty="0">
-                          <a:effectLst/>
-                          <a:latin typeface="Segoe UI" panose="020B0502040204020203" pitchFamily="34" charset="0"/>
-                          <a:ea typeface="Segoe UI" panose="020B0502040204020203" pitchFamily="34" charset="0"/>
-                          <a:cs typeface="Segoe UI" panose="020B0502040204020203" pitchFamily="34" charset="0"/>
-                        </a:rPr>
-                        <a:t>-</a:t>
-                      </a:r>
-                      <a:endParaRPr lang="ja-JP" sz="900" kern="100" dirty="0">
-                        <a:effectLst/>
-                        <a:latin typeface="Segoe UI" panose="020B0502040204020203" pitchFamily="34" charset="0"/>
-                        <a:ea typeface="ＭＳ 明朝" panose="02020609040205080304" pitchFamily="17" charset="-128"/>
-                        <a:cs typeface="Segoe UI" panose="020B0502040204020203" pitchFamily="34" charset="0"/>
-                      </a:endParaRPr>
-                    </a:p>
-                  </a:txBody>
-                  <a:tcPr marL="55979" marR="55979" marT="0" marB="0" anchor="ctr">
-                    <a:solidFill>
-                      <a:srgbClr val="CBCDD3"/>
-                    </a:solidFill>
-                  </a:tcPr>
-                </a:tc>
-                <a:tc>
-                  <a:txBody>
-                    <a:bodyPr/>
-                    <a:lstStyle/>
-                    <a:p>
-                      <a:pPr algn="l">
-                        <a:spcAft>
-                          <a:spcPts val="0"/>
-                        </a:spcAft>
-                      </a:pPr>
-                      <a:r>
-                        <a:rPr lang="en-US" sz="900" b="0" i="0" u="none" kern="100" dirty="0" smtClean="0">
-                          <a:solidFill>
-                            <a:srgbClr val="000000"/>
-                          </a:solidFill>
-                          <a:effectLst/>
-                          <a:latin typeface="Segoe UI" panose="020B0502040204020203" pitchFamily="34" charset="0"/>
-                          <a:ea typeface="Segoe UI" panose="020B0502040204020203" pitchFamily="34" charset="0"/>
-                          <a:cs typeface="Segoe UI" panose="020B0502040204020203" pitchFamily="34" charset="0"/>
-                        </a:rPr>
-                        <a:t>IP address (minimum value) to be set for </a:t>
-                      </a:r>
-                      <a:r>
-                        <a:rPr lang="en-US" altLang="ja-JP" sz="900" b="1" kern="100" dirty="0" smtClean="0">
-                          <a:effectLst/>
-                          <a:latin typeface="Segoe UI" panose="020B0502040204020203" pitchFamily="34" charset="0"/>
-                          <a:ea typeface="Segoe UI" panose="020B0502040204020203" pitchFamily="34" charset="0"/>
-                          <a:cs typeface="Segoe UI" panose="020B0502040204020203" pitchFamily="34" charset="0"/>
-                        </a:rPr>
-                        <a:t>range dynamic-bootp</a:t>
-                      </a:r>
-                      <a:r>
-                        <a:rPr lang="en-US" sz="900" b="0" i="0" u="none" kern="100" dirty="0" smtClean="0">
-                          <a:solidFill>
-                            <a:srgbClr val="000000"/>
-                          </a:solidFill>
-                          <a:effectLst/>
-                          <a:latin typeface="Segoe UI" panose="020B0502040204020203" pitchFamily="34" charset="0"/>
-                          <a:ea typeface="Segoe UI" panose="020B0502040204020203" pitchFamily="34" charset="0"/>
-                          <a:cs typeface="Segoe UI" panose="020B0502040204020203" pitchFamily="34" charset="0"/>
-                        </a:rPr>
-                        <a:t> of dhcp.template</a:t>
-                      </a:r>
-                      <a:endParaRPr lang="ja-JP" sz="900" kern="100" dirty="0">
-                        <a:effectLst/>
-                        <a:latin typeface="Segoe UI" panose="020B0502040204020203" pitchFamily="34" charset="0"/>
-                        <a:ea typeface="ＭＳ 明朝" panose="02020609040205080304" pitchFamily="17" charset="-128"/>
-                        <a:cs typeface="Segoe UI" panose="020B0502040204020203" pitchFamily="34" charset="0"/>
-                      </a:endParaRPr>
-                    </a:p>
-                  </a:txBody>
-                  <a:tcPr marL="55979" marR="55979" marT="0" marB="0" anchor="ctr">
-                    <a:solidFill>
-                      <a:srgbClr val="CBCDD3"/>
-                    </a:solidFill>
-                  </a:tcPr>
-                </a:tc>
-                <a:extLst>
-                  <a:ext uri="{0D108BD9-81ED-4DB2-BD59-A6C34878D82A}">
-                    <a16:rowId xmlns:a16="http://schemas.microsoft.com/office/drawing/2014/main" xmlns="" val="10011"/>
-                  </a:ext>
-                </a:extLst>
-              </a:tr>
-              <a:tr h="321517">
-                <a:tc>
-                  <a:txBody>
-                    <a:bodyPr/>
-                    <a:lstStyle/>
-                    <a:p>
-                      <a:pPr algn="just">
-                        <a:spcAft>
-                          <a:spcPts val="0"/>
-                        </a:spcAft>
-                      </a:pPr>
-                      <a:r>
-                        <a:rPr lang="en-US" sz="1000" kern="100" dirty="0" smtClean="0">
-                          <a:solidFill>
-                            <a:schemeClr val="bg1"/>
-                          </a:solidFill>
-                          <a:effectLst/>
-                          <a:latin typeface="Segoe UI" panose="020B0502040204020203" pitchFamily="34" charset="0"/>
-                          <a:ea typeface="Segoe UI" panose="020B0502040204020203" pitchFamily="34" charset="0"/>
-                          <a:cs typeface="Segoe UI" panose="020B0502040204020203" pitchFamily="34" charset="0"/>
-                        </a:rPr>
-                        <a:t>dynamic_address_max</a:t>
-                      </a:r>
-                      <a:endParaRPr lang="ja-JP" sz="1000" kern="100" dirty="0">
-                        <a:solidFill>
-                          <a:schemeClr val="bg1"/>
-                        </a:solidFill>
-                        <a:effectLst/>
-                        <a:latin typeface="Segoe UI" panose="020B0502040204020203" pitchFamily="34" charset="0"/>
-                        <a:cs typeface="Segoe UI" panose="020B0502040204020203" pitchFamily="34" charset="0"/>
-                      </a:endParaRPr>
-                    </a:p>
-                  </a:txBody>
-                  <a:tcPr marL="55979" marR="55979" marT="0" marB="0" anchor="ctr">
-                    <a:solidFill>
-                      <a:srgbClr val="002B62"/>
-                    </a:solidFill>
-                  </a:tcPr>
-                </a:tc>
-                <a:tc>
-                  <a:txBody>
-                    <a:bodyPr/>
-                    <a:lstStyle/>
-                    <a:p>
-                      <a:pPr algn="l">
-                        <a:spcAft>
-                          <a:spcPts val="0"/>
-                        </a:spcAft>
-                      </a:pPr>
-                      <a:r>
-                        <a:rPr lang="en-US" altLang="ja-JP" sz="900" kern="100" baseline="0" dirty="0" smtClean="0">
-                          <a:effectLst/>
-                          <a:latin typeface="Segoe UI" panose="020B0502040204020203" pitchFamily="34" charset="0"/>
-                          <a:ea typeface="Segoe UI" panose="020B0502040204020203" pitchFamily="34" charset="0"/>
-                          <a:cs typeface="Segoe UI" panose="020B0502040204020203" pitchFamily="34" charset="0"/>
-                        </a:rPr>
-                        <a:t>For </a:t>
-                      </a:r>
-                      <a:r>
-                        <a:rPr lang="en-US" altLang="ja-JP" sz="900" kern="100" dirty="0" smtClean="0">
-                          <a:effectLst/>
-                          <a:latin typeface="Segoe UI" panose="020B0502040204020203" pitchFamily="34" charset="0"/>
-                          <a:ea typeface="Segoe UI" panose="020B0502040204020203" pitchFamily="34" charset="0"/>
-                          <a:cs typeface="Segoe UI" panose="020B0502040204020203" pitchFamily="34" charset="0"/>
-                        </a:rPr>
-                        <a:t>Cobbler</a:t>
-                      </a:r>
-                      <a:endParaRPr lang="ja-JP" altLang="ja-JP" sz="900" kern="100" dirty="0">
-                        <a:effectLst/>
-                        <a:latin typeface="Segoe UI" panose="020B0502040204020203" pitchFamily="34" charset="0"/>
-                        <a:ea typeface="ＭＳ 明朝" panose="02020609040205080304" pitchFamily="17" charset="-128"/>
-                        <a:cs typeface="Segoe UI" panose="020B0502040204020203" pitchFamily="34" charset="0"/>
-                      </a:endParaRPr>
-                    </a:p>
-                  </a:txBody>
-                  <a:tcPr marL="55979" marR="55979" marT="0" marB="0" anchor="ctr">
-                    <a:solidFill>
-                      <a:srgbClr val="E7E8EA"/>
-                    </a:solidFill>
-                  </a:tcPr>
-                </a:tc>
-                <a:tc>
-                  <a:txBody>
-                    <a:bodyPr/>
-                    <a:lstStyle/>
-                    <a:p>
-                      <a:pPr algn="ctr">
-                        <a:spcAft>
-                          <a:spcPts val="0"/>
-                        </a:spcAft>
-                      </a:pPr>
-                      <a:r>
-                        <a:rPr lang="en-US" sz="900" kern="100" dirty="0">
-                          <a:effectLst/>
-                          <a:latin typeface="Segoe UI" panose="020B0502040204020203" pitchFamily="34" charset="0"/>
-                          <a:ea typeface="Segoe UI" panose="020B0502040204020203" pitchFamily="34" charset="0"/>
-                          <a:cs typeface="Segoe UI" panose="020B0502040204020203" pitchFamily="34" charset="0"/>
-                        </a:rPr>
-                        <a:t>-</a:t>
-                      </a:r>
-                      <a:endParaRPr lang="ja-JP" sz="900" kern="100" dirty="0">
-                        <a:effectLst/>
-                        <a:latin typeface="Segoe UI" panose="020B0502040204020203" pitchFamily="34" charset="0"/>
-                        <a:ea typeface="ＭＳ 明朝" panose="02020609040205080304" pitchFamily="17" charset="-128"/>
-                        <a:cs typeface="Segoe UI" panose="020B0502040204020203" pitchFamily="34" charset="0"/>
-                      </a:endParaRPr>
-                    </a:p>
-                  </a:txBody>
-                  <a:tcPr marL="55979" marR="55979" marT="0" marB="0" anchor="ctr">
-                    <a:solidFill>
-                      <a:srgbClr val="E7E8EA"/>
-                    </a:solidFill>
-                  </a:tcPr>
-                </a:tc>
-                <a:tc>
-                  <a:txBody>
-                    <a:bodyPr/>
-                    <a:lstStyle/>
-                    <a:p>
-                      <a:pPr algn="l">
-                        <a:spcAft>
-                          <a:spcPts val="0"/>
-                        </a:spcAft>
-                      </a:pPr>
-                      <a:r>
-                        <a:rPr lang="en-US" sz="900" b="0" i="0" u="none" kern="100" dirty="0" smtClean="0">
-                          <a:solidFill>
-                            <a:srgbClr val="000000"/>
-                          </a:solidFill>
-                          <a:effectLst/>
-                          <a:latin typeface="Segoe UI" panose="020B0502040204020203" pitchFamily="34" charset="0"/>
-                          <a:ea typeface="Segoe UI" panose="020B0502040204020203" pitchFamily="34" charset="0"/>
-                          <a:cs typeface="Segoe UI" panose="020B0502040204020203" pitchFamily="34" charset="0"/>
-                        </a:rPr>
-                        <a:t>IP address (maximum value) to be set for </a:t>
-                      </a:r>
-                      <a:r>
-                        <a:rPr lang="en-US" sz="900" b="1" i="0" u="none" kern="100" dirty="0" smtClean="0">
-                          <a:solidFill>
-                            <a:srgbClr val="000000"/>
-                          </a:solidFill>
-                          <a:effectLst/>
-                          <a:latin typeface="Segoe UI" panose="020B0502040204020203" pitchFamily="34" charset="0"/>
-                          <a:ea typeface="Segoe UI" panose="020B0502040204020203" pitchFamily="34" charset="0"/>
-                          <a:cs typeface="Segoe UI" panose="020B0502040204020203" pitchFamily="34" charset="0"/>
-                        </a:rPr>
-                        <a:t>range dynamic-bootp</a:t>
-                      </a:r>
-                      <a:r>
-                        <a:rPr lang="en-US" sz="900" b="0" i="0" u="none" kern="100" dirty="0" smtClean="0">
-                          <a:solidFill>
-                            <a:srgbClr val="000000"/>
-                          </a:solidFill>
-                          <a:effectLst/>
-                          <a:latin typeface="Segoe UI" panose="020B0502040204020203" pitchFamily="34" charset="0"/>
-                          <a:ea typeface="Segoe UI" panose="020B0502040204020203" pitchFamily="34" charset="0"/>
-                          <a:cs typeface="Segoe UI" panose="020B0502040204020203" pitchFamily="34" charset="0"/>
-                        </a:rPr>
-                        <a:t> of dhcp.template</a:t>
-                      </a:r>
-                      <a:endParaRPr lang="ja-JP" sz="900" b="0" i="0" u="none" kern="100" dirty="0">
-                        <a:solidFill>
-                          <a:srgbClr val="000000"/>
-                        </a:solidFill>
-                        <a:effectLst/>
-                        <a:latin typeface="Segoe UI" panose="020B0502040204020203" pitchFamily="34" charset="0"/>
-                        <a:ea typeface="ＭＳ 明朝" panose="02020609040205080304" pitchFamily="17" charset="-128"/>
-                        <a:cs typeface="Segoe UI" panose="020B0502040204020203" pitchFamily="34" charset="0"/>
-                      </a:endParaRPr>
-                    </a:p>
-                  </a:txBody>
-                  <a:tcPr marL="55979" marR="55979" marT="0" marB="0" anchor="ctr">
-                    <a:solidFill>
-                      <a:srgbClr val="E7E8EA"/>
-                    </a:solidFill>
-                  </a:tcPr>
-                </a:tc>
-                <a:extLst>
-                  <a:ext uri="{0D108BD9-81ED-4DB2-BD59-A6C34878D82A}">
-                    <a16:rowId xmlns:a16="http://schemas.microsoft.com/office/drawing/2014/main" xmlns="" val="10012"/>
+                    <a16:rowId xmlns:a16="http://schemas.microsoft.com/office/drawing/2014/main" val="10004"/>
                   </a:ext>
                 </a:extLst>
               </a:tr>
@@ -14552,7 +12916,7 @@
         <p:spPr>
           <a:xfrm>
             <a:off x="2303685" y="1647202"/>
-            <a:ext cx="4536630" cy="4626628"/>
+            <a:ext cx="4536630" cy="1845799"/>
           </a:xfrm>
           <a:prstGeom prst="rect">
             <a:avLst/>
@@ -14611,7 +12975,24 @@
                 <a:ea typeface="Segoe UI" panose="020B0502040204020203" pitchFamily="34" charset="0"/>
                 <a:cs typeface="Segoe UI" panose="020B0502040204020203" pitchFamily="34" charset="0"/>
               </a:rPr>
-              <a:t># Select Operation System. ("CentOS6","CentOS7","RHEL6","RHEL7")</a:t>
+              <a:t># Select Operation System. ("</a:t>
+            </a:r>
+            <a:r>
+              <a:rPr kumimoji="0" lang="en-US" sz="900" b="0" i="0" u="none" strike="noStrike" kern="100" cap="none" spc="0" normalizeH="0" baseline="0" noProof="0" dirty="0" smtClean="0">
+                <a:ln>
+                  <a:noFill/>
+                </a:ln>
+                <a:solidFill>
+                  <a:sysClr val="window" lastClr="FFFFFF"/>
+                </a:solidFill>
+                <a:effectLst/>
+                <a:uLnTx/>
+                <a:uFillTx/>
+                <a:latin typeface="Segoe UI" panose="020B0502040204020203" pitchFamily="34" charset="0"/>
+                <a:ea typeface="Segoe UI" panose="020B0502040204020203" pitchFamily="34" charset="0"/>
+                <a:cs typeface="Segoe UI" panose="020B0502040204020203" pitchFamily="34" charset="0"/>
+              </a:rPr>
+              <a:t>CentOS7","CentOS8","RHEL7","RHEL8")</a:t>
             </a:r>
             <a:endParaRPr kumimoji="0" lang="ja-JP" altLang="en-US" sz="1050" b="0" i="0" u="none" strike="noStrike" kern="100" cap="none" spc="0" normalizeH="0" baseline="0" noProof="0" dirty="0">
               <a:ln>
@@ -14661,7 +13042,24 @@
                 <a:ea typeface="Segoe UI" panose="020B0502040204020203" pitchFamily="34" charset="0"/>
                 <a:cs typeface="Segoe UI" panose="020B0502040204020203" pitchFamily="34" charset="0"/>
               </a:rPr>
-              <a:t># e.g) linux_os:RHEL7</a:t>
+              <a:t># e.g) </a:t>
+            </a:r>
+            <a:r>
+              <a:rPr kumimoji="0" lang="en-US" sz="900" b="0" i="0" u="none" strike="noStrike" kern="100" cap="none" spc="0" normalizeH="0" baseline="0" noProof="0" dirty="0" smtClean="0">
+                <a:ln>
+                  <a:noFill/>
+                </a:ln>
+                <a:solidFill>
+                  <a:sysClr val="window" lastClr="FFFFFF"/>
+                </a:solidFill>
+                <a:effectLst/>
+                <a:uLnTx/>
+                <a:uFillTx/>
+                <a:latin typeface="Segoe UI" panose="020B0502040204020203" pitchFamily="34" charset="0"/>
+                <a:ea typeface="Segoe UI" panose="020B0502040204020203" pitchFamily="34" charset="0"/>
+                <a:cs typeface="Segoe UI" panose="020B0502040204020203" pitchFamily="34" charset="0"/>
+              </a:rPr>
+              <a:t>linux_os:RHEL8</a:t>
             </a:r>
             <a:endParaRPr kumimoji="0" lang="ja-JP" altLang="en-US" sz="1050" b="0" i="0" u="none" strike="noStrike" kern="100" cap="none" spc="0" normalizeH="0" baseline="0" noProof="0" dirty="0">
               <a:ln>
@@ -14711,7 +13109,24 @@
                 <a:ea typeface="Segoe UI" panose="020B0502040204020203" pitchFamily="34" charset="0"/>
                 <a:cs typeface="Segoe UI" panose="020B0502040204020203" pitchFamily="34" charset="0"/>
               </a:rPr>
-              <a:t>linux_os: RHEL7</a:t>
+              <a:t>linux_os: </a:t>
+            </a:r>
+            <a:r>
+              <a:rPr kumimoji="0" lang="en-US" sz="900" b="0" i="0" u="none" strike="noStrike" kern="100" cap="none" spc="0" normalizeH="0" baseline="0" noProof="0" dirty="0" smtClean="0">
+                <a:ln>
+                  <a:noFill/>
+                </a:ln>
+                <a:solidFill>
+                  <a:sysClr val="window" lastClr="FFFFFF"/>
+                </a:solidFill>
+                <a:effectLst/>
+                <a:uLnTx/>
+                <a:uFillTx/>
+                <a:latin typeface="Segoe UI" panose="020B0502040204020203" pitchFamily="34" charset="0"/>
+                <a:ea typeface="Segoe UI" panose="020B0502040204020203" pitchFamily="34" charset="0"/>
+                <a:cs typeface="Segoe UI" panose="020B0502040204020203" pitchFamily="34" charset="0"/>
+              </a:rPr>
+              <a:t>RHEL7</a:t>
             </a:r>
             <a:endParaRPr kumimoji="0" lang="ja-JP" altLang="en-US" sz="1050" b="0" i="0" u="none" strike="noStrike" kern="100" cap="none" spc="0" normalizeH="0" baseline="0" noProof="0" dirty="0">
               <a:ln>
@@ -14861,7 +13276,58 @@
                 <a:ea typeface="Segoe UI" panose="020B0502040204020203" pitchFamily="34" charset="0"/>
                 <a:cs typeface="Segoe UI" panose="020B0502040204020203" pitchFamily="34" charset="0"/>
               </a:rPr>
-              <a:t>#Only when you select linux_os with RHEL6 or RHEL7</a:t>
+              <a:t>#Only when you select linux_os with </a:t>
+            </a:r>
+            <a:r>
+              <a:rPr kumimoji="0" lang="en-US" sz="900" b="0" i="0" u="none" strike="noStrike" kern="100" cap="none" spc="0" normalizeH="0" baseline="0" noProof="0" dirty="0" smtClean="0">
+                <a:ln>
+                  <a:noFill/>
+                </a:ln>
+                <a:solidFill>
+                  <a:sysClr val="window" lastClr="FFFFFF"/>
+                </a:solidFill>
+                <a:effectLst/>
+                <a:uLnTx/>
+                <a:uFillTx/>
+                <a:latin typeface="Segoe UI" panose="020B0502040204020203" pitchFamily="34" charset="0"/>
+                <a:ea typeface="Segoe UI" panose="020B0502040204020203" pitchFamily="34" charset="0"/>
+                <a:cs typeface="Segoe UI" panose="020B0502040204020203" pitchFamily="34" charset="0"/>
+              </a:rPr>
+              <a:t>RHEL7 </a:t>
+            </a:r>
+            <a:r>
+              <a:rPr kumimoji="0" lang="en-US" sz="900" b="0" i="0" u="none" strike="noStrike" kern="100" cap="none" spc="0" normalizeH="0" baseline="0" noProof="0" dirty="0">
+                <a:ln>
+                  <a:noFill/>
+                </a:ln>
+                <a:solidFill>
+                  <a:sysClr val="window" lastClr="FFFFFF"/>
+                </a:solidFill>
+                <a:effectLst/>
+                <a:uLnTx/>
+                <a:uFillTx/>
+                <a:latin typeface="Segoe UI" panose="020B0502040204020203" pitchFamily="34" charset="0"/>
+                <a:ea typeface="Segoe UI" panose="020B0502040204020203" pitchFamily="34" charset="0"/>
+                <a:cs typeface="Segoe UI" panose="020B0502040204020203" pitchFamily="34" charset="0"/>
+              </a:rPr>
+              <a:t>or </a:t>
+            </a:r>
+            <a:r>
+              <a:rPr kumimoji="0" lang="en-US" sz="900" b="0" i="0" u="none" strike="noStrike" kern="100" cap="none" spc="0" normalizeH="0" baseline="0" noProof="0" dirty="0" smtClean="0">
+                <a:ln>
+                  <a:noFill/>
+                </a:ln>
+                <a:solidFill>
+                  <a:sysClr val="window" lastClr="FFFFFF"/>
+                </a:solidFill>
+                <a:effectLst/>
+                <a:uLnTx/>
+                <a:uFillTx/>
+                <a:latin typeface="Segoe UI" panose="020B0502040204020203" pitchFamily="34" charset="0"/>
+                <a:ea typeface="Segoe UI" panose="020B0502040204020203" pitchFamily="34" charset="0"/>
+                <a:cs typeface="Segoe UI" panose="020B0502040204020203" pitchFamily="34" charset="0"/>
+              </a:rPr>
+              <a:t>RHEL8</a:t>
             </a:r>
             <a:endParaRPr kumimoji="0" lang="ja-JP" altLang="en-US" sz="1050" b="0" i="0" u="none" strike="noStrike" kern="100" cap="none" spc="0" normalizeH="0" baseline="0" noProof="0" dirty="0">
               <a:ln>
@@ -17510,60 +15976,6 @@
           </a:p>
         </p:txBody>
       </p:sp>
-      <p:sp>
-        <p:nvSpPr>
-          <p:cNvPr id="26" name="正方形/長方形 25"/>
-          <p:cNvSpPr/>
-          <p:nvPr/>
-        </p:nvSpPr>
-        <p:spPr>
-          <a:xfrm>
-            <a:off x="2365027" y="3680890"/>
-            <a:ext cx="3492000" cy="2556000"/>
-          </a:xfrm>
-          <a:prstGeom prst="rect">
-            <a:avLst/>
-          </a:prstGeom>
-          <a:noFill/>
-          <a:ln>
-            <a:solidFill>
-              <a:srgbClr val="FF0000"/>
-            </a:solidFill>
-            <a:prstDash val="sysDash"/>
-          </a:ln>
-        </p:spPr>
-        <p:style>
-          <a:lnRef idx="2">
-            <a:schemeClr val="accent1">
-              <a:shade val="50000"/>
-            </a:schemeClr>
-          </a:lnRef>
-          <a:fillRef idx="1">
-            <a:schemeClr val="accent1"/>
-          </a:fillRef>
-          <a:effectRef idx="0">
-            <a:schemeClr val="accent1"/>
-          </a:effectRef>
-          <a:fontRef idx="minor">
-            <a:schemeClr val="lt1"/>
-          </a:fontRef>
-        </p:style>
-        <p:txBody>
-          <a:bodyPr rot="0" spcFirstLastPara="0" vert="horz" wrap="square" lIns="91440" tIns="45720" rIns="91440" bIns="45720" numCol="1" spcCol="0" rtlCol="0" fromWordArt="0" anchor="ctr" anchorCtr="0" forceAA="0" compatLnSpc="1">
-            <a:prstTxWarp prst="textNoShape">
-              <a:avLst/>
-            </a:prstTxWarp>
-            <a:noAutofit/>
-          </a:bodyPr>
-          <a:lstStyle/>
-          <a:p>
-            <a:endParaRPr lang="ja-JP" altLang="en-US" dirty="0">
-              <a:latin typeface="Segoe UI" panose="020B0502040204020203" pitchFamily="34" charset="0"/>
-              <a:cs typeface="Segoe UI" panose="020B0502040204020203" pitchFamily="34" charset="0"/>
-            </a:endParaRPr>
-          </a:p>
-        </p:txBody>
-      </p:sp>
       <p:cxnSp>
         <p:nvCxnSpPr>
           <p:cNvPr id="27" name="直線コネクタ 26"/>
@@ -17573,581 +15985,6 @@
         <p:spPr bwMode="auto">
           <a:xfrm>
             <a:off x="5974429" y="2803982"/>
-            <a:ext cx="1080000" cy="0"/>
-          </a:xfrm>
-          <a:prstGeom prst="line">
-            <a:avLst/>
-          </a:prstGeom>
-          <a:solidFill>
-            <a:schemeClr val="bg1"/>
-          </a:solidFill>
-          <a:ln w="19050" cap="flat" cmpd="sng" algn="ctr">
-            <a:solidFill>
-              <a:srgbClr val="FF0000"/>
-            </a:solidFill>
-            <a:prstDash val="dash"/>
-            <a:round/>
-            <a:headEnd type="none" w="med" len="med"/>
-            <a:tailEnd type="none" w="med" len="med"/>
-          </a:ln>
-          <a:effectLst/>
-          <a:extLst>
-            <a:ext uri="{AF507438-7753-43E0-B8FC-AC1667EBCBE1}">
-              <a14:hiddenEffects xmlns:a14="http://schemas.microsoft.com/office/drawing/2010/main">
-                <a:effectLst>
-                  <a:outerShdw dist="35921" dir="2700000" algn="ctr" rotWithShape="0">
-                    <a:schemeClr val="tx1">
-                      <a:alpha val="50000"/>
-                    </a:schemeClr>
-                  </a:outerShdw>
-                </a:effectLst>
-              </a14:hiddenEffects>
-            </a:ext>
-          </a:extLst>
-        </p:spPr>
-      </p:cxnSp>
-      <p:sp>
-        <p:nvSpPr>
-          <p:cNvPr id="28" name="角丸四角形 27"/>
-          <p:cNvSpPr/>
-          <p:nvPr/>
-        </p:nvSpPr>
-        <p:spPr bwMode="auto">
-          <a:xfrm>
-            <a:off x="7164360" y="4582202"/>
-            <a:ext cx="1728240" cy="1727198"/>
-          </a:xfrm>
-          <a:prstGeom prst="roundRect">
-            <a:avLst/>
-          </a:prstGeom>
-          <a:noFill/>
-          <a:ln w="12700">
-            <a:solidFill>
-              <a:srgbClr val="C00000"/>
-            </a:solidFill>
-          </a:ln>
-          <a:effectLst/>
-          <a:extLst/>
-        </p:spPr>
-        <p:txBody>
-          <a:bodyPr rot="0" spcFirstLastPara="0" vertOverflow="overflow" horzOverflow="overflow" vert="horz" wrap="square" lIns="36000" tIns="72000" rIns="36000" bIns="36000" numCol="1" spcCol="0" rtlCol="0" fromWordArt="0" anchor="ctr" anchorCtr="0" forceAA="0" compatLnSpc="1">
-            <a:prstTxWarp prst="textNoShape">
-              <a:avLst/>
-            </a:prstTxWarp>
-            <a:noAutofit/>
-          </a:bodyPr>
-          <a:lstStyle/>
-          <a:p>
-            <a:pPr algn="ctr"/>
-            <a:r>
-              <a:rPr lang="en-US" altLang="ja-JP" sz="1200" b="1" dirty="0" smtClean="0">
-                <a:solidFill>
-                  <a:srgbClr val="FF0000"/>
-                </a:solidFill>
-                <a:latin typeface="Segoe UI" panose="020B0502040204020203" pitchFamily="34" charset="0"/>
-                <a:ea typeface="Segoe UI" panose="020B0502040204020203" pitchFamily="34" charset="0"/>
-                <a:cs typeface="Segoe UI" panose="020B0502040204020203" pitchFamily="34" charset="0"/>
-              </a:rPr>
-              <a:t>Entering values for these items is unnecessary because this procedure does not require installing the Cobbler driver.</a:t>
-            </a:r>
-            <a:endParaRPr kumimoji="1" lang="ja-JP" altLang="en-US" sz="1200" b="1" dirty="0" smtClean="0">
-              <a:solidFill>
-                <a:srgbClr val="FF0000"/>
-              </a:solidFill>
-              <a:latin typeface="Segoe UI" panose="020B0502040204020203" pitchFamily="34" charset="0"/>
-              <a:cs typeface="Segoe UI" panose="020B0502040204020203" pitchFamily="34" charset="0"/>
-            </a:endParaRPr>
-          </a:p>
-        </p:txBody>
-      </p:sp>
-      <p:grpSp>
-        <p:nvGrpSpPr>
-          <p:cNvPr id="29" name="グループ化 28"/>
-          <p:cNvGrpSpPr/>
-          <p:nvPr/>
-        </p:nvGrpSpPr>
-        <p:grpSpPr>
-          <a:xfrm>
-            <a:off x="6908793" y="4293120"/>
-            <a:ext cx="565503" cy="549789"/>
-            <a:chOff x="162795" y="3812178"/>
-            <a:chExt cx="565503" cy="549789"/>
-          </a:xfrm>
-        </p:grpSpPr>
-        <p:sp>
-          <p:nvSpPr>
-            <p:cNvPr id="30" name="円/楕円 44"/>
-            <p:cNvSpPr/>
-            <p:nvPr/>
-          </p:nvSpPr>
-          <p:spPr bwMode="auto">
-            <a:xfrm>
-              <a:off x="162795" y="3812178"/>
-              <a:ext cx="565503" cy="549789"/>
-            </a:xfrm>
-            <a:prstGeom prst="ellipse">
-              <a:avLst/>
-            </a:prstGeom>
-            <a:gradFill flip="none" rotWithShape="1">
-              <a:gsLst>
-                <a:gs pos="0">
-                  <a:schemeClr val="accent2"/>
-                </a:gs>
-                <a:gs pos="41000">
-                  <a:schemeClr val="accent2">
-                    <a:lumMod val="60000"/>
-                    <a:lumOff val="40000"/>
-                    <a:shade val="67500"/>
-                    <a:satMod val="115000"/>
-                  </a:schemeClr>
-                </a:gs>
-                <a:gs pos="100000">
-                  <a:schemeClr val="accent2">
-                    <a:lumMod val="60000"/>
-                    <a:lumOff val="40000"/>
-                  </a:schemeClr>
-                </a:gs>
-              </a:gsLst>
-              <a:lin ang="16200000" scaled="0"/>
-              <a:tileRect/>
-            </a:gradFill>
-            <a:ln>
-              <a:noFill/>
-            </a:ln>
-            <a:effectLst/>
-            <a:extLst/>
-          </p:spPr>
-          <p:txBody>
-            <a:bodyPr rot="0" spcFirstLastPara="0" vertOverflow="overflow" horzOverflow="overflow" vert="horz" wrap="none" lIns="36000" tIns="72000" rIns="36000" bIns="36000" numCol="1" spcCol="0" rtlCol="0" fromWordArt="0" anchor="ctr" anchorCtr="0" forceAA="0" compatLnSpc="1">
-              <a:prstTxWarp prst="textNoShape">
-                <a:avLst/>
-              </a:prstTxWarp>
-              <a:noAutofit/>
-            </a:bodyPr>
-            <a:lstStyle/>
-            <a:p>
-              <a:pPr algn="ctr"/>
-              <a:endParaRPr lang="ja-JP" altLang="en-US" sz="1200" b="1" dirty="0">
-                <a:solidFill>
-                  <a:schemeClr val="bg1"/>
-                </a:solidFill>
-                <a:latin typeface="Segoe UI" panose="020B0502040204020203" pitchFamily="34" charset="0"/>
-                <a:cs typeface="Segoe UI" panose="020B0502040204020203" pitchFamily="34" charset="0"/>
-              </a:endParaRPr>
-            </a:p>
-          </p:txBody>
-        </p:sp>
-        <p:sp>
-          <p:nvSpPr>
-            <p:cNvPr id="31" name="テキスト ボックス 30"/>
-            <p:cNvSpPr txBox="1"/>
-            <p:nvPr/>
-          </p:nvSpPr>
-          <p:spPr>
-            <a:xfrm>
-              <a:off x="233240" y="4033625"/>
-              <a:ext cx="424611" cy="106893"/>
-            </a:xfrm>
-            <a:custGeom>
-              <a:avLst/>
-              <a:gdLst/>
-              <a:ahLst/>
-              <a:cxnLst/>
-              <a:rect l="l" t="t" r="r" b="b"/>
-              <a:pathLst>
-                <a:path w="424611" h="106893">
-                  <a:moveTo>
-                    <a:pt x="20512" y="18247"/>
-                  </a:moveTo>
-                  <a:cubicBezTo>
-                    <a:pt x="20512" y="30003"/>
-                    <a:pt x="20512" y="41759"/>
-                    <a:pt x="20512" y="53515"/>
-                  </a:cubicBezTo>
-                  <a:cubicBezTo>
-                    <a:pt x="22346" y="53515"/>
-                    <a:pt x="24180" y="53515"/>
-                    <a:pt x="26015" y="53515"/>
-                  </a:cubicBezTo>
-                  <a:cubicBezTo>
-                    <a:pt x="36354" y="53515"/>
-                    <a:pt x="43201" y="51960"/>
-                    <a:pt x="46557" y="48851"/>
-                  </a:cubicBezTo>
-                  <a:cubicBezTo>
-                    <a:pt x="49913" y="45742"/>
-                    <a:pt x="51591" y="40965"/>
-                    <a:pt x="51591" y="34519"/>
-                  </a:cubicBezTo>
-                  <a:cubicBezTo>
-                    <a:pt x="51591" y="29209"/>
-                    <a:pt x="49976" y="25169"/>
-                    <a:pt x="46745" y="22400"/>
-                  </a:cubicBezTo>
-                  <a:cubicBezTo>
-                    <a:pt x="43514" y="19631"/>
-                    <a:pt x="37125" y="18247"/>
-                    <a:pt x="27578" y="18247"/>
-                  </a:cubicBezTo>
-                  <a:cubicBezTo>
-                    <a:pt x="25222" y="18247"/>
-                    <a:pt x="22867" y="18247"/>
-                    <a:pt x="20512" y="18247"/>
-                  </a:cubicBezTo>
-                  <a:close/>
-                  <a:moveTo>
-                    <a:pt x="125528" y="16204"/>
-                  </a:moveTo>
-                  <a:cubicBezTo>
-                    <a:pt x="118066" y="16204"/>
-                    <a:pt x="112125" y="19450"/>
-                    <a:pt x="107706" y="25941"/>
-                  </a:cubicBezTo>
-                  <a:cubicBezTo>
-                    <a:pt x="103287" y="32431"/>
-                    <a:pt x="101077" y="41623"/>
-                    <a:pt x="101077" y="53515"/>
-                  </a:cubicBezTo>
-                  <a:cubicBezTo>
-                    <a:pt x="101077" y="65362"/>
-                    <a:pt x="103287" y="74519"/>
-                    <a:pt x="107706" y="80987"/>
-                  </a:cubicBezTo>
-                  <a:cubicBezTo>
-                    <a:pt x="112125" y="87455"/>
-                    <a:pt x="118066" y="90689"/>
-                    <a:pt x="125528" y="90689"/>
-                  </a:cubicBezTo>
-                  <a:cubicBezTo>
-                    <a:pt x="132949" y="90689"/>
-                    <a:pt x="138869" y="87432"/>
-                    <a:pt x="143288" y="80919"/>
-                  </a:cubicBezTo>
-                  <a:cubicBezTo>
-                    <a:pt x="147707" y="74405"/>
-                    <a:pt x="149917" y="65248"/>
-                    <a:pt x="149917" y="53447"/>
-                  </a:cubicBezTo>
-                  <a:cubicBezTo>
-                    <a:pt x="149917" y="41600"/>
-                    <a:pt x="147718" y="32431"/>
-                    <a:pt x="143319" y="25941"/>
-                  </a:cubicBezTo>
-                  <a:cubicBezTo>
-                    <a:pt x="138921" y="19450"/>
-                    <a:pt x="132991" y="16204"/>
-                    <a:pt x="125528" y="16204"/>
-                  </a:cubicBezTo>
-                  <a:close/>
-                  <a:moveTo>
-                    <a:pt x="342065" y="2111"/>
-                  </a:moveTo>
-                  <a:cubicBezTo>
-                    <a:pt x="369581" y="2111"/>
-                    <a:pt x="397096" y="2111"/>
-                    <a:pt x="424611" y="2111"/>
-                  </a:cubicBezTo>
-                  <a:cubicBezTo>
-                    <a:pt x="424611" y="7785"/>
-                    <a:pt x="424611" y="13458"/>
-                    <a:pt x="424611" y="19132"/>
-                  </a:cubicBezTo>
-                  <a:cubicBezTo>
-                    <a:pt x="414293" y="19132"/>
-                    <a:pt x="403975" y="19132"/>
-                    <a:pt x="393656" y="19132"/>
-                  </a:cubicBezTo>
-                  <a:cubicBezTo>
-                    <a:pt x="393656" y="47660"/>
-                    <a:pt x="393656" y="76187"/>
-                    <a:pt x="393656" y="104715"/>
-                  </a:cubicBezTo>
-                  <a:cubicBezTo>
-                    <a:pt x="386778" y="104715"/>
-                    <a:pt x="379899" y="104715"/>
-                    <a:pt x="373020" y="104715"/>
-                  </a:cubicBezTo>
-                  <a:cubicBezTo>
-                    <a:pt x="373020" y="76187"/>
-                    <a:pt x="373020" y="47660"/>
-                    <a:pt x="373020" y="19132"/>
-                  </a:cubicBezTo>
-                  <a:cubicBezTo>
-                    <a:pt x="362702" y="19132"/>
-                    <a:pt x="352384" y="19132"/>
-                    <a:pt x="342065" y="19132"/>
-                  </a:cubicBezTo>
-                  <a:cubicBezTo>
-                    <a:pt x="342065" y="13458"/>
-                    <a:pt x="342065" y="7785"/>
-                    <a:pt x="342065" y="2111"/>
-                  </a:cubicBezTo>
-                  <a:close/>
-                  <a:moveTo>
-                    <a:pt x="250806" y="2111"/>
-                  </a:moveTo>
-                  <a:cubicBezTo>
-                    <a:pt x="259144" y="2111"/>
-                    <a:pt x="267482" y="2111"/>
-                    <a:pt x="275820" y="2111"/>
-                  </a:cubicBezTo>
-                  <a:cubicBezTo>
-                    <a:pt x="288202" y="24216"/>
-                    <a:pt x="300584" y="46321"/>
-                    <a:pt x="312966" y="68425"/>
-                  </a:cubicBezTo>
-                  <a:cubicBezTo>
-                    <a:pt x="312966" y="46321"/>
-                    <a:pt x="312966" y="24216"/>
-                    <a:pt x="312966" y="2111"/>
-                  </a:cubicBezTo>
-                  <a:cubicBezTo>
-                    <a:pt x="319344" y="2111"/>
-                    <a:pt x="325723" y="2111"/>
-                    <a:pt x="332101" y="2111"/>
-                  </a:cubicBezTo>
-                  <a:cubicBezTo>
-                    <a:pt x="332101" y="36312"/>
-                    <a:pt x="332101" y="70513"/>
-                    <a:pt x="332101" y="104715"/>
-                  </a:cubicBezTo>
-                  <a:cubicBezTo>
-                    <a:pt x="325473" y="104715"/>
-                    <a:pt x="318844" y="104715"/>
-                    <a:pt x="312215" y="104715"/>
-                  </a:cubicBezTo>
-                  <a:cubicBezTo>
-                    <a:pt x="298124" y="79637"/>
-                    <a:pt x="284033" y="54559"/>
-                    <a:pt x="269942" y="29481"/>
-                  </a:cubicBezTo>
-                  <a:cubicBezTo>
-                    <a:pt x="269942" y="54559"/>
-                    <a:pt x="269942" y="79637"/>
-                    <a:pt x="269942" y="104715"/>
-                  </a:cubicBezTo>
-                  <a:cubicBezTo>
-                    <a:pt x="263563" y="104715"/>
-                    <a:pt x="257185" y="104715"/>
-                    <a:pt x="250806" y="104715"/>
-                  </a:cubicBezTo>
-                  <a:cubicBezTo>
-                    <a:pt x="250806" y="70513"/>
-                    <a:pt x="250806" y="36312"/>
-                    <a:pt x="250806" y="2111"/>
-                  </a:cubicBezTo>
-                  <a:close/>
-                  <a:moveTo>
-                    <a:pt x="182456" y="2111"/>
-                  </a:moveTo>
-                  <a:cubicBezTo>
-                    <a:pt x="199590" y="2111"/>
-                    <a:pt x="216725" y="2111"/>
-                    <a:pt x="233859" y="2111"/>
-                  </a:cubicBezTo>
-                  <a:cubicBezTo>
-                    <a:pt x="233859" y="7217"/>
-                    <a:pt x="233859" y="12324"/>
-                    <a:pt x="233859" y="17430"/>
-                  </a:cubicBezTo>
-                  <a:cubicBezTo>
-                    <a:pt x="228731" y="17430"/>
-                    <a:pt x="223604" y="17430"/>
-                    <a:pt x="218476" y="17430"/>
-                  </a:cubicBezTo>
-                  <a:cubicBezTo>
-                    <a:pt x="218476" y="41418"/>
-                    <a:pt x="218476" y="65407"/>
-                    <a:pt x="218476" y="89395"/>
-                  </a:cubicBezTo>
-                  <a:cubicBezTo>
-                    <a:pt x="223604" y="89395"/>
-                    <a:pt x="228731" y="89395"/>
-                    <a:pt x="233859" y="89395"/>
-                  </a:cubicBezTo>
-                  <a:cubicBezTo>
-                    <a:pt x="233859" y="94502"/>
-                    <a:pt x="233859" y="99608"/>
-                    <a:pt x="233859" y="104715"/>
-                  </a:cubicBezTo>
-                  <a:cubicBezTo>
-                    <a:pt x="216725" y="104715"/>
-                    <a:pt x="199590" y="104715"/>
-                    <a:pt x="182456" y="104715"/>
-                  </a:cubicBezTo>
-                  <a:cubicBezTo>
-                    <a:pt x="182456" y="99608"/>
-                    <a:pt x="182456" y="94502"/>
-                    <a:pt x="182456" y="89395"/>
-                  </a:cubicBezTo>
-                  <a:cubicBezTo>
-                    <a:pt x="187584" y="89395"/>
-                    <a:pt x="192711" y="89395"/>
-                    <a:pt x="197839" y="89395"/>
-                  </a:cubicBezTo>
-                  <a:cubicBezTo>
-                    <a:pt x="197839" y="65407"/>
-                    <a:pt x="197839" y="41418"/>
-                    <a:pt x="197839" y="17430"/>
-                  </a:cubicBezTo>
-                  <a:cubicBezTo>
-                    <a:pt x="192711" y="17430"/>
-                    <a:pt x="187584" y="17430"/>
-                    <a:pt x="182456" y="17430"/>
-                  </a:cubicBezTo>
-                  <a:cubicBezTo>
-                    <a:pt x="182456" y="12324"/>
-                    <a:pt x="182456" y="7217"/>
-                    <a:pt x="182456" y="2111"/>
-                  </a:cubicBezTo>
-                  <a:close/>
-                  <a:moveTo>
-                    <a:pt x="0" y="2111"/>
-                  </a:moveTo>
-                  <a:cubicBezTo>
-                    <a:pt x="11882" y="2111"/>
-                    <a:pt x="23763" y="2111"/>
-                    <a:pt x="35645" y="2111"/>
-                  </a:cubicBezTo>
-                  <a:cubicBezTo>
-                    <a:pt x="47860" y="2111"/>
-                    <a:pt x="57136" y="4823"/>
-                    <a:pt x="63473" y="10247"/>
-                  </a:cubicBezTo>
-                  <a:cubicBezTo>
-                    <a:pt x="69810" y="15671"/>
-                    <a:pt x="72978" y="23603"/>
-                    <a:pt x="72978" y="34043"/>
-                  </a:cubicBezTo>
-                  <a:cubicBezTo>
-                    <a:pt x="72978" y="44936"/>
-                    <a:pt x="69476" y="53617"/>
-                    <a:pt x="62472" y="60085"/>
-                  </a:cubicBezTo>
-                  <a:cubicBezTo>
-                    <a:pt x="55468" y="66553"/>
-                    <a:pt x="46338" y="69787"/>
-                    <a:pt x="35082" y="69787"/>
-                  </a:cubicBezTo>
-                  <a:cubicBezTo>
-                    <a:pt x="30267" y="69787"/>
-                    <a:pt x="25452" y="69787"/>
-                    <a:pt x="20637" y="69787"/>
-                  </a:cubicBezTo>
-                  <a:cubicBezTo>
-                    <a:pt x="20637" y="81430"/>
-                    <a:pt x="20637" y="93072"/>
-                    <a:pt x="20637" y="104715"/>
-                  </a:cubicBezTo>
-                  <a:cubicBezTo>
-                    <a:pt x="13758" y="104715"/>
-                    <a:pt x="6879" y="104715"/>
-                    <a:pt x="0" y="104715"/>
-                  </a:cubicBezTo>
-                  <a:cubicBezTo>
-                    <a:pt x="0" y="70513"/>
-                    <a:pt x="0" y="36312"/>
-                    <a:pt x="0" y="2111"/>
-                  </a:cubicBezTo>
-                  <a:close/>
-                  <a:moveTo>
-                    <a:pt x="125466" y="0"/>
-                  </a:moveTo>
-                  <a:cubicBezTo>
-                    <a:pt x="139849" y="0"/>
-                    <a:pt x="151136" y="4766"/>
-                    <a:pt x="159328" y="14298"/>
-                  </a:cubicBezTo>
-                  <a:cubicBezTo>
-                    <a:pt x="167520" y="23830"/>
-                    <a:pt x="171616" y="36902"/>
-                    <a:pt x="171616" y="53515"/>
-                  </a:cubicBezTo>
-                  <a:cubicBezTo>
-                    <a:pt x="171616" y="69991"/>
-                    <a:pt x="167541" y="83007"/>
-                    <a:pt x="159391" y="92561"/>
-                  </a:cubicBezTo>
-                  <a:cubicBezTo>
-                    <a:pt x="151240" y="102116"/>
-                    <a:pt x="139932" y="106893"/>
-                    <a:pt x="125466" y="106893"/>
-                  </a:cubicBezTo>
-                  <a:cubicBezTo>
-                    <a:pt x="111124" y="106893"/>
-                    <a:pt x="99858" y="102139"/>
-                    <a:pt x="91666" y="92629"/>
-                  </a:cubicBezTo>
-                  <a:cubicBezTo>
-                    <a:pt x="83474" y="83120"/>
-                    <a:pt x="79378" y="70082"/>
-                    <a:pt x="79378" y="53515"/>
-                  </a:cubicBezTo>
-                  <a:cubicBezTo>
-                    <a:pt x="79378" y="36857"/>
-                    <a:pt x="83453" y="23773"/>
-                    <a:pt x="91603" y="14264"/>
-                  </a:cubicBezTo>
-                  <a:cubicBezTo>
-                    <a:pt x="99753" y="4755"/>
-                    <a:pt x="111041" y="0"/>
-                    <a:pt x="125466" y="0"/>
-                  </a:cubicBezTo>
-                  <a:close/>
-                </a:path>
-              </a:pathLst>
-            </a:custGeom>
-            <a:solidFill>
-              <a:schemeClr val="bg1"/>
-            </a:solidFill>
-            <a:ln>
-              <a:noFill/>
-            </a:ln>
-            <a:effectLst>
-              <a:glow rad="12700">
-                <a:schemeClr val="accent2">
-                  <a:alpha val="84000"/>
-                </a:schemeClr>
-              </a:glow>
-            </a:effectLst>
-          </p:spPr>
-          <p:txBody>
-            <a:bodyPr rot="0" spcFirstLastPara="0" vertOverflow="overflow" horzOverflow="overflow" vert="horz" wrap="square" lIns="91440" tIns="45720" rIns="91440" bIns="45720" numCol="1" spcCol="0" rtlCol="0" fromWordArt="0" anchor="t" anchorCtr="0" forceAA="0" compatLnSpc="1">
-              <a:prstTxWarp prst="textNoShape">
-                <a:avLst/>
-              </a:prstTxWarp>
-              <a:noAutofit/>
-            </a:bodyPr>
-            <a:lstStyle/>
-            <a:p>
-              <a:pPr algn="ctr"/>
-              <a:endParaRPr kumimoji="1" lang="ja-JP" altLang="en-US" b="1" dirty="0">
-                <a:solidFill>
-                  <a:schemeClr val="bg1"/>
-                </a:solidFill>
-                <a:effectLst>
-                  <a:glow rad="38100">
-                    <a:schemeClr val="accent2">
-                      <a:alpha val="84000"/>
-                    </a:schemeClr>
-                  </a:glow>
-                </a:effectLst>
-                <a:latin typeface="Segoe UI" panose="020B0502040204020203" pitchFamily="34" charset="0"/>
-                <a:cs typeface="Segoe UI" panose="020B0502040204020203" pitchFamily="34" charset="0"/>
-              </a:endParaRPr>
-            </a:p>
-          </p:txBody>
-        </p:sp>
-      </p:grpSp>
-      <p:cxnSp>
-        <p:nvCxnSpPr>
-          <p:cNvPr id="32" name="直線コネクタ 31"/>
-          <p:cNvCxnSpPr/>
-          <p:nvPr/>
-        </p:nvCxnSpPr>
-        <p:spPr bwMode="auto">
-          <a:xfrm>
-            <a:off x="5974429" y="5035989"/>
             <a:ext cx="1080000" cy="0"/>
           </a:xfrm>
           <a:prstGeom prst="line">
@@ -18565,14 +16402,14 @@
           <p:nvPr>
             <p:extLst>
               <p:ext uri="{D42A27DB-BD31-4B8C-83A1-F6EECF244321}">
-                <p14:modId xmlns:p14="http://schemas.microsoft.com/office/powerpoint/2010/main" val="2322737228"/>
+                <p14:modId xmlns:p14="http://schemas.microsoft.com/office/powerpoint/2010/main" val="1720858948"/>
               </p:ext>
             </p:extLst>
           </p:nvPr>
         </p:nvGraphicFramePr>
         <p:xfrm>
           <a:off x="539440" y="1916790"/>
-          <a:ext cx="8065121" cy="4288378"/>
+          <a:ext cx="8065121" cy="4059778"/>
         </p:xfrm>
         <a:graphic>
           <a:graphicData uri="http://schemas.openxmlformats.org/drawingml/2006/table">
@@ -18584,28 +16421,28 @@
                 <a:gridCol w="1584220">
                   <a:extLst>
                     <a:ext uri="{9D8B030D-6E8A-4147-A177-3AD203B41FA5}">
-                      <a16:colId xmlns:a16="http://schemas.microsoft.com/office/drawing/2014/main" xmlns="" val="20000"/>
+                      <a16:colId xmlns:a16="http://schemas.microsoft.com/office/drawing/2014/main" val="20000"/>
                     </a:ext>
                   </a:extLst>
                 </a:gridCol>
                 <a:gridCol w="792110">
                   <a:extLst>
                     <a:ext uri="{9D8B030D-6E8A-4147-A177-3AD203B41FA5}">
-                      <a16:colId xmlns:a16="http://schemas.microsoft.com/office/drawing/2014/main" xmlns="" val="20001"/>
+                      <a16:colId xmlns:a16="http://schemas.microsoft.com/office/drawing/2014/main" val="20001"/>
                     </a:ext>
                   </a:extLst>
                 </a:gridCol>
                 <a:gridCol w="792110">
                   <a:extLst>
                     <a:ext uri="{9D8B030D-6E8A-4147-A177-3AD203B41FA5}">
-                      <a16:colId xmlns:a16="http://schemas.microsoft.com/office/drawing/2014/main" xmlns="" val="20002"/>
+                      <a16:colId xmlns:a16="http://schemas.microsoft.com/office/drawing/2014/main" val="20002"/>
                     </a:ext>
                   </a:extLst>
                 </a:gridCol>
                 <a:gridCol w="4896681">
                   <a:extLst>
                     <a:ext uri="{9D8B030D-6E8A-4147-A177-3AD203B41FA5}">
-                      <a16:colId xmlns:a16="http://schemas.microsoft.com/office/drawing/2014/main" xmlns="" val="20003"/>
+                      <a16:colId xmlns:a16="http://schemas.microsoft.com/office/drawing/2014/main" val="20003"/>
                     </a:ext>
                   </a:extLst>
                 </a:gridCol>
@@ -18769,7 +16606,7 @@
                 </a:tc>
                 <a:extLst>
                   <a:ext uri="{0D108BD9-81ED-4DB2-BD59-A6C34878D82A}">
-                    <a16:rowId xmlns:a16="http://schemas.microsoft.com/office/drawing/2014/main" xmlns="" val="10000"/>
+                    <a16:rowId xmlns:a16="http://schemas.microsoft.com/office/drawing/2014/main" val="10000"/>
                   </a:ext>
                 </a:extLst>
               </a:tr>
@@ -18953,7 +16790,7 @@
                 </a:tc>
                 <a:extLst>
                   <a:ext uri="{0D108BD9-81ED-4DB2-BD59-A6C34878D82A}">
-                    <a16:rowId xmlns:a16="http://schemas.microsoft.com/office/drawing/2014/main" xmlns="" val="10001"/>
+                    <a16:rowId xmlns:a16="http://schemas.microsoft.com/office/drawing/2014/main" val="10001"/>
                   </a:ext>
                 </a:extLst>
               </a:tr>
@@ -19129,7 +16966,7 @@
                 </a:tc>
                 <a:extLst>
                   <a:ext uri="{0D108BD9-81ED-4DB2-BD59-A6C34878D82A}">
-                    <a16:rowId xmlns:a16="http://schemas.microsoft.com/office/drawing/2014/main" xmlns="" val="10002"/>
+                    <a16:rowId xmlns:a16="http://schemas.microsoft.com/office/drawing/2014/main" val="10002"/>
                   </a:ext>
                 </a:extLst>
               </a:tr>
@@ -19325,7 +17162,7 @@
                 </a:tc>
                 <a:extLst>
                   <a:ext uri="{0D108BD9-81ED-4DB2-BD59-A6C34878D82A}">
-                    <a16:rowId xmlns:a16="http://schemas.microsoft.com/office/drawing/2014/main" xmlns="" val="10003"/>
+                    <a16:rowId xmlns:a16="http://schemas.microsoft.com/office/drawing/2014/main" val="10003"/>
                   </a:ext>
                 </a:extLst>
               </a:tr>
@@ -19467,7 +17304,7 @@
                           <a:ea typeface="Segoe UI" panose="020B0502040204020203" pitchFamily="34" charset="0"/>
                           <a:cs typeface="Segoe UI" panose="020B0502040204020203" pitchFamily="34" charset="0"/>
                         </a:rPr>
-                        <a:t>RHEL6</a:t>
+                        <a:t>RHEL7</a:t>
                       </a:r>
                       <a:r>
                         <a:rPr lang="en-US" sz="1000" b="0" kern="100" dirty="0" smtClean="0">
@@ -19485,7 +17322,7 @@
                           <a:ea typeface="Segoe UI" panose="020B0502040204020203" pitchFamily="34" charset="0"/>
                           <a:cs typeface="Segoe UI" panose="020B0502040204020203" pitchFamily="34" charset="0"/>
                         </a:rPr>
-                        <a:t>RHEL7</a:t>
+                        <a:t>RHEL8</a:t>
                       </a:r>
                       <a:endParaRPr lang="ja-JP" sz="1000" b="0" kern="100" dirty="0">
                         <a:effectLst/>
@@ -19503,7 +17340,7 @@
                 </a:tc>
                 <a:extLst>
                   <a:ext uri="{0D108BD9-81ED-4DB2-BD59-A6C34878D82A}">
-                    <a16:rowId xmlns:a16="http://schemas.microsoft.com/office/drawing/2014/main" xmlns="" val="10004"/>
+                    <a16:rowId xmlns:a16="http://schemas.microsoft.com/office/drawing/2014/main" val="10004"/>
                   </a:ext>
                 </a:extLst>
               </a:tr>
@@ -19653,7 +17490,7 @@
                 </a:tc>
                 <a:extLst>
                   <a:ext uri="{0D108BD9-81ED-4DB2-BD59-A6C34878D82A}">
-                    <a16:rowId xmlns:a16="http://schemas.microsoft.com/office/drawing/2014/main" xmlns="" val="10005"/>
+                    <a16:rowId xmlns:a16="http://schemas.microsoft.com/office/drawing/2014/main" val="10005"/>
                   </a:ext>
                 </a:extLst>
               </a:tr>
@@ -19803,7 +17640,7 @@
                 </a:tc>
                 <a:extLst>
                   <a:ext uri="{0D108BD9-81ED-4DB2-BD59-A6C34878D82A}">
-                    <a16:rowId xmlns:a16="http://schemas.microsoft.com/office/drawing/2014/main" xmlns="" val="10006"/>
+                    <a16:rowId xmlns:a16="http://schemas.microsoft.com/office/drawing/2014/main" val="10006"/>
                   </a:ext>
                 </a:extLst>
               </a:tr>
@@ -19959,7 +17796,7 @@
                 </a:tc>
                 <a:extLst>
                   <a:ext uri="{0D108BD9-81ED-4DB2-BD59-A6C34878D82A}">
-                    <a16:rowId xmlns:a16="http://schemas.microsoft.com/office/drawing/2014/main" xmlns="" val="10007"/>
+                    <a16:rowId xmlns:a16="http://schemas.microsoft.com/office/drawing/2014/main" val="10007"/>
                   </a:ext>
                 </a:extLst>
               </a:tr>
@@ -20115,7 +17952,7 @@
                 </a:tc>
                 <a:extLst>
                   <a:ext uri="{0D108BD9-81ED-4DB2-BD59-A6C34878D82A}">
-                    <a16:rowId xmlns:a16="http://schemas.microsoft.com/office/drawing/2014/main" xmlns="" val="10008"/>
+                    <a16:rowId xmlns:a16="http://schemas.microsoft.com/office/drawing/2014/main" val="10008"/>
                   </a:ext>
                 </a:extLst>
               </a:tr>
@@ -20284,7 +18121,7 @@
                 </a:tc>
                 <a:extLst>
                   <a:ext uri="{0D108BD9-81ED-4DB2-BD59-A6C34878D82A}">
-                    <a16:rowId xmlns:a16="http://schemas.microsoft.com/office/drawing/2014/main" xmlns="" val="10009"/>
+                    <a16:rowId xmlns:a16="http://schemas.microsoft.com/office/drawing/2014/main" val="10009"/>
                   </a:ext>
                 </a:extLst>
               </a:tr>
@@ -20462,7 +18299,7 @@
                 </a:tc>
                 <a:extLst>
                   <a:ext uri="{0D108BD9-81ED-4DB2-BD59-A6C34878D82A}">
-                    <a16:rowId xmlns:a16="http://schemas.microsoft.com/office/drawing/2014/main" xmlns="" val="10010"/>
+                    <a16:rowId xmlns:a16="http://schemas.microsoft.com/office/drawing/2014/main" val="10010"/>
                   </a:ext>
                 </a:extLst>
               </a:tr>
@@ -20661,7 +18498,7 @@
                 </a:tc>
                 <a:extLst>
                   <a:ext uri="{0D108BD9-81ED-4DB2-BD59-A6C34878D82A}">
-                    <a16:rowId xmlns:a16="http://schemas.microsoft.com/office/drawing/2014/main" xmlns="" val="10011"/>
+                    <a16:rowId xmlns:a16="http://schemas.microsoft.com/office/drawing/2014/main" val="10011"/>
                   </a:ext>
                 </a:extLst>
               </a:tr>
@@ -20839,7 +18676,7 @@
                 </a:tc>
                 <a:extLst>
                   <a:ext uri="{0D108BD9-81ED-4DB2-BD59-A6C34878D82A}">
-                    <a16:rowId xmlns:a16="http://schemas.microsoft.com/office/drawing/2014/main" xmlns="" val="10012"/>
+                    <a16:rowId xmlns:a16="http://schemas.microsoft.com/office/drawing/2014/main" val="10012"/>
                   </a:ext>
                 </a:extLst>
               </a:tr>
@@ -21014,7 +18851,7 @@
                 </a:tc>
                 <a:extLst>
                   <a:ext uri="{0D108BD9-81ED-4DB2-BD59-A6C34878D82A}">
-                    <a16:rowId xmlns:a16="http://schemas.microsoft.com/office/drawing/2014/main" xmlns="" val="10013"/>
+                    <a16:rowId xmlns:a16="http://schemas.microsoft.com/office/drawing/2014/main" val="10013"/>
                   </a:ext>
                 </a:extLst>
               </a:tr>
@@ -21039,7 +18876,7 @@
                           <a:ea typeface="Segoe UI" panose="020B0502040204020203" pitchFamily="34" charset="0"/>
                           <a:cs typeface="Segoe UI" panose="020B0502040204020203" pitchFamily="34" charset="0"/>
                         </a:rPr>
-                        <a:t>cobbler_driver</a:t>
+                        <a:t>openstack_driver</a:t>
                       </a:r>
                       <a:endParaRPr lang="ja-JP" sz="1000" kern="100" dirty="0">
                         <a:effectLst/>
@@ -21087,6 +18924,181 @@
                   </a:txBody>
                   <a:tcPr marL="68495" marR="68495" marT="0" marB="0" anchor="ctr">
                     <a:solidFill>
+                      <a:srgbClr val="CBCDD3"/>
+                    </a:solidFill>
+                  </a:tcPr>
+                </a:tc>
+                <a:tc>
+                  <a:txBody>
+                    <a:bodyPr/>
+                    <a:lstStyle/>
+                    <a:p>
+                      <a:pPr algn="ctr">
+                        <a:lnSpc>
+                          <a:spcPct val="150000"/>
+                        </a:lnSpc>
+                        <a:spcAft>
+                          <a:spcPts val="0"/>
+                        </a:spcAft>
+                      </a:pPr>
+                      <a:r>
+                        <a:rPr lang="en-US" sz="1000" kern="100" dirty="0">
+                          <a:effectLst/>
+                          <a:latin typeface="Segoe UI" panose="020B0502040204020203" pitchFamily="34" charset="0"/>
+                          <a:ea typeface="Segoe UI" panose="020B0502040204020203" pitchFamily="34" charset="0"/>
+                          <a:cs typeface="Segoe UI" panose="020B0502040204020203" pitchFamily="34" charset="0"/>
+                        </a:rPr>
+                        <a:t>no</a:t>
+                      </a:r>
+                      <a:endParaRPr lang="ja-JP" sz="1000" kern="100" dirty="0">
+                        <a:effectLst/>
+                        <a:latin typeface="Segoe UI" panose="020B0502040204020203" pitchFamily="34" charset="0"/>
+                        <a:ea typeface="ＭＳ 明朝" panose="02020609040205080304" pitchFamily="17" charset="-128"/>
+                        <a:cs typeface="Segoe UI" panose="020B0502040204020203" pitchFamily="34" charset="0"/>
+                      </a:endParaRPr>
+                    </a:p>
+                  </a:txBody>
+                  <a:tcPr marL="68495" marR="68495" marT="0" marB="0" anchor="ctr">
+                    <a:solidFill>
+                      <a:srgbClr val="CBCDD3"/>
+                    </a:solidFill>
+                  </a:tcPr>
+                </a:tc>
+                <a:tc>
+                  <a:txBody>
+                    <a:bodyPr/>
+                    <a:lstStyle/>
+                    <a:p>
+                      <a:pPr algn="l">
+                        <a:lnSpc>
+                          <a:spcPct val="150000"/>
+                        </a:lnSpc>
+                        <a:spcAft>
+                          <a:spcPts val="0"/>
+                        </a:spcAft>
+                      </a:pPr>
+                      <a:r>
+                        <a:rPr lang="en-US" sz="1000" b="0" i="0" u="none" kern="100" dirty="0" smtClean="0">
+                          <a:solidFill>
+                            <a:srgbClr val="000000"/>
+                          </a:solidFill>
+                          <a:effectLst/>
+                          <a:latin typeface="Segoe UI" panose="020B0502040204020203" pitchFamily="34" charset="0"/>
+                          <a:ea typeface="Segoe UI" panose="020B0502040204020203" pitchFamily="34" charset="0"/>
+                          <a:cs typeface="Segoe UI" panose="020B0502040204020203" pitchFamily="34" charset="0"/>
+                        </a:rPr>
+                        <a:t>Whether the </a:t>
+                      </a:r>
+                      <a:r>
+                        <a:rPr lang="en-US" altLang="ja-JP" sz="1000" kern="100" dirty="0" smtClean="0">
+                          <a:effectLst/>
+                          <a:latin typeface="Segoe UI" panose="020B0502040204020203" pitchFamily="34" charset="0"/>
+                          <a:ea typeface="Segoe UI" panose="020B0502040204020203" pitchFamily="34" charset="0"/>
+                          <a:cs typeface="Segoe UI" panose="020B0502040204020203" pitchFamily="34" charset="0"/>
+                        </a:rPr>
+                        <a:t>OpenStack</a:t>
+                      </a:r>
+                      <a:r>
+                        <a:rPr lang="en-US" sz="1000" b="0" i="0" u="none" kern="100" dirty="0" smtClean="0">
+                          <a:solidFill>
+                            <a:srgbClr val="000000"/>
+                          </a:solidFill>
+                          <a:effectLst/>
+                          <a:latin typeface="Segoe UI" panose="020B0502040204020203" pitchFamily="34" charset="0"/>
+                          <a:ea typeface="Segoe UI" panose="020B0502040204020203" pitchFamily="34" charset="0"/>
+                          <a:cs typeface="Segoe UI" panose="020B0502040204020203" pitchFamily="34" charset="0"/>
+                        </a:rPr>
+                        <a:t> driver is to be installed</a:t>
+                      </a:r>
+                      <a:endParaRPr lang="ja-JP" sz="1000" kern="100" dirty="0">
+                        <a:effectLst/>
+                        <a:latin typeface="Segoe UI" panose="020B0502040204020203" pitchFamily="34" charset="0"/>
+                        <a:ea typeface="ＭＳ 明朝" panose="02020609040205080304" pitchFamily="17" charset="-128"/>
+                        <a:cs typeface="Segoe UI" panose="020B0502040204020203" pitchFamily="34" charset="0"/>
+                      </a:endParaRPr>
+                    </a:p>
+                  </a:txBody>
+                  <a:tcPr marL="68495" marR="68495" marT="0" marB="0" anchor="ctr">
+                    <a:solidFill>
+                      <a:srgbClr val="CBCDD3"/>
+                    </a:solidFill>
+                  </a:tcPr>
+                </a:tc>
+                <a:extLst>
+                  <a:ext uri="{0D108BD9-81ED-4DB2-BD59-A6C34878D82A}">
+                    <a16:rowId xmlns:a16="http://schemas.microsoft.com/office/drawing/2014/main" val="10015"/>
+                  </a:ext>
+                </a:extLst>
+              </a:tr>
+              <a:tr h="222140">
+                <a:tc>
+                  <a:txBody>
+                    <a:bodyPr/>
+                    <a:lstStyle/>
+                    <a:p>
+                      <a:pPr algn="just">
+                        <a:lnSpc>
+                          <a:spcPct val="150000"/>
+                        </a:lnSpc>
+                        <a:spcAft>
+                          <a:spcPts val="0"/>
+                        </a:spcAft>
+                      </a:pPr>
+                      <a:r>
+                        <a:rPr lang="en-US" sz="1000" kern="100" dirty="0">
+                          <a:effectLst/>
+                          <a:latin typeface="Segoe UI" panose="020B0502040204020203" pitchFamily="34" charset="0"/>
+                          <a:ea typeface="Segoe UI" panose="020B0502040204020203" pitchFamily="34" charset="0"/>
+                          <a:cs typeface="Segoe UI" panose="020B0502040204020203" pitchFamily="34" charset="0"/>
+                        </a:rPr>
+                        <a:t>dsc_driver</a:t>
+                      </a:r>
+                      <a:endParaRPr lang="ja-JP" sz="1000" kern="100" dirty="0">
+                        <a:effectLst/>
+                        <a:latin typeface="Segoe UI" panose="020B0502040204020203" pitchFamily="34" charset="0"/>
+                        <a:ea typeface="ＭＳ 明朝" panose="02020609040205080304" pitchFamily="17" charset="-128"/>
+                        <a:cs typeface="Segoe UI" panose="020B0502040204020203" pitchFamily="34" charset="0"/>
+                      </a:endParaRPr>
+                    </a:p>
+                  </a:txBody>
+                  <a:tcPr marL="68495" marR="68495" marT="0" marB="0" anchor="ctr">
+                    <a:solidFill>
+                      <a:srgbClr val="002B62"/>
+                    </a:solidFill>
+                  </a:tcPr>
+                </a:tc>
+                <a:tc>
+                  <a:txBody>
+                    <a:bodyPr/>
+                    <a:lstStyle/>
+                    <a:p>
+                      <a:pPr algn="ctr">
+                        <a:lnSpc>
+                          <a:spcPct val="150000"/>
+                        </a:lnSpc>
+                        <a:spcAft>
+                          <a:spcPts val="0"/>
+                        </a:spcAft>
+                      </a:pPr>
+                      <a:r>
+                        <a:rPr lang="en-US" sz="1000" kern="100" dirty="0" smtClean="0">
+                          <a:effectLst/>
+                          <a:latin typeface="Segoe UI" panose="020B0502040204020203" pitchFamily="34" charset="0"/>
+                          <a:ea typeface="Segoe UI" panose="020B0502040204020203" pitchFamily="34" charset="0"/>
+                          <a:cs typeface="Segoe UI" panose="020B0502040204020203" pitchFamily="34" charset="0"/>
+                        </a:rPr>
+                        <a:t>Yes</a:t>
+                      </a:r>
+                      <a:endParaRPr lang="ja-JP" sz="1000" kern="100" dirty="0">
+                        <a:effectLst/>
+                        <a:latin typeface="Segoe UI" panose="020B0502040204020203" pitchFamily="34" charset="0"/>
+                        <a:ea typeface="ＭＳ 明朝" panose="02020609040205080304" pitchFamily="17" charset="-128"/>
+                        <a:cs typeface="Segoe UI" panose="020B0502040204020203" pitchFamily="34" charset="0"/>
+                      </a:endParaRPr>
+                    </a:p>
+                  </a:txBody>
+                  <a:tcPr marL="68495" marR="68495" marT="0" marB="0" anchor="ctr">
+                    <a:solidFill>
                       <a:srgbClr val="E7E8EA"/>
                     </a:solidFill>
                   </a:tcPr>
@@ -21159,356 +19171,6 @@
                           <a:ea typeface="Segoe UI" panose="020B0502040204020203" pitchFamily="34" charset="0"/>
                           <a:cs typeface="Segoe UI" panose="020B0502040204020203" pitchFamily="34" charset="0"/>
                         </a:rPr>
-                        <a:t>Cobbler</a:t>
-                      </a:r>
-                      <a:r>
-                        <a:rPr lang="en-US" sz="1000" b="0" i="0" u="none" kern="100" dirty="0" smtClean="0">
-                          <a:solidFill>
-                            <a:srgbClr val="000000"/>
-                          </a:solidFill>
-                          <a:effectLst/>
-                          <a:latin typeface="Segoe UI" panose="020B0502040204020203" pitchFamily="34" charset="0"/>
-                          <a:ea typeface="Segoe UI" panose="020B0502040204020203" pitchFamily="34" charset="0"/>
-                          <a:cs typeface="Segoe UI" panose="020B0502040204020203" pitchFamily="34" charset="0"/>
-                        </a:rPr>
-                        <a:t> driver is to be installed</a:t>
-                      </a:r>
-                      <a:endParaRPr lang="ja-JP" sz="1000" kern="100" dirty="0">
-                        <a:effectLst/>
-                        <a:latin typeface="Segoe UI" panose="020B0502040204020203" pitchFamily="34" charset="0"/>
-                        <a:ea typeface="ＭＳ 明朝" panose="02020609040205080304" pitchFamily="17" charset="-128"/>
-                        <a:cs typeface="Segoe UI" panose="020B0502040204020203" pitchFamily="34" charset="0"/>
-                      </a:endParaRPr>
-                    </a:p>
-                  </a:txBody>
-                  <a:tcPr marL="68495" marR="68495" marT="0" marB="0" anchor="ctr">
-                    <a:solidFill>
-                      <a:srgbClr val="E7E8EA"/>
-                    </a:solidFill>
-                  </a:tcPr>
-                </a:tc>
-                <a:extLst>
-                  <a:ext uri="{0D108BD9-81ED-4DB2-BD59-A6C34878D82A}">
-                    <a16:rowId xmlns:a16="http://schemas.microsoft.com/office/drawing/2014/main" xmlns="" val="10014"/>
-                  </a:ext>
-                </a:extLst>
-              </a:tr>
-              <a:tr h="222140">
-                <a:tc>
-                  <a:txBody>
-                    <a:bodyPr/>
-                    <a:lstStyle/>
-                    <a:p>
-                      <a:pPr algn="just">
-                        <a:lnSpc>
-                          <a:spcPct val="150000"/>
-                        </a:lnSpc>
-                        <a:spcAft>
-                          <a:spcPts val="0"/>
-                        </a:spcAft>
-                      </a:pPr>
-                      <a:r>
-                        <a:rPr lang="en-US" sz="1000" kern="100" dirty="0">
-                          <a:effectLst/>
-                          <a:latin typeface="Segoe UI" panose="020B0502040204020203" pitchFamily="34" charset="0"/>
-                          <a:ea typeface="Segoe UI" panose="020B0502040204020203" pitchFamily="34" charset="0"/>
-                          <a:cs typeface="Segoe UI" panose="020B0502040204020203" pitchFamily="34" charset="0"/>
-                        </a:rPr>
-                        <a:t>openstack_driver</a:t>
-                      </a:r>
-                      <a:endParaRPr lang="ja-JP" sz="1000" kern="100" dirty="0">
-                        <a:effectLst/>
-                        <a:latin typeface="Segoe UI" panose="020B0502040204020203" pitchFamily="34" charset="0"/>
-                        <a:ea typeface="ＭＳ 明朝" panose="02020609040205080304" pitchFamily="17" charset="-128"/>
-                        <a:cs typeface="Segoe UI" panose="020B0502040204020203" pitchFamily="34" charset="0"/>
-                      </a:endParaRPr>
-                    </a:p>
-                  </a:txBody>
-                  <a:tcPr marL="68495" marR="68495" marT="0" marB="0" anchor="ctr">
-                    <a:solidFill>
-                      <a:srgbClr val="002B62"/>
-                    </a:solidFill>
-                  </a:tcPr>
-                </a:tc>
-                <a:tc>
-                  <a:txBody>
-                    <a:bodyPr/>
-                    <a:lstStyle/>
-                    <a:p>
-                      <a:pPr algn="ctr">
-                        <a:lnSpc>
-                          <a:spcPct val="150000"/>
-                        </a:lnSpc>
-                        <a:spcAft>
-                          <a:spcPts val="0"/>
-                        </a:spcAft>
-                      </a:pPr>
-                      <a:r>
-                        <a:rPr lang="en-US" sz="1000" kern="100" dirty="0" smtClean="0">
-                          <a:effectLst/>
-                          <a:latin typeface="Segoe UI" panose="020B0502040204020203" pitchFamily="34" charset="0"/>
-                          <a:ea typeface="Segoe UI" panose="020B0502040204020203" pitchFamily="34" charset="0"/>
-                          <a:cs typeface="Segoe UI" panose="020B0502040204020203" pitchFamily="34" charset="0"/>
-                        </a:rPr>
-                        <a:t>Yes</a:t>
-                      </a:r>
-                      <a:endParaRPr lang="ja-JP" sz="1000" kern="100" dirty="0">
-                        <a:effectLst/>
-                        <a:latin typeface="Segoe UI" panose="020B0502040204020203" pitchFamily="34" charset="0"/>
-                        <a:ea typeface="ＭＳ 明朝" panose="02020609040205080304" pitchFamily="17" charset="-128"/>
-                        <a:cs typeface="Segoe UI" panose="020B0502040204020203" pitchFamily="34" charset="0"/>
-                      </a:endParaRPr>
-                    </a:p>
-                  </a:txBody>
-                  <a:tcPr marL="68495" marR="68495" marT="0" marB="0" anchor="ctr">
-                    <a:solidFill>
-                      <a:srgbClr val="CBCDD3"/>
-                    </a:solidFill>
-                  </a:tcPr>
-                </a:tc>
-                <a:tc>
-                  <a:txBody>
-                    <a:bodyPr/>
-                    <a:lstStyle/>
-                    <a:p>
-                      <a:pPr algn="ctr">
-                        <a:lnSpc>
-                          <a:spcPct val="150000"/>
-                        </a:lnSpc>
-                        <a:spcAft>
-                          <a:spcPts val="0"/>
-                        </a:spcAft>
-                      </a:pPr>
-                      <a:r>
-                        <a:rPr lang="en-US" sz="1000" kern="100" dirty="0">
-                          <a:effectLst/>
-                          <a:latin typeface="Segoe UI" panose="020B0502040204020203" pitchFamily="34" charset="0"/>
-                          <a:ea typeface="Segoe UI" panose="020B0502040204020203" pitchFamily="34" charset="0"/>
-                          <a:cs typeface="Segoe UI" panose="020B0502040204020203" pitchFamily="34" charset="0"/>
-                        </a:rPr>
-                        <a:t>no</a:t>
-                      </a:r>
-                      <a:endParaRPr lang="ja-JP" sz="1000" kern="100" dirty="0">
-                        <a:effectLst/>
-                        <a:latin typeface="Segoe UI" panose="020B0502040204020203" pitchFamily="34" charset="0"/>
-                        <a:ea typeface="ＭＳ 明朝" panose="02020609040205080304" pitchFamily="17" charset="-128"/>
-                        <a:cs typeface="Segoe UI" panose="020B0502040204020203" pitchFamily="34" charset="0"/>
-                      </a:endParaRPr>
-                    </a:p>
-                  </a:txBody>
-                  <a:tcPr marL="68495" marR="68495" marT="0" marB="0" anchor="ctr">
-                    <a:solidFill>
-                      <a:srgbClr val="CBCDD3"/>
-                    </a:solidFill>
-                  </a:tcPr>
-                </a:tc>
-                <a:tc>
-                  <a:txBody>
-                    <a:bodyPr/>
-                    <a:lstStyle/>
-                    <a:p>
-                      <a:pPr algn="l">
-                        <a:lnSpc>
-                          <a:spcPct val="150000"/>
-                        </a:lnSpc>
-                        <a:spcAft>
-                          <a:spcPts val="0"/>
-                        </a:spcAft>
-                      </a:pPr>
-                      <a:r>
-                        <a:rPr lang="en-US" sz="1000" b="0" i="0" u="none" kern="100" dirty="0" smtClean="0">
-                          <a:solidFill>
-                            <a:srgbClr val="000000"/>
-                          </a:solidFill>
-                          <a:effectLst/>
-                          <a:latin typeface="Segoe UI" panose="020B0502040204020203" pitchFamily="34" charset="0"/>
-                          <a:ea typeface="Segoe UI" panose="020B0502040204020203" pitchFamily="34" charset="0"/>
-                          <a:cs typeface="Segoe UI" panose="020B0502040204020203" pitchFamily="34" charset="0"/>
-                        </a:rPr>
-                        <a:t>Whether the </a:t>
-                      </a:r>
-                      <a:r>
-                        <a:rPr lang="en-US" altLang="ja-JP" sz="1000" kern="100" dirty="0" smtClean="0">
-                          <a:effectLst/>
-                          <a:latin typeface="Segoe UI" panose="020B0502040204020203" pitchFamily="34" charset="0"/>
-                          <a:ea typeface="Segoe UI" panose="020B0502040204020203" pitchFamily="34" charset="0"/>
-                          <a:cs typeface="Segoe UI" panose="020B0502040204020203" pitchFamily="34" charset="0"/>
-                        </a:rPr>
-                        <a:t>OpenStack</a:t>
-                      </a:r>
-                      <a:r>
-                        <a:rPr lang="en-US" sz="1000" b="0" i="0" u="none" kern="100" dirty="0" smtClean="0">
-                          <a:solidFill>
-                            <a:srgbClr val="000000"/>
-                          </a:solidFill>
-                          <a:effectLst/>
-                          <a:latin typeface="Segoe UI" panose="020B0502040204020203" pitchFamily="34" charset="0"/>
-                          <a:ea typeface="Segoe UI" panose="020B0502040204020203" pitchFamily="34" charset="0"/>
-                          <a:cs typeface="Segoe UI" panose="020B0502040204020203" pitchFamily="34" charset="0"/>
-                        </a:rPr>
-                        <a:t> driver is to be installed</a:t>
-                      </a:r>
-                      <a:endParaRPr lang="ja-JP" sz="1000" kern="100" dirty="0">
-                        <a:effectLst/>
-                        <a:latin typeface="Segoe UI" panose="020B0502040204020203" pitchFamily="34" charset="0"/>
-                        <a:ea typeface="ＭＳ 明朝" panose="02020609040205080304" pitchFamily="17" charset="-128"/>
-                        <a:cs typeface="Segoe UI" panose="020B0502040204020203" pitchFamily="34" charset="0"/>
-                      </a:endParaRPr>
-                    </a:p>
-                  </a:txBody>
-                  <a:tcPr marL="68495" marR="68495" marT="0" marB="0" anchor="ctr">
-                    <a:solidFill>
-                      <a:srgbClr val="CBCDD3"/>
-                    </a:solidFill>
-                  </a:tcPr>
-                </a:tc>
-                <a:extLst>
-                  <a:ext uri="{0D108BD9-81ED-4DB2-BD59-A6C34878D82A}">
-                    <a16:rowId xmlns:a16="http://schemas.microsoft.com/office/drawing/2014/main" xmlns="" val="10015"/>
-                  </a:ext>
-                </a:extLst>
-              </a:tr>
-              <a:tr h="222140">
-                <a:tc>
-                  <a:txBody>
-                    <a:bodyPr/>
-                    <a:lstStyle/>
-                    <a:p>
-                      <a:pPr algn="just">
-                        <a:lnSpc>
-                          <a:spcPct val="150000"/>
-                        </a:lnSpc>
-                        <a:spcAft>
-                          <a:spcPts val="0"/>
-                        </a:spcAft>
-                      </a:pPr>
-                      <a:r>
-                        <a:rPr lang="en-US" sz="1000" kern="100" dirty="0">
-                          <a:effectLst/>
-                          <a:latin typeface="Segoe UI" panose="020B0502040204020203" pitchFamily="34" charset="0"/>
-                          <a:ea typeface="Segoe UI" panose="020B0502040204020203" pitchFamily="34" charset="0"/>
-                          <a:cs typeface="Segoe UI" panose="020B0502040204020203" pitchFamily="34" charset="0"/>
-                        </a:rPr>
-                        <a:t>dsc_driver</a:t>
-                      </a:r>
-                      <a:endParaRPr lang="ja-JP" sz="1000" kern="100" dirty="0">
-                        <a:effectLst/>
-                        <a:latin typeface="Segoe UI" panose="020B0502040204020203" pitchFamily="34" charset="0"/>
-                        <a:ea typeface="ＭＳ 明朝" panose="02020609040205080304" pitchFamily="17" charset="-128"/>
-                        <a:cs typeface="Segoe UI" panose="020B0502040204020203" pitchFamily="34" charset="0"/>
-                      </a:endParaRPr>
-                    </a:p>
-                  </a:txBody>
-                  <a:tcPr marL="68495" marR="68495" marT="0" marB="0" anchor="ctr">
-                    <a:solidFill>
-                      <a:srgbClr val="002B62"/>
-                    </a:solidFill>
-                  </a:tcPr>
-                </a:tc>
-                <a:tc>
-                  <a:txBody>
-                    <a:bodyPr/>
-                    <a:lstStyle/>
-                    <a:p>
-                      <a:pPr algn="ctr">
-                        <a:lnSpc>
-                          <a:spcPct val="150000"/>
-                        </a:lnSpc>
-                        <a:spcAft>
-                          <a:spcPts val="0"/>
-                        </a:spcAft>
-                      </a:pPr>
-                      <a:r>
-                        <a:rPr lang="en-US" sz="1000" kern="100" dirty="0" smtClean="0">
-                          <a:effectLst/>
-                          <a:latin typeface="Segoe UI" panose="020B0502040204020203" pitchFamily="34" charset="0"/>
-                          <a:ea typeface="Segoe UI" panose="020B0502040204020203" pitchFamily="34" charset="0"/>
-                          <a:cs typeface="Segoe UI" panose="020B0502040204020203" pitchFamily="34" charset="0"/>
-                        </a:rPr>
-                        <a:t>Yes</a:t>
-                      </a:r>
-                      <a:endParaRPr lang="ja-JP" sz="1000" kern="100" dirty="0">
-                        <a:effectLst/>
-                        <a:latin typeface="Segoe UI" panose="020B0502040204020203" pitchFamily="34" charset="0"/>
-                        <a:ea typeface="ＭＳ 明朝" panose="02020609040205080304" pitchFamily="17" charset="-128"/>
-                        <a:cs typeface="Segoe UI" panose="020B0502040204020203" pitchFamily="34" charset="0"/>
-                      </a:endParaRPr>
-                    </a:p>
-                  </a:txBody>
-                  <a:tcPr marL="68495" marR="68495" marT="0" marB="0" anchor="ctr">
-                    <a:solidFill>
-                      <a:srgbClr val="E7E8EA"/>
-                    </a:solidFill>
-                  </a:tcPr>
-                </a:tc>
-                <a:tc>
-                  <a:txBody>
-                    <a:bodyPr/>
-                    <a:lstStyle/>
-                    <a:p>
-                      <a:pPr algn="ctr">
-                        <a:lnSpc>
-                          <a:spcPct val="150000"/>
-                        </a:lnSpc>
-                        <a:spcAft>
-                          <a:spcPts val="0"/>
-                        </a:spcAft>
-                      </a:pPr>
-                      <a:r>
-                        <a:rPr lang="en-US" sz="1000" kern="100" dirty="0">
-                          <a:effectLst/>
-                          <a:latin typeface="Segoe UI" panose="020B0502040204020203" pitchFamily="34" charset="0"/>
-                          <a:ea typeface="Segoe UI" panose="020B0502040204020203" pitchFamily="34" charset="0"/>
-                          <a:cs typeface="Segoe UI" panose="020B0502040204020203" pitchFamily="34" charset="0"/>
-                        </a:rPr>
-                        <a:t>no</a:t>
-                      </a:r>
-                      <a:endParaRPr lang="ja-JP" sz="1000" kern="100" dirty="0">
-                        <a:effectLst/>
-                        <a:latin typeface="Segoe UI" panose="020B0502040204020203" pitchFamily="34" charset="0"/>
-                        <a:ea typeface="ＭＳ 明朝" panose="02020609040205080304" pitchFamily="17" charset="-128"/>
-                        <a:cs typeface="Segoe UI" panose="020B0502040204020203" pitchFamily="34" charset="0"/>
-                      </a:endParaRPr>
-                    </a:p>
-                  </a:txBody>
-                  <a:tcPr marL="68495" marR="68495" marT="0" marB="0" anchor="ctr">
-                    <a:solidFill>
-                      <a:srgbClr val="E7E8EA"/>
-                    </a:solidFill>
-                  </a:tcPr>
-                </a:tc>
-                <a:tc>
-                  <a:txBody>
-                    <a:bodyPr/>
-                    <a:lstStyle/>
-                    <a:p>
-                      <a:pPr algn="l">
-                        <a:lnSpc>
-                          <a:spcPct val="150000"/>
-                        </a:lnSpc>
-                        <a:spcAft>
-                          <a:spcPts val="0"/>
-                        </a:spcAft>
-                      </a:pPr>
-                      <a:r>
-                        <a:rPr lang="en-US" sz="1000" b="0" i="0" u="none" kern="100" dirty="0" smtClean="0">
-                          <a:solidFill>
-                            <a:srgbClr val="000000"/>
-                          </a:solidFill>
-                          <a:effectLst/>
-                          <a:latin typeface="Segoe UI" panose="020B0502040204020203" pitchFamily="34" charset="0"/>
-                          <a:ea typeface="Segoe UI" panose="020B0502040204020203" pitchFamily="34" charset="0"/>
-                          <a:cs typeface="Segoe UI" panose="020B0502040204020203" pitchFamily="34" charset="0"/>
-                        </a:rPr>
-                        <a:t>Whether the </a:t>
-                      </a:r>
-                      <a:r>
-                        <a:rPr lang="en-US" altLang="ja-JP" sz="1000" kern="100" dirty="0" smtClean="0">
-                          <a:effectLst/>
-                          <a:latin typeface="Segoe UI" panose="020B0502040204020203" pitchFamily="34" charset="0"/>
-                          <a:ea typeface="Segoe UI" panose="020B0502040204020203" pitchFamily="34" charset="0"/>
-                          <a:cs typeface="Segoe UI" panose="020B0502040204020203" pitchFamily="34" charset="0"/>
-                        </a:rPr>
                         <a:t>DSC </a:t>
                       </a:r>
                       <a:r>
@@ -21542,7 +19204,7 @@
                 </a:tc>
                 <a:extLst>
                   <a:ext uri="{0D108BD9-81ED-4DB2-BD59-A6C34878D82A}">
-                    <a16:rowId xmlns:a16="http://schemas.microsoft.com/office/drawing/2014/main" xmlns="" val="10016"/>
+                    <a16:rowId xmlns:a16="http://schemas.microsoft.com/office/drawing/2014/main" val="10016"/>
                   </a:ext>
                 </a:extLst>
               </a:tr>
@@ -22248,8 +19910,49 @@
                 <a:ea typeface="Segoe UI" panose="020B0502040204020203" pitchFamily="34" charset="0"/>
                 <a:cs typeface="Segoe UI" panose="020B0502040204020203" pitchFamily="34" charset="0"/>
               </a:rPr>
-              <a:t># Select Operation System. ("RHEL6" or "RHEL7")</a:t>
-            </a:r>
+              <a:t># Select Operation System. ("</a:t>
+            </a:r>
+            <a:r>
+              <a:rPr kumimoji="0" lang="en-US" sz="900" kern="100" dirty="0" smtClean="0">
+                <a:solidFill>
+                  <a:sysClr val="window" lastClr="FFFFFF"/>
+                </a:solidFill>
+                <a:latin typeface="Segoe UI" panose="020B0502040204020203" pitchFamily="34" charset="0"/>
+                <a:ea typeface="Segoe UI" panose="020B0502040204020203" pitchFamily="34" charset="0"/>
+                <a:cs typeface="Segoe UI" panose="020B0502040204020203" pitchFamily="34" charset="0"/>
+              </a:rPr>
+              <a:t>RHEL7" </a:t>
+            </a:r>
+            <a:r>
+              <a:rPr kumimoji="0" lang="en-US" sz="900" kern="100" dirty="0">
+                <a:solidFill>
+                  <a:sysClr val="window" lastClr="FFFFFF"/>
+                </a:solidFill>
+                <a:latin typeface="Segoe UI" panose="020B0502040204020203" pitchFamily="34" charset="0"/>
+                <a:ea typeface="Segoe UI" panose="020B0502040204020203" pitchFamily="34" charset="0"/>
+                <a:cs typeface="Segoe UI" panose="020B0502040204020203" pitchFamily="34" charset="0"/>
+              </a:rPr>
+              <a:t>or "</a:t>
+            </a:r>
+            <a:r>
+              <a:rPr kumimoji="0" lang="en-US" sz="900" kern="100" dirty="0" smtClean="0">
+                <a:solidFill>
+                  <a:sysClr val="window" lastClr="FFFFFF"/>
+                </a:solidFill>
+                <a:latin typeface="Segoe UI" panose="020B0502040204020203" pitchFamily="34" charset="0"/>
+                <a:ea typeface="Segoe UI" panose="020B0502040204020203" pitchFamily="34" charset="0"/>
+                <a:cs typeface="Segoe UI" panose="020B0502040204020203" pitchFamily="34" charset="0"/>
+              </a:rPr>
+              <a:t>RHEL8")</a:t>
+            </a:r>
+            <a:endParaRPr kumimoji="0" lang="en-US" sz="900" kern="100" dirty="0">
+              <a:solidFill>
+                <a:sysClr val="window" lastClr="FFFFFF"/>
+              </a:solidFill>
+              <a:latin typeface="Segoe UI" panose="020B0502040204020203" pitchFamily="34" charset="0"/>
+              <a:ea typeface="Segoe UI" panose="020B0502040204020203" pitchFamily="34" charset="0"/>
+              <a:cs typeface="Segoe UI" panose="020B0502040204020203" pitchFamily="34" charset="0"/>
+            </a:endParaRPr>
           </a:p>
           <a:p>
             <a:pPr lvl="0">
@@ -22289,8 +19992,27 @@
                 <a:ea typeface="Segoe UI" panose="020B0502040204020203" pitchFamily="34" charset="0"/>
                 <a:cs typeface="Segoe UI" panose="020B0502040204020203" pitchFamily="34" charset="0"/>
               </a:rPr>
-              <a:t>) ita_os:RHEL7</a:t>
-            </a:r>
+              <a:t>) </a:t>
+            </a:r>
+            <a:r>
+              <a:rPr kumimoji="0" lang="en-US" sz="900" kern="100" dirty="0" smtClean="0">
+                <a:solidFill>
+                  <a:sysClr val="window" lastClr="FFFFFF"/>
+                </a:solidFill>
+                <a:latin typeface="Segoe UI" panose="020B0502040204020203" pitchFamily="34" charset="0"/>
+                <a:ea typeface="Segoe UI" panose="020B0502040204020203" pitchFamily="34" charset="0"/>
+                <a:cs typeface="Segoe UI" panose="020B0502040204020203" pitchFamily="34" charset="0"/>
+              </a:rPr>
+              <a:t>ita_os:RHEL8</a:t>
+            </a:r>
+            <a:endParaRPr kumimoji="0" lang="en-US" sz="900" kern="100" dirty="0">
+              <a:solidFill>
+                <a:sysClr val="window" lastClr="FFFFFF"/>
+              </a:solidFill>
+              <a:latin typeface="Segoe UI" panose="020B0502040204020203" pitchFamily="34" charset="0"/>
+              <a:ea typeface="Segoe UI" panose="020B0502040204020203" pitchFamily="34" charset="0"/>
+              <a:cs typeface="Segoe UI" panose="020B0502040204020203" pitchFamily="34" charset="0"/>
+            </a:endParaRPr>
           </a:p>
           <a:p>
             <a:pPr lvl="0">
@@ -23835,11 +21557,15 @@
               <a:buNone/>
             </a:pPr>
             <a:r>
+              <a:rPr lang="en-US" altLang="ja-JP" sz="1600" dirty="0"/>
+              <a:t>#</a:t>
+            </a:r>
+            <a:r>
               <a:rPr lang="en-US" altLang="ja-JP" sz="1600" dirty="0" smtClean="0"/>
-              <a:t>$</a:t>
-            </a:r>
-            <a:r>
-              <a:rPr lang="en-US" altLang="ja-JP" sz="1600" dirty="0" err="1"/>
+              <a:t> </a:t>
+            </a:r>
+            <a:r>
+              <a:rPr lang="en-US" altLang="ja-JP" sz="1600" dirty="0" err="1" smtClean="0"/>
               <a:t>sh</a:t>
             </a:r>
             <a:r>
@@ -24118,14 +21844,14 @@
           <p:nvPr>
             <p:extLst>
               <p:ext uri="{D42A27DB-BD31-4B8C-83A1-F6EECF244321}">
-                <p14:modId xmlns:p14="http://schemas.microsoft.com/office/powerpoint/2010/main" val="2440818691"/>
+                <p14:modId xmlns:p14="http://schemas.microsoft.com/office/powerpoint/2010/main" val="1894921612"/>
               </p:ext>
             </p:extLst>
           </p:nvPr>
         </p:nvGraphicFramePr>
         <p:xfrm>
           <a:off x="755470" y="1700760"/>
-          <a:ext cx="6552910" cy="4599261"/>
+          <a:ext cx="6552910" cy="3920492"/>
         </p:xfrm>
         <a:graphic>
           <a:graphicData uri="http://schemas.openxmlformats.org/drawingml/2006/table">
@@ -24137,21 +21863,21 @@
                 <a:gridCol w="1724450">
                   <a:extLst>
                     <a:ext uri="{9D8B030D-6E8A-4147-A177-3AD203B41FA5}">
-                      <a16:colId xmlns:a16="http://schemas.microsoft.com/office/drawing/2014/main" xmlns="" val="20000"/>
+                      <a16:colId xmlns:a16="http://schemas.microsoft.com/office/drawing/2014/main" val="20000"/>
                     </a:ext>
                   </a:extLst>
                 </a:gridCol>
                 <a:gridCol w="1788449">
                   <a:extLst>
                     <a:ext uri="{9D8B030D-6E8A-4147-A177-3AD203B41FA5}">
-                      <a16:colId xmlns:a16="http://schemas.microsoft.com/office/drawing/2014/main" xmlns="" val="20001"/>
+                      <a16:colId xmlns:a16="http://schemas.microsoft.com/office/drawing/2014/main" val="20001"/>
                     </a:ext>
                   </a:extLst>
                 </a:gridCol>
                 <a:gridCol w="3040011">
                   <a:extLst>
                     <a:ext uri="{9D8B030D-6E8A-4147-A177-3AD203B41FA5}">
-                      <a16:colId xmlns:a16="http://schemas.microsoft.com/office/drawing/2014/main" xmlns="" val="20002"/>
+                      <a16:colId xmlns:a16="http://schemas.microsoft.com/office/drawing/2014/main" val="20002"/>
                     </a:ext>
                   </a:extLst>
                 </a:gridCol>
@@ -24264,7 +21990,7 @@
                 </a:tc>
                 <a:extLst>
                   <a:ext uri="{0D108BD9-81ED-4DB2-BD59-A6C34878D82A}">
-                    <a16:rowId xmlns:a16="http://schemas.microsoft.com/office/drawing/2014/main" xmlns="" val="10000"/>
+                    <a16:rowId xmlns:a16="http://schemas.microsoft.com/office/drawing/2014/main" val="10000"/>
                   </a:ext>
                 </a:extLst>
               </a:tr>
@@ -24358,19 +22084,49 @@
                           <a:ea typeface="Segoe UI" panose="020B0502040204020203" pitchFamily="34" charset="0"/>
                           <a:cs typeface="Segoe UI" panose="020B0502040204020203" pitchFamily="34" charset="0"/>
                         </a:rPr>
-                        <a:t>yum-utils</a:t>
+                        <a:t>yum-</a:t>
+                      </a:r>
+                      <a:r>
+                        <a:rPr lang="en-US" sz="1050" kern="100" dirty="0" err="1" smtClean="0">
+                          <a:effectLst/>
+                          <a:latin typeface="Segoe UI" panose="020B0502040204020203" pitchFamily="34" charset="0"/>
+                          <a:ea typeface="Segoe UI" panose="020B0502040204020203" pitchFamily="34" charset="0"/>
+                          <a:cs typeface="Segoe UI" panose="020B0502040204020203" pitchFamily="34" charset="0"/>
+                        </a:rPr>
+                        <a:t>utils</a:t>
                       </a:r>
                       <a:r>
                         <a:rPr lang="en-US" altLang="ja-JP" sz="1050" kern="100" dirty="0" smtClean="0">
                           <a:effectLst/>
-                          <a:latin typeface="Segoe UI" panose="020B0502040204020203" pitchFamily="34" charset="0"/>
-                          <a:ea typeface="Segoe UI" panose="020B0502040204020203" pitchFamily="34" charset="0"/>
-                          <a:cs typeface="Segoe UI" panose="020B0502040204020203" pitchFamily="34" charset="0"/>
-                        </a:rPr>
-                        <a:t>, </a:t>
-                      </a:r>
-                      <a:r>
-                        <a:rPr lang="en-US" sz="1050" kern="100" dirty="0" smtClean="0">
+                        </a:rPr>
+                        <a:t>(※1),</a:t>
+                      </a:r>
+                      <a:r>
+                        <a:rPr lang="en-US" altLang="ja-JP" sz="1050" kern="100" baseline="0" dirty="0" smtClean="0">
+                          <a:effectLst/>
+                        </a:rPr>
+                        <a:t> </a:t>
+                      </a:r>
+                      <a:r>
+                        <a:rPr lang="en-US" altLang="ja-JP" sz="1050" kern="100" dirty="0" err="1" smtClean="0">
+                          <a:effectLst/>
+                        </a:rPr>
+                        <a:t>dnf</a:t>
+                      </a:r>
+                      <a:r>
+                        <a:rPr lang="en-US" altLang="ja-JP" sz="1050" kern="100" dirty="0" smtClean="0">
+                          <a:effectLst/>
+                        </a:rPr>
+                        <a:t>(※2),</a:t>
+                      </a:r>
+                      <a:r>
+                        <a:rPr lang="en-US" altLang="ja-JP" sz="1050" kern="100" baseline="0" dirty="0" smtClean="0">
+                          <a:effectLst/>
+                        </a:rPr>
+                        <a:t> </a:t>
+                      </a:r>
+                      <a:r>
+                        <a:rPr lang="en-US" sz="1050" kern="100" dirty="0" err="1" smtClean="0">
                           <a:effectLst/>
                           <a:latin typeface="Segoe UI" panose="020B0502040204020203" pitchFamily="34" charset="0"/>
                           <a:ea typeface="Segoe UI" panose="020B0502040204020203" pitchFamily="34" charset="0"/>
@@ -24394,7 +22150,7 @@
                 </a:tc>
                 <a:extLst>
                   <a:ext uri="{0D108BD9-81ED-4DB2-BD59-A6C34878D82A}">
-                    <a16:rowId xmlns:a16="http://schemas.microsoft.com/office/drawing/2014/main" xmlns="" val="10001"/>
+                    <a16:rowId xmlns:a16="http://schemas.microsoft.com/office/drawing/2014/main" val="10001"/>
                   </a:ext>
                 </a:extLst>
               </a:tr>
@@ -24554,7 +22310,7 @@
                 </a:tc>
                 <a:extLst>
                   <a:ext uri="{0D108BD9-81ED-4DB2-BD59-A6C34878D82A}">
-                    <a16:rowId xmlns:a16="http://schemas.microsoft.com/office/drawing/2014/main" xmlns="" val="10002"/>
+                    <a16:rowId xmlns:a16="http://schemas.microsoft.com/office/drawing/2014/main" val="10002"/>
                   </a:ext>
                 </a:extLst>
               </a:tr>
@@ -24654,7 +22410,7 @@
                 </a:tc>
                 <a:extLst>
                   <a:ext uri="{0D108BD9-81ED-4DB2-BD59-A6C34878D82A}">
-                    <a16:rowId xmlns:a16="http://schemas.microsoft.com/office/drawing/2014/main" xmlns="" val="10003"/>
+                    <a16:rowId xmlns:a16="http://schemas.microsoft.com/office/drawing/2014/main" val="10003"/>
                   </a:ext>
                 </a:extLst>
               </a:tr>
@@ -24778,7 +22534,7 @@
                 </a:tc>
                 <a:extLst>
                   <a:ext uri="{0D108BD9-81ED-4DB2-BD59-A6C34878D82A}">
-                    <a16:rowId xmlns:a16="http://schemas.microsoft.com/office/drawing/2014/main" xmlns="" val="10004"/>
+                    <a16:rowId xmlns:a16="http://schemas.microsoft.com/office/drawing/2014/main" val="10004"/>
                   </a:ext>
                 </a:extLst>
               </a:tr>
@@ -24854,10 +22610,22 @@
                     <a:bodyPr/>
                     <a:lstStyle/>
                     <a:p>
-                      <a:pPr algn="just">
+                      <a:pPr marL="0" marR="0" lvl="0" indent="0" algn="just" defTabSz="914400" rtl="0" eaLnBrk="1" fontAlgn="auto" latinLnBrk="0" hangingPunct="1">
+                        <a:lnSpc>
+                          <a:spcPct val="100000"/>
+                        </a:lnSpc>
+                        <a:spcBef>
+                          <a:spcPts val="0"/>
+                        </a:spcBef>
                         <a:spcAft>
                           <a:spcPts val="0"/>
                         </a:spcAft>
+                        <a:buClrTx/>
+                        <a:buSzTx/>
+                        <a:buFontTx/>
+                        <a:buNone/>
+                        <a:tabLst/>
+                        <a:defRPr/>
                       </a:pPr>
                       <a:r>
                         <a:rPr lang="en-US" sz="1050" kern="100" dirty="0" smtClean="0">
@@ -25004,13 +22772,40 @@
                         <a:t>, </a:t>
                       </a:r>
                       <a:r>
+                        <a:rPr lang="en-US" sz="1050" kern="100" dirty="0" err="1" smtClean="0">
+                          <a:effectLst/>
+                          <a:latin typeface="Segoe UI" panose="020B0502040204020203" pitchFamily="34" charset="0"/>
+                          <a:ea typeface="Segoe UI" panose="020B0502040204020203" pitchFamily="34" charset="0"/>
+                          <a:cs typeface="Segoe UI" panose="020B0502040204020203" pitchFamily="34" charset="0"/>
+                        </a:rPr>
+                        <a:t>php</a:t>
+                      </a:r>
+                      <a:r>
                         <a:rPr lang="en-US" sz="1050" kern="100" dirty="0" smtClean="0">
                           <a:effectLst/>
                           <a:latin typeface="Segoe UI" panose="020B0502040204020203" pitchFamily="34" charset="0"/>
                           <a:ea typeface="Segoe UI" panose="020B0502040204020203" pitchFamily="34" charset="0"/>
                           <a:cs typeface="Segoe UI" panose="020B0502040204020203" pitchFamily="34" charset="0"/>
                         </a:rPr>
-                        <a:t>php-pecl-crypto</a:t>
+                        <a:t>-</a:t>
+                      </a:r>
+                      <a:r>
+                        <a:rPr lang="en-US" sz="1050" kern="100" dirty="0" err="1" smtClean="0">
+                          <a:effectLst/>
+                          <a:latin typeface="Segoe UI" panose="020B0502040204020203" pitchFamily="34" charset="0"/>
+                          <a:ea typeface="Segoe UI" panose="020B0502040204020203" pitchFamily="34" charset="0"/>
+                          <a:cs typeface="Segoe UI" panose="020B0502040204020203" pitchFamily="34" charset="0"/>
+                        </a:rPr>
+                        <a:t>pecl</a:t>
+                      </a:r>
+                      <a:r>
+                        <a:rPr lang="en-US" sz="1050" kern="100" dirty="0" smtClean="0">
+                          <a:effectLst/>
+                          <a:latin typeface="Segoe UI" panose="020B0502040204020203" pitchFamily="34" charset="0"/>
+                          <a:ea typeface="Segoe UI" panose="020B0502040204020203" pitchFamily="34" charset="0"/>
+                          <a:cs typeface="Segoe UI" panose="020B0502040204020203" pitchFamily="34" charset="0"/>
+                        </a:rPr>
+                        <a:t>-crypto</a:t>
                       </a:r>
                       <a:r>
                         <a:rPr lang="en-US" altLang="ja-JP" sz="1050" kern="100" dirty="0" smtClean="0">
@@ -25019,6 +22814,60 @@
                           <a:ea typeface="Segoe UI" panose="020B0502040204020203" pitchFamily="34" charset="0"/>
                           <a:cs typeface="Segoe UI" panose="020B0502040204020203" pitchFamily="34" charset="0"/>
                         </a:rPr>
+                        <a:t>,</a:t>
+                      </a:r>
+                      <a:r>
+                        <a:rPr lang="en-US" altLang="ja-JP" sz="1050" kern="100" baseline="0" dirty="0" smtClean="0">
+                          <a:effectLst/>
+                          <a:latin typeface="Segoe UI" panose="020B0502040204020203" pitchFamily="34" charset="0"/>
+                          <a:ea typeface="Segoe UI" panose="020B0502040204020203" pitchFamily="34" charset="0"/>
+                          <a:cs typeface="Segoe UI" panose="020B0502040204020203" pitchFamily="34" charset="0"/>
+                        </a:rPr>
+                        <a:t> </a:t>
+                      </a:r>
+                      <a:r>
+                        <a:rPr lang="en-US" sz="1050" kern="100" dirty="0" err="1" smtClean="0">
+                          <a:effectLst/>
+                          <a:latin typeface="Segoe UI" panose="020B0502040204020203" pitchFamily="34" charset="0"/>
+                          <a:ea typeface="Segoe UI" panose="020B0502040204020203" pitchFamily="34" charset="0"/>
+                          <a:cs typeface="Segoe UI" panose="020B0502040204020203" pitchFamily="34" charset="0"/>
+                        </a:rPr>
+                        <a:t>php</a:t>
+                      </a:r>
+                      <a:r>
+                        <a:rPr lang="en-US" sz="1050" kern="100" dirty="0" smtClean="0">
+                          <a:effectLst/>
+                          <a:latin typeface="Segoe UI" panose="020B0502040204020203" pitchFamily="34" charset="0"/>
+                          <a:ea typeface="Segoe UI" panose="020B0502040204020203" pitchFamily="34" charset="0"/>
+                          <a:cs typeface="Segoe UI" panose="020B0502040204020203" pitchFamily="34" charset="0"/>
+                        </a:rPr>
+                        <a:t>-</a:t>
+                      </a:r>
+                      <a:r>
+                        <a:rPr lang="en-US" sz="1050" kern="100" dirty="0" err="1" smtClean="0">
+                          <a:effectLst/>
+                          <a:latin typeface="Segoe UI" panose="020B0502040204020203" pitchFamily="34" charset="0"/>
+                          <a:ea typeface="Segoe UI" panose="020B0502040204020203" pitchFamily="34" charset="0"/>
+                          <a:cs typeface="Segoe UI" panose="020B0502040204020203" pitchFamily="34" charset="0"/>
+                        </a:rPr>
+                        <a:t>pecl</a:t>
+                      </a:r>
+                      <a:r>
+                        <a:rPr lang="en-US" sz="1050" kern="100" dirty="0" smtClean="0">
+                          <a:effectLst/>
+                          <a:latin typeface="Segoe UI" panose="020B0502040204020203" pitchFamily="34" charset="0"/>
+                          <a:ea typeface="Segoe UI" panose="020B0502040204020203" pitchFamily="34" charset="0"/>
+                          <a:cs typeface="Segoe UI" panose="020B0502040204020203" pitchFamily="34" charset="0"/>
+                        </a:rPr>
+                        <a:t>-zip</a:t>
+                      </a:r>
+                      <a:r>
+                        <a:rPr lang="en-US" altLang="ja-JP" sz="1050" kern="100" dirty="0" smtClean="0">
+                          <a:effectLst/>
+                          <a:latin typeface="Segoe UI" panose="020B0502040204020203" pitchFamily="34" charset="0"/>
+                          <a:ea typeface="Segoe UI" panose="020B0502040204020203" pitchFamily="34" charset="0"/>
+                          <a:cs typeface="Segoe UI" panose="020B0502040204020203" pitchFamily="34" charset="0"/>
+                        </a:rPr>
                         <a:t>, </a:t>
                       </a:r>
                       <a:r>
@@ -25028,7 +22877,7 @@
                           <a:ea typeface="Segoe UI" panose="020B0502040204020203" pitchFamily="34" charset="0"/>
                           <a:cs typeface="Segoe UI" panose="020B0502040204020203" pitchFamily="34" charset="0"/>
                         </a:rPr>
-                        <a:t>php-pecl-zip</a:t>
+                        <a:t>php-process</a:t>
                       </a:r>
                       <a:r>
                         <a:rPr lang="en-US" altLang="ja-JP" sz="1050" kern="100" dirty="0" smtClean="0">
@@ -25046,7 +22895,7 @@
                           <a:ea typeface="Segoe UI" panose="020B0502040204020203" pitchFamily="34" charset="0"/>
                           <a:cs typeface="Segoe UI" panose="020B0502040204020203" pitchFamily="34" charset="0"/>
                         </a:rPr>
-                        <a:t>php-process</a:t>
+                        <a:t>php-snmp</a:t>
                       </a:r>
                       <a:r>
                         <a:rPr lang="en-US" altLang="ja-JP" sz="1050" kern="100" dirty="0" smtClean="0">
@@ -25058,37 +22907,94 @@
                         <a:t>, </a:t>
                       </a:r>
                       <a:r>
+                        <a:rPr lang="en-US" sz="1050" kern="100" dirty="0" err="1" smtClean="0">
+                          <a:effectLst/>
+                          <a:latin typeface="Segoe UI" panose="020B0502040204020203" pitchFamily="34" charset="0"/>
+                          <a:ea typeface="Segoe UI" panose="020B0502040204020203" pitchFamily="34" charset="0"/>
+                          <a:cs typeface="Segoe UI" panose="020B0502040204020203" pitchFamily="34" charset="0"/>
+                        </a:rPr>
+                        <a:t>php</a:t>
+                      </a:r>
+                      <a:r>
                         <a:rPr lang="en-US" sz="1050" kern="100" dirty="0" smtClean="0">
                           <a:effectLst/>
                           <a:latin typeface="Segoe UI" panose="020B0502040204020203" pitchFamily="34" charset="0"/>
                           <a:ea typeface="Segoe UI" panose="020B0502040204020203" pitchFamily="34" charset="0"/>
                           <a:cs typeface="Segoe UI" panose="020B0502040204020203" pitchFamily="34" charset="0"/>
                         </a:rPr>
-                        <a:t>php-snmp</a:t>
+                        <a:t>-xml</a:t>
+                      </a:r>
+                      <a:r>
+                        <a:rPr lang="en-US" sz="1050" kern="100" dirty="0" smtClean="0">
+                          <a:effectLst/>
+                          <a:latin typeface="+mn-lt"/>
+                          <a:ea typeface="+mn-ea"/>
+                          <a:cs typeface="+mn-cs"/>
+                        </a:rPr>
+                        <a:t>,</a:t>
+                      </a:r>
+                      <a:r>
+                        <a:rPr lang="en-US" sz="1050" kern="100" baseline="0" dirty="0" smtClean="0">
+                          <a:effectLst/>
+                          <a:latin typeface="+mn-lt"/>
+                          <a:ea typeface="+mn-ea"/>
+                          <a:cs typeface="+mn-cs"/>
+                        </a:rPr>
+                        <a:t>  </a:t>
+                      </a:r>
+                      <a:r>
+                        <a:rPr lang="en-US" altLang="ja-JP" sz="1050" kern="100" dirty="0" err="1" smtClean="0">
+                          <a:effectLst/>
+                        </a:rPr>
+                        <a:t>php-json</a:t>
                       </a:r>
                       <a:r>
                         <a:rPr lang="en-US" altLang="ja-JP" sz="1050" kern="100" dirty="0" smtClean="0">
                           <a:effectLst/>
-                          <a:latin typeface="Segoe UI" panose="020B0502040204020203" pitchFamily="34" charset="0"/>
-                          <a:ea typeface="Segoe UI" panose="020B0502040204020203" pitchFamily="34" charset="0"/>
-                          <a:cs typeface="Segoe UI" panose="020B0502040204020203" pitchFamily="34" charset="0"/>
-                        </a:rPr>
-                        <a:t>, </a:t>
-                      </a:r>
-                      <a:r>
-                        <a:rPr lang="en-US" sz="1050" kern="100" dirty="0" smtClean="0">
-                          <a:effectLst/>
-                          <a:latin typeface="Segoe UI" panose="020B0502040204020203" pitchFamily="34" charset="0"/>
-                          <a:ea typeface="Segoe UI" panose="020B0502040204020203" pitchFamily="34" charset="0"/>
-                          <a:cs typeface="Segoe UI" panose="020B0502040204020203" pitchFamily="34" charset="0"/>
-                        </a:rPr>
-                        <a:t>php-xml</a:t>
-                      </a:r>
-                      <a:endParaRPr lang="ja-JP" sz="1050" kern="100" dirty="0">
+                        </a:rPr>
+                        <a:t>,</a:t>
+                      </a:r>
+                      <a:r>
+                        <a:rPr lang="en-US" altLang="ja-JP" sz="1050" kern="100" baseline="0" dirty="0" smtClean="0">
+                          <a:effectLst/>
+                        </a:rPr>
+                        <a:t>  </a:t>
+                      </a:r>
+                      <a:r>
+                        <a:rPr lang="en-US" altLang="ja-JP" sz="1050" kern="100" dirty="0" err="1" smtClean="0">
+                          <a:effectLst/>
+                        </a:rPr>
+                        <a:t>php</a:t>
+                      </a:r>
+                      <a:r>
+                        <a:rPr lang="en-US" altLang="ja-JP" sz="1050" kern="100" dirty="0" smtClean="0">
+                          <a:effectLst/>
+                        </a:rPr>
+                        <a:t>-zip,</a:t>
+                      </a:r>
+                      <a:r>
+                        <a:rPr lang="en-US" altLang="ja-JP" sz="1050" kern="100" baseline="0" dirty="0" smtClean="0">
+                          <a:effectLst/>
+                        </a:rPr>
+                        <a:t> </a:t>
+                      </a:r>
+                      <a:r>
+                        <a:rPr lang="en-US" altLang="ja-JP" sz="1050" kern="100" dirty="0" smtClean="0">
+                          <a:effectLst/>
+                        </a:rPr>
+                        <a:t> </a:t>
+                      </a:r>
+                      <a:r>
+                        <a:rPr lang="en-US" altLang="ja-JP" sz="1050" kern="100" dirty="0" err="1" smtClean="0">
+                          <a:effectLst/>
+                        </a:rPr>
+                        <a:t>php-gd</a:t>
+                      </a:r>
+                      <a:endParaRPr lang="ja-JP" altLang="ja-JP" sz="1050" kern="100" dirty="0" smtClean="0">
                         <a:effectLst/>
-                        <a:latin typeface="Segoe UI" panose="020B0502040204020203" pitchFamily="34" charset="0"/>
+                        <a:latin typeface="Century" panose="02040604050505020304" pitchFamily="18" charset="0"/>
                         <a:ea typeface="ＭＳ 明朝" panose="02020609040205080304" pitchFamily="17" charset="-128"/>
-                        <a:cs typeface="Segoe UI" panose="020B0502040204020203" pitchFamily="34" charset="0"/>
+                        <a:cs typeface="Times New Roman" panose="02020603050405020304" pitchFamily="18" charset="0"/>
                       </a:endParaRPr>
                     </a:p>
                   </a:txBody>
@@ -25100,7 +23006,7 @@
                 </a:tc>
                 <a:extLst>
                   <a:ext uri="{0D108BD9-81ED-4DB2-BD59-A6C34878D82A}">
-                    <a16:rowId xmlns:a16="http://schemas.microsoft.com/office/drawing/2014/main" xmlns="" val="10005"/>
+                    <a16:rowId xmlns:a16="http://schemas.microsoft.com/office/drawing/2014/main" val="10005"/>
                   </a:ext>
                 </a:extLst>
               </a:tr>
@@ -25199,7 +23105,22 @@
                           <a:ea typeface="Segoe UI" panose="020B0502040204020203" pitchFamily="34" charset="0"/>
                           <a:cs typeface="Segoe UI" panose="020B0502040204020203" pitchFamily="34" charset="0"/>
                         </a:rPr>
-                        <a:t>PHPExcel, Spyc, Twig, MDB2, HTTP_Request2, Auth, HTML_AJAX-beta</a:t>
+                        <a:t>PHPExcel, Spyc, Twig, MDB2, HTTP_Request2, Auth, </a:t>
+                      </a:r>
+                      <a:r>
+                        <a:rPr lang="en-US" sz="1050" kern="100" dirty="0" smtClean="0">
+                          <a:effectLst/>
+                          <a:latin typeface="Segoe UI" panose="020B0502040204020203" pitchFamily="34" charset="0"/>
+                          <a:ea typeface="Segoe UI" panose="020B0502040204020203" pitchFamily="34" charset="0"/>
+                          <a:cs typeface="Segoe UI" panose="020B0502040204020203" pitchFamily="34" charset="0"/>
+                        </a:rPr>
+                        <a:t>HTML_AJAX-beta, </a:t>
+                      </a:r>
+                      <a:r>
+                        <a:rPr lang="en-US" altLang="ja-JP" sz="1050" kern="100" dirty="0" err="1" smtClean="0">
+                          <a:effectLst/>
+                        </a:rPr>
+                        <a:t>PhpSpreadsheet</a:t>
                       </a:r>
                       <a:endParaRPr lang="ja-JP" sz="1050" kern="100" dirty="0">
                         <a:effectLst/>
@@ -25217,7 +23138,7 @@
                 </a:tc>
                 <a:extLst>
                   <a:ext uri="{0D108BD9-81ED-4DB2-BD59-A6C34878D82A}">
-                    <a16:rowId xmlns:a16="http://schemas.microsoft.com/office/drawing/2014/main" xmlns="" val="10006"/>
+                    <a16:rowId xmlns:a16="http://schemas.microsoft.com/office/drawing/2014/main" val="10006"/>
                   </a:ext>
                 </a:extLst>
               </a:tr>
@@ -25323,7 +23244,7 @@
                 </a:tc>
                 <a:extLst>
                   <a:ext uri="{0D108BD9-81ED-4DB2-BD59-A6C34878D82A}">
-                    <a16:rowId xmlns:a16="http://schemas.microsoft.com/office/drawing/2014/main" xmlns="" val="10007"/>
+                    <a16:rowId xmlns:a16="http://schemas.microsoft.com/office/drawing/2014/main" val="10007"/>
                   </a:ext>
                 </a:extLst>
               </a:tr>
@@ -25429,7 +23350,16 @@
                           <a:ea typeface="Segoe UI" panose="020B0502040204020203" pitchFamily="34" charset="0"/>
                           <a:cs typeface="Segoe UI" panose="020B0502040204020203" pitchFamily="34" charset="0"/>
                         </a:rPr>
-                        <a:t>python-pip</a:t>
+                        <a:t>python3-pip, </a:t>
+                      </a:r>
+                      <a:r>
+                        <a:rPr lang="en-US" altLang="ja-JP" sz="1050" kern="100" dirty="0" err="1" smtClean="0">
+                          <a:effectLst/>
+                          <a:latin typeface="Segoe UI" panose="020B0502040204020203" pitchFamily="34" charset="0"/>
+                          <a:ea typeface="Segoe UI" panose="020B0502040204020203" pitchFamily="34" charset="0"/>
+                          <a:cs typeface="Segoe UI" panose="020B0502040204020203" pitchFamily="34" charset="0"/>
+                        </a:rPr>
+                        <a:t>sshpass</a:t>
                       </a:r>
                       <a:endParaRPr lang="ja-JP" sz="1050" kern="100" dirty="0">
                         <a:effectLst/>
@@ -25447,107 +23377,7 @@
                 </a:tc>
                 <a:extLst>
                   <a:ext uri="{0D108BD9-81ED-4DB2-BD59-A6C34878D82A}">
-                    <a16:rowId xmlns:a16="http://schemas.microsoft.com/office/drawing/2014/main" xmlns="" val="10008"/>
-                  </a:ext>
-                </a:extLst>
-              </a:tr>
-              <a:tr h="678769">
-                <a:tc>
-                  <a:txBody>
-                    <a:bodyPr/>
-                    <a:lstStyle/>
-                    <a:p>
-                      <a:pPr algn="just">
-                        <a:spcAft>
-                          <a:spcPts val="0"/>
-                        </a:spcAft>
-                      </a:pPr>
-                      <a:r>
-                        <a:rPr lang="en-US" sz="1000" kern="100" dirty="0">
-                          <a:effectLst/>
-                          <a:latin typeface="Segoe UI" panose="020B0502040204020203" pitchFamily="34" charset="0"/>
-                          <a:ea typeface="Segoe UI" panose="020B0502040204020203" pitchFamily="34" charset="0"/>
-                          <a:cs typeface="Segoe UI" panose="020B0502040204020203" pitchFamily="34" charset="0"/>
-                        </a:rPr>
-                        <a:t>cobbler_driver</a:t>
-                      </a:r>
-                      <a:endParaRPr lang="ja-JP" sz="1000" kern="100" dirty="0">
-                        <a:effectLst/>
-                        <a:latin typeface="Segoe UI" panose="020B0502040204020203" pitchFamily="34" charset="0"/>
-                        <a:ea typeface="ＭＳ 明朝" panose="02020609040205080304" pitchFamily="17" charset="-128"/>
-                        <a:cs typeface="Segoe UI" panose="020B0502040204020203" pitchFamily="34" charset="0"/>
-                      </a:endParaRPr>
-                    </a:p>
-                  </a:txBody>
-                  <a:tcPr marL="68580" marR="68580" marT="0" marB="0" anchor="ctr">
-                    <a:solidFill>
-                      <a:srgbClr val="002B62"/>
-                    </a:solidFill>
-                  </a:tcPr>
-                </a:tc>
-                <a:tc>
-                  <a:txBody>
-                    <a:bodyPr/>
-                    <a:lstStyle/>
-                    <a:p>
-                      <a:pPr algn="just">
-                        <a:spcAft>
-                          <a:spcPts val="0"/>
-                        </a:spcAft>
-                      </a:pPr>
-                      <a:r>
-                        <a:rPr lang="en-US" sz="1050" kern="100" dirty="0" smtClean="0">
-                          <a:effectLst/>
-                          <a:latin typeface="Segoe UI" panose="020B0502040204020203" pitchFamily="34" charset="0"/>
-                          <a:ea typeface="Segoe UI" panose="020B0502040204020203" pitchFamily="34" charset="0"/>
-                          <a:cs typeface="Segoe UI" panose="020B0502040204020203" pitchFamily="34" charset="0"/>
-                        </a:rPr>
-                        <a:t>Cobbler</a:t>
-                      </a:r>
-                      <a:endParaRPr lang="ja-JP" sz="1050" kern="100" dirty="0">
-                        <a:effectLst/>
-                        <a:latin typeface="Segoe UI" panose="020B0502040204020203" pitchFamily="34" charset="0"/>
-                        <a:ea typeface="ＭＳ 明朝" panose="02020609040205080304" pitchFamily="17" charset="-128"/>
-                        <a:cs typeface="Segoe UI" panose="020B0502040204020203" pitchFamily="34" charset="0"/>
-                      </a:endParaRPr>
-                    </a:p>
-                  </a:txBody>
-                  <a:tcPr marL="68580" marR="68580" marT="0" marB="0" anchor="ctr">
-                    <a:solidFill>
-                      <a:srgbClr val="CBCDD3"/>
-                    </a:solidFill>
-                  </a:tcPr>
-                </a:tc>
-                <a:tc>
-                  <a:txBody>
-                    <a:bodyPr/>
-                    <a:lstStyle/>
-                    <a:p>
-                      <a:pPr algn="just">
-                        <a:spcAft>
-                          <a:spcPts val="0"/>
-                        </a:spcAft>
-                      </a:pPr>
-                      <a:r>
-                        <a:rPr lang="en-US" sz="1050" kern="100" dirty="0" smtClean="0">
-                          <a:effectLst/>
-                          <a:latin typeface="Segoe UI" panose="020B0502040204020203" pitchFamily="34" charset="0"/>
-                          <a:ea typeface="Segoe UI" panose="020B0502040204020203" pitchFamily="34" charset="0"/>
-                          <a:cs typeface="Segoe UI" panose="020B0502040204020203" pitchFamily="34" charset="0"/>
-                        </a:rPr>
-                        <a:t>cobbler、dhcp、pykickstart、fence-agents、debmirror、xinetd、cobbler-web(*1)、python-cheetah(*2)</a:t>
-                      </a:r>
-                    </a:p>
-                  </a:txBody>
-                  <a:tcPr marL="68580" marR="68580" marT="0" marB="0" anchor="ctr">
-                    <a:solidFill>
-                      <a:srgbClr val="CBCDD3"/>
-                    </a:solidFill>
-                  </a:tcPr>
-                </a:tc>
-                <a:extLst>
-                  <a:ext uri="{0D108BD9-81ED-4DB2-BD59-A6C34878D82A}">
-                    <a16:rowId xmlns:a16="http://schemas.microsoft.com/office/drawing/2014/main" xmlns="" val="10009"/>
+                    <a16:rowId xmlns:a16="http://schemas.microsoft.com/office/drawing/2014/main" val="10008"/>
                   </a:ext>
                 </a:extLst>
               </a:tr>
@@ -25603,7 +23433,7 @@
             </a:r>
             <a:r>
               <a:rPr lang="en-US" altLang="ja-JP" sz="1000" kern="100" dirty="0" smtClean="0"/>
-              <a:t>2 only RHEL7</a:t>
+              <a:t>2 only RHEL8,CentOS8</a:t>
             </a:r>
             <a:endParaRPr lang="en-US" altLang="ja-JP" sz="1000" kern="100" dirty="0"/>
           </a:p>
@@ -26646,7 +24476,7 @@
                 <a:ea typeface="Segoe UI" panose="020B0502040204020203" pitchFamily="34" charset="0"/>
                 <a:cs typeface="Segoe UI" panose="020B0502040204020203" pitchFamily="34" charset="0"/>
               </a:rPr>
-              <a:t>For Windows 7, the hosts file is located at the following:</a:t>
+              <a:t>For Windows 10, the hosts file is located at the following:</a:t>
             </a:r>
           </a:p>
           <a:p>
@@ -26713,7 +24543,7 @@
                 <a:gridCol w="5485765">
                   <a:extLst>
                     <a:ext uri="{9D8B030D-6E8A-4147-A177-3AD203B41FA5}">
-                      <a16:colId xmlns:a16="http://schemas.microsoft.com/office/drawing/2014/main" xmlns="" val="20000"/>
+                      <a16:colId xmlns:a16="http://schemas.microsoft.com/office/drawing/2014/main" val="20000"/>
                     </a:ext>
                   </a:extLst>
                 </a:gridCol>
@@ -26754,7 +24584,7 @@
                 </a:tc>
                 <a:extLst>
                   <a:ext uri="{0D108BD9-81ED-4DB2-BD59-A6C34878D82A}">
-                    <a16:rowId xmlns:a16="http://schemas.microsoft.com/office/drawing/2014/main" xmlns="" val="10000"/>
+                    <a16:rowId xmlns:a16="http://schemas.microsoft.com/office/drawing/2014/main" val="10000"/>
                   </a:ext>
                 </a:extLst>
               </a:tr>
@@ -26790,7 +24620,7 @@
                 <a:gridCol w="5485765">
                   <a:extLst>
                     <a:ext uri="{9D8B030D-6E8A-4147-A177-3AD203B41FA5}">
-                      <a16:colId xmlns:a16="http://schemas.microsoft.com/office/drawing/2014/main" xmlns="" val="20000"/>
+                      <a16:colId xmlns:a16="http://schemas.microsoft.com/office/drawing/2014/main" val="20000"/>
                     </a:ext>
                   </a:extLst>
                 </a:gridCol>
@@ -26944,7 +24774,7 @@
                 </a:tc>
                 <a:extLst>
                   <a:ext uri="{0D108BD9-81ED-4DB2-BD59-A6C34878D82A}">
-                    <a16:rowId xmlns:a16="http://schemas.microsoft.com/office/drawing/2014/main" xmlns="" val="10000"/>
+                    <a16:rowId xmlns:a16="http://schemas.microsoft.com/office/drawing/2014/main" val="10000"/>
                   </a:ext>
                 </a:extLst>
               </a:tr>
@@ -27704,7 +25534,7 @@
           <p:nvPr>
             <p:extLst>
               <p:ext uri="{D42A27DB-BD31-4B8C-83A1-F6EECF244321}">
-                <p14:modId xmlns:p14="http://schemas.microsoft.com/office/powerpoint/2010/main" val="3507905059"/>
+                <p14:modId xmlns:p14="http://schemas.microsoft.com/office/powerpoint/2010/main" val="3170549319"/>
               </p:ext>
             </p:extLst>
           </p:nvPr>
@@ -27723,21 +25553,21 @@
                 <a:gridCol w="1780321">
                   <a:extLst>
                     <a:ext uri="{9D8B030D-6E8A-4147-A177-3AD203B41FA5}">
-                      <a16:colId xmlns:a16="http://schemas.microsoft.com/office/drawing/2014/main" xmlns="" val="20000"/>
+                      <a16:colId xmlns:a16="http://schemas.microsoft.com/office/drawing/2014/main" val="20000"/>
                     </a:ext>
                   </a:extLst>
                 </a:gridCol>
                 <a:gridCol w="3071300">
                   <a:extLst>
                     <a:ext uri="{9D8B030D-6E8A-4147-A177-3AD203B41FA5}">
-                      <a16:colId xmlns:a16="http://schemas.microsoft.com/office/drawing/2014/main" xmlns="" val="20001"/>
+                      <a16:colId xmlns:a16="http://schemas.microsoft.com/office/drawing/2014/main" val="20001"/>
                     </a:ext>
                   </a:extLst>
                 </a:gridCol>
                 <a:gridCol w="1877461">
                   <a:extLst>
                     <a:ext uri="{9D8B030D-6E8A-4147-A177-3AD203B41FA5}">
-                      <a16:colId xmlns:a16="http://schemas.microsoft.com/office/drawing/2014/main" xmlns="" val="20002"/>
+                      <a16:colId xmlns:a16="http://schemas.microsoft.com/office/drawing/2014/main" val="20002"/>
                     </a:ext>
                   </a:extLst>
                 </a:gridCol>
@@ -27833,7 +25663,7 @@
                 </a:tc>
                 <a:extLst>
                   <a:ext uri="{0D108BD9-81ED-4DB2-BD59-A6C34878D82A}">
-                    <a16:rowId xmlns:a16="http://schemas.microsoft.com/office/drawing/2014/main" xmlns="" val="10000"/>
+                    <a16:rowId xmlns:a16="http://schemas.microsoft.com/office/drawing/2014/main" val="10000"/>
                   </a:ext>
                 </a:extLst>
               </a:tr>
@@ -27852,13 +25682,25 @@
                         <a:rPr lang="en-US" sz="900" kern="100" dirty="0">
                           <a:effectLst/>
                         </a:rPr>
-                        <a:t>RHEL 6, CentOS </a:t>
+                        <a:t>RHEL </a:t>
                       </a:r>
                       <a:r>
                         <a:rPr lang="en-US" sz="900" kern="100" dirty="0" smtClean="0">
                           <a:effectLst/>
                         </a:rPr>
-                        <a:t>6</a:t>
+                        <a:t>7, </a:t>
+                      </a:r>
+                      <a:r>
+                        <a:rPr lang="en-US" sz="900" kern="100" dirty="0">
+                          <a:effectLst/>
+                        </a:rPr>
+                        <a:t>CentOS </a:t>
+                      </a:r>
+                      <a:r>
+                        <a:rPr lang="en-US" sz="900" kern="100" dirty="0" smtClean="0">
+                          <a:effectLst/>
+                        </a:rPr>
+                        <a:t>7</a:t>
                       </a:r>
                       <a:endParaRPr lang="ja-JP" sz="1050" kern="100" dirty="0">
                         <a:effectLst/>
@@ -27900,7 +25742,7 @@
                         <a:rPr lang="en-US" sz="1000" kern="100" dirty="0" smtClean="0">
                           <a:effectLst/>
                         </a:rPr>
-                        <a:t>/ext_files_for_CentOS6.x/</a:t>
+                        <a:t>/ext_files_for_CentOS7.x/</a:t>
                       </a:r>
                       <a:r>
                         <a:rPr lang="en-US" sz="1000" kern="100" dirty="0" err="1" smtClean="0">
@@ -27960,7 +25802,7 @@
                 </a:tc>
                 <a:extLst>
                   <a:ext uri="{0D108BD9-81ED-4DB2-BD59-A6C34878D82A}">
-                    <a16:rowId xmlns:a16="http://schemas.microsoft.com/office/drawing/2014/main" xmlns="" val="10001"/>
+                    <a16:rowId xmlns:a16="http://schemas.microsoft.com/office/drawing/2014/main" val="10001"/>
                   </a:ext>
                 </a:extLst>
               </a:tr>
@@ -27979,13 +25821,25 @@
                         <a:rPr lang="en-US" sz="900" kern="100" dirty="0">
                           <a:effectLst/>
                         </a:rPr>
-                        <a:t>RHEL 7, CentOS </a:t>
+                        <a:t>RHEL </a:t>
                       </a:r>
                       <a:r>
                         <a:rPr lang="en-US" sz="900" kern="100" dirty="0" smtClean="0">
                           <a:effectLst/>
                         </a:rPr>
-                        <a:t>7</a:t>
+                        <a:t>8, </a:t>
+                      </a:r>
+                      <a:r>
+                        <a:rPr lang="en-US" sz="900" kern="100" dirty="0">
+                          <a:effectLst/>
+                        </a:rPr>
+                        <a:t>CentOS </a:t>
+                      </a:r>
+                      <a:r>
+                        <a:rPr lang="en-US" sz="900" kern="100" dirty="0" smtClean="0">
+                          <a:effectLst/>
+                        </a:rPr>
+                        <a:t>8</a:t>
                       </a:r>
                       <a:endParaRPr lang="ja-JP" sz="1050" kern="100" dirty="0">
                         <a:effectLst/>
@@ -28039,7 +25893,7 @@
                         <a:rPr lang="en-US" sz="1000" kern="100" dirty="0" smtClean="0">
                           <a:effectLst/>
                         </a:rPr>
-                        <a:t>/ext_files_for_CentOS7.x/</a:t>
+                        <a:t>/ext_files_for_CentOS8.x/</a:t>
                       </a:r>
                       <a:r>
                         <a:rPr lang="en-US" sz="1000" kern="100" dirty="0" err="1" smtClean="0">
@@ -28099,7 +25953,7 @@
                 </a:tc>
                 <a:extLst>
                   <a:ext uri="{0D108BD9-81ED-4DB2-BD59-A6C34878D82A}">
-                    <a16:rowId xmlns:a16="http://schemas.microsoft.com/office/drawing/2014/main" xmlns="" val="10002"/>
+                    <a16:rowId xmlns:a16="http://schemas.microsoft.com/office/drawing/2014/main" val="10002"/>
                   </a:ext>
                 </a:extLst>
               </a:tr>
@@ -29072,14 +26926,14 @@
                 <a:gridCol w="3312460">
                   <a:extLst>
                     <a:ext uri="{9D8B030D-6E8A-4147-A177-3AD203B41FA5}">
-                      <a16:colId xmlns:a16="http://schemas.microsoft.com/office/drawing/2014/main" xmlns="" val="20000"/>
+                      <a16:colId xmlns:a16="http://schemas.microsoft.com/office/drawing/2014/main" val="20000"/>
                     </a:ext>
                   </a:extLst>
                 </a:gridCol>
                 <a:gridCol w="3312460">
                   <a:extLst>
                     <a:ext uri="{9D8B030D-6E8A-4147-A177-3AD203B41FA5}">
-                      <a16:colId xmlns:a16="http://schemas.microsoft.com/office/drawing/2014/main" xmlns="" val="20001"/>
+                      <a16:colId xmlns:a16="http://schemas.microsoft.com/office/drawing/2014/main" val="20001"/>
                     </a:ext>
                   </a:extLst>
                 </a:gridCol>
@@ -29153,7 +27007,7 @@
                 </a:tc>
                 <a:extLst>
                   <a:ext uri="{0D108BD9-81ED-4DB2-BD59-A6C34878D82A}">
-                    <a16:rowId xmlns:a16="http://schemas.microsoft.com/office/drawing/2014/main" xmlns="" val="10000"/>
+                    <a16:rowId xmlns:a16="http://schemas.microsoft.com/office/drawing/2014/main" val="10000"/>
                   </a:ext>
                 </a:extLst>
               </a:tr>
@@ -29253,7 +27107,7 @@
                 </a:tc>
                 <a:extLst>
                   <a:ext uri="{0D108BD9-81ED-4DB2-BD59-A6C34878D82A}">
-                    <a16:rowId xmlns:a16="http://schemas.microsoft.com/office/drawing/2014/main" xmlns="" val="10001"/>
+                    <a16:rowId xmlns:a16="http://schemas.microsoft.com/office/drawing/2014/main" val="10001"/>
                   </a:ext>
                 </a:extLst>
               </a:tr>
@@ -29306,7 +27160,7 @@
                 </a:tc>
                 <a:extLst>
                   <a:ext uri="{0D108BD9-81ED-4DB2-BD59-A6C34878D82A}">
-                    <a16:rowId xmlns:a16="http://schemas.microsoft.com/office/drawing/2014/main" xmlns="" val="10002"/>
+                    <a16:rowId xmlns:a16="http://schemas.microsoft.com/office/drawing/2014/main" val="10002"/>
                   </a:ext>
                 </a:extLst>
               </a:tr>
@@ -29388,7 +27242,7 @@
                 </a:tc>
                 <a:extLst>
                   <a:ext uri="{0D108BD9-81ED-4DB2-BD59-A6C34878D82A}">
-                    <a16:rowId xmlns:a16="http://schemas.microsoft.com/office/drawing/2014/main" xmlns="" val="10003"/>
+                    <a16:rowId xmlns:a16="http://schemas.microsoft.com/office/drawing/2014/main" val="10003"/>
                   </a:ext>
                 </a:extLst>
               </a:tr>
@@ -29447,7 +27301,7 @@
                 </a:tc>
                 <a:extLst>
                   <a:ext uri="{0D108BD9-81ED-4DB2-BD59-A6C34878D82A}">
-                    <a16:rowId xmlns:a16="http://schemas.microsoft.com/office/drawing/2014/main" xmlns="" val="10004"/>
+                    <a16:rowId xmlns:a16="http://schemas.microsoft.com/office/drawing/2014/main" val="10004"/>
                   </a:ext>
                 </a:extLst>
               </a:tr>
@@ -29547,7 +27401,7 @@
                 </a:tc>
                 <a:extLst>
                   <a:ext uri="{0D108BD9-81ED-4DB2-BD59-A6C34878D82A}">
-                    <a16:rowId xmlns:a16="http://schemas.microsoft.com/office/drawing/2014/main" xmlns="" val="10005"/>
+                    <a16:rowId xmlns:a16="http://schemas.microsoft.com/office/drawing/2014/main" val="10005"/>
                   </a:ext>
                 </a:extLst>
               </a:tr>
@@ -29597,7 +27451,7 @@
                 </a:tc>
                 <a:extLst>
                   <a:ext uri="{0D108BD9-81ED-4DB2-BD59-A6C34878D82A}">
-                    <a16:rowId xmlns:a16="http://schemas.microsoft.com/office/drawing/2014/main" xmlns="" val="10006"/>
+                    <a16:rowId xmlns:a16="http://schemas.microsoft.com/office/drawing/2014/main" val="10006"/>
                   </a:ext>
                 </a:extLst>
               </a:tr>
@@ -29647,7 +27501,7 @@
                 </a:tc>
                 <a:extLst>
                   <a:ext uri="{0D108BD9-81ED-4DB2-BD59-A6C34878D82A}">
-                    <a16:rowId xmlns:a16="http://schemas.microsoft.com/office/drawing/2014/main" xmlns="" val="10007"/>
+                    <a16:rowId xmlns:a16="http://schemas.microsoft.com/office/drawing/2014/main" val="10007"/>
                   </a:ext>
                 </a:extLst>
               </a:tr>
@@ -29697,7 +27551,7 @@
                 </a:tc>
                 <a:extLst>
                   <a:ext uri="{0D108BD9-81ED-4DB2-BD59-A6C34878D82A}">
-                    <a16:rowId xmlns:a16="http://schemas.microsoft.com/office/drawing/2014/main" xmlns="" val="10008"/>
+                    <a16:rowId xmlns:a16="http://schemas.microsoft.com/office/drawing/2014/main" val="10008"/>
                   </a:ext>
                 </a:extLst>
               </a:tr>
@@ -30171,7 +28025,7 @@
           <p:nvPr>
             <p:extLst>
               <p:ext uri="{D42A27DB-BD31-4B8C-83A1-F6EECF244321}">
-                <p14:modId xmlns:p14="http://schemas.microsoft.com/office/powerpoint/2010/main" val="4283086846"/>
+                <p14:modId xmlns:p14="http://schemas.microsoft.com/office/powerpoint/2010/main" val="3984824688"/>
               </p:ext>
             </p:extLst>
           </p:nvPr>
@@ -30190,42 +28044,42 @@
                 <a:gridCol w="1512210">
                   <a:extLst>
                     <a:ext uri="{9D8B030D-6E8A-4147-A177-3AD203B41FA5}">
-                      <a16:colId xmlns:a16="http://schemas.microsoft.com/office/drawing/2014/main" xmlns="" val="20000"/>
+                      <a16:colId xmlns:a16="http://schemas.microsoft.com/office/drawing/2014/main" val="20000"/>
                     </a:ext>
                   </a:extLst>
                 </a:gridCol>
                 <a:gridCol w="936130">
                   <a:extLst>
                     <a:ext uri="{9D8B030D-6E8A-4147-A177-3AD203B41FA5}">
-                      <a16:colId xmlns:a16="http://schemas.microsoft.com/office/drawing/2014/main" xmlns="" val="20001"/>
+                      <a16:colId xmlns:a16="http://schemas.microsoft.com/office/drawing/2014/main" val="20001"/>
                     </a:ext>
                   </a:extLst>
                 </a:gridCol>
                 <a:gridCol w="1080150">
                   <a:extLst>
                     <a:ext uri="{9D8B030D-6E8A-4147-A177-3AD203B41FA5}">
-                      <a16:colId xmlns:a16="http://schemas.microsoft.com/office/drawing/2014/main" xmlns="" val="20002"/>
+                      <a16:colId xmlns:a16="http://schemas.microsoft.com/office/drawing/2014/main" val="20002"/>
                     </a:ext>
                   </a:extLst>
                 </a:gridCol>
                 <a:gridCol w="3240450">
                   <a:extLst>
                     <a:ext uri="{9D8B030D-6E8A-4147-A177-3AD203B41FA5}">
-                      <a16:colId xmlns:a16="http://schemas.microsoft.com/office/drawing/2014/main" xmlns="" val="20003"/>
+                      <a16:colId xmlns:a16="http://schemas.microsoft.com/office/drawing/2014/main" val="20003"/>
                     </a:ext>
                   </a:extLst>
                 </a:gridCol>
                 <a:gridCol w="1224170">
                   <a:extLst>
                     <a:ext uri="{9D8B030D-6E8A-4147-A177-3AD203B41FA5}">
-                      <a16:colId xmlns:a16="http://schemas.microsoft.com/office/drawing/2014/main" xmlns="" val="20004"/>
+                      <a16:colId xmlns:a16="http://schemas.microsoft.com/office/drawing/2014/main" val="20004"/>
                     </a:ext>
                   </a:extLst>
                 </a:gridCol>
                 <a:gridCol w="936130">
                   <a:extLst>
                     <a:ext uri="{9D8B030D-6E8A-4147-A177-3AD203B41FA5}">
-                      <a16:colId xmlns:a16="http://schemas.microsoft.com/office/drawing/2014/main" xmlns="" val="20005"/>
+                      <a16:colId xmlns:a16="http://schemas.microsoft.com/office/drawing/2014/main" val="20005"/>
                     </a:ext>
                   </a:extLst>
                 </a:gridCol>
@@ -30453,7 +28307,7 @@
                 </a:tc>
                 <a:extLst>
                   <a:ext uri="{0D108BD9-81ED-4DB2-BD59-A6C34878D82A}">
-                    <a16:rowId xmlns:a16="http://schemas.microsoft.com/office/drawing/2014/main" xmlns="" val="10000"/>
+                    <a16:rowId xmlns:a16="http://schemas.microsoft.com/office/drawing/2014/main" val="10000"/>
                   </a:ext>
                 </a:extLst>
               </a:tr>
@@ -30715,7 +28569,7 @@
                 </a:tc>
                 <a:extLst>
                   <a:ext uri="{0D108BD9-81ED-4DB2-BD59-A6C34878D82A}">
-                    <a16:rowId xmlns:a16="http://schemas.microsoft.com/office/drawing/2014/main" xmlns="" val="10001"/>
+                    <a16:rowId xmlns:a16="http://schemas.microsoft.com/office/drawing/2014/main" val="10001"/>
                   </a:ext>
                 </a:extLst>
               </a:tr>
@@ -30968,7 +28822,7 @@
                 </a:tc>
                 <a:extLst>
                   <a:ext uri="{0D108BD9-81ED-4DB2-BD59-A6C34878D82A}">
-                    <a16:rowId xmlns:a16="http://schemas.microsoft.com/office/drawing/2014/main" xmlns="" val="10002"/>
+                    <a16:rowId xmlns:a16="http://schemas.microsoft.com/office/drawing/2014/main" val="10002"/>
                   </a:ext>
                 </a:extLst>
               </a:tr>
@@ -31218,7 +29072,7 @@
                 </a:tc>
                 <a:extLst>
                   <a:ext uri="{0D108BD9-81ED-4DB2-BD59-A6C34878D82A}">
-                    <a16:rowId xmlns:a16="http://schemas.microsoft.com/office/drawing/2014/main" xmlns="" val="10003"/>
+                    <a16:rowId xmlns:a16="http://schemas.microsoft.com/office/drawing/2014/main" val="10003"/>
                   </a:ext>
                 </a:extLst>
               </a:tr>
@@ -31572,7 +29426,7 @@
                 </a:tc>
                 <a:extLst>
                   <a:ext uri="{0D108BD9-81ED-4DB2-BD59-A6C34878D82A}">
-                    <a16:rowId xmlns:a16="http://schemas.microsoft.com/office/drawing/2014/main" xmlns="" val="10004"/>
+                    <a16:rowId xmlns:a16="http://schemas.microsoft.com/office/drawing/2014/main" val="10004"/>
                   </a:ext>
                 </a:extLst>
               </a:tr>
@@ -31798,7 +29652,7 @@
                 </a:tc>
                 <a:extLst>
                   <a:ext uri="{0D108BD9-81ED-4DB2-BD59-A6C34878D82A}">
-                    <a16:rowId xmlns:a16="http://schemas.microsoft.com/office/drawing/2014/main" xmlns="" val="10005"/>
+                    <a16:rowId xmlns:a16="http://schemas.microsoft.com/office/drawing/2014/main" val="10005"/>
                   </a:ext>
                 </a:extLst>
               </a:tr>
@@ -32031,16 +29885,16 @@
                         </a:spcAft>
                       </a:pPr>
                       <a:r>
-                        <a:rPr lang="en-US" sz="900" b="0" i="0" u="none" kern="100" dirty="0" smtClean="0">
+                        <a:rPr lang="en-US" altLang="ja-JP" sz="900" b="0" i="0" u="none" kern="100" dirty="0" smtClean="0">
                           <a:solidFill>
                             <a:srgbClr val="000000"/>
                           </a:solidFill>
                           <a:effectLst/>
                           <a:latin typeface="Segoe UI" panose="020B0502040204020203" pitchFamily="34" charset="0"/>
-                          <a:ea typeface="Segoe UI" panose="020B0502040204020203" pitchFamily="34" charset="0"/>
-                          <a:cs typeface="Segoe UI" panose="020B0502040204020203" pitchFamily="34" charset="0"/>
-                        </a:rPr>
-                        <a:t>Yes</a:t>
+                          <a:ea typeface="ＭＳ 明朝" panose="02020609040205080304" pitchFamily="17" charset="-128"/>
+                          <a:cs typeface="Segoe UI" panose="020B0502040204020203" pitchFamily="34" charset="0"/>
+                        </a:rPr>
+                        <a:t>No</a:t>
                       </a:r>
                       <a:endParaRPr lang="ja-JP" sz="1050" b="0" i="0" u="none" kern="100" dirty="0">
                         <a:solidFill>
@@ -32095,7 +29949,7 @@
                 </a:tc>
                 <a:extLst>
                   <a:ext uri="{0D108BD9-81ED-4DB2-BD59-A6C34878D82A}">
-                    <a16:rowId xmlns:a16="http://schemas.microsoft.com/office/drawing/2014/main" xmlns="" val="10006"/>
+                    <a16:rowId xmlns:a16="http://schemas.microsoft.com/office/drawing/2014/main" val="10006"/>
                   </a:ext>
                 </a:extLst>
               </a:tr>
@@ -32371,7 +30225,7 @@
                 </a:tc>
                 <a:extLst>
                   <a:ext uri="{0D108BD9-81ED-4DB2-BD59-A6C34878D82A}">
-                    <a16:rowId xmlns:a16="http://schemas.microsoft.com/office/drawing/2014/main" xmlns="" val="10007"/>
+                    <a16:rowId xmlns:a16="http://schemas.microsoft.com/office/drawing/2014/main" val="10007"/>
                   </a:ext>
                 </a:extLst>
               </a:tr>
@@ -32686,7 +30540,7 @@
                 </a:tc>
                 <a:extLst>
                   <a:ext uri="{0D108BD9-81ED-4DB2-BD59-A6C34878D82A}">
-                    <a16:rowId xmlns:a16="http://schemas.microsoft.com/office/drawing/2014/main" xmlns="" val="10008"/>
+                    <a16:rowId xmlns:a16="http://schemas.microsoft.com/office/drawing/2014/main" val="10008"/>
                   </a:ext>
                 </a:extLst>
               </a:tr>
@@ -32810,1483 +30664,40 @@
               </a:rPr>
               <a:t>IT Automation:</a:t>
             </a:r>
-            <a:endParaRPr lang="en-US" altLang="ja-JP" dirty="0" smtClean="0">
-              <a:latin typeface="Segoe UI" panose="020B0502040204020203" pitchFamily="34" charset="0"/>
-              <a:ea typeface="Segoe UI" panose="020B0502040204020203" pitchFamily="34" charset="0"/>
-              <a:cs typeface="Segoe UI" panose="020B0502040204020203" pitchFamily="34" charset="0"/>
-            </a:endParaRPr>
           </a:p>
           <a:p>
             <a:pPr lvl="1"/>
             <a:r>
+              <a:rPr lang="en-US" altLang="ja-JP" dirty="0">
+                <a:latin typeface="Segoe UI" panose="020B0502040204020203" pitchFamily="34" charset="0"/>
+                <a:cs typeface="Segoe UI" panose="020B0502040204020203" pitchFamily="34" charset="0"/>
+              </a:rPr>
+              <a:t>We are preparing a manual for </a:t>
+            </a:r>
+            <a:r>
+              <a:rPr lang="en-US" altLang="ja-JP" dirty="0" err="1">
+                <a:latin typeface="Segoe UI" panose="020B0502040204020203" pitchFamily="34" charset="0"/>
+                <a:cs typeface="Segoe UI" panose="020B0502040204020203" pitchFamily="34" charset="0"/>
+              </a:rPr>
+              <a:t>Exastro</a:t>
+            </a:r>
+            <a:r>
+              <a:rPr lang="en-US" altLang="ja-JP" dirty="0">
+                <a:latin typeface="Segoe UI" panose="020B0502040204020203" pitchFamily="34" charset="0"/>
+                <a:cs typeface="Segoe UI" panose="020B0502040204020203" pitchFamily="34" charset="0"/>
+              </a:rPr>
+              <a:t>-ITA system configuration and environment </a:t>
+            </a:r>
+            <a:r>
               <a:rPr lang="en-US" altLang="ja-JP" dirty="0" smtClean="0">
                 <a:latin typeface="Segoe UI" panose="020B0502040204020203" pitchFamily="34" charset="0"/>
-                <a:ea typeface="Segoe UI" panose="020B0502040204020203" pitchFamily="34" charset="0"/>
-                <a:cs typeface="Segoe UI" panose="020B0502040204020203" pitchFamily="34" charset="0"/>
-              </a:rPr>
-              <a:t>Operating conditions for the server</a:t>
-            </a:r>
-          </a:p>
-          <a:p>
-            <a:pPr lvl="1"/>
-            <a:endParaRPr lang="en-US" altLang="ja-JP" dirty="0">
-              <a:latin typeface="Segoe UI" panose="020B0502040204020203" pitchFamily="34" charset="0"/>
-              <a:ea typeface="Segoe UI" panose="020B0502040204020203" pitchFamily="34" charset="0"/>
-              <a:cs typeface="Segoe UI" panose="020B0502040204020203" pitchFamily="34" charset="0"/>
-            </a:endParaRPr>
-          </a:p>
-          <a:p>
-            <a:pPr lvl="1"/>
-            <a:endParaRPr lang="en-US" altLang="ja-JP" dirty="0" smtClean="0">
-              <a:latin typeface="Segoe UI" panose="020B0502040204020203" pitchFamily="34" charset="0"/>
-              <a:ea typeface="Segoe UI" panose="020B0502040204020203" pitchFamily="34" charset="0"/>
-              <a:cs typeface="Segoe UI" panose="020B0502040204020203" pitchFamily="34" charset="0"/>
-            </a:endParaRPr>
-          </a:p>
-          <a:p>
-            <a:pPr marL="180000" lvl="1" indent="0">
-              <a:buNone/>
-            </a:pPr>
-            <a:endParaRPr lang="en-US" altLang="ja-JP" dirty="0" smtClean="0">
-              <a:latin typeface="Segoe UI" panose="020B0502040204020203" pitchFamily="34" charset="0"/>
-              <a:ea typeface="Segoe UI" panose="020B0502040204020203" pitchFamily="34" charset="0"/>
-              <a:cs typeface="Segoe UI" panose="020B0502040204020203" pitchFamily="34" charset="0"/>
-            </a:endParaRPr>
-          </a:p>
-          <a:p>
-            <a:pPr lvl="1"/>
-            <a:r>
-              <a:rPr lang="en-US" altLang="ja-JP" dirty="0" smtClean="0">
-                <a:latin typeface="Segoe UI" panose="020B0502040204020203" pitchFamily="34" charset="0"/>
-                <a:ea typeface="Segoe UI" panose="020B0502040204020203" pitchFamily="34" charset="0"/>
-                <a:cs typeface="Segoe UI" panose="020B0502040204020203" pitchFamily="34" charset="0"/>
-              </a:rPr>
-              <a:t>Minimum </a:t>
-            </a:r>
-            <a:r>
-              <a:rPr lang="en-US" altLang="ja-JP" dirty="0">
-                <a:latin typeface="Segoe UI" panose="020B0502040204020203" pitchFamily="34" charset="0"/>
-                <a:ea typeface="Segoe UI" panose="020B0502040204020203" pitchFamily="34" charset="0"/>
-                <a:cs typeface="Segoe UI" panose="020B0502040204020203" pitchFamily="34" charset="0"/>
-              </a:rPr>
-              <a:t>specifications for the server</a:t>
-            </a:r>
-          </a:p>
-          <a:p>
-            <a:pPr lvl="1"/>
-            <a:endParaRPr lang="en-US" altLang="ja-JP" dirty="0" smtClean="0">
-              <a:latin typeface="Segoe UI" panose="020B0502040204020203" pitchFamily="34" charset="0"/>
-              <a:ea typeface="Segoe UI" panose="020B0502040204020203" pitchFamily="34" charset="0"/>
-              <a:cs typeface="Segoe UI" panose="020B0502040204020203" pitchFamily="34" charset="0"/>
-            </a:endParaRPr>
-          </a:p>
-          <a:p>
-            <a:pPr lvl="1"/>
-            <a:endParaRPr lang="en-US" altLang="ja-JP" dirty="0" smtClean="0">
-              <a:latin typeface="Segoe UI" panose="020B0502040204020203" pitchFamily="34" charset="0"/>
-              <a:ea typeface="Segoe UI" panose="020B0502040204020203" pitchFamily="34" charset="0"/>
-              <a:cs typeface="Segoe UI" panose="020B0502040204020203" pitchFamily="34" charset="0"/>
-            </a:endParaRPr>
-          </a:p>
-          <a:p>
-            <a:pPr lvl="1"/>
-            <a:endParaRPr lang="en-US" altLang="ja-JP" dirty="0">
-              <a:latin typeface="Segoe UI" panose="020B0502040204020203" pitchFamily="34" charset="0"/>
-              <a:ea typeface="Segoe UI" panose="020B0502040204020203" pitchFamily="34" charset="0"/>
-              <a:cs typeface="Segoe UI" panose="020B0502040204020203" pitchFamily="34" charset="0"/>
-            </a:endParaRPr>
-          </a:p>
-          <a:p>
-            <a:pPr marL="180000" lvl="1" indent="0">
-              <a:buNone/>
-            </a:pPr>
-            <a:endParaRPr lang="en-US" altLang="ja-JP" dirty="0" smtClean="0">
-              <a:latin typeface="Segoe UI" panose="020B0502040204020203" pitchFamily="34" charset="0"/>
-              <a:ea typeface="Segoe UI" panose="020B0502040204020203" pitchFamily="34" charset="0"/>
-              <a:cs typeface="Segoe UI" panose="020B0502040204020203" pitchFamily="34" charset="0"/>
-            </a:endParaRPr>
-          </a:p>
-          <a:p>
-            <a:pPr lvl="1"/>
-            <a:r>
-              <a:rPr lang="en-US" altLang="ja-JP" dirty="0" smtClean="0">
-                <a:latin typeface="Segoe UI" panose="020B0502040204020203" pitchFamily="34" charset="0"/>
-                <a:ea typeface="Segoe UI" panose="020B0502040204020203" pitchFamily="34" charset="0"/>
-                <a:cs typeface="Segoe UI" panose="020B0502040204020203" pitchFamily="34" charset="0"/>
-              </a:rPr>
-              <a:t>Operating </a:t>
-            </a:r>
-            <a:r>
-              <a:rPr lang="en-US" altLang="ja-JP" dirty="0">
-                <a:latin typeface="Segoe UI" panose="020B0502040204020203" pitchFamily="34" charset="0"/>
-                <a:ea typeface="Segoe UI" panose="020B0502040204020203" pitchFamily="34" charset="0"/>
-                <a:cs typeface="Segoe UI" panose="020B0502040204020203" pitchFamily="34" charset="0"/>
-              </a:rPr>
-              <a:t>conditions for the client PC</a:t>
-            </a:r>
-            <a:endParaRPr lang="en-US" altLang="ja-JP" dirty="0" smtClean="0">
-              <a:latin typeface="Segoe UI" panose="020B0502040204020203" pitchFamily="34" charset="0"/>
-              <a:ea typeface="Segoe UI" panose="020B0502040204020203" pitchFamily="34" charset="0"/>
-              <a:cs typeface="Segoe UI" panose="020B0502040204020203" pitchFamily="34" charset="0"/>
-            </a:endParaRPr>
+                <a:cs typeface="Segoe UI" panose="020B0502040204020203" pitchFamily="34" charset="0"/>
+              </a:rPr>
+              <a:t>construction.</a:t>
+            </a:r>
           </a:p>
         </p:txBody>
       </p:sp>
-      <p:graphicFrame>
-        <p:nvGraphicFramePr>
-          <p:cNvPr id="5" name="表 4"/>
-          <p:cNvGraphicFramePr>
-            <a:graphicFrameLocks noGrp="1"/>
-          </p:cNvGraphicFramePr>
-          <p:nvPr>
-            <p:extLst>
-              <p:ext uri="{D42A27DB-BD31-4B8C-83A1-F6EECF244321}">
-                <p14:modId xmlns:p14="http://schemas.microsoft.com/office/powerpoint/2010/main" val="224164051"/>
-              </p:ext>
-            </p:extLst>
-          </p:nvPr>
-        </p:nvGraphicFramePr>
-        <p:xfrm>
-          <a:off x="1283268" y="2780910"/>
-          <a:ext cx="6576490" cy="1102134"/>
-        </p:xfrm>
-        <a:graphic>
-          <a:graphicData uri="http://schemas.openxmlformats.org/drawingml/2006/table">
-            <a:tbl>
-              <a:tblPr firstRow="1" bandRow="1">
-                <a:tableStyleId>{5C22544A-7EE6-4342-B048-85BDC9FD1C3A}</a:tableStyleId>
-              </a:tblPr>
-              <a:tblGrid>
-                <a:gridCol w="3288245">
-                  <a:extLst>
-                    <a:ext uri="{9D8B030D-6E8A-4147-A177-3AD203B41FA5}">
-                      <a16:colId xmlns:a16="http://schemas.microsoft.com/office/drawing/2014/main" xmlns="" val="20000"/>
-                    </a:ext>
-                  </a:extLst>
-                </a:gridCol>
-                <a:gridCol w="3288245">
-                  <a:extLst>
-                    <a:ext uri="{9D8B030D-6E8A-4147-A177-3AD203B41FA5}">
-                      <a16:colId xmlns:a16="http://schemas.microsoft.com/office/drawing/2014/main" xmlns="" val="20001"/>
-                    </a:ext>
-                  </a:extLst>
-                </a:gridCol>
-              </a:tblGrid>
-              <a:tr h="367378">
-                <a:tc>
-                  <a:txBody>
-                    <a:bodyPr/>
-                    <a:lstStyle/>
-                    <a:p>
-                      <a:r>
-                        <a:rPr kumimoji="1" lang="en-US" altLang="ja-JP" sz="1050" b="1" kern="1200" dirty="0" smtClean="0">
-                          <a:solidFill>
-                            <a:schemeClr val="bg1"/>
-                          </a:solidFill>
-                          <a:effectLst/>
-                          <a:latin typeface="Segoe UI" panose="020B0502040204020203" pitchFamily="34" charset="0"/>
-                          <a:ea typeface="Segoe UI" panose="020B0502040204020203" pitchFamily="34" charset="0"/>
-                          <a:cs typeface="Segoe UI" panose="020B0502040204020203" pitchFamily="34" charset="0"/>
-                        </a:rPr>
-                        <a:t>CPU</a:t>
-                      </a:r>
-                      <a:endParaRPr kumimoji="1" lang="ja-JP" altLang="en-US" sz="1050" b="1" dirty="0">
-                        <a:solidFill>
-                          <a:schemeClr val="bg1"/>
-                        </a:solidFill>
-                        <a:latin typeface="Segoe UI" panose="020B0502040204020203" pitchFamily="34" charset="0"/>
-                        <a:cs typeface="Segoe UI" panose="020B0502040204020203" pitchFamily="34" charset="0"/>
-                      </a:endParaRPr>
-                    </a:p>
-                  </a:txBody>
-                  <a:tcPr anchor="ctr">
-                    <a:solidFill>
-                      <a:srgbClr val="002B62"/>
-                    </a:solidFill>
-                  </a:tcPr>
-                </a:tc>
-                <a:tc>
-                  <a:txBody>
-                    <a:bodyPr/>
-                    <a:lstStyle/>
-                    <a:p>
-                      <a:r>
-                        <a:rPr kumimoji="1" lang="en-US" altLang="ja-JP" sz="1050" b="0" kern="1200" dirty="0" smtClean="0">
-                          <a:solidFill>
-                            <a:schemeClr val="dk1"/>
-                          </a:solidFill>
-                          <a:effectLst/>
-                          <a:latin typeface="Segoe UI" panose="020B0502040204020203" pitchFamily="34" charset="0"/>
-                          <a:ea typeface="Segoe UI" panose="020B0502040204020203" pitchFamily="34" charset="0"/>
-                          <a:cs typeface="Segoe UI" panose="020B0502040204020203" pitchFamily="34" charset="0"/>
-                        </a:rPr>
-                        <a:t>1 Core</a:t>
-                      </a:r>
-                      <a:endParaRPr kumimoji="1" lang="ja-JP" altLang="en-US" sz="1050" b="0" dirty="0">
-                        <a:latin typeface="Segoe UI" panose="020B0502040204020203" pitchFamily="34" charset="0"/>
-                        <a:cs typeface="Segoe UI" panose="020B0502040204020203" pitchFamily="34" charset="0"/>
-                      </a:endParaRPr>
-                    </a:p>
-                  </a:txBody>
-                  <a:tcPr anchor="ctr">
-                    <a:solidFill>
-                      <a:srgbClr val="E7E8EA"/>
-                    </a:solidFill>
-                  </a:tcPr>
-                </a:tc>
-                <a:extLst>
-                  <a:ext uri="{0D108BD9-81ED-4DB2-BD59-A6C34878D82A}">
-                    <a16:rowId xmlns:a16="http://schemas.microsoft.com/office/drawing/2014/main" xmlns="" val="10000"/>
-                  </a:ext>
-                </a:extLst>
-              </a:tr>
-              <a:tr h="367378">
-                <a:tc>
-                  <a:txBody>
-                    <a:bodyPr/>
-                    <a:lstStyle/>
-                    <a:p>
-                      <a:r>
-                        <a:rPr kumimoji="1" lang="en-US" altLang="ja-JP" sz="1050" b="1" kern="1200" dirty="0" smtClean="0">
-                          <a:solidFill>
-                            <a:schemeClr val="bg1"/>
-                          </a:solidFill>
-                          <a:effectLst/>
-                          <a:latin typeface="Segoe UI" panose="020B0502040204020203" pitchFamily="34" charset="0"/>
-                          <a:ea typeface="Segoe UI" panose="020B0502040204020203" pitchFamily="34" charset="0"/>
-                          <a:cs typeface="Segoe UI" panose="020B0502040204020203" pitchFamily="34" charset="0"/>
-                        </a:rPr>
-                        <a:t>Memory</a:t>
-                      </a:r>
-                      <a:endParaRPr kumimoji="1" lang="ja-JP" altLang="en-US" sz="1050" b="1" dirty="0">
-                        <a:solidFill>
-                          <a:schemeClr val="bg1"/>
-                        </a:solidFill>
-                        <a:latin typeface="Segoe UI" panose="020B0502040204020203" pitchFamily="34" charset="0"/>
-                        <a:cs typeface="Segoe UI" panose="020B0502040204020203" pitchFamily="34" charset="0"/>
-                      </a:endParaRPr>
-                    </a:p>
-                  </a:txBody>
-                  <a:tcPr anchor="ctr">
-                    <a:lnB w="38100" cap="flat" cmpd="sng" algn="ctr">
-                      <a:solidFill>
-                        <a:schemeClr val="bg1"/>
-                      </a:solidFill>
-                      <a:prstDash val="solid"/>
-                      <a:round/>
-                      <a:headEnd type="none" w="med" len="med"/>
-                      <a:tailEnd type="none" w="med" len="med"/>
-                    </a:lnB>
-                    <a:solidFill>
-                      <a:srgbClr val="002B62"/>
-                    </a:solidFill>
-                  </a:tcPr>
-                </a:tc>
-                <a:tc>
-                  <a:txBody>
-                    <a:bodyPr/>
-                    <a:lstStyle/>
-                    <a:p>
-                      <a:r>
-                        <a:rPr kumimoji="1" lang="en-US" altLang="ja-JP" sz="1050" b="0" kern="1200" dirty="0" smtClean="0">
-                          <a:solidFill>
-                            <a:schemeClr val="dk1"/>
-                          </a:solidFill>
-                          <a:effectLst/>
-                          <a:latin typeface="Segoe UI" panose="020B0502040204020203" pitchFamily="34" charset="0"/>
-                          <a:ea typeface="Segoe UI" panose="020B0502040204020203" pitchFamily="34" charset="0"/>
-                          <a:cs typeface="Segoe UI" panose="020B0502040204020203" pitchFamily="34" charset="0"/>
-                        </a:rPr>
-                        <a:t>1 GB</a:t>
-                      </a:r>
-                      <a:endParaRPr kumimoji="1" lang="ja-JP" altLang="en-US" sz="1050" b="0" dirty="0">
-                        <a:latin typeface="Segoe UI" panose="020B0502040204020203" pitchFamily="34" charset="0"/>
-                        <a:cs typeface="Segoe UI" panose="020B0502040204020203" pitchFamily="34" charset="0"/>
-                      </a:endParaRPr>
-                    </a:p>
-                  </a:txBody>
-                  <a:tcPr anchor="ctr">
-                    <a:solidFill>
-                      <a:srgbClr val="CBCDD3"/>
-                    </a:solidFill>
-                  </a:tcPr>
-                </a:tc>
-                <a:extLst>
-                  <a:ext uri="{0D108BD9-81ED-4DB2-BD59-A6C34878D82A}">
-                    <a16:rowId xmlns:a16="http://schemas.microsoft.com/office/drawing/2014/main" xmlns="" val="10001"/>
-                  </a:ext>
-                </a:extLst>
-              </a:tr>
-              <a:tr h="367378">
-                <a:tc>
-                  <a:txBody>
-                    <a:bodyPr/>
-                    <a:lstStyle/>
-                    <a:p>
-                      <a:r>
-                        <a:rPr kumimoji="1" lang="en-US" altLang="ja-JP" sz="1050" b="1" kern="1200" dirty="0" smtClean="0">
-                          <a:solidFill>
-                            <a:schemeClr val="bg1"/>
-                          </a:solidFill>
-                          <a:effectLst/>
-                          <a:latin typeface="Segoe UI" panose="020B0502040204020203" pitchFamily="34" charset="0"/>
-                          <a:ea typeface="Segoe UI" panose="020B0502040204020203" pitchFamily="34" charset="0"/>
-                          <a:cs typeface="Segoe UI" panose="020B0502040204020203" pitchFamily="34" charset="0"/>
-                        </a:rPr>
-                        <a:t>Disk capacity</a:t>
-                      </a:r>
-                      <a:endParaRPr kumimoji="1" lang="ja-JP" altLang="en-US" sz="1050" b="1" dirty="0">
-                        <a:solidFill>
-                          <a:schemeClr val="bg1"/>
-                        </a:solidFill>
-                        <a:latin typeface="Segoe UI" panose="020B0502040204020203" pitchFamily="34" charset="0"/>
-                        <a:cs typeface="Segoe UI" panose="020B0502040204020203" pitchFamily="34" charset="0"/>
-                      </a:endParaRPr>
-                    </a:p>
-                  </a:txBody>
-                  <a:tcPr anchor="ctr">
-                    <a:lnT w="38100" cap="flat" cmpd="sng" algn="ctr">
-                      <a:solidFill>
-                        <a:schemeClr val="bg1"/>
-                      </a:solidFill>
-                      <a:prstDash val="solid"/>
-                      <a:round/>
-                      <a:headEnd type="none" w="med" len="med"/>
-                      <a:tailEnd type="none" w="med" len="med"/>
-                    </a:lnT>
-                    <a:solidFill>
-                      <a:srgbClr val="002B62"/>
-                    </a:solidFill>
-                  </a:tcPr>
-                </a:tc>
-                <a:tc>
-                  <a:txBody>
-                    <a:bodyPr/>
-                    <a:lstStyle/>
-                    <a:p>
-                      <a:r>
-                        <a:rPr kumimoji="1" lang="en-US" altLang="ja-JP" sz="1050" b="0" kern="1200" dirty="0" smtClean="0">
-                          <a:solidFill>
-                            <a:schemeClr val="dk1"/>
-                          </a:solidFill>
-                          <a:effectLst/>
-                          <a:latin typeface="Segoe UI" panose="020B0502040204020203" pitchFamily="34" charset="0"/>
-                          <a:ea typeface="Segoe UI" panose="020B0502040204020203" pitchFamily="34" charset="0"/>
-                          <a:cs typeface="Segoe UI" panose="020B0502040204020203" pitchFamily="34" charset="0"/>
-                        </a:rPr>
-                        <a:t>1 GB (only for the</a:t>
-                      </a:r>
-                      <a:r>
-                        <a:rPr kumimoji="1" lang="en-US" altLang="ja-JP" sz="1050" b="0" kern="1200" baseline="0" dirty="0" smtClean="0">
-                          <a:solidFill>
-                            <a:schemeClr val="dk1"/>
-                          </a:solidFill>
-                          <a:effectLst/>
-                          <a:latin typeface="Segoe UI" panose="020B0502040204020203" pitchFamily="34" charset="0"/>
-                          <a:ea typeface="Segoe UI" panose="020B0502040204020203" pitchFamily="34" charset="0"/>
-                          <a:cs typeface="Segoe UI" panose="020B0502040204020203" pitchFamily="34" charset="0"/>
-                        </a:rPr>
-                        <a:t> IT Automation</a:t>
-                      </a:r>
-                      <a:r>
-                        <a:rPr kumimoji="1" lang="en-US" altLang="ja-JP" sz="1050" b="0" kern="1200" dirty="0" smtClean="0">
-                          <a:solidFill>
-                            <a:schemeClr val="dk1"/>
-                          </a:solidFill>
-                          <a:effectLst/>
-                          <a:latin typeface="Segoe UI" panose="020B0502040204020203" pitchFamily="34" charset="0"/>
-                          <a:ea typeface="Segoe UI" panose="020B0502040204020203" pitchFamily="34" charset="0"/>
-                          <a:cs typeface="Segoe UI" panose="020B0502040204020203" pitchFamily="34" charset="0"/>
-                        </a:rPr>
-                        <a:t>)</a:t>
-                      </a:r>
-                      <a:endParaRPr kumimoji="1" lang="ja-JP" altLang="en-US" sz="1050" b="0" dirty="0">
-                        <a:latin typeface="Segoe UI" panose="020B0502040204020203" pitchFamily="34" charset="0"/>
-                        <a:cs typeface="Segoe UI" panose="020B0502040204020203" pitchFamily="34" charset="0"/>
-                      </a:endParaRPr>
-                    </a:p>
-                  </a:txBody>
-                  <a:tcPr anchor="ctr">
-                    <a:solidFill>
-                      <a:srgbClr val="E7E8EA"/>
-                    </a:solidFill>
-                  </a:tcPr>
-                </a:tc>
-                <a:extLst>
-                  <a:ext uri="{0D108BD9-81ED-4DB2-BD59-A6C34878D82A}">
-                    <a16:rowId xmlns:a16="http://schemas.microsoft.com/office/drawing/2014/main" xmlns="" val="10002"/>
-                  </a:ext>
-                </a:extLst>
-              </a:tr>
-            </a:tbl>
-          </a:graphicData>
-        </a:graphic>
-      </p:graphicFrame>
-      <p:graphicFrame>
-        <p:nvGraphicFramePr>
-          <p:cNvPr id="6" name="表 5"/>
-          <p:cNvGraphicFramePr>
-            <a:graphicFrameLocks noGrp="1"/>
-          </p:cNvGraphicFramePr>
-          <p:nvPr>
-            <p:extLst/>
-          </p:nvPr>
-        </p:nvGraphicFramePr>
-        <p:xfrm>
-          <a:off x="1283268" y="1553380"/>
-          <a:ext cx="6576490" cy="741680"/>
-        </p:xfrm>
-        <a:graphic>
-          <a:graphicData uri="http://schemas.openxmlformats.org/drawingml/2006/table">
-            <a:tbl>
-              <a:tblPr firstRow="1" bandRow="1">
-                <a:tableStyleId>{93296810-A885-4BE3-A3E7-6D5BEEA58F35}</a:tableStyleId>
-              </a:tblPr>
-              <a:tblGrid>
-                <a:gridCol w="1296180">
-                  <a:extLst>
-                    <a:ext uri="{9D8B030D-6E8A-4147-A177-3AD203B41FA5}">
-                      <a16:colId xmlns:a16="http://schemas.microsoft.com/office/drawing/2014/main" xmlns="" val="20000"/>
-                    </a:ext>
-                  </a:extLst>
-                </a:gridCol>
-                <a:gridCol w="3088147">
-                  <a:extLst>
-                    <a:ext uri="{9D8B030D-6E8A-4147-A177-3AD203B41FA5}">
-                      <a16:colId xmlns:a16="http://schemas.microsoft.com/office/drawing/2014/main" xmlns="" val="20001"/>
-                    </a:ext>
-                  </a:extLst>
-                </a:gridCol>
-                <a:gridCol w="2192163">
-                  <a:extLst>
-                    <a:ext uri="{9D8B030D-6E8A-4147-A177-3AD203B41FA5}">
-                      <a16:colId xmlns:a16="http://schemas.microsoft.com/office/drawing/2014/main" xmlns="" val="20002"/>
-                    </a:ext>
-                  </a:extLst>
-                </a:gridCol>
-              </a:tblGrid>
-              <a:tr h="370840">
-                <a:tc rowSpan="2">
-                  <a:txBody>
-                    <a:bodyPr/>
-                    <a:lstStyle/>
-                    <a:p>
-                      <a:pPr algn="l"/>
-                      <a:r>
-                        <a:rPr kumimoji="1" lang="en-US" altLang="ja-JP" sz="1000" dirty="0" smtClean="0">
-                          <a:latin typeface="Segoe UI" panose="020B0502040204020203" pitchFamily="34" charset="0"/>
-                          <a:ea typeface="Segoe UI" panose="020B0502040204020203" pitchFamily="34" charset="0"/>
-                          <a:cs typeface="Segoe UI" panose="020B0502040204020203" pitchFamily="34" charset="0"/>
-                        </a:rPr>
-                        <a:t>OS</a:t>
-                      </a:r>
-                      <a:endParaRPr kumimoji="1" lang="ja-JP" altLang="en-US" sz="1000" dirty="0">
-                        <a:latin typeface="Segoe UI" panose="020B0502040204020203" pitchFamily="34" charset="0"/>
-                        <a:cs typeface="Segoe UI" panose="020B0502040204020203" pitchFamily="34" charset="0"/>
-                      </a:endParaRPr>
-                    </a:p>
-                  </a:txBody>
-                  <a:tcPr anchor="ctr">
-                    <a:lnR w="38100" cap="flat" cmpd="sng" algn="ctr">
-                      <a:solidFill>
-                        <a:schemeClr val="bg1"/>
-                      </a:solidFill>
-                      <a:prstDash val="solid"/>
-                      <a:round/>
-                      <a:headEnd type="none" w="med" len="med"/>
-                      <a:tailEnd type="none" w="med" len="med"/>
-                    </a:lnR>
-                  </a:tcPr>
-                </a:tc>
-                <a:tc>
-                  <a:txBody>
-                    <a:bodyPr/>
-                    <a:lstStyle/>
-                    <a:p>
-                      <a:r>
-                        <a:rPr kumimoji="1" lang="en-US" altLang="ja-JP" sz="1000" b="0" kern="1200" dirty="0" smtClean="0">
-                          <a:solidFill>
-                            <a:schemeClr val="tx1"/>
-                          </a:solidFill>
-                          <a:latin typeface="Segoe UI" panose="020B0502040204020203" pitchFamily="34" charset="0"/>
-                          <a:ea typeface="Segoe UI" panose="020B0502040204020203" pitchFamily="34" charset="0"/>
-                          <a:cs typeface="Segoe UI" panose="020B0502040204020203" pitchFamily="34" charset="0"/>
-                        </a:rPr>
-                        <a:t>Red Hat Enterprise Linux</a:t>
-                      </a:r>
-                      <a:endParaRPr kumimoji="1" lang="ja-JP" altLang="en-US" sz="1000" b="0" kern="1200" dirty="0">
-                        <a:solidFill>
-                          <a:schemeClr val="tx1"/>
-                        </a:solidFill>
-                        <a:latin typeface="Segoe UI" panose="020B0502040204020203" pitchFamily="34" charset="0"/>
-                        <a:ea typeface="+mn-ea"/>
-                        <a:cs typeface="Segoe UI" panose="020B0502040204020203" pitchFamily="34" charset="0"/>
-                      </a:endParaRPr>
-                    </a:p>
-                  </a:txBody>
-                  <a:tcPr anchor="ctr">
-                    <a:lnL w="38100" cap="flat" cmpd="sng" algn="ctr">
-                      <a:solidFill>
-                        <a:schemeClr val="bg1"/>
-                      </a:solidFill>
-                      <a:prstDash val="solid"/>
-                      <a:round/>
-                      <a:headEnd type="none" w="med" len="med"/>
-                      <a:tailEnd type="none" w="med" len="med"/>
-                    </a:lnL>
-                    <a:lnB w="12700" cap="flat" cmpd="sng" algn="ctr">
-                      <a:solidFill>
-                        <a:schemeClr val="bg1"/>
-                      </a:solidFill>
-                      <a:prstDash val="solid"/>
-                      <a:round/>
-                      <a:headEnd type="none" w="med" len="med"/>
-                      <a:tailEnd type="none" w="med" len="med"/>
-                    </a:lnB>
-                    <a:solidFill>
-                      <a:srgbClr val="E7E8EA"/>
-                    </a:solidFill>
-                  </a:tcPr>
-                </a:tc>
-                <a:tc>
-                  <a:txBody>
-                    <a:bodyPr/>
-                    <a:lstStyle/>
-                    <a:p>
-                      <a:r>
-                        <a:rPr kumimoji="1" lang="en-US" altLang="ja-JP" sz="1000" b="0" dirty="0" smtClean="0">
-                          <a:solidFill>
-                            <a:schemeClr val="tx1"/>
-                          </a:solidFill>
-                          <a:latin typeface="Segoe UI" panose="020B0502040204020203" pitchFamily="34" charset="0"/>
-                          <a:ea typeface="Segoe UI" panose="020B0502040204020203" pitchFamily="34" charset="0"/>
-                          <a:cs typeface="Segoe UI" panose="020B0502040204020203" pitchFamily="34" charset="0"/>
-                        </a:rPr>
-                        <a:t>6.6 or later</a:t>
-                      </a:r>
-                      <a:endParaRPr kumimoji="1" lang="ja-JP" altLang="en-US" sz="1000" b="0" dirty="0">
-                        <a:solidFill>
-                          <a:schemeClr val="tx1"/>
-                        </a:solidFill>
-                        <a:latin typeface="Segoe UI" panose="020B0502040204020203" pitchFamily="34" charset="0"/>
-                        <a:cs typeface="Segoe UI" panose="020B0502040204020203" pitchFamily="34" charset="0"/>
-                      </a:endParaRPr>
-                    </a:p>
-                  </a:txBody>
-                  <a:tcPr anchor="ctr">
-                    <a:lnB w="12700" cap="flat" cmpd="sng" algn="ctr">
-                      <a:solidFill>
-                        <a:schemeClr val="bg1"/>
-                      </a:solidFill>
-                      <a:prstDash val="solid"/>
-                      <a:round/>
-                      <a:headEnd type="none" w="med" len="med"/>
-                      <a:tailEnd type="none" w="med" len="med"/>
-                    </a:lnB>
-                    <a:solidFill>
-                      <a:srgbClr val="E7E8EA"/>
-                    </a:solidFill>
-                  </a:tcPr>
-                </a:tc>
-                <a:extLst>
-                  <a:ext uri="{0D108BD9-81ED-4DB2-BD59-A6C34878D82A}">
-                    <a16:rowId xmlns:a16="http://schemas.microsoft.com/office/drawing/2014/main" xmlns="" val="10000"/>
-                  </a:ext>
-                </a:extLst>
-              </a:tr>
-              <a:tr h="370840">
-                <a:tc vMerge="1">
-                  <a:txBody>
-                    <a:bodyPr/>
-                    <a:lstStyle/>
-                    <a:p>
-                      <a:endParaRPr kumimoji="1" lang="ja-JP" altLang="en-US" dirty="0"/>
-                    </a:p>
-                  </a:txBody>
-                  <a:tcPr/>
-                </a:tc>
-                <a:tc>
-                  <a:txBody>
-                    <a:bodyPr/>
-                    <a:lstStyle/>
-                    <a:p>
-                      <a:r>
-                        <a:rPr kumimoji="1" lang="en-US" altLang="ja-JP" sz="1000" b="0" dirty="0" smtClean="0">
-                          <a:solidFill>
-                            <a:schemeClr val="tx1"/>
-                          </a:solidFill>
-                          <a:latin typeface="Segoe UI" panose="020B0502040204020203" pitchFamily="34" charset="0"/>
-                          <a:ea typeface="Segoe UI" panose="020B0502040204020203" pitchFamily="34" charset="0"/>
-                          <a:cs typeface="Segoe UI" panose="020B0502040204020203" pitchFamily="34" charset="0"/>
-                        </a:rPr>
-                        <a:t>CentOS</a:t>
-                      </a:r>
-                      <a:endParaRPr kumimoji="1" lang="ja-JP" altLang="en-US" sz="1000" b="0" dirty="0">
-                        <a:solidFill>
-                          <a:schemeClr val="tx1"/>
-                        </a:solidFill>
-                        <a:latin typeface="Segoe UI" panose="020B0502040204020203" pitchFamily="34" charset="0"/>
-                        <a:cs typeface="Segoe UI" panose="020B0502040204020203" pitchFamily="34" charset="0"/>
-                      </a:endParaRPr>
-                    </a:p>
-                  </a:txBody>
-                  <a:tcPr anchor="ctr">
-                    <a:lnL w="38100" cap="flat" cmpd="sng" algn="ctr">
-                      <a:solidFill>
-                        <a:schemeClr val="bg1"/>
-                      </a:solidFill>
-                      <a:prstDash val="solid"/>
-                      <a:round/>
-                      <a:headEnd type="none" w="med" len="med"/>
-                      <a:tailEnd type="none" w="med" len="med"/>
-                    </a:lnL>
-                    <a:lnT w="12700" cap="flat" cmpd="sng" algn="ctr">
-                      <a:solidFill>
-                        <a:schemeClr val="bg1"/>
-                      </a:solidFill>
-                      <a:prstDash val="solid"/>
-                      <a:round/>
-                      <a:headEnd type="none" w="med" len="med"/>
-                      <a:tailEnd type="none" w="med" len="med"/>
-                    </a:lnT>
-                  </a:tcPr>
-                </a:tc>
-                <a:tc>
-                  <a:txBody>
-                    <a:bodyPr/>
-                    <a:lstStyle/>
-                    <a:p>
-                      <a:r>
-                        <a:rPr kumimoji="1" lang="en-US" altLang="ja-JP" sz="1000" b="0" i="0" u="none" dirty="0" smtClean="0">
-                          <a:solidFill>
-                            <a:srgbClr val="000000"/>
-                          </a:solidFill>
-                          <a:latin typeface="Segoe UI" panose="020B0502040204020203" pitchFamily="34" charset="0"/>
-                          <a:ea typeface="Segoe UI" panose="020B0502040204020203" pitchFamily="34" charset="0"/>
-                          <a:cs typeface="Segoe UI" panose="020B0502040204020203" pitchFamily="34" charset="0"/>
-                        </a:rPr>
-                        <a:t>6.6 or later</a:t>
-                      </a:r>
-                      <a:endParaRPr kumimoji="1" lang="ja-JP" altLang="en-US" sz="1000" b="0" i="0" u="none" dirty="0">
-                        <a:solidFill>
-                          <a:srgbClr val="000000"/>
-                        </a:solidFill>
-                        <a:latin typeface="Segoe UI" panose="020B0502040204020203" pitchFamily="34" charset="0"/>
-                        <a:cs typeface="Segoe UI" panose="020B0502040204020203" pitchFamily="34" charset="0"/>
-                      </a:endParaRPr>
-                    </a:p>
-                  </a:txBody>
-                  <a:tcPr anchor="ctr">
-                    <a:lnT w="12700" cap="flat" cmpd="sng" algn="ctr">
-                      <a:solidFill>
-                        <a:schemeClr val="bg1"/>
-                      </a:solidFill>
-                      <a:prstDash val="solid"/>
-                      <a:round/>
-                      <a:headEnd type="none" w="med" len="med"/>
-                      <a:tailEnd type="none" w="med" len="med"/>
-                    </a:lnT>
-                  </a:tcPr>
-                </a:tc>
-                <a:extLst>
-                  <a:ext uri="{0D108BD9-81ED-4DB2-BD59-A6C34878D82A}">
-                    <a16:rowId xmlns:a16="http://schemas.microsoft.com/office/drawing/2014/main" xmlns="" val="10001"/>
-                  </a:ext>
-                </a:extLst>
-              </a:tr>
-            </a:tbl>
-          </a:graphicData>
-        </a:graphic>
-      </p:graphicFrame>
-      <p:graphicFrame>
-        <p:nvGraphicFramePr>
-          <p:cNvPr id="7" name="表 6"/>
-          <p:cNvGraphicFramePr>
-            <a:graphicFrameLocks noGrp="1"/>
-          </p:cNvGraphicFramePr>
-          <p:nvPr>
-            <p:extLst>
-              <p:ext uri="{D42A27DB-BD31-4B8C-83A1-F6EECF244321}">
-                <p14:modId xmlns:p14="http://schemas.microsoft.com/office/powerpoint/2010/main" val="1222205739"/>
-              </p:ext>
-            </p:extLst>
-          </p:nvPr>
-        </p:nvGraphicFramePr>
-        <p:xfrm>
-          <a:off x="1283268" y="4368894"/>
-          <a:ext cx="6576490" cy="1854200"/>
-        </p:xfrm>
-        <a:graphic>
-          <a:graphicData uri="http://schemas.openxmlformats.org/drawingml/2006/table">
-            <a:tbl>
-              <a:tblPr firstRow="1" bandRow="1">
-                <a:tableStyleId>{93296810-A885-4BE3-A3E7-6D5BEEA58F35}</a:tableStyleId>
-              </a:tblPr>
-              <a:tblGrid>
-                <a:gridCol w="1296180">
-                  <a:extLst>
-                    <a:ext uri="{9D8B030D-6E8A-4147-A177-3AD203B41FA5}">
-                      <a16:colId xmlns:a16="http://schemas.microsoft.com/office/drawing/2014/main" xmlns="" val="20000"/>
-                    </a:ext>
-                  </a:extLst>
-                </a:gridCol>
-                <a:gridCol w="3088147">
-                  <a:extLst>
-                    <a:ext uri="{9D8B030D-6E8A-4147-A177-3AD203B41FA5}">
-                      <a16:colId xmlns:a16="http://schemas.microsoft.com/office/drawing/2014/main" xmlns="" val="20001"/>
-                    </a:ext>
-                  </a:extLst>
-                </a:gridCol>
-                <a:gridCol w="2192163">
-                  <a:extLst>
-                    <a:ext uri="{9D8B030D-6E8A-4147-A177-3AD203B41FA5}">
-                      <a16:colId xmlns:a16="http://schemas.microsoft.com/office/drawing/2014/main" xmlns="" val="20002"/>
-                    </a:ext>
-                  </a:extLst>
-                </a:gridCol>
-              </a:tblGrid>
-              <a:tr h="370840">
-                <a:tc>
-                  <a:txBody>
-                    <a:bodyPr/>
-                    <a:lstStyle/>
-                    <a:p>
-                      <a:pPr algn="l"/>
-                      <a:r>
-                        <a:rPr kumimoji="1" lang="en-US" altLang="ja-JP" sz="1000" dirty="0" smtClean="0">
-                          <a:latin typeface="Segoe UI" panose="020B0502040204020203" pitchFamily="34" charset="0"/>
-                          <a:ea typeface="Segoe UI" panose="020B0502040204020203" pitchFamily="34" charset="0"/>
-                          <a:cs typeface="Segoe UI" panose="020B0502040204020203" pitchFamily="34" charset="0"/>
-                        </a:rPr>
-                        <a:t>OS</a:t>
-                      </a:r>
-                      <a:endParaRPr kumimoji="1" lang="ja-JP" altLang="en-US" sz="1000" dirty="0">
-                        <a:latin typeface="Segoe UI" panose="020B0502040204020203" pitchFamily="34" charset="0"/>
-                        <a:cs typeface="Segoe UI" panose="020B0502040204020203" pitchFamily="34" charset="0"/>
-                      </a:endParaRPr>
-                    </a:p>
-                  </a:txBody>
-                  <a:tcPr anchor="ctr">
-                    <a:lnR w="38100" cap="flat" cmpd="sng" algn="ctr">
-                      <a:solidFill>
-                        <a:schemeClr val="bg1"/>
-                      </a:solidFill>
-                      <a:prstDash val="solid"/>
-                      <a:round/>
-                      <a:headEnd type="none" w="med" len="med"/>
-                      <a:tailEnd type="none" w="med" len="med"/>
-                    </a:lnR>
-                  </a:tcPr>
-                </a:tc>
-                <a:tc>
-                  <a:txBody>
-                    <a:bodyPr/>
-                    <a:lstStyle/>
-                    <a:p>
-                      <a:r>
-                        <a:rPr kumimoji="1" lang="en-US" altLang="ja-JP" sz="1000" b="0" kern="1200" dirty="0" smtClean="0">
-                          <a:solidFill>
-                            <a:schemeClr val="tx1"/>
-                          </a:solidFill>
-                          <a:latin typeface="Segoe UI" panose="020B0502040204020203" pitchFamily="34" charset="0"/>
-                          <a:ea typeface="Segoe UI" panose="020B0502040204020203" pitchFamily="34" charset="0"/>
-                          <a:cs typeface="Segoe UI" panose="020B0502040204020203" pitchFamily="34" charset="0"/>
-                        </a:rPr>
-                        <a:t>Windows</a:t>
-                      </a:r>
-                      <a:endParaRPr kumimoji="1" lang="ja-JP" altLang="en-US" sz="1000" b="0" kern="1200" dirty="0">
-                        <a:solidFill>
-                          <a:schemeClr val="tx1"/>
-                        </a:solidFill>
-                        <a:latin typeface="Segoe UI" panose="020B0502040204020203" pitchFamily="34" charset="0"/>
-                        <a:ea typeface="+mn-ea"/>
-                        <a:cs typeface="Segoe UI" panose="020B0502040204020203" pitchFamily="34" charset="0"/>
-                      </a:endParaRPr>
-                    </a:p>
-                  </a:txBody>
-                  <a:tcPr anchor="ctr">
-                    <a:lnL w="38100" cap="flat" cmpd="sng" algn="ctr">
-                      <a:solidFill>
-                        <a:schemeClr val="bg1"/>
-                      </a:solidFill>
-                      <a:prstDash val="solid"/>
-                      <a:round/>
-                      <a:headEnd type="none" w="med" len="med"/>
-                      <a:tailEnd type="none" w="med" len="med"/>
-                    </a:lnL>
-                    <a:lnB w="12700" cap="flat" cmpd="sng" algn="ctr">
-                      <a:solidFill>
-                        <a:schemeClr val="bg1"/>
-                      </a:solidFill>
-                      <a:prstDash val="solid"/>
-                      <a:round/>
-                      <a:headEnd type="none" w="med" len="med"/>
-                      <a:tailEnd type="none" w="med" len="med"/>
-                    </a:lnB>
-                    <a:solidFill>
-                      <a:srgbClr val="E7E8EA"/>
-                    </a:solidFill>
-                  </a:tcPr>
-                </a:tc>
-                <a:tc>
-                  <a:txBody>
-                    <a:bodyPr/>
-                    <a:lstStyle/>
-                    <a:p>
-                      <a:r>
-                        <a:rPr kumimoji="1" lang="en-US" altLang="ja-JP" sz="1000" b="0" dirty="0" smtClean="0">
-                          <a:solidFill>
-                            <a:schemeClr val="tx1"/>
-                          </a:solidFill>
-                          <a:latin typeface="Segoe UI" panose="020B0502040204020203" pitchFamily="34" charset="0"/>
-                          <a:ea typeface="Segoe UI" panose="020B0502040204020203" pitchFamily="34" charset="0"/>
-                          <a:cs typeface="Segoe UI" panose="020B0502040204020203" pitchFamily="34" charset="0"/>
-                        </a:rPr>
-                        <a:t>Windows 7 or later</a:t>
-                      </a:r>
-                      <a:endParaRPr kumimoji="1" lang="ja-JP" altLang="en-US" sz="1000" b="0" dirty="0">
-                        <a:solidFill>
-                          <a:schemeClr val="tx1"/>
-                        </a:solidFill>
-                        <a:latin typeface="Segoe UI" panose="020B0502040204020203" pitchFamily="34" charset="0"/>
-                        <a:cs typeface="Segoe UI" panose="020B0502040204020203" pitchFamily="34" charset="0"/>
-                      </a:endParaRPr>
-                    </a:p>
-                  </a:txBody>
-                  <a:tcPr anchor="ctr">
-                    <a:lnB w="12700" cap="flat" cmpd="sng" algn="ctr">
-                      <a:solidFill>
-                        <a:schemeClr val="bg1"/>
-                      </a:solidFill>
-                      <a:prstDash val="solid"/>
-                      <a:round/>
-                      <a:headEnd type="none" w="med" len="med"/>
-                      <a:tailEnd type="none" w="med" len="med"/>
-                    </a:lnB>
-                    <a:solidFill>
-                      <a:srgbClr val="E7E8EA"/>
-                    </a:solidFill>
-                  </a:tcPr>
-                </a:tc>
-                <a:extLst>
-                  <a:ext uri="{0D108BD9-81ED-4DB2-BD59-A6C34878D82A}">
-                    <a16:rowId xmlns:a16="http://schemas.microsoft.com/office/drawing/2014/main" xmlns="" val="10000"/>
-                  </a:ext>
-                </a:extLst>
-              </a:tr>
-              <a:tr h="370840">
-                <a:tc>
-                  <a:txBody>
-                    <a:bodyPr/>
-                    <a:lstStyle/>
-                    <a:p>
-                      <a:pPr algn="l"/>
-                      <a:r>
-                        <a:rPr kumimoji="1" lang="en-US" altLang="ja-JP" sz="1000" b="1" dirty="0" smtClean="0">
-                          <a:solidFill>
-                            <a:schemeClr val="bg1"/>
-                          </a:solidFill>
-                          <a:latin typeface="Segoe UI" panose="020B0502040204020203" pitchFamily="34" charset="0"/>
-                          <a:ea typeface="Segoe UI" panose="020B0502040204020203" pitchFamily="34" charset="0"/>
-                          <a:cs typeface="Segoe UI" panose="020B0502040204020203" pitchFamily="34" charset="0"/>
-                        </a:rPr>
-                        <a:t>Application</a:t>
-                      </a:r>
-                      <a:endParaRPr kumimoji="1" lang="ja-JP" altLang="en-US" sz="1000" b="1" dirty="0">
-                        <a:solidFill>
-                          <a:schemeClr val="bg1"/>
-                        </a:solidFill>
-                        <a:latin typeface="Segoe UI" panose="020B0502040204020203" pitchFamily="34" charset="0"/>
-                        <a:cs typeface="Segoe UI" panose="020B0502040204020203" pitchFamily="34" charset="0"/>
-                      </a:endParaRPr>
-                    </a:p>
-                  </a:txBody>
-                  <a:tcPr anchor="ctr">
-                    <a:lnR w="38100" cap="flat" cmpd="sng" algn="ctr">
-                      <a:solidFill>
-                        <a:schemeClr val="bg1"/>
-                      </a:solidFill>
-                      <a:prstDash val="solid"/>
-                      <a:round/>
-                      <a:headEnd type="none" w="med" len="med"/>
-                      <a:tailEnd type="none" w="med" len="med"/>
-                    </a:lnR>
-                    <a:lnB w="38100" cap="flat" cmpd="sng" algn="ctr">
-                      <a:solidFill>
-                        <a:schemeClr val="bg1"/>
-                      </a:solidFill>
-                      <a:prstDash val="solid"/>
-                      <a:round/>
-                      <a:headEnd type="none" w="med" len="med"/>
-                      <a:tailEnd type="none" w="med" len="med"/>
-                    </a:lnB>
-                    <a:solidFill>
-                      <a:srgbClr val="002B62"/>
-                    </a:solidFill>
-                  </a:tcPr>
-                </a:tc>
-                <a:tc>
-                  <a:txBody>
-                    <a:bodyPr/>
-                    <a:lstStyle/>
-                    <a:p>
-                      <a:r>
-                        <a:rPr kumimoji="1" lang="en-US" altLang="ja-JP" sz="1000" b="0" dirty="0" smtClean="0">
-                          <a:solidFill>
-                            <a:schemeClr val="tx1"/>
-                          </a:solidFill>
-                          <a:latin typeface="Segoe UI" panose="020B0502040204020203" pitchFamily="34" charset="0"/>
-                          <a:ea typeface="Segoe UI" panose="020B0502040204020203" pitchFamily="34" charset="0"/>
-                          <a:cs typeface="Segoe UI" panose="020B0502040204020203" pitchFamily="34" charset="0"/>
-                        </a:rPr>
-                        <a:t>Excel</a:t>
-                      </a:r>
-                      <a:endParaRPr kumimoji="1" lang="ja-JP" altLang="en-US" sz="1000" b="0" dirty="0">
-                        <a:solidFill>
-                          <a:schemeClr val="tx1"/>
-                        </a:solidFill>
-                        <a:latin typeface="Segoe UI" panose="020B0502040204020203" pitchFamily="34" charset="0"/>
-                        <a:cs typeface="Segoe UI" panose="020B0502040204020203" pitchFamily="34" charset="0"/>
-                      </a:endParaRPr>
-                    </a:p>
-                  </a:txBody>
-                  <a:tcPr anchor="ctr">
-                    <a:lnL w="38100" cap="flat" cmpd="sng" algn="ctr">
-                      <a:solidFill>
-                        <a:schemeClr val="bg1"/>
-                      </a:solidFill>
-                      <a:prstDash val="solid"/>
-                      <a:round/>
-                      <a:headEnd type="none" w="med" len="med"/>
-                      <a:tailEnd type="none" w="med" len="med"/>
-                    </a:lnL>
-                    <a:lnT w="12700" cap="flat" cmpd="sng" algn="ctr">
-                      <a:solidFill>
-                        <a:schemeClr val="bg1"/>
-                      </a:solidFill>
-                      <a:prstDash val="solid"/>
-                      <a:round/>
-                      <a:headEnd type="none" w="med" len="med"/>
-                      <a:tailEnd type="none" w="med" len="med"/>
-                    </a:lnT>
-                    <a:lnB w="12700" cap="flat" cmpd="sng" algn="ctr">
-                      <a:solidFill>
-                        <a:schemeClr val="bg1"/>
-                      </a:solidFill>
-                      <a:prstDash val="solid"/>
-                      <a:round/>
-                      <a:headEnd type="none" w="med" len="med"/>
-                      <a:tailEnd type="none" w="med" len="med"/>
-                    </a:lnB>
-                  </a:tcPr>
-                </a:tc>
-                <a:tc>
-                  <a:txBody>
-                    <a:bodyPr/>
-                    <a:lstStyle/>
-                    <a:p>
-                      <a:r>
-                        <a:rPr kumimoji="1" lang="en-US" altLang="ja-JP" sz="1000" b="0" dirty="0" smtClean="0">
-                          <a:solidFill>
-                            <a:schemeClr val="tx1"/>
-                          </a:solidFill>
-                          <a:latin typeface="Segoe UI" panose="020B0502040204020203" pitchFamily="34" charset="0"/>
-                          <a:ea typeface="Segoe UI" panose="020B0502040204020203" pitchFamily="34" charset="0"/>
-                          <a:cs typeface="Segoe UI" panose="020B0502040204020203" pitchFamily="34" charset="0"/>
-                        </a:rPr>
-                        <a:t>MS Office 2007 or later</a:t>
-                      </a:r>
-                      <a:endParaRPr kumimoji="1" lang="ja-JP" altLang="en-US" sz="1000" b="0" dirty="0">
-                        <a:solidFill>
-                          <a:schemeClr val="tx1"/>
-                        </a:solidFill>
-                        <a:latin typeface="Segoe UI" panose="020B0502040204020203" pitchFamily="34" charset="0"/>
-                        <a:cs typeface="Segoe UI" panose="020B0502040204020203" pitchFamily="34" charset="0"/>
-                      </a:endParaRPr>
-                    </a:p>
-                  </a:txBody>
-                  <a:tcPr anchor="ctr">
-                    <a:lnT w="12700" cap="flat" cmpd="sng" algn="ctr">
-                      <a:solidFill>
-                        <a:schemeClr val="bg1"/>
-                      </a:solidFill>
-                      <a:prstDash val="solid"/>
-                      <a:round/>
-                      <a:headEnd type="none" w="med" len="med"/>
-                      <a:tailEnd type="none" w="med" len="med"/>
-                    </a:lnT>
-                    <a:lnB w="12700" cap="flat" cmpd="sng" algn="ctr">
-                      <a:solidFill>
-                        <a:schemeClr val="bg1"/>
-                      </a:solidFill>
-                      <a:prstDash val="solid"/>
-                      <a:round/>
-                      <a:headEnd type="none" w="med" len="med"/>
-                      <a:tailEnd type="none" w="med" len="med"/>
-                    </a:lnB>
-                  </a:tcPr>
-                </a:tc>
-                <a:extLst>
-                  <a:ext uri="{0D108BD9-81ED-4DB2-BD59-A6C34878D82A}">
-                    <a16:rowId xmlns:a16="http://schemas.microsoft.com/office/drawing/2014/main" xmlns="" val="10001"/>
-                  </a:ext>
-                </a:extLst>
-              </a:tr>
-              <a:tr h="370840">
-                <a:tc rowSpan="3">
-                  <a:txBody>
-                    <a:bodyPr/>
-                    <a:lstStyle/>
-                    <a:p>
-                      <a:pPr algn="l"/>
-                      <a:r>
-                        <a:rPr kumimoji="1" lang="en-US" altLang="ja-JP" sz="1000" b="1" dirty="0" smtClean="0">
-                          <a:solidFill>
-                            <a:schemeClr val="bg1"/>
-                          </a:solidFill>
-                          <a:latin typeface="Segoe UI" panose="020B0502040204020203" pitchFamily="34" charset="0"/>
-                          <a:ea typeface="Segoe UI" panose="020B0502040204020203" pitchFamily="34" charset="0"/>
-                          <a:cs typeface="Segoe UI" panose="020B0502040204020203" pitchFamily="34" charset="0"/>
-                        </a:rPr>
-                        <a:t>Browser</a:t>
-                      </a:r>
-                      <a:endParaRPr kumimoji="1" lang="ja-JP" altLang="en-US" sz="1000" b="1" dirty="0">
-                        <a:solidFill>
-                          <a:schemeClr val="bg1"/>
-                        </a:solidFill>
-                        <a:latin typeface="Segoe UI" panose="020B0502040204020203" pitchFamily="34" charset="0"/>
-                        <a:cs typeface="Segoe UI" panose="020B0502040204020203" pitchFamily="34" charset="0"/>
-                      </a:endParaRPr>
-                    </a:p>
-                  </a:txBody>
-                  <a:tcPr anchor="ctr">
-                    <a:lnR w="38100" cap="flat" cmpd="sng" algn="ctr">
-                      <a:solidFill>
-                        <a:schemeClr val="bg1"/>
-                      </a:solidFill>
-                      <a:prstDash val="solid"/>
-                      <a:round/>
-                      <a:headEnd type="none" w="med" len="med"/>
-                      <a:tailEnd type="none" w="med" len="med"/>
-                    </a:lnR>
-                    <a:lnT w="38100" cap="flat" cmpd="sng" algn="ctr">
-                      <a:solidFill>
-                        <a:schemeClr val="bg1"/>
-                      </a:solidFill>
-                      <a:prstDash val="solid"/>
-                      <a:round/>
-                      <a:headEnd type="none" w="med" len="med"/>
-                      <a:tailEnd type="none" w="med" len="med"/>
-                    </a:lnT>
-                    <a:solidFill>
-                      <a:srgbClr val="002B62"/>
-                    </a:solidFill>
-                  </a:tcPr>
-                </a:tc>
-                <a:tc>
-                  <a:txBody>
-                    <a:bodyPr/>
-                    <a:lstStyle/>
-                    <a:p>
-                      <a:r>
-                        <a:rPr kumimoji="1" lang="en-US" altLang="ja-JP" sz="1000" b="0" dirty="0" smtClean="0">
-                          <a:solidFill>
-                            <a:schemeClr val="tx1"/>
-                          </a:solidFill>
-                          <a:latin typeface="Segoe UI" panose="020B0502040204020203" pitchFamily="34" charset="0"/>
-                          <a:ea typeface="Segoe UI" panose="020B0502040204020203" pitchFamily="34" charset="0"/>
-                          <a:cs typeface="Segoe UI" panose="020B0502040204020203" pitchFamily="34" charset="0"/>
-                        </a:rPr>
-                        <a:t>Google Chrome</a:t>
-                      </a:r>
-                      <a:endParaRPr kumimoji="1" lang="ja-JP" altLang="en-US" sz="1000" b="0" dirty="0">
-                        <a:solidFill>
-                          <a:schemeClr val="tx1"/>
-                        </a:solidFill>
-                        <a:latin typeface="Segoe UI" panose="020B0502040204020203" pitchFamily="34" charset="0"/>
-                        <a:cs typeface="Segoe UI" panose="020B0502040204020203" pitchFamily="34" charset="0"/>
-                      </a:endParaRPr>
-                    </a:p>
-                  </a:txBody>
-                  <a:tcPr anchor="ctr">
-                    <a:lnL w="38100" cap="flat" cmpd="sng" algn="ctr">
-                      <a:solidFill>
-                        <a:schemeClr val="bg1"/>
-                      </a:solidFill>
-                      <a:prstDash val="solid"/>
-                      <a:round/>
-                      <a:headEnd type="none" w="med" len="med"/>
-                      <a:tailEnd type="none" w="med" len="med"/>
-                    </a:lnL>
-                    <a:lnT w="12700" cap="flat" cmpd="sng" algn="ctr">
-                      <a:solidFill>
-                        <a:schemeClr val="bg1"/>
-                      </a:solidFill>
-                      <a:prstDash val="solid"/>
-                      <a:round/>
-                      <a:headEnd type="none" w="med" len="med"/>
-                      <a:tailEnd type="none" w="med" len="med"/>
-                    </a:lnT>
-                    <a:lnB w="12700" cap="flat" cmpd="sng" algn="ctr">
-                      <a:solidFill>
-                        <a:schemeClr val="bg1"/>
-                      </a:solidFill>
-                      <a:prstDash val="solid"/>
-                      <a:round/>
-                      <a:headEnd type="none" w="med" len="med"/>
-                      <a:tailEnd type="none" w="med" len="med"/>
-                    </a:lnB>
-                  </a:tcPr>
-                </a:tc>
-                <a:tc>
-                  <a:txBody>
-                    <a:bodyPr/>
-                    <a:lstStyle/>
-                    <a:p>
-                      <a:r>
-                        <a:rPr kumimoji="1" lang="en-US" altLang="ja-JP" sz="1000" b="0" dirty="0" smtClean="0">
-                          <a:solidFill>
-                            <a:schemeClr val="tx1"/>
-                          </a:solidFill>
-                          <a:latin typeface="Segoe UI" panose="020B0502040204020203" pitchFamily="34" charset="0"/>
-                          <a:ea typeface="Segoe UI" panose="020B0502040204020203" pitchFamily="34" charset="0"/>
-                          <a:cs typeface="Segoe UI" panose="020B0502040204020203" pitchFamily="34" charset="0"/>
-                        </a:rPr>
-                        <a:t>73</a:t>
-                      </a:r>
-                      <a:r>
-                        <a:rPr kumimoji="1" lang="ja-JP" altLang="en-US" sz="1000" b="0" dirty="0" smtClean="0">
-                          <a:solidFill>
-                            <a:schemeClr val="tx1"/>
-                          </a:solidFill>
-                          <a:latin typeface="Segoe UI" panose="020B0502040204020203" pitchFamily="34" charset="0"/>
-                          <a:cs typeface="Segoe UI" panose="020B0502040204020203" pitchFamily="34" charset="0"/>
-                        </a:rPr>
-                        <a:t> </a:t>
-                      </a:r>
-                      <a:r>
-                        <a:rPr kumimoji="1" lang="en-US" altLang="ja-JP" sz="1000" b="0" dirty="0" smtClean="0">
-                          <a:solidFill>
-                            <a:schemeClr val="tx1"/>
-                          </a:solidFill>
-                          <a:latin typeface="Segoe UI" panose="020B0502040204020203" pitchFamily="34" charset="0"/>
-                          <a:ea typeface="Segoe UI" panose="020B0502040204020203" pitchFamily="34" charset="0"/>
-                          <a:cs typeface="Segoe UI" panose="020B0502040204020203" pitchFamily="34" charset="0"/>
-                        </a:rPr>
-                        <a:t>or later</a:t>
-                      </a:r>
-                      <a:endParaRPr kumimoji="1" lang="ja-JP" altLang="en-US" sz="1000" b="0" dirty="0">
-                        <a:solidFill>
-                          <a:schemeClr val="tx1"/>
-                        </a:solidFill>
-                        <a:latin typeface="Segoe UI" panose="020B0502040204020203" pitchFamily="34" charset="0"/>
-                        <a:cs typeface="Segoe UI" panose="020B0502040204020203" pitchFamily="34" charset="0"/>
-                      </a:endParaRPr>
-                    </a:p>
-                  </a:txBody>
-                  <a:tcPr anchor="ctr">
-                    <a:lnT w="12700" cap="flat" cmpd="sng" algn="ctr">
-                      <a:solidFill>
-                        <a:schemeClr val="bg1"/>
-                      </a:solidFill>
-                      <a:prstDash val="solid"/>
-                      <a:round/>
-                      <a:headEnd type="none" w="med" len="med"/>
-                      <a:tailEnd type="none" w="med" len="med"/>
-                    </a:lnT>
-                    <a:lnB w="12700" cap="flat" cmpd="sng" algn="ctr">
-                      <a:solidFill>
-                        <a:schemeClr val="bg1"/>
-                      </a:solidFill>
-                      <a:prstDash val="solid"/>
-                      <a:round/>
-                      <a:headEnd type="none" w="med" len="med"/>
-                      <a:tailEnd type="none" w="med" len="med"/>
-                    </a:lnB>
-                  </a:tcPr>
-                </a:tc>
-                <a:extLst>
-                  <a:ext uri="{0D108BD9-81ED-4DB2-BD59-A6C34878D82A}">
-                    <a16:rowId xmlns:a16="http://schemas.microsoft.com/office/drawing/2014/main" xmlns="" val="10002"/>
-                  </a:ext>
-                </a:extLst>
-              </a:tr>
-              <a:tr h="370840">
-                <a:tc vMerge="1">
-                  <a:txBody>
-                    <a:bodyPr/>
-                    <a:lstStyle/>
-                    <a:p>
-                      <a:pPr algn="l"/>
-                      <a:endParaRPr kumimoji="1" lang="ja-JP" altLang="en-US" sz="1000" dirty="0">
-                        <a:solidFill>
-                          <a:schemeClr val="bg1"/>
-                        </a:solidFill>
-                      </a:endParaRPr>
-                    </a:p>
-                  </a:txBody>
-                  <a:tcPr anchor="ctr">
-                    <a:lnR w="38100" cap="flat" cmpd="sng" algn="ctr">
-                      <a:solidFill>
-                        <a:schemeClr val="bg1"/>
-                      </a:solidFill>
-                      <a:prstDash val="solid"/>
-                      <a:round/>
-                      <a:headEnd type="none" w="med" len="med"/>
-                      <a:tailEnd type="none" w="med" len="med"/>
-                    </a:lnR>
-                    <a:solidFill>
-                      <a:srgbClr val="002060"/>
-                    </a:solidFill>
-                  </a:tcPr>
-                </a:tc>
-                <a:tc>
-                  <a:txBody>
-                    <a:bodyPr/>
-                    <a:lstStyle/>
-                    <a:p>
-                      <a:r>
-                        <a:rPr kumimoji="1" lang="en-US" altLang="ja-JP" sz="1000" b="0" dirty="0" smtClean="0">
-                          <a:solidFill>
-                            <a:schemeClr val="tx1"/>
-                          </a:solidFill>
-                          <a:latin typeface="Segoe UI" panose="020B0502040204020203" pitchFamily="34" charset="0"/>
-                          <a:ea typeface="Segoe UI" panose="020B0502040204020203" pitchFamily="34" charset="0"/>
-                          <a:cs typeface="Segoe UI" panose="020B0502040204020203" pitchFamily="34" charset="0"/>
-                        </a:rPr>
-                        <a:t>Firefox</a:t>
-                      </a:r>
-                      <a:endParaRPr kumimoji="1" lang="ja-JP" altLang="en-US" sz="1000" b="0" dirty="0">
-                        <a:solidFill>
-                          <a:schemeClr val="tx1"/>
-                        </a:solidFill>
-                        <a:latin typeface="Segoe UI" panose="020B0502040204020203" pitchFamily="34" charset="0"/>
-                        <a:cs typeface="Segoe UI" panose="020B0502040204020203" pitchFamily="34" charset="0"/>
-                      </a:endParaRPr>
-                    </a:p>
-                  </a:txBody>
-                  <a:tcPr anchor="ctr">
-                    <a:lnL w="38100" cap="flat" cmpd="sng" algn="ctr">
-                      <a:solidFill>
-                        <a:schemeClr val="bg1"/>
-                      </a:solidFill>
-                      <a:prstDash val="solid"/>
-                      <a:round/>
-                      <a:headEnd type="none" w="med" len="med"/>
-                      <a:tailEnd type="none" w="med" len="med"/>
-                    </a:lnL>
-                    <a:lnT w="12700" cap="flat" cmpd="sng" algn="ctr">
-                      <a:solidFill>
-                        <a:schemeClr val="bg1"/>
-                      </a:solidFill>
-                      <a:prstDash val="solid"/>
-                      <a:round/>
-                      <a:headEnd type="none" w="med" len="med"/>
-                      <a:tailEnd type="none" w="med" len="med"/>
-                    </a:lnT>
-                    <a:lnB w="12700" cap="flat" cmpd="sng" algn="ctr">
-                      <a:solidFill>
-                        <a:schemeClr val="bg1"/>
-                      </a:solidFill>
-                      <a:prstDash val="solid"/>
-                      <a:round/>
-                      <a:headEnd type="none" w="med" len="med"/>
-                      <a:tailEnd type="none" w="med" len="med"/>
-                    </a:lnB>
-                  </a:tcPr>
-                </a:tc>
-                <a:tc>
-                  <a:txBody>
-                    <a:bodyPr/>
-                    <a:lstStyle/>
-                    <a:p>
-                      <a:r>
-                        <a:rPr kumimoji="1" lang="en-US" altLang="ja-JP" sz="1000" b="0" i="0" u="none" dirty="0" smtClean="0">
-                          <a:solidFill>
-                            <a:srgbClr val="000000"/>
-                          </a:solidFill>
-                          <a:latin typeface="Segoe UI" panose="020B0502040204020203" pitchFamily="34" charset="0"/>
-                          <a:ea typeface="Segoe UI" panose="020B0502040204020203" pitchFamily="34" charset="0"/>
-                          <a:cs typeface="Segoe UI" panose="020B0502040204020203" pitchFamily="34" charset="0"/>
-                        </a:rPr>
-                        <a:t>41 or later</a:t>
-                      </a:r>
-                      <a:endParaRPr kumimoji="1" lang="ja-JP" altLang="en-US" sz="1000" b="0" i="0" u="none" dirty="0">
-                        <a:solidFill>
-                          <a:srgbClr val="000000"/>
-                        </a:solidFill>
-                        <a:latin typeface="Segoe UI" panose="020B0502040204020203" pitchFamily="34" charset="0"/>
-                        <a:cs typeface="Segoe UI" panose="020B0502040204020203" pitchFamily="34" charset="0"/>
-                      </a:endParaRPr>
-                    </a:p>
-                  </a:txBody>
-                  <a:tcPr anchor="ctr">
-                    <a:lnT w="12700" cap="flat" cmpd="sng" algn="ctr">
-                      <a:solidFill>
-                        <a:schemeClr val="bg1"/>
-                      </a:solidFill>
-                      <a:prstDash val="solid"/>
-                      <a:round/>
-                      <a:headEnd type="none" w="med" len="med"/>
-                      <a:tailEnd type="none" w="med" len="med"/>
-                    </a:lnT>
-                    <a:lnB w="12700" cap="flat" cmpd="sng" algn="ctr">
-                      <a:solidFill>
-                        <a:schemeClr val="bg1"/>
-                      </a:solidFill>
-                      <a:prstDash val="solid"/>
-                      <a:round/>
-                      <a:headEnd type="none" w="med" len="med"/>
-                      <a:tailEnd type="none" w="med" len="med"/>
-                    </a:lnB>
-                  </a:tcPr>
-                </a:tc>
-                <a:extLst>
-                  <a:ext uri="{0D108BD9-81ED-4DB2-BD59-A6C34878D82A}">
-                    <a16:rowId xmlns:a16="http://schemas.microsoft.com/office/drawing/2014/main" xmlns="" val="10003"/>
-                  </a:ext>
-                </a:extLst>
-              </a:tr>
-              <a:tr h="370840">
-                <a:tc vMerge="1">
-                  <a:txBody>
-                    <a:bodyPr/>
-                    <a:lstStyle/>
-                    <a:p>
-                      <a:pPr algn="l"/>
-                      <a:endParaRPr kumimoji="1" lang="ja-JP" altLang="en-US" sz="1000" dirty="0">
-                        <a:solidFill>
-                          <a:schemeClr val="bg1"/>
-                        </a:solidFill>
-                      </a:endParaRPr>
-                    </a:p>
-                  </a:txBody>
-                  <a:tcPr anchor="ctr">
-                    <a:lnR w="38100" cap="flat" cmpd="sng" algn="ctr">
-                      <a:solidFill>
-                        <a:schemeClr val="bg1"/>
-                      </a:solidFill>
-                      <a:prstDash val="solid"/>
-                      <a:round/>
-                      <a:headEnd type="none" w="med" len="med"/>
-                      <a:tailEnd type="none" w="med" len="med"/>
-                    </a:lnR>
-                    <a:solidFill>
-                      <a:srgbClr val="002060"/>
-                    </a:solidFill>
-                  </a:tcPr>
-                </a:tc>
-                <a:tc>
-                  <a:txBody>
-                    <a:bodyPr/>
-                    <a:lstStyle/>
-                    <a:p>
-                      <a:r>
-                        <a:rPr kumimoji="1" lang="en-US" altLang="ja-JP" sz="1000" b="0" dirty="0" smtClean="0">
-                          <a:solidFill>
-                            <a:schemeClr val="tx1"/>
-                          </a:solidFill>
-                          <a:latin typeface="Segoe UI" panose="020B0502040204020203" pitchFamily="34" charset="0"/>
-                          <a:ea typeface="Segoe UI" panose="020B0502040204020203" pitchFamily="34" charset="0"/>
-                          <a:cs typeface="Segoe UI" panose="020B0502040204020203" pitchFamily="34" charset="0"/>
-                        </a:rPr>
-                        <a:t>Microsoft Edge </a:t>
-                      </a:r>
-                      <a:endParaRPr kumimoji="1" lang="ja-JP" altLang="en-US" sz="1000" b="0" dirty="0">
-                        <a:solidFill>
-                          <a:schemeClr val="tx1"/>
-                        </a:solidFill>
-                        <a:latin typeface="Segoe UI" panose="020B0502040204020203" pitchFamily="34" charset="0"/>
-                        <a:cs typeface="Segoe UI" panose="020B0502040204020203" pitchFamily="34" charset="0"/>
-                      </a:endParaRPr>
-                    </a:p>
-                  </a:txBody>
-                  <a:tcPr anchor="ctr">
-                    <a:lnL w="38100" cap="flat" cmpd="sng" algn="ctr">
-                      <a:solidFill>
-                        <a:schemeClr val="bg1"/>
-                      </a:solidFill>
-                      <a:prstDash val="solid"/>
-                      <a:round/>
-                      <a:headEnd type="none" w="med" len="med"/>
-                      <a:tailEnd type="none" w="med" len="med"/>
-                    </a:lnL>
-                    <a:lnT w="12700" cap="flat" cmpd="sng" algn="ctr">
-                      <a:solidFill>
-                        <a:schemeClr val="bg1"/>
-                      </a:solidFill>
-                      <a:prstDash val="solid"/>
-                      <a:round/>
-                      <a:headEnd type="none" w="med" len="med"/>
-                      <a:tailEnd type="none" w="med" len="med"/>
-                    </a:lnT>
-                    <a:lnB w="12700" cap="flat" cmpd="sng" algn="ctr">
-                      <a:solidFill>
-                        <a:schemeClr val="bg1"/>
-                      </a:solidFill>
-                      <a:prstDash val="solid"/>
-                      <a:round/>
-                      <a:headEnd type="none" w="med" len="med"/>
-                      <a:tailEnd type="none" w="med" len="med"/>
-                    </a:lnB>
-                  </a:tcPr>
-                </a:tc>
-                <a:tc>
-                  <a:txBody>
-                    <a:bodyPr/>
-                    <a:lstStyle/>
-                    <a:p>
-                      <a:r>
-                        <a:rPr kumimoji="1" lang="en-US" altLang="ja-JP" sz="1000" b="0" i="0" u="none" dirty="0" smtClean="0">
-                          <a:solidFill>
-                            <a:srgbClr val="000000"/>
-                          </a:solidFill>
-                          <a:latin typeface="Segoe UI" panose="020B0502040204020203" pitchFamily="34" charset="0"/>
-                          <a:ea typeface="Segoe UI" panose="020B0502040204020203" pitchFamily="34" charset="0"/>
-                          <a:cs typeface="Segoe UI" panose="020B0502040204020203" pitchFamily="34" charset="0"/>
-                        </a:rPr>
-                        <a:t>20 or later</a:t>
-                      </a:r>
-                      <a:endParaRPr kumimoji="1" lang="ja-JP" altLang="en-US" sz="1000" b="0" i="0" u="none" dirty="0">
-                        <a:solidFill>
-                          <a:srgbClr val="000000"/>
-                        </a:solidFill>
-                        <a:latin typeface="Segoe UI" panose="020B0502040204020203" pitchFamily="34" charset="0"/>
-                        <a:cs typeface="Segoe UI" panose="020B0502040204020203" pitchFamily="34" charset="0"/>
-                      </a:endParaRPr>
-                    </a:p>
-                  </a:txBody>
-                  <a:tcPr anchor="ctr">
-                    <a:lnT w="12700" cap="flat" cmpd="sng" algn="ctr">
-                      <a:solidFill>
-                        <a:schemeClr val="bg1"/>
-                      </a:solidFill>
-                      <a:prstDash val="solid"/>
-                      <a:round/>
-                      <a:headEnd type="none" w="med" len="med"/>
-                      <a:tailEnd type="none" w="med" len="med"/>
-                    </a:lnT>
-                    <a:lnB w="12700" cap="flat" cmpd="sng" algn="ctr">
-                      <a:solidFill>
-                        <a:schemeClr val="bg1"/>
-                      </a:solidFill>
-                      <a:prstDash val="solid"/>
-                      <a:round/>
-                      <a:headEnd type="none" w="med" len="med"/>
-                      <a:tailEnd type="none" w="med" len="med"/>
-                    </a:lnB>
-                  </a:tcPr>
-                </a:tc>
-                <a:extLst>
-                  <a:ext uri="{0D108BD9-81ED-4DB2-BD59-A6C34878D82A}">
-                    <a16:rowId xmlns:a16="http://schemas.microsoft.com/office/drawing/2014/main" xmlns="" val="10004"/>
-                  </a:ext>
-                </a:extLst>
-              </a:tr>
-            </a:tbl>
-          </a:graphicData>
-        </a:graphic>
-      </p:graphicFrame>
     </p:spTree>
     <p:extLst>
       <p:ext uri="{BB962C8B-B14F-4D97-AF65-F5344CB8AC3E}">

--- a/asset/Learn/ITA-online-install_en.pptx
+++ b/asset/Learn/ITA-online-install_en.pptx
@@ -332,7 +332,7 @@
               <a:rPr kumimoji="1" lang="ja-JP" altLang="en-US" smtClean="0">
                 <a:ea typeface="メイリオ" panose="020B0604030504040204" pitchFamily="50" charset="-128"/>
               </a:rPr>
-              <a:t>2020/1/6</a:t>
+              <a:t>2020/1/16</a:t>
             </a:fld>
             <a:endParaRPr kumimoji="1" lang="ja-JP" altLang="en-US" dirty="0">
               <a:ea typeface="メイリオ" panose="020B0604030504040204" pitchFamily="50" charset="-128"/>
@@ -478,7 +478,7 @@
             <a:fld id="{4B26993D-C081-44EB-B0F5-A9F467792B62}" type="datetimeFigureOut">
               <a:rPr lang="ja-JP" altLang="en-US" smtClean="0"/>
               <a:pPr/>
-              <a:t>2020/1/6</a:t>
+              <a:t>2020/1/16</a:t>
             </a:fld>
             <a:endParaRPr lang="ja-JP" altLang="en-US" dirty="0"/>
           </a:p>
@@ -1101,7 +1101,7 @@
           <a:p>
             <a:fld id="{56F9016B-CCA6-43BE-8BEE-59565A35F4F7}" type="datetimeFigureOut">
               <a:rPr kumimoji="1" lang="ja-JP" altLang="en-US" smtClean="0"/>
-              <a:t>2020/1/6</a:t>
+              <a:t>2020/1/16</a:t>
             </a:fld>
             <a:endParaRPr kumimoji="1" lang="ja-JP" altLang="en-US"/>
           </a:p>
@@ -1303,7 +1303,7 @@
           <a:p>
             <a:fld id="{56F9016B-CCA6-43BE-8BEE-59565A35F4F7}" type="datetimeFigureOut">
               <a:rPr kumimoji="1" lang="ja-JP" altLang="en-US" smtClean="0"/>
-              <a:t>2020/1/6</a:t>
+              <a:t>2020/1/16</a:t>
             </a:fld>
             <a:endParaRPr kumimoji="1" lang="ja-JP" altLang="en-US"/>
           </a:p>
@@ -1549,7 +1549,7 @@
           <a:p>
             <a:fld id="{56F9016B-CCA6-43BE-8BEE-59565A35F4F7}" type="datetimeFigureOut">
               <a:rPr kumimoji="1" lang="ja-JP" altLang="en-US" smtClean="0"/>
-              <a:t>2020/1/6</a:t>
+              <a:t>2020/1/16</a:t>
             </a:fld>
             <a:endParaRPr kumimoji="1" lang="ja-JP" altLang="en-US"/>
           </a:p>
@@ -1845,7 +1845,7 @@
           <a:p>
             <a:fld id="{56F9016B-CCA6-43BE-8BEE-59565A35F4F7}" type="datetimeFigureOut">
               <a:rPr kumimoji="1" lang="ja-JP" altLang="en-US" smtClean="0"/>
-              <a:t>2020/1/6</a:t>
+              <a:t>2020/1/16</a:t>
             </a:fld>
             <a:endParaRPr kumimoji="1" lang="ja-JP" altLang="en-US"/>
           </a:p>
@@ -2276,7 +2276,7 @@
           <a:p>
             <a:fld id="{56F9016B-CCA6-43BE-8BEE-59565A35F4F7}" type="datetimeFigureOut">
               <a:rPr kumimoji="1" lang="ja-JP" altLang="en-US" smtClean="0"/>
-              <a:t>2020/1/6</a:t>
+              <a:t>2020/1/16</a:t>
             </a:fld>
             <a:endParaRPr kumimoji="1" lang="ja-JP" altLang="en-US"/>
           </a:p>
@@ -2394,7 +2394,7 @@
           <a:p>
             <a:fld id="{56F9016B-CCA6-43BE-8BEE-59565A35F4F7}" type="datetimeFigureOut">
               <a:rPr kumimoji="1" lang="ja-JP" altLang="en-US" smtClean="0"/>
-              <a:t>2020/1/6</a:t>
+              <a:t>2020/1/16</a:t>
             </a:fld>
             <a:endParaRPr kumimoji="1" lang="ja-JP" altLang="en-US"/>
           </a:p>
@@ -2489,7 +2489,7 @@
           <a:p>
             <a:fld id="{56F9016B-CCA6-43BE-8BEE-59565A35F4F7}" type="datetimeFigureOut">
               <a:rPr kumimoji="1" lang="ja-JP" altLang="en-US" smtClean="0"/>
-              <a:t>2020/1/6</a:t>
+              <a:t>2020/1/16</a:t>
             </a:fld>
             <a:endParaRPr kumimoji="1" lang="ja-JP" altLang="en-US"/>
           </a:p>
@@ -2798,7 +2798,7 @@
           <a:p>
             <a:fld id="{56F9016B-CCA6-43BE-8BEE-59565A35F4F7}" type="datetimeFigureOut">
               <a:rPr kumimoji="1" lang="ja-JP" altLang="en-US" smtClean="0"/>
-              <a:t>2020/1/6</a:t>
+              <a:t>2020/1/16</a:t>
             </a:fld>
             <a:endParaRPr kumimoji="1" lang="ja-JP" altLang="en-US"/>
           </a:p>
@@ -3051,7 +3051,7 @@
           <a:p>
             <a:fld id="{56F9016B-CCA6-43BE-8BEE-59565A35F4F7}" type="datetimeFigureOut">
               <a:rPr kumimoji="1" lang="ja-JP" altLang="en-US" smtClean="0"/>
-              <a:t>2020/1/6</a:t>
+              <a:t>2020/1/16</a:t>
             </a:fld>
             <a:endParaRPr kumimoji="1" lang="ja-JP" altLang="en-US"/>
           </a:p>
@@ -3328,7 +3328,7 @@
           <a:p>
             <a:fld id="{56F9016B-CCA6-43BE-8BEE-59565A35F4F7}" type="datetimeFigureOut">
               <a:rPr kumimoji="1" lang="ja-JP" altLang="en-US" smtClean="0"/>
-              <a:t>2020/1/6</a:t>
+              <a:t>2020/1/16</a:t>
             </a:fld>
             <a:endParaRPr kumimoji="1" lang="ja-JP" altLang="en-US"/>
           </a:p>
@@ -3540,7 +3540,7 @@
           <a:p>
             <a:fld id="{56F9016B-CCA6-43BE-8BEE-59565A35F4F7}" type="datetimeFigureOut">
               <a:rPr kumimoji="1" lang="ja-JP" altLang="en-US" smtClean="0"/>
-              <a:t>2020/1/6</a:t>
+              <a:t>2020/1/16</a:t>
             </a:fld>
             <a:endParaRPr kumimoji="1" lang="ja-JP" altLang="en-US"/>
           </a:p>
@@ -6599,7 +6599,7 @@
           <a:p>
             <a:fld id="{56F9016B-CCA6-43BE-8BEE-59565A35F4F7}" type="datetimeFigureOut">
               <a:rPr kumimoji="1" lang="ja-JP" altLang="en-US" smtClean="0"/>
-              <a:t>2020/1/6</a:t>
+              <a:t>2020/1/16</a:t>
             </a:fld>
             <a:endParaRPr kumimoji="1" lang="ja-JP" altLang="en-US"/>
           </a:p>
@@ -7675,18 +7675,7 @@
                 <a:ea typeface="Segoe UI" panose="020B0502040204020203" pitchFamily="34" charset="0"/>
                 <a:cs typeface="Segoe UI" panose="020B0502040204020203" pitchFamily="34" charset="0"/>
               </a:rPr>
-              <a:t>repositories</a:t>
-            </a:r>
-            <a:r>
-              <a:rPr lang="en-US" altLang="ja-JP" dirty="0" smtClean="0">
-                <a:solidFill>
-                  <a:srgbClr val="000000"/>
-                </a:solidFill>
-                <a:latin typeface="Segoe UI" panose="020B0502040204020203" pitchFamily="34" charset="0"/>
-                <a:ea typeface="Segoe UI" panose="020B0502040204020203" pitchFamily="34" charset="0"/>
-                <a:cs typeface="Segoe UI" panose="020B0502040204020203" pitchFamily="34" charset="0"/>
-              </a:rPr>
-              <a:t>:</a:t>
+              <a:t>repositories:</a:t>
             </a:r>
             <a:endParaRPr lang="en-US" altLang="ja-JP" dirty="0">
               <a:latin typeface="Segoe UI" panose="020B0502040204020203" pitchFamily="34" charset="0"/>
@@ -21844,7 +21833,7 @@
           <p:nvPr>
             <p:extLst>
               <p:ext uri="{D42A27DB-BD31-4B8C-83A1-F6EECF244321}">
-                <p14:modId xmlns:p14="http://schemas.microsoft.com/office/powerpoint/2010/main" val="1894921612"/>
+                <p14:modId xmlns:p14="http://schemas.microsoft.com/office/powerpoint/2010/main" val="1480530629"/>
               </p:ext>
             </p:extLst>
           </p:nvPr>
@@ -22099,7 +22088,7 @@
                         <a:rPr lang="en-US" altLang="ja-JP" sz="1050" kern="100" dirty="0" smtClean="0">
                           <a:effectLst/>
                         </a:rPr>
-                        <a:t>(※1),</a:t>
+                        <a:t>(*),</a:t>
                       </a:r>
                       <a:r>
                         <a:rPr lang="en-US" altLang="ja-JP" sz="1050" kern="100" baseline="0" dirty="0" smtClean="0">
@@ -22108,24 +22097,6 @@
                         <a:t> </a:t>
                       </a:r>
                       <a:r>
-                        <a:rPr lang="en-US" altLang="ja-JP" sz="1050" kern="100" dirty="0" err="1" smtClean="0">
-                          <a:effectLst/>
-                        </a:rPr>
-                        <a:t>dnf</a:t>
-                      </a:r>
-                      <a:r>
-                        <a:rPr lang="en-US" altLang="ja-JP" sz="1050" kern="100" dirty="0" smtClean="0">
-                          <a:effectLst/>
-                        </a:rPr>
-                        <a:t>(※2),</a:t>
-                      </a:r>
-                      <a:r>
-                        <a:rPr lang="en-US" altLang="ja-JP" sz="1050" kern="100" baseline="0" dirty="0" smtClean="0">
-                          <a:effectLst/>
-                        </a:rPr>
-                        <a:t> </a:t>
-                      </a:r>
-                      <a:r>
                         <a:rPr lang="en-US" sz="1050" kern="100" dirty="0" err="1" smtClean="0">
                           <a:effectLst/>
                           <a:latin typeface="Segoe UI" panose="020B0502040204020203" pitchFamily="34" charset="0"/>
@@ -22133,6 +22104,15 @@
                           <a:cs typeface="Segoe UI" panose="020B0502040204020203" pitchFamily="34" charset="0"/>
                         </a:rPr>
                         <a:t>createrepo</a:t>
+                      </a:r>
+                      <a:r>
+                        <a:rPr lang="en-US" sz="1050" kern="100" dirty="0" smtClean="0">
+                          <a:effectLst/>
+                          <a:latin typeface="Segoe UI" panose="020B0502040204020203" pitchFamily="34" charset="0"/>
+                          <a:ea typeface="Segoe UI" panose="020B0502040204020203" pitchFamily="34" charset="0"/>
+                          <a:cs typeface="Segoe UI" panose="020B0502040204020203" pitchFamily="34" charset="0"/>
+                        </a:rPr>
+                        <a:t>(*)</a:t>
                       </a:r>
                       <a:endParaRPr lang="ja-JP" sz="1050" kern="100" dirty="0">
                         <a:effectLst/>
@@ -22990,6 +22970,24 @@
                         </a:rPr>
                         <a:t>php-gd</a:t>
                       </a:r>
+                      <a:r>
+                        <a:rPr lang="en-US" altLang="ja-JP" sz="1050" kern="100" dirty="0" smtClean="0">
+                          <a:effectLst/>
+                        </a:rPr>
+                        <a:t>,</a:t>
+                      </a:r>
+                      <a:r>
+                        <a:rPr lang="ja-JP" altLang="en-US" sz="1050" kern="100" baseline="0" dirty="0" smtClean="0">
+                          <a:effectLst/>
+                        </a:rPr>
+                        <a:t>　</a:t>
+                      </a:r>
+                      <a:r>
+                        <a:rPr lang="en-US" altLang="ja-JP" sz="1050" kern="100" baseline="0" dirty="0" smtClean="0">
+                          <a:effectLst/>
+                        </a:rPr>
+                        <a:t>Python3</a:t>
+                      </a:r>
                       <a:endParaRPr lang="ja-JP" altLang="ja-JP" sz="1050" kern="100" dirty="0" smtClean="0">
                         <a:effectLst/>
                         <a:latin typeface="Century" panose="02040604050505020304" pitchFamily="18" charset="0"/>
@@ -23099,13 +23097,22 @@
                         </a:tabLst>
                       </a:pPr>
                       <a:r>
+                        <a:rPr lang="en-US" sz="1050" kern="100" dirty="0" err="1" smtClean="0">
+                          <a:effectLst/>
+                          <a:latin typeface="Segoe UI" panose="020B0502040204020203" pitchFamily="34" charset="0"/>
+                          <a:ea typeface="Segoe UI" panose="020B0502040204020203" pitchFamily="34" charset="0"/>
+                          <a:cs typeface="Segoe UI" panose="020B0502040204020203" pitchFamily="34" charset="0"/>
+                        </a:rPr>
+                        <a:t>Spyc</a:t>
+                      </a:r>
+                      <a:r>
                         <a:rPr lang="en-US" sz="1050" kern="100" dirty="0">
                           <a:effectLst/>
                           <a:latin typeface="Segoe UI" panose="020B0502040204020203" pitchFamily="34" charset="0"/>
                           <a:ea typeface="Segoe UI" panose="020B0502040204020203" pitchFamily="34" charset="0"/>
                           <a:cs typeface="Segoe UI" panose="020B0502040204020203" pitchFamily="34" charset="0"/>
                         </a:rPr>
-                        <a:t>PHPExcel, Spyc, Twig, MDB2, HTTP_Request2, Auth, </a:t>
+                        <a:t>, Twig, MDB2, HTTP_Request2, Auth, </a:t>
                       </a:r>
                       <a:r>
                         <a:rPr lang="en-US" sz="1050" kern="100" dirty="0" smtClean="0">
@@ -23220,13 +23227,13 @@
                         </a:spcAft>
                       </a:pPr>
                       <a:r>
-                        <a:rPr lang="en-US" sz="1050" kern="100" dirty="0">
-                          <a:effectLst/>
-                          <a:latin typeface="Segoe UI" panose="020B0502040204020203" pitchFamily="34" charset="0"/>
-                          <a:ea typeface="Segoe UI" panose="020B0502040204020203" pitchFamily="34" charset="0"/>
-                          <a:cs typeface="Segoe UI" panose="020B0502040204020203" pitchFamily="34" charset="0"/>
-                        </a:rPr>
-                        <a:t>git</a:t>
+                        <a:rPr lang="en-US" sz="1050" kern="100" dirty="0" err="1" smtClean="0">
+                          <a:effectLst/>
+                          <a:latin typeface="Segoe UI" panose="020B0502040204020203" pitchFamily="34" charset="0"/>
+                          <a:ea typeface="Segoe UI" panose="020B0502040204020203" pitchFamily="34" charset="0"/>
+                          <a:cs typeface="Segoe UI" panose="020B0502040204020203" pitchFamily="34" charset="0"/>
+                        </a:rPr>
+                        <a:t>Git</a:t>
                       </a:r>
                       <a:endParaRPr lang="ja-JP" sz="1050" kern="100" dirty="0">
                         <a:effectLst/>
@@ -23326,7 +23333,7 @@
                         </a:spcAft>
                       </a:pPr>
                       <a:r>
-                        <a:rPr lang="en-US" sz="1050" kern="100" dirty="0" smtClean="0">
+                        <a:rPr lang="en-US" sz="1050" kern="100" dirty="0" err="1" smtClean="0">
                           <a:effectLst/>
                           <a:latin typeface="Segoe UI" panose="020B0502040204020203" pitchFamily="34" charset="0"/>
                           <a:ea typeface="Segoe UI" panose="020B0502040204020203" pitchFamily="34" charset="0"/>
@@ -23342,15 +23349,6 @@
                           <a:cs typeface="Segoe UI" panose="020B0502040204020203" pitchFamily="34" charset="0"/>
                         </a:rPr>
                         <a:t>, </a:t>
-                      </a:r>
-                      <a:r>
-                        <a:rPr lang="en-US" sz="1050" kern="100" dirty="0" smtClean="0">
-                          <a:effectLst/>
-                          <a:latin typeface="Segoe UI" panose="020B0502040204020203" pitchFamily="34" charset="0"/>
-                          <a:ea typeface="Segoe UI" panose="020B0502040204020203" pitchFamily="34" charset="0"/>
-                          <a:cs typeface="Segoe UI" panose="020B0502040204020203" pitchFamily="34" charset="0"/>
-                        </a:rPr>
-                        <a:t>python3-pip, </a:t>
                       </a:r>
                       <a:r>
                         <a:rPr lang="en-US" altLang="ja-JP" sz="1050" kern="100" dirty="0" err="1" smtClean="0">
@@ -23393,8 +23391,8 @@
         </p:nvSpPr>
         <p:spPr>
           <a:xfrm>
-            <a:off x="7308380" y="5776440"/>
-            <a:ext cx="1835619" cy="400110"/>
+            <a:off x="7380390" y="5403016"/>
+            <a:ext cx="1835619" cy="246221"/>
           </a:xfrm>
           <a:prstGeom prst="rect">
             <a:avLst/>
@@ -23413,29 +23411,17 @@
               </a:spcAft>
             </a:pPr>
             <a:r>
-              <a:rPr lang="en-US" altLang="ja-JP" sz="1000" kern="100" dirty="0"/>
-              <a:t>*</a:t>
-            </a:r>
-            <a:r>
               <a:rPr lang="en-US" altLang="ja-JP" sz="1000" kern="100" dirty="0" smtClean="0"/>
-              <a:t>1 only RHEL7,CentOS7</a:t>
-            </a:r>
-          </a:p>
-          <a:p>
-            <a:pPr algn="just">
-              <a:spcAft>
-                <a:spcPts val="0"/>
-              </a:spcAft>
-            </a:pPr>
-            <a:r>
-              <a:rPr lang="en-US" altLang="ja-JP" sz="1000" kern="100" dirty="0"/>
-              <a:t>*</a:t>
+              <a:t>* </a:t>
             </a:r>
             <a:r>
               <a:rPr lang="en-US" altLang="ja-JP" sz="1000" kern="100" dirty="0" smtClean="0"/>
-              <a:t>2 only RHEL8,CentOS8</a:t>
-            </a:r>
-            <a:endParaRPr lang="en-US" altLang="ja-JP" sz="1000" kern="100" dirty="0"/>
+              <a:t>only </a:t>
+            </a:r>
+            <a:r>
+              <a:rPr lang="en-US" altLang="ja-JP" sz="1000" kern="100" dirty="0" smtClean="0"/>
+              <a:t>RHEL7,CentOS7</a:t>
+            </a:r>
           </a:p>
         </p:txBody>
       </p:sp>

--- a/asset/Learn/ITA-online-install_en.pptx
+++ b/asset/Learn/ITA-online-install_en.pptx
@@ -332,7 +332,7 @@
               <a:rPr kumimoji="1" lang="ja-JP" altLang="en-US" smtClean="0">
                 <a:ea typeface="メイリオ" panose="020B0604030504040204" pitchFamily="50" charset="-128"/>
               </a:rPr>
-              <a:t>2020/1/16</a:t>
+              <a:t>2020/1/20</a:t>
             </a:fld>
             <a:endParaRPr kumimoji="1" lang="ja-JP" altLang="en-US" dirty="0">
               <a:ea typeface="メイリオ" panose="020B0604030504040204" pitchFamily="50" charset="-128"/>
@@ -478,7 +478,7 @@
             <a:fld id="{4B26993D-C081-44EB-B0F5-A9F467792B62}" type="datetimeFigureOut">
               <a:rPr lang="ja-JP" altLang="en-US" smtClean="0"/>
               <a:pPr/>
-              <a:t>2020/1/16</a:t>
+              <a:t>2020/1/20</a:t>
             </a:fld>
             <a:endParaRPr lang="ja-JP" altLang="en-US" dirty="0"/>
           </a:p>
@@ -1101,7 +1101,7 @@
           <a:p>
             <a:fld id="{56F9016B-CCA6-43BE-8BEE-59565A35F4F7}" type="datetimeFigureOut">
               <a:rPr kumimoji="1" lang="ja-JP" altLang="en-US" smtClean="0"/>
-              <a:t>2020/1/16</a:t>
+              <a:t>2020/1/20</a:t>
             </a:fld>
             <a:endParaRPr kumimoji="1" lang="ja-JP" altLang="en-US"/>
           </a:p>
@@ -1303,7 +1303,7 @@
           <a:p>
             <a:fld id="{56F9016B-CCA6-43BE-8BEE-59565A35F4F7}" type="datetimeFigureOut">
               <a:rPr kumimoji="1" lang="ja-JP" altLang="en-US" smtClean="0"/>
-              <a:t>2020/1/16</a:t>
+              <a:t>2020/1/20</a:t>
             </a:fld>
             <a:endParaRPr kumimoji="1" lang="ja-JP" altLang="en-US"/>
           </a:p>
@@ -1549,7 +1549,7 @@
           <a:p>
             <a:fld id="{56F9016B-CCA6-43BE-8BEE-59565A35F4F7}" type="datetimeFigureOut">
               <a:rPr kumimoji="1" lang="ja-JP" altLang="en-US" smtClean="0"/>
-              <a:t>2020/1/16</a:t>
+              <a:t>2020/1/20</a:t>
             </a:fld>
             <a:endParaRPr kumimoji="1" lang="ja-JP" altLang="en-US"/>
           </a:p>
@@ -1845,7 +1845,7 @@
           <a:p>
             <a:fld id="{56F9016B-CCA6-43BE-8BEE-59565A35F4F7}" type="datetimeFigureOut">
               <a:rPr kumimoji="1" lang="ja-JP" altLang="en-US" smtClean="0"/>
-              <a:t>2020/1/16</a:t>
+              <a:t>2020/1/20</a:t>
             </a:fld>
             <a:endParaRPr kumimoji="1" lang="ja-JP" altLang="en-US"/>
           </a:p>
@@ -2276,7 +2276,7 @@
           <a:p>
             <a:fld id="{56F9016B-CCA6-43BE-8BEE-59565A35F4F7}" type="datetimeFigureOut">
               <a:rPr kumimoji="1" lang="ja-JP" altLang="en-US" smtClean="0"/>
-              <a:t>2020/1/16</a:t>
+              <a:t>2020/1/20</a:t>
             </a:fld>
             <a:endParaRPr kumimoji="1" lang="ja-JP" altLang="en-US"/>
           </a:p>
@@ -2394,7 +2394,7 @@
           <a:p>
             <a:fld id="{56F9016B-CCA6-43BE-8BEE-59565A35F4F7}" type="datetimeFigureOut">
               <a:rPr kumimoji="1" lang="ja-JP" altLang="en-US" smtClean="0"/>
-              <a:t>2020/1/16</a:t>
+              <a:t>2020/1/20</a:t>
             </a:fld>
             <a:endParaRPr kumimoji="1" lang="ja-JP" altLang="en-US"/>
           </a:p>
@@ -2489,7 +2489,7 @@
           <a:p>
             <a:fld id="{56F9016B-CCA6-43BE-8BEE-59565A35F4F7}" type="datetimeFigureOut">
               <a:rPr kumimoji="1" lang="ja-JP" altLang="en-US" smtClean="0"/>
-              <a:t>2020/1/16</a:t>
+              <a:t>2020/1/20</a:t>
             </a:fld>
             <a:endParaRPr kumimoji="1" lang="ja-JP" altLang="en-US"/>
           </a:p>
@@ -2798,7 +2798,7 @@
           <a:p>
             <a:fld id="{56F9016B-CCA6-43BE-8BEE-59565A35F4F7}" type="datetimeFigureOut">
               <a:rPr kumimoji="1" lang="ja-JP" altLang="en-US" smtClean="0"/>
-              <a:t>2020/1/16</a:t>
+              <a:t>2020/1/20</a:t>
             </a:fld>
             <a:endParaRPr kumimoji="1" lang="ja-JP" altLang="en-US"/>
           </a:p>
@@ -3051,7 +3051,7 @@
           <a:p>
             <a:fld id="{56F9016B-CCA6-43BE-8BEE-59565A35F4F7}" type="datetimeFigureOut">
               <a:rPr kumimoji="1" lang="ja-JP" altLang="en-US" smtClean="0"/>
-              <a:t>2020/1/16</a:t>
+              <a:t>2020/1/20</a:t>
             </a:fld>
             <a:endParaRPr kumimoji="1" lang="ja-JP" altLang="en-US"/>
           </a:p>
@@ -3328,7 +3328,7 @@
           <a:p>
             <a:fld id="{56F9016B-CCA6-43BE-8BEE-59565A35F4F7}" type="datetimeFigureOut">
               <a:rPr kumimoji="1" lang="ja-JP" altLang="en-US" smtClean="0"/>
-              <a:t>2020/1/16</a:t>
+              <a:t>2020/1/20</a:t>
             </a:fld>
             <a:endParaRPr kumimoji="1" lang="ja-JP" altLang="en-US"/>
           </a:p>
@@ -3540,7 +3540,7 @@
           <a:p>
             <a:fld id="{56F9016B-CCA6-43BE-8BEE-59565A35F4F7}" type="datetimeFigureOut">
               <a:rPr kumimoji="1" lang="ja-JP" altLang="en-US" smtClean="0"/>
-              <a:t>2020/1/16</a:t>
+              <a:t>2020/1/20</a:t>
             </a:fld>
             <a:endParaRPr kumimoji="1" lang="ja-JP" altLang="en-US"/>
           </a:p>
@@ -6599,7 +6599,7 @@
           <a:p>
             <a:fld id="{56F9016B-CCA6-43BE-8BEE-59565A35F4F7}" type="datetimeFigureOut">
               <a:rPr kumimoji="1" lang="ja-JP" altLang="en-US" smtClean="0"/>
-              <a:t>2020/1/16</a:t>
+              <a:t>2020/1/20</a:t>
             </a:fld>
             <a:endParaRPr kumimoji="1" lang="ja-JP" altLang="en-US"/>
           </a:p>
@@ -21833,7 +21833,7 @@
           <p:nvPr>
             <p:extLst>
               <p:ext uri="{D42A27DB-BD31-4B8C-83A1-F6EECF244321}">
-                <p14:modId xmlns:p14="http://schemas.microsoft.com/office/powerpoint/2010/main" val="1480530629"/>
+                <p14:modId xmlns:p14="http://schemas.microsoft.com/office/powerpoint/2010/main" val="3526056848"/>
               </p:ext>
             </p:extLst>
           </p:nvPr>
@@ -23106,13 +23106,22 @@
                         <a:t>Spyc</a:t>
                       </a:r>
                       <a:r>
+                        <a:rPr lang="en-US" sz="1050" kern="100" dirty="0" smtClean="0">
+                          <a:effectLst/>
+                          <a:latin typeface="Segoe UI" panose="020B0502040204020203" pitchFamily="34" charset="0"/>
+                          <a:ea typeface="Segoe UI" panose="020B0502040204020203" pitchFamily="34" charset="0"/>
+                          <a:cs typeface="Segoe UI" panose="020B0502040204020203" pitchFamily="34" charset="0"/>
+                        </a:rPr>
+                        <a:t>, </a:t>
+                      </a:r>
+                      <a:r>
                         <a:rPr lang="en-US" sz="1050" kern="100" dirty="0">
                           <a:effectLst/>
                           <a:latin typeface="Segoe UI" panose="020B0502040204020203" pitchFamily="34" charset="0"/>
                           <a:ea typeface="Segoe UI" panose="020B0502040204020203" pitchFamily="34" charset="0"/>
                           <a:cs typeface="Segoe UI" panose="020B0502040204020203" pitchFamily="34" charset="0"/>
                         </a:rPr>
-                        <a:t>, Twig, MDB2, HTTP_Request2, Auth, </a:t>
+                        <a:t>Auth, </a:t>
                       </a:r>
                       <a:r>
                         <a:rPr lang="en-US" sz="1050" kern="100" dirty="0" smtClean="0">
@@ -23412,15 +23421,7 @@
             </a:pPr>
             <a:r>
               <a:rPr lang="en-US" altLang="ja-JP" sz="1000" kern="100" dirty="0" smtClean="0"/>
-              <a:t>* </a:t>
-            </a:r>
-            <a:r>
-              <a:rPr lang="en-US" altLang="ja-JP" sz="1000" kern="100" dirty="0" smtClean="0"/>
-              <a:t>only </a:t>
-            </a:r>
-            <a:r>
-              <a:rPr lang="en-US" altLang="ja-JP" sz="1000" kern="100" dirty="0" smtClean="0"/>
-              <a:t>RHEL7,CentOS7</a:t>
+              <a:t>* only RHEL7,CentOS7</a:t>
             </a:r>
           </a:p>
         </p:txBody>

--- a/asset/Learn/ITA-online-install_en.pptx
+++ b/asset/Learn/ITA-online-install_en.pptx
@@ -332,7 +332,7 @@
               <a:rPr kumimoji="1" lang="ja-JP" altLang="en-US" smtClean="0">
                 <a:ea typeface="メイリオ" panose="020B0604030504040204" pitchFamily="50" charset="-128"/>
               </a:rPr>
-              <a:t>2020/1/20</a:t>
+              <a:t>2020/1/24</a:t>
             </a:fld>
             <a:endParaRPr kumimoji="1" lang="ja-JP" altLang="en-US" dirty="0">
               <a:ea typeface="メイリオ" panose="020B0604030504040204" pitchFamily="50" charset="-128"/>
@@ -478,7 +478,7 @@
             <a:fld id="{4B26993D-C081-44EB-B0F5-A9F467792B62}" type="datetimeFigureOut">
               <a:rPr lang="ja-JP" altLang="en-US" smtClean="0"/>
               <a:pPr/>
-              <a:t>2020/1/20</a:t>
+              <a:t>2020/1/24</a:t>
             </a:fld>
             <a:endParaRPr lang="ja-JP" altLang="en-US" dirty="0"/>
           </a:p>
@@ -1101,7 +1101,7 @@
           <a:p>
             <a:fld id="{56F9016B-CCA6-43BE-8BEE-59565A35F4F7}" type="datetimeFigureOut">
               <a:rPr kumimoji="1" lang="ja-JP" altLang="en-US" smtClean="0"/>
-              <a:t>2020/1/20</a:t>
+              <a:t>2020/1/24</a:t>
             </a:fld>
             <a:endParaRPr kumimoji="1" lang="ja-JP" altLang="en-US"/>
           </a:p>
@@ -1303,7 +1303,7 @@
           <a:p>
             <a:fld id="{56F9016B-CCA6-43BE-8BEE-59565A35F4F7}" type="datetimeFigureOut">
               <a:rPr kumimoji="1" lang="ja-JP" altLang="en-US" smtClean="0"/>
-              <a:t>2020/1/20</a:t>
+              <a:t>2020/1/24</a:t>
             </a:fld>
             <a:endParaRPr kumimoji="1" lang="ja-JP" altLang="en-US"/>
           </a:p>
@@ -1549,7 +1549,7 @@
           <a:p>
             <a:fld id="{56F9016B-CCA6-43BE-8BEE-59565A35F4F7}" type="datetimeFigureOut">
               <a:rPr kumimoji="1" lang="ja-JP" altLang="en-US" smtClean="0"/>
-              <a:t>2020/1/20</a:t>
+              <a:t>2020/1/24</a:t>
             </a:fld>
             <a:endParaRPr kumimoji="1" lang="ja-JP" altLang="en-US"/>
           </a:p>
@@ -1845,7 +1845,7 @@
           <a:p>
             <a:fld id="{56F9016B-CCA6-43BE-8BEE-59565A35F4F7}" type="datetimeFigureOut">
               <a:rPr kumimoji="1" lang="ja-JP" altLang="en-US" smtClean="0"/>
-              <a:t>2020/1/20</a:t>
+              <a:t>2020/1/24</a:t>
             </a:fld>
             <a:endParaRPr kumimoji="1" lang="ja-JP" altLang="en-US"/>
           </a:p>
@@ -2276,7 +2276,7 @@
           <a:p>
             <a:fld id="{56F9016B-CCA6-43BE-8BEE-59565A35F4F7}" type="datetimeFigureOut">
               <a:rPr kumimoji="1" lang="ja-JP" altLang="en-US" smtClean="0"/>
-              <a:t>2020/1/20</a:t>
+              <a:t>2020/1/24</a:t>
             </a:fld>
             <a:endParaRPr kumimoji="1" lang="ja-JP" altLang="en-US"/>
           </a:p>
@@ -2394,7 +2394,7 @@
           <a:p>
             <a:fld id="{56F9016B-CCA6-43BE-8BEE-59565A35F4F7}" type="datetimeFigureOut">
               <a:rPr kumimoji="1" lang="ja-JP" altLang="en-US" smtClean="0"/>
-              <a:t>2020/1/20</a:t>
+              <a:t>2020/1/24</a:t>
             </a:fld>
             <a:endParaRPr kumimoji="1" lang="ja-JP" altLang="en-US"/>
           </a:p>
@@ -2489,7 +2489,7 @@
           <a:p>
             <a:fld id="{56F9016B-CCA6-43BE-8BEE-59565A35F4F7}" type="datetimeFigureOut">
               <a:rPr kumimoji="1" lang="ja-JP" altLang="en-US" smtClean="0"/>
-              <a:t>2020/1/20</a:t>
+              <a:t>2020/1/24</a:t>
             </a:fld>
             <a:endParaRPr kumimoji="1" lang="ja-JP" altLang="en-US"/>
           </a:p>
@@ -2798,7 +2798,7 @@
           <a:p>
             <a:fld id="{56F9016B-CCA6-43BE-8BEE-59565A35F4F7}" type="datetimeFigureOut">
               <a:rPr kumimoji="1" lang="ja-JP" altLang="en-US" smtClean="0"/>
-              <a:t>2020/1/20</a:t>
+              <a:t>2020/1/24</a:t>
             </a:fld>
             <a:endParaRPr kumimoji="1" lang="ja-JP" altLang="en-US"/>
           </a:p>
@@ -3051,7 +3051,7 @@
           <a:p>
             <a:fld id="{56F9016B-CCA6-43BE-8BEE-59565A35F4F7}" type="datetimeFigureOut">
               <a:rPr kumimoji="1" lang="ja-JP" altLang="en-US" smtClean="0"/>
-              <a:t>2020/1/20</a:t>
+              <a:t>2020/1/24</a:t>
             </a:fld>
             <a:endParaRPr kumimoji="1" lang="ja-JP" altLang="en-US"/>
           </a:p>
@@ -3328,7 +3328,7 @@
           <a:p>
             <a:fld id="{56F9016B-CCA6-43BE-8BEE-59565A35F4F7}" type="datetimeFigureOut">
               <a:rPr kumimoji="1" lang="ja-JP" altLang="en-US" smtClean="0"/>
-              <a:t>2020/1/20</a:t>
+              <a:t>2020/1/24</a:t>
             </a:fld>
             <a:endParaRPr kumimoji="1" lang="ja-JP" altLang="en-US"/>
           </a:p>
@@ -3540,7 +3540,7 @@
           <a:p>
             <a:fld id="{56F9016B-CCA6-43BE-8BEE-59565A35F4F7}" type="datetimeFigureOut">
               <a:rPr kumimoji="1" lang="ja-JP" altLang="en-US" smtClean="0"/>
-              <a:t>2020/1/20</a:t>
+              <a:t>2020/1/24</a:t>
             </a:fld>
             <a:endParaRPr kumimoji="1" lang="ja-JP" altLang="en-US"/>
           </a:p>
@@ -6599,7 +6599,7 @@
           <a:p>
             <a:fld id="{56F9016B-CCA6-43BE-8BEE-59565A35F4F7}" type="datetimeFigureOut">
               <a:rPr kumimoji="1" lang="ja-JP" altLang="en-US" smtClean="0"/>
-              <a:t>2020/1/20</a:t>
+              <a:t>2020/1/24</a:t>
             </a:fld>
             <a:endParaRPr kumimoji="1" lang="ja-JP" altLang="en-US"/>
           </a:p>
@@ -16391,7 +16391,7 @@
           <p:nvPr>
             <p:extLst>
               <p:ext uri="{D42A27DB-BD31-4B8C-83A1-F6EECF244321}">
-                <p14:modId xmlns:p14="http://schemas.microsoft.com/office/powerpoint/2010/main" val="1720858948"/>
+                <p14:modId xmlns:p14="http://schemas.microsoft.com/office/powerpoint/2010/main" val="261349629"/>
               </p:ext>
             </p:extLst>
           </p:nvPr>
@@ -18445,7 +18445,19 @@
                           <a:ea typeface="Segoe UI" panose="020B0502040204020203" pitchFamily="34" charset="0"/>
                           <a:cs typeface="Segoe UI" panose="020B0502040204020203" pitchFamily="34" charset="0"/>
                         </a:rPr>
-                        <a:t>Creation of parameter sheets</a:t>
+                        <a:t>Creation of </a:t>
+                      </a:r>
+                      <a:r>
+                        <a:rPr lang="en-US" altLang="ja-JP" sz="1000" b="1" i="0" u="none" kern="100" dirty="0" smtClean="0">
+                          <a:solidFill>
+                            <a:srgbClr val="000000"/>
+                          </a:solidFill>
+                          <a:effectLst/>
+                          <a:latin typeface="Segoe UI" panose="020B0502040204020203" pitchFamily="34" charset="0"/>
+                          <a:ea typeface="Segoe UI" panose="020B0502040204020203" pitchFamily="34" charset="0"/>
+                          <a:cs typeface="Segoe UI" panose="020B0502040204020203" pitchFamily="34" charset="0"/>
+                        </a:rPr>
+                        <a:t>menus </a:t>
                       </a:r>
                       <a:r>
                         <a:rPr lang="en-US" altLang="ja-JP" sz="1000" b="0" i="0" u="none" kern="100" baseline="0" dirty="0" smtClean="0">
@@ -18457,7 +18469,7 @@
                           <a:ea typeface="ＭＳ 明朝" panose="02020609040205080304" pitchFamily="17" charset="-128"/>
                           <a:cs typeface="Segoe UI" panose="020B0502040204020203" pitchFamily="34" charset="0"/>
                         </a:rPr>
-                        <a:t> function </a:t>
+                        <a:t>function </a:t>
                       </a:r>
                       <a:r>
                         <a:rPr lang="en-US" altLang="ja-JP" sz="1000" b="0" i="0" u="none" kern="100" dirty="0" smtClean="0">
@@ -26894,14 +26906,14 @@
           <p:nvPr>
             <p:extLst>
               <p:ext uri="{D42A27DB-BD31-4B8C-83A1-F6EECF244321}">
-                <p14:modId xmlns:p14="http://schemas.microsoft.com/office/powerpoint/2010/main" val="1394490566"/>
+                <p14:modId xmlns:p14="http://schemas.microsoft.com/office/powerpoint/2010/main" val="2057909291"/>
               </p:ext>
             </p:extLst>
           </p:nvPr>
         </p:nvGraphicFramePr>
         <p:xfrm>
           <a:off x="1259540" y="2276840"/>
-          <a:ext cx="6624920" cy="2479614"/>
+          <a:ext cx="6624920" cy="2222847"/>
         </p:xfrm>
         <a:graphic>
           <a:graphicData uri="http://schemas.openxmlformats.org/drawingml/2006/table">
@@ -27152,7 +27164,7 @@
                 </a:extLst>
               </a:tr>
               <a:tr h="256767">
-                <a:tc rowSpan="2">
+                <a:tc>
                   <a:txBody>
                     <a:bodyPr/>
                     <a:lstStyle/>
@@ -27169,7 +27181,16 @@
                           <a:ea typeface="Segoe UI" panose="020B0502040204020203" pitchFamily="34" charset="0"/>
                           <a:cs typeface="Segoe UI" panose="020B0502040204020203" pitchFamily="34" charset="0"/>
                         </a:rPr>
-                        <a:t>Creating parameter sheets</a:t>
+                        <a:t>Creating</a:t>
+                      </a:r>
+                      <a:r>
+                        <a:rPr lang="en-US" altLang="ja-JP" sz="1050" kern="100" baseline="0" dirty="0" smtClean="0">
+                          <a:effectLst/>
+                          <a:latin typeface="Segoe UI" panose="020B0502040204020203" pitchFamily="34" charset="0"/>
+                          <a:ea typeface="Segoe UI" panose="020B0502040204020203" pitchFamily="34" charset="0"/>
+                          <a:cs typeface="Segoe UI" panose="020B0502040204020203" pitchFamily="34" charset="0"/>
+                        </a:rPr>
+                        <a:t> menus</a:t>
                       </a:r>
                       <a:endParaRPr lang="ja-JP" sz="1050" kern="100" dirty="0">
                         <a:effectLst/>
@@ -27230,65 +27251,6 @@
                 <a:extLst>
                   <a:ext uri="{0D108BD9-81ED-4DB2-BD59-A6C34878D82A}">
                     <a16:rowId xmlns:a16="http://schemas.microsoft.com/office/drawing/2014/main" val="10003"/>
-                  </a:ext>
-                </a:extLst>
-              </a:tr>
-              <a:tr h="256767">
-                <a:tc vMerge="1">
-                  <a:txBody>
-                    <a:bodyPr/>
-                    <a:lstStyle/>
-                    <a:p>
-                      <a:endParaRPr kumimoji="1" lang="ja-JP" altLang="en-US"/>
-                    </a:p>
-                  </a:txBody>
-                  <a:tcPr/>
-                </a:tc>
-                <a:tc>
-                  <a:txBody>
-                    <a:bodyPr/>
-                    <a:lstStyle/>
-                    <a:p>
-                      <a:pPr algn="l">
-                        <a:spcAft>
-                          <a:spcPts val="0"/>
-                        </a:spcAft>
-                      </a:pPr>
-                      <a:r>
-                        <a:rPr lang="en-US" altLang="ja-JP" sz="1050" kern="100" dirty="0" smtClean="0">
-                          <a:effectLst/>
-                          <a:latin typeface="Segoe UI" panose="020B0502040204020203" pitchFamily="34" charset="0"/>
-                          <a:ea typeface="+mn-ea"/>
-                          <a:cs typeface="Segoe UI" panose="020B0502040204020203" pitchFamily="34" charset="0"/>
-                        </a:rPr>
-                        <a:t>Create</a:t>
-                      </a:r>
-                      <a:r>
-                        <a:rPr lang="en-US" altLang="ja-JP" sz="1050" kern="100" baseline="0" dirty="0" smtClean="0">
-                          <a:effectLst/>
-                          <a:latin typeface="Segoe UI" panose="020B0502040204020203" pitchFamily="34" charset="0"/>
-                          <a:ea typeface="+mn-ea"/>
-                          <a:cs typeface="Segoe UI" panose="020B0502040204020203" pitchFamily="34" charset="0"/>
-                        </a:rPr>
-                        <a:t> parameter list menu</a:t>
-                      </a:r>
-                      <a:endParaRPr lang="ja-JP" sz="1050" kern="100" dirty="0">
-                        <a:effectLst/>
-                        <a:latin typeface="Segoe UI" panose="020B0502040204020203" pitchFamily="34" charset="0"/>
-                        <a:ea typeface="ＭＳ 明朝" panose="02020609040205080304" pitchFamily="17" charset="-128"/>
-                        <a:cs typeface="Segoe UI" panose="020B0502040204020203" pitchFamily="34" charset="0"/>
-                      </a:endParaRPr>
-                    </a:p>
-                  </a:txBody>
-                  <a:tcPr marL="68580" marR="68580" marT="0" marB="0" anchor="ctr">
-                    <a:solidFill>
-                      <a:srgbClr val="E7E8EA"/>
-                    </a:solidFill>
-                  </a:tcPr>
-                </a:tc>
-                <a:extLst>
-                  <a:ext uri="{0D108BD9-81ED-4DB2-BD59-A6C34878D82A}">
-                    <a16:rowId xmlns:a16="http://schemas.microsoft.com/office/drawing/2014/main" val="10004"/>
                   </a:ext>
                 </a:extLst>
               </a:tr>
@@ -28012,7 +27974,7 @@
           <p:nvPr>
             <p:extLst>
               <p:ext uri="{D42A27DB-BD31-4B8C-83A1-F6EECF244321}">
-                <p14:modId xmlns:p14="http://schemas.microsoft.com/office/powerpoint/2010/main" val="3984824688"/>
+                <p14:modId xmlns:p14="http://schemas.microsoft.com/office/powerpoint/2010/main" val="3928342641"/>
               </p:ext>
             </p:extLst>
           </p:nvPr>
@@ -28639,7 +28601,19 @@
                           <a:ea typeface="Segoe UI" panose="020B0502040204020203" pitchFamily="34" charset="0"/>
                           <a:cs typeface="Segoe UI" panose="020B0502040204020203" pitchFamily="34" charset="0"/>
                         </a:rPr>
-                        <a:t>Creation of parameter sheets</a:t>
+                        <a:t>Creation of </a:t>
+                      </a:r>
+                      <a:r>
+                        <a:rPr lang="en-US" altLang="ja-JP" sz="900" b="0" i="0" u="none" kern="0" dirty="0" smtClean="0">
+                          <a:solidFill>
+                            <a:srgbClr val="000000"/>
+                          </a:solidFill>
+                          <a:effectLst/>
+                          <a:latin typeface="Segoe UI" panose="020B0502040204020203" pitchFamily="34" charset="0"/>
+                          <a:ea typeface="Segoe UI" panose="020B0502040204020203" pitchFamily="34" charset="0"/>
+                          <a:cs typeface="Segoe UI" panose="020B0502040204020203" pitchFamily="34" charset="0"/>
+                        </a:rPr>
+                        <a:t>menus</a:t>
                       </a:r>
                       <a:endParaRPr lang="ja-JP" sz="1050" b="0" i="0" u="none" kern="100" dirty="0">
                         <a:solidFill>
@@ -28686,28 +28660,7 @@
                           <a:ea typeface="Segoe UI" panose="020B0502040204020203" pitchFamily="34" charset="0"/>
                           <a:cs typeface="Segoe UI" panose="020B0502040204020203" pitchFamily="34" charset="0"/>
                         </a:rPr>
-                        <a:t>reate and manage </a:t>
-                      </a:r>
-                      <a:r>
-                        <a:rPr lang="en-US" altLang="ja-JP" sz="900" b="0" i="0" u="none" kern="100" dirty="0" smtClean="0">
-                          <a:solidFill>
-                            <a:srgbClr val="000000"/>
-                          </a:solidFill>
-                          <a:effectLst/>
-                          <a:latin typeface="Segoe UI" panose="020B0502040204020203" pitchFamily="34" charset="0"/>
-                          <a:ea typeface="Segoe UI" panose="020B0502040204020203" pitchFamily="34" charset="0"/>
-                          <a:cs typeface="Segoe UI" panose="020B0502040204020203" pitchFamily="34" charset="0"/>
-                        </a:rPr>
-                        <a:t>parameter sheets </a:t>
-                      </a:r>
-                      <a:r>
-                        <a:rPr lang="en-US" altLang="ja-JP" sz="900" kern="100" dirty="0" smtClean="0">
-                          <a:effectLst/>
-                          <a:latin typeface="Segoe UI" panose="020B0502040204020203" pitchFamily="34" charset="0"/>
-                          <a:ea typeface="Segoe UI" panose="020B0502040204020203" pitchFamily="34" charset="0"/>
-                          <a:cs typeface="Segoe UI" panose="020B0502040204020203" pitchFamily="34" charset="0"/>
-                        </a:rPr>
-                        <a:t>(</a:t>
+                        <a:t>reate </a:t>
                       </a:r>
                       <a:r>
                         <a:rPr lang="en-US" sz="900" kern="100" dirty="0" smtClean="0">
@@ -28716,7 +28669,7 @@
                           <a:ea typeface="Segoe UI" panose="020B0502040204020203" pitchFamily="34" charset="0"/>
                           <a:cs typeface="Segoe UI" panose="020B0502040204020203" pitchFamily="34" charset="0"/>
                         </a:rPr>
-                        <a:t>Web menus)</a:t>
+                        <a:t>menus</a:t>
                       </a:r>
                       <a:r>
                         <a:rPr lang="en-US" altLang="ja-JP" sz="900" kern="100" dirty="0" smtClean="0">

--- a/asset/Learn/ITA-online-install_en.pptx
+++ b/asset/Learn/ITA-online-install_en.pptx
@@ -332,7 +332,7 @@
               <a:rPr kumimoji="1" lang="ja-JP" altLang="en-US" smtClean="0">
                 <a:ea typeface="メイリオ" panose="020B0604030504040204" pitchFamily="50" charset="-128"/>
               </a:rPr>
-              <a:t>2019/11/5</a:t>
+              <a:t>2020/1/24</a:t>
             </a:fld>
             <a:endParaRPr kumimoji="1" lang="ja-JP" altLang="en-US" dirty="0">
               <a:ea typeface="メイリオ" panose="020B0604030504040204" pitchFamily="50" charset="-128"/>
@@ -478,7 +478,7 @@
             <a:fld id="{4B26993D-C081-44EB-B0F5-A9F467792B62}" type="datetimeFigureOut">
               <a:rPr lang="ja-JP" altLang="en-US" smtClean="0"/>
               <a:pPr/>
-              <a:t>2019/11/5</a:t>
+              <a:t>2020/1/24</a:t>
             </a:fld>
             <a:endParaRPr lang="ja-JP" altLang="en-US" dirty="0"/>
           </a:p>
@@ -1101,7 +1101,7 @@
           <a:p>
             <a:fld id="{56F9016B-CCA6-43BE-8BEE-59565A35F4F7}" type="datetimeFigureOut">
               <a:rPr kumimoji="1" lang="ja-JP" altLang="en-US" smtClean="0"/>
-              <a:t>2019/11/5</a:t>
+              <a:t>2020/1/24</a:t>
             </a:fld>
             <a:endParaRPr kumimoji="1" lang="ja-JP" altLang="en-US"/>
           </a:p>
@@ -1303,7 +1303,7 @@
           <a:p>
             <a:fld id="{56F9016B-CCA6-43BE-8BEE-59565A35F4F7}" type="datetimeFigureOut">
               <a:rPr kumimoji="1" lang="ja-JP" altLang="en-US" smtClean="0"/>
-              <a:t>2019/11/5</a:t>
+              <a:t>2020/1/24</a:t>
             </a:fld>
             <a:endParaRPr kumimoji="1" lang="ja-JP" altLang="en-US"/>
           </a:p>
@@ -1549,7 +1549,7 @@
           <a:p>
             <a:fld id="{56F9016B-CCA6-43BE-8BEE-59565A35F4F7}" type="datetimeFigureOut">
               <a:rPr kumimoji="1" lang="ja-JP" altLang="en-US" smtClean="0"/>
-              <a:t>2019/11/5</a:t>
+              <a:t>2020/1/24</a:t>
             </a:fld>
             <a:endParaRPr kumimoji="1" lang="ja-JP" altLang="en-US"/>
           </a:p>
@@ -1845,7 +1845,7 @@
           <a:p>
             <a:fld id="{56F9016B-CCA6-43BE-8BEE-59565A35F4F7}" type="datetimeFigureOut">
               <a:rPr kumimoji="1" lang="ja-JP" altLang="en-US" smtClean="0"/>
-              <a:t>2019/11/5</a:t>
+              <a:t>2020/1/24</a:t>
             </a:fld>
             <a:endParaRPr kumimoji="1" lang="ja-JP" altLang="en-US"/>
           </a:p>
@@ -2276,7 +2276,7 @@
           <a:p>
             <a:fld id="{56F9016B-CCA6-43BE-8BEE-59565A35F4F7}" type="datetimeFigureOut">
               <a:rPr kumimoji="1" lang="ja-JP" altLang="en-US" smtClean="0"/>
-              <a:t>2019/11/5</a:t>
+              <a:t>2020/1/24</a:t>
             </a:fld>
             <a:endParaRPr kumimoji="1" lang="ja-JP" altLang="en-US"/>
           </a:p>
@@ -2394,7 +2394,7 @@
           <a:p>
             <a:fld id="{56F9016B-CCA6-43BE-8BEE-59565A35F4F7}" type="datetimeFigureOut">
               <a:rPr kumimoji="1" lang="ja-JP" altLang="en-US" smtClean="0"/>
-              <a:t>2019/11/5</a:t>
+              <a:t>2020/1/24</a:t>
             </a:fld>
             <a:endParaRPr kumimoji="1" lang="ja-JP" altLang="en-US"/>
           </a:p>
@@ -2489,7 +2489,7 @@
           <a:p>
             <a:fld id="{56F9016B-CCA6-43BE-8BEE-59565A35F4F7}" type="datetimeFigureOut">
               <a:rPr kumimoji="1" lang="ja-JP" altLang="en-US" smtClean="0"/>
-              <a:t>2019/11/5</a:t>
+              <a:t>2020/1/24</a:t>
             </a:fld>
             <a:endParaRPr kumimoji="1" lang="ja-JP" altLang="en-US"/>
           </a:p>
@@ -2798,7 +2798,7 @@
           <a:p>
             <a:fld id="{56F9016B-CCA6-43BE-8BEE-59565A35F4F7}" type="datetimeFigureOut">
               <a:rPr kumimoji="1" lang="ja-JP" altLang="en-US" smtClean="0"/>
-              <a:t>2019/11/5</a:t>
+              <a:t>2020/1/24</a:t>
             </a:fld>
             <a:endParaRPr kumimoji="1" lang="ja-JP" altLang="en-US"/>
           </a:p>
@@ -3051,7 +3051,7 @@
           <a:p>
             <a:fld id="{56F9016B-CCA6-43BE-8BEE-59565A35F4F7}" type="datetimeFigureOut">
               <a:rPr kumimoji="1" lang="ja-JP" altLang="en-US" smtClean="0"/>
-              <a:t>2019/11/5</a:t>
+              <a:t>2020/1/24</a:t>
             </a:fld>
             <a:endParaRPr kumimoji="1" lang="ja-JP" altLang="en-US"/>
           </a:p>
@@ -3328,7 +3328,7 @@
           <a:p>
             <a:fld id="{56F9016B-CCA6-43BE-8BEE-59565A35F4F7}" type="datetimeFigureOut">
               <a:rPr kumimoji="1" lang="ja-JP" altLang="en-US" smtClean="0"/>
-              <a:t>2019/11/5</a:t>
+              <a:t>2020/1/24</a:t>
             </a:fld>
             <a:endParaRPr kumimoji="1" lang="ja-JP" altLang="en-US"/>
           </a:p>
@@ -3540,7 +3540,7 @@
           <a:p>
             <a:fld id="{56F9016B-CCA6-43BE-8BEE-59565A35F4F7}" type="datetimeFigureOut">
               <a:rPr kumimoji="1" lang="ja-JP" altLang="en-US" smtClean="0"/>
-              <a:t>2019/11/5</a:t>
+              <a:t>2020/1/24</a:t>
             </a:fld>
             <a:endParaRPr kumimoji="1" lang="ja-JP" altLang="en-US"/>
           </a:p>
@@ -6599,7 +6599,7 @@
           <a:p>
             <a:fld id="{56F9016B-CCA6-43BE-8BEE-59565A35F4F7}" type="datetimeFigureOut">
               <a:rPr kumimoji="1" lang="ja-JP" altLang="en-US" smtClean="0"/>
-              <a:t>2019/11/5</a:t>
+              <a:t>2020/1/24</a:t>
             </a:fld>
             <a:endParaRPr kumimoji="1" lang="ja-JP" altLang="en-US"/>
           </a:p>
@@ -7045,7 +7045,7 @@
                 <a:ea typeface="Segoe UI" panose="020B0502040204020203" pitchFamily="34" charset="0"/>
                 <a:cs typeface="Segoe UI" panose="020B0502040204020203" pitchFamily="34" charset="0"/>
               </a:rPr>
-              <a:t>1.2</a:t>
+              <a:t>1.3</a:t>
             </a:r>
             <a:endParaRPr lang="en-US" altLang="ja-JP" dirty="0">
               <a:latin typeface="Segoe UI" panose="020B0502040204020203" pitchFamily="34" charset="0"/>
@@ -7677,7 +7677,7 @@
               </a:rPr>
               <a:t>repositories:</a:t>
             </a:r>
-            <a:endParaRPr kumimoji="1" lang="ja-JP" altLang="en-US" dirty="0">
+            <a:endParaRPr lang="en-US" altLang="ja-JP" dirty="0">
               <a:latin typeface="Segoe UI" panose="020B0502040204020203" pitchFamily="34" charset="0"/>
               <a:cs typeface="Segoe UI" panose="020B0502040204020203" pitchFamily="34" charset="0"/>
             </a:endParaRPr>
@@ -7693,14 +7693,14 @@
           <p:nvPr>
             <p:extLst>
               <p:ext uri="{D42A27DB-BD31-4B8C-83A1-F6EECF244321}">
-                <p14:modId xmlns:p14="http://schemas.microsoft.com/office/powerpoint/2010/main" val="3620154875"/>
+                <p14:modId xmlns:p14="http://schemas.microsoft.com/office/powerpoint/2010/main" val="754382863"/>
               </p:ext>
             </p:extLst>
           </p:nvPr>
         </p:nvGraphicFramePr>
         <p:xfrm>
-          <a:off x="302551" y="1844780"/>
-          <a:ext cx="8538898" cy="4043680"/>
+          <a:off x="302064" y="1628750"/>
+          <a:ext cx="8538898" cy="2565400"/>
         </p:xfrm>
         <a:graphic>
           <a:graphicData uri="http://schemas.openxmlformats.org/drawingml/2006/table">
@@ -7712,14 +7712,14 @@
                 <a:gridCol w="1000443">
                   <a:extLst>
                     <a:ext uri="{9D8B030D-6E8A-4147-A177-3AD203B41FA5}">
-                      <a16:colId xmlns:a16="http://schemas.microsoft.com/office/drawing/2014/main" xmlns="" val="20000"/>
+                      <a16:colId xmlns:a16="http://schemas.microsoft.com/office/drawing/2014/main" val="20000"/>
                     </a:ext>
                   </a:extLst>
                 </a:gridCol>
                 <a:gridCol w="7538455">
                   <a:extLst>
                     <a:ext uri="{9D8B030D-6E8A-4147-A177-3AD203B41FA5}">
-                      <a16:colId xmlns:a16="http://schemas.microsoft.com/office/drawing/2014/main" xmlns="" val="20001"/>
+                      <a16:colId xmlns:a16="http://schemas.microsoft.com/office/drawing/2014/main" val="20001"/>
                     </a:ext>
                   </a:extLst>
                 </a:gridCol>
@@ -7777,28 +7777,21 @@
                 </a:tc>
                 <a:extLst>
                   <a:ext uri="{0D108BD9-81ED-4DB2-BD59-A6C34878D82A}">
-                    <a16:rowId xmlns:a16="http://schemas.microsoft.com/office/drawing/2014/main" xmlns="" val="10000"/>
+                    <a16:rowId xmlns:a16="http://schemas.microsoft.com/office/drawing/2014/main" val="10000"/>
                   </a:ext>
                 </a:extLst>
               </a:tr>
-              <a:tr h="472440">
+              <a:tr h="205240">
                 <a:tc rowSpan="3">
                   <a:txBody>
                     <a:bodyPr/>
                     <a:lstStyle/>
                     <a:p>
                       <a:r>
-                        <a:rPr kumimoji="1" lang="en-US" altLang="ja-JP" sz="1200" b="1" dirty="0" smtClean="0">
-                          <a:latin typeface="Segoe UI" panose="020B0502040204020203" pitchFamily="34" charset="0"/>
-                          <a:ea typeface="Segoe UI" panose="020B0502040204020203" pitchFamily="34" charset="0"/>
-                          <a:cs typeface="Segoe UI" panose="020B0502040204020203" pitchFamily="34" charset="0"/>
-                        </a:rPr>
-                        <a:t>RHEL 7</a:t>
-                      </a:r>
-                      <a:endParaRPr kumimoji="1" lang="ja-JP" altLang="en-US" sz="1200" b="1" dirty="0">
-                        <a:latin typeface="Segoe UI" panose="020B0502040204020203" pitchFamily="34" charset="0"/>
-                        <a:cs typeface="Segoe UI" panose="020B0502040204020203" pitchFamily="34" charset="0"/>
-                      </a:endParaRPr>
+                        <a:rPr kumimoji="1" lang="en-US" altLang="ja-JP" sz="1200" b="1" dirty="0" smtClean="0"/>
+                        <a:t>RHEL7</a:t>
+                      </a:r>
+                      <a:endParaRPr kumimoji="1" lang="ja-JP" altLang="en-US" sz="1200" b="1" dirty="0"/>
                     </a:p>
                   </a:txBody>
                   <a:tcPr anchor="ctr"/>
@@ -7809,29 +7802,26 @@
                     <a:lstStyle/>
                     <a:p>
                       <a:r>
-                        <a:rPr kumimoji="1" lang="en-US" altLang="ja-JP" sz="1200" b="1" i="0" u="none" strike="noStrike" kern="1200" baseline="0" dirty="0" smtClean="0">
+                        <a:rPr kumimoji="1" lang="en-US" altLang="ja-JP" sz="1200" b="1" i="0" kern="1200" dirty="0" smtClean="0">
                           <a:solidFill>
                             <a:schemeClr val="dk1"/>
                           </a:solidFill>
-                          <a:latin typeface="Segoe UI" panose="020B0502040204020203" pitchFamily="34" charset="0"/>
-                          <a:ea typeface="Segoe UI" panose="020B0502040204020203" pitchFamily="34" charset="0"/>
-                          <a:cs typeface="Segoe UI" panose="020B0502040204020203" pitchFamily="34" charset="0"/>
-                        </a:rPr>
-                        <a:t>http://ftp-srv2.kddilabs.jp/Linux/distributions/fedora/epel/7/x86_64/Packages/</a:t>
-                      </a:r>
-                    </a:p>
-                    <a:p>
-                      <a:r>
-                        <a:rPr kumimoji="1" lang="en-US" altLang="ja-JP" sz="1200" b="1" i="0" u="none" strike="noStrike" kern="1200" baseline="0" dirty="0" smtClean="0">
-                          <a:solidFill>
-                            <a:schemeClr val="dk1"/>
-                          </a:solidFill>
-                          <a:latin typeface="Segoe UI" panose="020B0502040204020203" pitchFamily="34" charset="0"/>
-                          <a:ea typeface="Segoe UI" panose="020B0502040204020203" pitchFamily="34" charset="0"/>
-                          <a:cs typeface="Segoe UI" panose="020B0502040204020203" pitchFamily="34" charset="0"/>
-                        </a:rPr>
-                        <a:t>e/epel-release-7-11.noarch.rpm</a:t>
-                      </a:r>
+                          <a:effectLst/>
+                          <a:latin typeface="+mn-lt"/>
+                          <a:ea typeface="+mn-ea"/>
+                          <a:cs typeface="+mn-cs"/>
+                        </a:rPr>
+                        <a:t>https://dl.fedoraproject.org/pub/epel/epel-release-latest-7.noarch.rpm</a:t>
+                      </a:r>
+                      <a:endParaRPr kumimoji="1" lang="en-US" altLang="ja-JP" sz="1200" b="1" i="0" kern="1200" dirty="0">
+                        <a:solidFill>
+                          <a:schemeClr val="dk1"/>
+                        </a:solidFill>
+                        <a:effectLst/>
+                        <a:latin typeface="+mn-lt"/>
+                        <a:ea typeface="+mn-ea"/>
+                        <a:cs typeface="+mn-cs"/>
+                      </a:endParaRPr>
                     </a:p>
                   </a:txBody>
                   <a:tcPr>
@@ -7851,7 +7841,7 @@
                 </a:tc>
                 <a:extLst>
                   <a:ext uri="{0D108BD9-81ED-4DB2-BD59-A6C34878D82A}">
-                    <a16:rowId xmlns:a16="http://schemas.microsoft.com/office/drawing/2014/main" xmlns="" val="10001"/>
+                    <a16:rowId xmlns:a16="http://schemas.microsoft.com/office/drawing/2014/main" val="10001"/>
                   </a:ext>
                 </a:extLst>
               </a:tr>
@@ -7891,11 +7881,11 @@
                       <a:r>
                         <a:rPr kumimoji="1" lang="en-US" altLang="ja-JP" sz="1200" b="1" i="0" u="none" strike="noStrike" kern="1200" baseline="0" dirty="0" smtClean="0">
                           <a:solidFill>
-                            <a:schemeClr val="dk1"/>
+                            <a:schemeClr val="tx1"/>
                           </a:solidFill>
-                          <a:latin typeface="Segoe UI" panose="020B0502040204020203" pitchFamily="34" charset="0"/>
-                          <a:ea typeface="Segoe UI" panose="020B0502040204020203" pitchFamily="34" charset="0"/>
-                          <a:cs typeface="Segoe UI" panose="020B0502040204020203" pitchFamily="34" charset="0"/>
+                          <a:latin typeface="+mn-lt"/>
+                          <a:ea typeface="+mn-ea"/>
+                          <a:cs typeface="+mn-cs"/>
                         </a:rPr>
                         <a:t>https://downloads.mariadb.com/MariaDB/mariadb_repo_setup</a:t>
                       </a:r>
@@ -7927,7 +7917,7 @@
                 </a:tc>
                 <a:extLst>
                   <a:ext uri="{0D108BD9-81ED-4DB2-BD59-A6C34878D82A}">
-                    <a16:rowId xmlns:a16="http://schemas.microsoft.com/office/drawing/2014/main" xmlns="" val="10002"/>
+                    <a16:rowId xmlns:a16="http://schemas.microsoft.com/office/drawing/2014/main" val="10002"/>
                   </a:ext>
                 </a:extLst>
               </a:tr>
@@ -7941,6 +7931,76 @@
                     </a:p>
                   </a:txBody>
                   <a:tcPr/>
+                </a:tc>
+                <a:tc>
+                  <a:txBody>
+                    <a:bodyPr/>
+                    <a:lstStyle/>
+                    <a:p>
+                      <a:r>
+                        <a:rPr kumimoji="1" lang="en-US" altLang="ja-JP" sz="1200" b="1" dirty="0" smtClean="0">
+                          <a:solidFill>
+                            <a:schemeClr val="tx1"/>
+                          </a:solidFill>
+                        </a:rPr>
+                        <a:t>http://rpms.remirepo.net/enterprise/remi-release-7.rpm</a:t>
+                      </a:r>
+                      <a:endParaRPr kumimoji="1" lang="ja-JP" altLang="en-US" sz="1200" b="1" dirty="0">
+                        <a:solidFill>
+                          <a:schemeClr val="tx1"/>
+                        </a:solidFill>
+                      </a:endParaRPr>
+                    </a:p>
+                  </a:txBody>
+                  <a:tcPr>
+                    <a:lnT w="12700" cap="flat" cmpd="sng" algn="ctr">
+                      <a:solidFill>
+                        <a:schemeClr val="bg1"/>
+                      </a:solidFill>
+                      <a:prstDash val="solid"/>
+                      <a:round/>
+                      <a:headEnd type="none" w="med" len="med"/>
+                      <a:tailEnd type="none" w="med" len="med"/>
+                    </a:lnT>
+                  </a:tcPr>
+                </a:tc>
+                <a:extLst>
+                  <a:ext uri="{0D108BD9-81ED-4DB2-BD59-A6C34878D82A}">
+                    <a16:rowId xmlns:a16="http://schemas.microsoft.com/office/drawing/2014/main" val="10003"/>
+                  </a:ext>
+                </a:extLst>
+              </a:tr>
+              <a:tr h="185420">
+                <a:tc>
+                  <a:txBody>
+                    <a:bodyPr/>
+                    <a:lstStyle/>
+                    <a:p>
+                      <a:pPr marL="0" marR="0" lvl="0" indent="0" algn="l" defTabSz="914400" rtl="0" eaLnBrk="1" fontAlgn="auto" latinLnBrk="0" hangingPunct="1">
+                        <a:lnSpc>
+                          <a:spcPct val="100000"/>
+                        </a:lnSpc>
+                        <a:spcBef>
+                          <a:spcPts val="0"/>
+                        </a:spcBef>
+                        <a:spcAft>
+                          <a:spcPts val="0"/>
+                        </a:spcAft>
+                        <a:buClrTx/>
+                        <a:buSzTx/>
+                        <a:buFontTx/>
+                        <a:buNone/>
+                        <a:tabLst/>
+                        <a:defRPr/>
+                      </a:pPr>
+                      <a:r>
+                        <a:rPr kumimoji="1" lang="en-US" altLang="ja-JP" sz="1200" b="1" dirty="0" smtClean="0"/>
+                        <a:t>RHEL8</a:t>
+                      </a:r>
+                      <a:endParaRPr kumimoji="1" lang="ja-JP" altLang="en-US" sz="1200" b="1" dirty="0" smtClean="0"/>
+                    </a:p>
+                  </a:txBody>
+                  <a:tcPr anchor="ctr"/>
                 </a:tc>
                 <a:tc>
                   <a:txBody>
@@ -7965,89 +8025,17 @@
                         <a:defRPr/>
                       </a:pPr>
                       <a:r>
-                        <a:rPr kumimoji="1" lang="en-US" altLang="ja-JP" sz="1200" b="1" i="0" u="none" strike="noStrike" kern="1200" baseline="0" dirty="0" smtClean="0">
+                        <a:rPr kumimoji="1" lang="en-US" altLang="ja-JP" sz="1200" b="1" i="0" kern="1200" dirty="0" smtClean="0">
                           <a:solidFill>
                             <a:schemeClr val="dk1"/>
                           </a:solidFill>
-                          <a:latin typeface="Segoe UI" panose="020B0502040204020203" pitchFamily="34" charset="0"/>
-                          <a:ea typeface="Segoe UI" panose="020B0502040204020203" pitchFamily="34" charset="0"/>
-                          <a:cs typeface="Segoe UI" panose="020B0502040204020203" pitchFamily="34" charset="0"/>
-                        </a:rPr>
-                        <a:t>http://rpms.remirepo.net/enterprise/remi-release-7.rpm</a:t>
-                      </a:r>
-                      <a:endParaRPr kumimoji="1" lang="ja-JP" altLang="en-US" sz="1200" b="1" dirty="0" smtClean="0">
-                        <a:latin typeface="Segoe UI" panose="020B0502040204020203" pitchFamily="34" charset="0"/>
-                        <a:cs typeface="Segoe UI" panose="020B0502040204020203" pitchFamily="34" charset="0"/>
-                      </a:endParaRPr>
-                    </a:p>
-                  </a:txBody>
-                  <a:tcPr>
-                    <a:lnT w="12700" cap="flat" cmpd="sng" algn="ctr">
-                      <a:solidFill>
-                        <a:schemeClr val="bg1"/>
-                      </a:solidFill>
-                      <a:prstDash val="solid"/>
-                      <a:round/>
-                      <a:headEnd type="none" w="med" len="med"/>
-                      <a:tailEnd type="none" w="med" len="med"/>
-                    </a:lnT>
-                  </a:tcPr>
-                </a:tc>
-                <a:extLst>
-                  <a:ext uri="{0D108BD9-81ED-4DB2-BD59-A6C34878D82A}">
-                    <a16:rowId xmlns:a16="http://schemas.microsoft.com/office/drawing/2014/main" xmlns="" val="10003"/>
-                  </a:ext>
-                </a:extLst>
-              </a:tr>
-              <a:tr h="185420">
-                <a:tc rowSpan="3">
-                  <a:txBody>
-                    <a:bodyPr/>
-                    <a:lstStyle/>
-                    <a:p>
-                      <a:r>
-                        <a:rPr kumimoji="1" lang="en-US" altLang="ja-JP" sz="1200" b="1" dirty="0" smtClean="0">
-                          <a:latin typeface="Segoe UI" panose="020B0502040204020203" pitchFamily="34" charset="0"/>
-                          <a:ea typeface="Segoe UI" panose="020B0502040204020203" pitchFamily="34" charset="0"/>
-                          <a:cs typeface="Segoe UI" panose="020B0502040204020203" pitchFamily="34" charset="0"/>
-                        </a:rPr>
-                        <a:t>RHEL 6</a:t>
-                      </a:r>
-                      <a:endParaRPr kumimoji="1" lang="ja-JP" altLang="en-US" sz="1200" b="1" dirty="0">
-                        <a:latin typeface="Segoe UI" panose="020B0502040204020203" pitchFamily="34" charset="0"/>
-                        <a:cs typeface="Segoe UI" panose="020B0502040204020203" pitchFamily="34" charset="0"/>
-                      </a:endParaRPr>
-                    </a:p>
-                  </a:txBody>
-                  <a:tcPr anchor="ctr"/>
-                </a:tc>
-                <a:tc>
-                  <a:txBody>
-                    <a:bodyPr/>
-                    <a:lstStyle/>
-                    <a:p>
-                      <a:r>
-                        <a:rPr kumimoji="1" lang="en-US" altLang="ja-JP" sz="1200" b="1" dirty="0" smtClean="0">
-                          <a:latin typeface="Segoe UI" panose="020B0502040204020203" pitchFamily="34" charset="0"/>
-                          <a:ea typeface="Segoe UI" panose="020B0502040204020203" pitchFamily="34" charset="0"/>
-                          <a:cs typeface="Segoe UI" panose="020B0502040204020203" pitchFamily="34" charset="0"/>
-                        </a:rPr>
-                        <a:t>http://ftp-srv2.kddilabs.jp/Linux/distributions/fedora/epel/6/x86_64/Packages/</a:t>
-                      </a:r>
-                    </a:p>
-                    <a:p>
-                      <a:r>
-                        <a:rPr kumimoji="1" lang="en-US" altLang="ja-JP" sz="1200" b="1" dirty="0" smtClean="0">
-                          <a:latin typeface="Segoe UI" panose="020B0502040204020203" pitchFamily="34" charset="0"/>
-                          <a:ea typeface="Segoe UI" panose="020B0502040204020203" pitchFamily="34" charset="0"/>
-                          <a:cs typeface="Segoe UI" panose="020B0502040204020203" pitchFamily="34" charset="0"/>
-                        </a:rPr>
-                        <a:t>e/epel-release-6-8.noarch.rpm</a:t>
-                      </a:r>
-                      <a:endParaRPr kumimoji="1" lang="ja-JP" altLang="en-US" sz="1200" b="1" dirty="0">
-                        <a:latin typeface="Segoe UI" panose="020B0502040204020203" pitchFamily="34" charset="0"/>
-                        <a:cs typeface="Segoe UI" panose="020B0502040204020203" pitchFamily="34" charset="0"/>
-                      </a:endParaRPr>
+                          <a:effectLst/>
+                          <a:latin typeface="+mn-lt"/>
+                          <a:ea typeface="+mn-ea"/>
+                          <a:cs typeface="+mn-cs"/>
+                        </a:rPr>
+                        <a:t>https://dl.fedoraproject.org/pub/epel/epel-release-latest-8.noarch.rpm</a:t>
+                      </a:r>
                     </a:p>
                   </a:txBody>
                   <a:tcPr>
@@ -8064,7 +8052,77 @@
                 </a:tc>
                 <a:extLst>
                   <a:ext uri="{0D108BD9-81ED-4DB2-BD59-A6C34878D82A}">
-                    <a16:rowId xmlns:a16="http://schemas.microsoft.com/office/drawing/2014/main" xmlns="" val="10004"/>
+                    <a16:rowId xmlns:a16="http://schemas.microsoft.com/office/drawing/2014/main" val="10007"/>
+                  </a:ext>
+                </a:extLst>
+              </a:tr>
+              <a:tr h="152400">
+                <a:tc rowSpan="3">
+                  <a:txBody>
+                    <a:bodyPr/>
+                    <a:lstStyle/>
+                    <a:p>
+                      <a:r>
+                        <a:rPr kumimoji="1" lang="en-US" altLang="ja-JP" sz="1200" b="1" dirty="0" smtClean="0"/>
+                        <a:t>CentOS7</a:t>
+                      </a:r>
+                      <a:endParaRPr kumimoji="1" lang="ja-JP" altLang="en-US" sz="1200" b="1" dirty="0"/>
+                    </a:p>
+                  </a:txBody>
+                  <a:tcPr anchor="ctr"/>
+                </a:tc>
+                <a:tc>
+                  <a:txBody>
+                    <a:bodyPr/>
+                    <a:lstStyle/>
+                    <a:p>
+                      <a:r>
+                        <a:rPr kumimoji="1" lang="en-US" altLang="ja-JP" sz="1200" b="1" dirty="0" err="1" smtClean="0">
+                          <a:solidFill>
+                            <a:schemeClr val="tx1"/>
+                          </a:solidFill>
+                        </a:rPr>
+                        <a:t>epel</a:t>
+                      </a:r>
+                      <a:r>
+                        <a:rPr kumimoji="1" lang="en-US" altLang="ja-JP" sz="1200" b="1" dirty="0" smtClean="0">
+                          <a:solidFill>
+                            <a:schemeClr val="tx1"/>
+                          </a:solidFill>
+                        </a:rPr>
+                        <a:t>-release</a:t>
+                      </a:r>
+                      <a:endParaRPr kumimoji="1" lang="ja-JP" altLang="en-US" sz="1200" b="1" dirty="0">
+                        <a:solidFill>
+                          <a:schemeClr val="tx1"/>
+                        </a:solidFill>
+                      </a:endParaRPr>
+                    </a:p>
+                  </a:txBody>
+                  <a:tcPr>
+                    <a:lnT w="12700" cap="flat" cmpd="sng" algn="ctr">
+                      <a:solidFill>
+                        <a:schemeClr val="bg1"/>
+                      </a:solidFill>
+                      <a:prstDash val="solid"/>
+                      <a:round/>
+                      <a:headEnd type="none" w="med" len="med"/>
+                      <a:tailEnd type="none" w="med" len="med"/>
+                    </a:lnT>
+                    <a:lnB w="12700" cap="flat" cmpd="sng" algn="ctr">
+                      <a:solidFill>
+                        <a:schemeClr val="bg1"/>
+                      </a:solidFill>
+                      <a:prstDash val="solid"/>
+                      <a:round/>
+                      <a:headEnd type="none" w="med" len="med"/>
+                      <a:tailEnd type="none" w="med" len="med"/>
+                    </a:lnB>
+                  </a:tcPr>
+                </a:tc>
+                <a:extLst>
+                  <a:ext uri="{0D108BD9-81ED-4DB2-BD59-A6C34878D82A}">
+                    <a16:rowId xmlns:a16="http://schemas.microsoft.com/office/drawing/2014/main" val="3307281939"/>
                   </a:ext>
                 </a:extLst>
               </a:tr>
@@ -8104,11 +8162,11 @@
                       <a:r>
                         <a:rPr kumimoji="1" lang="en-US" altLang="ja-JP" sz="1200" b="1" i="0" u="none" strike="noStrike" kern="1200" baseline="0" dirty="0" smtClean="0">
                           <a:solidFill>
-                            <a:schemeClr val="dk1"/>
+                            <a:schemeClr val="tx1"/>
                           </a:solidFill>
-                          <a:latin typeface="Segoe UI" panose="020B0502040204020203" pitchFamily="34" charset="0"/>
-                          <a:ea typeface="Segoe UI" panose="020B0502040204020203" pitchFamily="34" charset="0"/>
-                          <a:cs typeface="Segoe UI" panose="020B0502040204020203" pitchFamily="34" charset="0"/>
+                          <a:latin typeface="+mn-lt"/>
+                          <a:ea typeface="+mn-ea"/>
+                          <a:cs typeface="+mn-cs"/>
                         </a:rPr>
                         <a:t>https://downloads.mariadb.com/MariaDB/mariadb_repo_setup</a:t>
                       </a:r>
@@ -8137,7 +8195,7 @@
                 </a:tc>
                 <a:extLst>
                   <a:ext uri="{0D108BD9-81ED-4DB2-BD59-A6C34878D82A}">
-                    <a16:rowId xmlns:a16="http://schemas.microsoft.com/office/drawing/2014/main" xmlns="" val="10005"/>
+                    <a16:rowId xmlns:a16="http://schemas.microsoft.com/office/drawing/2014/main" val="206027878"/>
                   </a:ext>
                 </a:extLst>
               </a:tr>
@@ -8158,17 +8216,9 @@
                     <a:lstStyle/>
                     <a:p>
                       <a:r>
-                        <a:rPr kumimoji="1" lang="en-US" altLang="ja-JP" sz="1200" b="1" dirty="0" smtClean="0">
-                          <a:latin typeface="Segoe UI" panose="020B0502040204020203" pitchFamily="34" charset="0"/>
-                          <a:ea typeface="Segoe UI" panose="020B0502040204020203" pitchFamily="34" charset="0"/>
-                          <a:cs typeface="Segoe UI" panose="020B0502040204020203" pitchFamily="34" charset="0"/>
-                        </a:rPr>
-                        <a:t>http://rpms.remirepo.net/enterprise/remi-release-6.rpm</a:t>
-                      </a:r>
-                      <a:endParaRPr kumimoji="1" lang="ja-JP" altLang="en-US" sz="1200" b="1" dirty="0">
-                        <a:latin typeface="Segoe UI" panose="020B0502040204020203" pitchFamily="34" charset="0"/>
-                        <a:cs typeface="Segoe UI" panose="020B0502040204020203" pitchFamily="34" charset="0"/>
-                      </a:endParaRPr>
+                        <a:rPr kumimoji="1" lang="en-US" altLang="ja-JP" sz="1200" b="1" dirty="0" smtClean="0"/>
+                        <a:t>http://rpms.remirepo.net/enterprise/remi-release-7.rpm</a:t>
+                      </a:r>
                     </a:p>
                   </a:txBody>
                   <a:tcPr>
@@ -8181,56 +8231,6 @@
                       <a:headEnd type="none" w="med" len="med"/>
                       <a:tailEnd type="none" w="med" len="med"/>
                     </a:lnT>
-                  </a:tcPr>
-                </a:tc>
-                <a:extLst>
-                  <a:ext uri="{0D108BD9-81ED-4DB2-BD59-A6C34878D82A}">
-                    <a16:rowId xmlns:a16="http://schemas.microsoft.com/office/drawing/2014/main" xmlns="" val="10006"/>
-                  </a:ext>
-                </a:extLst>
-              </a:tr>
-              <a:tr h="185420">
-                <a:tc rowSpan="3">
-                  <a:txBody>
-                    <a:bodyPr/>
-                    <a:lstStyle/>
-                    <a:p>
-                      <a:r>
-                        <a:rPr kumimoji="1" lang="en-US" altLang="ja-JP" sz="1200" b="1" dirty="0" smtClean="0">
-                          <a:latin typeface="Segoe UI" panose="020B0502040204020203" pitchFamily="34" charset="0"/>
-                          <a:ea typeface="Segoe UI" panose="020B0502040204020203" pitchFamily="34" charset="0"/>
-                          <a:cs typeface="Segoe UI" panose="020B0502040204020203" pitchFamily="34" charset="0"/>
-                        </a:rPr>
-                        <a:t>CentOS 7</a:t>
-                      </a:r>
-                      <a:endParaRPr kumimoji="1" lang="ja-JP" altLang="en-US" sz="1200" b="1" dirty="0">
-                        <a:latin typeface="Segoe UI" panose="020B0502040204020203" pitchFamily="34" charset="0"/>
-                        <a:cs typeface="Segoe UI" panose="020B0502040204020203" pitchFamily="34" charset="0"/>
-                      </a:endParaRPr>
-                    </a:p>
-                  </a:txBody>
-                  <a:tcPr anchor="ctr"/>
-                </a:tc>
-                <a:tc>
-                  <a:txBody>
-                    <a:bodyPr/>
-                    <a:lstStyle/>
-                    <a:p>
-                      <a:r>
-                        <a:rPr kumimoji="1" lang="en-US" altLang="ja-JP" sz="1200" b="1" dirty="0" smtClean="0">
-                          <a:latin typeface="Segoe UI" panose="020B0502040204020203" pitchFamily="34" charset="0"/>
-                          <a:ea typeface="Segoe UI" panose="020B0502040204020203" pitchFamily="34" charset="0"/>
-                          <a:cs typeface="Segoe UI" panose="020B0502040204020203" pitchFamily="34" charset="0"/>
-                        </a:rPr>
-                        <a:t>epel-release</a:t>
-                      </a:r>
-                      <a:endParaRPr kumimoji="1" lang="ja-JP" altLang="en-US" sz="1200" b="1" dirty="0">
-                        <a:latin typeface="Segoe UI" panose="020B0502040204020203" pitchFamily="34" charset="0"/>
-                        <a:cs typeface="Segoe UI" panose="020B0502040204020203" pitchFamily="34" charset="0"/>
-                      </a:endParaRPr>
-                    </a:p>
-                  </a:txBody>
-                  <a:tcPr>
                     <a:lnB w="12700" cap="flat" cmpd="sng" algn="ctr">
                       <a:solidFill>
                         <a:schemeClr val="bg1"/>
@@ -8244,20 +8244,24 @@
                 </a:tc>
                 <a:extLst>
                   <a:ext uri="{0D108BD9-81ED-4DB2-BD59-A6C34878D82A}">
-                    <a16:rowId xmlns:a16="http://schemas.microsoft.com/office/drawing/2014/main" xmlns="" val="10007"/>
+                    <a16:rowId xmlns:a16="http://schemas.microsoft.com/office/drawing/2014/main" val="923830701"/>
                   </a:ext>
                 </a:extLst>
               </a:tr>
               <a:tr h="152400">
-                <a:tc vMerge="1">
+                <a:tc>
                   <a:txBody>
                     <a:bodyPr/>
                     <a:lstStyle/>
                     <a:p>
-                      <a:endParaRPr kumimoji="1" lang="ja-JP" altLang="en-US"/>
+                      <a:r>
+                        <a:rPr kumimoji="1" lang="en-US" altLang="ja-JP" sz="1200" b="1" dirty="0" smtClean="0"/>
+                        <a:t>CentOS8</a:t>
+                      </a:r>
+                      <a:endParaRPr kumimoji="1" lang="ja-JP" altLang="en-US" sz="1200" b="1" dirty="0"/>
                     </a:p>
                   </a:txBody>
-                  <a:tcPr/>
+                  <a:tcPr anchor="ctr"/>
                 </a:tc>
                 <a:tc>
                   <a:txBody>
@@ -8282,19 +8286,25 @@
                         <a:defRPr/>
                       </a:pPr>
                       <a:r>
-                        <a:rPr kumimoji="1" lang="en-US" altLang="ja-JP" sz="1200" b="1" i="0" u="none" strike="noStrike" kern="1200" baseline="0" dirty="0" smtClean="0">
+                        <a:rPr kumimoji="1" lang="en-US" altLang="ja-JP" sz="1200" b="1" dirty="0" err="1" smtClean="0">
                           <a:solidFill>
-                            <a:schemeClr val="dk1"/>
+                            <a:schemeClr val="tx1"/>
                           </a:solidFill>
-                          <a:latin typeface="Segoe UI" panose="020B0502040204020203" pitchFamily="34" charset="0"/>
-                          <a:ea typeface="Segoe UI" panose="020B0502040204020203" pitchFamily="34" charset="0"/>
-                          <a:cs typeface="Segoe UI" panose="020B0502040204020203" pitchFamily="34" charset="0"/>
-                        </a:rPr>
-                        <a:t>https://downloads.mariadb.com/MariaDB/mariadb_repo_setup</a:t>
-                      </a:r>
-                      <a:endParaRPr kumimoji="1" lang="ja-JP" altLang="en-US" sz="1200" b="1" dirty="0">
-                        <a:latin typeface="Segoe UI" panose="020B0502040204020203" pitchFamily="34" charset="0"/>
-                        <a:cs typeface="Segoe UI" panose="020B0502040204020203" pitchFamily="34" charset="0"/>
+                        </a:rPr>
+                        <a:t>epel</a:t>
+                      </a:r>
+                      <a:r>
+                        <a:rPr kumimoji="1" lang="en-US" altLang="ja-JP" sz="1200" b="1" dirty="0" smtClean="0">
+                          <a:solidFill>
+                            <a:schemeClr val="tx1"/>
+                          </a:solidFill>
+                        </a:rPr>
+                        <a:t>-release</a:t>
+                      </a:r>
+                      <a:endParaRPr kumimoji="1" lang="ja-JP" altLang="en-US" sz="1200" b="1" dirty="0" smtClean="0">
+                        <a:solidFill>
+                          <a:schemeClr val="tx1"/>
+                        </a:solidFill>
                       </a:endParaRPr>
                     </a:p>
                   </a:txBody>
@@ -8321,235 +8331,7 @@
                 </a:tc>
                 <a:extLst>
                   <a:ext uri="{0D108BD9-81ED-4DB2-BD59-A6C34878D82A}">
-                    <a16:rowId xmlns:a16="http://schemas.microsoft.com/office/drawing/2014/main" xmlns="" val="10008"/>
-                  </a:ext>
-                </a:extLst>
-              </a:tr>
-              <a:tr h="152400">
-                <a:tc vMerge="1">
-                  <a:txBody>
-                    <a:bodyPr/>
-                    <a:lstStyle/>
-                    <a:p>
-                      <a:endParaRPr kumimoji="1" lang="ja-JP" altLang="en-US"/>
-                    </a:p>
-                  </a:txBody>
-                  <a:tcPr/>
-                </a:tc>
-                <a:tc>
-                  <a:txBody>
-                    <a:bodyPr/>
-                    <a:lstStyle/>
-                    <a:p>
-                      <a:r>
-                        <a:rPr kumimoji="1" lang="en-US" altLang="ja-JP" sz="1200" b="1" dirty="0" smtClean="0">
-                          <a:latin typeface="Segoe UI" panose="020B0502040204020203" pitchFamily="34" charset="0"/>
-                          <a:ea typeface="Segoe UI" panose="020B0502040204020203" pitchFamily="34" charset="0"/>
-                          <a:cs typeface="Segoe UI" panose="020B0502040204020203" pitchFamily="34" charset="0"/>
-                        </a:rPr>
-                        <a:t>http://rpms.remirepo.net/enterprise/remi-release-7.rpm</a:t>
-                      </a:r>
-                      <a:endParaRPr kumimoji="1" lang="ja-JP" altLang="en-US" sz="1200" b="1" dirty="0">
-                        <a:latin typeface="Segoe UI" panose="020B0502040204020203" pitchFamily="34" charset="0"/>
-                        <a:cs typeface="Segoe UI" panose="020B0502040204020203" pitchFamily="34" charset="0"/>
-                      </a:endParaRPr>
-                    </a:p>
-                  </a:txBody>
-                  <a:tcPr>
-                    <a:lnT w="12700" cap="flat" cmpd="sng" algn="ctr">
-                      <a:solidFill>
-                        <a:schemeClr val="bg1"/>
-                      </a:solidFill>
-                      <a:prstDash val="solid"/>
-                      <a:round/>
-                      <a:headEnd type="none" w="med" len="med"/>
-                      <a:tailEnd type="none" w="med" len="med"/>
-                    </a:lnT>
-                  </a:tcPr>
-                </a:tc>
-                <a:extLst>
-                  <a:ext uri="{0D108BD9-81ED-4DB2-BD59-A6C34878D82A}">
-                    <a16:rowId xmlns:a16="http://schemas.microsoft.com/office/drawing/2014/main" xmlns="" val="10009"/>
-                  </a:ext>
-                </a:extLst>
-              </a:tr>
-              <a:tr h="185420">
-                <a:tc rowSpan="3">
-                  <a:txBody>
-                    <a:bodyPr/>
-                    <a:lstStyle/>
-                    <a:p>
-                      <a:r>
-                        <a:rPr kumimoji="1" lang="en-US" altLang="ja-JP" sz="1200" b="1" dirty="0" smtClean="0">
-                          <a:latin typeface="Segoe UI" panose="020B0502040204020203" pitchFamily="34" charset="0"/>
-                          <a:ea typeface="Segoe UI" panose="020B0502040204020203" pitchFamily="34" charset="0"/>
-                          <a:cs typeface="Segoe UI" panose="020B0502040204020203" pitchFamily="34" charset="0"/>
-                        </a:rPr>
-                        <a:t>CentOS 6</a:t>
-                      </a:r>
-                      <a:endParaRPr kumimoji="1" lang="ja-JP" altLang="en-US" sz="1200" b="1" dirty="0">
-                        <a:latin typeface="Segoe UI" panose="020B0502040204020203" pitchFamily="34" charset="0"/>
-                        <a:cs typeface="Segoe UI" panose="020B0502040204020203" pitchFamily="34" charset="0"/>
-                      </a:endParaRPr>
-                    </a:p>
-                  </a:txBody>
-                  <a:tcPr anchor="ctr"/>
-                </a:tc>
-                <a:tc>
-                  <a:txBody>
-                    <a:bodyPr/>
-                    <a:lstStyle/>
-                    <a:p>
-                      <a:r>
-                        <a:rPr kumimoji="1" lang="en-US" altLang="ja-JP" sz="1200" b="1" dirty="0" smtClean="0">
-                          <a:latin typeface="Segoe UI" panose="020B0502040204020203" pitchFamily="34" charset="0"/>
-                          <a:ea typeface="Segoe UI" panose="020B0502040204020203" pitchFamily="34" charset="0"/>
-                          <a:cs typeface="Segoe UI" panose="020B0502040204020203" pitchFamily="34" charset="0"/>
-                        </a:rPr>
-                        <a:t>epel-release</a:t>
-                      </a:r>
-                      <a:endParaRPr kumimoji="1" lang="ja-JP" altLang="en-US" sz="1200" b="1" dirty="0">
-                        <a:latin typeface="Segoe UI" panose="020B0502040204020203" pitchFamily="34" charset="0"/>
-                        <a:cs typeface="Segoe UI" panose="020B0502040204020203" pitchFamily="34" charset="0"/>
-                      </a:endParaRPr>
-                    </a:p>
-                  </a:txBody>
-                  <a:tcPr>
-                    <a:lnB w="12700" cap="flat" cmpd="sng" algn="ctr">
-                      <a:solidFill>
-                        <a:schemeClr val="bg1"/>
-                      </a:solidFill>
-                      <a:prstDash val="solid"/>
-                      <a:round/>
-                      <a:headEnd type="none" w="med" len="med"/>
-                      <a:tailEnd type="none" w="med" len="med"/>
-                    </a:lnB>
-                  </a:tcPr>
-                </a:tc>
-                <a:extLst>
-                  <a:ext uri="{0D108BD9-81ED-4DB2-BD59-A6C34878D82A}">
-                    <a16:rowId xmlns:a16="http://schemas.microsoft.com/office/drawing/2014/main" xmlns="" val="10010"/>
-                  </a:ext>
-                </a:extLst>
-              </a:tr>
-              <a:tr h="152400">
-                <a:tc vMerge="1">
-                  <a:txBody>
-                    <a:bodyPr/>
-                    <a:lstStyle/>
-                    <a:p>
-                      <a:endParaRPr kumimoji="1" lang="ja-JP" altLang="en-US"/>
-                    </a:p>
-                  </a:txBody>
-                  <a:tcPr/>
-                </a:tc>
-                <a:tc>
-                  <a:txBody>
-                    <a:bodyPr/>
-                    <a:lstStyle/>
-                    <a:p>
-                      <a:pPr marL="0" marR="0" lvl="0" indent="0" algn="l" defTabSz="914400" rtl="0" eaLnBrk="1" fontAlgn="auto" latinLnBrk="0" hangingPunct="1">
-                        <a:lnSpc>
-                          <a:spcPct val="100000"/>
-                        </a:lnSpc>
-                        <a:spcBef>
-                          <a:spcPts val="0"/>
-                        </a:spcBef>
-                        <a:spcAft>
-                          <a:spcPts val="0"/>
-                        </a:spcAft>
-                        <a:buClrTx/>
-                        <a:buSzTx/>
-                        <a:buFontTx/>
-                        <a:buNone/>
-                        <a:tabLst/>
-                        <a:defRPr/>
-                      </a:pPr>
-                      <a:r>
-                        <a:rPr kumimoji="1" lang="en-US" altLang="ja-JP" sz="1200" b="1" i="0" u="none" strike="noStrike" kern="1200" baseline="0" dirty="0" smtClean="0">
-                          <a:solidFill>
-                            <a:schemeClr val="dk1"/>
-                          </a:solidFill>
-                          <a:latin typeface="Segoe UI" panose="020B0502040204020203" pitchFamily="34" charset="0"/>
-                          <a:ea typeface="Segoe UI" panose="020B0502040204020203" pitchFamily="34" charset="0"/>
-                          <a:cs typeface="Segoe UI" panose="020B0502040204020203" pitchFamily="34" charset="0"/>
-                        </a:rPr>
-                        <a:t>https://downloads.mariadb.com/MariaDB/mariadb_repo_setup</a:t>
-                      </a:r>
-                    </a:p>
-                  </a:txBody>
-                  <a:tcPr>
-                    <a:lnT w="12700" cap="flat" cmpd="sng" algn="ctr">
-                      <a:solidFill>
-                        <a:schemeClr val="bg1"/>
-                      </a:solidFill>
-                      <a:prstDash val="solid"/>
-                      <a:round/>
-                      <a:headEnd type="none" w="med" len="med"/>
-                      <a:tailEnd type="none" w="med" len="med"/>
-                    </a:lnT>
-                    <a:lnB w="12700" cap="flat" cmpd="sng" algn="ctr">
-                      <a:solidFill>
-                        <a:schemeClr val="bg1"/>
-                      </a:solidFill>
-                      <a:prstDash val="solid"/>
-                      <a:round/>
-                      <a:headEnd type="none" w="med" len="med"/>
-                      <a:tailEnd type="none" w="med" len="med"/>
-                    </a:lnB>
-                  </a:tcPr>
-                </a:tc>
-                <a:extLst>
-                  <a:ext uri="{0D108BD9-81ED-4DB2-BD59-A6C34878D82A}">
-                    <a16:rowId xmlns:a16="http://schemas.microsoft.com/office/drawing/2014/main" xmlns="" val="10011"/>
-                  </a:ext>
-                </a:extLst>
-              </a:tr>
-              <a:tr h="152400">
-                <a:tc vMerge="1">
-                  <a:txBody>
-                    <a:bodyPr/>
-                    <a:lstStyle/>
-                    <a:p>
-                      <a:endParaRPr kumimoji="1" lang="ja-JP" altLang="en-US"/>
-                    </a:p>
-                  </a:txBody>
-                  <a:tcPr/>
-                </a:tc>
-                <a:tc>
-                  <a:txBody>
-                    <a:bodyPr/>
-                    <a:lstStyle/>
-                    <a:p>
-                      <a:r>
-                        <a:rPr kumimoji="1" lang="en-US" altLang="ja-JP" sz="1200" b="1" dirty="0" smtClean="0">
-                          <a:latin typeface="Segoe UI" panose="020B0502040204020203" pitchFamily="34" charset="0"/>
-                          <a:ea typeface="Segoe UI" panose="020B0502040204020203" pitchFamily="34" charset="0"/>
-                          <a:cs typeface="Segoe UI" panose="020B0502040204020203" pitchFamily="34" charset="0"/>
-                        </a:rPr>
-                        <a:t>http://rpms.remirepo.net/enterprise/remi-release-6.rpm</a:t>
-                      </a:r>
-                      <a:endParaRPr kumimoji="1" lang="ja-JP" altLang="en-US" sz="1200" b="1" dirty="0">
-                        <a:latin typeface="Segoe UI" panose="020B0502040204020203" pitchFamily="34" charset="0"/>
-                        <a:cs typeface="Segoe UI" panose="020B0502040204020203" pitchFamily="34" charset="0"/>
-                      </a:endParaRPr>
-                    </a:p>
-                  </a:txBody>
-                  <a:tcPr>
-                    <a:lnT w="12700" cap="flat" cmpd="sng" algn="ctr">
-                      <a:solidFill>
-                        <a:schemeClr val="bg1"/>
-                      </a:solidFill>
-                      <a:prstDash val="solid"/>
-                      <a:round/>
-                      <a:headEnd type="none" w="med" len="med"/>
-                      <a:tailEnd type="none" w="med" len="med"/>
-                    </a:lnT>
-                  </a:tcPr>
-                </a:tc>
-                <a:extLst>
-                  <a:ext uri="{0D108BD9-81ED-4DB2-BD59-A6C34878D82A}">
-                    <a16:rowId xmlns:a16="http://schemas.microsoft.com/office/drawing/2014/main" xmlns="" val="10012"/>
+                    <a16:rowId xmlns:a16="http://schemas.microsoft.com/office/drawing/2014/main" val="3714631293"/>
                   </a:ext>
                 </a:extLst>
               </a:tr>
@@ -8712,21 +8494,21 @@
                 <a:gridCol w="2586972">
                   <a:extLst>
                     <a:ext uri="{9D8B030D-6E8A-4147-A177-3AD203B41FA5}">
-                      <a16:colId xmlns:a16="http://schemas.microsoft.com/office/drawing/2014/main" xmlns="" val="20000"/>
+                      <a16:colId xmlns:a16="http://schemas.microsoft.com/office/drawing/2014/main" val="20000"/>
                     </a:ext>
                   </a:extLst>
                 </a:gridCol>
                 <a:gridCol w="1859646">
                   <a:extLst>
                     <a:ext uri="{9D8B030D-6E8A-4147-A177-3AD203B41FA5}">
-                      <a16:colId xmlns:a16="http://schemas.microsoft.com/office/drawing/2014/main" xmlns="" val="20001"/>
+                      <a16:colId xmlns:a16="http://schemas.microsoft.com/office/drawing/2014/main" val="20001"/>
                     </a:ext>
                   </a:extLst>
                 </a:gridCol>
                 <a:gridCol w="4302598">
                   <a:extLst>
                     <a:ext uri="{9D8B030D-6E8A-4147-A177-3AD203B41FA5}">
-                      <a16:colId xmlns:a16="http://schemas.microsoft.com/office/drawing/2014/main" xmlns="" val="20002"/>
+                      <a16:colId xmlns:a16="http://schemas.microsoft.com/office/drawing/2014/main" val="20002"/>
                     </a:ext>
                   </a:extLst>
                 </a:gridCol>
@@ -8833,7 +8615,7 @@
                 </a:tc>
                 <a:extLst>
                   <a:ext uri="{0D108BD9-81ED-4DB2-BD59-A6C34878D82A}">
-                    <a16:rowId xmlns:a16="http://schemas.microsoft.com/office/drawing/2014/main" xmlns="" val="10000"/>
+                    <a16:rowId xmlns:a16="http://schemas.microsoft.com/office/drawing/2014/main" val="10000"/>
                   </a:ext>
                 </a:extLst>
               </a:tr>
@@ -8987,7 +8769,7 @@
                 </a:tc>
                 <a:extLst>
                   <a:ext uri="{0D108BD9-81ED-4DB2-BD59-A6C34878D82A}">
-                    <a16:rowId xmlns:a16="http://schemas.microsoft.com/office/drawing/2014/main" xmlns="" val="10001"/>
+                    <a16:rowId xmlns:a16="http://schemas.microsoft.com/office/drawing/2014/main" val="10001"/>
                   </a:ext>
                 </a:extLst>
               </a:tr>
@@ -9174,7 +8956,7 @@
                 </a:tc>
                 <a:extLst>
                   <a:ext uri="{0D108BD9-81ED-4DB2-BD59-A6C34878D82A}">
-                    <a16:rowId xmlns:a16="http://schemas.microsoft.com/office/drawing/2014/main" xmlns="" val="10002"/>
+                    <a16:rowId xmlns:a16="http://schemas.microsoft.com/office/drawing/2014/main" val="10002"/>
                   </a:ext>
                 </a:extLst>
               </a:tr>
@@ -9376,7 +9158,7 @@
                 </a:tc>
                 <a:extLst>
                   <a:ext uri="{0D108BD9-81ED-4DB2-BD59-A6C34878D82A}">
-                    <a16:rowId xmlns:a16="http://schemas.microsoft.com/office/drawing/2014/main" xmlns="" val="10003"/>
+                    <a16:rowId xmlns:a16="http://schemas.microsoft.com/office/drawing/2014/main" val="10003"/>
                   </a:ext>
                 </a:extLst>
               </a:tr>
@@ -9551,7 +9333,7 @@
                 </a:tc>
                 <a:extLst>
                   <a:ext uri="{0D108BD9-81ED-4DB2-BD59-A6C34878D82A}">
-                    <a16:rowId xmlns:a16="http://schemas.microsoft.com/office/drawing/2014/main" xmlns="" val="10004"/>
+                    <a16:rowId xmlns:a16="http://schemas.microsoft.com/office/drawing/2014/main" val="10004"/>
                   </a:ext>
                 </a:extLst>
               </a:tr>
@@ -9738,7 +9520,7 @@
                 </a:tc>
                 <a:extLst>
                   <a:ext uri="{0D108BD9-81ED-4DB2-BD59-A6C34878D82A}">
-                    <a16:rowId xmlns:a16="http://schemas.microsoft.com/office/drawing/2014/main" xmlns="" val="10005"/>
+                    <a16:rowId xmlns:a16="http://schemas.microsoft.com/office/drawing/2014/main" val="10005"/>
                   </a:ext>
                 </a:extLst>
               </a:tr>
@@ -9907,7 +9689,7 @@
                 </a:tc>
                 <a:extLst>
                   <a:ext uri="{0D108BD9-81ED-4DB2-BD59-A6C34878D82A}">
-                    <a16:rowId xmlns:a16="http://schemas.microsoft.com/office/drawing/2014/main" xmlns="" val="10006"/>
+                    <a16:rowId xmlns:a16="http://schemas.microsoft.com/office/drawing/2014/main" val="10006"/>
                   </a:ext>
                 </a:extLst>
               </a:tr>
@@ -11237,6 +11019,27 @@
           </a:bodyPr>
           <a:lstStyle/>
           <a:p>
+            <a:pPr marL="0" indent="0">
+              <a:buNone/>
+            </a:pPr>
+            <a:r>
+              <a:rPr lang="en-US" altLang="ja-JP" dirty="0" smtClean="0">
+                <a:latin typeface="Segoe UI" panose="020B0502040204020203" pitchFamily="34" charset="0"/>
+                <a:ea typeface="Segoe UI" panose="020B0502040204020203" pitchFamily="34" charset="0"/>
+                <a:cs typeface="Segoe UI" panose="020B0502040204020203" pitchFamily="34" charset="0"/>
+              </a:rPr>
+              <a:t>*Environment </a:t>
+            </a:r>
+            <a:r>
+              <a:rPr lang="en-US" altLang="ja-JP" dirty="0">
+                <a:latin typeface="Segoe UI" panose="020B0502040204020203" pitchFamily="34" charset="0"/>
+                <a:ea typeface="Segoe UI" panose="020B0502040204020203" pitchFamily="34" charset="0"/>
+                <a:cs typeface="Segoe UI" panose="020B0502040204020203" pitchFamily="34" charset="0"/>
+              </a:rPr>
+              <a:t>building users must be root users.</a:t>
+            </a:r>
+          </a:p>
+          <a:p>
             <a:r>
               <a:rPr lang="en-US" altLang="ja-JP" dirty="0" smtClean="0">
                 <a:latin typeface="Segoe UI" panose="020B0502040204020203" pitchFamily="34" charset="0"/>
@@ -11322,12 +11125,20 @@
               </a:rPr>
             </a:br>
             <a:r>
+              <a:rPr lang="en-US" altLang="ja-JP" dirty="0" smtClean="0">
+                <a:latin typeface="Segoe UI" panose="020B0502040204020203" pitchFamily="34" charset="0"/>
+                <a:ea typeface="Segoe UI" panose="020B0502040204020203" pitchFamily="34" charset="0"/>
+                <a:cs typeface="Segoe UI" panose="020B0502040204020203" pitchFamily="34" charset="0"/>
+              </a:rPr>
+              <a:t>#</a:t>
+            </a:r>
+            <a:r>
               <a:rPr lang="en-US" altLang="ja-JP" sz="1400" dirty="0" smtClean="0">
                 <a:latin typeface="Segoe UI" panose="020B0502040204020203" pitchFamily="34" charset="0"/>
                 <a:ea typeface="Segoe UI" panose="020B0502040204020203" pitchFamily="34" charset="0"/>
                 <a:cs typeface="Segoe UI" panose="020B0502040204020203" pitchFamily="34" charset="0"/>
               </a:rPr>
-              <a:t>$ wget </a:t>
+              <a:t> wget </a:t>
             </a:r>
             <a:r>
               <a:rPr lang="en-US" altLang="ja-JP" sz="1400" dirty="0">
@@ -11535,12 +11346,20 @@
               </a:rPr>
             </a:br>
             <a:r>
+              <a:rPr lang="en-US" altLang="ja-JP" sz="1400" dirty="0">
+                <a:latin typeface="Segoe UI" panose="020B0502040204020203" pitchFamily="34" charset="0"/>
+                <a:ea typeface="Segoe UI" panose="020B0502040204020203" pitchFamily="34" charset="0"/>
+                <a:cs typeface="Segoe UI" panose="020B0502040204020203" pitchFamily="34" charset="0"/>
+              </a:rPr>
+              <a:t>#</a:t>
+            </a:r>
+            <a:r>
               <a:rPr lang="en-US" altLang="ja-JP" sz="1400" dirty="0" smtClean="0">
                 <a:latin typeface="Segoe UI" panose="020B0502040204020203" pitchFamily="34" charset="0"/>
                 <a:ea typeface="Segoe UI" panose="020B0502040204020203" pitchFamily="34" charset="0"/>
                 <a:cs typeface="Segoe UI" panose="020B0502040204020203" pitchFamily="34" charset="0"/>
               </a:rPr>
-              <a:t>$ </a:t>
+              <a:t> </a:t>
             </a:r>
             <a:r>
               <a:rPr lang="en-US" altLang="ja-JP" sz="1400" dirty="0">
@@ -11603,7 +11422,7 @@
                 <a:ea typeface="Segoe UI" panose="020B0502040204020203" pitchFamily="34" charset="0"/>
                 <a:cs typeface="Segoe UI" panose="020B0502040204020203" pitchFamily="34" charset="0"/>
               </a:rPr>
-              <a:t>$ find ./it-automation-</a:t>
+              <a:t># find ./it-automation-</a:t>
             </a:r>
             <a:r>
               <a:rPr lang="en-US" altLang="ja-JP" sz="1400" dirty="0" err="1" smtClean="0">
@@ -11739,7 +11558,7 @@
                 <a:ea typeface="Segoe UI" panose="020B0502040204020203" pitchFamily="34" charset="0"/>
                 <a:cs typeface="Segoe UI" panose="020B0502040204020203" pitchFamily="34" charset="0"/>
               </a:rPr>
-              <a:t>$ </a:t>
+              <a:t>#</a:t>
             </a:r>
             <a:r>
               <a:rPr lang="en-US" altLang="ja-JP" sz="1400" dirty="0" smtClean="0">
@@ -11747,7 +11566,7 @@
                 <a:ea typeface="Segoe UI" panose="020B0502040204020203" pitchFamily="34" charset="0"/>
                 <a:cs typeface="Segoe UI" panose="020B0502040204020203" pitchFamily="34" charset="0"/>
               </a:rPr>
-              <a:t>cd it-automation-</a:t>
+              <a:t> cd it-automation-</a:t>
             </a:r>
             <a:r>
               <a:rPr lang="en-US" altLang="ja-JP" sz="1400" dirty="0" err="1" smtClean="0">
@@ -12022,14 +11841,14 @@
           <p:nvPr>
             <p:extLst>
               <p:ext uri="{D42A27DB-BD31-4B8C-83A1-F6EECF244321}">
-                <p14:modId xmlns:p14="http://schemas.microsoft.com/office/powerpoint/2010/main" val="3077304675"/>
+                <p14:modId xmlns:p14="http://schemas.microsoft.com/office/powerpoint/2010/main" val="2410739998"/>
               </p:ext>
             </p:extLst>
           </p:nvPr>
         </p:nvGraphicFramePr>
         <p:xfrm>
           <a:off x="179512" y="1844781"/>
-          <a:ext cx="8784000" cy="4407547"/>
+          <a:ext cx="8784000" cy="1728239"/>
         </p:xfrm>
         <a:graphic>
           <a:graphicData uri="http://schemas.openxmlformats.org/drawingml/2006/table">
@@ -12041,28 +11860,28 @@
                 <a:gridCol w="1800128">
                   <a:extLst>
                     <a:ext uri="{9D8B030D-6E8A-4147-A177-3AD203B41FA5}">
-                      <a16:colId xmlns:a16="http://schemas.microsoft.com/office/drawing/2014/main" xmlns="" val="20000"/>
+                      <a16:colId xmlns:a16="http://schemas.microsoft.com/office/drawing/2014/main" val="20000"/>
                     </a:ext>
                   </a:extLst>
                 </a:gridCol>
                 <a:gridCol w="2520350">
                   <a:extLst>
                     <a:ext uri="{9D8B030D-6E8A-4147-A177-3AD203B41FA5}">
-                      <a16:colId xmlns:a16="http://schemas.microsoft.com/office/drawing/2014/main" xmlns="" val="20001"/>
+                      <a16:colId xmlns:a16="http://schemas.microsoft.com/office/drawing/2014/main" val="20001"/>
                     </a:ext>
                   </a:extLst>
                 </a:gridCol>
                 <a:gridCol w="648090">
                   <a:extLst>
                     <a:ext uri="{9D8B030D-6E8A-4147-A177-3AD203B41FA5}">
-                      <a16:colId xmlns:a16="http://schemas.microsoft.com/office/drawing/2014/main" xmlns="" val="20002"/>
+                      <a16:colId xmlns:a16="http://schemas.microsoft.com/office/drawing/2014/main" val="20002"/>
                     </a:ext>
                   </a:extLst>
                 </a:gridCol>
                 <a:gridCol w="3815432">
                   <a:extLst>
                     <a:ext uri="{9D8B030D-6E8A-4147-A177-3AD203B41FA5}">
-                      <a16:colId xmlns:a16="http://schemas.microsoft.com/office/drawing/2014/main" xmlns="" val="20003"/>
+                      <a16:colId xmlns:a16="http://schemas.microsoft.com/office/drawing/2014/main" val="20003"/>
                     </a:ext>
                   </a:extLst>
                 </a:gridCol>
@@ -12226,7 +12045,7 @@
                 </a:tc>
                 <a:extLst>
                   <a:ext uri="{0D108BD9-81ED-4DB2-BD59-A6C34878D82A}">
-                    <a16:rowId xmlns:a16="http://schemas.microsoft.com/office/drawing/2014/main" xmlns="" val="10000"/>
+                    <a16:rowId xmlns:a16="http://schemas.microsoft.com/office/drawing/2014/main" val="10000"/>
                   </a:ext>
                 </a:extLst>
               </a:tr>
@@ -12392,7 +12211,7 @@
                           <a:ea typeface="Segoe UI" panose="020B0502040204020203" pitchFamily="34" charset="0"/>
                           <a:cs typeface="Segoe UI" panose="020B0502040204020203" pitchFamily="34" charset="0"/>
                         </a:rPr>
-                        <a:t>CentOS 6, CentOS 7, RHEL 6, or RHEL 7</a:t>
+                        <a:t>CentOS 7, CentOS 8, RHEL 7, or RHEL 8</a:t>
                       </a:r>
                       <a:endParaRPr lang="ja-JP" sz="900" kern="100" dirty="0">
                         <a:effectLst/>
@@ -12410,7 +12229,7 @@
                 </a:tc>
                 <a:extLst>
                   <a:ext uri="{0D108BD9-81ED-4DB2-BD59-A6C34878D82A}">
-                    <a16:rowId xmlns:a16="http://schemas.microsoft.com/office/drawing/2014/main" xmlns="" val="10001"/>
+                    <a16:rowId xmlns:a16="http://schemas.microsoft.com/office/drawing/2014/main" val="10001"/>
                   </a:ext>
                 </a:extLst>
               </a:tr>
@@ -12555,7 +12374,7 @@
                 </a:tc>
                 <a:extLst>
                   <a:ext uri="{0D108BD9-81ED-4DB2-BD59-A6C34878D82A}">
-                    <a16:rowId xmlns:a16="http://schemas.microsoft.com/office/drawing/2014/main" xmlns="" val="10002"/>
+                    <a16:rowId xmlns:a16="http://schemas.microsoft.com/office/drawing/2014/main" val="10002"/>
                   </a:ext>
                 </a:extLst>
               </a:tr>
@@ -12706,7 +12525,7 @@
                 </a:tc>
                 <a:extLst>
                   <a:ext uri="{0D108BD9-81ED-4DB2-BD59-A6C34878D82A}">
-                    <a16:rowId xmlns:a16="http://schemas.microsoft.com/office/drawing/2014/main" xmlns="" val="10003"/>
+                    <a16:rowId xmlns:a16="http://schemas.microsoft.com/office/drawing/2014/main" val="10003"/>
                   </a:ext>
                 </a:extLst>
               </a:tr>
@@ -12881,1473 +12700,7 @@
                 </a:tc>
                 <a:extLst>
                   <a:ext uri="{0D108BD9-81ED-4DB2-BD59-A6C34878D82A}">
-                    <a16:rowId xmlns:a16="http://schemas.microsoft.com/office/drawing/2014/main" xmlns="" val="10004"/>
-                  </a:ext>
-                </a:extLst>
-              </a:tr>
-              <a:tr h="321517">
-                <a:tc>
-                  <a:txBody>
-                    <a:bodyPr/>
-                    <a:lstStyle/>
-                    <a:p>
-                      <a:pPr algn="just">
-                        <a:spcAft>
-                          <a:spcPts val="0"/>
-                        </a:spcAft>
-                      </a:pPr>
-                      <a:r>
-                        <a:rPr lang="en-US" sz="1000" kern="100" dirty="0" smtClean="0">
-                          <a:solidFill>
-                            <a:schemeClr val="bg1"/>
-                          </a:solidFill>
-                          <a:effectLst/>
-                          <a:latin typeface="Segoe UI" panose="020B0502040204020203" pitchFamily="34" charset="0"/>
-                          <a:ea typeface="Segoe UI" panose="020B0502040204020203" pitchFamily="34" charset="0"/>
-                          <a:cs typeface="Segoe UI" panose="020B0502040204020203" pitchFamily="34" charset="0"/>
-                        </a:rPr>
-                        <a:t>server_address</a:t>
-                      </a:r>
-                      <a:endParaRPr lang="ja-JP" sz="1000" kern="100" dirty="0">
-                        <a:solidFill>
-                          <a:schemeClr val="bg1"/>
-                        </a:solidFill>
-                        <a:effectLst/>
-                        <a:latin typeface="Segoe UI" panose="020B0502040204020203" pitchFamily="34" charset="0"/>
-                        <a:cs typeface="Segoe UI" panose="020B0502040204020203" pitchFamily="34" charset="0"/>
-                      </a:endParaRPr>
-                    </a:p>
-                  </a:txBody>
-                  <a:tcPr marL="55979" marR="55979" marT="0" marB="0" anchor="ctr">
-                    <a:solidFill>
-                      <a:srgbClr val="002B62"/>
-                    </a:solidFill>
-                  </a:tcPr>
-                </a:tc>
-                <a:tc>
-                  <a:txBody>
-                    <a:bodyPr/>
-                    <a:lstStyle/>
-                    <a:p>
-                      <a:pPr algn="l">
-                        <a:spcAft>
-                          <a:spcPts val="0"/>
-                        </a:spcAft>
-                      </a:pPr>
-                      <a:r>
-                        <a:rPr lang="en-US" sz="900" kern="100" baseline="0" dirty="0" smtClean="0">
-                          <a:effectLst/>
-                          <a:latin typeface="Segoe UI" panose="020B0502040204020203" pitchFamily="34" charset="0"/>
-                          <a:ea typeface="Segoe UI" panose="020B0502040204020203" pitchFamily="34" charset="0"/>
-                          <a:cs typeface="Segoe UI" panose="020B0502040204020203" pitchFamily="34" charset="0"/>
-                        </a:rPr>
-                        <a:t>For </a:t>
-                      </a:r>
-                      <a:r>
-                        <a:rPr lang="en-US" sz="900" kern="100" dirty="0" smtClean="0">
-                          <a:effectLst/>
-                          <a:latin typeface="Segoe UI" panose="020B0502040204020203" pitchFamily="34" charset="0"/>
-                          <a:ea typeface="Segoe UI" panose="020B0502040204020203" pitchFamily="34" charset="0"/>
-                          <a:cs typeface="Segoe UI" panose="020B0502040204020203" pitchFamily="34" charset="0"/>
-                        </a:rPr>
-                        <a:t>Cobbler</a:t>
-                      </a:r>
-                      <a:endParaRPr lang="ja-JP" sz="900" kern="100" dirty="0">
-                        <a:effectLst/>
-                        <a:latin typeface="Segoe UI" panose="020B0502040204020203" pitchFamily="34" charset="0"/>
-                        <a:ea typeface="ＭＳ 明朝" panose="02020609040205080304" pitchFamily="17" charset="-128"/>
-                        <a:cs typeface="Segoe UI" panose="020B0502040204020203" pitchFamily="34" charset="0"/>
-                      </a:endParaRPr>
-                    </a:p>
-                  </a:txBody>
-                  <a:tcPr marL="55979" marR="55979" marT="0" marB="0" anchor="ctr">
-                    <a:solidFill>
-                      <a:srgbClr val="CBCDD3"/>
-                    </a:solidFill>
-                  </a:tcPr>
-                </a:tc>
-                <a:tc>
-                  <a:txBody>
-                    <a:bodyPr/>
-                    <a:lstStyle/>
-                    <a:p>
-                      <a:pPr algn="ctr">
-                        <a:spcAft>
-                          <a:spcPts val="0"/>
-                        </a:spcAft>
-                      </a:pPr>
-                      <a:r>
-                        <a:rPr lang="en-US" sz="900" kern="100" dirty="0">
-                          <a:effectLst/>
-                          <a:latin typeface="Segoe UI" panose="020B0502040204020203" pitchFamily="34" charset="0"/>
-                          <a:ea typeface="Segoe UI" panose="020B0502040204020203" pitchFamily="34" charset="0"/>
-                          <a:cs typeface="Segoe UI" panose="020B0502040204020203" pitchFamily="34" charset="0"/>
-                        </a:rPr>
-                        <a:t>-</a:t>
-                      </a:r>
-                      <a:endParaRPr lang="ja-JP" sz="900" kern="100" dirty="0">
-                        <a:effectLst/>
-                        <a:latin typeface="Segoe UI" panose="020B0502040204020203" pitchFamily="34" charset="0"/>
-                        <a:ea typeface="ＭＳ 明朝" panose="02020609040205080304" pitchFamily="17" charset="-128"/>
-                        <a:cs typeface="Segoe UI" panose="020B0502040204020203" pitchFamily="34" charset="0"/>
-                      </a:endParaRPr>
-                    </a:p>
-                  </a:txBody>
-                  <a:tcPr marL="55979" marR="55979" marT="0" marB="0" anchor="ctr">
-                    <a:solidFill>
-                      <a:srgbClr val="CBCDD3"/>
-                    </a:solidFill>
-                  </a:tcPr>
-                </a:tc>
-                <a:tc>
-                  <a:txBody>
-                    <a:bodyPr/>
-                    <a:lstStyle/>
-                    <a:p>
-                      <a:pPr algn="l">
-                        <a:spcAft>
-                          <a:spcPts val="0"/>
-                        </a:spcAft>
-                      </a:pPr>
-                      <a:r>
-                        <a:rPr lang="en-US" sz="900" kern="100" dirty="0" smtClean="0">
-                          <a:effectLst/>
-                          <a:latin typeface="Segoe UI" panose="020B0502040204020203" pitchFamily="34" charset="0"/>
-                          <a:ea typeface="Segoe UI" panose="020B0502040204020203" pitchFamily="34" charset="0"/>
-                          <a:cs typeface="Segoe UI" panose="020B0502040204020203" pitchFamily="34" charset="0"/>
-                        </a:rPr>
-                        <a:t>IP address of the IT Automation</a:t>
-                      </a:r>
-                      <a:r>
-                        <a:rPr lang="en-US" altLang="ja-JP" sz="900" kern="100" dirty="0" smtClean="0">
-                          <a:effectLst/>
-                          <a:latin typeface="Segoe UI" panose="020B0502040204020203" pitchFamily="34" charset="0"/>
-                          <a:ea typeface="Segoe UI" panose="020B0502040204020203" pitchFamily="34" charset="0"/>
-                          <a:cs typeface="Segoe UI" panose="020B0502040204020203" pitchFamily="34" charset="0"/>
-                        </a:rPr>
-                        <a:t> server </a:t>
-                      </a:r>
-                      <a:r>
-                        <a:rPr lang="en-US" sz="900" kern="100" dirty="0" smtClean="0">
-                          <a:effectLst/>
-                          <a:latin typeface="Segoe UI" panose="020B0502040204020203" pitchFamily="34" charset="0"/>
-                          <a:ea typeface="Segoe UI" panose="020B0502040204020203" pitchFamily="34" charset="0"/>
-                          <a:cs typeface="Segoe UI" panose="020B0502040204020203" pitchFamily="34" charset="0"/>
-                        </a:rPr>
-                        <a:t>(Cobbler server) to be set in the </a:t>
-                      </a:r>
-                      <a:r>
-                        <a:rPr lang="en-US" altLang="ja-JP" sz="900" kern="100" dirty="0" smtClean="0">
-                          <a:effectLst/>
-                          <a:latin typeface="Segoe UI" panose="020B0502040204020203" pitchFamily="34" charset="0"/>
-                          <a:ea typeface="Segoe UI" panose="020B0502040204020203" pitchFamily="34" charset="0"/>
-                          <a:cs typeface="Segoe UI" panose="020B0502040204020203" pitchFamily="34" charset="0"/>
-                        </a:rPr>
-                        <a:t>settings</a:t>
-                      </a:r>
-                      <a:r>
-                        <a:rPr lang="en-US" altLang="ja-JP" sz="900" kern="100" baseline="0" dirty="0" smtClean="0">
-                          <a:effectLst/>
-                          <a:latin typeface="Segoe UI" panose="020B0502040204020203" pitchFamily="34" charset="0"/>
-                          <a:ea typeface="Segoe UI" panose="020B0502040204020203" pitchFamily="34" charset="0"/>
-                          <a:cs typeface="Segoe UI" panose="020B0502040204020203" pitchFamily="34" charset="0"/>
-                        </a:rPr>
-                        <a:t> file of </a:t>
-                      </a:r>
-                      <a:r>
-                        <a:rPr lang="en-US" altLang="ja-JP" sz="900" kern="100" dirty="0" smtClean="0">
-                          <a:effectLst/>
-                          <a:latin typeface="Segoe UI" panose="020B0502040204020203" pitchFamily="34" charset="0"/>
-                          <a:ea typeface="Segoe UI" panose="020B0502040204020203" pitchFamily="34" charset="0"/>
-                          <a:cs typeface="Segoe UI" panose="020B0502040204020203" pitchFamily="34" charset="0"/>
-                        </a:rPr>
-                        <a:t>Cobbler</a:t>
-                      </a:r>
-                      <a:endParaRPr lang="ja-JP" sz="900" kern="100" dirty="0">
-                        <a:effectLst/>
-                        <a:latin typeface="Segoe UI" panose="020B0502040204020203" pitchFamily="34" charset="0"/>
-                        <a:ea typeface="ＭＳ 明朝" panose="02020609040205080304" pitchFamily="17" charset="-128"/>
-                        <a:cs typeface="Segoe UI" panose="020B0502040204020203" pitchFamily="34" charset="0"/>
-                      </a:endParaRPr>
-                    </a:p>
-                  </a:txBody>
-                  <a:tcPr marL="55979" marR="55979" marT="0" marB="0" anchor="ctr">
-                    <a:solidFill>
-                      <a:srgbClr val="CBCDD3"/>
-                    </a:solidFill>
-                  </a:tcPr>
-                </a:tc>
-                <a:extLst>
-                  <a:ext uri="{0D108BD9-81ED-4DB2-BD59-A6C34878D82A}">
-                    <a16:rowId xmlns:a16="http://schemas.microsoft.com/office/drawing/2014/main" xmlns="" val="10005"/>
-                  </a:ext>
-                </a:extLst>
-              </a:tr>
-              <a:tr h="428689">
-                <a:tc>
-                  <a:txBody>
-                    <a:bodyPr/>
-                    <a:lstStyle/>
-                    <a:p>
-                      <a:pPr algn="just">
-                        <a:spcAft>
-                          <a:spcPts val="0"/>
-                        </a:spcAft>
-                      </a:pPr>
-                      <a:r>
-                        <a:rPr lang="en-US" sz="1000" kern="100" dirty="0" smtClean="0">
-                          <a:solidFill>
-                            <a:schemeClr val="bg1"/>
-                          </a:solidFill>
-                          <a:effectLst/>
-                          <a:latin typeface="Segoe UI" panose="020B0502040204020203" pitchFamily="34" charset="0"/>
-                          <a:ea typeface="Segoe UI" panose="020B0502040204020203" pitchFamily="34" charset="0"/>
-                          <a:cs typeface="Segoe UI" panose="020B0502040204020203" pitchFamily="34" charset="0"/>
-                        </a:rPr>
-                        <a:t>default_password</a:t>
-                      </a:r>
-                      <a:endParaRPr lang="ja-JP" sz="1000" kern="100" dirty="0">
-                        <a:solidFill>
-                          <a:schemeClr val="bg1"/>
-                        </a:solidFill>
-                        <a:effectLst/>
-                        <a:latin typeface="Segoe UI" panose="020B0502040204020203" pitchFamily="34" charset="0"/>
-                        <a:cs typeface="Segoe UI" panose="020B0502040204020203" pitchFamily="34" charset="0"/>
-                      </a:endParaRPr>
-                    </a:p>
-                  </a:txBody>
-                  <a:tcPr marL="55979" marR="55979" marT="0" marB="0" anchor="ctr">
-                    <a:solidFill>
-                      <a:srgbClr val="002B62"/>
-                    </a:solidFill>
-                  </a:tcPr>
-                </a:tc>
-                <a:tc>
-                  <a:txBody>
-                    <a:bodyPr/>
-                    <a:lstStyle/>
-                    <a:p>
-                      <a:pPr algn="l">
-                        <a:spcAft>
-                          <a:spcPts val="0"/>
-                        </a:spcAft>
-                      </a:pPr>
-                      <a:r>
-                        <a:rPr lang="en-US" altLang="ja-JP" sz="900" kern="100" baseline="0" dirty="0" smtClean="0">
-                          <a:effectLst/>
-                          <a:latin typeface="Segoe UI" panose="020B0502040204020203" pitchFamily="34" charset="0"/>
-                          <a:ea typeface="Segoe UI" panose="020B0502040204020203" pitchFamily="34" charset="0"/>
-                          <a:cs typeface="Segoe UI" panose="020B0502040204020203" pitchFamily="34" charset="0"/>
-                        </a:rPr>
-                        <a:t>For </a:t>
-                      </a:r>
-                      <a:r>
-                        <a:rPr lang="en-US" altLang="ja-JP" sz="900" kern="100" dirty="0" smtClean="0">
-                          <a:effectLst/>
-                          <a:latin typeface="Segoe UI" panose="020B0502040204020203" pitchFamily="34" charset="0"/>
-                          <a:ea typeface="Segoe UI" panose="020B0502040204020203" pitchFamily="34" charset="0"/>
-                          <a:cs typeface="Segoe UI" panose="020B0502040204020203" pitchFamily="34" charset="0"/>
-                        </a:rPr>
-                        <a:t>Cobbler</a:t>
-                      </a:r>
-                      <a:endParaRPr lang="ja-JP" altLang="ja-JP" sz="900" kern="100" dirty="0">
-                        <a:effectLst/>
-                        <a:latin typeface="Segoe UI" panose="020B0502040204020203" pitchFamily="34" charset="0"/>
-                        <a:ea typeface="ＭＳ 明朝" panose="02020609040205080304" pitchFamily="17" charset="-128"/>
-                        <a:cs typeface="Segoe UI" panose="020B0502040204020203" pitchFamily="34" charset="0"/>
-                      </a:endParaRPr>
-                    </a:p>
-                  </a:txBody>
-                  <a:tcPr marL="55979" marR="55979" marT="0" marB="0" anchor="ctr">
-                    <a:solidFill>
-                      <a:srgbClr val="E7E8EA"/>
-                    </a:solidFill>
-                  </a:tcPr>
-                </a:tc>
-                <a:tc>
-                  <a:txBody>
-                    <a:bodyPr/>
-                    <a:lstStyle/>
-                    <a:p>
-                      <a:pPr algn="ctr">
-                        <a:spcAft>
-                          <a:spcPts val="0"/>
-                        </a:spcAft>
-                      </a:pPr>
-                      <a:r>
-                        <a:rPr lang="en-US" sz="900" kern="100" dirty="0">
-                          <a:effectLst/>
-                          <a:latin typeface="Segoe UI" panose="020B0502040204020203" pitchFamily="34" charset="0"/>
-                          <a:ea typeface="Segoe UI" panose="020B0502040204020203" pitchFamily="34" charset="0"/>
-                          <a:cs typeface="Segoe UI" panose="020B0502040204020203" pitchFamily="34" charset="0"/>
-                        </a:rPr>
-                        <a:t>-</a:t>
-                      </a:r>
-                      <a:endParaRPr lang="ja-JP" sz="900" kern="100" dirty="0">
-                        <a:effectLst/>
-                        <a:latin typeface="Segoe UI" panose="020B0502040204020203" pitchFamily="34" charset="0"/>
-                        <a:ea typeface="ＭＳ 明朝" panose="02020609040205080304" pitchFamily="17" charset="-128"/>
-                        <a:cs typeface="Segoe UI" panose="020B0502040204020203" pitchFamily="34" charset="0"/>
-                      </a:endParaRPr>
-                    </a:p>
-                  </a:txBody>
-                  <a:tcPr marL="55979" marR="55979" marT="0" marB="0" anchor="ctr">
-                    <a:solidFill>
-                      <a:srgbClr val="E7E8EA"/>
-                    </a:solidFill>
-                  </a:tcPr>
-                </a:tc>
-                <a:tc>
-                  <a:txBody>
-                    <a:bodyPr/>
-                    <a:lstStyle/>
-                    <a:p>
-                      <a:pPr algn="l">
-                        <a:spcAft>
-                          <a:spcPts val="0"/>
-                        </a:spcAft>
-                      </a:pPr>
-                      <a:r>
-                        <a:rPr lang="en-US" sz="900" b="0" i="0" u="none" kern="100" dirty="0" smtClean="0">
-                          <a:solidFill>
-                            <a:srgbClr val="000000"/>
-                          </a:solidFill>
-                          <a:effectLst/>
-                          <a:latin typeface="Segoe UI" panose="020B0502040204020203" pitchFamily="34" charset="0"/>
-                          <a:ea typeface="Segoe UI" panose="020B0502040204020203" pitchFamily="34" charset="0"/>
-                          <a:cs typeface="Segoe UI" panose="020B0502040204020203" pitchFamily="34" charset="0"/>
-                        </a:rPr>
-                        <a:t>Root password for the OS installation target server to be set in the settings file of Cobbler</a:t>
-                      </a:r>
-                      <a:r>
-                        <a:rPr lang="en-US" sz="900" kern="100" dirty="0" smtClean="0">
-                          <a:effectLst/>
-                          <a:latin typeface="Segoe UI" panose="020B0502040204020203" pitchFamily="34" charset="0"/>
-                          <a:ea typeface="Segoe UI" panose="020B0502040204020203" pitchFamily="34" charset="0"/>
-                          <a:cs typeface="Segoe UI" panose="020B0502040204020203" pitchFamily="34" charset="0"/>
-                        </a:rPr>
-                        <a:t/>
-                      </a:r>
-                      <a:br>
-                        <a:rPr lang="en-US" sz="900" kern="100" dirty="0" smtClean="0">
-                          <a:effectLst/>
-                          <a:latin typeface="Segoe UI" panose="020B0502040204020203" pitchFamily="34" charset="0"/>
-                          <a:ea typeface="Segoe UI" panose="020B0502040204020203" pitchFamily="34" charset="0"/>
-                          <a:cs typeface="Segoe UI" panose="020B0502040204020203" pitchFamily="34" charset="0"/>
-                        </a:rPr>
-                      </a:br>
-                      <a:r>
-                        <a:rPr lang="en-US" altLang="ja-JP" sz="900" kern="100" dirty="0" smtClean="0">
-                          <a:effectLst/>
-                          <a:latin typeface="Segoe UI" panose="020B0502040204020203" pitchFamily="34" charset="0"/>
-                          <a:ea typeface="Segoe UI" panose="020B0502040204020203" pitchFamily="34" charset="0"/>
-                          <a:cs typeface="Segoe UI" panose="020B0502040204020203" pitchFamily="34" charset="0"/>
-                        </a:rPr>
-                        <a:t>*The hash value of the entered</a:t>
-                      </a:r>
-                      <a:r>
-                        <a:rPr lang="en-US" altLang="ja-JP" sz="900" kern="100" baseline="0" dirty="0" smtClean="0">
-                          <a:effectLst/>
-                          <a:latin typeface="Segoe UI" panose="020B0502040204020203" pitchFamily="34" charset="0"/>
-                          <a:ea typeface="Segoe UI" panose="020B0502040204020203" pitchFamily="34" charset="0"/>
-                          <a:cs typeface="Segoe UI" panose="020B0502040204020203" pitchFamily="34" charset="0"/>
-                        </a:rPr>
-                        <a:t> value will be set in the </a:t>
-                      </a:r>
-                      <a:r>
-                        <a:rPr lang="en-US" sz="900" kern="100" dirty="0" smtClean="0">
-                          <a:effectLst/>
-                          <a:latin typeface="Segoe UI" panose="020B0502040204020203" pitchFamily="34" charset="0"/>
-                          <a:ea typeface="Segoe UI" panose="020B0502040204020203" pitchFamily="34" charset="0"/>
-                          <a:cs typeface="Segoe UI" panose="020B0502040204020203" pitchFamily="34" charset="0"/>
-                        </a:rPr>
-                        <a:t>settings file.</a:t>
-                      </a:r>
-                      <a:endParaRPr lang="ja-JP" sz="900" kern="100" dirty="0">
-                        <a:effectLst/>
-                        <a:latin typeface="Segoe UI" panose="020B0502040204020203" pitchFamily="34" charset="0"/>
-                        <a:ea typeface="ＭＳ 明朝" panose="02020609040205080304" pitchFamily="17" charset="-128"/>
-                        <a:cs typeface="Segoe UI" panose="020B0502040204020203" pitchFamily="34" charset="0"/>
-                      </a:endParaRPr>
-                    </a:p>
-                  </a:txBody>
-                  <a:tcPr marL="55979" marR="55979" marT="0" marB="0" anchor="ctr">
-                    <a:solidFill>
-                      <a:srgbClr val="E7E8EA"/>
-                    </a:solidFill>
-                  </a:tcPr>
-                </a:tc>
-                <a:extLst>
-                  <a:ext uri="{0D108BD9-81ED-4DB2-BD59-A6C34878D82A}">
-                    <a16:rowId xmlns:a16="http://schemas.microsoft.com/office/drawing/2014/main" xmlns="" val="10006"/>
-                  </a:ext>
-                </a:extLst>
-              </a:tr>
-              <a:tr h="321517">
-                <a:tc>
-                  <a:txBody>
-                    <a:bodyPr/>
-                    <a:lstStyle/>
-                    <a:p>
-                      <a:pPr algn="just">
-                        <a:spcAft>
-                          <a:spcPts val="0"/>
-                        </a:spcAft>
-                      </a:pPr>
-                      <a:r>
-                        <a:rPr lang="en-US" sz="1000" kern="100" dirty="0" smtClean="0">
-                          <a:solidFill>
-                            <a:schemeClr val="bg1"/>
-                          </a:solidFill>
-                          <a:effectLst/>
-                          <a:latin typeface="Segoe UI" panose="020B0502040204020203" pitchFamily="34" charset="0"/>
-                          <a:ea typeface="Segoe UI" panose="020B0502040204020203" pitchFamily="34" charset="0"/>
-                          <a:cs typeface="Segoe UI" panose="020B0502040204020203" pitchFamily="34" charset="0"/>
-                        </a:rPr>
-                        <a:t>cobbler_ip</a:t>
-                      </a:r>
-                      <a:endParaRPr lang="ja-JP" sz="1000" kern="100" dirty="0">
-                        <a:solidFill>
-                          <a:schemeClr val="bg1"/>
-                        </a:solidFill>
-                        <a:effectLst/>
-                        <a:latin typeface="Segoe UI" panose="020B0502040204020203" pitchFamily="34" charset="0"/>
-                        <a:cs typeface="Segoe UI" panose="020B0502040204020203" pitchFamily="34" charset="0"/>
-                      </a:endParaRPr>
-                    </a:p>
-                  </a:txBody>
-                  <a:tcPr marL="55979" marR="55979" marT="0" marB="0" anchor="ctr">
-                    <a:solidFill>
-                      <a:srgbClr val="002B62"/>
-                    </a:solidFill>
-                  </a:tcPr>
-                </a:tc>
-                <a:tc>
-                  <a:txBody>
-                    <a:bodyPr/>
-                    <a:lstStyle/>
-                    <a:p>
-                      <a:pPr algn="l">
-                        <a:spcAft>
-                          <a:spcPts val="0"/>
-                        </a:spcAft>
-                      </a:pPr>
-                      <a:r>
-                        <a:rPr lang="en-US" altLang="ja-JP" sz="900" kern="100" baseline="0" dirty="0" smtClean="0">
-                          <a:effectLst/>
-                          <a:latin typeface="Segoe UI" panose="020B0502040204020203" pitchFamily="34" charset="0"/>
-                          <a:ea typeface="Segoe UI" panose="020B0502040204020203" pitchFamily="34" charset="0"/>
-                          <a:cs typeface="Segoe UI" panose="020B0502040204020203" pitchFamily="34" charset="0"/>
-                        </a:rPr>
-                        <a:t>For </a:t>
-                      </a:r>
-                      <a:r>
-                        <a:rPr lang="en-US" altLang="ja-JP" sz="900" kern="100" dirty="0" smtClean="0">
-                          <a:effectLst/>
-                          <a:latin typeface="Segoe UI" panose="020B0502040204020203" pitchFamily="34" charset="0"/>
-                          <a:ea typeface="Segoe UI" panose="020B0502040204020203" pitchFamily="34" charset="0"/>
-                          <a:cs typeface="Segoe UI" panose="020B0502040204020203" pitchFamily="34" charset="0"/>
-                        </a:rPr>
-                        <a:t>Cobbler</a:t>
-                      </a:r>
-                      <a:endParaRPr lang="ja-JP" altLang="ja-JP" sz="900" kern="100" dirty="0">
-                        <a:effectLst/>
-                        <a:latin typeface="Segoe UI" panose="020B0502040204020203" pitchFamily="34" charset="0"/>
-                        <a:ea typeface="ＭＳ 明朝" panose="02020609040205080304" pitchFamily="17" charset="-128"/>
-                        <a:cs typeface="Segoe UI" panose="020B0502040204020203" pitchFamily="34" charset="0"/>
-                      </a:endParaRPr>
-                    </a:p>
-                  </a:txBody>
-                  <a:tcPr marL="55979" marR="55979" marT="0" marB="0" anchor="ctr">
-                    <a:solidFill>
-                      <a:srgbClr val="CBCDD3"/>
-                    </a:solidFill>
-                  </a:tcPr>
-                </a:tc>
-                <a:tc>
-                  <a:txBody>
-                    <a:bodyPr/>
-                    <a:lstStyle/>
-                    <a:p>
-                      <a:pPr algn="ctr">
-                        <a:spcAft>
-                          <a:spcPts val="0"/>
-                        </a:spcAft>
-                      </a:pPr>
-                      <a:r>
-                        <a:rPr lang="en-US" sz="900" kern="100" dirty="0">
-                          <a:effectLst/>
-                          <a:latin typeface="Segoe UI" panose="020B0502040204020203" pitchFamily="34" charset="0"/>
-                          <a:ea typeface="Segoe UI" panose="020B0502040204020203" pitchFamily="34" charset="0"/>
-                          <a:cs typeface="Segoe UI" panose="020B0502040204020203" pitchFamily="34" charset="0"/>
-                        </a:rPr>
-                        <a:t>-</a:t>
-                      </a:r>
-                      <a:endParaRPr lang="ja-JP" sz="900" kern="100" dirty="0">
-                        <a:effectLst/>
-                        <a:latin typeface="Segoe UI" panose="020B0502040204020203" pitchFamily="34" charset="0"/>
-                        <a:ea typeface="ＭＳ 明朝" panose="02020609040205080304" pitchFamily="17" charset="-128"/>
-                        <a:cs typeface="Segoe UI" panose="020B0502040204020203" pitchFamily="34" charset="0"/>
-                      </a:endParaRPr>
-                    </a:p>
-                  </a:txBody>
-                  <a:tcPr marL="55979" marR="55979" marT="0" marB="0" anchor="ctr">
-                    <a:solidFill>
-                      <a:srgbClr val="CBCDD3"/>
-                    </a:solidFill>
-                  </a:tcPr>
-                </a:tc>
-                <a:tc>
-                  <a:txBody>
-                    <a:bodyPr/>
-                    <a:lstStyle/>
-                    <a:p>
-                      <a:pPr algn="l">
-                        <a:spcAft>
-                          <a:spcPts val="0"/>
-                        </a:spcAft>
-                      </a:pPr>
-                      <a:r>
-                        <a:rPr lang="en-US" sz="900" kern="100" dirty="0" smtClean="0">
-                          <a:effectLst/>
-                          <a:latin typeface="Segoe UI" panose="020B0502040204020203" pitchFamily="34" charset="0"/>
-                          <a:ea typeface="Segoe UI" panose="020B0502040204020203" pitchFamily="34" charset="0"/>
-                          <a:cs typeface="Segoe UI" panose="020B0502040204020203" pitchFamily="34" charset="0"/>
-                        </a:rPr>
-                        <a:t>IP address to be set for </a:t>
-                      </a:r>
-                      <a:r>
-                        <a:rPr lang="en-US" sz="900" b="1" kern="100" dirty="0" smtClean="0">
-                          <a:effectLst/>
-                          <a:latin typeface="Segoe UI" panose="020B0502040204020203" pitchFamily="34" charset="0"/>
-                          <a:ea typeface="Segoe UI" panose="020B0502040204020203" pitchFamily="34" charset="0"/>
-                          <a:cs typeface="Segoe UI" panose="020B0502040204020203" pitchFamily="34" charset="0"/>
-                        </a:rPr>
-                        <a:t>subnet</a:t>
-                      </a:r>
-                      <a:r>
-                        <a:rPr lang="en-US" sz="900" kern="100" dirty="0" smtClean="0">
-                          <a:effectLst/>
-                          <a:latin typeface="Segoe UI" panose="020B0502040204020203" pitchFamily="34" charset="0"/>
-                          <a:ea typeface="Segoe UI" panose="020B0502040204020203" pitchFamily="34" charset="0"/>
-                          <a:cs typeface="Segoe UI" panose="020B0502040204020203" pitchFamily="34" charset="0"/>
-                        </a:rPr>
-                        <a:t> of dhcp.template</a:t>
-                      </a:r>
-                      <a:endParaRPr lang="ja-JP" sz="900" kern="100" dirty="0">
-                        <a:effectLst/>
-                        <a:latin typeface="Segoe UI" panose="020B0502040204020203" pitchFamily="34" charset="0"/>
-                        <a:ea typeface="ＭＳ 明朝" panose="02020609040205080304" pitchFamily="17" charset="-128"/>
-                        <a:cs typeface="Segoe UI" panose="020B0502040204020203" pitchFamily="34" charset="0"/>
-                      </a:endParaRPr>
-                    </a:p>
-                  </a:txBody>
-                  <a:tcPr marL="55979" marR="55979" marT="0" marB="0" anchor="ctr">
-                    <a:solidFill>
-                      <a:srgbClr val="CBCDD3"/>
-                    </a:solidFill>
-                  </a:tcPr>
-                </a:tc>
-                <a:extLst>
-                  <a:ext uri="{0D108BD9-81ED-4DB2-BD59-A6C34878D82A}">
-                    <a16:rowId xmlns:a16="http://schemas.microsoft.com/office/drawing/2014/main" xmlns="" val="10007"/>
-                  </a:ext>
-                </a:extLst>
-              </a:tr>
-              <a:tr h="321517">
-                <a:tc>
-                  <a:txBody>
-                    <a:bodyPr/>
-                    <a:lstStyle/>
-                    <a:p>
-                      <a:pPr algn="just">
-                        <a:spcAft>
-                          <a:spcPts val="0"/>
-                        </a:spcAft>
-                      </a:pPr>
-                      <a:r>
-                        <a:rPr lang="en-US" sz="1000" kern="100" dirty="0" smtClean="0">
-                          <a:solidFill>
-                            <a:schemeClr val="bg1"/>
-                          </a:solidFill>
-                          <a:effectLst/>
-                          <a:latin typeface="Segoe UI" panose="020B0502040204020203" pitchFamily="34" charset="0"/>
-                          <a:ea typeface="Segoe UI" panose="020B0502040204020203" pitchFamily="34" charset="0"/>
-                          <a:cs typeface="Segoe UI" panose="020B0502040204020203" pitchFamily="34" charset="0"/>
-                        </a:rPr>
-                        <a:t>cobbler_subnet</a:t>
-                      </a:r>
-                      <a:endParaRPr lang="ja-JP" sz="1000" kern="100" dirty="0">
-                        <a:solidFill>
-                          <a:schemeClr val="bg1"/>
-                        </a:solidFill>
-                        <a:effectLst/>
-                        <a:latin typeface="Segoe UI" panose="020B0502040204020203" pitchFamily="34" charset="0"/>
-                        <a:cs typeface="Segoe UI" panose="020B0502040204020203" pitchFamily="34" charset="0"/>
-                      </a:endParaRPr>
-                    </a:p>
-                  </a:txBody>
-                  <a:tcPr marL="55979" marR="55979" marT="0" marB="0" anchor="ctr">
-                    <a:solidFill>
-                      <a:srgbClr val="002B62"/>
-                    </a:solidFill>
-                  </a:tcPr>
-                </a:tc>
-                <a:tc>
-                  <a:txBody>
-                    <a:bodyPr/>
-                    <a:lstStyle/>
-                    <a:p>
-                      <a:pPr algn="l">
-                        <a:spcAft>
-                          <a:spcPts val="0"/>
-                        </a:spcAft>
-                      </a:pPr>
-                      <a:r>
-                        <a:rPr lang="en-US" altLang="ja-JP" sz="900" kern="100" baseline="0" dirty="0" smtClean="0">
-                          <a:effectLst/>
-                          <a:latin typeface="Segoe UI" panose="020B0502040204020203" pitchFamily="34" charset="0"/>
-                          <a:ea typeface="Segoe UI" panose="020B0502040204020203" pitchFamily="34" charset="0"/>
-                          <a:cs typeface="Segoe UI" panose="020B0502040204020203" pitchFamily="34" charset="0"/>
-                        </a:rPr>
-                        <a:t>For </a:t>
-                      </a:r>
-                      <a:r>
-                        <a:rPr lang="en-US" altLang="ja-JP" sz="900" kern="100" dirty="0" smtClean="0">
-                          <a:effectLst/>
-                          <a:latin typeface="Segoe UI" panose="020B0502040204020203" pitchFamily="34" charset="0"/>
-                          <a:ea typeface="Segoe UI" panose="020B0502040204020203" pitchFamily="34" charset="0"/>
-                          <a:cs typeface="Segoe UI" panose="020B0502040204020203" pitchFamily="34" charset="0"/>
-                        </a:rPr>
-                        <a:t>Cobbler</a:t>
-                      </a:r>
-                      <a:endParaRPr lang="ja-JP" altLang="ja-JP" sz="900" kern="100" dirty="0">
-                        <a:effectLst/>
-                        <a:latin typeface="Segoe UI" panose="020B0502040204020203" pitchFamily="34" charset="0"/>
-                        <a:ea typeface="ＭＳ 明朝" panose="02020609040205080304" pitchFamily="17" charset="-128"/>
-                        <a:cs typeface="Segoe UI" panose="020B0502040204020203" pitchFamily="34" charset="0"/>
-                      </a:endParaRPr>
-                    </a:p>
-                  </a:txBody>
-                  <a:tcPr marL="55979" marR="55979" marT="0" marB="0" anchor="ctr">
-                    <a:solidFill>
-                      <a:srgbClr val="E7E8EA"/>
-                    </a:solidFill>
-                  </a:tcPr>
-                </a:tc>
-                <a:tc>
-                  <a:txBody>
-                    <a:bodyPr/>
-                    <a:lstStyle/>
-                    <a:p>
-                      <a:pPr algn="ctr">
-                        <a:spcAft>
-                          <a:spcPts val="0"/>
-                        </a:spcAft>
-                      </a:pPr>
-                      <a:r>
-                        <a:rPr lang="en-US" sz="900" kern="100" dirty="0">
-                          <a:effectLst/>
-                          <a:latin typeface="Segoe UI" panose="020B0502040204020203" pitchFamily="34" charset="0"/>
-                          <a:ea typeface="Segoe UI" panose="020B0502040204020203" pitchFamily="34" charset="0"/>
-                          <a:cs typeface="Segoe UI" panose="020B0502040204020203" pitchFamily="34" charset="0"/>
-                        </a:rPr>
-                        <a:t>-</a:t>
-                      </a:r>
-                      <a:endParaRPr lang="ja-JP" sz="900" kern="100" dirty="0">
-                        <a:effectLst/>
-                        <a:latin typeface="Segoe UI" panose="020B0502040204020203" pitchFamily="34" charset="0"/>
-                        <a:ea typeface="ＭＳ 明朝" panose="02020609040205080304" pitchFamily="17" charset="-128"/>
-                        <a:cs typeface="Segoe UI" panose="020B0502040204020203" pitchFamily="34" charset="0"/>
-                      </a:endParaRPr>
-                    </a:p>
-                  </a:txBody>
-                  <a:tcPr marL="55979" marR="55979" marT="0" marB="0" anchor="ctr">
-                    <a:solidFill>
-                      <a:srgbClr val="E7E8EA"/>
-                    </a:solidFill>
-                  </a:tcPr>
-                </a:tc>
-                <a:tc>
-                  <a:txBody>
-                    <a:bodyPr/>
-                    <a:lstStyle/>
-                    <a:p>
-                      <a:pPr algn="l">
-                        <a:spcAft>
-                          <a:spcPts val="0"/>
-                        </a:spcAft>
-                      </a:pPr>
-                      <a:r>
-                        <a:rPr lang="en-US" sz="900" b="0" i="0" u="none" kern="100" dirty="0" smtClean="0">
-                          <a:solidFill>
-                            <a:srgbClr val="000000"/>
-                          </a:solidFill>
-                          <a:effectLst/>
-                          <a:latin typeface="Segoe UI" panose="020B0502040204020203" pitchFamily="34" charset="0"/>
-                          <a:ea typeface="Segoe UI" panose="020B0502040204020203" pitchFamily="34" charset="0"/>
-                          <a:cs typeface="Segoe UI" panose="020B0502040204020203" pitchFamily="34" charset="0"/>
-                        </a:rPr>
-                        <a:t>IP address to be set for </a:t>
-                      </a:r>
-                      <a:r>
-                        <a:rPr lang="en-US" altLang="ja-JP" sz="900" b="1" kern="100" dirty="0" smtClean="0">
-                          <a:effectLst/>
-                          <a:latin typeface="Segoe UI" panose="020B0502040204020203" pitchFamily="34" charset="0"/>
-                          <a:ea typeface="Segoe UI" panose="020B0502040204020203" pitchFamily="34" charset="0"/>
-                          <a:cs typeface="Segoe UI" panose="020B0502040204020203" pitchFamily="34" charset="0"/>
-                        </a:rPr>
-                        <a:t>netmask</a:t>
-                      </a:r>
-                      <a:r>
-                        <a:rPr lang="en-US" sz="900" b="0" i="0" u="none" kern="100" dirty="0" smtClean="0">
-                          <a:solidFill>
-                            <a:srgbClr val="000000"/>
-                          </a:solidFill>
-                          <a:effectLst/>
-                          <a:latin typeface="Segoe UI" panose="020B0502040204020203" pitchFamily="34" charset="0"/>
-                          <a:ea typeface="Segoe UI" panose="020B0502040204020203" pitchFamily="34" charset="0"/>
-                          <a:cs typeface="Segoe UI" panose="020B0502040204020203" pitchFamily="34" charset="0"/>
-                        </a:rPr>
-                        <a:t> of dhcp.template</a:t>
-                      </a:r>
-                      <a:endParaRPr lang="ja-JP" sz="900" b="0" i="0" u="none" kern="100" dirty="0">
-                        <a:solidFill>
-                          <a:srgbClr val="000000"/>
-                        </a:solidFill>
-                        <a:effectLst/>
-                        <a:latin typeface="Segoe UI" panose="020B0502040204020203" pitchFamily="34" charset="0"/>
-                        <a:ea typeface="ＭＳ 明朝" panose="02020609040205080304" pitchFamily="17" charset="-128"/>
-                        <a:cs typeface="Segoe UI" panose="020B0502040204020203" pitchFamily="34" charset="0"/>
-                      </a:endParaRPr>
-                    </a:p>
-                  </a:txBody>
-                  <a:tcPr marL="55979" marR="55979" marT="0" marB="0" anchor="ctr">
-                    <a:solidFill>
-                      <a:srgbClr val="E7E8EA"/>
-                    </a:solidFill>
-                  </a:tcPr>
-                </a:tc>
-                <a:extLst>
-                  <a:ext uri="{0D108BD9-81ED-4DB2-BD59-A6C34878D82A}">
-                    <a16:rowId xmlns:a16="http://schemas.microsoft.com/office/drawing/2014/main" xmlns="" val="10008"/>
-                  </a:ext>
-                </a:extLst>
-              </a:tr>
-              <a:tr h="321517">
-                <a:tc>
-                  <a:txBody>
-                    <a:bodyPr/>
-                    <a:lstStyle/>
-                    <a:p>
-                      <a:pPr algn="just">
-                        <a:spcAft>
-                          <a:spcPts val="0"/>
-                        </a:spcAft>
-                      </a:pPr>
-                      <a:r>
-                        <a:rPr lang="en-US" sz="1000" kern="100" dirty="0" smtClean="0">
-                          <a:solidFill>
-                            <a:schemeClr val="bg1"/>
-                          </a:solidFill>
-                          <a:effectLst/>
-                          <a:latin typeface="Segoe UI" panose="020B0502040204020203" pitchFamily="34" charset="0"/>
-                          <a:ea typeface="Segoe UI" panose="020B0502040204020203" pitchFamily="34" charset="0"/>
-                          <a:cs typeface="Segoe UI" panose="020B0502040204020203" pitchFamily="34" charset="0"/>
-                        </a:rPr>
-                        <a:t>cobbler_gateway</a:t>
-                      </a:r>
-                      <a:endParaRPr lang="ja-JP" sz="1000" kern="100" dirty="0">
-                        <a:solidFill>
-                          <a:schemeClr val="bg1"/>
-                        </a:solidFill>
-                        <a:effectLst/>
-                        <a:latin typeface="Segoe UI" panose="020B0502040204020203" pitchFamily="34" charset="0"/>
-                        <a:cs typeface="Segoe UI" panose="020B0502040204020203" pitchFamily="34" charset="0"/>
-                      </a:endParaRPr>
-                    </a:p>
-                  </a:txBody>
-                  <a:tcPr marL="55979" marR="55979" marT="0" marB="0" anchor="ctr">
-                    <a:solidFill>
-                      <a:srgbClr val="002B62"/>
-                    </a:solidFill>
-                  </a:tcPr>
-                </a:tc>
-                <a:tc>
-                  <a:txBody>
-                    <a:bodyPr/>
-                    <a:lstStyle/>
-                    <a:p>
-                      <a:pPr algn="l">
-                        <a:spcAft>
-                          <a:spcPts val="0"/>
-                        </a:spcAft>
-                      </a:pPr>
-                      <a:r>
-                        <a:rPr lang="en-US" altLang="ja-JP" sz="900" kern="100" baseline="0" dirty="0" smtClean="0">
-                          <a:effectLst/>
-                          <a:latin typeface="Segoe UI" panose="020B0502040204020203" pitchFamily="34" charset="0"/>
-                          <a:ea typeface="Segoe UI" panose="020B0502040204020203" pitchFamily="34" charset="0"/>
-                          <a:cs typeface="Segoe UI" panose="020B0502040204020203" pitchFamily="34" charset="0"/>
-                        </a:rPr>
-                        <a:t>For </a:t>
-                      </a:r>
-                      <a:r>
-                        <a:rPr lang="en-US" altLang="ja-JP" sz="900" kern="100" dirty="0" smtClean="0">
-                          <a:effectLst/>
-                          <a:latin typeface="Segoe UI" panose="020B0502040204020203" pitchFamily="34" charset="0"/>
-                          <a:ea typeface="Segoe UI" panose="020B0502040204020203" pitchFamily="34" charset="0"/>
-                          <a:cs typeface="Segoe UI" panose="020B0502040204020203" pitchFamily="34" charset="0"/>
-                        </a:rPr>
-                        <a:t>Cobbler</a:t>
-                      </a:r>
-                      <a:endParaRPr lang="ja-JP" altLang="ja-JP" sz="900" kern="100" dirty="0">
-                        <a:effectLst/>
-                        <a:latin typeface="Segoe UI" panose="020B0502040204020203" pitchFamily="34" charset="0"/>
-                        <a:ea typeface="ＭＳ 明朝" panose="02020609040205080304" pitchFamily="17" charset="-128"/>
-                        <a:cs typeface="Segoe UI" panose="020B0502040204020203" pitchFamily="34" charset="0"/>
-                      </a:endParaRPr>
-                    </a:p>
-                  </a:txBody>
-                  <a:tcPr marL="55979" marR="55979" marT="0" marB="0" anchor="ctr">
-                    <a:solidFill>
-                      <a:srgbClr val="CBCDD3"/>
-                    </a:solidFill>
-                  </a:tcPr>
-                </a:tc>
-                <a:tc>
-                  <a:txBody>
-                    <a:bodyPr/>
-                    <a:lstStyle/>
-                    <a:p>
-                      <a:pPr algn="ctr">
-                        <a:spcAft>
-                          <a:spcPts val="0"/>
-                        </a:spcAft>
-                      </a:pPr>
-                      <a:r>
-                        <a:rPr lang="en-US" sz="900" kern="100" dirty="0">
-                          <a:effectLst/>
-                          <a:latin typeface="Segoe UI" panose="020B0502040204020203" pitchFamily="34" charset="0"/>
-                          <a:ea typeface="Segoe UI" panose="020B0502040204020203" pitchFamily="34" charset="0"/>
-                          <a:cs typeface="Segoe UI" panose="020B0502040204020203" pitchFamily="34" charset="0"/>
-                        </a:rPr>
-                        <a:t>-</a:t>
-                      </a:r>
-                      <a:endParaRPr lang="ja-JP" sz="900" kern="100" dirty="0">
-                        <a:effectLst/>
-                        <a:latin typeface="Segoe UI" panose="020B0502040204020203" pitchFamily="34" charset="0"/>
-                        <a:ea typeface="ＭＳ 明朝" panose="02020609040205080304" pitchFamily="17" charset="-128"/>
-                        <a:cs typeface="Segoe UI" panose="020B0502040204020203" pitchFamily="34" charset="0"/>
-                      </a:endParaRPr>
-                    </a:p>
-                  </a:txBody>
-                  <a:tcPr marL="55979" marR="55979" marT="0" marB="0" anchor="ctr">
-                    <a:solidFill>
-                      <a:srgbClr val="CBCDD3"/>
-                    </a:solidFill>
-                  </a:tcPr>
-                </a:tc>
-                <a:tc>
-                  <a:txBody>
-                    <a:bodyPr/>
-                    <a:lstStyle/>
-                    <a:p>
-                      <a:pPr algn="l">
-                        <a:spcAft>
-                          <a:spcPts val="0"/>
-                        </a:spcAft>
-                      </a:pPr>
-                      <a:r>
-                        <a:rPr lang="en-US" sz="900" b="0" i="0" u="none" kern="100" dirty="0" smtClean="0">
-                          <a:solidFill>
-                            <a:srgbClr val="000000"/>
-                          </a:solidFill>
-                          <a:effectLst/>
-                          <a:latin typeface="Segoe UI" panose="020B0502040204020203" pitchFamily="34" charset="0"/>
-                          <a:ea typeface="Segoe UI" panose="020B0502040204020203" pitchFamily="34" charset="0"/>
-                          <a:cs typeface="Segoe UI" panose="020B0502040204020203" pitchFamily="34" charset="0"/>
-                        </a:rPr>
-                        <a:t>IP address to be set for </a:t>
-                      </a:r>
-                      <a:r>
-                        <a:rPr lang="en-US" altLang="ja-JP" sz="900" b="1" kern="100" dirty="0" smtClean="0">
-                          <a:effectLst/>
-                          <a:latin typeface="Segoe UI" panose="020B0502040204020203" pitchFamily="34" charset="0"/>
-                          <a:ea typeface="Segoe UI" panose="020B0502040204020203" pitchFamily="34" charset="0"/>
-                          <a:cs typeface="Segoe UI" panose="020B0502040204020203" pitchFamily="34" charset="0"/>
-                        </a:rPr>
-                        <a:t>option routers</a:t>
-                      </a:r>
-                      <a:r>
-                        <a:rPr lang="en-US" sz="900" b="0" i="0" u="none" kern="100" dirty="0" smtClean="0">
-                          <a:solidFill>
-                            <a:srgbClr val="000000"/>
-                          </a:solidFill>
-                          <a:effectLst/>
-                          <a:latin typeface="Segoe UI" panose="020B0502040204020203" pitchFamily="34" charset="0"/>
-                          <a:ea typeface="Segoe UI" panose="020B0502040204020203" pitchFamily="34" charset="0"/>
-                          <a:cs typeface="Segoe UI" panose="020B0502040204020203" pitchFamily="34" charset="0"/>
-                        </a:rPr>
-                        <a:t> of dhcp.template</a:t>
-                      </a:r>
-                      <a:endParaRPr lang="ja-JP" sz="900" b="0" i="0" u="none" kern="100" dirty="0">
-                        <a:solidFill>
-                          <a:srgbClr val="000000"/>
-                        </a:solidFill>
-                        <a:effectLst/>
-                        <a:latin typeface="Segoe UI" panose="020B0502040204020203" pitchFamily="34" charset="0"/>
-                        <a:ea typeface="ＭＳ 明朝" panose="02020609040205080304" pitchFamily="17" charset="-128"/>
-                        <a:cs typeface="Segoe UI" panose="020B0502040204020203" pitchFamily="34" charset="0"/>
-                      </a:endParaRPr>
-                    </a:p>
-                  </a:txBody>
-                  <a:tcPr marL="55979" marR="55979" marT="0" marB="0" anchor="ctr">
-                    <a:solidFill>
-                      <a:srgbClr val="CBCDD3"/>
-                    </a:solidFill>
-                  </a:tcPr>
-                </a:tc>
-                <a:extLst>
-                  <a:ext uri="{0D108BD9-81ED-4DB2-BD59-A6C34878D82A}">
-                    <a16:rowId xmlns:a16="http://schemas.microsoft.com/office/drawing/2014/main" xmlns="" val="10009"/>
-                  </a:ext>
-                </a:extLst>
-              </a:tr>
-              <a:tr h="321517">
-                <a:tc>
-                  <a:txBody>
-                    <a:bodyPr/>
-                    <a:lstStyle/>
-                    <a:p>
-                      <a:pPr algn="just">
-                        <a:spcAft>
-                          <a:spcPts val="0"/>
-                        </a:spcAft>
-                      </a:pPr>
-                      <a:r>
-                        <a:rPr lang="en-US" sz="1000" kern="100" dirty="0" smtClean="0">
-                          <a:solidFill>
-                            <a:schemeClr val="bg1"/>
-                          </a:solidFill>
-                          <a:effectLst/>
-                          <a:latin typeface="Segoe UI" panose="020B0502040204020203" pitchFamily="34" charset="0"/>
-                          <a:ea typeface="Segoe UI" panose="020B0502040204020203" pitchFamily="34" charset="0"/>
-                          <a:cs typeface="Segoe UI" panose="020B0502040204020203" pitchFamily="34" charset="0"/>
-                        </a:rPr>
-                        <a:t>cobbler_dns</a:t>
-                      </a:r>
-                      <a:endParaRPr lang="ja-JP" sz="1000" kern="100" dirty="0">
-                        <a:solidFill>
-                          <a:schemeClr val="bg1"/>
-                        </a:solidFill>
-                        <a:effectLst/>
-                        <a:latin typeface="Segoe UI" panose="020B0502040204020203" pitchFamily="34" charset="0"/>
-                        <a:cs typeface="Segoe UI" panose="020B0502040204020203" pitchFamily="34" charset="0"/>
-                      </a:endParaRPr>
-                    </a:p>
-                  </a:txBody>
-                  <a:tcPr marL="55979" marR="55979" marT="0" marB="0" anchor="ctr">
-                    <a:solidFill>
-                      <a:srgbClr val="002B62"/>
-                    </a:solidFill>
-                  </a:tcPr>
-                </a:tc>
-                <a:tc>
-                  <a:txBody>
-                    <a:bodyPr/>
-                    <a:lstStyle/>
-                    <a:p>
-                      <a:pPr algn="l">
-                        <a:spcAft>
-                          <a:spcPts val="0"/>
-                        </a:spcAft>
-                      </a:pPr>
-                      <a:r>
-                        <a:rPr lang="en-US" altLang="ja-JP" sz="900" kern="100" baseline="0" dirty="0" smtClean="0">
-                          <a:effectLst/>
-                          <a:latin typeface="Segoe UI" panose="020B0502040204020203" pitchFamily="34" charset="0"/>
-                          <a:ea typeface="Segoe UI" panose="020B0502040204020203" pitchFamily="34" charset="0"/>
-                          <a:cs typeface="Segoe UI" panose="020B0502040204020203" pitchFamily="34" charset="0"/>
-                        </a:rPr>
-                        <a:t>For </a:t>
-                      </a:r>
-                      <a:r>
-                        <a:rPr lang="en-US" altLang="ja-JP" sz="900" kern="100" dirty="0" smtClean="0">
-                          <a:effectLst/>
-                          <a:latin typeface="Segoe UI" panose="020B0502040204020203" pitchFamily="34" charset="0"/>
-                          <a:ea typeface="Segoe UI" panose="020B0502040204020203" pitchFamily="34" charset="0"/>
-                          <a:cs typeface="Segoe UI" panose="020B0502040204020203" pitchFamily="34" charset="0"/>
-                        </a:rPr>
-                        <a:t>Cobbler</a:t>
-                      </a:r>
-                      <a:endParaRPr lang="ja-JP" altLang="ja-JP" sz="900" kern="100" dirty="0">
-                        <a:effectLst/>
-                        <a:latin typeface="Segoe UI" panose="020B0502040204020203" pitchFamily="34" charset="0"/>
-                        <a:ea typeface="ＭＳ 明朝" panose="02020609040205080304" pitchFamily="17" charset="-128"/>
-                        <a:cs typeface="Segoe UI" panose="020B0502040204020203" pitchFamily="34" charset="0"/>
-                      </a:endParaRPr>
-                    </a:p>
-                  </a:txBody>
-                  <a:tcPr marL="55979" marR="55979" marT="0" marB="0" anchor="ctr">
-                    <a:solidFill>
-                      <a:srgbClr val="E7E8EA"/>
-                    </a:solidFill>
-                  </a:tcPr>
-                </a:tc>
-                <a:tc>
-                  <a:txBody>
-                    <a:bodyPr/>
-                    <a:lstStyle/>
-                    <a:p>
-                      <a:pPr algn="ctr">
-                        <a:spcAft>
-                          <a:spcPts val="0"/>
-                        </a:spcAft>
-                      </a:pPr>
-                      <a:r>
-                        <a:rPr lang="en-US" sz="900" kern="100" dirty="0">
-                          <a:effectLst/>
-                          <a:latin typeface="Segoe UI" panose="020B0502040204020203" pitchFamily="34" charset="0"/>
-                          <a:ea typeface="Segoe UI" panose="020B0502040204020203" pitchFamily="34" charset="0"/>
-                          <a:cs typeface="Segoe UI" panose="020B0502040204020203" pitchFamily="34" charset="0"/>
-                        </a:rPr>
-                        <a:t>-</a:t>
-                      </a:r>
-                      <a:endParaRPr lang="ja-JP" sz="900" kern="100" dirty="0">
-                        <a:effectLst/>
-                        <a:latin typeface="Segoe UI" panose="020B0502040204020203" pitchFamily="34" charset="0"/>
-                        <a:ea typeface="ＭＳ 明朝" panose="02020609040205080304" pitchFamily="17" charset="-128"/>
-                        <a:cs typeface="Segoe UI" panose="020B0502040204020203" pitchFamily="34" charset="0"/>
-                      </a:endParaRPr>
-                    </a:p>
-                  </a:txBody>
-                  <a:tcPr marL="55979" marR="55979" marT="0" marB="0" anchor="ctr">
-                    <a:solidFill>
-                      <a:srgbClr val="E7E8EA"/>
-                    </a:solidFill>
-                  </a:tcPr>
-                </a:tc>
-                <a:tc>
-                  <a:txBody>
-                    <a:bodyPr/>
-                    <a:lstStyle/>
-                    <a:p>
-                      <a:pPr algn="l">
-                        <a:spcAft>
-                          <a:spcPts val="0"/>
-                        </a:spcAft>
-                      </a:pPr>
-                      <a:r>
-                        <a:rPr lang="en-US" sz="900" b="0" i="0" u="none" kern="100" dirty="0" smtClean="0">
-                          <a:solidFill>
-                            <a:srgbClr val="000000"/>
-                          </a:solidFill>
-                          <a:effectLst/>
-                          <a:latin typeface="Segoe UI" panose="020B0502040204020203" pitchFamily="34" charset="0"/>
-                          <a:ea typeface="Segoe UI" panose="020B0502040204020203" pitchFamily="34" charset="0"/>
-                          <a:cs typeface="Segoe UI" panose="020B0502040204020203" pitchFamily="34" charset="0"/>
-                        </a:rPr>
-                        <a:t>IP address to be set for </a:t>
-                      </a:r>
-                      <a:r>
-                        <a:rPr lang="en-US" altLang="ja-JP" sz="900" b="1" kern="100" dirty="0" smtClean="0">
-                          <a:effectLst/>
-                          <a:latin typeface="Segoe UI" panose="020B0502040204020203" pitchFamily="34" charset="0"/>
-                          <a:ea typeface="Segoe UI" panose="020B0502040204020203" pitchFamily="34" charset="0"/>
-                          <a:cs typeface="Segoe UI" panose="020B0502040204020203" pitchFamily="34" charset="0"/>
-                        </a:rPr>
-                        <a:t>domain-name-servers</a:t>
-                      </a:r>
-                      <a:r>
-                        <a:rPr lang="en-US" sz="900" b="0" i="0" u="none" kern="100" dirty="0" smtClean="0">
-                          <a:solidFill>
-                            <a:srgbClr val="000000"/>
-                          </a:solidFill>
-                          <a:effectLst/>
-                          <a:latin typeface="Segoe UI" panose="020B0502040204020203" pitchFamily="34" charset="0"/>
-                          <a:ea typeface="Segoe UI" panose="020B0502040204020203" pitchFamily="34" charset="0"/>
-                          <a:cs typeface="Segoe UI" panose="020B0502040204020203" pitchFamily="34" charset="0"/>
-                        </a:rPr>
-                        <a:t> of dhcp.template</a:t>
-                      </a:r>
-                      <a:endParaRPr lang="ja-JP" sz="900" kern="100" dirty="0">
-                        <a:effectLst/>
-                        <a:latin typeface="Segoe UI" panose="020B0502040204020203" pitchFamily="34" charset="0"/>
-                        <a:ea typeface="ＭＳ 明朝" panose="02020609040205080304" pitchFamily="17" charset="-128"/>
-                        <a:cs typeface="Segoe UI" panose="020B0502040204020203" pitchFamily="34" charset="0"/>
-                      </a:endParaRPr>
-                    </a:p>
-                  </a:txBody>
-                  <a:tcPr marL="55979" marR="55979" marT="0" marB="0" anchor="ctr">
-                    <a:solidFill>
-                      <a:srgbClr val="E7E8EA"/>
-                    </a:solidFill>
-                  </a:tcPr>
-                </a:tc>
-                <a:extLst>
-                  <a:ext uri="{0D108BD9-81ED-4DB2-BD59-A6C34878D82A}">
-                    <a16:rowId xmlns:a16="http://schemas.microsoft.com/office/drawing/2014/main" xmlns="" val="10010"/>
-                  </a:ext>
-                </a:extLst>
-              </a:tr>
-              <a:tr h="321517">
-                <a:tc>
-                  <a:txBody>
-                    <a:bodyPr/>
-                    <a:lstStyle/>
-                    <a:p>
-                      <a:pPr algn="just">
-                        <a:spcAft>
-                          <a:spcPts val="0"/>
-                        </a:spcAft>
-                      </a:pPr>
-                      <a:r>
-                        <a:rPr lang="en-US" sz="1000" kern="100" dirty="0" smtClean="0">
-                          <a:solidFill>
-                            <a:schemeClr val="bg1"/>
-                          </a:solidFill>
-                          <a:effectLst/>
-                          <a:latin typeface="Segoe UI" panose="020B0502040204020203" pitchFamily="34" charset="0"/>
-                          <a:ea typeface="Segoe UI" panose="020B0502040204020203" pitchFamily="34" charset="0"/>
-                          <a:cs typeface="Segoe UI" panose="020B0502040204020203" pitchFamily="34" charset="0"/>
-                        </a:rPr>
-                        <a:t>dynamic_address_min</a:t>
-                      </a:r>
-                      <a:endParaRPr lang="ja-JP" sz="1000" kern="100" dirty="0">
-                        <a:solidFill>
-                          <a:schemeClr val="bg1"/>
-                        </a:solidFill>
-                        <a:effectLst/>
-                        <a:latin typeface="Segoe UI" panose="020B0502040204020203" pitchFamily="34" charset="0"/>
-                        <a:cs typeface="Segoe UI" panose="020B0502040204020203" pitchFamily="34" charset="0"/>
-                      </a:endParaRPr>
-                    </a:p>
-                  </a:txBody>
-                  <a:tcPr marL="55979" marR="55979" marT="0" marB="0" anchor="ctr">
-                    <a:solidFill>
-                      <a:srgbClr val="002B62"/>
-                    </a:solidFill>
-                  </a:tcPr>
-                </a:tc>
-                <a:tc>
-                  <a:txBody>
-                    <a:bodyPr/>
-                    <a:lstStyle/>
-                    <a:p>
-                      <a:pPr algn="l">
-                        <a:spcAft>
-                          <a:spcPts val="0"/>
-                        </a:spcAft>
-                      </a:pPr>
-                      <a:r>
-                        <a:rPr lang="en-US" altLang="ja-JP" sz="900" kern="100" baseline="0" dirty="0" smtClean="0">
-                          <a:effectLst/>
-                          <a:latin typeface="Segoe UI" panose="020B0502040204020203" pitchFamily="34" charset="0"/>
-                          <a:ea typeface="Segoe UI" panose="020B0502040204020203" pitchFamily="34" charset="0"/>
-                          <a:cs typeface="Segoe UI" panose="020B0502040204020203" pitchFamily="34" charset="0"/>
-                        </a:rPr>
-                        <a:t>For </a:t>
-                      </a:r>
-                      <a:r>
-                        <a:rPr lang="en-US" altLang="ja-JP" sz="900" kern="100" dirty="0" smtClean="0">
-                          <a:effectLst/>
-                          <a:latin typeface="Segoe UI" panose="020B0502040204020203" pitchFamily="34" charset="0"/>
-                          <a:ea typeface="Segoe UI" panose="020B0502040204020203" pitchFamily="34" charset="0"/>
-                          <a:cs typeface="Segoe UI" panose="020B0502040204020203" pitchFamily="34" charset="0"/>
-                        </a:rPr>
-                        <a:t>Cobbler</a:t>
-                      </a:r>
-                      <a:endParaRPr lang="ja-JP" altLang="ja-JP" sz="900" kern="100" dirty="0">
-                        <a:effectLst/>
-                        <a:latin typeface="Segoe UI" panose="020B0502040204020203" pitchFamily="34" charset="0"/>
-                        <a:ea typeface="ＭＳ 明朝" panose="02020609040205080304" pitchFamily="17" charset="-128"/>
-                        <a:cs typeface="Segoe UI" panose="020B0502040204020203" pitchFamily="34" charset="0"/>
-                      </a:endParaRPr>
-                    </a:p>
-                  </a:txBody>
-                  <a:tcPr marL="55979" marR="55979" marT="0" marB="0" anchor="ctr">
-                    <a:solidFill>
-                      <a:srgbClr val="CBCDD3"/>
-                    </a:solidFill>
-                  </a:tcPr>
-                </a:tc>
-                <a:tc>
-                  <a:txBody>
-                    <a:bodyPr/>
-                    <a:lstStyle/>
-                    <a:p>
-                      <a:pPr algn="ctr">
-                        <a:spcAft>
-                          <a:spcPts val="0"/>
-                        </a:spcAft>
-                      </a:pPr>
-                      <a:r>
-                        <a:rPr lang="en-US" sz="900" kern="100" dirty="0">
-                          <a:effectLst/>
-                          <a:latin typeface="Segoe UI" panose="020B0502040204020203" pitchFamily="34" charset="0"/>
-                          <a:ea typeface="Segoe UI" panose="020B0502040204020203" pitchFamily="34" charset="0"/>
-                          <a:cs typeface="Segoe UI" panose="020B0502040204020203" pitchFamily="34" charset="0"/>
-                        </a:rPr>
-                        <a:t>-</a:t>
-                      </a:r>
-                      <a:endParaRPr lang="ja-JP" sz="900" kern="100" dirty="0">
-                        <a:effectLst/>
-                        <a:latin typeface="Segoe UI" panose="020B0502040204020203" pitchFamily="34" charset="0"/>
-                        <a:ea typeface="ＭＳ 明朝" panose="02020609040205080304" pitchFamily="17" charset="-128"/>
-                        <a:cs typeface="Segoe UI" panose="020B0502040204020203" pitchFamily="34" charset="0"/>
-                      </a:endParaRPr>
-                    </a:p>
-                  </a:txBody>
-                  <a:tcPr marL="55979" marR="55979" marT="0" marB="0" anchor="ctr">
-                    <a:solidFill>
-                      <a:srgbClr val="CBCDD3"/>
-                    </a:solidFill>
-                  </a:tcPr>
-                </a:tc>
-                <a:tc>
-                  <a:txBody>
-                    <a:bodyPr/>
-                    <a:lstStyle/>
-                    <a:p>
-                      <a:pPr algn="l">
-                        <a:spcAft>
-                          <a:spcPts val="0"/>
-                        </a:spcAft>
-                      </a:pPr>
-                      <a:r>
-                        <a:rPr lang="en-US" sz="900" b="0" i="0" u="none" kern="100" dirty="0" smtClean="0">
-                          <a:solidFill>
-                            <a:srgbClr val="000000"/>
-                          </a:solidFill>
-                          <a:effectLst/>
-                          <a:latin typeface="Segoe UI" panose="020B0502040204020203" pitchFamily="34" charset="0"/>
-                          <a:ea typeface="Segoe UI" panose="020B0502040204020203" pitchFamily="34" charset="0"/>
-                          <a:cs typeface="Segoe UI" panose="020B0502040204020203" pitchFamily="34" charset="0"/>
-                        </a:rPr>
-                        <a:t>IP address (minimum value) to be set for </a:t>
-                      </a:r>
-                      <a:r>
-                        <a:rPr lang="en-US" altLang="ja-JP" sz="900" b="1" kern="100" dirty="0" smtClean="0">
-                          <a:effectLst/>
-                          <a:latin typeface="Segoe UI" panose="020B0502040204020203" pitchFamily="34" charset="0"/>
-                          <a:ea typeface="Segoe UI" panose="020B0502040204020203" pitchFamily="34" charset="0"/>
-                          <a:cs typeface="Segoe UI" panose="020B0502040204020203" pitchFamily="34" charset="0"/>
-                        </a:rPr>
-                        <a:t>range dynamic-bootp</a:t>
-                      </a:r>
-                      <a:r>
-                        <a:rPr lang="en-US" sz="900" b="0" i="0" u="none" kern="100" dirty="0" smtClean="0">
-                          <a:solidFill>
-                            <a:srgbClr val="000000"/>
-                          </a:solidFill>
-                          <a:effectLst/>
-                          <a:latin typeface="Segoe UI" panose="020B0502040204020203" pitchFamily="34" charset="0"/>
-                          <a:ea typeface="Segoe UI" panose="020B0502040204020203" pitchFamily="34" charset="0"/>
-                          <a:cs typeface="Segoe UI" panose="020B0502040204020203" pitchFamily="34" charset="0"/>
-                        </a:rPr>
-                        <a:t> of dhcp.template</a:t>
-                      </a:r>
-                      <a:endParaRPr lang="ja-JP" sz="900" kern="100" dirty="0">
-                        <a:effectLst/>
-                        <a:latin typeface="Segoe UI" panose="020B0502040204020203" pitchFamily="34" charset="0"/>
-                        <a:ea typeface="ＭＳ 明朝" panose="02020609040205080304" pitchFamily="17" charset="-128"/>
-                        <a:cs typeface="Segoe UI" panose="020B0502040204020203" pitchFamily="34" charset="0"/>
-                      </a:endParaRPr>
-                    </a:p>
-                  </a:txBody>
-                  <a:tcPr marL="55979" marR="55979" marT="0" marB="0" anchor="ctr">
-                    <a:solidFill>
-                      <a:srgbClr val="CBCDD3"/>
-                    </a:solidFill>
-                  </a:tcPr>
-                </a:tc>
-                <a:extLst>
-                  <a:ext uri="{0D108BD9-81ED-4DB2-BD59-A6C34878D82A}">
-                    <a16:rowId xmlns:a16="http://schemas.microsoft.com/office/drawing/2014/main" xmlns="" val="10011"/>
-                  </a:ext>
-                </a:extLst>
-              </a:tr>
-              <a:tr h="321517">
-                <a:tc>
-                  <a:txBody>
-                    <a:bodyPr/>
-                    <a:lstStyle/>
-                    <a:p>
-                      <a:pPr algn="just">
-                        <a:spcAft>
-                          <a:spcPts val="0"/>
-                        </a:spcAft>
-                      </a:pPr>
-                      <a:r>
-                        <a:rPr lang="en-US" sz="1000" kern="100" dirty="0" smtClean="0">
-                          <a:solidFill>
-                            <a:schemeClr val="bg1"/>
-                          </a:solidFill>
-                          <a:effectLst/>
-                          <a:latin typeface="Segoe UI" panose="020B0502040204020203" pitchFamily="34" charset="0"/>
-                          <a:ea typeface="Segoe UI" panose="020B0502040204020203" pitchFamily="34" charset="0"/>
-                          <a:cs typeface="Segoe UI" panose="020B0502040204020203" pitchFamily="34" charset="0"/>
-                        </a:rPr>
-                        <a:t>dynamic_address_max</a:t>
-                      </a:r>
-                      <a:endParaRPr lang="ja-JP" sz="1000" kern="100" dirty="0">
-                        <a:solidFill>
-                          <a:schemeClr val="bg1"/>
-                        </a:solidFill>
-                        <a:effectLst/>
-                        <a:latin typeface="Segoe UI" panose="020B0502040204020203" pitchFamily="34" charset="0"/>
-                        <a:cs typeface="Segoe UI" panose="020B0502040204020203" pitchFamily="34" charset="0"/>
-                      </a:endParaRPr>
-                    </a:p>
-                  </a:txBody>
-                  <a:tcPr marL="55979" marR="55979" marT="0" marB="0" anchor="ctr">
-                    <a:solidFill>
-                      <a:srgbClr val="002B62"/>
-                    </a:solidFill>
-                  </a:tcPr>
-                </a:tc>
-                <a:tc>
-                  <a:txBody>
-                    <a:bodyPr/>
-                    <a:lstStyle/>
-                    <a:p>
-                      <a:pPr algn="l">
-                        <a:spcAft>
-                          <a:spcPts val="0"/>
-                        </a:spcAft>
-                      </a:pPr>
-                      <a:r>
-                        <a:rPr lang="en-US" altLang="ja-JP" sz="900" kern="100" baseline="0" dirty="0" smtClean="0">
-                          <a:effectLst/>
-                          <a:latin typeface="Segoe UI" panose="020B0502040204020203" pitchFamily="34" charset="0"/>
-                          <a:ea typeface="Segoe UI" panose="020B0502040204020203" pitchFamily="34" charset="0"/>
-                          <a:cs typeface="Segoe UI" panose="020B0502040204020203" pitchFamily="34" charset="0"/>
-                        </a:rPr>
-                        <a:t>For </a:t>
-                      </a:r>
-                      <a:r>
-                        <a:rPr lang="en-US" altLang="ja-JP" sz="900" kern="100" dirty="0" smtClean="0">
-                          <a:effectLst/>
-                          <a:latin typeface="Segoe UI" panose="020B0502040204020203" pitchFamily="34" charset="0"/>
-                          <a:ea typeface="Segoe UI" panose="020B0502040204020203" pitchFamily="34" charset="0"/>
-                          <a:cs typeface="Segoe UI" panose="020B0502040204020203" pitchFamily="34" charset="0"/>
-                        </a:rPr>
-                        <a:t>Cobbler</a:t>
-                      </a:r>
-                      <a:endParaRPr lang="ja-JP" altLang="ja-JP" sz="900" kern="100" dirty="0">
-                        <a:effectLst/>
-                        <a:latin typeface="Segoe UI" panose="020B0502040204020203" pitchFamily="34" charset="0"/>
-                        <a:ea typeface="ＭＳ 明朝" panose="02020609040205080304" pitchFamily="17" charset="-128"/>
-                        <a:cs typeface="Segoe UI" panose="020B0502040204020203" pitchFamily="34" charset="0"/>
-                      </a:endParaRPr>
-                    </a:p>
-                  </a:txBody>
-                  <a:tcPr marL="55979" marR="55979" marT="0" marB="0" anchor="ctr">
-                    <a:solidFill>
-                      <a:srgbClr val="E7E8EA"/>
-                    </a:solidFill>
-                  </a:tcPr>
-                </a:tc>
-                <a:tc>
-                  <a:txBody>
-                    <a:bodyPr/>
-                    <a:lstStyle/>
-                    <a:p>
-                      <a:pPr algn="ctr">
-                        <a:spcAft>
-                          <a:spcPts val="0"/>
-                        </a:spcAft>
-                      </a:pPr>
-                      <a:r>
-                        <a:rPr lang="en-US" sz="900" kern="100" dirty="0">
-                          <a:effectLst/>
-                          <a:latin typeface="Segoe UI" panose="020B0502040204020203" pitchFamily="34" charset="0"/>
-                          <a:ea typeface="Segoe UI" panose="020B0502040204020203" pitchFamily="34" charset="0"/>
-                          <a:cs typeface="Segoe UI" panose="020B0502040204020203" pitchFamily="34" charset="0"/>
-                        </a:rPr>
-                        <a:t>-</a:t>
-                      </a:r>
-                      <a:endParaRPr lang="ja-JP" sz="900" kern="100" dirty="0">
-                        <a:effectLst/>
-                        <a:latin typeface="Segoe UI" panose="020B0502040204020203" pitchFamily="34" charset="0"/>
-                        <a:ea typeface="ＭＳ 明朝" panose="02020609040205080304" pitchFamily="17" charset="-128"/>
-                        <a:cs typeface="Segoe UI" panose="020B0502040204020203" pitchFamily="34" charset="0"/>
-                      </a:endParaRPr>
-                    </a:p>
-                  </a:txBody>
-                  <a:tcPr marL="55979" marR="55979" marT="0" marB="0" anchor="ctr">
-                    <a:solidFill>
-                      <a:srgbClr val="E7E8EA"/>
-                    </a:solidFill>
-                  </a:tcPr>
-                </a:tc>
-                <a:tc>
-                  <a:txBody>
-                    <a:bodyPr/>
-                    <a:lstStyle/>
-                    <a:p>
-                      <a:pPr algn="l">
-                        <a:spcAft>
-                          <a:spcPts val="0"/>
-                        </a:spcAft>
-                      </a:pPr>
-                      <a:r>
-                        <a:rPr lang="en-US" sz="900" b="0" i="0" u="none" kern="100" dirty="0" smtClean="0">
-                          <a:solidFill>
-                            <a:srgbClr val="000000"/>
-                          </a:solidFill>
-                          <a:effectLst/>
-                          <a:latin typeface="Segoe UI" panose="020B0502040204020203" pitchFamily="34" charset="0"/>
-                          <a:ea typeface="Segoe UI" panose="020B0502040204020203" pitchFamily="34" charset="0"/>
-                          <a:cs typeface="Segoe UI" panose="020B0502040204020203" pitchFamily="34" charset="0"/>
-                        </a:rPr>
-                        <a:t>IP address (maximum value) to be set for </a:t>
-                      </a:r>
-                      <a:r>
-                        <a:rPr lang="en-US" sz="900" b="1" i="0" u="none" kern="100" dirty="0" smtClean="0">
-                          <a:solidFill>
-                            <a:srgbClr val="000000"/>
-                          </a:solidFill>
-                          <a:effectLst/>
-                          <a:latin typeface="Segoe UI" panose="020B0502040204020203" pitchFamily="34" charset="0"/>
-                          <a:ea typeface="Segoe UI" panose="020B0502040204020203" pitchFamily="34" charset="0"/>
-                          <a:cs typeface="Segoe UI" panose="020B0502040204020203" pitchFamily="34" charset="0"/>
-                        </a:rPr>
-                        <a:t>range dynamic-bootp</a:t>
-                      </a:r>
-                      <a:r>
-                        <a:rPr lang="en-US" sz="900" b="0" i="0" u="none" kern="100" dirty="0" smtClean="0">
-                          <a:solidFill>
-                            <a:srgbClr val="000000"/>
-                          </a:solidFill>
-                          <a:effectLst/>
-                          <a:latin typeface="Segoe UI" panose="020B0502040204020203" pitchFamily="34" charset="0"/>
-                          <a:ea typeface="Segoe UI" panose="020B0502040204020203" pitchFamily="34" charset="0"/>
-                          <a:cs typeface="Segoe UI" panose="020B0502040204020203" pitchFamily="34" charset="0"/>
-                        </a:rPr>
-                        <a:t> of dhcp.template</a:t>
-                      </a:r>
-                      <a:endParaRPr lang="ja-JP" sz="900" b="0" i="0" u="none" kern="100" dirty="0">
-                        <a:solidFill>
-                          <a:srgbClr val="000000"/>
-                        </a:solidFill>
-                        <a:effectLst/>
-                        <a:latin typeface="Segoe UI" panose="020B0502040204020203" pitchFamily="34" charset="0"/>
-                        <a:ea typeface="ＭＳ 明朝" panose="02020609040205080304" pitchFamily="17" charset="-128"/>
-                        <a:cs typeface="Segoe UI" panose="020B0502040204020203" pitchFamily="34" charset="0"/>
-                      </a:endParaRPr>
-                    </a:p>
-                  </a:txBody>
-                  <a:tcPr marL="55979" marR="55979" marT="0" marB="0" anchor="ctr">
-                    <a:solidFill>
-                      <a:srgbClr val="E7E8EA"/>
-                    </a:solidFill>
-                  </a:tcPr>
-                </a:tc>
-                <a:extLst>
-                  <a:ext uri="{0D108BD9-81ED-4DB2-BD59-A6C34878D82A}">
-                    <a16:rowId xmlns:a16="http://schemas.microsoft.com/office/drawing/2014/main" xmlns="" val="10012"/>
+                    <a16:rowId xmlns:a16="http://schemas.microsoft.com/office/drawing/2014/main" val="10004"/>
                   </a:ext>
                 </a:extLst>
               </a:tr>
@@ -14552,7 +12905,7 @@
         <p:spPr>
           <a:xfrm>
             <a:off x="2303685" y="1647202"/>
-            <a:ext cx="4536630" cy="4626628"/>
+            <a:ext cx="4536630" cy="1845799"/>
           </a:xfrm>
           <a:prstGeom prst="rect">
             <a:avLst/>
@@ -14611,7 +12964,24 @@
                 <a:ea typeface="Segoe UI" panose="020B0502040204020203" pitchFamily="34" charset="0"/>
                 <a:cs typeface="Segoe UI" panose="020B0502040204020203" pitchFamily="34" charset="0"/>
               </a:rPr>
-              <a:t># Select Operation System. ("CentOS6","CentOS7","RHEL6","RHEL7")</a:t>
+              <a:t># Select Operation System. ("</a:t>
+            </a:r>
+            <a:r>
+              <a:rPr kumimoji="0" lang="en-US" sz="900" b="0" i="0" u="none" strike="noStrike" kern="100" cap="none" spc="0" normalizeH="0" baseline="0" noProof="0" dirty="0" smtClean="0">
+                <a:ln>
+                  <a:noFill/>
+                </a:ln>
+                <a:solidFill>
+                  <a:sysClr val="window" lastClr="FFFFFF"/>
+                </a:solidFill>
+                <a:effectLst/>
+                <a:uLnTx/>
+                <a:uFillTx/>
+                <a:latin typeface="Segoe UI" panose="020B0502040204020203" pitchFamily="34" charset="0"/>
+                <a:ea typeface="Segoe UI" panose="020B0502040204020203" pitchFamily="34" charset="0"/>
+                <a:cs typeface="Segoe UI" panose="020B0502040204020203" pitchFamily="34" charset="0"/>
+              </a:rPr>
+              <a:t>CentOS7","CentOS8","RHEL7","RHEL8")</a:t>
             </a:r>
             <a:endParaRPr kumimoji="0" lang="ja-JP" altLang="en-US" sz="1050" b="0" i="0" u="none" strike="noStrike" kern="100" cap="none" spc="0" normalizeH="0" baseline="0" noProof="0" dirty="0">
               <a:ln>
@@ -14661,7 +13031,24 @@
                 <a:ea typeface="Segoe UI" panose="020B0502040204020203" pitchFamily="34" charset="0"/>
                 <a:cs typeface="Segoe UI" panose="020B0502040204020203" pitchFamily="34" charset="0"/>
               </a:rPr>
-              <a:t># e.g) linux_os:RHEL7</a:t>
+              <a:t># e.g) </a:t>
+            </a:r>
+            <a:r>
+              <a:rPr kumimoji="0" lang="en-US" sz="900" b="0" i="0" u="none" strike="noStrike" kern="100" cap="none" spc="0" normalizeH="0" baseline="0" noProof="0" dirty="0" smtClean="0">
+                <a:ln>
+                  <a:noFill/>
+                </a:ln>
+                <a:solidFill>
+                  <a:sysClr val="window" lastClr="FFFFFF"/>
+                </a:solidFill>
+                <a:effectLst/>
+                <a:uLnTx/>
+                <a:uFillTx/>
+                <a:latin typeface="Segoe UI" panose="020B0502040204020203" pitchFamily="34" charset="0"/>
+                <a:ea typeface="Segoe UI" panose="020B0502040204020203" pitchFamily="34" charset="0"/>
+                <a:cs typeface="Segoe UI" panose="020B0502040204020203" pitchFamily="34" charset="0"/>
+              </a:rPr>
+              <a:t>linux_os:RHEL8</a:t>
             </a:r>
             <a:endParaRPr kumimoji="0" lang="ja-JP" altLang="en-US" sz="1050" b="0" i="0" u="none" strike="noStrike" kern="100" cap="none" spc="0" normalizeH="0" baseline="0" noProof="0" dirty="0">
               <a:ln>
@@ -14711,7 +13098,24 @@
                 <a:ea typeface="Segoe UI" panose="020B0502040204020203" pitchFamily="34" charset="0"/>
                 <a:cs typeface="Segoe UI" panose="020B0502040204020203" pitchFamily="34" charset="0"/>
               </a:rPr>
-              <a:t>linux_os: RHEL7</a:t>
+              <a:t>linux_os: </a:t>
+            </a:r>
+            <a:r>
+              <a:rPr kumimoji="0" lang="en-US" sz="900" b="0" i="0" u="none" strike="noStrike" kern="100" cap="none" spc="0" normalizeH="0" baseline="0" noProof="0" dirty="0" smtClean="0">
+                <a:ln>
+                  <a:noFill/>
+                </a:ln>
+                <a:solidFill>
+                  <a:sysClr val="window" lastClr="FFFFFF"/>
+                </a:solidFill>
+                <a:effectLst/>
+                <a:uLnTx/>
+                <a:uFillTx/>
+                <a:latin typeface="Segoe UI" panose="020B0502040204020203" pitchFamily="34" charset="0"/>
+                <a:ea typeface="Segoe UI" panose="020B0502040204020203" pitchFamily="34" charset="0"/>
+                <a:cs typeface="Segoe UI" panose="020B0502040204020203" pitchFamily="34" charset="0"/>
+              </a:rPr>
+              <a:t>RHEL7</a:t>
             </a:r>
             <a:endParaRPr kumimoji="0" lang="ja-JP" altLang="en-US" sz="1050" b="0" i="0" u="none" strike="noStrike" kern="100" cap="none" spc="0" normalizeH="0" baseline="0" noProof="0" dirty="0">
               <a:ln>
@@ -14861,7 +13265,58 @@
                 <a:ea typeface="Segoe UI" panose="020B0502040204020203" pitchFamily="34" charset="0"/>
                 <a:cs typeface="Segoe UI" panose="020B0502040204020203" pitchFamily="34" charset="0"/>
               </a:rPr>
-              <a:t>#Only when you select linux_os with RHEL6 or RHEL7</a:t>
+              <a:t>#Only when you select linux_os with </a:t>
+            </a:r>
+            <a:r>
+              <a:rPr kumimoji="0" lang="en-US" sz="900" b="0" i="0" u="none" strike="noStrike" kern="100" cap="none" spc="0" normalizeH="0" baseline="0" noProof="0" dirty="0" smtClean="0">
+                <a:ln>
+                  <a:noFill/>
+                </a:ln>
+                <a:solidFill>
+                  <a:sysClr val="window" lastClr="FFFFFF"/>
+                </a:solidFill>
+                <a:effectLst/>
+                <a:uLnTx/>
+                <a:uFillTx/>
+                <a:latin typeface="Segoe UI" panose="020B0502040204020203" pitchFamily="34" charset="0"/>
+                <a:ea typeface="Segoe UI" panose="020B0502040204020203" pitchFamily="34" charset="0"/>
+                <a:cs typeface="Segoe UI" panose="020B0502040204020203" pitchFamily="34" charset="0"/>
+              </a:rPr>
+              <a:t>RHEL7 </a:t>
+            </a:r>
+            <a:r>
+              <a:rPr kumimoji="0" lang="en-US" sz="900" b="0" i="0" u="none" strike="noStrike" kern="100" cap="none" spc="0" normalizeH="0" baseline="0" noProof="0" dirty="0">
+                <a:ln>
+                  <a:noFill/>
+                </a:ln>
+                <a:solidFill>
+                  <a:sysClr val="window" lastClr="FFFFFF"/>
+                </a:solidFill>
+                <a:effectLst/>
+                <a:uLnTx/>
+                <a:uFillTx/>
+                <a:latin typeface="Segoe UI" panose="020B0502040204020203" pitchFamily="34" charset="0"/>
+                <a:ea typeface="Segoe UI" panose="020B0502040204020203" pitchFamily="34" charset="0"/>
+                <a:cs typeface="Segoe UI" panose="020B0502040204020203" pitchFamily="34" charset="0"/>
+              </a:rPr>
+              <a:t>or </a:t>
+            </a:r>
+            <a:r>
+              <a:rPr kumimoji="0" lang="en-US" sz="900" b="0" i="0" u="none" strike="noStrike" kern="100" cap="none" spc="0" normalizeH="0" baseline="0" noProof="0" dirty="0" smtClean="0">
+                <a:ln>
+                  <a:noFill/>
+                </a:ln>
+                <a:solidFill>
+                  <a:sysClr val="window" lastClr="FFFFFF"/>
+                </a:solidFill>
+                <a:effectLst/>
+                <a:uLnTx/>
+                <a:uFillTx/>
+                <a:latin typeface="Segoe UI" panose="020B0502040204020203" pitchFamily="34" charset="0"/>
+                <a:ea typeface="Segoe UI" panose="020B0502040204020203" pitchFamily="34" charset="0"/>
+                <a:cs typeface="Segoe UI" panose="020B0502040204020203" pitchFamily="34" charset="0"/>
+              </a:rPr>
+              <a:t>RHEL8</a:t>
             </a:r>
             <a:endParaRPr kumimoji="0" lang="ja-JP" altLang="en-US" sz="1050" b="0" i="0" u="none" strike="noStrike" kern="100" cap="none" spc="0" normalizeH="0" baseline="0" noProof="0" dirty="0">
               <a:ln>
@@ -17510,60 +15965,6 @@
           </a:p>
         </p:txBody>
       </p:sp>
-      <p:sp>
-        <p:nvSpPr>
-          <p:cNvPr id="26" name="正方形/長方形 25"/>
-          <p:cNvSpPr/>
-          <p:nvPr/>
-        </p:nvSpPr>
-        <p:spPr>
-          <a:xfrm>
-            <a:off x="2365027" y="3680890"/>
-            <a:ext cx="3492000" cy="2556000"/>
-          </a:xfrm>
-          <a:prstGeom prst="rect">
-            <a:avLst/>
-          </a:prstGeom>
-          <a:noFill/>
-          <a:ln>
-            <a:solidFill>
-              <a:srgbClr val="FF0000"/>
-            </a:solidFill>
-            <a:prstDash val="sysDash"/>
-          </a:ln>
-        </p:spPr>
-        <p:style>
-          <a:lnRef idx="2">
-            <a:schemeClr val="accent1">
-              <a:shade val="50000"/>
-            </a:schemeClr>
-          </a:lnRef>
-          <a:fillRef idx="1">
-            <a:schemeClr val="accent1"/>
-          </a:fillRef>
-          <a:effectRef idx="0">
-            <a:schemeClr val="accent1"/>
-          </a:effectRef>
-          <a:fontRef idx="minor">
-            <a:schemeClr val="lt1"/>
-          </a:fontRef>
-        </p:style>
-        <p:txBody>
-          <a:bodyPr rot="0" spcFirstLastPara="0" vert="horz" wrap="square" lIns="91440" tIns="45720" rIns="91440" bIns="45720" numCol="1" spcCol="0" rtlCol="0" fromWordArt="0" anchor="ctr" anchorCtr="0" forceAA="0" compatLnSpc="1">
-            <a:prstTxWarp prst="textNoShape">
-              <a:avLst/>
-            </a:prstTxWarp>
-            <a:noAutofit/>
-          </a:bodyPr>
-          <a:lstStyle/>
-          <a:p>
-            <a:endParaRPr lang="ja-JP" altLang="en-US" dirty="0">
-              <a:latin typeface="Segoe UI" panose="020B0502040204020203" pitchFamily="34" charset="0"/>
-              <a:cs typeface="Segoe UI" panose="020B0502040204020203" pitchFamily="34" charset="0"/>
-            </a:endParaRPr>
-          </a:p>
-        </p:txBody>
-      </p:sp>
       <p:cxnSp>
         <p:nvCxnSpPr>
           <p:cNvPr id="27" name="直線コネクタ 26"/>
@@ -17573,581 +15974,6 @@
         <p:spPr bwMode="auto">
           <a:xfrm>
             <a:off x="5974429" y="2803982"/>
-            <a:ext cx="1080000" cy="0"/>
-          </a:xfrm>
-          <a:prstGeom prst="line">
-            <a:avLst/>
-          </a:prstGeom>
-          <a:solidFill>
-            <a:schemeClr val="bg1"/>
-          </a:solidFill>
-          <a:ln w="19050" cap="flat" cmpd="sng" algn="ctr">
-            <a:solidFill>
-              <a:srgbClr val="FF0000"/>
-            </a:solidFill>
-            <a:prstDash val="dash"/>
-            <a:round/>
-            <a:headEnd type="none" w="med" len="med"/>
-            <a:tailEnd type="none" w="med" len="med"/>
-          </a:ln>
-          <a:effectLst/>
-          <a:extLst>
-            <a:ext uri="{AF507438-7753-43E0-B8FC-AC1667EBCBE1}">
-              <a14:hiddenEffects xmlns:a14="http://schemas.microsoft.com/office/drawing/2010/main">
-                <a:effectLst>
-                  <a:outerShdw dist="35921" dir="2700000" algn="ctr" rotWithShape="0">
-                    <a:schemeClr val="tx1">
-                      <a:alpha val="50000"/>
-                    </a:schemeClr>
-                  </a:outerShdw>
-                </a:effectLst>
-              </a14:hiddenEffects>
-            </a:ext>
-          </a:extLst>
-        </p:spPr>
-      </p:cxnSp>
-      <p:sp>
-        <p:nvSpPr>
-          <p:cNvPr id="28" name="角丸四角形 27"/>
-          <p:cNvSpPr/>
-          <p:nvPr/>
-        </p:nvSpPr>
-        <p:spPr bwMode="auto">
-          <a:xfrm>
-            <a:off x="7164360" y="4582202"/>
-            <a:ext cx="1728240" cy="1727198"/>
-          </a:xfrm>
-          <a:prstGeom prst="roundRect">
-            <a:avLst/>
-          </a:prstGeom>
-          <a:noFill/>
-          <a:ln w="12700">
-            <a:solidFill>
-              <a:srgbClr val="C00000"/>
-            </a:solidFill>
-          </a:ln>
-          <a:effectLst/>
-          <a:extLst/>
-        </p:spPr>
-        <p:txBody>
-          <a:bodyPr rot="0" spcFirstLastPara="0" vertOverflow="overflow" horzOverflow="overflow" vert="horz" wrap="square" lIns="36000" tIns="72000" rIns="36000" bIns="36000" numCol="1" spcCol="0" rtlCol="0" fromWordArt="0" anchor="ctr" anchorCtr="0" forceAA="0" compatLnSpc="1">
-            <a:prstTxWarp prst="textNoShape">
-              <a:avLst/>
-            </a:prstTxWarp>
-            <a:noAutofit/>
-          </a:bodyPr>
-          <a:lstStyle/>
-          <a:p>
-            <a:pPr algn="ctr"/>
-            <a:r>
-              <a:rPr lang="en-US" altLang="ja-JP" sz="1200" b="1" dirty="0" smtClean="0">
-                <a:solidFill>
-                  <a:srgbClr val="FF0000"/>
-                </a:solidFill>
-                <a:latin typeface="Segoe UI" panose="020B0502040204020203" pitchFamily="34" charset="0"/>
-                <a:ea typeface="Segoe UI" panose="020B0502040204020203" pitchFamily="34" charset="0"/>
-                <a:cs typeface="Segoe UI" panose="020B0502040204020203" pitchFamily="34" charset="0"/>
-              </a:rPr>
-              <a:t>Entering values for these items is unnecessary because this procedure does not require installing the Cobbler driver.</a:t>
-            </a:r>
-            <a:endParaRPr kumimoji="1" lang="ja-JP" altLang="en-US" sz="1200" b="1" dirty="0" smtClean="0">
-              <a:solidFill>
-                <a:srgbClr val="FF0000"/>
-              </a:solidFill>
-              <a:latin typeface="Segoe UI" panose="020B0502040204020203" pitchFamily="34" charset="0"/>
-              <a:cs typeface="Segoe UI" panose="020B0502040204020203" pitchFamily="34" charset="0"/>
-            </a:endParaRPr>
-          </a:p>
-        </p:txBody>
-      </p:sp>
-      <p:grpSp>
-        <p:nvGrpSpPr>
-          <p:cNvPr id="29" name="グループ化 28"/>
-          <p:cNvGrpSpPr/>
-          <p:nvPr/>
-        </p:nvGrpSpPr>
-        <p:grpSpPr>
-          <a:xfrm>
-            <a:off x="6908793" y="4293120"/>
-            <a:ext cx="565503" cy="549789"/>
-            <a:chOff x="162795" y="3812178"/>
-            <a:chExt cx="565503" cy="549789"/>
-          </a:xfrm>
-        </p:grpSpPr>
-        <p:sp>
-          <p:nvSpPr>
-            <p:cNvPr id="30" name="円/楕円 44"/>
-            <p:cNvSpPr/>
-            <p:nvPr/>
-          </p:nvSpPr>
-          <p:spPr bwMode="auto">
-            <a:xfrm>
-              <a:off x="162795" y="3812178"/>
-              <a:ext cx="565503" cy="549789"/>
-            </a:xfrm>
-            <a:prstGeom prst="ellipse">
-              <a:avLst/>
-            </a:prstGeom>
-            <a:gradFill flip="none" rotWithShape="1">
-              <a:gsLst>
-                <a:gs pos="0">
-                  <a:schemeClr val="accent2"/>
-                </a:gs>
-                <a:gs pos="41000">
-                  <a:schemeClr val="accent2">
-                    <a:lumMod val="60000"/>
-                    <a:lumOff val="40000"/>
-                    <a:shade val="67500"/>
-                    <a:satMod val="115000"/>
-                  </a:schemeClr>
-                </a:gs>
-                <a:gs pos="100000">
-                  <a:schemeClr val="accent2">
-                    <a:lumMod val="60000"/>
-                    <a:lumOff val="40000"/>
-                  </a:schemeClr>
-                </a:gs>
-              </a:gsLst>
-              <a:lin ang="16200000" scaled="0"/>
-              <a:tileRect/>
-            </a:gradFill>
-            <a:ln>
-              <a:noFill/>
-            </a:ln>
-            <a:effectLst/>
-            <a:extLst/>
-          </p:spPr>
-          <p:txBody>
-            <a:bodyPr rot="0" spcFirstLastPara="0" vertOverflow="overflow" horzOverflow="overflow" vert="horz" wrap="none" lIns="36000" tIns="72000" rIns="36000" bIns="36000" numCol="1" spcCol="0" rtlCol="0" fromWordArt="0" anchor="ctr" anchorCtr="0" forceAA="0" compatLnSpc="1">
-              <a:prstTxWarp prst="textNoShape">
-                <a:avLst/>
-              </a:prstTxWarp>
-              <a:noAutofit/>
-            </a:bodyPr>
-            <a:lstStyle/>
-            <a:p>
-              <a:pPr algn="ctr"/>
-              <a:endParaRPr lang="ja-JP" altLang="en-US" sz="1200" b="1" dirty="0">
-                <a:solidFill>
-                  <a:schemeClr val="bg1"/>
-                </a:solidFill>
-                <a:latin typeface="Segoe UI" panose="020B0502040204020203" pitchFamily="34" charset="0"/>
-                <a:cs typeface="Segoe UI" panose="020B0502040204020203" pitchFamily="34" charset="0"/>
-              </a:endParaRPr>
-            </a:p>
-          </p:txBody>
-        </p:sp>
-        <p:sp>
-          <p:nvSpPr>
-            <p:cNvPr id="31" name="テキスト ボックス 30"/>
-            <p:cNvSpPr txBox="1"/>
-            <p:nvPr/>
-          </p:nvSpPr>
-          <p:spPr>
-            <a:xfrm>
-              <a:off x="233240" y="4033625"/>
-              <a:ext cx="424611" cy="106893"/>
-            </a:xfrm>
-            <a:custGeom>
-              <a:avLst/>
-              <a:gdLst/>
-              <a:ahLst/>
-              <a:cxnLst/>
-              <a:rect l="l" t="t" r="r" b="b"/>
-              <a:pathLst>
-                <a:path w="424611" h="106893">
-                  <a:moveTo>
-                    <a:pt x="20512" y="18247"/>
-                  </a:moveTo>
-                  <a:cubicBezTo>
-                    <a:pt x="20512" y="30003"/>
-                    <a:pt x="20512" y="41759"/>
-                    <a:pt x="20512" y="53515"/>
-                  </a:cubicBezTo>
-                  <a:cubicBezTo>
-                    <a:pt x="22346" y="53515"/>
-                    <a:pt x="24180" y="53515"/>
-                    <a:pt x="26015" y="53515"/>
-                  </a:cubicBezTo>
-                  <a:cubicBezTo>
-                    <a:pt x="36354" y="53515"/>
-                    <a:pt x="43201" y="51960"/>
-                    <a:pt x="46557" y="48851"/>
-                  </a:cubicBezTo>
-                  <a:cubicBezTo>
-                    <a:pt x="49913" y="45742"/>
-                    <a:pt x="51591" y="40965"/>
-                    <a:pt x="51591" y="34519"/>
-                  </a:cubicBezTo>
-                  <a:cubicBezTo>
-                    <a:pt x="51591" y="29209"/>
-                    <a:pt x="49976" y="25169"/>
-                    <a:pt x="46745" y="22400"/>
-                  </a:cubicBezTo>
-                  <a:cubicBezTo>
-                    <a:pt x="43514" y="19631"/>
-                    <a:pt x="37125" y="18247"/>
-                    <a:pt x="27578" y="18247"/>
-                  </a:cubicBezTo>
-                  <a:cubicBezTo>
-                    <a:pt x="25222" y="18247"/>
-                    <a:pt x="22867" y="18247"/>
-                    <a:pt x="20512" y="18247"/>
-                  </a:cubicBezTo>
-                  <a:close/>
-                  <a:moveTo>
-                    <a:pt x="125528" y="16204"/>
-                  </a:moveTo>
-                  <a:cubicBezTo>
-                    <a:pt x="118066" y="16204"/>
-                    <a:pt x="112125" y="19450"/>
-                    <a:pt x="107706" y="25941"/>
-                  </a:cubicBezTo>
-                  <a:cubicBezTo>
-                    <a:pt x="103287" y="32431"/>
-                    <a:pt x="101077" y="41623"/>
-                    <a:pt x="101077" y="53515"/>
-                  </a:cubicBezTo>
-                  <a:cubicBezTo>
-                    <a:pt x="101077" y="65362"/>
-                    <a:pt x="103287" y="74519"/>
-                    <a:pt x="107706" y="80987"/>
-                  </a:cubicBezTo>
-                  <a:cubicBezTo>
-                    <a:pt x="112125" y="87455"/>
-                    <a:pt x="118066" y="90689"/>
-                    <a:pt x="125528" y="90689"/>
-                  </a:cubicBezTo>
-                  <a:cubicBezTo>
-                    <a:pt x="132949" y="90689"/>
-                    <a:pt x="138869" y="87432"/>
-                    <a:pt x="143288" y="80919"/>
-                  </a:cubicBezTo>
-                  <a:cubicBezTo>
-                    <a:pt x="147707" y="74405"/>
-                    <a:pt x="149917" y="65248"/>
-                    <a:pt x="149917" y="53447"/>
-                  </a:cubicBezTo>
-                  <a:cubicBezTo>
-                    <a:pt x="149917" y="41600"/>
-                    <a:pt x="147718" y="32431"/>
-                    <a:pt x="143319" y="25941"/>
-                  </a:cubicBezTo>
-                  <a:cubicBezTo>
-                    <a:pt x="138921" y="19450"/>
-                    <a:pt x="132991" y="16204"/>
-                    <a:pt x="125528" y="16204"/>
-                  </a:cubicBezTo>
-                  <a:close/>
-                  <a:moveTo>
-                    <a:pt x="342065" y="2111"/>
-                  </a:moveTo>
-                  <a:cubicBezTo>
-                    <a:pt x="369581" y="2111"/>
-                    <a:pt x="397096" y="2111"/>
-                    <a:pt x="424611" y="2111"/>
-                  </a:cubicBezTo>
-                  <a:cubicBezTo>
-                    <a:pt x="424611" y="7785"/>
-                    <a:pt x="424611" y="13458"/>
-                    <a:pt x="424611" y="19132"/>
-                  </a:cubicBezTo>
-                  <a:cubicBezTo>
-                    <a:pt x="414293" y="19132"/>
-                    <a:pt x="403975" y="19132"/>
-                    <a:pt x="393656" y="19132"/>
-                  </a:cubicBezTo>
-                  <a:cubicBezTo>
-                    <a:pt x="393656" y="47660"/>
-                    <a:pt x="393656" y="76187"/>
-                    <a:pt x="393656" y="104715"/>
-                  </a:cubicBezTo>
-                  <a:cubicBezTo>
-                    <a:pt x="386778" y="104715"/>
-                    <a:pt x="379899" y="104715"/>
-                    <a:pt x="373020" y="104715"/>
-                  </a:cubicBezTo>
-                  <a:cubicBezTo>
-                    <a:pt x="373020" y="76187"/>
-                    <a:pt x="373020" y="47660"/>
-                    <a:pt x="373020" y="19132"/>
-                  </a:cubicBezTo>
-                  <a:cubicBezTo>
-                    <a:pt x="362702" y="19132"/>
-                    <a:pt x="352384" y="19132"/>
-                    <a:pt x="342065" y="19132"/>
-                  </a:cubicBezTo>
-                  <a:cubicBezTo>
-                    <a:pt x="342065" y="13458"/>
-                    <a:pt x="342065" y="7785"/>
-                    <a:pt x="342065" y="2111"/>
-                  </a:cubicBezTo>
-                  <a:close/>
-                  <a:moveTo>
-                    <a:pt x="250806" y="2111"/>
-                  </a:moveTo>
-                  <a:cubicBezTo>
-                    <a:pt x="259144" y="2111"/>
-                    <a:pt x="267482" y="2111"/>
-                    <a:pt x="275820" y="2111"/>
-                  </a:cubicBezTo>
-                  <a:cubicBezTo>
-                    <a:pt x="288202" y="24216"/>
-                    <a:pt x="300584" y="46321"/>
-                    <a:pt x="312966" y="68425"/>
-                  </a:cubicBezTo>
-                  <a:cubicBezTo>
-                    <a:pt x="312966" y="46321"/>
-                    <a:pt x="312966" y="24216"/>
-                    <a:pt x="312966" y="2111"/>
-                  </a:cubicBezTo>
-                  <a:cubicBezTo>
-                    <a:pt x="319344" y="2111"/>
-                    <a:pt x="325723" y="2111"/>
-                    <a:pt x="332101" y="2111"/>
-                  </a:cubicBezTo>
-                  <a:cubicBezTo>
-                    <a:pt x="332101" y="36312"/>
-                    <a:pt x="332101" y="70513"/>
-                    <a:pt x="332101" y="104715"/>
-                  </a:cubicBezTo>
-                  <a:cubicBezTo>
-                    <a:pt x="325473" y="104715"/>
-                    <a:pt x="318844" y="104715"/>
-                    <a:pt x="312215" y="104715"/>
-                  </a:cubicBezTo>
-                  <a:cubicBezTo>
-                    <a:pt x="298124" y="79637"/>
-                    <a:pt x="284033" y="54559"/>
-                    <a:pt x="269942" y="29481"/>
-                  </a:cubicBezTo>
-                  <a:cubicBezTo>
-                    <a:pt x="269942" y="54559"/>
-                    <a:pt x="269942" y="79637"/>
-                    <a:pt x="269942" y="104715"/>
-                  </a:cubicBezTo>
-                  <a:cubicBezTo>
-                    <a:pt x="263563" y="104715"/>
-                    <a:pt x="257185" y="104715"/>
-                    <a:pt x="250806" y="104715"/>
-                  </a:cubicBezTo>
-                  <a:cubicBezTo>
-                    <a:pt x="250806" y="70513"/>
-                    <a:pt x="250806" y="36312"/>
-                    <a:pt x="250806" y="2111"/>
-                  </a:cubicBezTo>
-                  <a:close/>
-                  <a:moveTo>
-                    <a:pt x="182456" y="2111"/>
-                  </a:moveTo>
-                  <a:cubicBezTo>
-                    <a:pt x="199590" y="2111"/>
-                    <a:pt x="216725" y="2111"/>
-                    <a:pt x="233859" y="2111"/>
-                  </a:cubicBezTo>
-                  <a:cubicBezTo>
-                    <a:pt x="233859" y="7217"/>
-                    <a:pt x="233859" y="12324"/>
-                    <a:pt x="233859" y="17430"/>
-                  </a:cubicBezTo>
-                  <a:cubicBezTo>
-                    <a:pt x="228731" y="17430"/>
-                    <a:pt x="223604" y="17430"/>
-                    <a:pt x="218476" y="17430"/>
-                  </a:cubicBezTo>
-                  <a:cubicBezTo>
-                    <a:pt x="218476" y="41418"/>
-                    <a:pt x="218476" y="65407"/>
-                    <a:pt x="218476" y="89395"/>
-                  </a:cubicBezTo>
-                  <a:cubicBezTo>
-                    <a:pt x="223604" y="89395"/>
-                    <a:pt x="228731" y="89395"/>
-                    <a:pt x="233859" y="89395"/>
-                  </a:cubicBezTo>
-                  <a:cubicBezTo>
-                    <a:pt x="233859" y="94502"/>
-                    <a:pt x="233859" y="99608"/>
-                    <a:pt x="233859" y="104715"/>
-                  </a:cubicBezTo>
-                  <a:cubicBezTo>
-                    <a:pt x="216725" y="104715"/>
-                    <a:pt x="199590" y="104715"/>
-                    <a:pt x="182456" y="104715"/>
-                  </a:cubicBezTo>
-                  <a:cubicBezTo>
-                    <a:pt x="182456" y="99608"/>
-                    <a:pt x="182456" y="94502"/>
-                    <a:pt x="182456" y="89395"/>
-                  </a:cubicBezTo>
-                  <a:cubicBezTo>
-                    <a:pt x="187584" y="89395"/>
-                    <a:pt x="192711" y="89395"/>
-                    <a:pt x="197839" y="89395"/>
-                  </a:cubicBezTo>
-                  <a:cubicBezTo>
-                    <a:pt x="197839" y="65407"/>
-                    <a:pt x="197839" y="41418"/>
-                    <a:pt x="197839" y="17430"/>
-                  </a:cubicBezTo>
-                  <a:cubicBezTo>
-                    <a:pt x="192711" y="17430"/>
-                    <a:pt x="187584" y="17430"/>
-                    <a:pt x="182456" y="17430"/>
-                  </a:cubicBezTo>
-                  <a:cubicBezTo>
-                    <a:pt x="182456" y="12324"/>
-                    <a:pt x="182456" y="7217"/>
-                    <a:pt x="182456" y="2111"/>
-                  </a:cubicBezTo>
-                  <a:close/>
-                  <a:moveTo>
-                    <a:pt x="0" y="2111"/>
-                  </a:moveTo>
-                  <a:cubicBezTo>
-                    <a:pt x="11882" y="2111"/>
-                    <a:pt x="23763" y="2111"/>
-                    <a:pt x="35645" y="2111"/>
-                  </a:cubicBezTo>
-                  <a:cubicBezTo>
-                    <a:pt x="47860" y="2111"/>
-                    <a:pt x="57136" y="4823"/>
-                    <a:pt x="63473" y="10247"/>
-                  </a:cubicBezTo>
-                  <a:cubicBezTo>
-                    <a:pt x="69810" y="15671"/>
-                    <a:pt x="72978" y="23603"/>
-                    <a:pt x="72978" y="34043"/>
-                  </a:cubicBezTo>
-                  <a:cubicBezTo>
-                    <a:pt x="72978" y="44936"/>
-                    <a:pt x="69476" y="53617"/>
-                    <a:pt x="62472" y="60085"/>
-                  </a:cubicBezTo>
-                  <a:cubicBezTo>
-                    <a:pt x="55468" y="66553"/>
-                    <a:pt x="46338" y="69787"/>
-                    <a:pt x="35082" y="69787"/>
-                  </a:cubicBezTo>
-                  <a:cubicBezTo>
-                    <a:pt x="30267" y="69787"/>
-                    <a:pt x="25452" y="69787"/>
-                    <a:pt x="20637" y="69787"/>
-                  </a:cubicBezTo>
-                  <a:cubicBezTo>
-                    <a:pt x="20637" y="81430"/>
-                    <a:pt x="20637" y="93072"/>
-                    <a:pt x="20637" y="104715"/>
-                  </a:cubicBezTo>
-                  <a:cubicBezTo>
-                    <a:pt x="13758" y="104715"/>
-                    <a:pt x="6879" y="104715"/>
-                    <a:pt x="0" y="104715"/>
-                  </a:cubicBezTo>
-                  <a:cubicBezTo>
-                    <a:pt x="0" y="70513"/>
-                    <a:pt x="0" y="36312"/>
-                    <a:pt x="0" y="2111"/>
-                  </a:cubicBezTo>
-                  <a:close/>
-                  <a:moveTo>
-                    <a:pt x="125466" y="0"/>
-                  </a:moveTo>
-                  <a:cubicBezTo>
-                    <a:pt x="139849" y="0"/>
-                    <a:pt x="151136" y="4766"/>
-                    <a:pt x="159328" y="14298"/>
-                  </a:cubicBezTo>
-                  <a:cubicBezTo>
-                    <a:pt x="167520" y="23830"/>
-                    <a:pt x="171616" y="36902"/>
-                    <a:pt x="171616" y="53515"/>
-                  </a:cubicBezTo>
-                  <a:cubicBezTo>
-                    <a:pt x="171616" y="69991"/>
-                    <a:pt x="167541" y="83007"/>
-                    <a:pt x="159391" y="92561"/>
-                  </a:cubicBezTo>
-                  <a:cubicBezTo>
-                    <a:pt x="151240" y="102116"/>
-                    <a:pt x="139932" y="106893"/>
-                    <a:pt x="125466" y="106893"/>
-                  </a:cubicBezTo>
-                  <a:cubicBezTo>
-                    <a:pt x="111124" y="106893"/>
-                    <a:pt x="99858" y="102139"/>
-                    <a:pt x="91666" y="92629"/>
-                  </a:cubicBezTo>
-                  <a:cubicBezTo>
-                    <a:pt x="83474" y="83120"/>
-                    <a:pt x="79378" y="70082"/>
-                    <a:pt x="79378" y="53515"/>
-                  </a:cubicBezTo>
-                  <a:cubicBezTo>
-                    <a:pt x="79378" y="36857"/>
-                    <a:pt x="83453" y="23773"/>
-                    <a:pt x="91603" y="14264"/>
-                  </a:cubicBezTo>
-                  <a:cubicBezTo>
-                    <a:pt x="99753" y="4755"/>
-                    <a:pt x="111041" y="0"/>
-                    <a:pt x="125466" y="0"/>
-                  </a:cubicBezTo>
-                  <a:close/>
-                </a:path>
-              </a:pathLst>
-            </a:custGeom>
-            <a:solidFill>
-              <a:schemeClr val="bg1"/>
-            </a:solidFill>
-            <a:ln>
-              <a:noFill/>
-            </a:ln>
-            <a:effectLst>
-              <a:glow rad="12700">
-                <a:schemeClr val="accent2">
-                  <a:alpha val="84000"/>
-                </a:schemeClr>
-              </a:glow>
-            </a:effectLst>
-          </p:spPr>
-          <p:txBody>
-            <a:bodyPr rot="0" spcFirstLastPara="0" vertOverflow="overflow" horzOverflow="overflow" vert="horz" wrap="square" lIns="91440" tIns="45720" rIns="91440" bIns="45720" numCol="1" spcCol="0" rtlCol="0" fromWordArt="0" anchor="t" anchorCtr="0" forceAA="0" compatLnSpc="1">
-              <a:prstTxWarp prst="textNoShape">
-                <a:avLst/>
-              </a:prstTxWarp>
-              <a:noAutofit/>
-            </a:bodyPr>
-            <a:lstStyle/>
-            <a:p>
-              <a:pPr algn="ctr"/>
-              <a:endParaRPr kumimoji="1" lang="ja-JP" altLang="en-US" b="1" dirty="0">
-                <a:solidFill>
-                  <a:schemeClr val="bg1"/>
-                </a:solidFill>
-                <a:effectLst>
-                  <a:glow rad="38100">
-                    <a:schemeClr val="accent2">
-                      <a:alpha val="84000"/>
-                    </a:schemeClr>
-                  </a:glow>
-                </a:effectLst>
-                <a:latin typeface="Segoe UI" panose="020B0502040204020203" pitchFamily="34" charset="0"/>
-                <a:cs typeface="Segoe UI" panose="020B0502040204020203" pitchFamily="34" charset="0"/>
-              </a:endParaRPr>
-            </a:p>
-          </p:txBody>
-        </p:sp>
-      </p:grpSp>
-      <p:cxnSp>
-        <p:nvCxnSpPr>
-          <p:cNvPr id="32" name="直線コネクタ 31"/>
-          <p:cNvCxnSpPr/>
-          <p:nvPr/>
-        </p:nvCxnSpPr>
-        <p:spPr bwMode="auto">
-          <a:xfrm>
-            <a:off x="5974429" y="5035989"/>
             <a:ext cx="1080000" cy="0"/>
           </a:xfrm>
           <a:prstGeom prst="line">
@@ -18565,14 +16391,14 @@
           <p:nvPr>
             <p:extLst>
               <p:ext uri="{D42A27DB-BD31-4B8C-83A1-F6EECF244321}">
-                <p14:modId xmlns:p14="http://schemas.microsoft.com/office/powerpoint/2010/main" val="2322737228"/>
+                <p14:modId xmlns:p14="http://schemas.microsoft.com/office/powerpoint/2010/main" val="261349629"/>
               </p:ext>
             </p:extLst>
           </p:nvPr>
         </p:nvGraphicFramePr>
         <p:xfrm>
           <a:off x="539440" y="1916790"/>
-          <a:ext cx="8065121" cy="4288378"/>
+          <a:ext cx="8065121" cy="4059778"/>
         </p:xfrm>
         <a:graphic>
           <a:graphicData uri="http://schemas.openxmlformats.org/drawingml/2006/table">
@@ -18584,28 +16410,28 @@
                 <a:gridCol w="1584220">
                   <a:extLst>
                     <a:ext uri="{9D8B030D-6E8A-4147-A177-3AD203B41FA5}">
-                      <a16:colId xmlns:a16="http://schemas.microsoft.com/office/drawing/2014/main" xmlns="" val="20000"/>
+                      <a16:colId xmlns:a16="http://schemas.microsoft.com/office/drawing/2014/main" val="20000"/>
                     </a:ext>
                   </a:extLst>
                 </a:gridCol>
                 <a:gridCol w="792110">
                   <a:extLst>
                     <a:ext uri="{9D8B030D-6E8A-4147-A177-3AD203B41FA5}">
-                      <a16:colId xmlns:a16="http://schemas.microsoft.com/office/drawing/2014/main" xmlns="" val="20001"/>
+                      <a16:colId xmlns:a16="http://schemas.microsoft.com/office/drawing/2014/main" val="20001"/>
                     </a:ext>
                   </a:extLst>
                 </a:gridCol>
                 <a:gridCol w="792110">
                   <a:extLst>
                     <a:ext uri="{9D8B030D-6E8A-4147-A177-3AD203B41FA5}">
-                      <a16:colId xmlns:a16="http://schemas.microsoft.com/office/drawing/2014/main" xmlns="" val="20002"/>
+                      <a16:colId xmlns:a16="http://schemas.microsoft.com/office/drawing/2014/main" val="20002"/>
                     </a:ext>
                   </a:extLst>
                 </a:gridCol>
                 <a:gridCol w="4896681">
                   <a:extLst>
                     <a:ext uri="{9D8B030D-6E8A-4147-A177-3AD203B41FA5}">
-                      <a16:colId xmlns:a16="http://schemas.microsoft.com/office/drawing/2014/main" xmlns="" val="20003"/>
+                      <a16:colId xmlns:a16="http://schemas.microsoft.com/office/drawing/2014/main" val="20003"/>
                     </a:ext>
                   </a:extLst>
                 </a:gridCol>
@@ -18769,7 +16595,7 @@
                 </a:tc>
                 <a:extLst>
                   <a:ext uri="{0D108BD9-81ED-4DB2-BD59-A6C34878D82A}">
-                    <a16:rowId xmlns:a16="http://schemas.microsoft.com/office/drawing/2014/main" xmlns="" val="10000"/>
+                    <a16:rowId xmlns:a16="http://schemas.microsoft.com/office/drawing/2014/main" val="10000"/>
                   </a:ext>
                 </a:extLst>
               </a:tr>
@@ -18953,7 +16779,7 @@
                 </a:tc>
                 <a:extLst>
                   <a:ext uri="{0D108BD9-81ED-4DB2-BD59-A6C34878D82A}">
-                    <a16:rowId xmlns:a16="http://schemas.microsoft.com/office/drawing/2014/main" xmlns="" val="10001"/>
+                    <a16:rowId xmlns:a16="http://schemas.microsoft.com/office/drawing/2014/main" val="10001"/>
                   </a:ext>
                 </a:extLst>
               </a:tr>
@@ -19129,7 +16955,7 @@
                 </a:tc>
                 <a:extLst>
                   <a:ext uri="{0D108BD9-81ED-4DB2-BD59-A6C34878D82A}">
-                    <a16:rowId xmlns:a16="http://schemas.microsoft.com/office/drawing/2014/main" xmlns="" val="10002"/>
+                    <a16:rowId xmlns:a16="http://schemas.microsoft.com/office/drawing/2014/main" val="10002"/>
                   </a:ext>
                 </a:extLst>
               </a:tr>
@@ -19325,7 +17151,7 @@
                 </a:tc>
                 <a:extLst>
                   <a:ext uri="{0D108BD9-81ED-4DB2-BD59-A6C34878D82A}">
-                    <a16:rowId xmlns:a16="http://schemas.microsoft.com/office/drawing/2014/main" xmlns="" val="10003"/>
+                    <a16:rowId xmlns:a16="http://schemas.microsoft.com/office/drawing/2014/main" val="10003"/>
                   </a:ext>
                 </a:extLst>
               </a:tr>
@@ -19467,7 +17293,7 @@
                           <a:ea typeface="Segoe UI" panose="020B0502040204020203" pitchFamily="34" charset="0"/>
                           <a:cs typeface="Segoe UI" panose="020B0502040204020203" pitchFamily="34" charset="0"/>
                         </a:rPr>
-                        <a:t>RHEL6</a:t>
+                        <a:t>RHEL7</a:t>
                       </a:r>
                       <a:r>
                         <a:rPr lang="en-US" sz="1000" b="0" kern="100" dirty="0" smtClean="0">
@@ -19485,7 +17311,7 @@
                           <a:ea typeface="Segoe UI" panose="020B0502040204020203" pitchFamily="34" charset="0"/>
                           <a:cs typeface="Segoe UI" panose="020B0502040204020203" pitchFamily="34" charset="0"/>
                         </a:rPr>
-                        <a:t>RHEL7</a:t>
+                        <a:t>RHEL8</a:t>
                       </a:r>
                       <a:endParaRPr lang="ja-JP" sz="1000" b="0" kern="100" dirty="0">
                         <a:effectLst/>
@@ -19503,7 +17329,7 @@
                 </a:tc>
                 <a:extLst>
                   <a:ext uri="{0D108BD9-81ED-4DB2-BD59-A6C34878D82A}">
-                    <a16:rowId xmlns:a16="http://schemas.microsoft.com/office/drawing/2014/main" xmlns="" val="10004"/>
+                    <a16:rowId xmlns:a16="http://schemas.microsoft.com/office/drawing/2014/main" val="10004"/>
                   </a:ext>
                 </a:extLst>
               </a:tr>
@@ -19653,7 +17479,7 @@
                 </a:tc>
                 <a:extLst>
                   <a:ext uri="{0D108BD9-81ED-4DB2-BD59-A6C34878D82A}">
-                    <a16:rowId xmlns:a16="http://schemas.microsoft.com/office/drawing/2014/main" xmlns="" val="10005"/>
+                    <a16:rowId xmlns:a16="http://schemas.microsoft.com/office/drawing/2014/main" val="10005"/>
                   </a:ext>
                 </a:extLst>
               </a:tr>
@@ -19803,7 +17629,7 @@
                 </a:tc>
                 <a:extLst>
                   <a:ext uri="{0D108BD9-81ED-4DB2-BD59-A6C34878D82A}">
-                    <a16:rowId xmlns:a16="http://schemas.microsoft.com/office/drawing/2014/main" xmlns="" val="10006"/>
+                    <a16:rowId xmlns:a16="http://schemas.microsoft.com/office/drawing/2014/main" val="10006"/>
                   </a:ext>
                 </a:extLst>
               </a:tr>
@@ -19959,7 +17785,7 @@
                 </a:tc>
                 <a:extLst>
                   <a:ext uri="{0D108BD9-81ED-4DB2-BD59-A6C34878D82A}">
-                    <a16:rowId xmlns:a16="http://schemas.microsoft.com/office/drawing/2014/main" xmlns="" val="10007"/>
+                    <a16:rowId xmlns:a16="http://schemas.microsoft.com/office/drawing/2014/main" val="10007"/>
                   </a:ext>
                 </a:extLst>
               </a:tr>
@@ -20115,7 +17941,7 @@
                 </a:tc>
                 <a:extLst>
                   <a:ext uri="{0D108BD9-81ED-4DB2-BD59-A6C34878D82A}">
-                    <a16:rowId xmlns:a16="http://schemas.microsoft.com/office/drawing/2014/main" xmlns="" val="10008"/>
+                    <a16:rowId xmlns:a16="http://schemas.microsoft.com/office/drawing/2014/main" val="10008"/>
                   </a:ext>
                 </a:extLst>
               </a:tr>
@@ -20284,7 +18110,7 @@
                 </a:tc>
                 <a:extLst>
                   <a:ext uri="{0D108BD9-81ED-4DB2-BD59-A6C34878D82A}">
-                    <a16:rowId xmlns:a16="http://schemas.microsoft.com/office/drawing/2014/main" xmlns="" val="10009"/>
+                    <a16:rowId xmlns:a16="http://schemas.microsoft.com/office/drawing/2014/main" val="10009"/>
                   </a:ext>
                 </a:extLst>
               </a:tr>
@@ -20462,7 +18288,7 @@
                 </a:tc>
                 <a:extLst>
                   <a:ext uri="{0D108BD9-81ED-4DB2-BD59-A6C34878D82A}">
-                    <a16:rowId xmlns:a16="http://schemas.microsoft.com/office/drawing/2014/main" xmlns="" val="10010"/>
+                    <a16:rowId xmlns:a16="http://schemas.microsoft.com/office/drawing/2014/main" val="10010"/>
                   </a:ext>
                 </a:extLst>
               </a:tr>
@@ -20619,7 +18445,19 @@
                           <a:ea typeface="Segoe UI" panose="020B0502040204020203" pitchFamily="34" charset="0"/>
                           <a:cs typeface="Segoe UI" panose="020B0502040204020203" pitchFamily="34" charset="0"/>
                         </a:rPr>
-                        <a:t>Creation of parameter sheets</a:t>
+                        <a:t>Creation of </a:t>
+                      </a:r>
+                      <a:r>
+                        <a:rPr lang="en-US" altLang="ja-JP" sz="1000" b="1" i="0" u="none" kern="100" dirty="0" smtClean="0">
+                          <a:solidFill>
+                            <a:srgbClr val="000000"/>
+                          </a:solidFill>
+                          <a:effectLst/>
+                          <a:latin typeface="Segoe UI" panose="020B0502040204020203" pitchFamily="34" charset="0"/>
+                          <a:ea typeface="Segoe UI" panose="020B0502040204020203" pitchFamily="34" charset="0"/>
+                          <a:cs typeface="Segoe UI" panose="020B0502040204020203" pitchFamily="34" charset="0"/>
+                        </a:rPr>
+                        <a:t>menus </a:t>
                       </a:r>
                       <a:r>
                         <a:rPr lang="en-US" altLang="ja-JP" sz="1000" b="0" i="0" u="none" kern="100" baseline="0" dirty="0" smtClean="0">
@@ -20631,7 +18469,7 @@
                           <a:ea typeface="ＭＳ 明朝" panose="02020609040205080304" pitchFamily="17" charset="-128"/>
                           <a:cs typeface="Segoe UI" panose="020B0502040204020203" pitchFamily="34" charset="0"/>
                         </a:rPr>
-                        <a:t> function </a:t>
+                        <a:t>function </a:t>
                       </a:r>
                       <a:r>
                         <a:rPr lang="en-US" altLang="ja-JP" sz="1000" b="0" i="0" u="none" kern="100" dirty="0" smtClean="0">
@@ -20661,7 +18499,7 @@
                 </a:tc>
                 <a:extLst>
                   <a:ext uri="{0D108BD9-81ED-4DB2-BD59-A6C34878D82A}">
-                    <a16:rowId xmlns:a16="http://schemas.microsoft.com/office/drawing/2014/main" xmlns="" val="10011"/>
+                    <a16:rowId xmlns:a16="http://schemas.microsoft.com/office/drawing/2014/main" val="10011"/>
                   </a:ext>
                 </a:extLst>
               </a:tr>
@@ -20839,7 +18677,7 @@
                 </a:tc>
                 <a:extLst>
                   <a:ext uri="{0D108BD9-81ED-4DB2-BD59-A6C34878D82A}">
-                    <a16:rowId xmlns:a16="http://schemas.microsoft.com/office/drawing/2014/main" xmlns="" val="10012"/>
+                    <a16:rowId xmlns:a16="http://schemas.microsoft.com/office/drawing/2014/main" val="10012"/>
                   </a:ext>
                 </a:extLst>
               </a:tr>
@@ -21014,7 +18852,7 @@
                 </a:tc>
                 <a:extLst>
                   <a:ext uri="{0D108BD9-81ED-4DB2-BD59-A6C34878D82A}">
-                    <a16:rowId xmlns:a16="http://schemas.microsoft.com/office/drawing/2014/main" xmlns="" val="10013"/>
+                    <a16:rowId xmlns:a16="http://schemas.microsoft.com/office/drawing/2014/main" val="10013"/>
                   </a:ext>
                 </a:extLst>
               </a:tr>
@@ -21039,7 +18877,7 @@
                           <a:ea typeface="Segoe UI" panose="020B0502040204020203" pitchFamily="34" charset="0"/>
                           <a:cs typeface="Segoe UI" panose="020B0502040204020203" pitchFamily="34" charset="0"/>
                         </a:rPr>
-                        <a:t>cobbler_driver</a:t>
+                        <a:t>openstack_driver</a:t>
                       </a:r>
                       <a:endParaRPr lang="ja-JP" sz="1000" kern="100" dirty="0">
                         <a:effectLst/>
@@ -21087,6 +18925,181 @@
                   </a:txBody>
                   <a:tcPr marL="68495" marR="68495" marT="0" marB="0" anchor="ctr">
                     <a:solidFill>
+                      <a:srgbClr val="CBCDD3"/>
+                    </a:solidFill>
+                  </a:tcPr>
+                </a:tc>
+                <a:tc>
+                  <a:txBody>
+                    <a:bodyPr/>
+                    <a:lstStyle/>
+                    <a:p>
+                      <a:pPr algn="ctr">
+                        <a:lnSpc>
+                          <a:spcPct val="150000"/>
+                        </a:lnSpc>
+                        <a:spcAft>
+                          <a:spcPts val="0"/>
+                        </a:spcAft>
+                      </a:pPr>
+                      <a:r>
+                        <a:rPr lang="en-US" sz="1000" kern="100" dirty="0">
+                          <a:effectLst/>
+                          <a:latin typeface="Segoe UI" panose="020B0502040204020203" pitchFamily="34" charset="0"/>
+                          <a:ea typeface="Segoe UI" panose="020B0502040204020203" pitchFamily="34" charset="0"/>
+                          <a:cs typeface="Segoe UI" panose="020B0502040204020203" pitchFamily="34" charset="0"/>
+                        </a:rPr>
+                        <a:t>no</a:t>
+                      </a:r>
+                      <a:endParaRPr lang="ja-JP" sz="1000" kern="100" dirty="0">
+                        <a:effectLst/>
+                        <a:latin typeface="Segoe UI" panose="020B0502040204020203" pitchFamily="34" charset="0"/>
+                        <a:ea typeface="ＭＳ 明朝" panose="02020609040205080304" pitchFamily="17" charset="-128"/>
+                        <a:cs typeface="Segoe UI" panose="020B0502040204020203" pitchFamily="34" charset="0"/>
+                      </a:endParaRPr>
+                    </a:p>
+                  </a:txBody>
+                  <a:tcPr marL="68495" marR="68495" marT="0" marB="0" anchor="ctr">
+                    <a:solidFill>
+                      <a:srgbClr val="CBCDD3"/>
+                    </a:solidFill>
+                  </a:tcPr>
+                </a:tc>
+                <a:tc>
+                  <a:txBody>
+                    <a:bodyPr/>
+                    <a:lstStyle/>
+                    <a:p>
+                      <a:pPr algn="l">
+                        <a:lnSpc>
+                          <a:spcPct val="150000"/>
+                        </a:lnSpc>
+                        <a:spcAft>
+                          <a:spcPts val="0"/>
+                        </a:spcAft>
+                      </a:pPr>
+                      <a:r>
+                        <a:rPr lang="en-US" sz="1000" b="0" i="0" u="none" kern="100" dirty="0" smtClean="0">
+                          <a:solidFill>
+                            <a:srgbClr val="000000"/>
+                          </a:solidFill>
+                          <a:effectLst/>
+                          <a:latin typeface="Segoe UI" panose="020B0502040204020203" pitchFamily="34" charset="0"/>
+                          <a:ea typeface="Segoe UI" panose="020B0502040204020203" pitchFamily="34" charset="0"/>
+                          <a:cs typeface="Segoe UI" panose="020B0502040204020203" pitchFamily="34" charset="0"/>
+                        </a:rPr>
+                        <a:t>Whether the </a:t>
+                      </a:r>
+                      <a:r>
+                        <a:rPr lang="en-US" altLang="ja-JP" sz="1000" kern="100" dirty="0" smtClean="0">
+                          <a:effectLst/>
+                          <a:latin typeface="Segoe UI" panose="020B0502040204020203" pitchFamily="34" charset="0"/>
+                          <a:ea typeface="Segoe UI" panose="020B0502040204020203" pitchFamily="34" charset="0"/>
+                          <a:cs typeface="Segoe UI" panose="020B0502040204020203" pitchFamily="34" charset="0"/>
+                        </a:rPr>
+                        <a:t>OpenStack</a:t>
+                      </a:r>
+                      <a:r>
+                        <a:rPr lang="en-US" sz="1000" b="0" i="0" u="none" kern="100" dirty="0" smtClean="0">
+                          <a:solidFill>
+                            <a:srgbClr val="000000"/>
+                          </a:solidFill>
+                          <a:effectLst/>
+                          <a:latin typeface="Segoe UI" panose="020B0502040204020203" pitchFamily="34" charset="0"/>
+                          <a:ea typeface="Segoe UI" panose="020B0502040204020203" pitchFamily="34" charset="0"/>
+                          <a:cs typeface="Segoe UI" panose="020B0502040204020203" pitchFamily="34" charset="0"/>
+                        </a:rPr>
+                        <a:t> driver is to be installed</a:t>
+                      </a:r>
+                      <a:endParaRPr lang="ja-JP" sz="1000" kern="100" dirty="0">
+                        <a:effectLst/>
+                        <a:latin typeface="Segoe UI" panose="020B0502040204020203" pitchFamily="34" charset="0"/>
+                        <a:ea typeface="ＭＳ 明朝" panose="02020609040205080304" pitchFamily="17" charset="-128"/>
+                        <a:cs typeface="Segoe UI" panose="020B0502040204020203" pitchFamily="34" charset="0"/>
+                      </a:endParaRPr>
+                    </a:p>
+                  </a:txBody>
+                  <a:tcPr marL="68495" marR="68495" marT="0" marB="0" anchor="ctr">
+                    <a:solidFill>
+                      <a:srgbClr val="CBCDD3"/>
+                    </a:solidFill>
+                  </a:tcPr>
+                </a:tc>
+                <a:extLst>
+                  <a:ext uri="{0D108BD9-81ED-4DB2-BD59-A6C34878D82A}">
+                    <a16:rowId xmlns:a16="http://schemas.microsoft.com/office/drawing/2014/main" val="10015"/>
+                  </a:ext>
+                </a:extLst>
+              </a:tr>
+              <a:tr h="222140">
+                <a:tc>
+                  <a:txBody>
+                    <a:bodyPr/>
+                    <a:lstStyle/>
+                    <a:p>
+                      <a:pPr algn="just">
+                        <a:lnSpc>
+                          <a:spcPct val="150000"/>
+                        </a:lnSpc>
+                        <a:spcAft>
+                          <a:spcPts val="0"/>
+                        </a:spcAft>
+                      </a:pPr>
+                      <a:r>
+                        <a:rPr lang="en-US" sz="1000" kern="100" dirty="0">
+                          <a:effectLst/>
+                          <a:latin typeface="Segoe UI" panose="020B0502040204020203" pitchFamily="34" charset="0"/>
+                          <a:ea typeface="Segoe UI" panose="020B0502040204020203" pitchFamily="34" charset="0"/>
+                          <a:cs typeface="Segoe UI" panose="020B0502040204020203" pitchFamily="34" charset="0"/>
+                        </a:rPr>
+                        <a:t>dsc_driver</a:t>
+                      </a:r>
+                      <a:endParaRPr lang="ja-JP" sz="1000" kern="100" dirty="0">
+                        <a:effectLst/>
+                        <a:latin typeface="Segoe UI" panose="020B0502040204020203" pitchFamily="34" charset="0"/>
+                        <a:ea typeface="ＭＳ 明朝" panose="02020609040205080304" pitchFamily="17" charset="-128"/>
+                        <a:cs typeface="Segoe UI" panose="020B0502040204020203" pitchFamily="34" charset="0"/>
+                      </a:endParaRPr>
+                    </a:p>
+                  </a:txBody>
+                  <a:tcPr marL="68495" marR="68495" marT="0" marB="0" anchor="ctr">
+                    <a:solidFill>
+                      <a:srgbClr val="002B62"/>
+                    </a:solidFill>
+                  </a:tcPr>
+                </a:tc>
+                <a:tc>
+                  <a:txBody>
+                    <a:bodyPr/>
+                    <a:lstStyle/>
+                    <a:p>
+                      <a:pPr algn="ctr">
+                        <a:lnSpc>
+                          <a:spcPct val="150000"/>
+                        </a:lnSpc>
+                        <a:spcAft>
+                          <a:spcPts val="0"/>
+                        </a:spcAft>
+                      </a:pPr>
+                      <a:r>
+                        <a:rPr lang="en-US" sz="1000" kern="100" dirty="0" smtClean="0">
+                          <a:effectLst/>
+                          <a:latin typeface="Segoe UI" panose="020B0502040204020203" pitchFamily="34" charset="0"/>
+                          <a:ea typeface="Segoe UI" panose="020B0502040204020203" pitchFamily="34" charset="0"/>
+                          <a:cs typeface="Segoe UI" panose="020B0502040204020203" pitchFamily="34" charset="0"/>
+                        </a:rPr>
+                        <a:t>Yes</a:t>
+                      </a:r>
+                      <a:endParaRPr lang="ja-JP" sz="1000" kern="100" dirty="0">
+                        <a:effectLst/>
+                        <a:latin typeface="Segoe UI" panose="020B0502040204020203" pitchFamily="34" charset="0"/>
+                        <a:ea typeface="ＭＳ 明朝" panose="02020609040205080304" pitchFamily="17" charset="-128"/>
+                        <a:cs typeface="Segoe UI" panose="020B0502040204020203" pitchFamily="34" charset="0"/>
+                      </a:endParaRPr>
+                    </a:p>
+                  </a:txBody>
+                  <a:tcPr marL="68495" marR="68495" marT="0" marB="0" anchor="ctr">
+                    <a:solidFill>
                       <a:srgbClr val="E7E8EA"/>
                     </a:solidFill>
                   </a:tcPr>
@@ -21159,356 +19172,6 @@
                           <a:ea typeface="Segoe UI" panose="020B0502040204020203" pitchFamily="34" charset="0"/>
                           <a:cs typeface="Segoe UI" panose="020B0502040204020203" pitchFamily="34" charset="0"/>
                         </a:rPr>
-                        <a:t>Cobbler</a:t>
-                      </a:r>
-                      <a:r>
-                        <a:rPr lang="en-US" sz="1000" b="0" i="0" u="none" kern="100" dirty="0" smtClean="0">
-                          <a:solidFill>
-                            <a:srgbClr val="000000"/>
-                          </a:solidFill>
-                          <a:effectLst/>
-                          <a:latin typeface="Segoe UI" panose="020B0502040204020203" pitchFamily="34" charset="0"/>
-                          <a:ea typeface="Segoe UI" panose="020B0502040204020203" pitchFamily="34" charset="0"/>
-                          <a:cs typeface="Segoe UI" panose="020B0502040204020203" pitchFamily="34" charset="0"/>
-                        </a:rPr>
-                        <a:t> driver is to be installed</a:t>
-                      </a:r>
-                      <a:endParaRPr lang="ja-JP" sz="1000" kern="100" dirty="0">
-                        <a:effectLst/>
-                        <a:latin typeface="Segoe UI" panose="020B0502040204020203" pitchFamily="34" charset="0"/>
-                        <a:ea typeface="ＭＳ 明朝" panose="02020609040205080304" pitchFamily="17" charset="-128"/>
-                        <a:cs typeface="Segoe UI" panose="020B0502040204020203" pitchFamily="34" charset="0"/>
-                      </a:endParaRPr>
-                    </a:p>
-                  </a:txBody>
-                  <a:tcPr marL="68495" marR="68495" marT="0" marB="0" anchor="ctr">
-                    <a:solidFill>
-                      <a:srgbClr val="E7E8EA"/>
-                    </a:solidFill>
-                  </a:tcPr>
-                </a:tc>
-                <a:extLst>
-                  <a:ext uri="{0D108BD9-81ED-4DB2-BD59-A6C34878D82A}">
-                    <a16:rowId xmlns:a16="http://schemas.microsoft.com/office/drawing/2014/main" xmlns="" val="10014"/>
-                  </a:ext>
-                </a:extLst>
-              </a:tr>
-              <a:tr h="222140">
-                <a:tc>
-                  <a:txBody>
-                    <a:bodyPr/>
-                    <a:lstStyle/>
-                    <a:p>
-                      <a:pPr algn="just">
-                        <a:lnSpc>
-                          <a:spcPct val="150000"/>
-                        </a:lnSpc>
-                        <a:spcAft>
-                          <a:spcPts val="0"/>
-                        </a:spcAft>
-                      </a:pPr>
-                      <a:r>
-                        <a:rPr lang="en-US" sz="1000" kern="100" dirty="0">
-                          <a:effectLst/>
-                          <a:latin typeface="Segoe UI" panose="020B0502040204020203" pitchFamily="34" charset="0"/>
-                          <a:ea typeface="Segoe UI" panose="020B0502040204020203" pitchFamily="34" charset="0"/>
-                          <a:cs typeface="Segoe UI" panose="020B0502040204020203" pitchFamily="34" charset="0"/>
-                        </a:rPr>
-                        <a:t>openstack_driver</a:t>
-                      </a:r>
-                      <a:endParaRPr lang="ja-JP" sz="1000" kern="100" dirty="0">
-                        <a:effectLst/>
-                        <a:latin typeface="Segoe UI" panose="020B0502040204020203" pitchFamily="34" charset="0"/>
-                        <a:ea typeface="ＭＳ 明朝" panose="02020609040205080304" pitchFamily="17" charset="-128"/>
-                        <a:cs typeface="Segoe UI" panose="020B0502040204020203" pitchFamily="34" charset="0"/>
-                      </a:endParaRPr>
-                    </a:p>
-                  </a:txBody>
-                  <a:tcPr marL="68495" marR="68495" marT="0" marB="0" anchor="ctr">
-                    <a:solidFill>
-                      <a:srgbClr val="002B62"/>
-                    </a:solidFill>
-                  </a:tcPr>
-                </a:tc>
-                <a:tc>
-                  <a:txBody>
-                    <a:bodyPr/>
-                    <a:lstStyle/>
-                    <a:p>
-                      <a:pPr algn="ctr">
-                        <a:lnSpc>
-                          <a:spcPct val="150000"/>
-                        </a:lnSpc>
-                        <a:spcAft>
-                          <a:spcPts val="0"/>
-                        </a:spcAft>
-                      </a:pPr>
-                      <a:r>
-                        <a:rPr lang="en-US" sz="1000" kern="100" dirty="0" smtClean="0">
-                          <a:effectLst/>
-                          <a:latin typeface="Segoe UI" panose="020B0502040204020203" pitchFamily="34" charset="0"/>
-                          <a:ea typeface="Segoe UI" panose="020B0502040204020203" pitchFamily="34" charset="0"/>
-                          <a:cs typeface="Segoe UI" panose="020B0502040204020203" pitchFamily="34" charset="0"/>
-                        </a:rPr>
-                        <a:t>Yes</a:t>
-                      </a:r>
-                      <a:endParaRPr lang="ja-JP" sz="1000" kern="100" dirty="0">
-                        <a:effectLst/>
-                        <a:latin typeface="Segoe UI" panose="020B0502040204020203" pitchFamily="34" charset="0"/>
-                        <a:ea typeface="ＭＳ 明朝" panose="02020609040205080304" pitchFamily="17" charset="-128"/>
-                        <a:cs typeface="Segoe UI" panose="020B0502040204020203" pitchFamily="34" charset="0"/>
-                      </a:endParaRPr>
-                    </a:p>
-                  </a:txBody>
-                  <a:tcPr marL="68495" marR="68495" marT="0" marB="0" anchor="ctr">
-                    <a:solidFill>
-                      <a:srgbClr val="CBCDD3"/>
-                    </a:solidFill>
-                  </a:tcPr>
-                </a:tc>
-                <a:tc>
-                  <a:txBody>
-                    <a:bodyPr/>
-                    <a:lstStyle/>
-                    <a:p>
-                      <a:pPr algn="ctr">
-                        <a:lnSpc>
-                          <a:spcPct val="150000"/>
-                        </a:lnSpc>
-                        <a:spcAft>
-                          <a:spcPts val="0"/>
-                        </a:spcAft>
-                      </a:pPr>
-                      <a:r>
-                        <a:rPr lang="en-US" sz="1000" kern="100" dirty="0">
-                          <a:effectLst/>
-                          <a:latin typeface="Segoe UI" panose="020B0502040204020203" pitchFamily="34" charset="0"/>
-                          <a:ea typeface="Segoe UI" panose="020B0502040204020203" pitchFamily="34" charset="0"/>
-                          <a:cs typeface="Segoe UI" panose="020B0502040204020203" pitchFamily="34" charset="0"/>
-                        </a:rPr>
-                        <a:t>no</a:t>
-                      </a:r>
-                      <a:endParaRPr lang="ja-JP" sz="1000" kern="100" dirty="0">
-                        <a:effectLst/>
-                        <a:latin typeface="Segoe UI" panose="020B0502040204020203" pitchFamily="34" charset="0"/>
-                        <a:ea typeface="ＭＳ 明朝" panose="02020609040205080304" pitchFamily="17" charset="-128"/>
-                        <a:cs typeface="Segoe UI" panose="020B0502040204020203" pitchFamily="34" charset="0"/>
-                      </a:endParaRPr>
-                    </a:p>
-                  </a:txBody>
-                  <a:tcPr marL="68495" marR="68495" marT="0" marB="0" anchor="ctr">
-                    <a:solidFill>
-                      <a:srgbClr val="CBCDD3"/>
-                    </a:solidFill>
-                  </a:tcPr>
-                </a:tc>
-                <a:tc>
-                  <a:txBody>
-                    <a:bodyPr/>
-                    <a:lstStyle/>
-                    <a:p>
-                      <a:pPr algn="l">
-                        <a:lnSpc>
-                          <a:spcPct val="150000"/>
-                        </a:lnSpc>
-                        <a:spcAft>
-                          <a:spcPts val="0"/>
-                        </a:spcAft>
-                      </a:pPr>
-                      <a:r>
-                        <a:rPr lang="en-US" sz="1000" b="0" i="0" u="none" kern="100" dirty="0" smtClean="0">
-                          <a:solidFill>
-                            <a:srgbClr val="000000"/>
-                          </a:solidFill>
-                          <a:effectLst/>
-                          <a:latin typeface="Segoe UI" panose="020B0502040204020203" pitchFamily="34" charset="0"/>
-                          <a:ea typeface="Segoe UI" panose="020B0502040204020203" pitchFamily="34" charset="0"/>
-                          <a:cs typeface="Segoe UI" panose="020B0502040204020203" pitchFamily="34" charset="0"/>
-                        </a:rPr>
-                        <a:t>Whether the </a:t>
-                      </a:r>
-                      <a:r>
-                        <a:rPr lang="en-US" altLang="ja-JP" sz="1000" kern="100" dirty="0" smtClean="0">
-                          <a:effectLst/>
-                          <a:latin typeface="Segoe UI" panose="020B0502040204020203" pitchFamily="34" charset="0"/>
-                          <a:ea typeface="Segoe UI" panose="020B0502040204020203" pitchFamily="34" charset="0"/>
-                          <a:cs typeface="Segoe UI" panose="020B0502040204020203" pitchFamily="34" charset="0"/>
-                        </a:rPr>
-                        <a:t>OpenStack</a:t>
-                      </a:r>
-                      <a:r>
-                        <a:rPr lang="en-US" sz="1000" b="0" i="0" u="none" kern="100" dirty="0" smtClean="0">
-                          <a:solidFill>
-                            <a:srgbClr val="000000"/>
-                          </a:solidFill>
-                          <a:effectLst/>
-                          <a:latin typeface="Segoe UI" panose="020B0502040204020203" pitchFamily="34" charset="0"/>
-                          <a:ea typeface="Segoe UI" panose="020B0502040204020203" pitchFamily="34" charset="0"/>
-                          <a:cs typeface="Segoe UI" panose="020B0502040204020203" pitchFamily="34" charset="0"/>
-                        </a:rPr>
-                        <a:t> driver is to be installed</a:t>
-                      </a:r>
-                      <a:endParaRPr lang="ja-JP" sz="1000" kern="100" dirty="0">
-                        <a:effectLst/>
-                        <a:latin typeface="Segoe UI" panose="020B0502040204020203" pitchFamily="34" charset="0"/>
-                        <a:ea typeface="ＭＳ 明朝" panose="02020609040205080304" pitchFamily="17" charset="-128"/>
-                        <a:cs typeface="Segoe UI" panose="020B0502040204020203" pitchFamily="34" charset="0"/>
-                      </a:endParaRPr>
-                    </a:p>
-                  </a:txBody>
-                  <a:tcPr marL="68495" marR="68495" marT="0" marB="0" anchor="ctr">
-                    <a:solidFill>
-                      <a:srgbClr val="CBCDD3"/>
-                    </a:solidFill>
-                  </a:tcPr>
-                </a:tc>
-                <a:extLst>
-                  <a:ext uri="{0D108BD9-81ED-4DB2-BD59-A6C34878D82A}">
-                    <a16:rowId xmlns:a16="http://schemas.microsoft.com/office/drawing/2014/main" xmlns="" val="10015"/>
-                  </a:ext>
-                </a:extLst>
-              </a:tr>
-              <a:tr h="222140">
-                <a:tc>
-                  <a:txBody>
-                    <a:bodyPr/>
-                    <a:lstStyle/>
-                    <a:p>
-                      <a:pPr algn="just">
-                        <a:lnSpc>
-                          <a:spcPct val="150000"/>
-                        </a:lnSpc>
-                        <a:spcAft>
-                          <a:spcPts val="0"/>
-                        </a:spcAft>
-                      </a:pPr>
-                      <a:r>
-                        <a:rPr lang="en-US" sz="1000" kern="100" dirty="0">
-                          <a:effectLst/>
-                          <a:latin typeface="Segoe UI" panose="020B0502040204020203" pitchFamily="34" charset="0"/>
-                          <a:ea typeface="Segoe UI" panose="020B0502040204020203" pitchFamily="34" charset="0"/>
-                          <a:cs typeface="Segoe UI" panose="020B0502040204020203" pitchFamily="34" charset="0"/>
-                        </a:rPr>
-                        <a:t>dsc_driver</a:t>
-                      </a:r>
-                      <a:endParaRPr lang="ja-JP" sz="1000" kern="100" dirty="0">
-                        <a:effectLst/>
-                        <a:latin typeface="Segoe UI" panose="020B0502040204020203" pitchFamily="34" charset="0"/>
-                        <a:ea typeface="ＭＳ 明朝" panose="02020609040205080304" pitchFamily="17" charset="-128"/>
-                        <a:cs typeface="Segoe UI" panose="020B0502040204020203" pitchFamily="34" charset="0"/>
-                      </a:endParaRPr>
-                    </a:p>
-                  </a:txBody>
-                  <a:tcPr marL="68495" marR="68495" marT="0" marB="0" anchor="ctr">
-                    <a:solidFill>
-                      <a:srgbClr val="002B62"/>
-                    </a:solidFill>
-                  </a:tcPr>
-                </a:tc>
-                <a:tc>
-                  <a:txBody>
-                    <a:bodyPr/>
-                    <a:lstStyle/>
-                    <a:p>
-                      <a:pPr algn="ctr">
-                        <a:lnSpc>
-                          <a:spcPct val="150000"/>
-                        </a:lnSpc>
-                        <a:spcAft>
-                          <a:spcPts val="0"/>
-                        </a:spcAft>
-                      </a:pPr>
-                      <a:r>
-                        <a:rPr lang="en-US" sz="1000" kern="100" dirty="0" smtClean="0">
-                          <a:effectLst/>
-                          <a:latin typeface="Segoe UI" panose="020B0502040204020203" pitchFamily="34" charset="0"/>
-                          <a:ea typeface="Segoe UI" panose="020B0502040204020203" pitchFamily="34" charset="0"/>
-                          <a:cs typeface="Segoe UI" panose="020B0502040204020203" pitchFamily="34" charset="0"/>
-                        </a:rPr>
-                        <a:t>Yes</a:t>
-                      </a:r>
-                      <a:endParaRPr lang="ja-JP" sz="1000" kern="100" dirty="0">
-                        <a:effectLst/>
-                        <a:latin typeface="Segoe UI" panose="020B0502040204020203" pitchFamily="34" charset="0"/>
-                        <a:ea typeface="ＭＳ 明朝" panose="02020609040205080304" pitchFamily="17" charset="-128"/>
-                        <a:cs typeface="Segoe UI" panose="020B0502040204020203" pitchFamily="34" charset="0"/>
-                      </a:endParaRPr>
-                    </a:p>
-                  </a:txBody>
-                  <a:tcPr marL="68495" marR="68495" marT="0" marB="0" anchor="ctr">
-                    <a:solidFill>
-                      <a:srgbClr val="E7E8EA"/>
-                    </a:solidFill>
-                  </a:tcPr>
-                </a:tc>
-                <a:tc>
-                  <a:txBody>
-                    <a:bodyPr/>
-                    <a:lstStyle/>
-                    <a:p>
-                      <a:pPr algn="ctr">
-                        <a:lnSpc>
-                          <a:spcPct val="150000"/>
-                        </a:lnSpc>
-                        <a:spcAft>
-                          <a:spcPts val="0"/>
-                        </a:spcAft>
-                      </a:pPr>
-                      <a:r>
-                        <a:rPr lang="en-US" sz="1000" kern="100" dirty="0">
-                          <a:effectLst/>
-                          <a:latin typeface="Segoe UI" panose="020B0502040204020203" pitchFamily="34" charset="0"/>
-                          <a:ea typeface="Segoe UI" panose="020B0502040204020203" pitchFamily="34" charset="0"/>
-                          <a:cs typeface="Segoe UI" panose="020B0502040204020203" pitchFamily="34" charset="0"/>
-                        </a:rPr>
-                        <a:t>no</a:t>
-                      </a:r>
-                      <a:endParaRPr lang="ja-JP" sz="1000" kern="100" dirty="0">
-                        <a:effectLst/>
-                        <a:latin typeface="Segoe UI" panose="020B0502040204020203" pitchFamily="34" charset="0"/>
-                        <a:ea typeface="ＭＳ 明朝" panose="02020609040205080304" pitchFamily="17" charset="-128"/>
-                        <a:cs typeface="Segoe UI" panose="020B0502040204020203" pitchFamily="34" charset="0"/>
-                      </a:endParaRPr>
-                    </a:p>
-                  </a:txBody>
-                  <a:tcPr marL="68495" marR="68495" marT="0" marB="0" anchor="ctr">
-                    <a:solidFill>
-                      <a:srgbClr val="E7E8EA"/>
-                    </a:solidFill>
-                  </a:tcPr>
-                </a:tc>
-                <a:tc>
-                  <a:txBody>
-                    <a:bodyPr/>
-                    <a:lstStyle/>
-                    <a:p>
-                      <a:pPr algn="l">
-                        <a:lnSpc>
-                          <a:spcPct val="150000"/>
-                        </a:lnSpc>
-                        <a:spcAft>
-                          <a:spcPts val="0"/>
-                        </a:spcAft>
-                      </a:pPr>
-                      <a:r>
-                        <a:rPr lang="en-US" sz="1000" b="0" i="0" u="none" kern="100" dirty="0" smtClean="0">
-                          <a:solidFill>
-                            <a:srgbClr val="000000"/>
-                          </a:solidFill>
-                          <a:effectLst/>
-                          <a:latin typeface="Segoe UI" panose="020B0502040204020203" pitchFamily="34" charset="0"/>
-                          <a:ea typeface="Segoe UI" panose="020B0502040204020203" pitchFamily="34" charset="0"/>
-                          <a:cs typeface="Segoe UI" panose="020B0502040204020203" pitchFamily="34" charset="0"/>
-                        </a:rPr>
-                        <a:t>Whether the </a:t>
-                      </a:r>
-                      <a:r>
-                        <a:rPr lang="en-US" altLang="ja-JP" sz="1000" kern="100" dirty="0" smtClean="0">
-                          <a:effectLst/>
-                          <a:latin typeface="Segoe UI" panose="020B0502040204020203" pitchFamily="34" charset="0"/>
-                          <a:ea typeface="Segoe UI" panose="020B0502040204020203" pitchFamily="34" charset="0"/>
-                          <a:cs typeface="Segoe UI" panose="020B0502040204020203" pitchFamily="34" charset="0"/>
-                        </a:rPr>
                         <a:t>DSC </a:t>
                       </a:r>
                       <a:r>
@@ -21542,7 +19205,7 @@
                 </a:tc>
                 <a:extLst>
                   <a:ext uri="{0D108BD9-81ED-4DB2-BD59-A6C34878D82A}">
-                    <a16:rowId xmlns:a16="http://schemas.microsoft.com/office/drawing/2014/main" xmlns="" val="10016"/>
+                    <a16:rowId xmlns:a16="http://schemas.microsoft.com/office/drawing/2014/main" val="10016"/>
                   </a:ext>
                 </a:extLst>
               </a:tr>
@@ -22248,8 +19911,49 @@
                 <a:ea typeface="Segoe UI" panose="020B0502040204020203" pitchFamily="34" charset="0"/>
                 <a:cs typeface="Segoe UI" panose="020B0502040204020203" pitchFamily="34" charset="0"/>
               </a:rPr>
-              <a:t># Select Operation System. ("RHEL6" or "RHEL7")</a:t>
-            </a:r>
+              <a:t># Select Operation System. ("</a:t>
+            </a:r>
+            <a:r>
+              <a:rPr kumimoji="0" lang="en-US" sz="900" kern="100" dirty="0" smtClean="0">
+                <a:solidFill>
+                  <a:sysClr val="window" lastClr="FFFFFF"/>
+                </a:solidFill>
+                <a:latin typeface="Segoe UI" panose="020B0502040204020203" pitchFamily="34" charset="0"/>
+                <a:ea typeface="Segoe UI" panose="020B0502040204020203" pitchFamily="34" charset="0"/>
+                <a:cs typeface="Segoe UI" panose="020B0502040204020203" pitchFamily="34" charset="0"/>
+              </a:rPr>
+              <a:t>RHEL7" </a:t>
+            </a:r>
+            <a:r>
+              <a:rPr kumimoji="0" lang="en-US" sz="900" kern="100" dirty="0">
+                <a:solidFill>
+                  <a:sysClr val="window" lastClr="FFFFFF"/>
+                </a:solidFill>
+                <a:latin typeface="Segoe UI" panose="020B0502040204020203" pitchFamily="34" charset="0"/>
+                <a:ea typeface="Segoe UI" panose="020B0502040204020203" pitchFamily="34" charset="0"/>
+                <a:cs typeface="Segoe UI" panose="020B0502040204020203" pitchFamily="34" charset="0"/>
+              </a:rPr>
+              <a:t>or "</a:t>
+            </a:r>
+            <a:r>
+              <a:rPr kumimoji="0" lang="en-US" sz="900" kern="100" dirty="0" smtClean="0">
+                <a:solidFill>
+                  <a:sysClr val="window" lastClr="FFFFFF"/>
+                </a:solidFill>
+                <a:latin typeface="Segoe UI" panose="020B0502040204020203" pitchFamily="34" charset="0"/>
+                <a:ea typeface="Segoe UI" panose="020B0502040204020203" pitchFamily="34" charset="0"/>
+                <a:cs typeface="Segoe UI" panose="020B0502040204020203" pitchFamily="34" charset="0"/>
+              </a:rPr>
+              <a:t>RHEL8")</a:t>
+            </a:r>
+            <a:endParaRPr kumimoji="0" lang="en-US" sz="900" kern="100" dirty="0">
+              <a:solidFill>
+                <a:sysClr val="window" lastClr="FFFFFF"/>
+              </a:solidFill>
+              <a:latin typeface="Segoe UI" panose="020B0502040204020203" pitchFamily="34" charset="0"/>
+              <a:ea typeface="Segoe UI" panose="020B0502040204020203" pitchFamily="34" charset="0"/>
+              <a:cs typeface="Segoe UI" panose="020B0502040204020203" pitchFamily="34" charset="0"/>
+            </a:endParaRPr>
           </a:p>
           <a:p>
             <a:pPr lvl="0">
@@ -22289,8 +19993,27 @@
                 <a:ea typeface="Segoe UI" panose="020B0502040204020203" pitchFamily="34" charset="0"/>
                 <a:cs typeface="Segoe UI" panose="020B0502040204020203" pitchFamily="34" charset="0"/>
               </a:rPr>
-              <a:t>) ita_os:RHEL7</a:t>
-            </a:r>
+              <a:t>) </a:t>
+            </a:r>
+            <a:r>
+              <a:rPr kumimoji="0" lang="en-US" sz="900" kern="100" dirty="0" smtClean="0">
+                <a:solidFill>
+                  <a:sysClr val="window" lastClr="FFFFFF"/>
+                </a:solidFill>
+                <a:latin typeface="Segoe UI" panose="020B0502040204020203" pitchFamily="34" charset="0"/>
+                <a:ea typeface="Segoe UI" panose="020B0502040204020203" pitchFamily="34" charset="0"/>
+                <a:cs typeface="Segoe UI" panose="020B0502040204020203" pitchFamily="34" charset="0"/>
+              </a:rPr>
+              <a:t>ita_os:RHEL8</a:t>
+            </a:r>
+            <a:endParaRPr kumimoji="0" lang="en-US" sz="900" kern="100" dirty="0">
+              <a:solidFill>
+                <a:sysClr val="window" lastClr="FFFFFF"/>
+              </a:solidFill>
+              <a:latin typeface="Segoe UI" panose="020B0502040204020203" pitchFamily="34" charset="0"/>
+              <a:ea typeface="Segoe UI" panose="020B0502040204020203" pitchFamily="34" charset="0"/>
+              <a:cs typeface="Segoe UI" panose="020B0502040204020203" pitchFamily="34" charset="0"/>
+            </a:endParaRPr>
           </a:p>
           <a:p>
             <a:pPr lvl="0">
@@ -23835,11 +21558,15 @@
               <a:buNone/>
             </a:pPr>
             <a:r>
+              <a:rPr lang="en-US" altLang="ja-JP" sz="1600" dirty="0"/>
+              <a:t>#</a:t>
+            </a:r>
+            <a:r>
               <a:rPr lang="en-US" altLang="ja-JP" sz="1600" dirty="0" smtClean="0"/>
-              <a:t>$</a:t>
-            </a:r>
-            <a:r>
-              <a:rPr lang="en-US" altLang="ja-JP" sz="1600" dirty="0" err="1"/>
+              <a:t> </a:t>
+            </a:r>
+            <a:r>
+              <a:rPr lang="en-US" altLang="ja-JP" sz="1600" dirty="0" err="1" smtClean="0"/>
               <a:t>sh</a:t>
             </a:r>
             <a:r>
@@ -24118,14 +21845,14 @@
           <p:nvPr>
             <p:extLst>
               <p:ext uri="{D42A27DB-BD31-4B8C-83A1-F6EECF244321}">
-                <p14:modId xmlns:p14="http://schemas.microsoft.com/office/powerpoint/2010/main" val="2440818691"/>
+                <p14:modId xmlns:p14="http://schemas.microsoft.com/office/powerpoint/2010/main" val="3526056848"/>
               </p:ext>
             </p:extLst>
           </p:nvPr>
         </p:nvGraphicFramePr>
         <p:xfrm>
           <a:off x="755470" y="1700760"/>
-          <a:ext cx="6552910" cy="4599261"/>
+          <a:ext cx="6552910" cy="3920492"/>
         </p:xfrm>
         <a:graphic>
           <a:graphicData uri="http://schemas.openxmlformats.org/drawingml/2006/table">
@@ -24137,21 +21864,21 @@
                 <a:gridCol w="1724450">
                   <a:extLst>
                     <a:ext uri="{9D8B030D-6E8A-4147-A177-3AD203B41FA5}">
-                      <a16:colId xmlns:a16="http://schemas.microsoft.com/office/drawing/2014/main" xmlns="" val="20000"/>
+                      <a16:colId xmlns:a16="http://schemas.microsoft.com/office/drawing/2014/main" val="20000"/>
                     </a:ext>
                   </a:extLst>
                 </a:gridCol>
                 <a:gridCol w="1788449">
                   <a:extLst>
                     <a:ext uri="{9D8B030D-6E8A-4147-A177-3AD203B41FA5}">
-                      <a16:colId xmlns:a16="http://schemas.microsoft.com/office/drawing/2014/main" xmlns="" val="20001"/>
+                      <a16:colId xmlns:a16="http://schemas.microsoft.com/office/drawing/2014/main" val="20001"/>
                     </a:ext>
                   </a:extLst>
                 </a:gridCol>
                 <a:gridCol w="3040011">
                   <a:extLst>
                     <a:ext uri="{9D8B030D-6E8A-4147-A177-3AD203B41FA5}">
-                      <a16:colId xmlns:a16="http://schemas.microsoft.com/office/drawing/2014/main" xmlns="" val="20002"/>
+                      <a16:colId xmlns:a16="http://schemas.microsoft.com/office/drawing/2014/main" val="20002"/>
                     </a:ext>
                   </a:extLst>
                 </a:gridCol>
@@ -24264,7 +21991,7 @@
                 </a:tc>
                 <a:extLst>
                   <a:ext uri="{0D108BD9-81ED-4DB2-BD59-A6C34878D82A}">
-                    <a16:rowId xmlns:a16="http://schemas.microsoft.com/office/drawing/2014/main" xmlns="" val="10000"/>
+                    <a16:rowId xmlns:a16="http://schemas.microsoft.com/office/drawing/2014/main" val="10000"/>
                   </a:ext>
                 </a:extLst>
               </a:tr>
@@ -24358,16 +22085,37 @@
                           <a:ea typeface="Segoe UI" panose="020B0502040204020203" pitchFamily="34" charset="0"/>
                           <a:cs typeface="Segoe UI" panose="020B0502040204020203" pitchFamily="34" charset="0"/>
                         </a:rPr>
-                        <a:t>yum-utils</a:t>
+                        <a:t>yum-</a:t>
+                      </a:r>
+                      <a:r>
+                        <a:rPr lang="en-US" sz="1050" kern="100" dirty="0" err="1" smtClean="0">
+                          <a:effectLst/>
+                          <a:latin typeface="Segoe UI" panose="020B0502040204020203" pitchFamily="34" charset="0"/>
+                          <a:ea typeface="Segoe UI" panose="020B0502040204020203" pitchFamily="34" charset="0"/>
+                          <a:cs typeface="Segoe UI" panose="020B0502040204020203" pitchFamily="34" charset="0"/>
+                        </a:rPr>
+                        <a:t>utils</a:t>
                       </a:r>
                       <a:r>
                         <a:rPr lang="en-US" altLang="ja-JP" sz="1050" kern="100" dirty="0" smtClean="0">
                           <a:effectLst/>
-                          <a:latin typeface="Segoe UI" panose="020B0502040204020203" pitchFamily="34" charset="0"/>
-                          <a:ea typeface="Segoe UI" panose="020B0502040204020203" pitchFamily="34" charset="0"/>
-                          <a:cs typeface="Segoe UI" panose="020B0502040204020203" pitchFamily="34" charset="0"/>
-                        </a:rPr>
-                        <a:t>, </a:t>
+                        </a:rPr>
+                        <a:t>(*),</a:t>
+                      </a:r>
+                      <a:r>
+                        <a:rPr lang="en-US" altLang="ja-JP" sz="1050" kern="100" baseline="0" dirty="0" smtClean="0">
+                          <a:effectLst/>
+                        </a:rPr>
+                        <a:t> </a:t>
+                      </a:r>
+                      <a:r>
+                        <a:rPr lang="en-US" sz="1050" kern="100" dirty="0" err="1" smtClean="0">
+                          <a:effectLst/>
+                          <a:latin typeface="Segoe UI" panose="020B0502040204020203" pitchFamily="34" charset="0"/>
+                          <a:ea typeface="Segoe UI" panose="020B0502040204020203" pitchFamily="34" charset="0"/>
+                          <a:cs typeface="Segoe UI" panose="020B0502040204020203" pitchFamily="34" charset="0"/>
+                        </a:rPr>
+                        <a:t>createrepo</a:t>
                       </a:r>
                       <a:r>
                         <a:rPr lang="en-US" sz="1050" kern="100" dirty="0" smtClean="0">
@@ -24376,7 +22124,7 @@
                           <a:ea typeface="Segoe UI" panose="020B0502040204020203" pitchFamily="34" charset="0"/>
                           <a:cs typeface="Segoe UI" panose="020B0502040204020203" pitchFamily="34" charset="0"/>
                         </a:rPr>
-                        <a:t>createrepo</a:t>
+                        <a:t>(*)</a:t>
                       </a:r>
                       <a:endParaRPr lang="ja-JP" sz="1050" kern="100" dirty="0">
                         <a:effectLst/>
@@ -24394,7 +22142,7 @@
                 </a:tc>
                 <a:extLst>
                   <a:ext uri="{0D108BD9-81ED-4DB2-BD59-A6C34878D82A}">
-                    <a16:rowId xmlns:a16="http://schemas.microsoft.com/office/drawing/2014/main" xmlns="" val="10001"/>
+                    <a16:rowId xmlns:a16="http://schemas.microsoft.com/office/drawing/2014/main" val="10001"/>
                   </a:ext>
                 </a:extLst>
               </a:tr>
@@ -24554,7 +22302,7 @@
                 </a:tc>
                 <a:extLst>
                   <a:ext uri="{0D108BD9-81ED-4DB2-BD59-A6C34878D82A}">
-                    <a16:rowId xmlns:a16="http://schemas.microsoft.com/office/drawing/2014/main" xmlns="" val="10002"/>
+                    <a16:rowId xmlns:a16="http://schemas.microsoft.com/office/drawing/2014/main" val="10002"/>
                   </a:ext>
                 </a:extLst>
               </a:tr>
@@ -24654,7 +22402,7 @@
                 </a:tc>
                 <a:extLst>
                   <a:ext uri="{0D108BD9-81ED-4DB2-BD59-A6C34878D82A}">
-                    <a16:rowId xmlns:a16="http://schemas.microsoft.com/office/drawing/2014/main" xmlns="" val="10003"/>
+                    <a16:rowId xmlns:a16="http://schemas.microsoft.com/office/drawing/2014/main" val="10003"/>
                   </a:ext>
                 </a:extLst>
               </a:tr>
@@ -24778,7 +22526,7 @@
                 </a:tc>
                 <a:extLst>
                   <a:ext uri="{0D108BD9-81ED-4DB2-BD59-A6C34878D82A}">
-                    <a16:rowId xmlns:a16="http://schemas.microsoft.com/office/drawing/2014/main" xmlns="" val="10004"/>
+                    <a16:rowId xmlns:a16="http://schemas.microsoft.com/office/drawing/2014/main" val="10004"/>
                   </a:ext>
                 </a:extLst>
               </a:tr>
@@ -24854,10 +22602,22 @@
                     <a:bodyPr/>
                     <a:lstStyle/>
                     <a:p>
-                      <a:pPr algn="just">
+                      <a:pPr marL="0" marR="0" lvl="0" indent="0" algn="just" defTabSz="914400" rtl="0" eaLnBrk="1" fontAlgn="auto" latinLnBrk="0" hangingPunct="1">
+                        <a:lnSpc>
+                          <a:spcPct val="100000"/>
+                        </a:lnSpc>
+                        <a:spcBef>
+                          <a:spcPts val="0"/>
+                        </a:spcBef>
                         <a:spcAft>
                           <a:spcPts val="0"/>
                         </a:spcAft>
+                        <a:buClrTx/>
+                        <a:buSzTx/>
+                        <a:buFontTx/>
+                        <a:buNone/>
+                        <a:tabLst/>
+                        <a:defRPr/>
                       </a:pPr>
                       <a:r>
                         <a:rPr lang="en-US" sz="1050" kern="100" dirty="0" smtClean="0">
@@ -25004,13 +22764,40 @@
                         <a:t>, </a:t>
                       </a:r>
                       <a:r>
+                        <a:rPr lang="en-US" sz="1050" kern="100" dirty="0" err="1" smtClean="0">
+                          <a:effectLst/>
+                          <a:latin typeface="Segoe UI" panose="020B0502040204020203" pitchFamily="34" charset="0"/>
+                          <a:ea typeface="Segoe UI" panose="020B0502040204020203" pitchFamily="34" charset="0"/>
+                          <a:cs typeface="Segoe UI" panose="020B0502040204020203" pitchFamily="34" charset="0"/>
+                        </a:rPr>
+                        <a:t>php</a:t>
+                      </a:r>
+                      <a:r>
                         <a:rPr lang="en-US" sz="1050" kern="100" dirty="0" smtClean="0">
                           <a:effectLst/>
                           <a:latin typeface="Segoe UI" panose="020B0502040204020203" pitchFamily="34" charset="0"/>
                           <a:ea typeface="Segoe UI" panose="020B0502040204020203" pitchFamily="34" charset="0"/>
                           <a:cs typeface="Segoe UI" panose="020B0502040204020203" pitchFamily="34" charset="0"/>
                         </a:rPr>
-                        <a:t>php-pecl-crypto</a:t>
+                        <a:t>-</a:t>
+                      </a:r>
+                      <a:r>
+                        <a:rPr lang="en-US" sz="1050" kern="100" dirty="0" err="1" smtClean="0">
+                          <a:effectLst/>
+                          <a:latin typeface="Segoe UI" panose="020B0502040204020203" pitchFamily="34" charset="0"/>
+                          <a:ea typeface="Segoe UI" panose="020B0502040204020203" pitchFamily="34" charset="0"/>
+                          <a:cs typeface="Segoe UI" panose="020B0502040204020203" pitchFamily="34" charset="0"/>
+                        </a:rPr>
+                        <a:t>pecl</a:t>
+                      </a:r>
+                      <a:r>
+                        <a:rPr lang="en-US" sz="1050" kern="100" dirty="0" smtClean="0">
+                          <a:effectLst/>
+                          <a:latin typeface="Segoe UI" panose="020B0502040204020203" pitchFamily="34" charset="0"/>
+                          <a:ea typeface="Segoe UI" panose="020B0502040204020203" pitchFamily="34" charset="0"/>
+                          <a:cs typeface="Segoe UI" panose="020B0502040204020203" pitchFamily="34" charset="0"/>
+                        </a:rPr>
+                        <a:t>-crypto</a:t>
                       </a:r>
                       <a:r>
                         <a:rPr lang="en-US" altLang="ja-JP" sz="1050" kern="100" dirty="0" smtClean="0">
@@ -25019,6 +22806,60 @@
                           <a:ea typeface="Segoe UI" panose="020B0502040204020203" pitchFamily="34" charset="0"/>
                           <a:cs typeface="Segoe UI" panose="020B0502040204020203" pitchFamily="34" charset="0"/>
                         </a:rPr>
+                        <a:t>,</a:t>
+                      </a:r>
+                      <a:r>
+                        <a:rPr lang="en-US" altLang="ja-JP" sz="1050" kern="100" baseline="0" dirty="0" smtClean="0">
+                          <a:effectLst/>
+                          <a:latin typeface="Segoe UI" panose="020B0502040204020203" pitchFamily="34" charset="0"/>
+                          <a:ea typeface="Segoe UI" panose="020B0502040204020203" pitchFamily="34" charset="0"/>
+                          <a:cs typeface="Segoe UI" panose="020B0502040204020203" pitchFamily="34" charset="0"/>
+                        </a:rPr>
+                        <a:t> </a:t>
+                      </a:r>
+                      <a:r>
+                        <a:rPr lang="en-US" sz="1050" kern="100" dirty="0" err="1" smtClean="0">
+                          <a:effectLst/>
+                          <a:latin typeface="Segoe UI" panose="020B0502040204020203" pitchFamily="34" charset="0"/>
+                          <a:ea typeface="Segoe UI" panose="020B0502040204020203" pitchFamily="34" charset="0"/>
+                          <a:cs typeface="Segoe UI" panose="020B0502040204020203" pitchFamily="34" charset="0"/>
+                        </a:rPr>
+                        <a:t>php</a:t>
+                      </a:r>
+                      <a:r>
+                        <a:rPr lang="en-US" sz="1050" kern="100" dirty="0" smtClean="0">
+                          <a:effectLst/>
+                          <a:latin typeface="Segoe UI" panose="020B0502040204020203" pitchFamily="34" charset="0"/>
+                          <a:ea typeface="Segoe UI" panose="020B0502040204020203" pitchFamily="34" charset="0"/>
+                          <a:cs typeface="Segoe UI" panose="020B0502040204020203" pitchFamily="34" charset="0"/>
+                        </a:rPr>
+                        <a:t>-</a:t>
+                      </a:r>
+                      <a:r>
+                        <a:rPr lang="en-US" sz="1050" kern="100" dirty="0" err="1" smtClean="0">
+                          <a:effectLst/>
+                          <a:latin typeface="Segoe UI" panose="020B0502040204020203" pitchFamily="34" charset="0"/>
+                          <a:ea typeface="Segoe UI" panose="020B0502040204020203" pitchFamily="34" charset="0"/>
+                          <a:cs typeface="Segoe UI" panose="020B0502040204020203" pitchFamily="34" charset="0"/>
+                        </a:rPr>
+                        <a:t>pecl</a:t>
+                      </a:r>
+                      <a:r>
+                        <a:rPr lang="en-US" sz="1050" kern="100" dirty="0" smtClean="0">
+                          <a:effectLst/>
+                          <a:latin typeface="Segoe UI" panose="020B0502040204020203" pitchFamily="34" charset="0"/>
+                          <a:ea typeface="Segoe UI" panose="020B0502040204020203" pitchFamily="34" charset="0"/>
+                          <a:cs typeface="Segoe UI" panose="020B0502040204020203" pitchFamily="34" charset="0"/>
+                        </a:rPr>
+                        <a:t>-zip</a:t>
+                      </a:r>
+                      <a:r>
+                        <a:rPr lang="en-US" altLang="ja-JP" sz="1050" kern="100" dirty="0" smtClean="0">
+                          <a:effectLst/>
+                          <a:latin typeface="Segoe UI" panose="020B0502040204020203" pitchFamily="34" charset="0"/>
+                          <a:ea typeface="Segoe UI" panose="020B0502040204020203" pitchFamily="34" charset="0"/>
+                          <a:cs typeface="Segoe UI" panose="020B0502040204020203" pitchFamily="34" charset="0"/>
+                        </a:rPr>
                         <a:t>, </a:t>
                       </a:r>
                       <a:r>
@@ -25028,7 +22869,7 @@
                           <a:ea typeface="Segoe UI" panose="020B0502040204020203" pitchFamily="34" charset="0"/>
                           <a:cs typeface="Segoe UI" panose="020B0502040204020203" pitchFamily="34" charset="0"/>
                         </a:rPr>
-                        <a:t>php-pecl-zip</a:t>
+                        <a:t>php-process</a:t>
                       </a:r>
                       <a:r>
                         <a:rPr lang="en-US" altLang="ja-JP" sz="1050" kern="100" dirty="0" smtClean="0">
@@ -25046,7 +22887,7 @@
                           <a:ea typeface="Segoe UI" panose="020B0502040204020203" pitchFamily="34" charset="0"/>
                           <a:cs typeface="Segoe UI" panose="020B0502040204020203" pitchFamily="34" charset="0"/>
                         </a:rPr>
-                        <a:t>php-process</a:t>
+                        <a:t>php-snmp</a:t>
                       </a:r>
                       <a:r>
                         <a:rPr lang="en-US" altLang="ja-JP" sz="1050" kern="100" dirty="0" smtClean="0">
@@ -25058,37 +22899,112 @@
                         <a:t>, </a:t>
                       </a:r>
                       <a:r>
+                        <a:rPr lang="en-US" sz="1050" kern="100" dirty="0" err="1" smtClean="0">
+                          <a:effectLst/>
+                          <a:latin typeface="Segoe UI" panose="020B0502040204020203" pitchFamily="34" charset="0"/>
+                          <a:ea typeface="Segoe UI" panose="020B0502040204020203" pitchFamily="34" charset="0"/>
+                          <a:cs typeface="Segoe UI" panose="020B0502040204020203" pitchFamily="34" charset="0"/>
+                        </a:rPr>
+                        <a:t>php</a:t>
+                      </a:r>
+                      <a:r>
                         <a:rPr lang="en-US" sz="1050" kern="100" dirty="0" smtClean="0">
                           <a:effectLst/>
                           <a:latin typeface="Segoe UI" panose="020B0502040204020203" pitchFamily="34" charset="0"/>
                           <a:ea typeface="Segoe UI" panose="020B0502040204020203" pitchFamily="34" charset="0"/>
                           <a:cs typeface="Segoe UI" panose="020B0502040204020203" pitchFamily="34" charset="0"/>
                         </a:rPr>
-                        <a:t>php-snmp</a:t>
+                        <a:t>-xml</a:t>
+                      </a:r>
+                      <a:r>
+                        <a:rPr lang="en-US" sz="1050" kern="100" dirty="0" smtClean="0">
+                          <a:effectLst/>
+                          <a:latin typeface="+mn-lt"/>
+                          <a:ea typeface="+mn-ea"/>
+                          <a:cs typeface="+mn-cs"/>
+                        </a:rPr>
+                        <a:t>,</a:t>
+                      </a:r>
+                      <a:r>
+                        <a:rPr lang="en-US" sz="1050" kern="100" baseline="0" dirty="0" smtClean="0">
+                          <a:effectLst/>
+                          <a:latin typeface="+mn-lt"/>
+                          <a:ea typeface="+mn-ea"/>
+                          <a:cs typeface="+mn-cs"/>
+                        </a:rPr>
+                        <a:t>  </a:t>
+                      </a:r>
+                      <a:r>
+                        <a:rPr lang="en-US" altLang="ja-JP" sz="1050" kern="100" dirty="0" err="1" smtClean="0">
+                          <a:effectLst/>
+                        </a:rPr>
+                        <a:t>php-json</a:t>
                       </a:r>
                       <a:r>
                         <a:rPr lang="en-US" altLang="ja-JP" sz="1050" kern="100" dirty="0" smtClean="0">
                           <a:effectLst/>
-                          <a:latin typeface="Segoe UI" panose="020B0502040204020203" pitchFamily="34" charset="0"/>
-                          <a:ea typeface="Segoe UI" panose="020B0502040204020203" pitchFamily="34" charset="0"/>
-                          <a:cs typeface="Segoe UI" panose="020B0502040204020203" pitchFamily="34" charset="0"/>
-                        </a:rPr>
-                        <a:t>, </a:t>
-                      </a:r>
-                      <a:r>
-                        <a:rPr lang="en-US" sz="1050" kern="100" dirty="0" smtClean="0">
-                          <a:effectLst/>
-                          <a:latin typeface="Segoe UI" panose="020B0502040204020203" pitchFamily="34" charset="0"/>
-                          <a:ea typeface="Segoe UI" panose="020B0502040204020203" pitchFamily="34" charset="0"/>
-                          <a:cs typeface="Segoe UI" panose="020B0502040204020203" pitchFamily="34" charset="0"/>
-                        </a:rPr>
-                        <a:t>php-xml</a:t>
-                      </a:r>
-                      <a:endParaRPr lang="ja-JP" sz="1050" kern="100" dirty="0">
+                        </a:rPr>
+                        <a:t>,</a:t>
+                      </a:r>
+                      <a:r>
+                        <a:rPr lang="en-US" altLang="ja-JP" sz="1050" kern="100" baseline="0" dirty="0" smtClean="0">
+                          <a:effectLst/>
+                        </a:rPr>
+                        <a:t>  </a:t>
+                      </a:r>
+                      <a:r>
+                        <a:rPr lang="en-US" altLang="ja-JP" sz="1050" kern="100" dirty="0" err="1" smtClean="0">
+                          <a:effectLst/>
+                        </a:rPr>
+                        <a:t>php</a:t>
+                      </a:r>
+                      <a:r>
+                        <a:rPr lang="en-US" altLang="ja-JP" sz="1050" kern="100" dirty="0" smtClean="0">
+                          <a:effectLst/>
+                        </a:rPr>
+                        <a:t>-zip,</a:t>
+                      </a:r>
+                      <a:r>
+                        <a:rPr lang="en-US" altLang="ja-JP" sz="1050" kern="100" baseline="0" dirty="0" smtClean="0">
+                          <a:effectLst/>
+                        </a:rPr>
+                        <a:t> </a:t>
+                      </a:r>
+                      <a:r>
+                        <a:rPr lang="en-US" altLang="ja-JP" sz="1050" kern="100" dirty="0" smtClean="0">
+                          <a:effectLst/>
+                        </a:rPr>
+                        <a:t> </a:t>
+                      </a:r>
+                      <a:r>
+                        <a:rPr lang="en-US" altLang="ja-JP" sz="1050" kern="100" dirty="0" err="1" smtClean="0">
+                          <a:effectLst/>
+                        </a:rPr>
+                        <a:t>php-gd</a:t>
+                      </a:r>
+                      <a:r>
+                        <a:rPr lang="en-US" altLang="ja-JP" sz="1050" kern="100" dirty="0" smtClean="0">
+                          <a:effectLst/>
+                        </a:rPr>
+                        <a:t>,</a:t>
+                      </a:r>
+                      <a:r>
+                        <a:rPr lang="ja-JP" altLang="en-US" sz="1050" kern="100" baseline="0" dirty="0" smtClean="0">
+                          <a:effectLst/>
+                        </a:rPr>
+                        <a:t>　</a:t>
+                      </a:r>
+                      <a:r>
+                        <a:rPr lang="en-US" altLang="ja-JP" sz="1050" kern="100" baseline="0" dirty="0" smtClean="0">
+                          <a:effectLst/>
+                        </a:rPr>
+                        <a:t>Python3</a:t>
+                      </a:r>
+                      <a:endParaRPr lang="ja-JP" altLang="ja-JP" sz="1050" kern="100" dirty="0" smtClean="0">
                         <a:effectLst/>
-                        <a:latin typeface="Segoe UI" panose="020B0502040204020203" pitchFamily="34" charset="0"/>
+                        <a:latin typeface="Century" panose="02040604050505020304" pitchFamily="18" charset="0"/>
                         <a:ea typeface="ＭＳ 明朝" panose="02020609040205080304" pitchFamily="17" charset="-128"/>
-                        <a:cs typeface="Segoe UI" panose="020B0502040204020203" pitchFamily="34" charset="0"/>
+                        <a:cs typeface="Times New Roman" panose="02020603050405020304" pitchFamily="18" charset="0"/>
                       </a:endParaRPr>
                     </a:p>
                   </a:txBody>
@@ -25100,7 +23016,7 @@
                 </a:tc>
                 <a:extLst>
                   <a:ext uri="{0D108BD9-81ED-4DB2-BD59-A6C34878D82A}">
-                    <a16:rowId xmlns:a16="http://schemas.microsoft.com/office/drawing/2014/main" xmlns="" val="10005"/>
+                    <a16:rowId xmlns:a16="http://schemas.microsoft.com/office/drawing/2014/main" val="10005"/>
                   </a:ext>
                 </a:extLst>
               </a:tr>
@@ -25193,13 +23109,46 @@
                         </a:tabLst>
                       </a:pPr>
                       <a:r>
+                        <a:rPr lang="en-US" sz="1050" kern="100" dirty="0" err="1" smtClean="0">
+                          <a:effectLst/>
+                          <a:latin typeface="Segoe UI" panose="020B0502040204020203" pitchFamily="34" charset="0"/>
+                          <a:ea typeface="Segoe UI" panose="020B0502040204020203" pitchFamily="34" charset="0"/>
+                          <a:cs typeface="Segoe UI" panose="020B0502040204020203" pitchFamily="34" charset="0"/>
+                        </a:rPr>
+                        <a:t>Spyc</a:t>
+                      </a:r>
+                      <a:r>
+                        <a:rPr lang="en-US" sz="1050" kern="100" dirty="0" smtClean="0">
+                          <a:effectLst/>
+                          <a:latin typeface="Segoe UI" panose="020B0502040204020203" pitchFamily="34" charset="0"/>
+                          <a:ea typeface="Segoe UI" panose="020B0502040204020203" pitchFamily="34" charset="0"/>
+                          <a:cs typeface="Segoe UI" panose="020B0502040204020203" pitchFamily="34" charset="0"/>
+                        </a:rPr>
+                        <a:t>, </a:t>
+                      </a:r>
+                      <a:r>
                         <a:rPr lang="en-US" sz="1050" kern="100" dirty="0">
                           <a:effectLst/>
                           <a:latin typeface="Segoe UI" panose="020B0502040204020203" pitchFamily="34" charset="0"/>
                           <a:ea typeface="Segoe UI" panose="020B0502040204020203" pitchFamily="34" charset="0"/>
                           <a:cs typeface="Segoe UI" panose="020B0502040204020203" pitchFamily="34" charset="0"/>
                         </a:rPr>
-                        <a:t>PHPExcel, Spyc, Twig, MDB2, HTTP_Request2, Auth, HTML_AJAX-beta</a:t>
+                        <a:t>Auth, </a:t>
+                      </a:r>
+                      <a:r>
+                        <a:rPr lang="en-US" sz="1050" kern="100" dirty="0" smtClean="0">
+                          <a:effectLst/>
+                          <a:latin typeface="Segoe UI" panose="020B0502040204020203" pitchFamily="34" charset="0"/>
+                          <a:ea typeface="Segoe UI" panose="020B0502040204020203" pitchFamily="34" charset="0"/>
+                          <a:cs typeface="Segoe UI" panose="020B0502040204020203" pitchFamily="34" charset="0"/>
+                        </a:rPr>
+                        <a:t>HTML_AJAX-beta, </a:t>
+                      </a:r>
+                      <a:r>
+                        <a:rPr lang="en-US" altLang="ja-JP" sz="1050" kern="100" dirty="0" err="1" smtClean="0">
+                          <a:effectLst/>
+                        </a:rPr>
+                        <a:t>PhpSpreadsheet</a:t>
                       </a:r>
                       <a:endParaRPr lang="ja-JP" sz="1050" kern="100" dirty="0">
                         <a:effectLst/>
@@ -25217,7 +23166,7 @@
                 </a:tc>
                 <a:extLst>
                   <a:ext uri="{0D108BD9-81ED-4DB2-BD59-A6C34878D82A}">
-                    <a16:rowId xmlns:a16="http://schemas.microsoft.com/office/drawing/2014/main" xmlns="" val="10006"/>
+                    <a16:rowId xmlns:a16="http://schemas.microsoft.com/office/drawing/2014/main" val="10006"/>
                   </a:ext>
                 </a:extLst>
               </a:tr>
@@ -25299,13 +23248,13 @@
                         </a:spcAft>
                       </a:pPr>
                       <a:r>
-                        <a:rPr lang="en-US" sz="1050" kern="100" dirty="0">
-                          <a:effectLst/>
-                          <a:latin typeface="Segoe UI" panose="020B0502040204020203" pitchFamily="34" charset="0"/>
-                          <a:ea typeface="Segoe UI" panose="020B0502040204020203" pitchFamily="34" charset="0"/>
-                          <a:cs typeface="Segoe UI" panose="020B0502040204020203" pitchFamily="34" charset="0"/>
-                        </a:rPr>
-                        <a:t>git</a:t>
+                        <a:rPr lang="en-US" sz="1050" kern="100" dirty="0" err="1" smtClean="0">
+                          <a:effectLst/>
+                          <a:latin typeface="Segoe UI" panose="020B0502040204020203" pitchFamily="34" charset="0"/>
+                          <a:ea typeface="Segoe UI" panose="020B0502040204020203" pitchFamily="34" charset="0"/>
+                          <a:cs typeface="Segoe UI" panose="020B0502040204020203" pitchFamily="34" charset="0"/>
+                        </a:rPr>
+                        <a:t>Git</a:t>
                       </a:r>
                       <a:endParaRPr lang="ja-JP" sz="1050" kern="100" dirty="0">
                         <a:effectLst/>
@@ -25323,7 +23272,7 @@
                 </a:tc>
                 <a:extLst>
                   <a:ext uri="{0D108BD9-81ED-4DB2-BD59-A6C34878D82A}">
-                    <a16:rowId xmlns:a16="http://schemas.microsoft.com/office/drawing/2014/main" xmlns="" val="10007"/>
+                    <a16:rowId xmlns:a16="http://schemas.microsoft.com/office/drawing/2014/main" val="10007"/>
                   </a:ext>
                 </a:extLst>
               </a:tr>
@@ -25405,7 +23354,7 @@
                         </a:spcAft>
                       </a:pPr>
                       <a:r>
-                        <a:rPr lang="en-US" sz="1050" kern="100" dirty="0" smtClean="0">
+                        <a:rPr lang="en-US" sz="1050" kern="100" dirty="0" err="1" smtClean="0">
                           <a:effectLst/>
                           <a:latin typeface="Segoe UI" panose="020B0502040204020203" pitchFamily="34" charset="0"/>
                           <a:ea typeface="Segoe UI" panose="020B0502040204020203" pitchFamily="34" charset="0"/>
@@ -25423,13 +23372,13 @@
                         <a:t>, </a:t>
                       </a:r>
                       <a:r>
-                        <a:rPr lang="en-US" sz="1050" kern="100" dirty="0" smtClean="0">
-                          <a:effectLst/>
-                          <a:latin typeface="Segoe UI" panose="020B0502040204020203" pitchFamily="34" charset="0"/>
-                          <a:ea typeface="Segoe UI" panose="020B0502040204020203" pitchFamily="34" charset="0"/>
-                          <a:cs typeface="Segoe UI" panose="020B0502040204020203" pitchFamily="34" charset="0"/>
-                        </a:rPr>
-                        <a:t>python-pip</a:t>
+                        <a:rPr lang="en-US" altLang="ja-JP" sz="1050" kern="100" dirty="0" err="1" smtClean="0">
+                          <a:effectLst/>
+                          <a:latin typeface="Segoe UI" panose="020B0502040204020203" pitchFamily="34" charset="0"/>
+                          <a:ea typeface="Segoe UI" panose="020B0502040204020203" pitchFamily="34" charset="0"/>
+                          <a:cs typeface="Segoe UI" panose="020B0502040204020203" pitchFamily="34" charset="0"/>
+                        </a:rPr>
+                        <a:t>sshpass</a:t>
                       </a:r>
                       <a:endParaRPr lang="ja-JP" sz="1050" kern="100" dirty="0">
                         <a:effectLst/>
@@ -25447,107 +23396,7 @@
                 </a:tc>
                 <a:extLst>
                   <a:ext uri="{0D108BD9-81ED-4DB2-BD59-A6C34878D82A}">
-                    <a16:rowId xmlns:a16="http://schemas.microsoft.com/office/drawing/2014/main" xmlns="" val="10008"/>
-                  </a:ext>
-                </a:extLst>
-              </a:tr>
-              <a:tr h="678769">
-                <a:tc>
-                  <a:txBody>
-                    <a:bodyPr/>
-                    <a:lstStyle/>
-                    <a:p>
-                      <a:pPr algn="just">
-                        <a:spcAft>
-                          <a:spcPts val="0"/>
-                        </a:spcAft>
-                      </a:pPr>
-                      <a:r>
-                        <a:rPr lang="en-US" sz="1000" kern="100" dirty="0">
-                          <a:effectLst/>
-                          <a:latin typeface="Segoe UI" panose="020B0502040204020203" pitchFamily="34" charset="0"/>
-                          <a:ea typeface="Segoe UI" panose="020B0502040204020203" pitchFamily="34" charset="0"/>
-                          <a:cs typeface="Segoe UI" panose="020B0502040204020203" pitchFamily="34" charset="0"/>
-                        </a:rPr>
-                        <a:t>cobbler_driver</a:t>
-                      </a:r>
-                      <a:endParaRPr lang="ja-JP" sz="1000" kern="100" dirty="0">
-                        <a:effectLst/>
-                        <a:latin typeface="Segoe UI" panose="020B0502040204020203" pitchFamily="34" charset="0"/>
-                        <a:ea typeface="ＭＳ 明朝" panose="02020609040205080304" pitchFamily="17" charset="-128"/>
-                        <a:cs typeface="Segoe UI" panose="020B0502040204020203" pitchFamily="34" charset="0"/>
-                      </a:endParaRPr>
-                    </a:p>
-                  </a:txBody>
-                  <a:tcPr marL="68580" marR="68580" marT="0" marB="0" anchor="ctr">
-                    <a:solidFill>
-                      <a:srgbClr val="002B62"/>
-                    </a:solidFill>
-                  </a:tcPr>
-                </a:tc>
-                <a:tc>
-                  <a:txBody>
-                    <a:bodyPr/>
-                    <a:lstStyle/>
-                    <a:p>
-                      <a:pPr algn="just">
-                        <a:spcAft>
-                          <a:spcPts val="0"/>
-                        </a:spcAft>
-                      </a:pPr>
-                      <a:r>
-                        <a:rPr lang="en-US" sz="1050" kern="100" dirty="0" smtClean="0">
-                          <a:effectLst/>
-                          <a:latin typeface="Segoe UI" panose="020B0502040204020203" pitchFamily="34" charset="0"/>
-                          <a:ea typeface="Segoe UI" panose="020B0502040204020203" pitchFamily="34" charset="0"/>
-                          <a:cs typeface="Segoe UI" panose="020B0502040204020203" pitchFamily="34" charset="0"/>
-                        </a:rPr>
-                        <a:t>Cobbler</a:t>
-                      </a:r>
-                      <a:endParaRPr lang="ja-JP" sz="1050" kern="100" dirty="0">
-                        <a:effectLst/>
-                        <a:latin typeface="Segoe UI" panose="020B0502040204020203" pitchFamily="34" charset="0"/>
-                        <a:ea typeface="ＭＳ 明朝" panose="02020609040205080304" pitchFamily="17" charset="-128"/>
-                        <a:cs typeface="Segoe UI" panose="020B0502040204020203" pitchFamily="34" charset="0"/>
-                      </a:endParaRPr>
-                    </a:p>
-                  </a:txBody>
-                  <a:tcPr marL="68580" marR="68580" marT="0" marB="0" anchor="ctr">
-                    <a:solidFill>
-                      <a:srgbClr val="CBCDD3"/>
-                    </a:solidFill>
-                  </a:tcPr>
-                </a:tc>
-                <a:tc>
-                  <a:txBody>
-                    <a:bodyPr/>
-                    <a:lstStyle/>
-                    <a:p>
-                      <a:pPr algn="just">
-                        <a:spcAft>
-                          <a:spcPts val="0"/>
-                        </a:spcAft>
-                      </a:pPr>
-                      <a:r>
-                        <a:rPr lang="en-US" sz="1050" kern="100" dirty="0" smtClean="0">
-                          <a:effectLst/>
-                          <a:latin typeface="Segoe UI" panose="020B0502040204020203" pitchFamily="34" charset="0"/>
-                          <a:ea typeface="Segoe UI" panose="020B0502040204020203" pitchFamily="34" charset="0"/>
-                          <a:cs typeface="Segoe UI" panose="020B0502040204020203" pitchFamily="34" charset="0"/>
-                        </a:rPr>
-                        <a:t>cobbler、dhcp、pykickstart、fence-agents、debmirror、xinetd、cobbler-web(*1)、python-cheetah(*2)</a:t>
-                      </a:r>
-                    </a:p>
-                  </a:txBody>
-                  <a:tcPr marL="68580" marR="68580" marT="0" marB="0" anchor="ctr">
-                    <a:solidFill>
-                      <a:srgbClr val="CBCDD3"/>
-                    </a:solidFill>
-                  </a:tcPr>
-                </a:tc>
-                <a:extLst>
-                  <a:ext uri="{0D108BD9-81ED-4DB2-BD59-A6C34878D82A}">
-                    <a16:rowId xmlns:a16="http://schemas.microsoft.com/office/drawing/2014/main" xmlns="" val="10009"/>
+                    <a16:rowId xmlns:a16="http://schemas.microsoft.com/office/drawing/2014/main" val="10008"/>
                   </a:ext>
                 </a:extLst>
               </a:tr>
@@ -25563,8 +23412,8 @@
         </p:nvSpPr>
         <p:spPr>
           <a:xfrm>
-            <a:off x="7308380" y="5776440"/>
-            <a:ext cx="1835619" cy="400110"/>
+            <a:off x="7380390" y="5403016"/>
+            <a:ext cx="1835619" cy="246221"/>
           </a:xfrm>
           <a:prstGeom prst="rect">
             <a:avLst/>
@@ -25583,29 +23432,9 @@
               </a:spcAft>
             </a:pPr>
             <a:r>
-              <a:rPr lang="en-US" altLang="ja-JP" sz="1000" kern="100" dirty="0"/>
-              <a:t>*</a:t>
-            </a:r>
-            <a:r>
               <a:rPr lang="en-US" altLang="ja-JP" sz="1000" kern="100" dirty="0" smtClean="0"/>
-              <a:t>1 only RHEL7,CentOS7</a:t>
-            </a:r>
-          </a:p>
-          <a:p>
-            <a:pPr algn="just">
-              <a:spcAft>
-                <a:spcPts val="0"/>
-              </a:spcAft>
-            </a:pPr>
-            <a:r>
-              <a:rPr lang="en-US" altLang="ja-JP" sz="1000" kern="100" dirty="0"/>
-              <a:t>*</a:t>
-            </a:r>
-            <a:r>
-              <a:rPr lang="en-US" altLang="ja-JP" sz="1000" kern="100" dirty="0" smtClean="0"/>
-              <a:t>2 only RHEL7</a:t>
-            </a:r>
-            <a:endParaRPr lang="en-US" altLang="ja-JP" sz="1000" kern="100" dirty="0"/>
+              <a:t>* only RHEL7,CentOS7</a:t>
+            </a:r>
           </a:p>
         </p:txBody>
       </p:sp>
@@ -26646,7 +24475,7 @@
                 <a:ea typeface="Segoe UI" panose="020B0502040204020203" pitchFamily="34" charset="0"/>
                 <a:cs typeface="Segoe UI" panose="020B0502040204020203" pitchFamily="34" charset="0"/>
               </a:rPr>
-              <a:t>For Windows 7, the hosts file is located at the following:</a:t>
+              <a:t>For Windows 10, the hosts file is located at the following:</a:t>
             </a:r>
           </a:p>
           <a:p>
@@ -26713,7 +24542,7 @@
                 <a:gridCol w="5485765">
                   <a:extLst>
                     <a:ext uri="{9D8B030D-6E8A-4147-A177-3AD203B41FA5}">
-                      <a16:colId xmlns:a16="http://schemas.microsoft.com/office/drawing/2014/main" xmlns="" val="20000"/>
+                      <a16:colId xmlns:a16="http://schemas.microsoft.com/office/drawing/2014/main" val="20000"/>
                     </a:ext>
                   </a:extLst>
                 </a:gridCol>
@@ -26754,7 +24583,7 @@
                 </a:tc>
                 <a:extLst>
                   <a:ext uri="{0D108BD9-81ED-4DB2-BD59-A6C34878D82A}">
-                    <a16:rowId xmlns:a16="http://schemas.microsoft.com/office/drawing/2014/main" xmlns="" val="10000"/>
+                    <a16:rowId xmlns:a16="http://schemas.microsoft.com/office/drawing/2014/main" val="10000"/>
                   </a:ext>
                 </a:extLst>
               </a:tr>
@@ -26790,7 +24619,7 @@
                 <a:gridCol w="5485765">
                   <a:extLst>
                     <a:ext uri="{9D8B030D-6E8A-4147-A177-3AD203B41FA5}">
-                      <a16:colId xmlns:a16="http://schemas.microsoft.com/office/drawing/2014/main" xmlns="" val="20000"/>
+                      <a16:colId xmlns:a16="http://schemas.microsoft.com/office/drawing/2014/main" val="20000"/>
                     </a:ext>
                   </a:extLst>
                 </a:gridCol>
@@ -26944,7 +24773,7 @@
                 </a:tc>
                 <a:extLst>
                   <a:ext uri="{0D108BD9-81ED-4DB2-BD59-A6C34878D82A}">
-                    <a16:rowId xmlns:a16="http://schemas.microsoft.com/office/drawing/2014/main" xmlns="" val="10000"/>
+                    <a16:rowId xmlns:a16="http://schemas.microsoft.com/office/drawing/2014/main" val="10000"/>
                   </a:ext>
                 </a:extLst>
               </a:tr>
@@ -27704,7 +25533,7 @@
           <p:nvPr>
             <p:extLst>
               <p:ext uri="{D42A27DB-BD31-4B8C-83A1-F6EECF244321}">
-                <p14:modId xmlns:p14="http://schemas.microsoft.com/office/powerpoint/2010/main" val="3507905059"/>
+                <p14:modId xmlns:p14="http://schemas.microsoft.com/office/powerpoint/2010/main" val="3170549319"/>
               </p:ext>
             </p:extLst>
           </p:nvPr>
@@ -27723,21 +25552,21 @@
                 <a:gridCol w="1780321">
                   <a:extLst>
                     <a:ext uri="{9D8B030D-6E8A-4147-A177-3AD203B41FA5}">
-                      <a16:colId xmlns:a16="http://schemas.microsoft.com/office/drawing/2014/main" xmlns="" val="20000"/>
+                      <a16:colId xmlns:a16="http://schemas.microsoft.com/office/drawing/2014/main" val="20000"/>
                     </a:ext>
                   </a:extLst>
                 </a:gridCol>
                 <a:gridCol w="3071300">
                   <a:extLst>
                     <a:ext uri="{9D8B030D-6E8A-4147-A177-3AD203B41FA5}">
-                      <a16:colId xmlns:a16="http://schemas.microsoft.com/office/drawing/2014/main" xmlns="" val="20001"/>
+                      <a16:colId xmlns:a16="http://schemas.microsoft.com/office/drawing/2014/main" val="20001"/>
                     </a:ext>
                   </a:extLst>
                 </a:gridCol>
                 <a:gridCol w="1877461">
                   <a:extLst>
                     <a:ext uri="{9D8B030D-6E8A-4147-A177-3AD203B41FA5}">
-                      <a16:colId xmlns:a16="http://schemas.microsoft.com/office/drawing/2014/main" xmlns="" val="20002"/>
+                      <a16:colId xmlns:a16="http://schemas.microsoft.com/office/drawing/2014/main" val="20002"/>
                     </a:ext>
                   </a:extLst>
                 </a:gridCol>
@@ -27833,7 +25662,7 @@
                 </a:tc>
                 <a:extLst>
                   <a:ext uri="{0D108BD9-81ED-4DB2-BD59-A6C34878D82A}">
-                    <a16:rowId xmlns:a16="http://schemas.microsoft.com/office/drawing/2014/main" xmlns="" val="10000"/>
+                    <a16:rowId xmlns:a16="http://schemas.microsoft.com/office/drawing/2014/main" val="10000"/>
                   </a:ext>
                 </a:extLst>
               </a:tr>
@@ -27852,13 +25681,25 @@
                         <a:rPr lang="en-US" sz="900" kern="100" dirty="0">
                           <a:effectLst/>
                         </a:rPr>
-                        <a:t>RHEL 6, CentOS </a:t>
+                        <a:t>RHEL </a:t>
                       </a:r>
                       <a:r>
                         <a:rPr lang="en-US" sz="900" kern="100" dirty="0" smtClean="0">
                           <a:effectLst/>
                         </a:rPr>
-                        <a:t>6</a:t>
+                        <a:t>7, </a:t>
+                      </a:r>
+                      <a:r>
+                        <a:rPr lang="en-US" sz="900" kern="100" dirty="0">
+                          <a:effectLst/>
+                        </a:rPr>
+                        <a:t>CentOS </a:t>
+                      </a:r>
+                      <a:r>
+                        <a:rPr lang="en-US" sz="900" kern="100" dirty="0" smtClean="0">
+                          <a:effectLst/>
+                        </a:rPr>
+                        <a:t>7</a:t>
                       </a:r>
                       <a:endParaRPr lang="ja-JP" sz="1050" kern="100" dirty="0">
                         <a:effectLst/>
@@ -27900,7 +25741,7 @@
                         <a:rPr lang="en-US" sz="1000" kern="100" dirty="0" smtClean="0">
                           <a:effectLst/>
                         </a:rPr>
-                        <a:t>/ext_files_for_CentOS6.x/</a:t>
+                        <a:t>/ext_files_for_CentOS7.x/</a:t>
                       </a:r>
                       <a:r>
                         <a:rPr lang="en-US" sz="1000" kern="100" dirty="0" err="1" smtClean="0">
@@ -27960,7 +25801,7 @@
                 </a:tc>
                 <a:extLst>
                   <a:ext uri="{0D108BD9-81ED-4DB2-BD59-A6C34878D82A}">
-                    <a16:rowId xmlns:a16="http://schemas.microsoft.com/office/drawing/2014/main" xmlns="" val="10001"/>
+                    <a16:rowId xmlns:a16="http://schemas.microsoft.com/office/drawing/2014/main" val="10001"/>
                   </a:ext>
                 </a:extLst>
               </a:tr>
@@ -27979,13 +25820,25 @@
                         <a:rPr lang="en-US" sz="900" kern="100" dirty="0">
                           <a:effectLst/>
                         </a:rPr>
-                        <a:t>RHEL 7, CentOS </a:t>
+                        <a:t>RHEL </a:t>
                       </a:r>
                       <a:r>
                         <a:rPr lang="en-US" sz="900" kern="100" dirty="0" smtClean="0">
                           <a:effectLst/>
                         </a:rPr>
-                        <a:t>7</a:t>
+                        <a:t>8, </a:t>
+                      </a:r>
+                      <a:r>
+                        <a:rPr lang="en-US" sz="900" kern="100" dirty="0">
+                          <a:effectLst/>
+                        </a:rPr>
+                        <a:t>CentOS </a:t>
+                      </a:r>
+                      <a:r>
+                        <a:rPr lang="en-US" sz="900" kern="100" dirty="0" smtClean="0">
+                          <a:effectLst/>
+                        </a:rPr>
+                        <a:t>8</a:t>
                       </a:r>
                       <a:endParaRPr lang="ja-JP" sz="1050" kern="100" dirty="0">
                         <a:effectLst/>
@@ -28039,7 +25892,7 @@
                         <a:rPr lang="en-US" sz="1000" kern="100" dirty="0" smtClean="0">
                           <a:effectLst/>
                         </a:rPr>
-                        <a:t>/ext_files_for_CentOS7.x/</a:t>
+                        <a:t>/ext_files_for_CentOS8.x/</a:t>
                       </a:r>
                       <a:r>
                         <a:rPr lang="en-US" sz="1000" kern="100" dirty="0" err="1" smtClean="0">
@@ -28099,7 +25952,7 @@
                 </a:tc>
                 <a:extLst>
                   <a:ext uri="{0D108BD9-81ED-4DB2-BD59-A6C34878D82A}">
-                    <a16:rowId xmlns:a16="http://schemas.microsoft.com/office/drawing/2014/main" xmlns="" val="10002"/>
+                    <a16:rowId xmlns:a16="http://schemas.microsoft.com/office/drawing/2014/main" val="10002"/>
                   </a:ext>
                 </a:extLst>
               </a:tr>
@@ -29053,14 +26906,14 @@
           <p:nvPr>
             <p:extLst>
               <p:ext uri="{D42A27DB-BD31-4B8C-83A1-F6EECF244321}">
-                <p14:modId xmlns:p14="http://schemas.microsoft.com/office/powerpoint/2010/main" val="1394490566"/>
+                <p14:modId xmlns:p14="http://schemas.microsoft.com/office/powerpoint/2010/main" val="2057909291"/>
               </p:ext>
             </p:extLst>
           </p:nvPr>
         </p:nvGraphicFramePr>
         <p:xfrm>
           <a:off x="1259540" y="2276840"/>
-          <a:ext cx="6624920" cy="2479614"/>
+          <a:ext cx="6624920" cy="2222847"/>
         </p:xfrm>
         <a:graphic>
           <a:graphicData uri="http://schemas.openxmlformats.org/drawingml/2006/table">
@@ -29072,14 +26925,14 @@
                 <a:gridCol w="3312460">
                   <a:extLst>
                     <a:ext uri="{9D8B030D-6E8A-4147-A177-3AD203B41FA5}">
-                      <a16:colId xmlns:a16="http://schemas.microsoft.com/office/drawing/2014/main" xmlns="" val="20000"/>
+                      <a16:colId xmlns:a16="http://schemas.microsoft.com/office/drawing/2014/main" val="20000"/>
                     </a:ext>
                   </a:extLst>
                 </a:gridCol>
                 <a:gridCol w="3312460">
                   <a:extLst>
                     <a:ext uri="{9D8B030D-6E8A-4147-A177-3AD203B41FA5}">
-                      <a16:colId xmlns:a16="http://schemas.microsoft.com/office/drawing/2014/main" xmlns="" val="20001"/>
+                      <a16:colId xmlns:a16="http://schemas.microsoft.com/office/drawing/2014/main" val="20001"/>
                     </a:ext>
                   </a:extLst>
                 </a:gridCol>
@@ -29153,7 +27006,7 @@
                 </a:tc>
                 <a:extLst>
                   <a:ext uri="{0D108BD9-81ED-4DB2-BD59-A6C34878D82A}">
-                    <a16:rowId xmlns:a16="http://schemas.microsoft.com/office/drawing/2014/main" xmlns="" val="10000"/>
+                    <a16:rowId xmlns:a16="http://schemas.microsoft.com/office/drawing/2014/main" val="10000"/>
                   </a:ext>
                 </a:extLst>
               </a:tr>
@@ -29253,7 +27106,7 @@
                 </a:tc>
                 <a:extLst>
                   <a:ext uri="{0D108BD9-81ED-4DB2-BD59-A6C34878D82A}">
-                    <a16:rowId xmlns:a16="http://schemas.microsoft.com/office/drawing/2014/main" xmlns="" val="10001"/>
+                    <a16:rowId xmlns:a16="http://schemas.microsoft.com/office/drawing/2014/main" val="10001"/>
                   </a:ext>
                 </a:extLst>
               </a:tr>
@@ -29306,12 +27159,12 @@
                 </a:tc>
                 <a:extLst>
                   <a:ext uri="{0D108BD9-81ED-4DB2-BD59-A6C34878D82A}">
-                    <a16:rowId xmlns:a16="http://schemas.microsoft.com/office/drawing/2014/main" xmlns="" val="10002"/>
+                    <a16:rowId xmlns:a16="http://schemas.microsoft.com/office/drawing/2014/main" val="10002"/>
                   </a:ext>
                 </a:extLst>
               </a:tr>
               <a:tr h="256767">
-                <a:tc rowSpan="2">
+                <a:tc>
                   <a:txBody>
                     <a:bodyPr/>
                     <a:lstStyle/>
@@ -29328,7 +27181,16 @@
                           <a:ea typeface="Segoe UI" panose="020B0502040204020203" pitchFamily="34" charset="0"/>
                           <a:cs typeface="Segoe UI" panose="020B0502040204020203" pitchFamily="34" charset="0"/>
                         </a:rPr>
-                        <a:t>Creating parameter sheets</a:t>
+                        <a:t>Creating</a:t>
+                      </a:r>
+                      <a:r>
+                        <a:rPr lang="en-US" altLang="ja-JP" sz="1050" kern="100" baseline="0" dirty="0" smtClean="0">
+                          <a:effectLst/>
+                          <a:latin typeface="Segoe UI" panose="020B0502040204020203" pitchFamily="34" charset="0"/>
+                          <a:ea typeface="Segoe UI" panose="020B0502040204020203" pitchFamily="34" charset="0"/>
+                          <a:cs typeface="Segoe UI" panose="020B0502040204020203" pitchFamily="34" charset="0"/>
+                        </a:rPr>
+                        <a:t> menus</a:t>
                       </a:r>
                       <a:endParaRPr lang="ja-JP" sz="1050" kern="100" dirty="0">
                         <a:effectLst/>
@@ -29388,66 +27250,7 @@
                 </a:tc>
                 <a:extLst>
                   <a:ext uri="{0D108BD9-81ED-4DB2-BD59-A6C34878D82A}">
-                    <a16:rowId xmlns:a16="http://schemas.microsoft.com/office/drawing/2014/main" xmlns="" val="10003"/>
-                  </a:ext>
-                </a:extLst>
-              </a:tr>
-              <a:tr h="256767">
-                <a:tc vMerge="1">
-                  <a:txBody>
-                    <a:bodyPr/>
-                    <a:lstStyle/>
-                    <a:p>
-                      <a:endParaRPr kumimoji="1" lang="ja-JP" altLang="en-US"/>
-                    </a:p>
-                  </a:txBody>
-                  <a:tcPr/>
-                </a:tc>
-                <a:tc>
-                  <a:txBody>
-                    <a:bodyPr/>
-                    <a:lstStyle/>
-                    <a:p>
-                      <a:pPr algn="l">
-                        <a:spcAft>
-                          <a:spcPts val="0"/>
-                        </a:spcAft>
-                      </a:pPr>
-                      <a:r>
-                        <a:rPr lang="en-US" altLang="ja-JP" sz="1050" kern="100" dirty="0" smtClean="0">
-                          <a:effectLst/>
-                          <a:latin typeface="Segoe UI" panose="020B0502040204020203" pitchFamily="34" charset="0"/>
-                          <a:ea typeface="+mn-ea"/>
-                          <a:cs typeface="Segoe UI" panose="020B0502040204020203" pitchFamily="34" charset="0"/>
-                        </a:rPr>
-                        <a:t>Create</a:t>
-                      </a:r>
-                      <a:r>
-                        <a:rPr lang="en-US" altLang="ja-JP" sz="1050" kern="100" baseline="0" dirty="0" smtClean="0">
-                          <a:effectLst/>
-                          <a:latin typeface="Segoe UI" panose="020B0502040204020203" pitchFamily="34" charset="0"/>
-                          <a:ea typeface="+mn-ea"/>
-                          <a:cs typeface="Segoe UI" panose="020B0502040204020203" pitchFamily="34" charset="0"/>
-                        </a:rPr>
-                        <a:t> parameter list menu</a:t>
-                      </a:r>
-                      <a:endParaRPr lang="ja-JP" sz="1050" kern="100" dirty="0">
-                        <a:effectLst/>
-                        <a:latin typeface="Segoe UI" panose="020B0502040204020203" pitchFamily="34" charset="0"/>
-                        <a:ea typeface="ＭＳ 明朝" panose="02020609040205080304" pitchFamily="17" charset="-128"/>
-                        <a:cs typeface="Segoe UI" panose="020B0502040204020203" pitchFamily="34" charset="0"/>
-                      </a:endParaRPr>
-                    </a:p>
-                  </a:txBody>
-                  <a:tcPr marL="68580" marR="68580" marT="0" marB="0" anchor="ctr">
-                    <a:solidFill>
-                      <a:srgbClr val="E7E8EA"/>
-                    </a:solidFill>
-                  </a:tcPr>
-                </a:tc>
-                <a:extLst>
-                  <a:ext uri="{0D108BD9-81ED-4DB2-BD59-A6C34878D82A}">
-                    <a16:rowId xmlns:a16="http://schemas.microsoft.com/office/drawing/2014/main" xmlns="" val="10004"/>
+                    <a16:rowId xmlns:a16="http://schemas.microsoft.com/office/drawing/2014/main" val="10003"/>
                   </a:ext>
                 </a:extLst>
               </a:tr>
@@ -29547,7 +27350,7 @@
                 </a:tc>
                 <a:extLst>
                   <a:ext uri="{0D108BD9-81ED-4DB2-BD59-A6C34878D82A}">
-                    <a16:rowId xmlns:a16="http://schemas.microsoft.com/office/drawing/2014/main" xmlns="" val="10005"/>
+                    <a16:rowId xmlns:a16="http://schemas.microsoft.com/office/drawing/2014/main" val="10005"/>
                   </a:ext>
                 </a:extLst>
               </a:tr>
@@ -29597,7 +27400,7 @@
                 </a:tc>
                 <a:extLst>
                   <a:ext uri="{0D108BD9-81ED-4DB2-BD59-A6C34878D82A}">
-                    <a16:rowId xmlns:a16="http://schemas.microsoft.com/office/drawing/2014/main" xmlns="" val="10006"/>
+                    <a16:rowId xmlns:a16="http://schemas.microsoft.com/office/drawing/2014/main" val="10006"/>
                   </a:ext>
                 </a:extLst>
               </a:tr>
@@ -29647,7 +27450,7 @@
                 </a:tc>
                 <a:extLst>
                   <a:ext uri="{0D108BD9-81ED-4DB2-BD59-A6C34878D82A}">
-                    <a16:rowId xmlns:a16="http://schemas.microsoft.com/office/drawing/2014/main" xmlns="" val="10007"/>
+                    <a16:rowId xmlns:a16="http://schemas.microsoft.com/office/drawing/2014/main" val="10007"/>
                   </a:ext>
                 </a:extLst>
               </a:tr>
@@ -29697,7 +27500,7 @@
                 </a:tc>
                 <a:extLst>
                   <a:ext uri="{0D108BD9-81ED-4DB2-BD59-A6C34878D82A}">
-                    <a16:rowId xmlns:a16="http://schemas.microsoft.com/office/drawing/2014/main" xmlns="" val="10008"/>
+                    <a16:rowId xmlns:a16="http://schemas.microsoft.com/office/drawing/2014/main" val="10008"/>
                   </a:ext>
                 </a:extLst>
               </a:tr>
@@ -30171,7 +27974,7 @@
           <p:nvPr>
             <p:extLst>
               <p:ext uri="{D42A27DB-BD31-4B8C-83A1-F6EECF244321}">
-                <p14:modId xmlns:p14="http://schemas.microsoft.com/office/powerpoint/2010/main" val="4283086846"/>
+                <p14:modId xmlns:p14="http://schemas.microsoft.com/office/powerpoint/2010/main" val="3928342641"/>
               </p:ext>
             </p:extLst>
           </p:nvPr>
@@ -30190,42 +27993,42 @@
                 <a:gridCol w="1512210">
                   <a:extLst>
                     <a:ext uri="{9D8B030D-6E8A-4147-A177-3AD203B41FA5}">
-                      <a16:colId xmlns:a16="http://schemas.microsoft.com/office/drawing/2014/main" xmlns="" val="20000"/>
+                      <a16:colId xmlns:a16="http://schemas.microsoft.com/office/drawing/2014/main" val="20000"/>
                     </a:ext>
                   </a:extLst>
                 </a:gridCol>
                 <a:gridCol w="936130">
                   <a:extLst>
                     <a:ext uri="{9D8B030D-6E8A-4147-A177-3AD203B41FA5}">
-                      <a16:colId xmlns:a16="http://schemas.microsoft.com/office/drawing/2014/main" xmlns="" val="20001"/>
+                      <a16:colId xmlns:a16="http://schemas.microsoft.com/office/drawing/2014/main" val="20001"/>
                     </a:ext>
                   </a:extLst>
                 </a:gridCol>
                 <a:gridCol w="1080150">
                   <a:extLst>
                     <a:ext uri="{9D8B030D-6E8A-4147-A177-3AD203B41FA5}">
-                      <a16:colId xmlns:a16="http://schemas.microsoft.com/office/drawing/2014/main" xmlns="" val="20002"/>
+                      <a16:colId xmlns:a16="http://schemas.microsoft.com/office/drawing/2014/main" val="20002"/>
                     </a:ext>
                   </a:extLst>
                 </a:gridCol>
                 <a:gridCol w="3240450">
                   <a:extLst>
                     <a:ext uri="{9D8B030D-6E8A-4147-A177-3AD203B41FA5}">
-                      <a16:colId xmlns:a16="http://schemas.microsoft.com/office/drawing/2014/main" xmlns="" val="20003"/>
+                      <a16:colId xmlns:a16="http://schemas.microsoft.com/office/drawing/2014/main" val="20003"/>
                     </a:ext>
                   </a:extLst>
                 </a:gridCol>
                 <a:gridCol w="1224170">
                   <a:extLst>
                     <a:ext uri="{9D8B030D-6E8A-4147-A177-3AD203B41FA5}">
-                      <a16:colId xmlns:a16="http://schemas.microsoft.com/office/drawing/2014/main" xmlns="" val="20004"/>
+                      <a16:colId xmlns:a16="http://schemas.microsoft.com/office/drawing/2014/main" val="20004"/>
                     </a:ext>
                   </a:extLst>
                 </a:gridCol>
                 <a:gridCol w="936130">
                   <a:extLst>
                     <a:ext uri="{9D8B030D-6E8A-4147-A177-3AD203B41FA5}">
-                      <a16:colId xmlns:a16="http://schemas.microsoft.com/office/drawing/2014/main" xmlns="" val="20005"/>
+                      <a16:colId xmlns:a16="http://schemas.microsoft.com/office/drawing/2014/main" val="20005"/>
                     </a:ext>
                   </a:extLst>
                 </a:gridCol>
@@ -30453,7 +28256,7 @@
                 </a:tc>
                 <a:extLst>
                   <a:ext uri="{0D108BD9-81ED-4DB2-BD59-A6C34878D82A}">
-                    <a16:rowId xmlns:a16="http://schemas.microsoft.com/office/drawing/2014/main" xmlns="" val="10000"/>
+                    <a16:rowId xmlns:a16="http://schemas.microsoft.com/office/drawing/2014/main" val="10000"/>
                   </a:ext>
                 </a:extLst>
               </a:tr>
@@ -30715,7 +28518,7 @@
                 </a:tc>
                 <a:extLst>
                   <a:ext uri="{0D108BD9-81ED-4DB2-BD59-A6C34878D82A}">
-                    <a16:rowId xmlns:a16="http://schemas.microsoft.com/office/drawing/2014/main" xmlns="" val="10001"/>
+                    <a16:rowId xmlns:a16="http://schemas.microsoft.com/office/drawing/2014/main" val="10001"/>
                   </a:ext>
                 </a:extLst>
               </a:tr>
@@ -30798,7 +28601,19 @@
                           <a:ea typeface="Segoe UI" panose="020B0502040204020203" pitchFamily="34" charset="0"/>
                           <a:cs typeface="Segoe UI" panose="020B0502040204020203" pitchFamily="34" charset="0"/>
                         </a:rPr>
-                        <a:t>Creation of parameter sheets</a:t>
+                        <a:t>Creation of </a:t>
+                      </a:r>
+                      <a:r>
+                        <a:rPr lang="en-US" altLang="ja-JP" sz="900" b="0" i="0" u="none" kern="0" dirty="0" smtClean="0">
+                          <a:solidFill>
+                            <a:srgbClr val="000000"/>
+                          </a:solidFill>
+                          <a:effectLst/>
+                          <a:latin typeface="Segoe UI" panose="020B0502040204020203" pitchFamily="34" charset="0"/>
+                          <a:ea typeface="Segoe UI" panose="020B0502040204020203" pitchFamily="34" charset="0"/>
+                          <a:cs typeface="Segoe UI" panose="020B0502040204020203" pitchFamily="34" charset="0"/>
+                        </a:rPr>
+                        <a:t>menus</a:t>
                       </a:r>
                       <a:endParaRPr lang="ja-JP" sz="1050" b="0" i="0" u="none" kern="100" dirty="0">
                         <a:solidFill>
@@ -30845,28 +28660,7 @@
                           <a:ea typeface="Segoe UI" panose="020B0502040204020203" pitchFamily="34" charset="0"/>
                           <a:cs typeface="Segoe UI" panose="020B0502040204020203" pitchFamily="34" charset="0"/>
                         </a:rPr>
-                        <a:t>reate and manage </a:t>
-                      </a:r>
-                      <a:r>
-                        <a:rPr lang="en-US" altLang="ja-JP" sz="900" b="0" i="0" u="none" kern="100" dirty="0" smtClean="0">
-                          <a:solidFill>
-                            <a:srgbClr val="000000"/>
-                          </a:solidFill>
-                          <a:effectLst/>
-                          <a:latin typeface="Segoe UI" panose="020B0502040204020203" pitchFamily="34" charset="0"/>
-                          <a:ea typeface="Segoe UI" panose="020B0502040204020203" pitchFamily="34" charset="0"/>
-                          <a:cs typeface="Segoe UI" panose="020B0502040204020203" pitchFamily="34" charset="0"/>
-                        </a:rPr>
-                        <a:t>parameter sheets </a:t>
-                      </a:r>
-                      <a:r>
-                        <a:rPr lang="en-US" altLang="ja-JP" sz="900" kern="100" dirty="0" smtClean="0">
-                          <a:effectLst/>
-                          <a:latin typeface="Segoe UI" panose="020B0502040204020203" pitchFamily="34" charset="0"/>
-                          <a:ea typeface="Segoe UI" panose="020B0502040204020203" pitchFamily="34" charset="0"/>
-                          <a:cs typeface="Segoe UI" panose="020B0502040204020203" pitchFamily="34" charset="0"/>
-                        </a:rPr>
-                        <a:t>(</a:t>
+                        <a:t>reate </a:t>
                       </a:r>
                       <a:r>
                         <a:rPr lang="en-US" sz="900" kern="100" dirty="0" smtClean="0">
@@ -30875,7 +28669,7 @@
                           <a:ea typeface="Segoe UI" panose="020B0502040204020203" pitchFamily="34" charset="0"/>
                           <a:cs typeface="Segoe UI" panose="020B0502040204020203" pitchFamily="34" charset="0"/>
                         </a:rPr>
-                        <a:t>Web menus)</a:t>
+                        <a:t>menus</a:t>
                       </a:r>
                       <a:r>
                         <a:rPr lang="en-US" altLang="ja-JP" sz="900" kern="100" dirty="0" smtClean="0">
@@ -30968,7 +28762,7 @@
                 </a:tc>
                 <a:extLst>
                   <a:ext uri="{0D108BD9-81ED-4DB2-BD59-A6C34878D82A}">
-                    <a16:rowId xmlns:a16="http://schemas.microsoft.com/office/drawing/2014/main" xmlns="" val="10002"/>
+                    <a16:rowId xmlns:a16="http://schemas.microsoft.com/office/drawing/2014/main" val="10002"/>
                   </a:ext>
                 </a:extLst>
               </a:tr>
@@ -31218,7 +29012,7 @@
                 </a:tc>
                 <a:extLst>
                   <a:ext uri="{0D108BD9-81ED-4DB2-BD59-A6C34878D82A}">
-                    <a16:rowId xmlns:a16="http://schemas.microsoft.com/office/drawing/2014/main" xmlns="" val="10003"/>
+                    <a16:rowId xmlns:a16="http://schemas.microsoft.com/office/drawing/2014/main" val="10003"/>
                   </a:ext>
                 </a:extLst>
               </a:tr>
@@ -31572,7 +29366,7 @@
                 </a:tc>
                 <a:extLst>
                   <a:ext uri="{0D108BD9-81ED-4DB2-BD59-A6C34878D82A}">
-                    <a16:rowId xmlns:a16="http://schemas.microsoft.com/office/drawing/2014/main" xmlns="" val="10004"/>
+                    <a16:rowId xmlns:a16="http://schemas.microsoft.com/office/drawing/2014/main" val="10004"/>
                   </a:ext>
                 </a:extLst>
               </a:tr>
@@ -31798,7 +29592,7 @@
                 </a:tc>
                 <a:extLst>
                   <a:ext uri="{0D108BD9-81ED-4DB2-BD59-A6C34878D82A}">
-                    <a16:rowId xmlns:a16="http://schemas.microsoft.com/office/drawing/2014/main" xmlns="" val="10005"/>
+                    <a16:rowId xmlns:a16="http://schemas.microsoft.com/office/drawing/2014/main" val="10005"/>
                   </a:ext>
                 </a:extLst>
               </a:tr>
@@ -32031,16 +29825,16 @@
                         </a:spcAft>
                       </a:pPr>
                       <a:r>
-                        <a:rPr lang="en-US" sz="900" b="0" i="0" u="none" kern="100" dirty="0" smtClean="0">
+                        <a:rPr lang="en-US" altLang="ja-JP" sz="900" b="0" i="0" u="none" kern="100" dirty="0" smtClean="0">
                           <a:solidFill>
                             <a:srgbClr val="000000"/>
                           </a:solidFill>
                           <a:effectLst/>
                           <a:latin typeface="Segoe UI" panose="020B0502040204020203" pitchFamily="34" charset="0"/>
-                          <a:ea typeface="Segoe UI" panose="020B0502040204020203" pitchFamily="34" charset="0"/>
-                          <a:cs typeface="Segoe UI" panose="020B0502040204020203" pitchFamily="34" charset="0"/>
-                        </a:rPr>
-                        <a:t>Yes</a:t>
+                          <a:ea typeface="ＭＳ 明朝" panose="02020609040205080304" pitchFamily="17" charset="-128"/>
+                          <a:cs typeface="Segoe UI" panose="020B0502040204020203" pitchFamily="34" charset="0"/>
+                        </a:rPr>
+                        <a:t>No</a:t>
                       </a:r>
                       <a:endParaRPr lang="ja-JP" sz="1050" b="0" i="0" u="none" kern="100" dirty="0">
                         <a:solidFill>
@@ -32095,7 +29889,7 @@
                 </a:tc>
                 <a:extLst>
                   <a:ext uri="{0D108BD9-81ED-4DB2-BD59-A6C34878D82A}">
-                    <a16:rowId xmlns:a16="http://schemas.microsoft.com/office/drawing/2014/main" xmlns="" val="10006"/>
+                    <a16:rowId xmlns:a16="http://schemas.microsoft.com/office/drawing/2014/main" val="10006"/>
                   </a:ext>
                 </a:extLst>
               </a:tr>
@@ -32371,7 +30165,7 @@
                 </a:tc>
                 <a:extLst>
                   <a:ext uri="{0D108BD9-81ED-4DB2-BD59-A6C34878D82A}">
-                    <a16:rowId xmlns:a16="http://schemas.microsoft.com/office/drawing/2014/main" xmlns="" val="10007"/>
+                    <a16:rowId xmlns:a16="http://schemas.microsoft.com/office/drawing/2014/main" val="10007"/>
                   </a:ext>
                 </a:extLst>
               </a:tr>
@@ -32686,7 +30480,7 @@
                 </a:tc>
                 <a:extLst>
                   <a:ext uri="{0D108BD9-81ED-4DB2-BD59-A6C34878D82A}">
-                    <a16:rowId xmlns:a16="http://schemas.microsoft.com/office/drawing/2014/main" xmlns="" val="10008"/>
+                    <a16:rowId xmlns:a16="http://schemas.microsoft.com/office/drawing/2014/main" val="10008"/>
                   </a:ext>
                 </a:extLst>
               </a:tr>
@@ -32810,1483 +30604,40 @@
               </a:rPr>
               <a:t>IT Automation:</a:t>
             </a:r>
-            <a:endParaRPr lang="en-US" altLang="ja-JP" dirty="0" smtClean="0">
-              <a:latin typeface="Segoe UI" panose="020B0502040204020203" pitchFamily="34" charset="0"/>
-              <a:ea typeface="Segoe UI" panose="020B0502040204020203" pitchFamily="34" charset="0"/>
-              <a:cs typeface="Segoe UI" panose="020B0502040204020203" pitchFamily="34" charset="0"/>
-            </a:endParaRPr>
           </a:p>
           <a:p>
             <a:pPr lvl="1"/>
             <a:r>
+              <a:rPr lang="en-US" altLang="ja-JP" dirty="0">
+                <a:latin typeface="Segoe UI" panose="020B0502040204020203" pitchFamily="34" charset="0"/>
+                <a:cs typeface="Segoe UI" panose="020B0502040204020203" pitchFamily="34" charset="0"/>
+              </a:rPr>
+              <a:t>We are preparing a manual for </a:t>
+            </a:r>
+            <a:r>
+              <a:rPr lang="en-US" altLang="ja-JP" dirty="0" err="1">
+                <a:latin typeface="Segoe UI" panose="020B0502040204020203" pitchFamily="34" charset="0"/>
+                <a:cs typeface="Segoe UI" panose="020B0502040204020203" pitchFamily="34" charset="0"/>
+              </a:rPr>
+              <a:t>Exastro</a:t>
+            </a:r>
+            <a:r>
+              <a:rPr lang="en-US" altLang="ja-JP" dirty="0">
+                <a:latin typeface="Segoe UI" panose="020B0502040204020203" pitchFamily="34" charset="0"/>
+                <a:cs typeface="Segoe UI" panose="020B0502040204020203" pitchFamily="34" charset="0"/>
+              </a:rPr>
+              <a:t>-ITA system configuration and environment </a:t>
+            </a:r>
+            <a:r>
               <a:rPr lang="en-US" altLang="ja-JP" dirty="0" smtClean="0">
                 <a:latin typeface="Segoe UI" panose="020B0502040204020203" pitchFamily="34" charset="0"/>
-                <a:ea typeface="Segoe UI" panose="020B0502040204020203" pitchFamily="34" charset="0"/>
-                <a:cs typeface="Segoe UI" panose="020B0502040204020203" pitchFamily="34" charset="0"/>
-              </a:rPr>
-              <a:t>Operating conditions for the server</a:t>
-            </a:r>
-          </a:p>
-          <a:p>
-            <a:pPr lvl="1"/>
-            <a:endParaRPr lang="en-US" altLang="ja-JP" dirty="0">
-              <a:latin typeface="Segoe UI" panose="020B0502040204020203" pitchFamily="34" charset="0"/>
-              <a:ea typeface="Segoe UI" panose="020B0502040204020203" pitchFamily="34" charset="0"/>
-              <a:cs typeface="Segoe UI" panose="020B0502040204020203" pitchFamily="34" charset="0"/>
-            </a:endParaRPr>
-          </a:p>
-          <a:p>
-            <a:pPr lvl="1"/>
-            <a:endParaRPr lang="en-US" altLang="ja-JP" dirty="0" smtClean="0">
-              <a:latin typeface="Segoe UI" panose="020B0502040204020203" pitchFamily="34" charset="0"/>
-              <a:ea typeface="Segoe UI" panose="020B0502040204020203" pitchFamily="34" charset="0"/>
-              <a:cs typeface="Segoe UI" panose="020B0502040204020203" pitchFamily="34" charset="0"/>
-            </a:endParaRPr>
-          </a:p>
-          <a:p>
-            <a:pPr marL="180000" lvl="1" indent="0">
-              <a:buNone/>
-            </a:pPr>
-            <a:endParaRPr lang="en-US" altLang="ja-JP" dirty="0" smtClean="0">
-              <a:latin typeface="Segoe UI" panose="020B0502040204020203" pitchFamily="34" charset="0"/>
-              <a:ea typeface="Segoe UI" panose="020B0502040204020203" pitchFamily="34" charset="0"/>
-              <a:cs typeface="Segoe UI" panose="020B0502040204020203" pitchFamily="34" charset="0"/>
-            </a:endParaRPr>
-          </a:p>
-          <a:p>
-            <a:pPr lvl="1"/>
-            <a:r>
-              <a:rPr lang="en-US" altLang="ja-JP" dirty="0" smtClean="0">
-                <a:latin typeface="Segoe UI" panose="020B0502040204020203" pitchFamily="34" charset="0"/>
-                <a:ea typeface="Segoe UI" panose="020B0502040204020203" pitchFamily="34" charset="0"/>
-                <a:cs typeface="Segoe UI" panose="020B0502040204020203" pitchFamily="34" charset="0"/>
-              </a:rPr>
-              <a:t>Minimum </a:t>
-            </a:r>
-            <a:r>
-              <a:rPr lang="en-US" altLang="ja-JP" dirty="0">
-                <a:latin typeface="Segoe UI" panose="020B0502040204020203" pitchFamily="34" charset="0"/>
-                <a:ea typeface="Segoe UI" panose="020B0502040204020203" pitchFamily="34" charset="0"/>
-                <a:cs typeface="Segoe UI" panose="020B0502040204020203" pitchFamily="34" charset="0"/>
-              </a:rPr>
-              <a:t>specifications for the server</a:t>
-            </a:r>
-          </a:p>
-          <a:p>
-            <a:pPr lvl="1"/>
-            <a:endParaRPr lang="en-US" altLang="ja-JP" dirty="0" smtClean="0">
-              <a:latin typeface="Segoe UI" panose="020B0502040204020203" pitchFamily="34" charset="0"/>
-              <a:ea typeface="Segoe UI" panose="020B0502040204020203" pitchFamily="34" charset="0"/>
-              <a:cs typeface="Segoe UI" panose="020B0502040204020203" pitchFamily="34" charset="0"/>
-            </a:endParaRPr>
-          </a:p>
-          <a:p>
-            <a:pPr lvl="1"/>
-            <a:endParaRPr lang="en-US" altLang="ja-JP" dirty="0" smtClean="0">
-              <a:latin typeface="Segoe UI" panose="020B0502040204020203" pitchFamily="34" charset="0"/>
-              <a:ea typeface="Segoe UI" panose="020B0502040204020203" pitchFamily="34" charset="0"/>
-              <a:cs typeface="Segoe UI" panose="020B0502040204020203" pitchFamily="34" charset="0"/>
-            </a:endParaRPr>
-          </a:p>
-          <a:p>
-            <a:pPr lvl="1"/>
-            <a:endParaRPr lang="en-US" altLang="ja-JP" dirty="0">
-              <a:latin typeface="Segoe UI" panose="020B0502040204020203" pitchFamily="34" charset="0"/>
-              <a:ea typeface="Segoe UI" panose="020B0502040204020203" pitchFamily="34" charset="0"/>
-              <a:cs typeface="Segoe UI" panose="020B0502040204020203" pitchFamily="34" charset="0"/>
-            </a:endParaRPr>
-          </a:p>
-          <a:p>
-            <a:pPr marL="180000" lvl="1" indent="0">
-              <a:buNone/>
-            </a:pPr>
-            <a:endParaRPr lang="en-US" altLang="ja-JP" dirty="0" smtClean="0">
-              <a:latin typeface="Segoe UI" panose="020B0502040204020203" pitchFamily="34" charset="0"/>
-              <a:ea typeface="Segoe UI" panose="020B0502040204020203" pitchFamily="34" charset="0"/>
-              <a:cs typeface="Segoe UI" panose="020B0502040204020203" pitchFamily="34" charset="0"/>
-            </a:endParaRPr>
-          </a:p>
-          <a:p>
-            <a:pPr lvl="1"/>
-            <a:r>
-              <a:rPr lang="en-US" altLang="ja-JP" dirty="0" smtClean="0">
-                <a:latin typeface="Segoe UI" panose="020B0502040204020203" pitchFamily="34" charset="0"/>
-                <a:ea typeface="Segoe UI" panose="020B0502040204020203" pitchFamily="34" charset="0"/>
-                <a:cs typeface="Segoe UI" panose="020B0502040204020203" pitchFamily="34" charset="0"/>
-              </a:rPr>
-              <a:t>Operating </a:t>
-            </a:r>
-            <a:r>
-              <a:rPr lang="en-US" altLang="ja-JP" dirty="0">
-                <a:latin typeface="Segoe UI" panose="020B0502040204020203" pitchFamily="34" charset="0"/>
-                <a:ea typeface="Segoe UI" panose="020B0502040204020203" pitchFamily="34" charset="0"/>
-                <a:cs typeface="Segoe UI" panose="020B0502040204020203" pitchFamily="34" charset="0"/>
-              </a:rPr>
-              <a:t>conditions for the client PC</a:t>
-            </a:r>
-            <a:endParaRPr lang="en-US" altLang="ja-JP" dirty="0" smtClean="0">
-              <a:latin typeface="Segoe UI" panose="020B0502040204020203" pitchFamily="34" charset="0"/>
-              <a:ea typeface="Segoe UI" panose="020B0502040204020203" pitchFamily="34" charset="0"/>
-              <a:cs typeface="Segoe UI" panose="020B0502040204020203" pitchFamily="34" charset="0"/>
-            </a:endParaRPr>
+                <a:cs typeface="Segoe UI" panose="020B0502040204020203" pitchFamily="34" charset="0"/>
+              </a:rPr>
+              <a:t>construction.</a:t>
+            </a:r>
           </a:p>
         </p:txBody>
       </p:sp>
-      <p:graphicFrame>
-        <p:nvGraphicFramePr>
-          <p:cNvPr id="5" name="表 4"/>
-          <p:cNvGraphicFramePr>
-            <a:graphicFrameLocks noGrp="1"/>
-          </p:cNvGraphicFramePr>
-          <p:nvPr>
-            <p:extLst>
-              <p:ext uri="{D42A27DB-BD31-4B8C-83A1-F6EECF244321}">
-                <p14:modId xmlns:p14="http://schemas.microsoft.com/office/powerpoint/2010/main" val="224164051"/>
-              </p:ext>
-            </p:extLst>
-          </p:nvPr>
-        </p:nvGraphicFramePr>
-        <p:xfrm>
-          <a:off x="1283268" y="2780910"/>
-          <a:ext cx="6576490" cy="1102134"/>
-        </p:xfrm>
-        <a:graphic>
-          <a:graphicData uri="http://schemas.openxmlformats.org/drawingml/2006/table">
-            <a:tbl>
-              <a:tblPr firstRow="1" bandRow="1">
-                <a:tableStyleId>{5C22544A-7EE6-4342-B048-85BDC9FD1C3A}</a:tableStyleId>
-              </a:tblPr>
-              <a:tblGrid>
-                <a:gridCol w="3288245">
-                  <a:extLst>
-                    <a:ext uri="{9D8B030D-6E8A-4147-A177-3AD203B41FA5}">
-                      <a16:colId xmlns:a16="http://schemas.microsoft.com/office/drawing/2014/main" xmlns="" val="20000"/>
-                    </a:ext>
-                  </a:extLst>
-                </a:gridCol>
-                <a:gridCol w="3288245">
-                  <a:extLst>
-                    <a:ext uri="{9D8B030D-6E8A-4147-A177-3AD203B41FA5}">
-                      <a16:colId xmlns:a16="http://schemas.microsoft.com/office/drawing/2014/main" xmlns="" val="20001"/>
-                    </a:ext>
-                  </a:extLst>
-                </a:gridCol>
-              </a:tblGrid>
-              <a:tr h="367378">
-                <a:tc>
-                  <a:txBody>
-                    <a:bodyPr/>
-                    <a:lstStyle/>
-                    <a:p>
-                      <a:r>
-                        <a:rPr kumimoji="1" lang="en-US" altLang="ja-JP" sz="1050" b="1" kern="1200" dirty="0" smtClean="0">
-                          <a:solidFill>
-                            <a:schemeClr val="bg1"/>
-                          </a:solidFill>
-                          <a:effectLst/>
-                          <a:latin typeface="Segoe UI" panose="020B0502040204020203" pitchFamily="34" charset="0"/>
-                          <a:ea typeface="Segoe UI" panose="020B0502040204020203" pitchFamily="34" charset="0"/>
-                          <a:cs typeface="Segoe UI" panose="020B0502040204020203" pitchFamily="34" charset="0"/>
-                        </a:rPr>
-                        <a:t>CPU</a:t>
-                      </a:r>
-                      <a:endParaRPr kumimoji="1" lang="ja-JP" altLang="en-US" sz="1050" b="1" dirty="0">
-                        <a:solidFill>
-                          <a:schemeClr val="bg1"/>
-                        </a:solidFill>
-                        <a:latin typeface="Segoe UI" panose="020B0502040204020203" pitchFamily="34" charset="0"/>
-                        <a:cs typeface="Segoe UI" panose="020B0502040204020203" pitchFamily="34" charset="0"/>
-                      </a:endParaRPr>
-                    </a:p>
-                  </a:txBody>
-                  <a:tcPr anchor="ctr">
-                    <a:solidFill>
-                      <a:srgbClr val="002B62"/>
-                    </a:solidFill>
-                  </a:tcPr>
-                </a:tc>
-                <a:tc>
-                  <a:txBody>
-                    <a:bodyPr/>
-                    <a:lstStyle/>
-                    <a:p>
-                      <a:r>
-                        <a:rPr kumimoji="1" lang="en-US" altLang="ja-JP" sz="1050" b="0" kern="1200" dirty="0" smtClean="0">
-                          <a:solidFill>
-                            <a:schemeClr val="dk1"/>
-                          </a:solidFill>
-                          <a:effectLst/>
-                          <a:latin typeface="Segoe UI" panose="020B0502040204020203" pitchFamily="34" charset="0"/>
-                          <a:ea typeface="Segoe UI" panose="020B0502040204020203" pitchFamily="34" charset="0"/>
-                          <a:cs typeface="Segoe UI" panose="020B0502040204020203" pitchFamily="34" charset="0"/>
-                        </a:rPr>
-                        <a:t>1 Core</a:t>
-                      </a:r>
-                      <a:endParaRPr kumimoji="1" lang="ja-JP" altLang="en-US" sz="1050" b="0" dirty="0">
-                        <a:latin typeface="Segoe UI" panose="020B0502040204020203" pitchFamily="34" charset="0"/>
-                        <a:cs typeface="Segoe UI" panose="020B0502040204020203" pitchFamily="34" charset="0"/>
-                      </a:endParaRPr>
-                    </a:p>
-                  </a:txBody>
-                  <a:tcPr anchor="ctr">
-                    <a:solidFill>
-                      <a:srgbClr val="E7E8EA"/>
-                    </a:solidFill>
-                  </a:tcPr>
-                </a:tc>
-                <a:extLst>
-                  <a:ext uri="{0D108BD9-81ED-4DB2-BD59-A6C34878D82A}">
-                    <a16:rowId xmlns:a16="http://schemas.microsoft.com/office/drawing/2014/main" xmlns="" val="10000"/>
-                  </a:ext>
-                </a:extLst>
-              </a:tr>
-              <a:tr h="367378">
-                <a:tc>
-                  <a:txBody>
-                    <a:bodyPr/>
-                    <a:lstStyle/>
-                    <a:p>
-                      <a:r>
-                        <a:rPr kumimoji="1" lang="en-US" altLang="ja-JP" sz="1050" b="1" kern="1200" dirty="0" smtClean="0">
-                          <a:solidFill>
-                            <a:schemeClr val="bg1"/>
-                          </a:solidFill>
-                          <a:effectLst/>
-                          <a:latin typeface="Segoe UI" panose="020B0502040204020203" pitchFamily="34" charset="0"/>
-                          <a:ea typeface="Segoe UI" panose="020B0502040204020203" pitchFamily="34" charset="0"/>
-                          <a:cs typeface="Segoe UI" panose="020B0502040204020203" pitchFamily="34" charset="0"/>
-                        </a:rPr>
-                        <a:t>Memory</a:t>
-                      </a:r>
-                      <a:endParaRPr kumimoji="1" lang="ja-JP" altLang="en-US" sz="1050" b="1" dirty="0">
-                        <a:solidFill>
-                          <a:schemeClr val="bg1"/>
-                        </a:solidFill>
-                        <a:latin typeface="Segoe UI" panose="020B0502040204020203" pitchFamily="34" charset="0"/>
-                        <a:cs typeface="Segoe UI" panose="020B0502040204020203" pitchFamily="34" charset="0"/>
-                      </a:endParaRPr>
-                    </a:p>
-                  </a:txBody>
-                  <a:tcPr anchor="ctr">
-                    <a:lnB w="38100" cap="flat" cmpd="sng" algn="ctr">
-                      <a:solidFill>
-                        <a:schemeClr val="bg1"/>
-                      </a:solidFill>
-                      <a:prstDash val="solid"/>
-                      <a:round/>
-                      <a:headEnd type="none" w="med" len="med"/>
-                      <a:tailEnd type="none" w="med" len="med"/>
-                    </a:lnB>
-                    <a:solidFill>
-                      <a:srgbClr val="002B62"/>
-                    </a:solidFill>
-                  </a:tcPr>
-                </a:tc>
-                <a:tc>
-                  <a:txBody>
-                    <a:bodyPr/>
-                    <a:lstStyle/>
-                    <a:p>
-                      <a:r>
-                        <a:rPr kumimoji="1" lang="en-US" altLang="ja-JP" sz="1050" b="0" kern="1200" dirty="0" smtClean="0">
-                          <a:solidFill>
-                            <a:schemeClr val="dk1"/>
-                          </a:solidFill>
-                          <a:effectLst/>
-                          <a:latin typeface="Segoe UI" panose="020B0502040204020203" pitchFamily="34" charset="0"/>
-                          <a:ea typeface="Segoe UI" panose="020B0502040204020203" pitchFamily="34" charset="0"/>
-                          <a:cs typeface="Segoe UI" panose="020B0502040204020203" pitchFamily="34" charset="0"/>
-                        </a:rPr>
-                        <a:t>1 GB</a:t>
-                      </a:r>
-                      <a:endParaRPr kumimoji="1" lang="ja-JP" altLang="en-US" sz="1050" b="0" dirty="0">
-                        <a:latin typeface="Segoe UI" panose="020B0502040204020203" pitchFamily="34" charset="0"/>
-                        <a:cs typeface="Segoe UI" panose="020B0502040204020203" pitchFamily="34" charset="0"/>
-                      </a:endParaRPr>
-                    </a:p>
-                  </a:txBody>
-                  <a:tcPr anchor="ctr">
-                    <a:solidFill>
-                      <a:srgbClr val="CBCDD3"/>
-                    </a:solidFill>
-                  </a:tcPr>
-                </a:tc>
-                <a:extLst>
-                  <a:ext uri="{0D108BD9-81ED-4DB2-BD59-A6C34878D82A}">
-                    <a16:rowId xmlns:a16="http://schemas.microsoft.com/office/drawing/2014/main" xmlns="" val="10001"/>
-                  </a:ext>
-                </a:extLst>
-              </a:tr>
-              <a:tr h="367378">
-                <a:tc>
-                  <a:txBody>
-                    <a:bodyPr/>
-                    <a:lstStyle/>
-                    <a:p>
-                      <a:r>
-                        <a:rPr kumimoji="1" lang="en-US" altLang="ja-JP" sz="1050" b="1" kern="1200" dirty="0" smtClean="0">
-                          <a:solidFill>
-                            <a:schemeClr val="bg1"/>
-                          </a:solidFill>
-                          <a:effectLst/>
-                          <a:latin typeface="Segoe UI" panose="020B0502040204020203" pitchFamily="34" charset="0"/>
-                          <a:ea typeface="Segoe UI" panose="020B0502040204020203" pitchFamily="34" charset="0"/>
-                          <a:cs typeface="Segoe UI" panose="020B0502040204020203" pitchFamily="34" charset="0"/>
-                        </a:rPr>
-                        <a:t>Disk capacity</a:t>
-                      </a:r>
-                      <a:endParaRPr kumimoji="1" lang="ja-JP" altLang="en-US" sz="1050" b="1" dirty="0">
-                        <a:solidFill>
-                          <a:schemeClr val="bg1"/>
-                        </a:solidFill>
-                        <a:latin typeface="Segoe UI" panose="020B0502040204020203" pitchFamily="34" charset="0"/>
-                        <a:cs typeface="Segoe UI" panose="020B0502040204020203" pitchFamily="34" charset="0"/>
-                      </a:endParaRPr>
-                    </a:p>
-                  </a:txBody>
-                  <a:tcPr anchor="ctr">
-                    <a:lnT w="38100" cap="flat" cmpd="sng" algn="ctr">
-                      <a:solidFill>
-                        <a:schemeClr val="bg1"/>
-                      </a:solidFill>
-                      <a:prstDash val="solid"/>
-                      <a:round/>
-                      <a:headEnd type="none" w="med" len="med"/>
-                      <a:tailEnd type="none" w="med" len="med"/>
-                    </a:lnT>
-                    <a:solidFill>
-                      <a:srgbClr val="002B62"/>
-                    </a:solidFill>
-                  </a:tcPr>
-                </a:tc>
-                <a:tc>
-                  <a:txBody>
-                    <a:bodyPr/>
-                    <a:lstStyle/>
-                    <a:p>
-                      <a:r>
-                        <a:rPr kumimoji="1" lang="en-US" altLang="ja-JP" sz="1050" b="0" kern="1200" dirty="0" smtClean="0">
-                          <a:solidFill>
-                            <a:schemeClr val="dk1"/>
-                          </a:solidFill>
-                          <a:effectLst/>
-                          <a:latin typeface="Segoe UI" panose="020B0502040204020203" pitchFamily="34" charset="0"/>
-                          <a:ea typeface="Segoe UI" panose="020B0502040204020203" pitchFamily="34" charset="0"/>
-                          <a:cs typeface="Segoe UI" panose="020B0502040204020203" pitchFamily="34" charset="0"/>
-                        </a:rPr>
-                        <a:t>1 GB (only for the</a:t>
-                      </a:r>
-                      <a:r>
-                        <a:rPr kumimoji="1" lang="en-US" altLang="ja-JP" sz="1050" b="0" kern="1200" baseline="0" dirty="0" smtClean="0">
-                          <a:solidFill>
-                            <a:schemeClr val="dk1"/>
-                          </a:solidFill>
-                          <a:effectLst/>
-                          <a:latin typeface="Segoe UI" panose="020B0502040204020203" pitchFamily="34" charset="0"/>
-                          <a:ea typeface="Segoe UI" panose="020B0502040204020203" pitchFamily="34" charset="0"/>
-                          <a:cs typeface="Segoe UI" panose="020B0502040204020203" pitchFamily="34" charset="0"/>
-                        </a:rPr>
-                        <a:t> IT Automation</a:t>
-                      </a:r>
-                      <a:r>
-                        <a:rPr kumimoji="1" lang="en-US" altLang="ja-JP" sz="1050" b="0" kern="1200" dirty="0" smtClean="0">
-                          <a:solidFill>
-                            <a:schemeClr val="dk1"/>
-                          </a:solidFill>
-                          <a:effectLst/>
-                          <a:latin typeface="Segoe UI" panose="020B0502040204020203" pitchFamily="34" charset="0"/>
-                          <a:ea typeface="Segoe UI" panose="020B0502040204020203" pitchFamily="34" charset="0"/>
-                          <a:cs typeface="Segoe UI" panose="020B0502040204020203" pitchFamily="34" charset="0"/>
-                        </a:rPr>
-                        <a:t>)</a:t>
-                      </a:r>
-                      <a:endParaRPr kumimoji="1" lang="ja-JP" altLang="en-US" sz="1050" b="0" dirty="0">
-                        <a:latin typeface="Segoe UI" panose="020B0502040204020203" pitchFamily="34" charset="0"/>
-                        <a:cs typeface="Segoe UI" panose="020B0502040204020203" pitchFamily="34" charset="0"/>
-                      </a:endParaRPr>
-                    </a:p>
-                  </a:txBody>
-                  <a:tcPr anchor="ctr">
-                    <a:solidFill>
-                      <a:srgbClr val="E7E8EA"/>
-                    </a:solidFill>
-                  </a:tcPr>
-                </a:tc>
-                <a:extLst>
-                  <a:ext uri="{0D108BD9-81ED-4DB2-BD59-A6C34878D82A}">
-                    <a16:rowId xmlns:a16="http://schemas.microsoft.com/office/drawing/2014/main" xmlns="" val="10002"/>
-                  </a:ext>
-                </a:extLst>
-              </a:tr>
-            </a:tbl>
-          </a:graphicData>
-        </a:graphic>
-      </p:graphicFrame>
-      <p:graphicFrame>
-        <p:nvGraphicFramePr>
-          <p:cNvPr id="6" name="表 5"/>
-          <p:cNvGraphicFramePr>
-            <a:graphicFrameLocks noGrp="1"/>
-          </p:cNvGraphicFramePr>
-          <p:nvPr>
-            <p:extLst/>
-          </p:nvPr>
-        </p:nvGraphicFramePr>
-        <p:xfrm>
-          <a:off x="1283268" y="1553380"/>
-          <a:ext cx="6576490" cy="741680"/>
-        </p:xfrm>
-        <a:graphic>
-          <a:graphicData uri="http://schemas.openxmlformats.org/drawingml/2006/table">
-            <a:tbl>
-              <a:tblPr firstRow="1" bandRow="1">
-                <a:tableStyleId>{93296810-A885-4BE3-A3E7-6D5BEEA58F35}</a:tableStyleId>
-              </a:tblPr>
-              <a:tblGrid>
-                <a:gridCol w="1296180">
-                  <a:extLst>
-                    <a:ext uri="{9D8B030D-6E8A-4147-A177-3AD203B41FA5}">
-                      <a16:colId xmlns:a16="http://schemas.microsoft.com/office/drawing/2014/main" xmlns="" val="20000"/>
-                    </a:ext>
-                  </a:extLst>
-                </a:gridCol>
-                <a:gridCol w="3088147">
-                  <a:extLst>
-                    <a:ext uri="{9D8B030D-6E8A-4147-A177-3AD203B41FA5}">
-                      <a16:colId xmlns:a16="http://schemas.microsoft.com/office/drawing/2014/main" xmlns="" val="20001"/>
-                    </a:ext>
-                  </a:extLst>
-                </a:gridCol>
-                <a:gridCol w="2192163">
-                  <a:extLst>
-                    <a:ext uri="{9D8B030D-6E8A-4147-A177-3AD203B41FA5}">
-                      <a16:colId xmlns:a16="http://schemas.microsoft.com/office/drawing/2014/main" xmlns="" val="20002"/>
-                    </a:ext>
-                  </a:extLst>
-                </a:gridCol>
-              </a:tblGrid>
-              <a:tr h="370840">
-                <a:tc rowSpan="2">
-                  <a:txBody>
-                    <a:bodyPr/>
-                    <a:lstStyle/>
-                    <a:p>
-                      <a:pPr algn="l"/>
-                      <a:r>
-                        <a:rPr kumimoji="1" lang="en-US" altLang="ja-JP" sz="1000" dirty="0" smtClean="0">
-                          <a:latin typeface="Segoe UI" panose="020B0502040204020203" pitchFamily="34" charset="0"/>
-                          <a:ea typeface="Segoe UI" panose="020B0502040204020203" pitchFamily="34" charset="0"/>
-                          <a:cs typeface="Segoe UI" panose="020B0502040204020203" pitchFamily="34" charset="0"/>
-                        </a:rPr>
-                        <a:t>OS</a:t>
-                      </a:r>
-                      <a:endParaRPr kumimoji="1" lang="ja-JP" altLang="en-US" sz="1000" dirty="0">
-                        <a:latin typeface="Segoe UI" panose="020B0502040204020203" pitchFamily="34" charset="0"/>
-                        <a:cs typeface="Segoe UI" panose="020B0502040204020203" pitchFamily="34" charset="0"/>
-                      </a:endParaRPr>
-                    </a:p>
-                  </a:txBody>
-                  <a:tcPr anchor="ctr">
-                    <a:lnR w="38100" cap="flat" cmpd="sng" algn="ctr">
-                      <a:solidFill>
-                        <a:schemeClr val="bg1"/>
-                      </a:solidFill>
-                      <a:prstDash val="solid"/>
-                      <a:round/>
-                      <a:headEnd type="none" w="med" len="med"/>
-                      <a:tailEnd type="none" w="med" len="med"/>
-                    </a:lnR>
-                  </a:tcPr>
-                </a:tc>
-                <a:tc>
-                  <a:txBody>
-                    <a:bodyPr/>
-                    <a:lstStyle/>
-                    <a:p>
-                      <a:r>
-                        <a:rPr kumimoji="1" lang="en-US" altLang="ja-JP" sz="1000" b="0" kern="1200" dirty="0" smtClean="0">
-                          <a:solidFill>
-                            <a:schemeClr val="tx1"/>
-                          </a:solidFill>
-                          <a:latin typeface="Segoe UI" panose="020B0502040204020203" pitchFamily="34" charset="0"/>
-                          <a:ea typeface="Segoe UI" panose="020B0502040204020203" pitchFamily="34" charset="0"/>
-                          <a:cs typeface="Segoe UI" panose="020B0502040204020203" pitchFamily="34" charset="0"/>
-                        </a:rPr>
-                        <a:t>Red Hat Enterprise Linux</a:t>
-                      </a:r>
-                      <a:endParaRPr kumimoji="1" lang="ja-JP" altLang="en-US" sz="1000" b="0" kern="1200" dirty="0">
-                        <a:solidFill>
-                          <a:schemeClr val="tx1"/>
-                        </a:solidFill>
-                        <a:latin typeface="Segoe UI" panose="020B0502040204020203" pitchFamily="34" charset="0"/>
-                        <a:ea typeface="+mn-ea"/>
-                        <a:cs typeface="Segoe UI" panose="020B0502040204020203" pitchFamily="34" charset="0"/>
-                      </a:endParaRPr>
-                    </a:p>
-                  </a:txBody>
-                  <a:tcPr anchor="ctr">
-                    <a:lnL w="38100" cap="flat" cmpd="sng" algn="ctr">
-                      <a:solidFill>
-                        <a:schemeClr val="bg1"/>
-                      </a:solidFill>
-                      <a:prstDash val="solid"/>
-                      <a:round/>
-                      <a:headEnd type="none" w="med" len="med"/>
-                      <a:tailEnd type="none" w="med" len="med"/>
-                    </a:lnL>
-                    <a:lnB w="12700" cap="flat" cmpd="sng" algn="ctr">
-                      <a:solidFill>
-                        <a:schemeClr val="bg1"/>
-                      </a:solidFill>
-                      <a:prstDash val="solid"/>
-                      <a:round/>
-                      <a:headEnd type="none" w="med" len="med"/>
-                      <a:tailEnd type="none" w="med" len="med"/>
-                    </a:lnB>
-                    <a:solidFill>
-                      <a:srgbClr val="E7E8EA"/>
-                    </a:solidFill>
-                  </a:tcPr>
-                </a:tc>
-                <a:tc>
-                  <a:txBody>
-                    <a:bodyPr/>
-                    <a:lstStyle/>
-                    <a:p>
-                      <a:r>
-                        <a:rPr kumimoji="1" lang="en-US" altLang="ja-JP" sz="1000" b="0" dirty="0" smtClean="0">
-                          <a:solidFill>
-                            <a:schemeClr val="tx1"/>
-                          </a:solidFill>
-                          <a:latin typeface="Segoe UI" panose="020B0502040204020203" pitchFamily="34" charset="0"/>
-                          <a:ea typeface="Segoe UI" panose="020B0502040204020203" pitchFamily="34" charset="0"/>
-                          <a:cs typeface="Segoe UI" panose="020B0502040204020203" pitchFamily="34" charset="0"/>
-                        </a:rPr>
-                        <a:t>6.6 or later</a:t>
-                      </a:r>
-                      <a:endParaRPr kumimoji="1" lang="ja-JP" altLang="en-US" sz="1000" b="0" dirty="0">
-                        <a:solidFill>
-                          <a:schemeClr val="tx1"/>
-                        </a:solidFill>
-                        <a:latin typeface="Segoe UI" panose="020B0502040204020203" pitchFamily="34" charset="0"/>
-                        <a:cs typeface="Segoe UI" panose="020B0502040204020203" pitchFamily="34" charset="0"/>
-                      </a:endParaRPr>
-                    </a:p>
-                  </a:txBody>
-                  <a:tcPr anchor="ctr">
-                    <a:lnB w="12700" cap="flat" cmpd="sng" algn="ctr">
-                      <a:solidFill>
-                        <a:schemeClr val="bg1"/>
-                      </a:solidFill>
-                      <a:prstDash val="solid"/>
-                      <a:round/>
-                      <a:headEnd type="none" w="med" len="med"/>
-                      <a:tailEnd type="none" w="med" len="med"/>
-                    </a:lnB>
-                    <a:solidFill>
-                      <a:srgbClr val="E7E8EA"/>
-                    </a:solidFill>
-                  </a:tcPr>
-                </a:tc>
-                <a:extLst>
-                  <a:ext uri="{0D108BD9-81ED-4DB2-BD59-A6C34878D82A}">
-                    <a16:rowId xmlns:a16="http://schemas.microsoft.com/office/drawing/2014/main" xmlns="" val="10000"/>
-                  </a:ext>
-                </a:extLst>
-              </a:tr>
-              <a:tr h="370840">
-                <a:tc vMerge="1">
-                  <a:txBody>
-                    <a:bodyPr/>
-                    <a:lstStyle/>
-                    <a:p>
-                      <a:endParaRPr kumimoji="1" lang="ja-JP" altLang="en-US" dirty="0"/>
-                    </a:p>
-                  </a:txBody>
-                  <a:tcPr/>
-                </a:tc>
-                <a:tc>
-                  <a:txBody>
-                    <a:bodyPr/>
-                    <a:lstStyle/>
-                    <a:p>
-                      <a:r>
-                        <a:rPr kumimoji="1" lang="en-US" altLang="ja-JP" sz="1000" b="0" dirty="0" smtClean="0">
-                          <a:solidFill>
-                            <a:schemeClr val="tx1"/>
-                          </a:solidFill>
-                          <a:latin typeface="Segoe UI" panose="020B0502040204020203" pitchFamily="34" charset="0"/>
-                          <a:ea typeface="Segoe UI" panose="020B0502040204020203" pitchFamily="34" charset="0"/>
-                          <a:cs typeface="Segoe UI" panose="020B0502040204020203" pitchFamily="34" charset="0"/>
-                        </a:rPr>
-                        <a:t>CentOS</a:t>
-                      </a:r>
-                      <a:endParaRPr kumimoji="1" lang="ja-JP" altLang="en-US" sz="1000" b="0" dirty="0">
-                        <a:solidFill>
-                          <a:schemeClr val="tx1"/>
-                        </a:solidFill>
-                        <a:latin typeface="Segoe UI" panose="020B0502040204020203" pitchFamily="34" charset="0"/>
-                        <a:cs typeface="Segoe UI" panose="020B0502040204020203" pitchFamily="34" charset="0"/>
-                      </a:endParaRPr>
-                    </a:p>
-                  </a:txBody>
-                  <a:tcPr anchor="ctr">
-                    <a:lnL w="38100" cap="flat" cmpd="sng" algn="ctr">
-                      <a:solidFill>
-                        <a:schemeClr val="bg1"/>
-                      </a:solidFill>
-                      <a:prstDash val="solid"/>
-                      <a:round/>
-                      <a:headEnd type="none" w="med" len="med"/>
-                      <a:tailEnd type="none" w="med" len="med"/>
-                    </a:lnL>
-                    <a:lnT w="12700" cap="flat" cmpd="sng" algn="ctr">
-                      <a:solidFill>
-                        <a:schemeClr val="bg1"/>
-                      </a:solidFill>
-                      <a:prstDash val="solid"/>
-                      <a:round/>
-                      <a:headEnd type="none" w="med" len="med"/>
-                      <a:tailEnd type="none" w="med" len="med"/>
-                    </a:lnT>
-                  </a:tcPr>
-                </a:tc>
-                <a:tc>
-                  <a:txBody>
-                    <a:bodyPr/>
-                    <a:lstStyle/>
-                    <a:p>
-                      <a:r>
-                        <a:rPr kumimoji="1" lang="en-US" altLang="ja-JP" sz="1000" b="0" i="0" u="none" dirty="0" smtClean="0">
-                          <a:solidFill>
-                            <a:srgbClr val="000000"/>
-                          </a:solidFill>
-                          <a:latin typeface="Segoe UI" panose="020B0502040204020203" pitchFamily="34" charset="0"/>
-                          <a:ea typeface="Segoe UI" panose="020B0502040204020203" pitchFamily="34" charset="0"/>
-                          <a:cs typeface="Segoe UI" panose="020B0502040204020203" pitchFamily="34" charset="0"/>
-                        </a:rPr>
-                        <a:t>6.6 or later</a:t>
-                      </a:r>
-                      <a:endParaRPr kumimoji="1" lang="ja-JP" altLang="en-US" sz="1000" b="0" i="0" u="none" dirty="0">
-                        <a:solidFill>
-                          <a:srgbClr val="000000"/>
-                        </a:solidFill>
-                        <a:latin typeface="Segoe UI" panose="020B0502040204020203" pitchFamily="34" charset="0"/>
-                        <a:cs typeface="Segoe UI" panose="020B0502040204020203" pitchFamily="34" charset="0"/>
-                      </a:endParaRPr>
-                    </a:p>
-                  </a:txBody>
-                  <a:tcPr anchor="ctr">
-                    <a:lnT w="12700" cap="flat" cmpd="sng" algn="ctr">
-                      <a:solidFill>
-                        <a:schemeClr val="bg1"/>
-                      </a:solidFill>
-                      <a:prstDash val="solid"/>
-                      <a:round/>
-                      <a:headEnd type="none" w="med" len="med"/>
-                      <a:tailEnd type="none" w="med" len="med"/>
-                    </a:lnT>
-                  </a:tcPr>
-                </a:tc>
-                <a:extLst>
-                  <a:ext uri="{0D108BD9-81ED-4DB2-BD59-A6C34878D82A}">
-                    <a16:rowId xmlns:a16="http://schemas.microsoft.com/office/drawing/2014/main" xmlns="" val="10001"/>
-                  </a:ext>
-                </a:extLst>
-              </a:tr>
-            </a:tbl>
-          </a:graphicData>
-        </a:graphic>
-      </p:graphicFrame>
-      <p:graphicFrame>
-        <p:nvGraphicFramePr>
-          <p:cNvPr id="7" name="表 6"/>
-          <p:cNvGraphicFramePr>
-            <a:graphicFrameLocks noGrp="1"/>
-          </p:cNvGraphicFramePr>
-          <p:nvPr>
-            <p:extLst>
-              <p:ext uri="{D42A27DB-BD31-4B8C-83A1-F6EECF244321}">
-                <p14:modId xmlns:p14="http://schemas.microsoft.com/office/powerpoint/2010/main" val="1222205739"/>
-              </p:ext>
-            </p:extLst>
-          </p:nvPr>
-        </p:nvGraphicFramePr>
-        <p:xfrm>
-          <a:off x="1283268" y="4368894"/>
-          <a:ext cx="6576490" cy="1854200"/>
-        </p:xfrm>
-        <a:graphic>
-          <a:graphicData uri="http://schemas.openxmlformats.org/drawingml/2006/table">
-            <a:tbl>
-              <a:tblPr firstRow="1" bandRow="1">
-                <a:tableStyleId>{93296810-A885-4BE3-A3E7-6D5BEEA58F35}</a:tableStyleId>
-              </a:tblPr>
-              <a:tblGrid>
-                <a:gridCol w="1296180">
-                  <a:extLst>
-                    <a:ext uri="{9D8B030D-6E8A-4147-A177-3AD203B41FA5}">
-                      <a16:colId xmlns:a16="http://schemas.microsoft.com/office/drawing/2014/main" xmlns="" val="20000"/>
-                    </a:ext>
-                  </a:extLst>
-                </a:gridCol>
-                <a:gridCol w="3088147">
-                  <a:extLst>
-                    <a:ext uri="{9D8B030D-6E8A-4147-A177-3AD203B41FA5}">
-                      <a16:colId xmlns:a16="http://schemas.microsoft.com/office/drawing/2014/main" xmlns="" val="20001"/>
-                    </a:ext>
-                  </a:extLst>
-                </a:gridCol>
-                <a:gridCol w="2192163">
-                  <a:extLst>
-                    <a:ext uri="{9D8B030D-6E8A-4147-A177-3AD203B41FA5}">
-                      <a16:colId xmlns:a16="http://schemas.microsoft.com/office/drawing/2014/main" xmlns="" val="20002"/>
-                    </a:ext>
-                  </a:extLst>
-                </a:gridCol>
-              </a:tblGrid>
-              <a:tr h="370840">
-                <a:tc>
-                  <a:txBody>
-                    <a:bodyPr/>
-                    <a:lstStyle/>
-                    <a:p>
-                      <a:pPr algn="l"/>
-                      <a:r>
-                        <a:rPr kumimoji="1" lang="en-US" altLang="ja-JP" sz="1000" dirty="0" smtClean="0">
-                          <a:latin typeface="Segoe UI" panose="020B0502040204020203" pitchFamily="34" charset="0"/>
-                          <a:ea typeface="Segoe UI" panose="020B0502040204020203" pitchFamily="34" charset="0"/>
-                          <a:cs typeface="Segoe UI" panose="020B0502040204020203" pitchFamily="34" charset="0"/>
-                        </a:rPr>
-                        <a:t>OS</a:t>
-                      </a:r>
-                      <a:endParaRPr kumimoji="1" lang="ja-JP" altLang="en-US" sz="1000" dirty="0">
-                        <a:latin typeface="Segoe UI" panose="020B0502040204020203" pitchFamily="34" charset="0"/>
-                        <a:cs typeface="Segoe UI" panose="020B0502040204020203" pitchFamily="34" charset="0"/>
-                      </a:endParaRPr>
-                    </a:p>
-                  </a:txBody>
-                  <a:tcPr anchor="ctr">
-                    <a:lnR w="38100" cap="flat" cmpd="sng" algn="ctr">
-                      <a:solidFill>
-                        <a:schemeClr val="bg1"/>
-                      </a:solidFill>
-                      <a:prstDash val="solid"/>
-                      <a:round/>
-                      <a:headEnd type="none" w="med" len="med"/>
-                      <a:tailEnd type="none" w="med" len="med"/>
-                    </a:lnR>
-                  </a:tcPr>
-                </a:tc>
-                <a:tc>
-                  <a:txBody>
-                    <a:bodyPr/>
-                    <a:lstStyle/>
-                    <a:p>
-                      <a:r>
-                        <a:rPr kumimoji="1" lang="en-US" altLang="ja-JP" sz="1000" b="0" kern="1200" dirty="0" smtClean="0">
-                          <a:solidFill>
-                            <a:schemeClr val="tx1"/>
-                          </a:solidFill>
-                          <a:latin typeface="Segoe UI" panose="020B0502040204020203" pitchFamily="34" charset="0"/>
-                          <a:ea typeface="Segoe UI" panose="020B0502040204020203" pitchFamily="34" charset="0"/>
-                          <a:cs typeface="Segoe UI" panose="020B0502040204020203" pitchFamily="34" charset="0"/>
-                        </a:rPr>
-                        <a:t>Windows</a:t>
-                      </a:r>
-                      <a:endParaRPr kumimoji="1" lang="ja-JP" altLang="en-US" sz="1000" b="0" kern="1200" dirty="0">
-                        <a:solidFill>
-                          <a:schemeClr val="tx1"/>
-                        </a:solidFill>
-                        <a:latin typeface="Segoe UI" panose="020B0502040204020203" pitchFamily="34" charset="0"/>
-                        <a:ea typeface="+mn-ea"/>
-                        <a:cs typeface="Segoe UI" panose="020B0502040204020203" pitchFamily="34" charset="0"/>
-                      </a:endParaRPr>
-                    </a:p>
-                  </a:txBody>
-                  <a:tcPr anchor="ctr">
-                    <a:lnL w="38100" cap="flat" cmpd="sng" algn="ctr">
-                      <a:solidFill>
-                        <a:schemeClr val="bg1"/>
-                      </a:solidFill>
-                      <a:prstDash val="solid"/>
-                      <a:round/>
-                      <a:headEnd type="none" w="med" len="med"/>
-                      <a:tailEnd type="none" w="med" len="med"/>
-                    </a:lnL>
-                    <a:lnB w="12700" cap="flat" cmpd="sng" algn="ctr">
-                      <a:solidFill>
-                        <a:schemeClr val="bg1"/>
-                      </a:solidFill>
-                      <a:prstDash val="solid"/>
-                      <a:round/>
-                      <a:headEnd type="none" w="med" len="med"/>
-                      <a:tailEnd type="none" w="med" len="med"/>
-                    </a:lnB>
-                    <a:solidFill>
-                      <a:srgbClr val="E7E8EA"/>
-                    </a:solidFill>
-                  </a:tcPr>
-                </a:tc>
-                <a:tc>
-                  <a:txBody>
-                    <a:bodyPr/>
-                    <a:lstStyle/>
-                    <a:p>
-                      <a:r>
-                        <a:rPr kumimoji="1" lang="en-US" altLang="ja-JP" sz="1000" b="0" dirty="0" smtClean="0">
-                          <a:solidFill>
-                            <a:schemeClr val="tx1"/>
-                          </a:solidFill>
-                          <a:latin typeface="Segoe UI" panose="020B0502040204020203" pitchFamily="34" charset="0"/>
-                          <a:ea typeface="Segoe UI" panose="020B0502040204020203" pitchFamily="34" charset="0"/>
-                          <a:cs typeface="Segoe UI" panose="020B0502040204020203" pitchFamily="34" charset="0"/>
-                        </a:rPr>
-                        <a:t>Windows 7 or later</a:t>
-                      </a:r>
-                      <a:endParaRPr kumimoji="1" lang="ja-JP" altLang="en-US" sz="1000" b="0" dirty="0">
-                        <a:solidFill>
-                          <a:schemeClr val="tx1"/>
-                        </a:solidFill>
-                        <a:latin typeface="Segoe UI" panose="020B0502040204020203" pitchFamily="34" charset="0"/>
-                        <a:cs typeface="Segoe UI" panose="020B0502040204020203" pitchFamily="34" charset="0"/>
-                      </a:endParaRPr>
-                    </a:p>
-                  </a:txBody>
-                  <a:tcPr anchor="ctr">
-                    <a:lnB w="12700" cap="flat" cmpd="sng" algn="ctr">
-                      <a:solidFill>
-                        <a:schemeClr val="bg1"/>
-                      </a:solidFill>
-                      <a:prstDash val="solid"/>
-                      <a:round/>
-                      <a:headEnd type="none" w="med" len="med"/>
-                      <a:tailEnd type="none" w="med" len="med"/>
-                    </a:lnB>
-                    <a:solidFill>
-                      <a:srgbClr val="E7E8EA"/>
-                    </a:solidFill>
-                  </a:tcPr>
-                </a:tc>
-                <a:extLst>
-                  <a:ext uri="{0D108BD9-81ED-4DB2-BD59-A6C34878D82A}">
-                    <a16:rowId xmlns:a16="http://schemas.microsoft.com/office/drawing/2014/main" xmlns="" val="10000"/>
-                  </a:ext>
-                </a:extLst>
-              </a:tr>
-              <a:tr h="370840">
-                <a:tc>
-                  <a:txBody>
-                    <a:bodyPr/>
-                    <a:lstStyle/>
-                    <a:p>
-                      <a:pPr algn="l"/>
-                      <a:r>
-                        <a:rPr kumimoji="1" lang="en-US" altLang="ja-JP" sz="1000" b="1" dirty="0" smtClean="0">
-                          <a:solidFill>
-                            <a:schemeClr val="bg1"/>
-                          </a:solidFill>
-                          <a:latin typeface="Segoe UI" panose="020B0502040204020203" pitchFamily="34" charset="0"/>
-                          <a:ea typeface="Segoe UI" panose="020B0502040204020203" pitchFamily="34" charset="0"/>
-                          <a:cs typeface="Segoe UI" panose="020B0502040204020203" pitchFamily="34" charset="0"/>
-                        </a:rPr>
-                        <a:t>Application</a:t>
-                      </a:r>
-                      <a:endParaRPr kumimoji="1" lang="ja-JP" altLang="en-US" sz="1000" b="1" dirty="0">
-                        <a:solidFill>
-                          <a:schemeClr val="bg1"/>
-                        </a:solidFill>
-                        <a:latin typeface="Segoe UI" panose="020B0502040204020203" pitchFamily="34" charset="0"/>
-                        <a:cs typeface="Segoe UI" panose="020B0502040204020203" pitchFamily="34" charset="0"/>
-                      </a:endParaRPr>
-                    </a:p>
-                  </a:txBody>
-                  <a:tcPr anchor="ctr">
-                    <a:lnR w="38100" cap="flat" cmpd="sng" algn="ctr">
-                      <a:solidFill>
-                        <a:schemeClr val="bg1"/>
-                      </a:solidFill>
-                      <a:prstDash val="solid"/>
-                      <a:round/>
-                      <a:headEnd type="none" w="med" len="med"/>
-                      <a:tailEnd type="none" w="med" len="med"/>
-                    </a:lnR>
-                    <a:lnB w="38100" cap="flat" cmpd="sng" algn="ctr">
-                      <a:solidFill>
-                        <a:schemeClr val="bg1"/>
-                      </a:solidFill>
-                      <a:prstDash val="solid"/>
-                      <a:round/>
-                      <a:headEnd type="none" w="med" len="med"/>
-                      <a:tailEnd type="none" w="med" len="med"/>
-                    </a:lnB>
-                    <a:solidFill>
-                      <a:srgbClr val="002B62"/>
-                    </a:solidFill>
-                  </a:tcPr>
-                </a:tc>
-                <a:tc>
-                  <a:txBody>
-                    <a:bodyPr/>
-                    <a:lstStyle/>
-                    <a:p>
-                      <a:r>
-                        <a:rPr kumimoji="1" lang="en-US" altLang="ja-JP" sz="1000" b="0" dirty="0" smtClean="0">
-                          <a:solidFill>
-                            <a:schemeClr val="tx1"/>
-                          </a:solidFill>
-                          <a:latin typeface="Segoe UI" panose="020B0502040204020203" pitchFamily="34" charset="0"/>
-                          <a:ea typeface="Segoe UI" panose="020B0502040204020203" pitchFamily="34" charset="0"/>
-                          <a:cs typeface="Segoe UI" panose="020B0502040204020203" pitchFamily="34" charset="0"/>
-                        </a:rPr>
-                        <a:t>Excel</a:t>
-                      </a:r>
-                      <a:endParaRPr kumimoji="1" lang="ja-JP" altLang="en-US" sz="1000" b="0" dirty="0">
-                        <a:solidFill>
-                          <a:schemeClr val="tx1"/>
-                        </a:solidFill>
-                        <a:latin typeface="Segoe UI" panose="020B0502040204020203" pitchFamily="34" charset="0"/>
-                        <a:cs typeface="Segoe UI" panose="020B0502040204020203" pitchFamily="34" charset="0"/>
-                      </a:endParaRPr>
-                    </a:p>
-                  </a:txBody>
-                  <a:tcPr anchor="ctr">
-                    <a:lnL w="38100" cap="flat" cmpd="sng" algn="ctr">
-                      <a:solidFill>
-                        <a:schemeClr val="bg1"/>
-                      </a:solidFill>
-                      <a:prstDash val="solid"/>
-                      <a:round/>
-                      <a:headEnd type="none" w="med" len="med"/>
-                      <a:tailEnd type="none" w="med" len="med"/>
-                    </a:lnL>
-                    <a:lnT w="12700" cap="flat" cmpd="sng" algn="ctr">
-                      <a:solidFill>
-                        <a:schemeClr val="bg1"/>
-                      </a:solidFill>
-                      <a:prstDash val="solid"/>
-                      <a:round/>
-                      <a:headEnd type="none" w="med" len="med"/>
-                      <a:tailEnd type="none" w="med" len="med"/>
-                    </a:lnT>
-                    <a:lnB w="12700" cap="flat" cmpd="sng" algn="ctr">
-                      <a:solidFill>
-                        <a:schemeClr val="bg1"/>
-                      </a:solidFill>
-                      <a:prstDash val="solid"/>
-                      <a:round/>
-                      <a:headEnd type="none" w="med" len="med"/>
-                      <a:tailEnd type="none" w="med" len="med"/>
-                    </a:lnB>
-                  </a:tcPr>
-                </a:tc>
-                <a:tc>
-                  <a:txBody>
-                    <a:bodyPr/>
-                    <a:lstStyle/>
-                    <a:p>
-                      <a:r>
-                        <a:rPr kumimoji="1" lang="en-US" altLang="ja-JP" sz="1000" b="0" dirty="0" smtClean="0">
-                          <a:solidFill>
-                            <a:schemeClr val="tx1"/>
-                          </a:solidFill>
-                          <a:latin typeface="Segoe UI" panose="020B0502040204020203" pitchFamily="34" charset="0"/>
-                          <a:ea typeface="Segoe UI" panose="020B0502040204020203" pitchFamily="34" charset="0"/>
-                          <a:cs typeface="Segoe UI" panose="020B0502040204020203" pitchFamily="34" charset="0"/>
-                        </a:rPr>
-                        <a:t>MS Office 2007 or later</a:t>
-                      </a:r>
-                      <a:endParaRPr kumimoji="1" lang="ja-JP" altLang="en-US" sz="1000" b="0" dirty="0">
-                        <a:solidFill>
-                          <a:schemeClr val="tx1"/>
-                        </a:solidFill>
-                        <a:latin typeface="Segoe UI" panose="020B0502040204020203" pitchFamily="34" charset="0"/>
-                        <a:cs typeface="Segoe UI" panose="020B0502040204020203" pitchFamily="34" charset="0"/>
-                      </a:endParaRPr>
-                    </a:p>
-                  </a:txBody>
-                  <a:tcPr anchor="ctr">
-                    <a:lnT w="12700" cap="flat" cmpd="sng" algn="ctr">
-                      <a:solidFill>
-                        <a:schemeClr val="bg1"/>
-                      </a:solidFill>
-                      <a:prstDash val="solid"/>
-                      <a:round/>
-                      <a:headEnd type="none" w="med" len="med"/>
-                      <a:tailEnd type="none" w="med" len="med"/>
-                    </a:lnT>
-                    <a:lnB w="12700" cap="flat" cmpd="sng" algn="ctr">
-                      <a:solidFill>
-                        <a:schemeClr val="bg1"/>
-                      </a:solidFill>
-                      <a:prstDash val="solid"/>
-                      <a:round/>
-                      <a:headEnd type="none" w="med" len="med"/>
-                      <a:tailEnd type="none" w="med" len="med"/>
-                    </a:lnB>
-                  </a:tcPr>
-                </a:tc>
-                <a:extLst>
-                  <a:ext uri="{0D108BD9-81ED-4DB2-BD59-A6C34878D82A}">
-                    <a16:rowId xmlns:a16="http://schemas.microsoft.com/office/drawing/2014/main" xmlns="" val="10001"/>
-                  </a:ext>
-                </a:extLst>
-              </a:tr>
-              <a:tr h="370840">
-                <a:tc rowSpan="3">
-                  <a:txBody>
-                    <a:bodyPr/>
-                    <a:lstStyle/>
-                    <a:p>
-                      <a:pPr algn="l"/>
-                      <a:r>
-                        <a:rPr kumimoji="1" lang="en-US" altLang="ja-JP" sz="1000" b="1" dirty="0" smtClean="0">
-                          <a:solidFill>
-                            <a:schemeClr val="bg1"/>
-                          </a:solidFill>
-                          <a:latin typeface="Segoe UI" panose="020B0502040204020203" pitchFamily="34" charset="0"/>
-                          <a:ea typeface="Segoe UI" panose="020B0502040204020203" pitchFamily="34" charset="0"/>
-                          <a:cs typeface="Segoe UI" panose="020B0502040204020203" pitchFamily="34" charset="0"/>
-                        </a:rPr>
-                        <a:t>Browser</a:t>
-                      </a:r>
-                      <a:endParaRPr kumimoji="1" lang="ja-JP" altLang="en-US" sz="1000" b="1" dirty="0">
-                        <a:solidFill>
-                          <a:schemeClr val="bg1"/>
-                        </a:solidFill>
-                        <a:latin typeface="Segoe UI" panose="020B0502040204020203" pitchFamily="34" charset="0"/>
-                        <a:cs typeface="Segoe UI" panose="020B0502040204020203" pitchFamily="34" charset="0"/>
-                      </a:endParaRPr>
-                    </a:p>
-                  </a:txBody>
-                  <a:tcPr anchor="ctr">
-                    <a:lnR w="38100" cap="flat" cmpd="sng" algn="ctr">
-                      <a:solidFill>
-                        <a:schemeClr val="bg1"/>
-                      </a:solidFill>
-                      <a:prstDash val="solid"/>
-                      <a:round/>
-                      <a:headEnd type="none" w="med" len="med"/>
-                      <a:tailEnd type="none" w="med" len="med"/>
-                    </a:lnR>
-                    <a:lnT w="38100" cap="flat" cmpd="sng" algn="ctr">
-                      <a:solidFill>
-                        <a:schemeClr val="bg1"/>
-                      </a:solidFill>
-                      <a:prstDash val="solid"/>
-                      <a:round/>
-                      <a:headEnd type="none" w="med" len="med"/>
-                      <a:tailEnd type="none" w="med" len="med"/>
-                    </a:lnT>
-                    <a:solidFill>
-                      <a:srgbClr val="002B62"/>
-                    </a:solidFill>
-                  </a:tcPr>
-                </a:tc>
-                <a:tc>
-                  <a:txBody>
-                    <a:bodyPr/>
-                    <a:lstStyle/>
-                    <a:p>
-                      <a:r>
-                        <a:rPr kumimoji="1" lang="en-US" altLang="ja-JP" sz="1000" b="0" dirty="0" smtClean="0">
-                          <a:solidFill>
-                            <a:schemeClr val="tx1"/>
-                          </a:solidFill>
-                          <a:latin typeface="Segoe UI" panose="020B0502040204020203" pitchFamily="34" charset="0"/>
-                          <a:ea typeface="Segoe UI" panose="020B0502040204020203" pitchFamily="34" charset="0"/>
-                          <a:cs typeface="Segoe UI" panose="020B0502040204020203" pitchFamily="34" charset="0"/>
-                        </a:rPr>
-                        <a:t>Google Chrome</a:t>
-                      </a:r>
-                      <a:endParaRPr kumimoji="1" lang="ja-JP" altLang="en-US" sz="1000" b="0" dirty="0">
-                        <a:solidFill>
-                          <a:schemeClr val="tx1"/>
-                        </a:solidFill>
-                        <a:latin typeface="Segoe UI" panose="020B0502040204020203" pitchFamily="34" charset="0"/>
-                        <a:cs typeface="Segoe UI" panose="020B0502040204020203" pitchFamily="34" charset="0"/>
-                      </a:endParaRPr>
-                    </a:p>
-                  </a:txBody>
-                  <a:tcPr anchor="ctr">
-                    <a:lnL w="38100" cap="flat" cmpd="sng" algn="ctr">
-                      <a:solidFill>
-                        <a:schemeClr val="bg1"/>
-                      </a:solidFill>
-                      <a:prstDash val="solid"/>
-                      <a:round/>
-                      <a:headEnd type="none" w="med" len="med"/>
-                      <a:tailEnd type="none" w="med" len="med"/>
-                    </a:lnL>
-                    <a:lnT w="12700" cap="flat" cmpd="sng" algn="ctr">
-                      <a:solidFill>
-                        <a:schemeClr val="bg1"/>
-                      </a:solidFill>
-                      <a:prstDash val="solid"/>
-                      <a:round/>
-                      <a:headEnd type="none" w="med" len="med"/>
-                      <a:tailEnd type="none" w="med" len="med"/>
-                    </a:lnT>
-                    <a:lnB w="12700" cap="flat" cmpd="sng" algn="ctr">
-                      <a:solidFill>
-                        <a:schemeClr val="bg1"/>
-                      </a:solidFill>
-                      <a:prstDash val="solid"/>
-                      <a:round/>
-                      <a:headEnd type="none" w="med" len="med"/>
-                      <a:tailEnd type="none" w="med" len="med"/>
-                    </a:lnB>
-                  </a:tcPr>
-                </a:tc>
-                <a:tc>
-                  <a:txBody>
-                    <a:bodyPr/>
-                    <a:lstStyle/>
-                    <a:p>
-                      <a:r>
-                        <a:rPr kumimoji="1" lang="en-US" altLang="ja-JP" sz="1000" b="0" dirty="0" smtClean="0">
-                          <a:solidFill>
-                            <a:schemeClr val="tx1"/>
-                          </a:solidFill>
-                          <a:latin typeface="Segoe UI" panose="020B0502040204020203" pitchFamily="34" charset="0"/>
-                          <a:ea typeface="Segoe UI" panose="020B0502040204020203" pitchFamily="34" charset="0"/>
-                          <a:cs typeface="Segoe UI" panose="020B0502040204020203" pitchFamily="34" charset="0"/>
-                        </a:rPr>
-                        <a:t>73</a:t>
-                      </a:r>
-                      <a:r>
-                        <a:rPr kumimoji="1" lang="ja-JP" altLang="en-US" sz="1000" b="0" dirty="0" smtClean="0">
-                          <a:solidFill>
-                            <a:schemeClr val="tx1"/>
-                          </a:solidFill>
-                          <a:latin typeface="Segoe UI" panose="020B0502040204020203" pitchFamily="34" charset="0"/>
-                          <a:cs typeface="Segoe UI" panose="020B0502040204020203" pitchFamily="34" charset="0"/>
-                        </a:rPr>
-                        <a:t> </a:t>
-                      </a:r>
-                      <a:r>
-                        <a:rPr kumimoji="1" lang="en-US" altLang="ja-JP" sz="1000" b="0" dirty="0" smtClean="0">
-                          <a:solidFill>
-                            <a:schemeClr val="tx1"/>
-                          </a:solidFill>
-                          <a:latin typeface="Segoe UI" panose="020B0502040204020203" pitchFamily="34" charset="0"/>
-                          <a:ea typeface="Segoe UI" panose="020B0502040204020203" pitchFamily="34" charset="0"/>
-                          <a:cs typeface="Segoe UI" panose="020B0502040204020203" pitchFamily="34" charset="0"/>
-                        </a:rPr>
-                        <a:t>or later</a:t>
-                      </a:r>
-                      <a:endParaRPr kumimoji="1" lang="ja-JP" altLang="en-US" sz="1000" b="0" dirty="0">
-                        <a:solidFill>
-                          <a:schemeClr val="tx1"/>
-                        </a:solidFill>
-                        <a:latin typeface="Segoe UI" panose="020B0502040204020203" pitchFamily="34" charset="0"/>
-                        <a:cs typeface="Segoe UI" panose="020B0502040204020203" pitchFamily="34" charset="0"/>
-                      </a:endParaRPr>
-                    </a:p>
-                  </a:txBody>
-                  <a:tcPr anchor="ctr">
-                    <a:lnT w="12700" cap="flat" cmpd="sng" algn="ctr">
-                      <a:solidFill>
-                        <a:schemeClr val="bg1"/>
-                      </a:solidFill>
-                      <a:prstDash val="solid"/>
-                      <a:round/>
-                      <a:headEnd type="none" w="med" len="med"/>
-                      <a:tailEnd type="none" w="med" len="med"/>
-                    </a:lnT>
-                    <a:lnB w="12700" cap="flat" cmpd="sng" algn="ctr">
-                      <a:solidFill>
-                        <a:schemeClr val="bg1"/>
-                      </a:solidFill>
-                      <a:prstDash val="solid"/>
-                      <a:round/>
-                      <a:headEnd type="none" w="med" len="med"/>
-                      <a:tailEnd type="none" w="med" len="med"/>
-                    </a:lnB>
-                  </a:tcPr>
-                </a:tc>
-                <a:extLst>
-                  <a:ext uri="{0D108BD9-81ED-4DB2-BD59-A6C34878D82A}">
-                    <a16:rowId xmlns:a16="http://schemas.microsoft.com/office/drawing/2014/main" xmlns="" val="10002"/>
-                  </a:ext>
-                </a:extLst>
-              </a:tr>
-              <a:tr h="370840">
-                <a:tc vMerge="1">
-                  <a:txBody>
-                    <a:bodyPr/>
-                    <a:lstStyle/>
-                    <a:p>
-                      <a:pPr algn="l"/>
-                      <a:endParaRPr kumimoji="1" lang="ja-JP" altLang="en-US" sz="1000" dirty="0">
-                        <a:solidFill>
-                          <a:schemeClr val="bg1"/>
-                        </a:solidFill>
-                      </a:endParaRPr>
-                    </a:p>
-                  </a:txBody>
-                  <a:tcPr anchor="ctr">
-                    <a:lnR w="38100" cap="flat" cmpd="sng" algn="ctr">
-                      <a:solidFill>
-                        <a:schemeClr val="bg1"/>
-                      </a:solidFill>
-                      <a:prstDash val="solid"/>
-                      <a:round/>
-                      <a:headEnd type="none" w="med" len="med"/>
-                      <a:tailEnd type="none" w="med" len="med"/>
-                    </a:lnR>
-                    <a:solidFill>
-                      <a:srgbClr val="002060"/>
-                    </a:solidFill>
-                  </a:tcPr>
-                </a:tc>
-                <a:tc>
-                  <a:txBody>
-                    <a:bodyPr/>
-                    <a:lstStyle/>
-                    <a:p>
-                      <a:r>
-                        <a:rPr kumimoji="1" lang="en-US" altLang="ja-JP" sz="1000" b="0" dirty="0" smtClean="0">
-                          <a:solidFill>
-                            <a:schemeClr val="tx1"/>
-                          </a:solidFill>
-                          <a:latin typeface="Segoe UI" panose="020B0502040204020203" pitchFamily="34" charset="0"/>
-                          <a:ea typeface="Segoe UI" panose="020B0502040204020203" pitchFamily="34" charset="0"/>
-                          <a:cs typeface="Segoe UI" panose="020B0502040204020203" pitchFamily="34" charset="0"/>
-                        </a:rPr>
-                        <a:t>Firefox</a:t>
-                      </a:r>
-                      <a:endParaRPr kumimoji="1" lang="ja-JP" altLang="en-US" sz="1000" b="0" dirty="0">
-                        <a:solidFill>
-                          <a:schemeClr val="tx1"/>
-                        </a:solidFill>
-                        <a:latin typeface="Segoe UI" panose="020B0502040204020203" pitchFamily="34" charset="0"/>
-                        <a:cs typeface="Segoe UI" panose="020B0502040204020203" pitchFamily="34" charset="0"/>
-                      </a:endParaRPr>
-                    </a:p>
-                  </a:txBody>
-                  <a:tcPr anchor="ctr">
-                    <a:lnL w="38100" cap="flat" cmpd="sng" algn="ctr">
-                      <a:solidFill>
-                        <a:schemeClr val="bg1"/>
-                      </a:solidFill>
-                      <a:prstDash val="solid"/>
-                      <a:round/>
-                      <a:headEnd type="none" w="med" len="med"/>
-                      <a:tailEnd type="none" w="med" len="med"/>
-                    </a:lnL>
-                    <a:lnT w="12700" cap="flat" cmpd="sng" algn="ctr">
-                      <a:solidFill>
-                        <a:schemeClr val="bg1"/>
-                      </a:solidFill>
-                      <a:prstDash val="solid"/>
-                      <a:round/>
-                      <a:headEnd type="none" w="med" len="med"/>
-                      <a:tailEnd type="none" w="med" len="med"/>
-                    </a:lnT>
-                    <a:lnB w="12700" cap="flat" cmpd="sng" algn="ctr">
-                      <a:solidFill>
-                        <a:schemeClr val="bg1"/>
-                      </a:solidFill>
-                      <a:prstDash val="solid"/>
-                      <a:round/>
-                      <a:headEnd type="none" w="med" len="med"/>
-                      <a:tailEnd type="none" w="med" len="med"/>
-                    </a:lnB>
-                  </a:tcPr>
-                </a:tc>
-                <a:tc>
-                  <a:txBody>
-                    <a:bodyPr/>
-                    <a:lstStyle/>
-                    <a:p>
-                      <a:r>
-                        <a:rPr kumimoji="1" lang="en-US" altLang="ja-JP" sz="1000" b="0" i="0" u="none" dirty="0" smtClean="0">
-                          <a:solidFill>
-                            <a:srgbClr val="000000"/>
-                          </a:solidFill>
-                          <a:latin typeface="Segoe UI" panose="020B0502040204020203" pitchFamily="34" charset="0"/>
-                          <a:ea typeface="Segoe UI" panose="020B0502040204020203" pitchFamily="34" charset="0"/>
-                          <a:cs typeface="Segoe UI" panose="020B0502040204020203" pitchFamily="34" charset="0"/>
-                        </a:rPr>
-                        <a:t>41 or later</a:t>
-                      </a:r>
-                      <a:endParaRPr kumimoji="1" lang="ja-JP" altLang="en-US" sz="1000" b="0" i="0" u="none" dirty="0">
-                        <a:solidFill>
-                          <a:srgbClr val="000000"/>
-                        </a:solidFill>
-                        <a:latin typeface="Segoe UI" panose="020B0502040204020203" pitchFamily="34" charset="0"/>
-                        <a:cs typeface="Segoe UI" panose="020B0502040204020203" pitchFamily="34" charset="0"/>
-                      </a:endParaRPr>
-                    </a:p>
-                  </a:txBody>
-                  <a:tcPr anchor="ctr">
-                    <a:lnT w="12700" cap="flat" cmpd="sng" algn="ctr">
-                      <a:solidFill>
-                        <a:schemeClr val="bg1"/>
-                      </a:solidFill>
-                      <a:prstDash val="solid"/>
-                      <a:round/>
-                      <a:headEnd type="none" w="med" len="med"/>
-                      <a:tailEnd type="none" w="med" len="med"/>
-                    </a:lnT>
-                    <a:lnB w="12700" cap="flat" cmpd="sng" algn="ctr">
-                      <a:solidFill>
-                        <a:schemeClr val="bg1"/>
-                      </a:solidFill>
-                      <a:prstDash val="solid"/>
-                      <a:round/>
-                      <a:headEnd type="none" w="med" len="med"/>
-                      <a:tailEnd type="none" w="med" len="med"/>
-                    </a:lnB>
-                  </a:tcPr>
-                </a:tc>
-                <a:extLst>
-                  <a:ext uri="{0D108BD9-81ED-4DB2-BD59-A6C34878D82A}">
-                    <a16:rowId xmlns:a16="http://schemas.microsoft.com/office/drawing/2014/main" xmlns="" val="10003"/>
-                  </a:ext>
-                </a:extLst>
-              </a:tr>
-              <a:tr h="370840">
-                <a:tc vMerge="1">
-                  <a:txBody>
-                    <a:bodyPr/>
-                    <a:lstStyle/>
-                    <a:p>
-                      <a:pPr algn="l"/>
-                      <a:endParaRPr kumimoji="1" lang="ja-JP" altLang="en-US" sz="1000" dirty="0">
-                        <a:solidFill>
-                          <a:schemeClr val="bg1"/>
-                        </a:solidFill>
-                      </a:endParaRPr>
-                    </a:p>
-                  </a:txBody>
-                  <a:tcPr anchor="ctr">
-                    <a:lnR w="38100" cap="flat" cmpd="sng" algn="ctr">
-                      <a:solidFill>
-                        <a:schemeClr val="bg1"/>
-                      </a:solidFill>
-                      <a:prstDash val="solid"/>
-                      <a:round/>
-                      <a:headEnd type="none" w="med" len="med"/>
-                      <a:tailEnd type="none" w="med" len="med"/>
-                    </a:lnR>
-                    <a:solidFill>
-                      <a:srgbClr val="002060"/>
-                    </a:solidFill>
-                  </a:tcPr>
-                </a:tc>
-                <a:tc>
-                  <a:txBody>
-                    <a:bodyPr/>
-                    <a:lstStyle/>
-                    <a:p>
-                      <a:r>
-                        <a:rPr kumimoji="1" lang="en-US" altLang="ja-JP" sz="1000" b="0" dirty="0" smtClean="0">
-                          <a:solidFill>
-                            <a:schemeClr val="tx1"/>
-                          </a:solidFill>
-                          <a:latin typeface="Segoe UI" panose="020B0502040204020203" pitchFamily="34" charset="0"/>
-                          <a:ea typeface="Segoe UI" panose="020B0502040204020203" pitchFamily="34" charset="0"/>
-                          <a:cs typeface="Segoe UI" panose="020B0502040204020203" pitchFamily="34" charset="0"/>
-                        </a:rPr>
-                        <a:t>Microsoft Edge </a:t>
-                      </a:r>
-                      <a:endParaRPr kumimoji="1" lang="ja-JP" altLang="en-US" sz="1000" b="0" dirty="0">
-                        <a:solidFill>
-                          <a:schemeClr val="tx1"/>
-                        </a:solidFill>
-                        <a:latin typeface="Segoe UI" panose="020B0502040204020203" pitchFamily="34" charset="0"/>
-                        <a:cs typeface="Segoe UI" panose="020B0502040204020203" pitchFamily="34" charset="0"/>
-                      </a:endParaRPr>
-                    </a:p>
-                  </a:txBody>
-                  <a:tcPr anchor="ctr">
-                    <a:lnL w="38100" cap="flat" cmpd="sng" algn="ctr">
-                      <a:solidFill>
-                        <a:schemeClr val="bg1"/>
-                      </a:solidFill>
-                      <a:prstDash val="solid"/>
-                      <a:round/>
-                      <a:headEnd type="none" w="med" len="med"/>
-                      <a:tailEnd type="none" w="med" len="med"/>
-                    </a:lnL>
-                    <a:lnT w="12700" cap="flat" cmpd="sng" algn="ctr">
-                      <a:solidFill>
-                        <a:schemeClr val="bg1"/>
-                      </a:solidFill>
-                      <a:prstDash val="solid"/>
-                      <a:round/>
-                      <a:headEnd type="none" w="med" len="med"/>
-                      <a:tailEnd type="none" w="med" len="med"/>
-                    </a:lnT>
-                    <a:lnB w="12700" cap="flat" cmpd="sng" algn="ctr">
-                      <a:solidFill>
-                        <a:schemeClr val="bg1"/>
-                      </a:solidFill>
-                      <a:prstDash val="solid"/>
-                      <a:round/>
-                      <a:headEnd type="none" w="med" len="med"/>
-                      <a:tailEnd type="none" w="med" len="med"/>
-                    </a:lnB>
-                  </a:tcPr>
-                </a:tc>
-                <a:tc>
-                  <a:txBody>
-                    <a:bodyPr/>
-                    <a:lstStyle/>
-                    <a:p>
-                      <a:r>
-                        <a:rPr kumimoji="1" lang="en-US" altLang="ja-JP" sz="1000" b="0" i="0" u="none" dirty="0" smtClean="0">
-                          <a:solidFill>
-                            <a:srgbClr val="000000"/>
-                          </a:solidFill>
-                          <a:latin typeface="Segoe UI" panose="020B0502040204020203" pitchFamily="34" charset="0"/>
-                          <a:ea typeface="Segoe UI" panose="020B0502040204020203" pitchFamily="34" charset="0"/>
-                          <a:cs typeface="Segoe UI" panose="020B0502040204020203" pitchFamily="34" charset="0"/>
-                        </a:rPr>
-                        <a:t>20 or later</a:t>
-                      </a:r>
-                      <a:endParaRPr kumimoji="1" lang="ja-JP" altLang="en-US" sz="1000" b="0" i="0" u="none" dirty="0">
-                        <a:solidFill>
-                          <a:srgbClr val="000000"/>
-                        </a:solidFill>
-                        <a:latin typeface="Segoe UI" panose="020B0502040204020203" pitchFamily="34" charset="0"/>
-                        <a:cs typeface="Segoe UI" panose="020B0502040204020203" pitchFamily="34" charset="0"/>
-                      </a:endParaRPr>
-                    </a:p>
-                  </a:txBody>
-                  <a:tcPr anchor="ctr">
-                    <a:lnT w="12700" cap="flat" cmpd="sng" algn="ctr">
-                      <a:solidFill>
-                        <a:schemeClr val="bg1"/>
-                      </a:solidFill>
-                      <a:prstDash val="solid"/>
-                      <a:round/>
-                      <a:headEnd type="none" w="med" len="med"/>
-                      <a:tailEnd type="none" w="med" len="med"/>
-                    </a:lnT>
-                    <a:lnB w="12700" cap="flat" cmpd="sng" algn="ctr">
-                      <a:solidFill>
-                        <a:schemeClr val="bg1"/>
-                      </a:solidFill>
-                      <a:prstDash val="solid"/>
-                      <a:round/>
-                      <a:headEnd type="none" w="med" len="med"/>
-                      <a:tailEnd type="none" w="med" len="med"/>
-                    </a:lnB>
-                  </a:tcPr>
-                </a:tc>
-                <a:extLst>
-                  <a:ext uri="{0D108BD9-81ED-4DB2-BD59-A6C34878D82A}">
-                    <a16:rowId xmlns:a16="http://schemas.microsoft.com/office/drawing/2014/main" xmlns="" val="10004"/>
-                  </a:ext>
-                </a:extLst>
-              </a:tr>
-            </a:tbl>
-          </a:graphicData>
-        </a:graphic>
-      </p:graphicFrame>
     </p:spTree>
     <p:extLst>
       <p:ext uri="{BB962C8B-B14F-4D97-AF65-F5344CB8AC3E}">

--- a/asset/Learn/ITA-online-install_en.pptx
+++ b/asset/Learn/ITA-online-install_en.pptx
@@ -332,7 +332,7 @@
               <a:rPr kumimoji="1" lang="ja-JP" altLang="en-US" smtClean="0">
                 <a:ea typeface="メイリオ" panose="020B0604030504040204" pitchFamily="50" charset="-128"/>
               </a:rPr>
-              <a:t>2020/1/24</a:t>
+              <a:t>2020/1/29</a:t>
             </a:fld>
             <a:endParaRPr kumimoji="1" lang="ja-JP" altLang="en-US" dirty="0">
               <a:ea typeface="メイリオ" panose="020B0604030504040204" pitchFamily="50" charset="-128"/>
@@ -478,7 +478,7 @@
             <a:fld id="{4B26993D-C081-44EB-B0F5-A9F467792B62}" type="datetimeFigureOut">
               <a:rPr lang="ja-JP" altLang="en-US" smtClean="0"/>
               <a:pPr/>
-              <a:t>2020/1/24</a:t>
+              <a:t>2020/1/29</a:t>
             </a:fld>
             <a:endParaRPr lang="ja-JP" altLang="en-US" dirty="0"/>
           </a:p>
@@ -1101,7 +1101,7 @@
           <a:p>
             <a:fld id="{56F9016B-CCA6-43BE-8BEE-59565A35F4F7}" type="datetimeFigureOut">
               <a:rPr kumimoji="1" lang="ja-JP" altLang="en-US" smtClean="0"/>
-              <a:t>2020/1/24</a:t>
+              <a:t>2020/1/29</a:t>
             </a:fld>
             <a:endParaRPr kumimoji="1" lang="ja-JP" altLang="en-US"/>
           </a:p>
@@ -1303,7 +1303,7 @@
           <a:p>
             <a:fld id="{56F9016B-CCA6-43BE-8BEE-59565A35F4F7}" type="datetimeFigureOut">
               <a:rPr kumimoji="1" lang="ja-JP" altLang="en-US" smtClean="0"/>
-              <a:t>2020/1/24</a:t>
+              <a:t>2020/1/29</a:t>
             </a:fld>
             <a:endParaRPr kumimoji="1" lang="ja-JP" altLang="en-US"/>
           </a:p>
@@ -1549,7 +1549,7 @@
           <a:p>
             <a:fld id="{56F9016B-CCA6-43BE-8BEE-59565A35F4F7}" type="datetimeFigureOut">
               <a:rPr kumimoji="1" lang="ja-JP" altLang="en-US" smtClean="0"/>
-              <a:t>2020/1/24</a:t>
+              <a:t>2020/1/29</a:t>
             </a:fld>
             <a:endParaRPr kumimoji="1" lang="ja-JP" altLang="en-US"/>
           </a:p>
@@ -1845,7 +1845,7 @@
           <a:p>
             <a:fld id="{56F9016B-CCA6-43BE-8BEE-59565A35F4F7}" type="datetimeFigureOut">
               <a:rPr kumimoji="1" lang="ja-JP" altLang="en-US" smtClean="0"/>
-              <a:t>2020/1/24</a:t>
+              <a:t>2020/1/29</a:t>
             </a:fld>
             <a:endParaRPr kumimoji="1" lang="ja-JP" altLang="en-US"/>
           </a:p>
@@ -2276,7 +2276,7 @@
           <a:p>
             <a:fld id="{56F9016B-CCA6-43BE-8BEE-59565A35F4F7}" type="datetimeFigureOut">
               <a:rPr kumimoji="1" lang="ja-JP" altLang="en-US" smtClean="0"/>
-              <a:t>2020/1/24</a:t>
+              <a:t>2020/1/29</a:t>
             </a:fld>
             <a:endParaRPr kumimoji="1" lang="ja-JP" altLang="en-US"/>
           </a:p>
@@ -2394,7 +2394,7 @@
           <a:p>
             <a:fld id="{56F9016B-CCA6-43BE-8BEE-59565A35F4F7}" type="datetimeFigureOut">
               <a:rPr kumimoji="1" lang="ja-JP" altLang="en-US" smtClean="0"/>
-              <a:t>2020/1/24</a:t>
+              <a:t>2020/1/29</a:t>
             </a:fld>
             <a:endParaRPr kumimoji="1" lang="ja-JP" altLang="en-US"/>
           </a:p>
@@ -2489,7 +2489,7 @@
           <a:p>
             <a:fld id="{56F9016B-CCA6-43BE-8BEE-59565A35F4F7}" type="datetimeFigureOut">
               <a:rPr kumimoji="1" lang="ja-JP" altLang="en-US" smtClean="0"/>
-              <a:t>2020/1/24</a:t>
+              <a:t>2020/1/29</a:t>
             </a:fld>
             <a:endParaRPr kumimoji="1" lang="ja-JP" altLang="en-US"/>
           </a:p>
@@ -2798,7 +2798,7 @@
           <a:p>
             <a:fld id="{56F9016B-CCA6-43BE-8BEE-59565A35F4F7}" type="datetimeFigureOut">
               <a:rPr kumimoji="1" lang="ja-JP" altLang="en-US" smtClean="0"/>
-              <a:t>2020/1/24</a:t>
+              <a:t>2020/1/29</a:t>
             </a:fld>
             <a:endParaRPr kumimoji="1" lang="ja-JP" altLang="en-US"/>
           </a:p>
@@ -3051,7 +3051,7 @@
           <a:p>
             <a:fld id="{56F9016B-CCA6-43BE-8BEE-59565A35F4F7}" type="datetimeFigureOut">
               <a:rPr kumimoji="1" lang="ja-JP" altLang="en-US" smtClean="0"/>
-              <a:t>2020/1/24</a:t>
+              <a:t>2020/1/29</a:t>
             </a:fld>
             <a:endParaRPr kumimoji="1" lang="ja-JP" altLang="en-US"/>
           </a:p>
@@ -3328,7 +3328,7 @@
           <a:p>
             <a:fld id="{56F9016B-CCA6-43BE-8BEE-59565A35F4F7}" type="datetimeFigureOut">
               <a:rPr kumimoji="1" lang="ja-JP" altLang="en-US" smtClean="0"/>
-              <a:t>2020/1/24</a:t>
+              <a:t>2020/1/29</a:t>
             </a:fld>
             <a:endParaRPr kumimoji="1" lang="ja-JP" altLang="en-US"/>
           </a:p>
@@ -3540,7 +3540,7 @@
           <a:p>
             <a:fld id="{56F9016B-CCA6-43BE-8BEE-59565A35F4F7}" type="datetimeFigureOut">
               <a:rPr kumimoji="1" lang="ja-JP" altLang="en-US" smtClean="0"/>
-              <a:t>2020/1/24</a:t>
+              <a:t>2020/1/29</a:t>
             </a:fld>
             <a:endParaRPr kumimoji="1" lang="ja-JP" altLang="en-US"/>
           </a:p>
@@ -6599,7 +6599,7 @@
           <a:p>
             <a:fld id="{56F9016B-CCA6-43BE-8BEE-59565A35F4F7}" type="datetimeFigureOut">
               <a:rPr kumimoji="1" lang="ja-JP" altLang="en-US" smtClean="0"/>
-              <a:t>2020/1/24</a:t>
+              <a:t>2020/1/29</a:t>
             </a:fld>
             <a:endParaRPr kumimoji="1" lang="ja-JP" altLang="en-US"/>
           </a:p>
@@ -16391,14 +16391,14 @@
           <p:nvPr>
             <p:extLst>
               <p:ext uri="{D42A27DB-BD31-4B8C-83A1-F6EECF244321}">
-                <p14:modId xmlns:p14="http://schemas.microsoft.com/office/powerpoint/2010/main" val="261349629"/>
+                <p14:modId xmlns:p14="http://schemas.microsoft.com/office/powerpoint/2010/main" val="1970951934"/>
               </p:ext>
             </p:extLst>
           </p:nvPr>
         </p:nvGraphicFramePr>
         <p:xfrm>
           <a:off x="539440" y="1916790"/>
-          <a:ext cx="8065121" cy="4059778"/>
+          <a:ext cx="8065121" cy="4281918"/>
         </p:xfrm>
         <a:graphic>
           <a:graphicData uri="http://schemas.openxmlformats.org/drawingml/2006/table">
@@ -18445,19 +18445,7 @@
                           <a:ea typeface="Segoe UI" panose="020B0502040204020203" pitchFamily="34" charset="0"/>
                           <a:cs typeface="Segoe UI" panose="020B0502040204020203" pitchFamily="34" charset="0"/>
                         </a:rPr>
-                        <a:t>Creation of </a:t>
-                      </a:r>
-                      <a:r>
-                        <a:rPr lang="en-US" altLang="ja-JP" sz="1000" b="1" i="0" u="none" kern="100" dirty="0" smtClean="0">
-                          <a:solidFill>
-                            <a:srgbClr val="000000"/>
-                          </a:solidFill>
-                          <a:effectLst/>
-                          <a:latin typeface="Segoe UI" panose="020B0502040204020203" pitchFamily="34" charset="0"/>
-                          <a:ea typeface="Segoe UI" panose="020B0502040204020203" pitchFamily="34" charset="0"/>
-                          <a:cs typeface="Segoe UI" panose="020B0502040204020203" pitchFamily="34" charset="0"/>
-                        </a:rPr>
-                        <a:t>menus </a:t>
+                        <a:t>Creation of menus </a:t>
                       </a:r>
                       <a:r>
                         <a:rPr lang="en-US" altLang="ja-JP" sz="1000" b="0" i="0" u="none" kern="100" baseline="0" dirty="0" smtClean="0">
@@ -18853,6 +18841,211 @@
                 <a:extLst>
                   <a:ext uri="{0D108BD9-81ED-4DB2-BD59-A6C34878D82A}">
                     <a16:rowId xmlns:a16="http://schemas.microsoft.com/office/drawing/2014/main" val="10013"/>
+                  </a:ext>
+                </a:extLst>
+              </a:tr>
+              <a:tr h="222140">
+                <a:tc>
+                  <a:txBody>
+                    <a:bodyPr/>
+                    <a:lstStyle/>
+                    <a:p>
+                      <a:pPr marL="0" marR="0" lvl="0" indent="0" algn="just" defTabSz="914400" rtl="0" eaLnBrk="1" fontAlgn="auto" latinLnBrk="0" hangingPunct="1">
+                        <a:lnSpc>
+                          <a:spcPct val="150000"/>
+                        </a:lnSpc>
+                        <a:spcBef>
+                          <a:spcPts val="0"/>
+                        </a:spcBef>
+                        <a:spcAft>
+                          <a:spcPts val="0"/>
+                        </a:spcAft>
+                        <a:buClrTx/>
+                        <a:buSzTx/>
+                        <a:buFontTx/>
+                        <a:buNone/>
+                        <a:tabLst/>
+                        <a:defRPr/>
+                      </a:pPr>
+                      <a:r>
+                        <a:rPr lang="en-US" altLang="ja-JP" sz="1000" kern="100" dirty="0" err="1" smtClean="0">
+                          <a:effectLst/>
+                          <a:latin typeface="Segoe UI" panose="020B0502040204020203" pitchFamily="34" charset="0"/>
+                          <a:ea typeface="Segoe UI" panose="020B0502040204020203" pitchFamily="34" charset="0"/>
+                          <a:cs typeface="Segoe UI" panose="020B0502040204020203" pitchFamily="34" charset="0"/>
+                        </a:rPr>
+                        <a:t>cobbler_driver</a:t>
+                      </a:r>
+                      <a:endParaRPr lang="ja-JP" altLang="ja-JP" sz="1000" kern="100" dirty="0" smtClean="0">
+                        <a:effectLst/>
+                        <a:latin typeface="Segoe UI" panose="020B0502040204020203" pitchFamily="34" charset="0"/>
+                        <a:ea typeface="ＭＳ 明朝" panose="02020609040205080304" pitchFamily="17" charset="-128"/>
+                        <a:cs typeface="Segoe UI" panose="020B0502040204020203" pitchFamily="34" charset="0"/>
+                      </a:endParaRPr>
+                    </a:p>
+                  </a:txBody>
+                  <a:tcPr marL="68495" marR="68495" marT="0" marB="0" anchor="ctr">
+                    <a:solidFill>
+                      <a:srgbClr val="002B62"/>
+                    </a:solidFill>
+                  </a:tcPr>
+                </a:tc>
+                <a:tc>
+                  <a:txBody>
+                    <a:bodyPr/>
+                    <a:lstStyle/>
+                    <a:p>
+                      <a:pPr algn="ctr">
+                        <a:lnSpc>
+                          <a:spcPct val="150000"/>
+                        </a:lnSpc>
+                        <a:spcAft>
+                          <a:spcPts val="0"/>
+                        </a:spcAft>
+                      </a:pPr>
+                      <a:r>
+                        <a:rPr lang="en-US" altLang="ja-JP" sz="1000" kern="100" dirty="0" smtClean="0">
+                          <a:effectLst/>
+                          <a:latin typeface="Segoe UI" panose="020B0502040204020203" pitchFamily="34" charset="0"/>
+                          <a:ea typeface="Segoe UI" panose="020B0502040204020203" pitchFamily="34" charset="0"/>
+                          <a:cs typeface="Segoe UI" panose="020B0502040204020203" pitchFamily="34" charset="0"/>
+                        </a:rPr>
+                        <a:t>Yes</a:t>
+                      </a:r>
+                      <a:endParaRPr lang="ja-JP" sz="1000" kern="100" dirty="0">
+                        <a:effectLst/>
+                        <a:latin typeface="Segoe UI" panose="020B0502040204020203" pitchFamily="34" charset="0"/>
+                        <a:ea typeface="ＭＳ 明朝" panose="02020609040205080304" pitchFamily="17" charset="-128"/>
+                        <a:cs typeface="Segoe UI" panose="020B0502040204020203" pitchFamily="34" charset="0"/>
+                      </a:endParaRPr>
+                    </a:p>
+                  </a:txBody>
+                  <a:tcPr marL="68495" marR="68495" marT="0" marB="0" anchor="ctr">
+                    <a:solidFill>
+                      <a:srgbClr val="CBCDD3"/>
+                    </a:solidFill>
+                  </a:tcPr>
+                </a:tc>
+                <a:tc>
+                  <a:txBody>
+                    <a:bodyPr/>
+                    <a:lstStyle/>
+                    <a:p>
+                      <a:pPr marL="0" marR="0" lvl="0" indent="0" algn="ctr" defTabSz="914400" rtl="0" eaLnBrk="1" fontAlgn="auto" latinLnBrk="0" hangingPunct="1">
+                        <a:lnSpc>
+                          <a:spcPct val="150000"/>
+                        </a:lnSpc>
+                        <a:spcBef>
+                          <a:spcPts val="0"/>
+                        </a:spcBef>
+                        <a:spcAft>
+                          <a:spcPts val="0"/>
+                        </a:spcAft>
+                        <a:buClrTx/>
+                        <a:buSzTx/>
+                        <a:buFontTx/>
+                        <a:buNone/>
+                        <a:tabLst/>
+                        <a:defRPr/>
+                      </a:pPr>
+                      <a:r>
+                        <a:rPr lang="en-US" altLang="ja-JP" sz="1000" kern="100" dirty="0" smtClean="0">
+                          <a:effectLst/>
+                          <a:latin typeface="Segoe UI" panose="020B0502040204020203" pitchFamily="34" charset="0"/>
+                          <a:ea typeface="Segoe UI" panose="020B0502040204020203" pitchFamily="34" charset="0"/>
+                          <a:cs typeface="Segoe UI" panose="020B0502040204020203" pitchFamily="34" charset="0"/>
+                        </a:rPr>
+                        <a:t>no</a:t>
+                      </a:r>
+                      <a:endParaRPr lang="ja-JP" altLang="ja-JP" sz="1000" kern="100" dirty="0" smtClean="0">
+                        <a:effectLst/>
+                        <a:latin typeface="Segoe UI" panose="020B0502040204020203" pitchFamily="34" charset="0"/>
+                        <a:ea typeface="ＭＳ 明朝" panose="02020609040205080304" pitchFamily="17" charset="-128"/>
+                        <a:cs typeface="Segoe UI" panose="020B0502040204020203" pitchFamily="34" charset="0"/>
+                      </a:endParaRPr>
+                    </a:p>
+                  </a:txBody>
+                  <a:tcPr marL="68495" marR="68495" marT="0" marB="0" anchor="ctr">
+                    <a:solidFill>
+                      <a:srgbClr val="CBCDD3"/>
+                    </a:solidFill>
+                  </a:tcPr>
+                </a:tc>
+                <a:tc>
+                  <a:txBody>
+                    <a:bodyPr/>
+                    <a:lstStyle/>
+                    <a:p>
+                      <a:pPr marL="0" marR="0" lvl="0" indent="0" algn="l" defTabSz="914400" rtl="0" eaLnBrk="1" fontAlgn="auto" latinLnBrk="0" hangingPunct="1">
+                        <a:lnSpc>
+                          <a:spcPct val="150000"/>
+                        </a:lnSpc>
+                        <a:spcBef>
+                          <a:spcPts val="0"/>
+                        </a:spcBef>
+                        <a:spcAft>
+                          <a:spcPts val="0"/>
+                        </a:spcAft>
+                        <a:buClrTx/>
+                        <a:buSzTx/>
+                        <a:buFontTx/>
+                        <a:buNone/>
+                        <a:tabLst/>
+                        <a:defRPr/>
+                      </a:pPr>
+                      <a:r>
+                        <a:rPr lang="en-US" altLang="ja-JP" sz="1000" b="0" i="0" u="none" kern="100" dirty="0" smtClean="0">
+                          <a:solidFill>
+                            <a:srgbClr val="000000"/>
+                          </a:solidFill>
+                          <a:effectLst/>
+                          <a:latin typeface="Segoe UI" panose="020B0502040204020203" pitchFamily="34" charset="0"/>
+                          <a:ea typeface="Segoe UI" panose="020B0502040204020203" pitchFamily="34" charset="0"/>
+                          <a:cs typeface="Segoe UI" panose="020B0502040204020203" pitchFamily="34" charset="0"/>
+                        </a:rPr>
+                        <a:t>Whether the </a:t>
+                      </a:r>
+                      <a:r>
+                        <a:rPr lang="en-US" altLang="ja-JP" sz="1000" b="0" i="0" u="none" kern="100" dirty="0" smtClean="0">
+                          <a:solidFill>
+                            <a:schemeClr val="dk1"/>
+                          </a:solidFill>
+                          <a:effectLst/>
+                          <a:latin typeface="Segoe UI" panose="020B0502040204020203" pitchFamily="34" charset="0"/>
+                          <a:ea typeface="Segoe UI" panose="020B0502040204020203" pitchFamily="34" charset="0"/>
+                          <a:cs typeface="Segoe UI" panose="020B0502040204020203" pitchFamily="34" charset="0"/>
+                        </a:rPr>
+                        <a:t>Cobbler</a:t>
+                      </a:r>
+                      <a:r>
+                        <a:rPr lang="en-US" altLang="ja-JP" sz="1000" b="0" i="0" u="none" kern="100" dirty="0" smtClean="0">
+                          <a:solidFill>
+                            <a:srgbClr val="000000"/>
+                          </a:solidFill>
+                          <a:effectLst/>
+                          <a:latin typeface="Segoe UI" panose="020B0502040204020203" pitchFamily="34" charset="0"/>
+                          <a:ea typeface="Segoe UI" panose="020B0502040204020203" pitchFamily="34" charset="0"/>
+                          <a:cs typeface="Segoe UI" panose="020B0502040204020203" pitchFamily="34" charset="0"/>
+                        </a:rPr>
+                        <a:t> driver is to be installed</a:t>
+                      </a:r>
+                      <a:endParaRPr lang="ja-JP" altLang="ja-JP" sz="1000" kern="100" dirty="0" smtClean="0">
+                        <a:effectLst/>
+                        <a:latin typeface="Segoe UI" panose="020B0502040204020203" pitchFamily="34" charset="0"/>
+                        <a:ea typeface="ＭＳ 明朝" panose="02020609040205080304" pitchFamily="17" charset="-128"/>
+                        <a:cs typeface="Segoe UI" panose="020B0502040204020203" pitchFamily="34" charset="0"/>
+                      </a:endParaRPr>
+                    </a:p>
+                  </a:txBody>
+                  <a:tcPr marL="68495" marR="68495" marT="0" marB="0" anchor="ctr">
+                    <a:solidFill>
+                      <a:srgbClr val="CBCDD3"/>
+                    </a:solidFill>
+                  </a:tcPr>
+                </a:tc>
+                <a:extLst>
+                  <a:ext uri="{0D108BD9-81ED-4DB2-BD59-A6C34878D82A}">
+                    <a16:rowId xmlns:a16="http://schemas.microsoft.com/office/drawing/2014/main" val="706222795"/>
                   </a:ext>
                 </a:extLst>
               </a:tr>
@@ -28601,19 +28794,7 @@
                           <a:ea typeface="Segoe UI" panose="020B0502040204020203" pitchFamily="34" charset="0"/>
                           <a:cs typeface="Segoe UI" panose="020B0502040204020203" pitchFamily="34" charset="0"/>
                         </a:rPr>
-                        <a:t>Creation of </a:t>
-                      </a:r>
-                      <a:r>
-                        <a:rPr lang="en-US" altLang="ja-JP" sz="900" b="0" i="0" u="none" kern="0" dirty="0" smtClean="0">
-                          <a:solidFill>
-                            <a:srgbClr val="000000"/>
-                          </a:solidFill>
-                          <a:effectLst/>
-                          <a:latin typeface="Segoe UI" panose="020B0502040204020203" pitchFamily="34" charset="0"/>
-                          <a:ea typeface="Segoe UI" panose="020B0502040204020203" pitchFamily="34" charset="0"/>
-                          <a:cs typeface="Segoe UI" panose="020B0502040204020203" pitchFamily="34" charset="0"/>
-                        </a:rPr>
-                        <a:t>menus</a:t>
+                        <a:t>Creation of menus</a:t>
                       </a:r>
                       <a:endParaRPr lang="ja-JP" sz="1050" b="0" i="0" u="none" kern="100" dirty="0">
                         <a:solidFill>

--- a/asset/Learn/ITA-online-install_en.pptx
+++ b/asset/Learn/ITA-online-install_en.pptx
@@ -332,7 +332,7 @@
               <a:rPr kumimoji="1" lang="ja-JP" altLang="en-US" smtClean="0">
                 <a:ea typeface="メイリオ" panose="020B0604030504040204" pitchFamily="50" charset="-128"/>
               </a:rPr>
-              <a:t>2020/1/29</a:t>
+              <a:t>2020/2/10</a:t>
             </a:fld>
             <a:endParaRPr kumimoji="1" lang="ja-JP" altLang="en-US" dirty="0">
               <a:ea typeface="メイリオ" panose="020B0604030504040204" pitchFamily="50" charset="-128"/>
@@ -478,7 +478,7 @@
             <a:fld id="{4B26993D-C081-44EB-B0F5-A9F467792B62}" type="datetimeFigureOut">
               <a:rPr lang="ja-JP" altLang="en-US" smtClean="0"/>
               <a:pPr/>
-              <a:t>2020/1/29</a:t>
+              <a:t>2020/2/10</a:t>
             </a:fld>
             <a:endParaRPr lang="ja-JP" altLang="en-US" dirty="0"/>
           </a:p>
@@ -1101,7 +1101,7 @@
           <a:p>
             <a:fld id="{56F9016B-CCA6-43BE-8BEE-59565A35F4F7}" type="datetimeFigureOut">
               <a:rPr kumimoji="1" lang="ja-JP" altLang="en-US" smtClean="0"/>
-              <a:t>2020/1/29</a:t>
+              <a:t>2020/2/10</a:t>
             </a:fld>
             <a:endParaRPr kumimoji="1" lang="ja-JP" altLang="en-US"/>
           </a:p>
@@ -1303,7 +1303,7 @@
           <a:p>
             <a:fld id="{56F9016B-CCA6-43BE-8BEE-59565A35F4F7}" type="datetimeFigureOut">
               <a:rPr kumimoji="1" lang="ja-JP" altLang="en-US" smtClean="0"/>
-              <a:t>2020/1/29</a:t>
+              <a:t>2020/2/10</a:t>
             </a:fld>
             <a:endParaRPr kumimoji="1" lang="ja-JP" altLang="en-US"/>
           </a:p>
@@ -1549,7 +1549,7 @@
           <a:p>
             <a:fld id="{56F9016B-CCA6-43BE-8BEE-59565A35F4F7}" type="datetimeFigureOut">
               <a:rPr kumimoji="1" lang="ja-JP" altLang="en-US" smtClean="0"/>
-              <a:t>2020/1/29</a:t>
+              <a:t>2020/2/10</a:t>
             </a:fld>
             <a:endParaRPr kumimoji="1" lang="ja-JP" altLang="en-US"/>
           </a:p>
@@ -1845,7 +1845,7 @@
           <a:p>
             <a:fld id="{56F9016B-CCA6-43BE-8BEE-59565A35F4F7}" type="datetimeFigureOut">
               <a:rPr kumimoji="1" lang="ja-JP" altLang="en-US" smtClean="0"/>
-              <a:t>2020/1/29</a:t>
+              <a:t>2020/2/10</a:t>
             </a:fld>
             <a:endParaRPr kumimoji="1" lang="ja-JP" altLang="en-US"/>
           </a:p>
@@ -2276,7 +2276,7 @@
           <a:p>
             <a:fld id="{56F9016B-CCA6-43BE-8BEE-59565A35F4F7}" type="datetimeFigureOut">
               <a:rPr kumimoji="1" lang="ja-JP" altLang="en-US" smtClean="0"/>
-              <a:t>2020/1/29</a:t>
+              <a:t>2020/2/10</a:t>
             </a:fld>
             <a:endParaRPr kumimoji="1" lang="ja-JP" altLang="en-US"/>
           </a:p>
@@ -2394,7 +2394,7 @@
           <a:p>
             <a:fld id="{56F9016B-CCA6-43BE-8BEE-59565A35F4F7}" type="datetimeFigureOut">
               <a:rPr kumimoji="1" lang="ja-JP" altLang="en-US" smtClean="0"/>
-              <a:t>2020/1/29</a:t>
+              <a:t>2020/2/10</a:t>
             </a:fld>
             <a:endParaRPr kumimoji="1" lang="ja-JP" altLang="en-US"/>
           </a:p>
@@ -2489,7 +2489,7 @@
           <a:p>
             <a:fld id="{56F9016B-CCA6-43BE-8BEE-59565A35F4F7}" type="datetimeFigureOut">
               <a:rPr kumimoji="1" lang="ja-JP" altLang="en-US" smtClean="0"/>
-              <a:t>2020/1/29</a:t>
+              <a:t>2020/2/10</a:t>
             </a:fld>
             <a:endParaRPr kumimoji="1" lang="ja-JP" altLang="en-US"/>
           </a:p>
@@ -2798,7 +2798,7 @@
           <a:p>
             <a:fld id="{56F9016B-CCA6-43BE-8BEE-59565A35F4F7}" type="datetimeFigureOut">
               <a:rPr kumimoji="1" lang="ja-JP" altLang="en-US" smtClean="0"/>
-              <a:t>2020/1/29</a:t>
+              <a:t>2020/2/10</a:t>
             </a:fld>
             <a:endParaRPr kumimoji="1" lang="ja-JP" altLang="en-US"/>
           </a:p>
@@ -3051,7 +3051,7 @@
           <a:p>
             <a:fld id="{56F9016B-CCA6-43BE-8BEE-59565A35F4F7}" type="datetimeFigureOut">
               <a:rPr kumimoji="1" lang="ja-JP" altLang="en-US" smtClean="0"/>
-              <a:t>2020/1/29</a:t>
+              <a:t>2020/2/10</a:t>
             </a:fld>
             <a:endParaRPr kumimoji="1" lang="ja-JP" altLang="en-US"/>
           </a:p>
@@ -3328,7 +3328,7 @@
           <a:p>
             <a:fld id="{56F9016B-CCA6-43BE-8BEE-59565A35F4F7}" type="datetimeFigureOut">
               <a:rPr kumimoji="1" lang="ja-JP" altLang="en-US" smtClean="0"/>
-              <a:t>2020/1/29</a:t>
+              <a:t>2020/2/10</a:t>
             </a:fld>
             <a:endParaRPr kumimoji="1" lang="ja-JP" altLang="en-US"/>
           </a:p>
@@ -3540,7 +3540,7 @@
           <a:p>
             <a:fld id="{56F9016B-CCA6-43BE-8BEE-59565A35F4F7}" type="datetimeFigureOut">
               <a:rPr kumimoji="1" lang="ja-JP" altLang="en-US" smtClean="0"/>
-              <a:t>2020/1/29</a:t>
+              <a:t>2020/2/10</a:t>
             </a:fld>
             <a:endParaRPr kumimoji="1" lang="ja-JP" altLang="en-US"/>
           </a:p>
@@ -6599,7 +6599,7 @@
           <a:p>
             <a:fld id="{56F9016B-CCA6-43BE-8BEE-59565A35F4F7}" type="datetimeFigureOut">
               <a:rPr kumimoji="1" lang="ja-JP" altLang="en-US" smtClean="0"/>
-              <a:t>2020/1/29</a:t>
+              <a:t>2020/2/10</a:t>
             </a:fld>
             <a:endParaRPr kumimoji="1" lang="ja-JP" altLang="en-US"/>
           </a:p>
@@ -11841,14 +11841,14 @@
           <p:nvPr>
             <p:extLst>
               <p:ext uri="{D42A27DB-BD31-4B8C-83A1-F6EECF244321}">
-                <p14:modId xmlns:p14="http://schemas.microsoft.com/office/powerpoint/2010/main" val="2410739998"/>
+                <p14:modId xmlns:p14="http://schemas.microsoft.com/office/powerpoint/2010/main" val="3313794687"/>
               </p:ext>
             </p:extLst>
           </p:nvPr>
         </p:nvGraphicFramePr>
         <p:xfrm>
           <a:off x="179512" y="1844781"/>
-          <a:ext cx="8784000" cy="1728239"/>
+          <a:ext cx="8784000" cy="2092522"/>
         </p:xfrm>
         <a:graphic>
           <a:graphicData uri="http://schemas.openxmlformats.org/drawingml/2006/table">
@@ -11864,21 +11864,21 @@
                     </a:ext>
                   </a:extLst>
                 </a:gridCol>
-                <a:gridCol w="2520350">
+                <a:gridCol w="2304320">
                   <a:extLst>
                     <a:ext uri="{9D8B030D-6E8A-4147-A177-3AD203B41FA5}">
                       <a16:colId xmlns:a16="http://schemas.microsoft.com/office/drawing/2014/main" val="20001"/>
                     </a:ext>
                   </a:extLst>
                 </a:gridCol>
-                <a:gridCol w="648090">
+                <a:gridCol w="576080">
                   <a:extLst>
                     <a:ext uri="{9D8B030D-6E8A-4147-A177-3AD203B41FA5}">
                       <a16:colId xmlns:a16="http://schemas.microsoft.com/office/drawing/2014/main" val="20002"/>
                     </a:ext>
                   </a:extLst>
                 </a:gridCol>
-                <a:gridCol w="3815432">
+                <a:gridCol w="4103472">
                   <a:extLst>
                     <a:ext uri="{9D8B030D-6E8A-4147-A177-3AD203B41FA5}">
                       <a16:colId xmlns:a16="http://schemas.microsoft.com/office/drawing/2014/main" val="20003"/>
@@ -12202,23 +12202,105 @@
                           <a:ea typeface="Segoe UI" panose="020B0502040204020203" pitchFamily="34" charset="0"/>
                           <a:cs typeface="Segoe UI" panose="020B0502040204020203" pitchFamily="34" charset="0"/>
                         </a:rPr>
-                        <a:t> server: </a:t>
-                      </a:r>
-                      <a:r>
-                        <a:rPr lang="en-US" sz="900" kern="100" dirty="0" smtClean="0">
-                          <a:effectLst/>
-                          <a:latin typeface="Segoe UI" panose="020B0502040204020203" pitchFamily="34" charset="0"/>
-                          <a:ea typeface="Segoe UI" panose="020B0502040204020203" pitchFamily="34" charset="0"/>
-                          <a:cs typeface="Segoe UI" panose="020B0502040204020203" pitchFamily="34" charset="0"/>
-                        </a:rPr>
-                        <a:t>CentOS 7, CentOS 8, RHEL 7, or RHEL 8</a:t>
-                      </a:r>
-                      <a:endParaRPr lang="ja-JP" sz="900" kern="100" dirty="0">
+                        <a:t> server</a:t>
+                      </a:r>
+                    </a:p>
+                    <a:p>
+                      <a:pPr marL="0" marR="0" lvl="0" indent="0" algn="l" defTabSz="914400" rtl="0" eaLnBrk="1" fontAlgn="auto" latinLnBrk="0" hangingPunct="1">
+                        <a:lnSpc>
+                          <a:spcPct val="100000"/>
+                        </a:lnSpc>
+                        <a:spcBef>
+                          <a:spcPts val="0"/>
+                        </a:spcBef>
+                        <a:spcAft>
+                          <a:spcPts val="0"/>
+                        </a:spcAft>
+                        <a:buClrTx/>
+                        <a:buSzTx/>
+                        <a:buFontTx/>
+                        <a:buNone/>
+                        <a:tabLst/>
+                        <a:defRPr/>
+                      </a:pPr>
+                      <a:r>
+                        <a:rPr lang="en-US" altLang="ja-JP" sz="900" kern="100" dirty="0" smtClean="0">
+                          <a:effectLst/>
+                        </a:rPr>
+                        <a:t>("CentOS7","CentOS8","RHEL7","RHEL8“, "RHEL7_AWS“,“RHEL8_AWS")</a:t>
+                      </a:r>
+                    </a:p>
+                    <a:p>
+                      <a:pPr marL="0" marR="0" lvl="0" indent="0" algn="just" defTabSz="914400" rtl="0" eaLnBrk="1" fontAlgn="auto" latinLnBrk="0" hangingPunct="1">
+                        <a:lnSpc>
+                          <a:spcPct val="100000"/>
+                        </a:lnSpc>
+                        <a:spcBef>
+                          <a:spcPts val="0"/>
+                        </a:spcBef>
+                        <a:spcAft>
+                          <a:spcPts val="0"/>
+                        </a:spcAft>
+                        <a:buClrTx/>
+                        <a:buSzTx/>
+                        <a:buFontTx/>
+                        <a:buNone/>
+                        <a:tabLst/>
+                        <a:defRPr/>
+                      </a:pPr>
+                      <a:endParaRPr lang="en-US" altLang="ja-JP" sz="900" kern="100" dirty="0" smtClean="0">
                         <a:effectLst/>
-                        <a:latin typeface="Segoe UI" panose="020B0502040204020203" pitchFamily="34" charset="0"/>
-                        <a:ea typeface="ＭＳ 明朝" panose="02020609040205080304" pitchFamily="17" charset="-128"/>
-                        <a:cs typeface="Segoe UI" panose="020B0502040204020203" pitchFamily="34" charset="0"/>
                       </a:endParaRPr>
+                    </a:p>
+                    <a:p>
+                      <a:pPr marL="0" marR="0" lvl="0" indent="0" algn="just" defTabSz="914400" rtl="0" eaLnBrk="1" fontAlgn="auto" latinLnBrk="0" hangingPunct="1">
+                        <a:lnSpc>
+                          <a:spcPct val="100000"/>
+                        </a:lnSpc>
+                        <a:spcBef>
+                          <a:spcPts val="0"/>
+                        </a:spcBef>
+                        <a:spcAft>
+                          <a:spcPts val="0"/>
+                        </a:spcAft>
+                        <a:buClrTx/>
+                        <a:buSzTx/>
+                        <a:buFontTx/>
+                        <a:buNone/>
+                        <a:tabLst/>
+                        <a:defRPr/>
+                      </a:pPr>
+                      <a:r>
+                        <a:rPr lang="en-US" altLang="ja-JP" sz="900" kern="100" dirty="0" smtClean="0">
+                          <a:effectLst/>
+                        </a:rPr>
+                        <a:t>*)RHEL7_AWS : RHEL7 on AWS</a:t>
+                      </a:r>
+                    </a:p>
+                    <a:p>
+                      <a:pPr marL="0" marR="0" lvl="0" indent="0" algn="just" defTabSz="914400" rtl="0" eaLnBrk="1" fontAlgn="auto" latinLnBrk="0" hangingPunct="1">
+                        <a:lnSpc>
+                          <a:spcPct val="100000"/>
+                        </a:lnSpc>
+                        <a:spcBef>
+                          <a:spcPts val="0"/>
+                        </a:spcBef>
+                        <a:spcAft>
+                          <a:spcPts val="0"/>
+                        </a:spcAft>
+                        <a:buClrTx/>
+                        <a:buSzTx/>
+                        <a:buFontTx/>
+                        <a:buNone/>
+                        <a:tabLst/>
+                        <a:defRPr/>
+                      </a:pPr>
+                      <a:r>
+                        <a:rPr lang="en-US" altLang="ja-JP" sz="900" kern="100" dirty="0" smtClean="0">
+                          <a:effectLst/>
+                        </a:rPr>
+                        <a:t>   RHEL8_AWS : RHEL8 on AWS</a:t>
+                      </a:r>
                     </a:p>
                   </a:txBody>
                   <a:tcPr marL="55979" marR="55979" marT="0" marB="0" anchor="ctr">
@@ -12273,7 +12355,7 @@
                     </a:solidFill>
                   </a:tcPr>
                 </a:tc>
-                <a:tc>
+                <a:tc rowSpan="3">
                   <a:txBody>
                     <a:bodyPr/>
                     <a:lstStyle/>
@@ -12290,7 +12372,16 @@
                           <a:ea typeface="Segoe UI" panose="020B0502040204020203" pitchFamily="34" charset="0"/>
                           <a:cs typeface="Segoe UI" panose="020B0502040204020203" pitchFamily="34" charset="0"/>
                         </a:rPr>
-                        <a:t>For RHEL OS</a:t>
+                        <a:t>For RHEL OS other</a:t>
+                      </a:r>
+                      <a:r>
+                        <a:rPr lang="en-US" sz="900" kern="100" baseline="0" dirty="0" smtClean="0">
+                          <a:effectLst/>
+                          <a:latin typeface="Segoe UI" panose="020B0502040204020203" pitchFamily="34" charset="0"/>
+                          <a:ea typeface="Segoe UI" panose="020B0502040204020203" pitchFamily="34" charset="0"/>
+                          <a:cs typeface="Segoe UI" panose="020B0502040204020203" pitchFamily="34" charset="0"/>
+                        </a:rPr>
+                        <a:t> than on AWS</a:t>
                       </a:r>
                       <a:endParaRPr lang="ja-JP" sz="900" kern="100" dirty="0">
                         <a:effectLst/>
@@ -12418,7 +12509,7 @@
                     </a:solidFill>
                   </a:tcPr>
                 </a:tc>
-                <a:tc>
+                <a:tc vMerge="1">
                   <a:txBody>
                     <a:bodyPr/>
                     <a:lstStyle/>
@@ -12428,15 +12519,6 @@
                           <a:spcPts val="0"/>
                         </a:spcAft>
                       </a:pPr>
-                      <a:r>
-                        <a:rPr lang="en-US" altLang="ja-JP" sz="900" kern="100" dirty="0" smtClean="0">
-                          <a:effectLst/>
-                          <a:latin typeface="Segoe UI" panose="020B0502040204020203" pitchFamily="34" charset="0"/>
-                          <a:ea typeface="Segoe UI" panose="020B0502040204020203" pitchFamily="34" charset="0"/>
-                          <a:cs typeface="Segoe UI" panose="020B0502040204020203" pitchFamily="34" charset="0"/>
-                        </a:rPr>
-                        <a:t>For RHEL OS</a:t>
-                      </a:r>
                       <a:endParaRPr lang="ja-JP" altLang="ja-JP" sz="900" kern="100" dirty="0">
                         <a:effectLst/>
                         <a:latin typeface="Segoe UI" panose="020B0502040204020203" pitchFamily="34" charset="0"/>
@@ -12569,7 +12651,7 @@
                     </a:solidFill>
                   </a:tcPr>
                 </a:tc>
-                <a:tc>
+                <a:tc vMerge="1">
                   <a:txBody>
                     <a:bodyPr/>
                     <a:lstStyle/>
@@ -12579,15 +12661,6 @@
                           <a:spcPts val="0"/>
                         </a:spcAft>
                       </a:pPr>
-                      <a:r>
-                        <a:rPr lang="en-US" altLang="ja-JP" sz="900" kern="100" dirty="0" smtClean="0">
-                          <a:effectLst/>
-                          <a:latin typeface="Segoe UI" panose="020B0502040204020203" pitchFamily="34" charset="0"/>
-                          <a:ea typeface="Segoe UI" panose="020B0502040204020203" pitchFamily="34" charset="0"/>
-                          <a:cs typeface="Segoe UI" panose="020B0502040204020203" pitchFamily="34" charset="0"/>
-                        </a:rPr>
-                        <a:t>For RHEL OS</a:t>
-                      </a:r>
                       <a:endParaRPr lang="ja-JP" altLang="ja-JP" sz="900" kern="100" dirty="0">
                         <a:effectLst/>
                         <a:latin typeface="Segoe UI" panose="020B0502040204020203" pitchFamily="34" charset="0"/>
@@ -12898,14 +12971,80 @@
       </p:sp>
       <p:sp>
         <p:nvSpPr>
-          <p:cNvPr id="8" name="正方形/長方形 7"/>
+          <p:cNvPr id="33" name="テキスト ボックス 32"/>
+          <p:cNvSpPr txBox="1"/>
+          <p:nvPr/>
+        </p:nvSpPr>
+        <p:spPr>
+          <a:xfrm>
+            <a:off x="33245" y="1999042"/>
+            <a:ext cx="2023017" cy="400110"/>
+          </a:xfrm>
+          <a:prstGeom prst="rect">
+            <a:avLst/>
+          </a:prstGeom>
+          <a:noFill/>
+        </p:spPr>
+        <p:txBody>
+          <a:bodyPr wrap="square" rtlCol="0">
+            <a:spAutoFit/>
+          </a:bodyPr>
+          <a:lstStyle/>
+          <a:p>
+            <a:pPr algn="ctr"/>
+            <a:r>
+              <a:rPr lang="en-US" altLang="ja-JP" sz="1000" kern="100" dirty="0">
+                <a:solidFill>
+                  <a:srgbClr val="FF0000"/>
+                </a:solidFill>
+                <a:latin typeface="Segoe UI" panose="020B0502040204020203" pitchFamily="34" charset="0"/>
+                <a:ea typeface="Segoe UI" panose="020B0502040204020203" pitchFamily="34" charset="0"/>
+                <a:cs typeface="Segoe UI" panose="020B0502040204020203" pitchFamily="34" charset="0"/>
+              </a:rPr>
+              <a:t>OS of the </a:t>
+            </a:r>
+            <a:r>
+              <a:rPr lang="en-US" altLang="ja-JP" sz="1000" kern="100" dirty="0" smtClean="0">
+                <a:solidFill>
+                  <a:srgbClr val="FF0000"/>
+                </a:solidFill>
+                <a:latin typeface="Segoe UI" panose="020B0502040204020203" pitchFamily="34" charset="0"/>
+                <a:ea typeface="Segoe UI" panose="020B0502040204020203" pitchFamily="34" charset="0"/>
+                <a:cs typeface="Segoe UI" panose="020B0502040204020203" pitchFamily="34" charset="0"/>
+              </a:rPr>
+              <a:t>installation target server: </a:t>
+            </a:r>
+            <a:r>
+              <a:rPr lang="en-US" altLang="ja-JP" sz="1000" dirty="0" smtClean="0">
+                <a:solidFill>
+                  <a:srgbClr val="FF0000"/>
+                </a:solidFill>
+                <a:latin typeface="Segoe UI" panose="020B0502040204020203" pitchFamily="34" charset="0"/>
+                <a:ea typeface="Segoe UI" panose="020B0502040204020203" pitchFamily="34" charset="0"/>
+                <a:cs typeface="Segoe UI" panose="020B0502040204020203" pitchFamily="34" charset="0"/>
+              </a:rPr>
+              <a:t>RHEL 7</a:t>
+            </a:r>
+            <a:endParaRPr kumimoji="1" lang="ja-JP" altLang="en-US" sz="1000" dirty="0">
+              <a:solidFill>
+                <a:srgbClr val="FF0000"/>
+              </a:solidFill>
+              <a:latin typeface="Segoe UI" panose="020B0502040204020203" pitchFamily="34" charset="0"/>
+              <a:cs typeface="Segoe UI" panose="020B0502040204020203" pitchFamily="34" charset="0"/>
+            </a:endParaRPr>
+          </a:p>
+        </p:txBody>
+      </p:sp>
+      <p:sp>
+        <p:nvSpPr>
+          <p:cNvPr id="16" name="正方形/長方形 15"/>
           <p:cNvSpPr/>
           <p:nvPr/>
         </p:nvSpPr>
         <p:spPr>
           <a:xfrm>
-            <a:off x="2303685" y="1647202"/>
-            <a:ext cx="4536630" cy="1845799"/>
+            <a:off x="2092752" y="1628750"/>
+            <a:ext cx="5431658" cy="1944270"/>
           </a:xfrm>
           <a:prstGeom prst="rect">
             <a:avLst/>
@@ -12932,6 +13071,61 @@
           </a:bodyPr>
           <a:lstStyle/>
           <a:p>
+            <a:pPr lvl="0">
+              <a:lnSpc>
+                <a:spcPts val="800"/>
+              </a:lnSpc>
+              <a:defRPr/>
+            </a:pPr>
+            <a:r>
+              <a:rPr kumimoji="0" lang="en-US" sz="900" kern="100" dirty="0">
+                <a:solidFill>
+                  <a:sysClr val="window" lastClr="FFFFFF"/>
+                </a:solidFill>
+                <a:latin typeface="Arial" panose="020B0604020202020204" pitchFamily="34" charset="0"/>
+                <a:ea typeface="ＭＳ 明朝" panose="02020609040205080304" pitchFamily="17" charset="-128"/>
+                <a:cs typeface="Times New Roman" panose="02020603050405020304" pitchFamily="18" charset="0"/>
+              </a:rPr>
+              <a:t># Select Operation System</a:t>
+            </a:r>
+            <a:r>
+              <a:rPr kumimoji="0" lang="en-US" sz="900" kern="100" dirty="0" smtClean="0">
+                <a:solidFill>
+                  <a:sysClr val="window" lastClr="FFFFFF"/>
+                </a:solidFill>
+                <a:latin typeface="Arial" panose="020B0604020202020204" pitchFamily="34" charset="0"/>
+                <a:ea typeface="ＭＳ 明朝" panose="02020609040205080304" pitchFamily="17" charset="-128"/>
+                <a:cs typeface="Times New Roman" panose="02020603050405020304" pitchFamily="18" charset="0"/>
+              </a:rPr>
+              <a:t>. ("</a:t>
+            </a:r>
+            <a:r>
+              <a:rPr kumimoji="0" lang="en-US" sz="900" kern="100" dirty="0">
+                <a:solidFill>
+                  <a:sysClr val="window" lastClr="FFFFFF"/>
+                </a:solidFill>
+                <a:latin typeface="Arial" panose="020B0604020202020204" pitchFamily="34" charset="0"/>
+                <a:ea typeface="ＭＳ 明朝" panose="02020609040205080304" pitchFamily="17" charset="-128"/>
+                <a:cs typeface="Times New Roman" panose="02020603050405020304" pitchFamily="18" charset="0"/>
+              </a:rPr>
+              <a:t>CentOS7","CentOS8","RHEL7","RHEL8","RHEL7_AWS","RHEL8_AWS")</a:t>
+            </a:r>
+            <a:endParaRPr kumimoji="0" lang="en-US" sz="900" b="0" i="0" u="none" strike="noStrike" kern="100" cap="none" spc="0" normalizeH="0" baseline="0" noProof="0" dirty="0" smtClean="0">
+              <a:ln>
+                <a:noFill/>
+              </a:ln>
+              <a:solidFill>
+                <a:sysClr val="window" lastClr="FFFFFF"/>
+              </a:solidFill>
+              <a:effectLst/>
+              <a:uLnTx/>
+              <a:uFillTx/>
+              <a:latin typeface="Arial" panose="020B0604020202020204" pitchFamily="34" charset="0"/>
+              <a:ea typeface="ＭＳ 明朝" panose="02020609040205080304" pitchFamily="17" charset="-128"/>
+              <a:cs typeface="Times New Roman" panose="02020603050405020304" pitchFamily="18" charset="0"/>
+            </a:endParaRPr>
+          </a:p>
+          <a:p>
             <a:pPr marL="0" marR="0" lvl="0" indent="0" algn="l" defTabSz="914400" eaLnBrk="1" fontAlgn="auto" latinLnBrk="0" hangingPunct="1">
               <a:lnSpc>
                 <a:spcPts val="800"/>
@@ -12949,53 +13143,13 @@
               <a:tabLst/>
               <a:defRPr/>
             </a:pPr>
-            <a:r>
-              <a:rPr kumimoji="0" lang="en-US" sz="900" b="0" i="0" u="none" strike="noStrike" kern="100" cap="none" spc="0" normalizeH="0" baseline="0" noProof="0" dirty="0">
-                <a:ln>
-                  <a:noFill/>
-                </a:ln>
-                <a:solidFill>
-                  <a:sysClr val="window" lastClr="FFFFFF"/>
-                </a:solidFill>
-                <a:effectLst/>
-                <a:uLnTx/>
-                <a:uFillTx/>
-                <a:latin typeface="Segoe UI" panose="020B0502040204020203" pitchFamily="34" charset="0"/>
-                <a:ea typeface="Segoe UI" panose="020B0502040204020203" pitchFamily="34" charset="0"/>
-                <a:cs typeface="Segoe UI" panose="020B0502040204020203" pitchFamily="34" charset="0"/>
-              </a:rPr>
-              <a:t># Select Operation System. ("</a:t>
-            </a:r>
-            <a:r>
-              <a:rPr kumimoji="0" lang="en-US" sz="900" b="0" i="0" u="none" strike="noStrike" kern="100" cap="none" spc="0" normalizeH="0" baseline="0" noProof="0" dirty="0" smtClean="0">
-                <a:ln>
-                  <a:noFill/>
-                </a:ln>
-                <a:solidFill>
-                  <a:sysClr val="window" lastClr="FFFFFF"/>
-                </a:solidFill>
-                <a:effectLst/>
-                <a:uLnTx/>
-                <a:uFillTx/>
-                <a:latin typeface="Segoe UI" panose="020B0502040204020203" pitchFamily="34" charset="0"/>
-                <a:ea typeface="Segoe UI" panose="020B0502040204020203" pitchFamily="34" charset="0"/>
-                <a:cs typeface="Segoe UI" panose="020B0502040204020203" pitchFamily="34" charset="0"/>
-              </a:rPr>
-              <a:t>CentOS7","CentOS8","RHEL7","RHEL8")</a:t>
-            </a:r>
-            <a:endParaRPr kumimoji="0" lang="ja-JP" altLang="en-US" sz="1050" b="0" i="0" u="none" strike="noStrike" kern="100" cap="none" spc="0" normalizeH="0" baseline="0" noProof="0" dirty="0">
-              <a:ln>
-                <a:noFill/>
-              </a:ln>
+            <a:endParaRPr kumimoji="0" lang="en-US" sz="900" kern="100" dirty="0">
               <a:solidFill>
                 <a:sysClr val="window" lastClr="FFFFFF"/>
               </a:solidFill>
-              <a:effectLst/>
-              <a:uLnTx/>
-              <a:uFillTx/>
-              <a:latin typeface="Segoe UI" panose="020B0502040204020203" pitchFamily="34" charset="0"/>
+              <a:latin typeface="Arial" panose="020B0604020202020204" pitchFamily="34" charset="0"/>
               <a:ea typeface="ＭＳ 明朝" panose="02020609040205080304" pitchFamily="17" charset="-128"/>
-              <a:cs typeface="Segoe UI" panose="020B0502040204020203" pitchFamily="34" charset="0"/>
+              <a:cs typeface="Times New Roman" panose="02020603050405020304" pitchFamily="18" charset="0"/>
             </a:endParaRPr>
           </a:p>
           <a:p>
@@ -13017,23 +13171,6 @@
               <a:defRPr/>
             </a:pPr>
             <a:r>
-              <a:rPr kumimoji="0" lang="en-US" sz="900" b="0" i="0" u="none" strike="noStrike" kern="100" cap="none" spc="0" normalizeH="0" baseline="0" noProof="0" dirty="0">
-                <a:ln>
-                  <a:noFill/>
-                </a:ln>
-                <a:solidFill>
-                  <a:sysClr val="window" lastClr="FFFFFF"/>
-                </a:solidFill>
-                <a:effectLst/>
-                <a:uLnTx/>
-                <a:uFillTx/>
-                <a:latin typeface="Segoe UI" panose="020B0502040204020203" pitchFamily="34" charset="0"/>
-                <a:ea typeface="Segoe UI" panose="020B0502040204020203" pitchFamily="34" charset="0"/>
-                <a:cs typeface="Segoe UI" panose="020B0502040204020203" pitchFamily="34" charset="0"/>
-              </a:rPr>
-              <a:t># e.g) </a:t>
-            </a:r>
-            <a:r>
               <a:rPr kumimoji="0" lang="en-US" sz="900" b="0" i="0" u="none" strike="noStrike" kern="100" cap="none" spc="0" normalizeH="0" baseline="0" noProof="0" dirty="0" smtClean="0">
                 <a:ln>
                   <a:noFill/>
@@ -13044,13 +13181,13 @@
                 <a:effectLst/>
                 <a:uLnTx/>
                 <a:uFillTx/>
-                <a:latin typeface="Segoe UI" panose="020B0502040204020203" pitchFamily="34" charset="0"/>
-                <a:ea typeface="Segoe UI" panose="020B0502040204020203" pitchFamily="34" charset="0"/>
-                <a:cs typeface="Segoe UI" panose="020B0502040204020203" pitchFamily="34" charset="0"/>
-              </a:rPr>
-              <a:t>linux_os:RHEL8</a:t>
-            </a:r>
-            <a:endParaRPr kumimoji="0" lang="ja-JP" altLang="en-US" sz="1050" b="0" i="0" u="none" strike="noStrike" kern="100" cap="none" spc="0" normalizeH="0" baseline="0" noProof="0" dirty="0">
+                <a:latin typeface="Arial" panose="020B0604020202020204" pitchFamily="34" charset="0"/>
+                <a:ea typeface="ＭＳ 明朝" panose="02020609040205080304" pitchFamily="17" charset="-128"/>
+                <a:cs typeface="Times New Roman" panose="02020603050405020304" pitchFamily="18" charset="0"/>
+              </a:rPr>
+              <a:t># Select Operation System. ("CentOS7,"CentOS8","RHEL7","RHEL8")</a:t>
+            </a:r>
+            <a:endParaRPr kumimoji="0" lang="ja-JP" altLang="en-US" sz="1050" b="0" i="0" u="none" strike="noStrike" kern="100" cap="none" spc="0" normalizeH="0" baseline="0" noProof="0" dirty="0" smtClean="0">
               <a:ln>
                 <a:noFill/>
               </a:ln>
@@ -13060,9 +13197,9 @@
               <a:effectLst/>
               <a:uLnTx/>
               <a:uFillTx/>
-              <a:latin typeface="Segoe UI" panose="020B0502040204020203" pitchFamily="34" charset="0"/>
+              <a:latin typeface="Century"/>
               <a:ea typeface="ＭＳ 明朝" panose="02020609040205080304" pitchFamily="17" charset="-128"/>
-              <a:cs typeface="Segoe UI" panose="020B0502040204020203" pitchFamily="34" charset="0"/>
+              <a:cs typeface="Times New Roman" panose="02020603050405020304" pitchFamily="18" charset="0"/>
             </a:endParaRPr>
           </a:p>
           <a:p>
@@ -13084,23 +13221,6 @@
               <a:defRPr/>
             </a:pPr>
             <a:r>
-              <a:rPr kumimoji="0" lang="en-US" sz="900" b="0" i="0" u="none" strike="noStrike" kern="100" cap="none" spc="0" normalizeH="0" baseline="0" noProof="0" dirty="0">
-                <a:ln>
-                  <a:noFill/>
-                </a:ln>
-                <a:solidFill>
-                  <a:sysClr val="window" lastClr="FFFFFF"/>
-                </a:solidFill>
-                <a:effectLst/>
-                <a:uLnTx/>
-                <a:uFillTx/>
-                <a:latin typeface="Segoe UI" panose="020B0502040204020203" pitchFamily="34" charset="0"/>
-                <a:ea typeface="Segoe UI" panose="020B0502040204020203" pitchFamily="34" charset="0"/>
-                <a:cs typeface="Segoe UI" panose="020B0502040204020203" pitchFamily="34" charset="0"/>
-              </a:rPr>
-              <a:t>linux_os: </a:t>
-            </a:r>
-            <a:r>
               <a:rPr kumimoji="0" lang="en-US" sz="900" b="0" i="0" u="none" strike="noStrike" kern="100" cap="none" spc="0" normalizeH="0" baseline="0" noProof="0" dirty="0" smtClean="0">
                 <a:ln>
                   <a:noFill/>
@@ -13111,13 +13231,47 @@
                 <a:effectLst/>
                 <a:uLnTx/>
                 <a:uFillTx/>
-                <a:latin typeface="Segoe UI" panose="020B0502040204020203" pitchFamily="34" charset="0"/>
-                <a:ea typeface="Segoe UI" panose="020B0502040204020203" pitchFamily="34" charset="0"/>
-                <a:cs typeface="Segoe UI" panose="020B0502040204020203" pitchFamily="34" charset="0"/>
-              </a:rPr>
-              <a:t>RHEL7</a:t>
-            </a:r>
-            <a:endParaRPr kumimoji="0" lang="ja-JP" altLang="en-US" sz="1050" b="0" i="0" u="none" strike="noStrike" kern="100" cap="none" spc="0" normalizeH="0" baseline="0" noProof="0" dirty="0">
+                <a:latin typeface="Arial" panose="020B0604020202020204" pitchFamily="34" charset="0"/>
+                <a:ea typeface="ＭＳ 明朝" panose="02020609040205080304" pitchFamily="17" charset="-128"/>
+                <a:cs typeface="Times New Roman" panose="02020603050405020304" pitchFamily="18" charset="0"/>
+              </a:rPr>
+              <a:t># </a:t>
+            </a:r>
+            <a:r>
+              <a:rPr kumimoji="0" lang="en-US" sz="900" b="0" i="0" u="none" strike="noStrike" kern="100" cap="none" spc="0" normalizeH="0" baseline="0" noProof="0" dirty="0" err="1" smtClean="0">
+                <a:ln>
+                  <a:noFill/>
+                </a:ln>
+                <a:solidFill>
+                  <a:sysClr val="window" lastClr="FFFFFF"/>
+                </a:solidFill>
+                <a:effectLst/>
+                <a:uLnTx/>
+                <a:uFillTx/>
+                <a:latin typeface="Arial" panose="020B0604020202020204" pitchFamily="34" charset="0"/>
+                <a:ea typeface="ＭＳ 明朝" panose="02020609040205080304" pitchFamily="17" charset="-128"/>
+                <a:cs typeface="Times New Roman" panose="02020603050405020304" pitchFamily="18" charset="0"/>
+              </a:rPr>
+              <a:t>e.g</a:t>
+            </a:r>
+            <a:r>
+              <a:rPr kumimoji="0" lang="en-US" sz="900" b="0" i="0" u="none" strike="noStrike" kern="100" cap="none" spc="0" normalizeH="0" baseline="0" noProof="0" dirty="0" smtClean="0">
+                <a:ln>
+                  <a:noFill/>
+                </a:ln>
+                <a:solidFill>
+                  <a:sysClr val="window" lastClr="FFFFFF"/>
+                </a:solidFill>
+                <a:effectLst/>
+                <a:uLnTx/>
+                <a:uFillTx/>
+                <a:latin typeface="Arial" panose="020B0604020202020204" pitchFamily="34" charset="0"/>
+                <a:ea typeface="ＭＳ 明朝" panose="02020609040205080304" pitchFamily="17" charset="-128"/>
+                <a:cs typeface="Times New Roman" panose="02020603050405020304" pitchFamily="18" charset="0"/>
+              </a:rPr>
+              <a:t>) linux_os:RHEL8</a:t>
+            </a:r>
+            <a:endParaRPr kumimoji="0" lang="ja-JP" altLang="en-US" sz="1050" b="0" i="0" u="none" strike="noStrike" kern="100" cap="none" spc="0" normalizeH="0" baseline="0" noProof="0" dirty="0" smtClean="0">
               <a:ln>
                 <a:noFill/>
               </a:ln>
@@ -13127,9 +13281,9 @@
               <a:effectLst/>
               <a:uLnTx/>
               <a:uFillTx/>
-              <a:latin typeface="Segoe UI" panose="020B0502040204020203" pitchFamily="34" charset="0"/>
+              <a:latin typeface="Century"/>
               <a:ea typeface="ＭＳ 明朝" panose="02020609040205080304" pitchFamily="17" charset="-128"/>
-              <a:cs typeface="Segoe UI" panose="020B0502040204020203" pitchFamily="34" charset="0"/>
+              <a:cs typeface="Times New Roman" panose="02020603050405020304" pitchFamily="18" charset="0"/>
             </a:endParaRPr>
           </a:p>
           <a:p>
@@ -13151,6 +13305,23 @@
               <a:defRPr/>
             </a:pPr>
             <a:r>
+              <a:rPr kumimoji="0" lang="en-US" sz="900" b="0" i="0" u="none" strike="noStrike" kern="100" cap="none" spc="0" normalizeH="0" baseline="0" noProof="0" dirty="0" err="1" smtClean="0">
+                <a:ln>
+                  <a:noFill/>
+                </a:ln>
+                <a:solidFill>
+                  <a:sysClr val="window" lastClr="FFFFFF"/>
+                </a:solidFill>
+                <a:effectLst/>
+                <a:uLnTx/>
+                <a:uFillTx/>
+                <a:latin typeface="Arial" panose="020B0604020202020204" pitchFamily="34" charset="0"/>
+                <a:ea typeface="ＭＳ 明朝" panose="02020609040205080304" pitchFamily="17" charset="-128"/>
+                <a:cs typeface="Times New Roman" panose="02020603050405020304" pitchFamily="18" charset="0"/>
+              </a:rPr>
+              <a:t>linux_os</a:t>
+            </a:r>
+            <a:r>
               <a:rPr kumimoji="0" lang="en-US" sz="900" b="0" i="0" u="none" strike="noStrike" kern="100" cap="none" spc="0" normalizeH="0" baseline="0" noProof="0" dirty="0">
                 <a:ln>
                   <a:noFill/>
@@ -13161,11 +13332,28 @@
                 <a:effectLst/>
                 <a:uLnTx/>
                 <a:uFillTx/>
-                <a:latin typeface="Segoe UI" panose="020B0502040204020203" pitchFamily="34" charset="0"/>
-                <a:ea typeface="Segoe UI" panose="020B0502040204020203" pitchFamily="34" charset="0"/>
-                <a:cs typeface="Segoe UI" panose="020B0502040204020203" pitchFamily="34" charset="0"/>
-              </a:rPr>
-              <a:t> </a:t>
+                <a:latin typeface="Arial" panose="020B0604020202020204" pitchFamily="34" charset="0"/>
+                <a:ea typeface="ＭＳ 明朝" panose="02020609040205080304" pitchFamily="17" charset="-128"/>
+                <a:cs typeface="Times New Roman" panose="02020603050405020304" pitchFamily="18" charset="0"/>
+              </a:rPr>
+              <a:t>: </a:t>
+            </a:r>
+            <a:r>
+              <a:rPr kumimoji="0" lang="en-US" sz="900" b="0" i="0" u="none" strike="noStrike" kern="100" cap="none" spc="0" normalizeH="0" baseline="0" noProof="0" dirty="0" smtClean="0">
+                <a:ln>
+                  <a:noFill/>
+                </a:ln>
+                <a:solidFill>
+                  <a:sysClr val="window" lastClr="FFFFFF"/>
+                </a:solidFill>
+                <a:effectLst/>
+                <a:uLnTx/>
+                <a:uFillTx/>
+                <a:latin typeface="Arial" panose="020B0604020202020204" pitchFamily="34" charset="0"/>
+                <a:ea typeface="ＭＳ 明朝" panose="02020609040205080304" pitchFamily="17" charset="-128"/>
+                <a:cs typeface="Times New Roman" panose="02020603050405020304" pitchFamily="18" charset="0"/>
+              </a:rPr>
+              <a:t>RHEL7</a:t>
             </a:r>
             <a:endParaRPr kumimoji="0" lang="ja-JP" altLang="en-US" sz="1050" b="0" i="0" u="none" strike="noStrike" kern="100" cap="none" spc="0" normalizeH="0" baseline="0" noProof="0" dirty="0">
               <a:ln>
@@ -13177,9 +13365,9 @@
               <a:effectLst/>
               <a:uLnTx/>
               <a:uFillTx/>
-              <a:latin typeface="Segoe UI" panose="020B0502040204020203" pitchFamily="34" charset="0"/>
+              <a:latin typeface="Century"/>
               <a:ea typeface="ＭＳ 明朝" panose="02020609040205080304" pitchFamily="17" charset="-128"/>
-              <a:cs typeface="Segoe UI" panose="020B0502040204020203" pitchFamily="34" charset="0"/>
+              <a:cs typeface="Times New Roman" panose="02020603050405020304" pitchFamily="18" charset="0"/>
             </a:endParaRPr>
           </a:p>
           <a:p>
@@ -13211,11 +13399,11 @@
                 <a:effectLst/>
                 <a:uLnTx/>
                 <a:uFillTx/>
-                <a:latin typeface="Segoe UI" panose="020B0502040204020203" pitchFamily="34" charset="0"/>
-                <a:ea typeface="Segoe UI" panose="020B0502040204020203" pitchFamily="34" charset="0"/>
-                <a:cs typeface="Segoe UI" panose="020B0502040204020203" pitchFamily="34" charset="0"/>
-              </a:rPr>
-              <a:t>#####################################################</a:t>
+                <a:latin typeface="Arial" panose="020B0604020202020204" pitchFamily="34" charset="0"/>
+                <a:ea typeface="ＭＳ 明朝" panose="02020609040205080304" pitchFamily="17" charset="-128"/>
+                <a:cs typeface="Times New Roman" panose="02020603050405020304" pitchFamily="18" charset="0"/>
+              </a:rPr>
+              <a:t> </a:t>
             </a:r>
             <a:endParaRPr kumimoji="0" lang="ja-JP" altLang="en-US" sz="1050" b="0" i="0" u="none" strike="noStrike" kern="100" cap="none" spc="0" normalizeH="0" baseline="0" noProof="0" dirty="0">
               <a:ln>
@@ -13227,9 +13415,9 @@
               <a:effectLst/>
               <a:uLnTx/>
               <a:uFillTx/>
-              <a:latin typeface="Segoe UI" panose="020B0502040204020203" pitchFamily="34" charset="0"/>
+              <a:latin typeface="Century"/>
               <a:ea typeface="ＭＳ 明朝" panose="02020609040205080304" pitchFamily="17" charset="-128"/>
-              <a:cs typeface="Segoe UI" panose="020B0502040204020203" pitchFamily="34" charset="0"/>
+              <a:cs typeface="Times New Roman" panose="02020603050405020304" pitchFamily="18" charset="0"/>
             </a:endParaRPr>
           </a:p>
           <a:p>
@@ -13261,62 +13449,11 @@
                 <a:effectLst/>
                 <a:uLnTx/>
                 <a:uFillTx/>
-                <a:latin typeface="Segoe UI" panose="020B0502040204020203" pitchFamily="34" charset="0"/>
-                <a:ea typeface="Segoe UI" panose="020B0502040204020203" pitchFamily="34" charset="0"/>
-                <a:cs typeface="Segoe UI" panose="020B0502040204020203" pitchFamily="34" charset="0"/>
-              </a:rPr>
-              <a:t>#Only when you select linux_os with </a:t>
-            </a:r>
-            <a:r>
-              <a:rPr kumimoji="0" lang="en-US" sz="900" b="0" i="0" u="none" strike="noStrike" kern="100" cap="none" spc="0" normalizeH="0" baseline="0" noProof="0" dirty="0" smtClean="0">
-                <a:ln>
-                  <a:noFill/>
-                </a:ln>
-                <a:solidFill>
-                  <a:sysClr val="window" lastClr="FFFFFF"/>
-                </a:solidFill>
-                <a:effectLst/>
-                <a:uLnTx/>
-                <a:uFillTx/>
-                <a:latin typeface="Segoe UI" panose="020B0502040204020203" pitchFamily="34" charset="0"/>
-                <a:ea typeface="Segoe UI" panose="020B0502040204020203" pitchFamily="34" charset="0"/>
-                <a:cs typeface="Segoe UI" panose="020B0502040204020203" pitchFamily="34" charset="0"/>
-              </a:rPr>
-              <a:t>RHEL7 </a:t>
-            </a:r>
-            <a:r>
-              <a:rPr kumimoji="0" lang="en-US" sz="900" b="0" i="0" u="none" strike="noStrike" kern="100" cap="none" spc="0" normalizeH="0" baseline="0" noProof="0" dirty="0">
-                <a:ln>
-                  <a:noFill/>
-                </a:ln>
-                <a:solidFill>
-                  <a:sysClr val="window" lastClr="FFFFFF"/>
-                </a:solidFill>
-                <a:effectLst/>
-                <a:uLnTx/>
-                <a:uFillTx/>
-                <a:latin typeface="Segoe UI" panose="020B0502040204020203" pitchFamily="34" charset="0"/>
-                <a:ea typeface="Segoe UI" panose="020B0502040204020203" pitchFamily="34" charset="0"/>
-                <a:cs typeface="Segoe UI" panose="020B0502040204020203" pitchFamily="34" charset="0"/>
-              </a:rPr>
-              <a:t>or </a:t>
-            </a:r>
-            <a:r>
-              <a:rPr kumimoji="0" lang="en-US" sz="900" b="0" i="0" u="none" strike="noStrike" kern="100" cap="none" spc="0" normalizeH="0" baseline="0" noProof="0" dirty="0" smtClean="0">
-                <a:ln>
-                  <a:noFill/>
-                </a:ln>
-                <a:solidFill>
-                  <a:sysClr val="window" lastClr="FFFFFF"/>
-                </a:solidFill>
-                <a:effectLst/>
-                <a:uLnTx/>
-                <a:uFillTx/>
-                <a:latin typeface="Segoe UI" panose="020B0502040204020203" pitchFamily="34" charset="0"/>
-                <a:ea typeface="Segoe UI" panose="020B0502040204020203" pitchFamily="34" charset="0"/>
-                <a:cs typeface="Segoe UI" panose="020B0502040204020203" pitchFamily="34" charset="0"/>
-              </a:rPr>
-              <a:t>RHEL8</a:t>
+                <a:latin typeface="Arial" panose="020B0604020202020204" pitchFamily="34" charset="0"/>
+                <a:ea typeface="ＭＳ 明朝" panose="02020609040205080304" pitchFamily="17" charset="-128"/>
+                <a:cs typeface="Times New Roman" panose="02020603050405020304" pitchFamily="18" charset="0"/>
+              </a:rPr>
+              <a:t>#####################################################</a:t>
             </a:r>
             <a:endParaRPr kumimoji="0" lang="ja-JP" altLang="en-US" sz="1050" b="0" i="0" u="none" strike="noStrike" kern="100" cap="none" spc="0" normalizeH="0" baseline="0" noProof="0" dirty="0">
               <a:ln>
@@ -13328,9 +13465,9 @@
               <a:effectLst/>
               <a:uLnTx/>
               <a:uFillTx/>
-              <a:latin typeface="Segoe UI" panose="020B0502040204020203" pitchFamily="34" charset="0"/>
+              <a:latin typeface="Century"/>
               <a:ea typeface="ＭＳ 明朝" panose="02020609040205080304" pitchFamily="17" charset="-128"/>
-              <a:cs typeface="Segoe UI" panose="020B0502040204020203" pitchFamily="34" charset="0"/>
+              <a:cs typeface="Times New Roman" panose="02020603050405020304" pitchFamily="18" charset="0"/>
             </a:endParaRPr>
           </a:p>
           <a:p>
@@ -13362,11 +13499,62 @@
                 <a:effectLst/>
                 <a:uLnTx/>
                 <a:uFillTx/>
-                <a:latin typeface="Segoe UI" panose="020B0502040204020203" pitchFamily="34" charset="0"/>
-                <a:ea typeface="Segoe UI" panose="020B0502040204020203" pitchFamily="34" charset="0"/>
-                <a:cs typeface="Segoe UI" panose="020B0502040204020203" pitchFamily="34" charset="0"/>
-              </a:rPr>
-              <a:t> </a:t>
+                <a:latin typeface="Arial" panose="020B0604020202020204" pitchFamily="34" charset="0"/>
+                <a:ea typeface="ＭＳ 明朝" panose="02020609040205080304" pitchFamily="17" charset="-128"/>
+                <a:cs typeface="Times New Roman" panose="02020603050405020304" pitchFamily="18" charset="0"/>
+              </a:rPr>
+              <a:t>#Only when you select linux_os with </a:t>
+            </a:r>
+            <a:r>
+              <a:rPr kumimoji="0" lang="en-US" sz="900" b="0" i="0" u="none" strike="noStrike" kern="100" cap="none" spc="0" normalizeH="0" baseline="0" noProof="0" dirty="0" smtClean="0">
+                <a:ln>
+                  <a:noFill/>
+                </a:ln>
+                <a:solidFill>
+                  <a:sysClr val="window" lastClr="FFFFFF"/>
+                </a:solidFill>
+                <a:effectLst/>
+                <a:uLnTx/>
+                <a:uFillTx/>
+                <a:latin typeface="Arial" panose="020B0604020202020204" pitchFamily="34" charset="0"/>
+                <a:ea typeface="ＭＳ 明朝" panose="02020609040205080304" pitchFamily="17" charset="-128"/>
+                <a:cs typeface="Times New Roman" panose="02020603050405020304" pitchFamily="18" charset="0"/>
+              </a:rPr>
+              <a:t>RHEL7 </a:t>
+            </a:r>
+            <a:r>
+              <a:rPr kumimoji="0" lang="en-US" sz="900" b="0" i="0" u="none" strike="noStrike" kern="100" cap="none" spc="0" normalizeH="0" baseline="0" noProof="0" dirty="0">
+                <a:ln>
+                  <a:noFill/>
+                </a:ln>
+                <a:solidFill>
+                  <a:sysClr val="window" lastClr="FFFFFF"/>
+                </a:solidFill>
+                <a:effectLst/>
+                <a:uLnTx/>
+                <a:uFillTx/>
+                <a:latin typeface="Arial" panose="020B0604020202020204" pitchFamily="34" charset="0"/>
+                <a:ea typeface="ＭＳ 明朝" panose="02020609040205080304" pitchFamily="17" charset="-128"/>
+                <a:cs typeface="Times New Roman" panose="02020603050405020304" pitchFamily="18" charset="0"/>
+              </a:rPr>
+              <a:t>or </a:t>
+            </a:r>
+            <a:r>
+              <a:rPr kumimoji="0" lang="en-US" sz="900" b="0" i="0" u="none" strike="noStrike" kern="100" cap="none" spc="0" normalizeH="0" baseline="0" noProof="0" dirty="0" smtClean="0">
+                <a:ln>
+                  <a:noFill/>
+                </a:ln>
+                <a:solidFill>
+                  <a:sysClr val="window" lastClr="FFFFFF"/>
+                </a:solidFill>
+                <a:effectLst/>
+                <a:uLnTx/>
+                <a:uFillTx/>
+                <a:latin typeface="Arial" panose="020B0604020202020204" pitchFamily="34" charset="0"/>
+                <a:ea typeface="ＭＳ 明朝" panose="02020609040205080304" pitchFamily="17" charset="-128"/>
+                <a:cs typeface="Times New Roman" panose="02020603050405020304" pitchFamily="18" charset="0"/>
+              </a:rPr>
+              <a:t>RHEL8</a:t>
             </a:r>
             <a:endParaRPr kumimoji="0" lang="ja-JP" altLang="en-US" sz="1050" b="0" i="0" u="none" strike="noStrike" kern="100" cap="none" spc="0" normalizeH="0" baseline="0" noProof="0" dirty="0">
               <a:ln>
@@ -13378,9 +13566,9 @@
               <a:effectLst/>
               <a:uLnTx/>
               <a:uFillTx/>
-              <a:latin typeface="Segoe UI" panose="020B0502040204020203" pitchFamily="34" charset="0"/>
+              <a:latin typeface="Century"/>
               <a:ea typeface="ＭＳ 明朝" panose="02020609040205080304" pitchFamily="17" charset="-128"/>
-              <a:cs typeface="Segoe UI" panose="020B0502040204020203" pitchFamily="34" charset="0"/>
+              <a:cs typeface="Times New Roman" panose="02020603050405020304" pitchFamily="18" charset="0"/>
             </a:endParaRPr>
           </a:p>
           <a:p>
@@ -13412,11 +13600,11 @@
                 <a:effectLst/>
                 <a:uLnTx/>
                 <a:uFillTx/>
-                <a:latin typeface="Segoe UI" panose="020B0502040204020203" pitchFamily="34" charset="0"/>
-                <a:ea typeface="Segoe UI" panose="020B0502040204020203" pitchFamily="34" charset="0"/>
-                <a:cs typeface="Segoe UI" panose="020B0502040204020203" pitchFamily="34" charset="0"/>
-              </a:rPr>
-              <a:t># Enter the Red Hat user name and user password</a:t>
+                <a:latin typeface="Arial" panose="020B0604020202020204" pitchFamily="34" charset="0"/>
+                <a:ea typeface="ＭＳ 明朝" panose="02020609040205080304" pitchFamily="17" charset="-128"/>
+                <a:cs typeface="Times New Roman" panose="02020603050405020304" pitchFamily="18" charset="0"/>
+              </a:rPr>
+              <a:t> </a:t>
             </a:r>
             <a:endParaRPr kumimoji="0" lang="ja-JP" altLang="en-US" sz="1050" b="0" i="0" u="none" strike="noStrike" kern="100" cap="none" spc="0" normalizeH="0" baseline="0" noProof="0" dirty="0">
               <a:ln>
@@ -13428,9 +13616,9 @@
               <a:effectLst/>
               <a:uLnTx/>
               <a:uFillTx/>
-              <a:latin typeface="Segoe UI" panose="020B0502040204020203" pitchFamily="34" charset="0"/>
+              <a:latin typeface="Century"/>
               <a:ea typeface="ＭＳ 明朝" panose="02020609040205080304" pitchFamily="17" charset="-128"/>
-              <a:cs typeface="Segoe UI" panose="020B0502040204020203" pitchFamily="34" charset="0"/>
+              <a:cs typeface="Times New Roman" panose="02020603050405020304" pitchFamily="18" charset="0"/>
             </a:endParaRPr>
           </a:p>
           <a:p>
@@ -13462,11 +13650,11 @@
                 <a:effectLst/>
                 <a:uLnTx/>
                 <a:uFillTx/>
-                <a:latin typeface="Segoe UI" panose="020B0502040204020203" pitchFamily="34" charset="0"/>
-                <a:ea typeface="Segoe UI" panose="020B0502040204020203" pitchFamily="34" charset="0"/>
-                <a:cs typeface="Segoe UI" panose="020B0502040204020203" pitchFamily="34" charset="0"/>
-              </a:rPr>
-              <a:t># e.g) redhat_user_name:sample</a:t>
+                <a:latin typeface="Arial" panose="020B0604020202020204" pitchFamily="34" charset="0"/>
+                <a:ea typeface="ＭＳ 明朝" panose="02020609040205080304" pitchFamily="17" charset="-128"/>
+                <a:cs typeface="Times New Roman" panose="02020603050405020304" pitchFamily="18" charset="0"/>
+              </a:rPr>
+              <a:t># Enter the Red Hat user name and user password</a:t>
             </a:r>
             <a:endParaRPr kumimoji="0" lang="ja-JP" altLang="en-US" sz="1050" b="0" i="0" u="none" strike="noStrike" kern="100" cap="none" spc="0" normalizeH="0" baseline="0" noProof="0" dirty="0">
               <a:ln>
@@ -13478,9 +13666,9 @@
               <a:effectLst/>
               <a:uLnTx/>
               <a:uFillTx/>
-              <a:latin typeface="Segoe UI" panose="020B0502040204020203" pitchFamily="34" charset="0"/>
+              <a:latin typeface="Century"/>
               <a:ea typeface="ＭＳ 明朝" panose="02020609040205080304" pitchFamily="17" charset="-128"/>
-              <a:cs typeface="Segoe UI" panose="020B0502040204020203" pitchFamily="34" charset="0"/>
+              <a:cs typeface="Times New Roman" panose="02020603050405020304" pitchFamily="18" charset="0"/>
             </a:endParaRPr>
           </a:p>
           <a:p>
@@ -13512,11 +13700,11 @@
                 <a:effectLst/>
                 <a:uLnTx/>
                 <a:uFillTx/>
-                <a:latin typeface="Segoe UI" panose="020B0502040204020203" pitchFamily="34" charset="0"/>
-                <a:ea typeface="Segoe UI" panose="020B0502040204020203" pitchFamily="34" charset="0"/>
-                <a:cs typeface="Segoe UI" panose="020B0502040204020203" pitchFamily="34" charset="0"/>
-              </a:rPr>
-              <a:t>redhat_user_name:sample</a:t>
+                <a:latin typeface="Arial" panose="020B0604020202020204" pitchFamily="34" charset="0"/>
+                <a:ea typeface="ＭＳ 明朝" panose="02020609040205080304" pitchFamily="17" charset="-128"/>
+                <a:cs typeface="Times New Roman" panose="02020603050405020304" pitchFamily="18" charset="0"/>
+              </a:rPr>
+              <a:t># e.g) redhat_user_name:sample</a:t>
             </a:r>
             <a:endParaRPr kumimoji="0" lang="ja-JP" altLang="en-US" sz="1050" b="0" i="0" u="none" strike="noStrike" kern="100" cap="none" spc="0" normalizeH="0" baseline="0" noProof="0" dirty="0">
               <a:ln>
@@ -13528,9 +13716,9 @@
               <a:effectLst/>
               <a:uLnTx/>
               <a:uFillTx/>
-              <a:latin typeface="Segoe UI" panose="020B0502040204020203" pitchFamily="34" charset="0"/>
+              <a:latin typeface="Century"/>
               <a:ea typeface="ＭＳ 明朝" panose="02020609040205080304" pitchFamily="17" charset="-128"/>
-              <a:cs typeface="Segoe UI" panose="020B0502040204020203" pitchFamily="34" charset="0"/>
+              <a:cs typeface="Times New Roman" panose="02020603050405020304" pitchFamily="18" charset="0"/>
             </a:endParaRPr>
           </a:p>
           <a:p>
@@ -13562,11 +13750,11 @@
                 <a:effectLst/>
                 <a:uLnTx/>
                 <a:uFillTx/>
-                <a:latin typeface="Segoe UI" panose="020B0502040204020203" pitchFamily="34" charset="0"/>
-                <a:ea typeface="Segoe UI" panose="020B0502040204020203" pitchFamily="34" charset="0"/>
-                <a:cs typeface="Segoe UI" panose="020B0502040204020203" pitchFamily="34" charset="0"/>
-              </a:rPr>
-              <a:t> </a:t>
+                <a:latin typeface="Arial" panose="020B0604020202020204" pitchFamily="34" charset="0"/>
+                <a:ea typeface="ＭＳ 明朝" panose="02020609040205080304" pitchFamily="17" charset="-128"/>
+                <a:cs typeface="Times New Roman" panose="02020603050405020304" pitchFamily="18" charset="0"/>
+              </a:rPr>
+              <a:t>redhat_user_name:sample</a:t>
             </a:r>
             <a:endParaRPr kumimoji="0" lang="ja-JP" altLang="en-US" sz="1050" b="0" i="0" u="none" strike="noStrike" kern="100" cap="none" spc="0" normalizeH="0" baseline="0" noProof="0" dirty="0">
               <a:ln>
@@ -13578,9 +13766,9 @@
               <a:effectLst/>
               <a:uLnTx/>
               <a:uFillTx/>
-              <a:latin typeface="Segoe UI" panose="020B0502040204020203" pitchFamily="34" charset="0"/>
+              <a:latin typeface="Century"/>
               <a:ea typeface="ＭＳ 明朝" panose="02020609040205080304" pitchFamily="17" charset="-128"/>
-              <a:cs typeface="Segoe UI" panose="020B0502040204020203" pitchFamily="34" charset="0"/>
+              <a:cs typeface="Times New Roman" panose="02020603050405020304" pitchFamily="18" charset="0"/>
             </a:endParaRPr>
           </a:p>
           <a:p>
@@ -13612,11 +13800,11 @@
                 <a:effectLst/>
                 <a:uLnTx/>
                 <a:uFillTx/>
-                <a:latin typeface="Segoe UI" panose="020B0502040204020203" pitchFamily="34" charset="0"/>
-                <a:ea typeface="Segoe UI" panose="020B0502040204020203" pitchFamily="34" charset="0"/>
-                <a:cs typeface="Segoe UI" panose="020B0502040204020203" pitchFamily="34" charset="0"/>
-              </a:rPr>
-              <a:t># e.g) redhat_user_password:sample_password</a:t>
+                <a:latin typeface="Arial" panose="020B0604020202020204" pitchFamily="34" charset="0"/>
+                <a:ea typeface="ＭＳ 明朝" panose="02020609040205080304" pitchFamily="17" charset="-128"/>
+                <a:cs typeface="Times New Roman" panose="02020603050405020304" pitchFamily="18" charset="0"/>
+              </a:rPr>
+              <a:t> </a:t>
             </a:r>
             <a:endParaRPr kumimoji="0" lang="ja-JP" altLang="en-US" sz="1050" b="0" i="0" u="none" strike="noStrike" kern="100" cap="none" spc="0" normalizeH="0" baseline="0" noProof="0" dirty="0">
               <a:ln>
@@ -13628,9 +13816,9 @@
               <a:effectLst/>
               <a:uLnTx/>
               <a:uFillTx/>
-              <a:latin typeface="Segoe UI" panose="020B0502040204020203" pitchFamily="34" charset="0"/>
+              <a:latin typeface="Century"/>
               <a:ea typeface="ＭＳ 明朝" panose="02020609040205080304" pitchFamily="17" charset="-128"/>
-              <a:cs typeface="Segoe UI" panose="020B0502040204020203" pitchFamily="34" charset="0"/>
+              <a:cs typeface="Times New Roman" panose="02020603050405020304" pitchFamily="18" charset="0"/>
             </a:endParaRPr>
           </a:p>
           <a:p>
@@ -13662,11 +13850,11 @@
                 <a:effectLst/>
                 <a:uLnTx/>
                 <a:uFillTx/>
-                <a:latin typeface="Segoe UI" panose="020B0502040204020203" pitchFamily="34" charset="0"/>
-                <a:ea typeface="Segoe UI" panose="020B0502040204020203" pitchFamily="34" charset="0"/>
-                <a:cs typeface="Segoe UI" panose="020B0502040204020203" pitchFamily="34" charset="0"/>
-              </a:rPr>
-              <a:t>redhat_user_password: sample_password</a:t>
+                <a:latin typeface="Arial" panose="020B0604020202020204" pitchFamily="34" charset="0"/>
+                <a:ea typeface="ＭＳ 明朝" panose="02020609040205080304" pitchFamily="17" charset="-128"/>
+                <a:cs typeface="Times New Roman" panose="02020603050405020304" pitchFamily="18" charset="0"/>
+              </a:rPr>
+              <a:t># e.g) redhat_user_password:sample_password</a:t>
             </a:r>
             <a:endParaRPr kumimoji="0" lang="ja-JP" altLang="en-US" sz="1050" b="0" i="0" u="none" strike="noStrike" kern="100" cap="none" spc="0" normalizeH="0" baseline="0" noProof="0" dirty="0">
               <a:ln>
@@ -13678,9 +13866,9 @@
               <a:effectLst/>
               <a:uLnTx/>
               <a:uFillTx/>
-              <a:latin typeface="Segoe UI" panose="020B0502040204020203" pitchFamily="34" charset="0"/>
+              <a:latin typeface="Century"/>
               <a:ea typeface="ＭＳ 明朝" panose="02020609040205080304" pitchFamily="17" charset="-128"/>
-              <a:cs typeface="Segoe UI" panose="020B0502040204020203" pitchFamily="34" charset="0"/>
+              <a:cs typeface="Times New Roman" panose="02020603050405020304" pitchFamily="18" charset="0"/>
             </a:endParaRPr>
           </a:p>
           <a:p>
@@ -13712,11 +13900,11 @@
                 <a:effectLst/>
                 <a:uLnTx/>
                 <a:uFillTx/>
-                <a:latin typeface="Segoe UI" panose="020B0502040204020203" pitchFamily="34" charset="0"/>
-                <a:ea typeface="Segoe UI" panose="020B0502040204020203" pitchFamily="34" charset="0"/>
-                <a:cs typeface="Segoe UI" panose="020B0502040204020203" pitchFamily="34" charset="0"/>
-              </a:rPr>
-              <a:t> </a:t>
+                <a:latin typeface="Arial" panose="020B0604020202020204" pitchFamily="34" charset="0"/>
+                <a:ea typeface="ＭＳ 明朝" panose="02020609040205080304" pitchFamily="17" charset="-128"/>
+                <a:cs typeface="Times New Roman" panose="02020603050405020304" pitchFamily="18" charset="0"/>
+              </a:rPr>
+              <a:t>redhat_user_password: sample_password</a:t>
             </a:r>
             <a:endParaRPr kumimoji="0" lang="ja-JP" altLang="en-US" sz="1050" b="0" i="0" u="none" strike="noStrike" kern="100" cap="none" spc="0" normalizeH="0" baseline="0" noProof="0" dirty="0">
               <a:ln>
@@ -13728,9 +13916,9 @@
               <a:effectLst/>
               <a:uLnTx/>
               <a:uFillTx/>
-              <a:latin typeface="Segoe UI" panose="020B0502040204020203" pitchFamily="34" charset="0"/>
+              <a:latin typeface="Century"/>
               <a:ea typeface="ＭＳ 明朝" panose="02020609040205080304" pitchFamily="17" charset="-128"/>
-              <a:cs typeface="Segoe UI" panose="020B0502040204020203" pitchFamily="34" charset="0"/>
+              <a:cs typeface="Times New Roman" panose="02020603050405020304" pitchFamily="18" charset="0"/>
             </a:endParaRPr>
           </a:p>
           <a:p>
@@ -13762,11 +13950,11 @@
                 <a:effectLst/>
                 <a:uLnTx/>
                 <a:uFillTx/>
-                <a:latin typeface="Segoe UI" panose="020B0502040204020203" pitchFamily="34" charset="0"/>
-                <a:ea typeface="Segoe UI" panose="020B0502040204020203" pitchFamily="34" charset="0"/>
-                <a:cs typeface="Segoe UI" panose="020B0502040204020203" pitchFamily="34" charset="0"/>
-              </a:rPr>
-              <a:t># e.g) pool_id:samplePoolID</a:t>
+                <a:latin typeface="Arial" panose="020B0604020202020204" pitchFamily="34" charset="0"/>
+                <a:ea typeface="ＭＳ 明朝" panose="02020609040205080304" pitchFamily="17" charset="-128"/>
+                <a:cs typeface="Times New Roman" panose="02020603050405020304" pitchFamily="18" charset="0"/>
+              </a:rPr>
+              <a:t> </a:t>
             </a:r>
             <a:endParaRPr kumimoji="0" lang="ja-JP" altLang="en-US" sz="1050" b="0" i="0" u="none" strike="noStrike" kern="100" cap="none" spc="0" normalizeH="0" baseline="0" noProof="0" dirty="0">
               <a:ln>
@@ -13778,9 +13966,9 @@
               <a:effectLst/>
               <a:uLnTx/>
               <a:uFillTx/>
-              <a:latin typeface="Segoe UI" panose="020B0502040204020203" pitchFamily="34" charset="0"/>
+              <a:latin typeface="Century"/>
               <a:ea typeface="ＭＳ 明朝" panose="02020609040205080304" pitchFamily="17" charset="-128"/>
-              <a:cs typeface="Segoe UI" panose="020B0502040204020203" pitchFamily="34" charset="0"/>
+              <a:cs typeface="Times New Roman" panose="02020603050405020304" pitchFamily="18" charset="0"/>
             </a:endParaRPr>
           </a:p>
           <a:p>
@@ -13812,11 +14000,28 @@
                 <a:effectLst/>
                 <a:uLnTx/>
                 <a:uFillTx/>
-                <a:latin typeface="Segoe UI" panose="020B0502040204020203" pitchFamily="34" charset="0"/>
-                <a:ea typeface="Segoe UI" panose="020B0502040204020203" pitchFamily="34" charset="0"/>
-                <a:cs typeface="Segoe UI" panose="020B0502040204020203" pitchFamily="34" charset="0"/>
-              </a:rPr>
-              <a:t>pool_id: samplePoolID</a:t>
+                <a:latin typeface="Arial" panose="020B0604020202020204" pitchFamily="34" charset="0"/>
+                <a:ea typeface="ＭＳ 明朝" panose="02020609040205080304" pitchFamily="17" charset="-128"/>
+                <a:cs typeface="Times New Roman" panose="02020603050405020304" pitchFamily="18" charset="0"/>
+              </a:rPr>
+              <a:t># e.g) </a:t>
+            </a:r>
+            <a:r>
+              <a:rPr kumimoji="0" lang="en-US" sz="900" b="0" i="0" u="none" strike="noStrike" kern="100" cap="none" spc="0" normalizeH="0" baseline="0" noProof="0" dirty="0" err="1">
+                <a:ln>
+                  <a:noFill/>
+                </a:ln>
+                <a:solidFill>
+                  <a:sysClr val="window" lastClr="FFFFFF"/>
+                </a:solidFill>
+                <a:effectLst/>
+                <a:uLnTx/>
+                <a:uFillTx/>
+                <a:latin typeface="Arial" panose="020B0604020202020204" pitchFamily="34" charset="0"/>
+                <a:ea typeface="ＭＳ 明朝" panose="02020609040205080304" pitchFamily="17" charset="-128"/>
+                <a:cs typeface="Times New Roman" panose="02020603050405020304" pitchFamily="18" charset="0"/>
+              </a:rPr>
+              <a:t>pool_id:samplePoolID</a:t>
             </a:r>
             <a:endParaRPr kumimoji="0" lang="ja-JP" altLang="en-US" sz="1050" b="0" i="0" u="none" strike="noStrike" kern="100" cap="none" spc="0" normalizeH="0" baseline="0" noProof="0" dirty="0">
               <a:ln>
@@ -13828,9 +14033,9 @@
               <a:effectLst/>
               <a:uLnTx/>
               <a:uFillTx/>
-              <a:latin typeface="Segoe UI" panose="020B0502040204020203" pitchFamily="34" charset="0"/>
+              <a:latin typeface="Century"/>
               <a:ea typeface="ＭＳ 明朝" panose="02020609040205080304" pitchFamily="17" charset="-128"/>
-              <a:cs typeface="Segoe UI" panose="020B0502040204020203" pitchFamily="34" charset="0"/>
+              <a:cs typeface="Times New Roman" panose="02020603050405020304" pitchFamily="18" charset="0"/>
             </a:endParaRPr>
           </a:p>
           <a:p>
@@ -13862,11 +14067,11 @@
                 <a:effectLst/>
                 <a:uLnTx/>
                 <a:uFillTx/>
-                <a:latin typeface="Segoe UI" panose="020B0502040204020203" pitchFamily="34" charset="0"/>
-                <a:ea typeface="Segoe UI" panose="020B0502040204020203" pitchFamily="34" charset="0"/>
-                <a:cs typeface="Segoe UI" panose="020B0502040204020203" pitchFamily="34" charset="0"/>
-              </a:rPr>
-              <a:t> </a:t>
+                <a:latin typeface="Arial" panose="020B0604020202020204" pitchFamily="34" charset="0"/>
+                <a:ea typeface="ＭＳ 明朝" panose="02020609040205080304" pitchFamily="17" charset="-128"/>
+                <a:cs typeface="Times New Roman" panose="02020603050405020304" pitchFamily="18" charset="0"/>
+              </a:rPr>
+              <a:t>pool_id: samplePoolID</a:t>
             </a:r>
             <a:endParaRPr kumimoji="0" lang="ja-JP" altLang="en-US" sz="1050" b="0" i="0" u="none" strike="noStrike" kern="100" cap="none" spc="0" normalizeH="0" baseline="0" noProof="0" dirty="0">
               <a:ln>
@@ -13878,9 +14083,9 @@
               <a:effectLst/>
               <a:uLnTx/>
               <a:uFillTx/>
-              <a:latin typeface="Segoe UI" panose="020B0502040204020203" pitchFamily="34" charset="0"/>
+              <a:latin typeface="Century"/>
               <a:ea typeface="ＭＳ 明朝" panose="02020609040205080304" pitchFamily="17" charset="-128"/>
-              <a:cs typeface="Segoe UI" panose="020B0502040204020203" pitchFamily="34" charset="0"/>
+              <a:cs typeface="Times New Roman" panose="02020603050405020304" pitchFamily="18" charset="0"/>
             </a:endParaRPr>
           </a:p>
           <a:p>
@@ -13912,11 +14117,11 @@
                 <a:effectLst/>
                 <a:uLnTx/>
                 <a:uFillTx/>
-                <a:latin typeface="Segoe UI" panose="020B0502040204020203" pitchFamily="34" charset="0"/>
-                <a:ea typeface="Segoe UI" panose="020B0502040204020203" pitchFamily="34" charset="0"/>
-                <a:cs typeface="Segoe UI" panose="020B0502040204020203" pitchFamily="34" charset="0"/>
-              </a:rPr>
-              <a:t>#####################################################</a:t>
+                <a:latin typeface="Arial" panose="020B0604020202020204" pitchFamily="34" charset="0"/>
+                <a:ea typeface="ＭＳ 明朝" panose="02020609040205080304" pitchFamily="17" charset="-128"/>
+                <a:cs typeface="Times New Roman" panose="02020603050405020304" pitchFamily="18" charset="0"/>
+              </a:rPr>
+              <a:t> </a:t>
             </a:r>
             <a:endParaRPr kumimoji="0" lang="ja-JP" altLang="en-US" sz="1050" b="0" i="0" u="none" strike="noStrike" kern="100" cap="none" spc="0" normalizeH="0" baseline="0" noProof="0" dirty="0">
               <a:ln>
@@ -13928,9 +14133,9 @@
               <a:effectLst/>
               <a:uLnTx/>
               <a:uFillTx/>
-              <a:latin typeface="Segoe UI" panose="020B0502040204020203" pitchFamily="34" charset="0"/>
+              <a:latin typeface="Century"/>
               <a:ea typeface="ＭＳ 明朝" panose="02020609040205080304" pitchFamily="17" charset="-128"/>
-              <a:cs typeface="Segoe UI" panose="020B0502040204020203" pitchFamily="34" charset="0"/>
+              <a:cs typeface="Times New Roman" panose="02020603050405020304" pitchFamily="18" charset="0"/>
             </a:endParaRPr>
           </a:p>
           <a:p>
@@ -13952,23 +14157,6 @@
               <a:defRPr/>
             </a:pPr>
             <a:r>
-              <a:rPr kumimoji="0" lang="en-US" sz="900" b="0" i="0" u="none" strike="noStrike" kern="100" cap="none" spc="0" normalizeH="0" baseline="0" noProof="0" dirty="0">
-                <a:ln>
-                  <a:noFill/>
-                </a:ln>
-                <a:solidFill>
-                  <a:sysClr val="window" lastClr="FFFFFF"/>
-                </a:solidFill>
-                <a:effectLst/>
-                <a:uLnTx/>
-                <a:uFillTx/>
-                <a:latin typeface="Segoe UI" panose="020B0502040204020203" pitchFamily="34" charset="0"/>
-                <a:ea typeface="Segoe UI" panose="020B0502040204020203" pitchFamily="34" charset="0"/>
-                <a:cs typeface="Segoe UI" panose="020B0502040204020203" pitchFamily="34" charset="0"/>
-              </a:rPr>
-              <a:t>#Only when you install cobbler </a:t>
-            </a:r>
-            <a:r>
               <a:rPr kumimoji="0" lang="en-US" sz="900" b="0" i="0" u="none" strike="noStrike" kern="100" cap="none" spc="0" normalizeH="0" baseline="0" noProof="0" dirty="0" smtClean="0">
                 <a:ln>
                   <a:noFill/>
@@ -13979,11 +14167,11 @@
                 <a:effectLst/>
                 <a:uLnTx/>
                 <a:uFillTx/>
-                <a:latin typeface="Segoe UI" panose="020B0502040204020203" pitchFamily="34" charset="0"/>
-                <a:ea typeface="Segoe UI" panose="020B0502040204020203" pitchFamily="34" charset="0"/>
-                <a:cs typeface="Segoe UI" panose="020B0502040204020203" pitchFamily="34" charset="0"/>
-              </a:rPr>
-              <a:t>driver</a:t>
+                <a:latin typeface="Arial" panose="020B0604020202020204" pitchFamily="34" charset="0"/>
+                <a:ea typeface="ＭＳ 明朝" panose="02020609040205080304" pitchFamily="17" charset="-128"/>
+                <a:cs typeface="Times New Roman" panose="02020603050405020304" pitchFamily="18" charset="0"/>
+              </a:rPr>
+              <a:t>#####################################################</a:t>
             </a:r>
             <a:endParaRPr kumimoji="0" lang="ja-JP" altLang="en-US" sz="1050" b="0" i="0" u="none" strike="noStrike" kern="100" cap="none" spc="0" normalizeH="0" baseline="0" noProof="0" dirty="0">
               <a:ln>
@@ -13995,1263 +14183,232 @@
               <a:effectLst/>
               <a:uLnTx/>
               <a:uFillTx/>
-              <a:latin typeface="Segoe UI" panose="020B0502040204020203" pitchFamily="34" charset="0"/>
+              <a:latin typeface="Century"/>
               <a:ea typeface="ＭＳ 明朝" panose="02020609040205080304" pitchFamily="17" charset="-128"/>
-              <a:cs typeface="Segoe UI" panose="020B0502040204020203" pitchFamily="34" charset="0"/>
-            </a:endParaRPr>
-          </a:p>
-          <a:p>
-            <a:pPr marL="0" marR="0" lvl="0" indent="0" algn="l" defTabSz="914400" eaLnBrk="1" fontAlgn="auto" latinLnBrk="0" hangingPunct="1">
-              <a:lnSpc>
-                <a:spcPts val="800"/>
-              </a:lnSpc>
-              <a:spcBef>
-                <a:spcPts val="0"/>
-              </a:spcBef>
-              <a:spcAft>
-                <a:spcPts val="0"/>
-              </a:spcAft>
-              <a:buClrTx/>
-              <a:buSzTx/>
-              <a:buFontTx/>
-              <a:buNone/>
-              <a:tabLst/>
-              <a:defRPr/>
-            </a:pPr>
-            <a:r>
-              <a:rPr kumimoji="0" lang="en-US" sz="900" b="0" i="0" u="none" strike="noStrike" kern="100" cap="none" spc="0" normalizeH="0" baseline="0" noProof="0" dirty="0">
-                <a:ln>
-                  <a:noFill/>
-                </a:ln>
-                <a:solidFill>
-                  <a:sysClr val="window" lastClr="FFFFFF"/>
-                </a:solidFill>
-                <a:effectLst/>
-                <a:uLnTx/>
-                <a:uFillTx/>
-                <a:latin typeface="Segoe UI" panose="020B0502040204020203" pitchFamily="34" charset="0"/>
-                <a:ea typeface="Segoe UI" panose="020B0502040204020203" pitchFamily="34" charset="0"/>
-                <a:cs typeface="Segoe UI" panose="020B0502040204020203" pitchFamily="34" charset="0"/>
-              </a:rPr>
-              <a:t> </a:t>
-            </a:r>
-            <a:endParaRPr kumimoji="0" lang="ja-JP" altLang="en-US" sz="1050" b="0" i="0" u="none" strike="noStrike" kern="100" cap="none" spc="0" normalizeH="0" baseline="0" noProof="0" dirty="0">
-              <a:ln>
-                <a:noFill/>
-              </a:ln>
-              <a:solidFill>
-                <a:sysClr val="window" lastClr="FFFFFF"/>
-              </a:solidFill>
-              <a:effectLst/>
-              <a:uLnTx/>
-              <a:uFillTx/>
-              <a:latin typeface="Segoe UI" panose="020B0502040204020203" pitchFamily="34" charset="0"/>
-              <a:ea typeface="ＭＳ 明朝" panose="02020609040205080304" pitchFamily="17" charset="-128"/>
-              <a:cs typeface="Segoe UI" panose="020B0502040204020203" pitchFamily="34" charset="0"/>
-            </a:endParaRPr>
-          </a:p>
-          <a:p>
-            <a:pPr marL="0" marR="0" lvl="0" indent="0" algn="l" defTabSz="914400" eaLnBrk="1" fontAlgn="auto" latinLnBrk="0" hangingPunct="1">
-              <a:lnSpc>
-                <a:spcPts val="800"/>
-              </a:lnSpc>
-              <a:spcBef>
-                <a:spcPts val="0"/>
-              </a:spcBef>
-              <a:spcAft>
-                <a:spcPts val="0"/>
-              </a:spcAft>
-              <a:buClrTx/>
-              <a:buSzTx/>
-              <a:buFontTx/>
-              <a:buNone/>
-              <a:tabLst/>
-              <a:defRPr/>
-            </a:pPr>
-            <a:r>
-              <a:rPr kumimoji="0" lang="en-US" sz="900" b="0" i="0" u="none" strike="noStrike" kern="100" cap="none" spc="0" normalizeH="0" baseline="0" noProof="0" dirty="0">
-                <a:ln>
-                  <a:noFill/>
-                </a:ln>
-                <a:solidFill>
-                  <a:sysClr val="window" lastClr="FFFFFF"/>
-                </a:solidFill>
-                <a:effectLst/>
-                <a:uLnTx/>
-                <a:uFillTx/>
-                <a:latin typeface="Segoe UI" panose="020B0502040204020203" pitchFamily="34" charset="0"/>
-                <a:ea typeface="Segoe UI" panose="020B0502040204020203" pitchFamily="34" charset="0"/>
-                <a:cs typeface="Segoe UI" panose="020B0502040204020203" pitchFamily="34" charset="0"/>
-              </a:rPr>
-              <a:t>#Cobra server IP address</a:t>
-            </a:r>
-            <a:endParaRPr kumimoji="0" lang="ja-JP" altLang="en-US" sz="1050" b="0" i="0" u="none" strike="noStrike" kern="100" cap="none" spc="0" normalizeH="0" baseline="0" noProof="0" dirty="0">
-              <a:ln>
-                <a:noFill/>
-              </a:ln>
-              <a:solidFill>
-                <a:sysClr val="window" lastClr="FFFFFF"/>
-              </a:solidFill>
-              <a:effectLst/>
-              <a:uLnTx/>
-              <a:uFillTx/>
-              <a:latin typeface="Segoe UI" panose="020B0502040204020203" pitchFamily="34" charset="0"/>
-              <a:ea typeface="ＭＳ 明朝" panose="02020609040205080304" pitchFamily="17" charset="-128"/>
-              <a:cs typeface="Segoe UI" panose="020B0502040204020203" pitchFamily="34" charset="0"/>
-            </a:endParaRPr>
-          </a:p>
-          <a:p>
-            <a:pPr marL="0" marR="0" lvl="0" indent="0" algn="l" defTabSz="914400" eaLnBrk="1" fontAlgn="auto" latinLnBrk="0" hangingPunct="1">
-              <a:lnSpc>
-                <a:spcPts val="800"/>
-              </a:lnSpc>
-              <a:spcBef>
-                <a:spcPts val="0"/>
-              </a:spcBef>
-              <a:spcAft>
-                <a:spcPts val="0"/>
-              </a:spcAft>
-              <a:buClrTx/>
-              <a:buSzTx/>
-              <a:buFontTx/>
-              <a:buNone/>
-              <a:tabLst/>
-              <a:defRPr/>
-            </a:pPr>
-            <a:r>
-              <a:rPr kumimoji="0" lang="en-US" sz="900" b="0" i="0" u="none" strike="noStrike" kern="100" cap="none" spc="0" normalizeH="0" baseline="0" noProof="0" dirty="0">
-                <a:ln>
-                  <a:noFill/>
-                </a:ln>
-                <a:solidFill>
-                  <a:sysClr val="window" lastClr="FFFFFF"/>
-                </a:solidFill>
-                <a:effectLst/>
-                <a:uLnTx/>
-                <a:uFillTx/>
-                <a:latin typeface="Segoe UI" panose="020B0502040204020203" pitchFamily="34" charset="0"/>
-                <a:ea typeface="Segoe UI" panose="020B0502040204020203" pitchFamily="34" charset="0"/>
-                <a:cs typeface="Segoe UI" panose="020B0502040204020203" pitchFamily="34" charset="0"/>
-              </a:rPr>
-              <a:t>server_address:10.10.10.10</a:t>
-            </a:r>
-            <a:endParaRPr kumimoji="0" lang="ja-JP" altLang="en-US" sz="1050" b="0" i="0" u="none" strike="noStrike" kern="100" cap="none" spc="0" normalizeH="0" baseline="0" noProof="0" dirty="0">
-              <a:ln>
-                <a:noFill/>
-              </a:ln>
-              <a:solidFill>
-                <a:sysClr val="window" lastClr="FFFFFF"/>
-              </a:solidFill>
-              <a:effectLst/>
-              <a:uLnTx/>
-              <a:uFillTx/>
-              <a:latin typeface="Segoe UI" panose="020B0502040204020203" pitchFamily="34" charset="0"/>
-              <a:ea typeface="ＭＳ 明朝" panose="02020609040205080304" pitchFamily="17" charset="-128"/>
-              <a:cs typeface="Segoe UI" panose="020B0502040204020203" pitchFamily="34" charset="0"/>
-            </a:endParaRPr>
-          </a:p>
-          <a:p>
-            <a:pPr marL="0" marR="0" lvl="0" indent="0" algn="l" defTabSz="914400" eaLnBrk="1" fontAlgn="auto" latinLnBrk="0" hangingPunct="1">
-              <a:lnSpc>
-                <a:spcPts val="800"/>
-              </a:lnSpc>
-              <a:spcBef>
-                <a:spcPts val="0"/>
-              </a:spcBef>
-              <a:spcAft>
-                <a:spcPts val="0"/>
-              </a:spcAft>
-              <a:buClrTx/>
-              <a:buSzTx/>
-              <a:buFontTx/>
-              <a:buNone/>
-              <a:tabLst/>
-              <a:defRPr/>
-            </a:pPr>
-            <a:r>
-              <a:rPr kumimoji="0" lang="en-US" sz="900" b="0" i="0" u="none" strike="noStrike" kern="100" cap="none" spc="0" normalizeH="0" baseline="0" noProof="0" dirty="0">
-                <a:ln>
-                  <a:noFill/>
-                </a:ln>
-                <a:solidFill>
-                  <a:sysClr val="window" lastClr="FFFFFF"/>
-                </a:solidFill>
-                <a:effectLst/>
-                <a:uLnTx/>
-                <a:uFillTx/>
-                <a:latin typeface="Segoe UI" panose="020B0502040204020203" pitchFamily="34" charset="0"/>
-                <a:ea typeface="Segoe UI" panose="020B0502040204020203" pitchFamily="34" charset="0"/>
-                <a:cs typeface="Segoe UI" panose="020B0502040204020203" pitchFamily="34" charset="0"/>
-              </a:rPr>
-              <a:t> </a:t>
-            </a:r>
-            <a:endParaRPr kumimoji="0" lang="ja-JP" altLang="en-US" sz="1050" b="0" i="0" u="none" strike="noStrike" kern="100" cap="none" spc="0" normalizeH="0" baseline="0" noProof="0" dirty="0">
-              <a:ln>
-                <a:noFill/>
-              </a:ln>
-              <a:solidFill>
-                <a:sysClr val="window" lastClr="FFFFFF"/>
-              </a:solidFill>
-              <a:effectLst/>
-              <a:uLnTx/>
-              <a:uFillTx/>
-              <a:latin typeface="Segoe UI" panose="020B0502040204020203" pitchFamily="34" charset="0"/>
-              <a:ea typeface="ＭＳ 明朝" panose="02020609040205080304" pitchFamily="17" charset="-128"/>
-              <a:cs typeface="Segoe UI" panose="020B0502040204020203" pitchFamily="34" charset="0"/>
-            </a:endParaRPr>
-          </a:p>
-          <a:p>
-            <a:pPr marL="0" marR="0" lvl="0" indent="0" algn="l" defTabSz="914400" eaLnBrk="1" fontAlgn="auto" latinLnBrk="0" hangingPunct="1">
-              <a:lnSpc>
-                <a:spcPts val="800"/>
-              </a:lnSpc>
-              <a:spcBef>
-                <a:spcPts val="0"/>
-              </a:spcBef>
-              <a:spcAft>
-                <a:spcPts val="0"/>
-              </a:spcAft>
-              <a:buClrTx/>
-              <a:buSzTx/>
-              <a:buFontTx/>
-              <a:buNone/>
-              <a:tabLst/>
-              <a:defRPr/>
-            </a:pPr>
-            <a:r>
-              <a:rPr kumimoji="0" lang="en-US" sz="900" b="0" i="0" u="none" strike="noStrike" kern="100" cap="none" spc="0" normalizeH="0" baseline="0" noProof="0" dirty="0">
-                <a:ln>
-                  <a:noFill/>
-                </a:ln>
-                <a:solidFill>
-                  <a:sysClr val="window" lastClr="FFFFFF"/>
-                </a:solidFill>
-                <a:effectLst/>
-                <a:uLnTx/>
-                <a:uFillTx/>
-                <a:latin typeface="Segoe UI" panose="020B0502040204020203" pitchFamily="34" charset="0"/>
-                <a:ea typeface="Segoe UI" panose="020B0502040204020203" pitchFamily="34" charset="0"/>
-                <a:cs typeface="Segoe UI" panose="020B0502040204020203" pitchFamily="34" charset="0"/>
-              </a:rPr>
-              <a:t>#Password set for OS installation target server</a:t>
-            </a:r>
-            <a:endParaRPr kumimoji="0" lang="ja-JP" altLang="en-US" sz="1050" b="0" i="0" u="none" strike="noStrike" kern="100" cap="none" spc="0" normalizeH="0" baseline="0" noProof="0" dirty="0">
-              <a:ln>
-                <a:noFill/>
-              </a:ln>
-              <a:solidFill>
-                <a:sysClr val="window" lastClr="FFFFFF"/>
-              </a:solidFill>
-              <a:effectLst/>
-              <a:uLnTx/>
-              <a:uFillTx/>
-              <a:latin typeface="Segoe UI" panose="020B0502040204020203" pitchFamily="34" charset="0"/>
-              <a:ea typeface="ＭＳ 明朝" panose="02020609040205080304" pitchFamily="17" charset="-128"/>
-              <a:cs typeface="Segoe UI" panose="020B0502040204020203" pitchFamily="34" charset="0"/>
-            </a:endParaRPr>
-          </a:p>
-          <a:p>
-            <a:pPr marL="0" marR="0" lvl="0" indent="0" algn="l" defTabSz="914400" eaLnBrk="1" fontAlgn="auto" latinLnBrk="0" hangingPunct="1">
-              <a:lnSpc>
-                <a:spcPts val="800"/>
-              </a:lnSpc>
-              <a:spcBef>
-                <a:spcPts val="0"/>
-              </a:spcBef>
-              <a:spcAft>
-                <a:spcPts val="0"/>
-              </a:spcAft>
-              <a:buClrTx/>
-              <a:buSzTx/>
-              <a:buFontTx/>
-              <a:buNone/>
-              <a:tabLst/>
-              <a:defRPr/>
-            </a:pPr>
-            <a:r>
-              <a:rPr kumimoji="0" lang="en-US" sz="900" b="0" i="0" u="none" strike="noStrike" kern="100" cap="none" spc="0" normalizeH="0" baseline="0" noProof="0" dirty="0">
-                <a:ln>
-                  <a:noFill/>
-                </a:ln>
-                <a:solidFill>
-                  <a:sysClr val="window" lastClr="FFFFFF"/>
-                </a:solidFill>
-                <a:effectLst/>
-                <a:uLnTx/>
-                <a:uFillTx/>
-                <a:latin typeface="Segoe UI" panose="020B0502040204020203" pitchFamily="34" charset="0"/>
-                <a:ea typeface="Segoe UI" panose="020B0502040204020203" pitchFamily="34" charset="0"/>
-                <a:cs typeface="Segoe UI" panose="020B0502040204020203" pitchFamily="34" charset="0"/>
-              </a:rPr>
-              <a:t>default_password:sample_password</a:t>
-            </a:r>
-            <a:endParaRPr kumimoji="0" lang="ja-JP" altLang="en-US" sz="1050" b="0" i="0" u="none" strike="noStrike" kern="100" cap="none" spc="0" normalizeH="0" baseline="0" noProof="0" dirty="0">
-              <a:ln>
-                <a:noFill/>
-              </a:ln>
-              <a:solidFill>
-                <a:sysClr val="window" lastClr="FFFFFF"/>
-              </a:solidFill>
-              <a:effectLst/>
-              <a:uLnTx/>
-              <a:uFillTx/>
-              <a:latin typeface="Segoe UI" panose="020B0502040204020203" pitchFamily="34" charset="0"/>
-              <a:ea typeface="ＭＳ 明朝" panose="02020609040205080304" pitchFamily="17" charset="-128"/>
-              <a:cs typeface="Segoe UI" panose="020B0502040204020203" pitchFamily="34" charset="0"/>
-            </a:endParaRPr>
-          </a:p>
-          <a:p>
-            <a:pPr marL="0" marR="0" lvl="0" indent="0" algn="l" defTabSz="914400" eaLnBrk="1" fontAlgn="auto" latinLnBrk="0" hangingPunct="1">
-              <a:lnSpc>
-                <a:spcPts val="800"/>
-              </a:lnSpc>
-              <a:spcBef>
-                <a:spcPts val="0"/>
-              </a:spcBef>
-              <a:spcAft>
-                <a:spcPts val="0"/>
-              </a:spcAft>
-              <a:buClrTx/>
-              <a:buSzTx/>
-              <a:buFontTx/>
-              <a:buNone/>
-              <a:tabLst/>
-              <a:defRPr/>
-            </a:pPr>
-            <a:r>
-              <a:rPr kumimoji="0" lang="en-US" sz="900" b="0" i="0" u="none" strike="noStrike" kern="100" cap="none" spc="0" normalizeH="0" baseline="0" noProof="0" dirty="0">
-                <a:ln>
-                  <a:noFill/>
-                </a:ln>
-                <a:solidFill>
-                  <a:sysClr val="window" lastClr="FFFFFF"/>
-                </a:solidFill>
-                <a:effectLst/>
-                <a:uLnTx/>
-                <a:uFillTx/>
-                <a:latin typeface="Segoe UI" panose="020B0502040204020203" pitchFamily="34" charset="0"/>
-                <a:ea typeface="Segoe UI" panose="020B0502040204020203" pitchFamily="34" charset="0"/>
-                <a:cs typeface="Segoe UI" panose="020B0502040204020203" pitchFamily="34" charset="0"/>
-              </a:rPr>
-              <a:t> </a:t>
-            </a:r>
-            <a:endParaRPr kumimoji="0" lang="ja-JP" altLang="en-US" sz="1050" b="0" i="0" u="none" strike="noStrike" kern="100" cap="none" spc="0" normalizeH="0" baseline="0" noProof="0" dirty="0">
-              <a:ln>
-                <a:noFill/>
-              </a:ln>
-              <a:solidFill>
-                <a:sysClr val="window" lastClr="FFFFFF"/>
-              </a:solidFill>
-              <a:effectLst/>
-              <a:uLnTx/>
-              <a:uFillTx/>
-              <a:latin typeface="Segoe UI" panose="020B0502040204020203" pitchFamily="34" charset="0"/>
-              <a:ea typeface="ＭＳ 明朝" panose="02020609040205080304" pitchFamily="17" charset="-128"/>
-              <a:cs typeface="Segoe UI" panose="020B0502040204020203" pitchFamily="34" charset="0"/>
-            </a:endParaRPr>
-          </a:p>
-          <a:p>
-            <a:pPr marL="0" marR="0" lvl="0" indent="0" algn="l" defTabSz="914400" eaLnBrk="1" fontAlgn="auto" latinLnBrk="0" hangingPunct="1">
-              <a:lnSpc>
-                <a:spcPts val="800"/>
-              </a:lnSpc>
-              <a:spcBef>
-                <a:spcPts val="0"/>
-              </a:spcBef>
-              <a:spcAft>
-                <a:spcPts val="0"/>
-              </a:spcAft>
-              <a:buClrTx/>
-              <a:buSzTx/>
-              <a:buFontTx/>
-              <a:buNone/>
-              <a:tabLst/>
-              <a:defRPr/>
-            </a:pPr>
-            <a:r>
-              <a:rPr kumimoji="0" lang="en-US" sz="900" b="0" i="0" u="none" strike="noStrike" kern="100" cap="none" spc="0" normalizeH="0" baseline="0" noProof="0" dirty="0">
-                <a:ln>
-                  <a:noFill/>
-                </a:ln>
-                <a:solidFill>
-                  <a:sysClr val="window" lastClr="FFFFFF"/>
-                </a:solidFill>
-                <a:effectLst/>
-                <a:uLnTx/>
-                <a:uFillTx/>
-                <a:latin typeface="Segoe UI" panose="020B0502040204020203" pitchFamily="34" charset="0"/>
-                <a:ea typeface="Segoe UI" panose="020B0502040204020203" pitchFamily="34" charset="0"/>
-                <a:cs typeface="Segoe UI" panose="020B0502040204020203" pitchFamily="34" charset="0"/>
-              </a:rPr>
-              <a:t>#DHCP setting</a:t>
-            </a:r>
-            <a:endParaRPr kumimoji="0" lang="ja-JP" altLang="en-US" sz="1050" b="0" i="0" u="none" strike="noStrike" kern="100" cap="none" spc="0" normalizeH="0" baseline="0" noProof="0" dirty="0">
-              <a:ln>
-                <a:noFill/>
-              </a:ln>
-              <a:solidFill>
-                <a:sysClr val="window" lastClr="FFFFFF"/>
-              </a:solidFill>
-              <a:effectLst/>
-              <a:uLnTx/>
-              <a:uFillTx/>
-              <a:latin typeface="Segoe UI" panose="020B0502040204020203" pitchFamily="34" charset="0"/>
-              <a:ea typeface="ＭＳ 明朝" panose="02020609040205080304" pitchFamily="17" charset="-128"/>
-              <a:cs typeface="Segoe UI" panose="020B0502040204020203" pitchFamily="34" charset="0"/>
-            </a:endParaRPr>
-          </a:p>
-          <a:p>
-            <a:pPr marL="0" marR="0" lvl="0" indent="0" algn="l" defTabSz="914400" eaLnBrk="1" fontAlgn="auto" latinLnBrk="0" hangingPunct="1">
-              <a:lnSpc>
-                <a:spcPts val="800"/>
-              </a:lnSpc>
-              <a:spcBef>
-                <a:spcPts val="0"/>
-              </a:spcBef>
-              <a:spcAft>
-                <a:spcPts val="0"/>
-              </a:spcAft>
-              <a:buClrTx/>
-              <a:buSzTx/>
-              <a:buFontTx/>
-              <a:buNone/>
-              <a:tabLst/>
-              <a:defRPr/>
-            </a:pPr>
-            <a:r>
-              <a:rPr kumimoji="0" lang="en-US" sz="900" b="0" i="0" u="none" strike="noStrike" kern="100" cap="none" spc="0" normalizeH="0" baseline="0" noProof="0" dirty="0">
-                <a:ln>
-                  <a:noFill/>
-                </a:ln>
-                <a:solidFill>
-                  <a:sysClr val="window" lastClr="FFFFFF"/>
-                </a:solidFill>
-                <a:effectLst/>
-                <a:uLnTx/>
-                <a:uFillTx/>
-                <a:latin typeface="Segoe UI" panose="020B0502040204020203" pitchFamily="34" charset="0"/>
-                <a:ea typeface="Segoe UI" panose="020B0502040204020203" pitchFamily="34" charset="0"/>
-                <a:cs typeface="Segoe UI" panose="020B0502040204020203" pitchFamily="34" charset="0"/>
-              </a:rPr>
-              <a:t>#Network address of cobbler server</a:t>
-            </a:r>
-            <a:endParaRPr kumimoji="0" lang="ja-JP" altLang="en-US" sz="1050" b="0" i="0" u="none" strike="noStrike" kern="100" cap="none" spc="0" normalizeH="0" baseline="0" noProof="0" dirty="0">
-              <a:ln>
-                <a:noFill/>
-              </a:ln>
-              <a:solidFill>
-                <a:sysClr val="window" lastClr="FFFFFF"/>
-              </a:solidFill>
-              <a:effectLst/>
-              <a:uLnTx/>
-              <a:uFillTx/>
-              <a:latin typeface="Segoe UI" panose="020B0502040204020203" pitchFamily="34" charset="0"/>
-              <a:ea typeface="ＭＳ 明朝" panose="02020609040205080304" pitchFamily="17" charset="-128"/>
-              <a:cs typeface="Segoe UI" panose="020B0502040204020203" pitchFamily="34" charset="0"/>
-            </a:endParaRPr>
-          </a:p>
-          <a:p>
-            <a:pPr marL="0" marR="0" lvl="0" indent="0" algn="l" defTabSz="914400" eaLnBrk="1" fontAlgn="auto" latinLnBrk="0" hangingPunct="1">
-              <a:lnSpc>
-                <a:spcPts val="800"/>
-              </a:lnSpc>
-              <a:spcBef>
-                <a:spcPts val="0"/>
-              </a:spcBef>
-              <a:spcAft>
-                <a:spcPts val="0"/>
-              </a:spcAft>
-              <a:buClrTx/>
-              <a:buSzTx/>
-              <a:buFontTx/>
-              <a:buNone/>
-              <a:tabLst/>
-              <a:defRPr/>
-            </a:pPr>
-            <a:r>
-              <a:rPr kumimoji="0" lang="en-US" sz="900" b="0" i="0" u="none" strike="noStrike" kern="100" cap="none" spc="0" normalizeH="0" baseline="0" noProof="0" dirty="0">
-                <a:ln>
-                  <a:noFill/>
-                </a:ln>
-                <a:solidFill>
-                  <a:sysClr val="window" lastClr="FFFFFF"/>
-                </a:solidFill>
-                <a:effectLst/>
-                <a:uLnTx/>
-                <a:uFillTx/>
-                <a:latin typeface="Segoe UI" panose="020B0502040204020203" pitchFamily="34" charset="0"/>
-                <a:ea typeface="Segoe UI" panose="020B0502040204020203" pitchFamily="34" charset="0"/>
-                <a:cs typeface="Segoe UI" panose="020B0502040204020203" pitchFamily="34" charset="0"/>
-              </a:rPr>
-              <a:t>cobbler_ip:10.10.10.0</a:t>
-            </a:r>
-            <a:endParaRPr kumimoji="0" lang="ja-JP" altLang="en-US" sz="1050" b="0" i="0" u="none" strike="noStrike" kern="100" cap="none" spc="0" normalizeH="0" baseline="0" noProof="0" dirty="0">
-              <a:ln>
-                <a:noFill/>
-              </a:ln>
-              <a:solidFill>
-                <a:sysClr val="window" lastClr="FFFFFF"/>
-              </a:solidFill>
-              <a:effectLst/>
-              <a:uLnTx/>
-              <a:uFillTx/>
-              <a:latin typeface="Segoe UI" panose="020B0502040204020203" pitchFamily="34" charset="0"/>
-              <a:ea typeface="ＭＳ 明朝" panose="02020609040205080304" pitchFamily="17" charset="-128"/>
-              <a:cs typeface="Segoe UI" panose="020B0502040204020203" pitchFamily="34" charset="0"/>
-            </a:endParaRPr>
-          </a:p>
-          <a:p>
-            <a:pPr marL="0" marR="0" lvl="0" indent="0" algn="l" defTabSz="914400" eaLnBrk="1" fontAlgn="auto" latinLnBrk="0" hangingPunct="1">
-              <a:lnSpc>
-                <a:spcPts val="800"/>
-              </a:lnSpc>
-              <a:spcBef>
-                <a:spcPts val="0"/>
-              </a:spcBef>
-              <a:spcAft>
-                <a:spcPts val="0"/>
-              </a:spcAft>
-              <a:buClrTx/>
-              <a:buSzTx/>
-              <a:buFontTx/>
-              <a:buNone/>
-              <a:tabLst/>
-              <a:defRPr/>
-            </a:pPr>
-            <a:r>
-              <a:rPr kumimoji="0" lang="en-US" sz="900" b="0" i="0" u="none" strike="noStrike" kern="100" cap="none" spc="0" normalizeH="0" baseline="0" noProof="0" dirty="0">
-                <a:ln>
-                  <a:noFill/>
-                </a:ln>
-                <a:solidFill>
-                  <a:sysClr val="window" lastClr="FFFFFF"/>
-                </a:solidFill>
-                <a:effectLst/>
-                <a:uLnTx/>
-                <a:uFillTx/>
-                <a:latin typeface="Segoe UI" panose="020B0502040204020203" pitchFamily="34" charset="0"/>
-                <a:ea typeface="Segoe UI" panose="020B0502040204020203" pitchFamily="34" charset="0"/>
-                <a:cs typeface="Segoe UI" panose="020B0502040204020203" pitchFamily="34" charset="0"/>
-              </a:rPr>
-              <a:t> </a:t>
-            </a:r>
-            <a:endParaRPr kumimoji="0" lang="ja-JP" altLang="en-US" sz="1050" b="0" i="0" u="none" strike="noStrike" kern="100" cap="none" spc="0" normalizeH="0" baseline="0" noProof="0" dirty="0">
-              <a:ln>
-                <a:noFill/>
-              </a:ln>
-              <a:solidFill>
-                <a:sysClr val="window" lastClr="FFFFFF"/>
-              </a:solidFill>
-              <a:effectLst/>
-              <a:uLnTx/>
-              <a:uFillTx/>
-              <a:latin typeface="Segoe UI" panose="020B0502040204020203" pitchFamily="34" charset="0"/>
-              <a:ea typeface="ＭＳ 明朝" panose="02020609040205080304" pitchFamily="17" charset="-128"/>
-              <a:cs typeface="Segoe UI" panose="020B0502040204020203" pitchFamily="34" charset="0"/>
-            </a:endParaRPr>
-          </a:p>
-          <a:p>
-            <a:pPr marL="0" marR="0" lvl="0" indent="0" algn="l" defTabSz="914400" eaLnBrk="1" fontAlgn="auto" latinLnBrk="0" hangingPunct="1">
-              <a:lnSpc>
-                <a:spcPts val="800"/>
-              </a:lnSpc>
-              <a:spcBef>
-                <a:spcPts val="0"/>
-              </a:spcBef>
-              <a:spcAft>
-                <a:spcPts val="0"/>
-              </a:spcAft>
-              <a:buClrTx/>
-              <a:buSzTx/>
-              <a:buFontTx/>
-              <a:buNone/>
-              <a:tabLst/>
-              <a:defRPr/>
-            </a:pPr>
-            <a:r>
-              <a:rPr kumimoji="0" lang="en-US" sz="900" b="0" i="0" u="none" strike="noStrike" kern="100" cap="none" spc="0" normalizeH="0" baseline="0" noProof="0" dirty="0">
-                <a:ln>
-                  <a:noFill/>
-                </a:ln>
-                <a:solidFill>
-                  <a:sysClr val="window" lastClr="FFFFFF"/>
-                </a:solidFill>
-                <a:effectLst/>
-                <a:uLnTx/>
-                <a:uFillTx/>
-                <a:latin typeface="Segoe UI" panose="020B0502040204020203" pitchFamily="34" charset="0"/>
-                <a:ea typeface="Segoe UI" panose="020B0502040204020203" pitchFamily="34" charset="0"/>
-                <a:cs typeface="Segoe UI" panose="020B0502040204020203" pitchFamily="34" charset="0"/>
-              </a:rPr>
-              <a:t>#subnet mask of cobbler server</a:t>
-            </a:r>
-            <a:endParaRPr kumimoji="0" lang="ja-JP" altLang="en-US" sz="1050" b="0" i="0" u="none" strike="noStrike" kern="100" cap="none" spc="0" normalizeH="0" baseline="0" noProof="0" dirty="0">
-              <a:ln>
-                <a:noFill/>
-              </a:ln>
-              <a:solidFill>
-                <a:sysClr val="window" lastClr="FFFFFF"/>
-              </a:solidFill>
-              <a:effectLst/>
-              <a:uLnTx/>
-              <a:uFillTx/>
-              <a:latin typeface="Segoe UI" panose="020B0502040204020203" pitchFamily="34" charset="0"/>
-              <a:ea typeface="ＭＳ 明朝" panose="02020609040205080304" pitchFamily="17" charset="-128"/>
-              <a:cs typeface="Segoe UI" panose="020B0502040204020203" pitchFamily="34" charset="0"/>
-            </a:endParaRPr>
-          </a:p>
-          <a:p>
-            <a:pPr marL="0" marR="0" lvl="0" indent="0" algn="l" defTabSz="914400" eaLnBrk="1" fontAlgn="auto" latinLnBrk="0" hangingPunct="1">
-              <a:lnSpc>
-                <a:spcPts val="800"/>
-              </a:lnSpc>
-              <a:spcBef>
-                <a:spcPts val="0"/>
-              </a:spcBef>
-              <a:spcAft>
-                <a:spcPts val="0"/>
-              </a:spcAft>
-              <a:buClrTx/>
-              <a:buSzTx/>
-              <a:buFontTx/>
-              <a:buNone/>
-              <a:tabLst/>
-              <a:defRPr/>
-            </a:pPr>
-            <a:r>
-              <a:rPr kumimoji="0" lang="en-US" sz="900" b="0" i="0" u="none" strike="noStrike" kern="100" cap="none" spc="0" normalizeH="0" baseline="0" noProof="0" dirty="0">
-                <a:ln>
-                  <a:noFill/>
-                </a:ln>
-                <a:solidFill>
-                  <a:sysClr val="window" lastClr="FFFFFF"/>
-                </a:solidFill>
-                <a:effectLst/>
-                <a:uLnTx/>
-                <a:uFillTx/>
-                <a:latin typeface="Segoe UI" panose="020B0502040204020203" pitchFamily="34" charset="0"/>
-                <a:ea typeface="Segoe UI" panose="020B0502040204020203" pitchFamily="34" charset="0"/>
-                <a:cs typeface="Segoe UI" panose="020B0502040204020203" pitchFamily="34" charset="0"/>
-              </a:rPr>
-              <a:t>cobbler_subnet:255.255.255.0</a:t>
-            </a:r>
-            <a:endParaRPr kumimoji="0" lang="ja-JP" altLang="en-US" sz="1050" b="0" i="0" u="none" strike="noStrike" kern="100" cap="none" spc="0" normalizeH="0" baseline="0" noProof="0" dirty="0">
-              <a:ln>
-                <a:noFill/>
-              </a:ln>
-              <a:solidFill>
-                <a:sysClr val="window" lastClr="FFFFFF"/>
-              </a:solidFill>
-              <a:effectLst/>
-              <a:uLnTx/>
-              <a:uFillTx/>
-              <a:latin typeface="Segoe UI" panose="020B0502040204020203" pitchFamily="34" charset="0"/>
-              <a:ea typeface="ＭＳ 明朝" panose="02020609040205080304" pitchFamily="17" charset="-128"/>
-              <a:cs typeface="Segoe UI" panose="020B0502040204020203" pitchFamily="34" charset="0"/>
-            </a:endParaRPr>
-          </a:p>
-          <a:p>
-            <a:pPr marL="0" marR="0" lvl="0" indent="0" algn="l" defTabSz="914400" eaLnBrk="1" fontAlgn="auto" latinLnBrk="0" hangingPunct="1">
-              <a:lnSpc>
-                <a:spcPts val="800"/>
-              </a:lnSpc>
-              <a:spcBef>
-                <a:spcPts val="0"/>
-              </a:spcBef>
-              <a:spcAft>
-                <a:spcPts val="0"/>
-              </a:spcAft>
-              <a:buClrTx/>
-              <a:buSzTx/>
-              <a:buFontTx/>
-              <a:buNone/>
-              <a:tabLst/>
-              <a:defRPr/>
-            </a:pPr>
-            <a:r>
-              <a:rPr kumimoji="0" lang="en-US" sz="900" b="0" i="0" u="none" strike="noStrike" kern="100" cap="none" spc="0" normalizeH="0" baseline="0" noProof="0" dirty="0">
-                <a:ln>
-                  <a:noFill/>
-                </a:ln>
-                <a:solidFill>
-                  <a:sysClr val="window" lastClr="FFFFFF"/>
-                </a:solidFill>
-                <a:effectLst/>
-                <a:uLnTx/>
-                <a:uFillTx/>
-                <a:latin typeface="Segoe UI" panose="020B0502040204020203" pitchFamily="34" charset="0"/>
-                <a:ea typeface="Segoe UI" panose="020B0502040204020203" pitchFamily="34" charset="0"/>
-                <a:cs typeface="Segoe UI" panose="020B0502040204020203" pitchFamily="34" charset="0"/>
-              </a:rPr>
-              <a:t> </a:t>
-            </a:r>
-            <a:endParaRPr kumimoji="0" lang="ja-JP" altLang="en-US" sz="1050" b="0" i="0" u="none" strike="noStrike" kern="100" cap="none" spc="0" normalizeH="0" baseline="0" noProof="0" dirty="0">
-              <a:ln>
-                <a:noFill/>
-              </a:ln>
-              <a:solidFill>
-                <a:sysClr val="window" lastClr="FFFFFF"/>
-              </a:solidFill>
-              <a:effectLst/>
-              <a:uLnTx/>
-              <a:uFillTx/>
-              <a:latin typeface="Segoe UI" panose="020B0502040204020203" pitchFamily="34" charset="0"/>
-              <a:ea typeface="ＭＳ 明朝" panose="02020609040205080304" pitchFamily="17" charset="-128"/>
-              <a:cs typeface="Segoe UI" panose="020B0502040204020203" pitchFamily="34" charset="0"/>
-            </a:endParaRPr>
-          </a:p>
-          <a:p>
-            <a:pPr marL="0" marR="0" lvl="0" indent="0" algn="l" defTabSz="914400" eaLnBrk="1" fontAlgn="auto" latinLnBrk="0" hangingPunct="1">
-              <a:lnSpc>
-                <a:spcPts val="800"/>
-              </a:lnSpc>
-              <a:spcBef>
-                <a:spcPts val="0"/>
-              </a:spcBef>
-              <a:spcAft>
-                <a:spcPts val="0"/>
-              </a:spcAft>
-              <a:buClrTx/>
-              <a:buSzTx/>
-              <a:buFontTx/>
-              <a:buNone/>
-              <a:tabLst/>
-              <a:defRPr/>
-            </a:pPr>
-            <a:r>
-              <a:rPr kumimoji="0" lang="en-US" sz="900" b="0" i="0" u="none" strike="noStrike" kern="100" cap="none" spc="0" normalizeH="0" baseline="0" noProof="0" dirty="0">
-                <a:ln>
-                  <a:noFill/>
-                </a:ln>
-                <a:solidFill>
-                  <a:sysClr val="window" lastClr="FFFFFF"/>
-                </a:solidFill>
-                <a:effectLst/>
-                <a:uLnTx/>
-                <a:uFillTx/>
-                <a:latin typeface="Segoe UI" panose="020B0502040204020203" pitchFamily="34" charset="0"/>
-                <a:ea typeface="Segoe UI" panose="020B0502040204020203" pitchFamily="34" charset="0"/>
-                <a:cs typeface="Segoe UI" panose="020B0502040204020203" pitchFamily="34" charset="0"/>
-              </a:rPr>
-              <a:t>#default gateway of cobbler server</a:t>
-            </a:r>
-            <a:endParaRPr kumimoji="0" lang="ja-JP" altLang="en-US" sz="1050" b="0" i="0" u="none" strike="noStrike" kern="100" cap="none" spc="0" normalizeH="0" baseline="0" noProof="0" dirty="0">
-              <a:ln>
-                <a:noFill/>
-              </a:ln>
-              <a:solidFill>
-                <a:sysClr val="window" lastClr="FFFFFF"/>
-              </a:solidFill>
-              <a:effectLst/>
-              <a:uLnTx/>
-              <a:uFillTx/>
-              <a:latin typeface="Segoe UI" panose="020B0502040204020203" pitchFamily="34" charset="0"/>
-              <a:ea typeface="ＭＳ 明朝" panose="02020609040205080304" pitchFamily="17" charset="-128"/>
-              <a:cs typeface="Segoe UI" panose="020B0502040204020203" pitchFamily="34" charset="0"/>
-            </a:endParaRPr>
-          </a:p>
-          <a:p>
-            <a:pPr marL="0" marR="0" lvl="0" indent="0" algn="l" defTabSz="914400" eaLnBrk="1" fontAlgn="auto" latinLnBrk="0" hangingPunct="1">
-              <a:lnSpc>
-                <a:spcPts val="800"/>
-              </a:lnSpc>
-              <a:spcBef>
-                <a:spcPts val="0"/>
-              </a:spcBef>
-              <a:spcAft>
-                <a:spcPts val="0"/>
-              </a:spcAft>
-              <a:buClrTx/>
-              <a:buSzTx/>
-              <a:buFontTx/>
-              <a:buNone/>
-              <a:tabLst/>
-              <a:defRPr/>
-            </a:pPr>
-            <a:r>
-              <a:rPr kumimoji="0" lang="en-US" sz="900" b="0" i="0" u="none" strike="noStrike" kern="100" cap="none" spc="0" normalizeH="0" baseline="0" noProof="0" dirty="0">
-                <a:ln>
-                  <a:noFill/>
-                </a:ln>
-                <a:solidFill>
-                  <a:sysClr val="window" lastClr="FFFFFF"/>
-                </a:solidFill>
-                <a:effectLst/>
-                <a:uLnTx/>
-                <a:uFillTx/>
-                <a:latin typeface="Segoe UI" panose="020B0502040204020203" pitchFamily="34" charset="0"/>
-                <a:ea typeface="Segoe UI" panose="020B0502040204020203" pitchFamily="34" charset="0"/>
-                <a:cs typeface="Segoe UI" panose="020B0502040204020203" pitchFamily="34" charset="0"/>
-              </a:rPr>
-              <a:t>cobbler_gateway:0.0.0.0</a:t>
-            </a:r>
-            <a:endParaRPr kumimoji="0" lang="ja-JP" altLang="en-US" sz="1050" b="0" i="0" u="none" strike="noStrike" kern="100" cap="none" spc="0" normalizeH="0" baseline="0" noProof="0" dirty="0">
-              <a:ln>
-                <a:noFill/>
-              </a:ln>
-              <a:solidFill>
-                <a:sysClr val="window" lastClr="FFFFFF"/>
-              </a:solidFill>
-              <a:effectLst/>
-              <a:uLnTx/>
-              <a:uFillTx/>
-              <a:latin typeface="Segoe UI" panose="020B0502040204020203" pitchFamily="34" charset="0"/>
-              <a:ea typeface="ＭＳ 明朝" panose="02020609040205080304" pitchFamily="17" charset="-128"/>
-              <a:cs typeface="Segoe UI" panose="020B0502040204020203" pitchFamily="34" charset="0"/>
-            </a:endParaRPr>
-          </a:p>
-          <a:p>
-            <a:pPr marL="0" marR="0" lvl="0" indent="0" algn="l" defTabSz="914400" eaLnBrk="1" fontAlgn="auto" latinLnBrk="0" hangingPunct="1">
-              <a:lnSpc>
-                <a:spcPts val="800"/>
-              </a:lnSpc>
-              <a:spcBef>
-                <a:spcPts val="0"/>
-              </a:spcBef>
-              <a:spcAft>
-                <a:spcPts val="0"/>
-              </a:spcAft>
-              <a:buClrTx/>
-              <a:buSzTx/>
-              <a:buFontTx/>
-              <a:buNone/>
-              <a:tabLst/>
-              <a:defRPr/>
-            </a:pPr>
-            <a:r>
-              <a:rPr kumimoji="0" lang="en-US" sz="900" b="0" i="0" u="none" strike="noStrike" kern="100" cap="none" spc="0" normalizeH="0" baseline="0" noProof="0" dirty="0">
-                <a:ln>
-                  <a:noFill/>
-                </a:ln>
-                <a:solidFill>
-                  <a:sysClr val="window" lastClr="FFFFFF"/>
-                </a:solidFill>
-                <a:effectLst/>
-                <a:uLnTx/>
-                <a:uFillTx/>
-                <a:latin typeface="Segoe UI" panose="020B0502040204020203" pitchFamily="34" charset="0"/>
-                <a:ea typeface="Segoe UI" panose="020B0502040204020203" pitchFamily="34" charset="0"/>
-                <a:cs typeface="Segoe UI" panose="020B0502040204020203" pitchFamily="34" charset="0"/>
-              </a:rPr>
-              <a:t> </a:t>
-            </a:r>
-            <a:endParaRPr kumimoji="0" lang="ja-JP" altLang="en-US" sz="1050" b="0" i="0" u="none" strike="noStrike" kern="100" cap="none" spc="0" normalizeH="0" baseline="0" noProof="0" dirty="0">
-              <a:ln>
-                <a:noFill/>
-              </a:ln>
-              <a:solidFill>
-                <a:sysClr val="window" lastClr="FFFFFF"/>
-              </a:solidFill>
-              <a:effectLst/>
-              <a:uLnTx/>
-              <a:uFillTx/>
-              <a:latin typeface="Segoe UI" panose="020B0502040204020203" pitchFamily="34" charset="0"/>
-              <a:ea typeface="ＭＳ 明朝" panose="02020609040205080304" pitchFamily="17" charset="-128"/>
-              <a:cs typeface="Segoe UI" panose="020B0502040204020203" pitchFamily="34" charset="0"/>
-            </a:endParaRPr>
-          </a:p>
-          <a:p>
-            <a:pPr marL="0" marR="0" lvl="0" indent="0" algn="l" defTabSz="914400" eaLnBrk="1" fontAlgn="auto" latinLnBrk="0" hangingPunct="1">
-              <a:lnSpc>
-                <a:spcPts val="800"/>
-              </a:lnSpc>
-              <a:spcBef>
-                <a:spcPts val="0"/>
-              </a:spcBef>
-              <a:spcAft>
-                <a:spcPts val="0"/>
-              </a:spcAft>
-              <a:buClrTx/>
-              <a:buSzTx/>
-              <a:buFontTx/>
-              <a:buNone/>
-              <a:tabLst/>
-              <a:defRPr/>
-            </a:pPr>
-            <a:r>
-              <a:rPr kumimoji="0" lang="en-US" sz="900" b="0" i="0" u="none" strike="noStrike" kern="100" cap="none" spc="0" normalizeH="0" baseline="0" noProof="0" dirty="0">
-                <a:ln>
-                  <a:noFill/>
-                </a:ln>
-                <a:solidFill>
-                  <a:sysClr val="window" lastClr="FFFFFF"/>
-                </a:solidFill>
-                <a:effectLst/>
-                <a:uLnTx/>
-                <a:uFillTx/>
-                <a:latin typeface="Segoe UI" panose="020B0502040204020203" pitchFamily="34" charset="0"/>
-                <a:ea typeface="Segoe UI" panose="020B0502040204020203" pitchFamily="34" charset="0"/>
-                <a:cs typeface="Segoe UI" panose="020B0502040204020203" pitchFamily="34" charset="0"/>
-              </a:rPr>
-              <a:t>#DNS server IP address (Separate space if more than one)</a:t>
-            </a:r>
-            <a:endParaRPr kumimoji="0" lang="ja-JP" altLang="en-US" sz="1050" b="0" i="0" u="none" strike="noStrike" kern="100" cap="none" spc="0" normalizeH="0" baseline="0" noProof="0" dirty="0">
-              <a:ln>
-                <a:noFill/>
-              </a:ln>
-              <a:solidFill>
-                <a:sysClr val="window" lastClr="FFFFFF"/>
-              </a:solidFill>
-              <a:effectLst/>
-              <a:uLnTx/>
-              <a:uFillTx/>
-              <a:latin typeface="Segoe UI" panose="020B0502040204020203" pitchFamily="34" charset="0"/>
-              <a:ea typeface="ＭＳ 明朝" panose="02020609040205080304" pitchFamily="17" charset="-128"/>
-              <a:cs typeface="Segoe UI" panose="020B0502040204020203" pitchFamily="34" charset="0"/>
-            </a:endParaRPr>
-          </a:p>
-          <a:p>
-            <a:pPr marL="0" marR="0" lvl="0" indent="0" algn="l" defTabSz="914400" eaLnBrk="1" fontAlgn="auto" latinLnBrk="0" hangingPunct="1">
-              <a:lnSpc>
-                <a:spcPts val="800"/>
-              </a:lnSpc>
-              <a:spcBef>
-                <a:spcPts val="0"/>
-              </a:spcBef>
-              <a:spcAft>
-                <a:spcPts val="0"/>
-              </a:spcAft>
-              <a:buClrTx/>
-              <a:buSzTx/>
-              <a:buFontTx/>
-              <a:buNone/>
-              <a:tabLst/>
-              <a:defRPr/>
-            </a:pPr>
-            <a:r>
-              <a:rPr kumimoji="0" lang="en-US" sz="900" b="0" i="0" u="none" strike="noStrike" kern="100" cap="none" spc="0" normalizeH="0" baseline="0" noProof="0" dirty="0">
-                <a:ln>
-                  <a:noFill/>
-                </a:ln>
-                <a:solidFill>
-                  <a:sysClr val="window" lastClr="FFFFFF"/>
-                </a:solidFill>
-                <a:effectLst/>
-                <a:uLnTx/>
-                <a:uFillTx/>
-                <a:latin typeface="Segoe UI" panose="020B0502040204020203" pitchFamily="34" charset="0"/>
-                <a:ea typeface="Segoe UI" panose="020B0502040204020203" pitchFamily="34" charset="0"/>
-                <a:cs typeface="Segoe UI" panose="020B0502040204020203" pitchFamily="34" charset="0"/>
-              </a:rPr>
-              <a:t>cobbler_dns:8.8.8.8</a:t>
-            </a:r>
-            <a:endParaRPr kumimoji="0" lang="ja-JP" altLang="en-US" sz="1050" b="0" i="0" u="none" strike="noStrike" kern="100" cap="none" spc="0" normalizeH="0" baseline="0" noProof="0" dirty="0">
-              <a:ln>
-                <a:noFill/>
-              </a:ln>
-              <a:solidFill>
-                <a:sysClr val="window" lastClr="FFFFFF"/>
-              </a:solidFill>
-              <a:effectLst/>
-              <a:uLnTx/>
-              <a:uFillTx/>
-              <a:latin typeface="Segoe UI" panose="020B0502040204020203" pitchFamily="34" charset="0"/>
-              <a:ea typeface="ＭＳ 明朝" panose="02020609040205080304" pitchFamily="17" charset="-128"/>
-              <a:cs typeface="Segoe UI" panose="020B0502040204020203" pitchFamily="34" charset="0"/>
-            </a:endParaRPr>
-          </a:p>
-          <a:p>
-            <a:pPr marL="0" marR="0" lvl="0" indent="0" algn="l" defTabSz="914400" eaLnBrk="1" fontAlgn="auto" latinLnBrk="0" hangingPunct="1">
-              <a:lnSpc>
-                <a:spcPts val="800"/>
-              </a:lnSpc>
-              <a:spcBef>
-                <a:spcPts val="0"/>
-              </a:spcBef>
-              <a:spcAft>
-                <a:spcPts val="0"/>
-              </a:spcAft>
-              <a:buClrTx/>
-              <a:buSzTx/>
-              <a:buFontTx/>
-              <a:buNone/>
-              <a:tabLst/>
-              <a:defRPr/>
-            </a:pPr>
-            <a:r>
-              <a:rPr kumimoji="0" lang="en-US" sz="900" b="0" i="0" u="none" strike="noStrike" kern="100" cap="none" spc="0" normalizeH="0" baseline="0" noProof="0" dirty="0">
-                <a:ln>
-                  <a:noFill/>
-                </a:ln>
-                <a:solidFill>
-                  <a:sysClr val="window" lastClr="FFFFFF"/>
-                </a:solidFill>
-                <a:effectLst/>
-                <a:uLnTx/>
-                <a:uFillTx/>
-                <a:latin typeface="Segoe UI" panose="020B0502040204020203" pitchFamily="34" charset="0"/>
-                <a:ea typeface="Segoe UI" panose="020B0502040204020203" pitchFamily="34" charset="0"/>
-                <a:cs typeface="Segoe UI" panose="020B0502040204020203" pitchFamily="34" charset="0"/>
-              </a:rPr>
-              <a:t> </a:t>
-            </a:r>
-            <a:endParaRPr kumimoji="0" lang="ja-JP" altLang="en-US" sz="1050" b="0" i="0" u="none" strike="noStrike" kern="100" cap="none" spc="0" normalizeH="0" baseline="0" noProof="0" dirty="0">
-              <a:ln>
-                <a:noFill/>
-              </a:ln>
-              <a:solidFill>
-                <a:sysClr val="window" lastClr="FFFFFF"/>
-              </a:solidFill>
-              <a:effectLst/>
-              <a:uLnTx/>
-              <a:uFillTx/>
-              <a:latin typeface="Segoe UI" panose="020B0502040204020203" pitchFamily="34" charset="0"/>
-              <a:ea typeface="ＭＳ 明朝" panose="02020609040205080304" pitchFamily="17" charset="-128"/>
-              <a:cs typeface="Segoe UI" panose="020B0502040204020203" pitchFamily="34" charset="0"/>
-            </a:endParaRPr>
-          </a:p>
-          <a:p>
-            <a:pPr marL="0" marR="0" lvl="0" indent="0" algn="l" defTabSz="914400" eaLnBrk="1" fontAlgn="auto" latinLnBrk="0" hangingPunct="1">
-              <a:lnSpc>
-                <a:spcPts val="800"/>
-              </a:lnSpc>
-              <a:spcBef>
-                <a:spcPts val="0"/>
-              </a:spcBef>
-              <a:spcAft>
-                <a:spcPts val="0"/>
-              </a:spcAft>
-              <a:buClrTx/>
-              <a:buSzTx/>
-              <a:buFontTx/>
-              <a:buNone/>
-              <a:tabLst/>
-              <a:defRPr/>
-            </a:pPr>
-            <a:r>
-              <a:rPr kumimoji="0" lang="en-US" sz="900" b="0" i="0" u="none" strike="noStrike" kern="100" cap="none" spc="0" normalizeH="0" baseline="0" noProof="0" dirty="0">
-                <a:ln>
-                  <a:noFill/>
-                </a:ln>
-                <a:solidFill>
-                  <a:sysClr val="window" lastClr="FFFFFF"/>
-                </a:solidFill>
-                <a:effectLst/>
-                <a:uLnTx/>
-                <a:uFillTx/>
-                <a:latin typeface="Segoe UI" panose="020B0502040204020203" pitchFamily="34" charset="0"/>
-                <a:ea typeface="Segoe UI" panose="020B0502040204020203" pitchFamily="34" charset="0"/>
-                <a:cs typeface="Segoe UI" panose="020B0502040204020203" pitchFamily="34" charset="0"/>
-              </a:rPr>
-              <a:t>#dynamic dhcp IP address(min)</a:t>
-            </a:r>
-            <a:endParaRPr kumimoji="0" lang="ja-JP" altLang="en-US" sz="1050" b="0" i="0" u="none" strike="noStrike" kern="100" cap="none" spc="0" normalizeH="0" baseline="0" noProof="0" dirty="0">
-              <a:ln>
-                <a:noFill/>
-              </a:ln>
-              <a:solidFill>
-                <a:sysClr val="window" lastClr="FFFFFF"/>
-              </a:solidFill>
-              <a:effectLst/>
-              <a:uLnTx/>
-              <a:uFillTx/>
-              <a:latin typeface="Segoe UI" panose="020B0502040204020203" pitchFamily="34" charset="0"/>
-              <a:ea typeface="ＭＳ 明朝" panose="02020609040205080304" pitchFamily="17" charset="-128"/>
-              <a:cs typeface="Segoe UI" panose="020B0502040204020203" pitchFamily="34" charset="0"/>
-            </a:endParaRPr>
-          </a:p>
-          <a:p>
-            <a:pPr marL="0" marR="0" lvl="0" indent="0" algn="l" defTabSz="914400" eaLnBrk="1" fontAlgn="auto" latinLnBrk="0" hangingPunct="1">
-              <a:lnSpc>
-                <a:spcPts val="800"/>
-              </a:lnSpc>
-              <a:spcBef>
-                <a:spcPts val="0"/>
-              </a:spcBef>
-              <a:spcAft>
-                <a:spcPts val="0"/>
-              </a:spcAft>
-              <a:buClrTx/>
-              <a:buSzTx/>
-              <a:buFontTx/>
-              <a:buNone/>
-              <a:tabLst/>
-              <a:defRPr/>
-            </a:pPr>
-            <a:r>
-              <a:rPr kumimoji="0" lang="en-US" sz="900" b="0" i="0" u="none" strike="noStrike" kern="100" cap="none" spc="0" normalizeH="0" baseline="0" noProof="0" dirty="0">
-                <a:ln>
-                  <a:noFill/>
-                </a:ln>
-                <a:solidFill>
-                  <a:sysClr val="window" lastClr="FFFFFF"/>
-                </a:solidFill>
-                <a:effectLst/>
-                <a:uLnTx/>
-                <a:uFillTx/>
-                <a:latin typeface="Segoe UI" panose="020B0502040204020203" pitchFamily="34" charset="0"/>
-                <a:ea typeface="Segoe UI" panose="020B0502040204020203" pitchFamily="34" charset="0"/>
-                <a:cs typeface="Segoe UI" panose="020B0502040204020203" pitchFamily="34" charset="0"/>
-              </a:rPr>
-              <a:t>dynamic_address_min:10.10.10.230</a:t>
-            </a:r>
-            <a:endParaRPr kumimoji="0" lang="ja-JP" altLang="en-US" sz="1050" b="0" i="0" u="none" strike="noStrike" kern="100" cap="none" spc="0" normalizeH="0" baseline="0" noProof="0" dirty="0">
-              <a:ln>
-                <a:noFill/>
-              </a:ln>
-              <a:solidFill>
-                <a:sysClr val="window" lastClr="FFFFFF"/>
-              </a:solidFill>
-              <a:effectLst/>
-              <a:uLnTx/>
-              <a:uFillTx/>
-              <a:latin typeface="Segoe UI" panose="020B0502040204020203" pitchFamily="34" charset="0"/>
-              <a:ea typeface="ＭＳ 明朝" panose="02020609040205080304" pitchFamily="17" charset="-128"/>
-              <a:cs typeface="Segoe UI" panose="020B0502040204020203" pitchFamily="34" charset="0"/>
-            </a:endParaRPr>
-          </a:p>
-          <a:p>
-            <a:pPr marL="0" marR="0" lvl="0" indent="0" algn="l" defTabSz="914400" eaLnBrk="1" fontAlgn="auto" latinLnBrk="0" hangingPunct="1">
-              <a:lnSpc>
-                <a:spcPts val="800"/>
-              </a:lnSpc>
-              <a:spcBef>
-                <a:spcPts val="0"/>
-              </a:spcBef>
-              <a:spcAft>
-                <a:spcPts val="0"/>
-              </a:spcAft>
-              <a:buClrTx/>
-              <a:buSzTx/>
-              <a:buFontTx/>
-              <a:buNone/>
-              <a:tabLst/>
-              <a:defRPr/>
-            </a:pPr>
-            <a:r>
-              <a:rPr kumimoji="0" lang="en-US" sz="900" b="0" i="0" u="none" strike="noStrike" kern="100" cap="none" spc="0" normalizeH="0" baseline="0" noProof="0" dirty="0">
-                <a:ln>
-                  <a:noFill/>
-                </a:ln>
-                <a:solidFill>
-                  <a:sysClr val="window" lastClr="FFFFFF"/>
-                </a:solidFill>
-                <a:effectLst/>
-                <a:uLnTx/>
-                <a:uFillTx/>
-                <a:latin typeface="Segoe UI" panose="020B0502040204020203" pitchFamily="34" charset="0"/>
-                <a:ea typeface="Segoe UI" panose="020B0502040204020203" pitchFamily="34" charset="0"/>
-                <a:cs typeface="Segoe UI" panose="020B0502040204020203" pitchFamily="34" charset="0"/>
-              </a:rPr>
-              <a:t> </a:t>
-            </a:r>
-            <a:endParaRPr kumimoji="0" lang="ja-JP" altLang="en-US" sz="1050" b="0" i="0" u="none" strike="noStrike" kern="100" cap="none" spc="0" normalizeH="0" baseline="0" noProof="0" dirty="0">
-              <a:ln>
-                <a:noFill/>
-              </a:ln>
-              <a:solidFill>
-                <a:sysClr val="window" lastClr="FFFFFF"/>
-              </a:solidFill>
-              <a:effectLst/>
-              <a:uLnTx/>
-              <a:uFillTx/>
-              <a:latin typeface="Segoe UI" panose="020B0502040204020203" pitchFamily="34" charset="0"/>
-              <a:ea typeface="ＭＳ 明朝" panose="02020609040205080304" pitchFamily="17" charset="-128"/>
-              <a:cs typeface="Segoe UI" panose="020B0502040204020203" pitchFamily="34" charset="0"/>
-            </a:endParaRPr>
-          </a:p>
-          <a:p>
-            <a:pPr marL="0" marR="0" lvl="0" indent="0" algn="l" defTabSz="914400" eaLnBrk="1" fontAlgn="auto" latinLnBrk="0" hangingPunct="1">
-              <a:lnSpc>
-                <a:spcPts val="800"/>
-              </a:lnSpc>
-              <a:spcBef>
-                <a:spcPts val="0"/>
-              </a:spcBef>
-              <a:spcAft>
-                <a:spcPts val="0"/>
-              </a:spcAft>
-              <a:buClrTx/>
-              <a:buSzTx/>
-              <a:buFontTx/>
-              <a:buNone/>
-              <a:tabLst/>
-              <a:defRPr/>
-            </a:pPr>
-            <a:r>
-              <a:rPr kumimoji="0" lang="en-US" sz="900" b="0" i="0" u="none" strike="noStrike" kern="100" cap="none" spc="0" normalizeH="0" baseline="0" noProof="0" dirty="0">
-                <a:ln>
-                  <a:noFill/>
-                </a:ln>
-                <a:solidFill>
-                  <a:sysClr val="window" lastClr="FFFFFF"/>
-                </a:solidFill>
-                <a:effectLst/>
-                <a:uLnTx/>
-                <a:uFillTx/>
-                <a:latin typeface="Segoe UI" panose="020B0502040204020203" pitchFamily="34" charset="0"/>
-                <a:ea typeface="Segoe UI" panose="020B0502040204020203" pitchFamily="34" charset="0"/>
-                <a:cs typeface="Segoe UI" panose="020B0502040204020203" pitchFamily="34" charset="0"/>
-              </a:rPr>
-              <a:t>#dynamic dhcp IP address(max)</a:t>
-            </a:r>
-            <a:endParaRPr kumimoji="0" lang="ja-JP" altLang="en-US" sz="1050" b="0" i="0" u="none" strike="noStrike" kern="100" cap="none" spc="0" normalizeH="0" baseline="0" noProof="0" dirty="0">
-              <a:ln>
-                <a:noFill/>
-              </a:ln>
-              <a:solidFill>
-                <a:sysClr val="window" lastClr="FFFFFF"/>
-              </a:solidFill>
-              <a:effectLst/>
-              <a:uLnTx/>
-              <a:uFillTx/>
-              <a:latin typeface="Segoe UI" panose="020B0502040204020203" pitchFamily="34" charset="0"/>
-              <a:ea typeface="ＭＳ 明朝" panose="02020609040205080304" pitchFamily="17" charset="-128"/>
-              <a:cs typeface="Segoe UI" panose="020B0502040204020203" pitchFamily="34" charset="0"/>
-            </a:endParaRPr>
-          </a:p>
-          <a:p>
-            <a:pPr marL="0" marR="0" lvl="0" indent="0" algn="l" defTabSz="914400" eaLnBrk="1" fontAlgn="auto" latinLnBrk="0" hangingPunct="1">
-              <a:lnSpc>
-                <a:spcPts val="800"/>
-              </a:lnSpc>
-              <a:spcBef>
-                <a:spcPts val="0"/>
-              </a:spcBef>
-              <a:spcAft>
-                <a:spcPts val="0"/>
-              </a:spcAft>
-              <a:buClrTx/>
-              <a:buSzTx/>
-              <a:buFontTx/>
-              <a:buNone/>
-              <a:tabLst/>
-              <a:defRPr/>
-            </a:pPr>
-            <a:r>
-              <a:rPr kumimoji="0" lang="en-US" sz="900" b="0" i="0" u="none" strike="noStrike" kern="100" cap="none" spc="0" normalizeH="0" baseline="0" noProof="0" dirty="0" smtClean="0">
-                <a:ln>
-                  <a:noFill/>
-                </a:ln>
-                <a:solidFill>
-                  <a:sysClr val="window" lastClr="FFFFFF"/>
-                </a:solidFill>
-                <a:effectLst/>
-                <a:uLnTx/>
-                <a:uFillTx/>
-                <a:latin typeface="Segoe UI" panose="020B0502040204020203" pitchFamily="34" charset="0"/>
-                <a:ea typeface="Segoe UI" panose="020B0502040204020203" pitchFamily="34" charset="0"/>
-                <a:cs typeface="Segoe UI" panose="020B0502040204020203" pitchFamily="34" charset="0"/>
-              </a:rPr>
-              <a:t>dynamic_address_max:10.70.10.250</a:t>
-            </a:r>
-            <a:endParaRPr kumimoji="0" lang="ja-JP" altLang="en-US" sz="1050" b="0" i="0" u="none" strike="noStrike" kern="100" cap="none" spc="0" normalizeH="0" baseline="0" noProof="0" dirty="0">
-              <a:ln>
-                <a:noFill/>
-              </a:ln>
-              <a:solidFill>
-                <a:sysClr val="window" lastClr="FFFFFF"/>
-              </a:solidFill>
-              <a:effectLst/>
-              <a:uLnTx/>
-              <a:uFillTx/>
-              <a:latin typeface="Segoe UI" panose="020B0502040204020203" pitchFamily="34" charset="0"/>
-              <a:ea typeface="ＭＳ 明朝" panose="02020609040205080304" pitchFamily="17" charset="-128"/>
-              <a:cs typeface="Segoe UI" panose="020B0502040204020203" pitchFamily="34" charset="0"/>
+              <a:cs typeface="Times New Roman" panose="02020603050405020304" pitchFamily="18" charset="0"/>
             </a:endParaRPr>
           </a:p>
         </p:txBody>
       </p:sp>
+      <p:cxnSp>
+        <p:nvCxnSpPr>
+          <p:cNvPr id="17" name="直線コネクタ 16"/>
+          <p:cNvCxnSpPr/>
+          <p:nvPr/>
+        </p:nvCxnSpPr>
+        <p:spPr bwMode="auto">
+          <a:xfrm flipH="1">
+            <a:off x="1861091" y="2216344"/>
+            <a:ext cx="359414" cy="187890"/>
+          </a:xfrm>
+          <a:prstGeom prst="line">
+            <a:avLst/>
+          </a:prstGeom>
+          <a:solidFill>
+            <a:schemeClr val="bg1"/>
+          </a:solidFill>
+          <a:ln w="19050" cap="flat" cmpd="sng" algn="ctr">
+            <a:solidFill>
+              <a:srgbClr val="FF0000"/>
+            </a:solidFill>
+            <a:prstDash val="solid"/>
+            <a:bevel/>
+            <a:headEnd type="none" w="med" len="med"/>
+            <a:tailEnd type="none" w="med" len="med"/>
+          </a:ln>
+          <a:effectLst/>
+          <a:extLst>
+            <a:ext uri="{AF507438-7753-43E0-B8FC-AC1667EBCBE1}">
+              <a14:hiddenEffects xmlns:a14="http://schemas.microsoft.com/office/drawing/2010/main">
+                <a:effectLst>
+                  <a:outerShdw dist="35921" dir="2700000" algn="ctr" rotWithShape="0">
+                    <a:schemeClr val="tx1">
+                      <a:alpha val="50000"/>
+                    </a:schemeClr>
+                  </a:outerShdw>
+                </a:effectLst>
+              </a14:hiddenEffects>
+            </a:ext>
+          </a:extLst>
+        </p:spPr>
+      </p:cxnSp>
+      <p:cxnSp>
+        <p:nvCxnSpPr>
+          <p:cNvPr id="18" name="直線コネクタ 17"/>
+          <p:cNvCxnSpPr/>
+          <p:nvPr/>
+        </p:nvCxnSpPr>
+        <p:spPr bwMode="auto">
+          <a:xfrm>
+            <a:off x="2220505" y="2216344"/>
+            <a:ext cx="936000" cy="0"/>
+          </a:xfrm>
+          <a:prstGeom prst="line">
+            <a:avLst/>
+          </a:prstGeom>
+          <a:solidFill>
+            <a:schemeClr val="bg1"/>
+          </a:solidFill>
+          <a:ln w="19050" cap="flat" cmpd="sng" algn="ctr">
+            <a:solidFill>
+              <a:srgbClr val="FF0000"/>
+            </a:solidFill>
+            <a:prstDash val="solid"/>
+            <a:round/>
+            <a:headEnd type="none" w="med" len="med"/>
+            <a:tailEnd type="none" w="med" len="med"/>
+          </a:ln>
+          <a:effectLst/>
+          <a:extLst>
+            <a:ext uri="{AF507438-7753-43E0-B8FC-AC1667EBCBE1}">
+              <a14:hiddenEffects xmlns:a14="http://schemas.microsoft.com/office/drawing/2010/main">
+                <a:effectLst>
+                  <a:outerShdw dist="35921" dir="2700000" algn="ctr" rotWithShape="0">
+                    <a:schemeClr val="tx1">
+                      <a:alpha val="50000"/>
+                    </a:schemeClr>
+                  </a:outerShdw>
+                </a:effectLst>
+              </a14:hiddenEffects>
+            </a:ext>
+          </a:extLst>
+        </p:spPr>
+      </p:cxnSp>
+      <p:cxnSp>
+        <p:nvCxnSpPr>
+          <p:cNvPr id="19" name="直線コネクタ 18"/>
+          <p:cNvCxnSpPr/>
+          <p:nvPr/>
+        </p:nvCxnSpPr>
+        <p:spPr bwMode="auto">
+          <a:xfrm>
+            <a:off x="60841" y="2389114"/>
+            <a:ext cx="1800250" cy="10038"/>
+          </a:xfrm>
+          <a:prstGeom prst="line">
+            <a:avLst/>
+          </a:prstGeom>
+          <a:solidFill>
+            <a:schemeClr val="bg1"/>
+          </a:solidFill>
+          <a:ln w="19050" cap="flat" cmpd="sng" algn="ctr">
+            <a:solidFill>
+              <a:srgbClr val="FF0000"/>
+            </a:solidFill>
+            <a:prstDash val="solid"/>
+            <a:round/>
+            <a:headEnd type="none" w="med" len="med"/>
+            <a:tailEnd type="none" w="med" len="med"/>
+          </a:ln>
+          <a:effectLst/>
+          <a:extLst>
+            <a:ext uri="{AF507438-7753-43E0-B8FC-AC1667EBCBE1}">
+              <a14:hiddenEffects xmlns:a14="http://schemas.microsoft.com/office/drawing/2010/main">
+                <a:effectLst>
+                  <a:outerShdw dist="35921" dir="2700000" algn="ctr" rotWithShape="0">
+                    <a:schemeClr val="tx1">
+                      <a:alpha val="50000"/>
+                    </a:schemeClr>
+                  </a:outerShdw>
+                </a:effectLst>
+              </a14:hiddenEffects>
+            </a:ext>
+          </a:extLst>
+        </p:spPr>
+      </p:cxnSp>
+      <p:sp>
+        <p:nvSpPr>
+          <p:cNvPr id="21" name="正方形/長方形 20"/>
+          <p:cNvSpPr/>
+          <p:nvPr/>
+        </p:nvSpPr>
+        <p:spPr>
+          <a:xfrm>
+            <a:off x="2123660" y="2277030"/>
+            <a:ext cx="3492000" cy="1368000"/>
+          </a:xfrm>
+          <a:prstGeom prst="rect">
+            <a:avLst/>
+          </a:prstGeom>
+          <a:noFill/>
+          <a:ln>
+            <a:solidFill>
+              <a:srgbClr val="FF0000"/>
+            </a:solidFill>
+            <a:prstDash val="sysDash"/>
+          </a:ln>
+        </p:spPr>
+        <p:style>
+          <a:lnRef idx="2">
+            <a:schemeClr val="accent1">
+              <a:shade val="50000"/>
+            </a:schemeClr>
+          </a:lnRef>
+          <a:fillRef idx="1">
+            <a:schemeClr val="accent1"/>
+          </a:fillRef>
+          <a:effectRef idx="0">
+            <a:schemeClr val="accent1"/>
+          </a:effectRef>
+          <a:fontRef idx="minor">
+            <a:schemeClr val="lt1"/>
+          </a:fontRef>
+        </p:style>
+        <p:txBody>
+          <a:bodyPr rot="0" spcFirstLastPara="0" vert="horz" wrap="square" lIns="91440" tIns="45720" rIns="91440" bIns="45720" numCol="1" spcCol="0" rtlCol="0" fromWordArt="0" anchor="ctr" anchorCtr="0" forceAA="0" compatLnSpc="1">
+            <a:prstTxWarp prst="textNoShape">
+              <a:avLst/>
+            </a:prstTxWarp>
+            <a:noAutofit/>
+          </a:bodyPr>
+          <a:lstStyle/>
+          <a:p>
+            <a:endParaRPr lang="ja-JP" altLang="en-US" dirty="0"/>
+          </a:p>
+        </p:txBody>
+      </p:sp>
+      <p:cxnSp>
+        <p:nvCxnSpPr>
+          <p:cNvPr id="23" name="直線コネクタ 22"/>
+          <p:cNvCxnSpPr/>
+          <p:nvPr/>
+        </p:nvCxnSpPr>
+        <p:spPr bwMode="auto">
+          <a:xfrm>
+            <a:off x="5652150" y="2948002"/>
+            <a:ext cx="1080000" cy="0"/>
+          </a:xfrm>
+          <a:prstGeom prst="line">
+            <a:avLst/>
+          </a:prstGeom>
+          <a:solidFill>
+            <a:schemeClr val="bg1"/>
+          </a:solidFill>
+          <a:ln w="19050" cap="flat" cmpd="sng" algn="ctr">
+            <a:solidFill>
+              <a:srgbClr val="FF0000"/>
+            </a:solidFill>
+            <a:prstDash val="dash"/>
+            <a:round/>
+            <a:headEnd type="none" w="med" len="med"/>
+            <a:tailEnd type="none" w="med" len="med"/>
+          </a:ln>
+          <a:effectLst/>
+          <a:extLst>
+            <a:ext uri="{AF507438-7753-43E0-B8FC-AC1667EBCBE1}">
+              <a14:hiddenEffects xmlns:a14="http://schemas.microsoft.com/office/drawing/2010/main">
+                <a:effectLst>
+                  <a:outerShdw dist="35921" dir="2700000" algn="ctr" rotWithShape="0">
+                    <a:schemeClr val="tx1">
+                      <a:alpha val="50000"/>
+                    </a:schemeClr>
+                  </a:outerShdw>
+                </a:effectLst>
+              </a14:hiddenEffects>
+            </a:ext>
+          </a:extLst>
+        </p:spPr>
+      </p:cxnSp>
       <p:sp>
         <p:nvSpPr>
           <p:cNvPr id="9" name="角丸四角形 8"/>
@@ -15260,13 +14417,15 @@
         </p:nvSpPr>
         <p:spPr bwMode="auto">
           <a:xfrm>
-            <a:off x="7164360" y="2347676"/>
+            <a:off x="6804310" y="2492870"/>
             <a:ext cx="1728240" cy="898345"/>
           </a:xfrm>
           <a:prstGeom prst="roundRect">
             <a:avLst/>
           </a:prstGeom>
-          <a:noFill/>
+          <a:solidFill>
+            <a:schemeClr val="bg1"/>
+          </a:solidFill>
           <a:ln w="12700">
             <a:solidFill>
               <a:srgbClr val="C00000"/>
@@ -15308,13 +14467,13 @@
       </p:sp>
       <p:grpSp>
         <p:nvGrpSpPr>
-          <p:cNvPr id="10" name="グループ化 9"/>
+          <p:cNvPr id="25" name="グループ化 24"/>
           <p:cNvGrpSpPr/>
           <p:nvPr/>
         </p:nvGrpSpPr>
         <p:grpSpPr>
           <a:xfrm>
-            <a:off x="6908793" y="2061113"/>
+            <a:off x="6516270" y="2242918"/>
             <a:ext cx="565503" cy="549789"/>
             <a:chOff x="162795" y="3812178"/>
             <a:chExt cx="565503" cy="549789"/>
@@ -15322,7 +14481,7 @@
         </p:grpSpPr>
         <p:sp>
           <p:nvSpPr>
-            <p:cNvPr id="11" name="円/楕円 44"/>
+            <p:cNvPr id="26" name="円/楕円 44"/>
             <p:cNvSpPr/>
             <p:nvPr/>
           </p:nvSpPr>
@@ -15377,15 +14536,14 @@
                 <a:solidFill>
                   <a:schemeClr val="bg1"/>
                 </a:solidFill>
-                <a:latin typeface="Segoe UI" panose="020B0502040204020203" pitchFamily="34" charset="0"/>
-                <a:cs typeface="Segoe UI" panose="020B0502040204020203" pitchFamily="34" charset="0"/>
+                <a:latin typeface="+mj-ea"/>
               </a:endParaRPr>
             </a:p>
           </p:txBody>
         </p:sp>
         <p:sp>
           <p:nvSpPr>
-            <p:cNvPr id="12" name="テキスト ボックス 11"/>
+            <p:cNvPr id="28" name="テキスト ボックス 27"/>
             <p:cNvSpPr txBox="1"/>
             <p:nvPr/>
           </p:nvSpPr>
@@ -15778,301 +14936,11 @@
                     </a:schemeClr>
                   </a:glow>
                 </a:effectLst>
-                <a:latin typeface="Segoe UI" panose="020B0502040204020203" pitchFamily="34" charset="0"/>
-                <a:cs typeface="Segoe UI" panose="020B0502040204020203" pitchFamily="34" charset="0"/>
               </a:endParaRPr>
             </a:p>
           </p:txBody>
         </p:sp>
       </p:grpSp>
-      <p:cxnSp>
-        <p:nvCxnSpPr>
-          <p:cNvPr id="14" name="直線コネクタ 13"/>
-          <p:cNvCxnSpPr/>
-          <p:nvPr/>
-        </p:nvCxnSpPr>
-        <p:spPr bwMode="auto">
-          <a:xfrm flipH="1">
-            <a:off x="2052286" y="2042880"/>
-            <a:ext cx="359414" cy="187890"/>
-          </a:xfrm>
-          <a:prstGeom prst="line">
-            <a:avLst/>
-          </a:prstGeom>
-          <a:solidFill>
-            <a:schemeClr val="bg1"/>
-          </a:solidFill>
-          <a:ln w="19050" cap="flat" cmpd="sng" algn="ctr">
-            <a:solidFill>
-              <a:srgbClr val="FF0000"/>
-            </a:solidFill>
-            <a:prstDash val="solid"/>
-            <a:bevel/>
-            <a:headEnd type="none" w="med" len="med"/>
-            <a:tailEnd type="none" w="med" len="med"/>
-          </a:ln>
-          <a:effectLst/>
-          <a:extLst>
-            <a:ext uri="{AF507438-7753-43E0-B8FC-AC1667EBCBE1}">
-              <a14:hiddenEffects xmlns:a14="http://schemas.microsoft.com/office/drawing/2010/main">
-                <a:effectLst>
-                  <a:outerShdw dist="35921" dir="2700000" algn="ctr" rotWithShape="0">
-                    <a:schemeClr val="tx1">
-                      <a:alpha val="50000"/>
-                    </a:schemeClr>
-                  </a:outerShdw>
-                </a:effectLst>
-              </a14:hiddenEffects>
-            </a:ext>
-          </a:extLst>
-        </p:spPr>
-      </p:cxnSp>
-      <p:cxnSp>
-        <p:nvCxnSpPr>
-          <p:cNvPr id="15" name="直線コネクタ 14"/>
-          <p:cNvCxnSpPr/>
-          <p:nvPr/>
-        </p:nvCxnSpPr>
-        <p:spPr bwMode="auto">
-          <a:xfrm>
-            <a:off x="2411700" y="2042880"/>
-            <a:ext cx="936000" cy="0"/>
-          </a:xfrm>
-          <a:prstGeom prst="line">
-            <a:avLst/>
-          </a:prstGeom>
-          <a:solidFill>
-            <a:schemeClr val="bg1"/>
-          </a:solidFill>
-          <a:ln w="19050" cap="flat" cmpd="sng" algn="ctr">
-            <a:solidFill>
-              <a:srgbClr val="FF0000"/>
-            </a:solidFill>
-            <a:prstDash val="solid"/>
-            <a:round/>
-            <a:headEnd type="none" w="med" len="med"/>
-            <a:tailEnd type="none" w="med" len="med"/>
-          </a:ln>
-          <a:effectLst/>
-          <a:extLst>
-            <a:ext uri="{AF507438-7753-43E0-B8FC-AC1667EBCBE1}">
-              <a14:hiddenEffects xmlns:a14="http://schemas.microsoft.com/office/drawing/2010/main">
-                <a:effectLst>
-                  <a:outerShdw dist="35921" dir="2700000" algn="ctr" rotWithShape="0">
-                    <a:schemeClr val="tx1">
-                      <a:alpha val="50000"/>
-                    </a:schemeClr>
-                  </a:outerShdw>
-                </a:effectLst>
-              </a14:hiddenEffects>
-            </a:ext>
-          </a:extLst>
-        </p:spPr>
-      </p:cxnSp>
-      <p:cxnSp>
-        <p:nvCxnSpPr>
-          <p:cNvPr id="20" name="直線コネクタ 19"/>
-          <p:cNvCxnSpPr/>
-          <p:nvPr/>
-        </p:nvCxnSpPr>
-        <p:spPr bwMode="auto">
-          <a:xfrm>
-            <a:off x="252036" y="2215650"/>
-            <a:ext cx="1800250" cy="10038"/>
-          </a:xfrm>
-          <a:prstGeom prst="line">
-            <a:avLst/>
-          </a:prstGeom>
-          <a:solidFill>
-            <a:schemeClr val="bg1"/>
-          </a:solidFill>
-          <a:ln w="19050" cap="flat" cmpd="sng" algn="ctr">
-            <a:solidFill>
-              <a:srgbClr val="FF0000"/>
-            </a:solidFill>
-            <a:prstDash val="solid"/>
-            <a:round/>
-            <a:headEnd type="none" w="med" len="med"/>
-            <a:tailEnd type="none" w="med" len="med"/>
-          </a:ln>
-          <a:effectLst/>
-          <a:extLst>
-            <a:ext uri="{AF507438-7753-43E0-B8FC-AC1667EBCBE1}">
-              <a14:hiddenEffects xmlns:a14="http://schemas.microsoft.com/office/drawing/2010/main">
-                <a:effectLst>
-                  <a:outerShdw dist="35921" dir="2700000" algn="ctr" rotWithShape="0">
-                    <a:schemeClr val="tx1">
-                      <a:alpha val="50000"/>
-                    </a:schemeClr>
-                  </a:outerShdw>
-                </a:effectLst>
-              </a14:hiddenEffects>
-            </a:ext>
-          </a:extLst>
-        </p:spPr>
-      </p:cxnSp>
-      <p:sp>
-        <p:nvSpPr>
-          <p:cNvPr id="22" name="正方形/長方形 21"/>
-          <p:cNvSpPr/>
-          <p:nvPr/>
-        </p:nvSpPr>
-        <p:spPr>
-          <a:xfrm>
-            <a:off x="2365027" y="2125001"/>
-            <a:ext cx="3492000" cy="1368000"/>
-          </a:xfrm>
-          <a:prstGeom prst="rect">
-            <a:avLst/>
-          </a:prstGeom>
-          <a:noFill/>
-          <a:ln>
-            <a:solidFill>
-              <a:srgbClr val="FF0000"/>
-            </a:solidFill>
-            <a:prstDash val="sysDash"/>
-          </a:ln>
-        </p:spPr>
-        <p:style>
-          <a:lnRef idx="2">
-            <a:schemeClr val="accent1">
-              <a:shade val="50000"/>
-            </a:schemeClr>
-          </a:lnRef>
-          <a:fillRef idx="1">
-            <a:schemeClr val="accent1"/>
-          </a:fillRef>
-          <a:effectRef idx="0">
-            <a:schemeClr val="accent1"/>
-          </a:effectRef>
-          <a:fontRef idx="minor">
-            <a:schemeClr val="lt1"/>
-          </a:fontRef>
-        </p:style>
-        <p:txBody>
-          <a:bodyPr rot="0" spcFirstLastPara="0" vert="horz" wrap="square" lIns="91440" tIns="45720" rIns="91440" bIns="45720" numCol="1" spcCol="0" rtlCol="0" fromWordArt="0" anchor="ctr" anchorCtr="0" forceAA="0" compatLnSpc="1">
-            <a:prstTxWarp prst="textNoShape">
-              <a:avLst/>
-            </a:prstTxWarp>
-            <a:noAutofit/>
-          </a:bodyPr>
-          <a:lstStyle/>
-          <a:p>
-            <a:endParaRPr lang="ja-JP" altLang="en-US" dirty="0">
-              <a:latin typeface="Segoe UI" panose="020B0502040204020203" pitchFamily="34" charset="0"/>
-              <a:cs typeface="Segoe UI" panose="020B0502040204020203" pitchFamily="34" charset="0"/>
-            </a:endParaRPr>
-          </a:p>
-        </p:txBody>
-      </p:sp>
-      <p:cxnSp>
-        <p:nvCxnSpPr>
-          <p:cNvPr id="27" name="直線コネクタ 26"/>
-          <p:cNvCxnSpPr/>
-          <p:nvPr/>
-        </p:nvCxnSpPr>
-        <p:spPr bwMode="auto">
-          <a:xfrm>
-            <a:off x="5974429" y="2803982"/>
-            <a:ext cx="1080000" cy="0"/>
-          </a:xfrm>
-          <a:prstGeom prst="line">
-            <a:avLst/>
-          </a:prstGeom>
-          <a:solidFill>
-            <a:schemeClr val="bg1"/>
-          </a:solidFill>
-          <a:ln w="19050" cap="flat" cmpd="sng" algn="ctr">
-            <a:solidFill>
-              <a:srgbClr val="FF0000"/>
-            </a:solidFill>
-            <a:prstDash val="dash"/>
-            <a:round/>
-            <a:headEnd type="none" w="med" len="med"/>
-            <a:tailEnd type="none" w="med" len="med"/>
-          </a:ln>
-          <a:effectLst/>
-          <a:extLst>
-            <a:ext uri="{AF507438-7753-43E0-B8FC-AC1667EBCBE1}">
-              <a14:hiddenEffects xmlns:a14="http://schemas.microsoft.com/office/drawing/2010/main">
-                <a:effectLst>
-                  <a:outerShdw dist="35921" dir="2700000" algn="ctr" rotWithShape="0">
-                    <a:schemeClr val="tx1">
-                      <a:alpha val="50000"/>
-                    </a:schemeClr>
-                  </a:outerShdw>
-                </a:effectLst>
-              </a14:hiddenEffects>
-            </a:ext>
-          </a:extLst>
-        </p:spPr>
-      </p:cxnSp>
-      <p:sp>
-        <p:nvSpPr>
-          <p:cNvPr id="33" name="テキスト ボックス 32"/>
-          <p:cNvSpPr txBox="1"/>
-          <p:nvPr/>
-        </p:nvSpPr>
-        <p:spPr>
-          <a:xfrm>
-            <a:off x="140653" y="1826754"/>
-            <a:ext cx="2023017" cy="400110"/>
-          </a:xfrm>
-          <a:prstGeom prst="rect">
-            <a:avLst/>
-          </a:prstGeom>
-          <a:noFill/>
-        </p:spPr>
-        <p:txBody>
-          <a:bodyPr wrap="square" rtlCol="0">
-            <a:spAutoFit/>
-          </a:bodyPr>
-          <a:lstStyle/>
-          <a:p>
-            <a:pPr algn="ctr"/>
-            <a:r>
-              <a:rPr lang="en-US" altLang="ja-JP" sz="1000" kern="100" dirty="0">
-                <a:solidFill>
-                  <a:srgbClr val="FF0000"/>
-                </a:solidFill>
-                <a:latin typeface="Segoe UI" panose="020B0502040204020203" pitchFamily="34" charset="0"/>
-                <a:ea typeface="Segoe UI" panose="020B0502040204020203" pitchFamily="34" charset="0"/>
-                <a:cs typeface="Segoe UI" panose="020B0502040204020203" pitchFamily="34" charset="0"/>
-              </a:rPr>
-              <a:t>OS of the </a:t>
-            </a:r>
-            <a:r>
-              <a:rPr lang="en-US" altLang="ja-JP" sz="1000" kern="100" dirty="0" smtClean="0">
-                <a:solidFill>
-                  <a:srgbClr val="FF0000"/>
-                </a:solidFill>
-                <a:latin typeface="Segoe UI" panose="020B0502040204020203" pitchFamily="34" charset="0"/>
-                <a:ea typeface="Segoe UI" panose="020B0502040204020203" pitchFamily="34" charset="0"/>
-                <a:cs typeface="Segoe UI" panose="020B0502040204020203" pitchFamily="34" charset="0"/>
-              </a:rPr>
-              <a:t>installation target server: </a:t>
-            </a:r>
-            <a:r>
-              <a:rPr lang="en-US" altLang="ja-JP" sz="1000" dirty="0" smtClean="0">
-                <a:solidFill>
-                  <a:srgbClr val="FF0000"/>
-                </a:solidFill>
-                <a:latin typeface="Segoe UI" panose="020B0502040204020203" pitchFamily="34" charset="0"/>
-                <a:ea typeface="Segoe UI" panose="020B0502040204020203" pitchFamily="34" charset="0"/>
-                <a:cs typeface="Segoe UI" panose="020B0502040204020203" pitchFamily="34" charset="0"/>
-              </a:rPr>
-              <a:t>RHEL 7</a:t>
-            </a:r>
-            <a:endParaRPr kumimoji="1" lang="ja-JP" altLang="en-US" sz="1000" dirty="0">
-              <a:solidFill>
-                <a:srgbClr val="FF0000"/>
-              </a:solidFill>
-              <a:latin typeface="Segoe UI" panose="020B0502040204020203" pitchFamily="34" charset="0"/>
-              <a:cs typeface="Segoe UI" panose="020B0502040204020203" pitchFamily="34" charset="0"/>
-            </a:endParaRPr>
-          </a:p>
-        </p:txBody>
-      </p:sp>
     </p:spTree>
     <p:extLst>
       <p:ext uri="{BB962C8B-B14F-4D97-AF65-F5344CB8AC3E}">
@@ -16398,7 +15266,7 @@
         </p:nvGraphicFramePr>
         <p:xfrm>
           <a:off x="539440" y="1916790"/>
-          <a:ext cx="8065121" cy="4281918"/>
+          <a:ext cx="8065121" cy="4288378"/>
         </p:xfrm>
         <a:graphic>
           <a:graphicData uri="http://schemas.openxmlformats.org/drawingml/2006/table">
@@ -28174,7 +27042,7 @@
         </p:nvGraphicFramePr>
         <p:xfrm>
           <a:off x="106893" y="1578243"/>
-          <a:ext cx="8929240" cy="4874945"/>
+          <a:ext cx="8929240" cy="4850561"/>
         </p:xfrm>
         <a:graphic>
           <a:graphicData uri="http://schemas.openxmlformats.org/drawingml/2006/table">

--- a/asset/Learn/ITA-online-install_en.pptx
+++ b/asset/Learn/ITA-online-install_en.pptx
@@ -332,7 +332,7 @@
               <a:rPr kumimoji="1" lang="ja-JP" altLang="en-US" smtClean="0">
                 <a:ea typeface="メイリオ" panose="020B0604030504040204" pitchFamily="50" charset="-128"/>
               </a:rPr>
-              <a:t>2020/2/10</a:t>
+              <a:t>2020/3/25</a:t>
             </a:fld>
             <a:endParaRPr kumimoji="1" lang="ja-JP" altLang="en-US" dirty="0">
               <a:ea typeface="メイリオ" panose="020B0604030504040204" pitchFamily="50" charset="-128"/>
@@ -478,7 +478,7 @@
             <a:fld id="{4B26993D-C081-44EB-B0F5-A9F467792B62}" type="datetimeFigureOut">
               <a:rPr lang="ja-JP" altLang="en-US" smtClean="0"/>
               <a:pPr/>
-              <a:t>2020/2/10</a:t>
+              <a:t>2020/3/25</a:t>
             </a:fld>
             <a:endParaRPr lang="ja-JP" altLang="en-US" dirty="0"/>
           </a:p>
@@ -1101,7 +1101,7 @@
           <a:p>
             <a:fld id="{56F9016B-CCA6-43BE-8BEE-59565A35F4F7}" type="datetimeFigureOut">
               <a:rPr kumimoji="1" lang="ja-JP" altLang="en-US" smtClean="0"/>
-              <a:t>2020/2/10</a:t>
+              <a:t>2020/3/25</a:t>
             </a:fld>
             <a:endParaRPr kumimoji="1" lang="ja-JP" altLang="en-US"/>
           </a:p>
@@ -1303,7 +1303,7 @@
           <a:p>
             <a:fld id="{56F9016B-CCA6-43BE-8BEE-59565A35F4F7}" type="datetimeFigureOut">
               <a:rPr kumimoji="1" lang="ja-JP" altLang="en-US" smtClean="0"/>
-              <a:t>2020/2/10</a:t>
+              <a:t>2020/3/25</a:t>
             </a:fld>
             <a:endParaRPr kumimoji="1" lang="ja-JP" altLang="en-US"/>
           </a:p>
@@ -1549,7 +1549,7 @@
           <a:p>
             <a:fld id="{56F9016B-CCA6-43BE-8BEE-59565A35F4F7}" type="datetimeFigureOut">
               <a:rPr kumimoji="1" lang="ja-JP" altLang="en-US" smtClean="0"/>
-              <a:t>2020/2/10</a:t>
+              <a:t>2020/3/25</a:t>
             </a:fld>
             <a:endParaRPr kumimoji="1" lang="ja-JP" altLang="en-US"/>
           </a:p>
@@ -1845,7 +1845,7 @@
           <a:p>
             <a:fld id="{56F9016B-CCA6-43BE-8BEE-59565A35F4F7}" type="datetimeFigureOut">
               <a:rPr kumimoji="1" lang="ja-JP" altLang="en-US" smtClean="0"/>
-              <a:t>2020/2/10</a:t>
+              <a:t>2020/3/25</a:t>
             </a:fld>
             <a:endParaRPr kumimoji="1" lang="ja-JP" altLang="en-US"/>
           </a:p>
@@ -2276,7 +2276,7 @@
           <a:p>
             <a:fld id="{56F9016B-CCA6-43BE-8BEE-59565A35F4F7}" type="datetimeFigureOut">
               <a:rPr kumimoji="1" lang="ja-JP" altLang="en-US" smtClean="0"/>
-              <a:t>2020/2/10</a:t>
+              <a:t>2020/3/25</a:t>
             </a:fld>
             <a:endParaRPr kumimoji="1" lang="ja-JP" altLang="en-US"/>
           </a:p>
@@ -2394,7 +2394,7 @@
           <a:p>
             <a:fld id="{56F9016B-CCA6-43BE-8BEE-59565A35F4F7}" type="datetimeFigureOut">
               <a:rPr kumimoji="1" lang="ja-JP" altLang="en-US" smtClean="0"/>
-              <a:t>2020/2/10</a:t>
+              <a:t>2020/3/25</a:t>
             </a:fld>
             <a:endParaRPr kumimoji="1" lang="ja-JP" altLang="en-US"/>
           </a:p>
@@ -2489,7 +2489,7 @@
           <a:p>
             <a:fld id="{56F9016B-CCA6-43BE-8BEE-59565A35F4F7}" type="datetimeFigureOut">
               <a:rPr kumimoji="1" lang="ja-JP" altLang="en-US" smtClean="0"/>
-              <a:t>2020/2/10</a:t>
+              <a:t>2020/3/25</a:t>
             </a:fld>
             <a:endParaRPr kumimoji="1" lang="ja-JP" altLang="en-US"/>
           </a:p>
@@ -2798,7 +2798,7 @@
           <a:p>
             <a:fld id="{56F9016B-CCA6-43BE-8BEE-59565A35F4F7}" type="datetimeFigureOut">
               <a:rPr kumimoji="1" lang="ja-JP" altLang="en-US" smtClean="0"/>
-              <a:t>2020/2/10</a:t>
+              <a:t>2020/3/25</a:t>
             </a:fld>
             <a:endParaRPr kumimoji="1" lang="ja-JP" altLang="en-US"/>
           </a:p>
@@ -3051,7 +3051,7 @@
           <a:p>
             <a:fld id="{56F9016B-CCA6-43BE-8BEE-59565A35F4F7}" type="datetimeFigureOut">
               <a:rPr kumimoji="1" lang="ja-JP" altLang="en-US" smtClean="0"/>
-              <a:t>2020/2/10</a:t>
+              <a:t>2020/3/25</a:t>
             </a:fld>
             <a:endParaRPr kumimoji="1" lang="ja-JP" altLang="en-US"/>
           </a:p>
@@ -3328,7 +3328,7 @@
           <a:p>
             <a:fld id="{56F9016B-CCA6-43BE-8BEE-59565A35F4F7}" type="datetimeFigureOut">
               <a:rPr kumimoji="1" lang="ja-JP" altLang="en-US" smtClean="0"/>
-              <a:t>2020/2/10</a:t>
+              <a:t>2020/3/25</a:t>
             </a:fld>
             <a:endParaRPr kumimoji="1" lang="ja-JP" altLang="en-US"/>
           </a:p>
@@ -3540,7 +3540,7 @@
           <a:p>
             <a:fld id="{56F9016B-CCA6-43BE-8BEE-59565A35F4F7}" type="datetimeFigureOut">
               <a:rPr kumimoji="1" lang="ja-JP" altLang="en-US" smtClean="0"/>
-              <a:t>2020/2/10</a:t>
+              <a:t>2020/3/25</a:t>
             </a:fld>
             <a:endParaRPr kumimoji="1" lang="ja-JP" altLang="en-US"/>
           </a:p>
@@ -6599,7 +6599,7 @@
           <a:p>
             <a:fld id="{56F9016B-CCA6-43BE-8BEE-59565A35F4F7}" type="datetimeFigureOut">
               <a:rPr kumimoji="1" lang="ja-JP" altLang="en-US" smtClean="0"/>
-              <a:t>2020/2/10</a:t>
+              <a:t>2020/3/25</a:t>
             </a:fld>
             <a:endParaRPr kumimoji="1" lang="ja-JP" altLang="en-US"/>
           </a:p>
@@ -7045,13 +7045,8 @@
                 <a:ea typeface="Segoe UI" panose="020B0502040204020203" pitchFamily="34" charset="0"/>
                 <a:cs typeface="Segoe UI" panose="020B0502040204020203" pitchFamily="34" charset="0"/>
               </a:rPr>
-              <a:t>1.3</a:t>
-            </a:r>
-            <a:endParaRPr lang="en-US" altLang="ja-JP" dirty="0">
-              <a:latin typeface="Segoe UI" panose="020B0502040204020203" pitchFamily="34" charset="0"/>
-              <a:ea typeface="Segoe UI" panose="020B0502040204020203" pitchFamily="34" charset="0"/>
-              <a:cs typeface="Segoe UI" panose="020B0502040204020203" pitchFamily="34" charset="0"/>
-            </a:endParaRPr>
+              <a:t>1.4</a:t>
+            </a:r>
           </a:p>
           <a:p>
             <a:r>
@@ -15266,7 +15261,7 @@
         </p:nvGraphicFramePr>
         <p:xfrm>
           <a:off x="539440" y="1916790"/>
-          <a:ext cx="8065121" cy="4288378"/>
+          <a:ext cx="8065121" cy="4210858"/>
         </p:xfrm>
         <a:graphic>
           <a:graphicData uri="http://schemas.openxmlformats.org/drawingml/2006/table">
@@ -20906,7 +20901,7 @@
           <p:nvPr>
             <p:extLst>
               <p:ext uri="{D42A27DB-BD31-4B8C-83A1-F6EECF244321}">
-                <p14:modId xmlns:p14="http://schemas.microsoft.com/office/powerpoint/2010/main" val="3526056848"/>
+                <p14:modId xmlns:p14="http://schemas.microsoft.com/office/powerpoint/2010/main" val="4292435487"/>
               </p:ext>
             </p:extLst>
           </p:nvPr>
@@ -22188,22 +22183,22 @@
                         <a:t>, </a:t>
                       </a:r>
                       <a:r>
-                        <a:rPr lang="en-US" sz="1050" kern="100" dirty="0">
-                          <a:effectLst/>
-                          <a:latin typeface="Segoe UI" panose="020B0502040204020203" pitchFamily="34" charset="0"/>
-                          <a:ea typeface="Segoe UI" panose="020B0502040204020203" pitchFamily="34" charset="0"/>
-                          <a:cs typeface="Segoe UI" panose="020B0502040204020203" pitchFamily="34" charset="0"/>
-                        </a:rPr>
-                        <a:t>Auth, </a:t>
-                      </a:r>
-                      <a:r>
                         <a:rPr lang="en-US" sz="1050" kern="100" dirty="0" smtClean="0">
                           <a:effectLst/>
                           <a:latin typeface="Segoe UI" panose="020B0502040204020203" pitchFamily="34" charset="0"/>
                           <a:ea typeface="Segoe UI" panose="020B0502040204020203" pitchFamily="34" charset="0"/>
                           <a:cs typeface="Segoe UI" panose="020B0502040204020203" pitchFamily="34" charset="0"/>
                         </a:rPr>
-                        <a:t>HTML_AJAX-beta, </a:t>
+                        <a:t>HTML_AJAX-beta</a:t>
+                      </a:r>
+                      <a:r>
+                        <a:rPr lang="en-US" sz="1050" kern="100" dirty="0" smtClean="0">
+                          <a:effectLst/>
+                          <a:latin typeface="Segoe UI" panose="020B0502040204020203" pitchFamily="34" charset="0"/>
+                          <a:ea typeface="Segoe UI" panose="020B0502040204020203" pitchFamily="34" charset="0"/>
+                          <a:cs typeface="Segoe UI" panose="020B0502040204020203" pitchFamily="34" charset="0"/>
+                        </a:rPr>
+                        <a:t>, </a:t>
                       </a:r>
                       <a:r>
                         <a:rPr lang="en-US" altLang="ja-JP" sz="1050" kern="100" dirty="0" err="1" smtClean="0">
@@ -25920,7 +25915,7 @@
         <p:spPr/>
         <p:txBody>
           <a:bodyPr>
-            <a:normAutofit/>
+            <a:normAutofit lnSpcReduction="10000"/>
           </a:bodyPr>
           <a:lstStyle/>
           <a:p>
@@ -25951,6 +25946,234 @@
           </a:p>
           <a:p>
             <a:pPr lvl="1"/>
+            <a:endParaRPr kumimoji="1" lang="en-US" altLang="ja-JP" dirty="0" smtClean="0">
+              <a:latin typeface="Segoe UI" panose="020B0502040204020203" pitchFamily="34" charset="0"/>
+              <a:cs typeface="Segoe UI" panose="020B0502040204020203" pitchFamily="34" charset="0"/>
+            </a:endParaRPr>
+          </a:p>
+          <a:p>
+            <a:pPr lvl="1"/>
+            <a:endParaRPr lang="en-US" altLang="ja-JP" dirty="0">
+              <a:latin typeface="Segoe UI" panose="020B0502040204020203" pitchFamily="34" charset="0"/>
+              <a:cs typeface="Segoe UI" panose="020B0502040204020203" pitchFamily="34" charset="0"/>
+            </a:endParaRPr>
+          </a:p>
+          <a:p>
+            <a:pPr lvl="1"/>
+            <a:endParaRPr kumimoji="1" lang="en-US" altLang="ja-JP" dirty="0" smtClean="0">
+              <a:latin typeface="Segoe UI" panose="020B0502040204020203" pitchFamily="34" charset="0"/>
+              <a:cs typeface="Segoe UI" panose="020B0502040204020203" pitchFamily="34" charset="0"/>
+            </a:endParaRPr>
+          </a:p>
+          <a:p>
+            <a:pPr lvl="1"/>
+            <a:endParaRPr lang="en-US" altLang="ja-JP" dirty="0">
+              <a:latin typeface="Segoe UI" panose="020B0502040204020203" pitchFamily="34" charset="0"/>
+              <a:cs typeface="Segoe UI" panose="020B0502040204020203" pitchFamily="34" charset="0"/>
+            </a:endParaRPr>
+          </a:p>
+          <a:p>
+            <a:pPr lvl="1"/>
+            <a:endParaRPr kumimoji="1" lang="en-US" altLang="ja-JP" dirty="0" smtClean="0">
+              <a:latin typeface="Segoe UI" panose="020B0502040204020203" pitchFamily="34" charset="0"/>
+              <a:cs typeface="Segoe UI" panose="020B0502040204020203" pitchFamily="34" charset="0"/>
+            </a:endParaRPr>
+          </a:p>
+          <a:p>
+            <a:pPr lvl="1"/>
+            <a:endParaRPr lang="en-US" altLang="ja-JP" dirty="0">
+              <a:latin typeface="Segoe UI" panose="020B0502040204020203" pitchFamily="34" charset="0"/>
+              <a:cs typeface="Segoe UI" panose="020B0502040204020203" pitchFamily="34" charset="0"/>
+            </a:endParaRPr>
+          </a:p>
+          <a:p>
+            <a:pPr lvl="1"/>
+            <a:endParaRPr kumimoji="1" lang="en-US" altLang="ja-JP" dirty="0" smtClean="0">
+              <a:latin typeface="Segoe UI" panose="020B0502040204020203" pitchFamily="34" charset="0"/>
+              <a:cs typeface="Segoe UI" panose="020B0502040204020203" pitchFamily="34" charset="0"/>
+            </a:endParaRPr>
+          </a:p>
+          <a:p>
+            <a:pPr lvl="1"/>
+            <a:endParaRPr lang="en-US" altLang="ja-JP" dirty="0" smtClean="0">
+              <a:latin typeface="Segoe UI" panose="020B0502040204020203" pitchFamily="34" charset="0"/>
+              <a:cs typeface="Segoe UI" panose="020B0502040204020203" pitchFamily="34" charset="0"/>
+            </a:endParaRPr>
+          </a:p>
+          <a:p>
+            <a:pPr lvl="1"/>
+            <a:endParaRPr lang="en-US" altLang="ja-JP" dirty="0" smtClean="0">
+              <a:latin typeface="Segoe UI" panose="020B0502040204020203" pitchFamily="34" charset="0"/>
+              <a:cs typeface="Segoe UI" panose="020B0502040204020203" pitchFamily="34" charset="0"/>
+            </a:endParaRPr>
+          </a:p>
+          <a:p>
+            <a:pPr lvl="1"/>
+            <a:endParaRPr lang="en-US" altLang="ja-JP" dirty="0">
+              <a:latin typeface="Segoe UI" panose="020B0502040204020203" pitchFamily="34" charset="0"/>
+              <a:cs typeface="Segoe UI" panose="020B0502040204020203" pitchFamily="34" charset="0"/>
+            </a:endParaRPr>
+          </a:p>
+          <a:p>
+            <a:pPr lvl="0"/>
+            <a:r>
+              <a:rPr lang="ja-JP" altLang="en-US" dirty="0" smtClean="0"/>
+              <a:t>（</a:t>
+            </a:r>
+            <a:r>
+              <a:rPr lang="en-US" altLang="ja-JP" dirty="0" smtClean="0"/>
+              <a:t>Reference</a:t>
+            </a:r>
+            <a:r>
+              <a:rPr lang="ja-JP" altLang="en-US" dirty="0" smtClean="0"/>
+              <a:t>）</a:t>
+            </a:r>
+            <a:r>
+              <a:rPr lang="en-US" altLang="ja-JP" dirty="0"/>
+              <a:t>HTTP access</a:t>
+            </a:r>
+          </a:p>
+          <a:p>
+            <a:pPr marL="180000" lvl="1" indent="0">
+              <a:buNone/>
+            </a:pPr>
+            <a:r>
+              <a:rPr lang="en-US" altLang="ja-JP" dirty="0"/>
+              <a:t>To allow HTTP access, perform the following procedure</a:t>
+            </a:r>
+            <a:r>
+              <a:rPr lang="en-US" altLang="ja-JP" dirty="0" smtClean="0"/>
+              <a:t>.</a:t>
+            </a:r>
+            <a:endParaRPr lang="en-US" altLang="ja-JP" dirty="0"/>
+          </a:p>
+          <a:p>
+            <a:pPr lvl="1"/>
+            <a:r>
+              <a:rPr lang="en-US" altLang="ja-JP" dirty="0"/>
+              <a:t>Remove the comment out (#) of </a:t>
+            </a:r>
+            <a:r>
+              <a:rPr lang="en-US" altLang="ja-JP" dirty="0" smtClean="0"/>
+              <a:t>"&lt;</a:t>
+            </a:r>
+            <a:r>
+              <a:rPr lang="en-US" altLang="ja-JP" dirty="0" err="1"/>
+              <a:t>VirtualHost</a:t>
+            </a:r>
+            <a:r>
+              <a:rPr lang="en-US" altLang="ja-JP" dirty="0"/>
+              <a:t> *: 80</a:t>
+            </a:r>
+            <a:r>
+              <a:rPr lang="en-US" altLang="ja-JP" dirty="0" smtClean="0"/>
+              <a:t>&gt;“ to “&lt;/ </a:t>
+            </a:r>
+            <a:r>
+              <a:rPr lang="en-US" altLang="ja-JP" dirty="0" err="1"/>
+              <a:t>VirtualHost</a:t>
+            </a:r>
+            <a:r>
+              <a:rPr lang="en-US" altLang="ja-JP" dirty="0" smtClean="0"/>
+              <a:t>&gt;" </a:t>
+            </a:r>
+            <a:r>
+              <a:rPr lang="en-US" altLang="ja-JP" dirty="0"/>
+              <a:t>in the file "/</a:t>
+            </a:r>
+            <a:r>
+              <a:rPr lang="en-US" altLang="ja-JP" dirty="0" err="1"/>
+              <a:t>etc</a:t>
+            </a:r>
+            <a:r>
+              <a:rPr lang="en-US" altLang="ja-JP" dirty="0"/>
+              <a:t>/</a:t>
+            </a:r>
+            <a:r>
+              <a:rPr lang="en-US" altLang="ja-JP" dirty="0" err="1"/>
+              <a:t>httpd</a:t>
+            </a:r>
+            <a:r>
+              <a:rPr lang="en-US" altLang="ja-JP" dirty="0"/>
+              <a:t>/</a:t>
+            </a:r>
+            <a:r>
+              <a:rPr lang="en-US" altLang="ja-JP" dirty="0" err="1"/>
+              <a:t>conf.d</a:t>
+            </a:r>
+            <a:r>
+              <a:rPr lang="en-US" altLang="ja-JP" dirty="0"/>
+              <a:t>/</a:t>
+            </a:r>
+            <a:r>
+              <a:rPr lang="en-US" altLang="ja-JP" dirty="0" err="1"/>
+              <a:t>vhosts_exastro</a:t>
+            </a:r>
+            <a:r>
+              <a:rPr lang="en-US" altLang="ja-JP" dirty="0"/>
+              <a:t>-it-</a:t>
+            </a:r>
+            <a:r>
+              <a:rPr lang="en-US" altLang="ja-JP" dirty="0" err="1"/>
+              <a:t>automation.conf</a:t>
+            </a:r>
+            <a:r>
+              <a:rPr lang="en-US" altLang="ja-JP" dirty="0" smtClean="0"/>
+              <a:t>".</a:t>
+            </a:r>
+            <a:endParaRPr lang="en-US" altLang="ja-JP" dirty="0"/>
+          </a:p>
+          <a:p>
+            <a:pPr lvl="1"/>
+            <a:r>
+              <a:rPr lang="en-US" altLang="ja-JP" dirty="0"/>
+              <a:t>Restart Apache with the following command</a:t>
+            </a:r>
+            <a:r>
+              <a:rPr lang="en-US" altLang="ja-JP" dirty="0" smtClean="0"/>
+              <a:t>.</a:t>
+            </a:r>
+            <a:r>
+              <a:rPr lang="en-US" altLang="ja-JP" dirty="0"/>
+              <a:t/>
+            </a:r>
+            <a:br>
+              <a:rPr lang="en-US" altLang="ja-JP" dirty="0"/>
+            </a:br>
+            <a:r>
+              <a:rPr lang="en-US" altLang="ja-JP" dirty="0" err="1"/>
+              <a:t>systemctl</a:t>
+            </a:r>
+            <a:r>
+              <a:rPr lang="en-US" altLang="ja-JP" dirty="0"/>
+              <a:t> restart </a:t>
+            </a:r>
+            <a:r>
+              <a:rPr lang="en-US" altLang="ja-JP" dirty="0" err="1"/>
+              <a:t>httpd</a:t>
+            </a:r>
+            <a:endParaRPr lang="en-US" altLang="ja-JP" dirty="0"/>
+          </a:p>
+          <a:p>
+            <a:pPr lvl="1"/>
+            <a:r>
+              <a:rPr lang="en-US" altLang="ja-JP" dirty="0"/>
+              <a:t>Connect with the URL "http: // (IP dress)" and </a:t>
+            </a:r>
+            <a:r>
+              <a:rPr lang="en-US" altLang="ja-JP" dirty="0" smtClean="0"/>
+              <a:t>check </a:t>
+            </a:r>
+            <a:r>
+              <a:rPr lang="en-US" altLang="ja-JP" dirty="0"/>
+              <a:t>that the login screen is displayed.</a:t>
+            </a:r>
+            <a:endParaRPr lang="ja-JP" altLang="ja-JP" dirty="0"/>
+          </a:p>
+          <a:p>
+            <a:pPr marL="180000" lvl="1" indent="0">
+              <a:buNone/>
+            </a:pPr>
             <a:endParaRPr kumimoji="1" lang="ja-JP" altLang="en-US" dirty="0">
               <a:latin typeface="Segoe UI" panose="020B0502040204020203" pitchFamily="34" charset="0"/>
               <a:cs typeface="Segoe UI" panose="020B0502040204020203" pitchFamily="34" charset="0"/>
@@ -25967,13 +26190,13 @@
           <p:nvPr>
             <p:extLst>
               <p:ext uri="{D42A27DB-BD31-4B8C-83A1-F6EECF244321}">
-                <p14:modId xmlns:p14="http://schemas.microsoft.com/office/powerpoint/2010/main" val="2057909291"/>
+                <p14:modId xmlns:p14="http://schemas.microsoft.com/office/powerpoint/2010/main" val="3743028898"/>
               </p:ext>
             </p:extLst>
           </p:nvPr>
         </p:nvGraphicFramePr>
         <p:xfrm>
-          <a:off x="1259540" y="2276840"/>
+          <a:off x="1259053" y="1628750"/>
           <a:ext cx="6624920" cy="2222847"/>
         </p:xfrm>
         <a:graphic>

--- a/asset/Learn/ITA-online-install_en.pptx
+++ b/asset/Learn/ITA-online-install_en.pptx
@@ -332,7 +332,7 @@
               <a:rPr kumimoji="1" lang="ja-JP" altLang="en-US" smtClean="0">
                 <a:ea typeface="メイリオ" panose="020B0604030504040204" pitchFamily="50" charset="-128"/>
               </a:rPr>
-              <a:t>2020/3/25</a:t>
+              <a:t>2020/4/16</a:t>
             </a:fld>
             <a:endParaRPr kumimoji="1" lang="ja-JP" altLang="en-US" dirty="0">
               <a:ea typeface="メイリオ" panose="020B0604030504040204" pitchFamily="50" charset="-128"/>
@@ -478,7 +478,7 @@
             <a:fld id="{4B26993D-C081-44EB-B0F5-A9F467792B62}" type="datetimeFigureOut">
               <a:rPr lang="ja-JP" altLang="en-US" smtClean="0"/>
               <a:pPr/>
-              <a:t>2020/3/25</a:t>
+              <a:t>2020/4/16</a:t>
             </a:fld>
             <a:endParaRPr lang="ja-JP" altLang="en-US" dirty="0"/>
           </a:p>
@@ -1101,7 +1101,7 @@
           <a:p>
             <a:fld id="{56F9016B-CCA6-43BE-8BEE-59565A35F4F7}" type="datetimeFigureOut">
               <a:rPr kumimoji="1" lang="ja-JP" altLang="en-US" smtClean="0"/>
-              <a:t>2020/3/25</a:t>
+              <a:t>2020/4/16</a:t>
             </a:fld>
             <a:endParaRPr kumimoji="1" lang="ja-JP" altLang="en-US"/>
           </a:p>
@@ -1303,7 +1303,7 @@
           <a:p>
             <a:fld id="{56F9016B-CCA6-43BE-8BEE-59565A35F4F7}" type="datetimeFigureOut">
               <a:rPr kumimoji="1" lang="ja-JP" altLang="en-US" smtClean="0"/>
-              <a:t>2020/3/25</a:t>
+              <a:t>2020/4/16</a:t>
             </a:fld>
             <a:endParaRPr kumimoji="1" lang="ja-JP" altLang="en-US"/>
           </a:p>
@@ -1549,7 +1549,7 @@
           <a:p>
             <a:fld id="{56F9016B-CCA6-43BE-8BEE-59565A35F4F7}" type="datetimeFigureOut">
               <a:rPr kumimoji="1" lang="ja-JP" altLang="en-US" smtClean="0"/>
-              <a:t>2020/3/25</a:t>
+              <a:t>2020/4/16</a:t>
             </a:fld>
             <a:endParaRPr kumimoji="1" lang="ja-JP" altLang="en-US"/>
           </a:p>
@@ -1845,7 +1845,7 @@
           <a:p>
             <a:fld id="{56F9016B-CCA6-43BE-8BEE-59565A35F4F7}" type="datetimeFigureOut">
               <a:rPr kumimoji="1" lang="ja-JP" altLang="en-US" smtClean="0"/>
-              <a:t>2020/3/25</a:t>
+              <a:t>2020/4/16</a:t>
             </a:fld>
             <a:endParaRPr kumimoji="1" lang="ja-JP" altLang="en-US"/>
           </a:p>
@@ -2276,7 +2276,7 @@
           <a:p>
             <a:fld id="{56F9016B-CCA6-43BE-8BEE-59565A35F4F7}" type="datetimeFigureOut">
               <a:rPr kumimoji="1" lang="ja-JP" altLang="en-US" smtClean="0"/>
-              <a:t>2020/3/25</a:t>
+              <a:t>2020/4/16</a:t>
             </a:fld>
             <a:endParaRPr kumimoji="1" lang="ja-JP" altLang="en-US"/>
           </a:p>
@@ -2394,7 +2394,7 @@
           <a:p>
             <a:fld id="{56F9016B-CCA6-43BE-8BEE-59565A35F4F7}" type="datetimeFigureOut">
               <a:rPr kumimoji="1" lang="ja-JP" altLang="en-US" smtClean="0"/>
-              <a:t>2020/3/25</a:t>
+              <a:t>2020/4/16</a:t>
             </a:fld>
             <a:endParaRPr kumimoji="1" lang="ja-JP" altLang="en-US"/>
           </a:p>
@@ -2489,7 +2489,7 @@
           <a:p>
             <a:fld id="{56F9016B-CCA6-43BE-8BEE-59565A35F4F7}" type="datetimeFigureOut">
               <a:rPr kumimoji="1" lang="ja-JP" altLang="en-US" smtClean="0"/>
-              <a:t>2020/3/25</a:t>
+              <a:t>2020/4/16</a:t>
             </a:fld>
             <a:endParaRPr kumimoji="1" lang="ja-JP" altLang="en-US"/>
           </a:p>
@@ -2798,7 +2798,7 @@
           <a:p>
             <a:fld id="{56F9016B-CCA6-43BE-8BEE-59565A35F4F7}" type="datetimeFigureOut">
               <a:rPr kumimoji="1" lang="ja-JP" altLang="en-US" smtClean="0"/>
-              <a:t>2020/3/25</a:t>
+              <a:t>2020/4/16</a:t>
             </a:fld>
             <a:endParaRPr kumimoji="1" lang="ja-JP" altLang="en-US"/>
           </a:p>
@@ -3051,7 +3051,7 @@
           <a:p>
             <a:fld id="{56F9016B-CCA6-43BE-8BEE-59565A35F4F7}" type="datetimeFigureOut">
               <a:rPr kumimoji="1" lang="ja-JP" altLang="en-US" smtClean="0"/>
-              <a:t>2020/3/25</a:t>
+              <a:t>2020/4/16</a:t>
             </a:fld>
             <a:endParaRPr kumimoji="1" lang="ja-JP" altLang="en-US"/>
           </a:p>
@@ -3328,7 +3328,7 @@
           <a:p>
             <a:fld id="{56F9016B-CCA6-43BE-8BEE-59565A35F4F7}" type="datetimeFigureOut">
               <a:rPr kumimoji="1" lang="ja-JP" altLang="en-US" smtClean="0"/>
-              <a:t>2020/3/25</a:t>
+              <a:t>2020/4/16</a:t>
             </a:fld>
             <a:endParaRPr kumimoji="1" lang="ja-JP" altLang="en-US"/>
           </a:p>
@@ -3540,7 +3540,7 @@
           <a:p>
             <a:fld id="{56F9016B-CCA6-43BE-8BEE-59565A35F4F7}" type="datetimeFigureOut">
               <a:rPr kumimoji="1" lang="ja-JP" altLang="en-US" smtClean="0"/>
-              <a:t>2020/3/25</a:t>
+              <a:t>2020/4/16</a:t>
             </a:fld>
             <a:endParaRPr kumimoji="1" lang="ja-JP" altLang="en-US"/>
           </a:p>
@@ -6599,7 +6599,7 @@
           <a:p>
             <a:fld id="{56F9016B-CCA6-43BE-8BEE-59565A35F4F7}" type="datetimeFigureOut">
               <a:rPr kumimoji="1" lang="ja-JP" altLang="en-US" smtClean="0"/>
-              <a:t>2020/3/25</a:t>
+              <a:t>2020/4/16</a:t>
             </a:fld>
             <a:endParaRPr kumimoji="1" lang="ja-JP" altLang="en-US"/>
           </a:p>
@@ -15261,7 +15261,7 @@
         </p:nvGraphicFramePr>
         <p:xfrm>
           <a:off x="539440" y="1916790"/>
-          <a:ext cx="8065121" cy="4210858"/>
+          <a:ext cx="8065121" cy="4288378"/>
         </p:xfrm>
         <a:graphic>
           <a:graphicData uri="http://schemas.openxmlformats.org/drawingml/2006/table">
@@ -22180,25 +22180,7 @@
                           <a:ea typeface="Segoe UI" panose="020B0502040204020203" pitchFamily="34" charset="0"/>
                           <a:cs typeface="Segoe UI" panose="020B0502040204020203" pitchFamily="34" charset="0"/>
                         </a:rPr>
-                        <a:t>, </a:t>
-                      </a:r>
-                      <a:r>
-                        <a:rPr lang="en-US" sz="1050" kern="100" dirty="0" smtClean="0">
-                          <a:effectLst/>
-                          <a:latin typeface="Segoe UI" panose="020B0502040204020203" pitchFamily="34" charset="0"/>
-                          <a:ea typeface="Segoe UI" panose="020B0502040204020203" pitchFamily="34" charset="0"/>
-                          <a:cs typeface="Segoe UI" panose="020B0502040204020203" pitchFamily="34" charset="0"/>
-                        </a:rPr>
-                        <a:t>HTML_AJAX-beta</a:t>
-                      </a:r>
-                      <a:r>
-                        <a:rPr lang="en-US" sz="1050" kern="100" dirty="0" smtClean="0">
-                          <a:effectLst/>
-                          <a:latin typeface="Segoe UI" panose="020B0502040204020203" pitchFamily="34" charset="0"/>
-                          <a:ea typeface="Segoe UI" panose="020B0502040204020203" pitchFamily="34" charset="0"/>
-                          <a:cs typeface="Segoe UI" panose="020B0502040204020203" pitchFamily="34" charset="0"/>
-                        </a:rPr>
-                        <a:t>, </a:t>
+                        <a:t>, HTML_AJAX-beta, </a:t>
                       </a:r>
                       <a:r>
                         <a:rPr lang="en-US" altLang="ja-JP" sz="1050" kern="100" dirty="0" err="1" smtClean="0">
@@ -23515,9 +23497,84 @@
                 <a:ea typeface="Segoe UI" panose="020B0502040204020203" pitchFamily="34" charset="0"/>
                 <a:cs typeface="Segoe UI" panose="020B0502040204020203" pitchFamily="34" charset="0"/>
               </a:rPr>
-              <a:t>Specify the IP address and host name of the IT Automation server in the hosts file of the Windows client.</a:t>
-            </a:r>
-            <a:endParaRPr lang="en-US" altLang="ja-JP" dirty="0">
+              <a:t>Specify the IP address and host name of the IT Automation server in the hosts file of the Windows client</a:t>
+            </a:r>
+            <a:r>
+              <a:rPr lang="en-US" altLang="ja-JP" dirty="0" smtClean="0">
+                <a:latin typeface="Segoe UI" panose="020B0502040204020203" pitchFamily="34" charset="0"/>
+                <a:ea typeface="Segoe UI" panose="020B0502040204020203" pitchFamily="34" charset="0"/>
+                <a:cs typeface="Segoe UI" panose="020B0502040204020203" pitchFamily="34" charset="0"/>
+              </a:rPr>
+              <a:t>.</a:t>
+            </a:r>
+            <a:br>
+              <a:rPr lang="en-US" altLang="ja-JP" dirty="0" smtClean="0">
+                <a:latin typeface="Segoe UI" panose="020B0502040204020203" pitchFamily="34" charset="0"/>
+                <a:ea typeface="Segoe UI" panose="020B0502040204020203" pitchFamily="34" charset="0"/>
+                <a:cs typeface="Segoe UI" panose="020B0502040204020203" pitchFamily="34" charset="0"/>
+              </a:rPr>
+            </a:br>
+            <a:r>
+              <a:rPr lang="en-US" altLang="ja-JP" b="1" dirty="0" smtClean="0">
+                <a:solidFill>
+                  <a:srgbClr val="FF0000"/>
+                </a:solidFill>
+                <a:latin typeface="Segoe UI" panose="020B0502040204020203" pitchFamily="34" charset="0"/>
+                <a:ea typeface="Segoe UI" panose="020B0502040204020203" pitchFamily="34" charset="0"/>
+                <a:cs typeface="Segoe UI" panose="020B0502040204020203" pitchFamily="34" charset="0"/>
+              </a:rPr>
+              <a:t>※</a:t>
+            </a:r>
+            <a:r>
+              <a:rPr lang="en-US" altLang="ja-JP" b="1" dirty="0" smtClean="0">
+                <a:solidFill>
+                  <a:srgbClr val="FF0000"/>
+                </a:solidFill>
+              </a:rPr>
+              <a:t>This </a:t>
+            </a:r>
+            <a:r>
+              <a:rPr lang="en-US" altLang="ja-JP" b="1" dirty="0">
+                <a:solidFill>
+                  <a:srgbClr val="FF0000"/>
+                </a:solidFill>
+              </a:rPr>
+              <a:t>procedure is not required if users enable http access and make access via IP address possible, or register host name in DNS server.</a:t>
+            </a:r>
+            <a:br>
+              <a:rPr lang="en-US" altLang="ja-JP" b="1" dirty="0">
+                <a:solidFill>
+                  <a:srgbClr val="FF0000"/>
+                </a:solidFill>
+              </a:rPr>
+            </a:br>
+            <a:r>
+              <a:rPr lang="en-US" altLang="ja-JP" b="1" dirty="0">
+                <a:solidFill>
+                  <a:srgbClr val="FF0000"/>
+                </a:solidFill>
+              </a:rPr>
+              <a:t>Please refer to chapter 4.5 for the instruction of enabling http access</a:t>
+            </a:r>
+            <a:r>
+              <a:rPr lang="en-US" altLang="ja-JP" b="1" dirty="0" smtClean="0">
+                <a:solidFill>
+                  <a:srgbClr val="FF0000"/>
+                </a:solidFill>
+              </a:rPr>
+              <a:t>.</a:t>
+            </a:r>
+            <a:br>
+              <a:rPr lang="en-US" altLang="ja-JP" b="1" dirty="0" smtClean="0">
+                <a:solidFill>
+                  <a:srgbClr val="FF0000"/>
+                </a:solidFill>
+              </a:rPr>
+            </a:br>
+            <a:endParaRPr lang="en-US" altLang="ja-JP" b="1" dirty="0">
+              <a:solidFill>
+                <a:srgbClr val="FF0000"/>
+              </a:solidFill>
               <a:latin typeface="Segoe UI" panose="020B0502040204020203" pitchFamily="34" charset="0"/>
               <a:ea typeface="Segoe UI" panose="020B0502040204020203" pitchFamily="34" charset="0"/>
               <a:cs typeface="Segoe UI" panose="020B0502040204020203" pitchFamily="34" charset="0"/>
@@ -23576,16 +23633,20 @@
       </p:sp>
       <p:graphicFrame>
         <p:nvGraphicFramePr>
-          <p:cNvPr id="4" name="表 3"/>
+          <p:cNvPr id="6" name="表 5"/>
           <p:cNvGraphicFramePr>
             <a:graphicFrameLocks noGrp="1"/>
           </p:cNvGraphicFramePr>
           <p:nvPr>
-            <p:extLst/>
+            <p:extLst>
+              <p:ext uri="{D42A27DB-BD31-4B8C-83A1-F6EECF244321}">
+                <p14:modId xmlns:p14="http://schemas.microsoft.com/office/powerpoint/2010/main" val="163279118"/>
+              </p:ext>
+            </p:extLst>
           </p:nvPr>
         </p:nvGraphicFramePr>
         <p:xfrm>
-          <a:off x="1829118" y="3645030"/>
+          <a:off x="1829118" y="4509150"/>
           <a:ext cx="5485765" cy="316230"/>
         </p:xfrm>
         <a:graphic>
@@ -23615,19 +23676,16 @@
                         </a:spcAft>
                       </a:pPr>
                       <a:r>
-                        <a:rPr lang="en-US" sz="1050" kern="100" dirty="0" smtClean="0">
-                          <a:effectLst/>
-                          <a:latin typeface="Segoe UI" panose="020B0502040204020203" pitchFamily="34" charset="0"/>
-                          <a:ea typeface="Segoe UI" panose="020B0502040204020203" pitchFamily="34" charset="0"/>
-                          <a:cs typeface="Segoe UI" panose="020B0502040204020203" pitchFamily="34" charset="0"/>
+                        <a:rPr lang="en-US" sz="1050" kern="100" dirty="0">
+                          <a:effectLst/>
                         </a:rPr>
                         <a:t>C:\Windows\System32\drivers\etc\hosts</a:t>
                       </a:r>
                       <a:endParaRPr lang="ja-JP" sz="1050" kern="100" dirty="0">
                         <a:effectLst/>
-                        <a:latin typeface="Segoe UI" panose="020B0502040204020203" pitchFamily="34" charset="0"/>
+                        <a:latin typeface="Century" panose="02040604050505020304" pitchFamily="18" charset="0"/>
                         <a:ea typeface="ＭＳ 明朝" panose="02020609040205080304" pitchFamily="17" charset="-128"/>
-                        <a:cs typeface="Segoe UI" panose="020B0502040204020203" pitchFamily="34" charset="0"/>
+                        <a:cs typeface="Times New Roman" panose="02020603050405020304" pitchFamily="18" charset="0"/>
                       </a:endParaRPr>
                     </a:p>
                   </a:txBody>
@@ -23649,20 +23707,20 @@
       </p:graphicFrame>
       <p:graphicFrame>
         <p:nvGraphicFramePr>
-          <p:cNvPr id="5" name="表 4"/>
+          <p:cNvPr id="7" name="表 6"/>
           <p:cNvGraphicFramePr>
             <a:graphicFrameLocks noGrp="1"/>
           </p:cNvGraphicFramePr>
           <p:nvPr>
             <p:extLst>
               <p:ext uri="{D42A27DB-BD31-4B8C-83A1-F6EECF244321}">
-                <p14:modId xmlns:p14="http://schemas.microsoft.com/office/powerpoint/2010/main" val="1331708526"/>
+                <p14:modId xmlns:p14="http://schemas.microsoft.com/office/powerpoint/2010/main" val="4231887630"/>
               </p:ext>
             </p:extLst>
           </p:nvPr>
         </p:nvGraphicFramePr>
         <p:xfrm>
-          <a:off x="1828630" y="4605166"/>
+          <a:off x="1828630" y="5469286"/>
           <a:ext cx="5485765" cy="936130"/>
         </p:xfrm>
         <a:graphic>
@@ -23694,130 +23752,137 @@
                       <a:r>
                         <a:rPr lang="en-US" sz="1050" kern="100" dirty="0" smtClean="0">
                           <a:effectLst/>
-                          <a:latin typeface="Segoe UI" panose="020B0502040204020203" pitchFamily="34" charset="0"/>
-                          <a:ea typeface="Segoe UI" panose="020B0502040204020203" pitchFamily="34" charset="0"/>
-                          <a:cs typeface="Segoe UI" panose="020B0502040204020203" pitchFamily="34" charset="0"/>
-                        </a:rPr>
-                        <a:t>"</a:t>
-                      </a:r>
-                      <a:r>
-                        <a:rPr lang="en-US" altLang="ja-JP" sz="1050" dirty="0" smtClean="0">
-                          <a:latin typeface="Segoe UI" panose="020B0502040204020203" pitchFamily="34" charset="0"/>
-                          <a:ea typeface="Segoe UI" panose="020B0502040204020203" pitchFamily="34" charset="0"/>
-                          <a:cs typeface="Segoe UI" panose="020B0502040204020203" pitchFamily="34" charset="0"/>
-                        </a:rPr>
-                        <a:t>IP address of the IT Automation server</a:t>
-                      </a:r>
-                      <a:r>
-                        <a:rPr lang="en-US" sz="1050" kern="100" dirty="0" smtClean="0">
-                          <a:effectLst/>
-                          <a:latin typeface="Segoe UI" panose="020B0502040204020203" pitchFamily="34" charset="0"/>
-                          <a:ea typeface="Segoe UI" panose="020B0502040204020203" pitchFamily="34" charset="0"/>
-                          <a:cs typeface="Segoe UI" panose="020B0502040204020203" pitchFamily="34" charset="0"/>
-                        </a:rPr>
-                        <a:t>"</a:t>
-                      </a:r>
-                      <a:r>
-                        <a:rPr lang="en-US" altLang="ja-JP" sz="1050" kern="100" dirty="0" smtClean="0">
-                          <a:effectLst/>
-                          <a:latin typeface="Segoe UI" panose="020B0502040204020203" pitchFamily="34" charset="0"/>
-                          <a:ea typeface="Segoe UI" panose="020B0502040204020203" pitchFamily="34" charset="0"/>
-                          <a:cs typeface="Segoe UI" panose="020B0502040204020203" pitchFamily="34" charset="0"/>
-                        </a:rPr>
-                        <a:t>    </a:t>
+                        </a:rPr>
+                        <a:t>“ITA</a:t>
+                      </a:r>
+                      <a:r>
+                        <a:rPr lang="ja-JP" sz="1050" kern="100" dirty="0" smtClean="0">
+                          <a:effectLst/>
+                        </a:rPr>
+                        <a:t>実装</a:t>
+                      </a:r>
+                      <a:r>
+                        <a:rPr lang="ja-JP" sz="1050" kern="100" dirty="0">
+                          <a:effectLst/>
+                        </a:rPr>
+                        <a:t>サーバの</a:t>
+                      </a:r>
+                      <a:r>
+                        <a:rPr lang="en-US" sz="1050" kern="100" dirty="0">
+                          <a:effectLst/>
+                        </a:rPr>
+                        <a:t>IP</a:t>
+                      </a:r>
+                      <a:r>
+                        <a:rPr lang="ja-JP" sz="1050" kern="100" dirty="0">
+                          <a:effectLst/>
+                        </a:rPr>
+                        <a:t>アドレス</a:t>
+                      </a:r>
+                      <a:r>
+                        <a:rPr lang="en-US" sz="1050" kern="100" dirty="0">
+                          <a:effectLst/>
+                        </a:rPr>
+                        <a:t>”</a:t>
+                      </a:r>
+                      <a:r>
+                        <a:rPr lang="ja-JP" sz="1050" kern="100" dirty="0">
+                          <a:effectLst/>
+                        </a:rPr>
+                        <a:t>　</a:t>
+                      </a:r>
+                      <a:r>
+                        <a:rPr lang="ja-JP" sz="1050" kern="0" dirty="0">
+                          <a:effectLst/>
+                        </a:rPr>
+                        <a:t> </a:t>
                       </a:r>
                       <a:r>
                         <a:rPr lang="en-US" altLang="ja-JP" sz="1050" kern="0" dirty="0" smtClean="0">
                           <a:effectLst/>
-                          <a:latin typeface="Segoe UI" panose="020B0502040204020203" pitchFamily="34" charset="0"/>
-                          <a:ea typeface="Segoe UI" panose="020B0502040204020203" pitchFamily="34" charset="0"/>
-                          <a:cs typeface="Segoe UI" panose="020B0502040204020203" pitchFamily="34" charset="0"/>
                         </a:rPr>
                         <a:t>exastro</a:t>
                       </a:r>
                       <a:r>
                         <a:rPr lang="en-US" sz="1050" kern="0" dirty="0" smtClean="0">
                           <a:effectLst/>
-                          <a:latin typeface="Segoe UI" panose="020B0502040204020203" pitchFamily="34" charset="0"/>
-                          <a:ea typeface="Segoe UI" panose="020B0502040204020203" pitchFamily="34" charset="0"/>
-                          <a:cs typeface="Segoe UI" panose="020B0502040204020203" pitchFamily="34" charset="0"/>
                         </a:rPr>
                         <a:t>-it-automation</a:t>
                       </a:r>
                       <a:r>
                         <a:rPr lang="en-US" sz="1050" kern="0" dirty="0">
                           <a:effectLst/>
-                          <a:latin typeface="Segoe UI" panose="020B0502040204020203" pitchFamily="34" charset="0"/>
-                          <a:ea typeface="Segoe UI" panose="020B0502040204020203" pitchFamily="34" charset="0"/>
-                          <a:cs typeface="Segoe UI" panose="020B0502040204020203" pitchFamily="34" charset="0"/>
                         </a:rPr>
                         <a:t/>
                       </a:r>
                       <a:br>
                         <a:rPr lang="en-US" sz="1050" kern="0" dirty="0">
                           <a:effectLst/>
-                          <a:latin typeface="Segoe UI" panose="020B0502040204020203" pitchFamily="34" charset="0"/>
-                          <a:ea typeface="Segoe UI" panose="020B0502040204020203" pitchFamily="34" charset="0"/>
-                          <a:cs typeface="Segoe UI" panose="020B0502040204020203" pitchFamily="34" charset="0"/>
                         </a:rPr>
                       </a:br>
                       <a:r>
                         <a:rPr lang="en-US" sz="1050" kern="0" dirty="0" smtClean="0">
                           <a:effectLst/>
-                          <a:latin typeface="Segoe UI" panose="020B0502040204020203" pitchFamily="34" charset="0"/>
-                          <a:ea typeface="Segoe UI" panose="020B0502040204020203" pitchFamily="34" charset="0"/>
-                          <a:cs typeface="Segoe UI" panose="020B0502040204020203" pitchFamily="34" charset="0"/>
                         </a:rPr>
                         <a:t/>
                       </a:r>
                       <a:br>
                         <a:rPr lang="en-US" sz="1050" kern="0" dirty="0" smtClean="0">
                           <a:effectLst/>
-                          <a:latin typeface="Segoe UI" panose="020B0502040204020203" pitchFamily="34" charset="0"/>
-                          <a:ea typeface="Segoe UI" panose="020B0502040204020203" pitchFamily="34" charset="0"/>
-                          <a:cs typeface="Segoe UI" panose="020B0502040204020203" pitchFamily="34" charset="0"/>
                         </a:rPr>
                       </a:br>
                       <a:r>
-                        <a:rPr lang="en-US" altLang="ja-JP" sz="1050" kern="0" dirty="0" smtClean="0">
-                          <a:effectLst/>
-                          <a:latin typeface="Segoe UI" panose="020B0502040204020203" pitchFamily="34" charset="0"/>
-                          <a:ea typeface="Segoe UI" panose="020B0502040204020203" pitchFamily="34" charset="0"/>
-                          <a:cs typeface="Segoe UI" panose="020B0502040204020203" pitchFamily="34" charset="0"/>
-                        </a:rPr>
-                        <a:t>e.g.,</a:t>
+                        <a:rPr lang="ja-JP" sz="1050" kern="0" dirty="0" smtClean="0">
+                          <a:effectLst/>
+                        </a:rPr>
+                        <a:t>例</a:t>
+                      </a:r>
+                      <a:r>
+                        <a:rPr lang="ja-JP" altLang="en-US" sz="1050" kern="0" dirty="0" smtClean="0">
+                          <a:effectLst/>
+                        </a:rPr>
+                        <a:t>）</a:t>
                       </a:r>
                       <a:r>
                         <a:rPr lang="en-US" sz="1050" kern="0" dirty="0" smtClean="0">
                           <a:effectLst/>
-                          <a:latin typeface="Segoe UI" panose="020B0502040204020203" pitchFamily="34" charset="0"/>
-                          <a:ea typeface="Segoe UI" panose="020B0502040204020203" pitchFamily="34" charset="0"/>
-                          <a:cs typeface="Segoe UI" panose="020B0502040204020203" pitchFamily="34" charset="0"/>
                         </a:rPr>
                         <a:t/>
                       </a:r>
                       <a:br>
                         <a:rPr lang="en-US" sz="1050" kern="0" dirty="0" smtClean="0">
                           <a:effectLst/>
-                          <a:latin typeface="Segoe UI" panose="020B0502040204020203" pitchFamily="34" charset="0"/>
-                          <a:ea typeface="Segoe UI" panose="020B0502040204020203" pitchFamily="34" charset="0"/>
-                          <a:cs typeface="Segoe UI" panose="020B0502040204020203" pitchFamily="34" charset="0"/>
                         </a:rPr>
                       </a:br>
                       <a:r>
                         <a:rPr lang="en-US" sz="1050" kern="0" dirty="0" smtClean="0">
                           <a:effectLst/>
-                          <a:latin typeface="Segoe UI" panose="020B0502040204020203" pitchFamily="34" charset="0"/>
-                          <a:ea typeface="Segoe UI" panose="020B0502040204020203" pitchFamily="34" charset="0"/>
-                          <a:cs typeface="Segoe UI" panose="020B0502040204020203" pitchFamily="34" charset="0"/>
-                        </a:rPr>
-                        <a:t>192.168.0.3    exastro-it-automation</a:t>
+                        </a:rPr>
+                        <a:t>192.168.0.3 </a:t>
+                      </a:r>
+                      <a:r>
+                        <a:rPr lang="ja-JP" sz="1050" kern="0" dirty="0">
+                          <a:effectLst/>
+                        </a:rPr>
+                        <a:t>　</a:t>
+                      </a:r>
+                      <a:r>
+                        <a:rPr lang="en-US" altLang="ja-JP" sz="1050" kern="0" dirty="0" smtClean="0">
+                          <a:effectLst/>
+                        </a:rPr>
+                        <a:t>e</a:t>
+                      </a:r>
+                      <a:r>
+                        <a:rPr lang="en-US" sz="1050" kern="0" dirty="0" smtClean="0">
+                          <a:effectLst/>
+                        </a:rPr>
+                        <a:t>xastro-it-automation</a:t>
                       </a:r>
                       <a:endParaRPr lang="ja-JP" sz="1050" kern="100" dirty="0">
                         <a:effectLst/>
-                        <a:latin typeface="Segoe UI" panose="020B0502040204020203" pitchFamily="34" charset="0"/>
+                        <a:latin typeface="Century" panose="02040604050505020304" pitchFamily="18" charset="0"/>
                         <a:ea typeface="ＭＳ 明朝" panose="02020609040205080304" pitchFamily="17" charset="-128"/>
-                        <a:cs typeface="Segoe UI" panose="020B0502040204020203" pitchFamily="34" charset="0"/>
+                        <a:cs typeface="Times New Roman" panose="02020603050405020304" pitchFamily="18" charset="0"/>
                       </a:endParaRPr>
                     </a:p>
                   </a:txBody>
@@ -27265,7 +27330,7 @@
         </p:nvGraphicFramePr>
         <p:xfrm>
           <a:off x="106893" y="1578243"/>
-          <a:ext cx="8929240" cy="4850561"/>
+          <a:ext cx="8929240" cy="4874945"/>
         </p:xfrm>
         <a:graphic>
           <a:graphicData uri="http://schemas.openxmlformats.org/drawingml/2006/table">

--- a/asset/Learn/ITA-online-install_en.pptx
+++ b/asset/Learn/ITA-online-install_en.pptx
@@ -6,10 +6,10 @@
     <p:sldMasterId id="2147483703" r:id="rId2"/>
   </p:sldMasterIdLst>
   <p:notesMasterIdLst>
-    <p:notesMasterId r:id="rId29"/>
+    <p:notesMasterId r:id="rId31"/>
   </p:notesMasterIdLst>
   <p:handoutMasterIdLst>
-    <p:handoutMasterId r:id="rId30"/>
+    <p:handoutMasterId r:id="rId32"/>
   </p:handoutMasterIdLst>
   <p:sldIdLst>
     <p:sldId id="262" r:id="rId3"/>
@@ -32,12 +32,14 @@
     <p:sldId id="523" r:id="rId20"/>
     <p:sldId id="524" r:id="rId21"/>
     <p:sldId id="525" r:id="rId22"/>
-    <p:sldId id="526" r:id="rId23"/>
-    <p:sldId id="527" r:id="rId24"/>
-    <p:sldId id="528" r:id="rId25"/>
-    <p:sldId id="529" r:id="rId26"/>
-    <p:sldId id="530" r:id="rId27"/>
-    <p:sldId id="318" r:id="rId28"/>
+    <p:sldId id="531" r:id="rId23"/>
+    <p:sldId id="529" r:id="rId24"/>
+    <p:sldId id="530" r:id="rId25"/>
+    <p:sldId id="526" r:id="rId26"/>
+    <p:sldId id="527" r:id="rId27"/>
+    <p:sldId id="541" r:id="rId28"/>
+    <p:sldId id="539" r:id="rId29"/>
+    <p:sldId id="318" r:id="rId30"/>
   </p:sldIdLst>
   <p:sldSz cx="9144000" cy="6858000" type="screen4x3"/>
   <p:notesSz cx="6807200" cy="9939338"/>
@@ -178,11 +180,13 @@
         <p14:section name="4.　IT Automation Operation Check" id="{62A1108B-C753-499B-B948-BB9967F79B7C}">
           <p14:sldIdLst>
             <p14:sldId id="525"/>
+            <p14:sldId id="531"/>
+            <p14:sldId id="529"/>
+            <p14:sldId id="530"/>
             <p14:sldId id="526"/>
             <p14:sldId id="527"/>
-            <p14:sldId id="528"/>
-            <p14:sldId id="529"/>
-            <p14:sldId id="530"/>
+            <p14:sldId id="541"/>
+            <p14:sldId id="539"/>
             <p14:sldId id="318"/>
           </p14:sldIdLst>
         </p14:section>
@@ -332,7 +336,7 @@
               <a:rPr kumimoji="1" lang="ja-JP" altLang="en-US" smtClean="0">
                 <a:ea typeface="メイリオ" panose="020B0604030504040204" pitchFamily="50" charset="-128"/>
               </a:rPr>
-              <a:t>2020/4/16</a:t>
+              <a:t>2020/4/27</a:t>
             </a:fld>
             <a:endParaRPr kumimoji="1" lang="ja-JP" altLang="en-US" dirty="0">
               <a:ea typeface="メイリオ" panose="020B0604030504040204" pitchFamily="50" charset="-128"/>
@@ -478,7 +482,7 @@
             <a:fld id="{4B26993D-C081-44EB-B0F5-A9F467792B62}" type="datetimeFigureOut">
               <a:rPr lang="ja-JP" altLang="en-US" smtClean="0"/>
               <a:pPr/>
-              <a:t>2020/4/16</a:t>
+              <a:t>2020/4/27</a:t>
             </a:fld>
             <a:endParaRPr lang="ja-JP" altLang="en-US" dirty="0"/>
           </a:p>
@@ -1101,7 +1105,7 @@
           <a:p>
             <a:fld id="{56F9016B-CCA6-43BE-8BEE-59565A35F4F7}" type="datetimeFigureOut">
               <a:rPr kumimoji="1" lang="ja-JP" altLang="en-US" smtClean="0"/>
-              <a:t>2020/4/16</a:t>
+              <a:t>2020/4/27</a:t>
             </a:fld>
             <a:endParaRPr kumimoji="1" lang="ja-JP" altLang="en-US"/>
           </a:p>
@@ -1303,7 +1307,7 @@
           <a:p>
             <a:fld id="{56F9016B-CCA6-43BE-8BEE-59565A35F4F7}" type="datetimeFigureOut">
               <a:rPr kumimoji="1" lang="ja-JP" altLang="en-US" smtClean="0"/>
-              <a:t>2020/4/16</a:t>
+              <a:t>2020/4/27</a:t>
             </a:fld>
             <a:endParaRPr kumimoji="1" lang="ja-JP" altLang="en-US"/>
           </a:p>
@@ -1549,7 +1553,7 @@
           <a:p>
             <a:fld id="{56F9016B-CCA6-43BE-8BEE-59565A35F4F7}" type="datetimeFigureOut">
               <a:rPr kumimoji="1" lang="ja-JP" altLang="en-US" smtClean="0"/>
-              <a:t>2020/4/16</a:t>
+              <a:t>2020/4/27</a:t>
             </a:fld>
             <a:endParaRPr kumimoji="1" lang="ja-JP" altLang="en-US"/>
           </a:p>
@@ -1845,7 +1849,7 @@
           <a:p>
             <a:fld id="{56F9016B-CCA6-43BE-8BEE-59565A35F4F7}" type="datetimeFigureOut">
               <a:rPr kumimoji="1" lang="ja-JP" altLang="en-US" smtClean="0"/>
-              <a:t>2020/4/16</a:t>
+              <a:t>2020/4/27</a:t>
             </a:fld>
             <a:endParaRPr kumimoji="1" lang="ja-JP" altLang="en-US"/>
           </a:p>
@@ -2276,7 +2280,7 @@
           <a:p>
             <a:fld id="{56F9016B-CCA6-43BE-8BEE-59565A35F4F7}" type="datetimeFigureOut">
               <a:rPr kumimoji="1" lang="ja-JP" altLang="en-US" smtClean="0"/>
-              <a:t>2020/4/16</a:t>
+              <a:t>2020/4/27</a:t>
             </a:fld>
             <a:endParaRPr kumimoji="1" lang="ja-JP" altLang="en-US"/>
           </a:p>
@@ -2394,7 +2398,7 @@
           <a:p>
             <a:fld id="{56F9016B-CCA6-43BE-8BEE-59565A35F4F7}" type="datetimeFigureOut">
               <a:rPr kumimoji="1" lang="ja-JP" altLang="en-US" smtClean="0"/>
-              <a:t>2020/4/16</a:t>
+              <a:t>2020/4/27</a:t>
             </a:fld>
             <a:endParaRPr kumimoji="1" lang="ja-JP" altLang="en-US"/>
           </a:p>
@@ -2489,7 +2493,7 @@
           <a:p>
             <a:fld id="{56F9016B-CCA6-43BE-8BEE-59565A35F4F7}" type="datetimeFigureOut">
               <a:rPr kumimoji="1" lang="ja-JP" altLang="en-US" smtClean="0"/>
-              <a:t>2020/4/16</a:t>
+              <a:t>2020/4/27</a:t>
             </a:fld>
             <a:endParaRPr kumimoji="1" lang="ja-JP" altLang="en-US"/>
           </a:p>
@@ -2798,7 +2802,7 @@
           <a:p>
             <a:fld id="{56F9016B-CCA6-43BE-8BEE-59565A35F4F7}" type="datetimeFigureOut">
               <a:rPr kumimoji="1" lang="ja-JP" altLang="en-US" smtClean="0"/>
-              <a:t>2020/4/16</a:t>
+              <a:t>2020/4/27</a:t>
             </a:fld>
             <a:endParaRPr kumimoji="1" lang="ja-JP" altLang="en-US"/>
           </a:p>
@@ -3051,7 +3055,7 @@
           <a:p>
             <a:fld id="{56F9016B-CCA6-43BE-8BEE-59565A35F4F7}" type="datetimeFigureOut">
               <a:rPr kumimoji="1" lang="ja-JP" altLang="en-US" smtClean="0"/>
-              <a:t>2020/4/16</a:t>
+              <a:t>2020/4/27</a:t>
             </a:fld>
             <a:endParaRPr kumimoji="1" lang="ja-JP" altLang="en-US"/>
           </a:p>
@@ -3328,7 +3332,7 @@
           <a:p>
             <a:fld id="{56F9016B-CCA6-43BE-8BEE-59565A35F4F7}" type="datetimeFigureOut">
               <a:rPr kumimoji="1" lang="ja-JP" altLang="en-US" smtClean="0"/>
-              <a:t>2020/4/16</a:t>
+              <a:t>2020/4/27</a:t>
             </a:fld>
             <a:endParaRPr kumimoji="1" lang="ja-JP" altLang="en-US"/>
           </a:p>
@@ -3540,7 +3544,7 @@
           <a:p>
             <a:fld id="{56F9016B-CCA6-43BE-8BEE-59565A35F4F7}" type="datetimeFigureOut">
               <a:rPr kumimoji="1" lang="ja-JP" altLang="en-US" smtClean="0"/>
-              <a:t>2020/4/16</a:t>
+              <a:t>2020/4/27</a:t>
             </a:fld>
             <a:endParaRPr kumimoji="1" lang="ja-JP" altLang="en-US"/>
           </a:p>
@@ -6599,7 +6603,7 @@
           <a:p>
             <a:fld id="{56F9016B-CCA6-43BE-8BEE-59565A35F4F7}" type="datetimeFigureOut">
               <a:rPr kumimoji="1" lang="ja-JP" altLang="en-US" smtClean="0"/>
-              <a:t>2020/4/16</a:t>
+              <a:t>2020/4/27</a:t>
             </a:fld>
             <a:endParaRPr kumimoji="1" lang="ja-JP" altLang="en-US"/>
           </a:p>
@@ -7045,7 +7049,7 @@
                 <a:ea typeface="Segoe UI" panose="020B0502040204020203" pitchFamily="34" charset="0"/>
                 <a:cs typeface="Segoe UI" panose="020B0502040204020203" pitchFamily="34" charset="0"/>
               </a:rPr>
-              <a:t>1.4</a:t>
+              <a:t>1.4.1</a:t>
             </a:r>
           </a:p>
           <a:p>
@@ -23110,7 +23114,15 @@
                 <a:ea typeface="Segoe UI" panose="020B0502040204020203" pitchFamily="34" charset="0"/>
                 <a:cs typeface="Segoe UI" panose="020B0502040204020203" pitchFamily="34" charset="0"/>
               </a:rPr>
-              <a:t>    4.1	Operation Check (1/5)</a:t>
+              <a:t>    4.1	Operation Check (</a:t>
+            </a:r>
+            <a:r>
+              <a:rPr lang="en-US" altLang="zh-TW" sz="1400" dirty="0" smtClean="0">
+                <a:latin typeface="Segoe UI" panose="020B0502040204020203" pitchFamily="34" charset="0"/>
+                <a:ea typeface="Segoe UI" panose="020B0502040204020203" pitchFamily="34" charset="0"/>
+                <a:cs typeface="Segoe UI" panose="020B0502040204020203" pitchFamily="34" charset="0"/>
+              </a:rPr>
+              <a:t>1/6)</a:t>
             </a:r>
             <a:endParaRPr lang="zh-TW" altLang="en-US" sz="1400" dirty="0">
               <a:latin typeface="Segoe UI" panose="020B0502040204020203" pitchFamily="34" charset="0"/>
@@ -23135,7 +23147,18 @@
                 <a:ea typeface="Segoe UI" panose="020B0502040204020203" pitchFamily="34" charset="0"/>
                 <a:cs typeface="Segoe UI" panose="020B0502040204020203" pitchFamily="34" charset="0"/>
               </a:rPr>
-              <a:t>Operation Check (2/5)</a:t>
+              <a:t>Operation Check (</a:t>
+            </a:r>
+            <a:r>
+              <a:rPr lang="en-US" altLang="zh-TW" sz="1400" dirty="0" smtClean="0">
+                <a:solidFill>
+                  <a:srgbClr val="000000"/>
+                </a:solidFill>
+                <a:latin typeface="Segoe UI" panose="020B0502040204020203" pitchFamily="34" charset="0"/>
+                <a:ea typeface="Segoe UI" panose="020B0502040204020203" pitchFamily="34" charset="0"/>
+                <a:cs typeface="Segoe UI" panose="020B0502040204020203" pitchFamily="34" charset="0"/>
+              </a:rPr>
+              <a:t>2/6)</a:t>
             </a:r>
             <a:endParaRPr lang="zh-TW" altLang="en-US" sz="1400" dirty="0">
               <a:solidFill>
@@ -23163,7 +23186,18 @@
                 <a:ea typeface="Segoe UI" panose="020B0502040204020203" pitchFamily="34" charset="0"/>
                 <a:cs typeface="Segoe UI" panose="020B0502040204020203" pitchFamily="34" charset="0"/>
               </a:rPr>
-              <a:t>Operation Check (3/5)</a:t>
+              <a:t>Operation Check (</a:t>
+            </a:r>
+            <a:r>
+              <a:rPr lang="en-US" altLang="zh-TW" sz="1400" dirty="0" smtClean="0">
+                <a:solidFill>
+                  <a:srgbClr val="000000"/>
+                </a:solidFill>
+                <a:latin typeface="Segoe UI" panose="020B0502040204020203" pitchFamily="34" charset="0"/>
+                <a:ea typeface="Segoe UI" panose="020B0502040204020203" pitchFamily="34" charset="0"/>
+                <a:cs typeface="Segoe UI" panose="020B0502040204020203" pitchFamily="34" charset="0"/>
+              </a:rPr>
+              <a:t>3/6)</a:t>
             </a:r>
             <a:endParaRPr lang="zh-TW" altLang="en-US" sz="1400" dirty="0">
               <a:solidFill>
@@ -23191,7 +23225,18 @@
                 <a:ea typeface="Segoe UI" panose="020B0502040204020203" pitchFamily="34" charset="0"/>
                 <a:cs typeface="Segoe UI" panose="020B0502040204020203" pitchFamily="34" charset="0"/>
               </a:rPr>
-              <a:t>Operation Check (4/5)</a:t>
+              <a:t>Operation Check (</a:t>
+            </a:r>
+            <a:r>
+              <a:rPr lang="en-US" altLang="zh-TW" sz="1400" dirty="0" smtClean="0">
+                <a:solidFill>
+                  <a:srgbClr val="000000"/>
+                </a:solidFill>
+                <a:latin typeface="Segoe UI" panose="020B0502040204020203" pitchFamily="34" charset="0"/>
+                <a:ea typeface="Segoe UI" panose="020B0502040204020203" pitchFamily="34" charset="0"/>
+                <a:cs typeface="Segoe UI" panose="020B0502040204020203" pitchFamily="34" charset="0"/>
+              </a:rPr>
+              <a:t>4/6)</a:t>
             </a:r>
             <a:endParaRPr lang="zh-TW" altLang="en-US" sz="1400" dirty="0">
               <a:solidFill>
@@ -23219,7 +23264,111 @@
                 <a:ea typeface="Segoe UI" panose="020B0502040204020203" pitchFamily="34" charset="0"/>
                 <a:cs typeface="Segoe UI" panose="020B0502040204020203" pitchFamily="34" charset="0"/>
               </a:rPr>
-              <a:t>Operation Check (5/5)</a:t>
+              <a:t>Operation Check (</a:t>
+            </a:r>
+            <a:r>
+              <a:rPr lang="en-US" altLang="zh-TW" sz="1400" dirty="0" smtClean="0">
+                <a:solidFill>
+                  <a:srgbClr val="000000"/>
+                </a:solidFill>
+                <a:latin typeface="Segoe UI" panose="020B0502040204020203" pitchFamily="34" charset="0"/>
+                <a:ea typeface="Segoe UI" panose="020B0502040204020203" pitchFamily="34" charset="0"/>
+                <a:cs typeface="Segoe UI" panose="020B0502040204020203" pitchFamily="34" charset="0"/>
+              </a:rPr>
+              <a:t>5/6)</a:t>
+            </a:r>
+          </a:p>
+          <a:p>
+            <a:r>
+              <a:rPr lang="en-US" altLang="zh-TW" sz="1400" dirty="0" smtClean="0">
+                <a:latin typeface="Segoe UI" panose="020B0502040204020203" pitchFamily="34" charset="0"/>
+                <a:ea typeface="Segoe UI" panose="020B0502040204020203" pitchFamily="34" charset="0"/>
+                <a:cs typeface="Segoe UI" panose="020B0502040204020203" pitchFamily="34" charset="0"/>
+              </a:rPr>
+              <a:t>    </a:t>
+            </a:r>
+            <a:r>
+              <a:rPr lang="en-US" altLang="zh-TW" sz="1400" dirty="0" smtClean="0">
+                <a:latin typeface="Segoe UI" panose="020B0502040204020203" pitchFamily="34" charset="0"/>
+                <a:ea typeface="Segoe UI" panose="020B0502040204020203" pitchFamily="34" charset="0"/>
+                <a:cs typeface="Segoe UI" panose="020B0502040204020203" pitchFamily="34" charset="0"/>
+              </a:rPr>
+              <a:t>4.6</a:t>
+            </a:r>
+            <a:r>
+              <a:rPr lang="en-US" altLang="zh-TW" sz="1400" dirty="0">
+                <a:latin typeface="Segoe UI" panose="020B0502040204020203" pitchFamily="34" charset="0"/>
+                <a:ea typeface="Segoe UI" panose="020B0502040204020203" pitchFamily="34" charset="0"/>
+                <a:cs typeface="Segoe UI" panose="020B0502040204020203" pitchFamily="34" charset="0"/>
+              </a:rPr>
+              <a:t>	</a:t>
+            </a:r>
+            <a:r>
+              <a:rPr lang="en-US" altLang="zh-TW" sz="1400" dirty="0">
+                <a:solidFill>
+                  <a:srgbClr val="000000"/>
+                </a:solidFill>
+                <a:latin typeface="Segoe UI" panose="020B0502040204020203" pitchFamily="34" charset="0"/>
+                <a:ea typeface="Segoe UI" panose="020B0502040204020203" pitchFamily="34" charset="0"/>
+                <a:cs typeface="Segoe UI" panose="020B0502040204020203" pitchFamily="34" charset="0"/>
+              </a:rPr>
+              <a:t>Operation Check </a:t>
+            </a:r>
+            <a:r>
+              <a:rPr lang="en-US" altLang="zh-TW" sz="1400" dirty="0" smtClean="0">
+                <a:solidFill>
+                  <a:srgbClr val="000000"/>
+                </a:solidFill>
+                <a:latin typeface="Segoe UI" panose="020B0502040204020203" pitchFamily="34" charset="0"/>
+                <a:ea typeface="Segoe UI" panose="020B0502040204020203" pitchFamily="34" charset="0"/>
+                <a:cs typeface="Segoe UI" panose="020B0502040204020203" pitchFamily="34" charset="0"/>
+              </a:rPr>
+              <a:t>(6/6)</a:t>
+            </a:r>
+          </a:p>
+          <a:p>
+            <a:r>
+              <a:rPr lang="en-US" altLang="zh-TW" sz="1400" dirty="0">
+                <a:latin typeface="Segoe UI" panose="020B0502040204020203" pitchFamily="34" charset="0"/>
+                <a:ea typeface="Segoe UI" panose="020B0502040204020203" pitchFamily="34" charset="0"/>
+                <a:cs typeface="Segoe UI" panose="020B0502040204020203" pitchFamily="34" charset="0"/>
+              </a:rPr>
+              <a:t> </a:t>
+            </a:r>
+            <a:r>
+              <a:rPr lang="en-US" altLang="zh-TW" sz="1400" dirty="0" smtClean="0">
+                <a:latin typeface="Segoe UI" panose="020B0502040204020203" pitchFamily="34" charset="0"/>
+                <a:ea typeface="Segoe UI" panose="020B0502040204020203" pitchFamily="34" charset="0"/>
+                <a:cs typeface="Segoe UI" panose="020B0502040204020203" pitchFamily="34" charset="0"/>
+              </a:rPr>
+              <a:t>   </a:t>
+            </a:r>
+            <a:r>
+              <a:rPr lang="en-US" altLang="zh-TW" sz="1400" dirty="0" smtClean="0">
+                <a:latin typeface="Segoe UI" panose="020B0502040204020203" pitchFamily="34" charset="0"/>
+                <a:ea typeface="Segoe UI" panose="020B0502040204020203" pitchFamily="34" charset="0"/>
+                <a:cs typeface="Segoe UI" panose="020B0502040204020203" pitchFamily="34" charset="0"/>
+              </a:rPr>
+              <a:t>4.7</a:t>
+            </a:r>
+            <a:r>
+              <a:rPr lang="en-US" altLang="zh-TW" sz="1400" dirty="0">
+                <a:latin typeface="Segoe UI" panose="020B0502040204020203" pitchFamily="34" charset="0"/>
+                <a:ea typeface="Segoe UI" panose="020B0502040204020203" pitchFamily="34" charset="0"/>
+                <a:cs typeface="Segoe UI" panose="020B0502040204020203" pitchFamily="34" charset="0"/>
+              </a:rPr>
+              <a:t>	</a:t>
+            </a:r>
+            <a:r>
+              <a:rPr lang="en-US" altLang="zh-TW" sz="1400" dirty="0" smtClean="0">
+                <a:solidFill>
+                  <a:srgbClr val="000000"/>
+                </a:solidFill>
+                <a:latin typeface="Segoe UI" panose="020B0502040204020203" pitchFamily="34" charset="0"/>
+                <a:ea typeface="Segoe UI" panose="020B0502040204020203" pitchFamily="34" charset="0"/>
+                <a:cs typeface="Segoe UI" panose="020B0502040204020203" pitchFamily="34" charset="0"/>
+              </a:rPr>
+              <a:t>Reference</a:t>
             </a:r>
             <a:endParaRPr lang="en-US" altLang="ja-JP" sz="1400" dirty="0">
               <a:solidFill>
@@ -23344,36 +23493,6 @@
       </p:grpSpPr>
       <p:sp>
         <p:nvSpPr>
-          <p:cNvPr id="2" name="タイトル 1"/>
-          <p:cNvSpPr>
-            <a:spLocks noGrp="1"/>
-          </p:cNvSpPr>
-          <p:nvPr>
-            <p:ph type="title"/>
-          </p:nvPr>
-        </p:nvSpPr>
-        <p:spPr/>
-        <p:txBody>
-          <a:bodyPr/>
-          <a:lstStyle/>
-          <a:p>
-            <a:r>
-              <a:rPr lang="en-US" altLang="ja-JP" dirty="0" smtClean="0">
-                <a:latin typeface="Segoe UI" panose="020B0502040204020203" pitchFamily="34" charset="0"/>
-                <a:ea typeface="Segoe UI" panose="020B0502040204020203" pitchFamily="34" charset="0"/>
-                <a:cs typeface="Segoe UI" panose="020B0502040204020203" pitchFamily="34" charset="0"/>
-              </a:rPr>
-              <a:t>4.1	Operation Check (1/5)</a:t>
-            </a:r>
-            <a:endParaRPr kumimoji="1" lang="ja-JP" altLang="en-US" dirty="0">
-              <a:latin typeface="Segoe UI" panose="020B0502040204020203" pitchFamily="34" charset="0"/>
-              <a:cs typeface="Segoe UI" panose="020B0502040204020203" pitchFamily="34" charset="0"/>
-            </a:endParaRPr>
-          </a:p>
-        </p:txBody>
-      </p:sp>
-      <p:sp>
-        <p:nvSpPr>
           <p:cNvPr id="3" name="コンテンツ プレースホルダー 2"/>
           <p:cNvSpPr>
             <a:spLocks noGrp="1"/>
@@ -23382,18 +23501,15 @@
             <p:ph sz="quarter" idx="10"/>
           </p:nvPr>
         </p:nvSpPr>
-        <p:spPr>
-          <a:xfrm>
-            <a:off x="179512" y="836712"/>
-            <a:ext cx="8497058" cy="5616476"/>
-          </a:xfrm>
-        </p:spPr>
+        <p:spPr/>
         <p:txBody>
-          <a:bodyPr/>
+          <a:bodyPr>
+            <a:normAutofit fontScale="92500" lnSpcReduction="20000"/>
+          </a:bodyPr>
           <a:lstStyle/>
           <a:p>
             <a:r>
-              <a:rPr lang="en-US" altLang="ja-JP" dirty="0" smtClean="0">
+              <a:rPr lang="en-US" altLang="ja-JP" dirty="0">
                 <a:latin typeface="Segoe UI" panose="020B0502040204020203" pitchFamily="34" charset="0"/>
                 <a:ea typeface="Segoe UI" panose="020B0502040204020203" pitchFamily="34" charset="0"/>
                 <a:cs typeface="Segoe UI" panose="020B0502040204020203" pitchFamily="34" charset="0"/>
@@ -23408,60 +23524,12 @@
           <a:p>
             <a:pPr lvl="1"/>
             <a:r>
-              <a:rPr lang="en-US" altLang="ja-JP" dirty="0" smtClean="0">
-                <a:latin typeface="Segoe UI" panose="020B0502040204020203" pitchFamily="34" charset="0"/>
-                <a:ea typeface="Segoe UI" panose="020B0502040204020203" pitchFamily="34" charset="0"/>
-                <a:cs typeface="Segoe UI" panose="020B0502040204020203" pitchFamily="34" charset="0"/>
-              </a:rPr>
-              <a:t>After completing the installation</a:t>
-            </a:r>
-            <a:r>
               <a:rPr lang="en-US" altLang="ja-JP" dirty="0">
                 <a:latin typeface="Segoe UI" panose="020B0502040204020203" pitchFamily="34" charset="0"/>
                 <a:ea typeface="Segoe UI" panose="020B0502040204020203" pitchFamily="34" charset="0"/>
                 <a:cs typeface="Segoe UI" panose="020B0502040204020203" pitchFamily="34" charset="0"/>
               </a:rPr>
-              <a:t>, take the following steps </a:t>
-            </a:r>
-            <a:r>
-              <a:rPr lang="en-US" altLang="ja-JP" dirty="0" smtClean="0">
-                <a:latin typeface="Segoe UI" panose="020B0502040204020203" pitchFamily="34" charset="0"/>
-                <a:ea typeface="Segoe UI" panose="020B0502040204020203" pitchFamily="34" charset="0"/>
-                <a:cs typeface="Segoe UI" panose="020B0502040204020203" pitchFamily="34" charset="0"/>
-              </a:rPr>
-              <a:t>with a Windows PC client to access the main menu of IT Automation and to check </a:t>
-            </a:r>
-            <a:r>
-              <a:rPr lang="en-US" altLang="ja-JP" dirty="0">
-                <a:latin typeface="Segoe UI" panose="020B0502040204020203" pitchFamily="34" charset="0"/>
-                <a:ea typeface="Segoe UI" panose="020B0502040204020203" pitchFamily="34" charset="0"/>
-                <a:cs typeface="Segoe UI" panose="020B0502040204020203" pitchFamily="34" charset="0"/>
-              </a:rPr>
-              <a:t>that </a:t>
-            </a:r>
-            <a:r>
-              <a:rPr lang="en-US" altLang="ja-JP" dirty="0" smtClean="0">
-                <a:latin typeface="Segoe UI" panose="020B0502040204020203" pitchFamily="34" charset="0"/>
-                <a:ea typeface="Segoe UI" panose="020B0502040204020203" pitchFamily="34" charset="0"/>
-                <a:cs typeface="Segoe UI" panose="020B0502040204020203" pitchFamily="34" charset="0"/>
-              </a:rPr>
-              <a:t>the IT Automation and all </a:t>
-            </a:r>
-            <a:r>
-              <a:rPr lang="en-US" altLang="ja-JP" dirty="0">
-                <a:latin typeface="Segoe UI" panose="020B0502040204020203" pitchFamily="34" charset="0"/>
-                <a:ea typeface="Segoe UI" panose="020B0502040204020203" pitchFamily="34" charset="0"/>
-                <a:cs typeface="Segoe UI" panose="020B0502040204020203" pitchFamily="34" charset="0"/>
-              </a:rPr>
-              <a:t>the drivers are shown </a:t>
-            </a:r>
-            <a:r>
-              <a:rPr lang="en-US" altLang="ja-JP" dirty="0" smtClean="0">
-                <a:latin typeface="Segoe UI" panose="020B0502040204020203" pitchFamily="34" charset="0"/>
-                <a:ea typeface="Segoe UI" panose="020B0502040204020203" pitchFamily="34" charset="0"/>
-                <a:cs typeface="Segoe UI" panose="020B0502040204020203" pitchFamily="34" charset="0"/>
-              </a:rPr>
-              <a:t>properly.</a:t>
+              <a:t>After completing the installation, take the following steps with a Windows PC client to access the main menu of IT Automation and to check that the IT Automation and all the drivers are shown properly.</a:t>
             </a:r>
             <a:endParaRPr lang="ja-JP" altLang="en-US" dirty="0">
               <a:latin typeface="Segoe UI" panose="020B0502040204020203" pitchFamily="34" charset="0"/>
@@ -23469,109 +23537,96 @@
             </a:endParaRPr>
           </a:p>
           <a:p>
+            <a:pPr lvl="0"/>
+            <a:endParaRPr lang="en-US" altLang="ja-JP" dirty="0" smtClean="0"/>
+          </a:p>
+          <a:p>
+            <a:pPr lvl="0"/>
+            <a:r>
+              <a:rPr lang="en-US" altLang="ja-JP" dirty="0">
+                <a:latin typeface="Segoe UI" panose="020B0502040204020203" pitchFamily="34" charset="0"/>
+                <a:ea typeface="Segoe UI" panose="020B0502040204020203" pitchFamily="34" charset="0"/>
+                <a:cs typeface="Segoe UI" panose="020B0502040204020203" pitchFamily="34" charset="0"/>
+              </a:rPr>
+              <a:t>Accessing the login screen</a:t>
+            </a:r>
+          </a:p>
+          <a:p>
             <a:pPr lvl="1"/>
-            <a:endParaRPr lang="ja-JP" altLang="en-US" dirty="0">
-              <a:latin typeface="Segoe UI" panose="020B0502040204020203" pitchFamily="34" charset="0"/>
-              <a:cs typeface="Segoe UI" panose="020B0502040204020203" pitchFamily="34" charset="0"/>
-            </a:endParaRPr>
-          </a:p>
-          <a:p>
+            <a:r>
+              <a:rPr lang="en-US" altLang="ja-JP" dirty="0">
+                <a:latin typeface="Segoe UI" panose="020B0502040204020203" pitchFamily="34" charset="0"/>
+                <a:ea typeface="Segoe UI" panose="020B0502040204020203" pitchFamily="34" charset="0"/>
+                <a:cs typeface="Segoe UI" panose="020B0502040204020203" pitchFamily="34" charset="0"/>
+              </a:rPr>
+              <a:t>Access the login screen with the following URL:</a:t>
+            </a:r>
+          </a:p>
+          <a:p>
+            <a:pPr lvl="1"/>
+            <a:r>
+              <a:rPr lang="en-US" altLang="ja-JP" dirty="0">
+                <a:latin typeface="Segoe UI" panose="020B0502040204020203" pitchFamily="34" charset="0"/>
+                <a:ea typeface="Segoe UI" panose="020B0502040204020203" pitchFamily="34" charset="0"/>
+                <a:cs typeface="Segoe UI" panose="020B0502040204020203" pitchFamily="34" charset="0"/>
+              </a:rPr>
+              <a:t>URL: </a:t>
+            </a:r>
             <a:r>
               <a:rPr lang="en-US" altLang="ja-JP" dirty="0" smtClean="0">
-                <a:latin typeface="Segoe UI" panose="020B0502040204020203" pitchFamily="34" charset="0"/>
-                <a:ea typeface="Segoe UI" panose="020B0502040204020203" pitchFamily="34" charset="0"/>
-                <a:cs typeface="Segoe UI" panose="020B0502040204020203" pitchFamily="34" charset="0"/>
-              </a:rPr>
-              <a:t>Preparation</a:t>
-            </a:r>
-            <a:endParaRPr lang="ja-JP" altLang="en-US" dirty="0">
-              <a:latin typeface="Segoe UI" panose="020B0502040204020203" pitchFamily="34" charset="0"/>
-              <a:cs typeface="Segoe UI" panose="020B0502040204020203" pitchFamily="34" charset="0"/>
-            </a:endParaRPr>
-          </a:p>
-          <a:p>
-            <a:pPr lvl="1"/>
+                <a:solidFill>
+                  <a:srgbClr val="FF0000"/>
+                </a:solidFill>
+                <a:latin typeface="Segoe UI" panose="020B0502040204020203" pitchFamily="34" charset="0"/>
+                <a:ea typeface="Segoe UI" panose="020B0502040204020203" pitchFamily="34" charset="0"/>
+                <a:cs typeface="Segoe UI" panose="020B0502040204020203" pitchFamily="34" charset="0"/>
+              </a:rPr>
+              <a:t>http://(IP</a:t>
+            </a:r>
+            <a:r>
+              <a:rPr lang="ja-JP" altLang="en-US" dirty="0">
+                <a:solidFill>
+                  <a:srgbClr val="FF0000"/>
+                </a:solidFill>
+                <a:latin typeface="Segoe UI" panose="020B0502040204020203" pitchFamily="34" charset="0"/>
+                <a:ea typeface="Segoe UI" panose="020B0502040204020203" pitchFamily="34" charset="0"/>
+                <a:cs typeface="Segoe UI" panose="020B0502040204020203" pitchFamily="34" charset="0"/>
+              </a:rPr>
+              <a:t> </a:t>
+            </a:r>
             <a:r>
               <a:rPr lang="en-US" altLang="ja-JP" dirty="0" smtClean="0">
-                <a:latin typeface="Segoe UI" panose="020B0502040204020203" pitchFamily="34" charset="0"/>
-                <a:ea typeface="Segoe UI" panose="020B0502040204020203" pitchFamily="34" charset="0"/>
-                <a:cs typeface="Segoe UI" panose="020B0502040204020203" pitchFamily="34" charset="0"/>
-              </a:rPr>
-              <a:t>Specify the IP address and host name of the IT Automation server in the hosts file of the Windows client</a:t>
-            </a:r>
-            <a:r>
-              <a:rPr lang="en-US" altLang="ja-JP" dirty="0" smtClean="0">
-                <a:latin typeface="Segoe UI" panose="020B0502040204020203" pitchFamily="34" charset="0"/>
-                <a:ea typeface="Segoe UI" panose="020B0502040204020203" pitchFamily="34" charset="0"/>
-                <a:cs typeface="Segoe UI" panose="020B0502040204020203" pitchFamily="34" charset="0"/>
-              </a:rPr>
-              <a:t>.</a:t>
+                <a:solidFill>
+                  <a:srgbClr val="FF0000"/>
+                </a:solidFill>
+                <a:latin typeface="Segoe UI" panose="020B0502040204020203" pitchFamily="34" charset="0"/>
+                <a:ea typeface="Segoe UI" panose="020B0502040204020203" pitchFamily="34" charset="0"/>
+                <a:cs typeface="Segoe UI" panose="020B0502040204020203" pitchFamily="34" charset="0"/>
+              </a:rPr>
+              <a:t>address)</a:t>
+            </a:r>
+            <a:r>
+              <a:rPr lang="en-US" altLang="ja-JP" dirty="0">
+                <a:solidFill>
+                  <a:srgbClr val="FF0000"/>
+                </a:solidFill>
+                <a:latin typeface="Segoe UI" panose="020B0502040204020203" pitchFamily="34" charset="0"/>
+                <a:ea typeface="Segoe UI" panose="020B0502040204020203" pitchFamily="34" charset="0"/>
+                <a:cs typeface="Segoe UI" panose="020B0502040204020203" pitchFamily="34" charset="0"/>
+              </a:rPr>
+              <a:t/>
             </a:r>
             <a:br>
-              <a:rPr lang="en-US" altLang="ja-JP" dirty="0" smtClean="0">
+              <a:rPr lang="en-US" altLang="ja-JP" dirty="0">
+                <a:solidFill>
+                  <a:srgbClr val="FF0000"/>
+                </a:solidFill>
                 <a:latin typeface="Segoe UI" panose="020B0502040204020203" pitchFamily="34" charset="0"/>
                 <a:ea typeface="Segoe UI" panose="020B0502040204020203" pitchFamily="34" charset="0"/>
                 <a:cs typeface="Segoe UI" panose="020B0502040204020203" pitchFamily="34" charset="0"/>
               </a:rPr>
             </a:br>
-            <a:r>
-              <a:rPr lang="en-US" altLang="ja-JP" b="1" dirty="0" smtClean="0">
-                <a:solidFill>
-                  <a:srgbClr val="FF0000"/>
-                </a:solidFill>
-                <a:latin typeface="Segoe UI" panose="020B0502040204020203" pitchFamily="34" charset="0"/>
-                <a:ea typeface="Segoe UI" panose="020B0502040204020203" pitchFamily="34" charset="0"/>
-                <a:cs typeface="Segoe UI" panose="020B0502040204020203" pitchFamily="34" charset="0"/>
-              </a:rPr>
-              <a:t>※</a:t>
-            </a:r>
-            <a:r>
-              <a:rPr lang="en-US" altLang="ja-JP" b="1" dirty="0" smtClean="0">
-                <a:solidFill>
-                  <a:srgbClr val="FF0000"/>
-                </a:solidFill>
-              </a:rPr>
-              <a:t>This </a:t>
-            </a:r>
-            <a:r>
-              <a:rPr lang="en-US" altLang="ja-JP" b="1" dirty="0">
-                <a:solidFill>
-                  <a:srgbClr val="FF0000"/>
-                </a:solidFill>
-              </a:rPr>
-              <a:t>procedure is not required if users enable http access and make access via IP address possible, or register host name in DNS server.</a:t>
-            </a:r>
-            <a:br>
-              <a:rPr lang="en-US" altLang="ja-JP" b="1" dirty="0">
-                <a:solidFill>
-                  <a:srgbClr val="FF0000"/>
-                </a:solidFill>
-              </a:rPr>
-            </a:br>
-            <a:r>
-              <a:rPr lang="en-US" altLang="ja-JP" b="1" dirty="0">
-                <a:solidFill>
-                  <a:srgbClr val="FF0000"/>
-                </a:solidFill>
-              </a:rPr>
-              <a:t>Please refer to chapter 4.5 for the instruction of enabling http access</a:t>
-            </a:r>
-            <a:r>
-              <a:rPr lang="en-US" altLang="ja-JP" b="1" dirty="0" smtClean="0">
-                <a:solidFill>
-                  <a:srgbClr val="FF0000"/>
-                </a:solidFill>
-              </a:rPr>
-              <a:t>.</a:t>
-            </a:r>
-            <a:br>
-              <a:rPr lang="en-US" altLang="ja-JP" b="1" dirty="0" smtClean="0">
-                <a:solidFill>
-                  <a:srgbClr val="FF0000"/>
-                </a:solidFill>
-              </a:rPr>
-            </a:br>
-            <a:endParaRPr lang="en-US" altLang="ja-JP" b="1" dirty="0">
+            <a:endParaRPr lang="en-US" altLang="ja-JP" dirty="0">
               <a:solidFill>
                 <a:srgbClr val="FF0000"/>
               </a:solidFill>
@@ -23581,49 +23636,292 @@
             </a:endParaRPr>
           </a:p>
           <a:p>
+            <a:pPr marL="180000" lvl="1" indent="0">
+              <a:buNone/>
+            </a:pPr>
+            <a:r>
+              <a:rPr lang="en-US" altLang="ja-JP" dirty="0">
+                <a:solidFill>
+                  <a:srgbClr val="FF0000"/>
+                </a:solidFill>
+              </a:rPr>
+              <a:t>※ After installation, access from both HTTP and HTTPS are possible.</a:t>
+            </a:r>
+          </a:p>
+          <a:p>
+            <a:pPr marL="180000" lvl="1" indent="0">
+              <a:buNone/>
+            </a:pPr>
+            <a:r>
+              <a:rPr lang="en-US" altLang="ja-JP" dirty="0">
+                <a:solidFill>
+                  <a:srgbClr val="FF0000"/>
+                </a:solidFill>
+              </a:rPr>
+              <a:t> </a:t>
+            </a:r>
+            <a:r>
+              <a:rPr lang="en-US" altLang="ja-JP" dirty="0" smtClean="0">
+                <a:solidFill>
+                  <a:srgbClr val="FF0000"/>
+                </a:solidFill>
+              </a:rPr>
+              <a:t>   Since </a:t>
+            </a:r>
+            <a:r>
+              <a:rPr lang="en-US" altLang="ja-JP" dirty="0">
+                <a:solidFill>
+                  <a:srgbClr val="FF0000"/>
+                </a:solidFill>
+              </a:rPr>
+              <a:t>HTTP is insecure, accessing from HTTPS is recommended.</a:t>
+            </a:r>
+          </a:p>
+          <a:p>
+            <a:pPr marL="180000" lvl="1" indent="0">
+              <a:buNone/>
+            </a:pPr>
+            <a:r>
+              <a:rPr lang="en-US" altLang="ja-JP" dirty="0" smtClean="0">
+                <a:solidFill>
+                  <a:srgbClr val="FF0000"/>
+                </a:solidFill>
+              </a:rPr>
+              <a:t>    For </a:t>
+            </a:r>
+            <a:r>
+              <a:rPr lang="en-US" altLang="ja-JP" dirty="0">
+                <a:solidFill>
+                  <a:srgbClr val="FF0000"/>
+                </a:solidFill>
+              </a:rPr>
+              <a:t>the method to access from HTTPS, please refer to operation check (</a:t>
+            </a:r>
+            <a:r>
+              <a:rPr lang="en-US" altLang="ja-JP" dirty="0" smtClean="0">
+                <a:solidFill>
+                  <a:srgbClr val="FF0000"/>
+                </a:solidFill>
+              </a:rPr>
+              <a:t>4/6).</a:t>
+            </a:r>
+          </a:p>
+          <a:p>
+            <a:pPr marL="180000" lvl="1" indent="0">
+              <a:buNone/>
+            </a:pPr>
+            <a:endParaRPr lang="en-US" altLang="ja-JP" dirty="0"/>
+          </a:p>
+          <a:p>
+            <a:pPr lvl="0"/>
+            <a:r>
+              <a:rPr lang="en-US" altLang="ja-JP" dirty="0">
+                <a:latin typeface="Segoe UI" panose="020B0502040204020203" pitchFamily="34" charset="0"/>
+                <a:ea typeface="Segoe UI" panose="020B0502040204020203" pitchFamily="34" charset="0"/>
+                <a:cs typeface="Segoe UI" panose="020B0502040204020203" pitchFamily="34" charset="0"/>
+              </a:rPr>
+              <a:t>Logging in</a:t>
+            </a:r>
+          </a:p>
+          <a:p>
             <a:pPr lvl="1"/>
             <a:r>
-              <a:rPr lang="en-US" altLang="ja-JP" dirty="0" smtClean="0">
-                <a:latin typeface="Segoe UI" panose="020B0502040204020203" pitchFamily="34" charset="0"/>
-                <a:ea typeface="Segoe UI" panose="020B0502040204020203" pitchFamily="34" charset="0"/>
-                <a:cs typeface="Segoe UI" panose="020B0502040204020203" pitchFamily="34" charset="0"/>
-              </a:rPr>
-              <a:t>For Windows 10, the hosts file is located at the following:</a:t>
-            </a:r>
-          </a:p>
-          <a:p>
-            <a:pPr lvl="1"/>
-            <a:endParaRPr lang="en-US" altLang="ja-JP" dirty="0" smtClean="0">
-              <a:latin typeface="Segoe UI" panose="020B0502040204020203" pitchFamily="34" charset="0"/>
-              <a:ea typeface="Segoe UI" panose="020B0502040204020203" pitchFamily="34" charset="0"/>
-              <a:cs typeface="Segoe UI" panose="020B0502040204020203" pitchFamily="34" charset="0"/>
-            </a:endParaRPr>
-          </a:p>
-          <a:p>
-            <a:pPr lvl="1"/>
-            <a:endParaRPr lang="en-US" altLang="ja-JP" dirty="0">
-              <a:latin typeface="Segoe UI" panose="020B0502040204020203" pitchFamily="34" charset="0"/>
-              <a:ea typeface="Segoe UI" panose="020B0502040204020203" pitchFamily="34" charset="0"/>
-              <a:cs typeface="Segoe UI" panose="020B0502040204020203" pitchFamily="34" charset="0"/>
-            </a:endParaRPr>
-          </a:p>
-          <a:p>
-            <a:pPr lvl="1"/>
-            <a:r>
-              <a:rPr lang="en-US" altLang="ja-JP" dirty="0" smtClean="0">
-                <a:latin typeface="Segoe UI" panose="020B0502040204020203" pitchFamily="34" charset="0"/>
-                <a:ea typeface="Segoe UI" panose="020B0502040204020203" pitchFamily="34" charset="0"/>
-                <a:cs typeface="Segoe UI" panose="020B0502040204020203" pitchFamily="34" charset="0"/>
-              </a:rPr>
-              <a:t>To the hosts file, add the following settings:</a:t>
-            </a:r>
-            <a:endParaRPr lang="ja-JP" altLang="en-US" dirty="0">
+              <a:rPr lang="en-US" altLang="ja-JP" dirty="0">
+                <a:latin typeface="Segoe UI" panose="020B0502040204020203" pitchFamily="34" charset="0"/>
+                <a:ea typeface="Segoe UI" panose="020B0502040204020203" pitchFamily="34" charset="0"/>
+                <a:cs typeface="Segoe UI" panose="020B0502040204020203" pitchFamily="34" charset="0"/>
+              </a:rPr>
+              <a:t>When the IT Automation login screen appears, enter the given login ID and initial password and then click the </a:t>
+            </a:r>
+            <a:r>
+              <a:rPr lang="en-US" altLang="ja-JP" b="1" dirty="0">
+                <a:latin typeface="Segoe UI" panose="020B0502040204020203" pitchFamily="34" charset="0"/>
+                <a:ea typeface="Segoe UI" panose="020B0502040204020203" pitchFamily="34" charset="0"/>
+                <a:cs typeface="Segoe UI" panose="020B0502040204020203" pitchFamily="34" charset="0"/>
+              </a:rPr>
+              <a:t>Login</a:t>
+            </a:r>
+            <a:r>
+              <a:rPr lang="en-US" altLang="ja-JP" dirty="0">
+                <a:latin typeface="Segoe UI" panose="020B0502040204020203" pitchFamily="34" charset="0"/>
+                <a:ea typeface="Segoe UI" panose="020B0502040204020203" pitchFamily="34" charset="0"/>
+                <a:cs typeface="Segoe UI" panose="020B0502040204020203" pitchFamily="34" charset="0"/>
+              </a:rPr>
+              <a:t> button.</a:t>
+            </a:r>
+            <a:endParaRPr lang="ja-JP" altLang="ja-JP" dirty="0">
               <a:latin typeface="Segoe UI" panose="020B0502040204020203" pitchFamily="34" charset="0"/>
               <a:cs typeface="Segoe UI" panose="020B0502040204020203" pitchFamily="34" charset="0"/>
             </a:endParaRPr>
           </a:p>
           <a:p>
+            <a:pPr marL="288000" lvl="2" indent="0">
+              <a:buNone/>
+            </a:pPr>
+            <a:r>
+              <a:rPr lang="en-US" altLang="ja-JP" dirty="0">
+                <a:latin typeface="Segoe UI" panose="020B0502040204020203" pitchFamily="34" charset="0"/>
+                <a:ea typeface="Segoe UI" panose="020B0502040204020203" pitchFamily="34" charset="0"/>
+                <a:cs typeface="Segoe UI" panose="020B0502040204020203" pitchFamily="34" charset="0"/>
+              </a:rPr>
+              <a:t>     	- Login ID:</a:t>
+            </a:r>
+            <a:r>
+              <a:rPr lang="ja-JP" altLang="en-US" dirty="0">
+                <a:latin typeface="Segoe UI" panose="020B0502040204020203" pitchFamily="34" charset="0"/>
+                <a:ea typeface="Segoe UI" panose="020B0502040204020203" pitchFamily="34" charset="0"/>
+                <a:cs typeface="Segoe UI" panose="020B0502040204020203" pitchFamily="34" charset="0"/>
+              </a:rPr>
+              <a:t> </a:t>
+            </a:r>
+            <a:r>
+              <a:rPr lang="en-US" altLang="ja-JP" dirty="0">
+                <a:latin typeface="Segoe UI" panose="020B0502040204020203" pitchFamily="34" charset="0"/>
+                <a:ea typeface="Segoe UI" panose="020B0502040204020203" pitchFamily="34" charset="0"/>
+                <a:cs typeface="Segoe UI" panose="020B0502040204020203" pitchFamily="34" charset="0"/>
+              </a:rPr>
+              <a:t>administrator</a:t>
+            </a:r>
+            <a:endParaRPr lang="ja-JP" altLang="ja-JP" dirty="0">
+              <a:latin typeface="Segoe UI" panose="020B0502040204020203" pitchFamily="34" charset="0"/>
+              <a:cs typeface="Segoe UI" panose="020B0502040204020203" pitchFamily="34" charset="0"/>
+            </a:endParaRPr>
+          </a:p>
+          <a:p>
+            <a:pPr marL="288000" lvl="2" indent="0">
+              <a:buNone/>
+            </a:pPr>
+            <a:r>
+              <a:rPr lang="en-US" altLang="ja-JP" dirty="0">
+                <a:latin typeface="Segoe UI" panose="020B0502040204020203" pitchFamily="34" charset="0"/>
+                <a:ea typeface="Segoe UI" panose="020B0502040204020203" pitchFamily="34" charset="0"/>
+                <a:cs typeface="Segoe UI" panose="020B0502040204020203" pitchFamily="34" charset="0"/>
+              </a:rPr>
+              <a:t>     	- </a:t>
+            </a:r>
+            <a:r>
+              <a:rPr lang="en-US" altLang="ja-JP" dirty="0">
+                <a:solidFill>
+                  <a:srgbClr val="000000"/>
+                </a:solidFill>
+                <a:latin typeface="Segoe UI" panose="020B0502040204020203" pitchFamily="34" charset="0"/>
+                <a:ea typeface="Segoe UI" panose="020B0502040204020203" pitchFamily="34" charset="0"/>
+                <a:cs typeface="Segoe UI" panose="020B0502040204020203" pitchFamily="34" charset="0"/>
+              </a:rPr>
+              <a:t>Initial password:</a:t>
+            </a:r>
+            <a:r>
+              <a:rPr lang="ja-JP" altLang="en-US" dirty="0">
+                <a:solidFill>
+                  <a:srgbClr val="000000"/>
+                </a:solidFill>
+                <a:ea typeface="Segoe UI" panose="020B0502040204020203" pitchFamily="34" charset="0"/>
+              </a:rPr>
+              <a:t> </a:t>
+            </a:r>
+            <a:r>
+              <a:rPr lang="en-US" altLang="ja-JP" dirty="0">
+                <a:latin typeface="Segoe UI" panose="020B0502040204020203" pitchFamily="34" charset="0"/>
+                <a:ea typeface="Segoe UI" panose="020B0502040204020203" pitchFamily="34" charset="0"/>
+                <a:cs typeface="Segoe UI" panose="020B0502040204020203" pitchFamily="34" charset="0"/>
+              </a:rPr>
+              <a:t>password</a:t>
+            </a:r>
+          </a:p>
+          <a:p>
+            <a:pPr marL="180000" lvl="1" indent="0">
+              <a:buNone/>
+            </a:pPr>
+            <a:endParaRPr lang="ja-JP" altLang="ja-JP" dirty="0">
+              <a:latin typeface="Segoe UI" panose="020B0502040204020203" pitchFamily="34" charset="0"/>
+              <a:cs typeface="Segoe UI" panose="020B0502040204020203" pitchFamily="34" charset="0"/>
+            </a:endParaRPr>
+          </a:p>
+          <a:p>
             <a:pPr lvl="1"/>
+            <a:r>
+              <a:rPr lang="en-US" altLang="ja-JP" dirty="0">
+                <a:latin typeface="Segoe UI" panose="020B0502040204020203" pitchFamily="34" charset="0"/>
+                <a:ea typeface="Segoe UI" panose="020B0502040204020203" pitchFamily="34" charset="0"/>
+                <a:cs typeface="Segoe UI" panose="020B0502040204020203" pitchFamily="34" charset="0"/>
+              </a:rPr>
+              <a:t>If you have logged in for the first time after the installation, you will be prompted to change the password.</a:t>
+            </a:r>
+            <a:r>
+              <a:rPr lang="en-US" altLang="ja-JP" dirty="0"/>
+              <a:t> </a:t>
+            </a:r>
+          </a:p>
+          <a:p>
+            <a:pPr lvl="1"/>
+            <a:r>
+              <a:rPr lang="en-US" altLang="ja-JP" dirty="0"/>
+              <a:t>C</a:t>
+            </a:r>
+            <a:r>
+              <a:rPr lang="en-US" altLang="ja-JP" dirty="0">
+                <a:latin typeface="Segoe UI" panose="020B0502040204020203" pitchFamily="34" charset="0"/>
+                <a:ea typeface="Segoe UI" panose="020B0502040204020203" pitchFamily="34" charset="0"/>
+                <a:cs typeface="Segoe UI" panose="020B0502040204020203" pitchFamily="34" charset="0"/>
+              </a:rPr>
+              <a:t>hange the initial password</a:t>
+            </a:r>
+            <a:r>
+              <a:rPr lang="en-US" altLang="ja-JP" dirty="0" smtClean="0">
+                <a:latin typeface="Segoe UI" panose="020B0502040204020203" pitchFamily="34" charset="0"/>
+                <a:ea typeface="Segoe UI" panose="020B0502040204020203" pitchFamily="34" charset="0"/>
+                <a:cs typeface="Segoe UI" panose="020B0502040204020203" pitchFamily="34" charset="0"/>
+              </a:rPr>
+              <a:t>.</a:t>
+            </a:r>
+            <a:endParaRPr lang="ja-JP" altLang="ja-JP" dirty="0">
+              <a:latin typeface="Segoe UI" panose="020B0502040204020203" pitchFamily="34" charset="0"/>
+              <a:cs typeface="Segoe UI" panose="020B0502040204020203" pitchFamily="34" charset="0"/>
+            </a:endParaRPr>
+          </a:p>
+        </p:txBody>
+      </p:sp>
+      <p:sp>
+        <p:nvSpPr>
+          <p:cNvPr id="6" name="タイトル 1"/>
+          <p:cNvSpPr>
+            <a:spLocks noGrp="1"/>
+          </p:cNvSpPr>
+          <p:nvPr>
+            <p:ph type="title"/>
+          </p:nvPr>
+        </p:nvSpPr>
+        <p:spPr>
+          <a:xfrm>
+            <a:off x="179513" y="115200"/>
+            <a:ext cx="8784000" cy="468000"/>
+          </a:xfrm>
+        </p:spPr>
+        <p:txBody>
+          <a:bodyPr/>
+          <a:lstStyle/>
+          <a:p>
+            <a:r>
+              <a:rPr lang="en-US" altLang="ja-JP" dirty="0" smtClean="0">
+                <a:latin typeface="Segoe UI" panose="020B0502040204020203" pitchFamily="34" charset="0"/>
+                <a:cs typeface="Segoe UI" panose="020B0502040204020203" pitchFamily="34" charset="0"/>
+              </a:rPr>
+              <a:t>4.1</a:t>
+            </a:r>
+            <a:r>
+              <a:rPr lang="en-US" altLang="ja-JP" dirty="0">
+                <a:latin typeface="Segoe UI" panose="020B0502040204020203" pitchFamily="34" charset="0"/>
+                <a:cs typeface="Segoe UI" panose="020B0502040204020203" pitchFamily="34" charset="0"/>
+              </a:rPr>
+              <a:t>	</a:t>
+            </a:r>
+            <a:r>
+              <a:rPr lang="en-US" altLang="ja-JP" dirty="0" smtClean="0">
+                <a:latin typeface="Segoe UI" panose="020B0502040204020203" pitchFamily="34" charset="0"/>
+                <a:cs typeface="Segoe UI" panose="020B0502040204020203" pitchFamily="34" charset="0"/>
+              </a:rPr>
+              <a:t>Operation Check (1/6)</a:t>
+            </a:r>
             <a:endParaRPr kumimoji="1" lang="ja-JP" altLang="en-US" dirty="0">
               <a:latin typeface="Segoe UI" panose="020B0502040204020203" pitchFamily="34" charset="0"/>
               <a:cs typeface="Segoe UI" panose="020B0502040204020203" pitchFamily="34" charset="0"/>
@@ -23631,281 +23929,10 @@
           </a:p>
         </p:txBody>
       </p:sp>
-      <p:graphicFrame>
-        <p:nvGraphicFramePr>
-          <p:cNvPr id="6" name="表 5"/>
-          <p:cNvGraphicFramePr>
-            <a:graphicFrameLocks noGrp="1"/>
-          </p:cNvGraphicFramePr>
-          <p:nvPr>
-            <p:extLst>
-              <p:ext uri="{D42A27DB-BD31-4B8C-83A1-F6EECF244321}">
-                <p14:modId xmlns:p14="http://schemas.microsoft.com/office/powerpoint/2010/main" val="163279118"/>
-              </p:ext>
-            </p:extLst>
-          </p:nvPr>
-        </p:nvGraphicFramePr>
-        <p:xfrm>
-          <a:off x="1829118" y="4509150"/>
-          <a:ext cx="5485765" cy="316230"/>
-        </p:xfrm>
-        <a:graphic>
-          <a:graphicData uri="http://schemas.openxmlformats.org/drawingml/2006/table">
-            <a:tbl>
-              <a:tblPr firstRow="1" firstCol="1" bandRow="1">
-                <a:tableStyleId>{5C22544A-7EE6-4342-B048-85BDC9FD1C3A}</a:tableStyleId>
-              </a:tblPr>
-              <a:tblGrid>
-                <a:gridCol w="5485765">
-                  <a:extLst>
-                    <a:ext uri="{9D8B030D-6E8A-4147-A177-3AD203B41FA5}">
-                      <a16:colId xmlns:a16="http://schemas.microsoft.com/office/drawing/2014/main" val="20000"/>
-                    </a:ext>
-                  </a:extLst>
-                </a:gridCol>
-              </a:tblGrid>
-              <a:tr h="316230">
-                <a:tc>
-                  <a:txBody>
-                    <a:bodyPr/>
-                    <a:lstStyle/>
-                    <a:p>
-                      <a:pPr algn="just">
-                        <a:spcAft>
-                          <a:spcPts val="0"/>
-                        </a:spcAft>
-                      </a:pPr>
-                      <a:r>
-                        <a:rPr lang="en-US" sz="1050" kern="100" dirty="0">
-                          <a:effectLst/>
-                        </a:rPr>
-                        <a:t>C:\Windows\System32\drivers\etc\hosts</a:t>
-                      </a:r>
-                      <a:endParaRPr lang="ja-JP" sz="1050" kern="100" dirty="0">
-                        <a:effectLst/>
-                        <a:latin typeface="Century" panose="02040604050505020304" pitchFamily="18" charset="0"/>
-                        <a:ea typeface="ＭＳ 明朝" panose="02020609040205080304" pitchFamily="17" charset="-128"/>
-                        <a:cs typeface="Times New Roman" panose="02020603050405020304" pitchFamily="18" charset="0"/>
-                      </a:endParaRPr>
-                    </a:p>
-                  </a:txBody>
-                  <a:tcPr marL="68580" marR="68580" marT="0" marB="0" anchor="ctr">
-                    <a:solidFill>
-                      <a:srgbClr val="002B62"/>
-                    </a:solidFill>
-                  </a:tcPr>
-                </a:tc>
-                <a:extLst>
-                  <a:ext uri="{0D108BD9-81ED-4DB2-BD59-A6C34878D82A}">
-                    <a16:rowId xmlns:a16="http://schemas.microsoft.com/office/drawing/2014/main" val="10000"/>
-                  </a:ext>
-                </a:extLst>
-              </a:tr>
-            </a:tbl>
-          </a:graphicData>
-        </a:graphic>
-      </p:graphicFrame>
-      <p:graphicFrame>
-        <p:nvGraphicFramePr>
-          <p:cNvPr id="7" name="表 6"/>
-          <p:cNvGraphicFramePr>
-            <a:graphicFrameLocks noGrp="1"/>
-          </p:cNvGraphicFramePr>
-          <p:nvPr>
-            <p:extLst>
-              <p:ext uri="{D42A27DB-BD31-4B8C-83A1-F6EECF244321}">
-                <p14:modId xmlns:p14="http://schemas.microsoft.com/office/powerpoint/2010/main" val="4231887630"/>
-              </p:ext>
-            </p:extLst>
-          </p:nvPr>
-        </p:nvGraphicFramePr>
-        <p:xfrm>
-          <a:off x="1828630" y="5469286"/>
-          <a:ext cx="5485765" cy="936130"/>
-        </p:xfrm>
-        <a:graphic>
-          <a:graphicData uri="http://schemas.openxmlformats.org/drawingml/2006/table">
-            <a:tbl>
-              <a:tblPr firstRow="1" firstCol="1" bandRow="1">
-                <a:tableStyleId>{5C22544A-7EE6-4342-B048-85BDC9FD1C3A}</a:tableStyleId>
-              </a:tblPr>
-              <a:tblGrid>
-                <a:gridCol w="5485765">
-                  <a:extLst>
-                    <a:ext uri="{9D8B030D-6E8A-4147-A177-3AD203B41FA5}">
-                      <a16:colId xmlns:a16="http://schemas.microsoft.com/office/drawing/2014/main" val="20000"/>
-                    </a:ext>
-                  </a:extLst>
-                </a:gridCol>
-              </a:tblGrid>
-              <a:tr h="936130">
-                <a:tc>
-                  <a:txBody>
-                    <a:bodyPr/>
-                    <a:lstStyle/>
-                    <a:p>
-                      <a:pPr algn="l">
-                        <a:spcAft>
-                          <a:spcPts val="0"/>
-                        </a:spcAft>
-                      </a:pPr>
-                      <a:r>
-                        <a:rPr lang="en-US" sz="1050" kern="100" dirty="0" smtClean="0">
-                          <a:effectLst/>
-                        </a:rPr>
-                        <a:t>“ITA</a:t>
-                      </a:r>
-                      <a:r>
-                        <a:rPr lang="ja-JP" sz="1050" kern="100" dirty="0" smtClean="0">
-                          <a:effectLst/>
-                        </a:rPr>
-                        <a:t>実装</a:t>
-                      </a:r>
-                      <a:r>
-                        <a:rPr lang="ja-JP" sz="1050" kern="100" dirty="0">
-                          <a:effectLst/>
-                        </a:rPr>
-                        <a:t>サーバの</a:t>
-                      </a:r>
-                      <a:r>
-                        <a:rPr lang="en-US" sz="1050" kern="100" dirty="0">
-                          <a:effectLst/>
-                        </a:rPr>
-                        <a:t>IP</a:t>
-                      </a:r>
-                      <a:r>
-                        <a:rPr lang="ja-JP" sz="1050" kern="100" dirty="0">
-                          <a:effectLst/>
-                        </a:rPr>
-                        <a:t>アドレス</a:t>
-                      </a:r>
-                      <a:r>
-                        <a:rPr lang="en-US" sz="1050" kern="100" dirty="0">
-                          <a:effectLst/>
-                        </a:rPr>
-                        <a:t>”</a:t>
-                      </a:r>
-                      <a:r>
-                        <a:rPr lang="ja-JP" sz="1050" kern="100" dirty="0">
-                          <a:effectLst/>
-                        </a:rPr>
-                        <a:t>　</a:t>
-                      </a:r>
-                      <a:r>
-                        <a:rPr lang="ja-JP" sz="1050" kern="0" dirty="0">
-                          <a:effectLst/>
-                        </a:rPr>
-                        <a:t> </a:t>
-                      </a:r>
-                      <a:r>
-                        <a:rPr lang="en-US" altLang="ja-JP" sz="1050" kern="0" dirty="0" smtClean="0">
-                          <a:effectLst/>
-                        </a:rPr>
-                        <a:t>exastro</a:t>
-                      </a:r>
-                      <a:r>
-                        <a:rPr lang="en-US" sz="1050" kern="0" dirty="0" smtClean="0">
-                          <a:effectLst/>
-                        </a:rPr>
-                        <a:t>-it-automation</a:t>
-                      </a:r>
-                      <a:r>
-                        <a:rPr lang="en-US" sz="1050" kern="0" dirty="0">
-                          <a:effectLst/>
-                        </a:rPr>
-                        <a:t/>
-                      </a:r>
-                      <a:br>
-                        <a:rPr lang="en-US" sz="1050" kern="0" dirty="0">
-                          <a:effectLst/>
-                        </a:rPr>
-                      </a:br>
-                      <a:r>
-                        <a:rPr lang="en-US" sz="1050" kern="0" dirty="0" smtClean="0">
-                          <a:effectLst/>
-                        </a:rPr>
-                        <a:t/>
-                      </a:r>
-                      <a:br>
-                        <a:rPr lang="en-US" sz="1050" kern="0" dirty="0" smtClean="0">
-                          <a:effectLst/>
-                        </a:rPr>
-                      </a:br>
-                      <a:r>
-                        <a:rPr lang="ja-JP" sz="1050" kern="0" dirty="0" smtClean="0">
-                          <a:effectLst/>
-                        </a:rPr>
-                        <a:t>例</a:t>
-                      </a:r>
-                      <a:r>
-                        <a:rPr lang="ja-JP" altLang="en-US" sz="1050" kern="0" dirty="0" smtClean="0">
-                          <a:effectLst/>
-                        </a:rPr>
-                        <a:t>）</a:t>
-                      </a:r>
-                      <a:r>
-                        <a:rPr lang="en-US" sz="1050" kern="0" dirty="0" smtClean="0">
-                          <a:effectLst/>
-                        </a:rPr>
-                        <a:t/>
-                      </a:r>
-                      <a:br>
-                        <a:rPr lang="en-US" sz="1050" kern="0" dirty="0" smtClean="0">
-                          <a:effectLst/>
-                        </a:rPr>
-                      </a:br>
-                      <a:r>
-                        <a:rPr lang="en-US" sz="1050" kern="0" dirty="0" smtClean="0">
-                          <a:effectLst/>
-                        </a:rPr>
-                        <a:t>192.168.0.3 </a:t>
-                      </a:r>
-                      <a:r>
-                        <a:rPr lang="ja-JP" sz="1050" kern="0" dirty="0">
-                          <a:effectLst/>
-                        </a:rPr>
-                        <a:t>　</a:t>
-                      </a:r>
-                      <a:r>
-                        <a:rPr lang="en-US" altLang="ja-JP" sz="1050" kern="0" dirty="0" smtClean="0">
-                          <a:effectLst/>
-                        </a:rPr>
-                        <a:t>e</a:t>
-                      </a:r>
-                      <a:r>
-                        <a:rPr lang="en-US" sz="1050" kern="0" dirty="0" smtClean="0">
-                          <a:effectLst/>
-                        </a:rPr>
-                        <a:t>xastro-it-automation</a:t>
-                      </a:r>
-                      <a:endParaRPr lang="ja-JP" sz="1050" kern="100" dirty="0">
-                        <a:effectLst/>
-                        <a:latin typeface="Century" panose="02040604050505020304" pitchFamily="18" charset="0"/>
-                        <a:ea typeface="ＭＳ 明朝" panose="02020609040205080304" pitchFamily="17" charset="-128"/>
-                        <a:cs typeface="Times New Roman" panose="02020603050405020304" pitchFamily="18" charset="0"/>
-                      </a:endParaRPr>
-                    </a:p>
-                  </a:txBody>
-                  <a:tcPr marL="68580" marR="68580" marT="0" marB="0" anchor="ctr">
-                    <a:solidFill>
-                      <a:srgbClr val="002B62"/>
-                    </a:solidFill>
-                  </a:tcPr>
-                </a:tc>
-                <a:extLst>
-                  <a:ext uri="{0D108BD9-81ED-4DB2-BD59-A6C34878D82A}">
-                    <a16:rowId xmlns:a16="http://schemas.microsoft.com/office/drawing/2014/main" val="10000"/>
-                  </a:ext>
-                </a:extLst>
-              </a:tr>
-            </a:tbl>
-          </a:graphicData>
-        </a:graphic>
-      </p:graphicFrame>
     </p:spTree>
     <p:extLst>
       <p:ext uri="{BB962C8B-B14F-4D97-AF65-F5344CB8AC3E}">
-        <p14:creationId xmlns:p14="http://schemas.microsoft.com/office/powerpoint/2010/main" val="4091577267"/>
+        <p14:creationId xmlns:p14="http://schemas.microsoft.com/office/powerpoint/2010/main" val="2048643760"/>
       </p:ext>
     </p:extLst>
   </p:cSld>
@@ -23923,1534 +23950,6 @@
 </file>
 
 <file path=ppt/slides/slide22.xml><?xml version="1.0" encoding="utf-8"?>
-<p:sld xmlns:a="http://schemas.openxmlformats.org/drawingml/2006/main" xmlns:r="http://schemas.openxmlformats.org/officeDocument/2006/relationships" xmlns:p="http://schemas.openxmlformats.org/presentationml/2006/main">
-  <p:cSld>
-    <p:spTree>
-      <p:nvGrpSpPr>
-        <p:cNvPr id="1" name=""/>
-        <p:cNvGrpSpPr/>
-        <p:nvPr/>
-      </p:nvGrpSpPr>
-      <p:grpSpPr>
-        <a:xfrm>
-          <a:off x="0" y="0"/>
-          <a:ext cx="0" cy="0"/>
-          <a:chOff x="0" y="0"/>
-          <a:chExt cx="0" cy="0"/>
-        </a:xfrm>
-      </p:grpSpPr>
-      <p:sp>
-        <p:nvSpPr>
-          <p:cNvPr id="2" name="タイトル 1"/>
-          <p:cNvSpPr>
-            <a:spLocks noGrp="1"/>
-          </p:cNvSpPr>
-          <p:nvPr>
-            <p:ph type="title"/>
-          </p:nvPr>
-        </p:nvSpPr>
-        <p:spPr/>
-        <p:txBody>
-          <a:bodyPr/>
-          <a:lstStyle/>
-          <a:p>
-            <a:r>
-              <a:rPr lang="en-US" altLang="ja-JP" dirty="0" smtClean="0">
-                <a:latin typeface="Segoe UI" panose="020B0502040204020203" pitchFamily="34" charset="0"/>
-                <a:ea typeface="Segoe UI" panose="020B0502040204020203" pitchFamily="34" charset="0"/>
-                <a:cs typeface="Segoe UI" panose="020B0502040204020203" pitchFamily="34" charset="0"/>
-              </a:rPr>
-              <a:t>4.2	Operation Check (2/5)</a:t>
-            </a:r>
-            <a:endParaRPr kumimoji="1" lang="ja-JP" altLang="en-US" dirty="0">
-              <a:latin typeface="Segoe UI" panose="020B0502040204020203" pitchFamily="34" charset="0"/>
-              <a:cs typeface="Segoe UI" panose="020B0502040204020203" pitchFamily="34" charset="0"/>
-            </a:endParaRPr>
-          </a:p>
-        </p:txBody>
-      </p:sp>
-      <p:sp>
-        <p:nvSpPr>
-          <p:cNvPr id="3" name="コンテンツ プレースホルダー 2"/>
-          <p:cNvSpPr>
-            <a:spLocks noGrp="1"/>
-          </p:cNvSpPr>
-          <p:nvPr>
-            <p:ph sz="quarter" idx="10"/>
-          </p:nvPr>
-        </p:nvSpPr>
-        <p:spPr/>
-        <p:txBody>
-          <a:bodyPr>
-            <a:normAutofit fontScale="92500" lnSpcReduction="20000"/>
-          </a:bodyPr>
-          <a:lstStyle/>
-          <a:p>
-            <a:r>
-              <a:rPr lang="en-US" altLang="ja-JP" dirty="0" smtClean="0">
-                <a:latin typeface="Segoe UI" panose="020B0502040204020203" pitchFamily="34" charset="0"/>
-                <a:ea typeface="Segoe UI" panose="020B0502040204020203" pitchFamily="34" charset="0"/>
-                <a:cs typeface="Segoe UI" panose="020B0502040204020203" pitchFamily="34" charset="0"/>
-              </a:rPr>
-              <a:t>Importing the certificate to the Windows client</a:t>
-            </a:r>
-          </a:p>
-          <a:p>
-            <a:pPr lvl="1"/>
-            <a:r>
-              <a:rPr lang="en-US" altLang="ja-JP" dirty="0" smtClean="0">
-                <a:latin typeface="Segoe UI" panose="020B0502040204020203" pitchFamily="34" charset="0"/>
-                <a:ea typeface="Segoe UI" panose="020B0502040204020203" pitchFamily="34" charset="0"/>
-                <a:cs typeface="Segoe UI" panose="020B0502040204020203" pitchFamily="34" charset="0"/>
-              </a:rPr>
-              <a:t>The certificate is stored in the following directory of the </a:t>
-            </a:r>
-            <a:r>
-              <a:rPr lang="en-US" altLang="ja-JP" dirty="0" smtClean="0">
-                <a:solidFill>
-                  <a:srgbClr val="000000"/>
-                </a:solidFill>
-                <a:latin typeface="Segoe UI" panose="020B0502040204020203" pitchFamily="34" charset="0"/>
-                <a:ea typeface="Segoe UI" panose="020B0502040204020203" pitchFamily="34" charset="0"/>
-                <a:cs typeface="Segoe UI" panose="020B0502040204020203" pitchFamily="34" charset="0"/>
-              </a:rPr>
-              <a:t>IT Automation installation package.</a:t>
-            </a:r>
-            <a:endParaRPr lang="ja-JP" altLang="ja-JP" dirty="0">
-              <a:solidFill>
-                <a:srgbClr val="000000"/>
-              </a:solidFill>
-              <a:latin typeface="Segoe UI" panose="020B0502040204020203" pitchFamily="34" charset="0"/>
-              <a:cs typeface="Segoe UI" panose="020B0502040204020203" pitchFamily="34" charset="0"/>
-            </a:endParaRPr>
-          </a:p>
-          <a:p>
-            <a:pPr lvl="1"/>
-            <a:r>
-              <a:rPr lang="en-US" altLang="ja-JP" dirty="0" smtClean="0">
-                <a:latin typeface="Segoe UI" panose="020B0502040204020203" pitchFamily="34" charset="0"/>
-                <a:ea typeface="Segoe UI" panose="020B0502040204020203" pitchFamily="34" charset="0"/>
-                <a:cs typeface="Segoe UI" panose="020B0502040204020203" pitchFamily="34" charset="0"/>
-              </a:rPr>
-              <a:t>Use a tool (such as FFFTP and WinSCP) to download the client.</a:t>
-            </a:r>
-            <a:endParaRPr lang="ja-JP" altLang="ja-JP" dirty="0">
-              <a:latin typeface="Segoe UI" panose="020B0502040204020203" pitchFamily="34" charset="0"/>
-              <a:cs typeface="Segoe UI" panose="020B0502040204020203" pitchFamily="34" charset="0"/>
-            </a:endParaRPr>
-          </a:p>
-          <a:p>
-            <a:pPr marL="180000" lvl="1" indent="0">
-              <a:buNone/>
-            </a:pPr>
-            <a:endParaRPr lang="en-US" altLang="ja-JP" dirty="0" smtClean="0">
-              <a:latin typeface="Segoe UI" panose="020B0502040204020203" pitchFamily="34" charset="0"/>
-              <a:ea typeface="Segoe UI" panose="020B0502040204020203" pitchFamily="34" charset="0"/>
-              <a:cs typeface="Segoe UI" panose="020B0502040204020203" pitchFamily="34" charset="0"/>
-            </a:endParaRPr>
-          </a:p>
-          <a:p>
-            <a:pPr marL="180000" lvl="1" indent="0">
-              <a:buNone/>
-            </a:pPr>
-            <a:endParaRPr lang="en-US" altLang="ja-JP" dirty="0">
-              <a:latin typeface="Segoe UI" panose="020B0502040204020203" pitchFamily="34" charset="0"/>
-              <a:ea typeface="Segoe UI" panose="020B0502040204020203" pitchFamily="34" charset="0"/>
-              <a:cs typeface="Segoe UI" panose="020B0502040204020203" pitchFamily="34" charset="0"/>
-            </a:endParaRPr>
-          </a:p>
-          <a:p>
-            <a:pPr marL="180000" lvl="1" indent="0">
-              <a:buNone/>
-            </a:pPr>
-            <a:endParaRPr lang="en-US" altLang="ja-JP" dirty="0" smtClean="0">
-              <a:latin typeface="Segoe UI" panose="020B0502040204020203" pitchFamily="34" charset="0"/>
-              <a:ea typeface="Segoe UI" panose="020B0502040204020203" pitchFamily="34" charset="0"/>
-              <a:cs typeface="Segoe UI" panose="020B0502040204020203" pitchFamily="34" charset="0"/>
-            </a:endParaRPr>
-          </a:p>
-          <a:p>
-            <a:pPr marL="180000" lvl="1" indent="0">
-              <a:buNone/>
-            </a:pPr>
-            <a:endParaRPr lang="en-US" altLang="ja-JP" dirty="0" smtClean="0">
-              <a:latin typeface="Segoe UI" panose="020B0502040204020203" pitchFamily="34" charset="0"/>
-              <a:ea typeface="Segoe UI" panose="020B0502040204020203" pitchFamily="34" charset="0"/>
-              <a:cs typeface="Segoe UI" panose="020B0502040204020203" pitchFamily="34" charset="0"/>
-            </a:endParaRPr>
-          </a:p>
-          <a:p>
-            <a:pPr marL="180000" lvl="1" indent="0">
-              <a:buNone/>
-            </a:pPr>
-            <a:endParaRPr lang="en-US" altLang="ja-JP" dirty="0">
-              <a:latin typeface="Segoe UI" panose="020B0502040204020203" pitchFamily="34" charset="0"/>
-              <a:ea typeface="Segoe UI" panose="020B0502040204020203" pitchFamily="34" charset="0"/>
-              <a:cs typeface="Segoe UI" panose="020B0502040204020203" pitchFamily="34" charset="0"/>
-            </a:endParaRPr>
-          </a:p>
-          <a:p>
-            <a:pPr lvl="1"/>
-            <a:r>
-              <a:rPr lang="en-US" altLang="ja-JP" dirty="0" smtClean="0">
-                <a:latin typeface="Segoe UI" panose="020B0502040204020203" pitchFamily="34" charset="0"/>
-                <a:ea typeface="Segoe UI" panose="020B0502040204020203" pitchFamily="34" charset="0"/>
-                <a:cs typeface="Segoe UI" panose="020B0502040204020203" pitchFamily="34" charset="0"/>
-              </a:rPr>
-              <a:t>Import the certificate to a Web browser.</a:t>
-            </a:r>
-            <a:endParaRPr lang="ja-JP" altLang="ja-JP" dirty="0">
-              <a:latin typeface="Segoe UI" panose="020B0502040204020203" pitchFamily="34" charset="0"/>
-              <a:cs typeface="Segoe UI" panose="020B0502040204020203" pitchFamily="34" charset="0"/>
-            </a:endParaRPr>
-          </a:p>
-          <a:p>
-            <a:pPr lvl="1"/>
-            <a:r>
-              <a:rPr lang="en-US" altLang="ja-JP" dirty="0" smtClean="0">
-                <a:latin typeface="Segoe UI" panose="020B0502040204020203" pitchFamily="34" charset="0"/>
-                <a:ea typeface="Segoe UI" panose="020B0502040204020203" pitchFamily="34" charset="0"/>
-                <a:cs typeface="Segoe UI" panose="020B0502040204020203" pitchFamily="34" charset="0"/>
-              </a:rPr>
-              <a:t>For </a:t>
-            </a:r>
-            <a:r>
-              <a:rPr lang="en-US" altLang="ja-JP" dirty="0" smtClean="0">
-                <a:ea typeface="Segoe UI" panose="020B0502040204020203" pitchFamily="34" charset="0"/>
-              </a:rPr>
-              <a:t>Google Chrome</a:t>
-            </a:r>
-            <a:r>
-              <a:rPr lang="en-US" altLang="ja-JP" dirty="0" smtClean="0">
-                <a:latin typeface="Segoe UI" panose="020B0502040204020203" pitchFamily="34" charset="0"/>
-                <a:ea typeface="Segoe UI" panose="020B0502040204020203" pitchFamily="34" charset="0"/>
-                <a:cs typeface="Segoe UI" panose="020B0502040204020203" pitchFamily="34" charset="0"/>
-              </a:rPr>
-              <a:t>, import the certificate as follows.</a:t>
-            </a:r>
-          </a:p>
-          <a:p>
-            <a:pPr lvl="1"/>
-            <a:endParaRPr lang="ja-JP" altLang="ja-JP" dirty="0">
-              <a:latin typeface="Segoe UI" panose="020B0502040204020203" pitchFamily="34" charset="0"/>
-              <a:cs typeface="Segoe UI" panose="020B0502040204020203" pitchFamily="34" charset="0"/>
-            </a:endParaRPr>
-          </a:p>
-          <a:p>
-            <a:pPr marL="700088" lvl="1" indent="-342900">
-              <a:buFont typeface="+mj-lt"/>
-              <a:buAutoNum type="arabicPeriod"/>
-            </a:pPr>
-            <a:r>
-              <a:rPr lang="en-US" altLang="ja-JP" dirty="0" smtClean="0">
-                <a:latin typeface="Segoe UI" panose="020B0502040204020203" pitchFamily="34" charset="0"/>
-                <a:ea typeface="Segoe UI" panose="020B0502040204020203" pitchFamily="34" charset="0"/>
-                <a:cs typeface="Segoe UI" panose="020B0502040204020203" pitchFamily="34" charset="0"/>
-              </a:rPr>
-              <a:t>Start </a:t>
-            </a:r>
-            <a:r>
-              <a:rPr lang="en-US" altLang="ja-JP" dirty="0">
-                <a:latin typeface="Segoe UI" panose="020B0502040204020203" pitchFamily="34" charset="0"/>
-                <a:ea typeface="Segoe UI" panose="020B0502040204020203" pitchFamily="34" charset="0"/>
-                <a:cs typeface="Segoe UI" panose="020B0502040204020203" pitchFamily="34" charset="0"/>
-              </a:rPr>
-              <a:t>up </a:t>
-            </a:r>
-            <a:r>
-              <a:rPr lang="en-US" altLang="ja-JP" dirty="0" smtClean="0">
-                <a:ea typeface="Segoe UI" panose="020B0502040204020203" pitchFamily="34" charset="0"/>
-              </a:rPr>
-              <a:t>Google Chrome</a:t>
-            </a:r>
-            <a:r>
-              <a:rPr lang="en-US" altLang="ja-JP" dirty="0" smtClean="0">
-                <a:latin typeface="Segoe UI" panose="020B0502040204020203" pitchFamily="34" charset="0"/>
-                <a:ea typeface="Segoe UI" panose="020B0502040204020203" pitchFamily="34" charset="0"/>
-                <a:cs typeface="Segoe UI" panose="020B0502040204020203" pitchFamily="34" charset="0"/>
-              </a:rPr>
-              <a:t>. Then select </a:t>
-            </a:r>
-            <a:r>
-              <a:rPr lang="en-US" altLang="ja-JP" b="1" dirty="0">
-                <a:ea typeface="Segoe UI" panose="020B0502040204020203" pitchFamily="34" charset="0"/>
-              </a:rPr>
-              <a:t>Settings button </a:t>
-            </a:r>
-            <a:r>
-              <a:rPr lang="en-US" altLang="ja-JP" dirty="0" smtClean="0">
-                <a:ea typeface="Segoe UI" panose="020B0502040204020203" pitchFamily="34" charset="0"/>
-              </a:rPr>
-              <a:t>in the upper right </a:t>
-            </a:r>
-            <a:r>
-              <a:rPr lang="en-US" altLang="ja-JP" dirty="0" smtClean="0">
-                <a:latin typeface="Segoe UI" panose="020B0502040204020203" pitchFamily="34" charset="0"/>
-                <a:ea typeface="Segoe UI" panose="020B0502040204020203" pitchFamily="34" charset="0"/>
-                <a:cs typeface="Segoe UI" panose="020B0502040204020203" pitchFamily="34" charset="0"/>
-              </a:rPr>
-              <a:t>&gt; </a:t>
-            </a:r>
-            <a:r>
-              <a:rPr lang="en-US" altLang="ja-JP" b="1" dirty="0" smtClean="0">
-                <a:latin typeface="Segoe UI" panose="020B0502040204020203" pitchFamily="34" charset="0"/>
-                <a:ea typeface="Segoe UI" panose="020B0502040204020203" pitchFamily="34" charset="0"/>
-                <a:cs typeface="Segoe UI" panose="020B0502040204020203" pitchFamily="34" charset="0"/>
-              </a:rPr>
-              <a:t>settings</a:t>
-            </a:r>
-            <a:r>
-              <a:rPr lang="en-US" altLang="ja-JP" dirty="0" smtClean="0">
-                <a:latin typeface="Segoe UI" panose="020B0502040204020203" pitchFamily="34" charset="0"/>
-                <a:ea typeface="Segoe UI" panose="020B0502040204020203" pitchFamily="34" charset="0"/>
-                <a:cs typeface="Segoe UI" panose="020B0502040204020203" pitchFamily="34" charset="0"/>
-              </a:rPr>
-              <a:t>.</a:t>
-            </a:r>
-            <a:endParaRPr lang="ja-JP" altLang="ja-JP" dirty="0">
-              <a:latin typeface="Segoe UI" panose="020B0502040204020203" pitchFamily="34" charset="0"/>
-              <a:cs typeface="Segoe UI" panose="020B0502040204020203" pitchFamily="34" charset="0"/>
-            </a:endParaRPr>
-          </a:p>
-          <a:p>
-            <a:pPr marL="700088" lvl="1" indent="-342900">
-              <a:buFont typeface="+mj-lt"/>
-              <a:buAutoNum type="arabicPeriod"/>
-            </a:pPr>
-            <a:r>
-              <a:rPr lang="en-US" altLang="ja-JP" dirty="0" smtClean="0">
-                <a:ea typeface="Segoe UI" panose="020B0502040204020203" pitchFamily="34" charset="0"/>
-              </a:rPr>
-              <a:t>Select </a:t>
-            </a:r>
-            <a:r>
-              <a:rPr lang="en-US" altLang="ja-JP" b="1" dirty="0" smtClean="0">
-                <a:ea typeface="Segoe UI" panose="020B0502040204020203" pitchFamily="34" charset="0"/>
-              </a:rPr>
-              <a:t>Advanced </a:t>
-            </a:r>
-            <a:r>
-              <a:rPr lang="en-US" altLang="ja-JP" dirty="0" smtClean="0">
-                <a:ea typeface="Segoe UI" panose="020B0502040204020203" pitchFamily="34" charset="0"/>
-              </a:rPr>
-              <a:t>in </a:t>
-            </a:r>
-            <a:r>
-              <a:rPr lang="en-US" altLang="ja-JP" dirty="0">
-                <a:ea typeface="Segoe UI" panose="020B0502040204020203" pitchFamily="34" charset="0"/>
-              </a:rPr>
-              <a:t>the Lower part of browser</a:t>
-            </a:r>
-            <a:r>
-              <a:rPr lang="en-US" altLang="ja-JP" dirty="0" smtClean="0">
-                <a:ea typeface="Segoe UI" panose="020B0502040204020203" pitchFamily="34" charset="0"/>
-              </a:rPr>
-              <a:t> &gt; </a:t>
-            </a:r>
-            <a:r>
-              <a:rPr lang="en-US" altLang="ja-JP" b="1" dirty="0" smtClean="0">
-                <a:ea typeface="Segoe UI" panose="020B0502040204020203" pitchFamily="34" charset="0"/>
-              </a:rPr>
-              <a:t>Manage certificates</a:t>
-            </a:r>
-            <a:r>
-              <a:rPr lang="en-US" altLang="ja-JP" dirty="0" smtClean="0">
-                <a:ea typeface="Segoe UI" panose="020B0502040204020203" pitchFamily="34" charset="0"/>
-              </a:rPr>
-              <a:t>.</a:t>
-            </a:r>
-            <a:endParaRPr lang="ja-JP" altLang="ja-JP" dirty="0">
-              <a:latin typeface="Segoe UI" panose="020B0502040204020203" pitchFamily="34" charset="0"/>
-              <a:cs typeface="Segoe UI" panose="020B0502040204020203" pitchFamily="34" charset="0"/>
-            </a:endParaRPr>
-          </a:p>
-          <a:p>
-            <a:pPr marL="700088" lvl="1" indent="-342900">
-              <a:buFont typeface="+mj-lt"/>
-              <a:buAutoNum type="arabicPeriod"/>
-            </a:pPr>
-            <a:r>
-              <a:rPr lang="en-US" altLang="ja-JP" dirty="0" smtClean="0">
-                <a:ea typeface="Segoe UI" panose="020B0502040204020203" pitchFamily="34" charset="0"/>
-              </a:rPr>
-              <a:t>In </a:t>
-            </a:r>
-            <a:r>
-              <a:rPr lang="en-US" altLang="ja-JP" dirty="0">
-                <a:ea typeface="Segoe UI" panose="020B0502040204020203" pitchFamily="34" charset="0"/>
-              </a:rPr>
-              <a:t>the </a:t>
-            </a:r>
-            <a:r>
-              <a:rPr lang="en-US" altLang="ja-JP" b="1" dirty="0">
-                <a:ea typeface="Segoe UI" panose="020B0502040204020203" pitchFamily="34" charset="0"/>
-              </a:rPr>
-              <a:t>Trusted Root Certification Authorities</a:t>
-            </a:r>
-            <a:r>
-              <a:rPr lang="en-US" altLang="ja-JP" dirty="0">
-                <a:ea typeface="Segoe UI" panose="020B0502040204020203" pitchFamily="34" charset="0"/>
-              </a:rPr>
-              <a:t> tab </a:t>
-            </a:r>
-            <a:r>
-              <a:rPr lang="en-US" altLang="ja-JP" dirty="0" smtClean="0">
-                <a:latin typeface="Segoe UI" panose="020B0502040204020203" pitchFamily="34" charset="0"/>
-                <a:ea typeface="Segoe UI" panose="020B0502040204020203" pitchFamily="34" charset="0"/>
-                <a:cs typeface="Segoe UI" panose="020B0502040204020203" pitchFamily="34" charset="0"/>
-              </a:rPr>
-              <a:t>click the </a:t>
-            </a:r>
-            <a:r>
-              <a:rPr lang="en-US" altLang="ja-JP" b="1" dirty="0" smtClean="0">
-                <a:latin typeface="Segoe UI" panose="020B0502040204020203" pitchFamily="34" charset="0"/>
-                <a:ea typeface="Segoe UI" panose="020B0502040204020203" pitchFamily="34" charset="0"/>
-                <a:cs typeface="Segoe UI" panose="020B0502040204020203" pitchFamily="34" charset="0"/>
-              </a:rPr>
-              <a:t>Import</a:t>
-            </a:r>
-            <a:r>
-              <a:rPr lang="en-US" altLang="ja-JP" dirty="0" smtClean="0">
-                <a:latin typeface="Segoe UI" panose="020B0502040204020203" pitchFamily="34" charset="0"/>
-                <a:ea typeface="Segoe UI" panose="020B0502040204020203" pitchFamily="34" charset="0"/>
-                <a:cs typeface="Segoe UI" panose="020B0502040204020203" pitchFamily="34" charset="0"/>
-              </a:rPr>
-              <a:t> button in the lower left.</a:t>
-            </a:r>
-            <a:endParaRPr lang="ja-JP" altLang="ja-JP" dirty="0">
-              <a:latin typeface="Segoe UI" panose="020B0502040204020203" pitchFamily="34" charset="0"/>
-              <a:cs typeface="Segoe UI" panose="020B0502040204020203" pitchFamily="34" charset="0"/>
-            </a:endParaRPr>
-          </a:p>
-          <a:p>
-            <a:pPr marL="700088" lvl="1" indent="-342900">
-              <a:buFont typeface="+mj-lt"/>
-              <a:buAutoNum type="arabicPeriod"/>
-            </a:pPr>
-            <a:r>
-              <a:rPr lang="en-US" altLang="ja-JP" dirty="0" smtClean="0">
-                <a:latin typeface="Segoe UI" panose="020B0502040204020203" pitchFamily="34" charset="0"/>
-                <a:ea typeface="Segoe UI" panose="020B0502040204020203" pitchFamily="34" charset="0"/>
-                <a:cs typeface="Segoe UI" panose="020B0502040204020203" pitchFamily="34" charset="0"/>
-              </a:rPr>
-              <a:t>When the certificate import wizard appears, click </a:t>
-            </a:r>
-            <a:r>
-              <a:rPr lang="en-US" altLang="ja-JP" b="1" dirty="0" smtClean="0">
-                <a:latin typeface="Segoe UI" panose="020B0502040204020203" pitchFamily="34" charset="0"/>
-                <a:ea typeface="Segoe UI" panose="020B0502040204020203" pitchFamily="34" charset="0"/>
-                <a:cs typeface="Segoe UI" panose="020B0502040204020203" pitchFamily="34" charset="0"/>
-              </a:rPr>
-              <a:t>Next</a:t>
-            </a:r>
-            <a:r>
-              <a:rPr lang="en-US" altLang="ja-JP" dirty="0" smtClean="0">
-                <a:latin typeface="Segoe UI" panose="020B0502040204020203" pitchFamily="34" charset="0"/>
-                <a:ea typeface="Segoe UI" panose="020B0502040204020203" pitchFamily="34" charset="0"/>
-                <a:cs typeface="Segoe UI" panose="020B0502040204020203" pitchFamily="34" charset="0"/>
-              </a:rPr>
-              <a:t>.</a:t>
-            </a:r>
-            <a:endParaRPr lang="ja-JP" altLang="ja-JP" dirty="0">
-              <a:latin typeface="Segoe UI" panose="020B0502040204020203" pitchFamily="34" charset="0"/>
-              <a:cs typeface="Segoe UI" panose="020B0502040204020203" pitchFamily="34" charset="0"/>
-            </a:endParaRPr>
-          </a:p>
-          <a:p>
-            <a:pPr marL="700088" lvl="1" indent="-342900">
-              <a:buFont typeface="+mj-lt"/>
-              <a:buAutoNum type="arabicPeriod"/>
-            </a:pPr>
-            <a:r>
-              <a:rPr lang="en-US" altLang="ja-JP" dirty="0" smtClean="0">
-                <a:latin typeface="Segoe UI" panose="020B0502040204020203" pitchFamily="34" charset="0"/>
-                <a:ea typeface="Segoe UI" panose="020B0502040204020203" pitchFamily="34" charset="0"/>
-                <a:cs typeface="Segoe UI" panose="020B0502040204020203" pitchFamily="34" charset="0"/>
-              </a:rPr>
-              <a:t>Specify the name of the file to be imported. </a:t>
-            </a:r>
-            <a:r>
-              <a:rPr lang="en-US" altLang="ja-JP" dirty="0">
-                <a:latin typeface="Segoe UI" panose="020B0502040204020203" pitchFamily="34" charset="0"/>
-                <a:ea typeface="Segoe UI" panose="020B0502040204020203" pitchFamily="34" charset="0"/>
-                <a:cs typeface="Segoe UI" panose="020B0502040204020203" pitchFamily="34" charset="0"/>
-              </a:rPr>
-              <a:t>Then click </a:t>
-            </a:r>
-            <a:r>
-              <a:rPr lang="en-US" altLang="ja-JP" b="1" dirty="0">
-                <a:latin typeface="Segoe UI" panose="020B0502040204020203" pitchFamily="34" charset="0"/>
-                <a:ea typeface="Segoe UI" panose="020B0502040204020203" pitchFamily="34" charset="0"/>
-                <a:cs typeface="Segoe UI" panose="020B0502040204020203" pitchFamily="34" charset="0"/>
-              </a:rPr>
-              <a:t>Next</a:t>
-            </a:r>
-            <a:r>
-              <a:rPr lang="en-US" altLang="ja-JP" dirty="0" smtClean="0">
-                <a:latin typeface="Segoe UI" panose="020B0502040204020203" pitchFamily="34" charset="0"/>
-                <a:ea typeface="Segoe UI" panose="020B0502040204020203" pitchFamily="34" charset="0"/>
-                <a:cs typeface="Segoe UI" panose="020B0502040204020203" pitchFamily="34" charset="0"/>
-              </a:rPr>
-              <a:t>.</a:t>
-            </a:r>
-            <a:endParaRPr lang="ja-JP" altLang="ja-JP" dirty="0">
-              <a:latin typeface="Segoe UI" panose="020B0502040204020203" pitchFamily="34" charset="0"/>
-              <a:cs typeface="Segoe UI" panose="020B0502040204020203" pitchFamily="34" charset="0"/>
-            </a:endParaRPr>
-          </a:p>
-          <a:p>
-            <a:pPr marL="700088" lvl="1" indent="-342900">
-              <a:buFont typeface="+mj-lt"/>
-              <a:buAutoNum type="arabicPeriod"/>
-            </a:pPr>
-            <a:r>
-              <a:rPr lang="en-US" altLang="ja-JP" dirty="0" smtClean="0">
-                <a:latin typeface="Segoe UI" panose="020B0502040204020203" pitchFamily="34" charset="0"/>
-                <a:ea typeface="Segoe UI" panose="020B0502040204020203" pitchFamily="34" charset="0"/>
-                <a:cs typeface="Segoe UI" panose="020B0502040204020203" pitchFamily="34" charset="0"/>
-              </a:rPr>
-              <a:t>Make sure that the </a:t>
-            </a:r>
-            <a:r>
-              <a:rPr lang="en-US" altLang="ja-JP" b="1" dirty="0" smtClean="0">
-                <a:latin typeface="Segoe UI" panose="020B0502040204020203" pitchFamily="34" charset="0"/>
-                <a:ea typeface="Segoe UI" panose="020B0502040204020203" pitchFamily="34" charset="0"/>
-                <a:cs typeface="Segoe UI" panose="020B0502040204020203" pitchFamily="34" charset="0"/>
-              </a:rPr>
-              <a:t>Place </a:t>
-            </a:r>
-            <a:r>
-              <a:rPr lang="en-US" altLang="ja-JP" b="1" dirty="0">
-                <a:latin typeface="Segoe UI" panose="020B0502040204020203" pitchFamily="34" charset="0"/>
-                <a:ea typeface="Segoe UI" panose="020B0502040204020203" pitchFamily="34" charset="0"/>
-                <a:cs typeface="Segoe UI" panose="020B0502040204020203" pitchFamily="34" charset="0"/>
-              </a:rPr>
-              <a:t>all certificates in the following </a:t>
-            </a:r>
-            <a:r>
-              <a:rPr lang="en-US" altLang="ja-JP" b="1" dirty="0" smtClean="0">
-                <a:latin typeface="Segoe UI" panose="020B0502040204020203" pitchFamily="34" charset="0"/>
-                <a:ea typeface="Segoe UI" panose="020B0502040204020203" pitchFamily="34" charset="0"/>
-                <a:cs typeface="Segoe UI" panose="020B0502040204020203" pitchFamily="34" charset="0"/>
-              </a:rPr>
-              <a:t>store</a:t>
-            </a:r>
-            <a:r>
-              <a:rPr lang="en-US" altLang="ja-JP" dirty="0" smtClean="0">
-                <a:latin typeface="Segoe UI" panose="020B0502040204020203" pitchFamily="34" charset="0"/>
-                <a:ea typeface="Segoe UI" panose="020B0502040204020203" pitchFamily="34" charset="0"/>
-                <a:cs typeface="Segoe UI" panose="020B0502040204020203" pitchFamily="34" charset="0"/>
-              </a:rPr>
-              <a:t> option is selected.</a:t>
-            </a:r>
-            <a:endParaRPr lang="ja-JP" altLang="ja-JP" dirty="0">
-              <a:latin typeface="Segoe UI" panose="020B0502040204020203" pitchFamily="34" charset="0"/>
-              <a:cs typeface="Segoe UI" panose="020B0502040204020203" pitchFamily="34" charset="0"/>
-            </a:endParaRPr>
-          </a:p>
-          <a:p>
-            <a:pPr marL="700088" lvl="1" indent="-342900">
-              <a:buFont typeface="+mj-lt"/>
-              <a:buAutoNum type="arabicPeriod"/>
-            </a:pPr>
-            <a:r>
-              <a:rPr lang="en-US" altLang="ja-JP" dirty="0" smtClean="0">
-                <a:solidFill>
-                  <a:srgbClr val="000000"/>
-                </a:solidFill>
-                <a:latin typeface="Segoe UI" panose="020B0502040204020203" pitchFamily="34" charset="0"/>
-                <a:ea typeface="Segoe UI" panose="020B0502040204020203" pitchFamily="34" charset="0"/>
-                <a:cs typeface="Segoe UI" panose="020B0502040204020203" pitchFamily="34" charset="0"/>
-              </a:rPr>
-              <a:t>S</a:t>
-            </a:r>
-            <a:r>
-              <a:rPr lang="en-US" altLang="ja-JP" dirty="0" smtClean="0">
-                <a:solidFill>
-                  <a:srgbClr val="000000"/>
-                </a:solidFill>
-                <a:ea typeface="Segoe UI" panose="020B0502040204020203" pitchFamily="34" charset="0"/>
-              </a:rPr>
-              <a:t>elect </a:t>
-            </a:r>
-            <a:r>
-              <a:rPr lang="en-US" altLang="ja-JP" b="1" dirty="0" smtClean="0">
-                <a:solidFill>
-                  <a:srgbClr val="000000"/>
-                </a:solidFill>
-                <a:ea typeface="Segoe UI" panose="020B0502040204020203" pitchFamily="34" charset="0"/>
-              </a:rPr>
-              <a:t>Trusted Root Certification Authorities</a:t>
-            </a:r>
-            <a:r>
-              <a:rPr lang="en-US" altLang="ja-JP" dirty="0" smtClean="0">
-                <a:solidFill>
-                  <a:srgbClr val="000000"/>
-                </a:solidFill>
-                <a:ea typeface="Segoe UI" panose="020B0502040204020203" pitchFamily="34" charset="0"/>
-              </a:rPr>
-              <a:t> and click </a:t>
-            </a:r>
-            <a:r>
-              <a:rPr lang="en-US" altLang="ja-JP" b="1" dirty="0" smtClean="0">
-                <a:solidFill>
-                  <a:srgbClr val="000000"/>
-                </a:solidFill>
-                <a:ea typeface="Segoe UI" panose="020B0502040204020203" pitchFamily="34" charset="0"/>
-              </a:rPr>
-              <a:t>Next</a:t>
-            </a:r>
-            <a:r>
-              <a:rPr lang="en-US" altLang="ja-JP" dirty="0" smtClean="0">
-                <a:solidFill>
-                  <a:srgbClr val="000000"/>
-                </a:solidFill>
-                <a:ea typeface="Segoe UI" panose="020B0502040204020203" pitchFamily="34" charset="0"/>
-              </a:rPr>
-              <a:t>.</a:t>
-            </a:r>
-          </a:p>
-          <a:p>
-            <a:pPr marL="573188" lvl="3" indent="0">
-              <a:buNone/>
-            </a:pPr>
-            <a:r>
-              <a:rPr lang="ja-JP" altLang="en-US" sz="1600" dirty="0">
-                <a:solidFill>
-                  <a:srgbClr val="000000"/>
-                </a:solidFill>
-              </a:rPr>
-              <a:t> </a:t>
-            </a:r>
-            <a:r>
-              <a:rPr lang="ja-JP" altLang="en-US" sz="1600" dirty="0" smtClean="0">
-                <a:solidFill>
-                  <a:srgbClr val="000000"/>
-                </a:solidFill>
-              </a:rPr>
-              <a:t> </a:t>
-            </a:r>
-            <a:r>
-              <a:rPr lang="en-US" altLang="ja-JP" sz="1600" dirty="0">
-                <a:solidFill>
-                  <a:srgbClr val="000000"/>
-                </a:solidFill>
-              </a:rPr>
-              <a:t>※If not selected, select </a:t>
-            </a:r>
-            <a:r>
-              <a:rPr lang="en-US" altLang="ja-JP" sz="1600" b="1" dirty="0" smtClean="0">
-                <a:solidFill>
-                  <a:srgbClr val="000000"/>
-                </a:solidFill>
-                <a:ea typeface="Segoe UI" panose="020B0502040204020203" pitchFamily="34" charset="0"/>
-              </a:rPr>
-              <a:t>Trusted </a:t>
-            </a:r>
-            <a:r>
-              <a:rPr lang="en-US" altLang="ja-JP" sz="1600" b="1" dirty="0">
-                <a:solidFill>
-                  <a:srgbClr val="000000"/>
-                </a:solidFill>
-                <a:ea typeface="Segoe UI" panose="020B0502040204020203" pitchFamily="34" charset="0"/>
-              </a:rPr>
-              <a:t>Root Certification </a:t>
-            </a:r>
-            <a:r>
-              <a:rPr lang="en-US" altLang="ja-JP" sz="1600" b="1" dirty="0" smtClean="0">
-                <a:solidFill>
-                  <a:srgbClr val="000000"/>
-                </a:solidFill>
-                <a:ea typeface="Segoe UI" panose="020B0502040204020203" pitchFamily="34" charset="0"/>
-              </a:rPr>
-              <a:t>Authorities</a:t>
-            </a:r>
-            <a:r>
-              <a:rPr lang="en-US" altLang="ja-JP" sz="1600" dirty="0" smtClean="0">
-                <a:solidFill>
-                  <a:srgbClr val="000000"/>
-                </a:solidFill>
-              </a:rPr>
-              <a:t> </a:t>
-            </a:r>
-            <a:r>
-              <a:rPr lang="en-US" altLang="ja-JP" sz="1600" dirty="0">
-                <a:solidFill>
-                  <a:srgbClr val="000000"/>
-                </a:solidFill>
-              </a:rPr>
-              <a:t>from </a:t>
-            </a:r>
-            <a:r>
-              <a:rPr lang="en-US" altLang="ja-JP" sz="1600" b="1" dirty="0" smtClean="0">
-                <a:solidFill>
-                  <a:srgbClr val="000000"/>
-                </a:solidFill>
-              </a:rPr>
-              <a:t>Reference</a:t>
-            </a:r>
-            <a:r>
-              <a:rPr lang="en-US" altLang="ja-JP" sz="1600" dirty="0" smtClean="0">
-                <a:solidFill>
-                  <a:srgbClr val="000000"/>
-                </a:solidFill>
-              </a:rPr>
-              <a:t> </a:t>
-            </a:r>
-            <a:r>
-              <a:rPr lang="en-US" altLang="ja-JP" sz="1600" dirty="0">
-                <a:solidFill>
-                  <a:srgbClr val="000000"/>
-                </a:solidFill>
-              </a:rPr>
-              <a:t>on the right.</a:t>
-            </a:r>
-            <a:endParaRPr lang="ja-JP" altLang="ja-JP" sz="1600" dirty="0" smtClean="0">
-              <a:solidFill>
-                <a:srgbClr val="000000"/>
-              </a:solidFill>
-            </a:endParaRPr>
-          </a:p>
-          <a:p>
-            <a:pPr marL="700088" lvl="1" indent="-342900">
-              <a:buFont typeface="+mj-lt"/>
-              <a:buAutoNum type="arabicPeriod"/>
-            </a:pPr>
-            <a:r>
-              <a:rPr lang="en-US" altLang="ja-JP" dirty="0" smtClean="0">
-                <a:ea typeface="Segoe UI" panose="020B0502040204020203" pitchFamily="34" charset="0"/>
-              </a:rPr>
-              <a:t>Click </a:t>
-            </a:r>
-            <a:r>
-              <a:rPr lang="en-US" altLang="ja-JP" b="1" dirty="0" smtClean="0">
-                <a:ea typeface="Segoe UI" panose="020B0502040204020203" pitchFamily="34" charset="0"/>
-              </a:rPr>
-              <a:t>Finish</a:t>
-            </a:r>
-            <a:r>
-              <a:rPr lang="en-US" altLang="ja-JP" dirty="0" smtClean="0">
-                <a:ea typeface="Segoe UI" panose="020B0502040204020203" pitchFamily="34" charset="0"/>
-              </a:rPr>
-              <a:t>.</a:t>
-            </a:r>
-            <a:endParaRPr lang="ja-JP" altLang="ja-JP" dirty="0" smtClean="0"/>
-          </a:p>
-          <a:p>
-            <a:pPr lvl="1"/>
-            <a:endParaRPr kumimoji="1" lang="ja-JP" altLang="en-US" dirty="0">
-              <a:latin typeface="Segoe UI" panose="020B0502040204020203" pitchFamily="34" charset="0"/>
-              <a:cs typeface="Segoe UI" panose="020B0502040204020203" pitchFamily="34" charset="0"/>
-            </a:endParaRPr>
-          </a:p>
-        </p:txBody>
-      </p:sp>
-      <p:graphicFrame>
-        <p:nvGraphicFramePr>
-          <p:cNvPr id="6" name="表 5"/>
-          <p:cNvGraphicFramePr>
-            <a:graphicFrameLocks noGrp="1"/>
-          </p:cNvGraphicFramePr>
-          <p:nvPr>
-            <p:extLst>
-              <p:ext uri="{D42A27DB-BD31-4B8C-83A1-F6EECF244321}">
-                <p14:modId xmlns:p14="http://schemas.microsoft.com/office/powerpoint/2010/main" val="3170549319"/>
-              </p:ext>
-            </p:extLst>
-          </p:nvPr>
-        </p:nvGraphicFramePr>
-        <p:xfrm>
-          <a:off x="1207459" y="1836779"/>
-          <a:ext cx="6729082" cy="1050456"/>
-        </p:xfrm>
-        <a:graphic>
-          <a:graphicData uri="http://schemas.openxmlformats.org/drawingml/2006/table">
-            <a:tbl>
-              <a:tblPr firstRow="1" firstCol="1" bandRow="1">
-                <a:tableStyleId>{5C22544A-7EE6-4342-B048-85BDC9FD1C3A}</a:tableStyleId>
-              </a:tblPr>
-              <a:tblGrid>
-                <a:gridCol w="1780321">
-                  <a:extLst>
-                    <a:ext uri="{9D8B030D-6E8A-4147-A177-3AD203B41FA5}">
-                      <a16:colId xmlns:a16="http://schemas.microsoft.com/office/drawing/2014/main" val="20000"/>
-                    </a:ext>
-                  </a:extLst>
-                </a:gridCol>
-                <a:gridCol w="3071300">
-                  <a:extLst>
-                    <a:ext uri="{9D8B030D-6E8A-4147-A177-3AD203B41FA5}">
-                      <a16:colId xmlns:a16="http://schemas.microsoft.com/office/drawing/2014/main" val="20001"/>
-                    </a:ext>
-                  </a:extLst>
-                </a:gridCol>
-                <a:gridCol w="1877461">
-                  <a:extLst>
-                    <a:ext uri="{9D8B030D-6E8A-4147-A177-3AD203B41FA5}">
-                      <a16:colId xmlns:a16="http://schemas.microsoft.com/office/drawing/2014/main" val="20002"/>
-                    </a:ext>
-                  </a:extLst>
-                </a:gridCol>
-              </a:tblGrid>
-              <a:tr h="288039">
-                <a:tc>
-                  <a:txBody>
-                    <a:bodyPr/>
-                    <a:lstStyle/>
-                    <a:p>
-                      <a:pPr algn="ctr">
-                        <a:spcAft>
-                          <a:spcPts val="0"/>
-                        </a:spcAft>
-                      </a:pPr>
-                      <a:r>
-                        <a:rPr lang="en-US" altLang="ja-JP" sz="1050" dirty="0" smtClean="0"/>
-                        <a:t>OS of the IT Automation server</a:t>
-                      </a:r>
-                      <a:endParaRPr lang="ja-JP" sz="1050" kern="100" dirty="0">
-                        <a:effectLst/>
-                        <a:latin typeface="Century" panose="02040604050505020304" pitchFamily="18" charset="0"/>
-                        <a:ea typeface="ＭＳ 明朝" panose="02020609040205080304" pitchFamily="17" charset="-128"/>
-                        <a:cs typeface="Times New Roman" panose="02020603050405020304" pitchFamily="18" charset="0"/>
-                      </a:endParaRPr>
-                    </a:p>
-                  </a:txBody>
-                  <a:tcPr marL="68580" marR="68580" marT="0" marB="0" anchor="ctr">
-                    <a:solidFill>
-                      <a:srgbClr val="002B62"/>
-                    </a:solidFill>
-                  </a:tcPr>
-                </a:tc>
-                <a:tc>
-                  <a:txBody>
-                    <a:bodyPr/>
-                    <a:lstStyle/>
-                    <a:p>
-                      <a:pPr algn="ctr">
-                        <a:spcAft>
-                          <a:spcPts val="0"/>
-                        </a:spcAft>
-                      </a:pPr>
-                      <a:r>
-                        <a:rPr lang="en-US" altLang="ja-JP" sz="1050" kern="100" dirty="0" smtClean="0">
-                          <a:effectLst/>
-                        </a:rPr>
-                        <a:t>File path</a:t>
-                      </a:r>
-                      <a:endParaRPr lang="ja-JP" sz="1050" kern="100" dirty="0">
-                        <a:effectLst/>
-                        <a:latin typeface="Century" panose="02040604050505020304" pitchFamily="18" charset="0"/>
-                        <a:ea typeface="ＭＳ 明朝" panose="02020609040205080304" pitchFamily="17" charset="-128"/>
-                        <a:cs typeface="Times New Roman" panose="02020603050405020304" pitchFamily="18" charset="0"/>
-                      </a:endParaRPr>
-                    </a:p>
-                  </a:txBody>
-                  <a:tcPr marL="68580" marR="68580" marT="0" marB="0" anchor="ctr">
-                    <a:solidFill>
-                      <a:srgbClr val="002B62"/>
-                    </a:solidFill>
-                  </a:tcPr>
-                </a:tc>
-                <a:tc>
-                  <a:txBody>
-                    <a:bodyPr/>
-                    <a:lstStyle/>
-                    <a:p>
-                      <a:pPr algn="ctr">
-                        <a:spcAft>
-                          <a:spcPts val="0"/>
-                        </a:spcAft>
-                      </a:pPr>
-                      <a:r>
-                        <a:rPr lang="en-US" altLang="ja-JP" sz="1050" kern="100" dirty="0" smtClean="0">
-                          <a:effectLst/>
-                        </a:rPr>
-                        <a:t>File name</a:t>
-                      </a:r>
-                      <a:endParaRPr lang="ja-JP" sz="1050" kern="100" dirty="0">
-                        <a:effectLst/>
-                        <a:latin typeface="Century" panose="02040604050505020304" pitchFamily="18" charset="0"/>
-                        <a:ea typeface="ＭＳ 明朝" panose="02020609040205080304" pitchFamily="17" charset="-128"/>
-                        <a:cs typeface="Times New Roman" panose="02020603050405020304" pitchFamily="18" charset="0"/>
-                      </a:endParaRPr>
-                    </a:p>
-                  </a:txBody>
-                  <a:tcPr marL="68580" marR="68580" marT="0" marB="0" anchor="ctr">
-                    <a:solidFill>
-                      <a:srgbClr val="002B62"/>
-                    </a:solidFill>
-                  </a:tcPr>
-                </a:tc>
-                <a:extLst>
-                  <a:ext uri="{0D108BD9-81ED-4DB2-BD59-A6C34878D82A}">
-                    <a16:rowId xmlns:a16="http://schemas.microsoft.com/office/drawing/2014/main" val="10000"/>
-                  </a:ext>
-                </a:extLst>
-              </a:tr>
-              <a:tr h="365208">
-                <a:tc>
-                  <a:txBody>
-                    <a:bodyPr/>
-                    <a:lstStyle/>
-                    <a:p>
-                      <a:pPr algn="l" latinLnBrk="1">
-                        <a:spcAft>
-                          <a:spcPts val="0"/>
-                        </a:spcAft>
-                      </a:pPr>
-                      <a:r>
-                        <a:rPr lang="en-US" sz="900" kern="100" dirty="0">
-                          <a:effectLst/>
-                        </a:rPr>
-                        <a:t>RHEL </a:t>
-                      </a:r>
-                      <a:r>
-                        <a:rPr lang="en-US" sz="900" kern="100" dirty="0" smtClean="0">
-                          <a:effectLst/>
-                        </a:rPr>
-                        <a:t>7, </a:t>
-                      </a:r>
-                      <a:r>
-                        <a:rPr lang="en-US" sz="900" kern="100" dirty="0">
-                          <a:effectLst/>
-                        </a:rPr>
-                        <a:t>CentOS </a:t>
-                      </a:r>
-                      <a:r>
-                        <a:rPr lang="en-US" sz="900" kern="100" dirty="0" smtClean="0">
-                          <a:effectLst/>
-                        </a:rPr>
-                        <a:t>7</a:t>
-                      </a:r>
-                      <a:endParaRPr lang="ja-JP" sz="1050" kern="100" dirty="0">
-                        <a:effectLst/>
-                        <a:latin typeface="Century" panose="02040604050505020304" pitchFamily="18" charset="0"/>
-                        <a:ea typeface="ＭＳ 明朝" panose="02020609040205080304" pitchFamily="17" charset="-128"/>
-                        <a:cs typeface="Times New Roman" panose="02020603050405020304" pitchFamily="18" charset="0"/>
-                      </a:endParaRPr>
-                    </a:p>
-                  </a:txBody>
-                  <a:tcPr marL="68580" marR="68580" marT="0" marB="0" anchor="ctr">
-                    <a:solidFill>
-                      <a:srgbClr val="002B62"/>
-                    </a:solidFill>
-                  </a:tcPr>
-                </a:tc>
-                <a:tc>
-                  <a:txBody>
-                    <a:bodyPr/>
-                    <a:lstStyle/>
-                    <a:p>
-                      <a:pPr algn="l" latinLnBrk="1">
-                        <a:spcAft>
-                          <a:spcPts val="0"/>
-                        </a:spcAft>
-                      </a:pPr>
-                      <a:r>
-                        <a:rPr lang="en-US" sz="1000" kern="100" dirty="0" smtClean="0">
-                          <a:effectLst/>
-                        </a:rPr>
-                        <a:t>/(extract path)/</a:t>
-                      </a:r>
-                      <a:r>
-                        <a:rPr lang="en-US" sz="1000" kern="100" dirty="0" err="1" smtClean="0">
-                          <a:effectLst/>
-                        </a:rPr>
-                        <a:t>ita_install_package</a:t>
-                      </a:r>
-                      <a:r>
-                        <a:rPr lang="en-US" sz="1000" kern="100" dirty="0" smtClean="0">
-                          <a:effectLst/>
-                        </a:rPr>
-                        <a:t>/ext_files_for_CentOS7.x/</a:t>
-                      </a:r>
-                      <a:r>
-                        <a:rPr lang="en-US" sz="1000" kern="100" dirty="0" err="1" smtClean="0">
-                          <a:effectLst/>
-                        </a:rPr>
-                        <a:t>etc_pki_tls_certs</a:t>
-                      </a:r>
-                      <a:r>
-                        <a:rPr lang="en-US" sz="1000" kern="100" dirty="0">
-                          <a:effectLst/>
-                        </a:rPr>
-                        <a:t>/</a:t>
-                      </a:r>
-                      <a:endParaRPr lang="ja-JP" sz="1100" kern="100" dirty="0">
-                        <a:effectLst/>
-                        <a:latin typeface="Century" panose="02040604050505020304" pitchFamily="18" charset="0"/>
-                        <a:ea typeface="ＭＳ 明朝" panose="02020609040205080304" pitchFamily="17" charset="-128"/>
-                        <a:cs typeface="Times New Roman" panose="02020603050405020304" pitchFamily="18" charset="0"/>
-                      </a:endParaRPr>
-                    </a:p>
-                  </a:txBody>
-                  <a:tcPr marL="68580" marR="68580" marT="0" marB="0">
-                    <a:solidFill>
-                      <a:srgbClr val="CBCDD3"/>
-                    </a:solidFill>
-                  </a:tcPr>
-                </a:tc>
-                <a:tc>
-                  <a:txBody>
-                    <a:bodyPr/>
-                    <a:lstStyle/>
-                    <a:p>
-                      <a:pPr algn="l">
-                        <a:spcAft>
-                          <a:spcPts val="0"/>
-                        </a:spcAft>
-                      </a:pPr>
-                      <a:r>
-                        <a:rPr lang="en-US" sz="1100" kern="100" dirty="0" smtClean="0">
-                          <a:effectLst/>
-                        </a:rPr>
-                        <a:t>exastro-it-automation.crt</a:t>
-                      </a:r>
-                      <a:endParaRPr lang="ja-JP" sz="1100" kern="100" dirty="0">
-                        <a:effectLst/>
-                        <a:latin typeface="Century" panose="02040604050505020304" pitchFamily="18" charset="0"/>
-                        <a:ea typeface="ＭＳ 明朝" panose="02020609040205080304" pitchFamily="17" charset="-128"/>
-                        <a:cs typeface="Times New Roman" panose="02020603050405020304" pitchFamily="18" charset="0"/>
-                      </a:endParaRPr>
-                    </a:p>
-                  </a:txBody>
-                  <a:tcPr marL="68580" marR="68580" marT="0" marB="0">
-                    <a:solidFill>
-                      <a:srgbClr val="CBCDD3"/>
-                    </a:solidFill>
-                  </a:tcPr>
-                </a:tc>
-                <a:extLst>
-                  <a:ext uri="{0D108BD9-81ED-4DB2-BD59-A6C34878D82A}">
-                    <a16:rowId xmlns:a16="http://schemas.microsoft.com/office/drawing/2014/main" val="10001"/>
-                  </a:ext>
-                </a:extLst>
-              </a:tr>
-              <a:tr h="365208">
-                <a:tc>
-                  <a:txBody>
-                    <a:bodyPr/>
-                    <a:lstStyle/>
-                    <a:p>
-                      <a:pPr algn="l" latinLnBrk="1">
-                        <a:spcAft>
-                          <a:spcPts val="0"/>
-                        </a:spcAft>
-                      </a:pPr>
-                      <a:r>
-                        <a:rPr lang="en-US" sz="900" kern="100" dirty="0">
-                          <a:effectLst/>
-                        </a:rPr>
-                        <a:t>RHEL </a:t>
-                      </a:r>
-                      <a:r>
-                        <a:rPr lang="en-US" sz="900" kern="100" dirty="0" smtClean="0">
-                          <a:effectLst/>
-                        </a:rPr>
-                        <a:t>8, </a:t>
-                      </a:r>
-                      <a:r>
-                        <a:rPr lang="en-US" sz="900" kern="100" dirty="0">
-                          <a:effectLst/>
-                        </a:rPr>
-                        <a:t>CentOS </a:t>
-                      </a:r>
-                      <a:r>
-                        <a:rPr lang="en-US" sz="900" kern="100" dirty="0" smtClean="0">
-                          <a:effectLst/>
-                        </a:rPr>
-                        <a:t>8</a:t>
-                      </a:r>
-                      <a:endParaRPr lang="ja-JP" sz="1050" kern="100" dirty="0">
-                        <a:effectLst/>
-                        <a:latin typeface="Century" panose="02040604050505020304" pitchFamily="18" charset="0"/>
-                        <a:ea typeface="ＭＳ 明朝" panose="02020609040205080304" pitchFamily="17" charset="-128"/>
-                        <a:cs typeface="Times New Roman" panose="02020603050405020304" pitchFamily="18" charset="0"/>
-                      </a:endParaRPr>
-                    </a:p>
-                  </a:txBody>
-                  <a:tcPr marL="68580" marR="68580" marT="0" marB="0" anchor="ctr">
-                    <a:solidFill>
-                      <a:srgbClr val="002B62"/>
-                    </a:solidFill>
-                  </a:tcPr>
-                </a:tc>
-                <a:tc>
-                  <a:txBody>
-                    <a:bodyPr/>
-                    <a:lstStyle/>
-                    <a:p>
-                      <a:pPr algn="l" latinLnBrk="1">
-                        <a:spcAft>
-                          <a:spcPts val="0"/>
-                        </a:spcAft>
-                      </a:pPr>
-                      <a:r>
-                        <a:rPr lang="en-US" sz="1000" kern="100" dirty="0" smtClean="0">
-                          <a:effectLst/>
-                        </a:rPr>
-                        <a:t>/(extract</a:t>
-                      </a:r>
-                      <a:r>
-                        <a:rPr lang="en-US" sz="1000" kern="100" baseline="0" dirty="0" smtClean="0">
-                          <a:effectLst/>
-                        </a:rPr>
-                        <a:t> path</a:t>
-                      </a:r>
-                      <a:r>
-                        <a:rPr lang="en-US" sz="1000" kern="100" dirty="0" smtClean="0">
-                          <a:effectLst/>
-                        </a:rPr>
-                        <a:t>)/</a:t>
-                      </a:r>
-                      <a:r>
-                        <a:rPr lang="en-US" sz="1000" kern="100" dirty="0" err="1" smtClean="0">
-                          <a:effectLst/>
-                        </a:rPr>
-                        <a:t>ita_install_package</a:t>
-                      </a:r>
-                      <a:r>
-                        <a:rPr lang="en-US" sz="1000" kern="100" dirty="0" smtClean="0">
-                          <a:effectLst/>
-                        </a:rPr>
-                        <a:t>/ext_files_for_CentOS8.x/</a:t>
-                      </a:r>
-                      <a:r>
-                        <a:rPr lang="en-US" sz="1000" kern="100" dirty="0" err="1" smtClean="0">
-                          <a:effectLst/>
-                        </a:rPr>
-                        <a:t>etc_pki_tls_certs</a:t>
-                      </a:r>
-                      <a:r>
-                        <a:rPr lang="en-US" sz="1000" kern="100" dirty="0">
-                          <a:effectLst/>
-                        </a:rPr>
-                        <a:t>/</a:t>
-                      </a:r>
-                      <a:endParaRPr lang="ja-JP" sz="1100" kern="100" dirty="0">
-                        <a:effectLst/>
-                        <a:latin typeface="Century" panose="02040604050505020304" pitchFamily="18" charset="0"/>
-                        <a:ea typeface="ＭＳ 明朝" panose="02020609040205080304" pitchFamily="17" charset="-128"/>
-                        <a:cs typeface="Times New Roman" panose="02020603050405020304" pitchFamily="18" charset="0"/>
-                      </a:endParaRPr>
-                    </a:p>
-                  </a:txBody>
-                  <a:tcPr marL="68580" marR="68580" marT="0" marB="0">
-                    <a:solidFill>
-                      <a:srgbClr val="E7E8EA"/>
-                    </a:solidFill>
-                  </a:tcPr>
-                </a:tc>
-                <a:tc>
-                  <a:txBody>
-                    <a:bodyPr/>
-                    <a:lstStyle/>
-                    <a:p>
-                      <a:pPr algn="l">
-                        <a:spcAft>
-                          <a:spcPts val="0"/>
-                        </a:spcAft>
-                      </a:pPr>
-                      <a:r>
-                        <a:rPr lang="en-US" sz="1100" kern="100" dirty="0" smtClean="0">
-                          <a:effectLst/>
-                        </a:rPr>
-                        <a:t>exastro-it-automation.crt</a:t>
-                      </a:r>
-                      <a:endParaRPr lang="ja-JP" sz="1100" kern="100" dirty="0">
-                        <a:effectLst/>
-                        <a:latin typeface="Century" panose="02040604050505020304" pitchFamily="18" charset="0"/>
-                        <a:ea typeface="ＭＳ 明朝" panose="02020609040205080304" pitchFamily="17" charset="-128"/>
-                        <a:cs typeface="Times New Roman" panose="02020603050405020304" pitchFamily="18" charset="0"/>
-                      </a:endParaRPr>
-                    </a:p>
-                  </a:txBody>
-                  <a:tcPr marL="68580" marR="68580" marT="0" marB="0">
-                    <a:solidFill>
-                      <a:srgbClr val="E7E8EA"/>
-                    </a:solidFill>
-                  </a:tcPr>
-                </a:tc>
-                <a:extLst>
-                  <a:ext uri="{0D108BD9-81ED-4DB2-BD59-A6C34878D82A}">
-                    <a16:rowId xmlns:a16="http://schemas.microsoft.com/office/drawing/2014/main" val="10002"/>
-                  </a:ext>
-                </a:extLst>
-              </a:tr>
-            </a:tbl>
-          </a:graphicData>
-        </a:graphic>
-      </p:graphicFrame>
-    </p:spTree>
-    <p:extLst>
-      <p:ext uri="{BB962C8B-B14F-4D97-AF65-F5344CB8AC3E}">
-        <p14:creationId xmlns:p14="http://schemas.microsoft.com/office/powerpoint/2010/main" val="1624758992"/>
-      </p:ext>
-    </p:extLst>
-  </p:cSld>
-  <p:clrMapOvr>
-    <a:masterClrMapping/>
-  </p:clrMapOvr>
-  <p:timing>
-    <p:tnLst>
-      <p:par>
-        <p:cTn id="1" dur="indefinite" restart="never" nodeType="tmRoot"/>
-      </p:par>
-    </p:tnLst>
-  </p:timing>
-</p:sld>
-</file>
-
-<file path=ppt/slides/slide23.xml><?xml version="1.0" encoding="utf-8"?>
-<p:sld xmlns:a="http://schemas.openxmlformats.org/drawingml/2006/main" xmlns:r="http://schemas.openxmlformats.org/officeDocument/2006/relationships" xmlns:p="http://schemas.openxmlformats.org/presentationml/2006/main">
-  <p:cSld>
-    <p:spTree>
-      <p:nvGrpSpPr>
-        <p:cNvPr id="1" name=""/>
-        <p:cNvGrpSpPr/>
-        <p:nvPr/>
-      </p:nvGrpSpPr>
-      <p:grpSpPr>
-        <a:xfrm>
-          <a:off x="0" y="0"/>
-          <a:ext cx="0" cy="0"/>
-          <a:chOff x="0" y="0"/>
-          <a:chExt cx="0" cy="0"/>
-        </a:xfrm>
-      </p:grpSpPr>
-      <p:sp>
-        <p:nvSpPr>
-          <p:cNvPr id="2" name="タイトル 1"/>
-          <p:cNvSpPr>
-            <a:spLocks noGrp="1"/>
-          </p:cNvSpPr>
-          <p:nvPr>
-            <p:ph type="title"/>
-          </p:nvPr>
-        </p:nvSpPr>
-        <p:spPr/>
-        <p:txBody>
-          <a:bodyPr/>
-          <a:lstStyle/>
-          <a:p>
-            <a:r>
-              <a:rPr lang="en-US" altLang="ja-JP" dirty="0" smtClean="0">
-                <a:latin typeface="Segoe UI" panose="020B0502040204020203" pitchFamily="34" charset="0"/>
-                <a:ea typeface="Segoe UI" panose="020B0502040204020203" pitchFamily="34" charset="0"/>
-                <a:cs typeface="Segoe UI" panose="020B0502040204020203" pitchFamily="34" charset="0"/>
-              </a:rPr>
-              <a:t>4.3</a:t>
-            </a:r>
-            <a:r>
-              <a:rPr lang="en-US" altLang="ja-JP" dirty="0">
-                <a:latin typeface="Segoe UI" panose="020B0502040204020203" pitchFamily="34" charset="0"/>
-                <a:ea typeface="Segoe UI" panose="020B0502040204020203" pitchFamily="34" charset="0"/>
-                <a:cs typeface="Segoe UI" panose="020B0502040204020203" pitchFamily="34" charset="0"/>
-              </a:rPr>
-              <a:t>	</a:t>
-            </a:r>
-            <a:r>
-              <a:rPr lang="en-US" altLang="ja-JP" dirty="0" smtClean="0">
-                <a:latin typeface="Segoe UI" panose="020B0502040204020203" pitchFamily="34" charset="0"/>
-                <a:ea typeface="Segoe UI" panose="020B0502040204020203" pitchFamily="34" charset="0"/>
-                <a:cs typeface="Segoe UI" panose="020B0502040204020203" pitchFamily="34" charset="0"/>
-              </a:rPr>
-              <a:t>Operation Check (3/5)</a:t>
-            </a:r>
-            <a:endParaRPr kumimoji="1" lang="ja-JP" altLang="en-US" dirty="0">
-              <a:latin typeface="Segoe UI" panose="020B0502040204020203" pitchFamily="34" charset="0"/>
-              <a:cs typeface="Segoe UI" panose="020B0502040204020203" pitchFamily="34" charset="0"/>
-            </a:endParaRPr>
-          </a:p>
-        </p:txBody>
-      </p:sp>
-      <p:sp>
-        <p:nvSpPr>
-          <p:cNvPr id="3" name="コンテンツ プレースホルダー 2"/>
-          <p:cNvSpPr>
-            <a:spLocks noGrp="1"/>
-          </p:cNvSpPr>
-          <p:nvPr>
-            <p:ph sz="quarter" idx="10"/>
-          </p:nvPr>
-        </p:nvSpPr>
-        <p:spPr>
-          <a:xfrm>
-            <a:off x="179512" y="836712"/>
-            <a:ext cx="8353038" cy="5616476"/>
-          </a:xfrm>
-        </p:spPr>
-        <p:txBody>
-          <a:bodyPr>
-            <a:normAutofit/>
-          </a:bodyPr>
-          <a:lstStyle/>
-          <a:p>
-            <a:pPr lvl="0"/>
-            <a:r>
-              <a:rPr lang="en-US" altLang="ja-JP" dirty="0" smtClean="0">
-                <a:latin typeface="Segoe UI" panose="020B0502040204020203" pitchFamily="34" charset="0"/>
-                <a:ea typeface="Segoe UI" panose="020B0502040204020203" pitchFamily="34" charset="0"/>
-                <a:cs typeface="Segoe UI" panose="020B0502040204020203" pitchFamily="34" charset="0"/>
-              </a:rPr>
-              <a:t>Accessing </a:t>
-            </a:r>
-            <a:r>
-              <a:rPr lang="en-US" altLang="ja-JP" dirty="0">
-                <a:latin typeface="Segoe UI" panose="020B0502040204020203" pitchFamily="34" charset="0"/>
-                <a:ea typeface="Segoe UI" panose="020B0502040204020203" pitchFamily="34" charset="0"/>
-                <a:cs typeface="Segoe UI" panose="020B0502040204020203" pitchFamily="34" charset="0"/>
-              </a:rPr>
-              <a:t>the login screen</a:t>
-            </a:r>
-            <a:endParaRPr lang="en-US" altLang="ja-JP" dirty="0" smtClean="0">
-              <a:latin typeface="Segoe UI" panose="020B0502040204020203" pitchFamily="34" charset="0"/>
-              <a:ea typeface="Segoe UI" panose="020B0502040204020203" pitchFamily="34" charset="0"/>
-              <a:cs typeface="Segoe UI" panose="020B0502040204020203" pitchFamily="34" charset="0"/>
-            </a:endParaRPr>
-          </a:p>
-          <a:p>
-            <a:pPr lvl="1"/>
-            <a:r>
-              <a:rPr lang="en-US" altLang="ja-JP" dirty="0" smtClean="0">
-                <a:latin typeface="Segoe UI" panose="020B0502040204020203" pitchFamily="34" charset="0"/>
-                <a:ea typeface="Segoe UI" panose="020B0502040204020203" pitchFamily="34" charset="0"/>
-                <a:cs typeface="Segoe UI" panose="020B0502040204020203" pitchFamily="34" charset="0"/>
-              </a:rPr>
-              <a:t>Access the login screen with the following URL:</a:t>
-            </a:r>
-          </a:p>
-          <a:p>
-            <a:pPr lvl="1"/>
-            <a:r>
-              <a:rPr lang="en-US" altLang="ja-JP" dirty="0" smtClean="0">
-                <a:latin typeface="Segoe UI" panose="020B0502040204020203" pitchFamily="34" charset="0"/>
-                <a:ea typeface="Segoe UI" panose="020B0502040204020203" pitchFamily="34" charset="0"/>
-                <a:cs typeface="Segoe UI" panose="020B0502040204020203" pitchFamily="34" charset="0"/>
-              </a:rPr>
-              <a:t>URL: </a:t>
-            </a:r>
-            <a:r>
-              <a:rPr lang="en-US" altLang="ja-JP" dirty="0" smtClean="0">
-                <a:latin typeface="Segoe UI" panose="020B0502040204020203" pitchFamily="34" charset="0"/>
-                <a:ea typeface="Segoe UI" panose="020B0502040204020203" pitchFamily="34" charset="0"/>
-                <a:cs typeface="Segoe UI" panose="020B0502040204020203" pitchFamily="34" charset="0"/>
-                <a:hlinkClick r:id="rId2"/>
-              </a:rPr>
-              <a:t>https://exastro-it-automation/</a:t>
-            </a:r>
-            <a:endParaRPr lang="en-US" altLang="ja-JP" dirty="0" smtClean="0">
-              <a:latin typeface="Segoe UI" panose="020B0502040204020203" pitchFamily="34" charset="0"/>
-              <a:ea typeface="Segoe UI" panose="020B0502040204020203" pitchFamily="34" charset="0"/>
-              <a:cs typeface="Segoe UI" panose="020B0502040204020203" pitchFamily="34" charset="0"/>
-            </a:endParaRPr>
-          </a:p>
-          <a:p>
-            <a:pPr lvl="1"/>
-            <a:endParaRPr kumimoji="1" lang="en-US" altLang="ja-JP" dirty="0" smtClean="0">
-              <a:latin typeface="Segoe UI" panose="020B0502040204020203" pitchFamily="34" charset="0"/>
-              <a:ea typeface="Segoe UI" panose="020B0502040204020203" pitchFamily="34" charset="0"/>
-              <a:cs typeface="Segoe UI" panose="020B0502040204020203" pitchFamily="34" charset="0"/>
-            </a:endParaRPr>
-          </a:p>
-          <a:p>
-            <a:pPr lvl="1"/>
-            <a:endParaRPr lang="en-US" altLang="ja-JP" dirty="0">
-              <a:latin typeface="Segoe UI" panose="020B0502040204020203" pitchFamily="34" charset="0"/>
-              <a:ea typeface="Segoe UI" panose="020B0502040204020203" pitchFamily="34" charset="0"/>
-              <a:cs typeface="Segoe UI" panose="020B0502040204020203" pitchFamily="34" charset="0"/>
-            </a:endParaRPr>
-          </a:p>
-          <a:p>
-            <a:pPr lvl="0"/>
-            <a:r>
-              <a:rPr lang="en-US" altLang="ja-JP" dirty="0" smtClean="0">
-                <a:latin typeface="Segoe UI" panose="020B0502040204020203" pitchFamily="34" charset="0"/>
-                <a:ea typeface="Segoe UI" panose="020B0502040204020203" pitchFamily="34" charset="0"/>
-                <a:cs typeface="Segoe UI" panose="020B0502040204020203" pitchFamily="34" charset="0"/>
-              </a:rPr>
-              <a:t>Logging in</a:t>
-            </a:r>
-          </a:p>
-          <a:p>
-            <a:pPr lvl="1"/>
-            <a:r>
-              <a:rPr lang="en-US" altLang="ja-JP" dirty="0" smtClean="0">
-                <a:latin typeface="Segoe UI" panose="020B0502040204020203" pitchFamily="34" charset="0"/>
-                <a:ea typeface="Segoe UI" panose="020B0502040204020203" pitchFamily="34" charset="0"/>
-                <a:cs typeface="Segoe UI" panose="020B0502040204020203" pitchFamily="34" charset="0"/>
-              </a:rPr>
-              <a:t>When the IT Automation login screen appears, enter the given login ID and initial password and then click the </a:t>
-            </a:r>
-            <a:r>
-              <a:rPr lang="en-US" altLang="ja-JP" b="1" dirty="0" smtClean="0">
-                <a:latin typeface="Segoe UI" panose="020B0502040204020203" pitchFamily="34" charset="0"/>
-                <a:ea typeface="Segoe UI" panose="020B0502040204020203" pitchFamily="34" charset="0"/>
-                <a:cs typeface="Segoe UI" panose="020B0502040204020203" pitchFamily="34" charset="0"/>
-              </a:rPr>
-              <a:t>Login</a:t>
-            </a:r>
-            <a:r>
-              <a:rPr lang="en-US" altLang="ja-JP" dirty="0" smtClean="0">
-                <a:latin typeface="Segoe UI" panose="020B0502040204020203" pitchFamily="34" charset="0"/>
-                <a:ea typeface="Segoe UI" panose="020B0502040204020203" pitchFamily="34" charset="0"/>
-                <a:cs typeface="Segoe UI" panose="020B0502040204020203" pitchFamily="34" charset="0"/>
-              </a:rPr>
-              <a:t> button.</a:t>
-            </a:r>
-            <a:endParaRPr lang="ja-JP" altLang="ja-JP" dirty="0" smtClean="0">
-              <a:latin typeface="Segoe UI" panose="020B0502040204020203" pitchFamily="34" charset="0"/>
-              <a:cs typeface="Segoe UI" panose="020B0502040204020203" pitchFamily="34" charset="0"/>
-            </a:endParaRPr>
-          </a:p>
-          <a:p>
-            <a:pPr marL="288000" lvl="2" indent="0">
-              <a:buNone/>
-            </a:pPr>
-            <a:r>
-              <a:rPr lang="en-US" altLang="ja-JP" dirty="0" smtClean="0">
-                <a:latin typeface="Segoe UI" panose="020B0502040204020203" pitchFamily="34" charset="0"/>
-                <a:ea typeface="Segoe UI" panose="020B0502040204020203" pitchFamily="34" charset="0"/>
-                <a:cs typeface="Segoe UI" panose="020B0502040204020203" pitchFamily="34" charset="0"/>
-              </a:rPr>
-              <a:t>     	- Login ID:</a:t>
-            </a:r>
-            <a:r>
-              <a:rPr lang="ja-JP" altLang="en-US" dirty="0" smtClean="0">
-                <a:latin typeface="Segoe UI" panose="020B0502040204020203" pitchFamily="34" charset="0"/>
-                <a:ea typeface="Segoe UI" panose="020B0502040204020203" pitchFamily="34" charset="0"/>
-                <a:cs typeface="Segoe UI" panose="020B0502040204020203" pitchFamily="34" charset="0"/>
-              </a:rPr>
-              <a:t> </a:t>
-            </a:r>
-            <a:r>
-              <a:rPr lang="en-US" altLang="ja-JP" dirty="0" smtClean="0">
-                <a:latin typeface="Segoe UI" panose="020B0502040204020203" pitchFamily="34" charset="0"/>
-                <a:ea typeface="Segoe UI" panose="020B0502040204020203" pitchFamily="34" charset="0"/>
-                <a:cs typeface="Segoe UI" panose="020B0502040204020203" pitchFamily="34" charset="0"/>
-              </a:rPr>
-              <a:t>administrator</a:t>
-            </a:r>
-            <a:endParaRPr lang="ja-JP" altLang="ja-JP" dirty="0">
-              <a:latin typeface="Segoe UI" panose="020B0502040204020203" pitchFamily="34" charset="0"/>
-              <a:cs typeface="Segoe UI" panose="020B0502040204020203" pitchFamily="34" charset="0"/>
-            </a:endParaRPr>
-          </a:p>
-          <a:p>
-            <a:pPr marL="288000" lvl="2" indent="0">
-              <a:buNone/>
-            </a:pPr>
-            <a:r>
-              <a:rPr lang="en-US" altLang="ja-JP" dirty="0" smtClean="0">
-                <a:latin typeface="Segoe UI" panose="020B0502040204020203" pitchFamily="34" charset="0"/>
-                <a:ea typeface="Segoe UI" panose="020B0502040204020203" pitchFamily="34" charset="0"/>
-                <a:cs typeface="Segoe UI" panose="020B0502040204020203" pitchFamily="34" charset="0"/>
-              </a:rPr>
-              <a:t>     	- </a:t>
-            </a:r>
-            <a:r>
-              <a:rPr lang="en-US" altLang="ja-JP" dirty="0" smtClean="0">
-                <a:solidFill>
-                  <a:srgbClr val="000000"/>
-                </a:solidFill>
-                <a:latin typeface="Segoe UI" panose="020B0502040204020203" pitchFamily="34" charset="0"/>
-                <a:ea typeface="Segoe UI" panose="020B0502040204020203" pitchFamily="34" charset="0"/>
-                <a:cs typeface="Segoe UI" panose="020B0502040204020203" pitchFamily="34" charset="0"/>
-              </a:rPr>
-              <a:t>Initial password:</a:t>
-            </a:r>
-            <a:r>
-              <a:rPr lang="ja-JP" altLang="en-US" dirty="0" smtClean="0">
-                <a:solidFill>
-                  <a:srgbClr val="000000"/>
-                </a:solidFill>
-                <a:ea typeface="Segoe UI" panose="020B0502040204020203" pitchFamily="34" charset="0"/>
-              </a:rPr>
-              <a:t> </a:t>
-            </a:r>
-            <a:r>
-              <a:rPr lang="en-US" altLang="ja-JP" dirty="0" smtClean="0">
-                <a:latin typeface="Segoe UI" panose="020B0502040204020203" pitchFamily="34" charset="0"/>
-                <a:ea typeface="Segoe UI" panose="020B0502040204020203" pitchFamily="34" charset="0"/>
-                <a:cs typeface="Segoe UI" panose="020B0502040204020203" pitchFamily="34" charset="0"/>
-              </a:rPr>
-              <a:t>password</a:t>
-            </a:r>
-          </a:p>
-          <a:p>
-            <a:pPr marL="180000" lvl="1" indent="0">
-              <a:buNone/>
-            </a:pPr>
-            <a:endParaRPr lang="ja-JP" altLang="ja-JP" dirty="0">
-              <a:latin typeface="Segoe UI" panose="020B0502040204020203" pitchFamily="34" charset="0"/>
-              <a:cs typeface="Segoe UI" panose="020B0502040204020203" pitchFamily="34" charset="0"/>
-            </a:endParaRPr>
-          </a:p>
-          <a:p>
-            <a:pPr lvl="1"/>
-            <a:r>
-              <a:rPr lang="en-US" altLang="ja-JP" dirty="0" smtClean="0">
-                <a:latin typeface="Segoe UI" panose="020B0502040204020203" pitchFamily="34" charset="0"/>
-                <a:ea typeface="Segoe UI" panose="020B0502040204020203" pitchFamily="34" charset="0"/>
-                <a:cs typeface="Segoe UI" panose="020B0502040204020203" pitchFamily="34" charset="0"/>
-              </a:rPr>
-              <a:t>If you have logged in for the first time after the installation, you will be prompted to change the password.</a:t>
-            </a:r>
-            <a:r>
-              <a:rPr lang="en-US" altLang="ja-JP" dirty="0"/>
-              <a:t> </a:t>
-            </a:r>
-            <a:endParaRPr lang="en-US" altLang="ja-JP" dirty="0" smtClean="0"/>
-          </a:p>
-          <a:p>
-            <a:pPr lvl="1"/>
-            <a:r>
-              <a:rPr lang="en-US" altLang="ja-JP" dirty="0" smtClean="0"/>
-              <a:t>C</a:t>
-            </a:r>
-            <a:r>
-              <a:rPr lang="en-US" altLang="ja-JP" dirty="0" smtClean="0">
-                <a:latin typeface="Segoe UI" panose="020B0502040204020203" pitchFamily="34" charset="0"/>
-                <a:ea typeface="Segoe UI" panose="020B0502040204020203" pitchFamily="34" charset="0"/>
-                <a:cs typeface="Segoe UI" panose="020B0502040204020203" pitchFamily="34" charset="0"/>
-              </a:rPr>
-              <a:t>hange the initial password.</a:t>
-            </a:r>
-            <a:endParaRPr lang="ja-JP" altLang="ja-JP" dirty="0">
-              <a:latin typeface="Segoe UI" panose="020B0502040204020203" pitchFamily="34" charset="0"/>
-              <a:cs typeface="Segoe UI" panose="020B0502040204020203" pitchFamily="34" charset="0"/>
-            </a:endParaRPr>
-          </a:p>
-          <a:p>
-            <a:pPr lvl="1"/>
-            <a:endParaRPr kumimoji="1" lang="ja-JP" altLang="en-US" dirty="0">
-              <a:latin typeface="Segoe UI" panose="020B0502040204020203" pitchFamily="34" charset="0"/>
-              <a:cs typeface="Segoe UI" panose="020B0502040204020203" pitchFamily="34" charset="0"/>
-            </a:endParaRPr>
-          </a:p>
-        </p:txBody>
-      </p:sp>
-    </p:spTree>
-    <p:extLst>
-      <p:ext uri="{BB962C8B-B14F-4D97-AF65-F5344CB8AC3E}">
-        <p14:creationId xmlns:p14="http://schemas.microsoft.com/office/powerpoint/2010/main" val="2733102297"/>
-      </p:ext>
-    </p:extLst>
-  </p:cSld>
-  <p:clrMapOvr>
-    <a:masterClrMapping/>
-  </p:clrMapOvr>
-  <p:timing>
-    <p:tnLst>
-      <p:par>
-        <p:cTn id="1" dur="indefinite" restart="never" nodeType="tmRoot"/>
-      </p:par>
-    </p:tnLst>
-  </p:timing>
-</p:sld>
-</file>
-
-<file path=ppt/slides/slide24.xml><?xml version="1.0" encoding="utf-8"?>
 <p:sld xmlns:a="http://schemas.openxmlformats.org/drawingml/2006/main" xmlns:r="http://schemas.openxmlformats.org/officeDocument/2006/relationships" xmlns:p="http://schemas.openxmlformats.org/presentationml/2006/main">
   <p:cSld>
     <p:spTree>
@@ -25506,18 +24005,30 @@
           <a:lstStyle/>
           <a:p>
             <a:r>
-              <a:rPr lang="en-US" altLang="ja-JP" dirty="0" smtClean="0"/>
-              <a:t>4.4</a:t>
-            </a:r>
-            <a:r>
-              <a:rPr lang="en-US" altLang="ja-JP" dirty="0"/>
+              <a:rPr lang="en-US" altLang="ja-JP" dirty="0" smtClean="0">
+                <a:latin typeface="Segoe UI" panose="020B0502040204020203" pitchFamily="34" charset="0"/>
+                <a:cs typeface="Segoe UI" panose="020B0502040204020203" pitchFamily="34" charset="0"/>
+              </a:rPr>
+              <a:t>4.2</a:t>
+            </a:r>
+            <a:r>
+              <a:rPr lang="en-US" altLang="ja-JP" dirty="0">
+                <a:latin typeface="Segoe UI" panose="020B0502040204020203" pitchFamily="34" charset="0"/>
+                <a:cs typeface="Segoe UI" panose="020B0502040204020203" pitchFamily="34" charset="0"/>
+              </a:rPr>
               <a:t>	</a:t>
             </a:r>
             <a:r>
-              <a:rPr lang="en-US" altLang="ja-JP" dirty="0" smtClean="0"/>
-              <a:t>Operation Check (4/5)</a:t>
-            </a:r>
-            <a:endParaRPr kumimoji="1" lang="ja-JP" altLang="en-US" dirty="0"/>
+              <a:rPr lang="en-US" altLang="ja-JP" dirty="0" smtClean="0">
+                <a:latin typeface="Segoe UI" panose="020B0502040204020203" pitchFamily="34" charset="0"/>
+                <a:cs typeface="Segoe UI" panose="020B0502040204020203" pitchFamily="34" charset="0"/>
+              </a:rPr>
+              <a:t>Operation Check (2/6)</a:t>
+            </a:r>
+            <a:endParaRPr kumimoji="1" lang="ja-JP" altLang="en-US" dirty="0">
+              <a:latin typeface="Segoe UI" panose="020B0502040204020203" pitchFamily="34" charset="0"/>
+              <a:cs typeface="Segoe UI" panose="020B0502040204020203" pitchFamily="34" charset="0"/>
+            </a:endParaRPr>
           </a:p>
         </p:txBody>
       </p:sp>
@@ -25904,7 +24415,7 @@
 </p:sld>
 </file>
 
-<file path=ppt/slides/slide25.xml><?xml version="1.0" encoding="utf-8"?>
+<file path=ppt/slides/slide23.xml><?xml version="1.0" encoding="utf-8"?>
 <p:sld xmlns:a="http://schemas.openxmlformats.org/drawingml/2006/main" xmlns:r="http://schemas.openxmlformats.org/officeDocument/2006/relationships" xmlns:p="http://schemas.openxmlformats.org/presentationml/2006/main">
   <p:cSld>
     <p:spTree>
@@ -25942,7 +24453,7 @@
                 <a:ea typeface="Segoe UI" panose="020B0502040204020203" pitchFamily="34" charset="0"/>
                 <a:cs typeface="Segoe UI" panose="020B0502040204020203" pitchFamily="34" charset="0"/>
               </a:rPr>
-              <a:t>4.5</a:t>
+              <a:t>4.3</a:t>
             </a:r>
             <a:r>
               <a:rPr lang="en-US" altLang="ja-JP" dirty="0">
@@ -25958,7 +24469,7 @@
                 <a:ea typeface="Segoe UI" panose="020B0502040204020203" pitchFamily="34" charset="0"/>
                 <a:cs typeface="Segoe UI" panose="020B0502040204020203" pitchFamily="34" charset="0"/>
               </a:rPr>
-              <a:t>Operation Check (5/5)</a:t>
+              <a:t>Operation Check (3/6)</a:t>
             </a:r>
             <a:endParaRPr kumimoji="1" lang="ja-JP" altLang="en-US" dirty="0">
               <a:latin typeface="Segoe UI" panose="020B0502040204020203" pitchFamily="34" charset="0"/>
@@ -25980,7 +24491,7 @@
         <p:spPr/>
         <p:txBody>
           <a:bodyPr>
-            <a:normAutofit lnSpcReduction="10000"/>
+            <a:normAutofit/>
           </a:bodyPr>
           <a:lstStyle/>
           <a:p>
@@ -26075,171 +24586,6 @@
           <a:p>
             <a:pPr lvl="1"/>
             <a:endParaRPr lang="en-US" altLang="ja-JP" dirty="0">
-              <a:latin typeface="Segoe UI" panose="020B0502040204020203" pitchFamily="34" charset="0"/>
-              <a:cs typeface="Segoe UI" panose="020B0502040204020203" pitchFamily="34" charset="0"/>
-            </a:endParaRPr>
-          </a:p>
-          <a:p>
-            <a:pPr lvl="0"/>
-            <a:r>
-              <a:rPr lang="ja-JP" altLang="en-US" dirty="0" smtClean="0"/>
-              <a:t>（</a:t>
-            </a:r>
-            <a:r>
-              <a:rPr lang="en-US" altLang="ja-JP" dirty="0" smtClean="0"/>
-              <a:t>Reference</a:t>
-            </a:r>
-            <a:r>
-              <a:rPr lang="ja-JP" altLang="en-US" dirty="0" smtClean="0"/>
-              <a:t>）</a:t>
-            </a:r>
-            <a:r>
-              <a:rPr lang="en-US" altLang="ja-JP" dirty="0"/>
-              <a:t>HTTP access</a:t>
-            </a:r>
-          </a:p>
-          <a:p>
-            <a:pPr marL="180000" lvl="1" indent="0">
-              <a:buNone/>
-            </a:pPr>
-            <a:r>
-              <a:rPr lang="en-US" altLang="ja-JP" dirty="0"/>
-              <a:t>To allow HTTP access, perform the following procedure</a:t>
-            </a:r>
-            <a:r>
-              <a:rPr lang="en-US" altLang="ja-JP" dirty="0" smtClean="0"/>
-              <a:t>.</a:t>
-            </a:r>
-            <a:endParaRPr lang="en-US" altLang="ja-JP" dirty="0"/>
-          </a:p>
-          <a:p>
-            <a:pPr lvl="1"/>
-            <a:r>
-              <a:rPr lang="en-US" altLang="ja-JP" dirty="0"/>
-              <a:t>Remove the comment out (#) of </a:t>
-            </a:r>
-            <a:r>
-              <a:rPr lang="en-US" altLang="ja-JP" dirty="0" smtClean="0"/>
-              <a:t>"&lt;</a:t>
-            </a:r>
-            <a:r>
-              <a:rPr lang="en-US" altLang="ja-JP" dirty="0" err="1"/>
-              <a:t>VirtualHost</a:t>
-            </a:r>
-            <a:r>
-              <a:rPr lang="en-US" altLang="ja-JP" dirty="0"/>
-              <a:t> *: 80</a:t>
-            </a:r>
-            <a:r>
-              <a:rPr lang="en-US" altLang="ja-JP" dirty="0" smtClean="0"/>
-              <a:t>&gt;“ to “&lt;/ </a:t>
-            </a:r>
-            <a:r>
-              <a:rPr lang="en-US" altLang="ja-JP" dirty="0" err="1"/>
-              <a:t>VirtualHost</a:t>
-            </a:r>
-            <a:r>
-              <a:rPr lang="en-US" altLang="ja-JP" dirty="0" smtClean="0"/>
-              <a:t>&gt;" </a:t>
-            </a:r>
-            <a:r>
-              <a:rPr lang="en-US" altLang="ja-JP" dirty="0"/>
-              <a:t>in the file "/</a:t>
-            </a:r>
-            <a:r>
-              <a:rPr lang="en-US" altLang="ja-JP" dirty="0" err="1"/>
-              <a:t>etc</a:t>
-            </a:r>
-            <a:r>
-              <a:rPr lang="en-US" altLang="ja-JP" dirty="0"/>
-              <a:t>/</a:t>
-            </a:r>
-            <a:r>
-              <a:rPr lang="en-US" altLang="ja-JP" dirty="0" err="1"/>
-              <a:t>httpd</a:t>
-            </a:r>
-            <a:r>
-              <a:rPr lang="en-US" altLang="ja-JP" dirty="0"/>
-              <a:t>/</a:t>
-            </a:r>
-            <a:r>
-              <a:rPr lang="en-US" altLang="ja-JP" dirty="0" err="1"/>
-              <a:t>conf.d</a:t>
-            </a:r>
-            <a:r>
-              <a:rPr lang="en-US" altLang="ja-JP" dirty="0"/>
-              <a:t>/</a:t>
-            </a:r>
-            <a:r>
-              <a:rPr lang="en-US" altLang="ja-JP" dirty="0" err="1"/>
-              <a:t>vhosts_exastro</a:t>
-            </a:r>
-            <a:r>
-              <a:rPr lang="en-US" altLang="ja-JP" dirty="0"/>
-              <a:t>-it-</a:t>
-            </a:r>
-            <a:r>
-              <a:rPr lang="en-US" altLang="ja-JP" dirty="0" err="1"/>
-              <a:t>automation.conf</a:t>
-            </a:r>
-            <a:r>
-              <a:rPr lang="en-US" altLang="ja-JP" dirty="0" smtClean="0"/>
-              <a:t>".</a:t>
-            </a:r>
-            <a:endParaRPr lang="en-US" altLang="ja-JP" dirty="0"/>
-          </a:p>
-          <a:p>
-            <a:pPr lvl="1"/>
-            <a:r>
-              <a:rPr lang="en-US" altLang="ja-JP" dirty="0"/>
-              <a:t>Restart Apache with the following command</a:t>
-            </a:r>
-            <a:r>
-              <a:rPr lang="en-US" altLang="ja-JP" dirty="0" smtClean="0"/>
-              <a:t>.</a:t>
-            </a:r>
-            <a:r>
-              <a:rPr lang="en-US" altLang="ja-JP" dirty="0"/>
-              <a:t/>
-            </a:r>
-            <a:br>
-              <a:rPr lang="en-US" altLang="ja-JP" dirty="0"/>
-            </a:br>
-            <a:r>
-              <a:rPr lang="en-US" altLang="ja-JP" dirty="0" err="1"/>
-              <a:t>systemctl</a:t>
-            </a:r>
-            <a:r>
-              <a:rPr lang="en-US" altLang="ja-JP" dirty="0"/>
-              <a:t> restart </a:t>
-            </a:r>
-            <a:r>
-              <a:rPr lang="en-US" altLang="ja-JP" dirty="0" err="1"/>
-              <a:t>httpd</a:t>
-            </a:r>
-            <a:endParaRPr lang="en-US" altLang="ja-JP" dirty="0"/>
-          </a:p>
-          <a:p>
-            <a:pPr lvl="1"/>
-            <a:r>
-              <a:rPr lang="en-US" altLang="ja-JP" dirty="0"/>
-              <a:t>Connect with the URL "http: // (IP dress)" and </a:t>
-            </a:r>
-            <a:r>
-              <a:rPr lang="en-US" altLang="ja-JP" dirty="0" smtClean="0"/>
-              <a:t>check </a:t>
-            </a:r>
-            <a:r>
-              <a:rPr lang="en-US" altLang="ja-JP" dirty="0"/>
-              <a:t>that the login screen is displayed.</a:t>
-            </a:r>
-            <a:endParaRPr lang="ja-JP" altLang="ja-JP" dirty="0"/>
-          </a:p>
-          <a:p>
-            <a:pPr marL="180000" lvl="1" indent="0">
-              <a:buNone/>
-            </a:pPr>
-            <a:endParaRPr kumimoji="1" lang="ja-JP" altLang="en-US" dirty="0">
               <a:latin typeface="Segoe UI" panose="020B0502040204020203" pitchFamily="34" charset="0"/>
               <a:cs typeface="Segoe UI" panose="020B0502040204020203" pitchFamily="34" charset="0"/>
             </a:endParaRPr>
@@ -26255,14 +24601,14 @@
           <p:nvPr>
             <p:extLst>
               <p:ext uri="{D42A27DB-BD31-4B8C-83A1-F6EECF244321}">
-                <p14:modId xmlns:p14="http://schemas.microsoft.com/office/powerpoint/2010/main" val="3743028898"/>
+                <p14:modId xmlns:p14="http://schemas.microsoft.com/office/powerpoint/2010/main" val="1738513567"/>
               </p:ext>
             </p:extLst>
           </p:nvPr>
         </p:nvGraphicFramePr>
         <p:xfrm>
           <a:off x="1259053" y="1628750"/>
-          <a:ext cx="6624920" cy="2222847"/>
+          <a:ext cx="6624920" cy="2479614"/>
         </p:xfrm>
         <a:graphic>
           <a:graphicData uri="http://schemas.openxmlformats.org/drawingml/2006/table">
@@ -26360,7 +24706,7 @@
                 </a:extLst>
               </a:tr>
               <a:tr h="256767">
-                <a:tc rowSpan="2">
+                <a:tc rowSpan="3">
                   <a:txBody>
                     <a:bodyPr/>
                     <a:lstStyle/>
@@ -26513,7 +24859,7 @@
                 </a:extLst>
               </a:tr>
               <a:tr h="256767">
-                <a:tc>
+                <a:tc vMerge="1">
                   <a:txBody>
                     <a:bodyPr/>
                     <a:lstStyle/>
@@ -26523,24 +24869,6 @@
                           <a:spcPts val="0"/>
                         </a:spcAft>
                       </a:pPr>
-                      <a:r>
-                        <a:rPr lang="en-US" altLang="ja-JP" sz="1050" kern="100" dirty="0" smtClean="0">
-                          <a:effectLst/>
-                          <a:latin typeface="Segoe UI" panose="020B0502040204020203" pitchFamily="34" charset="0"/>
-                          <a:ea typeface="Segoe UI" panose="020B0502040204020203" pitchFamily="34" charset="0"/>
-                          <a:cs typeface="Segoe UI" panose="020B0502040204020203" pitchFamily="34" charset="0"/>
-                        </a:rPr>
-                        <a:t>Creating</a:t>
-                      </a:r>
-                      <a:r>
-                        <a:rPr lang="en-US" altLang="ja-JP" sz="1050" kern="100" baseline="0" dirty="0" smtClean="0">
-                          <a:effectLst/>
-                          <a:latin typeface="Segoe UI" panose="020B0502040204020203" pitchFamily="34" charset="0"/>
-                          <a:ea typeface="Segoe UI" panose="020B0502040204020203" pitchFamily="34" charset="0"/>
-                          <a:cs typeface="Segoe UI" panose="020B0502040204020203" pitchFamily="34" charset="0"/>
-                        </a:rPr>
-                        <a:t> menus</a:t>
-                      </a:r>
                       <a:endParaRPr lang="ja-JP" sz="1050" kern="100" dirty="0">
                         <a:effectLst/>
                         <a:latin typeface="Segoe UI" panose="020B0502040204020203" pitchFamily="34" charset="0"/>
@@ -26566,9 +24894,94 @@
                         </a:spcAft>
                       </a:pPr>
                       <a:r>
+                        <a:rPr kumimoji="1" lang="en-US" altLang="ja-JP" sz="1050" kern="1200" dirty="0" smtClean="0">
+                          <a:solidFill>
+                            <a:schemeClr val="dk1"/>
+                          </a:solidFill>
+                          <a:effectLst/>
+                          <a:latin typeface="Segoe UI" panose="020B0502040204020203" pitchFamily="34" charset="0"/>
+                          <a:ea typeface="Segoe UI" panose="020B0502040204020203" pitchFamily="34" charset="0"/>
+                          <a:cs typeface="Segoe UI" panose="020B0502040204020203" pitchFamily="34" charset="0"/>
+                        </a:rPr>
+                        <a:t>Export/Import</a:t>
+                      </a:r>
+                      <a:endParaRPr lang="ja-JP" altLang="ja-JP" sz="1050" kern="100" dirty="0">
+                        <a:effectLst/>
+                        <a:latin typeface="Segoe UI" panose="020B0502040204020203" pitchFamily="34" charset="0"/>
+                        <a:ea typeface="ＭＳ 明朝" panose="02020609040205080304" pitchFamily="17" charset="-128"/>
+                        <a:cs typeface="Segoe UI" panose="020B0502040204020203" pitchFamily="34" charset="0"/>
+                      </a:endParaRPr>
+                    </a:p>
+                  </a:txBody>
+                  <a:tcPr marL="68580" marR="68580" marT="0" marB="0" anchor="ctr">
+                    <a:solidFill>
+                      <a:srgbClr val="E7E8EA"/>
+                    </a:solidFill>
+                  </a:tcPr>
+                </a:tc>
+                <a:extLst>
+                  <a:ext uri="{0D108BD9-81ED-4DB2-BD59-A6C34878D82A}">
+                    <a16:rowId xmlns:a16="http://schemas.microsoft.com/office/drawing/2014/main" val="2250729476"/>
+                  </a:ext>
+                </a:extLst>
+              </a:tr>
+              <a:tr h="256767">
+                <a:tc>
+                  <a:txBody>
+                    <a:bodyPr/>
+                    <a:lstStyle/>
+                    <a:p>
+                      <a:pPr algn="l">
+                        <a:spcAft>
+                          <a:spcPts val="0"/>
+                        </a:spcAft>
+                      </a:pPr>
+                      <a:r>
                         <a:rPr lang="en-US" altLang="ja-JP" sz="1050" kern="100" dirty="0" smtClean="0">
                           <a:effectLst/>
                           <a:latin typeface="Segoe UI" panose="020B0502040204020203" pitchFamily="34" charset="0"/>
+                          <a:ea typeface="Segoe UI" panose="020B0502040204020203" pitchFamily="34" charset="0"/>
+                          <a:cs typeface="Segoe UI" panose="020B0502040204020203" pitchFamily="34" charset="0"/>
+                        </a:rPr>
+                        <a:t>Creating</a:t>
+                      </a:r>
+                      <a:r>
+                        <a:rPr lang="en-US" altLang="ja-JP" sz="1050" kern="100" baseline="0" dirty="0" smtClean="0">
+                          <a:effectLst/>
+                          <a:latin typeface="Segoe UI" panose="020B0502040204020203" pitchFamily="34" charset="0"/>
+                          <a:ea typeface="Segoe UI" panose="020B0502040204020203" pitchFamily="34" charset="0"/>
+                          <a:cs typeface="Segoe UI" panose="020B0502040204020203" pitchFamily="34" charset="0"/>
+                        </a:rPr>
+                        <a:t> menus</a:t>
+                      </a:r>
+                      <a:endParaRPr lang="ja-JP" sz="1050" kern="100" dirty="0">
+                        <a:effectLst/>
+                        <a:latin typeface="Segoe UI" panose="020B0502040204020203" pitchFamily="34" charset="0"/>
+                        <a:ea typeface="ＭＳ 明朝" panose="02020609040205080304" pitchFamily="17" charset="-128"/>
+                        <a:cs typeface="Segoe UI" panose="020B0502040204020203" pitchFamily="34" charset="0"/>
+                      </a:endParaRPr>
+                    </a:p>
+                  </a:txBody>
+                  <a:tcPr marL="68580" marR="68580" marT="0" marB="0" anchor="ctr">
+                    <a:solidFill>
+                      <a:srgbClr val="002B62"/>
+                    </a:solidFill>
+                  </a:tcPr>
+                </a:tc>
+                <a:tc>
+                  <a:txBody>
+                    <a:bodyPr/>
+                    <a:lstStyle/>
+                    <a:p>
+                      <a:pPr algn="l">
+                        <a:spcAft>
+                          <a:spcPts val="0"/>
+                        </a:spcAft>
+                      </a:pPr>
+                      <a:r>
+                        <a:rPr lang="en-US" altLang="ja-JP" sz="1050" kern="100" dirty="0" smtClean="0">
+                          <a:effectLst/>
+                          <a:latin typeface="Segoe UI" panose="020B0502040204020203" pitchFamily="34" charset="0"/>
                           <a:ea typeface="+mn-ea"/>
                           <a:cs typeface="Segoe UI" panose="020B0502040204020203" pitchFamily="34" charset="0"/>
                         </a:rPr>
@@ -26581,7 +24994,7 @@
                           <a:ea typeface="+mn-ea"/>
                           <a:cs typeface="Segoe UI" panose="020B0502040204020203" pitchFamily="34" charset="0"/>
                         </a:rPr>
-                        <a:t> master menu</a:t>
+                        <a:t> menu</a:t>
                       </a:r>
                       <a:endParaRPr lang="ja-JP" sz="1050" kern="100" dirty="0">
                         <a:effectLst/>
@@ -26870,7 +25283,2252 @@
 </p:sld>
 </file>
 
+<file path=ppt/slides/slide24.xml><?xml version="1.0" encoding="utf-8"?>
+<p:sld xmlns:a="http://schemas.openxmlformats.org/drawingml/2006/main" xmlns:r="http://schemas.openxmlformats.org/officeDocument/2006/relationships" xmlns:p="http://schemas.openxmlformats.org/presentationml/2006/main">
+  <p:cSld>
+    <p:spTree>
+      <p:nvGrpSpPr>
+        <p:cNvPr id="1" name=""/>
+        <p:cNvGrpSpPr/>
+        <p:nvPr/>
+      </p:nvGrpSpPr>
+      <p:grpSpPr>
+        <a:xfrm>
+          <a:off x="0" y="0"/>
+          <a:ext cx="0" cy="0"/>
+          <a:chOff x="0" y="0"/>
+          <a:chExt cx="0" cy="0"/>
+        </a:xfrm>
+      </p:grpSpPr>
+      <p:sp>
+        <p:nvSpPr>
+          <p:cNvPr id="2" name="タイトル 1"/>
+          <p:cNvSpPr>
+            <a:spLocks noGrp="1"/>
+          </p:cNvSpPr>
+          <p:nvPr>
+            <p:ph type="title"/>
+          </p:nvPr>
+        </p:nvSpPr>
+        <p:spPr/>
+        <p:txBody>
+          <a:bodyPr/>
+          <a:lstStyle/>
+          <a:p>
+            <a:r>
+              <a:rPr lang="en-US" altLang="ja-JP" dirty="0" smtClean="0">
+                <a:latin typeface="Segoe UI" panose="020B0502040204020203" pitchFamily="34" charset="0"/>
+                <a:ea typeface="Segoe UI" panose="020B0502040204020203" pitchFamily="34" charset="0"/>
+                <a:cs typeface="Segoe UI" panose="020B0502040204020203" pitchFamily="34" charset="0"/>
+              </a:rPr>
+              <a:t>4.4	Operation Check (4/6)</a:t>
+            </a:r>
+            <a:endParaRPr kumimoji="1" lang="ja-JP" altLang="en-US" dirty="0">
+              <a:latin typeface="Segoe UI" panose="020B0502040204020203" pitchFamily="34" charset="0"/>
+              <a:cs typeface="Segoe UI" panose="020B0502040204020203" pitchFamily="34" charset="0"/>
+            </a:endParaRPr>
+          </a:p>
+        </p:txBody>
+      </p:sp>
+      <p:sp>
+        <p:nvSpPr>
+          <p:cNvPr id="3" name="コンテンツ プレースホルダー 2"/>
+          <p:cNvSpPr>
+            <a:spLocks noGrp="1"/>
+          </p:cNvSpPr>
+          <p:nvPr>
+            <p:ph sz="quarter" idx="10"/>
+          </p:nvPr>
+        </p:nvSpPr>
+        <p:spPr>
+          <a:xfrm>
+            <a:off x="179512" y="836712"/>
+            <a:ext cx="8497058" cy="5616476"/>
+          </a:xfrm>
+        </p:spPr>
+        <p:txBody>
+          <a:bodyPr/>
+          <a:lstStyle/>
+          <a:p>
+            <a:r>
+              <a:rPr lang="en-US" altLang="ja-JP" dirty="0" smtClean="0">
+                <a:latin typeface="Segoe UI" panose="020B0502040204020203" pitchFamily="34" charset="0"/>
+                <a:ea typeface="Segoe UI" panose="020B0502040204020203" pitchFamily="34" charset="0"/>
+                <a:cs typeface="Segoe UI" panose="020B0502040204020203" pitchFamily="34" charset="0"/>
+              </a:rPr>
+              <a:t>Preparation for accessing from HTTPS</a:t>
+            </a:r>
+            <a:endParaRPr lang="ja-JP" altLang="en-US" dirty="0">
+              <a:latin typeface="Segoe UI" panose="020B0502040204020203" pitchFamily="34" charset="0"/>
+              <a:cs typeface="Segoe UI" panose="020B0502040204020203" pitchFamily="34" charset="0"/>
+            </a:endParaRPr>
+          </a:p>
+          <a:p>
+            <a:pPr lvl="1"/>
+            <a:r>
+              <a:rPr lang="en-US" altLang="ja-JP" dirty="0" smtClean="0">
+                <a:latin typeface="Segoe UI" panose="020B0502040204020203" pitchFamily="34" charset="0"/>
+                <a:ea typeface="Segoe UI" panose="020B0502040204020203" pitchFamily="34" charset="0"/>
+                <a:cs typeface="Segoe UI" panose="020B0502040204020203" pitchFamily="34" charset="0"/>
+              </a:rPr>
+              <a:t>Specify the IP address and host name of the IT Automation server in the hosts file of the Windows client.</a:t>
+            </a:r>
+            <a:br>
+              <a:rPr lang="en-US" altLang="ja-JP" dirty="0" smtClean="0">
+                <a:latin typeface="Segoe UI" panose="020B0502040204020203" pitchFamily="34" charset="0"/>
+                <a:ea typeface="Segoe UI" panose="020B0502040204020203" pitchFamily="34" charset="0"/>
+                <a:cs typeface="Segoe UI" panose="020B0502040204020203" pitchFamily="34" charset="0"/>
+              </a:rPr>
+            </a:br>
+            <a:endParaRPr lang="en-US" altLang="ja-JP" b="1" dirty="0">
+              <a:solidFill>
+                <a:srgbClr val="FF0000"/>
+              </a:solidFill>
+              <a:latin typeface="Segoe UI" panose="020B0502040204020203" pitchFamily="34" charset="0"/>
+              <a:ea typeface="Segoe UI" panose="020B0502040204020203" pitchFamily="34" charset="0"/>
+              <a:cs typeface="Segoe UI" panose="020B0502040204020203" pitchFamily="34" charset="0"/>
+            </a:endParaRPr>
+          </a:p>
+          <a:p>
+            <a:pPr lvl="1"/>
+            <a:r>
+              <a:rPr lang="en-US" altLang="ja-JP" dirty="0" smtClean="0">
+                <a:latin typeface="Segoe UI" panose="020B0502040204020203" pitchFamily="34" charset="0"/>
+                <a:ea typeface="Segoe UI" panose="020B0502040204020203" pitchFamily="34" charset="0"/>
+                <a:cs typeface="Segoe UI" panose="020B0502040204020203" pitchFamily="34" charset="0"/>
+              </a:rPr>
+              <a:t>For Windows 10, the hosts file is located at the following:</a:t>
+            </a:r>
+          </a:p>
+          <a:p>
+            <a:pPr lvl="1"/>
+            <a:endParaRPr lang="en-US" altLang="ja-JP" dirty="0" smtClean="0">
+              <a:latin typeface="Segoe UI" panose="020B0502040204020203" pitchFamily="34" charset="0"/>
+              <a:ea typeface="Segoe UI" panose="020B0502040204020203" pitchFamily="34" charset="0"/>
+              <a:cs typeface="Segoe UI" panose="020B0502040204020203" pitchFamily="34" charset="0"/>
+            </a:endParaRPr>
+          </a:p>
+          <a:p>
+            <a:pPr marL="180000" lvl="1" indent="0">
+              <a:buNone/>
+            </a:pPr>
+            <a:endParaRPr lang="en-US" altLang="ja-JP" dirty="0" smtClean="0">
+              <a:latin typeface="Segoe UI" panose="020B0502040204020203" pitchFamily="34" charset="0"/>
+              <a:ea typeface="Segoe UI" panose="020B0502040204020203" pitchFamily="34" charset="0"/>
+              <a:cs typeface="Segoe UI" panose="020B0502040204020203" pitchFamily="34" charset="0"/>
+            </a:endParaRPr>
+          </a:p>
+          <a:p>
+            <a:pPr marL="180000" lvl="1" indent="0">
+              <a:buNone/>
+            </a:pPr>
+            <a:endParaRPr lang="en-US" altLang="ja-JP" dirty="0">
+              <a:latin typeface="Segoe UI" panose="020B0502040204020203" pitchFamily="34" charset="0"/>
+              <a:ea typeface="Segoe UI" panose="020B0502040204020203" pitchFamily="34" charset="0"/>
+              <a:cs typeface="Segoe UI" panose="020B0502040204020203" pitchFamily="34" charset="0"/>
+            </a:endParaRPr>
+          </a:p>
+          <a:p>
+            <a:pPr marL="180000" lvl="1" indent="0">
+              <a:buNone/>
+            </a:pPr>
+            <a:endParaRPr lang="en-US" altLang="ja-JP" dirty="0">
+              <a:latin typeface="Segoe UI" panose="020B0502040204020203" pitchFamily="34" charset="0"/>
+              <a:ea typeface="Segoe UI" panose="020B0502040204020203" pitchFamily="34" charset="0"/>
+              <a:cs typeface="Segoe UI" panose="020B0502040204020203" pitchFamily="34" charset="0"/>
+            </a:endParaRPr>
+          </a:p>
+          <a:p>
+            <a:pPr lvl="1"/>
+            <a:r>
+              <a:rPr lang="en-US" altLang="ja-JP" dirty="0" smtClean="0">
+                <a:latin typeface="Segoe UI" panose="020B0502040204020203" pitchFamily="34" charset="0"/>
+                <a:ea typeface="Segoe UI" panose="020B0502040204020203" pitchFamily="34" charset="0"/>
+                <a:cs typeface="Segoe UI" panose="020B0502040204020203" pitchFamily="34" charset="0"/>
+              </a:rPr>
+              <a:t>To the hosts file, add the following settings:</a:t>
+            </a:r>
+            <a:endParaRPr lang="ja-JP" altLang="en-US" dirty="0">
+              <a:latin typeface="Segoe UI" panose="020B0502040204020203" pitchFamily="34" charset="0"/>
+              <a:cs typeface="Segoe UI" panose="020B0502040204020203" pitchFamily="34" charset="0"/>
+            </a:endParaRPr>
+          </a:p>
+          <a:p>
+            <a:pPr lvl="1"/>
+            <a:endParaRPr kumimoji="1" lang="ja-JP" altLang="en-US" dirty="0">
+              <a:latin typeface="Segoe UI" panose="020B0502040204020203" pitchFamily="34" charset="0"/>
+              <a:cs typeface="Segoe UI" panose="020B0502040204020203" pitchFamily="34" charset="0"/>
+            </a:endParaRPr>
+          </a:p>
+        </p:txBody>
+      </p:sp>
+      <p:graphicFrame>
+        <p:nvGraphicFramePr>
+          <p:cNvPr id="6" name="表 5"/>
+          <p:cNvGraphicFramePr>
+            <a:graphicFrameLocks noGrp="1"/>
+          </p:cNvGraphicFramePr>
+          <p:nvPr>
+            <p:extLst>
+              <p:ext uri="{D42A27DB-BD31-4B8C-83A1-F6EECF244321}">
+                <p14:modId xmlns:p14="http://schemas.microsoft.com/office/powerpoint/2010/main" val="99024855"/>
+              </p:ext>
+            </p:extLst>
+          </p:nvPr>
+        </p:nvGraphicFramePr>
+        <p:xfrm>
+          <a:off x="1830475" y="2836769"/>
+          <a:ext cx="5485765" cy="316230"/>
+        </p:xfrm>
+        <a:graphic>
+          <a:graphicData uri="http://schemas.openxmlformats.org/drawingml/2006/table">
+            <a:tbl>
+              <a:tblPr firstRow="1" firstCol="1" bandRow="1">
+                <a:tableStyleId>{5C22544A-7EE6-4342-B048-85BDC9FD1C3A}</a:tableStyleId>
+              </a:tblPr>
+              <a:tblGrid>
+                <a:gridCol w="5485765">
+                  <a:extLst>
+                    <a:ext uri="{9D8B030D-6E8A-4147-A177-3AD203B41FA5}">
+                      <a16:colId xmlns:a16="http://schemas.microsoft.com/office/drawing/2014/main" val="20000"/>
+                    </a:ext>
+                  </a:extLst>
+                </a:gridCol>
+              </a:tblGrid>
+              <a:tr h="316230">
+                <a:tc>
+                  <a:txBody>
+                    <a:bodyPr/>
+                    <a:lstStyle/>
+                    <a:p>
+                      <a:pPr algn="just">
+                        <a:spcAft>
+                          <a:spcPts val="0"/>
+                        </a:spcAft>
+                      </a:pPr>
+                      <a:r>
+                        <a:rPr lang="en-US" sz="1050" kern="100" dirty="0">
+                          <a:effectLst/>
+                        </a:rPr>
+                        <a:t>C:\Windows\System32\drivers\etc\hosts</a:t>
+                      </a:r>
+                      <a:endParaRPr lang="ja-JP" sz="1050" kern="100" dirty="0">
+                        <a:effectLst/>
+                        <a:latin typeface="Century" panose="02040604050505020304" pitchFamily="18" charset="0"/>
+                        <a:ea typeface="ＭＳ 明朝" panose="02020609040205080304" pitchFamily="17" charset="-128"/>
+                        <a:cs typeface="Times New Roman" panose="02020603050405020304" pitchFamily="18" charset="0"/>
+                      </a:endParaRPr>
+                    </a:p>
+                  </a:txBody>
+                  <a:tcPr marL="68580" marR="68580" marT="0" marB="0" anchor="ctr">
+                    <a:solidFill>
+                      <a:srgbClr val="002B62"/>
+                    </a:solidFill>
+                  </a:tcPr>
+                </a:tc>
+                <a:extLst>
+                  <a:ext uri="{0D108BD9-81ED-4DB2-BD59-A6C34878D82A}">
+                    <a16:rowId xmlns:a16="http://schemas.microsoft.com/office/drawing/2014/main" val="10000"/>
+                  </a:ext>
+                </a:extLst>
+              </a:tr>
+            </a:tbl>
+          </a:graphicData>
+        </a:graphic>
+      </p:graphicFrame>
+      <p:graphicFrame>
+        <p:nvGraphicFramePr>
+          <p:cNvPr id="7" name="表 6"/>
+          <p:cNvGraphicFramePr>
+            <a:graphicFrameLocks noGrp="1"/>
+          </p:cNvGraphicFramePr>
+          <p:nvPr>
+            <p:extLst>
+              <p:ext uri="{D42A27DB-BD31-4B8C-83A1-F6EECF244321}">
+                <p14:modId xmlns:p14="http://schemas.microsoft.com/office/powerpoint/2010/main" val="2262637613"/>
+              </p:ext>
+            </p:extLst>
+          </p:nvPr>
+        </p:nvGraphicFramePr>
+        <p:xfrm>
+          <a:off x="1828630" y="4221110"/>
+          <a:ext cx="5485765" cy="936130"/>
+        </p:xfrm>
+        <a:graphic>
+          <a:graphicData uri="http://schemas.openxmlformats.org/drawingml/2006/table">
+            <a:tbl>
+              <a:tblPr firstRow="1" firstCol="1" bandRow="1">
+                <a:tableStyleId>{5C22544A-7EE6-4342-B048-85BDC9FD1C3A}</a:tableStyleId>
+              </a:tblPr>
+              <a:tblGrid>
+                <a:gridCol w="5485765">
+                  <a:extLst>
+                    <a:ext uri="{9D8B030D-6E8A-4147-A177-3AD203B41FA5}">
+                      <a16:colId xmlns:a16="http://schemas.microsoft.com/office/drawing/2014/main" val="20000"/>
+                    </a:ext>
+                  </a:extLst>
+                </a:gridCol>
+              </a:tblGrid>
+              <a:tr h="936130">
+                <a:tc>
+                  <a:txBody>
+                    <a:bodyPr/>
+                    <a:lstStyle/>
+                    <a:p>
+                      <a:pPr algn="l">
+                        <a:spcAft>
+                          <a:spcPts val="0"/>
+                        </a:spcAft>
+                      </a:pPr>
+                      <a:r>
+                        <a:rPr lang="en-US" sz="1050" kern="100" dirty="0" smtClean="0">
+                          <a:effectLst/>
+                        </a:rPr>
+                        <a:t>“ITA</a:t>
+                      </a:r>
+                      <a:r>
+                        <a:rPr lang="ja-JP" sz="1050" kern="100" dirty="0" smtClean="0">
+                          <a:effectLst/>
+                        </a:rPr>
+                        <a:t>実装</a:t>
+                      </a:r>
+                      <a:r>
+                        <a:rPr lang="ja-JP" sz="1050" kern="100" dirty="0">
+                          <a:effectLst/>
+                        </a:rPr>
+                        <a:t>サーバの</a:t>
+                      </a:r>
+                      <a:r>
+                        <a:rPr lang="en-US" sz="1050" kern="100" dirty="0">
+                          <a:effectLst/>
+                        </a:rPr>
+                        <a:t>IP</a:t>
+                      </a:r>
+                      <a:r>
+                        <a:rPr lang="ja-JP" sz="1050" kern="100" dirty="0">
+                          <a:effectLst/>
+                        </a:rPr>
+                        <a:t>アドレス</a:t>
+                      </a:r>
+                      <a:r>
+                        <a:rPr lang="en-US" sz="1050" kern="100" dirty="0">
+                          <a:effectLst/>
+                        </a:rPr>
+                        <a:t>”</a:t>
+                      </a:r>
+                      <a:r>
+                        <a:rPr lang="ja-JP" sz="1050" kern="100" dirty="0">
+                          <a:effectLst/>
+                        </a:rPr>
+                        <a:t>　</a:t>
+                      </a:r>
+                      <a:r>
+                        <a:rPr lang="ja-JP" sz="1050" kern="0" dirty="0">
+                          <a:effectLst/>
+                        </a:rPr>
+                        <a:t> </a:t>
+                      </a:r>
+                      <a:r>
+                        <a:rPr lang="en-US" altLang="ja-JP" sz="1050" kern="0" dirty="0" smtClean="0">
+                          <a:effectLst/>
+                        </a:rPr>
+                        <a:t>exastro</a:t>
+                      </a:r>
+                      <a:r>
+                        <a:rPr lang="en-US" sz="1050" kern="0" dirty="0" smtClean="0">
+                          <a:effectLst/>
+                        </a:rPr>
+                        <a:t>-it-automation</a:t>
+                      </a:r>
+                      <a:r>
+                        <a:rPr lang="en-US" sz="1050" kern="0" dirty="0">
+                          <a:effectLst/>
+                        </a:rPr>
+                        <a:t/>
+                      </a:r>
+                      <a:br>
+                        <a:rPr lang="en-US" sz="1050" kern="0" dirty="0">
+                          <a:effectLst/>
+                        </a:rPr>
+                      </a:br>
+                      <a:r>
+                        <a:rPr lang="en-US" sz="1050" kern="0" dirty="0" smtClean="0">
+                          <a:effectLst/>
+                        </a:rPr>
+                        <a:t/>
+                      </a:r>
+                      <a:br>
+                        <a:rPr lang="en-US" sz="1050" kern="0" dirty="0" smtClean="0">
+                          <a:effectLst/>
+                        </a:rPr>
+                      </a:br>
+                      <a:r>
+                        <a:rPr lang="ja-JP" sz="1050" kern="0" dirty="0" smtClean="0">
+                          <a:effectLst/>
+                        </a:rPr>
+                        <a:t>例</a:t>
+                      </a:r>
+                      <a:r>
+                        <a:rPr lang="ja-JP" altLang="en-US" sz="1050" kern="0" dirty="0" smtClean="0">
+                          <a:effectLst/>
+                        </a:rPr>
+                        <a:t>）</a:t>
+                      </a:r>
+                      <a:r>
+                        <a:rPr lang="en-US" sz="1050" kern="0" dirty="0" smtClean="0">
+                          <a:effectLst/>
+                        </a:rPr>
+                        <a:t/>
+                      </a:r>
+                      <a:br>
+                        <a:rPr lang="en-US" sz="1050" kern="0" dirty="0" smtClean="0">
+                          <a:effectLst/>
+                        </a:rPr>
+                      </a:br>
+                      <a:r>
+                        <a:rPr lang="en-US" sz="1050" kern="0" dirty="0" smtClean="0">
+                          <a:effectLst/>
+                        </a:rPr>
+                        <a:t>192.168.0.3 </a:t>
+                      </a:r>
+                      <a:r>
+                        <a:rPr lang="ja-JP" sz="1050" kern="0" dirty="0">
+                          <a:effectLst/>
+                        </a:rPr>
+                        <a:t>　</a:t>
+                      </a:r>
+                      <a:r>
+                        <a:rPr lang="en-US" altLang="ja-JP" sz="1050" kern="0" dirty="0" smtClean="0">
+                          <a:effectLst/>
+                        </a:rPr>
+                        <a:t>e</a:t>
+                      </a:r>
+                      <a:r>
+                        <a:rPr lang="en-US" sz="1050" kern="0" dirty="0" smtClean="0">
+                          <a:effectLst/>
+                        </a:rPr>
+                        <a:t>xastro-it-automation</a:t>
+                      </a:r>
+                      <a:endParaRPr lang="ja-JP" sz="1050" kern="100" dirty="0">
+                        <a:effectLst/>
+                        <a:latin typeface="Century" panose="02040604050505020304" pitchFamily="18" charset="0"/>
+                        <a:ea typeface="ＭＳ 明朝" panose="02020609040205080304" pitchFamily="17" charset="-128"/>
+                        <a:cs typeface="Times New Roman" panose="02020603050405020304" pitchFamily="18" charset="0"/>
+                      </a:endParaRPr>
+                    </a:p>
+                  </a:txBody>
+                  <a:tcPr marL="68580" marR="68580" marT="0" marB="0" anchor="ctr">
+                    <a:solidFill>
+                      <a:srgbClr val="002B62"/>
+                    </a:solidFill>
+                  </a:tcPr>
+                </a:tc>
+                <a:extLst>
+                  <a:ext uri="{0D108BD9-81ED-4DB2-BD59-A6C34878D82A}">
+                    <a16:rowId xmlns:a16="http://schemas.microsoft.com/office/drawing/2014/main" val="10000"/>
+                  </a:ext>
+                </a:extLst>
+              </a:tr>
+            </a:tbl>
+          </a:graphicData>
+        </a:graphic>
+      </p:graphicFrame>
+    </p:spTree>
+    <p:extLst>
+      <p:ext uri="{BB962C8B-B14F-4D97-AF65-F5344CB8AC3E}">
+        <p14:creationId xmlns:p14="http://schemas.microsoft.com/office/powerpoint/2010/main" val="4091577267"/>
+      </p:ext>
+    </p:extLst>
+  </p:cSld>
+  <p:clrMapOvr>
+    <a:masterClrMapping/>
+  </p:clrMapOvr>
+  <p:timing>
+    <p:tnLst>
+      <p:par>
+        <p:cTn id="1" dur="indefinite" restart="never" nodeType="tmRoot"/>
+      </p:par>
+    </p:tnLst>
+  </p:timing>
+</p:sld>
+</file>
+
+<file path=ppt/slides/slide25.xml><?xml version="1.0" encoding="utf-8"?>
+<p:sld xmlns:a="http://schemas.openxmlformats.org/drawingml/2006/main" xmlns:r="http://schemas.openxmlformats.org/officeDocument/2006/relationships" xmlns:p="http://schemas.openxmlformats.org/presentationml/2006/main">
+  <p:cSld>
+    <p:spTree>
+      <p:nvGrpSpPr>
+        <p:cNvPr id="1" name=""/>
+        <p:cNvGrpSpPr/>
+        <p:nvPr/>
+      </p:nvGrpSpPr>
+      <p:grpSpPr>
+        <a:xfrm>
+          <a:off x="0" y="0"/>
+          <a:ext cx="0" cy="0"/>
+          <a:chOff x="0" y="0"/>
+          <a:chExt cx="0" cy="0"/>
+        </a:xfrm>
+      </p:grpSpPr>
+      <p:sp>
+        <p:nvSpPr>
+          <p:cNvPr id="2" name="タイトル 1"/>
+          <p:cNvSpPr>
+            <a:spLocks noGrp="1"/>
+          </p:cNvSpPr>
+          <p:nvPr>
+            <p:ph type="title"/>
+          </p:nvPr>
+        </p:nvSpPr>
+        <p:spPr/>
+        <p:txBody>
+          <a:bodyPr/>
+          <a:lstStyle/>
+          <a:p>
+            <a:r>
+              <a:rPr lang="en-US" altLang="ja-JP" dirty="0" smtClean="0">
+                <a:latin typeface="Segoe UI" panose="020B0502040204020203" pitchFamily="34" charset="0"/>
+                <a:ea typeface="Segoe UI" panose="020B0502040204020203" pitchFamily="34" charset="0"/>
+                <a:cs typeface="Segoe UI" panose="020B0502040204020203" pitchFamily="34" charset="0"/>
+              </a:rPr>
+              <a:t>4.5	Operation Check (5/6)</a:t>
+            </a:r>
+            <a:endParaRPr kumimoji="1" lang="ja-JP" altLang="en-US" dirty="0">
+              <a:latin typeface="Segoe UI" panose="020B0502040204020203" pitchFamily="34" charset="0"/>
+              <a:cs typeface="Segoe UI" panose="020B0502040204020203" pitchFamily="34" charset="0"/>
+            </a:endParaRPr>
+          </a:p>
+        </p:txBody>
+      </p:sp>
+      <p:sp>
+        <p:nvSpPr>
+          <p:cNvPr id="3" name="コンテンツ プレースホルダー 2"/>
+          <p:cNvSpPr>
+            <a:spLocks noGrp="1"/>
+          </p:cNvSpPr>
+          <p:nvPr>
+            <p:ph sz="quarter" idx="10"/>
+          </p:nvPr>
+        </p:nvSpPr>
+        <p:spPr/>
+        <p:txBody>
+          <a:bodyPr>
+            <a:normAutofit fontScale="92500" lnSpcReduction="20000"/>
+          </a:bodyPr>
+          <a:lstStyle/>
+          <a:p>
+            <a:pPr lvl="1"/>
+            <a:r>
+              <a:rPr lang="en-US" altLang="ja-JP" dirty="0" smtClean="0">
+                <a:latin typeface="Segoe UI" panose="020B0502040204020203" pitchFamily="34" charset="0"/>
+                <a:ea typeface="Segoe UI" panose="020B0502040204020203" pitchFamily="34" charset="0"/>
+                <a:cs typeface="Segoe UI" panose="020B0502040204020203" pitchFamily="34" charset="0"/>
+              </a:rPr>
+              <a:t>Import </a:t>
+            </a:r>
+            <a:r>
+              <a:rPr lang="en-US" altLang="ja-JP" dirty="0">
+                <a:latin typeface="Segoe UI" panose="020B0502040204020203" pitchFamily="34" charset="0"/>
+                <a:ea typeface="Segoe UI" panose="020B0502040204020203" pitchFamily="34" charset="0"/>
+                <a:cs typeface="Segoe UI" panose="020B0502040204020203" pitchFamily="34" charset="0"/>
+              </a:rPr>
+              <a:t>the certificate into the operating device(Windows). </a:t>
+            </a:r>
+            <a:r>
+              <a:rPr lang="en-US" altLang="ja-JP" dirty="0" smtClean="0">
+                <a:latin typeface="Segoe UI" panose="020B0502040204020203" pitchFamily="34" charset="0"/>
+                <a:ea typeface="Segoe UI" panose="020B0502040204020203" pitchFamily="34" charset="0"/>
+                <a:cs typeface="Segoe UI" panose="020B0502040204020203" pitchFamily="34" charset="0"/>
+              </a:rPr>
+              <a:t/>
+            </a:r>
+            <a:br>
+              <a:rPr lang="en-US" altLang="ja-JP" dirty="0" smtClean="0">
+                <a:latin typeface="Segoe UI" panose="020B0502040204020203" pitchFamily="34" charset="0"/>
+                <a:ea typeface="Segoe UI" panose="020B0502040204020203" pitchFamily="34" charset="0"/>
+                <a:cs typeface="Segoe UI" panose="020B0502040204020203" pitchFamily="34" charset="0"/>
+              </a:rPr>
+            </a:br>
+            <a:r>
+              <a:rPr lang="en-US" altLang="ja-JP" dirty="0" smtClean="0">
+                <a:latin typeface="Segoe UI" panose="020B0502040204020203" pitchFamily="34" charset="0"/>
+                <a:ea typeface="Segoe UI" panose="020B0502040204020203" pitchFamily="34" charset="0"/>
+                <a:cs typeface="Segoe UI" panose="020B0502040204020203" pitchFamily="34" charset="0"/>
+              </a:rPr>
+              <a:t>The certificate is stored in the following directory of the </a:t>
+            </a:r>
+            <a:r>
+              <a:rPr lang="en-US" altLang="ja-JP" dirty="0" smtClean="0">
+                <a:solidFill>
+                  <a:srgbClr val="000000"/>
+                </a:solidFill>
+                <a:latin typeface="Segoe UI" panose="020B0502040204020203" pitchFamily="34" charset="0"/>
+                <a:ea typeface="Segoe UI" panose="020B0502040204020203" pitchFamily="34" charset="0"/>
+                <a:cs typeface="Segoe UI" panose="020B0502040204020203" pitchFamily="34" charset="0"/>
+              </a:rPr>
+              <a:t>IT Automation installation package.</a:t>
+            </a:r>
+            <a:endParaRPr lang="ja-JP" altLang="ja-JP" dirty="0">
+              <a:solidFill>
+                <a:srgbClr val="000000"/>
+              </a:solidFill>
+              <a:latin typeface="Segoe UI" panose="020B0502040204020203" pitchFamily="34" charset="0"/>
+              <a:cs typeface="Segoe UI" panose="020B0502040204020203" pitchFamily="34" charset="0"/>
+            </a:endParaRPr>
+          </a:p>
+          <a:p>
+            <a:pPr lvl="1"/>
+            <a:r>
+              <a:rPr lang="en-US" altLang="ja-JP" dirty="0" smtClean="0">
+                <a:latin typeface="Segoe UI" panose="020B0502040204020203" pitchFamily="34" charset="0"/>
+                <a:ea typeface="Segoe UI" panose="020B0502040204020203" pitchFamily="34" charset="0"/>
+                <a:cs typeface="Segoe UI" panose="020B0502040204020203" pitchFamily="34" charset="0"/>
+              </a:rPr>
+              <a:t>Use a tool (such as FFFTP and WinSCP) to download the client.</a:t>
+            </a:r>
+            <a:endParaRPr lang="ja-JP" altLang="ja-JP" dirty="0">
+              <a:latin typeface="Segoe UI" panose="020B0502040204020203" pitchFamily="34" charset="0"/>
+              <a:cs typeface="Segoe UI" panose="020B0502040204020203" pitchFamily="34" charset="0"/>
+            </a:endParaRPr>
+          </a:p>
+          <a:p>
+            <a:pPr marL="180000" lvl="1" indent="0">
+              <a:buNone/>
+            </a:pPr>
+            <a:endParaRPr lang="en-US" altLang="ja-JP" dirty="0" smtClean="0">
+              <a:latin typeface="Segoe UI" panose="020B0502040204020203" pitchFamily="34" charset="0"/>
+              <a:ea typeface="Segoe UI" panose="020B0502040204020203" pitchFamily="34" charset="0"/>
+              <a:cs typeface="Segoe UI" panose="020B0502040204020203" pitchFamily="34" charset="0"/>
+            </a:endParaRPr>
+          </a:p>
+          <a:p>
+            <a:pPr marL="180000" lvl="1" indent="0">
+              <a:buNone/>
+            </a:pPr>
+            <a:endParaRPr lang="en-US" altLang="ja-JP" dirty="0">
+              <a:latin typeface="Segoe UI" panose="020B0502040204020203" pitchFamily="34" charset="0"/>
+              <a:ea typeface="Segoe UI" panose="020B0502040204020203" pitchFamily="34" charset="0"/>
+              <a:cs typeface="Segoe UI" panose="020B0502040204020203" pitchFamily="34" charset="0"/>
+            </a:endParaRPr>
+          </a:p>
+          <a:p>
+            <a:pPr marL="180000" lvl="1" indent="0">
+              <a:buNone/>
+            </a:pPr>
+            <a:endParaRPr lang="en-US" altLang="ja-JP" dirty="0" smtClean="0">
+              <a:latin typeface="Segoe UI" panose="020B0502040204020203" pitchFamily="34" charset="0"/>
+              <a:ea typeface="Segoe UI" panose="020B0502040204020203" pitchFamily="34" charset="0"/>
+              <a:cs typeface="Segoe UI" panose="020B0502040204020203" pitchFamily="34" charset="0"/>
+            </a:endParaRPr>
+          </a:p>
+          <a:p>
+            <a:pPr marL="180000" lvl="1" indent="0">
+              <a:buNone/>
+            </a:pPr>
+            <a:endParaRPr lang="en-US" altLang="ja-JP" dirty="0" smtClean="0">
+              <a:latin typeface="Segoe UI" panose="020B0502040204020203" pitchFamily="34" charset="0"/>
+              <a:ea typeface="Segoe UI" panose="020B0502040204020203" pitchFamily="34" charset="0"/>
+              <a:cs typeface="Segoe UI" panose="020B0502040204020203" pitchFamily="34" charset="0"/>
+            </a:endParaRPr>
+          </a:p>
+          <a:p>
+            <a:pPr marL="180000" lvl="1" indent="0">
+              <a:buNone/>
+            </a:pPr>
+            <a:endParaRPr lang="en-US" altLang="ja-JP" dirty="0" smtClean="0">
+              <a:latin typeface="Segoe UI" panose="020B0502040204020203" pitchFamily="34" charset="0"/>
+              <a:ea typeface="Segoe UI" panose="020B0502040204020203" pitchFamily="34" charset="0"/>
+              <a:cs typeface="Segoe UI" panose="020B0502040204020203" pitchFamily="34" charset="0"/>
+            </a:endParaRPr>
+          </a:p>
+          <a:p>
+            <a:pPr marL="180000" lvl="1" indent="0">
+              <a:buNone/>
+            </a:pPr>
+            <a:endParaRPr lang="en-US" altLang="ja-JP" dirty="0">
+              <a:latin typeface="Segoe UI" panose="020B0502040204020203" pitchFamily="34" charset="0"/>
+              <a:ea typeface="Segoe UI" panose="020B0502040204020203" pitchFamily="34" charset="0"/>
+              <a:cs typeface="Segoe UI" panose="020B0502040204020203" pitchFamily="34" charset="0"/>
+            </a:endParaRPr>
+          </a:p>
+          <a:p>
+            <a:pPr lvl="1"/>
+            <a:r>
+              <a:rPr lang="en-US" altLang="ja-JP" dirty="0" smtClean="0">
+                <a:latin typeface="Segoe UI" panose="020B0502040204020203" pitchFamily="34" charset="0"/>
+                <a:ea typeface="Segoe UI" panose="020B0502040204020203" pitchFamily="34" charset="0"/>
+                <a:cs typeface="Segoe UI" panose="020B0502040204020203" pitchFamily="34" charset="0"/>
+              </a:rPr>
+              <a:t>Import the certificate to a Web browser.</a:t>
+            </a:r>
+            <a:endParaRPr lang="ja-JP" altLang="ja-JP" dirty="0">
+              <a:latin typeface="Segoe UI" panose="020B0502040204020203" pitchFamily="34" charset="0"/>
+              <a:cs typeface="Segoe UI" panose="020B0502040204020203" pitchFamily="34" charset="0"/>
+            </a:endParaRPr>
+          </a:p>
+          <a:p>
+            <a:pPr lvl="1"/>
+            <a:r>
+              <a:rPr lang="en-US" altLang="ja-JP" dirty="0" smtClean="0">
+                <a:latin typeface="Segoe UI" panose="020B0502040204020203" pitchFamily="34" charset="0"/>
+                <a:ea typeface="Segoe UI" panose="020B0502040204020203" pitchFamily="34" charset="0"/>
+                <a:cs typeface="Segoe UI" panose="020B0502040204020203" pitchFamily="34" charset="0"/>
+              </a:rPr>
+              <a:t>For </a:t>
+            </a:r>
+            <a:r>
+              <a:rPr lang="en-US" altLang="ja-JP" dirty="0" smtClean="0">
+                <a:ea typeface="Segoe UI" panose="020B0502040204020203" pitchFamily="34" charset="0"/>
+              </a:rPr>
+              <a:t>Google Chrome</a:t>
+            </a:r>
+            <a:r>
+              <a:rPr lang="en-US" altLang="ja-JP" dirty="0" smtClean="0">
+                <a:latin typeface="Segoe UI" panose="020B0502040204020203" pitchFamily="34" charset="0"/>
+                <a:ea typeface="Segoe UI" panose="020B0502040204020203" pitchFamily="34" charset="0"/>
+                <a:cs typeface="Segoe UI" panose="020B0502040204020203" pitchFamily="34" charset="0"/>
+              </a:rPr>
+              <a:t>, import the certificate as follows.</a:t>
+            </a:r>
+          </a:p>
+          <a:p>
+            <a:pPr lvl="1"/>
+            <a:endParaRPr lang="ja-JP" altLang="ja-JP" dirty="0">
+              <a:latin typeface="Segoe UI" panose="020B0502040204020203" pitchFamily="34" charset="0"/>
+              <a:cs typeface="Segoe UI" panose="020B0502040204020203" pitchFamily="34" charset="0"/>
+            </a:endParaRPr>
+          </a:p>
+          <a:p>
+            <a:pPr marL="700088" lvl="1" indent="-342900">
+              <a:buFont typeface="+mj-lt"/>
+              <a:buAutoNum type="arabicPeriod"/>
+            </a:pPr>
+            <a:r>
+              <a:rPr lang="en-US" altLang="ja-JP" dirty="0" smtClean="0">
+                <a:latin typeface="Segoe UI" panose="020B0502040204020203" pitchFamily="34" charset="0"/>
+                <a:ea typeface="Segoe UI" panose="020B0502040204020203" pitchFamily="34" charset="0"/>
+                <a:cs typeface="Segoe UI" panose="020B0502040204020203" pitchFamily="34" charset="0"/>
+              </a:rPr>
+              <a:t>Start </a:t>
+            </a:r>
+            <a:r>
+              <a:rPr lang="en-US" altLang="ja-JP" dirty="0">
+                <a:latin typeface="Segoe UI" panose="020B0502040204020203" pitchFamily="34" charset="0"/>
+                <a:ea typeface="Segoe UI" panose="020B0502040204020203" pitchFamily="34" charset="0"/>
+                <a:cs typeface="Segoe UI" panose="020B0502040204020203" pitchFamily="34" charset="0"/>
+              </a:rPr>
+              <a:t>up </a:t>
+            </a:r>
+            <a:r>
+              <a:rPr lang="en-US" altLang="ja-JP" dirty="0" smtClean="0">
+                <a:ea typeface="Segoe UI" panose="020B0502040204020203" pitchFamily="34" charset="0"/>
+              </a:rPr>
+              <a:t>Google Chrome</a:t>
+            </a:r>
+            <a:r>
+              <a:rPr lang="en-US" altLang="ja-JP" dirty="0" smtClean="0">
+                <a:latin typeface="Segoe UI" panose="020B0502040204020203" pitchFamily="34" charset="0"/>
+                <a:ea typeface="Segoe UI" panose="020B0502040204020203" pitchFamily="34" charset="0"/>
+                <a:cs typeface="Segoe UI" panose="020B0502040204020203" pitchFamily="34" charset="0"/>
+              </a:rPr>
+              <a:t>. Then select </a:t>
+            </a:r>
+            <a:r>
+              <a:rPr lang="en-US" altLang="ja-JP" b="1" dirty="0">
+                <a:ea typeface="Segoe UI" panose="020B0502040204020203" pitchFamily="34" charset="0"/>
+              </a:rPr>
+              <a:t>Settings button </a:t>
+            </a:r>
+            <a:r>
+              <a:rPr lang="en-US" altLang="ja-JP" dirty="0" smtClean="0">
+                <a:ea typeface="Segoe UI" panose="020B0502040204020203" pitchFamily="34" charset="0"/>
+              </a:rPr>
+              <a:t>in the upper right </a:t>
+            </a:r>
+            <a:r>
+              <a:rPr lang="en-US" altLang="ja-JP" dirty="0" smtClean="0">
+                <a:latin typeface="Segoe UI" panose="020B0502040204020203" pitchFamily="34" charset="0"/>
+                <a:ea typeface="Segoe UI" panose="020B0502040204020203" pitchFamily="34" charset="0"/>
+                <a:cs typeface="Segoe UI" panose="020B0502040204020203" pitchFamily="34" charset="0"/>
+              </a:rPr>
+              <a:t>&gt; </a:t>
+            </a:r>
+            <a:r>
+              <a:rPr lang="en-US" altLang="ja-JP" b="1" dirty="0" smtClean="0">
+                <a:latin typeface="Segoe UI" panose="020B0502040204020203" pitchFamily="34" charset="0"/>
+                <a:ea typeface="Segoe UI" panose="020B0502040204020203" pitchFamily="34" charset="0"/>
+                <a:cs typeface="Segoe UI" panose="020B0502040204020203" pitchFamily="34" charset="0"/>
+              </a:rPr>
+              <a:t>settings</a:t>
+            </a:r>
+            <a:r>
+              <a:rPr lang="en-US" altLang="ja-JP" dirty="0" smtClean="0">
+                <a:latin typeface="Segoe UI" panose="020B0502040204020203" pitchFamily="34" charset="0"/>
+                <a:ea typeface="Segoe UI" panose="020B0502040204020203" pitchFamily="34" charset="0"/>
+                <a:cs typeface="Segoe UI" panose="020B0502040204020203" pitchFamily="34" charset="0"/>
+              </a:rPr>
+              <a:t>.</a:t>
+            </a:r>
+            <a:endParaRPr lang="ja-JP" altLang="ja-JP" dirty="0">
+              <a:latin typeface="Segoe UI" panose="020B0502040204020203" pitchFamily="34" charset="0"/>
+              <a:cs typeface="Segoe UI" panose="020B0502040204020203" pitchFamily="34" charset="0"/>
+            </a:endParaRPr>
+          </a:p>
+          <a:p>
+            <a:pPr marL="700088" lvl="1" indent="-342900">
+              <a:buFont typeface="+mj-lt"/>
+              <a:buAutoNum type="arabicPeriod"/>
+            </a:pPr>
+            <a:r>
+              <a:rPr lang="en-US" altLang="ja-JP" dirty="0" smtClean="0">
+                <a:ea typeface="Segoe UI" panose="020B0502040204020203" pitchFamily="34" charset="0"/>
+              </a:rPr>
+              <a:t>Select </a:t>
+            </a:r>
+            <a:r>
+              <a:rPr lang="en-US" altLang="ja-JP" b="1" dirty="0" smtClean="0">
+                <a:ea typeface="Segoe UI" panose="020B0502040204020203" pitchFamily="34" charset="0"/>
+              </a:rPr>
+              <a:t>Advanced </a:t>
+            </a:r>
+            <a:r>
+              <a:rPr lang="en-US" altLang="ja-JP" dirty="0" smtClean="0">
+                <a:ea typeface="Segoe UI" panose="020B0502040204020203" pitchFamily="34" charset="0"/>
+              </a:rPr>
+              <a:t>in </a:t>
+            </a:r>
+            <a:r>
+              <a:rPr lang="en-US" altLang="ja-JP" dirty="0">
+                <a:ea typeface="Segoe UI" panose="020B0502040204020203" pitchFamily="34" charset="0"/>
+              </a:rPr>
+              <a:t>the Lower part of browser</a:t>
+            </a:r>
+            <a:r>
+              <a:rPr lang="en-US" altLang="ja-JP" dirty="0" smtClean="0">
+                <a:ea typeface="Segoe UI" panose="020B0502040204020203" pitchFamily="34" charset="0"/>
+              </a:rPr>
+              <a:t> &gt; </a:t>
+            </a:r>
+            <a:r>
+              <a:rPr lang="en-US" altLang="ja-JP" b="1" dirty="0" smtClean="0">
+                <a:ea typeface="Segoe UI" panose="020B0502040204020203" pitchFamily="34" charset="0"/>
+              </a:rPr>
+              <a:t>Manage certificates</a:t>
+            </a:r>
+            <a:r>
+              <a:rPr lang="en-US" altLang="ja-JP" dirty="0" smtClean="0">
+                <a:ea typeface="Segoe UI" panose="020B0502040204020203" pitchFamily="34" charset="0"/>
+              </a:rPr>
+              <a:t>.</a:t>
+            </a:r>
+            <a:endParaRPr lang="ja-JP" altLang="ja-JP" dirty="0">
+              <a:latin typeface="Segoe UI" panose="020B0502040204020203" pitchFamily="34" charset="0"/>
+              <a:cs typeface="Segoe UI" panose="020B0502040204020203" pitchFamily="34" charset="0"/>
+            </a:endParaRPr>
+          </a:p>
+          <a:p>
+            <a:pPr marL="700088" lvl="1" indent="-342900">
+              <a:buFont typeface="+mj-lt"/>
+              <a:buAutoNum type="arabicPeriod"/>
+            </a:pPr>
+            <a:r>
+              <a:rPr lang="en-US" altLang="ja-JP" dirty="0" smtClean="0">
+                <a:ea typeface="Segoe UI" panose="020B0502040204020203" pitchFamily="34" charset="0"/>
+              </a:rPr>
+              <a:t>In </a:t>
+            </a:r>
+            <a:r>
+              <a:rPr lang="en-US" altLang="ja-JP" dirty="0">
+                <a:ea typeface="Segoe UI" panose="020B0502040204020203" pitchFamily="34" charset="0"/>
+              </a:rPr>
+              <a:t>the </a:t>
+            </a:r>
+            <a:r>
+              <a:rPr lang="en-US" altLang="ja-JP" b="1" dirty="0">
+                <a:ea typeface="Segoe UI" panose="020B0502040204020203" pitchFamily="34" charset="0"/>
+              </a:rPr>
+              <a:t>Trusted Root Certification Authorities</a:t>
+            </a:r>
+            <a:r>
+              <a:rPr lang="en-US" altLang="ja-JP" dirty="0">
+                <a:ea typeface="Segoe UI" panose="020B0502040204020203" pitchFamily="34" charset="0"/>
+              </a:rPr>
+              <a:t> tab </a:t>
+            </a:r>
+            <a:r>
+              <a:rPr lang="en-US" altLang="ja-JP" dirty="0" smtClean="0">
+                <a:latin typeface="Segoe UI" panose="020B0502040204020203" pitchFamily="34" charset="0"/>
+                <a:ea typeface="Segoe UI" panose="020B0502040204020203" pitchFamily="34" charset="0"/>
+                <a:cs typeface="Segoe UI" panose="020B0502040204020203" pitchFamily="34" charset="0"/>
+              </a:rPr>
+              <a:t>click the </a:t>
+            </a:r>
+            <a:r>
+              <a:rPr lang="en-US" altLang="ja-JP" b="1" dirty="0" smtClean="0">
+                <a:latin typeface="Segoe UI" panose="020B0502040204020203" pitchFamily="34" charset="0"/>
+                <a:ea typeface="Segoe UI" panose="020B0502040204020203" pitchFamily="34" charset="0"/>
+                <a:cs typeface="Segoe UI" panose="020B0502040204020203" pitchFamily="34" charset="0"/>
+              </a:rPr>
+              <a:t>Import</a:t>
+            </a:r>
+            <a:r>
+              <a:rPr lang="en-US" altLang="ja-JP" dirty="0" smtClean="0">
+                <a:latin typeface="Segoe UI" panose="020B0502040204020203" pitchFamily="34" charset="0"/>
+                <a:ea typeface="Segoe UI" panose="020B0502040204020203" pitchFamily="34" charset="0"/>
+                <a:cs typeface="Segoe UI" panose="020B0502040204020203" pitchFamily="34" charset="0"/>
+              </a:rPr>
+              <a:t> button in the lower left.</a:t>
+            </a:r>
+            <a:endParaRPr lang="ja-JP" altLang="ja-JP" dirty="0">
+              <a:latin typeface="Segoe UI" panose="020B0502040204020203" pitchFamily="34" charset="0"/>
+              <a:cs typeface="Segoe UI" panose="020B0502040204020203" pitchFamily="34" charset="0"/>
+            </a:endParaRPr>
+          </a:p>
+          <a:p>
+            <a:pPr marL="700088" lvl="1" indent="-342900">
+              <a:buFont typeface="+mj-lt"/>
+              <a:buAutoNum type="arabicPeriod"/>
+            </a:pPr>
+            <a:r>
+              <a:rPr lang="en-US" altLang="ja-JP" dirty="0" smtClean="0">
+                <a:latin typeface="Segoe UI" panose="020B0502040204020203" pitchFamily="34" charset="0"/>
+                <a:ea typeface="Segoe UI" panose="020B0502040204020203" pitchFamily="34" charset="0"/>
+                <a:cs typeface="Segoe UI" panose="020B0502040204020203" pitchFamily="34" charset="0"/>
+              </a:rPr>
+              <a:t>When the certificate import wizard appears, click </a:t>
+            </a:r>
+            <a:r>
+              <a:rPr lang="en-US" altLang="ja-JP" b="1" dirty="0" smtClean="0">
+                <a:latin typeface="Segoe UI" panose="020B0502040204020203" pitchFamily="34" charset="0"/>
+                <a:ea typeface="Segoe UI" panose="020B0502040204020203" pitchFamily="34" charset="0"/>
+                <a:cs typeface="Segoe UI" panose="020B0502040204020203" pitchFamily="34" charset="0"/>
+              </a:rPr>
+              <a:t>Next</a:t>
+            </a:r>
+            <a:r>
+              <a:rPr lang="en-US" altLang="ja-JP" dirty="0" smtClean="0">
+                <a:latin typeface="Segoe UI" panose="020B0502040204020203" pitchFamily="34" charset="0"/>
+                <a:ea typeface="Segoe UI" panose="020B0502040204020203" pitchFamily="34" charset="0"/>
+                <a:cs typeface="Segoe UI" panose="020B0502040204020203" pitchFamily="34" charset="0"/>
+              </a:rPr>
+              <a:t>.</a:t>
+            </a:r>
+            <a:endParaRPr lang="ja-JP" altLang="ja-JP" dirty="0">
+              <a:latin typeface="Segoe UI" panose="020B0502040204020203" pitchFamily="34" charset="0"/>
+              <a:cs typeface="Segoe UI" panose="020B0502040204020203" pitchFamily="34" charset="0"/>
+            </a:endParaRPr>
+          </a:p>
+          <a:p>
+            <a:pPr marL="700088" lvl="1" indent="-342900">
+              <a:buFont typeface="+mj-lt"/>
+              <a:buAutoNum type="arabicPeriod"/>
+            </a:pPr>
+            <a:r>
+              <a:rPr lang="en-US" altLang="ja-JP" dirty="0" smtClean="0">
+                <a:latin typeface="Segoe UI" panose="020B0502040204020203" pitchFamily="34" charset="0"/>
+                <a:ea typeface="Segoe UI" panose="020B0502040204020203" pitchFamily="34" charset="0"/>
+                <a:cs typeface="Segoe UI" panose="020B0502040204020203" pitchFamily="34" charset="0"/>
+              </a:rPr>
+              <a:t>Specify the name of the file to be imported. </a:t>
+            </a:r>
+            <a:r>
+              <a:rPr lang="en-US" altLang="ja-JP" dirty="0">
+                <a:latin typeface="Segoe UI" panose="020B0502040204020203" pitchFamily="34" charset="0"/>
+                <a:ea typeface="Segoe UI" panose="020B0502040204020203" pitchFamily="34" charset="0"/>
+                <a:cs typeface="Segoe UI" panose="020B0502040204020203" pitchFamily="34" charset="0"/>
+              </a:rPr>
+              <a:t>Then click </a:t>
+            </a:r>
+            <a:r>
+              <a:rPr lang="en-US" altLang="ja-JP" b="1" dirty="0">
+                <a:latin typeface="Segoe UI" panose="020B0502040204020203" pitchFamily="34" charset="0"/>
+                <a:ea typeface="Segoe UI" panose="020B0502040204020203" pitchFamily="34" charset="0"/>
+                <a:cs typeface="Segoe UI" panose="020B0502040204020203" pitchFamily="34" charset="0"/>
+              </a:rPr>
+              <a:t>Next</a:t>
+            </a:r>
+            <a:r>
+              <a:rPr lang="en-US" altLang="ja-JP" dirty="0" smtClean="0">
+                <a:latin typeface="Segoe UI" panose="020B0502040204020203" pitchFamily="34" charset="0"/>
+                <a:ea typeface="Segoe UI" panose="020B0502040204020203" pitchFamily="34" charset="0"/>
+                <a:cs typeface="Segoe UI" panose="020B0502040204020203" pitchFamily="34" charset="0"/>
+              </a:rPr>
+              <a:t>.</a:t>
+            </a:r>
+            <a:endParaRPr lang="ja-JP" altLang="ja-JP" dirty="0">
+              <a:latin typeface="Segoe UI" panose="020B0502040204020203" pitchFamily="34" charset="0"/>
+              <a:cs typeface="Segoe UI" panose="020B0502040204020203" pitchFamily="34" charset="0"/>
+            </a:endParaRPr>
+          </a:p>
+          <a:p>
+            <a:pPr marL="700088" lvl="1" indent="-342900">
+              <a:buFont typeface="+mj-lt"/>
+              <a:buAutoNum type="arabicPeriod"/>
+            </a:pPr>
+            <a:r>
+              <a:rPr lang="en-US" altLang="ja-JP" dirty="0" smtClean="0">
+                <a:latin typeface="Segoe UI" panose="020B0502040204020203" pitchFamily="34" charset="0"/>
+                <a:ea typeface="Segoe UI" panose="020B0502040204020203" pitchFamily="34" charset="0"/>
+                <a:cs typeface="Segoe UI" panose="020B0502040204020203" pitchFamily="34" charset="0"/>
+              </a:rPr>
+              <a:t>Make sure that the </a:t>
+            </a:r>
+            <a:r>
+              <a:rPr lang="en-US" altLang="ja-JP" b="1" dirty="0" smtClean="0">
+                <a:latin typeface="Segoe UI" panose="020B0502040204020203" pitchFamily="34" charset="0"/>
+                <a:ea typeface="Segoe UI" panose="020B0502040204020203" pitchFamily="34" charset="0"/>
+                <a:cs typeface="Segoe UI" panose="020B0502040204020203" pitchFamily="34" charset="0"/>
+              </a:rPr>
+              <a:t>Place </a:t>
+            </a:r>
+            <a:r>
+              <a:rPr lang="en-US" altLang="ja-JP" b="1" dirty="0">
+                <a:latin typeface="Segoe UI" panose="020B0502040204020203" pitchFamily="34" charset="0"/>
+                <a:ea typeface="Segoe UI" panose="020B0502040204020203" pitchFamily="34" charset="0"/>
+                <a:cs typeface="Segoe UI" panose="020B0502040204020203" pitchFamily="34" charset="0"/>
+              </a:rPr>
+              <a:t>all certificates in the following </a:t>
+            </a:r>
+            <a:r>
+              <a:rPr lang="en-US" altLang="ja-JP" b="1" dirty="0" smtClean="0">
+                <a:latin typeface="Segoe UI" panose="020B0502040204020203" pitchFamily="34" charset="0"/>
+                <a:ea typeface="Segoe UI" panose="020B0502040204020203" pitchFamily="34" charset="0"/>
+                <a:cs typeface="Segoe UI" panose="020B0502040204020203" pitchFamily="34" charset="0"/>
+              </a:rPr>
+              <a:t>store</a:t>
+            </a:r>
+            <a:r>
+              <a:rPr lang="en-US" altLang="ja-JP" dirty="0" smtClean="0">
+                <a:latin typeface="Segoe UI" panose="020B0502040204020203" pitchFamily="34" charset="0"/>
+                <a:ea typeface="Segoe UI" panose="020B0502040204020203" pitchFamily="34" charset="0"/>
+                <a:cs typeface="Segoe UI" panose="020B0502040204020203" pitchFamily="34" charset="0"/>
+              </a:rPr>
+              <a:t> option is selected.</a:t>
+            </a:r>
+            <a:endParaRPr lang="ja-JP" altLang="ja-JP" dirty="0">
+              <a:latin typeface="Segoe UI" panose="020B0502040204020203" pitchFamily="34" charset="0"/>
+              <a:cs typeface="Segoe UI" panose="020B0502040204020203" pitchFamily="34" charset="0"/>
+            </a:endParaRPr>
+          </a:p>
+          <a:p>
+            <a:pPr marL="700088" lvl="1" indent="-342900">
+              <a:buFont typeface="+mj-lt"/>
+              <a:buAutoNum type="arabicPeriod"/>
+            </a:pPr>
+            <a:r>
+              <a:rPr lang="en-US" altLang="ja-JP" dirty="0" smtClean="0">
+                <a:solidFill>
+                  <a:srgbClr val="000000"/>
+                </a:solidFill>
+                <a:latin typeface="Segoe UI" panose="020B0502040204020203" pitchFamily="34" charset="0"/>
+                <a:ea typeface="Segoe UI" panose="020B0502040204020203" pitchFamily="34" charset="0"/>
+                <a:cs typeface="Segoe UI" panose="020B0502040204020203" pitchFamily="34" charset="0"/>
+              </a:rPr>
+              <a:t>S</a:t>
+            </a:r>
+            <a:r>
+              <a:rPr lang="en-US" altLang="ja-JP" dirty="0" smtClean="0">
+                <a:solidFill>
+                  <a:srgbClr val="000000"/>
+                </a:solidFill>
+                <a:ea typeface="Segoe UI" panose="020B0502040204020203" pitchFamily="34" charset="0"/>
+              </a:rPr>
+              <a:t>elect </a:t>
+            </a:r>
+            <a:r>
+              <a:rPr lang="en-US" altLang="ja-JP" b="1" dirty="0" smtClean="0">
+                <a:solidFill>
+                  <a:srgbClr val="000000"/>
+                </a:solidFill>
+                <a:ea typeface="Segoe UI" panose="020B0502040204020203" pitchFamily="34" charset="0"/>
+              </a:rPr>
+              <a:t>Trusted Root Certification Authorities</a:t>
+            </a:r>
+            <a:r>
+              <a:rPr lang="en-US" altLang="ja-JP" dirty="0" smtClean="0">
+                <a:solidFill>
+                  <a:srgbClr val="000000"/>
+                </a:solidFill>
+                <a:ea typeface="Segoe UI" panose="020B0502040204020203" pitchFamily="34" charset="0"/>
+              </a:rPr>
+              <a:t> and click </a:t>
+            </a:r>
+            <a:r>
+              <a:rPr lang="en-US" altLang="ja-JP" b="1" dirty="0" smtClean="0">
+                <a:solidFill>
+                  <a:srgbClr val="000000"/>
+                </a:solidFill>
+                <a:ea typeface="Segoe UI" panose="020B0502040204020203" pitchFamily="34" charset="0"/>
+              </a:rPr>
+              <a:t>Next</a:t>
+            </a:r>
+            <a:r>
+              <a:rPr lang="en-US" altLang="ja-JP" dirty="0" smtClean="0">
+                <a:solidFill>
+                  <a:srgbClr val="000000"/>
+                </a:solidFill>
+                <a:ea typeface="Segoe UI" panose="020B0502040204020203" pitchFamily="34" charset="0"/>
+              </a:rPr>
+              <a:t>.</a:t>
+            </a:r>
+          </a:p>
+          <a:p>
+            <a:pPr marL="573188" lvl="3" indent="0">
+              <a:buNone/>
+            </a:pPr>
+            <a:r>
+              <a:rPr lang="ja-JP" altLang="en-US" sz="1600" dirty="0">
+                <a:solidFill>
+                  <a:srgbClr val="000000"/>
+                </a:solidFill>
+              </a:rPr>
+              <a:t> </a:t>
+            </a:r>
+            <a:r>
+              <a:rPr lang="ja-JP" altLang="en-US" sz="1600" dirty="0" smtClean="0">
+                <a:solidFill>
+                  <a:srgbClr val="000000"/>
+                </a:solidFill>
+              </a:rPr>
+              <a:t> </a:t>
+            </a:r>
+            <a:r>
+              <a:rPr lang="en-US" altLang="ja-JP" sz="1600" dirty="0">
+                <a:solidFill>
+                  <a:srgbClr val="000000"/>
+                </a:solidFill>
+              </a:rPr>
+              <a:t>※If not selected, select </a:t>
+            </a:r>
+            <a:r>
+              <a:rPr lang="en-US" altLang="ja-JP" sz="1600" b="1" dirty="0" smtClean="0">
+                <a:solidFill>
+                  <a:srgbClr val="000000"/>
+                </a:solidFill>
+                <a:ea typeface="Segoe UI" panose="020B0502040204020203" pitchFamily="34" charset="0"/>
+              </a:rPr>
+              <a:t>Trusted </a:t>
+            </a:r>
+            <a:r>
+              <a:rPr lang="en-US" altLang="ja-JP" sz="1600" b="1" dirty="0">
+                <a:solidFill>
+                  <a:srgbClr val="000000"/>
+                </a:solidFill>
+                <a:ea typeface="Segoe UI" panose="020B0502040204020203" pitchFamily="34" charset="0"/>
+              </a:rPr>
+              <a:t>Root Certification </a:t>
+            </a:r>
+            <a:r>
+              <a:rPr lang="en-US" altLang="ja-JP" sz="1600" b="1" dirty="0" smtClean="0">
+                <a:solidFill>
+                  <a:srgbClr val="000000"/>
+                </a:solidFill>
+                <a:ea typeface="Segoe UI" panose="020B0502040204020203" pitchFamily="34" charset="0"/>
+              </a:rPr>
+              <a:t>Authorities</a:t>
+            </a:r>
+            <a:r>
+              <a:rPr lang="en-US" altLang="ja-JP" sz="1600" dirty="0" smtClean="0">
+                <a:solidFill>
+                  <a:srgbClr val="000000"/>
+                </a:solidFill>
+              </a:rPr>
+              <a:t> </a:t>
+            </a:r>
+            <a:r>
+              <a:rPr lang="en-US" altLang="ja-JP" sz="1600" dirty="0">
+                <a:solidFill>
+                  <a:srgbClr val="000000"/>
+                </a:solidFill>
+              </a:rPr>
+              <a:t>from </a:t>
+            </a:r>
+            <a:r>
+              <a:rPr lang="en-US" altLang="ja-JP" sz="1600" b="1" dirty="0" smtClean="0">
+                <a:solidFill>
+                  <a:srgbClr val="000000"/>
+                </a:solidFill>
+              </a:rPr>
+              <a:t>Reference</a:t>
+            </a:r>
+            <a:r>
+              <a:rPr lang="en-US" altLang="ja-JP" sz="1600" dirty="0" smtClean="0">
+                <a:solidFill>
+                  <a:srgbClr val="000000"/>
+                </a:solidFill>
+              </a:rPr>
+              <a:t> </a:t>
+            </a:r>
+            <a:r>
+              <a:rPr lang="en-US" altLang="ja-JP" sz="1600" dirty="0">
+                <a:solidFill>
+                  <a:srgbClr val="000000"/>
+                </a:solidFill>
+              </a:rPr>
+              <a:t>on the right.</a:t>
+            </a:r>
+            <a:endParaRPr lang="ja-JP" altLang="ja-JP" sz="1600" dirty="0" smtClean="0">
+              <a:solidFill>
+                <a:srgbClr val="000000"/>
+              </a:solidFill>
+            </a:endParaRPr>
+          </a:p>
+          <a:p>
+            <a:pPr marL="700088" lvl="1" indent="-342900">
+              <a:buFont typeface="+mj-lt"/>
+              <a:buAutoNum type="arabicPeriod"/>
+            </a:pPr>
+            <a:r>
+              <a:rPr lang="en-US" altLang="ja-JP" dirty="0" smtClean="0">
+                <a:ea typeface="Segoe UI" panose="020B0502040204020203" pitchFamily="34" charset="0"/>
+              </a:rPr>
+              <a:t>Click </a:t>
+            </a:r>
+            <a:r>
+              <a:rPr lang="en-US" altLang="ja-JP" b="1" dirty="0" smtClean="0">
+                <a:ea typeface="Segoe UI" panose="020B0502040204020203" pitchFamily="34" charset="0"/>
+              </a:rPr>
+              <a:t>Finish</a:t>
+            </a:r>
+            <a:r>
+              <a:rPr lang="en-US" altLang="ja-JP" dirty="0" smtClean="0">
+                <a:ea typeface="Segoe UI" panose="020B0502040204020203" pitchFamily="34" charset="0"/>
+              </a:rPr>
+              <a:t>.</a:t>
+            </a:r>
+            <a:endParaRPr lang="ja-JP" altLang="ja-JP" dirty="0" smtClean="0"/>
+          </a:p>
+          <a:p>
+            <a:pPr lvl="1"/>
+            <a:endParaRPr kumimoji="1" lang="ja-JP" altLang="en-US" dirty="0">
+              <a:latin typeface="Segoe UI" panose="020B0502040204020203" pitchFamily="34" charset="0"/>
+              <a:cs typeface="Segoe UI" panose="020B0502040204020203" pitchFamily="34" charset="0"/>
+            </a:endParaRPr>
+          </a:p>
+        </p:txBody>
+      </p:sp>
+      <p:graphicFrame>
+        <p:nvGraphicFramePr>
+          <p:cNvPr id="6" name="表 5"/>
+          <p:cNvGraphicFramePr>
+            <a:graphicFrameLocks noGrp="1"/>
+          </p:cNvGraphicFramePr>
+          <p:nvPr>
+            <p:extLst>
+              <p:ext uri="{D42A27DB-BD31-4B8C-83A1-F6EECF244321}">
+                <p14:modId xmlns:p14="http://schemas.microsoft.com/office/powerpoint/2010/main" val="1814830463"/>
+              </p:ext>
+            </p:extLst>
+          </p:nvPr>
+        </p:nvGraphicFramePr>
+        <p:xfrm>
+          <a:off x="1207459" y="1730454"/>
+          <a:ext cx="6729082" cy="1050456"/>
+        </p:xfrm>
+        <a:graphic>
+          <a:graphicData uri="http://schemas.openxmlformats.org/drawingml/2006/table">
+            <a:tbl>
+              <a:tblPr firstRow="1" firstCol="1" bandRow="1">
+                <a:tableStyleId>{5C22544A-7EE6-4342-B048-85BDC9FD1C3A}</a:tableStyleId>
+              </a:tblPr>
+              <a:tblGrid>
+                <a:gridCol w="1780321">
+                  <a:extLst>
+                    <a:ext uri="{9D8B030D-6E8A-4147-A177-3AD203B41FA5}">
+                      <a16:colId xmlns:a16="http://schemas.microsoft.com/office/drawing/2014/main" val="20000"/>
+                    </a:ext>
+                  </a:extLst>
+                </a:gridCol>
+                <a:gridCol w="3071300">
+                  <a:extLst>
+                    <a:ext uri="{9D8B030D-6E8A-4147-A177-3AD203B41FA5}">
+                      <a16:colId xmlns:a16="http://schemas.microsoft.com/office/drawing/2014/main" val="20001"/>
+                    </a:ext>
+                  </a:extLst>
+                </a:gridCol>
+                <a:gridCol w="1877461">
+                  <a:extLst>
+                    <a:ext uri="{9D8B030D-6E8A-4147-A177-3AD203B41FA5}">
+                      <a16:colId xmlns:a16="http://schemas.microsoft.com/office/drawing/2014/main" val="20002"/>
+                    </a:ext>
+                  </a:extLst>
+                </a:gridCol>
+              </a:tblGrid>
+              <a:tr h="288039">
+                <a:tc>
+                  <a:txBody>
+                    <a:bodyPr/>
+                    <a:lstStyle/>
+                    <a:p>
+                      <a:pPr algn="ctr">
+                        <a:spcAft>
+                          <a:spcPts val="0"/>
+                        </a:spcAft>
+                      </a:pPr>
+                      <a:r>
+                        <a:rPr lang="en-US" altLang="ja-JP" sz="1050" dirty="0" smtClean="0"/>
+                        <a:t>OS of the IT Automation server</a:t>
+                      </a:r>
+                      <a:endParaRPr lang="ja-JP" sz="1050" kern="100" dirty="0">
+                        <a:effectLst/>
+                        <a:latin typeface="Century" panose="02040604050505020304" pitchFamily="18" charset="0"/>
+                        <a:ea typeface="ＭＳ 明朝" panose="02020609040205080304" pitchFamily="17" charset="-128"/>
+                        <a:cs typeface="Times New Roman" panose="02020603050405020304" pitchFamily="18" charset="0"/>
+                      </a:endParaRPr>
+                    </a:p>
+                  </a:txBody>
+                  <a:tcPr marL="68580" marR="68580" marT="0" marB="0" anchor="ctr">
+                    <a:solidFill>
+                      <a:srgbClr val="002B62"/>
+                    </a:solidFill>
+                  </a:tcPr>
+                </a:tc>
+                <a:tc>
+                  <a:txBody>
+                    <a:bodyPr/>
+                    <a:lstStyle/>
+                    <a:p>
+                      <a:pPr algn="ctr">
+                        <a:spcAft>
+                          <a:spcPts val="0"/>
+                        </a:spcAft>
+                      </a:pPr>
+                      <a:r>
+                        <a:rPr lang="en-US" altLang="ja-JP" sz="1050" kern="100" dirty="0" smtClean="0">
+                          <a:effectLst/>
+                        </a:rPr>
+                        <a:t>File path</a:t>
+                      </a:r>
+                      <a:endParaRPr lang="ja-JP" sz="1050" kern="100" dirty="0">
+                        <a:effectLst/>
+                        <a:latin typeface="Century" panose="02040604050505020304" pitchFamily="18" charset="0"/>
+                        <a:ea typeface="ＭＳ 明朝" panose="02020609040205080304" pitchFamily="17" charset="-128"/>
+                        <a:cs typeface="Times New Roman" panose="02020603050405020304" pitchFamily="18" charset="0"/>
+                      </a:endParaRPr>
+                    </a:p>
+                  </a:txBody>
+                  <a:tcPr marL="68580" marR="68580" marT="0" marB="0" anchor="ctr">
+                    <a:solidFill>
+                      <a:srgbClr val="002B62"/>
+                    </a:solidFill>
+                  </a:tcPr>
+                </a:tc>
+                <a:tc>
+                  <a:txBody>
+                    <a:bodyPr/>
+                    <a:lstStyle/>
+                    <a:p>
+                      <a:pPr algn="ctr">
+                        <a:spcAft>
+                          <a:spcPts val="0"/>
+                        </a:spcAft>
+                      </a:pPr>
+                      <a:r>
+                        <a:rPr lang="en-US" altLang="ja-JP" sz="1050" kern="100" dirty="0" smtClean="0">
+                          <a:effectLst/>
+                        </a:rPr>
+                        <a:t>File name</a:t>
+                      </a:r>
+                      <a:endParaRPr lang="ja-JP" sz="1050" kern="100" dirty="0">
+                        <a:effectLst/>
+                        <a:latin typeface="Century" panose="02040604050505020304" pitchFamily="18" charset="0"/>
+                        <a:ea typeface="ＭＳ 明朝" panose="02020609040205080304" pitchFamily="17" charset="-128"/>
+                        <a:cs typeface="Times New Roman" panose="02020603050405020304" pitchFamily="18" charset="0"/>
+                      </a:endParaRPr>
+                    </a:p>
+                  </a:txBody>
+                  <a:tcPr marL="68580" marR="68580" marT="0" marB="0" anchor="ctr">
+                    <a:solidFill>
+                      <a:srgbClr val="002B62"/>
+                    </a:solidFill>
+                  </a:tcPr>
+                </a:tc>
+                <a:extLst>
+                  <a:ext uri="{0D108BD9-81ED-4DB2-BD59-A6C34878D82A}">
+                    <a16:rowId xmlns:a16="http://schemas.microsoft.com/office/drawing/2014/main" val="10000"/>
+                  </a:ext>
+                </a:extLst>
+              </a:tr>
+              <a:tr h="365208">
+                <a:tc>
+                  <a:txBody>
+                    <a:bodyPr/>
+                    <a:lstStyle/>
+                    <a:p>
+                      <a:pPr algn="l" latinLnBrk="1">
+                        <a:spcAft>
+                          <a:spcPts val="0"/>
+                        </a:spcAft>
+                      </a:pPr>
+                      <a:r>
+                        <a:rPr lang="en-US" sz="900" kern="100" dirty="0">
+                          <a:effectLst/>
+                        </a:rPr>
+                        <a:t>RHEL </a:t>
+                      </a:r>
+                      <a:r>
+                        <a:rPr lang="en-US" sz="900" kern="100" dirty="0" smtClean="0">
+                          <a:effectLst/>
+                        </a:rPr>
+                        <a:t>7, </a:t>
+                      </a:r>
+                      <a:r>
+                        <a:rPr lang="en-US" sz="900" kern="100" dirty="0">
+                          <a:effectLst/>
+                        </a:rPr>
+                        <a:t>CentOS </a:t>
+                      </a:r>
+                      <a:r>
+                        <a:rPr lang="en-US" sz="900" kern="100" dirty="0" smtClean="0">
+                          <a:effectLst/>
+                        </a:rPr>
+                        <a:t>7</a:t>
+                      </a:r>
+                      <a:endParaRPr lang="ja-JP" sz="1050" kern="100" dirty="0">
+                        <a:effectLst/>
+                        <a:latin typeface="Century" panose="02040604050505020304" pitchFamily="18" charset="0"/>
+                        <a:ea typeface="ＭＳ 明朝" panose="02020609040205080304" pitchFamily="17" charset="-128"/>
+                        <a:cs typeface="Times New Roman" panose="02020603050405020304" pitchFamily="18" charset="0"/>
+                      </a:endParaRPr>
+                    </a:p>
+                  </a:txBody>
+                  <a:tcPr marL="68580" marR="68580" marT="0" marB="0" anchor="ctr">
+                    <a:solidFill>
+                      <a:srgbClr val="002B62"/>
+                    </a:solidFill>
+                  </a:tcPr>
+                </a:tc>
+                <a:tc>
+                  <a:txBody>
+                    <a:bodyPr/>
+                    <a:lstStyle/>
+                    <a:p>
+                      <a:pPr algn="l" latinLnBrk="1">
+                        <a:spcAft>
+                          <a:spcPts val="0"/>
+                        </a:spcAft>
+                      </a:pPr>
+                      <a:r>
+                        <a:rPr lang="en-US" sz="1000" kern="100" dirty="0" smtClean="0">
+                          <a:effectLst/>
+                        </a:rPr>
+                        <a:t>/(extract path)/</a:t>
+                      </a:r>
+                      <a:r>
+                        <a:rPr lang="en-US" sz="1000" kern="100" dirty="0" err="1" smtClean="0">
+                          <a:effectLst/>
+                        </a:rPr>
+                        <a:t>ita_install_package</a:t>
+                      </a:r>
+                      <a:r>
+                        <a:rPr lang="en-US" sz="1000" kern="100" dirty="0" smtClean="0">
+                          <a:effectLst/>
+                        </a:rPr>
+                        <a:t>/ext_files_for_CentOS7.x/</a:t>
+                      </a:r>
+                      <a:r>
+                        <a:rPr lang="en-US" sz="1000" kern="100" dirty="0" err="1" smtClean="0">
+                          <a:effectLst/>
+                        </a:rPr>
+                        <a:t>etc_pki_tls_certs</a:t>
+                      </a:r>
+                      <a:r>
+                        <a:rPr lang="en-US" sz="1000" kern="100" dirty="0">
+                          <a:effectLst/>
+                        </a:rPr>
+                        <a:t>/</a:t>
+                      </a:r>
+                      <a:endParaRPr lang="ja-JP" sz="1100" kern="100" dirty="0">
+                        <a:effectLst/>
+                        <a:latin typeface="Century" panose="02040604050505020304" pitchFamily="18" charset="0"/>
+                        <a:ea typeface="ＭＳ 明朝" panose="02020609040205080304" pitchFamily="17" charset="-128"/>
+                        <a:cs typeface="Times New Roman" panose="02020603050405020304" pitchFamily="18" charset="0"/>
+                      </a:endParaRPr>
+                    </a:p>
+                  </a:txBody>
+                  <a:tcPr marL="68580" marR="68580" marT="0" marB="0">
+                    <a:solidFill>
+                      <a:srgbClr val="CBCDD3"/>
+                    </a:solidFill>
+                  </a:tcPr>
+                </a:tc>
+                <a:tc>
+                  <a:txBody>
+                    <a:bodyPr/>
+                    <a:lstStyle/>
+                    <a:p>
+                      <a:pPr algn="l">
+                        <a:spcAft>
+                          <a:spcPts val="0"/>
+                        </a:spcAft>
+                      </a:pPr>
+                      <a:r>
+                        <a:rPr lang="en-US" sz="1100" kern="100" dirty="0" smtClean="0">
+                          <a:effectLst/>
+                        </a:rPr>
+                        <a:t>exastro-it-automation.crt</a:t>
+                      </a:r>
+                      <a:endParaRPr lang="ja-JP" sz="1100" kern="100" dirty="0">
+                        <a:effectLst/>
+                        <a:latin typeface="Century" panose="02040604050505020304" pitchFamily="18" charset="0"/>
+                        <a:ea typeface="ＭＳ 明朝" panose="02020609040205080304" pitchFamily="17" charset="-128"/>
+                        <a:cs typeface="Times New Roman" panose="02020603050405020304" pitchFamily="18" charset="0"/>
+                      </a:endParaRPr>
+                    </a:p>
+                  </a:txBody>
+                  <a:tcPr marL="68580" marR="68580" marT="0" marB="0">
+                    <a:solidFill>
+                      <a:srgbClr val="CBCDD3"/>
+                    </a:solidFill>
+                  </a:tcPr>
+                </a:tc>
+                <a:extLst>
+                  <a:ext uri="{0D108BD9-81ED-4DB2-BD59-A6C34878D82A}">
+                    <a16:rowId xmlns:a16="http://schemas.microsoft.com/office/drawing/2014/main" val="10001"/>
+                  </a:ext>
+                </a:extLst>
+              </a:tr>
+              <a:tr h="365208">
+                <a:tc>
+                  <a:txBody>
+                    <a:bodyPr/>
+                    <a:lstStyle/>
+                    <a:p>
+                      <a:pPr algn="l" latinLnBrk="1">
+                        <a:spcAft>
+                          <a:spcPts val="0"/>
+                        </a:spcAft>
+                      </a:pPr>
+                      <a:r>
+                        <a:rPr lang="en-US" sz="900" kern="100" dirty="0">
+                          <a:effectLst/>
+                        </a:rPr>
+                        <a:t>RHEL </a:t>
+                      </a:r>
+                      <a:r>
+                        <a:rPr lang="en-US" sz="900" kern="100" dirty="0" smtClean="0">
+                          <a:effectLst/>
+                        </a:rPr>
+                        <a:t>8, </a:t>
+                      </a:r>
+                      <a:r>
+                        <a:rPr lang="en-US" sz="900" kern="100" dirty="0">
+                          <a:effectLst/>
+                        </a:rPr>
+                        <a:t>CentOS </a:t>
+                      </a:r>
+                      <a:r>
+                        <a:rPr lang="en-US" sz="900" kern="100" dirty="0" smtClean="0">
+                          <a:effectLst/>
+                        </a:rPr>
+                        <a:t>8</a:t>
+                      </a:r>
+                      <a:endParaRPr lang="ja-JP" sz="1050" kern="100" dirty="0">
+                        <a:effectLst/>
+                        <a:latin typeface="Century" panose="02040604050505020304" pitchFamily="18" charset="0"/>
+                        <a:ea typeface="ＭＳ 明朝" panose="02020609040205080304" pitchFamily="17" charset="-128"/>
+                        <a:cs typeface="Times New Roman" panose="02020603050405020304" pitchFamily="18" charset="0"/>
+                      </a:endParaRPr>
+                    </a:p>
+                  </a:txBody>
+                  <a:tcPr marL="68580" marR="68580" marT="0" marB="0" anchor="ctr">
+                    <a:solidFill>
+                      <a:srgbClr val="002B62"/>
+                    </a:solidFill>
+                  </a:tcPr>
+                </a:tc>
+                <a:tc>
+                  <a:txBody>
+                    <a:bodyPr/>
+                    <a:lstStyle/>
+                    <a:p>
+                      <a:pPr algn="l" latinLnBrk="1">
+                        <a:spcAft>
+                          <a:spcPts val="0"/>
+                        </a:spcAft>
+                      </a:pPr>
+                      <a:r>
+                        <a:rPr lang="en-US" sz="1000" kern="100" dirty="0" smtClean="0">
+                          <a:effectLst/>
+                        </a:rPr>
+                        <a:t>/(extract</a:t>
+                      </a:r>
+                      <a:r>
+                        <a:rPr lang="en-US" sz="1000" kern="100" baseline="0" dirty="0" smtClean="0">
+                          <a:effectLst/>
+                        </a:rPr>
+                        <a:t> path</a:t>
+                      </a:r>
+                      <a:r>
+                        <a:rPr lang="en-US" sz="1000" kern="100" dirty="0" smtClean="0">
+                          <a:effectLst/>
+                        </a:rPr>
+                        <a:t>)/</a:t>
+                      </a:r>
+                      <a:r>
+                        <a:rPr lang="en-US" sz="1000" kern="100" dirty="0" err="1" smtClean="0">
+                          <a:effectLst/>
+                        </a:rPr>
+                        <a:t>ita_install_package</a:t>
+                      </a:r>
+                      <a:r>
+                        <a:rPr lang="en-US" sz="1000" kern="100" dirty="0" smtClean="0">
+                          <a:effectLst/>
+                        </a:rPr>
+                        <a:t>/ext_files_for_CentOS8.x/</a:t>
+                      </a:r>
+                      <a:r>
+                        <a:rPr lang="en-US" sz="1000" kern="100" dirty="0" err="1" smtClean="0">
+                          <a:effectLst/>
+                        </a:rPr>
+                        <a:t>etc_pki_tls_certs</a:t>
+                      </a:r>
+                      <a:r>
+                        <a:rPr lang="en-US" sz="1000" kern="100" dirty="0">
+                          <a:effectLst/>
+                        </a:rPr>
+                        <a:t>/</a:t>
+                      </a:r>
+                      <a:endParaRPr lang="ja-JP" sz="1100" kern="100" dirty="0">
+                        <a:effectLst/>
+                        <a:latin typeface="Century" panose="02040604050505020304" pitchFamily="18" charset="0"/>
+                        <a:ea typeface="ＭＳ 明朝" panose="02020609040205080304" pitchFamily="17" charset="-128"/>
+                        <a:cs typeface="Times New Roman" panose="02020603050405020304" pitchFamily="18" charset="0"/>
+                      </a:endParaRPr>
+                    </a:p>
+                  </a:txBody>
+                  <a:tcPr marL="68580" marR="68580" marT="0" marB="0">
+                    <a:solidFill>
+                      <a:srgbClr val="E7E8EA"/>
+                    </a:solidFill>
+                  </a:tcPr>
+                </a:tc>
+                <a:tc>
+                  <a:txBody>
+                    <a:bodyPr/>
+                    <a:lstStyle/>
+                    <a:p>
+                      <a:pPr algn="l">
+                        <a:spcAft>
+                          <a:spcPts val="0"/>
+                        </a:spcAft>
+                      </a:pPr>
+                      <a:r>
+                        <a:rPr lang="en-US" sz="1100" kern="100" dirty="0" smtClean="0">
+                          <a:effectLst/>
+                        </a:rPr>
+                        <a:t>exastro-it-automation.crt</a:t>
+                      </a:r>
+                      <a:endParaRPr lang="ja-JP" sz="1100" kern="100" dirty="0">
+                        <a:effectLst/>
+                        <a:latin typeface="Century" panose="02040604050505020304" pitchFamily="18" charset="0"/>
+                        <a:ea typeface="ＭＳ 明朝" panose="02020609040205080304" pitchFamily="17" charset="-128"/>
+                        <a:cs typeface="Times New Roman" panose="02020603050405020304" pitchFamily="18" charset="0"/>
+                      </a:endParaRPr>
+                    </a:p>
+                  </a:txBody>
+                  <a:tcPr marL="68580" marR="68580" marT="0" marB="0">
+                    <a:solidFill>
+                      <a:srgbClr val="E7E8EA"/>
+                    </a:solidFill>
+                  </a:tcPr>
+                </a:tc>
+                <a:extLst>
+                  <a:ext uri="{0D108BD9-81ED-4DB2-BD59-A6C34878D82A}">
+                    <a16:rowId xmlns:a16="http://schemas.microsoft.com/office/drawing/2014/main" val="10002"/>
+                  </a:ext>
+                </a:extLst>
+              </a:tr>
+            </a:tbl>
+          </a:graphicData>
+        </a:graphic>
+      </p:graphicFrame>
+    </p:spTree>
+    <p:extLst>
+      <p:ext uri="{BB962C8B-B14F-4D97-AF65-F5344CB8AC3E}">
+        <p14:creationId xmlns:p14="http://schemas.microsoft.com/office/powerpoint/2010/main" val="1624758992"/>
+      </p:ext>
+    </p:extLst>
+  </p:cSld>
+  <p:clrMapOvr>
+    <a:masterClrMapping/>
+  </p:clrMapOvr>
+  <p:timing>
+    <p:tnLst>
+      <p:par>
+        <p:cTn id="1" dur="indefinite" restart="never" nodeType="tmRoot"/>
+      </p:par>
+    </p:tnLst>
+  </p:timing>
+</p:sld>
+</file>
+
 <file path=ppt/slides/slide26.xml><?xml version="1.0" encoding="utf-8"?>
+<p:sld xmlns:a="http://schemas.openxmlformats.org/drawingml/2006/main" xmlns:r="http://schemas.openxmlformats.org/officeDocument/2006/relationships" xmlns:p="http://schemas.openxmlformats.org/presentationml/2006/main">
+  <p:cSld>
+    <p:spTree>
+      <p:nvGrpSpPr>
+        <p:cNvPr id="1" name=""/>
+        <p:cNvGrpSpPr/>
+        <p:nvPr/>
+      </p:nvGrpSpPr>
+      <p:grpSpPr>
+        <a:xfrm>
+          <a:off x="0" y="0"/>
+          <a:ext cx="0" cy="0"/>
+          <a:chOff x="0" y="0"/>
+          <a:chExt cx="0" cy="0"/>
+        </a:xfrm>
+      </p:grpSpPr>
+      <p:sp>
+        <p:nvSpPr>
+          <p:cNvPr id="3" name="コンテンツ プレースホルダー 2"/>
+          <p:cNvSpPr>
+            <a:spLocks noGrp="1"/>
+          </p:cNvSpPr>
+          <p:nvPr>
+            <p:ph sz="quarter" idx="10"/>
+          </p:nvPr>
+        </p:nvSpPr>
+        <p:spPr/>
+        <p:txBody>
+          <a:bodyPr>
+            <a:normAutofit/>
+          </a:bodyPr>
+          <a:lstStyle/>
+          <a:p>
+            <a:pPr lvl="0"/>
+            <a:r>
+              <a:rPr lang="en-US" altLang="ja-JP" dirty="0" smtClean="0">
+                <a:latin typeface="Segoe UI" panose="020B0502040204020203" pitchFamily="34" charset="0"/>
+                <a:ea typeface="Segoe UI" panose="020B0502040204020203" pitchFamily="34" charset="0"/>
+                <a:cs typeface="Segoe UI" panose="020B0502040204020203" pitchFamily="34" charset="0"/>
+              </a:rPr>
+              <a:t>Accessing </a:t>
+            </a:r>
+            <a:r>
+              <a:rPr lang="en-US" altLang="ja-JP" dirty="0">
+                <a:latin typeface="Segoe UI" panose="020B0502040204020203" pitchFamily="34" charset="0"/>
+                <a:ea typeface="Segoe UI" panose="020B0502040204020203" pitchFamily="34" charset="0"/>
+                <a:cs typeface="Segoe UI" panose="020B0502040204020203" pitchFamily="34" charset="0"/>
+              </a:rPr>
+              <a:t>the login </a:t>
+            </a:r>
+            <a:r>
+              <a:rPr lang="en-US" altLang="ja-JP" dirty="0" smtClean="0">
+                <a:latin typeface="Segoe UI" panose="020B0502040204020203" pitchFamily="34" charset="0"/>
+                <a:ea typeface="Segoe UI" panose="020B0502040204020203" pitchFamily="34" charset="0"/>
+                <a:cs typeface="Segoe UI" panose="020B0502040204020203" pitchFamily="34" charset="0"/>
+              </a:rPr>
+              <a:t>screen from HTTPS</a:t>
+            </a:r>
+            <a:endParaRPr lang="en-US" altLang="ja-JP" dirty="0">
+              <a:latin typeface="Segoe UI" panose="020B0502040204020203" pitchFamily="34" charset="0"/>
+              <a:ea typeface="Segoe UI" panose="020B0502040204020203" pitchFamily="34" charset="0"/>
+              <a:cs typeface="Segoe UI" panose="020B0502040204020203" pitchFamily="34" charset="0"/>
+            </a:endParaRPr>
+          </a:p>
+          <a:p>
+            <a:pPr lvl="1"/>
+            <a:r>
+              <a:rPr lang="en-US" altLang="ja-JP" dirty="0">
+                <a:latin typeface="Segoe UI" panose="020B0502040204020203" pitchFamily="34" charset="0"/>
+                <a:ea typeface="Segoe UI" panose="020B0502040204020203" pitchFamily="34" charset="0"/>
+                <a:cs typeface="Segoe UI" panose="020B0502040204020203" pitchFamily="34" charset="0"/>
+              </a:rPr>
+              <a:t>Access the login screen with the following URL:</a:t>
+            </a:r>
+          </a:p>
+          <a:p>
+            <a:pPr lvl="1"/>
+            <a:r>
+              <a:rPr lang="en-US" altLang="ja-JP" dirty="0">
+                <a:latin typeface="Segoe UI" panose="020B0502040204020203" pitchFamily="34" charset="0"/>
+                <a:ea typeface="Segoe UI" panose="020B0502040204020203" pitchFamily="34" charset="0"/>
+                <a:cs typeface="Segoe UI" panose="020B0502040204020203" pitchFamily="34" charset="0"/>
+              </a:rPr>
+              <a:t>URL: </a:t>
+            </a:r>
+            <a:r>
+              <a:rPr lang="en-US" altLang="ja-JP" dirty="0">
+                <a:solidFill>
+                  <a:srgbClr val="FF0000"/>
+                </a:solidFill>
+                <a:latin typeface="Segoe UI" panose="020B0502040204020203" pitchFamily="34" charset="0"/>
+                <a:ea typeface="Segoe UI" panose="020B0502040204020203" pitchFamily="34" charset="0"/>
+                <a:cs typeface="Segoe UI" panose="020B0502040204020203" pitchFamily="34" charset="0"/>
+              </a:rPr>
+              <a:t>https</a:t>
+            </a:r>
+            <a:r>
+              <a:rPr lang="en-US" altLang="ja-JP" dirty="0" smtClean="0">
+                <a:solidFill>
+                  <a:srgbClr val="FF0000"/>
+                </a:solidFill>
+                <a:latin typeface="Segoe UI" panose="020B0502040204020203" pitchFamily="34" charset="0"/>
+                <a:ea typeface="Segoe UI" panose="020B0502040204020203" pitchFamily="34" charset="0"/>
+                <a:cs typeface="Segoe UI" panose="020B0502040204020203" pitchFamily="34" charset="0"/>
+              </a:rPr>
+              <a:t>://exastro-it-automation</a:t>
+            </a:r>
+            <a:r>
+              <a:rPr lang="en-US" altLang="ja-JP" dirty="0">
+                <a:solidFill>
+                  <a:srgbClr val="FF0000"/>
+                </a:solidFill>
+                <a:latin typeface="Segoe UI" panose="020B0502040204020203" pitchFamily="34" charset="0"/>
+                <a:ea typeface="Segoe UI" panose="020B0502040204020203" pitchFamily="34" charset="0"/>
+                <a:cs typeface="Segoe UI" panose="020B0502040204020203" pitchFamily="34" charset="0"/>
+              </a:rPr>
+              <a:t/>
+            </a:r>
+            <a:br>
+              <a:rPr lang="en-US" altLang="ja-JP" dirty="0">
+                <a:solidFill>
+                  <a:srgbClr val="FF0000"/>
+                </a:solidFill>
+                <a:latin typeface="Segoe UI" panose="020B0502040204020203" pitchFamily="34" charset="0"/>
+                <a:ea typeface="Segoe UI" panose="020B0502040204020203" pitchFamily="34" charset="0"/>
+                <a:cs typeface="Segoe UI" panose="020B0502040204020203" pitchFamily="34" charset="0"/>
+              </a:rPr>
+            </a:br>
+            <a:endParaRPr lang="en-US" altLang="ja-JP" dirty="0">
+              <a:solidFill>
+                <a:srgbClr val="FF0000"/>
+              </a:solidFill>
+              <a:latin typeface="Segoe UI" panose="020B0502040204020203" pitchFamily="34" charset="0"/>
+              <a:ea typeface="Segoe UI" panose="020B0502040204020203" pitchFamily="34" charset="0"/>
+              <a:cs typeface="Segoe UI" panose="020B0502040204020203" pitchFamily="34" charset="0"/>
+            </a:endParaRPr>
+          </a:p>
+          <a:p>
+            <a:pPr marL="180000" lvl="1" indent="0">
+              <a:buNone/>
+            </a:pPr>
+            <a:r>
+              <a:rPr lang="en-US" altLang="ja-JP" dirty="0">
+                <a:latin typeface="Segoe UI" panose="020B0502040204020203" pitchFamily="34" charset="0"/>
+                <a:ea typeface="Segoe UI" panose="020B0502040204020203" pitchFamily="34" charset="0"/>
+                <a:cs typeface="Segoe UI" panose="020B0502040204020203" pitchFamily="34" charset="0"/>
+              </a:rPr>
+              <a:t>After connecting, follow the same procedure as </a:t>
+            </a:r>
+            <a:r>
+              <a:rPr lang="en-US" altLang="ja-JP" dirty="0" smtClean="0">
+                <a:latin typeface="Segoe UI" panose="020B0502040204020203" pitchFamily="34" charset="0"/>
+                <a:ea typeface="Segoe UI" panose="020B0502040204020203" pitchFamily="34" charset="0"/>
+                <a:cs typeface="Segoe UI" panose="020B0502040204020203" pitchFamily="34" charset="0"/>
+              </a:rPr>
+              <a:t>from </a:t>
+            </a:r>
+            <a:r>
+              <a:rPr lang="en-US" altLang="ja-JP" dirty="0">
+                <a:latin typeface="Segoe UI" panose="020B0502040204020203" pitchFamily="34" charset="0"/>
+                <a:ea typeface="Segoe UI" panose="020B0502040204020203" pitchFamily="34" charset="0"/>
+                <a:cs typeface="Segoe UI" panose="020B0502040204020203" pitchFamily="34" charset="0"/>
+              </a:rPr>
+              <a:t>HTTP</a:t>
+            </a:r>
+            <a:r>
+              <a:rPr lang="en-US" altLang="ja-JP" dirty="0" smtClean="0">
+                <a:latin typeface="Segoe UI" panose="020B0502040204020203" pitchFamily="34" charset="0"/>
+                <a:ea typeface="Segoe UI" panose="020B0502040204020203" pitchFamily="34" charset="0"/>
+                <a:cs typeface="Segoe UI" panose="020B0502040204020203" pitchFamily="34" charset="0"/>
+              </a:rPr>
+              <a:t>.</a:t>
+            </a:r>
+          </a:p>
+          <a:p>
+            <a:pPr marL="180000" lvl="1" indent="0">
+              <a:buNone/>
+            </a:pPr>
+            <a:endParaRPr lang="en-US" altLang="ja-JP" dirty="0">
+              <a:latin typeface="Segoe UI" panose="020B0502040204020203" pitchFamily="34" charset="0"/>
+              <a:ea typeface="Segoe UI" panose="020B0502040204020203" pitchFamily="34" charset="0"/>
+              <a:cs typeface="Segoe UI" panose="020B0502040204020203" pitchFamily="34" charset="0"/>
+            </a:endParaRPr>
+          </a:p>
+        </p:txBody>
+      </p:sp>
+      <p:sp>
+        <p:nvSpPr>
+          <p:cNvPr id="6" name="タイトル 1"/>
+          <p:cNvSpPr>
+            <a:spLocks noGrp="1"/>
+          </p:cNvSpPr>
+          <p:nvPr>
+            <p:ph type="title"/>
+          </p:nvPr>
+        </p:nvSpPr>
+        <p:spPr>
+          <a:xfrm>
+            <a:off x="179513" y="115200"/>
+            <a:ext cx="8784000" cy="468000"/>
+          </a:xfrm>
+        </p:spPr>
+        <p:txBody>
+          <a:bodyPr/>
+          <a:lstStyle/>
+          <a:p>
+            <a:r>
+              <a:rPr lang="en-US" altLang="ja-JP" dirty="0" smtClean="0">
+                <a:latin typeface="Segoe UI" panose="020B0502040204020203" pitchFamily="34" charset="0"/>
+                <a:ea typeface="Segoe UI" panose="020B0502040204020203" pitchFamily="34" charset="0"/>
+                <a:cs typeface="Segoe UI" panose="020B0502040204020203" pitchFamily="34" charset="0"/>
+              </a:rPr>
+              <a:t>4.6	Operation Check (6/6)</a:t>
+            </a:r>
+            <a:endParaRPr kumimoji="1" lang="ja-JP" altLang="en-US" dirty="0">
+              <a:latin typeface="Segoe UI" panose="020B0502040204020203" pitchFamily="34" charset="0"/>
+              <a:cs typeface="Segoe UI" panose="020B0502040204020203" pitchFamily="34" charset="0"/>
+            </a:endParaRPr>
+          </a:p>
+        </p:txBody>
+      </p:sp>
+    </p:spTree>
+    <p:extLst>
+      <p:ext uri="{BB962C8B-B14F-4D97-AF65-F5344CB8AC3E}">
+        <p14:creationId xmlns:p14="http://schemas.microsoft.com/office/powerpoint/2010/main" val="1468144833"/>
+      </p:ext>
+    </p:extLst>
+  </p:cSld>
+  <p:clrMapOvr>
+    <a:masterClrMapping/>
+  </p:clrMapOvr>
+  <p:timing>
+    <p:tnLst>
+      <p:par>
+        <p:cTn id="1" dur="indefinite" restart="never" nodeType="tmRoot"/>
+      </p:par>
+    </p:tnLst>
+  </p:timing>
+</p:sld>
+</file>
+
+<file path=ppt/slides/slide27.xml><?xml version="1.0" encoding="utf-8"?>
+<p:sld xmlns:a="http://schemas.openxmlformats.org/drawingml/2006/main" xmlns:r="http://schemas.openxmlformats.org/officeDocument/2006/relationships" xmlns:p="http://schemas.openxmlformats.org/presentationml/2006/main">
+  <p:cSld>
+    <p:spTree>
+      <p:nvGrpSpPr>
+        <p:cNvPr id="1" name=""/>
+        <p:cNvGrpSpPr/>
+        <p:nvPr/>
+      </p:nvGrpSpPr>
+      <p:grpSpPr>
+        <a:xfrm>
+          <a:off x="0" y="0"/>
+          <a:ext cx="0" cy="0"/>
+          <a:chOff x="0" y="0"/>
+          <a:chExt cx="0" cy="0"/>
+        </a:xfrm>
+      </p:grpSpPr>
+      <p:sp>
+        <p:nvSpPr>
+          <p:cNvPr id="3" name="コンテンツ プレースホルダー 2"/>
+          <p:cNvSpPr>
+            <a:spLocks noGrp="1"/>
+          </p:cNvSpPr>
+          <p:nvPr>
+            <p:ph sz="quarter" idx="10"/>
+          </p:nvPr>
+        </p:nvSpPr>
+        <p:spPr/>
+        <p:txBody>
+          <a:bodyPr>
+            <a:normAutofit/>
+          </a:bodyPr>
+          <a:lstStyle/>
+          <a:p>
+            <a:pPr lvl="0"/>
+            <a:r>
+              <a:rPr lang="en-US" altLang="ja-JP" dirty="0"/>
+              <a:t>Restrict HTTP or HTTPS </a:t>
+            </a:r>
+            <a:r>
+              <a:rPr lang="en-US" altLang="ja-JP" dirty="0" smtClean="0"/>
+              <a:t>access</a:t>
+            </a:r>
+            <a:endParaRPr lang="en-US" altLang="ja-JP" dirty="0"/>
+          </a:p>
+          <a:p>
+            <a:pPr marL="180000" lvl="1" indent="0">
+              <a:buNone/>
+            </a:pPr>
+            <a:r>
+              <a:rPr lang="en-US" altLang="ja-JP" dirty="0"/>
+              <a:t>Please perform the following procedure to </a:t>
+            </a:r>
+            <a:r>
+              <a:rPr lang="en-US" altLang="ja-JP" dirty="0" err="1"/>
+              <a:t>resctrict</a:t>
+            </a:r>
+            <a:r>
+              <a:rPr lang="en-US" altLang="ja-JP" dirty="0"/>
+              <a:t> HTTP or HTTPS access</a:t>
+            </a:r>
+            <a:r>
+              <a:rPr lang="en-US" altLang="ja-JP" dirty="0" smtClean="0"/>
+              <a:t>.</a:t>
+            </a:r>
+            <a:br>
+              <a:rPr lang="en-US" altLang="ja-JP" dirty="0" smtClean="0"/>
+            </a:br>
+            <a:endParaRPr lang="en-US" altLang="ja-JP" dirty="0"/>
+          </a:p>
+          <a:p>
+            <a:pPr lvl="1"/>
+            <a:r>
+              <a:rPr lang="en-US" altLang="ja-JP" dirty="0"/>
+              <a:t>Edit </a:t>
+            </a:r>
+            <a:r>
+              <a:rPr lang="en-US" altLang="ja-JP" dirty="0" smtClean="0"/>
+              <a:t>file ”/</a:t>
+            </a:r>
+            <a:r>
+              <a:rPr lang="en-US" altLang="ja-JP" dirty="0" err="1" smtClean="0"/>
+              <a:t>etc</a:t>
+            </a:r>
+            <a:r>
+              <a:rPr lang="en-US" altLang="ja-JP" dirty="0" smtClean="0"/>
+              <a:t>/</a:t>
+            </a:r>
+            <a:r>
+              <a:rPr lang="en-US" altLang="ja-JP" dirty="0" err="1" smtClean="0"/>
+              <a:t>httpd</a:t>
+            </a:r>
+            <a:r>
+              <a:rPr lang="en-US" altLang="ja-JP" dirty="0" smtClean="0"/>
+              <a:t>/</a:t>
+            </a:r>
+            <a:r>
+              <a:rPr lang="en-US" altLang="ja-JP" dirty="0" err="1" smtClean="0"/>
+              <a:t>conf.d</a:t>
+            </a:r>
+            <a:r>
+              <a:rPr lang="en-US" altLang="ja-JP" dirty="0" smtClean="0"/>
+              <a:t>/</a:t>
+            </a:r>
+            <a:r>
+              <a:rPr lang="en-US" altLang="ja-JP" dirty="0" err="1" smtClean="0"/>
+              <a:t>vhosts_exastro</a:t>
+            </a:r>
+            <a:r>
+              <a:rPr lang="en-US" altLang="ja-JP" dirty="0" smtClean="0"/>
+              <a:t>-it-</a:t>
+            </a:r>
+            <a:r>
+              <a:rPr lang="en-US" altLang="ja-JP" dirty="0" err="1" smtClean="0"/>
+              <a:t>automation.conf</a:t>
+            </a:r>
+            <a:r>
+              <a:rPr lang="en-US" altLang="ja-JP" dirty="0" smtClean="0"/>
+              <a:t>”.</a:t>
+            </a:r>
+          </a:p>
+          <a:p>
+            <a:pPr marL="180000" lvl="1" indent="0">
+              <a:buNone/>
+            </a:pPr>
+            <a:r>
+              <a:rPr lang="en-US" altLang="ja-JP" dirty="0" smtClean="0"/>
+              <a:t> </a:t>
+            </a:r>
+            <a:r>
+              <a:rPr lang="en-US" altLang="ja-JP" dirty="0"/>
+              <a:t>To restrict HTTP access, please comment out(#) the section from </a:t>
+            </a:r>
+            <a:r>
+              <a:rPr lang="ja-JP" altLang="en-US" dirty="0"/>
+              <a:t>「</a:t>
+            </a:r>
+            <a:r>
+              <a:rPr lang="en-US" altLang="ja-JP" dirty="0"/>
+              <a:t>&lt;</a:t>
+            </a:r>
+            <a:r>
+              <a:rPr lang="en-US" altLang="ja-JP" dirty="0" err="1"/>
+              <a:t>VirtualHost</a:t>
+            </a:r>
+            <a:r>
+              <a:rPr lang="en-US" altLang="ja-JP" dirty="0"/>
+              <a:t> *:80 &gt;</a:t>
+            </a:r>
+            <a:r>
+              <a:rPr lang="ja-JP" altLang="en-US" dirty="0"/>
+              <a:t>」</a:t>
+            </a:r>
+            <a:r>
+              <a:rPr lang="en-US" altLang="ja-JP" dirty="0"/>
+              <a:t>to</a:t>
+            </a:r>
+            <a:r>
+              <a:rPr lang="ja-JP" altLang="en-US" dirty="0"/>
+              <a:t>「</a:t>
+            </a:r>
+            <a:r>
+              <a:rPr lang="en-US" altLang="ja-JP" dirty="0"/>
+              <a:t>&lt;/</a:t>
+            </a:r>
+            <a:r>
+              <a:rPr lang="en-US" altLang="ja-JP" dirty="0" err="1"/>
+              <a:t>VirtualHost</a:t>
+            </a:r>
+            <a:r>
+              <a:rPr lang="en-US" altLang="ja-JP" dirty="0"/>
+              <a:t>&gt;</a:t>
+            </a:r>
+            <a:r>
+              <a:rPr lang="ja-JP" altLang="en-US" dirty="0"/>
+              <a:t>」</a:t>
+            </a:r>
+          </a:p>
+          <a:p>
+            <a:pPr marL="180000" lvl="1" indent="0">
+              <a:buNone/>
+            </a:pPr>
+            <a:r>
+              <a:rPr lang="en-US" altLang="ja-JP" dirty="0"/>
+              <a:t>To restrict HTTPS access, please comment out(#) the section from </a:t>
+            </a:r>
+            <a:r>
+              <a:rPr lang="ja-JP" altLang="en-US" dirty="0"/>
+              <a:t>「</a:t>
+            </a:r>
+            <a:r>
+              <a:rPr lang="en-US" altLang="ja-JP" dirty="0"/>
+              <a:t>&lt;</a:t>
+            </a:r>
+            <a:r>
+              <a:rPr lang="en-US" altLang="ja-JP" dirty="0" err="1"/>
+              <a:t>VirtualHost</a:t>
+            </a:r>
+            <a:r>
+              <a:rPr lang="en-US" altLang="ja-JP" dirty="0"/>
+              <a:t> *:443 &gt;</a:t>
+            </a:r>
+            <a:r>
+              <a:rPr lang="ja-JP" altLang="en-US" dirty="0"/>
+              <a:t>」</a:t>
+            </a:r>
+            <a:r>
+              <a:rPr lang="en-US" altLang="ja-JP" dirty="0"/>
+              <a:t>to</a:t>
+            </a:r>
+            <a:r>
+              <a:rPr lang="ja-JP" altLang="en-US" dirty="0"/>
+              <a:t>「</a:t>
+            </a:r>
+            <a:r>
+              <a:rPr lang="en-US" altLang="ja-JP" dirty="0"/>
+              <a:t>&lt;/</a:t>
+            </a:r>
+            <a:r>
+              <a:rPr lang="en-US" altLang="ja-JP" dirty="0" err="1"/>
+              <a:t>VirtualHost</a:t>
+            </a:r>
+            <a:r>
+              <a:rPr lang="en-US" altLang="ja-JP" dirty="0"/>
+              <a:t>&gt;</a:t>
+            </a:r>
+            <a:r>
+              <a:rPr lang="ja-JP" altLang="en-US" dirty="0" smtClean="0"/>
+              <a:t>」</a:t>
+            </a:r>
+            <a:endParaRPr lang="en-US" altLang="ja-JP" dirty="0" smtClean="0"/>
+          </a:p>
+          <a:p>
+            <a:pPr marL="180000" lvl="1" indent="0">
+              <a:buNone/>
+            </a:pPr>
+            <a:endParaRPr lang="en-US" altLang="ja-JP" dirty="0"/>
+          </a:p>
+          <a:p>
+            <a:pPr lvl="1"/>
+            <a:r>
+              <a:rPr lang="en-US" altLang="ja-JP" dirty="0" smtClean="0"/>
+              <a:t>Restart </a:t>
+            </a:r>
+            <a:r>
+              <a:rPr lang="en-US" altLang="ja-JP" dirty="0"/>
+              <a:t>Apache with the following command</a:t>
+            </a:r>
+            <a:r>
+              <a:rPr lang="en-US" altLang="ja-JP" dirty="0" smtClean="0"/>
+              <a:t>.</a:t>
+            </a:r>
+            <a:r>
+              <a:rPr lang="en-US" altLang="ja-JP" dirty="0"/>
+              <a:t/>
+            </a:r>
+            <a:br>
+              <a:rPr lang="en-US" altLang="ja-JP" dirty="0"/>
+            </a:br>
+            <a:r>
+              <a:rPr lang="en-US" altLang="ja-JP" dirty="0" err="1"/>
+              <a:t>systemctl</a:t>
+            </a:r>
+            <a:r>
+              <a:rPr lang="en-US" altLang="ja-JP" dirty="0"/>
+              <a:t> restart </a:t>
+            </a:r>
+            <a:r>
+              <a:rPr lang="en-US" altLang="ja-JP" dirty="0" err="1" smtClean="0"/>
+              <a:t>httpd</a:t>
+            </a:r>
+            <a:endParaRPr lang="en-US" altLang="ja-JP" dirty="0"/>
+          </a:p>
+        </p:txBody>
+      </p:sp>
+      <p:sp>
+        <p:nvSpPr>
+          <p:cNvPr id="7" name="タイトル 1"/>
+          <p:cNvSpPr>
+            <a:spLocks noGrp="1"/>
+          </p:cNvSpPr>
+          <p:nvPr>
+            <p:ph type="title"/>
+          </p:nvPr>
+        </p:nvSpPr>
+        <p:spPr>
+          <a:xfrm>
+            <a:off x="179513" y="115200"/>
+            <a:ext cx="8784000" cy="468000"/>
+          </a:xfrm>
+        </p:spPr>
+        <p:txBody>
+          <a:bodyPr/>
+          <a:lstStyle/>
+          <a:p>
+            <a:r>
+              <a:rPr lang="en-US" altLang="ja-JP" dirty="0" smtClean="0">
+                <a:latin typeface="Segoe UI" panose="020B0502040204020203" pitchFamily="34" charset="0"/>
+                <a:ea typeface="Segoe UI" panose="020B0502040204020203" pitchFamily="34" charset="0"/>
+                <a:cs typeface="Segoe UI" panose="020B0502040204020203" pitchFamily="34" charset="0"/>
+              </a:rPr>
+              <a:t>4.7	Reference</a:t>
+            </a:r>
+            <a:endParaRPr kumimoji="1" lang="ja-JP" altLang="en-US" dirty="0">
+              <a:latin typeface="Segoe UI" panose="020B0502040204020203" pitchFamily="34" charset="0"/>
+              <a:cs typeface="Segoe UI" panose="020B0502040204020203" pitchFamily="34" charset="0"/>
+            </a:endParaRPr>
+          </a:p>
+        </p:txBody>
+      </p:sp>
+    </p:spTree>
+    <p:extLst>
+      <p:ext uri="{BB962C8B-B14F-4D97-AF65-F5344CB8AC3E}">
+        <p14:creationId xmlns:p14="http://schemas.microsoft.com/office/powerpoint/2010/main" val="4000485876"/>
+      </p:ext>
+    </p:extLst>
+  </p:cSld>
+  <p:clrMapOvr>
+    <a:masterClrMapping/>
+  </p:clrMapOvr>
+</p:sld>
+</file>
+
+<file path=ppt/slides/slide28.xml><?xml version="1.0" encoding="utf-8"?>
 <p:sld xmlns:a="http://schemas.openxmlformats.org/drawingml/2006/main" xmlns:r="http://schemas.openxmlformats.org/officeDocument/2006/relationships" xmlns:p="http://schemas.openxmlformats.org/presentationml/2006/main">
   <p:cSld>
     <p:spTree>

--- a/asset/Learn/ITA-online-install_en.pptx
+++ b/asset/Learn/ITA-online-install_en.pptx
@@ -15265,7 +15265,7 @@
         </p:nvGraphicFramePr>
         <p:xfrm>
           <a:off x="539440" y="1916790"/>
-          <a:ext cx="8065121" cy="4288378"/>
+          <a:ext cx="8065121" cy="4210858"/>
         </p:xfrm>
         <a:graphic>
           <a:graphicData uri="http://schemas.openxmlformats.org/drawingml/2006/table">
@@ -20905,14 +20905,14 @@
           <p:nvPr>
             <p:extLst>
               <p:ext uri="{D42A27DB-BD31-4B8C-83A1-F6EECF244321}">
-                <p14:modId xmlns:p14="http://schemas.microsoft.com/office/powerpoint/2010/main" val="4292435487"/>
+                <p14:modId xmlns:p14="http://schemas.microsoft.com/office/powerpoint/2010/main" val="1929452465"/>
               </p:ext>
             </p:extLst>
           </p:nvPr>
         </p:nvGraphicFramePr>
         <p:xfrm>
           <a:off x="755470" y="1700760"/>
-          <a:ext cx="6552910" cy="3920492"/>
+          <a:ext cx="6696930" cy="3920492"/>
         </p:xfrm>
         <a:graphic>
           <a:graphicData uri="http://schemas.openxmlformats.org/drawingml/2006/table">
@@ -20935,7 +20935,7 @@
                     </a:ext>
                   </a:extLst>
                 </a:gridCol>
-                <a:gridCol w="3040011">
+                <a:gridCol w="3184031">
                   <a:extLst>
                     <a:ext uri="{9D8B030D-6E8A-4147-A177-3AD203B41FA5}">
                       <a16:colId xmlns:a16="http://schemas.microsoft.com/office/drawing/2014/main" val="20002"/>
@@ -22390,10 +22390,22 @@
                     <a:bodyPr/>
                     <a:lstStyle/>
                     <a:p>
-                      <a:pPr algn="just">
+                      <a:pPr marL="0" marR="0" lvl="0" indent="0" algn="just" defTabSz="914400" rtl="0" eaLnBrk="1" fontAlgn="auto" latinLnBrk="0" hangingPunct="1">
+                        <a:lnSpc>
+                          <a:spcPct val="100000"/>
+                        </a:lnSpc>
+                        <a:spcBef>
+                          <a:spcPts val="0"/>
+                        </a:spcBef>
                         <a:spcAft>
                           <a:spcPts val="0"/>
                         </a:spcAft>
+                        <a:buClrTx/>
+                        <a:buSzTx/>
+                        <a:buFontTx/>
+                        <a:buNone/>
+                        <a:tabLst/>
+                        <a:defRPr/>
                       </a:pPr>
                       <a:r>
                         <a:rPr lang="en-US" sz="1050" kern="100" dirty="0" err="1" smtClean="0">
@@ -22422,11 +22434,56 @@
                         </a:rPr>
                         <a:t>sshpass</a:t>
                       </a:r>
-                      <a:endParaRPr lang="ja-JP" sz="1050" kern="100" dirty="0">
+                      <a:r>
+                        <a:rPr lang="en-US" altLang="ja-JP" sz="1050" kern="100" dirty="0" smtClean="0">
+                          <a:effectLst/>
+                          <a:latin typeface="Segoe UI" panose="020B0502040204020203" pitchFamily="34" charset="0"/>
+                          <a:ea typeface="Segoe UI" panose="020B0502040204020203" pitchFamily="34" charset="0"/>
+                          <a:cs typeface="Segoe UI" panose="020B0502040204020203" pitchFamily="34" charset="0"/>
+                        </a:rPr>
+                        <a:t>, </a:t>
+                      </a:r>
+                      <a:r>
+                        <a:rPr lang="en-US" altLang="ja-JP" sz="1050" kern="100" dirty="0" err="1" smtClean="0">
+                          <a:effectLst/>
+                        </a:rPr>
+                        <a:t>pexpect</a:t>
+                      </a:r>
+                      <a:r>
+                        <a:rPr lang="en-US" altLang="ja-JP" sz="1050" kern="100" dirty="0" smtClean="0">
+                          <a:effectLst/>
+                          <a:latin typeface="Segoe UI" panose="020B0502040204020203" pitchFamily="34" charset="0"/>
+                          <a:ea typeface="Segoe UI" panose="020B0502040204020203" pitchFamily="34" charset="0"/>
+                          <a:cs typeface="Segoe UI" panose="020B0502040204020203" pitchFamily="34" charset="0"/>
+                        </a:rPr>
+                        <a:t>, </a:t>
+                      </a:r>
+                      <a:r>
+                        <a:rPr lang="en-US" altLang="ja-JP" sz="1050" kern="100" dirty="0" err="1" smtClean="0">
+                          <a:effectLst/>
+                        </a:rPr>
+                        <a:t>pywinrm</a:t>
+                      </a:r>
+                      <a:r>
+                        <a:rPr lang="en-US" altLang="ja-JP" sz="1050" kern="100" dirty="0" smtClean="0">
+                          <a:effectLst/>
+                          <a:latin typeface="Segoe UI" panose="020B0502040204020203" pitchFamily="34" charset="0"/>
+                          <a:ea typeface="Segoe UI" panose="020B0502040204020203" pitchFamily="34" charset="0"/>
+                          <a:cs typeface="Segoe UI" panose="020B0502040204020203" pitchFamily="34" charset="0"/>
+                        </a:rPr>
+                        <a:t>, </a:t>
+                      </a:r>
+                      <a:r>
+                        <a:rPr lang="en-US" altLang="ja-JP" sz="1050" kern="100" dirty="0" smtClean="0">
+                          <a:effectLst/>
+                        </a:rPr>
+                        <a:t>boto3</a:t>
+                      </a:r>
+                      <a:endParaRPr lang="ja-JP" altLang="ja-JP" sz="1050" kern="100" dirty="0" smtClean="0">
                         <a:effectLst/>
-                        <a:latin typeface="Segoe UI" panose="020B0502040204020203" pitchFamily="34" charset="0"/>
+                        <a:latin typeface="Century" panose="02040604050505020304" pitchFamily="18" charset="0"/>
                         <a:ea typeface="ＭＳ 明朝" panose="02020609040205080304" pitchFamily="17" charset="-128"/>
-                        <a:cs typeface="Segoe UI" panose="020B0502040204020203" pitchFamily="34" charset="0"/>
+                        <a:cs typeface="Times New Roman" panose="02020603050405020304" pitchFamily="18" charset="0"/>
                       </a:endParaRPr>
                     </a:p>
                   </a:txBody>
@@ -23285,71 +23342,55 @@
                 <a:ea typeface="Segoe UI" panose="020B0502040204020203" pitchFamily="34" charset="0"/>
                 <a:cs typeface="Segoe UI" panose="020B0502040204020203" pitchFamily="34" charset="0"/>
               </a:rPr>
-              <a:t>    </a:t>
+              <a:t>    4.6</a:t>
+            </a:r>
+            <a:r>
+              <a:rPr lang="en-US" altLang="zh-TW" sz="1400" dirty="0">
+                <a:latin typeface="Segoe UI" panose="020B0502040204020203" pitchFamily="34" charset="0"/>
+                <a:ea typeface="Segoe UI" panose="020B0502040204020203" pitchFamily="34" charset="0"/>
+                <a:cs typeface="Segoe UI" panose="020B0502040204020203" pitchFamily="34" charset="0"/>
+              </a:rPr>
+              <a:t>	</a:t>
+            </a:r>
+            <a:r>
+              <a:rPr lang="en-US" altLang="zh-TW" sz="1400" dirty="0">
+                <a:solidFill>
+                  <a:srgbClr val="000000"/>
+                </a:solidFill>
+                <a:latin typeface="Segoe UI" panose="020B0502040204020203" pitchFamily="34" charset="0"/>
+                <a:ea typeface="Segoe UI" panose="020B0502040204020203" pitchFamily="34" charset="0"/>
+                <a:cs typeface="Segoe UI" panose="020B0502040204020203" pitchFamily="34" charset="0"/>
+              </a:rPr>
+              <a:t>Operation Check </a:t>
             </a:r>
             <a:r>
               <a:rPr lang="en-US" altLang="zh-TW" sz="1400" dirty="0" smtClean="0">
-                <a:latin typeface="Segoe UI" panose="020B0502040204020203" pitchFamily="34" charset="0"/>
-                <a:ea typeface="Segoe UI" panose="020B0502040204020203" pitchFamily="34" charset="0"/>
-                <a:cs typeface="Segoe UI" panose="020B0502040204020203" pitchFamily="34" charset="0"/>
-              </a:rPr>
-              <a:t>4.6</a:t>
-            </a:r>
+                <a:solidFill>
+                  <a:srgbClr val="000000"/>
+                </a:solidFill>
+                <a:latin typeface="Segoe UI" panose="020B0502040204020203" pitchFamily="34" charset="0"/>
+                <a:ea typeface="Segoe UI" panose="020B0502040204020203" pitchFamily="34" charset="0"/>
+                <a:cs typeface="Segoe UI" panose="020B0502040204020203" pitchFamily="34" charset="0"/>
+              </a:rPr>
+              <a:t>(6/6)</a:t>
+            </a:r>
+          </a:p>
+          <a:p>
             <a:r>
               <a:rPr lang="en-US" altLang="zh-TW" sz="1400" dirty="0">
                 <a:latin typeface="Segoe UI" panose="020B0502040204020203" pitchFamily="34" charset="0"/>
                 <a:ea typeface="Segoe UI" panose="020B0502040204020203" pitchFamily="34" charset="0"/>
                 <a:cs typeface="Segoe UI" panose="020B0502040204020203" pitchFamily="34" charset="0"/>
               </a:rPr>
-              <a:t>	</a:t>
-            </a:r>
-            <a:r>
-              <a:rPr lang="en-US" altLang="zh-TW" sz="1400" dirty="0">
-                <a:solidFill>
-                  <a:srgbClr val="000000"/>
-                </a:solidFill>
-                <a:latin typeface="Segoe UI" panose="020B0502040204020203" pitchFamily="34" charset="0"/>
-                <a:ea typeface="Segoe UI" panose="020B0502040204020203" pitchFamily="34" charset="0"/>
-                <a:cs typeface="Segoe UI" panose="020B0502040204020203" pitchFamily="34" charset="0"/>
-              </a:rPr>
-              <a:t>Operation Check </a:t>
+              <a:t> </a:t>
             </a:r>
             <a:r>
               <a:rPr lang="en-US" altLang="zh-TW" sz="1400" dirty="0" smtClean="0">
-                <a:solidFill>
-                  <a:srgbClr val="000000"/>
-                </a:solidFill>
-                <a:latin typeface="Segoe UI" panose="020B0502040204020203" pitchFamily="34" charset="0"/>
-                <a:ea typeface="Segoe UI" panose="020B0502040204020203" pitchFamily="34" charset="0"/>
-                <a:cs typeface="Segoe UI" panose="020B0502040204020203" pitchFamily="34" charset="0"/>
-              </a:rPr>
-              <a:t>(6/6)</a:t>
-            </a:r>
-          </a:p>
-          <a:p>
-            <a:r>
-              <a:rPr lang="en-US" altLang="zh-TW" sz="1400" dirty="0">
-                <a:latin typeface="Segoe UI" panose="020B0502040204020203" pitchFamily="34" charset="0"/>
-                <a:ea typeface="Segoe UI" panose="020B0502040204020203" pitchFamily="34" charset="0"/>
-                <a:cs typeface="Segoe UI" panose="020B0502040204020203" pitchFamily="34" charset="0"/>
-              </a:rPr>
-              <a:t> </a:t>
-            </a:r>
-            <a:r>
-              <a:rPr lang="en-US" altLang="zh-TW" sz="1400" dirty="0" smtClean="0">
-                <a:latin typeface="Segoe UI" panose="020B0502040204020203" pitchFamily="34" charset="0"/>
-                <a:ea typeface="Segoe UI" panose="020B0502040204020203" pitchFamily="34" charset="0"/>
-                <a:cs typeface="Segoe UI" panose="020B0502040204020203" pitchFamily="34" charset="0"/>
-              </a:rPr>
-              <a:t>   </a:t>
-            </a:r>
-            <a:r>
-              <a:rPr lang="en-US" altLang="zh-TW" sz="1400" dirty="0" smtClean="0">
-                <a:latin typeface="Segoe UI" panose="020B0502040204020203" pitchFamily="34" charset="0"/>
-                <a:ea typeface="Segoe UI" panose="020B0502040204020203" pitchFamily="34" charset="0"/>
-                <a:cs typeface="Segoe UI" panose="020B0502040204020203" pitchFamily="34" charset="0"/>
-              </a:rPr>
-              <a:t>4.7</a:t>
+                <a:latin typeface="Segoe UI" panose="020B0502040204020203" pitchFamily="34" charset="0"/>
+                <a:ea typeface="Segoe UI" panose="020B0502040204020203" pitchFamily="34" charset="0"/>
+                <a:cs typeface="Segoe UI" panose="020B0502040204020203" pitchFamily="34" charset="0"/>
+              </a:rPr>
+              <a:t>   4.7</a:t>
             </a:r>
             <a:r>
               <a:rPr lang="en-US" altLang="zh-TW" sz="1400" dirty="0">
@@ -27988,7 +28029,7 @@
         </p:nvGraphicFramePr>
         <p:xfrm>
           <a:off x="106893" y="1578243"/>
-          <a:ext cx="8929240" cy="4874945"/>
+          <a:ext cx="8929240" cy="4850561"/>
         </p:xfrm>
         <a:graphic>
           <a:graphicData uri="http://schemas.openxmlformats.org/drawingml/2006/table">

--- a/asset/Learn/ITA-online-install_en.pptx
+++ b/asset/Learn/ITA-online-install_en.pptx
@@ -6,10 +6,10 @@
     <p:sldMasterId id="2147483703" r:id="rId2"/>
   </p:sldMasterIdLst>
   <p:notesMasterIdLst>
-    <p:notesMasterId r:id="rId29"/>
+    <p:notesMasterId r:id="rId31"/>
   </p:notesMasterIdLst>
   <p:handoutMasterIdLst>
-    <p:handoutMasterId r:id="rId30"/>
+    <p:handoutMasterId r:id="rId32"/>
   </p:handoutMasterIdLst>
   <p:sldIdLst>
     <p:sldId id="262" r:id="rId3"/>
@@ -32,12 +32,14 @@
     <p:sldId id="523" r:id="rId20"/>
     <p:sldId id="524" r:id="rId21"/>
     <p:sldId id="525" r:id="rId22"/>
-    <p:sldId id="526" r:id="rId23"/>
-    <p:sldId id="527" r:id="rId24"/>
-    <p:sldId id="528" r:id="rId25"/>
-    <p:sldId id="529" r:id="rId26"/>
-    <p:sldId id="530" r:id="rId27"/>
-    <p:sldId id="318" r:id="rId28"/>
+    <p:sldId id="531" r:id="rId23"/>
+    <p:sldId id="529" r:id="rId24"/>
+    <p:sldId id="530" r:id="rId25"/>
+    <p:sldId id="526" r:id="rId26"/>
+    <p:sldId id="527" r:id="rId27"/>
+    <p:sldId id="541" r:id="rId28"/>
+    <p:sldId id="539" r:id="rId29"/>
+    <p:sldId id="318" r:id="rId30"/>
   </p:sldIdLst>
   <p:sldSz cx="9144000" cy="6858000" type="screen4x3"/>
   <p:notesSz cx="6807200" cy="9939338"/>
@@ -178,11 +180,13 @@
         <p14:section name="4.　IT Automation Operation Check" id="{62A1108B-C753-499B-B948-BB9967F79B7C}">
           <p14:sldIdLst>
             <p14:sldId id="525"/>
+            <p14:sldId id="531"/>
+            <p14:sldId id="529"/>
+            <p14:sldId id="530"/>
             <p14:sldId id="526"/>
             <p14:sldId id="527"/>
-            <p14:sldId id="528"/>
-            <p14:sldId id="529"/>
-            <p14:sldId id="530"/>
+            <p14:sldId id="541"/>
+            <p14:sldId id="539"/>
             <p14:sldId id="318"/>
           </p14:sldIdLst>
         </p14:section>
@@ -332,7 +336,7 @@
               <a:rPr kumimoji="1" lang="ja-JP" altLang="en-US" smtClean="0">
                 <a:ea typeface="メイリオ" panose="020B0604030504040204" pitchFamily="50" charset="-128"/>
               </a:rPr>
-              <a:t>2020/4/16</a:t>
+              <a:t>2020/4/27</a:t>
             </a:fld>
             <a:endParaRPr kumimoji="1" lang="ja-JP" altLang="en-US" dirty="0">
               <a:ea typeface="メイリオ" panose="020B0604030504040204" pitchFamily="50" charset="-128"/>
@@ -478,7 +482,7 @@
             <a:fld id="{4B26993D-C081-44EB-B0F5-A9F467792B62}" type="datetimeFigureOut">
               <a:rPr lang="ja-JP" altLang="en-US" smtClean="0"/>
               <a:pPr/>
-              <a:t>2020/4/16</a:t>
+              <a:t>2020/4/27</a:t>
             </a:fld>
             <a:endParaRPr lang="ja-JP" altLang="en-US" dirty="0"/>
           </a:p>
@@ -1101,7 +1105,7 @@
           <a:p>
             <a:fld id="{56F9016B-CCA6-43BE-8BEE-59565A35F4F7}" type="datetimeFigureOut">
               <a:rPr kumimoji="1" lang="ja-JP" altLang="en-US" smtClean="0"/>
-              <a:t>2020/4/16</a:t>
+              <a:t>2020/4/27</a:t>
             </a:fld>
             <a:endParaRPr kumimoji="1" lang="ja-JP" altLang="en-US"/>
           </a:p>
@@ -1303,7 +1307,7 @@
           <a:p>
             <a:fld id="{56F9016B-CCA6-43BE-8BEE-59565A35F4F7}" type="datetimeFigureOut">
               <a:rPr kumimoji="1" lang="ja-JP" altLang="en-US" smtClean="0"/>
-              <a:t>2020/4/16</a:t>
+              <a:t>2020/4/27</a:t>
             </a:fld>
             <a:endParaRPr kumimoji="1" lang="ja-JP" altLang="en-US"/>
           </a:p>
@@ -1549,7 +1553,7 @@
           <a:p>
             <a:fld id="{56F9016B-CCA6-43BE-8BEE-59565A35F4F7}" type="datetimeFigureOut">
               <a:rPr kumimoji="1" lang="ja-JP" altLang="en-US" smtClean="0"/>
-              <a:t>2020/4/16</a:t>
+              <a:t>2020/4/27</a:t>
             </a:fld>
             <a:endParaRPr kumimoji="1" lang="ja-JP" altLang="en-US"/>
           </a:p>
@@ -1845,7 +1849,7 @@
           <a:p>
             <a:fld id="{56F9016B-CCA6-43BE-8BEE-59565A35F4F7}" type="datetimeFigureOut">
               <a:rPr kumimoji="1" lang="ja-JP" altLang="en-US" smtClean="0"/>
-              <a:t>2020/4/16</a:t>
+              <a:t>2020/4/27</a:t>
             </a:fld>
             <a:endParaRPr kumimoji="1" lang="ja-JP" altLang="en-US"/>
           </a:p>
@@ -2276,7 +2280,7 @@
           <a:p>
             <a:fld id="{56F9016B-CCA6-43BE-8BEE-59565A35F4F7}" type="datetimeFigureOut">
               <a:rPr kumimoji="1" lang="ja-JP" altLang="en-US" smtClean="0"/>
-              <a:t>2020/4/16</a:t>
+              <a:t>2020/4/27</a:t>
             </a:fld>
             <a:endParaRPr kumimoji="1" lang="ja-JP" altLang="en-US"/>
           </a:p>
@@ -2394,7 +2398,7 @@
           <a:p>
             <a:fld id="{56F9016B-CCA6-43BE-8BEE-59565A35F4F7}" type="datetimeFigureOut">
               <a:rPr kumimoji="1" lang="ja-JP" altLang="en-US" smtClean="0"/>
-              <a:t>2020/4/16</a:t>
+              <a:t>2020/4/27</a:t>
             </a:fld>
             <a:endParaRPr kumimoji="1" lang="ja-JP" altLang="en-US"/>
           </a:p>
@@ -2489,7 +2493,7 @@
           <a:p>
             <a:fld id="{56F9016B-CCA6-43BE-8BEE-59565A35F4F7}" type="datetimeFigureOut">
               <a:rPr kumimoji="1" lang="ja-JP" altLang="en-US" smtClean="0"/>
-              <a:t>2020/4/16</a:t>
+              <a:t>2020/4/27</a:t>
             </a:fld>
             <a:endParaRPr kumimoji="1" lang="ja-JP" altLang="en-US"/>
           </a:p>
@@ -2798,7 +2802,7 @@
           <a:p>
             <a:fld id="{56F9016B-CCA6-43BE-8BEE-59565A35F4F7}" type="datetimeFigureOut">
               <a:rPr kumimoji="1" lang="ja-JP" altLang="en-US" smtClean="0"/>
-              <a:t>2020/4/16</a:t>
+              <a:t>2020/4/27</a:t>
             </a:fld>
             <a:endParaRPr kumimoji="1" lang="ja-JP" altLang="en-US"/>
           </a:p>
@@ -3051,7 +3055,7 @@
           <a:p>
             <a:fld id="{56F9016B-CCA6-43BE-8BEE-59565A35F4F7}" type="datetimeFigureOut">
               <a:rPr kumimoji="1" lang="ja-JP" altLang="en-US" smtClean="0"/>
-              <a:t>2020/4/16</a:t>
+              <a:t>2020/4/27</a:t>
             </a:fld>
             <a:endParaRPr kumimoji="1" lang="ja-JP" altLang="en-US"/>
           </a:p>
@@ -3328,7 +3332,7 @@
           <a:p>
             <a:fld id="{56F9016B-CCA6-43BE-8BEE-59565A35F4F7}" type="datetimeFigureOut">
               <a:rPr kumimoji="1" lang="ja-JP" altLang="en-US" smtClean="0"/>
-              <a:t>2020/4/16</a:t>
+              <a:t>2020/4/27</a:t>
             </a:fld>
             <a:endParaRPr kumimoji="1" lang="ja-JP" altLang="en-US"/>
           </a:p>
@@ -3540,7 +3544,7 @@
           <a:p>
             <a:fld id="{56F9016B-CCA6-43BE-8BEE-59565A35F4F7}" type="datetimeFigureOut">
               <a:rPr kumimoji="1" lang="ja-JP" altLang="en-US" smtClean="0"/>
-              <a:t>2020/4/16</a:t>
+              <a:t>2020/4/27</a:t>
             </a:fld>
             <a:endParaRPr kumimoji="1" lang="ja-JP" altLang="en-US"/>
           </a:p>
@@ -6599,7 +6603,7 @@
           <a:p>
             <a:fld id="{56F9016B-CCA6-43BE-8BEE-59565A35F4F7}" type="datetimeFigureOut">
               <a:rPr kumimoji="1" lang="ja-JP" altLang="en-US" smtClean="0"/>
-              <a:t>2020/4/16</a:t>
+              <a:t>2020/4/27</a:t>
             </a:fld>
             <a:endParaRPr kumimoji="1" lang="ja-JP" altLang="en-US"/>
           </a:p>
@@ -7045,7 +7049,7 @@
                 <a:ea typeface="Segoe UI" panose="020B0502040204020203" pitchFamily="34" charset="0"/>
                 <a:cs typeface="Segoe UI" panose="020B0502040204020203" pitchFamily="34" charset="0"/>
               </a:rPr>
-              <a:t>1.4</a:t>
+              <a:t>1.4.1</a:t>
             </a:r>
           </a:p>
           <a:p>
@@ -15261,7 +15265,7 @@
         </p:nvGraphicFramePr>
         <p:xfrm>
           <a:off x="539440" y="1916790"/>
-          <a:ext cx="8065121" cy="4288378"/>
+          <a:ext cx="8065121" cy="4210858"/>
         </p:xfrm>
         <a:graphic>
           <a:graphicData uri="http://schemas.openxmlformats.org/drawingml/2006/table">
@@ -20901,14 +20905,14 @@
           <p:nvPr>
             <p:extLst>
               <p:ext uri="{D42A27DB-BD31-4B8C-83A1-F6EECF244321}">
-                <p14:modId xmlns:p14="http://schemas.microsoft.com/office/powerpoint/2010/main" val="4292435487"/>
+                <p14:modId xmlns:p14="http://schemas.microsoft.com/office/powerpoint/2010/main" val="1929452465"/>
               </p:ext>
             </p:extLst>
           </p:nvPr>
         </p:nvGraphicFramePr>
         <p:xfrm>
           <a:off x="755470" y="1700760"/>
-          <a:ext cx="6552910" cy="3920492"/>
+          <a:ext cx="6696930" cy="3920492"/>
         </p:xfrm>
         <a:graphic>
           <a:graphicData uri="http://schemas.openxmlformats.org/drawingml/2006/table">
@@ -20931,7 +20935,7 @@
                     </a:ext>
                   </a:extLst>
                 </a:gridCol>
-                <a:gridCol w="3040011">
+                <a:gridCol w="3184031">
                   <a:extLst>
                     <a:ext uri="{9D8B030D-6E8A-4147-A177-3AD203B41FA5}">
                       <a16:colId xmlns:a16="http://schemas.microsoft.com/office/drawing/2014/main" val="20002"/>
@@ -22386,10 +22390,22 @@
                     <a:bodyPr/>
                     <a:lstStyle/>
                     <a:p>
-                      <a:pPr algn="just">
+                      <a:pPr marL="0" marR="0" lvl="0" indent="0" algn="just" defTabSz="914400" rtl="0" eaLnBrk="1" fontAlgn="auto" latinLnBrk="0" hangingPunct="1">
+                        <a:lnSpc>
+                          <a:spcPct val="100000"/>
+                        </a:lnSpc>
+                        <a:spcBef>
+                          <a:spcPts val="0"/>
+                        </a:spcBef>
                         <a:spcAft>
                           <a:spcPts val="0"/>
                         </a:spcAft>
+                        <a:buClrTx/>
+                        <a:buSzTx/>
+                        <a:buFontTx/>
+                        <a:buNone/>
+                        <a:tabLst/>
+                        <a:defRPr/>
                       </a:pPr>
                       <a:r>
                         <a:rPr lang="en-US" sz="1050" kern="100" dirty="0" err="1" smtClean="0">
@@ -22418,11 +22434,56 @@
                         </a:rPr>
                         <a:t>sshpass</a:t>
                       </a:r>
-                      <a:endParaRPr lang="ja-JP" sz="1050" kern="100" dirty="0">
+                      <a:r>
+                        <a:rPr lang="en-US" altLang="ja-JP" sz="1050" kern="100" dirty="0" smtClean="0">
+                          <a:effectLst/>
+                          <a:latin typeface="Segoe UI" panose="020B0502040204020203" pitchFamily="34" charset="0"/>
+                          <a:ea typeface="Segoe UI" panose="020B0502040204020203" pitchFamily="34" charset="0"/>
+                          <a:cs typeface="Segoe UI" panose="020B0502040204020203" pitchFamily="34" charset="0"/>
+                        </a:rPr>
+                        <a:t>, </a:t>
+                      </a:r>
+                      <a:r>
+                        <a:rPr lang="en-US" altLang="ja-JP" sz="1050" kern="100" dirty="0" err="1" smtClean="0">
+                          <a:effectLst/>
+                        </a:rPr>
+                        <a:t>pexpect</a:t>
+                      </a:r>
+                      <a:r>
+                        <a:rPr lang="en-US" altLang="ja-JP" sz="1050" kern="100" dirty="0" smtClean="0">
+                          <a:effectLst/>
+                          <a:latin typeface="Segoe UI" panose="020B0502040204020203" pitchFamily="34" charset="0"/>
+                          <a:ea typeface="Segoe UI" panose="020B0502040204020203" pitchFamily="34" charset="0"/>
+                          <a:cs typeface="Segoe UI" panose="020B0502040204020203" pitchFamily="34" charset="0"/>
+                        </a:rPr>
+                        <a:t>, </a:t>
+                      </a:r>
+                      <a:r>
+                        <a:rPr lang="en-US" altLang="ja-JP" sz="1050" kern="100" dirty="0" err="1" smtClean="0">
+                          <a:effectLst/>
+                        </a:rPr>
+                        <a:t>pywinrm</a:t>
+                      </a:r>
+                      <a:r>
+                        <a:rPr lang="en-US" altLang="ja-JP" sz="1050" kern="100" dirty="0" smtClean="0">
+                          <a:effectLst/>
+                          <a:latin typeface="Segoe UI" panose="020B0502040204020203" pitchFamily="34" charset="0"/>
+                          <a:ea typeface="Segoe UI" panose="020B0502040204020203" pitchFamily="34" charset="0"/>
+                          <a:cs typeface="Segoe UI" panose="020B0502040204020203" pitchFamily="34" charset="0"/>
+                        </a:rPr>
+                        <a:t>, </a:t>
+                      </a:r>
+                      <a:r>
+                        <a:rPr lang="en-US" altLang="ja-JP" sz="1050" kern="100" dirty="0" smtClean="0">
+                          <a:effectLst/>
+                        </a:rPr>
+                        <a:t>boto3</a:t>
+                      </a:r>
+                      <a:endParaRPr lang="ja-JP" altLang="ja-JP" sz="1050" kern="100" dirty="0" smtClean="0">
                         <a:effectLst/>
-                        <a:latin typeface="Segoe UI" panose="020B0502040204020203" pitchFamily="34" charset="0"/>
+                        <a:latin typeface="Century" panose="02040604050505020304" pitchFamily="18" charset="0"/>
                         <a:ea typeface="ＭＳ 明朝" panose="02020609040205080304" pitchFamily="17" charset="-128"/>
-                        <a:cs typeface="Segoe UI" panose="020B0502040204020203" pitchFamily="34" charset="0"/>
+                        <a:cs typeface="Times New Roman" panose="02020603050405020304" pitchFamily="18" charset="0"/>
                       </a:endParaRPr>
                     </a:p>
                   </a:txBody>
@@ -23110,7 +23171,15 @@
                 <a:ea typeface="Segoe UI" panose="020B0502040204020203" pitchFamily="34" charset="0"/>
                 <a:cs typeface="Segoe UI" panose="020B0502040204020203" pitchFamily="34" charset="0"/>
               </a:rPr>
-              <a:t>    4.1	Operation Check (1/5)</a:t>
+              <a:t>    4.1	Operation Check (</a:t>
+            </a:r>
+            <a:r>
+              <a:rPr lang="en-US" altLang="zh-TW" sz="1400" dirty="0" smtClean="0">
+                <a:latin typeface="Segoe UI" panose="020B0502040204020203" pitchFamily="34" charset="0"/>
+                <a:ea typeface="Segoe UI" panose="020B0502040204020203" pitchFamily="34" charset="0"/>
+                <a:cs typeface="Segoe UI" panose="020B0502040204020203" pitchFamily="34" charset="0"/>
+              </a:rPr>
+              <a:t>1/6)</a:t>
             </a:r>
             <a:endParaRPr lang="zh-TW" altLang="en-US" sz="1400" dirty="0">
               <a:latin typeface="Segoe UI" panose="020B0502040204020203" pitchFamily="34" charset="0"/>
@@ -23135,7 +23204,18 @@
                 <a:ea typeface="Segoe UI" panose="020B0502040204020203" pitchFamily="34" charset="0"/>
                 <a:cs typeface="Segoe UI" panose="020B0502040204020203" pitchFamily="34" charset="0"/>
               </a:rPr>
-              <a:t>Operation Check (2/5)</a:t>
+              <a:t>Operation Check (</a:t>
+            </a:r>
+            <a:r>
+              <a:rPr lang="en-US" altLang="zh-TW" sz="1400" dirty="0" smtClean="0">
+                <a:solidFill>
+                  <a:srgbClr val="000000"/>
+                </a:solidFill>
+                <a:latin typeface="Segoe UI" panose="020B0502040204020203" pitchFamily="34" charset="0"/>
+                <a:ea typeface="Segoe UI" panose="020B0502040204020203" pitchFamily="34" charset="0"/>
+                <a:cs typeface="Segoe UI" panose="020B0502040204020203" pitchFamily="34" charset="0"/>
+              </a:rPr>
+              <a:t>2/6)</a:t>
             </a:r>
             <a:endParaRPr lang="zh-TW" altLang="en-US" sz="1400" dirty="0">
               <a:solidFill>
@@ -23163,7 +23243,18 @@
                 <a:ea typeface="Segoe UI" panose="020B0502040204020203" pitchFamily="34" charset="0"/>
                 <a:cs typeface="Segoe UI" panose="020B0502040204020203" pitchFamily="34" charset="0"/>
               </a:rPr>
-              <a:t>Operation Check (3/5)</a:t>
+              <a:t>Operation Check (</a:t>
+            </a:r>
+            <a:r>
+              <a:rPr lang="en-US" altLang="zh-TW" sz="1400" dirty="0" smtClean="0">
+                <a:solidFill>
+                  <a:srgbClr val="000000"/>
+                </a:solidFill>
+                <a:latin typeface="Segoe UI" panose="020B0502040204020203" pitchFamily="34" charset="0"/>
+                <a:ea typeface="Segoe UI" panose="020B0502040204020203" pitchFamily="34" charset="0"/>
+                <a:cs typeface="Segoe UI" panose="020B0502040204020203" pitchFamily="34" charset="0"/>
+              </a:rPr>
+              <a:t>3/6)</a:t>
             </a:r>
             <a:endParaRPr lang="zh-TW" altLang="en-US" sz="1400" dirty="0">
               <a:solidFill>
@@ -23191,7 +23282,18 @@
                 <a:ea typeface="Segoe UI" panose="020B0502040204020203" pitchFamily="34" charset="0"/>
                 <a:cs typeface="Segoe UI" panose="020B0502040204020203" pitchFamily="34" charset="0"/>
               </a:rPr>
-              <a:t>Operation Check (4/5)</a:t>
+              <a:t>Operation Check (</a:t>
+            </a:r>
+            <a:r>
+              <a:rPr lang="en-US" altLang="zh-TW" sz="1400" dirty="0" smtClean="0">
+                <a:solidFill>
+                  <a:srgbClr val="000000"/>
+                </a:solidFill>
+                <a:latin typeface="Segoe UI" panose="020B0502040204020203" pitchFamily="34" charset="0"/>
+                <a:ea typeface="Segoe UI" panose="020B0502040204020203" pitchFamily="34" charset="0"/>
+                <a:cs typeface="Segoe UI" panose="020B0502040204020203" pitchFamily="34" charset="0"/>
+              </a:rPr>
+              <a:t>4/6)</a:t>
             </a:r>
             <a:endParaRPr lang="zh-TW" altLang="en-US" sz="1400" dirty="0">
               <a:solidFill>
@@ -23219,7 +23321,95 @@
                 <a:ea typeface="Segoe UI" panose="020B0502040204020203" pitchFamily="34" charset="0"/>
                 <a:cs typeface="Segoe UI" panose="020B0502040204020203" pitchFamily="34" charset="0"/>
               </a:rPr>
-              <a:t>Operation Check (5/5)</a:t>
+              <a:t>Operation Check (</a:t>
+            </a:r>
+            <a:r>
+              <a:rPr lang="en-US" altLang="zh-TW" sz="1400" dirty="0" smtClean="0">
+                <a:solidFill>
+                  <a:srgbClr val="000000"/>
+                </a:solidFill>
+                <a:latin typeface="Segoe UI" panose="020B0502040204020203" pitchFamily="34" charset="0"/>
+                <a:ea typeface="Segoe UI" panose="020B0502040204020203" pitchFamily="34" charset="0"/>
+                <a:cs typeface="Segoe UI" panose="020B0502040204020203" pitchFamily="34" charset="0"/>
+              </a:rPr>
+              <a:t>5/6)</a:t>
+            </a:r>
+          </a:p>
+          <a:p>
+            <a:r>
+              <a:rPr lang="en-US" altLang="zh-TW" sz="1400" dirty="0" smtClean="0">
+                <a:latin typeface="Segoe UI" panose="020B0502040204020203" pitchFamily="34" charset="0"/>
+                <a:ea typeface="Segoe UI" panose="020B0502040204020203" pitchFamily="34" charset="0"/>
+                <a:cs typeface="Segoe UI" panose="020B0502040204020203" pitchFamily="34" charset="0"/>
+              </a:rPr>
+              <a:t>    4.6</a:t>
+            </a:r>
+            <a:r>
+              <a:rPr lang="en-US" altLang="zh-TW" sz="1400" dirty="0">
+                <a:latin typeface="Segoe UI" panose="020B0502040204020203" pitchFamily="34" charset="0"/>
+                <a:ea typeface="Segoe UI" panose="020B0502040204020203" pitchFamily="34" charset="0"/>
+                <a:cs typeface="Segoe UI" panose="020B0502040204020203" pitchFamily="34" charset="0"/>
+              </a:rPr>
+              <a:t>	</a:t>
+            </a:r>
+            <a:r>
+              <a:rPr lang="en-US" altLang="zh-TW" sz="1400" dirty="0">
+                <a:solidFill>
+                  <a:srgbClr val="000000"/>
+                </a:solidFill>
+                <a:latin typeface="Segoe UI" panose="020B0502040204020203" pitchFamily="34" charset="0"/>
+                <a:ea typeface="Segoe UI" panose="020B0502040204020203" pitchFamily="34" charset="0"/>
+                <a:cs typeface="Segoe UI" panose="020B0502040204020203" pitchFamily="34" charset="0"/>
+              </a:rPr>
+              <a:t>Operation Check </a:t>
+            </a:r>
+            <a:r>
+              <a:rPr lang="en-US" altLang="zh-TW" sz="1400" dirty="0" smtClean="0">
+                <a:solidFill>
+                  <a:srgbClr val="000000"/>
+                </a:solidFill>
+                <a:latin typeface="Segoe UI" panose="020B0502040204020203" pitchFamily="34" charset="0"/>
+                <a:ea typeface="Segoe UI" panose="020B0502040204020203" pitchFamily="34" charset="0"/>
+                <a:cs typeface="Segoe UI" panose="020B0502040204020203" pitchFamily="34" charset="0"/>
+              </a:rPr>
+              <a:t>(6/6)</a:t>
+            </a:r>
+          </a:p>
+          <a:p>
+            <a:r>
+              <a:rPr lang="en-US" altLang="zh-TW" sz="1400" dirty="0">
+                <a:latin typeface="Segoe UI" panose="020B0502040204020203" pitchFamily="34" charset="0"/>
+                <a:ea typeface="Segoe UI" panose="020B0502040204020203" pitchFamily="34" charset="0"/>
+                <a:cs typeface="Segoe UI" panose="020B0502040204020203" pitchFamily="34" charset="0"/>
+              </a:rPr>
+              <a:t> </a:t>
+            </a:r>
+            <a:r>
+              <a:rPr lang="en-US" altLang="zh-TW" sz="1400" dirty="0" smtClean="0">
+                <a:latin typeface="Segoe UI" panose="020B0502040204020203" pitchFamily="34" charset="0"/>
+                <a:ea typeface="Segoe UI" panose="020B0502040204020203" pitchFamily="34" charset="0"/>
+                <a:cs typeface="Segoe UI" panose="020B0502040204020203" pitchFamily="34" charset="0"/>
+              </a:rPr>
+              <a:t>   4.7</a:t>
+            </a:r>
+            <a:r>
+              <a:rPr lang="en-US" altLang="zh-TW" sz="1400" dirty="0">
+                <a:latin typeface="Segoe UI" panose="020B0502040204020203" pitchFamily="34" charset="0"/>
+                <a:ea typeface="Segoe UI" panose="020B0502040204020203" pitchFamily="34" charset="0"/>
+                <a:cs typeface="Segoe UI" panose="020B0502040204020203" pitchFamily="34" charset="0"/>
+              </a:rPr>
+              <a:t>	</a:t>
+            </a:r>
+            <a:r>
+              <a:rPr lang="en-US" altLang="zh-TW" sz="1400" dirty="0" smtClean="0">
+                <a:solidFill>
+                  <a:srgbClr val="000000"/>
+                </a:solidFill>
+                <a:latin typeface="Segoe UI" panose="020B0502040204020203" pitchFamily="34" charset="0"/>
+                <a:ea typeface="Segoe UI" panose="020B0502040204020203" pitchFamily="34" charset="0"/>
+                <a:cs typeface="Segoe UI" panose="020B0502040204020203" pitchFamily="34" charset="0"/>
+              </a:rPr>
+              <a:t>Reference</a:t>
             </a:r>
             <a:endParaRPr lang="en-US" altLang="ja-JP" sz="1400" dirty="0">
               <a:solidFill>
@@ -23344,36 +23534,6 @@
       </p:grpSpPr>
       <p:sp>
         <p:nvSpPr>
-          <p:cNvPr id="2" name="タイトル 1"/>
-          <p:cNvSpPr>
-            <a:spLocks noGrp="1"/>
-          </p:cNvSpPr>
-          <p:nvPr>
-            <p:ph type="title"/>
-          </p:nvPr>
-        </p:nvSpPr>
-        <p:spPr/>
-        <p:txBody>
-          <a:bodyPr/>
-          <a:lstStyle/>
-          <a:p>
-            <a:r>
-              <a:rPr lang="en-US" altLang="ja-JP" dirty="0" smtClean="0">
-                <a:latin typeface="Segoe UI" panose="020B0502040204020203" pitchFamily="34" charset="0"/>
-                <a:ea typeface="Segoe UI" panose="020B0502040204020203" pitchFamily="34" charset="0"/>
-                <a:cs typeface="Segoe UI" panose="020B0502040204020203" pitchFamily="34" charset="0"/>
-              </a:rPr>
-              <a:t>4.1	Operation Check (1/5)</a:t>
-            </a:r>
-            <a:endParaRPr kumimoji="1" lang="ja-JP" altLang="en-US" dirty="0">
-              <a:latin typeface="Segoe UI" panose="020B0502040204020203" pitchFamily="34" charset="0"/>
-              <a:cs typeface="Segoe UI" panose="020B0502040204020203" pitchFamily="34" charset="0"/>
-            </a:endParaRPr>
-          </a:p>
-        </p:txBody>
-      </p:sp>
-      <p:sp>
-        <p:nvSpPr>
           <p:cNvPr id="3" name="コンテンツ プレースホルダー 2"/>
           <p:cNvSpPr>
             <a:spLocks noGrp="1"/>
@@ -23382,18 +23542,15 @@
             <p:ph sz="quarter" idx="10"/>
           </p:nvPr>
         </p:nvSpPr>
-        <p:spPr>
-          <a:xfrm>
-            <a:off x="179512" y="836712"/>
-            <a:ext cx="8497058" cy="5616476"/>
-          </a:xfrm>
-        </p:spPr>
+        <p:spPr/>
         <p:txBody>
-          <a:bodyPr/>
+          <a:bodyPr>
+            <a:normAutofit fontScale="92500" lnSpcReduction="20000"/>
+          </a:bodyPr>
           <a:lstStyle/>
           <a:p>
             <a:r>
-              <a:rPr lang="en-US" altLang="ja-JP" dirty="0" smtClean="0">
+              <a:rPr lang="en-US" altLang="ja-JP" dirty="0">
                 <a:latin typeface="Segoe UI" panose="020B0502040204020203" pitchFamily="34" charset="0"/>
                 <a:ea typeface="Segoe UI" panose="020B0502040204020203" pitchFamily="34" charset="0"/>
                 <a:cs typeface="Segoe UI" panose="020B0502040204020203" pitchFamily="34" charset="0"/>
@@ -23408,60 +23565,12 @@
           <a:p>
             <a:pPr lvl="1"/>
             <a:r>
-              <a:rPr lang="en-US" altLang="ja-JP" dirty="0" smtClean="0">
-                <a:latin typeface="Segoe UI" panose="020B0502040204020203" pitchFamily="34" charset="0"/>
-                <a:ea typeface="Segoe UI" panose="020B0502040204020203" pitchFamily="34" charset="0"/>
-                <a:cs typeface="Segoe UI" panose="020B0502040204020203" pitchFamily="34" charset="0"/>
-              </a:rPr>
-              <a:t>After completing the installation</a:t>
-            </a:r>
-            <a:r>
               <a:rPr lang="en-US" altLang="ja-JP" dirty="0">
                 <a:latin typeface="Segoe UI" panose="020B0502040204020203" pitchFamily="34" charset="0"/>
                 <a:ea typeface="Segoe UI" panose="020B0502040204020203" pitchFamily="34" charset="0"/>
                 <a:cs typeface="Segoe UI" panose="020B0502040204020203" pitchFamily="34" charset="0"/>
               </a:rPr>
-              <a:t>, take the following steps </a:t>
-            </a:r>
-            <a:r>
-              <a:rPr lang="en-US" altLang="ja-JP" dirty="0" smtClean="0">
-                <a:latin typeface="Segoe UI" panose="020B0502040204020203" pitchFamily="34" charset="0"/>
-                <a:ea typeface="Segoe UI" panose="020B0502040204020203" pitchFamily="34" charset="0"/>
-                <a:cs typeface="Segoe UI" panose="020B0502040204020203" pitchFamily="34" charset="0"/>
-              </a:rPr>
-              <a:t>with a Windows PC client to access the main menu of IT Automation and to check </a:t>
-            </a:r>
-            <a:r>
-              <a:rPr lang="en-US" altLang="ja-JP" dirty="0">
-                <a:latin typeface="Segoe UI" panose="020B0502040204020203" pitchFamily="34" charset="0"/>
-                <a:ea typeface="Segoe UI" panose="020B0502040204020203" pitchFamily="34" charset="0"/>
-                <a:cs typeface="Segoe UI" panose="020B0502040204020203" pitchFamily="34" charset="0"/>
-              </a:rPr>
-              <a:t>that </a:t>
-            </a:r>
-            <a:r>
-              <a:rPr lang="en-US" altLang="ja-JP" dirty="0" smtClean="0">
-                <a:latin typeface="Segoe UI" panose="020B0502040204020203" pitchFamily="34" charset="0"/>
-                <a:ea typeface="Segoe UI" panose="020B0502040204020203" pitchFamily="34" charset="0"/>
-                <a:cs typeface="Segoe UI" panose="020B0502040204020203" pitchFamily="34" charset="0"/>
-              </a:rPr>
-              <a:t>the IT Automation and all </a:t>
-            </a:r>
-            <a:r>
-              <a:rPr lang="en-US" altLang="ja-JP" dirty="0">
-                <a:latin typeface="Segoe UI" panose="020B0502040204020203" pitchFamily="34" charset="0"/>
-                <a:ea typeface="Segoe UI" panose="020B0502040204020203" pitchFamily="34" charset="0"/>
-                <a:cs typeface="Segoe UI" panose="020B0502040204020203" pitchFamily="34" charset="0"/>
-              </a:rPr>
-              <a:t>the drivers are shown </a:t>
-            </a:r>
-            <a:r>
-              <a:rPr lang="en-US" altLang="ja-JP" dirty="0" smtClean="0">
-                <a:latin typeface="Segoe UI" panose="020B0502040204020203" pitchFamily="34" charset="0"/>
-                <a:ea typeface="Segoe UI" panose="020B0502040204020203" pitchFamily="34" charset="0"/>
-                <a:cs typeface="Segoe UI" panose="020B0502040204020203" pitchFamily="34" charset="0"/>
-              </a:rPr>
-              <a:t>properly.</a:t>
+              <a:t>After completing the installation, take the following steps with a Windows PC client to access the main menu of IT Automation and to check that the IT Automation and all the drivers are shown properly.</a:t>
             </a:r>
             <a:endParaRPr lang="ja-JP" altLang="en-US" dirty="0">
               <a:latin typeface="Segoe UI" panose="020B0502040204020203" pitchFamily="34" charset="0"/>
@@ -23469,109 +23578,96 @@
             </a:endParaRPr>
           </a:p>
           <a:p>
+            <a:pPr lvl="0"/>
+            <a:endParaRPr lang="en-US" altLang="ja-JP" dirty="0" smtClean="0"/>
+          </a:p>
+          <a:p>
+            <a:pPr lvl="0"/>
+            <a:r>
+              <a:rPr lang="en-US" altLang="ja-JP" dirty="0">
+                <a:latin typeface="Segoe UI" panose="020B0502040204020203" pitchFamily="34" charset="0"/>
+                <a:ea typeface="Segoe UI" panose="020B0502040204020203" pitchFamily="34" charset="0"/>
+                <a:cs typeface="Segoe UI" panose="020B0502040204020203" pitchFamily="34" charset="0"/>
+              </a:rPr>
+              <a:t>Accessing the login screen</a:t>
+            </a:r>
+          </a:p>
+          <a:p>
             <a:pPr lvl="1"/>
-            <a:endParaRPr lang="ja-JP" altLang="en-US" dirty="0">
-              <a:latin typeface="Segoe UI" panose="020B0502040204020203" pitchFamily="34" charset="0"/>
-              <a:cs typeface="Segoe UI" panose="020B0502040204020203" pitchFamily="34" charset="0"/>
-            </a:endParaRPr>
-          </a:p>
-          <a:p>
+            <a:r>
+              <a:rPr lang="en-US" altLang="ja-JP" dirty="0">
+                <a:latin typeface="Segoe UI" panose="020B0502040204020203" pitchFamily="34" charset="0"/>
+                <a:ea typeface="Segoe UI" panose="020B0502040204020203" pitchFamily="34" charset="0"/>
+                <a:cs typeface="Segoe UI" panose="020B0502040204020203" pitchFamily="34" charset="0"/>
+              </a:rPr>
+              <a:t>Access the login screen with the following URL:</a:t>
+            </a:r>
+          </a:p>
+          <a:p>
+            <a:pPr lvl="1"/>
+            <a:r>
+              <a:rPr lang="en-US" altLang="ja-JP" dirty="0">
+                <a:latin typeface="Segoe UI" panose="020B0502040204020203" pitchFamily="34" charset="0"/>
+                <a:ea typeface="Segoe UI" panose="020B0502040204020203" pitchFamily="34" charset="0"/>
+                <a:cs typeface="Segoe UI" panose="020B0502040204020203" pitchFamily="34" charset="0"/>
+              </a:rPr>
+              <a:t>URL: </a:t>
+            </a:r>
             <a:r>
               <a:rPr lang="en-US" altLang="ja-JP" dirty="0" smtClean="0">
-                <a:latin typeface="Segoe UI" panose="020B0502040204020203" pitchFamily="34" charset="0"/>
-                <a:ea typeface="Segoe UI" panose="020B0502040204020203" pitchFamily="34" charset="0"/>
-                <a:cs typeface="Segoe UI" panose="020B0502040204020203" pitchFamily="34" charset="0"/>
-              </a:rPr>
-              <a:t>Preparation</a:t>
-            </a:r>
-            <a:endParaRPr lang="ja-JP" altLang="en-US" dirty="0">
-              <a:latin typeface="Segoe UI" panose="020B0502040204020203" pitchFamily="34" charset="0"/>
-              <a:cs typeface="Segoe UI" panose="020B0502040204020203" pitchFamily="34" charset="0"/>
-            </a:endParaRPr>
-          </a:p>
-          <a:p>
-            <a:pPr lvl="1"/>
+                <a:solidFill>
+                  <a:srgbClr val="FF0000"/>
+                </a:solidFill>
+                <a:latin typeface="Segoe UI" panose="020B0502040204020203" pitchFamily="34" charset="0"/>
+                <a:ea typeface="Segoe UI" panose="020B0502040204020203" pitchFamily="34" charset="0"/>
+                <a:cs typeface="Segoe UI" panose="020B0502040204020203" pitchFamily="34" charset="0"/>
+              </a:rPr>
+              <a:t>http://(IP</a:t>
+            </a:r>
+            <a:r>
+              <a:rPr lang="ja-JP" altLang="en-US" dirty="0">
+                <a:solidFill>
+                  <a:srgbClr val="FF0000"/>
+                </a:solidFill>
+                <a:latin typeface="Segoe UI" panose="020B0502040204020203" pitchFamily="34" charset="0"/>
+                <a:ea typeface="Segoe UI" panose="020B0502040204020203" pitchFamily="34" charset="0"/>
+                <a:cs typeface="Segoe UI" panose="020B0502040204020203" pitchFamily="34" charset="0"/>
+              </a:rPr>
+              <a:t> </a:t>
+            </a:r>
             <a:r>
               <a:rPr lang="en-US" altLang="ja-JP" dirty="0" smtClean="0">
-                <a:latin typeface="Segoe UI" panose="020B0502040204020203" pitchFamily="34" charset="0"/>
-                <a:ea typeface="Segoe UI" panose="020B0502040204020203" pitchFamily="34" charset="0"/>
-                <a:cs typeface="Segoe UI" panose="020B0502040204020203" pitchFamily="34" charset="0"/>
-              </a:rPr>
-              <a:t>Specify the IP address and host name of the IT Automation server in the hosts file of the Windows client</a:t>
-            </a:r>
-            <a:r>
-              <a:rPr lang="en-US" altLang="ja-JP" dirty="0" smtClean="0">
-                <a:latin typeface="Segoe UI" panose="020B0502040204020203" pitchFamily="34" charset="0"/>
-                <a:ea typeface="Segoe UI" panose="020B0502040204020203" pitchFamily="34" charset="0"/>
-                <a:cs typeface="Segoe UI" panose="020B0502040204020203" pitchFamily="34" charset="0"/>
-              </a:rPr>
-              <a:t>.</a:t>
+                <a:solidFill>
+                  <a:srgbClr val="FF0000"/>
+                </a:solidFill>
+                <a:latin typeface="Segoe UI" panose="020B0502040204020203" pitchFamily="34" charset="0"/>
+                <a:ea typeface="Segoe UI" panose="020B0502040204020203" pitchFamily="34" charset="0"/>
+                <a:cs typeface="Segoe UI" panose="020B0502040204020203" pitchFamily="34" charset="0"/>
+              </a:rPr>
+              <a:t>address)</a:t>
+            </a:r>
+            <a:r>
+              <a:rPr lang="en-US" altLang="ja-JP" dirty="0">
+                <a:solidFill>
+                  <a:srgbClr val="FF0000"/>
+                </a:solidFill>
+                <a:latin typeface="Segoe UI" panose="020B0502040204020203" pitchFamily="34" charset="0"/>
+                <a:ea typeface="Segoe UI" panose="020B0502040204020203" pitchFamily="34" charset="0"/>
+                <a:cs typeface="Segoe UI" panose="020B0502040204020203" pitchFamily="34" charset="0"/>
+              </a:rPr>
+              <a:t/>
             </a:r>
             <a:br>
-              <a:rPr lang="en-US" altLang="ja-JP" dirty="0" smtClean="0">
+              <a:rPr lang="en-US" altLang="ja-JP" dirty="0">
+                <a:solidFill>
+                  <a:srgbClr val="FF0000"/>
+                </a:solidFill>
                 <a:latin typeface="Segoe UI" panose="020B0502040204020203" pitchFamily="34" charset="0"/>
                 <a:ea typeface="Segoe UI" panose="020B0502040204020203" pitchFamily="34" charset="0"/>
                 <a:cs typeface="Segoe UI" panose="020B0502040204020203" pitchFamily="34" charset="0"/>
               </a:rPr>
             </a:br>
-            <a:r>
-              <a:rPr lang="en-US" altLang="ja-JP" b="1" dirty="0" smtClean="0">
-                <a:solidFill>
-                  <a:srgbClr val="FF0000"/>
-                </a:solidFill>
-                <a:latin typeface="Segoe UI" panose="020B0502040204020203" pitchFamily="34" charset="0"/>
-                <a:ea typeface="Segoe UI" panose="020B0502040204020203" pitchFamily="34" charset="0"/>
-                <a:cs typeface="Segoe UI" panose="020B0502040204020203" pitchFamily="34" charset="0"/>
-              </a:rPr>
-              <a:t>※</a:t>
-            </a:r>
-            <a:r>
-              <a:rPr lang="en-US" altLang="ja-JP" b="1" dirty="0" smtClean="0">
-                <a:solidFill>
-                  <a:srgbClr val="FF0000"/>
-                </a:solidFill>
-              </a:rPr>
-              <a:t>This </a:t>
-            </a:r>
-            <a:r>
-              <a:rPr lang="en-US" altLang="ja-JP" b="1" dirty="0">
-                <a:solidFill>
-                  <a:srgbClr val="FF0000"/>
-                </a:solidFill>
-              </a:rPr>
-              <a:t>procedure is not required if users enable http access and make access via IP address possible, or register host name in DNS server.</a:t>
-            </a:r>
-            <a:br>
-              <a:rPr lang="en-US" altLang="ja-JP" b="1" dirty="0">
-                <a:solidFill>
-                  <a:srgbClr val="FF0000"/>
-                </a:solidFill>
-              </a:rPr>
-            </a:br>
-            <a:r>
-              <a:rPr lang="en-US" altLang="ja-JP" b="1" dirty="0">
-                <a:solidFill>
-                  <a:srgbClr val="FF0000"/>
-                </a:solidFill>
-              </a:rPr>
-              <a:t>Please refer to chapter 4.5 for the instruction of enabling http access</a:t>
-            </a:r>
-            <a:r>
-              <a:rPr lang="en-US" altLang="ja-JP" b="1" dirty="0" smtClean="0">
-                <a:solidFill>
-                  <a:srgbClr val="FF0000"/>
-                </a:solidFill>
-              </a:rPr>
-              <a:t>.</a:t>
-            </a:r>
-            <a:br>
-              <a:rPr lang="en-US" altLang="ja-JP" b="1" dirty="0" smtClean="0">
-                <a:solidFill>
-                  <a:srgbClr val="FF0000"/>
-                </a:solidFill>
-              </a:rPr>
-            </a:br>
-            <a:endParaRPr lang="en-US" altLang="ja-JP" b="1" dirty="0">
+            <a:endParaRPr lang="en-US" altLang="ja-JP" dirty="0">
               <a:solidFill>
                 <a:srgbClr val="FF0000"/>
               </a:solidFill>
@@ -23581,49 +23677,292 @@
             </a:endParaRPr>
           </a:p>
           <a:p>
+            <a:pPr marL="180000" lvl="1" indent="0">
+              <a:buNone/>
+            </a:pPr>
+            <a:r>
+              <a:rPr lang="en-US" altLang="ja-JP" dirty="0">
+                <a:solidFill>
+                  <a:srgbClr val="FF0000"/>
+                </a:solidFill>
+              </a:rPr>
+              <a:t>※ After installation, access from both HTTP and HTTPS are possible.</a:t>
+            </a:r>
+          </a:p>
+          <a:p>
+            <a:pPr marL="180000" lvl="1" indent="0">
+              <a:buNone/>
+            </a:pPr>
+            <a:r>
+              <a:rPr lang="en-US" altLang="ja-JP" dirty="0">
+                <a:solidFill>
+                  <a:srgbClr val="FF0000"/>
+                </a:solidFill>
+              </a:rPr>
+              <a:t> </a:t>
+            </a:r>
+            <a:r>
+              <a:rPr lang="en-US" altLang="ja-JP" dirty="0" smtClean="0">
+                <a:solidFill>
+                  <a:srgbClr val="FF0000"/>
+                </a:solidFill>
+              </a:rPr>
+              <a:t>   Since </a:t>
+            </a:r>
+            <a:r>
+              <a:rPr lang="en-US" altLang="ja-JP" dirty="0">
+                <a:solidFill>
+                  <a:srgbClr val="FF0000"/>
+                </a:solidFill>
+              </a:rPr>
+              <a:t>HTTP is insecure, accessing from HTTPS is recommended.</a:t>
+            </a:r>
+          </a:p>
+          <a:p>
+            <a:pPr marL="180000" lvl="1" indent="0">
+              <a:buNone/>
+            </a:pPr>
+            <a:r>
+              <a:rPr lang="en-US" altLang="ja-JP" dirty="0" smtClean="0">
+                <a:solidFill>
+                  <a:srgbClr val="FF0000"/>
+                </a:solidFill>
+              </a:rPr>
+              <a:t>    For </a:t>
+            </a:r>
+            <a:r>
+              <a:rPr lang="en-US" altLang="ja-JP" dirty="0">
+                <a:solidFill>
+                  <a:srgbClr val="FF0000"/>
+                </a:solidFill>
+              </a:rPr>
+              <a:t>the method to access from HTTPS, please refer to operation check (</a:t>
+            </a:r>
+            <a:r>
+              <a:rPr lang="en-US" altLang="ja-JP" dirty="0" smtClean="0">
+                <a:solidFill>
+                  <a:srgbClr val="FF0000"/>
+                </a:solidFill>
+              </a:rPr>
+              <a:t>4/6).</a:t>
+            </a:r>
+          </a:p>
+          <a:p>
+            <a:pPr marL="180000" lvl="1" indent="0">
+              <a:buNone/>
+            </a:pPr>
+            <a:endParaRPr lang="en-US" altLang="ja-JP" dirty="0"/>
+          </a:p>
+          <a:p>
+            <a:pPr lvl="0"/>
+            <a:r>
+              <a:rPr lang="en-US" altLang="ja-JP" dirty="0">
+                <a:latin typeface="Segoe UI" panose="020B0502040204020203" pitchFamily="34" charset="0"/>
+                <a:ea typeface="Segoe UI" panose="020B0502040204020203" pitchFamily="34" charset="0"/>
+                <a:cs typeface="Segoe UI" panose="020B0502040204020203" pitchFamily="34" charset="0"/>
+              </a:rPr>
+              <a:t>Logging in</a:t>
+            </a:r>
+          </a:p>
+          <a:p>
             <a:pPr lvl="1"/>
             <a:r>
-              <a:rPr lang="en-US" altLang="ja-JP" dirty="0" smtClean="0">
-                <a:latin typeface="Segoe UI" panose="020B0502040204020203" pitchFamily="34" charset="0"/>
-                <a:ea typeface="Segoe UI" panose="020B0502040204020203" pitchFamily="34" charset="0"/>
-                <a:cs typeface="Segoe UI" panose="020B0502040204020203" pitchFamily="34" charset="0"/>
-              </a:rPr>
-              <a:t>For Windows 10, the hosts file is located at the following:</a:t>
-            </a:r>
-          </a:p>
-          <a:p>
-            <a:pPr lvl="1"/>
-            <a:endParaRPr lang="en-US" altLang="ja-JP" dirty="0" smtClean="0">
-              <a:latin typeface="Segoe UI" panose="020B0502040204020203" pitchFamily="34" charset="0"/>
-              <a:ea typeface="Segoe UI" panose="020B0502040204020203" pitchFamily="34" charset="0"/>
-              <a:cs typeface="Segoe UI" panose="020B0502040204020203" pitchFamily="34" charset="0"/>
-            </a:endParaRPr>
-          </a:p>
-          <a:p>
-            <a:pPr lvl="1"/>
-            <a:endParaRPr lang="en-US" altLang="ja-JP" dirty="0">
-              <a:latin typeface="Segoe UI" panose="020B0502040204020203" pitchFamily="34" charset="0"/>
-              <a:ea typeface="Segoe UI" panose="020B0502040204020203" pitchFamily="34" charset="0"/>
-              <a:cs typeface="Segoe UI" panose="020B0502040204020203" pitchFamily="34" charset="0"/>
-            </a:endParaRPr>
-          </a:p>
-          <a:p>
-            <a:pPr lvl="1"/>
-            <a:r>
-              <a:rPr lang="en-US" altLang="ja-JP" dirty="0" smtClean="0">
-                <a:latin typeface="Segoe UI" panose="020B0502040204020203" pitchFamily="34" charset="0"/>
-                <a:ea typeface="Segoe UI" panose="020B0502040204020203" pitchFamily="34" charset="0"/>
-                <a:cs typeface="Segoe UI" panose="020B0502040204020203" pitchFamily="34" charset="0"/>
-              </a:rPr>
-              <a:t>To the hosts file, add the following settings:</a:t>
-            </a:r>
-            <a:endParaRPr lang="ja-JP" altLang="en-US" dirty="0">
+              <a:rPr lang="en-US" altLang="ja-JP" dirty="0">
+                <a:latin typeface="Segoe UI" panose="020B0502040204020203" pitchFamily="34" charset="0"/>
+                <a:ea typeface="Segoe UI" panose="020B0502040204020203" pitchFamily="34" charset="0"/>
+                <a:cs typeface="Segoe UI" panose="020B0502040204020203" pitchFamily="34" charset="0"/>
+              </a:rPr>
+              <a:t>When the IT Automation login screen appears, enter the given login ID and initial password and then click the </a:t>
+            </a:r>
+            <a:r>
+              <a:rPr lang="en-US" altLang="ja-JP" b="1" dirty="0">
+                <a:latin typeface="Segoe UI" panose="020B0502040204020203" pitchFamily="34" charset="0"/>
+                <a:ea typeface="Segoe UI" panose="020B0502040204020203" pitchFamily="34" charset="0"/>
+                <a:cs typeface="Segoe UI" panose="020B0502040204020203" pitchFamily="34" charset="0"/>
+              </a:rPr>
+              <a:t>Login</a:t>
+            </a:r>
+            <a:r>
+              <a:rPr lang="en-US" altLang="ja-JP" dirty="0">
+                <a:latin typeface="Segoe UI" panose="020B0502040204020203" pitchFamily="34" charset="0"/>
+                <a:ea typeface="Segoe UI" panose="020B0502040204020203" pitchFamily="34" charset="0"/>
+                <a:cs typeface="Segoe UI" panose="020B0502040204020203" pitchFamily="34" charset="0"/>
+              </a:rPr>
+              <a:t> button.</a:t>
+            </a:r>
+            <a:endParaRPr lang="ja-JP" altLang="ja-JP" dirty="0">
               <a:latin typeface="Segoe UI" panose="020B0502040204020203" pitchFamily="34" charset="0"/>
               <a:cs typeface="Segoe UI" panose="020B0502040204020203" pitchFamily="34" charset="0"/>
             </a:endParaRPr>
           </a:p>
           <a:p>
+            <a:pPr marL="288000" lvl="2" indent="0">
+              <a:buNone/>
+            </a:pPr>
+            <a:r>
+              <a:rPr lang="en-US" altLang="ja-JP" dirty="0">
+                <a:latin typeface="Segoe UI" panose="020B0502040204020203" pitchFamily="34" charset="0"/>
+                <a:ea typeface="Segoe UI" panose="020B0502040204020203" pitchFamily="34" charset="0"/>
+                <a:cs typeface="Segoe UI" panose="020B0502040204020203" pitchFamily="34" charset="0"/>
+              </a:rPr>
+              <a:t>     	- Login ID:</a:t>
+            </a:r>
+            <a:r>
+              <a:rPr lang="ja-JP" altLang="en-US" dirty="0">
+                <a:latin typeface="Segoe UI" panose="020B0502040204020203" pitchFamily="34" charset="0"/>
+                <a:ea typeface="Segoe UI" panose="020B0502040204020203" pitchFamily="34" charset="0"/>
+                <a:cs typeface="Segoe UI" panose="020B0502040204020203" pitchFamily="34" charset="0"/>
+              </a:rPr>
+              <a:t> </a:t>
+            </a:r>
+            <a:r>
+              <a:rPr lang="en-US" altLang="ja-JP" dirty="0">
+                <a:latin typeface="Segoe UI" panose="020B0502040204020203" pitchFamily="34" charset="0"/>
+                <a:ea typeface="Segoe UI" panose="020B0502040204020203" pitchFamily="34" charset="0"/>
+                <a:cs typeface="Segoe UI" panose="020B0502040204020203" pitchFamily="34" charset="0"/>
+              </a:rPr>
+              <a:t>administrator</a:t>
+            </a:r>
+            <a:endParaRPr lang="ja-JP" altLang="ja-JP" dirty="0">
+              <a:latin typeface="Segoe UI" panose="020B0502040204020203" pitchFamily="34" charset="0"/>
+              <a:cs typeface="Segoe UI" panose="020B0502040204020203" pitchFamily="34" charset="0"/>
+            </a:endParaRPr>
+          </a:p>
+          <a:p>
+            <a:pPr marL="288000" lvl="2" indent="0">
+              <a:buNone/>
+            </a:pPr>
+            <a:r>
+              <a:rPr lang="en-US" altLang="ja-JP" dirty="0">
+                <a:latin typeface="Segoe UI" panose="020B0502040204020203" pitchFamily="34" charset="0"/>
+                <a:ea typeface="Segoe UI" panose="020B0502040204020203" pitchFamily="34" charset="0"/>
+                <a:cs typeface="Segoe UI" panose="020B0502040204020203" pitchFamily="34" charset="0"/>
+              </a:rPr>
+              <a:t>     	- </a:t>
+            </a:r>
+            <a:r>
+              <a:rPr lang="en-US" altLang="ja-JP" dirty="0">
+                <a:solidFill>
+                  <a:srgbClr val="000000"/>
+                </a:solidFill>
+                <a:latin typeface="Segoe UI" panose="020B0502040204020203" pitchFamily="34" charset="0"/>
+                <a:ea typeface="Segoe UI" panose="020B0502040204020203" pitchFamily="34" charset="0"/>
+                <a:cs typeface="Segoe UI" panose="020B0502040204020203" pitchFamily="34" charset="0"/>
+              </a:rPr>
+              <a:t>Initial password:</a:t>
+            </a:r>
+            <a:r>
+              <a:rPr lang="ja-JP" altLang="en-US" dirty="0">
+                <a:solidFill>
+                  <a:srgbClr val="000000"/>
+                </a:solidFill>
+                <a:ea typeface="Segoe UI" panose="020B0502040204020203" pitchFamily="34" charset="0"/>
+              </a:rPr>
+              <a:t> </a:t>
+            </a:r>
+            <a:r>
+              <a:rPr lang="en-US" altLang="ja-JP" dirty="0">
+                <a:latin typeface="Segoe UI" panose="020B0502040204020203" pitchFamily="34" charset="0"/>
+                <a:ea typeface="Segoe UI" panose="020B0502040204020203" pitchFamily="34" charset="0"/>
+                <a:cs typeface="Segoe UI" panose="020B0502040204020203" pitchFamily="34" charset="0"/>
+              </a:rPr>
+              <a:t>password</a:t>
+            </a:r>
+          </a:p>
+          <a:p>
+            <a:pPr marL="180000" lvl="1" indent="0">
+              <a:buNone/>
+            </a:pPr>
+            <a:endParaRPr lang="ja-JP" altLang="ja-JP" dirty="0">
+              <a:latin typeface="Segoe UI" panose="020B0502040204020203" pitchFamily="34" charset="0"/>
+              <a:cs typeface="Segoe UI" panose="020B0502040204020203" pitchFamily="34" charset="0"/>
+            </a:endParaRPr>
+          </a:p>
+          <a:p>
             <a:pPr lvl="1"/>
+            <a:r>
+              <a:rPr lang="en-US" altLang="ja-JP" dirty="0">
+                <a:latin typeface="Segoe UI" panose="020B0502040204020203" pitchFamily="34" charset="0"/>
+                <a:ea typeface="Segoe UI" panose="020B0502040204020203" pitchFamily="34" charset="0"/>
+                <a:cs typeface="Segoe UI" panose="020B0502040204020203" pitchFamily="34" charset="0"/>
+              </a:rPr>
+              <a:t>If you have logged in for the first time after the installation, you will be prompted to change the password.</a:t>
+            </a:r>
+            <a:r>
+              <a:rPr lang="en-US" altLang="ja-JP" dirty="0"/>
+              <a:t> </a:t>
+            </a:r>
+          </a:p>
+          <a:p>
+            <a:pPr lvl="1"/>
+            <a:r>
+              <a:rPr lang="en-US" altLang="ja-JP" dirty="0"/>
+              <a:t>C</a:t>
+            </a:r>
+            <a:r>
+              <a:rPr lang="en-US" altLang="ja-JP" dirty="0">
+                <a:latin typeface="Segoe UI" panose="020B0502040204020203" pitchFamily="34" charset="0"/>
+                <a:ea typeface="Segoe UI" panose="020B0502040204020203" pitchFamily="34" charset="0"/>
+                <a:cs typeface="Segoe UI" panose="020B0502040204020203" pitchFamily="34" charset="0"/>
+              </a:rPr>
+              <a:t>hange the initial password</a:t>
+            </a:r>
+            <a:r>
+              <a:rPr lang="en-US" altLang="ja-JP" dirty="0" smtClean="0">
+                <a:latin typeface="Segoe UI" panose="020B0502040204020203" pitchFamily="34" charset="0"/>
+                <a:ea typeface="Segoe UI" panose="020B0502040204020203" pitchFamily="34" charset="0"/>
+                <a:cs typeface="Segoe UI" panose="020B0502040204020203" pitchFamily="34" charset="0"/>
+              </a:rPr>
+              <a:t>.</a:t>
+            </a:r>
+            <a:endParaRPr lang="ja-JP" altLang="ja-JP" dirty="0">
+              <a:latin typeface="Segoe UI" panose="020B0502040204020203" pitchFamily="34" charset="0"/>
+              <a:cs typeface="Segoe UI" panose="020B0502040204020203" pitchFamily="34" charset="0"/>
+            </a:endParaRPr>
+          </a:p>
+        </p:txBody>
+      </p:sp>
+      <p:sp>
+        <p:nvSpPr>
+          <p:cNvPr id="6" name="タイトル 1"/>
+          <p:cNvSpPr>
+            <a:spLocks noGrp="1"/>
+          </p:cNvSpPr>
+          <p:nvPr>
+            <p:ph type="title"/>
+          </p:nvPr>
+        </p:nvSpPr>
+        <p:spPr>
+          <a:xfrm>
+            <a:off x="179513" y="115200"/>
+            <a:ext cx="8784000" cy="468000"/>
+          </a:xfrm>
+        </p:spPr>
+        <p:txBody>
+          <a:bodyPr/>
+          <a:lstStyle/>
+          <a:p>
+            <a:r>
+              <a:rPr lang="en-US" altLang="ja-JP" dirty="0" smtClean="0">
+                <a:latin typeface="Segoe UI" panose="020B0502040204020203" pitchFamily="34" charset="0"/>
+                <a:cs typeface="Segoe UI" panose="020B0502040204020203" pitchFamily="34" charset="0"/>
+              </a:rPr>
+              <a:t>4.1</a:t>
+            </a:r>
+            <a:r>
+              <a:rPr lang="en-US" altLang="ja-JP" dirty="0">
+                <a:latin typeface="Segoe UI" panose="020B0502040204020203" pitchFamily="34" charset="0"/>
+                <a:cs typeface="Segoe UI" panose="020B0502040204020203" pitchFamily="34" charset="0"/>
+              </a:rPr>
+              <a:t>	</a:t>
+            </a:r>
+            <a:r>
+              <a:rPr lang="en-US" altLang="ja-JP" dirty="0" smtClean="0">
+                <a:latin typeface="Segoe UI" panose="020B0502040204020203" pitchFamily="34" charset="0"/>
+                <a:cs typeface="Segoe UI" panose="020B0502040204020203" pitchFamily="34" charset="0"/>
+              </a:rPr>
+              <a:t>Operation Check (1/6)</a:t>
+            </a:r>
             <a:endParaRPr kumimoji="1" lang="ja-JP" altLang="en-US" dirty="0">
               <a:latin typeface="Segoe UI" panose="020B0502040204020203" pitchFamily="34" charset="0"/>
               <a:cs typeface="Segoe UI" panose="020B0502040204020203" pitchFamily="34" charset="0"/>
@@ -23631,281 +23970,10 @@
           </a:p>
         </p:txBody>
       </p:sp>
-      <p:graphicFrame>
-        <p:nvGraphicFramePr>
-          <p:cNvPr id="6" name="表 5"/>
-          <p:cNvGraphicFramePr>
-            <a:graphicFrameLocks noGrp="1"/>
-          </p:cNvGraphicFramePr>
-          <p:nvPr>
-            <p:extLst>
-              <p:ext uri="{D42A27DB-BD31-4B8C-83A1-F6EECF244321}">
-                <p14:modId xmlns:p14="http://schemas.microsoft.com/office/powerpoint/2010/main" val="163279118"/>
-              </p:ext>
-            </p:extLst>
-          </p:nvPr>
-        </p:nvGraphicFramePr>
-        <p:xfrm>
-          <a:off x="1829118" y="4509150"/>
-          <a:ext cx="5485765" cy="316230"/>
-        </p:xfrm>
-        <a:graphic>
-          <a:graphicData uri="http://schemas.openxmlformats.org/drawingml/2006/table">
-            <a:tbl>
-              <a:tblPr firstRow="1" firstCol="1" bandRow="1">
-                <a:tableStyleId>{5C22544A-7EE6-4342-B048-85BDC9FD1C3A}</a:tableStyleId>
-              </a:tblPr>
-              <a:tblGrid>
-                <a:gridCol w="5485765">
-                  <a:extLst>
-                    <a:ext uri="{9D8B030D-6E8A-4147-A177-3AD203B41FA5}">
-                      <a16:colId xmlns:a16="http://schemas.microsoft.com/office/drawing/2014/main" val="20000"/>
-                    </a:ext>
-                  </a:extLst>
-                </a:gridCol>
-              </a:tblGrid>
-              <a:tr h="316230">
-                <a:tc>
-                  <a:txBody>
-                    <a:bodyPr/>
-                    <a:lstStyle/>
-                    <a:p>
-                      <a:pPr algn="just">
-                        <a:spcAft>
-                          <a:spcPts val="0"/>
-                        </a:spcAft>
-                      </a:pPr>
-                      <a:r>
-                        <a:rPr lang="en-US" sz="1050" kern="100" dirty="0">
-                          <a:effectLst/>
-                        </a:rPr>
-                        <a:t>C:\Windows\System32\drivers\etc\hosts</a:t>
-                      </a:r>
-                      <a:endParaRPr lang="ja-JP" sz="1050" kern="100" dirty="0">
-                        <a:effectLst/>
-                        <a:latin typeface="Century" panose="02040604050505020304" pitchFamily="18" charset="0"/>
-                        <a:ea typeface="ＭＳ 明朝" panose="02020609040205080304" pitchFamily="17" charset="-128"/>
-                        <a:cs typeface="Times New Roman" panose="02020603050405020304" pitchFamily="18" charset="0"/>
-                      </a:endParaRPr>
-                    </a:p>
-                  </a:txBody>
-                  <a:tcPr marL="68580" marR="68580" marT="0" marB="0" anchor="ctr">
-                    <a:solidFill>
-                      <a:srgbClr val="002B62"/>
-                    </a:solidFill>
-                  </a:tcPr>
-                </a:tc>
-                <a:extLst>
-                  <a:ext uri="{0D108BD9-81ED-4DB2-BD59-A6C34878D82A}">
-                    <a16:rowId xmlns:a16="http://schemas.microsoft.com/office/drawing/2014/main" val="10000"/>
-                  </a:ext>
-                </a:extLst>
-              </a:tr>
-            </a:tbl>
-          </a:graphicData>
-        </a:graphic>
-      </p:graphicFrame>
-      <p:graphicFrame>
-        <p:nvGraphicFramePr>
-          <p:cNvPr id="7" name="表 6"/>
-          <p:cNvGraphicFramePr>
-            <a:graphicFrameLocks noGrp="1"/>
-          </p:cNvGraphicFramePr>
-          <p:nvPr>
-            <p:extLst>
-              <p:ext uri="{D42A27DB-BD31-4B8C-83A1-F6EECF244321}">
-                <p14:modId xmlns:p14="http://schemas.microsoft.com/office/powerpoint/2010/main" val="4231887630"/>
-              </p:ext>
-            </p:extLst>
-          </p:nvPr>
-        </p:nvGraphicFramePr>
-        <p:xfrm>
-          <a:off x="1828630" y="5469286"/>
-          <a:ext cx="5485765" cy="936130"/>
-        </p:xfrm>
-        <a:graphic>
-          <a:graphicData uri="http://schemas.openxmlformats.org/drawingml/2006/table">
-            <a:tbl>
-              <a:tblPr firstRow="1" firstCol="1" bandRow="1">
-                <a:tableStyleId>{5C22544A-7EE6-4342-B048-85BDC9FD1C3A}</a:tableStyleId>
-              </a:tblPr>
-              <a:tblGrid>
-                <a:gridCol w="5485765">
-                  <a:extLst>
-                    <a:ext uri="{9D8B030D-6E8A-4147-A177-3AD203B41FA5}">
-                      <a16:colId xmlns:a16="http://schemas.microsoft.com/office/drawing/2014/main" val="20000"/>
-                    </a:ext>
-                  </a:extLst>
-                </a:gridCol>
-              </a:tblGrid>
-              <a:tr h="936130">
-                <a:tc>
-                  <a:txBody>
-                    <a:bodyPr/>
-                    <a:lstStyle/>
-                    <a:p>
-                      <a:pPr algn="l">
-                        <a:spcAft>
-                          <a:spcPts val="0"/>
-                        </a:spcAft>
-                      </a:pPr>
-                      <a:r>
-                        <a:rPr lang="en-US" sz="1050" kern="100" dirty="0" smtClean="0">
-                          <a:effectLst/>
-                        </a:rPr>
-                        <a:t>“ITA</a:t>
-                      </a:r>
-                      <a:r>
-                        <a:rPr lang="ja-JP" sz="1050" kern="100" dirty="0" smtClean="0">
-                          <a:effectLst/>
-                        </a:rPr>
-                        <a:t>実装</a:t>
-                      </a:r>
-                      <a:r>
-                        <a:rPr lang="ja-JP" sz="1050" kern="100" dirty="0">
-                          <a:effectLst/>
-                        </a:rPr>
-                        <a:t>サーバの</a:t>
-                      </a:r>
-                      <a:r>
-                        <a:rPr lang="en-US" sz="1050" kern="100" dirty="0">
-                          <a:effectLst/>
-                        </a:rPr>
-                        <a:t>IP</a:t>
-                      </a:r>
-                      <a:r>
-                        <a:rPr lang="ja-JP" sz="1050" kern="100" dirty="0">
-                          <a:effectLst/>
-                        </a:rPr>
-                        <a:t>アドレス</a:t>
-                      </a:r>
-                      <a:r>
-                        <a:rPr lang="en-US" sz="1050" kern="100" dirty="0">
-                          <a:effectLst/>
-                        </a:rPr>
-                        <a:t>”</a:t>
-                      </a:r>
-                      <a:r>
-                        <a:rPr lang="ja-JP" sz="1050" kern="100" dirty="0">
-                          <a:effectLst/>
-                        </a:rPr>
-                        <a:t>　</a:t>
-                      </a:r>
-                      <a:r>
-                        <a:rPr lang="ja-JP" sz="1050" kern="0" dirty="0">
-                          <a:effectLst/>
-                        </a:rPr>
-                        <a:t> </a:t>
-                      </a:r>
-                      <a:r>
-                        <a:rPr lang="en-US" altLang="ja-JP" sz="1050" kern="0" dirty="0" smtClean="0">
-                          <a:effectLst/>
-                        </a:rPr>
-                        <a:t>exastro</a:t>
-                      </a:r>
-                      <a:r>
-                        <a:rPr lang="en-US" sz="1050" kern="0" dirty="0" smtClean="0">
-                          <a:effectLst/>
-                        </a:rPr>
-                        <a:t>-it-automation</a:t>
-                      </a:r>
-                      <a:r>
-                        <a:rPr lang="en-US" sz="1050" kern="0" dirty="0">
-                          <a:effectLst/>
-                        </a:rPr>
-                        <a:t/>
-                      </a:r>
-                      <a:br>
-                        <a:rPr lang="en-US" sz="1050" kern="0" dirty="0">
-                          <a:effectLst/>
-                        </a:rPr>
-                      </a:br>
-                      <a:r>
-                        <a:rPr lang="en-US" sz="1050" kern="0" dirty="0" smtClean="0">
-                          <a:effectLst/>
-                        </a:rPr>
-                        <a:t/>
-                      </a:r>
-                      <a:br>
-                        <a:rPr lang="en-US" sz="1050" kern="0" dirty="0" smtClean="0">
-                          <a:effectLst/>
-                        </a:rPr>
-                      </a:br>
-                      <a:r>
-                        <a:rPr lang="ja-JP" sz="1050" kern="0" dirty="0" smtClean="0">
-                          <a:effectLst/>
-                        </a:rPr>
-                        <a:t>例</a:t>
-                      </a:r>
-                      <a:r>
-                        <a:rPr lang="ja-JP" altLang="en-US" sz="1050" kern="0" dirty="0" smtClean="0">
-                          <a:effectLst/>
-                        </a:rPr>
-                        <a:t>）</a:t>
-                      </a:r>
-                      <a:r>
-                        <a:rPr lang="en-US" sz="1050" kern="0" dirty="0" smtClean="0">
-                          <a:effectLst/>
-                        </a:rPr>
-                        <a:t/>
-                      </a:r>
-                      <a:br>
-                        <a:rPr lang="en-US" sz="1050" kern="0" dirty="0" smtClean="0">
-                          <a:effectLst/>
-                        </a:rPr>
-                      </a:br>
-                      <a:r>
-                        <a:rPr lang="en-US" sz="1050" kern="0" dirty="0" smtClean="0">
-                          <a:effectLst/>
-                        </a:rPr>
-                        <a:t>192.168.0.3 </a:t>
-                      </a:r>
-                      <a:r>
-                        <a:rPr lang="ja-JP" sz="1050" kern="0" dirty="0">
-                          <a:effectLst/>
-                        </a:rPr>
-                        <a:t>　</a:t>
-                      </a:r>
-                      <a:r>
-                        <a:rPr lang="en-US" altLang="ja-JP" sz="1050" kern="0" dirty="0" smtClean="0">
-                          <a:effectLst/>
-                        </a:rPr>
-                        <a:t>e</a:t>
-                      </a:r>
-                      <a:r>
-                        <a:rPr lang="en-US" sz="1050" kern="0" dirty="0" smtClean="0">
-                          <a:effectLst/>
-                        </a:rPr>
-                        <a:t>xastro-it-automation</a:t>
-                      </a:r>
-                      <a:endParaRPr lang="ja-JP" sz="1050" kern="100" dirty="0">
-                        <a:effectLst/>
-                        <a:latin typeface="Century" panose="02040604050505020304" pitchFamily="18" charset="0"/>
-                        <a:ea typeface="ＭＳ 明朝" panose="02020609040205080304" pitchFamily="17" charset="-128"/>
-                        <a:cs typeface="Times New Roman" panose="02020603050405020304" pitchFamily="18" charset="0"/>
-                      </a:endParaRPr>
-                    </a:p>
-                  </a:txBody>
-                  <a:tcPr marL="68580" marR="68580" marT="0" marB="0" anchor="ctr">
-                    <a:solidFill>
-                      <a:srgbClr val="002B62"/>
-                    </a:solidFill>
-                  </a:tcPr>
-                </a:tc>
-                <a:extLst>
-                  <a:ext uri="{0D108BD9-81ED-4DB2-BD59-A6C34878D82A}">
-                    <a16:rowId xmlns:a16="http://schemas.microsoft.com/office/drawing/2014/main" val="10000"/>
-                  </a:ext>
-                </a:extLst>
-              </a:tr>
-            </a:tbl>
-          </a:graphicData>
-        </a:graphic>
-      </p:graphicFrame>
     </p:spTree>
     <p:extLst>
       <p:ext uri="{BB962C8B-B14F-4D97-AF65-F5344CB8AC3E}">
-        <p14:creationId xmlns:p14="http://schemas.microsoft.com/office/powerpoint/2010/main" val="4091577267"/>
+        <p14:creationId xmlns:p14="http://schemas.microsoft.com/office/powerpoint/2010/main" val="2048643760"/>
       </p:ext>
     </p:extLst>
   </p:cSld>
@@ -23923,1534 +23991,6 @@
 </file>
 
 <file path=ppt/slides/slide22.xml><?xml version="1.0" encoding="utf-8"?>
-<p:sld xmlns:a="http://schemas.openxmlformats.org/drawingml/2006/main" xmlns:r="http://schemas.openxmlformats.org/officeDocument/2006/relationships" xmlns:p="http://schemas.openxmlformats.org/presentationml/2006/main">
-  <p:cSld>
-    <p:spTree>
-      <p:nvGrpSpPr>
-        <p:cNvPr id="1" name=""/>
-        <p:cNvGrpSpPr/>
-        <p:nvPr/>
-      </p:nvGrpSpPr>
-      <p:grpSpPr>
-        <a:xfrm>
-          <a:off x="0" y="0"/>
-          <a:ext cx="0" cy="0"/>
-          <a:chOff x="0" y="0"/>
-          <a:chExt cx="0" cy="0"/>
-        </a:xfrm>
-      </p:grpSpPr>
-      <p:sp>
-        <p:nvSpPr>
-          <p:cNvPr id="2" name="タイトル 1"/>
-          <p:cNvSpPr>
-            <a:spLocks noGrp="1"/>
-          </p:cNvSpPr>
-          <p:nvPr>
-            <p:ph type="title"/>
-          </p:nvPr>
-        </p:nvSpPr>
-        <p:spPr/>
-        <p:txBody>
-          <a:bodyPr/>
-          <a:lstStyle/>
-          <a:p>
-            <a:r>
-              <a:rPr lang="en-US" altLang="ja-JP" dirty="0" smtClean="0">
-                <a:latin typeface="Segoe UI" panose="020B0502040204020203" pitchFamily="34" charset="0"/>
-                <a:ea typeface="Segoe UI" panose="020B0502040204020203" pitchFamily="34" charset="0"/>
-                <a:cs typeface="Segoe UI" panose="020B0502040204020203" pitchFamily="34" charset="0"/>
-              </a:rPr>
-              <a:t>4.2	Operation Check (2/5)</a:t>
-            </a:r>
-            <a:endParaRPr kumimoji="1" lang="ja-JP" altLang="en-US" dirty="0">
-              <a:latin typeface="Segoe UI" panose="020B0502040204020203" pitchFamily="34" charset="0"/>
-              <a:cs typeface="Segoe UI" panose="020B0502040204020203" pitchFamily="34" charset="0"/>
-            </a:endParaRPr>
-          </a:p>
-        </p:txBody>
-      </p:sp>
-      <p:sp>
-        <p:nvSpPr>
-          <p:cNvPr id="3" name="コンテンツ プレースホルダー 2"/>
-          <p:cNvSpPr>
-            <a:spLocks noGrp="1"/>
-          </p:cNvSpPr>
-          <p:nvPr>
-            <p:ph sz="quarter" idx="10"/>
-          </p:nvPr>
-        </p:nvSpPr>
-        <p:spPr/>
-        <p:txBody>
-          <a:bodyPr>
-            <a:normAutofit fontScale="92500" lnSpcReduction="20000"/>
-          </a:bodyPr>
-          <a:lstStyle/>
-          <a:p>
-            <a:r>
-              <a:rPr lang="en-US" altLang="ja-JP" dirty="0" smtClean="0">
-                <a:latin typeface="Segoe UI" panose="020B0502040204020203" pitchFamily="34" charset="0"/>
-                <a:ea typeface="Segoe UI" panose="020B0502040204020203" pitchFamily="34" charset="0"/>
-                <a:cs typeface="Segoe UI" panose="020B0502040204020203" pitchFamily="34" charset="0"/>
-              </a:rPr>
-              <a:t>Importing the certificate to the Windows client</a:t>
-            </a:r>
-          </a:p>
-          <a:p>
-            <a:pPr lvl="1"/>
-            <a:r>
-              <a:rPr lang="en-US" altLang="ja-JP" dirty="0" smtClean="0">
-                <a:latin typeface="Segoe UI" panose="020B0502040204020203" pitchFamily="34" charset="0"/>
-                <a:ea typeface="Segoe UI" panose="020B0502040204020203" pitchFamily="34" charset="0"/>
-                <a:cs typeface="Segoe UI" panose="020B0502040204020203" pitchFamily="34" charset="0"/>
-              </a:rPr>
-              <a:t>The certificate is stored in the following directory of the </a:t>
-            </a:r>
-            <a:r>
-              <a:rPr lang="en-US" altLang="ja-JP" dirty="0" smtClean="0">
-                <a:solidFill>
-                  <a:srgbClr val="000000"/>
-                </a:solidFill>
-                <a:latin typeface="Segoe UI" panose="020B0502040204020203" pitchFamily="34" charset="0"/>
-                <a:ea typeface="Segoe UI" panose="020B0502040204020203" pitchFamily="34" charset="0"/>
-                <a:cs typeface="Segoe UI" panose="020B0502040204020203" pitchFamily="34" charset="0"/>
-              </a:rPr>
-              <a:t>IT Automation installation package.</a:t>
-            </a:r>
-            <a:endParaRPr lang="ja-JP" altLang="ja-JP" dirty="0">
-              <a:solidFill>
-                <a:srgbClr val="000000"/>
-              </a:solidFill>
-              <a:latin typeface="Segoe UI" panose="020B0502040204020203" pitchFamily="34" charset="0"/>
-              <a:cs typeface="Segoe UI" panose="020B0502040204020203" pitchFamily="34" charset="0"/>
-            </a:endParaRPr>
-          </a:p>
-          <a:p>
-            <a:pPr lvl="1"/>
-            <a:r>
-              <a:rPr lang="en-US" altLang="ja-JP" dirty="0" smtClean="0">
-                <a:latin typeface="Segoe UI" panose="020B0502040204020203" pitchFamily="34" charset="0"/>
-                <a:ea typeface="Segoe UI" panose="020B0502040204020203" pitchFamily="34" charset="0"/>
-                <a:cs typeface="Segoe UI" panose="020B0502040204020203" pitchFamily="34" charset="0"/>
-              </a:rPr>
-              <a:t>Use a tool (such as FFFTP and WinSCP) to download the client.</a:t>
-            </a:r>
-            <a:endParaRPr lang="ja-JP" altLang="ja-JP" dirty="0">
-              <a:latin typeface="Segoe UI" panose="020B0502040204020203" pitchFamily="34" charset="0"/>
-              <a:cs typeface="Segoe UI" panose="020B0502040204020203" pitchFamily="34" charset="0"/>
-            </a:endParaRPr>
-          </a:p>
-          <a:p>
-            <a:pPr marL="180000" lvl="1" indent="0">
-              <a:buNone/>
-            </a:pPr>
-            <a:endParaRPr lang="en-US" altLang="ja-JP" dirty="0" smtClean="0">
-              <a:latin typeface="Segoe UI" panose="020B0502040204020203" pitchFamily="34" charset="0"/>
-              <a:ea typeface="Segoe UI" panose="020B0502040204020203" pitchFamily="34" charset="0"/>
-              <a:cs typeface="Segoe UI" panose="020B0502040204020203" pitchFamily="34" charset="0"/>
-            </a:endParaRPr>
-          </a:p>
-          <a:p>
-            <a:pPr marL="180000" lvl="1" indent="0">
-              <a:buNone/>
-            </a:pPr>
-            <a:endParaRPr lang="en-US" altLang="ja-JP" dirty="0">
-              <a:latin typeface="Segoe UI" panose="020B0502040204020203" pitchFamily="34" charset="0"/>
-              <a:ea typeface="Segoe UI" panose="020B0502040204020203" pitchFamily="34" charset="0"/>
-              <a:cs typeface="Segoe UI" panose="020B0502040204020203" pitchFamily="34" charset="0"/>
-            </a:endParaRPr>
-          </a:p>
-          <a:p>
-            <a:pPr marL="180000" lvl="1" indent="0">
-              <a:buNone/>
-            </a:pPr>
-            <a:endParaRPr lang="en-US" altLang="ja-JP" dirty="0" smtClean="0">
-              <a:latin typeface="Segoe UI" panose="020B0502040204020203" pitchFamily="34" charset="0"/>
-              <a:ea typeface="Segoe UI" panose="020B0502040204020203" pitchFamily="34" charset="0"/>
-              <a:cs typeface="Segoe UI" panose="020B0502040204020203" pitchFamily="34" charset="0"/>
-            </a:endParaRPr>
-          </a:p>
-          <a:p>
-            <a:pPr marL="180000" lvl="1" indent="0">
-              <a:buNone/>
-            </a:pPr>
-            <a:endParaRPr lang="en-US" altLang="ja-JP" dirty="0" smtClean="0">
-              <a:latin typeface="Segoe UI" panose="020B0502040204020203" pitchFamily="34" charset="0"/>
-              <a:ea typeface="Segoe UI" panose="020B0502040204020203" pitchFamily="34" charset="0"/>
-              <a:cs typeface="Segoe UI" panose="020B0502040204020203" pitchFamily="34" charset="0"/>
-            </a:endParaRPr>
-          </a:p>
-          <a:p>
-            <a:pPr marL="180000" lvl="1" indent="0">
-              <a:buNone/>
-            </a:pPr>
-            <a:endParaRPr lang="en-US" altLang="ja-JP" dirty="0">
-              <a:latin typeface="Segoe UI" panose="020B0502040204020203" pitchFamily="34" charset="0"/>
-              <a:ea typeface="Segoe UI" panose="020B0502040204020203" pitchFamily="34" charset="0"/>
-              <a:cs typeface="Segoe UI" panose="020B0502040204020203" pitchFamily="34" charset="0"/>
-            </a:endParaRPr>
-          </a:p>
-          <a:p>
-            <a:pPr lvl="1"/>
-            <a:r>
-              <a:rPr lang="en-US" altLang="ja-JP" dirty="0" smtClean="0">
-                <a:latin typeface="Segoe UI" panose="020B0502040204020203" pitchFamily="34" charset="0"/>
-                <a:ea typeface="Segoe UI" panose="020B0502040204020203" pitchFamily="34" charset="0"/>
-                <a:cs typeface="Segoe UI" panose="020B0502040204020203" pitchFamily="34" charset="0"/>
-              </a:rPr>
-              <a:t>Import the certificate to a Web browser.</a:t>
-            </a:r>
-            <a:endParaRPr lang="ja-JP" altLang="ja-JP" dirty="0">
-              <a:latin typeface="Segoe UI" panose="020B0502040204020203" pitchFamily="34" charset="0"/>
-              <a:cs typeface="Segoe UI" panose="020B0502040204020203" pitchFamily="34" charset="0"/>
-            </a:endParaRPr>
-          </a:p>
-          <a:p>
-            <a:pPr lvl="1"/>
-            <a:r>
-              <a:rPr lang="en-US" altLang="ja-JP" dirty="0" smtClean="0">
-                <a:latin typeface="Segoe UI" panose="020B0502040204020203" pitchFamily="34" charset="0"/>
-                <a:ea typeface="Segoe UI" panose="020B0502040204020203" pitchFamily="34" charset="0"/>
-                <a:cs typeface="Segoe UI" panose="020B0502040204020203" pitchFamily="34" charset="0"/>
-              </a:rPr>
-              <a:t>For </a:t>
-            </a:r>
-            <a:r>
-              <a:rPr lang="en-US" altLang="ja-JP" dirty="0" smtClean="0">
-                <a:ea typeface="Segoe UI" panose="020B0502040204020203" pitchFamily="34" charset="0"/>
-              </a:rPr>
-              <a:t>Google Chrome</a:t>
-            </a:r>
-            <a:r>
-              <a:rPr lang="en-US" altLang="ja-JP" dirty="0" smtClean="0">
-                <a:latin typeface="Segoe UI" panose="020B0502040204020203" pitchFamily="34" charset="0"/>
-                <a:ea typeface="Segoe UI" panose="020B0502040204020203" pitchFamily="34" charset="0"/>
-                <a:cs typeface="Segoe UI" panose="020B0502040204020203" pitchFamily="34" charset="0"/>
-              </a:rPr>
-              <a:t>, import the certificate as follows.</a:t>
-            </a:r>
-          </a:p>
-          <a:p>
-            <a:pPr lvl="1"/>
-            <a:endParaRPr lang="ja-JP" altLang="ja-JP" dirty="0">
-              <a:latin typeface="Segoe UI" panose="020B0502040204020203" pitchFamily="34" charset="0"/>
-              <a:cs typeface="Segoe UI" panose="020B0502040204020203" pitchFamily="34" charset="0"/>
-            </a:endParaRPr>
-          </a:p>
-          <a:p>
-            <a:pPr marL="700088" lvl="1" indent="-342900">
-              <a:buFont typeface="+mj-lt"/>
-              <a:buAutoNum type="arabicPeriod"/>
-            </a:pPr>
-            <a:r>
-              <a:rPr lang="en-US" altLang="ja-JP" dirty="0" smtClean="0">
-                <a:latin typeface="Segoe UI" panose="020B0502040204020203" pitchFamily="34" charset="0"/>
-                <a:ea typeface="Segoe UI" panose="020B0502040204020203" pitchFamily="34" charset="0"/>
-                <a:cs typeface="Segoe UI" panose="020B0502040204020203" pitchFamily="34" charset="0"/>
-              </a:rPr>
-              <a:t>Start </a:t>
-            </a:r>
-            <a:r>
-              <a:rPr lang="en-US" altLang="ja-JP" dirty="0">
-                <a:latin typeface="Segoe UI" panose="020B0502040204020203" pitchFamily="34" charset="0"/>
-                <a:ea typeface="Segoe UI" panose="020B0502040204020203" pitchFamily="34" charset="0"/>
-                <a:cs typeface="Segoe UI" panose="020B0502040204020203" pitchFamily="34" charset="0"/>
-              </a:rPr>
-              <a:t>up </a:t>
-            </a:r>
-            <a:r>
-              <a:rPr lang="en-US" altLang="ja-JP" dirty="0" smtClean="0">
-                <a:ea typeface="Segoe UI" panose="020B0502040204020203" pitchFamily="34" charset="0"/>
-              </a:rPr>
-              <a:t>Google Chrome</a:t>
-            </a:r>
-            <a:r>
-              <a:rPr lang="en-US" altLang="ja-JP" dirty="0" smtClean="0">
-                <a:latin typeface="Segoe UI" panose="020B0502040204020203" pitchFamily="34" charset="0"/>
-                <a:ea typeface="Segoe UI" panose="020B0502040204020203" pitchFamily="34" charset="0"/>
-                <a:cs typeface="Segoe UI" panose="020B0502040204020203" pitchFamily="34" charset="0"/>
-              </a:rPr>
-              <a:t>. Then select </a:t>
-            </a:r>
-            <a:r>
-              <a:rPr lang="en-US" altLang="ja-JP" b="1" dirty="0">
-                <a:ea typeface="Segoe UI" panose="020B0502040204020203" pitchFamily="34" charset="0"/>
-              </a:rPr>
-              <a:t>Settings button </a:t>
-            </a:r>
-            <a:r>
-              <a:rPr lang="en-US" altLang="ja-JP" dirty="0" smtClean="0">
-                <a:ea typeface="Segoe UI" panose="020B0502040204020203" pitchFamily="34" charset="0"/>
-              </a:rPr>
-              <a:t>in the upper right </a:t>
-            </a:r>
-            <a:r>
-              <a:rPr lang="en-US" altLang="ja-JP" dirty="0" smtClean="0">
-                <a:latin typeface="Segoe UI" panose="020B0502040204020203" pitchFamily="34" charset="0"/>
-                <a:ea typeface="Segoe UI" panose="020B0502040204020203" pitchFamily="34" charset="0"/>
-                <a:cs typeface="Segoe UI" panose="020B0502040204020203" pitchFamily="34" charset="0"/>
-              </a:rPr>
-              <a:t>&gt; </a:t>
-            </a:r>
-            <a:r>
-              <a:rPr lang="en-US" altLang="ja-JP" b="1" dirty="0" smtClean="0">
-                <a:latin typeface="Segoe UI" panose="020B0502040204020203" pitchFamily="34" charset="0"/>
-                <a:ea typeface="Segoe UI" panose="020B0502040204020203" pitchFamily="34" charset="0"/>
-                <a:cs typeface="Segoe UI" panose="020B0502040204020203" pitchFamily="34" charset="0"/>
-              </a:rPr>
-              <a:t>settings</a:t>
-            </a:r>
-            <a:r>
-              <a:rPr lang="en-US" altLang="ja-JP" dirty="0" smtClean="0">
-                <a:latin typeface="Segoe UI" panose="020B0502040204020203" pitchFamily="34" charset="0"/>
-                <a:ea typeface="Segoe UI" panose="020B0502040204020203" pitchFamily="34" charset="0"/>
-                <a:cs typeface="Segoe UI" panose="020B0502040204020203" pitchFamily="34" charset="0"/>
-              </a:rPr>
-              <a:t>.</a:t>
-            </a:r>
-            <a:endParaRPr lang="ja-JP" altLang="ja-JP" dirty="0">
-              <a:latin typeface="Segoe UI" panose="020B0502040204020203" pitchFamily="34" charset="0"/>
-              <a:cs typeface="Segoe UI" panose="020B0502040204020203" pitchFamily="34" charset="0"/>
-            </a:endParaRPr>
-          </a:p>
-          <a:p>
-            <a:pPr marL="700088" lvl="1" indent="-342900">
-              <a:buFont typeface="+mj-lt"/>
-              <a:buAutoNum type="arabicPeriod"/>
-            </a:pPr>
-            <a:r>
-              <a:rPr lang="en-US" altLang="ja-JP" dirty="0" smtClean="0">
-                <a:ea typeface="Segoe UI" panose="020B0502040204020203" pitchFamily="34" charset="0"/>
-              </a:rPr>
-              <a:t>Select </a:t>
-            </a:r>
-            <a:r>
-              <a:rPr lang="en-US" altLang="ja-JP" b="1" dirty="0" smtClean="0">
-                <a:ea typeface="Segoe UI" panose="020B0502040204020203" pitchFamily="34" charset="0"/>
-              </a:rPr>
-              <a:t>Advanced </a:t>
-            </a:r>
-            <a:r>
-              <a:rPr lang="en-US" altLang="ja-JP" dirty="0" smtClean="0">
-                <a:ea typeface="Segoe UI" panose="020B0502040204020203" pitchFamily="34" charset="0"/>
-              </a:rPr>
-              <a:t>in </a:t>
-            </a:r>
-            <a:r>
-              <a:rPr lang="en-US" altLang="ja-JP" dirty="0">
-                <a:ea typeface="Segoe UI" panose="020B0502040204020203" pitchFamily="34" charset="0"/>
-              </a:rPr>
-              <a:t>the Lower part of browser</a:t>
-            </a:r>
-            <a:r>
-              <a:rPr lang="en-US" altLang="ja-JP" dirty="0" smtClean="0">
-                <a:ea typeface="Segoe UI" panose="020B0502040204020203" pitchFamily="34" charset="0"/>
-              </a:rPr>
-              <a:t> &gt; </a:t>
-            </a:r>
-            <a:r>
-              <a:rPr lang="en-US" altLang="ja-JP" b="1" dirty="0" smtClean="0">
-                <a:ea typeface="Segoe UI" panose="020B0502040204020203" pitchFamily="34" charset="0"/>
-              </a:rPr>
-              <a:t>Manage certificates</a:t>
-            </a:r>
-            <a:r>
-              <a:rPr lang="en-US" altLang="ja-JP" dirty="0" smtClean="0">
-                <a:ea typeface="Segoe UI" panose="020B0502040204020203" pitchFamily="34" charset="0"/>
-              </a:rPr>
-              <a:t>.</a:t>
-            </a:r>
-            <a:endParaRPr lang="ja-JP" altLang="ja-JP" dirty="0">
-              <a:latin typeface="Segoe UI" panose="020B0502040204020203" pitchFamily="34" charset="0"/>
-              <a:cs typeface="Segoe UI" panose="020B0502040204020203" pitchFamily="34" charset="0"/>
-            </a:endParaRPr>
-          </a:p>
-          <a:p>
-            <a:pPr marL="700088" lvl="1" indent="-342900">
-              <a:buFont typeface="+mj-lt"/>
-              <a:buAutoNum type="arabicPeriod"/>
-            </a:pPr>
-            <a:r>
-              <a:rPr lang="en-US" altLang="ja-JP" dirty="0" smtClean="0">
-                <a:ea typeface="Segoe UI" panose="020B0502040204020203" pitchFamily="34" charset="0"/>
-              </a:rPr>
-              <a:t>In </a:t>
-            </a:r>
-            <a:r>
-              <a:rPr lang="en-US" altLang="ja-JP" dirty="0">
-                <a:ea typeface="Segoe UI" panose="020B0502040204020203" pitchFamily="34" charset="0"/>
-              </a:rPr>
-              <a:t>the </a:t>
-            </a:r>
-            <a:r>
-              <a:rPr lang="en-US" altLang="ja-JP" b="1" dirty="0">
-                <a:ea typeface="Segoe UI" panose="020B0502040204020203" pitchFamily="34" charset="0"/>
-              </a:rPr>
-              <a:t>Trusted Root Certification Authorities</a:t>
-            </a:r>
-            <a:r>
-              <a:rPr lang="en-US" altLang="ja-JP" dirty="0">
-                <a:ea typeface="Segoe UI" panose="020B0502040204020203" pitchFamily="34" charset="0"/>
-              </a:rPr>
-              <a:t> tab </a:t>
-            </a:r>
-            <a:r>
-              <a:rPr lang="en-US" altLang="ja-JP" dirty="0" smtClean="0">
-                <a:latin typeface="Segoe UI" panose="020B0502040204020203" pitchFamily="34" charset="0"/>
-                <a:ea typeface="Segoe UI" panose="020B0502040204020203" pitchFamily="34" charset="0"/>
-                <a:cs typeface="Segoe UI" panose="020B0502040204020203" pitchFamily="34" charset="0"/>
-              </a:rPr>
-              <a:t>click the </a:t>
-            </a:r>
-            <a:r>
-              <a:rPr lang="en-US" altLang="ja-JP" b="1" dirty="0" smtClean="0">
-                <a:latin typeface="Segoe UI" panose="020B0502040204020203" pitchFamily="34" charset="0"/>
-                <a:ea typeface="Segoe UI" panose="020B0502040204020203" pitchFamily="34" charset="0"/>
-                <a:cs typeface="Segoe UI" panose="020B0502040204020203" pitchFamily="34" charset="0"/>
-              </a:rPr>
-              <a:t>Import</a:t>
-            </a:r>
-            <a:r>
-              <a:rPr lang="en-US" altLang="ja-JP" dirty="0" smtClean="0">
-                <a:latin typeface="Segoe UI" panose="020B0502040204020203" pitchFamily="34" charset="0"/>
-                <a:ea typeface="Segoe UI" panose="020B0502040204020203" pitchFamily="34" charset="0"/>
-                <a:cs typeface="Segoe UI" panose="020B0502040204020203" pitchFamily="34" charset="0"/>
-              </a:rPr>
-              <a:t> button in the lower left.</a:t>
-            </a:r>
-            <a:endParaRPr lang="ja-JP" altLang="ja-JP" dirty="0">
-              <a:latin typeface="Segoe UI" panose="020B0502040204020203" pitchFamily="34" charset="0"/>
-              <a:cs typeface="Segoe UI" panose="020B0502040204020203" pitchFamily="34" charset="0"/>
-            </a:endParaRPr>
-          </a:p>
-          <a:p>
-            <a:pPr marL="700088" lvl="1" indent="-342900">
-              <a:buFont typeface="+mj-lt"/>
-              <a:buAutoNum type="arabicPeriod"/>
-            </a:pPr>
-            <a:r>
-              <a:rPr lang="en-US" altLang="ja-JP" dirty="0" smtClean="0">
-                <a:latin typeface="Segoe UI" panose="020B0502040204020203" pitchFamily="34" charset="0"/>
-                <a:ea typeface="Segoe UI" panose="020B0502040204020203" pitchFamily="34" charset="0"/>
-                <a:cs typeface="Segoe UI" panose="020B0502040204020203" pitchFamily="34" charset="0"/>
-              </a:rPr>
-              <a:t>When the certificate import wizard appears, click </a:t>
-            </a:r>
-            <a:r>
-              <a:rPr lang="en-US" altLang="ja-JP" b="1" dirty="0" smtClean="0">
-                <a:latin typeface="Segoe UI" panose="020B0502040204020203" pitchFamily="34" charset="0"/>
-                <a:ea typeface="Segoe UI" panose="020B0502040204020203" pitchFamily="34" charset="0"/>
-                <a:cs typeface="Segoe UI" panose="020B0502040204020203" pitchFamily="34" charset="0"/>
-              </a:rPr>
-              <a:t>Next</a:t>
-            </a:r>
-            <a:r>
-              <a:rPr lang="en-US" altLang="ja-JP" dirty="0" smtClean="0">
-                <a:latin typeface="Segoe UI" panose="020B0502040204020203" pitchFamily="34" charset="0"/>
-                <a:ea typeface="Segoe UI" panose="020B0502040204020203" pitchFamily="34" charset="0"/>
-                <a:cs typeface="Segoe UI" panose="020B0502040204020203" pitchFamily="34" charset="0"/>
-              </a:rPr>
-              <a:t>.</a:t>
-            </a:r>
-            <a:endParaRPr lang="ja-JP" altLang="ja-JP" dirty="0">
-              <a:latin typeface="Segoe UI" panose="020B0502040204020203" pitchFamily="34" charset="0"/>
-              <a:cs typeface="Segoe UI" panose="020B0502040204020203" pitchFamily="34" charset="0"/>
-            </a:endParaRPr>
-          </a:p>
-          <a:p>
-            <a:pPr marL="700088" lvl="1" indent="-342900">
-              <a:buFont typeface="+mj-lt"/>
-              <a:buAutoNum type="arabicPeriod"/>
-            </a:pPr>
-            <a:r>
-              <a:rPr lang="en-US" altLang="ja-JP" dirty="0" smtClean="0">
-                <a:latin typeface="Segoe UI" panose="020B0502040204020203" pitchFamily="34" charset="0"/>
-                <a:ea typeface="Segoe UI" panose="020B0502040204020203" pitchFamily="34" charset="0"/>
-                <a:cs typeface="Segoe UI" panose="020B0502040204020203" pitchFamily="34" charset="0"/>
-              </a:rPr>
-              <a:t>Specify the name of the file to be imported. </a:t>
-            </a:r>
-            <a:r>
-              <a:rPr lang="en-US" altLang="ja-JP" dirty="0">
-                <a:latin typeface="Segoe UI" panose="020B0502040204020203" pitchFamily="34" charset="0"/>
-                <a:ea typeface="Segoe UI" panose="020B0502040204020203" pitchFamily="34" charset="0"/>
-                <a:cs typeface="Segoe UI" panose="020B0502040204020203" pitchFamily="34" charset="0"/>
-              </a:rPr>
-              <a:t>Then click </a:t>
-            </a:r>
-            <a:r>
-              <a:rPr lang="en-US" altLang="ja-JP" b="1" dirty="0">
-                <a:latin typeface="Segoe UI" panose="020B0502040204020203" pitchFamily="34" charset="0"/>
-                <a:ea typeface="Segoe UI" panose="020B0502040204020203" pitchFamily="34" charset="0"/>
-                <a:cs typeface="Segoe UI" panose="020B0502040204020203" pitchFamily="34" charset="0"/>
-              </a:rPr>
-              <a:t>Next</a:t>
-            </a:r>
-            <a:r>
-              <a:rPr lang="en-US" altLang="ja-JP" dirty="0" smtClean="0">
-                <a:latin typeface="Segoe UI" panose="020B0502040204020203" pitchFamily="34" charset="0"/>
-                <a:ea typeface="Segoe UI" panose="020B0502040204020203" pitchFamily="34" charset="0"/>
-                <a:cs typeface="Segoe UI" panose="020B0502040204020203" pitchFamily="34" charset="0"/>
-              </a:rPr>
-              <a:t>.</a:t>
-            </a:r>
-            <a:endParaRPr lang="ja-JP" altLang="ja-JP" dirty="0">
-              <a:latin typeface="Segoe UI" panose="020B0502040204020203" pitchFamily="34" charset="0"/>
-              <a:cs typeface="Segoe UI" panose="020B0502040204020203" pitchFamily="34" charset="0"/>
-            </a:endParaRPr>
-          </a:p>
-          <a:p>
-            <a:pPr marL="700088" lvl="1" indent="-342900">
-              <a:buFont typeface="+mj-lt"/>
-              <a:buAutoNum type="arabicPeriod"/>
-            </a:pPr>
-            <a:r>
-              <a:rPr lang="en-US" altLang="ja-JP" dirty="0" smtClean="0">
-                <a:latin typeface="Segoe UI" panose="020B0502040204020203" pitchFamily="34" charset="0"/>
-                <a:ea typeface="Segoe UI" panose="020B0502040204020203" pitchFamily="34" charset="0"/>
-                <a:cs typeface="Segoe UI" panose="020B0502040204020203" pitchFamily="34" charset="0"/>
-              </a:rPr>
-              <a:t>Make sure that the </a:t>
-            </a:r>
-            <a:r>
-              <a:rPr lang="en-US" altLang="ja-JP" b="1" dirty="0" smtClean="0">
-                <a:latin typeface="Segoe UI" panose="020B0502040204020203" pitchFamily="34" charset="0"/>
-                <a:ea typeface="Segoe UI" panose="020B0502040204020203" pitchFamily="34" charset="0"/>
-                <a:cs typeface="Segoe UI" panose="020B0502040204020203" pitchFamily="34" charset="0"/>
-              </a:rPr>
-              <a:t>Place </a:t>
-            </a:r>
-            <a:r>
-              <a:rPr lang="en-US" altLang="ja-JP" b="1" dirty="0">
-                <a:latin typeface="Segoe UI" panose="020B0502040204020203" pitchFamily="34" charset="0"/>
-                <a:ea typeface="Segoe UI" panose="020B0502040204020203" pitchFamily="34" charset="0"/>
-                <a:cs typeface="Segoe UI" panose="020B0502040204020203" pitchFamily="34" charset="0"/>
-              </a:rPr>
-              <a:t>all certificates in the following </a:t>
-            </a:r>
-            <a:r>
-              <a:rPr lang="en-US" altLang="ja-JP" b="1" dirty="0" smtClean="0">
-                <a:latin typeface="Segoe UI" panose="020B0502040204020203" pitchFamily="34" charset="0"/>
-                <a:ea typeface="Segoe UI" panose="020B0502040204020203" pitchFamily="34" charset="0"/>
-                <a:cs typeface="Segoe UI" panose="020B0502040204020203" pitchFamily="34" charset="0"/>
-              </a:rPr>
-              <a:t>store</a:t>
-            </a:r>
-            <a:r>
-              <a:rPr lang="en-US" altLang="ja-JP" dirty="0" smtClean="0">
-                <a:latin typeface="Segoe UI" panose="020B0502040204020203" pitchFamily="34" charset="0"/>
-                <a:ea typeface="Segoe UI" panose="020B0502040204020203" pitchFamily="34" charset="0"/>
-                <a:cs typeface="Segoe UI" panose="020B0502040204020203" pitchFamily="34" charset="0"/>
-              </a:rPr>
-              <a:t> option is selected.</a:t>
-            </a:r>
-            <a:endParaRPr lang="ja-JP" altLang="ja-JP" dirty="0">
-              <a:latin typeface="Segoe UI" panose="020B0502040204020203" pitchFamily="34" charset="0"/>
-              <a:cs typeface="Segoe UI" panose="020B0502040204020203" pitchFamily="34" charset="0"/>
-            </a:endParaRPr>
-          </a:p>
-          <a:p>
-            <a:pPr marL="700088" lvl="1" indent="-342900">
-              <a:buFont typeface="+mj-lt"/>
-              <a:buAutoNum type="arabicPeriod"/>
-            </a:pPr>
-            <a:r>
-              <a:rPr lang="en-US" altLang="ja-JP" dirty="0" smtClean="0">
-                <a:solidFill>
-                  <a:srgbClr val="000000"/>
-                </a:solidFill>
-                <a:latin typeface="Segoe UI" panose="020B0502040204020203" pitchFamily="34" charset="0"/>
-                <a:ea typeface="Segoe UI" panose="020B0502040204020203" pitchFamily="34" charset="0"/>
-                <a:cs typeface="Segoe UI" panose="020B0502040204020203" pitchFamily="34" charset="0"/>
-              </a:rPr>
-              <a:t>S</a:t>
-            </a:r>
-            <a:r>
-              <a:rPr lang="en-US" altLang="ja-JP" dirty="0" smtClean="0">
-                <a:solidFill>
-                  <a:srgbClr val="000000"/>
-                </a:solidFill>
-                <a:ea typeface="Segoe UI" panose="020B0502040204020203" pitchFamily="34" charset="0"/>
-              </a:rPr>
-              <a:t>elect </a:t>
-            </a:r>
-            <a:r>
-              <a:rPr lang="en-US" altLang="ja-JP" b="1" dirty="0" smtClean="0">
-                <a:solidFill>
-                  <a:srgbClr val="000000"/>
-                </a:solidFill>
-                <a:ea typeface="Segoe UI" panose="020B0502040204020203" pitchFamily="34" charset="0"/>
-              </a:rPr>
-              <a:t>Trusted Root Certification Authorities</a:t>
-            </a:r>
-            <a:r>
-              <a:rPr lang="en-US" altLang="ja-JP" dirty="0" smtClean="0">
-                <a:solidFill>
-                  <a:srgbClr val="000000"/>
-                </a:solidFill>
-                <a:ea typeface="Segoe UI" panose="020B0502040204020203" pitchFamily="34" charset="0"/>
-              </a:rPr>
-              <a:t> and click </a:t>
-            </a:r>
-            <a:r>
-              <a:rPr lang="en-US" altLang="ja-JP" b="1" dirty="0" smtClean="0">
-                <a:solidFill>
-                  <a:srgbClr val="000000"/>
-                </a:solidFill>
-                <a:ea typeface="Segoe UI" panose="020B0502040204020203" pitchFamily="34" charset="0"/>
-              </a:rPr>
-              <a:t>Next</a:t>
-            </a:r>
-            <a:r>
-              <a:rPr lang="en-US" altLang="ja-JP" dirty="0" smtClean="0">
-                <a:solidFill>
-                  <a:srgbClr val="000000"/>
-                </a:solidFill>
-                <a:ea typeface="Segoe UI" panose="020B0502040204020203" pitchFamily="34" charset="0"/>
-              </a:rPr>
-              <a:t>.</a:t>
-            </a:r>
-          </a:p>
-          <a:p>
-            <a:pPr marL="573188" lvl="3" indent="0">
-              <a:buNone/>
-            </a:pPr>
-            <a:r>
-              <a:rPr lang="ja-JP" altLang="en-US" sz="1600" dirty="0">
-                <a:solidFill>
-                  <a:srgbClr val="000000"/>
-                </a:solidFill>
-              </a:rPr>
-              <a:t> </a:t>
-            </a:r>
-            <a:r>
-              <a:rPr lang="ja-JP" altLang="en-US" sz="1600" dirty="0" smtClean="0">
-                <a:solidFill>
-                  <a:srgbClr val="000000"/>
-                </a:solidFill>
-              </a:rPr>
-              <a:t> </a:t>
-            </a:r>
-            <a:r>
-              <a:rPr lang="en-US" altLang="ja-JP" sz="1600" dirty="0">
-                <a:solidFill>
-                  <a:srgbClr val="000000"/>
-                </a:solidFill>
-              </a:rPr>
-              <a:t>※If not selected, select </a:t>
-            </a:r>
-            <a:r>
-              <a:rPr lang="en-US" altLang="ja-JP" sz="1600" b="1" dirty="0" smtClean="0">
-                <a:solidFill>
-                  <a:srgbClr val="000000"/>
-                </a:solidFill>
-                <a:ea typeface="Segoe UI" panose="020B0502040204020203" pitchFamily="34" charset="0"/>
-              </a:rPr>
-              <a:t>Trusted </a:t>
-            </a:r>
-            <a:r>
-              <a:rPr lang="en-US" altLang="ja-JP" sz="1600" b="1" dirty="0">
-                <a:solidFill>
-                  <a:srgbClr val="000000"/>
-                </a:solidFill>
-                <a:ea typeface="Segoe UI" panose="020B0502040204020203" pitchFamily="34" charset="0"/>
-              </a:rPr>
-              <a:t>Root Certification </a:t>
-            </a:r>
-            <a:r>
-              <a:rPr lang="en-US" altLang="ja-JP" sz="1600" b="1" dirty="0" smtClean="0">
-                <a:solidFill>
-                  <a:srgbClr val="000000"/>
-                </a:solidFill>
-                <a:ea typeface="Segoe UI" panose="020B0502040204020203" pitchFamily="34" charset="0"/>
-              </a:rPr>
-              <a:t>Authorities</a:t>
-            </a:r>
-            <a:r>
-              <a:rPr lang="en-US" altLang="ja-JP" sz="1600" dirty="0" smtClean="0">
-                <a:solidFill>
-                  <a:srgbClr val="000000"/>
-                </a:solidFill>
-              </a:rPr>
-              <a:t> </a:t>
-            </a:r>
-            <a:r>
-              <a:rPr lang="en-US" altLang="ja-JP" sz="1600" dirty="0">
-                <a:solidFill>
-                  <a:srgbClr val="000000"/>
-                </a:solidFill>
-              </a:rPr>
-              <a:t>from </a:t>
-            </a:r>
-            <a:r>
-              <a:rPr lang="en-US" altLang="ja-JP" sz="1600" b="1" dirty="0" smtClean="0">
-                <a:solidFill>
-                  <a:srgbClr val="000000"/>
-                </a:solidFill>
-              </a:rPr>
-              <a:t>Reference</a:t>
-            </a:r>
-            <a:r>
-              <a:rPr lang="en-US" altLang="ja-JP" sz="1600" dirty="0" smtClean="0">
-                <a:solidFill>
-                  <a:srgbClr val="000000"/>
-                </a:solidFill>
-              </a:rPr>
-              <a:t> </a:t>
-            </a:r>
-            <a:r>
-              <a:rPr lang="en-US" altLang="ja-JP" sz="1600" dirty="0">
-                <a:solidFill>
-                  <a:srgbClr val="000000"/>
-                </a:solidFill>
-              </a:rPr>
-              <a:t>on the right.</a:t>
-            </a:r>
-            <a:endParaRPr lang="ja-JP" altLang="ja-JP" sz="1600" dirty="0" smtClean="0">
-              <a:solidFill>
-                <a:srgbClr val="000000"/>
-              </a:solidFill>
-            </a:endParaRPr>
-          </a:p>
-          <a:p>
-            <a:pPr marL="700088" lvl="1" indent="-342900">
-              <a:buFont typeface="+mj-lt"/>
-              <a:buAutoNum type="arabicPeriod"/>
-            </a:pPr>
-            <a:r>
-              <a:rPr lang="en-US" altLang="ja-JP" dirty="0" smtClean="0">
-                <a:ea typeface="Segoe UI" panose="020B0502040204020203" pitchFamily="34" charset="0"/>
-              </a:rPr>
-              <a:t>Click </a:t>
-            </a:r>
-            <a:r>
-              <a:rPr lang="en-US" altLang="ja-JP" b="1" dirty="0" smtClean="0">
-                <a:ea typeface="Segoe UI" panose="020B0502040204020203" pitchFamily="34" charset="0"/>
-              </a:rPr>
-              <a:t>Finish</a:t>
-            </a:r>
-            <a:r>
-              <a:rPr lang="en-US" altLang="ja-JP" dirty="0" smtClean="0">
-                <a:ea typeface="Segoe UI" panose="020B0502040204020203" pitchFamily="34" charset="0"/>
-              </a:rPr>
-              <a:t>.</a:t>
-            </a:r>
-            <a:endParaRPr lang="ja-JP" altLang="ja-JP" dirty="0" smtClean="0"/>
-          </a:p>
-          <a:p>
-            <a:pPr lvl="1"/>
-            <a:endParaRPr kumimoji="1" lang="ja-JP" altLang="en-US" dirty="0">
-              <a:latin typeface="Segoe UI" panose="020B0502040204020203" pitchFamily="34" charset="0"/>
-              <a:cs typeface="Segoe UI" panose="020B0502040204020203" pitchFamily="34" charset="0"/>
-            </a:endParaRPr>
-          </a:p>
-        </p:txBody>
-      </p:sp>
-      <p:graphicFrame>
-        <p:nvGraphicFramePr>
-          <p:cNvPr id="6" name="表 5"/>
-          <p:cNvGraphicFramePr>
-            <a:graphicFrameLocks noGrp="1"/>
-          </p:cNvGraphicFramePr>
-          <p:nvPr>
-            <p:extLst>
-              <p:ext uri="{D42A27DB-BD31-4B8C-83A1-F6EECF244321}">
-                <p14:modId xmlns:p14="http://schemas.microsoft.com/office/powerpoint/2010/main" val="3170549319"/>
-              </p:ext>
-            </p:extLst>
-          </p:nvPr>
-        </p:nvGraphicFramePr>
-        <p:xfrm>
-          <a:off x="1207459" y="1836779"/>
-          <a:ext cx="6729082" cy="1050456"/>
-        </p:xfrm>
-        <a:graphic>
-          <a:graphicData uri="http://schemas.openxmlformats.org/drawingml/2006/table">
-            <a:tbl>
-              <a:tblPr firstRow="1" firstCol="1" bandRow="1">
-                <a:tableStyleId>{5C22544A-7EE6-4342-B048-85BDC9FD1C3A}</a:tableStyleId>
-              </a:tblPr>
-              <a:tblGrid>
-                <a:gridCol w="1780321">
-                  <a:extLst>
-                    <a:ext uri="{9D8B030D-6E8A-4147-A177-3AD203B41FA5}">
-                      <a16:colId xmlns:a16="http://schemas.microsoft.com/office/drawing/2014/main" val="20000"/>
-                    </a:ext>
-                  </a:extLst>
-                </a:gridCol>
-                <a:gridCol w="3071300">
-                  <a:extLst>
-                    <a:ext uri="{9D8B030D-6E8A-4147-A177-3AD203B41FA5}">
-                      <a16:colId xmlns:a16="http://schemas.microsoft.com/office/drawing/2014/main" val="20001"/>
-                    </a:ext>
-                  </a:extLst>
-                </a:gridCol>
-                <a:gridCol w="1877461">
-                  <a:extLst>
-                    <a:ext uri="{9D8B030D-6E8A-4147-A177-3AD203B41FA5}">
-                      <a16:colId xmlns:a16="http://schemas.microsoft.com/office/drawing/2014/main" val="20002"/>
-                    </a:ext>
-                  </a:extLst>
-                </a:gridCol>
-              </a:tblGrid>
-              <a:tr h="288039">
-                <a:tc>
-                  <a:txBody>
-                    <a:bodyPr/>
-                    <a:lstStyle/>
-                    <a:p>
-                      <a:pPr algn="ctr">
-                        <a:spcAft>
-                          <a:spcPts val="0"/>
-                        </a:spcAft>
-                      </a:pPr>
-                      <a:r>
-                        <a:rPr lang="en-US" altLang="ja-JP" sz="1050" dirty="0" smtClean="0"/>
-                        <a:t>OS of the IT Automation server</a:t>
-                      </a:r>
-                      <a:endParaRPr lang="ja-JP" sz="1050" kern="100" dirty="0">
-                        <a:effectLst/>
-                        <a:latin typeface="Century" panose="02040604050505020304" pitchFamily="18" charset="0"/>
-                        <a:ea typeface="ＭＳ 明朝" panose="02020609040205080304" pitchFamily="17" charset="-128"/>
-                        <a:cs typeface="Times New Roman" panose="02020603050405020304" pitchFamily="18" charset="0"/>
-                      </a:endParaRPr>
-                    </a:p>
-                  </a:txBody>
-                  <a:tcPr marL="68580" marR="68580" marT="0" marB="0" anchor="ctr">
-                    <a:solidFill>
-                      <a:srgbClr val="002B62"/>
-                    </a:solidFill>
-                  </a:tcPr>
-                </a:tc>
-                <a:tc>
-                  <a:txBody>
-                    <a:bodyPr/>
-                    <a:lstStyle/>
-                    <a:p>
-                      <a:pPr algn="ctr">
-                        <a:spcAft>
-                          <a:spcPts val="0"/>
-                        </a:spcAft>
-                      </a:pPr>
-                      <a:r>
-                        <a:rPr lang="en-US" altLang="ja-JP" sz="1050" kern="100" dirty="0" smtClean="0">
-                          <a:effectLst/>
-                        </a:rPr>
-                        <a:t>File path</a:t>
-                      </a:r>
-                      <a:endParaRPr lang="ja-JP" sz="1050" kern="100" dirty="0">
-                        <a:effectLst/>
-                        <a:latin typeface="Century" panose="02040604050505020304" pitchFamily="18" charset="0"/>
-                        <a:ea typeface="ＭＳ 明朝" panose="02020609040205080304" pitchFamily="17" charset="-128"/>
-                        <a:cs typeface="Times New Roman" panose="02020603050405020304" pitchFamily="18" charset="0"/>
-                      </a:endParaRPr>
-                    </a:p>
-                  </a:txBody>
-                  <a:tcPr marL="68580" marR="68580" marT="0" marB="0" anchor="ctr">
-                    <a:solidFill>
-                      <a:srgbClr val="002B62"/>
-                    </a:solidFill>
-                  </a:tcPr>
-                </a:tc>
-                <a:tc>
-                  <a:txBody>
-                    <a:bodyPr/>
-                    <a:lstStyle/>
-                    <a:p>
-                      <a:pPr algn="ctr">
-                        <a:spcAft>
-                          <a:spcPts val="0"/>
-                        </a:spcAft>
-                      </a:pPr>
-                      <a:r>
-                        <a:rPr lang="en-US" altLang="ja-JP" sz="1050" kern="100" dirty="0" smtClean="0">
-                          <a:effectLst/>
-                        </a:rPr>
-                        <a:t>File name</a:t>
-                      </a:r>
-                      <a:endParaRPr lang="ja-JP" sz="1050" kern="100" dirty="0">
-                        <a:effectLst/>
-                        <a:latin typeface="Century" panose="02040604050505020304" pitchFamily="18" charset="0"/>
-                        <a:ea typeface="ＭＳ 明朝" panose="02020609040205080304" pitchFamily="17" charset="-128"/>
-                        <a:cs typeface="Times New Roman" panose="02020603050405020304" pitchFamily="18" charset="0"/>
-                      </a:endParaRPr>
-                    </a:p>
-                  </a:txBody>
-                  <a:tcPr marL="68580" marR="68580" marT="0" marB="0" anchor="ctr">
-                    <a:solidFill>
-                      <a:srgbClr val="002B62"/>
-                    </a:solidFill>
-                  </a:tcPr>
-                </a:tc>
-                <a:extLst>
-                  <a:ext uri="{0D108BD9-81ED-4DB2-BD59-A6C34878D82A}">
-                    <a16:rowId xmlns:a16="http://schemas.microsoft.com/office/drawing/2014/main" val="10000"/>
-                  </a:ext>
-                </a:extLst>
-              </a:tr>
-              <a:tr h="365208">
-                <a:tc>
-                  <a:txBody>
-                    <a:bodyPr/>
-                    <a:lstStyle/>
-                    <a:p>
-                      <a:pPr algn="l" latinLnBrk="1">
-                        <a:spcAft>
-                          <a:spcPts val="0"/>
-                        </a:spcAft>
-                      </a:pPr>
-                      <a:r>
-                        <a:rPr lang="en-US" sz="900" kern="100" dirty="0">
-                          <a:effectLst/>
-                        </a:rPr>
-                        <a:t>RHEL </a:t>
-                      </a:r>
-                      <a:r>
-                        <a:rPr lang="en-US" sz="900" kern="100" dirty="0" smtClean="0">
-                          <a:effectLst/>
-                        </a:rPr>
-                        <a:t>7, </a:t>
-                      </a:r>
-                      <a:r>
-                        <a:rPr lang="en-US" sz="900" kern="100" dirty="0">
-                          <a:effectLst/>
-                        </a:rPr>
-                        <a:t>CentOS </a:t>
-                      </a:r>
-                      <a:r>
-                        <a:rPr lang="en-US" sz="900" kern="100" dirty="0" smtClean="0">
-                          <a:effectLst/>
-                        </a:rPr>
-                        <a:t>7</a:t>
-                      </a:r>
-                      <a:endParaRPr lang="ja-JP" sz="1050" kern="100" dirty="0">
-                        <a:effectLst/>
-                        <a:latin typeface="Century" panose="02040604050505020304" pitchFamily="18" charset="0"/>
-                        <a:ea typeface="ＭＳ 明朝" panose="02020609040205080304" pitchFamily="17" charset="-128"/>
-                        <a:cs typeface="Times New Roman" panose="02020603050405020304" pitchFamily="18" charset="0"/>
-                      </a:endParaRPr>
-                    </a:p>
-                  </a:txBody>
-                  <a:tcPr marL="68580" marR="68580" marT="0" marB="0" anchor="ctr">
-                    <a:solidFill>
-                      <a:srgbClr val="002B62"/>
-                    </a:solidFill>
-                  </a:tcPr>
-                </a:tc>
-                <a:tc>
-                  <a:txBody>
-                    <a:bodyPr/>
-                    <a:lstStyle/>
-                    <a:p>
-                      <a:pPr algn="l" latinLnBrk="1">
-                        <a:spcAft>
-                          <a:spcPts val="0"/>
-                        </a:spcAft>
-                      </a:pPr>
-                      <a:r>
-                        <a:rPr lang="en-US" sz="1000" kern="100" dirty="0" smtClean="0">
-                          <a:effectLst/>
-                        </a:rPr>
-                        <a:t>/(extract path)/</a:t>
-                      </a:r>
-                      <a:r>
-                        <a:rPr lang="en-US" sz="1000" kern="100" dirty="0" err="1" smtClean="0">
-                          <a:effectLst/>
-                        </a:rPr>
-                        <a:t>ita_install_package</a:t>
-                      </a:r>
-                      <a:r>
-                        <a:rPr lang="en-US" sz="1000" kern="100" dirty="0" smtClean="0">
-                          <a:effectLst/>
-                        </a:rPr>
-                        <a:t>/ext_files_for_CentOS7.x/</a:t>
-                      </a:r>
-                      <a:r>
-                        <a:rPr lang="en-US" sz="1000" kern="100" dirty="0" err="1" smtClean="0">
-                          <a:effectLst/>
-                        </a:rPr>
-                        <a:t>etc_pki_tls_certs</a:t>
-                      </a:r>
-                      <a:r>
-                        <a:rPr lang="en-US" sz="1000" kern="100" dirty="0">
-                          <a:effectLst/>
-                        </a:rPr>
-                        <a:t>/</a:t>
-                      </a:r>
-                      <a:endParaRPr lang="ja-JP" sz="1100" kern="100" dirty="0">
-                        <a:effectLst/>
-                        <a:latin typeface="Century" panose="02040604050505020304" pitchFamily="18" charset="0"/>
-                        <a:ea typeface="ＭＳ 明朝" panose="02020609040205080304" pitchFamily="17" charset="-128"/>
-                        <a:cs typeface="Times New Roman" panose="02020603050405020304" pitchFamily="18" charset="0"/>
-                      </a:endParaRPr>
-                    </a:p>
-                  </a:txBody>
-                  <a:tcPr marL="68580" marR="68580" marT="0" marB="0">
-                    <a:solidFill>
-                      <a:srgbClr val="CBCDD3"/>
-                    </a:solidFill>
-                  </a:tcPr>
-                </a:tc>
-                <a:tc>
-                  <a:txBody>
-                    <a:bodyPr/>
-                    <a:lstStyle/>
-                    <a:p>
-                      <a:pPr algn="l">
-                        <a:spcAft>
-                          <a:spcPts val="0"/>
-                        </a:spcAft>
-                      </a:pPr>
-                      <a:r>
-                        <a:rPr lang="en-US" sz="1100" kern="100" dirty="0" smtClean="0">
-                          <a:effectLst/>
-                        </a:rPr>
-                        <a:t>exastro-it-automation.crt</a:t>
-                      </a:r>
-                      <a:endParaRPr lang="ja-JP" sz="1100" kern="100" dirty="0">
-                        <a:effectLst/>
-                        <a:latin typeface="Century" panose="02040604050505020304" pitchFamily="18" charset="0"/>
-                        <a:ea typeface="ＭＳ 明朝" panose="02020609040205080304" pitchFamily="17" charset="-128"/>
-                        <a:cs typeface="Times New Roman" panose="02020603050405020304" pitchFamily="18" charset="0"/>
-                      </a:endParaRPr>
-                    </a:p>
-                  </a:txBody>
-                  <a:tcPr marL="68580" marR="68580" marT="0" marB="0">
-                    <a:solidFill>
-                      <a:srgbClr val="CBCDD3"/>
-                    </a:solidFill>
-                  </a:tcPr>
-                </a:tc>
-                <a:extLst>
-                  <a:ext uri="{0D108BD9-81ED-4DB2-BD59-A6C34878D82A}">
-                    <a16:rowId xmlns:a16="http://schemas.microsoft.com/office/drawing/2014/main" val="10001"/>
-                  </a:ext>
-                </a:extLst>
-              </a:tr>
-              <a:tr h="365208">
-                <a:tc>
-                  <a:txBody>
-                    <a:bodyPr/>
-                    <a:lstStyle/>
-                    <a:p>
-                      <a:pPr algn="l" latinLnBrk="1">
-                        <a:spcAft>
-                          <a:spcPts val="0"/>
-                        </a:spcAft>
-                      </a:pPr>
-                      <a:r>
-                        <a:rPr lang="en-US" sz="900" kern="100" dirty="0">
-                          <a:effectLst/>
-                        </a:rPr>
-                        <a:t>RHEL </a:t>
-                      </a:r>
-                      <a:r>
-                        <a:rPr lang="en-US" sz="900" kern="100" dirty="0" smtClean="0">
-                          <a:effectLst/>
-                        </a:rPr>
-                        <a:t>8, </a:t>
-                      </a:r>
-                      <a:r>
-                        <a:rPr lang="en-US" sz="900" kern="100" dirty="0">
-                          <a:effectLst/>
-                        </a:rPr>
-                        <a:t>CentOS </a:t>
-                      </a:r>
-                      <a:r>
-                        <a:rPr lang="en-US" sz="900" kern="100" dirty="0" smtClean="0">
-                          <a:effectLst/>
-                        </a:rPr>
-                        <a:t>8</a:t>
-                      </a:r>
-                      <a:endParaRPr lang="ja-JP" sz="1050" kern="100" dirty="0">
-                        <a:effectLst/>
-                        <a:latin typeface="Century" panose="02040604050505020304" pitchFamily="18" charset="0"/>
-                        <a:ea typeface="ＭＳ 明朝" panose="02020609040205080304" pitchFamily="17" charset="-128"/>
-                        <a:cs typeface="Times New Roman" panose="02020603050405020304" pitchFamily="18" charset="0"/>
-                      </a:endParaRPr>
-                    </a:p>
-                  </a:txBody>
-                  <a:tcPr marL="68580" marR="68580" marT="0" marB="0" anchor="ctr">
-                    <a:solidFill>
-                      <a:srgbClr val="002B62"/>
-                    </a:solidFill>
-                  </a:tcPr>
-                </a:tc>
-                <a:tc>
-                  <a:txBody>
-                    <a:bodyPr/>
-                    <a:lstStyle/>
-                    <a:p>
-                      <a:pPr algn="l" latinLnBrk="1">
-                        <a:spcAft>
-                          <a:spcPts val="0"/>
-                        </a:spcAft>
-                      </a:pPr>
-                      <a:r>
-                        <a:rPr lang="en-US" sz="1000" kern="100" dirty="0" smtClean="0">
-                          <a:effectLst/>
-                        </a:rPr>
-                        <a:t>/(extract</a:t>
-                      </a:r>
-                      <a:r>
-                        <a:rPr lang="en-US" sz="1000" kern="100" baseline="0" dirty="0" smtClean="0">
-                          <a:effectLst/>
-                        </a:rPr>
-                        <a:t> path</a:t>
-                      </a:r>
-                      <a:r>
-                        <a:rPr lang="en-US" sz="1000" kern="100" dirty="0" smtClean="0">
-                          <a:effectLst/>
-                        </a:rPr>
-                        <a:t>)/</a:t>
-                      </a:r>
-                      <a:r>
-                        <a:rPr lang="en-US" sz="1000" kern="100" dirty="0" err="1" smtClean="0">
-                          <a:effectLst/>
-                        </a:rPr>
-                        <a:t>ita_install_package</a:t>
-                      </a:r>
-                      <a:r>
-                        <a:rPr lang="en-US" sz="1000" kern="100" dirty="0" smtClean="0">
-                          <a:effectLst/>
-                        </a:rPr>
-                        <a:t>/ext_files_for_CentOS8.x/</a:t>
-                      </a:r>
-                      <a:r>
-                        <a:rPr lang="en-US" sz="1000" kern="100" dirty="0" err="1" smtClean="0">
-                          <a:effectLst/>
-                        </a:rPr>
-                        <a:t>etc_pki_tls_certs</a:t>
-                      </a:r>
-                      <a:r>
-                        <a:rPr lang="en-US" sz="1000" kern="100" dirty="0">
-                          <a:effectLst/>
-                        </a:rPr>
-                        <a:t>/</a:t>
-                      </a:r>
-                      <a:endParaRPr lang="ja-JP" sz="1100" kern="100" dirty="0">
-                        <a:effectLst/>
-                        <a:latin typeface="Century" panose="02040604050505020304" pitchFamily="18" charset="0"/>
-                        <a:ea typeface="ＭＳ 明朝" panose="02020609040205080304" pitchFamily="17" charset="-128"/>
-                        <a:cs typeface="Times New Roman" panose="02020603050405020304" pitchFamily="18" charset="0"/>
-                      </a:endParaRPr>
-                    </a:p>
-                  </a:txBody>
-                  <a:tcPr marL="68580" marR="68580" marT="0" marB="0">
-                    <a:solidFill>
-                      <a:srgbClr val="E7E8EA"/>
-                    </a:solidFill>
-                  </a:tcPr>
-                </a:tc>
-                <a:tc>
-                  <a:txBody>
-                    <a:bodyPr/>
-                    <a:lstStyle/>
-                    <a:p>
-                      <a:pPr algn="l">
-                        <a:spcAft>
-                          <a:spcPts val="0"/>
-                        </a:spcAft>
-                      </a:pPr>
-                      <a:r>
-                        <a:rPr lang="en-US" sz="1100" kern="100" dirty="0" smtClean="0">
-                          <a:effectLst/>
-                        </a:rPr>
-                        <a:t>exastro-it-automation.crt</a:t>
-                      </a:r>
-                      <a:endParaRPr lang="ja-JP" sz="1100" kern="100" dirty="0">
-                        <a:effectLst/>
-                        <a:latin typeface="Century" panose="02040604050505020304" pitchFamily="18" charset="0"/>
-                        <a:ea typeface="ＭＳ 明朝" panose="02020609040205080304" pitchFamily="17" charset="-128"/>
-                        <a:cs typeface="Times New Roman" panose="02020603050405020304" pitchFamily="18" charset="0"/>
-                      </a:endParaRPr>
-                    </a:p>
-                  </a:txBody>
-                  <a:tcPr marL="68580" marR="68580" marT="0" marB="0">
-                    <a:solidFill>
-                      <a:srgbClr val="E7E8EA"/>
-                    </a:solidFill>
-                  </a:tcPr>
-                </a:tc>
-                <a:extLst>
-                  <a:ext uri="{0D108BD9-81ED-4DB2-BD59-A6C34878D82A}">
-                    <a16:rowId xmlns:a16="http://schemas.microsoft.com/office/drawing/2014/main" val="10002"/>
-                  </a:ext>
-                </a:extLst>
-              </a:tr>
-            </a:tbl>
-          </a:graphicData>
-        </a:graphic>
-      </p:graphicFrame>
-    </p:spTree>
-    <p:extLst>
-      <p:ext uri="{BB962C8B-B14F-4D97-AF65-F5344CB8AC3E}">
-        <p14:creationId xmlns:p14="http://schemas.microsoft.com/office/powerpoint/2010/main" val="1624758992"/>
-      </p:ext>
-    </p:extLst>
-  </p:cSld>
-  <p:clrMapOvr>
-    <a:masterClrMapping/>
-  </p:clrMapOvr>
-  <p:timing>
-    <p:tnLst>
-      <p:par>
-        <p:cTn id="1" dur="indefinite" restart="never" nodeType="tmRoot"/>
-      </p:par>
-    </p:tnLst>
-  </p:timing>
-</p:sld>
-</file>
-
-<file path=ppt/slides/slide23.xml><?xml version="1.0" encoding="utf-8"?>
-<p:sld xmlns:a="http://schemas.openxmlformats.org/drawingml/2006/main" xmlns:r="http://schemas.openxmlformats.org/officeDocument/2006/relationships" xmlns:p="http://schemas.openxmlformats.org/presentationml/2006/main">
-  <p:cSld>
-    <p:spTree>
-      <p:nvGrpSpPr>
-        <p:cNvPr id="1" name=""/>
-        <p:cNvGrpSpPr/>
-        <p:nvPr/>
-      </p:nvGrpSpPr>
-      <p:grpSpPr>
-        <a:xfrm>
-          <a:off x="0" y="0"/>
-          <a:ext cx="0" cy="0"/>
-          <a:chOff x="0" y="0"/>
-          <a:chExt cx="0" cy="0"/>
-        </a:xfrm>
-      </p:grpSpPr>
-      <p:sp>
-        <p:nvSpPr>
-          <p:cNvPr id="2" name="タイトル 1"/>
-          <p:cNvSpPr>
-            <a:spLocks noGrp="1"/>
-          </p:cNvSpPr>
-          <p:nvPr>
-            <p:ph type="title"/>
-          </p:nvPr>
-        </p:nvSpPr>
-        <p:spPr/>
-        <p:txBody>
-          <a:bodyPr/>
-          <a:lstStyle/>
-          <a:p>
-            <a:r>
-              <a:rPr lang="en-US" altLang="ja-JP" dirty="0" smtClean="0">
-                <a:latin typeface="Segoe UI" panose="020B0502040204020203" pitchFamily="34" charset="0"/>
-                <a:ea typeface="Segoe UI" panose="020B0502040204020203" pitchFamily="34" charset="0"/>
-                <a:cs typeface="Segoe UI" panose="020B0502040204020203" pitchFamily="34" charset="0"/>
-              </a:rPr>
-              <a:t>4.3</a:t>
-            </a:r>
-            <a:r>
-              <a:rPr lang="en-US" altLang="ja-JP" dirty="0">
-                <a:latin typeface="Segoe UI" panose="020B0502040204020203" pitchFamily="34" charset="0"/>
-                <a:ea typeface="Segoe UI" panose="020B0502040204020203" pitchFamily="34" charset="0"/>
-                <a:cs typeface="Segoe UI" panose="020B0502040204020203" pitchFamily="34" charset="0"/>
-              </a:rPr>
-              <a:t>	</a:t>
-            </a:r>
-            <a:r>
-              <a:rPr lang="en-US" altLang="ja-JP" dirty="0" smtClean="0">
-                <a:latin typeface="Segoe UI" panose="020B0502040204020203" pitchFamily="34" charset="0"/>
-                <a:ea typeface="Segoe UI" panose="020B0502040204020203" pitchFamily="34" charset="0"/>
-                <a:cs typeface="Segoe UI" panose="020B0502040204020203" pitchFamily="34" charset="0"/>
-              </a:rPr>
-              <a:t>Operation Check (3/5)</a:t>
-            </a:r>
-            <a:endParaRPr kumimoji="1" lang="ja-JP" altLang="en-US" dirty="0">
-              <a:latin typeface="Segoe UI" panose="020B0502040204020203" pitchFamily="34" charset="0"/>
-              <a:cs typeface="Segoe UI" panose="020B0502040204020203" pitchFamily="34" charset="0"/>
-            </a:endParaRPr>
-          </a:p>
-        </p:txBody>
-      </p:sp>
-      <p:sp>
-        <p:nvSpPr>
-          <p:cNvPr id="3" name="コンテンツ プレースホルダー 2"/>
-          <p:cNvSpPr>
-            <a:spLocks noGrp="1"/>
-          </p:cNvSpPr>
-          <p:nvPr>
-            <p:ph sz="quarter" idx="10"/>
-          </p:nvPr>
-        </p:nvSpPr>
-        <p:spPr>
-          <a:xfrm>
-            <a:off x="179512" y="836712"/>
-            <a:ext cx="8353038" cy="5616476"/>
-          </a:xfrm>
-        </p:spPr>
-        <p:txBody>
-          <a:bodyPr>
-            <a:normAutofit/>
-          </a:bodyPr>
-          <a:lstStyle/>
-          <a:p>
-            <a:pPr lvl="0"/>
-            <a:r>
-              <a:rPr lang="en-US" altLang="ja-JP" dirty="0" smtClean="0">
-                <a:latin typeface="Segoe UI" panose="020B0502040204020203" pitchFamily="34" charset="0"/>
-                <a:ea typeface="Segoe UI" panose="020B0502040204020203" pitchFamily="34" charset="0"/>
-                <a:cs typeface="Segoe UI" panose="020B0502040204020203" pitchFamily="34" charset="0"/>
-              </a:rPr>
-              <a:t>Accessing </a:t>
-            </a:r>
-            <a:r>
-              <a:rPr lang="en-US" altLang="ja-JP" dirty="0">
-                <a:latin typeface="Segoe UI" panose="020B0502040204020203" pitchFamily="34" charset="0"/>
-                <a:ea typeface="Segoe UI" panose="020B0502040204020203" pitchFamily="34" charset="0"/>
-                <a:cs typeface="Segoe UI" panose="020B0502040204020203" pitchFamily="34" charset="0"/>
-              </a:rPr>
-              <a:t>the login screen</a:t>
-            </a:r>
-            <a:endParaRPr lang="en-US" altLang="ja-JP" dirty="0" smtClean="0">
-              <a:latin typeface="Segoe UI" panose="020B0502040204020203" pitchFamily="34" charset="0"/>
-              <a:ea typeface="Segoe UI" panose="020B0502040204020203" pitchFamily="34" charset="0"/>
-              <a:cs typeface="Segoe UI" panose="020B0502040204020203" pitchFamily="34" charset="0"/>
-            </a:endParaRPr>
-          </a:p>
-          <a:p>
-            <a:pPr lvl="1"/>
-            <a:r>
-              <a:rPr lang="en-US" altLang="ja-JP" dirty="0" smtClean="0">
-                <a:latin typeface="Segoe UI" panose="020B0502040204020203" pitchFamily="34" charset="0"/>
-                <a:ea typeface="Segoe UI" panose="020B0502040204020203" pitchFamily="34" charset="0"/>
-                <a:cs typeface="Segoe UI" panose="020B0502040204020203" pitchFamily="34" charset="0"/>
-              </a:rPr>
-              <a:t>Access the login screen with the following URL:</a:t>
-            </a:r>
-          </a:p>
-          <a:p>
-            <a:pPr lvl="1"/>
-            <a:r>
-              <a:rPr lang="en-US" altLang="ja-JP" dirty="0" smtClean="0">
-                <a:latin typeface="Segoe UI" panose="020B0502040204020203" pitchFamily="34" charset="0"/>
-                <a:ea typeface="Segoe UI" panose="020B0502040204020203" pitchFamily="34" charset="0"/>
-                <a:cs typeface="Segoe UI" panose="020B0502040204020203" pitchFamily="34" charset="0"/>
-              </a:rPr>
-              <a:t>URL: </a:t>
-            </a:r>
-            <a:r>
-              <a:rPr lang="en-US" altLang="ja-JP" dirty="0" smtClean="0">
-                <a:latin typeface="Segoe UI" panose="020B0502040204020203" pitchFamily="34" charset="0"/>
-                <a:ea typeface="Segoe UI" panose="020B0502040204020203" pitchFamily="34" charset="0"/>
-                <a:cs typeface="Segoe UI" panose="020B0502040204020203" pitchFamily="34" charset="0"/>
-                <a:hlinkClick r:id="rId2"/>
-              </a:rPr>
-              <a:t>https://exastro-it-automation/</a:t>
-            </a:r>
-            <a:endParaRPr lang="en-US" altLang="ja-JP" dirty="0" smtClean="0">
-              <a:latin typeface="Segoe UI" panose="020B0502040204020203" pitchFamily="34" charset="0"/>
-              <a:ea typeface="Segoe UI" panose="020B0502040204020203" pitchFamily="34" charset="0"/>
-              <a:cs typeface="Segoe UI" panose="020B0502040204020203" pitchFamily="34" charset="0"/>
-            </a:endParaRPr>
-          </a:p>
-          <a:p>
-            <a:pPr lvl="1"/>
-            <a:endParaRPr kumimoji="1" lang="en-US" altLang="ja-JP" dirty="0" smtClean="0">
-              <a:latin typeface="Segoe UI" panose="020B0502040204020203" pitchFamily="34" charset="0"/>
-              <a:ea typeface="Segoe UI" panose="020B0502040204020203" pitchFamily="34" charset="0"/>
-              <a:cs typeface="Segoe UI" panose="020B0502040204020203" pitchFamily="34" charset="0"/>
-            </a:endParaRPr>
-          </a:p>
-          <a:p>
-            <a:pPr lvl="1"/>
-            <a:endParaRPr lang="en-US" altLang="ja-JP" dirty="0">
-              <a:latin typeface="Segoe UI" panose="020B0502040204020203" pitchFamily="34" charset="0"/>
-              <a:ea typeface="Segoe UI" panose="020B0502040204020203" pitchFamily="34" charset="0"/>
-              <a:cs typeface="Segoe UI" panose="020B0502040204020203" pitchFamily="34" charset="0"/>
-            </a:endParaRPr>
-          </a:p>
-          <a:p>
-            <a:pPr lvl="0"/>
-            <a:r>
-              <a:rPr lang="en-US" altLang="ja-JP" dirty="0" smtClean="0">
-                <a:latin typeface="Segoe UI" panose="020B0502040204020203" pitchFamily="34" charset="0"/>
-                <a:ea typeface="Segoe UI" panose="020B0502040204020203" pitchFamily="34" charset="0"/>
-                <a:cs typeface="Segoe UI" panose="020B0502040204020203" pitchFamily="34" charset="0"/>
-              </a:rPr>
-              <a:t>Logging in</a:t>
-            </a:r>
-          </a:p>
-          <a:p>
-            <a:pPr lvl="1"/>
-            <a:r>
-              <a:rPr lang="en-US" altLang="ja-JP" dirty="0" smtClean="0">
-                <a:latin typeface="Segoe UI" panose="020B0502040204020203" pitchFamily="34" charset="0"/>
-                <a:ea typeface="Segoe UI" panose="020B0502040204020203" pitchFamily="34" charset="0"/>
-                <a:cs typeface="Segoe UI" panose="020B0502040204020203" pitchFamily="34" charset="0"/>
-              </a:rPr>
-              <a:t>When the IT Automation login screen appears, enter the given login ID and initial password and then click the </a:t>
-            </a:r>
-            <a:r>
-              <a:rPr lang="en-US" altLang="ja-JP" b="1" dirty="0" smtClean="0">
-                <a:latin typeface="Segoe UI" panose="020B0502040204020203" pitchFamily="34" charset="0"/>
-                <a:ea typeface="Segoe UI" panose="020B0502040204020203" pitchFamily="34" charset="0"/>
-                <a:cs typeface="Segoe UI" panose="020B0502040204020203" pitchFamily="34" charset="0"/>
-              </a:rPr>
-              <a:t>Login</a:t>
-            </a:r>
-            <a:r>
-              <a:rPr lang="en-US" altLang="ja-JP" dirty="0" smtClean="0">
-                <a:latin typeface="Segoe UI" panose="020B0502040204020203" pitchFamily="34" charset="0"/>
-                <a:ea typeface="Segoe UI" panose="020B0502040204020203" pitchFamily="34" charset="0"/>
-                <a:cs typeface="Segoe UI" panose="020B0502040204020203" pitchFamily="34" charset="0"/>
-              </a:rPr>
-              <a:t> button.</a:t>
-            </a:r>
-            <a:endParaRPr lang="ja-JP" altLang="ja-JP" dirty="0" smtClean="0">
-              <a:latin typeface="Segoe UI" panose="020B0502040204020203" pitchFamily="34" charset="0"/>
-              <a:cs typeface="Segoe UI" panose="020B0502040204020203" pitchFamily="34" charset="0"/>
-            </a:endParaRPr>
-          </a:p>
-          <a:p>
-            <a:pPr marL="288000" lvl="2" indent="0">
-              <a:buNone/>
-            </a:pPr>
-            <a:r>
-              <a:rPr lang="en-US" altLang="ja-JP" dirty="0" smtClean="0">
-                <a:latin typeface="Segoe UI" panose="020B0502040204020203" pitchFamily="34" charset="0"/>
-                <a:ea typeface="Segoe UI" panose="020B0502040204020203" pitchFamily="34" charset="0"/>
-                <a:cs typeface="Segoe UI" panose="020B0502040204020203" pitchFamily="34" charset="0"/>
-              </a:rPr>
-              <a:t>     	- Login ID:</a:t>
-            </a:r>
-            <a:r>
-              <a:rPr lang="ja-JP" altLang="en-US" dirty="0" smtClean="0">
-                <a:latin typeface="Segoe UI" panose="020B0502040204020203" pitchFamily="34" charset="0"/>
-                <a:ea typeface="Segoe UI" panose="020B0502040204020203" pitchFamily="34" charset="0"/>
-                <a:cs typeface="Segoe UI" panose="020B0502040204020203" pitchFamily="34" charset="0"/>
-              </a:rPr>
-              <a:t> </a:t>
-            </a:r>
-            <a:r>
-              <a:rPr lang="en-US" altLang="ja-JP" dirty="0" smtClean="0">
-                <a:latin typeface="Segoe UI" panose="020B0502040204020203" pitchFamily="34" charset="0"/>
-                <a:ea typeface="Segoe UI" panose="020B0502040204020203" pitchFamily="34" charset="0"/>
-                <a:cs typeface="Segoe UI" panose="020B0502040204020203" pitchFamily="34" charset="0"/>
-              </a:rPr>
-              <a:t>administrator</a:t>
-            </a:r>
-            <a:endParaRPr lang="ja-JP" altLang="ja-JP" dirty="0">
-              <a:latin typeface="Segoe UI" panose="020B0502040204020203" pitchFamily="34" charset="0"/>
-              <a:cs typeface="Segoe UI" panose="020B0502040204020203" pitchFamily="34" charset="0"/>
-            </a:endParaRPr>
-          </a:p>
-          <a:p>
-            <a:pPr marL="288000" lvl="2" indent="0">
-              <a:buNone/>
-            </a:pPr>
-            <a:r>
-              <a:rPr lang="en-US" altLang="ja-JP" dirty="0" smtClean="0">
-                <a:latin typeface="Segoe UI" panose="020B0502040204020203" pitchFamily="34" charset="0"/>
-                <a:ea typeface="Segoe UI" panose="020B0502040204020203" pitchFamily="34" charset="0"/>
-                <a:cs typeface="Segoe UI" panose="020B0502040204020203" pitchFamily="34" charset="0"/>
-              </a:rPr>
-              <a:t>     	- </a:t>
-            </a:r>
-            <a:r>
-              <a:rPr lang="en-US" altLang="ja-JP" dirty="0" smtClean="0">
-                <a:solidFill>
-                  <a:srgbClr val="000000"/>
-                </a:solidFill>
-                <a:latin typeface="Segoe UI" panose="020B0502040204020203" pitchFamily="34" charset="0"/>
-                <a:ea typeface="Segoe UI" panose="020B0502040204020203" pitchFamily="34" charset="0"/>
-                <a:cs typeface="Segoe UI" panose="020B0502040204020203" pitchFamily="34" charset="0"/>
-              </a:rPr>
-              <a:t>Initial password:</a:t>
-            </a:r>
-            <a:r>
-              <a:rPr lang="ja-JP" altLang="en-US" dirty="0" smtClean="0">
-                <a:solidFill>
-                  <a:srgbClr val="000000"/>
-                </a:solidFill>
-                <a:ea typeface="Segoe UI" panose="020B0502040204020203" pitchFamily="34" charset="0"/>
-              </a:rPr>
-              <a:t> </a:t>
-            </a:r>
-            <a:r>
-              <a:rPr lang="en-US" altLang="ja-JP" dirty="0" smtClean="0">
-                <a:latin typeface="Segoe UI" panose="020B0502040204020203" pitchFamily="34" charset="0"/>
-                <a:ea typeface="Segoe UI" panose="020B0502040204020203" pitchFamily="34" charset="0"/>
-                <a:cs typeface="Segoe UI" panose="020B0502040204020203" pitchFamily="34" charset="0"/>
-              </a:rPr>
-              <a:t>password</a:t>
-            </a:r>
-          </a:p>
-          <a:p>
-            <a:pPr marL="180000" lvl="1" indent="0">
-              <a:buNone/>
-            </a:pPr>
-            <a:endParaRPr lang="ja-JP" altLang="ja-JP" dirty="0">
-              <a:latin typeface="Segoe UI" panose="020B0502040204020203" pitchFamily="34" charset="0"/>
-              <a:cs typeface="Segoe UI" panose="020B0502040204020203" pitchFamily="34" charset="0"/>
-            </a:endParaRPr>
-          </a:p>
-          <a:p>
-            <a:pPr lvl="1"/>
-            <a:r>
-              <a:rPr lang="en-US" altLang="ja-JP" dirty="0" smtClean="0">
-                <a:latin typeface="Segoe UI" panose="020B0502040204020203" pitchFamily="34" charset="0"/>
-                <a:ea typeface="Segoe UI" panose="020B0502040204020203" pitchFamily="34" charset="0"/>
-                <a:cs typeface="Segoe UI" panose="020B0502040204020203" pitchFamily="34" charset="0"/>
-              </a:rPr>
-              <a:t>If you have logged in for the first time after the installation, you will be prompted to change the password.</a:t>
-            </a:r>
-            <a:r>
-              <a:rPr lang="en-US" altLang="ja-JP" dirty="0"/>
-              <a:t> </a:t>
-            </a:r>
-            <a:endParaRPr lang="en-US" altLang="ja-JP" dirty="0" smtClean="0"/>
-          </a:p>
-          <a:p>
-            <a:pPr lvl="1"/>
-            <a:r>
-              <a:rPr lang="en-US" altLang="ja-JP" dirty="0" smtClean="0"/>
-              <a:t>C</a:t>
-            </a:r>
-            <a:r>
-              <a:rPr lang="en-US" altLang="ja-JP" dirty="0" smtClean="0">
-                <a:latin typeface="Segoe UI" panose="020B0502040204020203" pitchFamily="34" charset="0"/>
-                <a:ea typeface="Segoe UI" panose="020B0502040204020203" pitchFamily="34" charset="0"/>
-                <a:cs typeface="Segoe UI" panose="020B0502040204020203" pitchFamily="34" charset="0"/>
-              </a:rPr>
-              <a:t>hange the initial password.</a:t>
-            </a:r>
-            <a:endParaRPr lang="ja-JP" altLang="ja-JP" dirty="0">
-              <a:latin typeface="Segoe UI" panose="020B0502040204020203" pitchFamily="34" charset="0"/>
-              <a:cs typeface="Segoe UI" panose="020B0502040204020203" pitchFamily="34" charset="0"/>
-            </a:endParaRPr>
-          </a:p>
-          <a:p>
-            <a:pPr lvl="1"/>
-            <a:endParaRPr kumimoji="1" lang="ja-JP" altLang="en-US" dirty="0">
-              <a:latin typeface="Segoe UI" panose="020B0502040204020203" pitchFamily="34" charset="0"/>
-              <a:cs typeface="Segoe UI" panose="020B0502040204020203" pitchFamily="34" charset="0"/>
-            </a:endParaRPr>
-          </a:p>
-        </p:txBody>
-      </p:sp>
-    </p:spTree>
-    <p:extLst>
-      <p:ext uri="{BB962C8B-B14F-4D97-AF65-F5344CB8AC3E}">
-        <p14:creationId xmlns:p14="http://schemas.microsoft.com/office/powerpoint/2010/main" val="2733102297"/>
-      </p:ext>
-    </p:extLst>
-  </p:cSld>
-  <p:clrMapOvr>
-    <a:masterClrMapping/>
-  </p:clrMapOvr>
-  <p:timing>
-    <p:tnLst>
-      <p:par>
-        <p:cTn id="1" dur="indefinite" restart="never" nodeType="tmRoot"/>
-      </p:par>
-    </p:tnLst>
-  </p:timing>
-</p:sld>
-</file>
-
-<file path=ppt/slides/slide24.xml><?xml version="1.0" encoding="utf-8"?>
 <p:sld xmlns:a="http://schemas.openxmlformats.org/drawingml/2006/main" xmlns:r="http://schemas.openxmlformats.org/officeDocument/2006/relationships" xmlns:p="http://schemas.openxmlformats.org/presentationml/2006/main">
   <p:cSld>
     <p:spTree>
@@ -25506,18 +24046,30 @@
           <a:lstStyle/>
           <a:p>
             <a:r>
-              <a:rPr lang="en-US" altLang="ja-JP" dirty="0" smtClean="0"/>
-              <a:t>4.4</a:t>
-            </a:r>
-            <a:r>
-              <a:rPr lang="en-US" altLang="ja-JP" dirty="0"/>
+              <a:rPr lang="en-US" altLang="ja-JP" dirty="0" smtClean="0">
+                <a:latin typeface="Segoe UI" panose="020B0502040204020203" pitchFamily="34" charset="0"/>
+                <a:cs typeface="Segoe UI" panose="020B0502040204020203" pitchFamily="34" charset="0"/>
+              </a:rPr>
+              <a:t>4.2</a:t>
+            </a:r>
+            <a:r>
+              <a:rPr lang="en-US" altLang="ja-JP" dirty="0">
+                <a:latin typeface="Segoe UI" panose="020B0502040204020203" pitchFamily="34" charset="0"/>
+                <a:cs typeface="Segoe UI" panose="020B0502040204020203" pitchFamily="34" charset="0"/>
+              </a:rPr>
               <a:t>	</a:t>
             </a:r>
             <a:r>
-              <a:rPr lang="en-US" altLang="ja-JP" dirty="0" smtClean="0"/>
-              <a:t>Operation Check (4/5)</a:t>
-            </a:r>
-            <a:endParaRPr kumimoji="1" lang="ja-JP" altLang="en-US" dirty="0"/>
+              <a:rPr lang="en-US" altLang="ja-JP" dirty="0" smtClean="0">
+                <a:latin typeface="Segoe UI" panose="020B0502040204020203" pitchFamily="34" charset="0"/>
+                <a:cs typeface="Segoe UI" panose="020B0502040204020203" pitchFamily="34" charset="0"/>
+              </a:rPr>
+              <a:t>Operation Check (2/6)</a:t>
+            </a:r>
+            <a:endParaRPr kumimoji="1" lang="ja-JP" altLang="en-US" dirty="0">
+              <a:latin typeface="Segoe UI" panose="020B0502040204020203" pitchFamily="34" charset="0"/>
+              <a:cs typeface="Segoe UI" panose="020B0502040204020203" pitchFamily="34" charset="0"/>
+            </a:endParaRPr>
           </a:p>
         </p:txBody>
       </p:sp>
@@ -25904,7 +24456,7 @@
 </p:sld>
 </file>
 
-<file path=ppt/slides/slide25.xml><?xml version="1.0" encoding="utf-8"?>
+<file path=ppt/slides/slide23.xml><?xml version="1.0" encoding="utf-8"?>
 <p:sld xmlns:a="http://schemas.openxmlformats.org/drawingml/2006/main" xmlns:r="http://schemas.openxmlformats.org/officeDocument/2006/relationships" xmlns:p="http://schemas.openxmlformats.org/presentationml/2006/main">
   <p:cSld>
     <p:spTree>
@@ -25942,7 +24494,7 @@
                 <a:ea typeface="Segoe UI" panose="020B0502040204020203" pitchFamily="34" charset="0"/>
                 <a:cs typeface="Segoe UI" panose="020B0502040204020203" pitchFamily="34" charset="0"/>
               </a:rPr>
-              <a:t>4.5</a:t>
+              <a:t>4.3</a:t>
             </a:r>
             <a:r>
               <a:rPr lang="en-US" altLang="ja-JP" dirty="0">
@@ -25958,7 +24510,7 @@
                 <a:ea typeface="Segoe UI" panose="020B0502040204020203" pitchFamily="34" charset="0"/>
                 <a:cs typeface="Segoe UI" panose="020B0502040204020203" pitchFamily="34" charset="0"/>
               </a:rPr>
-              <a:t>Operation Check (5/5)</a:t>
+              <a:t>Operation Check (3/6)</a:t>
             </a:r>
             <a:endParaRPr kumimoji="1" lang="ja-JP" altLang="en-US" dirty="0">
               <a:latin typeface="Segoe UI" panose="020B0502040204020203" pitchFamily="34" charset="0"/>
@@ -25980,7 +24532,7 @@
         <p:spPr/>
         <p:txBody>
           <a:bodyPr>
-            <a:normAutofit lnSpcReduction="10000"/>
+            <a:normAutofit/>
           </a:bodyPr>
           <a:lstStyle/>
           <a:p>
@@ -26075,171 +24627,6 @@
           <a:p>
             <a:pPr lvl="1"/>
             <a:endParaRPr lang="en-US" altLang="ja-JP" dirty="0">
-              <a:latin typeface="Segoe UI" panose="020B0502040204020203" pitchFamily="34" charset="0"/>
-              <a:cs typeface="Segoe UI" panose="020B0502040204020203" pitchFamily="34" charset="0"/>
-            </a:endParaRPr>
-          </a:p>
-          <a:p>
-            <a:pPr lvl="0"/>
-            <a:r>
-              <a:rPr lang="ja-JP" altLang="en-US" dirty="0" smtClean="0"/>
-              <a:t>（</a:t>
-            </a:r>
-            <a:r>
-              <a:rPr lang="en-US" altLang="ja-JP" dirty="0" smtClean="0"/>
-              <a:t>Reference</a:t>
-            </a:r>
-            <a:r>
-              <a:rPr lang="ja-JP" altLang="en-US" dirty="0" smtClean="0"/>
-              <a:t>）</a:t>
-            </a:r>
-            <a:r>
-              <a:rPr lang="en-US" altLang="ja-JP" dirty="0"/>
-              <a:t>HTTP access</a:t>
-            </a:r>
-          </a:p>
-          <a:p>
-            <a:pPr marL="180000" lvl="1" indent="0">
-              <a:buNone/>
-            </a:pPr>
-            <a:r>
-              <a:rPr lang="en-US" altLang="ja-JP" dirty="0"/>
-              <a:t>To allow HTTP access, perform the following procedure</a:t>
-            </a:r>
-            <a:r>
-              <a:rPr lang="en-US" altLang="ja-JP" dirty="0" smtClean="0"/>
-              <a:t>.</a:t>
-            </a:r>
-            <a:endParaRPr lang="en-US" altLang="ja-JP" dirty="0"/>
-          </a:p>
-          <a:p>
-            <a:pPr lvl="1"/>
-            <a:r>
-              <a:rPr lang="en-US" altLang="ja-JP" dirty="0"/>
-              <a:t>Remove the comment out (#) of </a:t>
-            </a:r>
-            <a:r>
-              <a:rPr lang="en-US" altLang="ja-JP" dirty="0" smtClean="0"/>
-              <a:t>"&lt;</a:t>
-            </a:r>
-            <a:r>
-              <a:rPr lang="en-US" altLang="ja-JP" dirty="0" err="1"/>
-              <a:t>VirtualHost</a:t>
-            </a:r>
-            <a:r>
-              <a:rPr lang="en-US" altLang="ja-JP" dirty="0"/>
-              <a:t> *: 80</a:t>
-            </a:r>
-            <a:r>
-              <a:rPr lang="en-US" altLang="ja-JP" dirty="0" smtClean="0"/>
-              <a:t>&gt;“ to “&lt;/ </a:t>
-            </a:r>
-            <a:r>
-              <a:rPr lang="en-US" altLang="ja-JP" dirty="0" err="1"/>
-              <a:t>VirtualHost</a:t>
-            </a:r>
-            <a:r>
-              <a:rPr lang="en-US" altLang="ja-JP" dirty="0" smtClean="0"/>
-              <a:t>&gt;" </a:t>
-            </a:r>
-            <a:r>
-              <a:rPr lang="en-US" altLang="ja-JP" dirty="0"/>
-              <a:t>in the file "/</a:t>
-            </a:r>
-            <a:r>
-              <a:rPr lang="en-US" altLang="ja-JP" dirty="0" err="1"/>
-              <a:t>etc</a:t>
-            </a:r>
-            <a:r>
-              <a:rPr lang="en-US" altLang="ja-JP" dirty="0"/>
-              <a:t>/</a:t>
-            </a:r>
-            <a:r>
-              <a:rPr lang="en-US" altLang="ja-JP" dirty="0" err="1"/>
-              <a:t>httpd</a:t>
-            </a:r>
-            <a:r>
-              <a:rPr lang="en-US" altLang="ja-JP" dirty="0"/>
-              <a:t>/</a:t>
-            </a:r>
-            <a:r>
-              <a:rPr lang="en-US" altLang="ja-JP" dirty="0" err="1"/>
-              <a:t>conf.d</a:t>
-            </a:r>
-            <a:r>
-              <a:rPr lang="en-US" altLang="ja-JP" dirty="0"/>
-              <a:t>/</a:t>
-            </a:r>
-            <a:r>
-              <a:rPr lang="en-US" altLang="ja-JP" dirty="0" err="1"/>
-              <a:t>vhosts_exastro</a:t>
-            </a:r>
-            <a:r>
-              <a:rPr lang="en-US" altLang="ja-JP" dirty="0"/>
-              <a:t>-it-</a:t>
-            </a:r>
-            <a:r>
-              <a:rPr lang="en-US" altLang="ja-JP" dirty="0" err="1"/>
-              <a:t>automation.conf</a:t>
-            </a:r>
-            <a:r>
-              <a:rPr lang="en-US" altLang="ja-JP" dirty="0" smtClean="0"/>
-              <a:t>".</a:t>
-            </a:r>
-            <a:endParaRPr lang="en-US" altLang="ja-JP" dirty="0"/>
-          </a:p>
-          <a:p>
-            <a:pPr lvl="1"/>
-            <a:r>
-              <a:rPr lang="en-US" altLang="ja-JP" dirty="0"/>
-              <a:t>Restart Apache with the following command</a:t>
-            </a:r>
-            <a:r>
-              <a:rPr lang="en-US" altLang="ja-JP" dirty="0" smtClean="0"/>
-              <a:t>.</a:t>
-            </a:r>
-            <a:r>
-              <a:rPr lang="en-US" altLang="ja-JP" dirty="0"/>
-              <a:t/>
-            </a:r>
-            <a:br>
-              <a:rPr lang="en-US" altLang="ja-JP" dirty="0"/>
-            </a:br>
-            <a:r>
-              <a:rPr lang="en-US" altLang="ja-JP" dirty="0" err="1"/>
-              <a:t>systemctl</a:t>
-            </a:r>
-            <a:r>
-              <a:rPr lang="en-US" altLang="ja-JP" dirty="0"/>
-              <a:t> restart </a:t>
-            </a:r>
-            <a:r>
-              <a:rPr lang="en-US" altLang="ja-JP" dirty="0" err="1"/>
-              <a:t>httpd</a:t>
-            </a:r>
-            <a:endParaRPr lang="en-US" altLang="ja-JP" dirty="0"/>
-          </a:p>
-          <a:p>
-            <a:pPr lvl="1"/>
-            <a:r>
-              <a:rPr lang="en-US" altLang="ja-JP" dirty="0"/>
-              <a:t>Connect with the URL "http: // (IP dress)" and </a:t>
-            </a:r>
-            <a:r>
-              <a:rPr lang="en-US" altLang="ja-JP" dirty="0" smtClean="0"/>
-              <a:t>check </a:t>
-            </a:r>
-            <a:r>
-              <a:rPr lang="en-US" altLang="ja-JP" dirty="0"/>
-              <a:t>that the login screen is displayed.</a:t>
-            </a:r>
-            <a:endParaRPr lang="ja-JP" altLang="ja-JP" dirty="0"/>
-          </a:p>
-          <a:p>
-            <a:pPr marL="180000" lvl="1" indent="0">
-              <a:buNone/>
-            </a:pPr>
-            <a:endParaRPr kumimoji="1" lang="ja-JP" altLang="en-US" dirty="0">
               <a:latin typeface="Segoe UI" panose="020B0502040204020203" pitchFamily="34" charset="0"/>
               <a:cs typeface="Segoe UI" panose="020B0502040204020203" pitchFamily="34" charset="0"/>
             </a:endParaRPr>
@@ -26255,14 +24642,14 @@
           <p:nvPr>
             <p:extLst>
               <p:ext uri="{D42A27DB-BD31-4B8C-83A1-F6EECF244321}">
-                <p14:modId xmlns:p14="http://schemas.microsoft.com/office/powerpoint/2010/main" val="3743028898"/>
+                <p14:modId xmlns:p14="http://schemas.microsoft.com/office/powerpoint/2010/main" val="1738513567"/>
               </p:ext>
             </p:extLst>
           </p:nvPr>
         </p:nvGraphicFramePr>
         <p:xfrm>
           <a:off x="1259053" y="1628750"/>
-          <a:ext cx="6624920" cy="2222847"/>
+          <a:ext cx="6624920" cy="2479614"/>
         </p:xfrm>
         <a:graphic>
           <a:graphicData uri="http://schemas.openxmlformats.org/drawingml/2006/table">
@@ -26360,7 +24747,7 @@
                 </a:extLst>
               </a:tr>
               <a:tr h="256767">
-                <a:tc rowSpan="2">
+                <a:tc rowSpan="3">
                   <a:txBody>
                     <a:bodyPr/>
                     <a:lstStyle/>
@@ -26513,7 +24900,7 @@
                 </a:extLst>
               </a:tr>
               <a:tr h="256767">
-                <a:tc>
+                <a:tc vMerge="1">
                   <a:txBody>
                     <a:bodyPr/>
                     <a:lstStyle/>
@@ -26523,24 +24910,6 @@
                           <a:spcPts val="0"/>
                         </a:spcAft>
                       </a:pPr>
-                      <a:r>
-                        <a:rPr lang="en-US" altLang="ja-JP" sz="1050" kern="100" dirty="0" smtClean="0">
-                          <a:effectLst/>
-                          <a:latin typeface="Segoe UI" panose="020B0502040204020203" pitchFamily="34" charset="0"/>
-                          <a:ea typeface="Segoe UI" panose="020B0502040204020203" pitchFamily="34" charset="0"/>
-                          <a:cs typeface="Segoe UI" panose="020B0502040204020203" pitchFamily="34" charset="0"/>
-                        </a:rPr>
-                        <a:t>Creating</a:t>
-                      </a:r>
-                      <a:r>
-                        <a:rPr lang="en-US" altLang="ja-JP" sz="1050" kern="100" baseline="0" dirty="0" smtClean="0">
-                          <a:effectLst/>
-                          <a:latin typeface="Segoe UI" panose="020B0502040204020203" pitchFamily="34" charset="0"/>
-                          <a:ea typeface="Segoe UI" panose="020B0502040204020203" pitchFamily="34" charset="0"/>
-                          <a:cs typeface="Segoe UI" panose="020B0502040204020203" pitchFamily="34" charset="0"/>
-                        </a:rPr>
-                        <a:t> menus</a:t>
-                      </a:r>
                       <a:endParaRPr lang="ja-JP" sz="1050" kern="100" dirty="0">
                         <a:effectLst/>
                         <a:latin typeface="Segoe UI" panose="020B0502040204020203" pitchFamily="34" charset="0"/>
@@ -26566,9 +24935,94 @@
                         </a:spcAft>
                       </a:pPr>
                       <a:r>
+                        <a:rPr kumimoji="1" lang="en-US" altLang="ja-JP" sz="1050" kern="1200" dirty="0" smtClean="0">
+                          <a:solidFill>
+                            <a:schemeClr val="dk1"/>
+                          </a:solidFill>
+                          <a:effectLst/>
+                          <a:latin typeface="Segoe UI" panose="020B0502040204020203" pitchFamily="34" charset="0"/>
+                          <a:ea typeface="Segoe UI" panose="020B0502040204020203" pitchFamily="34" charset="0"/>
+                          <a:cs typeface="Segoe UI" panose="020B0502040204020203" pitchFamily="34" charset="0"/>
+                        </a:rPr>
+                        <a:t>Export/Import</a:t>
+                      </a:r>
+                      <a:endParaRPr lang="ja-JP" altLang="ja-JP" sz="1050" kern="100" dirty="0">
+                        <a:effectLst/>
+                        <a:latin typeface="Segoe UI" panose="020B0502040204020203" pitchFamily="34" charset="0"/>
+                        <a:ea typeface="ＭＳ 明朝" panose="02020609040205080304" pitchFamily="17" charset="-128"/>
+                        <a:cs typeface="Segoe UI" panose="020B0502040204020203" pitchFamily="34" charset="0"/>
+                      </a:endParaRPr>
+                    </a:p>
+                  </a:txBody>
+                  <a:tcPr marL="68580" marR="68580" marT="0" marB="0" anchor="ctr">
+                    <a:solidFill>
+                      <a:srgbClr val="E7E8EA"/>
+                    </a:solidFill>
+                  </a:tcPr>
+                </a:tc>
+                <a:extLst>
+                  <a:ext uri="{0D108BD9-81ED-4DB2-BD59-A6C34878D82A}">
+                    <a16:rowId xmlns:a16="http://schemas.microsoft.com/office/drawing/2014/main" val="2250729476"/>
+                  </a:ext>
+                </a:extLst>
+              </a:tr>
+              <a:tr h="256767">
+                <a:tc>
+                  <a:txBody>
+                    <a:bodyPr/>
+                    <a:lstStyle/>
+                    <a:p>
+                      <a:pPr algn="l">
+                        <a:spcAft>
+                          <a:spcPts val="0"/>
+                        </a:spcAft>
+                      </a:pPr>
+                      <a:r>
                         <a:rPr lang="en-US" altLang="ja-JP" sz="1050" kern="100" dirty="0" smtClean="0">
                           <a:effectLst/>
                           <a:latin typeface="Segoe UI" panose="020B0502040204020203" pitchFamily="34" charset="0"/>
+                          <a:ea typeface="Segoe UI" panose="020B0502040204020203" pitchFamily="34" charset="0"/>
+                          <a:cs typeface="Segoe UI" panose="020B0502040204020203" pitchFamily="34" charset="0"/>
+                        </a:rPr>
+                        <a:t>Creating</a:t>
+                      </a:r>
+                      <a:r>
+                        <a:rPr lang="en-US" altLang="ja-JP" sz="1050" kern="100" baseline="0" dirty="0" smtClean="0">
+                          <a:effectLst/>
+                          <a:latin typeface="Segoe UI" panose="020B0502040204020203" pitchFamily="34" charset="0"/>
+                          <a:ea typeface="Segoe UI" panose="020B0502040204020203" pitchFamily="34" charset="0"/>
+                          <a:cs typeface="Segoe UI" panose="020B0502040204020203" pitchFamily="34" charset="0"/>
+                        </a:rPr>
+                        <a:t> menus</a:t>
+                      </a:r>
+                      <a:endParaRPr lang="ja-JP" sz="1050" kern="100" dirty="0">
+                        <a:effectLst/>
+                        <a:latin typeface="Segoe UI" panose="020B0502040204020203" pitchFamily="34" charset="0"/>
+                        <a:ea typeface="ＭＳ 明朝" panose="02020609040205080304" pitchFamily="17" charset="-128"/>
+                        <a:cs typeface="Segoe UI" panose="020B0502040204020203" pitchFamily="34" charset="0"/>
+                      </a:endParaRPr>
+                    </a:p>
+                  </a:txBody>
+                  <a:tcPr marL="68580" marR="68580" marT="0" marB="0" anchor="ctr">
+                    <a:solidFill>
+                      <a:srgbClr val="002B62"/>
+                    </a:solidFill>
+                  </a:tcPr>
+                </a:tc>
+                <a:tc>
+                  <a:txBody>
+                    <a:bodyPr/>
+                    <a:lstStyle/>
+                    <a:p>
+                      <a:pPr algn="l">
+                        <a:spcAft>
+                          <a:spcPts val="0"/>
+                        </a:spcAft>
+                      </a:pPr>
+                      <a:r>
+                        <a:rPr lang="en-US" altLang="ja-JP" sz="1050" kern="100" dirty="0" smtClean="0">
+                          <a:effectLst/>
+                          <a:latin typeface="Segoe UI" panose="020B0502040204020203" pitchFamily="34" charset="0"/>
                           <a:ea typeface="+mn-ea"/>
                           <a:cs typeface="Segoe UI" panose="020B0502040204020203" pitchFamily="34" charset="0"/>
                         </a:rPr>
@@ -26581,7 +25035,7 @@
                           <a:ea typeface="+mn-ea"/>
                           <a:cs typeface="Segoe UI" panose="020B0502040204020203" pitchFamily="34" charset="0"/>
                         </a:rPr>
-                        <a:t> master menu</a:t>
+                        <a:t> menu</a:t>
                       </a:r>
                       <a:endParaRPr lang="ja-JP" sz="1050" kern="100" dirty="0">
                         <a:effectLst/>
@@ -26870,7 +25324,2252 @@
 </p:sld>
 </file>
 
+<file path=ppt/slides/slide24.xml><?xml version="1.0" encoding="utf-8"?>
+<p:sld xmlns:a="http://schemas.openxmlformats.org/drawingml/2006/main" xmlns:r="http://schemas.openxmlformats.org/officeDocument/2006/relationships" xmlns:p="http://schemas.openxmlformats.org/presentationml/2006/main">
+  <p:cSld>
+    <p:spTree>
+      <p:nvGrpSpPr>
+        <p:cNvPr id="1" name=""/>
+        <p:cNvGrpSpPr/>
+        <p:nvPr/>
+      </p:nvGrpSpPr>
+      <p:grpSpPr>
+        <a:xfrm>
+          <a:off x="0" y="0"/>
+          <a:ext cx="0" cy="0"/>
+          <a:chOff x="0" y="0"/>
+          <a:chExt cx="0" cy="0"/>
+        </a:xfrm>
+      </p:grpSpPr>
+      <p:sp>
+        <p:nvSpPr>
+          <p:cNvPr id="2" name="タイトル 1"/>
+          <p:cNvSpPr>
+            <a:spLocks noGrp="1"/>
+          </p:cNvSpPr>
+          <p:nvPr>
+            <p:ph type="title"/>
+          </p:nvPr>
+        </p:nvSpPr>
+        <p:spPr/>
+        <p:txBody>
+          <a:bodyPr/>
+          <a:lstStyle/>
+          <a:p>
+            <a:r>
+              <a:rPr lang="en-US" altLang="ja-JP" dirty="0" smtClean="0">
+                <a:latin typeface="Segoe UI" panose="020B0502040204020203" pitchFamily="34" charset="0"/>
+                <a:ea typeface="Segoe UI" panose="020B0502040204020203" pitchFamily="34" charset="0"/>
+                <a:cs typeface="Segoe UI" panose="020B0502040204020203" pitchFamily="34" charset="0"/>
+              </a:rPr>
+              <a:t>4.4	Operation Check (4/6)</a:t>
+            </a:r>
+            <a:endParaRPr kumimoji="1" lang="ja-JP" altLang="en-US" dirty="0">
+              <a:latin typeface="Segoe UI" panose="020B0502040204020203" pitchFamily="34" charset="0"/>
+              <a:cs typeface="Segoe UI" panose="020B0502040204020203" pitchFamily="34" charset="0"/>
+            </a:endParaRPr>
+          </a:p>
+        </p:txBody>
+      </p:sp>
+      <p:sp>
+        <p:nvSpPr>
+          <p:cNvPr id="3" name="コンテンツ プレースホルダー 2"/>
+          <p:cNvSpPr>
+            <a:spLocks noGrp="1"/>
+          </p:cNvSpPr>
+          <p:nvPr>
+            <p:ph sz="quarter" idx="10"/>
+          </p:nvPr>
+        </p:nvSpPr>
+        <p:spPr>
+          <a:xfrm>
+            <a:off x="179512" y="836712"/>
+            <a:ext cx="8497058" cy="5616476"/>
+          </a:xfrm>
+        </p:spPr>
+        <p:txBody>
+          <a:bodyPr/>
+          <a:lstStyle/>
+          <a:p>
+            <a:r>
+              <a:rPr lang="en-US" altLang="ja-JP" dirty="0" smtClean="0">
+                <a:latin typeface="Segoe UI" panose="020B0502040204020203" pitchFamily="34" charset="0"/>
+                <a:ea typeface="Segoe UI" panose="020B0502040204020203" pitchFamily="34" charset="0"/>
+                <a:cs typeface="Segoe UI" panose="020B0502040204020203" pitchFamily="34" charset="0"/>
+              </a:rPr>
+              <a:t>Preparation for accessing from HTTPS</a:t>
+            </a:r>
+            <a:endParaRPr lang="ja-JP" altLang="en-US" dirty="0">
+              <a:latin typeface="Segoe UI" panose="020B0502040204020203" pitchFamily="34" charset="0"/>
+              <a:cs typeface="Segoe UI" panose="020B0502040204020203" pitchFamily="34" charset="0"/>
+            </a:endParaRPr>
+          </a:p>
+          <a:p>
+            <a:pPr lvl="1"/>
+            <a:r>
+              <a:rPr lang="en-US" altLang="ja-JP" dirty="0" smtClean="0">
+                <a:latin typeface="Segoe UI" panose="020B0502040204020203" pitchFamily="34" charset="0"/>
+                <a:ea typeface="Segoe UI" panose="020B0502040204020203" pitchFamily="34" charset="0"/>
+                <a:cs typeface="Segoe UI" panose="020B0502040204020203" pitchFamily="34" charset="0"/>
+              </a:rPr>
+              <a:t>Specify the IP address and host name of the IT Automation server in the hosts file of the Windows client.</a:t>
+            </a:r>
+            <a:br>
+              <a:rPr lang="en-US" altLang="ja-JP" dirty="0" smtClean="0">
+                <a:latin typeface="Segoe UI" panose="020B0502040204020203" pitchFamily="34" charset="0"/>
+                <a:ea typeface="Segoe UI" panose="020B0502040204020203" pitchFamily="34" charset="0"/>
+                <a:cs typeface="Segoe UI" panose="020B0502040204020203" pitchFamily="34" charset="0"/>
+              </a:rPr>
+            </a:br>
+            <a:endParaRPr lang="en-US" altLang="ja-JP" b="1" dirty="0">
+              <a:solidFill>
+                <a:srgbClr val="FF0000"/>
+              </a:solidFill>
+              <a:latin typeface="Segoe UI" panose="020B0502040204020203" pitchFamily="34" charset="0"/>
+              <a:ea typeface="Segoe UI" panose="020B0502040204020203" pitchFamily="34" charset="0"/>
+              <a:cs typeface="Segoe UI" panose="020B0502040204020203" pitchFamily="34" charset="0"/>
+            </a:endParaRPr>
+          </a:p>
+          <a:p>
+            <a:pPr lvl="1"/>
+            <a:r>
+              <a:rPr lang="en-US" altLang="ja-JP" dirty="0" smtClean="0">
+                <a:latin typeface="Segoe UI" panose="020B0502040204020203" pitchFamily="34" charset="0"/>
+                <a:ea typeface="Segoe UI" panose="020B0502040204020203" pitchFamily="34" charset="0"/>
+                <a:cs typeface="Segoe UI" panose="020B0502040204020203" pitchFamily="34" charset="0"/>
+              </a:rPr>
+              <a:t>For Windows 10, the hosts file is located at the following:</a:t>
+            </a:r>
+          </a:p>
+          <a:p>
+            <a:pPr lvl="1"/>
+            <a:endParaRPr lang="en-US" altLang="ja-JP" dirty="0" smtClean="0">
+              <a:latin typeface="Segoe UI" panose="020B0502040204020203" pitchFamily="34" charset="0"/>
+              <a:ea typeface="Segoe UI" panose="020B0502040204020203" pitchFamily="34" charset="0"/>
+              <a:cs typeface="Segoe UI" panose="020B0502040204020203" pitchFamily="34" charset="0"/>
+            </a:endParaRPr>
+          </a:p>
+          <a:p>
+            <a:pPr marL="180000" lvl="1" indent="0">
+              <a:buNone/>
+            </a:pPr>
+            <a:endParaRPr lang="en-US" altLang="ja-JP" dirty="0" smtClean="0">
+              <a:latin typeface="Segoe UI" panose="020B0502040204020203" pitchFamily="34" charset="0"/>
+              <a:ea typeface="Segoe UI" panose="020B0502040204020203" pitchFamily="34" charset="0"/>
+              <a:cs typeface="Segoe UI" panose="020B0502040204020203" pitchFamily="34" charset="0"/>
+            </a:endParaRPr>
+          </a:p>
+          <a:p>
+            <a:pPr marL="180000" lvl="1" indent="0">
+              <a:buNone/>
+            </a:pPr>
+            <a:endParaRPr lang="en-US" altLang="ja-JP" dirty="0">
+              <a:latin typeface="Segoe UI" panose="020B0502040204020203" pitchFamily="34" charset="0"/>
+              <a:ea typeface="Segoe UI" panose="020B0502040204020203" pitchFamily="34" charset="0"/>
+              <a:cs typeface="Segoe UI" panose="020B0502040204020203" pitchFamily="34" charset="0"/>
+            </a:endParaRPr>
+          </a:p>
+          <a:p>
+            <a:pPr marL="180000" lvl="1" indent="0">
+              <a:buNone/>
+            </a:pPr>
+            <a:endParaRPr lang="en-US" altLang="ja-JP" dirty="0">
+              <a:latin typeface="Segoe UI" panose="020B0502040204020203" pitchFamily="34" charset="0"/>
+              <a:ea typeface="Segoe UI" panose="020B0502040204020203" pitchFamily="34" charset="0"/>
+              <a:cs typeface="Segoe UI" panose="020B0502040204020203" pitchFamily="34" charset="0"/>
+            </a:endParaRPr>
+          </a:p>
+          <a:p>
+            <a:pPr lvl="1"/>
+            <a:r>
+              <a:rPr lang="en-US" altLang="ja-JP" dirty="0" smtClean="0">
+                <a:latin typeface="Segoe UI" panose="020B0502040204020203" pitchFamily="34" charset="0"/>
+                <a:ea typeface="Segoe UI" panose="020B0502040204020203" pitchFamily="34" charset="0"/>
+                <a:cs typeface="Segoe UI" panose="020B0502040204020203" pitchFamily="34" charset="0"/>
+              </a:rPr>
+              <a:t>To the hosts file, add the following settings:</a:t>
+            </a:r>
+            <a:endParaRPr lang="ja-JP" altLang="en-US" dirty="0">
+              <a:latin typeface="Segoe UI" panose="020B0502040204020203" pitchFamily="34" charset="0"/>
+              <a:cs typeface="Segoe UI" panose="020B0502040204020203" pitchFamily="34" charset="0"/>
+            </a:endParaRPr>
+          </a:p>
+          <a:p>
+            <a:pPr lvl="1"/>
+            <a:endParaRPr kumimoji="1" lang="ja-JP" altLang="en-US" dirty="0">
+              <a:latin typeface="Segoe UI" panose="020B0502040204020203" pitchFamily="34" charset="0"/>
+              <a:cs typeface="Segoe UI" panose="020B0502040204020203" pitchFamily="34" charset="0"/>
+            </a:endParaRPr>
+          </a:p>
+        </p:txBody>
+      </p:sp>
+      <p:graphicFrame>
+        <p:nvGraphicFramePr>
+          <p:cNvPr id="6" name="表 5"/>
+          <p:cNvGraphicFramePr>
+            <a:graphicFrameLocks noGrp="1"/>
+          </p:cNvGraphicFramePr>
+          <p:nvPr>
+            <p:extLst>
+              <p:ext uri="{D42A27DB-BD31-4B8C-83A1-F6EECF244321}">
+                <p14:modId xmlns:p14="http://schemas.microsoft.com/office/powerpoint/2010/main" val="99024855"/>
+              </p:ext>
+            </p:extLst>
+          </p:nvPr>
+        </p:nvGraphicFramePr>
+        <p:xfrm>
+          <a:off x="1830475" y="2836769"/>
+          <a:ext cx="5485765" cy="316230"/>
+        </p:xfrm>
+        <a:graphic>
+          <a:graphicData uri="http://schemas.openxmlformats.org/drawingml/2006/table">
+            <a:tbl>
+              <a:tblPr firstRow="1" firstCol="1" bandRow="1">
+                <a:tableStyleId>{5C22544A-7EE6-4342-B048-85BDC9FD1C3A}</a:tableStyleId>
+              </a:tblPr>
+              <a:tblGrid>
+                <a:gridCol w="5485765">
+                  <a:extLst>
+                    <a:ext uri="{9D8B030D-6E8A-4147-A177-3AD203B41FA5}">
+                      <a16:colId xmlns:a16="http://schemas.microsoft.com/office/drawing/2014/main" val="20000"/>
+                    </a:ext>
+                  </a:extLst>
+                </a:gridCol>
+              </a:tblGrid>
+              <a:tr h="316230">
+                <a:tc>
+                  <a:txBody>
+                    <a:bodyPr/>
+                    <a:lstStyle/>
+                    <a:p>
+                      <a:pPr algn="just">
+                        <a:spcAft>
+                          <a:spcPts val="0"/>
+                        </a:spcAft>
+                      </a:pPr>
+                      <a:r>
+                        <a:rPr lang="en-US" sz="1050" kern="100" dirty="0">
+                          <a:effectLst/>
+                        </a:rPr>
+                        <a:t>C:\Windows\System32\drivers\etc\hosts</a:t>
+                      </a:r>
+                      <a:endParaRPr lang="ja-JP" sz="1050" kern="100" dirty="0">
+                        <a:effectLst/>
+                        <a:latin typeface="Century" panose="02040604050505020304" pitchFamily="18" charset="0"/>
+                        <a:ea typeface="ＭＳ 明朝" panose="02020609040205080304" pitchFamily="17" charset="-128"/>
+                        <a:cs typeface="Times New Roman" panose="02020603050405020304" pitchFamily="18" charset="0"/>
+                      </a:endParaRPr>
+                    </a:p>
+                  </a:txBody>
+                  <a:tcPr marL="68580" marR="68580" marT="0" marB="0" anchor="ctr">
+                    <a:solidFill>
+                      <a:srgbClr val="002B62"/>
+                    </a:solidFill>
+                  </a:tcPr>
+                </a:tc>
+                <a:extLst>
+                  <a:ext uri="{0D108BD9-81ED-4DB2-BD59-A6C34878D82A}">
+                    <a16:rowId xmlns:a16="http://schemas.microsoft.com/office/drawing/2014/main" val="10000"/>
+                  </a:ext>
+                </a:extLst>
+              </a:tr>
+            </a:tbl>
+          </a:graphicData>
+        </a:graphic>
+      </p:graphicFrame>
+      <p:graphicFrame>
+        <p:nvGraphicFramePr>
+          <p:cNvPr id="7" name="表 6"/>
+          <p:cNvGraphicFramePr>
+            <a:graphicFrameLocks noGrp="1"/>
+          </p:cNvGraphicFramePr>
+          <p:nvPr>
+            <p:extLst>
+              <p:ext uri="{D42A27DB-BD31-4B8C-83A1-F6EECF244321}">
+                <p14:modId xmlns:p14="http://schemas.microsoft.com/office/powerpoint/2010/main" val="2262637613"/>
+              </p:ext>
+            </p:extLst>
+          </p:nvPr>
+        </p:nvGraphicFramePr>
+        <p:xfrm>
+          <a:off x="1828630" y="4221110"/>
+          <a:ext cx="5485765" cy="936130"/>
+        </p:xfrm>
+        <a:graphic>
+          <a:graphicData uri="http://schemas.openxmlformats.org/drawingml/2006/table">
+            <a:tbl>
+              <a:tblPr firstRow="1" firstCol="1" bandRow="1">
+                <a:tableStyleId>{5C22544A-7EE6-4342-B048-85BDC9FD1C3A}</a:tableStyleId>
+              </a:tblPr>
+              <a:tblGrid>
+                <a:gridCol w="5485765">
+                  <a:extLst>
+                    <a:ext uri="{9D8B030D-6E8A-4147-A177-3AD203B41FA5}">
+                      <a16:colId xmlns:a16="http://schemas.microsoft.com/office/drawing/2014/main" val="20000"/>
+                    </a:ext>
+                  </a:extLst>
+                </a:gridCol>
+              </a:tblGrid>
+              <a:tr h="936130">
+                <a:tc>
+                  <a:txBody>
+                    <a:bodyPr/>
+                    <a:lstStyle/>
+                    <a:p>
+                      <a:pPr algn="l">
+                        <a:spcAft>
+                          <a:spcPts val="0"/>
+                        </a:spcAft>
+                      </a:pPr>
+                      <a:r>
+                        <a:rPr lang="en-US" sz="1050" kern="100" dirty="0" smtClean="0">
+                          <a:effectLst/>
+                        </a:rPr>
+                        <a:t>“ITA</a:t>
+                      </a:r>
+                      <a:r>
+                        <a:rPr lang="ja-JP" sz="1050" kern="100" dirty="0" smtClean="0">
+                          <a:effectLst/>
+                        </a:rPr>
+                        <a:t>実装</a:t>
+                      </a:r>
+                      <a:r>
+                        <a:rPr lang="ja-JP" sz="1050" kern="100" dirty="0">
+                          <a:effectLst/>
+                        </a:rPr>
+                        <a:t>サーバの</a:t>
+                      </a:r>
+                      <a:r>
+                        <a:rPr lang="en-US" sz="1050" kern="100" dirty="0">
+                          <a:effectLst/>
+                        </a:rPr>
+                        <a:t>IP</a:t>
+                      </a:r>
+                      <a:r>
+                        <a:rPr lang="ja-JP" sz="1050" kern="100" dirty="0">
+                          <a:effectLst/>
+                        </a:rPr>
+                        <a:t>アドレス</a:t>
+                      </a:r>
+                      <a:r>
+                        <a:rPr lang="en-US" sz="1050" kern="100" dirty="0">
+                          <a:effectLst/>
+                        </a:rPr>
+                        <a:t>”</a:t>
+                      </a:r>
+                      <a:r>
+                        <a:rPr lang="ja-JP" sz="1050" kern="100" dirty="0">
+                          <a:effectLst/>
+                        </a:rPr>
+                        <a:t>　</a:t>
+                      </a:r>
+                      <a:r>
+                        <a:rPr lang="ja-JP" sz="1050" kern="0" dirty="0">
+                          <a:effectLst/>
+                        </a:rPr>
+                        <a:t> </a:t>
+                      </a:r>
+                      <a:r>
+                        <a:rPr lang="en-US" altLang="ja-JP" sz="1050" kern="0" dirty="0" smtClean="0">
+                          <a:effectLst/>
+                        </a:rPr>
+                        <a:t>exastro</a:t>
+                      </a:r>
+                      <a:r>
+                        <a:rPr lang="en-US" sz="1050" kern="0" dirty="0" smtClean="0">
+                          <a:effectLst/>
+                        </a:rPr>
+                        <a:t>-it-automation</a:t>
+                      </a:r>
+                      <a:r>
+                        <a:rPr lang="en-US" sz="1050" kern="0" dirty="0">
+                          <a:effectLst/>
+                        </a:rPr>
+                        <a:t/>
+                      </a:r>
+                      <a:br>
+                        <a:rPr lang="en-US" sz="1050" kern="0" dirty="0">
+                          <a:effectLst/>
+                        </a:rPr>
+                      </a:br>
+                      <a:r>
+                        <a:rPr lang="en-US" sz="1050" kern="0" dirty="0" smtClean="0">
+                          <a:effectLst/>
+                        </a:rPr>
+                        <a:t/>
+                      </a:r>
+                      <a:br>
+                        <a:rPr lang="en-US" sz="1050" kern="0" dirty="0" smtClean="0">
+                          <a:effectLst/>
+                        </a:rPr>
+                      </a:br>
+                      <a:r>
+                        <a:rPr lang="ja-JP" sz="1050" kern="0" dirty="0" smtClean="0">
+                          <a:effectLst/>
+                        </a:rPr>
+                        <a:t>例</a:t>
+                      </a:r>
+                      <a:r>
+                        <a:rPr lang="ja-JP" altLang="en-US" sz="1050" kern="0" dirty="0" smtClean="0">
+                          <a:effectLst/>
+                        </a:rPr>
+                        <a:t>）</a:t>
+                      </a:r>
+                      <a:r>
+                        <a:rPr lang="en-US" sz="1050" kern="0" dirty="0" smtClean="0">
+                          <a:effectLst/>
+                        </a:rPr>
+                        <a:t/>
+                      </a:r>
+                      <a:br>
+                        <a:rPr lang="en-US" sz="1050" kern="0" dirty="0" smtClean="0">
+                          <a:effectLst/>
+                        </a:rPr>
+                      </a:br>
+                      <a:r>
+                        <a:rPr lang="en-US" sz="1050" kern="0" dirty="0" smtClean="0">
+                          <a:effectLst/>
+                        </a:rPr>
+                        <a:t>192.168.0.3 </a:t>
+                      </a:r>
+                      <a:r>
+                        <a:rPr lang="ja-JP" sz="1050" kern="0" dirty="0">
+                          <a:effectLst/>
+                        </a:rPr>
+                        <a:t>　</a:t>
+                      </a:r>
+                      <a:r>
+                        <a:rPr lang="en-US" altLang="ja-JP" sz="1050" kern="0" dirty="0" smtClean="0">
+                          <a:effectLst/>
+                        </a:rPr>
+                        <a:t>e</a:t>
+                      </a:r>
+                      <a:r>
+                        <a:rPr lang="en-US" sz="1050" kern="0" dirty="0" smtClean="0">
+                          <a:effectLst/>
+                        </a:rPr>
+                        <a:t>xastro-it-automation</a:t>
+                      </a:r>
+                      <a:endParaRPr lang="ja-JP" sz="1050" kern="100" dirty="0">
+                        <a:effectLst/>
+                        <a:latin typeface="Century" panose="02040604050505020304" pitchFamily="18" charset="0"/>
+                        <a:ea typeface="ＭＳ 明朝" panose="02020609040205080304" pitchFamily="17" charset="-128"/>
+                        <a:cs typeface="Times New Roman" panose="02020603050405020304" pitchFamily="18" charset="0"/>
+                      </a:endParaRPr>
+                    </a:p>
+                  </a:txBody>
+                  <a:tcPr marL="68580" marR="68580" marT="0" marB="0" anchor="ctr">
+                    <a:solidFill>
+                      <a:srgbClr val="002B62"/>
+                    </a:solidFill>
+                  </a:tcPr>
+                </a:tc>
+                <a:extLst>
+                  <a:ext uri="{0D108BD9-81ED-4DB2-BD59-A6C34878D82A}">
+                    <a16:rowId xmlns:a16="http://schemas.microsoft.com/office/drawing/2014/main" val="10000"/>
+                  </a:ext>
+                </a:extLst>
+              </a:tr>
+            </a:tbl>
+          </a:graphicData>
+        </a:graphic>
+      </p:graphicFrame>
+    </p:spTree>
+    <p:extLst>
+      <p:ext uri="{BB962C8B-B14F-4D97-AF65-F5344CB8AC3E}">
+        <p14:creationId xmlns:p14="http://schemas.microsoft.com/office/powerpoint/2010/main" val="4091577267"/>
+      </p:ext>
+    </p:extLst>
+  </p:cSld>
+  <p:clrMapOvr>
+    <a:masterClrMapping/>
+  </p:clrMapOvr>
+  <p:timing>
+    <p:tnLst>
+      <p:par>
+        <p:cTn id="1" dur="indefinite" restart="never" nodeType="tmRoot"/>
+      </p:par>
+    </p:tnLst>
+  </p:timing>
+</p:sld>
+</file>
+
+<file path=ppt/slides/slide25.xml><?xml version="1.0" encoding="utf-8"?>
+<p:sld xmlns:a="http://schemas.openxmlformats.org/drawingml/2006/main" xmlns:r="http://schemas.openxmlformats.org/officeDocument/2006/relationships" xmlns:p="http://schemas.openxmlformats.org/presentationml/2006/main">
+  <p:cSld>
+    <p:spTree>
+      <p:nvGrpSpPr>
+        <p:cNvPr id="1" name=""/>
+        <p:cNvGrpSpPr/>
+        <p:nvPr/>
+      </p:nvGrpSpPr>
+      <p:grpSpPr>
+        <a:xfrm>
+          <a:off x="0" y="0"/>
+          <a:ext cx="0" cy="0"/>
+          <a:chOff x="0" y="0"/>
+          <a:chExt cx="0" cy="0"/>
+        </a:xfrm>
+      </p:grpSpPr>
+      <p:sp>
+        <p:nvSpPr>
+          <p:cNvPr id="2" name="タイトル 1"/>
+          <p:cNvSpPr>
+            <a:spLocks noGrp="1"/>
+          </p:cNvSpPr>
+          <p:nvPr>
+            <p:ph type="title"/>
+          </p:nvPr>
+        </p:nvSpPr>
+        <p:spPr/>
+        <p:txBody>
+          <a:bodyPr/>
+          <a:lstStyle/>
+          <a:p>
+            <a:r>
+              <a:rPr lang="en-US" altLang="ja-JP" dirty="0" smtClean="0">
+                <a:latin typeface="Segoe UI" panose="020B0502040204020203" pitchFamily="34" charset="0"/>
+                <a:ea typeface="Segoe UI" panose="020B0502040204020203" pitchFamily="34" charset="0"/>
+                <a:cs typeface="Segoe UI" panose="020B0502040204020203" pitchFamily="34" charset="0"/>
+              </a:rPr>
+              <a:t>4.5	Operation Check (5/6)</a:t>
+            </a:r>
+            <a:endParaRPr kumimoji="1" lang="ja-JP" altLang="en-US" dirty="0">
+              <a:latin typeface="Segoe UI" panose="020B0502040204020203" pitchFamily="34" charset="0"/>
+              <a:cs typeface="Segoe UI" panose="020B0502040204020203" pitchFamily="34" charset="0"/>
+            </a:endParaRPr>
+          </a:p>
+        </p:txBody>
+      </p:sp>
+      <p:sp>
+        <p:nvSpPr>
+          <p:cNvPr id="3" name="コンテンツ プレースホルダー 2"/>
+          <p:cNvSpPr>
+            <a:spLocks noGrp="1"/>
+          </p:cNvSpPr>
+          <p:nvPr>
+            <p:ph sz="quarter" idx="10"/>
+          </p:nvPr>
+        </p:nvSpPr>
+        <p:spPr/>
+        <p:txBody>
+          <a:bodyPr>
+            <a:normAutofit fontScale="92500" lnSpcReduction="20000"/>
+          </a:bodyPr>
+          <a:lstStyle/>
+          <a:p>
+            <a:pPr lvl="1"/>
+            <a:r>
+              <a:rPr lang="en-US" altLang="ja-JP" dirty="0" smtClean="0">
+                <a:latin typeface="Segoe UI" panose="020B0502040204020203" pitchFamily="34" charset="0"/>
+                <a:ea typeface="Segoe UI" panose="020B0502040204020203" pitchFamily="34" charset="0"/>
+                <a:cs typeface="Segoe UI" panose="020B0502040204020203" pitchFamily="34" charset="0"/>
+              </a:rPr>
+              <a:t>Import </a:t>
+            </a:r>
+            <a:r>
+              <a:rPr lang="en-US" altLang="ja-JP" dirty="0">
+                <a:latin typeface="Segoe UI" panose="020B0502040204020203" pitchFamily="34" charset="0"/>
+                <a:ea typeface="Segoe UI" panose="020B0502040204020203" pitchFamily="34" charset="0"/>
+                <a:cs typeface="Segoe UI" panose="020B0502040204020203" pitchFamily="34" charset="0"/>
+              </a:rPr>
+              <a:t>the certificate into the operating device(Windows). </a:t>
+            </a:r>
+            <a:r>
+              <a:rPr lang="en-US" altLang="ja-JP" dirty="0" smtClean="0">
+                <a:latin typeface="Segoe UI" panose="020B0502040204020203" pitchFamily="34" charset="0"/>
+                <a:ea typeface="Segoe UI" panose="020B0502040204020203" pitchFamily="34" charset="0"/>
+                <a:cs typeface="Segoe UI" panose="020B0502040204020203" pitchFamily="34" charset="0"/>
+              </a:rPr>
+              <a:t/>
+            </a:r>
+            <a:br>
+              <a:rPr lang="en-US" altLang="ja-JP" dirty="0" smtClean="0">
+                <a:latin typeface="Segoe UI" panose="020B0502040204020203" pitchFamily="34" charset="0"/>
+                <a:ea typeface="Segoe UI" panose="020B0502040204020203" pitchFamily="34" charset="0"/>
+                <a:cs typeface="Segoe UI" panose="020B0502040204020203" pitchFamily="34" charset="0"/>
+              </a:rPr>
+            </a:br>
+            <a:r>
+              <a:rPr lang="en-US" altLang="ja-JP" dirty="0" smtClean="0">
+                <a:latin typeface="Segoe UI" panose="020B0502040204020203" pitchFamily="34" charset="0"/>
+                <a:ea typeface="Segoe UI" panose="020B0502040204020203" pitchFamily="34" charset="0"/>
+                <a:cs typeface="Segoe UI" panose="020B0502040204020203" pitchFamily="34" charset="0"/>
+              </a:rPr>
+              <a:t>The certificate is stored in the following directory of the </a:t>
+            </a:r>
+            <a:r>
+              <a:rPr lang="en-US" altLang="ja-JP" dirty="0" smtClean="0">
+                <a:solidFill>
+                  <a:srgbClr val="000000"/>
+                </a:solidFill>
+                <a:latin typeface="Segoe UI" panose="020B0502040204020203" pitchFamily="34" charset="0"/>
+                <a:ea typeface="Segoe UI" panose="020B0502040204020203" pitchFamily="34" charset="0"/>
+                <a:cs typeface="Segoe UI" panose="020B0502040204020203" pitchFamily="34" charset="0"/>
+              </a:rPr>
+              <a:t>IT Automation installation package.</a:t>
+            </a:r>
+            <a:endParaRPr lang="ja-JP" altLang="ja-JP" dirty="0">
+              <a:solidFill>
+                <a:srgbClr val="000000"/>
+              </a:solidFill>
+              <a:latin typeface="Segoe UI" panose="020B0502040204020203" pitchFamily="34" charset="0"/>
+              <a:cs typeface="Segoe UI" panose="020B0502040204020203" pitchFamily="34" charset="0"/>
+            </a:endParaRPr>
+          </a:p>
+          <a:p>
+            <a:pPr lvl="1"/>
+            <a:r>
+              <a:rPr lang="en-US" altLang="ja-JP" dirty="0" smtClean="0">
+                <a:latin typeface="Segoe UI" panose="020B0502040204020203" pitchFamily="34" charset="0"/>
+                <a:ea typeface="Segoe UI" panose="020B0502040204020203" pitchFamily="34" charset="0"/>
+                <a:cs typeface="Segoe UI" panose="020B0502040204020203" pitchFamily="34" charset="0"/>
+              </a:rPr>
+              <a:t>Use a tool (such as FFFTP and WinSCP) to download the client.</a:t>
+            </a:r>
+            <a:endParaRPr lang="ja-JP" altLang="ja-JP" dirty="0">
+              <a:latin typeface="Segoe UI" panose="020B0502040204020203" pitchFamily="34" charset="0"/>
+              <a:cs typeface="Segoe UI" panose="020B0502040204020203" pitchFamily="34" charset="0"/>
+            </a:endParaRPr>
+          </a:p>
+          <a:p>
+            <a:pPr marL="180000" lvl="1" indent="0">
+              <a:buNone/>
+            </a:pPr>
+            <a:endParaRPr lang="en-US" altLang="ja-JP" dirty="0" smtClean="0">
+              <a:latin typeface="Segoe UI" panose="020B0502040204020203" pitchFamily="34" charset="0"/>
+              <a:ea typeface="Segoe UI" panose="020B0502040204020203" pitchFamily="34" charset="0"/>
+              <a:cs typeface="Segoe UI" panose="020B0502040204020203" pitchFamily="34" charset="0"/>
+            </a:endParaRPr>
+          </a:p>
+          <a:p>
+            <a:pPr marL="180000" lvl="1" indent="0">
+              <a:buNone/>
+            </a:pPr>
+            <a:endParaRPr lang="en-US" altLang="ja-JP" dirty="0">
+              <a:latin typeface="Segoe UI" panose="020B0502040204020203" pitchFamily="34" charset="0"/>
+              <a:ea typeface="Segoe UI" panose="020B0502040204020203" pitchFamily="34" charset="0"/>
+              <a:cs typeface="Segoe UI" panose="020B0502040204020203" pitchFamily="34" charset="0"/>
+            </a:endParaRPr>
+          </a:p>
+          <a:p>
+            <a:pPr marL="180000" lvl="1" indent="0">
+              <a:buNone/>
+            </a:pPr>
+            <a:endParaRPr lang="en-US" altLang="ja-JP" dirty="0" smtClean="0">
+              <a:latin typeface="Segoe UI" panose="020B0502040204020203" pitchFamily="34" charset="0"/>
+              <a:ea typeface="Segoe UI" panose="020B0502040204020203" pitchFamily="34" charset="0"/>
+              <a:cs typeface="Segoe UI" panose="020B0502040204020203" pitchFamily="34" charset="0"/>
+            </a:endParaRPr>
+          </a:p>
+          <a:p>
+            <a:pPr marL="180000" lvl="1" indent="0">
+              <a:buNone/>
+            </a:pPr>
+            <a:endParaRPr lang="en-US" altLang="ja-JP" dirty="0" smtClean="0">
+              <a:latin typeface="Segoe UI" panose="020B0502040204020203" pitchFamily="34" charset="0"/>
+              <a:ea typeface="Segoe UI" panose="020B0502040204020203" pitchFamily="34" charset="0"/>
+              <a:cs typeface="Segoe UI" panose="020B0502040204020203" pitchFamily="34" charset="0"/>
+            </a:endParaRPr>
+          </a:p>
+          <a:p>
+            <a:pPr marL="180000" lvl="1" indent="0">
+              <a:buNone/>
+            </a:pPr>
+            <a:endParaRPr lang="en-US" altLang="ja-JP" dirty="0" smtClean="0">
+              <a:latin typeface="Segoe UI" panose="020B0502040204020203" pitchFamily="34" charset="0"/>
+              <a:ea typeface="Segoe UI" panose="020B0502040204020203" pitchFamily="34" charset="0"/>
+              <a:cs typeface="Segoe UI" panose="020B0502040204020203" pitchFamily="34" charset="0"/>
+            </a:endParaRPr>
+          </a:p>
+          <a:p>
+            <a:pPr marL="180000" lvl="1" indent="0">
+              <a:buNone/>
+            </a:pPr>
+            <a:endParaRPr lang="en-US" altLang="ja-JP" dirty="0">
+              <a:latin typeface="Segoe UI" panose="020B0502040204020203" pitchFamily="34" charset="0"/>
+              <a:ea typeface="Segoe UI" panose="020B0502040204020203" pitchFamily="34" charset="0"/>
+              <a:cs typeface="Segoe UI" panose="020B0502040204020203" pitchFamily="34" charset="0"/>
+            </a:endParaRPr>
+          </a:p>
+          <a:p>
+            <a:pPr lvl="1"/>
+            <a:r>
+              <a:rPr lang="en-US" altLang="ja-JP" dirty="0" smtClean="0">
+                <a:latin typeface="Segoe UI" panose="020B0502040204020203" pitchFamily="34" charset="0"/>
+                <a:ea typeface="Segoe UI" panose="020B0502040204020203" pitchFamily="34" charset="0"/>
+                <a:cs typeface="Segoe UI" panose="020B0502040204020203" pitchFamily="34" charset="0"/>
+              </a:rPr>
+              <a:t>Import the certificate to a Web browser.</a:t>
+            </a:r>
+            <a:endParaRPr lang="ja-JP" altLang="ja-JP" dirty="0">
+              <a:latin typeface="Segoe UI" panose="020B0502040204020203" pitchFamily="34" charset="0"/>
+              <a:cs typeface="Segoe UI" panose="020B0502040204020203" pitchFamily="34" charset="0"/>
+            </a:endParaRPr>
+          </a:p>
+          <a:p>
+            <a:pPr lvl="1"/>
+            <a:r>
+              <a:rPr lang="en-US" altLang="ja-JP" dirty="0" smtClean="0">
+                <a:latin typeface="Segoe UI" panose="020B0502040204020203" pitchFamily="34" charset="0"/>
+                <a:ea typeface="Segoe UI" panose="020B0502040204020203" pitchFamily="34" charset="0"/>
+                <a:cs typeface="Segoe UI" panose="020B0502040204020203" pitchFamily="34" charset="0"/>
+              </a:rPr>
+              <a:t>For </a:t>
+            </a:r>
+            <a:r>
+              <a:rPr lang="en-US" altLang="ja-JP" dirty="0" smtClean="0">
+                <a:ea typeface="Segoe UI" panose="020B0502040204020203" pitchFamily="34" charset="0"/>
+              </a:rPr>
+              <a:t>Google Chrome</a:t>
+            </a:r>
+            <a:r>
+              <a:rPr lang="en-US" altLang="ja-JP" dirty="0" smtClean="0">
+                <a:latin typeface="Segoe UI" panose="020B0502040204020203" pitchFamily="34" charset="0"/>
+                <a:ea typeface="Segoe UI" panose="020B0502040204020203" pitchFamily="34" charset="0"/>
+                <a:cs typeface="Segoe UI" panose="020B0502040204020203" pitchFamily="34" charset="0"/>
+              </a:rPr>
+              <a:t>, import the certificate as follows.</a:t>
+            </a:r>
+          </a:p>
+          <a:p>
+            <a:pPr lvl="1"/>
+            <a:endParaRPr lang="ja-JP" altLang="ja-JP" dirty="0">
+              <a:latin typeface="Segoe UI" panose="020B0502040204020203" pitchFamily="34" charset="0"/>
+              <a:cs typeface="Segoe UI" panose="020B0502040204020203" pitchFamily="34" charset="0"/>
+            </a:endParaRPr>
+          </a:p>
+          <a:p>
+            <a:pPr marL="700088" lvl="1" indent="-342900">
+              <a:buFont typeface="+mj-lt"/>
+              <a:buAutoNum type="arabicPeriod"/>
+            </a:pPr>
+            <a:r>
+              <a:rPr lang="en-US" altLang="ja-JP" dirty="0" smtClean="0">
+                <a:latin typeface="Segoe UI" panose="020B0502040204020203" pitchFamily="34" charset="0"/>
+                <a:ea typeface="Segoe UI" panose="020B0502040204020203" pitchFamily="34" charset="0"/>
+                <a:cs typeface="Segoe UI" panose="020B0502040204020203" pitchFamily="34" charset="0"/>
+              </a:rPr>
+              <a:t>Start </a:t>
+            </a:r>
+            <a:r>
+              <a:rPr lang="en-US" altLang="ja-JP" dirty="0">
+                <a:latin typeface="Segoe UI" panose="020B0502040204020203" pitchFamily="34" charset="0"/>
+                <a:ea typeface="Segoe UI" panose="020B0502040204020203" pitchFamily="34" charset="0"/>
+                <a:cs typeface="Segoe UI" panose="020B0502040204020203" pitchFamily="34" charset="0"/>
+              </a:rPr>
+              <a:t>up </a:t>
+            </a:r>
+            <a:r>
+              <a:rPr lang="en-US" altLang="ja-JP" dirty="0" smtClean="0">
+                <a:ea typeface="Segoe UI" panose="020B0502040204020203" pitchFamily="34" charset="0"/>
+              </a:rPr>
+              <a:t>Google Chrome</a:t>
+            </a:r>
+            <a:r>
+              <a:rPr lang="en-US" altLang="ja-JP" dirty="0" smtClean="0">
+                <a:latin typeface="Segoe UI" panose="020B0502040204020203" pitchFamily="34" charset="0"/>
+                <a:ea typeface="Segoe UI" panose="020B0502040204020203" pitchFamily="34" charset="0"/>
+                <a:cs typeface="Segoe UI" panose="020B0502040204020203" pitchFamily="34" charset="0"/>
+              </a:rPr>
+              <a:t>. Then select </a:t>
+            </a:r>
+            <a:r>
+              <a:rPr lang="en-US" altLang="ja-JP" b="1" dirty="0">
+                <a:ea typeface="Segoe UI" panose="020B0502040204020203" pitchFamily="34" charset="0"/>
+              </a:rPr>
+              <a:t>Settings button </a:t>
+            </a:r>
+            <a:r>
+              <a:rPr lang="en-US" altLang="ja-JP" dirty="0" smtClean="0">
+                <a:ea typeface="Segoe UI" panose="020B0502040204020203" pitchFamily="34" charset="0"/>
+              </a:rPr>
+              <a:t>in the upper right </a:t>
+            </a:r>
+            <a:r>
+              <a:rPr lang="en-US" altLang="ja-JP" dirty="0" smtClean="0">
+                <a:latin typeface="Segoe UI" panose="020B0502040204020203" pitchFamily="34" charset="0"/>
+                <a:ea typeface="Segoe UI" panose="020B0502040204020203" pitchFamily="34" charset="0"/>
+                <a:cs typeface="Segoe UI" panose="020B0502040204020203" pitchFamily="34" charset="0"/>
+              </a:rPr>
+              <a:t>&gt; </a:t>
+            </a:r>
+            <a:r>
+              <a:rPr lang="en-US" altLang="ja-JP" b="1" dirty="0" smtClean="0">
+                <a:latin typeface="Segoe UI" panose="020B0502040204020203" pitchFamily="34" charset="0"/>
+                <a:ea typeface="Segoe UI" panose="020B0502040204020203" pitchFamily="34" charset="0"/>
+                <a:cs typeface="Segoe UI" panose="020B0502040204020203" pitchFamily="34" charset="0"/>
+              </a:rPr>
+              <a:t>settings</a:t>
+            </a:r>
+            <a:r>
+              <a:rPr lang="en-US" altLang="ja-JP" dirty="0" smtClean="0">
+                <a:latin typeface="Segoe UI" panose="020B0502040204020203" pitchFamily="34" charset="0"/>
+                <a:ea typeface="Segoe UI" panose="020B0502040204020203" pitchFamily="34" charset="0"/>
+                <a:cs typeface="Segoe UI" panose="020B0502040204020203" pitchFamily="34" charset="0"/>
+              </a:rPr>
+              <a:t>.</a:t>
+            </a:r>
+            <a:endParaRPr lang="ja-JP" altLang="ja-JP" dirty="0">
+              <a:latin typeface="Segoe UI" panose="020B0502040204020203" pitchFamily="34" charset="0"/>
+              <a:cs typeface="Segoe UI" panose="020B0502040204020203" pitchFamily="34" charset="0"/>
+            </a:endParaRPr>
+          </a:p>
+          <a:p>
+            <a:pPr marL="700088" lvl="1" indent="-342900">
+              <a:buFont typeface="+mj-lt"/>
+              <a:buAutoNum type="arabicPeriod"/>
+            </a:pPr>
+            <a:r>
+              <a:rPr lang="en-US" altLang="ja-JP" dirty="0" smtClean="0">
+                <a:ea typeface="Segoe UI" panose="020B0502040204020203" pitchFamily="34" charset="0"/>
+              </a:rPr>
+              <a:t>Select </a:t>
+            </a:r>
+            <a:r>
+              <a:rPr lang="en-US" altLang="ja-JP" b="1" dirty="0" smtClean="0">
+                <a:ea typeface="Segoe UI" panose="020B0502040204020203" pitchFamily="34" charset="0"/>
+              </a:rPr>
+              <a:t>Advanced </a:t>
+            </a:r>
+            <a:r>
+              <a:rPr lang="en-US" altLang="ja-JP" dirty="0" smtClean="0">
+                <a:ea typeface="Segoe UI" panose="020B0502040204020203" pitchFamily="34" charset="0"/>
+              </a:rPr>
+              <a:t>in </a:t>
+            </a:r>
+            <a:r>
+              <a:rPr lang="en-US" altLang="ja-JP" dirty="0">
+                <a:ea typeface="Segoe UI" panose="020B0502040204020203" pitchFamily="34" charset="0"/>
+              </a:rPr>
+              <a:t>the Lower part of browser</a:t>
+            </a:r>
+            <a:r>
+              <a:rPr lang="en-US" altLang="ja-JP" dirty="0" smtClean="0">
+                <a:ea typeface="Segoe UI" panose="020B0502040204020203" pitchFamily="34" charset="0"/>
+              </a:rPr>
+              <a:t> &gt; </a:t>
+            </a:r>
+            <a:r>
+              <a:rPr lang="en-US" altLang="ja-JP" b="1" dirty="0" smtClean="0">
+                <a:ea typeface="Segoe UI" panose="020B0502040204020203" pitchFamily="34" charset="0"/>
+              </a:rPr>
+              <a:t>Manage certificates</a:t>
+            </a:r>
+            <a:r>
+              <a:rPr lang="en-US" altLang="ja-JP" dirty="0" smtClean="0">
+                <a:ea typeface="Segoe UI" panose="020B0502040204020203" pitchFamily="34" charset="0"/>
+              </a:rPr>
+              <a:t>.</a:t>
+            </a:r>
+            <a:endParaRPr lang="ja-JP" altLang="ja-JP" dirty="0">
+              <a:latin typeface="Segoe UI" panose="020B0502040204020203" pitchFamily="34" charset="0"/>
+              <a:cs typeface="Segoe UI" panose="020B0502040204020203" pitchFamily="34" charset="0"/>
+            </a:endParaRPr>
+          </a:p>
+          <a:p>
+            <a:pPr marL="700088" lvl="1" indent="-342900">
+              <a:buFont typeface="+mj-lt"/>
+              <a:buAutoNum type="arabicPeriod"/>
+            </a:pPr>
+            <a:r>
+              <a:rPr lang="en-US" altLang="ja-JP" dirty="0" smtClean="0">
+                <a:ea typeface="Segoe UI" panose="020B0502040204020203" pitchFamily="34" charset="0"/>
+              </a:rPr>
+              <a:t>In </a:t>
+            </a:r>
+            <a:r>
+              <a:rPr lang="en-US" altLang="ja-JP" dirty="0">
+                <a:ea typeface="Segoe UI" panose="020B0502040204020203" pitchFamily="34" charset="0"/>
+              </a:rPr>
+              <a:t>the </a:t>
+            </a:r>
+            <a:r>
+              <a:rPr lang="en-US" altLang="ja-JP" b="1" dirty="0">
+                <a:ea typeface="Segoe UI" panose="020B0502040204020203" pitchFamily="34" charset="0"/>
+              </a:rPr>
+              <a:t>Trusted Root Certification Authorities</a:t>
+            </a:r>
+            <a:r>
+              <a:rPr lang="en-US" altLang="ja-JP" dirty="0">
+                <a:ea typeface="Segoe UI" panose="020B0502040204020203" pitchFamily="34" charset="0"/>
+              </a:rPr>
+              <a:t> tab </a:t>
+            </a:r>
+            <a:r>
+              <a:rPr lang="en-US" altLang="ja-JP" dirty="0" smtClean="0">
+                <a:latin typeface="Segoe UI" panose="020B0502040204020203" pitchFamily="34" charset="0"/>
+                <a:ea typeface="Segoe UI" panose="020B0502040204020203" pitchFamily="34" charset="0"/>
+                <a:cs typeface="Segoe UI" panose="020B0502040204020203" pitchFamily="34" charset="0"/>
+              </a:rPr>
+              <a:t>click the </a:t>
+            </a:r>
+            <a:r>
+              <a:rPr lang="en-US" altLang="ja-JP" b="1" dirty="0" smtClean="0">
+                <a:latin typeface="Segoe UI" panose="020B0502040204020203" pitchFamily="34" charset="0"/>
+                <a:ea typeface="Segoe UI" panose="020B0502040204020203" pitchFamily="34" charset="0"/>
+                <a:cs typeface="Segoe UI" panose="020B0502040204020203" pitchFamily="34" charset="0"/>
+              </a:rPr>
+              <a:t>Import</a:t>
+            </a:r>
+            <a:r>
+              <a:rPr lang="en-US" altLang="ja-JP" dirty="0" smtClean="0">
+                <a:latin typeface="Segoe UI" panose="020B0502040204020203" pitchFamily="34" charset="0"/>
+                <a:ea typeface="Segoe UI" panose="020B0502040204020203" pitchFamily="34" charset="0"/>
+                <a:cs typeface="Segoe UI" panose="020B0502040204020203" pitchFamily="34" charset="0"/>
+              </a:rPr>
+              <a:t> button in the lower left.</a:t>
+            </a:r>
+            <a:endParaRPr lang="ja-JP" altLang="ja-JP" dirty="0">
+              <a:latin typeface="Segoe UI" panose="020B0502040204020203" pitchFamily="34" charset="0"/>
+              <a:cs typeface="Segoe UI" panose="020B0502040204020203" pitchFamily="34" charset="0"/>
+            </a:endParaRPr>
+          </a:p>
+          <a:p>
+            <a:pPr marL="700088" lvl="1" indent="-342900">
+              <a:buFont typeface="+mj-lt"/>
+              <a:buAutoNum type="arabicPeriod"/>
+            </a:pPr>
+            <a:r>
+              <a:rPr lang="en-US" altLang="ja-JP" dirty="0" smtClean="0">
+                <a:latin typeface="Segoe UI" panose="020B0502040204020203" pitchFamily="34" charset="0"/>
+                <a:ea typeface="Segoe UI" panose="020B0502040204020203" pitchFamily="34" charset="0"/>
+                <a:cs typeface="Segoe UI" panose="020B0502040204020203" pitchFamily="34" charset="0"/>
+              </a:rPr>
+              <a:t>When the certificate import wizard appears, click </a:t>
+            </a:r>
+            <a:r>
+              <a:rPr lang="en-US" altLang="ja-JP" b="1" dirty="0" smtClean="0">
+                <a:latin typeface="Segoe UI" panose="020B0502040204020203" pitchFamily="34" charset="0"/>
+                <a:ea typeface="Segoe UI" panose="020B0502040204020203" pitchFamily="34" charset="0"/>
+                <a:cs typeface="Segoe UI" panose="020B0502040204020203" pitchFamily="34" charset="0"/>
+              </a:rPr>
+              <a:t>Next</a:t>
+            </a:r>
+            <a:r>
+              <a:rPr lang="en-US" altLang="ja-JP" dirty="0" smtClean="0">
+                <a:latin typeface="Segoe UI" panose="020B0502040204020203" pitchFamily="34" charset="0"/>
+                <a:ea typeface="Segoe UI" panose="020B0502040204020203" pitchFamily="34" charset="0"/>
+                <a:cs typeface="Segoe UI" panose="020B0502040204020203" pitchFamily="34" charset="0"/>
+              </a:rPr>
+              <a:t>.</a:t>
+            </a:r>
+            <a:endParaRPr lang="ja-JP" altLang="ja-JP" dirty="0">
+              <a:latin typeface="Segoe UI" panose="020B0502040204020203" pitchFamily="34" charset="0"/>
+              <a:cs typeface="Segoe UI" panose="020B0502040204020203" pitchFamily="34" charset="0"/>
+            </a:endParaRPr>
+          </a:p>
+          <a:p>
+            <a:pPr marL="700088" lvl="1" indent="-342900">
+              <a:buFont typeface="+mj-lt"/>
+              <a:buAutoNum type="arabicPeriod"/>
+            </a:pPr>
+            <a:r>
+              <a:rPr lang="en-US" altLang="ja-JP" dirty="0" smtClean="0">
+                <a:latin typeface="Segoe UI" panose="020B0502040204020203" pitchFamily="34" charset="0"/>
+                <a:ea typeface="Segoe UI" panose="020B0502040204020203" pitchFamily="34" charset="0"/>
+                <a:cs typeface="Segoe UI" panose="020B0502040204020203" pitchFamily="34" charset="0"/>
+              </a:rPr>
+              <a:t>Specify the name of the file to be imported. </a:t>
+            </a:r>
+            <a:r>
+              <a:rPr lang="en-US" altLang="ja-JP" dirty="0">
+                <a:latin typeface="Segoe UI" panose="020B0502040204020203" pitchFamily="34" charset="0"/>
+                <a:ea typeface="Segoe UI" panose="020B0502040204020203" pitchFamily="34" charset="0"/>
+                <a:cs typeface="Segoe UI" panose="020B0502040204020203" pitchFamily="34" charset="0"/>
+              </a:rPr>
+              <a:t>Then click </a:t>
+            </a:r>
+            <a:r>
+              <a:rPr lang="en-US" altLang="ja-JP" b="1" dirty="0">
+                <a:latin typeface="Segoe UI" panose="020B0502040204020203" pitchFamily="34" charset="0"/>
+                <a:ea typeface="Segoe UI" panose="020B0502040204020203" pitchFamily="34" charset="0"/>
+                <a:cs typeface="Segoe UI" panose="020B0502040204020203" pitchFamily="34" charset="0"/>
+              </a:rPr>
+              <a:t>Next</a:t>
+            </a:r>
+            <a:r>
+              <a:rPr lang="en-US" altLang="ja-JP" dirty="0" smtClean="0">
+                <a:latin typeface="Segoe UI" panose="020B0502040204020203" pitchFamily="34" charset="0"/>
+                <a:ea typeface="Segoe UI" panose="020B0502040204020203" pitchFamily="34" charset="0"/>
+                <a:cs typeface="Segoe UI" panose="020B0502040204020203" pitchFamily="34" charset="0"/>
+              </a:rPr>
+              <a:t>.</a:t>
+            </a:r>
+            <a:endParaRPr lang="ja-JP" altLang="ja-JP" dirty="0">
+              <a:latin typeface="Segoe UI" panose="020B0502040204020203" pitchFamily="34" charset="0"/>
+              <a:cs typeface="Segoe UI" panose="020B0502040204020203" pitchFamily="34" charset="0"/>
+            </a:endParaRPr>
+          </a:p>
+          <a:p>
+            <a:pPr marL="700088" lvl="1" indent="-342900">
+              <a:buFont typeface="+mj-lt"/>
+              <a:buAutoNum type="arabicPeriod"/>
+            </a:pPr>
+            <a:r>
+              <a:rPr lang="en-US" altLang="ja-JP" dirty="0" smtClean="0">
+                <a:latin typeface="Segoe UI" panose="020B0502040204020203" pitchFamily="34" charset="0"/>
+                <a:ea typeface="Segoe UI" panose="020B0502040204020203" pitchFamily="34" charset="0"/>
+                <a:cs typeface="Segoe UI" panose="020B0502040204020203" pitchFamily="34" charset="0"/>
+              </a:rPr>
+              <a:t>Make sure that the </a:t>
+            </a:r>
+            <a:r>
+              <a:rPr lang="en-US" altLang="ja-JP" b="1" dirty="0" smtClean="0">
+                <a:latin typeface="Segoe UI" panose="020B0502040204020203" pitchFamily="34" charset="0"/>
+                <a:ea typeface="Segoe UI" panose="020B0502040204020203" pitchFamily="34" charset="0"/>
+                <a:cs typeface="Segoe UI" panose="020B0502040204020203" pitchFamily="34" charset="0"/>
+              </a:rPr>
+              <a:t>Place </a:t>
+            </a:r>
+            <a:r>
+              <a:rPr lang="en-US" altLang="ja-JP" b="1" dirty="0">
+                <a:latin typeface="Segoe UI" panose="020B0502040204020203" pitchFamily="34" charset="0"/>
+                <a:ea typeface="Segoe UI" panose="020B0502040204020203" pitchFamily="34" charset="0"/>
+                <a:cs typeface="Segoe UI" panose="020B0502040204020203" pitchFamily="34" charset="0"/>
+              </a:rPr>
+              <a:t>all certificates in the following </a:t>
+            </a:r>
+            <a:r>
+              <a:rPr lang="en-US" altLang="ja-JP" b="1" dirty="0" smtClean="0">
+                <a:latin typeface="Segoe UI" panose="020B0502040204020203" pitchFamily="34" charset="0"/>
+                <a:ea typeface="Segoe UI" panose="020B0502040204020203" pitchFamily="34" charset="0"/>
+                <a:cs typeface="Segoe UI" panose="020B0502040204020203" pitchFamily="34" charset="0"/>
+              </a:rPr>
+              <a:t>store</a:t>
+            </a:r>
+            <a:r>
+              <a:rPr lang="en-US" altLang="ja-JP" dirty="0" smtClean="0">
+                <a:latin typeface="Segoe UI" panose="020B0502040204020203" pitchFamily="34" charset="0"/>
+                <a:ea typeface="Segoe UI" panose="020B0502040204020203" pitchFamily="34" charset="0"/>
+                <a:cs typeface="Segoe UI" panose="020B0502040204020203" pitchFamily="34" charset="0"/>
+              </a:rPr>
+              <a:t> option is selected.</a:t>
+            </a:r>
+            <a:endParaRPr lang="ja-JP" altLang="ja-JP" dirty="0">
+              <a:latin typeface="Segoe UI" panose="020B0502040204020203" pitchFamily="34" charset="0"/>
+              <a:cs typeface="Segoe UI" panose="020B0502040204020203" pitchFamily="34" charset="0"/>
+            </a:endParaRPr>
+          </a:p>
+          <a:p>
+            <a:pPr marL="700088" lvl="1" indent="-342900">
+              <a:buFont typeface="+mj-lt"/>
+              <a:buAutoNum type="arabicPeriod"/>
+            </a:pPr>
+            <a:r>
+              <a:rPr lang="en-US" altLang="ja-JP" dirty="0" smtClean="0">
+                <a:solidFill>
+                  <a:srgbClr val="000000"/>
+                </a:solidFill>
+                <a:latin typeface="Segoe UI" panose="020B0502040204020203" pitchFamily="34" charset="0"/>
+                <a:ea typeface="Segoe UI" panose="020B0502040204020203" pitchFamily="34" charset="0"/>
+                <a:cs typeface="Segoe UI" panose="020B0502040204020203" pitchFamily="34" charset="0"/>
+              </a:rPr>
+              <a:t>S</a:t>
+            </a:r>
+            <a:r>
+              <a:rPr lang="en-US" altLang="ja-JP" dirty="0" smtClean="0">
+                <a:solidFill>
+                  <a:srgbClr val="000000"/>
+                </a:solidFill>
+                <a:ea typeface="Segoe UI" panose="020B0502040204020203" pitchFamily="34" charset="0"/>
+              </a:rPr>
+              <a:t>elect </a:t>
+            </a:r>
+            <a:r>
+              <a:rPr lang="en-US" altLang="ja-JP" b="1" dirty="0" smtClean="0">
+                <a:solidFill>
+                  <a:srgbClr val="000000"/>
+                </a:solidFill>
+                <a:ea typeface="Segoe UI" panose="020B0502040204020203" pitchFamily="34" charset="0"/>
+              </a:rPr>
+              <a:t>Trusted Root Certification Authorities</a:t>
+            </a:r>
+            <a:r>
+              <a:rPr lang="en-US" altLang="ja-JP" dirty="0" smtClean="0">
+                <a:solidFill>
+                  <a:srgbClr val="000000"/>
+                </a:solidFill>
+                <a:ea typeface="Segoe UI" panose="020B0502040204020203" pitchFamily="34" charset="0"/>
+              </a:rPr>
+              <a:t> and click </a:t>
+            </a:r>
+            <a:r>
+              <a:rPr lang="en-US" altLang="ja-JP" b="1" dirty="0" smtClean="0">
+                <a:solidFill>
+                  <a:srgbClr val="000000"/>
+                </a:solidFill>
+                <a:ea typeface="Segoe UI" panose="020B0502040204020203" pitchFamily="34" charset="0"/>
+              </a:rPr>
+              <a:t>Next</a:t>
+            </a:r>
+            <a:r>
+              <a:rPr lang="en-US" altLang="ja-JP" dirty="0" smtClean="0">
+                <a:solidFill>
+                  <a:srgbClr val="000000"/>
+                </a:solidFill>
+                <a:ea typeface="Segoe UI" panose="020B0502040204020203" pitchFamily="34" charset="0"/>
+              </a:rPr>
+              <a:t>.</a:t>
+            </a:r>
+          </a:p>
+          <a:p>
+            <a:pPr marL="573188" lvl="3" indent="0">
+              <a:buNone/>
+            </a:pPr>
+            <a:r>
+              <a:rPr lang="ja-JP" altLang="en-US" sz="1600" dirty="0">
+                <a:solidFill>
+                  <a:srgbClr val="000000"/>
+                </a:solidFill>
+              </a:rPr>
+              <a:t> </a:t>
+            </a:r>
+            <a:r>
+              <a:rPr lang="ja-JP" altLang="en-US" sz="1600" dirty="0" smtClean="0">
+                <a:solidFill>
+                  <a:srgbClr val="000000"/>
+                </a:solidFill>
+              </a:rPr>
+              <a:t> </a:t>
+            </a:r>
+            <a:r>
+              <a:rPr lang="en-US" altLang="ja-JP" sz="1600" dirty="0">
+                <a:solidFill>
+                  <a:srgbClr val="000000"/>
+                </a:solidFill>
+              </a:rPr>
+              <a:t>※If not selected, select </a:t>
+            </a:r>
+            <a:r>
+              <a:rPr lang="en-US" altLang="ja-JP" sz="1600" b="1" dirty="0" smtClean="0">
+                <a:solidFill>
+                  <a:srgbClr val="000000"/>
+                </a:solidFill>
+                <a:ea typeface="Segoe UI" panose="020B0502040204020203" pitchFamily="34" charset="0"/>
+              </a:rPr>
+              <a:t>Trusted </a:t>
+            </a:r>
+            <a:r>
+              <a:rPr lang="en-US" altLang="ja-JP" sz="1600" b="1" dirty="0">
+                <a:solidFill>
+                  <a:srgbClr val="000000"/>
+                </a:solidFill>
+                <a:ea typeface="Segoe UI" panose="020B0502040204020203" pitchFamily="34" charset="0"/>
+              </a:rPr>
+              <a:t>Root Certification </a:t>
+            </a:r>
+            <a:r>
+              <a:rPr lang="en-US" altLang="ja-JP" sz="1600" b="1" dirty="0" smtClean="0">
+                <a:solidFill>
+                  <a:srgbClr val="000000"/>
+                </a:solidFill>
+                <a:ea typeface="Segoe UI" panose="020B0502040204020203" pitchFamily="34" charset="0"/>
+              </a:rPr>
+              <a:t>Authorities</a:t>
+            </a:r>
+            <a:r>
+              <a:rPr lang="en-US" altLang="ja-JP" sz="1600" dirty="0" smtClean="0">
+                <a:solidFill>
+                  <a:srgbClr val="000000"/>
+                </a:solidFill>
+              </a:rPr>
+              <a:t> </a:t>
+            </a:r>
+            <a:r>
+              <a:rPr lang="en-US" altLang="ja-JP" sz="1600" dirty="0">
+                <a:solidFill>
+                  <a:srgbClr val="000000"/>
+                </a:solidFill>
+              </a:rPr>
+              <a:t>from </a:t>
+            </a:r>
+            <a:r>
+              <a:rPr lang="en-US" altLang="ja-JP" sz="1600" b="1" dirty="0" smtClean="0">
+                <a:solidFill>
+                  <a:srgbClr val="000000"/>
+                </a:solidFill>
+              </a:rPr>
+              <a:t>Reference</a:t>
+            </a:r>
+            <a:r>
+              <a:rPr lang="en-US" altLang="ja-JP" sz="1600" dirty="0" smtClean="0">
+                <a:solidFill>
+                  <a:srgbClr val="000000"/>
+                </a:solidFill>
+              </a:rPr>
+              <a:t> </a:t>
+            </a:r>
+            <a:r>
+              <a:rPr lang="en-US" altLang="ja-JP" sz="1600" dirty="0">
+                <a:solidFill>
+                  <a:srgbClr val="000000"/>
+                </a:solidFill>
+              </a:rPr>
+              <a:t>on the right.</a:t>
+            </a:r>
+            <a:endParaRPr lang="ja-JP" altLang="ja-JP" sz="1600" dirty="0" smtClean="0">
+              <a:solidFill>
+                <a:srgbClr val="000000"/>
+              </a:solidFill>
+            </a:endParaRPr>
+          </a:p>
+          <a:p>
+            <a:pPr marL="700088" lvl="1" indent="-342900">
+              <a:buFont typeface="+mj-lt"/>
+              <a:buAutoNum type="arabicPeriod"/>
+            </a:pPr>
+            <a:r>
+              <a:rPr lang="en-US" altLang="ja-JP" dirty="0" smtClean="0">
+                <a:ea typeface="Segoe UI" panose="020B0502040204020203" pitchFamily="34" charset="0"/>
+              </a:rPr>
+              <a:t>Click </a:t>
+            </a:r>
+            <a:r>
+              <a:rPr lang="en-US" altLang="ja-JP" b="1" dirty="0" smtClean="0">
+                <a:ea typeface="Segoe UI" panose="020B0502040204020203" pitchFamily="34" charset="0"/>
+              </a:rPr>
+              <a:t>Finish</a:t>
+            </a:r>
+            <a:r>
+              <a:rPr lang="en-US" altLang="ja-JP" dirty="0" smtClean="0">
+                <a:ea typeface="Segoe UI" panose="020B0502040204020203" pitchFamily="34" charset="0"/>
+              </a:rPr>
+              <a:t>.</a:t>
+            </a:r>
+            <a:endParaRPr lang="ja-JP" altLang="ja-JP" dirty="0" smtClean="0"/>
+          </a:p>
+          <a:p>
+            <a:pPr lvl="1"/>
+            <a:endParaRPr kumimoji="1" lang="ja-JP" altLang="en-US" dirty="0">
+              <a:latin typeface="Segoe UI" panose="020B0502040204020203" pitchFamily="34" charset="0"/>
+              <a:cs typeface="Segoe UI" panose="020B0502040204020203" pitchFamily="34" charset="0"/>
+            </a:endParaRPr>
+          </a:p>
+        </p:txBody>
+      </p:sp>
+      <p:graphicFrame>
+        <p:nvGraphicFramePr>
+          <p:cNvPr id="6" name="表 5"/>
+          <p:cNvGraphicFramePr>
+            <a:graphicFrameLocks noGrp="1"/>
+          </p:cNvGraphicFramePr>
+          <p:nvPr>
+            <p:extLst>
+              <p:ext uri="{D42A27DB-BD31-4B8C-83A1-F6EECF244321}">
+                <p14:modId xmlns:p14="http://schemas.microsoft.com/office/powerpoint/2010/main" val="1814830463"/>
+              </p:ext>
+            </p:extLst>
+          </p:nvPr>
+        </p:nvGraphicFramePr>
+        <p:xfrm>
+          <a:off x="1207459" y="1730454"/>
+          <a:ext cx="6729082" cy="1050456"/>
+        </p:xfrm>
+        <a:graphic>
+          <a:graphicData uri="http://schemas.openxmlformats.org/drawingml/2006/table">
+            <a:tbl>
+              <a:tblPr firstRow="1" firstCol="1" bandRow="1">
+                <a:tableStyleId>{5C22544A-7EE6-4342-B048-85BDC9FD1C3A}</a:tableStyleId>
+              </a:tblPr>
+              <a:tblGrid>
+                <a:gridCol w="1780321">
+                  <a:extLst>
+                    <a:ext uri="{9D8B030D-6E8A-4147-A177-3AD203B41FA5}">
+                      <a16:colId xmlns:a16="http://schemas.microsoft.com/office/drawing/2014/main" val="20000"/>
+                    </a:ext>
+                  </a:extLst>
+                </a:gridCol>
+                <a:gridCol w="3071300">
+                  <a:extLst>
+                    <a:ext uri="{9D8B030D-6E8A-4147-A177-3AD203B41FA5}">
+                      <a16:colId xmlns:a16="http://schemas.microsoft.com/office/drawing/2014/main" val="20001"/>
+                    </a:ext>
+                  </a:extLst>
+                </a:gridCol>
+                <a:gridCol w="1877461">
+                  <a:extLst>
+                    <a:ext uri="{9D8B030D-6E8A-4147-A177-3AD203B41FA5}">
+                      <a16:colId xmlns:a16="http://schemas.microsoft.com/office/drawing/2014/main" val="20002"/>
+                    </a:ext>
+                  </a:extLst>
+                </a:gridCol>
+              </a:tblGrid>
+              <a:tr h="288039">
+                <a:tc>
+                  <a:txBody>
+                    <a:bodyPr/>
+                    <a:lstStyle/>
+                    <a:p>
+                      <a:pPr algn="ctr">
+                        <a:spcAft>
+                          <a:spcPts val="0"/>
+                        </a:spcAft>
+                      </a:pPr>
+                      <a:r>
+                        <a:rPr lang="en-US" altLang="ja-JP" sz="1050" dirty="0" smtClean="0"/>
+                        <a:t>OS of the IT Automation server</a:t>
+                      </a:r>
+                      <a:endParaRPr lang="ja-JP" sz="1050" kern="100" dirty="0">
+                        <a:effectLst/>
+                        <a:latin typeface="Century" panose="02040604050505020304" pitchFamily="18" charset="0"/>
+                        <a:ea typeface="ＭＳ 明朝" panose="02020609040205080304" pitchFamily="17" charset="-128"/>
+                        <a:cs typeface="Times New Roman" panose="02020603050405020304" pitchFamily="18" charset="0"/>
+                      </a:endParaRPr>
+                    </a:p>
+                  </a:txBody>
+                  <a:tcPr marL="68580" marR="68580" marT="0" marB="0" anchor="ctr">
+                    <a:solidFill>
+                      <a:srgbClr val="002B62"/>
+                    </a:solidFill>
+                  </a:tcPr>
+                </a:tc>
+                <a:tc>
+                  <a:txBody>
+                    <a:bodyPr/>
+                    <a:lstStyle/>
+                    <a:p>
+                      <a:pPr algn="ctr">
+                        <a:spcAft>
+                          <a:spcPts val="0"/>
+                        </a:spcAft>
+                      </a:pPr>
+                      <a:r>
+                        <a:rPr lang="en-US" altLang="ja-JP" sz="1050" kern="100" dirty="0" smtClean="0">
+                          <a:effectLst/>
+                        </a:rPr>
+                        <a:t>File path</a:t>
+                      </a:r>
+                      <a:endParaRPr lang="ja-JP" sz="1050" kern="100" dirty="0">
+                        <a:effectLst/>
+                        <a:latin typeface="Century" panose="02040604050505020304" pitchFamily="18" charset="0"/>
+                        <a:ea typeface="ＭＳ 明朝" panose="02020609040205080304" pitchFamily="17" charset="-128"/>
+                        <a:cs typeface="Times New Roman" panose="02020603050405020304" pitchFamily="18" charset="0"/>
+                      </a:endParaRPr>
+                    </a:p>
+                  </a:txBody>
+                  <a:tcPr marL="68580" marR="68580" marT="0" marB="0" anchor="ctr">
+                    <a:solidFill>
+                      <a:srgbClr val="002B62"/>
+                    </a:solidFill>
+                  </a:tcPr>
+                </a:tc>
+                <a:tc>
+                  <a:txBody>
+                    <a:bodyPr/>
+                    <a:lstStyle/>
+                    <a:p>
+                      <a:pPr algn="ctr">
+                        <a:spcAft>
+                          <a:spcPts val="0"/>
+                        </a:spcAft>
+                      </a:pPr>
+                      <a:r>
+                        <a:rPr lang="en-US" altLang="ja-JP" sz="1050" kern="100" dirty="0" smtClean="0">
+                          <a:effectLst/>
+                        </a:rPr>
+                        <a:t>File name</a:t>
+                      </a:r>
+                      <a:endParaRPr lang="ja-JP" sz="1050" kern="100" dirty="0">
+                        <a:effectLst/>
+                        <a:latin typeface="Century" panose="02040604050505020304" pitchFamily="18" charset="0"/>
+                        <a:ea typeface="ＭＳ 明朝" panose="02020609040205080304" pitchFamily="17" charset="-128"/>
+                        <a:cs typeface="Times New Roman" panose="02020603050405020304" pitchFamily="18" charset="0"/>
+                      </a:endParaRPr>
+                    </a:p>
+                  </a:txBody>
+                  <a:tcPr marL="68580" marR="68580" marT="0" marB="0" anchor="ctr">
+                    <a:solidFill>
+                      <a:srgbClr val="002B62"/>
+                    </a:solidFill>
+                  </a:tcPr>
+                </a:tc>
+                <a:extLst>
+                  <a:ext uri="{0D108BD9-81ED-4DB2-BD59-A6C34878D82A}">
+                    <a16:rowId xmlns:a16="http://schemas.microsoft.com/office/drawing/2014/main" val="10000"/>
+                  </a:ext>
+                </a:extLst>
+              </a:tr>
+              <a:tr h="365208">
+                <a:tc>
+                  <a:txBody>
+                    <a:bodyPr/>
+                    <a:lstStyle/>
+                    <a:p>
+                      <a:pPr algn="l" latinLnBrk="1">
+                        <a:spcAft>
+                          <a:spcPts val="0"/>
+                        </a:spcAft>
+                      </a:pPr>
+                      <a:r>
+                        <a:rPr lang="en-US" sz="900" kern="100" dirty="0">
+                          <a:effectLst/>
+                        </a:rPr>
+                        <a:t>RHEL </a:t>
+                      </a:r>
+                      <a:r>
+                        <a:rPr lang="en-US" sz="900" kern="100" dirty="0" smtClean="0">
+                          <a:effectLst/>
+                        </a:rPr>
+                        <a:t>7, </a:t>
+                      </a:r>
+                      <a:r>
+                        <a:rPr lang="en-US" sz="900" kern="100" dirty="0">
+                          <a:effectLst/>
+                        </a:rPr>
+                        <a:t>CentOS </a:t>
+                      </a:r>
+                      <a:r>
+                        <a:rPr lang="en-US" sz="900" kern="100" dirty="0" smtClean="0">
+                          <a:effectLst/>
+                        </a:rPr>
+                        <a:t>7</a:t>
+                      </a:r>
+                      <a:endParaRPr lang="ja-JP" sz="1050" kern="100" dirty="0">
+                        <a:effectLst/>
+                        <a:latin typeface="Century" panose="02040604050505020304" pitchFamily="18" charset="0"/>
+                        <a:ea typeface="ＭＳ 明朝" panose="02020609040205080304" pitchFamily="17" charset="-128"/>
+                        <a:cs typeface="Times New Roman" panose="02020603050405020304" pitchFamily="18" charset="0"/>
+                      </a:endParaRPr>
+                    </a:p>
+                  </a:txBody>
+                  <a:tcPr marL="68580" marR="68580" marT="0" marB="0" anchor="ctr">
+                    <a:solidFill>
+                      <a:srgbClr val="002B62"/>
+                    </a:solidFill>
+                  </a:tcPr>
+                </a:tc>
+                <a:tc>
+                  <a:txBody>
+                    <a:bodyPr/>
+                    <a:lstStyle/>
+                    <a:p>
+                      <a:pPr algn="l" latinLnBrk="1">
+                        <a:spcAft>
+                          <a:spcPts val="0"/>
+                        </a:spcAft>
+                      </a:pPr>
+                      <a:r>
+                        <a:rPr lang="en-US" sz="1000" kern="100" dirty="0" smtClean="0">
+                          <a:effectLst/>
+                        </a:rPr>
+                        <a:t>/(extract path)/</a:t>
+                      </a:r>
+                      <a:r>
+                        <a:rPr lang="en-US" sz="1000" kern="100" dirty="0" err="1" smtClean="0">
+                          <a:effectLst/>
+                        </a:rPr>
+                        <a:t>ita_install_package</a:t>
+                      </a:r>
+                      <a:r>
+                        <a:rPr lang="en-US" sz="1000" kern="100" dirty="0" smtClean="0">
+                          <a:effectLst/>
+                        </a:rPr>
+                        <a:t>/ext_files_for_CentOS7.x/</a:t>
+                      </a:r>
+                      <a:r>
+                        <a:rPr lang="en-US" sz="1000" kern="100" dirty="0" err="1" smtClean="0">
+                          <a:effectLst/>
+                        </a:rPr>
+                        <a:t>etc_pki_tls_certs</a:t>
+                      </a:r>
+                      <a:r>
+                        <a:rPr lang="en-US" sz="1000" kern="100" dirty="0">
+                          <a:effectLst/>
+                        </a:rPr>
+                        <a:t>/</a:t>
+                      </a:r>
+                      <a:endParaRPr lang="ja-JP" sz="1100" kern="100" dirty="0">
+                        <a:effectLst/>
+                        <a:latin typeface="Century" panose="02040604050505020304" pitchFamily="18" charset="0"/>
+                        <a:ea typeface="ＭＳ 明朝" panose="02020609040205080304" pitchFamily="17" charset="-128"/>
+                        <a:cs typeface="Times New Roman" panose="02020603050405020304" pitchFamily="18" charset="0"/>
+                      </a:endParaRPr>
+                    </a:p>
+                  </a:txBody>
+                  <a:tcPr marL="68580" marR="68580" marT="0" marB="0">
+                    <a:solidFill>
+                      <a:srgbClr val="CBCDD3"/>
+                    </a:solidFill>
+                  </a:tcPr>
+                </a:tc>
+                <a:tc>
+                  <a:txBody>
+                    <a:bodyPr/>
+                    <a:lstStyle/>
+                    <a:p>
+                      <a:pPr algn="l">
+                        <a:spcAft>
+                          <a:spcPts val="0"/>
+                        </a:spcAft>
+                      </a:pPr>
+                      <a:r>
+                        <a:rPr lang="en-US" sz="1100" kern="100" dirty="0" smtClean="0">
+                          <a:effectLst/>
+                        </a:rPr>
+                        <a:t>exastro-it-automation.crt</a:t>
+                      </a:r>
+                      <a:endParaRPr lang="ja-JP" sz="1100" kern="100" dirty="0">
+                        <a:effectLst/>
+                        <a:latin typeface="Century" panose="02040604050505020304" pitchFamily="18" charset="0"/>
+                        <a:ea typeface="ＭＳ 明朝" panose="02020609040205080304" pitchFamily="17" charset="-128"/>
+                        <a:cs typeface="Times New Roman" panose="02020603050405020304" pitchFamily="18" charset="0"/>
+                      </a:endParaRPr>
+                    </a:p>
+                  </a:txBody>
+                  <a:tcPr marL="68580" marR="68580" marT="0" marB="0">
+                    <a:solidFill>
+                      <a:srgbClr val="CBCDD3"/>
+                    </a:solidFill>
+                  </a:tcPr>
+                </a:tc>
+                <a:extLst>
+                  <a:ext uri="{0D108BD9-81ED-4DB2-BD59-A6C34878D82A}">
+                    <a16:rowId xmlns:a16="http://schemas.microsoft.com/office/drawing/2014/main" val="10001"/>
+                  </a:ext>
+                </a:extLst>
+              </a:tr>
+              <a:tr h="365208">
+                <a:tc>
+                  <a:txBody>
+                    <a:bodyPr/>
+                    <a:lstStyle/>
+                    <a:p>
+                      <a:pPr algn="l" latinLnBrk="1">
+                        <a:spcAft>
+                          <a:spcPts val="0"/>
+                        </a:spcAft>
+                      </a:pPr>
+                      <a:r>
+                        <a:rPr lang="en-US" sz="900" kern="100" dirty="0">
+                          <a:effectLst/>
+                        </a:rPr>
+                        <a:t>RHEL </a:t>
+                      </a:r>
+                      <a:r>
+                        <a:rPr lang="en-US" sz="900" kern="100" dirty="0" smtClean="0">
+                          <a:effectLst/>
+                        </a:rPr>
+                        <a:t>8, </a:t>
+                      </a:r>
+                      <a:r>
+                        <a:rPr lang="en-US" sz="900" kern="100" dirty="0">
+                          <a:effectLst/>
+                        </a:rPr>
+                        <a:t>CentOS </a:t>
+                      </a:r>
+                      <a:r>
+                        <a:rPr lang="en-US" sz="900" kern="100" dirty="0" smtClean="0">
+                          <a:effectLst/>
+                        </a:rPr>
+                        <a:t>8</a:t>
+                      </a:r>
+                      <a:endParaRPr lang="ja-JP" sz="1050" kern="100" dirty="0">
+                        <a:effectLst/>
+                        <a:latin typeface="Century" panose="02040604050505020304" pitchFamily="18" charset="0"/>
+                        <a:ea typeface="ＭＳ 明朝" panose="02020609040205080304" pitchFamily="17" charset="-128"/>
+                        <a:cs typeface="Times New Roman" panose="02020603050405020304" pitchFamily="18" charset="0"/>
+                      </a:endParaRPr>
+                    </a:p>
+                  </a:txBody>
+                  <a:tcPr marL="68580" marR="68580" marT="0" marB="0" anchor="ctr">
+                    <a:solidFill>
+                      <a:srgbClr val="002B62"/>
+                    </a:solidFill>
+                  </a:tcPr>
+                </a:tc>
+                <a:tc>
+                  <a:txBody>
+                    <a:bodyPr/>
+                    <a:lstStyle/>
+                    <a:p>
+                      <a:pPr algn="l" latinLnBrk="1">
+                        <a:spcAft>
+                          <a:spcPts val="0"/>
+                        </a:spcAft>
+                      </a:pPr>
+                      <a:r>
+                        <a:rPr lang="en-US" sz="1000" kern="100" dirty="0" smtClean="0">
+                          <a:effectLst/>
+                        </a:rPr>
+                        <a:t>/(extract</a:t>
+                      </a:r>
+                      <a:r>
+                        <a:rPr lang="en-US" sz="1000" kern="100" baseline="0" dirty="0" smtClean="0">
+                          <a:effectLst/>
+                        </a:rPr>
+                        <a:t> path</a:t>
+                      </a:r>
+                      <a:r>
+                        <a:rPr lang="en-US" sz="1000" kern="100" dirty="0" smtClean="0">
+                          <a:effectLst/>
+                        </a:rPr>
+                        <a:t>)/</a:t>
+                      </a:r>
+                      <a:r>
+                        <a:rPr lang="en-US" sz="1000" kern="100" dirty="0" err="1" smtClean="0">
+                          <a:effectLst/>
+                        </a:rPr>
+                        <a:t>ita_install_package</a:t>
+                      </a:r>
+                      <a:r>
+                        <a:rPr lang="en-US" sz="1000" kern="100" dirty="0" smtClean="0">
+                          <a:effectLst/>
+                        </a:rPr>
+                        <a:t>/ext_files_for_CentOS8.x/</a:t>
+                      </a:r>
+                      <a:r>
+                        <a:rPr lang="en-US" sz="1000" kern="100" dirty="0" err="1" smtClean="0">
+                          <a:effectLst/>
+                        </a:rPr>
+                        <a:t>etc_pki_tls_certs</a:t>
+                      </a:r>
+                      <a:r>
+                        <a:rPr lang="en-US" sz="1000" kern="100" dirty="0">
+                          <a:effectLst/>
+                        </a:rPr>
+                        <a:t>/</a:t>
+                      </a:r>
+                      <a:endParaRPr lang="ja-JP" sz="1100" kern="100" dirty="0">
+                        <a:effectLst/>
+                        <a:latin typeface="Century" panose="02040604050505020304" pitchFamily="18" charset="0"/>
+                        <a:ea typeface="ＭＳ 明朝" panose="02020609040205080304" pitchFamily="17" charset="-128"/>
+                        <a:cs typeface="Times New Roman" panose="02020603050405020304" pitchFamily="18" charset="0"/>
+                      </a:endParaRPr>
+                    </a:p>
+                  </a:txBody>
+                  <a:tcPr marL="68580" marR="68580" marT="0" marB="0">
+                    <a:solidFill>
+                      <a:srgbClr val="E7E8EA"/>
+                    </a:solidFill>
+                  </a:tcPr>
+                </a:tc>
+                <a:tc>
+                  <a:txBody>
+                    <a:bodyPr/>
+                    <a:lstStyle/>
+                    <a:p>
+                      <a:pPr algn="l">
+                        <a:spcAft>
+                          <a:spcPts val="0"/>
+                        </a:spcAft>
+                      </a:pPr>
+                      <a:r>
+                        <a:rPr lang="en-US" sz="1100" kern="100" dirty="0" smtClean="0">
+                          <a:effectLst/>
+                        </a:rPr>
+                        <a:t>exastro-it-automation.crt</a:t>
+                      </a:r>
+                      <a:endParaRPr lang="ja-JP" sz="1100" kern="100" dirty="0">
+                        <a:effectLst/>
+                        <a:latin typeface="Century" panose="02040604050505020304" pitchFamily="18" charset="0"/>
+                        <a:ea typeface="ＭＳ 明朝" panose="02020609040205080304" pitchFamily="17" charset="-128"/>
+                        <a:cs typeface="Times New Roman" panose="02020603050405020304" pitchFamily="18" charset="0"/>
+                      </a:endParaRPr>
+                    </a:p>
+                  </a:txBody>
+                  <a:tcPr marL="68580" marR="68580" marT="0" marB="0">
+                    <a:solidFill>
+                      <a:srgbClr val="E7E8EA"/>
+                    </a:solidFill>
+                  </a:tcPr>
+                </a:tc>
+                <a:extLst>
+                  <a:ext uri="{0D108BD9-81ED-4DB2-BD59-A6C34878D82A}">
+                    <a16:rowId xmlns:a16="http://schemas.microsoft.com/office/drawing/2014/main" val="10002"/>
+                  </a:ext>
+                </a:extLst>
+              </a:tr>
+            </a:tbl>
+          </a:graphicData>
+        </a:graphic>
+      </p:graphicFrame>
+    </p:spTree>
+    <p:extLst>
+      <p:ext uri="{BB962C8B-B14F-4D97-AF65-F5344CB8AC3E}">
+        <p14:creationId xmlns:p14="http://schemas.microsoft.com/office/powerpoint/2010/main" val="1624758992"/>
+      </p:ext>
+    </p:extLst>
+  </p:cSld>
+  <p:clrMapOvr>
+    <a:masterClrMapping/>
+  </p:clrMapOvr>
+  <p:timing>
+    <p:tnLst>
+      <p:par>
+        <p:cTn id="1" dur="indefinite" restart="never" nodeType="tmRoot"/>
+      </p:par>
+    </p:tnLst>
+  </p:timing>
+</p:sld>
+</file>
+
 <file path=ppt/slides/slide26.xml><?xml version="1.0" encoding="utf-8"?>
+<p:sld xmlns:a="http://schemas.openxmlformats.org/drawingml/2006/main" xmlns:r="http://schemas.openxmlformats.org/officeDocument/2006/relationships" xmlns:p="http://schemas.openxmlformats.org/presentationml/2006/main">
+  <p:cSld>
+    <p:spTree>
+      <p:nvGrpSpPr>
+        <p:cNvPr id="1" name=""/>
+        <p:cNvGrpSpPr/>
+        <p:nvPr/>
+      </p:nvGrpSpPr>
+      <p:grpSpPr>
+        <a:xfrm>
+          <a:off x="0" y="0"/>
+          <a:ext cx="0" cy="0"/>
+          <a:chOff x="0" y="0"/>
+          <a:chExt cx="0" cy="0"/>
+        </a:xfrm>
+      </p:grpSpPr>
+      <p:sp>
+        <p:nvSpPr>
+          <p:cNvPr id="3" name="コンテンツ プレースホルダー 2"/>
+          <p:cNvSpPr>
+            <a:spLocks noGrp="1"/>
+          </p:cNvSpPr>
+          <p:nvPr>
+            <p:ph sz="quarter" idx="10"/>
+          </p:nvPr>
+        </p:nvSpPr>
+        <p:spPr/>
+        <p:txBody>
+          <a:bodyPr>
+            <a:normAutofit/>
+          </a:bodyPr>
+          <a:lstStyle/>
+          <a:p>
+            <a:pPr lvl="0"/>
+            <a:r>
+              <a:rPr lang="en-US" altLang="ja-JP" dirty="0" smtClean="0">
+                <a:latin typeface="Segoe UI" panose="020B0502040204020203" pitchFamily="34" charset="0"/>
+                <a:ea typeface="Segoe UI" panose="020B0502040204020203" pitchFamily="34" charset="0"/>
+                <a:cs typeface="Segoe UI" panose="020B0502040204020203" pitchFamily="34" charset="0"/>
+              </a:rPr>
+              <a:t>Accessing </a:t>
+            </a:r>
+            <a:r>
+              <a:rPr lang="en-US" altLang="ja-JP" dirty="0">
+                <a:latin typeface="Segoe UI" panose="020B0502040204020203" pitchFamily="34" charset="0"/>
+                <a:ea typeface="Segoe UI" panose="020B0502040204020203" pitchFamily="34" charset="0"/>
+                <a:cs typeface="Segoe UI" panose="020B0502040204020203" pitchFamily="34" charset="0"/>
+              </a:rPr>
+              <a:t>the login </a:t>
+            </a:r>
+            <a:r>
+              <a:rPr lang="en-US" altLang="ja-JP" dirty="0" smtClean="0">
+                <a:latin typeface="Segoe UI" panose="020B0502040204020203" pitchFamily="34" charset="0"/>
+                <a:ea typeface="Segoe UI" panose="020B0502040204020203" pitchFamily="34" charset="0"/>
+                <a:cs typeface="Segoe UI" panose="020B0502040204020203" pitchFamily="34" charset="0"/>
+              </a:rPr>
+              <a:t>screen from HTTPS</a:t>
+            </a:r>
+            <a:endParaRPr lang="en-US" altLang="ja-JP" dirty="0">
+              <a:latin typeface="Segoe UI" panose="020B0502040204020203" pitchFamily="34" charset="0"/>
+              <a:ea typeface="Segoe UI" panose="020B0502040204020203" pitchFamily="34" charset="0"/>
+              <a:cs typeface="Segoe UI" panose="020B0502040204020203" pitchFamily="34" charset="0"/>
+            </a:endParaRPr>
+          </a:p>
+          <a:p>
+            <a:pPr lvl="1"/>
+            <a:r>
+              <a:rPr lang="en-US" altLang="ja-JP" dirty="0">
+                <a:latin typeface="Segoe UI" panose="020B0502040204020203" pitchFamily="34" charset="0"/>
+                <a:ea typeface="Segoe UI" panose="020B0502040204020203" pitchFamily="34" charset="0"/>
+                <a:cs typeface="Segoe UI" panose="020B0502040204020203" pitchFamily="34" charset="0"/>
+              </a:rPr>
+              <a:t>Access the login screen with the following URL:</a:t>
+            </a:r>
+          </a:p>
+          <a:p>
+            <a:pPr lvl="1"/>
+            <a:r>
+              <a:rPr lang="en-US" altLang="ja-JP" dirty="0">
+                <a:latin typeface="Segoe UI" panose="020B0502040204020203" pitchFamily="34" charset="0"/>
+                <a:ea typeface="Segoe UI" panose="020B0502040204020203" pitchFamily="34" charset="0"/>
+                <a:cs typeface="Segoe UI" panose="020B0502040204020203" pitchFamily="34" charset="0"/>
+              </a:rPr>
+              <a:t>URL: </a:t>
+            </a:r>
+            <a:r>
+              <a:rPr lang="en-US" altLang="ja-JP" dirty="0">
+                <a:solidFill>
+                  <a:srgbClr val="FF0000"/>
+                </a:solidFill>
+                <a:latin typeface="Segoe UI" panose="020B0502040204020203" pitchFamily="34" charset="0"/>
+                <a:ea typeface="Segoe UI" panose="020B0502040204020203" pitchFamily="34" charset="0"/>
+                <a:cs typeface="Segoe UI" panose="020B0502040204020203" pitchFamily="34" charset="0"/>
+              </a:rPr>
+              <a:t>https</a:t>
+            </a:r>
+            <a:r>
+              <a:rPr lang="en-US" altLang="ja-JP" dirty="0" smtClean="0">
+                <a:solidFill>
+                  <a:srgbClr val="FF0000"/>
+                </a:solidFill>
+                <a:latin typeface="Segoe UI" panose="020B0502040204020203" pitchFamily="34" charset="0"/>
+                <a:ea typeface="Segoe UI" panose="020B0502040204020203" pitchFamily="34" charset="0"/>
+                <a:cs typeface="Segoe UI" panose="020B0502040204020203" pitchFamily="34" charset="0"/>
+              </a:rPr>
+              <a:t>://exastro-it-automation</a:t>
+            </a:r>
+            <a:r>
+              <a:rPr lang="en-US" altLang="ja-JP" dirty="0">
+                <a:solidFill>
+                  <a:srgbClr val="FF0000"/>
+                </a:solidFill>
+                <a:latin typeface="Segoe UI" panose="020B0502040204020203" pitchFamily="34" charset="0"/>
+                <a:ea typeface="Segoe UI" panose="020B0502040204020203" pitchFamily="34" charset="0"/>
+                <a:cs typeface="Segoe UI" panose="020B0502040204020203" pitchFamily="34" charset="0"/>
+              </a:rPr>
+              <a:t/>
+            </a:r>
+            <a:br>
+              <a:rPr lang="en-US" altLang="ja-JP" dirty="0">
+                <a:solidFill>
+                  <a:srgbClr val="FF0000"/>
+                </a:solidFill>
+                <a:latin typeface="Segoe UI" panose="020B0502040204020203" pitchFamily="34" charset="0"/>
+                <a:ea typeface="Segoe UI" panose="020B0502040204020203" pitchFamily="34" charset="0"/>
+                <a:cs typeface="Segoe UI" panose="020B0502040204020203" pitchFamily="34" charset="0"/>
+              </a:rPr>
+            </a:br>
+            <a:endParaRPr lang="en-US" altLang="ja-JP" dirty="0">
+              <a:solidFill>
+                <a:srgbClr val="FF0000"/>
+              </a:solidFill>
+              <a:latin typeface="Segoe UI" panose="020B0502040204020203" pitchFamily="34" charset="0"/>
+              <a:ea typeface="Segoe UI" panose="020B0502040204020203" pitchFamily="34" charset="0"/>
+              <a:cs typeface="Segoe UI" panose="020B0502040204020203" pitchFamily="34" charset="0"/>
+            </a:endParaRPr>
+          </a:p>
+          <a:p>
+            <a:pPr marL="180000" lvl="1" indent="0">
+              <a:buNone/>
+            </a:pPr>
+            <a:r>
+              <a:rPr lang="en-US" altLang="ja-JP" dirty="0">
+                <a:latin typeface="Segoe UI" panose="020B0502040204020203" pitchFamily="34" charset="0"/>
+                <a:ea typeface="Segoe UI" panose="020B0502040204020203" pitchFamily="34" charset="0"/>
+                <a:cs typeface="Segoe UI" panose="020B0502040204020203" pitchFamily="34" charset="0"/>
+              </a:rPr>
+              <a:t>After connecting, follow the same procedure as </a:t>
+            </a:r>
+            <a:r>
+              <a:rPr lang="en-US" altLang="ja-JP" dirty="0" smtClean="0">
+                <a:latin typeface="Segoe UI" panose="020B0502040204020203" pitchFamily="34" charset="0"/>
+                <a:ea typeface="Segoe UI" panose="020B0502040204020203" pitchFamily="34" charset="0"/>
+                <a:cs typeface="Segoe UI" panose="020B0502040204020203" pitchFamily="34" charset="0"/>
+              </a:rPr>
+              <a:t>from </a:t>
+            </a:r>
+            <a:r>
+              <a:rPr lang="en-US" altLang="ja-JP" dirty="0">
+                <a:latin typeface="Segoe UI" panose="020B0502040204020203" pitchFamily="34" charset="0"/>
+                <a:ea typeface="Segoe UI" panose="020B0502040204020203" pitchFamily="34" charset="0"/>
+                <a:cs typeface="Segoe UI" panose="020B0502040204020203" pitchFamily="34" charset="0"/>
+              </a:rPr>
+              <a:t>HTTP</a:t>
+            </a:r>
+            <a:r>
+              <a:rPr lang="en-US" altLang="ja-JP" dirty="0" smtClean="0">
+                <a:latin typeface="Segoe UI" panose="020B0502040204020203" pitchFamily="34" charset="0"/>
+                <a:ea typeface="Segoe UI" panose="020B0502040204020203" pitchFamily="34" charset="0"/>
+                <a:cs typeface="Segoe UI" panose="020B0502040204020203" pitchFamily="34" charset="0"/>
+              </a:rPr>
+              <a:t>.</a:t>
+            </a:r>
+          </a:p>
+          <a:p>
+            <a:pPr marL="180000" lvl="1" indent="0">
+              <a:buNone/>
+            </a:pPr>
+            <a:endParaRPr lang="en-US" altLang="ja-JP" dirty="0">
+              <a:latin typeface="Segoe UI" panose="020B0502040204020203" pitchFamily="34" charset="0"/>
+              <a:ea typeface="Segoe UI" panose="020B0502040204020203" pitchFamily="34" charset="0"/>
+              <a:cs typeface="Segoe UI" panose="020B0502040204020203" pitchFamily="34" charset="0"/>
+            </a:endParaRPr>
+          </a:p>
+        </p:txBody>
+      </p:sp>
+      <p:sp>
+        <p:nvSpPr>
+          <p:cNvPr id="6" name="タイトル 1"/>
+          <p:cNvSpPr>
+            <a:spLocks noGrp="1"/>
+          </p:cNvSpPr>
+          <p:nvPr>
+            <p:ph type="title"/>
+          </p:nvPr>
+        </p:nvSpPr>
+        <p:spPr>
+          <a:xfrm>
+            <a:off x="179513" y="115200"/>
+            <a:ext cx="8784000" cy="468000"/>
+          </a:xfrm>
+        </p:spPr>
+        <p:txBody>
+          <a:bodyPr/>
+          <a:lstStyle/>
+          <a:p>
+            <a:r>
+              <a:rPr lang="en-US" altLang="ja-JP" dirty="0" smtClean="0">
+                <a:latin typeface="Segoe UI" panose="020B0502040204020203" pitchFamily="34" charset="0"/>
+                <a:ea typeface="Segoe UI" panose="020B0502040204020203" pitchFamily="34" charset="0"/>
+                <a:cs typeface="Segoe UI" panose="020B0502040204020203" pitchFamily="34" charset="0"/>
+              </a:rPr>
+              <a:t>4.6	Operation Check (6/6)</a:t>
+            </a:r>
+            <a:endParaRPr kumimoji="1" lang="ja-JP" altLang="en-US" dirty="0">
+              <a:latin typeface="Segoe UI" panose="020B0502040204020203" pitchFamily="34" charset="0"/>
+              <a:cs typeface="Segoe UI" panose="020B0502040204020203" pitchFamily="34" charset="0"/>
+            </a:endParaRPr>
+          </a:p>
+        </p:txBody>
+      </p:sp>
+    </p:spTree>
+    <p:extLst>
+      <p:ext uri="{BB962C8B-B14F-4D97-AF65-F5344CB8AC3E}">
+        <p14:creationId xmlns:p14="http://schemas.microsoft.com/office/powerpoint/2010/main" val="1468144833"/>
+      </p:ext>
+    </p:extLst>
+  </p:cSld>
+  <p:clrMapOvr>
+    <a:masterClrMapping/>
+  </p:clrMapOvr>
+  <p:timing>
+    <p:tnLst>
+      <p:par>
+        <p:cTn id="1" dur="indefinite" restart="never" nodeType="tmRoot"/>
+      </p:par>
+    </p:tnLst>
+  </p:timing>
+</p:sld>
+</file>
+
+<file path=ppt/slides/slide27.xml><?xml version="1.0" encoding="utf-8"?>
+<p:sld xmlns:a="http://schemas.openxmlformats.org/drawingml/2006/main" xmlns:r="http://schemas.openxmlformats.org/officeDocument/2006/relationships" xmlns:p="http://schemas.openxmlformats.org/presentationml/2006/main">
+  <p:cSld>
+    <p:spTree>
+      <p:nvGrpSpPr>
+        <p:cNvPr id="1" name=""/>
+        <p:cNvGrpSpPr/>
+        <p:nvPr/>
+      </p:nvGrpSpPr>
+      <p:grpSpPr>
+        <a:xfrm>
+          <a:off x="0" y="0"/>
+          <a:ext cx="0" cy="0"/>
+          <a:chOff x="0" y="0"/>
+          <a:chExt cx="0" cy="0"/>
+        </a:xfrm>
+      </p:grpSpPr>
+      <p:sp>
+        <p:nvSpPr>
+          <p:cNvPr id="3" name="コンテンツ プレースホルダー 2"/>
+          <p:cNvSpPr>
+            <a:spLocks noGrp="1"/>
+          </p:cNvSpPr>
+          <p:nvPr>
+            <p:ph sz="quarter" idx="10"/>
+          </p:nvPr>
+        </p:nvSpPr>
+        <p:spPr/>
+        <p:txBody>
+          <a:bodyPr>
+            <a:normAutofit/>
+          </a:bodyPr>
+          <a:lstStyle/>
+          <a:p>
+            <a:pPr lvl="0"/>
+            <a:r>
+              <a:rPr lang="en-US" altLang="ja-JP" dirty="0"/>
+              <a:t>Restrict HTTP or HTTPS </a:t>
+            </a:r>
+            <a:r>
+              <a:rPr lang="en-US" altLang="ja-JP" dirty="0" smtClean="0"/>
+              <a:t>access</a:t>
+            </a:r>
+            <a:endParaRPr lang="en-US" altLang="ja-JP" dirty="0"/>
+          </a:p>
+          <a:p>
+            <a:pPr marL="180000" lvl="1" indent="0">
+              <a:buNone/>
+            </a:pPr>
+            <a:r>
+              <a:rPr lang="en-US" altLang="ja-JP" dirty="0"/>
+              <a:t>Please perform the following procedure to </a:t>
+            </a:r>
+            <a:r>
+              <a:rPr lang="en-US" altLang="ja-JP" dirty="0" err="1"/>
+              <a:t>resctrict</a:t>
+            </a:r>
+            <a:r>
+              <a:rPr lang="en-US" altLang="ja-JP" dirty="0"/>
+              <a:t> HTTP or HTTPS access</a:t>
+            </a:r>
+            <a:r>
+              <a:rPr lang="en-US" altLang="ja-JP" dirty="0" smtClean="0"/>
+              <a:t>.</a:t>
+            </a:r>
+            <a:br>
+              <a:rPr lang="en-US" altLang="ja-JP" dirty="0" smtClean="0"/>
+            </a:br>
+            <a:endParaRPr lang="en-US" altLang="ja-JP" dirty="0"/>
+          </a:p>
+          <a:p>
+            <a:pPr lvl="1"/>
+            <a:r>
+              <a:rPr lang="en-US" altLang="ja-JP" dirty="0"/>
+              <a:t>Edit </a:t>
+            </a:r>
+            <a:r>
+              <a:rPr lang="en-US" altLang="ja-JP" dirty="0" smtClean="0"/>
+              <a:t>file ”/</a:t>
+            </a:r>
+            <a:r>
+              <a:rPr lang="en-US" altLang="ja-JP" dirty="0" err="1" smtClean="0"/>
+              <a:t>etc</a:t>
+            </a:r>
+            <a:r>
+              <a:rPr lang="en-US" altLang="ja-JP" dirty="0" smtClean="0"/>
+              <a:t>/</a:t>
+            </a:r>
+            <a:r>
+              <a:rPr lang="en-US" altLang="ja-JP" dirty="0" err="1" smtClean="0"/>
+              <a:t>httpd</a:t>
+            </a:r>
+            <a:r>
+              <a:rPr lang="en-US" altLang="ja-JP" dirty="0" smtClean="0"/>
+              <a:t>/</a:t>
+            </a:r>
+            <a:r>
+              <a:rPr lang="en-US" altLang="ja-JP" dirty="0" err="1" smtClean="0"/>
+              <a:t>conf.d</a:t>
+            </a:r>
+            <a:r>
+              <a:rPr lang="en-US" altLang="ja-JP" dirty="0" smtClean="0"/>
+              <a:t>/</a:t>
+            </a:r>
+            <a:r>
+              <a:rPr lang="en-US" altLang="ja-JP" dirty="0" err="1" smtClean="0"/>
+              <a:t>vhosts_exastro</a:t>
+            </a:r>
+            <a:r>
+              <a:rPr lang="en-US" altLang="ja-JP" dirty="0" smtClean="0"/>
+              <a:t>-it-</a:t>
+            </a:r>
+            <a:r>
+              <a:rPr lang="en-US" altLang="ja-JP" dirty="0" err="1" smtClean="0"/>
+              <a:t>automation.conf</a:t>
+            </a:r>
+            <a:r>
+              <a:rPr lang="en-US" altLang="ja-JP" dirty="0" smtClean="0"/>
+              <a:t>”.</a:t>
+            </a:r>
+          </a:p>
+          <a:p>
+            <a:pPr marL="180000" lvl="1" indent="0">
+              <a:buNone/>
+            </a:pPr>
+            <a:r>
+              <a:rPr lang="en-US" altLang="ja-JP" dirty="0" smtClean="0"/>
+              <a:t> </a:t>
+            </a:r>
+            <a:r>
+              <a:rPr lang="en-US" altLang="ja-JP" dirty="0"/>
+              <a:t>To restrict HTTP access, please comment out(#) the section from </a:t>
+            </a:r>
+            <a:r>
+              <a:rPr lang="ja-JP" altLang="en-US" dirty="0"/>
+              <a:t>「</a:t>
+            </a:r>
+            <a:r>
+              <a:rPr lang="en-US" altLang="ja-JP" dirty="0"/>
+              <a:t>&lt;</a:t>
+            </a:r>
+            <a:r>
+              <a:rPr lang="en-US" altLang="ja-JP" dirty="0" err="1"/>
+              <a:t>VirtualHost</a:t>
+            </a:r>
+            <a:r>
+              <a:rPr lang="en-US" altLang="ja-JP" dirty="0"/>
+              <a:t> *:80 &gt;</a:t>
+            </a:r>
+            <a:r>
+              <a:rPr lang="ja-JP" altLang="en-US" dirty="0"/>
+              <a:t>」</a:t>
+            </a:r>
+            <a:r>
+              <a:rPr lang="en-US" altLang="ja-JP" dirty="0"/>
+              <a:t>to</a:t>
+            </a:r>
+            <a:r>
+              <a:rPr lang="ja-JP" altLang="en-US" dirty="0"/>
+              <a:t>「</a:t>
+            </a:r>
+            <a:r>
+              <a:rPr lang="en-US" altLang="ja-JP" dirty="0"/>
+              <a:t>&lt;/</a:t>
+            </a:r>
+            <a:r>
+              <a:rPr lang="en-US" altLang="ja-JP" dirty="0" err="1"/>
+              <a:t>VirtualHost</a:t>
+            </a:r>
+            <a:r>
+              <a:rPr lang="en-US" altLang="ja-JP" dirty="0"/>
+              <a:t>&gt;</a:t>
+            </a:r>
+            <a:r>
+              <a:rPr lang="ja-JP" altLang="en-US" dirty="0"/>
+              <a:t>」</a:t>
+            </a:r>
+          </a:p>
+          <a:p>
+            <a:pPr marL="180000" lvl="1" indent="0">
+              <a:buNone/>
+            </a:pPr>
+            <a:r>
+              <a:rPr lang="en-US" altLang="ja-JP" dirty="0"/>
+              <a:t>To restrict HTTPS access, please comment out(#) the section from </a:t>
+            </a:r>
+            <a:r>
+              <a:rPr lang="ja-JP" altLang="en-US" dirty="0"/>
+              <a:t>「</a:t>
+            </a:r>
+            <a:r>
+              <a:rPr lang="en-US" altLang="ja-JP" dirty="0"/>
+              <a:t>&lt;</a:t>
+            </a:r>
+            <a:r>
+              <a:rPr lang="en-US" altLang="ja-JP" dirty="0" err="1"/>
+              <a:t>VirtualHost</a:t>
+            </a:r>
+            <a:r>
+              <a:rPr lang="en-US" altLang="ja-JP" dirty="0"/>
+              <a:t> *:443 &gt;</a:t>
+            </a:r>
+            <a:r>
+              <a:rPr lang="ja-JP" altLang="en-US" dirty="0"/>
+              <a:t>」</a:t>
+            </a:r>
+            <a:r>
+              <a:rPr lang="en-US" altLang="ja-JP" dirty="0"/>
+              <a:t>to</a:t>
+            </a:r>
+            <a:r>
+              <a:rPr lang="ja-JP" altLang="en-US" dirty="0"/>
+              <a:t>「</a:t>
+            </a:r>
+            <a:r>
+              <a:rPr lang="en-US" altLang="ja-JP" dirty="0"/>
+              <a:t>&lt;/</a:t>
+            </a:r>
+            <a:r>
+              <a:rPr lang="en-US" altLang="ja-JP" dirty="0" err="1"/>
+              <a:t>VirtualHost</a:t>
+            </a:r>
+            <a:r>
+              <a:rPr lang="en-US" altLang="ja-JP" dirty="0"/>
+              <a:t>&gt;</a:t>
+            </a:r>
+            <a:r>
+              <a:rPr lang="ja-JP" altLang="en-US" dirty="0" smtClean="0"/>
+              <a:t>」</a:t>
+            </a:r>
+            <a:endParaRPr lang="en-US" altLang="ja-JP" dirty="0" smtClean="0"/>
+          </a:p>
+          <a:p>
+            <a:pPr marL="180000" lvl="1" indent="0">
+              <a:buNone/>
+            </a:pPr>
+            <a:endParaRPr lang="en-US" altLang="ja-JP" dirty="0"/>
+          </a:p>
+          <a:p>
+            <a:pPr lvl="1"/>
+            <a:r>
+              <a:rPr lang="en-US" altLang="ja-JP" dirty="0" smtClean="0"/>
+              <a:t>Restart </a:t>
+            </a:r>
+            <a:r>
+              <a:rPr lang="en-US" altLang="ja-JP" dirty="0"/>
+              <a:t>Apache with the following command</a:t>
+            </a:r>
+            <a:r>
+              <a:rPr lang="en-US" altLang="ja-JP" dirty="0" smtClean="0"/>
+              <a:t>.</a:t>
+            </a:r>
+            <a:r>
+              <a:rPr lang="en-US" altLang="ja-JP" dirty="0"/>
+              <a:t/>
+            </a:r>
+            <a:br>
+              <a:rPr lang="en-US" altLang="ja-JP" dirty="0"/>
+            </a:br>
+            <a:r>
+              <a:rPr lang="en-US" altLang="ja-JP" dirty="0" err="1"/>
+              <a:t>systemctl</a:t>
+            </a:r>
+            <a:r>
+              <a:rPr lang="en-US" altLang="ja-JP" dirty="0"/>
+              <a:t> restart </a:t>
+            </a:r>
+            <a:r>
+              <a:rPr lang="en-US" altLang="ja-JP" dirty="0" err="1" smtClean="0"/>
+              <a:t>httpd</a:t>
+            </a:r>
+            <a:endParaRPr lang="en-US" altLang="ja-JP" dirty="0"/>
+          </a:p>
+        </p:txBody>
+      </p:sp>
+      <p:sp>
+        <p:nvSpPr>
+          <p:cNvPr id="7" name="タイトル 1"/>
+          <p:cNvSpPr>
+            <a:spLocks noGrp="1"/>
+          </p:cNvSpPr>
+          <p:nvPr>
+            <p:ph type="title"/>
+          </p:nvPr>
+        </p:nvSpPr>
+        <p:spPr>
+          <a:xfrm>
+            <a:off x="179513" y="115200"/>
+            <a:ext cx="8784000" cy="468000"/>
+          </a:xfrm>
+        </p:spPr>
+        <p:txBody>
+          <a:bodyPr/>
+          <a:lstStyle/>
+          <a:p>
+            <a:r>
+              <a:rPr lang="en-US" altLang="ja-JP" dirty="0" smtClean="0">
+                <a:latin typeface="Segoe UI" panose="020B0502040204020203" pitchFamily="34" charset="0"/>
+                <a:ea typeface="Segoe UI" panose="020B0502040204020203" pitchFamily="34" charset="0"/>
+                <a:cs typeface="Segoe UI" panose="020B0502040204020203" pitchFamily="34" charset="0"/>
+              </a:rPr>
+              <a:t>4.7	Reference</a:t>
+            </a:r>
+            <a:endParaRPr kumimoji="1" lang="ja-JP" altLang="en-US" dirty="0">
+              <a:latin typeface="Segoe UI" panose="020B0502040204020203" pitchFamily="34" charset="0"/>
+              <a:cs typeface="Segoe UI" panose="020B0502040204020203" pitchFamily="34" charset="0"/>
+            </a:endParaRPr>
+          </a:p>
+        </p:txBody>
+      </p:sp>
+    </p:spTree>
+    <p:extLst>
+      <p:ext uri="{BB962C8B-B14F-4D97-AF65-F5344CB8AC3E}">
+        <p14:creationId xmlns:p14="http://schemas.microsoft.com/office/powerpoint/2010/main" val="4000485876"/>
+      </p:ext>
+    </p:extLst>
+  </p:cSld>
+  <p:clrMapOvr>
+    <a:masterClrMapping/>
+  </p:clrMapOvr>
+</p:sld>
+</file>
+
+<file path=ppt/slides/slide28.xml><?xml version="1.0" encoding="utf-8"?>
 <p:sld xmlns:a="http://schemas.openxmlformats.org/drawingml/2006/main" xmlns:r="http://schemas.openxmlformats.org/officeDocument/2006/relationships" xmlns:p="http://schemas.openxmlformats.org/presentationml/2006/main">
   <p:cSld>
     <p:spTree>
@@ -27330,7 +28029,7 @@
         </p:nvGraphicFramePr>
         <p:xfrm>
           <a:off x="106893" y="1578243"/>
-          <a:ext cx="8929240" cy="4874945"/>
+          <a:ext cx="8929240" cy="4850561"/>
         </p:xfrm>
         <a:graphic>
           <a:graphicData uri="http://schemas.openxmlformats.org/drawingml/2006/table">

--- a/asset/Learn/ITA-online-install_en.pptx
+++ b/asset/Learn/ITA-online-install_en.pptx
@@ -336,7 +336,7 @@
               <a:rPr kumimoji="1" lang="ja-JP" altLang="en-US" smtClean="0">
                 <a:ea typeface="メイリオ" panose="020B0604030504040204" pitchFamily="50" charset="-128"/>
               </a:rPr>
-              <a:t>2020/4/27</a:t>
+              <a:t>2020/6/15</a:t>
             </a:fld>
             <a:endParaRPr kumimoji="1" lang="ja-JP" altLang="en-US" dirty="0">
               <a:ea typeface="メイリオ" panose="020B0604030504040204" pitchFamily="50" charset="-128"/>
@@ -482,7 +482,7 @@
             <a:fld id="{4B26993D-C081-44EB-B0F5-A9F467792B62}" type="datetimeFigureOut">
               <a:rPr lang="ja-JP" altLang="en-US" smtClean="0"/>
               <a:pPr/>
-              <a:t>2020/4/27</a:t>
+              <a:t>2020/6/15</a:t>
             </a:fld>
             <a:endParaRPr lang="ja-JP" altLang="en-US" dirty="0"/>
           </a:p>
@@ -1105,7 +1105,7 @@
           <a:p>
             <a:fld id="{56F9016B-CCA6-43BE-8BEE-59565A35F4F7}" type="datetimeFigureOut">
               <a:rPr kumimoji="1" lang="ja-JP" altLang="en-US" smtClean="0"/>
-              <a:t>2020/4/27</a:t>
+              <a:t>2020/6/15</a:t>
             </a:fld>
             <a:endParaRPr kumimoji="1" lang="ja-JP" altLang="en-US"/>
           </a:p>
@@ -1307,7 +1307,7 @@
           <a:p>
             <a:fld id="{56F9016B-CCA6-43BE-8BEE-59565A35F4F7}" type="datetimeFigureOut">
               <a:rPr kumimoji="1" lang="ja-JP" altLang="en-US" smtClean="0"/>
-              <a:t>2020/4/27</a:t>
+              <a:t>2020/6/15</a:t>
             </a:fld>
             <a:endParaRPr kumimoji="1" lang="ja-JP" altLang="en-US"/>
           </a:p>
@@ -1553,7 +1553,7 @@
           <a:p>
             <a:fld id="{56F9016B-CCA6-43BE-8BEE-59565A35F4F7}" type="datetimeFigureOut">
               <a:rPr kumimoji="1" lang="ja-JP" altLang="en-US" smtClean="0"/>
-              <a:t>2020/4/27</a:t>
+              <a:t>2020/6/15</a:t>
             </a:fld>
             <a:endParaRPr kumimoji="1" lang="ja-JP" altLang="en-US"/>
           </a:p>
@@ -1849,7 +1849,7 @@
           <a:p>
             <a:fld id="{56F9016B-CCA6-43BE-8BEE-59565A35F4F7}" type="datetimeFigureOut">
               <a:rPr kumimoji="1" lang="ja-JP" altLang="en-US" smtClean="0"/>
-              <a:t>2020/4/27</a:t>
+              <a:t>2020/6/15</a:t>
             </a:fld>
             <a:endParaRPr kumimoji="1" lang="ja-JP" altLang="en-US"/>
           </a:p>
@@ -2280,7 +2280,7 @@
           <a:p>
             <a:fld id="{56F9016B-CCA6-43BE-8BEE-59565A35F4F7}" type="datetimeFigureOut">
               <a:rPr kumimoji="1" lang="ja-JP" altLang="en-US" smtClean="0"/>
-              <a:t>2020/4/27</a:t>
+              <a:t>2020/6/15</a:t>
             </a:fld>
             <a:endParaRPr kumimoji="1" lang="ja-JP" altLang="en-US"/>
           </a:p>
@@ -2398,7 +2398,7 @@
           <a:p>
             <a:fld id="{56F9016B-CCA6-43BE-8BEE-59565A35F4F7}" type="datetimeFigureOut">
               <a:rPr kumimoji="1" lang="ja-JP" altLang="en-US" smtClean="0"/>
-              <a:t>2020/4/27</a:t>
+              <a:t>2020/6/15</a:t>
             </a:fld>
             <a:endParaRPr kumimoji="1" lang="ja-JP" altLang="en-US"/>
           </a:p>
@@ -2493,7 +2493,7 @@
           <a:p>
             <a:fld id="{56F9016B-CCA6-43BE-8BEE-59565A35F4F7}" type="datetimeFigureOut">
               <a:rPr kumimoji="1" lang="ja-JP" altLang="en-US" smtClean="0"/>
-              <a:t>2020/4/27</a:t>
+              <a:t>2020/6/15</a:t>
             </a:fld>
             <a:endParaRPr kumimoji="1" lang="ja-JP" altLang="en-US"/>
           </a:p>
@@ -2802,7 +2802,7 @@
           <a:p>
             <a:fld id="{56F9016B-CCA6-43BE-8BEE-59565A35F4F7}" type="datetimeFigureOut">
               <a:rPr kumimoji="1" lang="ja-JP" altLang="en-US" smtClean="0"/>
-              <a:t>2020/4/27</a:t>
+              <a:t>2020/6/15</a:t>
             </a:fld>
             <a:endParaRPr kumimoji="1" lang="ja-JP" altLang="en-US"/>
           </a:p>
@@ -3055,7 +3055,7 @@
           <a:p>
             <a:fld id="{56F9016B-CCA6-43BE-8BEE-59565A35F4F7}" type="datetimeFigureOut">
               <a:rPr kumimoji="1" lang="ja-JP" altLang="en-US" smtClean="0"/>
-              <a:t>2020/4/27</a:t>
+              <a:t>2020/6/15</a:t>
             </a:fld>
             <a:endParaRPr kumimoji="1" lang="ja-JP" altLang="en-US"/>
           </a:p>
@@ -3332,7 +3332,7 @@
           <a:p>
             <a:fld id="{56F9016B-CCA6-43BE-8BEE-59565A35F4F7}" type="datetimeFigureOut">
               <a:rPr kumimoji="1" lang="ja-JP" altLang="en-US" smtClean="0"/>
-              <a:t>2020/4/27</a:t>
+              <a:t>2020/6/15</a:t>
             </a:fld>
             <a:endParaRPr kumimoji="1" lang="ja-JP" altLang="en-US"/>
           </a:p>
@@ -3544,7 +3544,7 @@
           <a:p>
             <a:fld id="{56F9016B-CCA6-43BE-8BEE-59565A35F4F7}" type="datetimeFigureOut">
               <a:rPr kumimoji="1" lang="ja-JP" altLang="en-US" smtClean="0"/>
-              <a:t>2020/4/27</a:t>
+              <a:t>2020/6/15</a:t>
             </a:fld>
             <a:endParaRPr kumimoji="1" lang="ja-JP" altLang="en-US"/>
           </a:p>
@@ -6603,7 +6603,7 @@
           <a:p>
             <a:fld id="{56F9016B-CCA6-43BE-8BEE-59565A35F4F7}" type="datetimeFigureOut">
               <a:rPr kumimoji="1" lang="ja-JP" altLang="en-US" smtClean="0"/>
-              <a:t>2020/4/27</a:t>
+              <a:t>2020/6/15</a:t>
             </a:fld>
             <a:endParaRPr kumimoji="1" lang="ja-JP" altLang="en-US"/>
           </a:p>
@@ -7049,7 +7049,7 @@
                 <a:ea typeface="Segoe UI" panose="020B0502040204020203" pitchFamily="34" charset="0"/>
                 <a:cs typeface="Segoe UI" panose="020B0502040204020203" pitchFamily="34" charset="0"/>
               </a:rPr>
-              <a:t>1.4.1</a:t>
+              <a:t>1.5</a:t>
             </a:r>
           </a:p>
           <a:p>
@@ -7692,14 +7692,14 @@
           <p:nvPr>
             <p:extLst>
               <p:ext uri="{D42A27DB-BD31-4B8C-83A1-F6EECF244321}">
-                <p14:modId xmlns:p14="http://schemas.microsoft.com/office/powerpoint/2010/main" val="754382863"/>
+                <p14:modId xmlns:p14="http://schemas.microsoft.com/office/powerpoint/2010/main" val="1338058159"/>
               </p:ext>
             </p:extLst>
           </p:nvPr>
         </p:nvGraphicFramePr>
         <p:xfrm>
           <a:off x="302064" y="1628750"/>
-          <a:ext cx="8538898" cy="2565400"/>
+          <a:ext cx="8538898" cy="3388360"/>
         </p:xfrm>
         <a:graphic>
           <a:graphicData uri="http://schemas.openxmlformats.org/drawingml/2006/table">
@@ -7781,7 +7781,7 @@
                 </a:extLst>
               </a:tr>
               <a:tr h="205240">
-                <a:tc rowSpan="3">
+                <a:tc rowSpan="4">
                   <a:txBody>
                     <a:bodyPr/>
                     <a:lstStyle/>
@@ -7969,7 +7969,17 @@
                   </a:ext>
                 </a:extLst>
               </a:tr>
-              <a:tr h="185420">
+              <a:tr h="236220">
+                <a:tc vMerge="1">
+                  <a:txBody>
+                    <a:bodyPr/>
+                    <a:lstStyle/>
+                    <a:p>
+                      <a:endParaRPr kumimoji="1" lang="ja-JP" altLang="en-US" sz="1200" b="1" dirty="0"/>
+                    </a:p>
+                  </a:txBody>
+                  <a:tcPr anchor="ctr"/>
+                </a:tc>
                 <a:tc>
                   <a:txBody>
                     <a:bodyPr/>
@@ -7993,9 +8003,141 @@
                         <a:defRPr/>
                       </a:pPr>
                       <a:r>
+                        <a:rPr kumimoji="1" lang="en-US" altLang="ja-JP" sz="1200" b="1" dirty="0" smtClean="0">
+                          <a:solidFill>
+                            <a:schemeClr val="tx1"/>
+                          </a:solidFill>
+                        </a:rPr>
+                        <a:t>rhel-7-server-optional-rpms</a:t>
+                      </a:r>
+                      <a:endParaRPr kumimoji="1" lang="ja-JP" altLang="en-US" sz="1200" b="1" dirty="0" smtClean="0">
+                        <a:solidFill>
+                          <a:schemeClr val="tx1"/>
+                        </a:solidFill>
+                      </a:endParaRPr>
+                    </a:p>
+                  </a:txBody>
+                  <a:tcPr/>
+                </a:tc>
+                <a:extLst>
+                  <a:ext uri="{0D108BD9-81ED-4DB2-BD59-A6C34878D82A}">
+                    <a16:rowId xmlns:a16="http://schemas.microsoft.com/office/drawing/2014/main" val="3023160889"/>
+                  </a:ext>
+                </a:extLst>
+              </a:tr>
+              <a:tr h="185420">
+                <a:tc rowSpan="2">
+                  <a:txBody>
+                    <a:bodyPr/>
+                    <a:lstStyle/>
+                    <a:p>
+                      <a:pPr marL="0" marR="0" lvl="0" indent="0" algn="l" defTabSz="914400" rtl="0" eaLnBrk="1" fontAlgn="auto" latinLnBrk="0" hangingPunct="1">
+                        <a:lnSpc>
+                          <a:spcPct val="100000"/>
+                        </a:lnSpc>
+                        <a:spcBef>
+                          <a:spcPts val="0"/>
+                        </a:spcBef>
+                        <a:spcAft>
+                          <a:spcPts val="0"/>
+                        </a:spcAft>
+                        <a:buClrTx/>
+                        <a:buSzTx/>
+                        <a:buFontTx/>
+                        <a:buNone/>
+                        <a:tabLst/>
+                        <a:defRPr/>
+                      </a:pPr>
+                      <a:r>
                         <a:rPr kumimoji="1" lang="en-US" altLang="ja-JP" sz="1200" b="1" dirty="0" smtClean="0"/>
                         <a:t>RHEL8</a:t>
                       </a:r>
+                      <a:endParaRPr kumimoji="1" lang="ja-JP" altLang="en-US" sz="1200" b="1" dirty="0" smtClean="0"/>
+                    </a:p>
+                  </a:txBody>
+                  <a:tcPr anchor="ctr">
+                    <a:solidFill>
+                      <a:srgbClr val="E7E8EA"/>
+                    </a:solidFill>
+                  </a:tcPr>
+                </a:tc>
+                <a:tc>
+                  <a:txBody>
+                    <a:bodyPr/>
+                    <a:lstStyle/>
+                    <a:p>
+                      <a:pPr marL="0" marR="0" lvl="0" indent="0" algn="l" defTabSz="914400" rtl="0" eaLnBrk="1" fontAlgn="auto" latinLnBrk="0" hangingPunct="1">
+                        <a:lnSpc>
+                          <a:spcPct val="100000"/>
+                        </a:lnSpc>
+                        <a:spcBef>
+                          <a:spcPts val="0"/>
+                        </a:spcBef>
+                        <a:spcAft>
+                          <a:spcPts val="0"/>
+                        </a:spcAft>
+                        <a:buClrTx/>
+                        <a:buSzTx/>
+                        <a:buFontTx/>
+                        <a:buNone/>
+                        <a:tabLst/>
+                        <a:defRPr/>
+                      </a:pPr>
+                      <a:r>
+                        <a:rPr kumimoji="1" lang="en-US" altLang="ja-JP" sz="1200" b="1" i="0" kern="1200" dirty="0" smtClean="0">
+                          <a:solidFill>
+                            <a:schemeClr val="dk1"/>
+                          </a:solidFill>
+                          <a:effectLst/>
+                          <a:latin typeface="+mn-lt"/>
+                          <a:ea typeface="+mn-ea"/>
+                          <a:cs typeface="+mn-cs"/>
+                        </a:rPr>
+                        <a:t>https://dl.fedoraproject.org/pub/epel/epel-release-latest-8.noarch.rpm</a:t>
+                      </a:r>
+                    </a:p>
+                  </a:txBody>
+                  <a:tcPr>
+                    <a:lnB w="12700" cap="flat" cmpd="sng" algn="ctr">
+                      <a:solidFill>
+                        <a:schemeClr val="bg1"/>
+                      </a:solidFill>
+                      <a:prstDash val="solid"/>
+                      <a:round/>
+                      <a:headEnd type="none" w="med" len="med"/>
+                      <a:tailEnd type="none" w="med" len="med"/>
+                    </a:lnB>
+                  </a:tcPr>
+                </a:tc>
+                <a:extLst>
+                  <a:ext uri="{0D108BD9-81ED-4DB2-BD59-A6C34878D82A}">
+                    <a16:rowId xmlns:a16="http://schemas.microsoft.com/office/drawing/2014/main" val="10007"/>
+                  </a:ext>
+                </a:extLst>
+              </a:tr>
+              <a:tr h="185420">
+                <a:tc vMerge="1">
+                  <a:txBody>
+                    <a:bodyPr/>
+                    <a:lstStyle/>
+                    <a:p>
+                      <a:pPr marL="0" marR="0" lvl="0" indent="0" algn="l" defTabSz="914400" rtl="0" eaLnBrk="1" fontAlgn="auto" latinLnBrk="0" hangingPunct="1">
+                        <a:lnSpc>
+                          <a:spcPct val="100000"/>
+                        </a:lnSpc>
+                        <a:spcBef>
+                          <a:spcPts val="0"/>
+                        </a:spcBef>
+                        <a:spcAft>
+                          <a:spcPts val="0"/>
+                        </a:spcAft>
+                        <a:buClrTx/>
+                        <a:buSzTx/>
+                        <a:buFontTx/>
+                        <a:buNone/>
+                        <a:tabLst/>
+                        <a:defRPr/>
+                      </a:pPr>
                       <a:endParaRPr kumimoji="1" lang="ja-JP" altLang="en-US" sz="1200" b="1" dirty="0" smtClean="0"/>
                     </a:p>
                   </a:txBody>
@@ -8033,11 +8175,44 @@
                           <a:ea typeface="+mn-ea"/>
                           <a:cs typeface="+mn-cs"/>
                         </a:rPr>
-                        <a:t>https://dl.fedoraproject.org/pub/epel/epel-release-latest-8.noarch.rpm</a:t>
+                        <a:t>codeready-builder-for-rhel-8-</a:t>
+                      </a:r>
+                      <a:r>
+                        <a:rPr kumimoji="1" lang="en-US" altLang="ja-JP" sz="1200" b="1" i="0" kern="1200" dirty="0" smtClean="0">
+                          <a:solidFill>
+                            <a:srgbClr val="FF0000"/>
+                          </a:solidFill>
+                          <a:effectLst/>
+                          <a:latin typeface="+mn-lt"/>
+                          <a:ea typeface="+mn-ea"/>
+                          <a:cs typeface="+mn-cs"/>
+                        </a:rPr>
+                        <a:t>xxxxxx</a:t>
+                      </a:r>
+                      <a:r>
+                        <a:rPr kumimoji="1" lang="en-US" altLang="ja-JP" sz="1200" b="1" i="0" kern="1200" dirty="0" smtClean="0">
+                          <a:solidFill>
+                            <a:schemeClr val="dk1"/>
+                          </a:solidFill>
+                          <a:effectLst/>
+                          <a:latin typeface="+mn-lt"/>
+                          <a:ea typeface="+mn-ea"/>
+                          <a:cs typeface="+mn-cs"/>
+                        </a:rPr>
+                        <a:t>-rpms</a:t>
                       </a:r>
                     </a:p>
                   </a:txBody>
                   <a:tcPr>
+                    <a:lnT w="12700" cap="flat" cmpd="sng" algn="ctr">
+                      <a:solidFill>
+                        <a:schemeClr val="bg1"/>
+                      </a:solidFill>
+                      <a:prstDash val="solid"/>
+                      <a:round/>
+                      <a:headEnd type="none" w="med" len="med"/>
+                      <a:tailEnd type="none" w="med" len="med"/>
+                    </a:lnT>
                     <a:lnB w="12700" cap="flat" cmpd="sng" algn="ctr">
                       <a:solidFill>
                         <a:schemeClr val="bg1"/>
@@ -8051,7 +8226,7 @@
                 </a:tc>
                 <a:extLst>
                   <a:ext uri="{0D108BD9-81ED-4DB2-BD59-A6C34878D82A}">
-                    <a16:rowId xmlns:a16="http://schemas.microsoft.com/office/drawing/2014/main" val="10007"/>
+                    <a16:rowId xmlns:a16="http://schemas.microsoft.com/office/drawing/2014/main" val="726613763"/>
                   </a:ext>
                 </a:extLst>
               </a:tr>
@@ -8248,7 +8423,7 @@
                 </a:extLst>
               </a:tr>
               <a:tr h="152400">
-                <a:tc>
+                <a:tc rowSpan="2">
                   <a:txBody>
                     <a:bodyPr/>
                     <a:lstStyle/>
@@ -8334,10 +8509,123 @@
                   </a:ext>
                 </a:extLst>
               </a:tr>
+              <a:tr h="152400">
+                <a:tc vMerge="1">
+                  <a:txBody>
+                    <a:bodyPr/>
+                    <a:lstStyle/>
+                    <a:p>
+                      <a:endParaRPr kumimoji="1" lang="ja-JP" altLang="en-US" sz="1200" b="1" dirty="0"/>
+                    </a:p>
+                  </a:txBody>
+                  <a:tcPr anchor="ctr"/>
+                </a:tc>
+                <a:tc>
+                  <a:txBody>
+                    <a:bodyPr/>
+                    <a:lstStyle/>
+                    <a:p>
+                      <a:pPr marL="0" marR="0" lvl="0" indent="0" algn="l" defTabSz="914400" rtl="0" eaLnBrk="1" fontAlgn="auto" latinLnBrk="0" hangingPunct="1">
+                        <a:lnSpc>
+                          <a:spcPct val="100000"/>
+                        </a:lnSpc>
+                        <a:spcBef>
+                          <a:spcPts val="0"/>
+                        </a:spcBef>
+                        <a:spcAft>
+                          <a:spcPts val="0"/>
+                        </a:spcAft>
+                        <a:buClrTx/>
+                        <a:buSzTx/>
+                        <a:buFontTx/>
+                        <a:buNone/>
+                        <a:tabLst/>
+                        <a:defRPr/>
+                      </a:pPr>
+                      <a:r>
+                        <a:rPr kumimoji="1" lang="en-US" altLang="ja-JP" sz="1200" b="1" dirty="0" err="1" smtClean="0">
+                          <a:solidFill>
+                            <a:schemeClr val="tx1"/>
+                          </a:solidFill>
+                        </a:rPr>
+                        <a:t>PowerTools</a:t>
+                      </a:r>
+                      <a:endParaRPr kumimoji="1" lang="ja-JP" altLang="en-US" sz="1200" b="1" dirty="0" smtClean="0">
+                        <a:solidFill>
+                          <a:schemeClr val="tx1"/>
+                        </a:solidFill>
+                      </a:endParaRPr>
+                    </a:p>
+                  </a:txBody>
+                  <a:tcPr>
+                    <a:lnT w="12700" cap="flat" cmpd="sng" algn="ctr">
+                      <a:solidFill>
+                        <a:schemeClr val="bg1"/>
+                      </a:solidFill>
+                      <a:prstDash val="solid"/>
+                      <a:round/>
+                      <a:headEnd type="none" w="med" len="med"/>
+                      <a:tailEnd type="none" w="med" len="med"/>
+                    </a:lnT>
+                    <a:lnB w="12700" cap="flat" cmpd="sng" algn="ctr">
+                      <a:solidFill>
+                        <a:schemeClr val="bg1"/>
+                      </a:solidFill>
+                      <a:prstDash val="solid"/>
+                      <a:round/>
+                      <a:headEnd type="none" w="med" len="med"/>
+                      <a:tailEnd type="none" w="med" len="med"/>
+                    </a:lnB>
+                  </a:tcPr>
+                </a:tc>
+                <a:extLst>
+                  <a:ext uri="{0D108BD9-81ED-4DB2-BD59-A6C34878D82A}">
+                    <a16:rowId xmlns:a16="http://schemas.microsoft.com/office/drawing/2014/main" val="436330111"/>
+                  </a:ext>
+                </a:extLst>
+              </a:tr>
             </a:tbl>
           </a:graphicData>
         </a:graphic>
       </p:graphicFrame>
+      <p:sp>
+        <p:nvSpPr>
+          <p:cNvPr id="5" name="テキスト ボックス 4"/>
+          <p:cNvSpPr txBox="1"/>
+          <p:nvPr/>
+        </p:nvSpPr>
+        <p:spPr>
+          <a:xfrm>
+            <a:off x="395420" y="5116733"/>
+            <a:ext cx="3096917" cy="307777"/>
+          </a:xfrm>
+          <a:prstGeom prst="rect">
+            <a:avLst/>
+          </a:prstGeom>
+          <a:noFill/>
+        </p:spPr>
+        <p:txBody>
+          <a:bodyPr wrap="square" rtlCol="0">
+            <a:spAutoFit/>
+          </a:bodyPr>
+          <a:lstStyle/>
+          <a:p>
+            <a:r>
+              <a:rPr lang="en-US" altLang="ja-JP" sz="1400" dirty="0" err="1">
+                <a:solidFill>
+                  <a:srgbClr val="FF0000"/>
+                </a:solidFill>
+              </a:rPr>
+              <a:t>xxxxxx</a:t>
+            </a:r>
+            <a:r>
+              <a:rPr lang="en-US" altLang="ja-JP" sz="1400" dirty="0" err="1"/>
+              <a:t>:architecture</a:t>
+            </a:r>
+            <a:endParaRPr kumimoji="1" lang="ja-JP" altLang="en-US" sz="1400" dirty="0"/>
+          </a:p>
+        </p:txBody>
+      </p:sp>
     </p:spTree>
     <p:extLst>
       <p:ext uri="{BB962C8B-B14F-4D97-AF65-F5344CB8AC3E}">
@@ -15112,7 +15400,7 @@
               <a:t>, </a:t>
             </a:r>
             <a:r>
-              <a:rPr lang="en-US" altLang="ja-JP" b="1" dirty="0" smtClean="0">
+              <a:rPr lang="en-US" altLang="ja-JP" b="1" dirty="0" err="1" smtClean="0">
                 <a:latin typeface="Segoe UI" panose="020B0502040204020203" pitchFamily="34" charset="0"/>
                 <a:ea typeface="Segoe UI" panose="020B0502040204020203" pitchFamily="34" charset="0"/>
                 <a:cs typeface="Segoe UI" panose="020B0502040204020203" pitchFamily="34" charset="0"/>
@@ -15125,15 +15413,39 @@
                 <a:ea typeface="Segoe UI" panose="020B0502040204020203" pitchFamily="34" charset="0"/>
                 <a:cs typeface="Segoe UI" panose="020B0502040204020203" pitchFamily="34" charset="0"/>
               </a:rPr>
+              <a:t>,</a:t>
+            </a:r>
+            <a:r>
+              <a:rPr lang="ja-JP" altLang="en-US" dirty="0" smtClean="0">
+                <a:latin typeface="Segoe UI" panose="020B0502040204020203" pitchFamily="34" charset="0"/>
+                <a:ea typeface="Segoe UI" panose="020B0502040204020203" pitchFamily="34" charset="0"/>
+                <a:cs typeface="Segoe UI" panose="020B0502040204020203" pitchFamily="34" charset="0"/>
+              </a:rPr>
+              <a:t> </a:t>
+            </a:r>
+            <a:r>
+              <a:rPr lang="en-US" altLang="ja-JP" b="1" dirty="0" err="1" smtClean="0">
+                <a:latin typeface="Segoe UI" panose="020B0502040204020203" pitchFamily="34" charset="0"/>
+                <a:ea typeface="Segoe UI" panose="020B0502040204020203" pitchFamily="34" charset="0"/>
+                <a:cs typeface="Segoe UI" panose="020B0502040204020203" pitchFamily="34" charset="0"/>
+              </a:rPr>
+              <a:t>create_param</a:t>
+            </a:r>
+            <a:r>
+              <a:rPr lang="en-US" altLang="ja-JP" dirty="0" smtClean="0">
+                <a:latin typeface="Segoe UI" panose="020B0502040204020203" pitchFamily="34" charset="0"/>
+                <a:ea typeface="Segoe UI" panose="020B0502040204020203" pitchFamily="34" charset="0"/>
+                <a:cs typeface="Segoe UI" panose="020B0502040204020203" pitchFamily="34" charset="0"/>
+              </a:rPr>
               <a:t>, and </a:t>
             </a:r>
             <a:r>
-              <a:rPr lang="en-US" altLang="ja-JP" b="1" dirty="0" smtClean="0">
-                <a:latin typeface="Segoe UI" panose="020B0502040204020203" pitchFamily="34" charset="0"/>
-                <a:ea typeface="Segoe UI" panose="020B0502040204020203" pitchFamily="34" charset="0"/>
-                <a:cs typeface="Segoe UI" panose="020B0502040204020203" pitchFamily="34" charset="0"/>
-              </a:rPr>
-              <a:t>create_param</a:t>
+              <a:rPr lang="en-US" altLang="ja-JP" b="1" dirty="0" err="1" smtClean="0">
+                <a:latin typeface="Segoe UI" panose="020B0502040204020203" pitchFamily="34" charset="0"/>
+                <a:ea typeface="Segoe UI" panose="020B0502040204020203" pitchFamily="34" charset="0"/>
+                <a:cs typeface="Segoe UI" panose="020B0502040204020203" pitchFamily="34" charset="0"/>
+              </a:rPr>
+              <a:t>Hostgroup</a:t>
             </a:r>
             <a:r>
               <a:rPr lang="en-US" altLang="ja-JP" dirty="0" smtClean="0">
@@ -15258,14 +15570,14 @@
           <p:nvPr>
             <p:extLst>
               <p:ext uri="{D42A27DB-BD31-4B8C-83A1-F6EECF244321}">
-                <p14:modId xmlns:p14="http://schemas.microsoft.com/office/powerpoint/2010/main" val="1970951934"/>
+                <p14:modId xmlns:p14="http://schemas.microsoft.com/office/powerpoint/2010/main" val="742468560"/>
               </p:ext>
             </p:extLst>
           </p:nvPr>
         </p:nvGraphicFramePr>
         <p:xfrm>
           <a:off x="539440" y="1916790"/>
-          <a:ext cx="8065121" cy="4210858"/>
+          <a:ext cx="8065121" cy="4288378"/>
         </p:xfrm>
         <a:graphic>
           <a:graphicData uri="http://schemas.openxmlformats.org/drawingml/2006/table">
@@ -17445,13 +17757,13 @@
                         </a:spcAft>
                       </a:pPr>
                       <a:r>
-                        <a:rPr lang="en-US" sz="1000" kern="100" dirty="0">
-                          <a:effectLst/>
-                          <a:latin typeface="Segoe UI" panose="020B0502040204020203" pitchFamily="34" charset="0"/>
-                          <a:ea typeface="Segoe UI" panose="020B0502040204020203" pitchFamily="34" charset="0"/>
-                          <a:cs typeface="Segoe UI" panose="020B0502040204020203" pitchFamily="34" charset="0"/>
-                        </a:rPr>
-                        <a:t>no</a:t>
+                        <a:rPr lang="en-US" altLang="ja-JP" sz="1000" kern="100" dirty="0" smtClean="0">
+                          <a:effectLst/>
+                          <a:latin typeface="Segoe UI" panose="020B0502040204020203" pitchFamily="34" charset="0"/>
+                          <a:ea typeface="Segoe UI" panose="020B0502040204020203" pitchFamily="34" charset="0"/>
+                          <a:cs typeface="Segoe UI" panose="020B0502040204020203" pitchFamily="34" charset="0"/>
+                        </a:rPr>
+                        <a:t>yes</a:t>
                       </a:r>
                       <a:endParaRPr lang="ja-JP" sz="1000" kern="100" dirty="0">
                         <a:effectLst/>
@@ -19696,7 +20008,7 @@
               <a:defRPr/>
             </a:pPr>
             <a:r>
-              <a:rPr kumimoji="0" lang="en-US" sz="900" kern="100" dirty="0" err="1">
+              <a:rPr kumimoji="0" lang="en-US" sz="900" kern="100" dirty="0" err="1" smtClean="0">
                 <a:solidFill>
                   <a:sysClr val="window" lastClr="FFFFFF"/>
                 </a:solidFill>
@@ -19704,7 +20016,18 @@
                 <a:ea typeface="Segoe UI" panose="020B0502040204020203" pitchFamily="34" charset="0"/>
                 <a:cs typeface="Segoe UI" panose="020B0502040204020203" pitchFamily="34" charset="0"/>
               </a:rPr>
-              <a:t>hostgroup:no</a:t>
+              <a:t>hostgroup:</a:t>
+            </a:r>
+            <a:r>
+              <a:rPr kumimoji="0" lang="en-US" altLang="ja-JP" sz="900" kern="100" dirty="0" err="1" smtClean="0">
+                <a:solidFill>
+                  <a:sysClr val="window" lastClr="FFFFFF"/>
+                </a:solidFill>
+                <a:latin typeface="Segoe UI" panose="020B0502040204020203" pitchFamily="34" charset="0"/>
+                <a:ea typeface="Segoe UI" panose="020B0502040204020203" pitchFamily="34" charset="0"/>
+                <a:cs typeface="Segoe UI" panose="020B0502040204020203" pitchFamily="34" charset="0"/>
+              </a:rPr>
+              <a:t>yes</a:t>
             </a:r>
             <a:endParaRPr kumimoji="0" lang="en-US" sz="900" kern="100" dirty="0">
               <a:solidFill>
@@ -20905,7 +21228,7 @@
           <p:nvPr>
             <p:extLst>
               <p:ext uri="{D42A27DB-BD31-4B8C-83A1-F6EECF244321}">
-                <p14:modId xmlns:p14="http://schemas.microsoft.com/office/powerpoint/2010/main" val="1929452465"/>
+                <p14:modId xmlns:p14="http://schemas.microsoft.com/office/powerpoint/2010/main" val="2239207765"/>
               </p:ext>
             </p:extLst>
           </p:nvPr>
@@ -21988,83 +22311,145 @@
                       <a:r>
                         <a:rPr lang="en-US" sz="1050" kern="100" baseline="0" dirty="0" smtClean="0">
                           <a:effectLst/>
-                          <a:latin typeface="+mn-lt"/>
+                          <a:latin typeface="Segoe UI" panose="020B0502040204020203" pitchFamily="34" charset="0"/>
                           <a:ea typeface="+mn-ea"/>
-                          <a:cs typeface="+mn-cs"/>
-                        </a:rPr>
-                        <a:t>  </a:t>
+                          <a:cs typeface="Segoe UI" panose="020B0502040204020203" pitchFamily="34" charset="0"/>
+                        </a:rPr>
+                        <a:t> </a:t>
                       </a:r>
                       <a:r>
                         <a:rPr lang="en-US" altLang="ja-JP" sz="1050" kern="100" dirty="0" err="1" smtClean="0">
                           <a:effectLst/>
+                          <a:latin typeface="Segoe UI" panose="020B0502040204020203" pitchFamily="34" charset="0"/>
+                          <a:cs typeface="Segoe UI" panose="020B0502040204020203" pitchFamily="34" charset="0"/>
                         </a:rPr>
                         <a:t>php-json</a:t>
                       </a:r>
                       <a:r>
                         <a:rPr lang="en-US" altLang="ja-JP" sz="1050" kern="100" dirty="0" smtClean="0">
                           <a:effectLst/>
+                          <a:latin typeface="Segoe UI" panose="020B0502040204020203" pitchFamily="34" charset="0"/>
+                          <a:cs typeface="Segoe UI" panose="020B0502040204020203" pitchFamily="34" charset="0"/>
                         </a:rPr>
                         <a:t>,</a:t>
                       </a:r>
                       <a:r>
                         <a:rPr lang="en-US" altLang="ja-JP" sz="1050" kern="100" baseline="0" dirty="0" smtClean="0">
                           <a:effectLst/>
-                        </a:rPr>
-                        <a:t>  </a:t>
+                          <a:latin typeface="Segoe UI" panose="020B0502040204020203" pitchFamily="34" charset="0"/>
+                          <a:cs typeface="Segoe UI" panose="020B0502040204020203" pitchFamily="34" charset="0"/>
+                        </a:rPr>
+                        <a:t> </a:t>
                       </a:r>
                       <a:r>
                         <a:rPr lang="en-US" altLang="ja-JP" sz="1050" kern="100" dirty="0" err="1" smtClean="0">
                           <a:effectLst/>
+                          <a:latin typeface="Segoe UI" panose="020B0502040204020203" pitchFamily="34" charset="0"/>
+                          <a:cs typeface="Segoe UI" panose="020B0502040204020203" pitchFamily="34" charset="0"/>
                         </a:rPr>
                         <a:t>php</a:t>
                       </a:r>
                       <a:r>
                         <a:rPr lang="en-US" altLang="ja-JP" sz="1050" kern="100" dirty="0" smtClean="0">
                           <a:effectLst/>
+                          <a:latin typeface="Segoe UI" panose="020B0502040204020203" pitchFamily="34" charset="0"/>
+                          <a:cs typeface="Segoe UI" panose="020B0502040204020203" pitchFamily="34" charset="0"/>
                         </a:rPr>
                         <a:t>-zip,</a:t>
                       </a:r>
                       <a:r>
                         <a:rPr lang="en-US" altLang="ja-JP" sz="1050" kern="100" baseline="0" dirty="0" smtClean="0">
                           <a:effectLst/>
+                          <a:latin typeface="Segoe UI" panose="020B0502040204020203" pitchFamily="34" charset="0"/>
+                          <a:cs typeface="Segoe UI" panose="020B0502040204020203" pitchFamily="34" charset="0"/>
                         </a:rPr>
                         <a:t> </a:t>
                       </a:r>
                       <a:r>
+                        <a:rPr lang="en-US" altLang="ja-JP" sz="1050" kern="100" dirty="0" err="1" smtClean="0">
+                          <a:effectLst/>
+                          <a:latin typeface="Segoe UI" panose="020B0502040204020203" pitchFamily="34" charset="0"/>
+                          <a:cs typeface="Segoe UI" panose="020B0502040204020203" pitchFamily="34" charset="0"/>
+                        </a:rPr>
+                        <a:t>php-gd</a:t>
+                      </a:r>
+                      <a:r>
                         <a:rPr lang="en-US" altLang="ja-JP" sz="1050" kern="100" dirty="0" smtClean="0">
                           <a:effectLst/>
+                          <a:latin typeface="Segoe UI" panose="020B0502040204020203" pitchFamily="34" charset="0"/>
+                          <a:cs typeface="Segoe UI" panose="020B0502040204020203" pitchFamily="34" charset="0"/>
+                        </a:rPr>
+                        <a:t>,</a:t>
+                      </a:r>
+                      <a:r>
+                        <a:rPr lang="ja-JP" altLang="en-US" sz="1050" kern="100" baseline="0" dirty="0" smtClean="0">
+                          <a:effectLst/>
+                          <a:latin typeface="Segoe UI" panose="020B0502040204020203" pitchFamily="34" charset="0"/>
+                          <a:cs typeface="Segoe UI" panose="020B0502040204020203" pitchFamily="34" charset="0"/>
                         </a:rPr>
                         <a:t> </a:t>
                       </a:r>
                       <a:r>
-                        <a:rPr lang="en-US" altLang="ja-JP" sz="1050" kern="100" dirty="0" err="1" smtClean="0">
-                          <a:effectLst/>
-                        </a:rPr>
-                        <a:t>php-gd</a:t>
-                      </a:r>
-                      <a:r>
-                        <a:rPr lang="en-US" altLang="ja-JP" sz="1050" kern="100" dirty="0" smtClean="0">
-                          <a:effectLst/>
-                        </a:rPr>
-                        <a:t>,</a:t>
-                      </a:r>
-                      <a:r>
-                        <a:rPr lang="ja-JP" altLang="en-US" sz="1050" kern="100" baseline="0" dirty="0" smtClean="0">
-                          <a:effectLst/>
-                        </a:rPr>
-                        <a:t>　</a:t>
-                      </a:r>
-                      <a:r>
                         <a:rPr lang="en-US" altLang="ja-JP" sz="1050" kern="100" baseline="0" dirty="0" smtClean="0">
                           <a:effectLst/>
-                        </a:rPr>
-                        <a:t>Python3</a:t>
+                          <a:latin typeface="Segoe UI" panose="020B0502040204020203" pitchFamily="34" charset="0"/>
+                          <a:cs typeface="Segoe UI" panose="020B0502040204020203" pitchFamily="34" charset="0"/>
+                        </a:rPr>
+                        <a:t>Python3, </a:t>
+                      </a:r>
+                      <a:r>
+                        <a:rPr lang="en-US" altLang="ja-JP" sz="1050" kern="100" baseline="0" dirty="0" err="1" smtClean="0">
+                          <a:effectLst/>
+                          <a:latin typeface="Segoe UI" panose="020B0502040204020203" pitchFamily="34" charset="0"/>
+                          <a:cs typeface="Segoe UI" panose="020B0502040204020203" pitchFamily="34" charset="0"/>
+                        </a:rPr>
+                        <a:t>php-devel</a:t>
+                      </a:r>
+                      <a:r>
+                        <a:rPr lang="en-US" altLang="ja-JP" sz="1050" kern="100" baseline="0" dirty="0" smtClean="0">
+                          <a:effectLst/>
+                          <a:latin typeface="Segoe UI" panose="020B0502040204020203" pitchFamily="34" charset="0"/>
+                          <a:cs typeface="Segoe UI" panose="020B0502040204020203" pitchFamily="34" charset="0"/>
+                        </a:rPr>
+                        <a:t>, </a:t>
+                      </a:r>
+                      <a:r>
+                        <a:rPr lang="en-US" altLang="ja-JP" sz="1050" kern="100" baseline="0" dirty="0" err="1" smtClean="0">
+                          <a:effectLst/>
+                          <a:latin typeface="Segoe UI" panose="020B0502040204020203" pitchFamily="34" charset="0"/>
+                          <a:cs typeface="Segoe UI" panose="020B0502040204020203" pitchFamily="34" charset="0"/>
+                        </a:rPr>
+                        <a:t>libyaml</a:t>
+                      </a:r>
+                      <a:r>
+                        <a:rPr lang="en-US" altLang="ja-JP" sz="1050" kern="100" baseline="0" dirty="0" smtClean="0">
+                          <a:effectLst/>
+                          <a:latin typeface="Segoe UI" panose="020B0502040204020203" pitchFamily="34" charset="0"/>
+                          <a:cs typeface="Segoe UI" panose="020B0502040204020203" pitchFamily="34" charset="0"/>
+                        </a:rPr>
+                        <a:t>, </a:t>
+                      </a:r>
+                      <a:r>
+                        <a:rPr lang="en-US" altLang="ja-JP" sz="1050" kern="100" baseline="0" dirty="0" err="1" smtClean="0">
+                          <a:effectLst/>
+                          <a:latin typeface="Segoe UI" panose="020B0502040204020203" pitchFamily="34" charset="0"/>
+                          <a:cs typeface="Segoe UI" panose="020B0502040204020203" pitchFamily="34" charset="0"/>
+                        </a:rPr>
+                        <a:t>libyaml-devel</a:t>
+                      </a:r>
+                      <a:r>
+                        <a:rPr lang="en-US" altLang="ja-JP" sz="1050" kern="100" baseline="0" dirty="0" smtClean="0">
+                          <a:effectLst/>
+                          <a:latin typeface="Segoe UI" panose="020B0502040204020203" pitchFamily="34" charset="0"/>
+                          <a:cs typeface="Segoe UI" panose="020B0502040204020203" pitchFamily="34" charset="0"/>
+                        </a:rPr>
+                        <a:t>, make</a:t>
                       </a:r>
                       <a:endParaRPr lang="ja-JP" altLang="ja-JP" sz="1050" kern="100" dirty="0" smtClean="0">
                         <a:effectLst/>
-                        <a:latin typeface="Century" panose="02040604050505020304" pitchFamily="18" charset="0"/>
+                        <a:latin typeface="Segoe UI" panose="020B0502040204020203" pitchFamily="34" charset="0"/>
                         <a:ea typeface="ＭＳ 明朝" panose="02020609040205080304" pitchFamily="17" charset="-128"/>
-                        <a:cs typeface="Times New Roman" panose="02020603050405020304" pitchFamily="18" charset="0"/>
+                        <a:cs typeface="Segoe UI" panose="020B0502040204020203" pitchFamily="34" charset="0"/>
                       </a:endParaRPr>
                     </a:p>
                   </a:txBody>
@@ -22169,13 +22554,22 @@
                         </a:tabLst>
                       </a:pPr>
                       <a:r>
+                        <a:rPr lang="en-US" altLang="ja-JP" sz="1050" kern="100" dirty="0" err="1" smtClean="0">
+                          <a:effectLst/>
+                          <a:latin typeface="Segoe UI" panose="020B0502040204020203" pitchFamily="34" charset="0"/>
+                          <a:ea typeface="Segoe UI" panose="020B0502040204020203" pitchFamily="34" charset="0"/>
+                          <a:cs typeface="Segoe UI" panose="020B0502040204020203" pitchFamily="34" charset="0"/>
+                        </a:rPr>
+                        <a:t>p</a:t>
+                      </a:r>
+                      <a:r>
                         <a:rPr lang="en-US" sz="1050" kern="100" dirty="0" err="1" smtClean="0">
                           <a:effectLst/>
                           <a:latin typeface="Segoe UI" panose="020B0502040204020203" pitchFamily="34" charset="0"/>
                           <a:ea typeface="Segoe UI" panose="020B0502040204020203" pitchFamily="34" charset="0"/>
                           <a:cs typeface="Segoe UI" panose="020B0502040204020203" pitchFamily="34" charset="0"/>
                         </a:rPr>
-                        <a:t>Spyc</a:t>
+                        <a:t>hp-yaml</a:t>
                       </a:r>
                       <a:r>
                         <a:rPr lang="en-US" sz="1050" kern="100" dirty="0" smtClean="0">
@@ -22446,6 +22840,8 @@
                       <a:r>
                         <a:rPr lang="en-US" altLang="ja-JP" sz="1050" kern="100" dirty="0" err="1" smtClean="0">
                           <a:effectLst/>
+                          <a:latin typeface="Segoe UI" panose="020B0502040204020203" pitchFamily="34" charset="0"/>
+                          <a:cs typeface="Segoe UI" panose="020B0502040204020203" pitchFamily="34" charset="0"/>
                         </a:rPr>
                         <a:t>pexpect</a:t>
                       </a:r>
@@ -22461,6 +22857,8 @@
                       <a:r>
                         <a:rPr lang="en-US" altLang="ja-JP" sz="1050" kern="100" dirty="0" err="1" smtClean="0">
                           <a:effectLst/>
+                          <a:latin typeface="Segoe UI" panose="020B0502040204020203" pitchFamily="34" charset="0"/>
+                          <a:cs typeface="Segoe UI" panose="020B0502040204020203" pitchFamily="34" charset="0"/>
                         </a:rPr>
                         <a:t>pywinrm</a:t>
                       </a:r>
@@ -22476,14 +22874,31 @@
                       <a:r>
                         <a:rPr lang="en-US" altLang="ja-JP" sz="1050" kern="100" dirty="0" smtClean="0">
                           <a:effectLst/>
-                        </a:rPr>
-                        <a:t>boto3</a:t>
+                          <a:latin typeface="Segoe UI" panose="020B0502040204020203" pitchFamily="34" charset="0"/>
+                          <a:cs typeface="Segoe UI" panose="020B0502040204020203" pitchFamily="34" charset="0"/>
+                        </a:rPr>
+                        <a:t>boto3, </a:t>
+                      </a:r>
+                      <a:r>
+                        <a:rPr lang="en-US" altLang="ja-JP" sz="1050" dirty="0" err="1" smtClean="0">
+                          <a:latin typeface="Segoe UI" panose="020B0502040204020203" pitchFamily="34" charset="0"/>
+                          <a:cs typeface="Segoe UI" panose="020B0502040204020203" pitchFamily="34" charset="0"/>
+                        </a:rPr>
+                        <a:t>nmap-ncat</a:t>
+                      </a:r>
+                      <a:r>
+                        <a:rPr lang="en-US" altLang="ja-JP" sz="1050" kern="100" dirty="0" smtClean="0">
+                          <a:effectLst/>
+                          <a:latin typeface="Segoe UI" panose="020B0502040204020203" pitchFamily="34" charset="0"/>
+                          <a:cs typeface="Segoe UI" panose="020B0502040204020203" pitchFamily="34" charset="0"/>
+                        </a:rPr>
+                        <a:t> </a:t>
                       </a:r>
                       <a:endParaRPr lang="ja-JP" altLang="ja-JP" sz="1050" kern="100" dirty="0" smtClean="0">
                         <a:effectLst/>
-                        <a:latin typeface="Century" panose="02040604050505020304" pitchFamily="18" charset="0"/>
+                        <a:latin typeface="Segoe UI" panose="020B0502040204020203" pitchFamily="34" charset="0"/>
                         <a:ea typeface="ＭＳ 明朝" panose="02020609040205080304" pitchFamily="17" charset="-128"/>
-                        <a:cs typeface="Times New Roman" panose="02020603050405020304" pitchFamily="18" charset="0"/>
+                        <a:cs typeface="Segoe UI" panose="020B0502040204020203" pitchFamily="34" charset="0"/>
                       </a:endParaRPr>
                     </a:p>
                   </a:txBody>
@@ -24642,14 +25057,14 @@
           <p:nvPr>
             <p:extLst>
               <p:ext uri="{D42A27DB-BD31-4B8C-83A1-F6EECF244321}">
-                <p14:modId xmlns:p14="http://schemas.microsoft.com/office/powerpoint/2010/main" val="1738513567"/>
+                <p14:modId xmlns:p14="http://schemas.microsoft.com/office/powerpoint/2010/main" val="3595561688"/>
               </p:ext>
             </p:extLst>
           </p:nvPr>
         </p:nvGraphicFramePr>
         <p:xfrm>
           <a:off x="1259053" y="1628750"/>
-          <a:ext cx="6624920" cy="2479614"/>
+          <a:ext cx="6624920" cy="2736381"/>
         </p:xfrm>
         <a:graphic>
           <a:graphicData uri="http://schemas.openxmlformats.org/drawingml/2006/table">
@@ -24956,7 +25371,7 @@
                   </a:txBody>
                   <a:tcPr marL="68580" marR="68580" marT="0" marB="0" anchor="ctr">
                     <a:solidFill>
-                      <a:srgbClr val="E7E8EA"/>
+                      <a:srgbClr val="CBCDD3"/>
                     </a:solidFill>
                   </a:tcPr>
                 </a:tc>
@@ -25047,13 +25462,104 @@
                   </a:txBody>
                   <a:tcPr marL="68580" marR="68580" marT="0" marB="0" anchor="ctr">
                     <a:solidFill>
+                      <a:srgbClr val="E7E8EA"/>
+                    </a:solidFill>
+                  </a:tcPr>
+                </a:tc>
+                <a:extLst>
+                  <a:ext uri="{0D108BD9-81ED-4DB2-BD59-A6C34878D82A}">
+                    <a16:rowId xmlns:a16="http://schemas.microsoft.com/office/drawing/2014/main" val="10003"/>
+                  </a:ext>
+                </a:extLst>
+              </a:tr>
+              <a:tr h="256767">
+                <a:tc>
+                  <a:txBody>
+                    <a:bodyPr/>
+                    <a:lstStyle/>
+                    <a:p>
+                      <a:pPr algn="l">
+                        <a:spcAft>
+                          <a:spcPts val="0"/>
+                        </a:spcAft>
+                      </a:pPr>
+                      <a:r>
+                        <a:rPr lang="en-US" altLang="ja-JP" sz="1050" kern="100" dirty="0" err="1" smtClean="0">
+                          <a:effectLst/>
+                          <a:latin typeface="Segoe UI" panose="020B0502040204020203" pitchFamily="34" charset="0"/>
+                          <a:ea typeface="ＭＳ 明朝" panose="02020609040205080304" pitchFamily="17" charset="-128"/>
+                          <a:cs typeface="Segoe UI" panose="020B0502040204020203" pitchFamily="34" charset="0"/>
+                        </a:rPr>
+                        <a:t>Hostgroup</a:t>
+                      </a:r>
+                      <a:endParaRPr lang="ja-JP" sz="1050" kern="100" dirty="0">
+                        <a:effectLst/>
+                        <a:latin typeface="Segoe UI" panose="020B0502040204020203" pitchFamily="34" charset="0"/>
+                        <a:ea typeface="ＭＳ 明朝" panose="02020609040205080304" pitchFamily="17" charset="-128"/>
+                        <a:cs typeface="Segoe UI" panose="020B0502040204020203" pitchFamily="34" charset="0"/>
+                      </a:endParaRPr>
+                    </a:p>
+                  </a:txBody>
+                  <a:tcPr marL="68580" marR="68580" marT="0" marB="0" anchor="ctr">
+                    <a:solidFill>
+                      <a:srgbClr val="002B62"/>
+                    </a:solidFill>
+                  </a:tcPr>
+                </a:tc>
+                <a:tc>
+                  <a:txBody>
+                    <a:bodyPr/>
+                    <a:lstStyle/>
+                    <a:p>
+                      <a:pPr algn="l">
+                        <a:spcAft>
+                          <a:spcPts val="0"/>
+                        </a:spcAft>
+                      </a:pPr>
+                      <a:r>
+                        <a:rPr lang="en-US" altLang="ja-JP" sz="1050" kern="100" dirty="0" err="1" smtClean="0">
+                          <a:effectLst/>
+                          <a:latin typeface="Segoe UI" panose="020B0502040204020203" pitchFamily="34" charset="0"/>
+                          <a:ea typeface="ＭＳ 明朝" panose="02020609040205080304" pitchFamily="17" charset="-128"/>
+                          <a:cs typeface="Segoe UI" panose="020B0502040204020203" pitchFamily="34" charset="0"/>
+                        </a:rPr>
+                        <a:t>HostGroup</a:t>
+                      </a:r>
+                      <a:r>
+                        <a:rPr lang="ja-JP" altLang="en-US" sz="1050" kern="100" dirty="0" smtClean="0">
+                          <a:effectLst/>
+                          <a:latin typeface="Segoe UI" panose="020B0502040204020203" pitchFamily="34" charset="0"/>
+                          <a:ea typeface="ＭＳ 明朝" panose="02020609040205080304" pitchFamily="17" charset="-128"/>
+                          <a:cs typeface="Segoe UI" panose="020B0502040204020203" pitchFamily="34" charset="0"/>
+                        </a:rPr>
+                        <a:t> </a:t>
+                      </a:r>
+                      <a:r>
+                        <a:rPr lang="en-US" altLang="ja-JP" sz="1050" kern="100" dirty="0" smtClean="0">
+                          <a:effectLst/>
+                          <a:latin typeface="Segoe UI" panose="020B0502040204020203" pitchFamily="34" charset="0"/>
+                          <a:ea typeface="ＭＳ 明朝" panose="02020609040205080304" pitchFamily="17" charset="-128"/>
+                          <a:cs typeface="Segoe UI" panose="020B0502040204020203" pitchFamily="34" charset="0"/>
+                        </a:rPr>
+                        <a:t>management</a:t>
+                      </a:r>
+                      <a:endParaRPr lang="ja-JP" sz="1050" kern="100" dirty="0">
+                        <a:effectLst/>
+                        <a:latin typeface="Segoe UI" panose="020B0502040204020203" pitchFamily="34" charset="0"/>
+                        <a:ea typeface="ＭＳ 明朝" panose="02020609040205080304" pitchFamily="17" charset="-128"/>
+                        <a:cs typeface="Segoe UI" panose="020B0502040204020203" pitchFamily="34" charset="0"/>
+                      </a:endParaRPr>
+                    </a:p>
+                  </a:txBody>
+                  <a:tcPr marL="68580" marR="68580" marT="0" marB="0" anchor="ctr">
+                    <a:solidFill>
                       <a:srgbClr val="CBCDD3"/>
                     </a:solidFill>
                   </a:tcPr>
                 </a:tc>
                 <a:extLst>
                   <a:ext uri="{0D108BD9-81ED-4DB2-BD59-A6C34878D82A}">
-                    <a16:rowId xmlns:a16="http://schemas.microsoft.com/office/drawing/2014/main" val="10003"/>
+                    <a16:rowId xmlns:a16="http://schemas.microsoft.com/office/drawing/2014/main" val="3138691287"/>
                   </a:ext>
                 </a:extLst>
               </a:tr>
@@ -25147,7 +25653,7 @@
                   </a:txBody>
                   <a:tcPr marL="68580" marR="68580" marT="0" marB="0" anchor="ctr">
                     <a:solidFill>
-                      <a:srgbClr val="CBCDD3"/>
+                      <a:srgbClr val="E7E8EA"/>
                     </a:solidFill>
                   </a:tcPr>
                 </a:tc>
@@ -25197,7 +25703,7 @@
                   </a:txBody>
                   <a:tcPr marL="68580" marR="68580" marT="0" marB="0" anchor="ctr">
                     <a:solidFill>
-                      <a:srgbClr val="E7E8EA"/>
+                      <a:srgbClr val="CBCDD3"/>
                     </a:solidFill>
                   </a:tcPr>
                 </a:tc>
@@ -25247,7 +25753,7 @@
                   </a:txBody>
                   <a:tcPr marL="68580" marR="68580" marT="0" marB="0" anchor="ctr">
                     <a:solidFill>
-                      <a:srgbClr val="CBCDD3"/>
+                      <a:srgbClr val="E7E8EA"/>
                     </a:solidFill>
                   </a:tcPr>
                 </a:tc>
@@ -25297,7 +25803,7 @@
                   </a:txBody>
                   <a:tcPr marL="68580" marR="68580" marT="0" marB="0" anchor="ctr">
                     <a:solidFill>
-                      <a:srgbClr val="E7E8EA"/>
+                      <a:srgbClr val="CBCDD3"/>
                     </a:solidFill>
                   </a:tcPr>
                 </a:tc>
@@ -28022,14 +28528,14 @@
           <p:nvPr>
             <p:extLst>
               <p:ext uri="{D42A27DB-BD31-4B8C-83A1-F6EECF244321}">
-                <p14:modId xmlns:p14="http://schemas.microsoft.com/office/powerpoint/2010/main" val="3928342641"/>
+                <p14:modId xmlns:p14="http://schemas.microsoft.com/office/powerpoint/2010/main" val="837837128"/>
               </p:ext>
             </p:extLst>
           </p:nvPr>
         </p:nvGraphicFramePr>
         <p:xfrm>
           <a:off x="106893" y="1578243"/>
-          <a:ext cx="8929240" cy="4850561"/>
+          <a:ext cx="8929240" cy="4874945"/>
         </p:xfrm>
         <a:graphic>
           <a:graphicData uri="http://schemas.openxmlformats.org/drawingml/2006/table">
@@ -29031,7 +29537,7 @@
                           <a:ea typeface="Segoe UI" panose="020B0502040204020203" pitchFamily="34" charset="0"/>
                           <a:cs typeface="Segoe UI" panose="020B0502040204020203" pitchFamily="34" charset="0"/>
                         </a:rPr>
-                        <a:t>No</a:t>
+                        <a:t>Yes</a:t>
                       </a:r>
                       <a:endParaRPr lang="ja-JP" sz="900" b="0" i="0" u="none" kern="100" dirty="0">
                         <a:solidFill>

--- a/asset/Learn/ITA-online-install_en.pptx
+++ b/asset/Learn/ITA-online-install_en.pptx
@@ -336,7 +336,7 @@
               <a:rPr kumimoji="1" lang="ja-JP" altLang="en-US" smtClean="0">
                 <a:ea typeface="メイリオ" panose="020B0604030504040204" pitchFamily="50" charset="-128"/>
               </a:rPr>
-              <a:t>2020/6/15</a:t>
+              <a:t>2020/7/22</a:t>
             </a:fld>
             <a:endParaRPr kumimoji="1" lang="ja-JP" altLang="en-US" dirty="0">
               <a:ea typeface="メイリオ" panose="020B0604030504040204" pitchFamily="50" charset="-128"/>
@@ -482,7 +482,7 @@
             <a:fld id="{4B26993D-C081-44EB-B0F5-A9F467792B62}" type="datetimeFigureOut">
               <a:rPr lang="ja-JP" altLang="en-US" smtClean="0"/>
               <a:pPr/>
-              <a:t>2020/6/15</a:t>
+              <a:t>2020/7/22</a:t>
             </a:fld>
             <a:endParaRPr lang="ja-JP" altLang="en-US" dirty="0"/>
           </a:p>
@@ -1105,7 +1105,7 @@
           <a:p>
             <a:fld id="{56F9016B-CCA6-43BE-8BEE-59565A35F4F7}" type="datetimeFigureOut">
               <a:rPr kumimoji="1" lang="ja-JP" altLang="en-US" smtClean="0"/>
-              <a:t>2020/6/15</a:t>
+              <a:t>2020/7/22</a:t>
             </a:fld>
             <a:endParaRPr kumimoji="1" lang="ja-JP" altLang="en-US"/>
           </a:p>
@@ -1307,7 +1307,7 @@
           <a:p>
             <a:fld id="{56F9016B-CCA6-43BE-8BEE-59565A35F4F7}" type="datetimeFigureOut">
               <a:rPr kumimoji="1" lang="ja-JP" altLang="en-US" smtClean="0"/>
-              <a:t>2020/6/15</a:t>
+              <a:t>2020/7/22</a:t>
             </a:fld>
             <a:endParaRPr kumimoji="1" lang="ja-JP" altLang="en-US"/>
           </a:p>
@@ -1553,7 +1553,7 @@
           <a:p>
             <a:fld id="{56F9016B-CCA6-43BE-8BEE-59565A35F4F7}" type="datetimeFigureOut">
               <a:rPr kumimoji="1" lang="ja-JP" altLang="en-US" smtClean="0"/>
-              <a:t>2020/6/15</a:t>
+              <a:t>2020/7/22</a:t>
             </a:fld>
             <a:endParaRPr kumimoji="1" lang="ja-JP" altLang="en-US"/>
           </a:p>
@@ -1849,7 +1849,7 @@
           <a:p>
             <a:fld id="{56F9016B-CCA6-43BE-8BEE-59565A35F4F7}" type="datetimeFigureOut">
               <a:rPr kumimoji="1" lang="ja-JP" altLang="en-US" smtClean="0"/>
-              <a:t>2020/6/15</a:t>
+              <a:t>2020/7/22</a:t>
             </a:fld>
             <a:endParaRPr kumimoji="1" lang="ja-JP" altLang="en-US"/>
           </a:p>
@@ -2280,7 +2280,7 @@
           <a:p>
             <a:fld id="{56F9016B-CCA6-43BE-8BEE-59565A35F4F7}" type="datetimeFigureOut">
               <a:rPr kumimoji="1" lang="ja-JP" altLang="en-US" smtClean="0"/>
-              <a:t>2020/6/15</a:t>
+              <a:t>2020/7/22</a:t>
             </a:fld>
             <a:endParaRPr kumimoji="1" lang="ja-JP" altLang="en-US"/>
           </a:p>
@@ -2398,7 +2398,7 @@
           <a:p>
             <a:fld id="{56F9016B-CCA6-43BE-8BEE-59565A35F4F7}" type="datetimeFigureOut">
               <a:rPr kumimoji="1" lang="ja-JP" altLang="en-US" smtClean="0"/>
-              <a:t>2020/6/15</a:t>
+              <a:t>2020/7/22</a:t>
             </a:fld>
             <a:endParaRPr kumimoji="1" lang="ja-JP" altLang="en-US"/>
           </a:p>
@@ -2493,7 +2493,7 @@
           <a:p>
             <a:fld id="{56F9016B-CCA6-43BE-8BEE-59565A35F4F7}" type="datetimeFigureOut">
               <a:rPr kumimoji="1" lang="ja-JP" altLang="en-US" smtClean="0"/>
-              <a:t>2020/6/15</a:t>
+              <a:t>2020/7/22</a:t>
             </a:fld>
             <a:endParaRPr kumimoji="1" lang="ja-JP" altLang="en-US"/>
           </a:p>
@@ -2802,7 +2802,7 @@
           <a:p>
             <a:fld id="{56F9016B-CCA6-43BE-8BEE-59565A35F4F7}" type="datetimeFigureOut">
               <a:rPr kumimoji="1" lang="ja-JP" altLang="en-US" smtClean="0"/>
-              <a:t>2020/6/15</a:t>
+              <a:t>2020/7/22</a:t>
             </a:fld>
             <a:endParaRPr kumimoji="1" lang="ja-JP" altLang="en-US"/>
           </a:p>
@@ -3055,7 +3055,7 @@
           <a:p>
             <a:fld id="{56F9016B-CCA6-43BE-8BEE-59565A35F4F7}" type="datetimeFigureOut">
               <a:rPr kumimoji="1" lang="ja-JP" altLang="en-US" smtClean="0"/>
-              <a:t>2020/6/15</a:t>
+              <a:t>2020/7/22</a:t>
             </a:fld>
             <a:endParaRPr kumimoji="1" lang="ja-JP" altLang="en-US"/>
           </a:p>
@@ -3332,7 +3332,7 @@
           <a:p>
             <a:fld id="{56F9016B-CCA6-43BE-8BEE-59565A35F4F7}" type="datetimeFigureOut">
               <a:rPr kumimoji="1" lang="ja-JP" altLang="en-US" smtClean="0"/>
-              <a:t>2020/6/15</a:t>
+              <a:t>2020/7/22</a:t>
             </a:fld>
             <a:endParaRPr kumimoji="1" lang="ja-JP" altLang="en-US"/>
           </a:p>
@@ -3544,7 +3544,7 @@
           <a:p>
             <a:fld id="{56F9016B-CCA6-43BE-8BEE-59565A35F4F7}" type="datetimeFigureOut">
               <a:rPr kumimoji="1" lang="ja-JP" altLang="en-US" smtClean="0"/>
-              <a:t>2020/6/15</a:t>
+              <a:t>2020/7/22</a:t>
             </a:fld>
             <a:endParaRPr kumimoji="1" lang="ja-JP" altLang="en-US"/>
           </a:p>
@@ -6603,7 +6603,7 @@
           <a:p>
             <a:fld id="{56F9016B-CCA6-43BE-8BEE-59565A35F4F7}" type="datetimeFigureOut">
               <a:rPr kumimoji="1" lang="ja-JP" altLang="en-US" smtClean="0"/>
-              <a:t>2020/6/15</a:t>
+              <a:t>2020/7/22</a:t>
             </a:fld>
             <a:endParaRPr kumimoji="1" lang="ja-JP" altLang="en-US"/>
           </a:p>
@@ -15570,7 +15570,7 @@
           <p:nvPr>
             <p:extLst>
               <p:ext uri="{D42A27DB-BD31-4B8C-83A1-F6EECF244321}">
-                <p14:modId xmlns:p14="http://schemas.microsoft.com/office/powerpoint/2010/main" val="742468560"/>
+                <p14:modId xmlns:p14="http://schemas.microsoft.com/office/powerpoint/2010/main" val="2472040590"/>
               </p:ext>
             </p:extLst>
           </p:nvPr>
@@ -18101,7 +18101,7 @@
                   </a:txBody>
                   <a:tcPr marL="68495" marR="68495" marT="0" marB="0" anchor="ctr">
                     <a:solidFill>
-                      <a:srgbClr val="CBCDD3"/>
+                      <a:srgbClr val="E7E8EA"/>
                     </a:solidFill>
                   </a:tcPr>
                 </a:tc>
@@ -18146,7 +18146,7 @@
                   </a:txBody>
                   <a:tcPr marL="68495" marR="68495" marT="0" marB="0" anchor="ctr">
                     <a:solidFill>
-                      <a:srgbClr val="CBCDD3"/>
+                      <a:srgbClr val="E7E8EA"/>
                     </a:solidFill>
                   </a:tcPr>
                 </a:tc>
@@ -18218,7 +18218,7 @@
                   </a:txBody>
                   <a:tcPr marL="68495" marR="68495" marT="0" marB="0" anchor="ctr">
                     <a:solidFill>
-                      <a:srgbClr val="CBCDD3"/>
+                      <a:srgbClr val="E7E8EA"/>
                     </a:solidFill>
                   </a:tcPr>
                 </a:tc>
@@ -18418,13 +18418,22 @@
                         </a:spcAft>
                       </a:pPr>
                       <a:r>
-                        <a:rPr lang="en-US" sz="1000" kern="100" dirty="0">
-                          <a:effectLst/>
-                          <a:latin typeface="Segoe UI" panose="020B0502040204020203" pitchFamily="34" charset="0"/>
-                          <a:ea typeface="Segoe UI" panose="020B0502040204020203" pitchFamily="34" charset="0"/>
-                          <a:cs typeface="Segoe UI" panose="020B0502040204020203" pitchFamily="34" charset="0"/>
-                        </a:rPr>
-                        <a:t>dsc_driver</a:t>
+                        <a:rPr lang="en-US" altLang="ja-JP" sz="1000" kern="100" dirty="0" err="1" smtClean="0">
+                          <a:effectLst/>
+                          <a:latin typeface="Segoe UI" panose="020B0502040204020203" pitchFamily="34" charset="0"/>
+                          <a:ea typeface="Segoe UI" panose="020B0502040204020203" pitchFamily="34" charset="0"/>
+                          <a:cs typeface="Segoe UI" panose="020B0502040204020203" pitchFamily="34" charset="0"/>
+                        </a:rPr>
+                        <a:t>terraform</a:t>
+                      </a:r>
+                      <a:r>
+                        <a:rPr lang="en-US" sz="1000" kern="100" dirty="0" err="1" smtClean="0">
+                          <a:effectLst/>
+                          <a:latin typeface="Segoe UI" panose="020B0502040204020203" pitchFamily="34" charset="0"/>
+                          <a:ea typeface="Segoe UI" panose="020B0502040204020203" pitchFamily="34" charset="0"/>
+                          <a:cs typeface="Segoe UI" panose="020B0502040204020203" pitchFamily="34" charset="0"/>
+                        </a:rPr>
+                        <a:t>_driver</a:t>
                       </a:r>
                       <a:endParaRPr lang="ja-JP" sz="1000" kern="100" dirty="0">
                         <a:effectLst/>
@@ -18544,7 +18553,7 @@
                           <a:ea typeface="Segoe UI" panose="020B0502040204020203" pitchFamily="34" charset="0"/>
                           <a:cs typeface="Segoe UI" panose="020B0502040204020203" pitchFamily="34" charset="0"/>
                         </a:rPr>
-                        <a:t>DSC </a:t>
+                        <a:t>Terraform </a:t>
                       </a:r>
                       <a:r>
                         <a:rPr lang="en-US" sz="1000" b="0" i="0" u="none" kern="100" dirty="0" smtClean="0">
@@ -20127,7 +20136,7 @@
               <a:defRPr/>
             </a:pPr>
             <a:r>
-              <a:rPr kumimoji="0" lang="en-US" sz="900" kern="100" dirty="0" err="1">
+              <a:rPr kumimoji="0" lang="en-US" sz="900" kern="100" dirty="0" err="1" smtClean="0">
                 <a:solidFill>
                   <a:sysClr val="window" lastClr="FFFFFF"/>
                 </a:solidFill>
@@ -20135,7 +20144,7 @@
                 <a:ea typeface="Segoe UI" panose="020B0502040204020203" pitchFamily="34" charset="0"/>
                 <a:cs typeface="Segoe UI" panose="020B0502040204020203" pitchFamily="34" charset="0"/>
               </a:rPr>
-              <a:t>dsc_driver:no</a:t>
+              <a:t>terraform_driver:no</a:t>
             </a:r>
             <a:endParaRPr kumimoji="0" lang="en-US" sz="900" kern="100" dirty="0">
               <a:solidFill>
@@ -20157,7 +20166,7 @@
         <p:spPr bwMode="auto">
           <a:xfrm>
             <a:off x="7020920" y="3665166"/>
-            <a:ext cx="2015700" cy="898345"/>
+            <a:ext cx="2015700" cy="1348054"/>
           </a:xfrm>
           <a:prstGeom prst="roundRect">
             <a:avLst/>
@@ -20203,7 +20212,7 @@
               <a:t>With the answer file, define the password for </a:t>
             </a:r>
             <a:r>
-              <a:rPr lang="en-US" altLang="ja-JP" sz="1200" b="1" dirty="0">
+              <a:rPr lang="en-US" altLang="ja-JP" sz="1200" b="1" dirty="0" err="1">
                 <a:solidFill>
                   <a:srgbClr val="FF0000"/>
                 </a:solidFill>
@@ -20222,7 +20231,61 @@
               </a:rPr>
               <a:t>.</a:t>
             </a:r>
-            <a:endParaRPr kumimoji="1" lang="ja-JP" altLang="en-US" sz="1400" b="1" dirty="0" smtClean="0">
+          </a:p>
+          <a:p>
+            <a:pPr algn="ctr"/>
+            <a:endParaRPr kumimoji="1" lang="en-US" altLang="ja-JP" sz="1000" b="1" dirty="0" smtClean="0">
+              <a:solidFill>
+                <a:srgbClr val="FF0000"/>
+              </a:solidFill>
+              <a:latin typeface="Segoe UI" panose="020B0502040204020203" pitchFamily="34" charset="0"/>
+              <a:cs typeface="Segoe UI" panose="020B0502040204020203" pitchFamily="34" charset="0"/>
+            </a:endParaRPr>
+          </a:p>
+          <a:p>
+            <a:pPr algn="ctr"/>
+            <a:r>
+              <a:rPr lang="ja-JP" altLang="en-US" sz="1100" b="1" dirty="0">
+                <a:solidFill>
+                  <a:srgbClr val="FF0000"/>
+                </a:solidFill>
+                <a:latin typeface="Segoe UI" panose="020B0502040204020203" pitchFamily="34" charset="0"/>
+                <a:ea typeface="Segoe UI" panose="020B0502040204020203" pitchFamily="34" charset="0"/>
+                <a:cs typeface="Segoe UI" panose="020B0502040204020203" pitchFamily="34" charset="0"/>
+              </a:rPr>
+              <a:t>＊</a:t>
+            </a:r>
+            <a:r>
+              <a:rPr lang="ja-JP" altLang="en-US" sz="1100" b="1" dirty="0" smtClean="0">
+                <a:solidFill>
+                  <a:srgbClr val="FF0000"/>
+                </a:solidFill>
+                <a:latin typeface="Segoe UI" panose="020B0502040204020203" pitchFamily="34" charset="0"/>
+                <a:cs typeface="Segoe UI" panose="020B0502040204020203" pitchFamily="34" charset="0"/>
+              </a:rPr>
+              <a:t> </a:t>
+            </a:r>
+            <a:r>
+              <a:rPr lang="en-US" altLang="ja-JP" sz="1100" b="1" dirty="0" smtClean="0">
+                <a:solidFill>
+                  <a:srgbClr val="FF0000"/>
+                </a:solidFill>
+                <a:latin typeface="Segoe UI" panose="020B0502040204020203" pitchFamily="34" charset="0"/>
+                <a:cs typeface="Segoe UI" panose="020B0502040204020203" pitchFamily="34" charset="0"/>
+              </a:rPr>
+              <a:t>Password </a:t>
+            </a:r>
+            <a:r>
+              <a:rPr lang="en-US" altLang="ja-JP" sz="1100" b="1" dirty="0">
+                <a:solidFill>
+                  <a:srgbClr val="FF0000"/>
+                </a:solidFill>
+                <a:latin typeface="Segoe UI" panose="020B0502040204020203" pitchFamily="34" charset="0"/>
+                <a:cs typeface="Segoe UI" panose="020B0502040204020203" pitchFamily="34" charset="0"/>
+              </a:rPr>
+              <a:t>that contains symbol may cause error.</a:t>
+            </a:r>
+            <a:endParaRPr kumimoji="1" lang="en-US" altLang="ja-JP" sz="1100" b="1" dirty="0" smtClean="0">
               <a:solidFill>
                 <a:srgbClr val="FF0000"/>
               </a:solidFill>
@@ -21228,7 +21291,7 @@
           <p:nvPr>
             <p:extLst>
               <p:ext uri="{D42A27DB-BD31-4B8C-83A1-F6EECF244321}">
-                <p14:modId xmlns:p14="http://schemas.microsoft.com/office/powerpoint/2010/main" val="2239207765"/>
+                <p14:modId xmlns:p14="http://schemas.microsoft.com/office/powerpoint/2010/main" val="2352369019"/>
               </p:ext>
             </p:extLst>
           </p:nvPr>
@@ -21669,6 +21732,47 @@
                         </a:rPr>
                         <a:t>unzip</a:t>
                       </a:r>
+                      <a:r>
+                        <a:rPr lang="en-US" altLang="ja-JP" sz="1050" kern="100" dirty="0" smtClean="0">
+                          <a:effectLst/>
+                          <a:latin typeface="Segoe UI" panose="020B0502040204020203" pitchFamily="34" charset="0"/>
+                          <a:ea typeface="Segoe UI" panose="020B0502040204020203" pitchFamily="34" charset="0"/>
+                          <a:cs typeface="Segoe UI" panose="020B0502040204020203" pitchFamily="34" charset="0"/>
+                        </a:rPr>
+                        <a:t>, </a:t>
+                      </a:r>
+                      <a:r>
+                        <a:rPr lang="en-US" altLang="ja-JP" sz="1050" kern="100" baseline="0" dirty="0" err="1" smtClean="0">
+                          <a:effectLst/>
+                          <a:latin typeface="Segoe UI" panose="020B0502040204020203" pitchFamily="34" charset="0"/>
+                          <a:cs typeface="Segoe UI" panose="020B0502040204020203" pitchFamily="34" charset="0"/>
+                        </a:rPr>
+                        <a:t>sudo</a:t>
+                      </a:r>
+                      <a:r>
+                        <a:rPr lang="en-US" altLang="ja-JP" sz="1050" kern="100" baseline="0" dirty="0" smtClean="0">
+                          <a:effectLst/>
+                          <a:latin typeface="Segoe UI" panose="020B0502040204020203" pitchFamily="34" charset="0"/>
+                          <a:cs typeface="Segoe UI" panose="020B0502040204020203" pitchFamily="34" charset="0"/>
+                        </a:rPr>
+                        <a:t>,</a:t>
+                      </a:r>
+                      <a:r>
+                        <a:rPr lang="ja-JP" altLang="en-US" sz="1050" kern="100" baseline="0" dirty="0" smtClean="0">
+                          <a:effectLst/>
+                          <a:latin typeface="Segoe UI" panose="020B0502040204020203" pitchFamily="34" charset="0"/>
+                          <a:cs typeface="Segoe UI" panose="020B0502040204020203" pitchFamily="34" charset="0"/>
+                        </a:rPr>
+                        <a:t> </a:t>
+                      </a:r>
+                      <a:r>
+                        <a:rPr lang="en-US" altLang="ja-JP" sz="1050" kern="100" baseline="0" dirty="0" err="1" smtClean="0">
+                          <a:effectLst/>
+                          <a:latin typeface="Segoe UI" panose="020B0502040204020203" pitchFamily="34" charset="0"/>
+                          <a:cs typeface="Segoe UI" panose="020B0502040204020203" pitchFamily="34" charset="0"/>
+                        </a:rPr>
+                        <a:t>crontabs</a:t>
+                      </a:r>
                       <a:endParaRPr lang="ja-JP" sz="1050" kern="100" dirty="0">
                         <a:effectLst/>
                         <a:latin typeface="Segoe UI" panose="020B0502040204020203" pitchFamily="34" charset="0"/>
@@ -22347,30 +22451,6 @@
                           <a:latin typeface="Segoe UI" panose="020B0502040204020203" pitchFamily="34" charset="0"/>
                           <a:cs typeface="Segoe UI" panose="020B0502040204020203" pitchFamily="34" charset="0"/>
                         </a:rPr>
-                        <a:t>php</a:t>
-                      </a:r>
-                      <a:r>
-                        <a:rPr lang="en-US" altLang="ja-JP" sz="1050" kern="100" dirty="0" smtClean="0">
-                          <a:effectLst/>
-                          <a:latin typeface="Segoe UI" panose="020B0502040204020203" pitchFamily="34" charset="0"/>
-                          <a:cs typeface="Segoe UI" panose="020B0502040204020203" pitchFamily="34" charset="0"/>
-                        </a:rPr>
-                        <a:t>-zip,</a:t>
-                      </a:r>
-                      <a:r>
-                        <a:rPr lang="en-US" altLang="ja-JP" sz="1050" kern="100" baseline="0" dirty="0" smtClean="0">
-                          <a:effectLst/>
-                          <a:latin typeface="Segoe UI" panose="020B0502040204020203" pitchFamily="34" charset="0"/>
-                          <a:cs typeface="Segoe UI" panose="020B0502040204020203" pitchFamily="34" charset="0"/>
-                        </a:rPr>
-                        <a:t> </a:t>
-                      </a:r>
-                      <a:r>
-                        <a:rPr lang="en-US" altLang="ja-JP" sz="1050" kern="100" dirty="0" err="1" smtClean="0">
-                          <a:effectLst/>
-                          <a:latin typeface="Segoe UI" panose="020B0502040204020203" pitchFamily="34" charset="0"/>
-                          <a:cs typeface="Segoe UI" panose="020B0502040204020203" pitchFamily="34" charset="0"/>
-                        </a:rPr>
                         <a:t>php-gd</a:t>
                       </a:r>
                       <a:r>
@@ -22887,12 +22967,26 @@
                         <a:t>nmap-ncat</a:t>
                       </a:r>
                       <a:r>
+                        <a:rPr lang="en-US" altLang="ja-JP" sz="1050" dirty="0" smtClean="0">
+                          <a:latin typeface="Segoe UI" panose="020B0502040204020203" pitchFamily="34" charset="0"/>
+                          <a:cs typeface="Segoe UI" panose="020B0502040204020203" pitchFamily="34" charset="0"/>
+                        </a:rPr>
+                        <a:t>,</a:t>
+                      </a:r>
+                      <a:r>
                         <a:rPr lang="en-US" altLang="ja-JP" sz="1050" kern="100" dirty="0" smtClean="0">
                           <a:effectLst/>
                           <a:latin typeface="Segoe UI" panose="020B0502040204020203" pitchFamily="34" charset="0"/>
                           <a:cs typeface="Segoe UI" panose="020B0502040204020203" pitchFamily="34" charset="0"/>
                         </a:rPr>
                         <a:t> </a:t>
+                      </a:r>
+                      <a:r>
+                        <a:rPr lang="en-US" altLang="ja-JP" sz="1050" dirty="0" err="1" smtClean="0">
+                          <a:latin typeface="Segoe UI" panose="020B0502040204020203" pitchFamily="34" charset="0"/>
+                          <a:cs typeface="Segoe UI" panose="020B0502040204020203" pitchFamily="34" charset="0"/>
+                        </a:rPr>
+                        <a:t>paramiko</a:t>
                       </a:r>
                       <a:endParaRPr lang="ja-JP" altLang="ja-JP" sz="1050" kern="100" dirty="0" smtClean="0">
                         <a:effectLst/>
@@ -25057,14 +25151,14 @@
           <p:nvPr>
             <p:extLst>
               <p:ext uri="{D42A27DB-BD31-4B8C-83A1-F6EECF244321}">
-                <p14:modId xmlns:p14="http://schemas.microsoft.com/office/powerpoint/2010/main" val="3595561688"/>
+                <p14:modId xmlns:p14="http://schemas.microsoft.com/office/powerpoint/2010/main" val="3615856529"/>
               </p:ext>
             </p:extLst>
           </p:nvPr>
         </p:nvGraphicFramePr>
         <p:xfrm>
           <a:off x="1259053" y="1628750"/>
-          <a:ext cx="6624920" cy="2736381"/>
+          <a:ext cx="6624920" cy="3249915"/>
         </p:xfrm>
         <a:graphic>
           <a:graphicData uri="http://schemas.openxmlformats.org/drawingml/2006/table">
@@ -25162,7 +25256,7 @@
                 </a:extLst>
               </a:tr>
               <a:tr h="256767">
-                <a:tc rowSpan="3">
+                <a:tc rowSpan="5">
                   <a:txBody>
                     <a:bodyPr/>
                     <a:lstStyle/>
@@ -25378,6 +25472,134 @@
                 <a:extLst>
                   <a:ext uri="{0D108BD9-81ED-4DB2-BD59-A6C34878D82A}">
                     <a16:rowId xmlns:a16="http://schemas.microsoft.com/office/drawing/2014/main" val="2250729476"/>
+                  </a:ext>
+                </a:extLst>
+              </a:tr>
+              <a:tr h="256767">
+                <a:tc vMerge="1">
+                  <a:txBody>
+                    <a:bodyPr/>
+                    <a:lstStyle/>
+                    <a:p>
+                      <a:pPr algn="l">
+                        <a:spcAft>
+                          <a:spcPts val="0"/>
+                        </a:spcAft>
+                      </a:pPr>
+                      <a:endParaRPr lang="ja-JP" sz="1050" kern="100" dirty="0">
+                        <a:effectLst/>
+                        <a:latin typeface="Segoe UI" panose="020B0502040204020203" pitchFamily="34" charset="0"/>
+                        <a:ea typeface="ＭＳ 明朝" panose="02020609040205080304" pitchFamily="17" charset="-128"/>
+                        <a:cs typeface="Segoe UI" panose="020B0502040204020203" pitchFamily="34" charset="0"/>
+                      </a:endParaRPr>
+                    </a:p>
+                  </a:txBody>
+                  <a:tcPr marL="68580" marR="68580" marT="0" marB="0" anchor="ctr">
+                    <a:solidFill>
+                      <a:srgbClr val="002B62"/>
+                    </a:solidFill>
+                  </a:tcPr>
+                </a:tc>
+                <a:tc>
+                  <a:txBody>
+                    <a:bodyPr/>
+                    <a:lstStyle/>
+                    <a:p>
+                      <a:pPr algn="l">
+                        <a:spcAft>
+                          <a:spcPts val="0"/>
+                        </a:spcAft>
+                      </a:pPr>
+                      <a:r>
+                        <a:rPr lang="en-US" altLang="ja-JP" sz="1050" kern="100" dirty="0" smtClean="0">
+                          <a:effectLst/>
+                          <a:latin typeface="Segoe UI" panose="020B0502040204020203" pitchFamily="34" charset="0"/>
+                          <a:ea typeface="ＭＳ 明朝" panose="02020609040205080304" pitchFamily="17" charset="-128"/>
+                          <a:cs typeface="Segoe UI" panose="020B0502040204020203" pitchFamily="34" charset="0"/>
+                        </a:rPr>
+                        <a:t>Symphony</a:t>
+                      </a:r>
+                      <a:endParaRPr lang="ja-JP" altLang="ja-JP" sz="1050" kern="100" dirty="0">
+                        <a:effectLst/>
+                        <a:latin typeface="Segoe UI" panose="020B0502040204020203" pitchFamily="34" charset="0"/>
+                        <a:ea typeface="ＭＳ 明朝" panose="02020609040205080304" pitchFamily="17" charset="-128"/>
+                        <a:cs typeface="Segoe UI" panose="020B0502040204020203" pitchFamily="34" charset="0"/>
+                      </a:endParaRPr>
+                    </a:p>
+                  </a:txBody>
+                  <a:tcPr marL="68580" marR="68580" marT="0" marB="0" anchor="ctr">
+                    <a:solidFill>
+                      <a:srgbClr val="E7E8EA"/>
+                    </a:solidFill>
+                  </a:tcPr>
+                </a:tc>
+                <a:extLst>
+                  <a:ext uri="{0D108BD9-81ED-4DB2-BD59-A6C34878D82A}">
+                    <a16:rowId xmlns:a16="http://schemas.microsoft.com/office/drawing/2014/main" val="2891617589"/>
+                  </a:ext>
+                </a:extLst>
+              </a:tr>
+              <a:tr h="256767">
+                <a:tc vMerge="1">
+                  <a:txBody>
+                    <a:bodyPr/>
+                    <a:lstStyle/>
+                    <a:p>
+                      <a:pPr algn="l">
+                        <a:spcAft>
+                          <a:spcPts val="0"/>
+                        </a:spcAft>
+                      </a:pPr>
+                      <a:endParaRPr lang="ja-JP" sz="1050" kern="100" dirty="0">
+                        <a:effectLst/>
+                        <a:latin typeface="Segoe UI" panose="020B0502040204020203" pitchFamily="34" charset="0"/>
+                        <a:ea typeface="ＭＳ 明朝" panose="02020609040205080304" pitchFamily="17" charset="-128"/>
+                        <a:cs typeface="Segoe UI" panose="020B0502040204020203" pitchFamily="34" charset="0"/>
+                      </a:endParaRPr>
+                    </a:p>
+                  </a:txBody>
+                  <a:tcPr marL="68580" marR="68580" marT="0" marB="0" anchor="ctr">
+                    <a:solidFill>
+                      <a:srgbClr val="002B62"/>
+                    </a:solidFill>
+                  </a:tcPr>
+                </a:tc>
+                <a:tc>
+                  <a:txBody>
+                    <a:bodyPr/>
+                    <a:lstStyle/>
+                    <a:p>
+                      <a:pPr algn="l">
+                        <a:spcAft>
+                          <a:spcPts val="0"/>
+                        </a:spcAft>
+                      </a:pPr>
+                      <a:r>
+                        <a:rPr lang="en-US" altLang="ja-JP" sz="1050" kern="100" dirty="0" smtClean="0">
+                          <a:effectLst/>
+                          <a:latin typeface="Segoe UI" panose="020B0502040204020203" pitchFamily="34" charset="0"/>
+                          <a:ea typeface="ＭＳ 明朝" panose="02020609040205080304" pitchFamily="17" charset="-128"/>
+                          <a:cs typeface="Segoe UI" panose="020B0502040204020203" pitchFamily="34" charset="0"/>
+                        </a:rPr>
+                        <a:t>Conductor</a:t>
+                      </a:r>
+                      <a:endParaRPr lang="ja-JP" altLang="ja-JP" sz="1050" kern="100" dirty="0">
+                        <a:effectLst/>
+                        <a:latin typeface="Segoe UI" panose="020B0502040204020203" pitchFamily="34" charset="0"/>
+                        <a:ea typeface="ＭＳ 明朝" panose="02020609040205080304" pitchFamily="17" charset="-128"/>
+                        <a:cs typeface="Segoe UI" panose="020B0502040204020203" pitchFamily="34" charset="0"/>
+                      </a:endParaRPr>
+                    </a:p>
+                  </a:txBody>
+                  <a:tcPr marL="68580" marR="68580" marT="0" marB="0" anchor="ctr">
+                    <a:solidFill>
+                      <a:srgbClr val="CBCDD3"/>
+                    </a:solidFill>
+                  </a:tcPr>
+                </a:tc>
+                <a:extLst>
+                  <a:ext uri="{0D108BD9-81ED-4DB2-BD59-A6C34878D82A}">
+                    <a16:rowId xmlns:a16="http://schemas.microsoft.com/office/drawing/2014/main" val="2474564789"/>
                   </a:ext>
                 </a:extLst>
               </a:tr>
@@ -27605,7 +27827,18 @@
                 <a:ea typeface="Segoe UI" panose="020B0502040204020203" pitchFamily="34" charset="0"/>
                 <a:cs typeface="Segoe UI" panose="020B0502040204020203" pitchFamily="34" charset="0"/>
               </a:rPr>
-              <a:t>https</a:t>
+              <a:t>https:// </a:t>
+            </a:r>
+            <a:r>
+              <a:rPr lang="en-US" altLang="ja-JP" dirty="0" err="1" smtClean="0">
+                <a:solidFill>
+                  <a:srgbClr val="FF0000"/>
+                </a:solidFill>
+                <a:latin typeface="Segoe UI" panose="020B0502040204020203" pitchFamily="34" charset="0"/>
+                <a:ea typeface="Segoe UI" panose="020B0502040204020203" pitchFamily="34" charset="0"/>
+                <a:cs typeface="Segoe UI" panose="020B0502040204020203" pitchFamily="34" charset="0"/>
+              </a:rPr>
+              <a:t>exastro</a:t>
             </a:r>
             <a:r>
               <a:rPr lang="en-US" altLang="ja-JP" dirty="0" smtClean="0">
@@ -27616,13 +27849,42 @@
                 <a:ea typeface="Segoe UI" panose="020B0502040204020203" pitchFamily="34" charset="0"/>
                 <a:cs typeface="Segoe UI" panose="020B0502040204020203" pitchFamily="34" charset="0"/>
               </a:rPr>
-              <a:t>://exastro-it-automation</a:t>
+              <a:t>-it-automation</a:t>
+            </a:r>
+          </a:p>
+          <a:p>
+            <a:pPr marL="180000" lvl="1" indent="0">
+              <a:buNone/>
+            </a:pPr>
+            <a:r>
+              <a:rPr lang="ja-JP" altLang="en-US" dirty="0">
+                <a:solidFill>
+                  <a:srgbClr val="FF0000"/>
+                </a:solidFill>
+                <a:latin typeface="Segoe UI" panose="020B0502040204020203" pitchFamily="34" charset="0"/>
+                <a:ea typeface="Segoe UI" panose="020B0502040204020203" pitchFamily="34" charset="0"/>
+                <a:cs typeface="Segoe UI" panose="020B0502040204020203" pitchFamily="34" charset="0"/>
+              </a:rPr>
+              <a:t>　</a:t>
+            </a:r>
+            <a:r>
+              <a:rPr lang="ja-JP" altLang="en-US" dirty="0" smtClean="0">
+                <a:latin typeface="Segoe UI" panose="020B0502040204020203" pitchFamily="34" charset="0"/>
+                <a:ea typeface="Segoe UI" panose="020B0502040204020203" pitchFamily="34" charset="0"/>
+                <a:cs typeface="Segoe UI" panose="020B0502040204020203" pitchFamily="34" charset="0"/>
+              </a:rPr>
+              <a:t>＊</a:t>
             </a:r>
             <a:r>
               <a:rPr lang="en-US" altLang="ja-JP" dirty="0">
-                <a:solidFill>
-                  <a:srgbClr val="FF0000"/>
-                </a:solidFill>
+                <a:latin typeface="Segoe UI" panose="020B0502040204020203" pitchFamily="34" charset="0"/>
+                <a:ea typeface="Segoe UI" panose="020B0502040204020203" pitchFamily="34" charset="0"/>
+                <a:cs typeface="Segoe UI" panose="020B0502040204020203" pitchFamily="34" charset="0"/>
+              </a:rPr>
+              <a:t> It is possible to access with the IP address of server instead of host name.</a:t>
+            </a:r>
+            <a:r>
+              <a:rPr lang="en-US" altLang="ja-JP" dirty="0">
                 <a:latin typeface="Segoe UI" panose="020B0502040204020203" pitchFamily="34" charset="0"/>
                 <a:ea typeface="Segoe UI" panose="020B0502040204020203" pitchFamily="34" charset="0"/>
                 <a:cs typeface="Segoe UI" panose="020B0502040204020203" pitchFamily="34" charset="0"/>
@@ -27631,18 +27893,12 @@
             </a:r>
             <a:br>
               <a:rPr lang="en-US" altLang="ja-JP" dirty="0">
-                <a:solidFill>
-                  <a:srgbClr val="FF0000"/>
-                </a:solidFill>
                 <a:latin typeface="Segoe UI" panose="020B0502040204020203" pitchFamily="34" charset="0"/>
                 <a:ea typeface="Segoe UI" panose="020B0502040204020203" pitchFamily="34" charset="0"/>
                 <a:cs typeface="Segoe UI" panose="020B0502040204020203" pitchFamily="34" charset="0"/>
               </a:rPr>
             </a:br>
             <a:endParaRPr lang="en-US" altLang="ja-JP" dirty="0">
-              <a:solidFill>
-                <a:srgbClr val="FF0000"/>
-              </a:solidFill>
               <a:latin typeface="Segoe UI" panose="020B0502040204020203" pitchFamily="34" charset="0"/>
               <a:ea typeface="Segoe UI" panose="020B0502040204020203" pitchFamily="34" charset="0"/>
               <a:cs typeface="Segoe UI" panose="020B0502040204020203" pitchFamily="34" charset="0"/>
@@ -28486,7 +28742,12 @@
             <p:ph sz="quarter" idx="10"/>
           </p:nvPr>
         </p:nvSpPr>
-        <p:spPr/>
+        <p:spPr>
+          <a:xfrm>
+            <a:off x="178537" y="692620"/>
+            <a:ext cx="8784976" cy="5616476"/>
+          </a:xfrm>
+        </p:spPr>
         <p:txBody>
           <a:bodyPr/>
           <a:lstStyle/>
@@ -28528,14 +28789,14 @@
           <p:nvPr>
             <p:extLst>
               <p:ext uri="{D42A27DB-BD31-4B8C-83A1-F6EECF244321}">
-                <p14:modId xmlns:p14="http://schemas.microsoft.com/office/powerpoint/2010/main" val="837837128"/>
+                <p14:modId xmlns:p14="http://schemas.microsoft.com/office/powerpoint/2010/main" val="3341183230"/>
               </p:ext>
             </p:extLst>
           </p:nvPr>
         </p:nvGraphicFramePr>
         <p:xfrm>
-          <a:off x="106893" y="1578243"/>
-          <a:ext cx="8929240" cy="4874945"/>
+          <a:off x="106893" y="1375846"/>
+          <a:ext cx="8929240" cy="5149584"/>
         </p:xfrm>
         <a:graphic>
           <a:graphicData uri="http://schemas.openxmlformats.org/drawingml/2006/table">
@@ -28544,35 +28805,35 @@
                 <a:tableStyleId>{93296810-A885-4BE3-A3E7-6D5BEEA58F35}</a:tableStyleId>
               </a:tblPr>
               <a:tblGrid>
-                <a:gridCol w="1512210">
+                <a:gridCol w="1224657">
                   <a:extLst>
                     <a:ext uri="{9D8B030D-6E8A-4147-A177-3AD203B41FA5}">
                       <a16:colId xmlns:a16="http://schemas.microsoft.com/office/drawing/2014/main" val="20000"/>
                     </a:ext>
                   </a:extLst>
                 </a:gridCol>
-                <a:gridCol w="936130">
+                <a:gridCol w="864120">
                   <a:extLst>
                     <a:ext uri="{9D8B030D-6E8A-4147-A177-3AD203B41FA5}">
                       <a16:colId xmlns:a16="http://schemas.microsoft.com/office/drawing/2014/main" val="20001"/>
                     </a:ext>
                   </a:extLst>
                 </a:gridCol>
-                <a:gridCol w="1080150">
+                <a:gridCol w="1008140">
                   <a:extLst>
                     <a:ext uri="{9D8B030D-6E8A-4147-A177-3AD203B41FA5}">
                       <a16:colId xmlns:a16="http://schemas.microsoft.com/office/drawing/2014/main" val="20002"/>
                     </a:ext>
                   </a:extLst>
                 </a:gridCol>
-                <a:gridCol w="3240450">
+                <a:gridCol w="3744520">
                   <a:extLst>
                     <a:ext uri="{9D8B030D-6E8A-4147-A177-3AD203B41FA5}">
                       <a16:colId xmlns:a16="http://schemas.microsoft.com/office/drawing/2014/main" val="20003"/>
                     </a:ext>
                   </a:extLst>
                 </a:gridCol>
-                <a:gridCol w="1224170">
+                <a:gridCol w="1151673">
                   <a:extLst>
                     <a:ext uri="{9D8B030D-6E8A-4147-A177-3AD203B41FA5}">
                       <a16:colId xmlns:a16="http://schemas.microsoft.com/office/drawing/2014/main" val="20004"/>
@@ -28587,7 +28848,7 @@
                   </a:extLst>
                 </a:gridCol>
               </a:tblGrid>
-              <a:tr h="615831">
+              <a:tr h="601523">
                 <a:tc>
                   <a:txBody>
                     <a:bodyPr/>
@@ -28814,7 +29075,7 @@
                   </a:ext>
                 </a:extLst>
               </a:tr>
-              <a:tr h="436136">
+              <a:tr h="446578">
                 <a:tc>
                   <a:txBody>
                     <a:bodyPr/>
@@ -29076,7 +29337,7 @@
                   </a:ext>
                 </a:extLst>
               </a:tr>
-              <a:tr h="436136">
+              <a:tr h="426003">
                 <a:tc>
                   <a:txBody>
                     <a:bodyPr/>
@@ -29308,7 +29569,7 @@
                   </a:ext>
                 </a:extLst>
               </a:tr>
-              <a:tr h="436136">
+              <a:tr h="446578">
                 <a:tc>
                   <a:txBody>
                     <a:bodyPr/>
@@ -29558,7 +29819,7 @@
                   </a:ext>
                 </a:extLst>
               </a:tr>
-              <a:tr h="619366">
+              <a:tr h="604976">
                 <a:tc rowSpan="2">
                   <a:txBody>
                     <a:bodyPr/>
@@ -29912,7 +30173,7 @@
                   </a:ext>
                 </a:extLst>
               </a:tr>
-              <a:tr h="619366">
+              <a:tr h="604976">
                 <a:tc vMerge="1">
                   <a:txBody>
                     <a:bodyPr/>
@@ -30138,7 +30399,7 @@
                   </a:ext>
                 </a:extLst>
               </a:tr>
-              <a:tr h="619366">
+              <a:tr h="604976">
                 <a:tc>
                   <a:txBody>
                     <a:bodyPr/>
@@ -30435,7 +30696,7 @@
                   </a:ext>
                 </a:extLst>
               </a:tr>
-              <a:tr h="449040">
+              <a:tr h="438608">
                 <a:tc>
                   <a:txBody>
                     <a:bodyPr/>
@@ -30711,7 +30972,7 @@
                   </a:ext>
                 </a:extLst>
               </a:tr>
-              <a:tr h="449040">
+              <a:tr h="806645">
                 <a:tc>
                   <a:txBody>
                     <a:bodyPr/>
@@ -30723,13 +30984,22 @@
                         </a:spcAft>
                       </a:pPr>
                       <a:r>
-                        <a:rPr lang="en-US" sz="900" kern="100" dirty="0" smtClean="0">
-                          <a:effectLst/>
-                          <a:latin typeface="Segoe UI" panose="020B0502040204020203" pitchFamily="34" charset="0"/>
-                          <a:ea typeface="Segoe UI" panose="020B0502040204020203" pitchFamily="34" charset="0"/>
-                          <a:cs typeface="Segoe UI" panose="020B0502040204020203" pitchFamily="34" charset="0"/>
-                        </a:rPr>
-                        <a:t>PowerShell DSC </a:t>
+                        <a:rPr lang="en-US" altLang="ja-JP" sz="900" kern="100" dirty="0" smtClean="0">
+                          <a:effectLst/>
+                          <a:latin typeface="Segoe UI" panose="020B0502040204020203" pitchFamily="34" charset="0"/>
+                          <a:ea typeface="Segoe UI" panose="020B0502040204020203" pitchFamily="34" charset="0"/>
+                          <a:cs typeface="Segoe UI" panose="020B0502040204020203" pitchFamily="34" charset="0"/>
+                        </a:rPr>
+                        <a:t>Terraform</a:t>
+                      </a:r>
+                      <a:r>
+                        <a:rPr lang="ja-JP" altLang="en-US" sz="900" kern="100" dirty="0" smtClean="0">
+                          <a:effectLst/>
+                          <a:latin typeface="Segoe UI" panose="020B0502040204020203" pitchFamily="34" charset="0"/>
+                          <a:ea typeface="Segoe UI" panose="020B0502040204020203" pitchFamily="34" charset="0"/>
+                          <a:cs typeface="Segoe UI" panose="020B0502040204020203" pitchFamily="34" charset="0"/>
+                        </a:rPr>
+                        <a:t> </a:t>
                       </a:r>
                       <a:r>
                         <a:rPr lang="en-US" altLang="ja-JP" sz="900" kern="100" dirty="0" smtClean="0">
@@ -30761,34 +31031,13 @@
                         </a:spcAft>
                       </a:pPr>
                       <a:r>
-                        <a:rPr lang="en-US" sz="900" kern="100" dirty="0">
-                          <a:effectLst/>
-                          <a:latin typeface="Segoe UI" panose="020B0502040204020203" pitchFamily="34" charset="0"/>
-                          <a:ea typeface="Segoe UI" panose="020B0502040204020203" pitchFamily="34" charset="0"/>
-                          <a:cs typeface="Segoe UI" panose="020B0502040204020203" pitchFamily="34" charset="0"/>
-                        </a:rPr>
-                        <a:t>PowerShell</a:t>
-                      </a:r>
-                      <a:endParaRPr lang="ja-JP" sz="1050" kern="100" dirty="0">
-                        <a:effectLst/>
-                        <a:latin typeface="Segoe UI" panose="020B0502040204020203" pitchFamily="34" charset="0"/>
-                        <a:cs typeface="Segoe UI" panose="020B0502040204020203" pitchFamily="34" charset="0"/>
-                      </a:endParaRPr>
-                    </a:p>
-                    <a:p>
-                      <a:pPr algn="just">
-                        <a:spcAft>
-                          <a:spcPts val="0"/>
-                        </a:spcAft>
-                      </a:pPr>
-                      <a:r>
-                        <a:rPr lang="en-US" sz="900" kern="100" dirty="0">
-                          <a:effectLst/>
-                          <a:latin typeface="Segoe UI" panose="020B0502040204020203" pitchFamily="34" charset="0"/>
-                          <a:ea typeface="Segoe UI" panose="020B0502040204020203" pitchFamily="34" charset="0"/>
-                          <a:cs typeface="Segoe UI" panose="020B0502040204020203" pitchFamily="34" charset="0"/>
-                        </a:rPr>
-                        <a:t>DSC</a:t>
+                        <a:rPr lang="en-US" altLang="ja-JP" sz="900" kern="100" dirty="0" smtClean="0">
+                          <a:effectLst/>
+                          <a:latin typeface="Segoe UI" panose="020B0502040204020203" pitchFamily="34" charset="0"/>
+                          <a:ea typeface="Segoe UI" panose="020B0502040204020203" pitchFamily="34" charset="0"/>
+                          <a:cs typeface="Segoe UI" panose="020B0502040204020203" pitchFamily="34" charset="0"/>
+                        </a:rPr>
+                        <a:t>Terraform</a:t>
                       </a:r>
                       <a:endParaRPr lang="ja-JP" sz="1050" kern="100" dirty="0">
                         <a:effectLst/>
@@ -30846,101 +31095,83 @@
                         </a:spcAft>
                       </a:pPr>
                       <a:r>
-                        <a:rPr lang="en-US" sz="900" b="0" i="0" u="none" kern="0" dirty="0" smtClean="0">
-                          <a:solidFill>
-                            <a:srgbClr val="000000"/>
-                          </a:solidFill>
-                          <a:effectLst/>
-                          <a:latin typeface="Segoe UI" panose="020B0502040204020203" pitchFamily="34" charset="0"/>
-                          <a:ea typeface="Segoe UI" panose="020B0502040204020203" pitchFamily="34" charset="0"/>
-                          <a:cs typeface="Segoe UI" panose="020B0502040204020203" pitchFamily="34" charset="0"/>
-                        </a:rPr>
-                        <a:t>A </a:t>
-                      </a:r>
-                      <a:r>
-                        <a:rPr lang="en-US" altLang="ja-JP" sz="900" kern="0" dirty="0" smtClean="0">
-                          <a:effectLst/>
-                          <a:latin typeface="Segoe UI" panose="020B0502040204020203" pitchFamily="34" charset="0"/>
-                          <a:ea typeface="Segoe UI" panose="020B0502040204020203" pitchFamily="34" charset="0"/>
-                          <a:cs typeface="Segoe UI" panose="020B0502040204020203" pitchFamily="34" charset="0"/>
-                        </a:rPr>
-                        <a:t>Microsoft</a:t>
-                      </a:r>
-                      <a:r>
-                        <a:rPr lang="en-US" sz="900" b="0" i="0" u="none" kern="0" dirty="0" smtClean="0">
-                          <a:solidFill>
-                            <a:srgbClr val="000000"/>
-                          </a:solidFill>
-                          <a:effectLst/>
-                          <a:latin typeface="Segoe UI" panose="020B0502040204020203" pitchFamily="34" charset="0"/>
-                          <a:ea typeface="Segoe UI" panose="020B0502040204020203" pitchFamily="34" charset="0"/>
-                          <a:cs typeface="Segoe UI" panose="020B0502040204020203" pitchFamily="34" charset="0"/>
-                        </a:rPr>
-                        <a:t>-provided tool for setting</a:t>
-                      </a:r>
-                      <a:r>
-                        <a:rPr lang="en-US" sz="900" b="0" i="0" u="none" kern="0" baseline="0" dirty="0" smtClean="0">
-                          <a:solidFill>
-                            <a:srgbClr val="000000"/>
-                          </a:solidFill>
-                          <a:effectLst/>
-                          <a:latin typeface="Segoe UI" panose="020B0502040204020203" pitchFamily="34" charset="0"/>
-                          <a:ea typeface="Segoe UI" panose="020B0502040204020203" pitchFamily="34" charset="0"/>
-                          <a:cs typeface="Segoe UI" panose="020B0502040204020203" pitchFamily="34" charset="0"/>
-                        </a:rPr>
-                        <a:t> up</a:t>
-                      </a:r>
-                      <a:r>
-                        <a:rPr lang="en-US" sz="900" b="0" i="0" u="none" kern="0" dirty="0" smtClean="0">
-                          <a:solidFill>
-                            <a:srgbClr val="000000"/>
-                          </a:solidFill>
-                          <a:effectLst/>
-                          <a:latin typeface="Segoe UI" panose="020B0502040204020203" pitchFamily="34" charset="0"/>
-                          <a:ea typeface="Segoe UI" panose="020B0502040204020203" pitchFamily="34" charset="0"/>
-                          <a:cs typeface="Segoe UI" panose="020B0502040204020203" pitchFamily="34" charset="0"/>
-                        </a:rPr>
-                        <a:t> a platform.</a:t>
-                      </a:r>
-                      <a:br>
-                        <a:rPr lang="en-US" sz="900" b="0" i="0" u="none" kern="0" dirty="0" smtClean="0">
-                          <a:solidFill>
-                            <a:srgbClr val="000000"/>
-                          </a:solidFill>
-                          <a:effectLst/>
-                          <a:latin typeface="Segoe UI" panose="020B0502040204020203" pitchFamily="34" charset="0"/>
-                          <a:ea typeface="Segoe UI" panose="020B0502040204020203" pitchFamily="34" charset="0"/>
-                          <a:cs typeface="Segoe UI" panose="020B0502040204020203" pitchFamily="34" charset="0"/>
-                        </a:rPr>
-                      </a:br>
-                      <a:r>
-                        <a:rPr lang="en-US" sz="900" kern="0" dirty="0" smtClean="0">
-                          <a:effectLst/>
-                          <a:latin typeface="Segoe UI" panose="020B0502040204020203" pitchFamily="34" charset="0"/>
-                          <a:ea typeface="Segoe UI" panose="020B0502040204020203" pitchFamily="34" charset="0"/>
-                          <a:cs typeface="Segoe UI" panose="020B0502040204020203" pitchFamily="34" charset="0"/>
-                        </a:rPr>
-                        <a:t>For a </a:t>
-                      </a:r>
-                      <a:r>
-                        <a:rPr lang="en-US" altLang="ja-JP" sz="900" kern="0" dirty="0" smtClean="0">
-                          <a:effectLst/>
-                          <a:latin typeface="Segoe UI" panose="020B0502040204020203" pitchFamily="34" charset="0"/>
-                          <a:ea typeface="Segoe UI" panose="020B0502040204020203" pitchFamily="34" charset="0"/>
-                          <a:cs typeface="Segoe UI" panose="020B0502040204020203" pitchFamily="34" charset="0"/>
-                        </a:rPr>
-                        <a:t>Windows </a:t>
-                      </a:r>
-                      <a:r>
-                        <a:rPr lang="en-US" sz="900" kern="0" dirty="0" smtClean="0">
-                          <a:effectLst/>
-                          <a:latin typeface="Segoe UI" panose="020B0502040204020203" pitchFamily="34" charset="0"/>
-                          <a:ea typeface="Segoe UI" panose="020B0502040204020203" pitchFamily="34" charset="0"/>
-                          <a:cs typeface="Segoe UI" panose="020B0502040204020203" pitchFamily="34" charset="0"/>
-                        </a:rPr>
-                        <a:t>environment, this tool allows you to create server users and install software.</a:t>
-                      </a:r>
-                      <a:endParaRPr lang="ja-JP" sz="1050" kern="100" dirty="0">
+                        <a:rPr lang="en-US" altLang="ja-JP" sz="900" kern="100" dirty="0" smtClean="0">
+                          <a:effectLst/>
+                          <a:latin typeface="Segoe UI" panose="020B0502040204020203" pitchFamily="34" charset="0"/>
+                          <a:ea typeface="ＭＳ 明朝" panose="02020609040205080304" pitchFamily="17" charset="-128"/>
+                          <a:cs typeface="Segoe UI" panose="020B0502040204020203" pitchFamily="34" charset="0"/>
+                        </a:rPr>
+                        <a:t>Terraform is an orchestration tool provided by </a:t>
+                      </a:r>
+                      <a:r>
+                        <a:rPr lang="en-US" altLang="ja-JP" sz="900" kern="100" dirty="0" err="1" smtClean="0">
+                          <a:effectLst/>
+                          <a:latin typeface="Segoe UI" panose="020B0502040204020203" pitchFamily="34" charset="0"/>
+                          <a:ea typeface="ＭＳ 明朝" panose="02020609040205080304" pitchFamily="17" charset="-128"/>
+                          <a:cs typeface="Segoe UI" panose="020B0502040204020203" pitchFamily="34" charset="0"/>
+                        </a:rPr>
+                        <a:t>HashiCorp</a:t>
+                      </a:r>
+                      <a:r>
+                        <a:rPr lang="en-US" altLang="ja-JP" sz="900" kern="100" dirty="0" smtClean="0">
+                          <a:effectLst/>
+                          <a:latin typeface="Segoe UI" panose="020B0502040204020203" pitchFamily="34" charset="0"/>
+                          <a:ea typeface="ＭＳ 明朝" panose="02020609040205080304" pitchFamily="17" charset="-128"/>
+                          <a:cs typeface="Segoe UI" panose="020B0502040204020203" pitchFamily="34" charset="0"/>
+                        </a:rPr>
+                        <a:t>, Inc. that improves the efficiency of infrastructure process.</a:t>
+                      </a:r>
+                    </a:p>
+                    <a:p>
+                      <a:pPr algn="l">
+                        <a:spcAft>
+                          <a:spcPts val="0"/>
+                        </a:spcAft>
+                      </a:pPr>
+                      <a:r>
+                        <a:rPr lang="en-US" altLang="ja-JP" sz="900" kern="100" dirty="0" smtClean="0">
+                          <a:effectLst/>
+                          <a:latin typeface="Segoe UI" panose="020B0502040204020203" pitchFamily="34" charset="0"/>
+                          <a:ea typeface="ＭＳ 明朝" panose="02020609040205080304" pitchFamily="17" charset="-128"/>
+                          <a:cs typeface="Segoe UI" panose="020B0502040204020203" pitchFamily="34" charset="0"/>
+                        </a:rPr>
+                        <a:t>The construction is executed after the execution plan is generated based on the infrastructure configuration coded in HCL(</a:t>
+                      </a:r>
+                      <a:r>
+                        <a:rPr lang="en-US" altLang="ja-JP" sz="900" kern="100" dirty="0" err="1" smtClean="0">
+                          <a:effectLst/>
+                          <a:latin typeface="Segoe UI" panose="020B0502040204020203" pitchFamily="34" charset="0"/>
+                          <a:ea typeface="ＭＳ 明朝" panose="02020609040205080304" pitchFamily="17" charset="-128"/>
+                          <a:cs typeface="Segoe UI" panose="020B0502040204020203" pitchFamily="34" charset="0"/>
+                        </a:rPr>
+                        <a:t>HashiCorp</a:t>
+                      </a:r>
+                      <a:r>
+                        <a:rPr lang="en-US" altLang="ja-JP" sz="900" kern="100" dirty="0" smtClean="0">
+                          <a:effectLst/>
+                          <a:latin typeface="Segoe UI" panose="020B0502040204020203" pitchFamily="34" charset="0"/>
+                          <a:ea typeface="ＭＳ 明朝" panose="02020609040205080304" pitchFamily="17" charset="-128"/>
+                          <a:cs typeface="Segoe UI" panose="020B0502040204020203" pitchFamily="34" charset="0"/>
+                        </a:rPr>
+                        <a:t> Configuration Language).</a:t>
+                      </a:r>
+                    </a:p>
+                    <a:p>
+                      <a:pPr algn="l">
+                        <a:spcAft>
+                          <a:spcPts val="0"/>
+                        </a:spcAft>
+                      </a:pPr>
+                      <a:r>
+                        <a:rPr lang="en-US" altLang="ja-JP" sz="900" kern="100" dirty="0" smtClean="0">
+                          <a:effectLst/>
+                          <a:latin typeface="Segoe UI" panose="020B0502040204020203" pitchFamily="34" charset="0"/>
+                          <a:ea typeface="ＭＳ 明朝" panose="02020609040205080304" pitchFamily="17" charset="-128"/>
+                          <a:cs typeface="Segoe UI" panose="020B0502040204020203" pitchFamily="34" charset="0"/>
+                        </a:rPr>
+                        <a:t>Furthermore, with Policy as Code, it's also possible manage access policy in code.</a:t>
+                      </a:r>
+                      <a:endParaRPr lang="ja-JP" sz="900" kern="100" dirty="0">
                         <a:effectLst/>
                         <a:latin typeface="Segoe UI" panose="020B0502040204020203" pitchFamily="34" charset="0"/>
                         <a:ea typeface="ＭＳ 明朝" panose="02020609040205080304" pitchFamily="17" charset="-128"/>

--- a/asset/Learn/ITA-online-install_en.pptx
+++ b/asset/Learn/ITA-online-install_en.pptx
@@ -336,7 +336,7 @@
               <a:rPr kumimoji="1" lang="ja-JP" altLang="en-US" smtClean="0">
                 <a:ea typeface="メイリオ" panose="020B0604030504040204" pitchFamily="50" charset="-128"/>
               </a:rPr>
-              <a:t>2020/7/22</a:t>
+              <a:t>2020/7/30</a:t>
             </a:fld>
             <a:endParaRPr kumimoji="1" lang="ja-JP" altLang="en-US" dirty="0">
               <a:ea typeface="メイリオ" panose="020B0604030504040204" pitchFamily="50" charset="-128"/>
@@ -482,7 +482,7 @@
             <a:fld id="{4B26993D-C081-44EB-B0F5-A9F467792B62}" type="datetimeFigureOut">
               <a:rPr lang="ja-JP" altLang="en-US" smtClean="0"/>
               <a:pPr/>
-              <a:t>2020/7/22</a:t>
+              <a:t>2020/7/30</a:t>
             </a:fld>
             <a:endParaRPr lang="ja-JP" altLang="en-US" dirty="0"/>
           </a:p>
@@ -1105,7 +1105,7 @@
           <a:p>
             <a:fld id="{56F9016B-CCA6-43BE-8BEE-59565A35F4F7}" type="datetimeFigureOut">
               <a:rPr kumimoji="1" lang="ja-JP" altLang="en-US" smtClean="0"/>
-              <a:t>2020/7/22</a:t>
+              <a:t>2020/7/30</a:t>
             </a:fld>
             <a:endParaRPr kumimoji="1" lang="ja-JP" altLang="en-US"/>
           </a:p>
@@ -1307,7 +1307,7 @@
           <a:p>
             <a:fld id="{56F9016B-CCA6-43BE-8BEE-59565A35F4F7}" type="datetimeFigureOut">
               <a:rPr kumimoji="1" lang="ja-JP" altLang="en-US" smtClean="0"/>
-              <a:t>2020/7/22</a:t>
+              <a:t>2020/7/30</a:t>
             </a:fld>
             <a:endParaRPr kumimoji="1" lang="ja-JP" altLang="en-US"/>
           </a:p>
@@ -1553,7 +1553,7 @@
           <a:p>
             <a:fld id="{56F9016B-CCA6-43BE-8BEE-59565A35F4F7}" type="datetimeFigureOut">
               <a:rPr kumimoji="1" lang="ja-JP" altLang="en-US" smtClean="0"/>
-              <a:t>2020/7/22</a:t>
+              <a:t>2020/7/30</a:t>
             </a:fld>
             <a:endParaRPr kumimoji="1" lang="ja-JP" altLang="en-US"/>
           </a:p>
@@ -1849,7 +1849,7 @@
           <a:p>
             <a:fld id="{56F9016B-CCA6-43BE-8BEE-59565A35F4F7}" type="datetimeFigureOut">
               <a:rPr kumimoji="1" lang="ja-JP" altLang="en-US" smtClean="0"/>
-              <a:t>2020/7/22</a:t>
+              <a:t>2020/7/30</a:t>
             </a:fld>
             <a:endParaRPr kumimoji="1" lang="ja-JP" altLang="en-US"/>
           </a:p>
@@ -2280,7 +2280,7 @@
           <a:p>
             <a:fld id="{56F9016B-CCA6-43BE-8BEE-59565A35F4F7}" type="datetimeFigureOut">
               <a:rPr kumimoji="1" lang="ja-JP" altLang="en-US" smtClean="0"/>
-              <a:t>2020/7/22</a:t>
+              <a:t>2020/7/30</a:t>
             </a:fld>
             <a:endParaRPr kumimoji="1" lang="ja-JP" altLang="en-US"/>
           </a:p>
@@ -2398,7 +2398,7 @@
           <a:p>
             <a:fld id="{56F9016B-CCA6-43BE-8BEE-59565A35F4F7}" type="datetimeFigureOut">
               <a:rPr kumimoji="1" lang="ja-JP" altLang="en-US" smtClean="0"/>
-              <a:t>2020/7/22</a:t>
+              <a:t>2020/7/30</a:t>
             </a:fld>
             <a:endParaRPr kumimoji="1" lang="ja-JP" altLang="en-US"/>
           </a:p>
@@ -2493,7 +2493,7 @@
           <a:p>
             <a:fld id="{56F9016B-CCA6-43BE-8BEE-59565A35F4F7}" type="datetimeFigureOut">
               <a:rPr kumimoji="1" lang="ja-JP" altLang="en-US" smtClean="0"/>
-              <a:t>2020/7/22</a:t>
+              <a:t>2020/7/30</a:t>
             </a:fld>
             <a:endParaRPr kumimoji="1" lang="ja-JP" altLang="en-US"/>
           </a:p>
@@ -2802,7 +2802,7 @@
           <a:p>
             <a:fld id="{56F9016B-CCA6-43BE-8BEE-59565A35F4F7}" type="datetimeFigureOut">
               <a:rPr kumimoji="1" lang="ja-JP" altLang="en-US" smtClean="0"/>
-              <a:t>2020/7/22</a:t>
+              <a:t>2020/7/30</a:t>
             </a:fld>
             <a:endParaRPr kumimoji="1" lang="ja-JP" altLang="en-US"/>
           </a:p>
@@ -3055,7 +3055,7 @@
           <a:p>
             <a:fld id="{56F9016B-CCA6-43BE-8BEE-59565A35F4F7}" type="datetimeFigureOut">
               <a:rPr kumimoji="1" lang="ja-JP" altLang="en-US" smtClean="0"/>
-              <a:t>2020/7/22</a:t>
+              <a:t>2020/7/30</a:t>
             </a:fld>
             <a:endParaRPr kumimoji="1" lang="ja-JP" altLang="en-US"/>
           </a:p>
@@ -3332,7 +3332,7 @@
           <a:p>
             <a:fld id="{56F9016B-CCA6-43BE-8BEE-59565A35F4F7}" type="datetimeFigureOut">
               <a:rPr kumimoji="1" lang="ja-JP" altLang="en-US" smtClean="0"/>
-              <a:t>2020/7/22</a:t>
+              <a:t>2020/7/30</a:t>
             </a:fld>
             <a:endParaRPr kumimoji="1" lang="ja-JP" altLang="en-US"/>
           </a:p>
@@ -3544,7 +3544,7 @@
           <a:p>
             <a:fld id="{56F9016B-CCA6-43BE-8BEE-59565A35F4F7}" type="datetimeFigureOut">
               <a:rPr kumimoji="1" lang="ja-JP" altLang="en-US" smtClean="0"/>
-              <a:t>2020/7/22</a:t>
+              <a:t>2020/7/30</a:t>
             </a:fld>
             <a:endParaRPr kumimoji="1" lang="ja-JP" altLang="en-US"/>
           </a:p>
@@ -6603,7 +6603,7 @@
           <a:p>
             <a:fld id="{56F9016B-CCA6-43BE-8BEE-59565A35F4F7}" type="datetimeFigureOut">
               <a:rPr kumimoji="1" lang="ja-JP" altLang="en-US" smtClean="0"/>
-              <a:t>2020/7/22</a:t>
+              <a:t>2020/7/30</a:t>
             </a:fld>
             <a:endParaRPr kumimoji="1" lang="ja-JP" altLang="en-US"/>
           </a:p>
@@ -7692,14 +7692,14 @@
           <p:nvPr>
             <p:extLst>
               <p:ext uri="{D42A27DB-BD31-4B8C-83A1-F6EECF244321}">
-                <p14:modId xmlns:p14="http://schemas.microsoft.com/office/powerpoint/2010/main" val="1338058159"/>
+                <p14:modId xmlns:p14="http://schemas.microsoft.com/office/powerpoint/2010/main" val="3966711911"/>
               </p:ext>
             </p:extLst>
           </p:nvPr>
         </p:nvGraphicFramePr>
         <p:xfrm>
-          <a:off x="302064" y="1628750"/>
-          <a:ext cx="8538898" cy="3388360"/>
+          <a:off x="302064" y="1556740"/>
+          <a:ext cx="8538898" cy="4593529"/>
         </p:xfrm>
         <a:graphic>
           <a:graphicData uri="http://schemas.openxmlformats.org/drawingml/2006/table">
@@ -7708,14 +7708,14 @@
                 <a:tableStyleId>{93296810-A885-4BE3-A3E7-6D5BEEA58F35}</a:tableStyleId>
               </a:tblPr>
               <a:tblGrid>
-                <a:gridCol w="1000443">
+                <a:gridCol w="1173506">
                   <a:extLst>
                     <a:ext uri="{9D8B030D-6E8A-4147-A177-3AD203B41FA5}">
                       <a16:colId xmlns:a16="http://schemas.microsoft.com/office/drawing/2014/main" val="20000"/>
                     </a:ext>
                   </a:extLst>
                 </a:gridCol>
-                <a:gridCol w="7538455">
+                <a:gridCol w="7365392">
                   <a:extLst>
                     <a:ext uri="{9D8B030D-6E8A-4147-A177-3AD203B41FA5}">
                       <a16:colId xmlns:a16="http://schemas.microsoft.com/office/drawing/2014/main" val="20001"/>
@@ -7723,7 +7723,7 @@
                   </a:extLst>
                 </a:gridCol>
               </a:tblGrid>
-              <a:tr h="370840">
+              <a:tr h="318709">
                 <a:tc>
                   <a:txBody>
                     <a:bodyPr/>
@@ -7731,14 +7731,14 @@
                     <a:p>
                       <a:pPr algn="ctr"/>
                       <a:r>
-                        <a:rPr kumimoji="1" lang="en-US" altLang="ja-JP" sz="1400" b="1" dirty="0" smtClean="0">
+                        <a:rPr kumimoji="1" lang="en-US" altLang="ja-JP" sz="1200" b="1" dirty="0" smtClean="0">
                           <a:latin typeface="Segoe UI" panose="020B0502040204020203" pitchFamily="34" charset="0"/>
                           <a:ea typeface="Segoe UI" panose="020B0502040204020203" pitchFamily="34" charset="0"/>
                           <a:cs typeface="Segoe UI" panose="020B0502040204020203" pitchFamily="34" charset="0"/>
                         </a:rPr>
                         <a:t>OS</a:t>
                       </a:r>
-                      <a:endParaRPr kumimoji="1" lang="ja-JP" altLang="en-US" sz="1400" b="1" dirty="0">
+                      <a:endParaRPr kumimoji="1" lang="ja-JP" altLang="en-US" sz="1200" b="1" dirty="0">
                         <a:latin typeface="Segoe UI" panose="020B0502040204020203" pitchFamily="34" charset="0"/>
                         <a:cs typeface="Segoe UI" panose="020B0502040204020203" pitchFamily="34" charset="0"/>
                       </a:endParaRPr>
@@ -7753,7 +7753,7 @@
                     <a:p>
                       <a:pPr algn="ctr"/>
                       <a:r>
-                        <a:rPr kumimoji="1" lang="en-US" altLang="ja-JP" sz="1400" b="1" i="0" u="none" dirty="0" smtClean="0">
+                        <a:rPr kumimoji="1" lang="en-US" altLang="ja-JP" sz="1200" b="1" i="0" u="none" dirty="0" smtClean="0">
                           <a:solidFill>
                             <a:schemeClr val="bg1"/>
                           </a:solidFill>
@@ -7763,7 +7763,7 @@
                         </a:rPr>
                         <a:t>Repository</a:t>
                       </a:r>
-                      <a:endParaRPr kumimoji="1" lang="ja-JP" altLang="en-US" sz="1400" b="1" i="0" u="none" dirty="0">
+                      <a:endParaRPr kumimoji="1" lang="ja-JP" altLang="en-US" sz="1200" b="1" i="0" u="none" dirty="0">
                         <a:solidFill>
                           <a:schemeClr val="bg1"/>
                         </a:solidFill>
@@ -7780,17 +7780,17 @@
                   </a:ext>
                 </a:extLst>
               </a:tr>
-              <a:tr h="205240">
+              <a:tr h="235405">
                 <a:tc rowSpan="4">
                   <a:txBody>
                     <a:bodyPr/>
                     <a:lstStyle/>
                     <a:p>
                       <a:r>
-                        <a:rPr kumimoji="1" lang="en-US" altLang="ja-JP" sz="1200" b="1" dirty="0" smtClean="0"/>
+                        <a:rPr kumimoji="1" lang="en-US" altLang="ja-JP" sz="1050" b="1" dirty="0" smtClean="0"/>
                         <a:t>RHEL7</a:t>
                       </a:r>
-                      <a:endParaRPr kumimoji="1" lang="ja-JP" altLang="en-US" sz="1200" b="1" dirty="0"/>
+                      <a:endParaRPr kumimoji="1" lang="ja-JP" altLang="en-US" sz="1050" b="1" dirty="0"/>
                     </a:p>
                   </a:txBody>
                   <a:tcPr anchor="ctr"/>
@@ -7801,7 +7801,7 @@
                     <a:lstStyle/>
                     <a:p>
                       <a:r>
-                        <a:rPr kumimoji="1" lang="en-US" altLang="ja-JP" sz="1200" b="1" i="0" kern="1200" dirty="0" smtClean="0">
+                        <a:rPr kumimoji="1" lang="en-US" altLang="ja-JP" sz="1050" b="1" i="0" kern="1200" dirty="0" smtClean="0">
                           <a:solidFill>
                             <a:schemeClr val="dk1"/>
                           </a:solidFill>
@@ -7812,7 +7812,7 @@
                         </a:rPr>
                         <a:t>https://dl.fedoraproject.org/pub/epel/epel-release-latest-7.noarch.rpm</a:t>
                       </a:r>
-                      <a:endParaRPr kumimoji="1" lang="en-US" altLang="ja-JP" sz="1200" b="1" i="0" kern="1200" dirty="0">
+                      <a:endParaRPr kumimoji="1" lang="en-US" altLang="ja-JP" sz="1050" b="1" i="0" kern="1200" dirty="0">
                         <a:solidFill>
                           <a:schemeClr val="dk1"/>
                         </a:solidFill>
@@ -7844,7 +7844,7 @@
                   </a:ext>
                 </a:extLst>
               </a:tr>
-              <a:tr h="236220">
+              <a:tr h="235405">
                 <a:tc vMerge="1">
                   <a:txBody>
                     <a:bodyPr/>
@@ -7878,7 +7878,7 @@
                         <a:defRPr/>
                       </a:pPr>
                       <a:r>
-                        <a:rPr kumimoji="1" lang="en-US" altLang="ja-JP" sz="1200" b="1" i="0" u="none" strike="noStrike" kern="1200" baseline="0" dirty="0" smtClean="0">
+                        <a:rPr kumimoji="1" lang="en-US" altLang="ja-JP" sz="1050" b="1" i="0" u="none" strike="noStrike" kern="1200" baseline="0" dirty="0" smtClean="0">
                           <a:solidFill>
                             <a:schemeClr val="tx1"/>
                           </a:solidFill>
@@ -7920,7 +7920,7 @@
                   </a:ext>
                 </a:extLst>
               </a:tr>
-              <a:tr h="236220">
+              <a:tr h="235405">
                 <a:tc vMerge="1">
                   <a:txBody>
                     <a:bodyPr/>
@@ -7937,14 +7937,14 @@
                     <a:lstStyle/>
                     <a:p>
                       <a:r>
-                        <a:rPr kumimoji="1" lang="en-US" altLang="ja-JP" sz="1200" b="1" dirty="0" smtClean="0">
+                        <a:rPr kumimoji="1" lang="en-US" altLang="ja-JP" sz="1050" b="1" dirty="0" smtClean="0">
                           <a:solidFill>
                             <a:schemeClr val="tx1"/>
                           </a:solidFill>
                         </a:rPr>
                         <a:t>http://rpms.remirepo.net/enterprise/remi-release-7.rpm</a:t>
                       </a:r>
-                      <a:endParaRPr kumimoji="1" lang="ja-JP" altLang="en-US" sz="1200" b="1" dirty="0">
+                      <a:endParaRPr kumimoji="1" lang="ja-JP" altLang="en-US" sz="1050" b="1" dirty="0">
                         <a:solidFill>
                           <a:schemeClr val="tx1"/>
                         </a:solidFill>
@@ -7969,7 +7969,7 @@
                   </a:ext>
                 </a:extLst>
               </a:tr>
-              <a:tr h="236220">
+              <a:tr h="235405">
                 <a:tc vMerge="1">
                   <a:txBody>
                     <a:bodyPr/>
@@ -8003,14 +8003,14 @@
                         <a:defRPr/>
                       </a:pPr>
                       <a:r>
-                        <a:rPr kumimoji="1" lang="en-US" altLang="ja-JP" sz="1200" b="1" dirty="0" smtClean="0">
+                        <a:rPr kumimoji="1" lang="en-US" altLang="ja-JP" sz="1050" b="1" dirty="0" smtClean="0">
                           <a:solidFill>
                             <a:schemeClr val="tx1"/>
                           </a:solidFill>
                         </a:rPr>
                         <a:t>rhel-7-server-optional-rpms</a:t>
                       </a:r>
-                      <a:endParaRPr kumimoji="1" lang="ja-JP" altLang="en-US" sz="1200" b="1" dirty="0" smtClean="0">
+                      <a:endParaRPr kumimoji="1" lang="ja-JP" altLang="en-US" sz="1050" b="1" dirty="0" smtClean="0">
                         <a:solidFill>
                           <a:schemeClr val="tx1"/>
                         </a:solidFill>
@@ -8025,7 +8025,7 @@
                   </a:ext>
                 </a:extLst>
               </a:tr>
-              <a:tr h="185420">
+              <a:tr h="235405">
                 <a:tc rowSpan="2">
                   <a:txBody>
                     <a:bodyPr/>
@@ -8049,10 +8049,10 @@
                         <a:defRPr/>
                       </a:pPr>
                       <a:r>
-                        <a:rPr kumimoji="1" lang="en-US" altLang="ja-JP" sz="1200" b="1" dirty="0" smtClean="0"/>
+                        <a:rPr kumimoji="1" lang="en-US" altLang="ja-JP" sz="1050" b="1" dirty="0" smtClean="0"/>
                         <a:t>RHEL8</a:t>
                       </a:r>
-                      <a:endParaRPr kumimoji="1" lang="ja-JP" altLang="en-US" sz="1200" b="1" dirty="0" smtClean="0"/>
+                      <a:endParaRPr kumimoji="1" lang="ja-JP" altLang="en-US" sz="1050" b="1" dirty="0" smtClean="0"/>
                     </a:p>
                   </a:txBody>
                   <a:tcPr anchor="ctr">
@@ -8084,7 +8084,7 @@
                         <a:defRPr/>
                       </a:pPr>
                       <a:r>
-                        <a:rPr kumimoji="1" lang="en-US" altLang="ja-JP" sz="1200" b="1" i="0" kern="1200" dirty="0" smtClean="0">
+                        <a:rPr kumimoji="1" lang="en-US" altLang="ja-JP" sz="1050" b="1" i="0" kern="1200" dirty="0" smtClean="0">
                           <a:solidFill>
                             <a:schemeClr val="dk1"/>
                           </a:solidFill>
@@ -8115,7 +8115,7 @@
                   </a:ext>
                 </a:extLst>
               </a:tr>
-              <a:tr h="185420">
+              <a:tr h="235405">
                 <a:tc vMerge="1">
                   <a:txBody>
                     <a:bodyPr/>
@@ -8166,7 +8166,7 @@
                         <a:defRPr/>
                       </a:pPr>
                       <a:r>
-                        <a:rPr kumimoji="1" lang="en-US" altLang="ja-JP" sz="1200" b="1" i="0" kern="1200" dirty="0" smtClean="0">
+                        <a:rPr kumimoji="1" lang="en-US" altLang="ja-JP" sz="1050" b="1" i="0" kern="1200" dirty="0" smtClean="0">
                           <a:solidFill>
                             <a:schemeClr val="dk1"/>
                           </a:solidFill>
@@ -8178,7 +8178,7 @@
                         <a:t>codeready-builder-for-rhel-8-</a:t>
                       </a:r>
                       <a:r>
-                        <a:rPr kumimoji="1" lang="en-US" altLang="ja-JP" sz="1200" b="1" i="0" kern="1200" dirty="0" smtClean="0">
+                        <a:rPr kumimoji="1" lang="en-US" altLang="ja-JP" sz="1050" b="1" i="0" kern="1200" dirty="0" smtClean="0">
                           <a:solidFill>
                             <a:srgbClr val="FF0000"/>
                           </a:solidFill>
@@ -8190,7 +8190,7 @@
                         <a:t>xxxxxx</a:t>
                       </a:r>
                       <a:r>
-                        <a:rPr kumimoji="1" lang="en-US" altLang="ja-JP" sz="1200" b="1" i="0" kern="1200" dirty="0" smtClean="0">
+                        <a:rPr kumimoji="1" lang="en-US" altLang="ja-JP" sz="1050" b="1" i="0" kern="1200" dirty="0" smtClean="0">
                           <a:solidFill>
                             <a:schemeClr val="dk1"/>
                           </a:solidFill>
@@ -8230,17 +8230,17 @@
                   </a:ext>
                 </a:extLst>
               </a:tr>
-              <a:tr h="152400">
+              <a:tr h="235405">
                 <a:tc rowSpan="3">
                   <a:txBody>
                     <a:bodyPr/>
                     <a:lstStyle/>
                     <a:p>
                       <a:r>
-                        <a:rPr kumimoji="1" lang="en-US" altLang="ja-JP" sz="1200" b="1" dirty="0" smtClean="0"/>
+                        <a:rPr kumimoji="1" lang="en-US" altLang="ja-JP" sz="1050" b="1" dirty="0" smtClean="0"/>
                         <a:t>CentOS7</a:t>
                       </a:r>
-                      <a:endParaRPr kumimoji="1" lang="ja-JP" altLang="en-US" sz="1200" b="1" dirty="0"/>
+                      <a:endParaRPr kumimoji="1" lang="ja-JP" altLang="en-US" sz="1050" b="1" dirty="0"/>
                     </a:p>
                   </a:txBody>
                   <a:tcPr anchor="ctr"/>
@@ -8251,7 +8251,7 @@
                     <a:lstStyle/>
                     <a:p>
                       <a:r>
-                        <a:rPr kumimoji="1" lang="en-US" altLang="ja-JP" sz="1200" b="1" dirty="0" err="1" smtClean="0">
+                        <a:rPr kumimoji="1" lang="en-US" altLang="ja-JP" sz="1050" b="1" dirty="0" err="1" smtClean="0">
                           <a:solidFill>
                             <a:schemeClr val="tx1"/>
                           </a:solidFill>
@@ -8259,14 +8259,14 @@
                         <a:t>epel</a:t>
                       </a:r>
                       <a:r>
-                        <a:rPr kumimoji="1" lang="en-US" altLang="ja-JP" sz="1200" b="1" dirty="0" smtClean="0">
+                        <a:rPr kumimoji="1" lang="en-US" altLang="ja-JP" sz="1050" b="1" dirty="0" smtClean="0">
                           <a:solidFill>
                             <a:schemeClr val="tx1"/>
                           </a:solidFill>
                         </a:rPr>
                         <a:t>-release</a:t>
                       </a:r>
-                      <a:endParaRPr kumimoji="1" lang="ja-JP" altLang="en-US" sz="1200" b="1" dirty="0">
+                      <a:endParaRPr kumimoji="1" lang="ja-JP" altLang="en-US" sz="1050" b="1" dirty="0">
                         <a:solidFill>
                           <a:schemeClr val="tx1"/>
                         </a:solidFill>
@@ -8300,7 +8300,7 @@
                   </a:ext>
                 </a:extLst>
               </a:tr>
-              <a:tr h="152400">
+              <a:tr h="235405">
                 <a:tc vMerge="1">
                   <a:txBody>
                     <a:bodyPr/>
@@ -8334,7 +8334,7 @@
                         <a:defRPr/>
                       </a:pPr>
                       <a:r>
-                        <a:rPr kumimoji="1" lang="en-US" altLang="ja-JP" sz="1200" b="1" i="0" u="none" strike="noStrike" kern="1200" baseline="0" dirty="0" smtClean="0">
+                        <a:rPr kumimoji="1" lang="en-US" altLang="ja-JP" sz="1050" b="1" i="0" u="none" strike="noStrike" kern="1200" baseline="0" dirty="0" smtClean="0">
                           <a:solidFill>
                             <a:schemeClr val="tx1"/>
                           </a:solidFill>
@@ -8373,7 +8373,7 @@
                   </a:ext>
                 </a:extLst>
               </a:tr>
-              <a:tr h="152400">
+              <a:tr h="235405">
                 <a:tc vMerge="1">
                   <a:txBody>
                     <a:bodyPr/>
@@ -8390,7 +8390,7 @@
                     <a:lstStyle/>
                     <a:p>
                       <a:r>
-                        <a:rPr kumimoji="1" lang="en-US" altLang="ja-JP" sz="1200" b="1" dirty="0" smtClean="0"/>
+                        <a:rPr kumimoji="1" lang="en-US" altLang="ja-JP" sz="1050" b="1" dirty="0" smtClean="0"/>
                         <a:t>http://rpms.remirepo.net/enterprise/remi-release-7.rpm</a:t>
                       </a:r>
                     </a:p>
@@ -8422,17 +8422,17 @@
                   </a:ext>
                 </a:extLst>
               </a:tr>
-              <a:tr h="152400">
+              <a:tr h="235405">
                 <a:tc rowSpan="2">
                   <a:txBody>
                     <a:bodyPr/>
                     <a:lstStyle/>
                     <a:p>
                       <a:r>
-                        <a:rPr kumimoji="1" lang="en-US" altLang="ja-JP" sz="1200" b="1" dirty="0" smtClean="0"/>
+                        <a:rPr kumimoji="1" lang="en-US" altLang="ja-JP" sz="1050" b="1" dirty="0" smtClean="0"/>
                         <a:t>CentOS8</a:t>
                       </a:r>
-                      <a:endParaRPr kumimoji="1" lang="ja-JP" altLang="en-US" sz="1200" b="1" dirty="0"/>
+                      <a:endParaRPr kumimoji="1" lang="ja-JP" altLang="en-US" sz="1050" b="1" dirty="0"/>
                     </a:p>
                   </a:txBody>
                   <a:tcPr anchor="ctr"/>
@@ -8460,7 +8460,7 @@
                         <a:defRPr/>
                       </a:pPr>
                       <a:r>
-                        <a:rPr kumimoji="1" lang="en-US" altLang="ja-JP" sz="1200" b="1" dirty="0" err="1" smtClean="0">
+                        <a:rPr kumimoji="1" lang="en-US" altLang="ja-JP" sz="1050" b="1" dirty="0" err="1" smtClean="0">
                           <a:solidFill>
                             <a:schemeClr val="tx1"/>
                           </a:solidFill>
@@ -8468,14 +8468,14 @@
                         <a:t>epel</a:t>
                       </a:r>
                       <a:r>
-                        <a:rPr kumimoji="1" lang="en-US" altLang="ja-JP" sz="1200" b="1" dirty="0" smtClean="0">
+                        <a:rPr kumimoji="1" lang="en-US" altLang="ja-JP" sz="1050" b="1" dirty="0" smtClean="0">
                           <a:solidFill>
                             <a:schemeClr val="tx1"/>
                           </a:solidFill>
                         </a:rPr>
                         <a:t>-release</a:t>
                       </a:r>
-                      <a:endParaRPr kumimoji="1" lang="ja-JP" altLang="en-US" sz="1200" b="1" dirty="0" smtClean="0">
+                      <a:endParaRPr kumimoji="1" lang="ja-JP" altLang="en-US" sz="1050" b="1" dirty="0" smtClean="0">
                         <a:solidFill>
                           <a:schemeClr val="tx1"/>
                         </a:solidFill>
@@ -8509,7 +8509,7 @@
                   </a:ext>
                 </a:extLst>
               </a:tr>
-              <a:tr h="152400">
+              <a:tr h="235405">
                 <a:tc vMerge="1">
                   <a:txBody>
                     <a:bodyPr/>
@@ -8543,14 +8543,14 @@
                         <a:defRPr/>
                       </a:pPr>
                       <a:r>
-                        <a:rPr kumimoji="1" lang="en-US" altLang="ja-JP" sz="1200" b="1" dirty="0" err="1" smtClean="0">
+                        <a:rPr kumimoji="1" lang="en-US" altLang="ja-JP" sz="1050" b="1" dirty="0" err="1" smtClean="0">
                           <a:solidFill>
                             <a:schemeClr val="tx1"/>
                           </a:solidFill>
                         </a:rPr>
                         <a:t>PowerTools</a:t>
                       </a:r>
-                      <a:endParaRPr kumimoji="1" lang="ja-JP" altLang="en-US" sz="1200" b="1" dirty="0" smtClean="0">
+                      <a:endParaRPr kumimoji="1" lang="ja-JP" altLang="en-US" sz="1050" b="1" dirty="0" smtClean="0">
                         <a:solidFill>
                           <a:schemeClr val="tx1"/>
                         </a:solidFill>
@@ -8584,6 +8584,498 @@
                   </a:ext>
                 </a:extLst>
               </a:tr>
+              <a:tr h="235405">
+                <a:tc rowSpan="4">
+                  <a:txBody>
+                    <a:bodyPr/>
+                    <a:lstStyle/>
+                    <a:p>
+                      <a:pPr marL="0" marR="0" lvl="0" indent="0" algn="l" defTabSz="914400" rtl="0" eaLnBrk="1" fontAlgn="auto" latinLnBrk="0" hangingPunct="1">
+                        <a:lnSpc>
+                          <a:spcPct val="100000"/>
+                        </a:lnSpc>
+                        <a:spcBef>
+                          <a:spcPts val="0"/>
+                        </a:spcBef>
+                        <a:spcAft>
+                          <a:spcPts val="0"/>
+                        </a:spcAft>
+                        <a:buClrTx/>
+                        <a:buSzTx/>
+                        <a:buFontTx/>
+                        <a:buNone/>
+                        <a:tabLst/>
+                        <a:defRPr/>
+                      </a:pPr>
+                      <a:r>
+                        <a:rPr kumimoji="1" lang="en-US" altLang="ja-JP" sz="1050" b="1" dirty="0" smtClean="0"/>
+                        <a:t>RHEL7_AWS</a:t>
+                      </a:r>
+                      <a:endParaRPr kumimoji="1" lang="ja-JP" altLang="en-US" sz="1050" b="1" dirty="0" smtClean="0"/>
+                    </a:p>
+                  </a:txBody>
+                  <a:tcPr anchor="ctr">
+                    <a:solidFill>
+                      <a:srgbClr val="CBCDD3"/>
+                    </a:solidFill>
+                  </a:tcPr>
+                </a:tc>
+                <a:tc>
+                  <a:txBody>
+                    <a:bodyPr/>
+                    <a:lstStyle/>
+                    <a:p>
+                      <a:pPr marL="0" marR="0" lvl="0" indent="0" algn="l" defTabSz="914400" rtl="0" eaLnBrk="1" fontAlgn="auto" latinLnBrk="0" hangingPunct="1">
+                        <a:lnSpc>
+                          <a:spcPct val="100000"/>
+                        </a:lnSpc>
+                        <a:spcBef>
+                          <a:spcPts val="0"/>
+                        </a:spcBef>
+                        <a:spcAft>
+                          <a:spcPts val="0"/>
+                        </a:spcAft>
+                        <a:buClrTx/>
+                        <a:buSzTx/>
+                        <a:buFontTx/>
+                        <a:buNone/>
+                        <a:tabLst/>
+                        <a:defRPr/>
+                      </a:pPr>
+                      <a:r>
+                        <a:rPr kumimoji="1" lang="en-US" altLang="ja-JP" sz="1050" b="1" i="0" kern="1200" dirty="0" smtClean="0">
+                          <a:solidFill>
+                            <a:schemeClr val="dk1"/>
+                          </a:solidFill>
+                          <a:effectLst/>
+                          <a:latin typeface="+mn-lt"/>
+                          <a:ea typeface="+mn-ea"/>
+                          <a:cs typeface="+mn-cs"/>
+                        </a:rPr>
+                        <a:t>https://dl.fedoraproject.org/pub/epel/epel-release-latest-7.noarch.rpm</a:t>
+                      </a:r>
+                    </a:p>
+                  </a:txBody>
+                  <a:tcPr>
+                    <a:lnT w="12700" cap="flat" cmpd="sng" algn="ctr">
+                      <a:solidFill>
+                        <a:schemeClr val="bg1"/>
+                      </a:solidFill>
+                      <a:prstDash val="solid"/>
+                      <a:round/>
+                      <a:headEnd type="none" w="med" len="med"/>
+                      <a:tailEnd type="none" w="med" len="med"/>
+                    </a:lnT>
+                    <a:lnB w="12700" cap="flat" cmpd="sng" algn="ctr">
+                      <a:solidFill>
+                        <a:schemeClr val="bg1"/>
+                      </a:solidFill>
+                      <a:prstDash val="solid"/>
+                      <a:round/>
+                      <a:headEnd type="none" w="med" len="med"/>
+                      <a:tailEnd type="none" w="med" len="med"/>
+                    </a:lnB>
+                  </a:tcPr>
+                </a:tc>
+                <a:extLst>
+                  <a:ext uri="{0D108BD9-81ED-4DB2-BD59-A6C34878D82A}">
+                    <a16:rowId xmlns:a16="http://schemas.microsoft.com/office/drawing/2014/main" val="142826867"/>
+                  </a:ext>
+                </a:extLst>
+              </a:tr>
+              <a:tr h="235405">
+                <a:tc vMerge="1">
+                  <a:txBody>
+                    <a:bodyPr/>
+                    <a:lstStyle/>
+                    <a:p>
+                      <a:endParaRPr kumimoji="1" lang="ja-JP" altLang="en-US" sz="1050" b="1" dirty="0"/>
+                    </a:p>
+                  </a:txBody>
+                  <a:tcPr anchor="ctr"/>
+                </a:tc>
+                <a:tc>
+                  <a:txBody>
+                    <a:bodyPr/>
+                    <a:lstStyle/>
+                    <a:p>
+                      <a:pPr marL="0" marR="0" lvl="0" indent="0" algn="l" defTabSz="914400" rtl="0" eaLnBrk="1" fontAlgn="auto" latinLnBrk="0" hangingPunct="1">
+                        <a:lnSpc>
+                          <a:spcPct val="100000"/>
+                        </a:lnSpc>
+                        <a:spcBef>
+                          <a:spcPts val="0"/>
+                        </a:spcBef>
+                        <a:spcAft>
+                          <a:spcPts val="0"/>
+                        </a:spcAft>
+                        <a:buClrTx/>
+                        <a:buSzTx/>
+                        <a:buFontTx/>
+                        <a:buNone/>
+                        <a:tabLst/>
+                        <a:defRPr/>
+                      </a:pPr>
+                      <a:r>
+                        <a:rPr kumimoji="1" lang="en-US" altLang="ja-JP" sz="1050" b="1" i="0" u="none" strike="noStrike" kern="1200" baseline="0" dirty="0" smtClean="0">
+                          <a:solidFill>
+                            <a:schemeClr val="tx1"/>
+                          </a:solidFill>
+                          <a:latin typeface="+mn-lt"/>
+                          <a:ea typeface="+mn-ea"/>
+                          <a:cs typeface="+mn-cs"/>
+                        </a:rPr>
+                        <a:t>https://downloads.mariadb.com/MariaDB/mariadb_repo_setup</a:t>
+                      </a:r>
+                    </a:p>
+                  </a:txBody>
+                  <a:tcPr>
+                    <a:lnT w="12700" cap="flat" cmpd="sng" algn="ctr">
+                      <a:solidFill>
+                        <a:schemeClr val="bg1"/>
+                      </a:solidFill>
+                      <a:prstDash val="solid"/>
+                      <a:round/>
+                      <a:headEnd type="none" w="med" len="med"/>
+                      <a:tailEnd type="none" w="med" len="med"/>
+                    </a:lnT>
+                    <a:lnB w="12700" cap="flat" cmpd="sng" algn="ctr">
+                      <a:solidFill>
+                        <a:schemeClr val="bg1"/>
+                      </a:solidFill>
+                      <a:prstDash val="solid"/>
+                      <a:round/>
+                      <a:headEnd type="none" w="med" len="med"/>
+                      <a:tailEnd type="none" w="med" len="med"/>
+                    </a:lnB>
+                  </a:tcPr>
+                </a:tc>
+                <a:extLst>
+                  <a:ext uri="{0D108BD9-81ED-4DB2-BD59-A6C34878D82A}">
+                    <a16:rowId xmlns:a16="http://schemas.microsoft.com/office/drawing/2014/main" val="3420910308"/>
+                  </a:ext>
+                </a:extLst>
+              </a:tr>
+              <a:tr h="235405">
+                <a:tc vMerge="1">
+                  <a:txBody>
+                    <a:bodyPr/>
+                    <a:lstStyle/>
+                    <a:p>
+                      <a:endParaRPr kumimoji="1" lang="ja-JP" altLang="en-US" sz="1050" b="1" dirty="0"/>
+                    </a:p>
+                  </a:txBody>
+                  <a:tcPr anchor="ctr"/>
+                </a:tc>
+                <a:tc>
+                  <a:txBody>
+                    <a:bodyPr/>
+                    <a:lstStyle/>
+                    <a:p>
+                      <a:pPr marL="0" marR="0" lvl="0" indent="0" algn="l" defTabSz="914400" rtl="0" eaLnBrk="1" fontAlgn="auto" latinLnBrk="0" hangingPunct="1">
+                        <a:lnSpc>
+                          <a:spcPct val="100000"/>
+                        </a:lnSpc>
+                        <a:spcBef>
+                          <a:spcPts val="0"/>
+                        </a:spcBef>
+                        <a:spcAft>
+                          <a:spcPts val="0"/>
+                        </a:spcAft>
+                        <a:buClrTx/>
+                        <a:buSzTx/>
+                        <a:buFontTx/>
+                        <a:buNone/>
+                        <a:tabLst/>
+                        <a:defRPr/>
+                      </a:pPr>
+                      <a:r>
+                        <a:rPr kumimoji="1" lang="en-US" altLang="ja-JP" sz="1050" b="1" dirty="0" smtClean="0">
+                          <a:solidFill>
+                            <a:schemeClr val="tx1"/>
+                          </a:solidFill>
+                        </a:rPr>
+                        <a:t>http://rpms.remirepo.net/enterprise/remi-release-7.rpm</a:t>
+                      </a:r>
+                      <a:endParaRPr kumimoji="1" lang="ja-JP" altLang="en-US" sz="1050" b="1" dirty="0" smtClean="0">
+                        <a:solidFill>
+                          <a:schemeClr val="tx1"/>
+                        </a:solidFill>
+                      </a:endParaRPr>
+                    </a:p>
+                  </a:txBody>
+                  <a:tcPr>
+                    <a:lnT w="12700" cap="flat" cmpd="sng" algn="ctr">
+                      <a:solidFill>
+                        <a:schemeClr val="bg1"/>
+                      </a:solidFill>
+                      <a:prstDash val="solid"/>
+                      <a:round/>
+                      <a:headEnd type="none" w="med" len="med"/>
+                      <a:tailEnd type="none" w="med" len="med"/>
+                    </a:lnT>
+                    <a:lnB w="12700" cap="flat" cmpd="sng" algn="ctr">
+                      <a:solidFill>
+                        <a:schemeClr val="bg1"/>
+                      </a:solidFill>
+                      <a:prstDash val="solid"/>
+                      <a:round/>
+                      <a:headEnd type="none" w="med" len="med"/>
+                      <a:tailEnd type="none" w="med" len="med"/>
+                    </a:lnB>
+                  </a:tcPr>
+                </a:tc>
+                <a:extLst>
+                  <a:ext uri="{0D108BD9-81ED-4DB2-BD59-A6C34878D82A}">
+                    <a16:rowId xmlns:a16="http://schemas.microsoft.com/office/drawing/2014/main" val="4013383534"/>
+                  </a:ext>
+                </a:extLst>
+              </a:tr>
+              <a:tr h="235405">
+                <a:tc vMerge="1">
+                  <a:txBody>
+                    <a:bodyPr/>
+                    <a:lstStyle/>
+                    <a:p>
+                      <a:endParaRPr kumimoji="1" lang="ja-JP" altLang="en-US" sz="1050" b="1" dirty="0"/>
+                    </a:p>
+                  </a:txBody>
+                  <a:tcPr anchor="ctr"/>
+                </a:tc>
+                <a:tc>
+                  <a:txBody>
+                    <a:bodyPr/>
+                    <a:lstStyle/>
+                    <a:p>
+                      <a:pPr marL="0" marR="0" lvl="0" indent="0" algn="l" defTabSz="914400" rtl="0" eaLnBrk="1" fontAlgn="auto" latinLnBrk="0" hangingPunct="1">
+                        <a:lnSpc>
+                          <a:spcPct val="100000"/>
+                        </a:lnSpc>
+                        <a:spcBef>
+                          <a:spcPts val="0"/>
+                        </a:spcBef>
+                        <a:spcAft>
+                          <a:spcPts val="0"/>
+                        </a:spcAft>
+                        <a:buClrTx/>
+                        <a:buSzTx/>
+                        <a:buFontTx/>
+                        <a:buNone/>
+                        <a:tabLst/>
+                        <a:defRPr/>
+                      </a:pPr>
+                      <a:r>
+                        <a:rPr kumimoji="1" lang="en-US" altLang="ja-JP" sz="1050" b="1" dirty="0" smtClean="0">
+                          <a:solidFill>
+                            <a:schemeClr val="tx1"/>
+                          </a:solidFill>
+                        </a:rPr>
+                        <a:t>rhui-rhel-7-server-rhui-optional-rpms</a:t>
+                      </a:r>
+                      <a:endParaRPr kumimoji="1" lang="ja-JP" altLang="en-US" sz="1050" b="1" dirty="0" smtClean="0">
+                        <a:solidFill>
+                          <a:schemeClr val="tx1"/>
+                        </a:solidFill>
+                      </a:endParaRPr>
+                    </a:p>
+                  </a:txBody>
+                  <a:tcPr>
+                    <a:lnT w="12700" cap="flat" cmpd="sng" algn="ctr">
+                      <a:solidFill>
+                        <a:schemeClr val="bg1"/>
+                      </a:solidFill>
+                      <a:prstDash val="solid"/>
+                      <a:round/>
+                      <a:headEnd type="none" w="med" len="med"/>
+                      <a:tailEnd type="none" w="med" len="med"/>
+                    </a:lnT>
+                    <a:lnB w="12700" cap="flat" cmpd="sng" algn="ctr">
+                      <a:solidFill>
+                        <a:schemeClr val="bg1"/>
+                      </a:solidFill>
+                      <a:prstDash val="solid"/>
+                      <a:round/>
+                      <a:headEnd type="none" w="med" len="med"/>
+                      <a:tailEnd type="none" w="med" len="med"/>
+                    </a:lnB>
+                  </a:tcPr>
+                </a:tc>
+                <a:extLst>
+                  <a:ext uri="{0D108BD9-81ED-4DB2-BD59-A6C34878D82A}">
+                    <a16:rowId xmlns:a16="http://schemas.microsoft.com/office/drawing/2014/main" val="1856182322"/>
+                  </a:ext>
+                </a:extLst>
+              </a:tr>
+              <a:tr h="235405">
+                <a:tc rowSpan="2">
+                  <a:txBody>
+                    <a:bodyPr/>
+                    <a:lstStyle/>
+                    <a:p>
+                      <a:pPr marL="0" marR="0" lvl="0" indent="0" algn="l" defTabSz="914400" rtl="0" eaLnBrk="1" fontAlgn="auto" latinLnBrk="0" hangingPunct="1">
+                        <a:lnSpc>
+                          <a:spcPct val="100000"/>
+                        </a:lnSpc>
+                        <a:spcBef>
+                          <a:spcPts val="0"/>
+                        </a:spcBef>
+                        <a:spcAft>
+                          <a:spcPts val="0"/>
+                        </a:spcAft>
+                        <a:buClrTx/>
+                        <a:buSzTx/>
+                        <a:buFontTx/>
+                        <a:buNone/>
+                        <a:tabLst/>
+                        <a:defRPr/>
+                      </a:pPr>
+                      <a:r>
+                        <a:rPr kumimoji="1" lang="en-US" altLang="ja-JP" sz="1050" b="1" dirty="0" smtClean="0"/>
+                        <a:t>RHEL8_AWS</a:t>
+                      </a:r>
+                      <a:endParaRPr kumimoji="1" lang="ja-JP" altLang="en-US" sz="1050" b="1" dirty="0" smtClean="0"/>
+                    </a:p>
+                  </a:txBody>
+                  <a:tcPr anchor="ctr"/>
+                </a:tc>
+                <a:tc>
+                  <a:txBody>
+                    <a:bodyPr/>
+                    <a:lstStyle/>
+                    <a:p>
+                      <a:pPr marL="0" marR="0" lvl="0" indent="0" algn="l" defTabSz="914400" rtl="0" eaLnBrk="1" fontAlgn="auto" latinLnBrk="0" hangingPunct="1">
+                        <a:lnSpc>
+                          <a:spcPct val="100000"/>
+                        </a:lnSpc>
+                        <a:spcBef>
+                          <a:spcPts val="0"/>
+                        </a:spcBef>
+                        <a:spcAft>
+                          <a:spcPts val="0"/>
+                        </a:spcAft>
+                        <a:buClrTx/>
+                        <a:buSzTx/>
+                        <a:buFontTx/>
+                        <a:buNone/>
+                        <a:tabLst/>
+                        <a:defRPr/>
+                      </a:pPr>
+                      <a:r>
+                        <a:rPr kumimoji="1" lang="en-US" altLang="ja-JP" sz="1050" b="1" i="0" kern="1200" dirty="0" smtClean="0">
+                          <a:solidFill>
+                            <a:schemeClr val="dk1"/>
+                          </a:solidFill>
+                          <a:effectLst/>
+                          <a:latin typeface="+mn-lt"/>
+                          <a:ea typeface="+mn-ea"/>
+                          <a:cs typeface="+mn-cs"/>
+                        </a:rPr>
+                        <a:t>https://dl.fedoraproject.org/pub/epel/epel-release-latest-8.noarch.rpm</a:t>
+                      </a:r>
+                    </a:p>
+                  </a:txBody>
+                  <a:tcPr>
+                    <a:lnT w="12700" cap="flat" cmpd="sng" algn="ctr">
+                      <a:solidFill>
+                        <a:schemeClr val="bg1"/>
+                      </a:solidFill>
+                      <a:prstDash val="solid"/>
+                      <a:round/>
+                      <a:headEnd type="none" w="med" len="med"/>
+                      <a:tailEnd type="none" w="med" len="med"/>
+                    </a:lnT>
+                    <a:lnB w="12700" cap="flat" cmpd="sng" algn="ctr">
+                      <a:solidFill>
+                        <a:schemeClr val="bg1"/>
+                      </a:solidFill>
+                      <a:prstDash val="solid"/>
+                      <a:round/>
+                      <a:headEnd type="none" w="med" len="med"/>
+                      <a:tailEnd type="none" w="med" len="med"/>
+                    </a:lnB>
+                  </a:tcPr>
+                </a:tc>
+                <a:extLst>
+                  <a:ext uri="{0D108BD9-81ED-4DB2-BD59-A6C34878D82A}">
+                    <a16:rowId xmlns:a16="http://schemas.microsoft.com/office/drawing/2014/main" val="3778693993"/>
+                  </a:ext>
+                </a:extLst>
+              </a:tr>
+              <a:tr h="235405">
+                <a:tc vMerge="1">
+                  <a:txBody>
+                    <a:bodyPr/>
+                    <a:lstStyle/>
+                    <a:p>
+                      <a:endParaRPr kumimoji="1" lang="ja-JP" altLang="en-US" sz="1050" b="1" dirty="0"/>
+                    </a:p>
+                  </a:txBody>
+                  <a:tcPr anchor="ctr"/>
+                </a:tc>
+                <a:tc>
+                  <a:txBody>
+                    <a:bodyPr/>
+                    <a:lstStyle/>
+                    <a:p>
+                      <a:pPr marL="0" marR="0" lvl="0" indent="0" algn="l" defTabSz="914400" rtl="0" eaLnBrk="1" fontAlgn="auto" latinLnBrk="0" hangingPunct="1">
+                        <a:lnSpc>
+  